--- a/docs/diagrams/Diagrams.pptx
+++ b/docs/diagrams/Diagrams.pptx
@@ -114,6 +114,22 @@
       </a:defRPr>
     </a:lvl9pPr>
   </p:defaultTextStyle>
+  <p:extLst>
+    <p:ext uri="{EFAFB233-063F-42B5-8137-9DF3F51BA10A}">
+      <p15:sldGuideLst xmlns:p15="http://schemas.microsoft.com/office/powerpoint/2012/main">
+        <p15:guide id="1" orient="horz" pos="1488">
+          <p15:clr>
+            <a:srgbClr val="A4A3A4"/>
+          </p15:clr>
+        </p15:guide>
+        <p15:guide id="2" pos="2880">
+          <p15:clr>
+            <a:srgbClr val="A4A3A4"/>
+          </p15:clr>
+        </p15:guide>
+      </p15:sldGuideLst>
+    </p:ext>
+  </p:extLst>
 </p:presentation>
 </file>
 
@@ -199,7 +215,7 @@
           <a:p>
             <a:fld id="{F5CC4B3F-88C1-4FFA-B1B6-F41C21DC6924}" type="datetimeFigureOut">
               <a:rPr lang="en-US" smtClean="0"/>
-              <a:t>9/29/2016</a:t>
+              <a:t>10/4/2016</a:t>
             </a:fld>
             <a:endParaRPr lang="en-US"/>
           </a:p>
@@ -648,7 +664,7 @@
           <a:p>
             <a:fld id="{78C97017-6FC3-485B-9764-EAC9E56C1D49}" type="datetimeFigureOut">
               <a:rPr lang="en-US" smtClean="0"/>
-              <a:t>9/29/2016</a:t>
+              <a:t>10/4/2016</a:t>
             </a:fld>
             <a:endParaRPr lang="en-US"/>
           </a:p>
@@ -818,7 +834,7 @@
           <a:p>
             <a:fld id="{78C97017-6FC3-485B-9764-EAC9E56C1D49}" type="datetimeFigureOut">
               <a:rPr lang="en-US" smtClean="0"/>
-              <a:t>9/29/2016</a:t>
+              <a:t>10/4/2016</a:t>
             </a:fld>
             <a:endParaRPr lang="en-US"/>
           </a:p>
@@ -998,7 +1014,7 @@
           <a:p>
             <a:fld id="{78C97017-6FC3-485B-9764-EAC9E56C1D49}" type="datetimeFigureOut">
               <a:rPr lang="en-US" smtClean="0"/>
-              <a:t>9/29/2016</a:t>
+              <a:t>10/4/2016</a:t>
             </a:fld>
             <a:endParaRPr lang="en-US"/>
           </a:p>
@@ -1168,7 +1184,7 @@
           <a:p>
             <a:fld id="{78C97017-6FC3-485B-9764-EAC9E56C1D49}" type="datetimeFigureOut">
               <a:rPr lang="en-US" smtClean="0"/>
-              <a:t>9/29/2016</a:t>
+              <a:t>10/4/2016</a:t>
             </a:fld>
             <a:endParaRPr lang="en-US"/>
           </a:p>
@@ -1414,7 +1430,7 @@
           <a:p>
             <a:fld id="{78C97017-6FC3-485B-9764-EAC9E56C1D49}" type="datetimeFigureOut">
               <a:rPr lang="en-US" smtClean="0"/>
-              <a:t>9/29/2016</a:t>
+              <a:t>10/4/2016</a:t>
             </a:fld>
             <a:endParaRPr lang="en-US"/>
           </a:p>
@@ -1702,7 +1718,7 @@
           <a:p>
             <a:fld id="{78C97017-6FC3-485B-9764-EAC9E56C1D49}" type="datetimeFigureOut">
               <a:rPr lang="en-US" smtClean="0"/>
-              <a:t>9/29/2016</a:t>
+              <a:t>10/4/2016</a:t>
             </a:fld>
             <a:endParaRPr lang="en-US"/>
           </a:p>
@@ -2124,7 +2140,7 @@
           <a:p>
             <a:fld id="{78C97017-6FC3-485B-9764-EAC9E56C1D49}" type="datetimeFigureOut">
               <a:rPr lang="en-US" smtClean="0"/>
-              <a:t>9/29/2016</a:t>
+              <a:t>10/4/2016</a:t>
             </a:fld>
             <a:endParaRPr lang="en-US"/>
           </a:p>
@@ -2242,7 +2258,7 @@
           <a:p>
             <a:fld id="{78C97017-6FC3-485B-9764-EAC9E56C1D49}" type="datetimeFigureOut">
               <a:rPr lang="en-US" smtClean="0"/>
-              <a:t>9/29/2016</a:t>
+              <a:t>10/4/2016</a:t>
             </a:fld>
             <a:endParaRPr lang="en-US"/>
           </a:p>
@@ -2337,7 +2353,7 @@
           <a:p>
             <a:fld id="{78C97017-6FC3-485B-9764-EAC9E56C1D49}" type="datetimeFigureOut">
               <a:rPr lang="en-US" smtClean="0"/>
-              <a:t>9/29/2016</a:t>
+              <a:t>10/4/2016</a:t>
             </a:fld>
             <a:endParaRPr lang="en-US"/>
           </a:p>
@@ -2614,7 +2630,7 @@
           <a:p>
             <a:fld id="{78C97017-6FC3-485B-9764-EAC9E56C1D49}" type="datetimeFigureOut">
               <a:rPr lang="en-US" smtClean="0"/>
-              <a:t>9/29/2016</a:t>
+              <a:t>10/4/2016</a:t>
             </a:fld>
             <a:endParaRPr lang="en-US"/>
           </a:p>
@@ -2867,7 +2883,7 @@
           <a:p>
             <a:fld id="{78C97017-6FC3-485B-9764-EAC9E56C1D49}" type="datetimeFigureOut">
               <a:rPr lang="en-US" smtClean="0"/>
-              <a:t>9/29/2016</a:t>
+              <a:t>10/4/2016</a:t>
             </a:fld>
             <a:endParaRPr lang="en-US"/>
           </a:p>
@@ -3080,7 +3096,7 @@
           <a:p>
             <a:fld id="{78C97017-6FC3-485B-9764-EAC9E56C1D49}" type="datetimeFigureOut">
               <a:rPr lang="en-US" smtClean="0"/>
-              <a:t>9/29/2016</a:t>
+              <a:t>10/4/2016</a:t>
             </a:fld>
             <a:endParaRPr lang="en-US"/>
           </a:p>
@@ -3471,12 +3487,16 @@
           <a:lstStyle/>
           <a:p>
             <a:r>
+              <a:rPr lang="en-US" dirty="0" err="1"/>
+              <a:t>d</a:t>
+            </a:r>
+            <a:r>
               <a:rPr lang="en-US" dirty="0" err="1" smtClean="0"/>
-              <a:t>AddressBook</a:t>
+              <a:t>owat</a:t>
             </a:r>
             <a:r>
               <a:rPr lang="en-US" dirty="0" smtClean="0"/>
-              <a:t> – Level 4</a:t>
+              <a:t>!</a:t>
             </a:r>
             <a:endParaRPr lang="en-US" dirty="0"/>
           </a:p>
@@ -5592,8 +5612,8 @@
         </p:nvSpPr>
         <p:spPr>
           <a:xfrm>
-            <a:off x="466818" y="1345880"/>
-            <a:ext cx="860170" cy="215444"/>
+            <a:off x="381000" y="1345880"/>
+            <a:ext cx="945988" cy="215444"/>
           </a:xfrm>
           <a:prstGeom prst="rect">
             <a:avLst/>
@@ -5608,7 +5628,11 @@
           <a:p>
             <a:r>
               <a:rPr lang="en-US" sz="1400" dirty="0" smtClean="0"/>
-              <a:t>delete 1</a:t>
+              <a:t>delete </a:t>
+            </a:r>
+            <a:r>
+              <a:rPr lang="en-US" sz="1400" dirty="0" smtClean="0"/>
+              <a:t>task 1</a:t>
             </a:r>
             <a:endParaRPr lang="en-US" sz="1400" dirty="0"/>
           </a:p>
@@ -5658,8 +5682,8 @@
         </p:nvSpPr>
         <p:spPr>
           <a:xfrm>
-            <a:off x="2166172" y="1453379"/>
-            <a:ext cx="1424846" cy="215444"/>
+            <a:off x="1828800" y="1453379"/>
+            <a:ext cx="1762218" cy="215444"/>
           </a:xfrm>
           <a:prstGeom prst="rect">
             <a:avLst/>
@@ -5678,7 +5702,23 @@
                   <a:srgbClr val="0070C0"/>
                 </a:solidFill>
               </a:rPr>
-              <a:t>execute(“delete 1”)</a:t>
+              <a:t>execute(“</a:t>
+            </a:r>
+            <a:r>
+              <a:rPr lang="en-US" sz="1400" dirty="0" smtClean="0">
+                <a:solidFill>
+                  <a:srgbClr val="0070C0"/>
+                </a:solidFill>
+              </a:rPr>
+              <a:t>delete task </a:t>
+            </a:r>
+            <a:r>
+              <a:rPr lang="en-US" sz="1400" dirty="0" smtClean="0">
+                <a:solidFill>
+                  <a:srgbClr val="0070C0"/>
+                </a:solidFill>
+              </a:rPr>
+              <a:t>1”)</a:t>
             </a:r>
             <a:endParaRPr lang="en-US" sz="1400" dirty="0">
               <a:solidFill>
@@ -5752,7 +5792,7 @@
                   <a:srgbClr val="7030A0"/>
                 </a:solidFill>
               </a:rPr>
-              <a:t>deletePerson</a:t>
+              <a:t>deleteTask</a:t>
             </a:r>
             <a:r>
               <a:rPr lang="en-US" sz="1400" dirty="0" smtClean="0">
@@ -5760,7 +5800,7 @@
                   <a:srgbClr val="7030A0"/>
                 </a:solidFill>
               </a:rPr>
-              <a:t>(p)</a:t>
+              <a:t>(t)</a:t>
             </a:r>
             <a:endParaRPr lang="en-US" sz="1400" dirty="0">
               <a:solidFill>
@@ -5810,7 +5850,17 @@
                   </a:schemeClr>
                 </a:solidFill>
               </a:rPr>
-              <a:t>AddressBookChangedEvent</a:t>
+              <a:t>Task</a:t>
+            </a:r>
+            <a:r>
+              <a:rPr lang="en-US" sz="1400" dirty="0" err="1" smtClean="0">
+                <a:solidFill>
+                  <a:schemeClr val="accent5">
+                    <a:lumMod val="75000"/>
+                  </a:schemeClr>
+                </a:solidFill>
+              </a:rPr>
+              <a:t>BookChangedEvent</a:t>
             </a:r>
             <a:r>
               <a:rPr lang="en-US" sz="1400" dirty="0" smtClean="0">
@@ -6384,7 +6434,17 @@
                   </a:schemeClr>
                 </a:solidFill>
               </a:rPr>
-              <a:t>AddressBookChangedEvent</a:t>
+              <a:t>Task</a:t>
+            </a:r>
+            <a:r>
+              <a:rPr lang="en-US" sz="1400" dirty="0" err="1" smtClean="0">
+                <a:solidFill>
+                  <a:schemeClr val="accent5">
+                    <a:lumMod val="75000"/>
+                  </a:schemeClr>
+                </a:solidFill>
+              </a:rPr>
+              <a:t>BookChangedEvent</a:t>
             </a:r>
             <a:r>
               <a:rPr lang="en-US" sz="1400" dirty="0" smtClean="0">
@@ -6756,7 +6816,7 @@
                   </a:schemeClr>
                 </a:solidFill>
               </a:rPr>
-              <a:t>handleAddresssBookChangedEvent</a:t>
+              <a:t>handleTaskBookChangedEvent</a:t>
             </a:r>
             <a:r>
               <a:rPr lang="en-US" sz="1400" dirty="0" smtClean="0">
@@ -7067,7 +7127,7 @@
                   <a:srgbClr val="00B050"/>
                 </a:solidFill>
               </a:rPr>
-              <a:t>handleAddresssBookChangedEvent</a:t>
+              <a:t>handleTaskBookChangedEvent</a:t>
             </a:r>
             <a:r>
               <a:rPr lang="en-US" sz="1400" dirty="0" smtClean="0">
@@ -7546,7 +7606,7 @@
         <p:spPr>
           <a:xfrm>
             <a:off x="1217465" y="1447800"/>
-            <a:ext cx="4917083" cy="3962400"/>
+            <a:ext cx="4917083" cy="4648200"/>
           </a:xfrm>
           <a:prstGeom prst="roundRect">
             <a:avLst>
@@ -8040,7 +8100,7 @@
         </p:nvSpPr>
         <p:spPr>
           <a:xfrm>
-            <a:off x="2592527" y="4563759"/>
+            <a:off x="2590800" y="5105400"/>
             <a:ext cx="1093635" cy="236841"/>
           </a:xfrm>
           <a:prstGeom prst="rect">
@@ -8133,14 +8193,24 @@
           <a:p>
             <a:pPr algn="ctr"/>
             <a:r>
-              <a:rPr lang="en-US" sz="1050" b="1" dirty="0" err="1">
+              <a:rPr lang="en-US" sz="1050" b="1" dirty="0" err="1" smtClean="0">
                 <a:solidFill>
                   <a:schemeClr val="accent3">
                     <a:lumMod val="75000"/>
                   </a:schemeClr>
                 </a:solidFill>
               </a:rPr>
-              <a:t>PersonListPanel</a:t>
+              <a:t>Event</a:t>
+            </a:r>
+            <a:r>
+              <a:rPr lang="en-US" sz="1050" b="1" dirty="0" err="1" smtClean="0">
+                <a:solidFill>
+                  <a:schemeClr val="accent3">
+                    <a:lumMod val="75000"/>
+                  </a:schemeClr>
+                </a:solidFill>
+              </a:rPr>
+              <a:t>ListPanel</a:t>
             </a:r>
             <a:endParaRPr lang="en-SG" sz="1050" b="1" dirty="0">
               <a:solidFill>
@@ -8193,14 +8263,14 @@
           <a:p>
             <a:pPr algn="ctr"/>
             <a:r>
-              <a:rPr lang="en-US" sz="1050" b="1" dirty="0" err="1">
+              <a:rPr lang="en-US" sz="1050" b="1" dirty="0" err="1" smtClean="0">
                 <a:solidFill>
                   <a:schemeClr val="accent3">
                     <a:lumMod val="75000"/>
                   </a:schemeClr>
                 </a:solidFill>
               </a:rPr>
-              <a:t>PersonCard</a:t>
+              <a:t>EventCard</a:t>
             </a:r>
             <a:endParaRPr lang="en-SG" sz="1050" b="1" dirty="0">
               <a:solidFill>
@@ -8220,7 +8290,7 @@
         </p:nvSpPr>
         <p:spPr>
           <a:xfrm>
-            <a:off x="2592528" y="4966000"/>
+            <a:off x="2590800" y="5562600"/>
             <a:ext cx="1093635" cy="236841"/>
           </a:xfrm>
           <a:prstGeom prst="rect">
@@ -8514,8 +8584,8 @@
         </p:nvCxnSpPr>
         <p:spPr>
           <a:xfrm rot="16200000" flipH="1">
-            <a:off x="1597249" y="3686901"/>
-            <a:ext cx="1814155" cy="176401"/>
+            <a:off x="1325565" y="3958586"/>
+            <a:ext cx="2355796" cy="174674"/>
           </a:xfrm>
           <a:prstGeom prst="bentConnector2">
             <a:avLst/>
@@ -8554,8 +8624,8 @@
         </p:nvCxnSpPr>
         <p:spPr>
           <a:xfrm rot="16200000" flipH="1">
-            <a:off x="1184119" y="3676012"/>
-            <a:ext cx="2396440" cy="420377"/>
+            <a:off x="893291" y="3983511"/>
+            <a:ext cx="3014019" cy="381000"/>
           </a:xfrm>
           <a:prstGeom prst="bentConnector2">
             <a:avLst/>
@@ -8838,8 +8908,8 @@
         </p:nvCxnSpPr>
         <p:spPr>
           <a:xfrm rot="5400000">
-            <a:off x="3409976" y="2562187"/>
-            <a:ext cx="2396180" cy="1843807"/>
+            <a:off x="3138292" y="2832143"/>
+            <a:ext cx="2937821" cy="1845534"/>
           </a:xfrm>
           <a:prstGeom prst="bentConnector2">
             <a:avLst/>
@@ -8879,8 +8949,8 @@
         </p:nvCxnSpPr>
         <p:spPr>
           <a:xfrm rot="5400000">
-            <a:off x="3208856" y="2763307"/>
-            <a:ext cx="2798421" cy="1843806"/>
+            <a:off x="2909692" y="3060743"/>
+            <a:ext cx="3395021" cy="1845534"/>
           </a:xfrm>
           <a:prstGeom prst="bentConnector2">
             <a:avLst/>
@@ -9096,8 +9166,8 @@
         </p:nvSpPr>
         <p:spPr>
           <a:xfrm rot="16200000">
-            <a:off x="6213739" y="4560376"/>
-            <a:ext cx="1371599" cy="328045"/>
+            <a:off x="5947038" y="4827076"/>
+            <a:ext cx="1905001" cy="328045"/>
           </a:xfrm>
           <a:prstGeom prst="roundRect">
             <a:avLst/>
@@ -9670,6 +9740,256 @@
           <a:xfrm flipV="1">
             <a:off x="4114799" y="4472708"/>
             <a:ext cx="2642195" cy="101600"/>
+          </a:xfrm>
+          <a:custGeom>
+            <a:avLst/>
+            <a:gdLst>
+              <a:gd name="connsiteX0" fmla="*/ 0 w 3048000"/>
+              <a:gd name="connsiteY0" fmla="*/ 203200 h 203200"/>
+              <a:gd name="connsiteX1" fmla="*/ 221673 w 3048000"/>
+              <a:gd name="connsiteY1" fmla="*/ 0 h 203200"/>
+              <a:gd name="connsiteX2" fmla="*/ 3048000 w 3048000"/>
+              <a:gd name="connsiteY2" fmla="*/ 0 h 203200"/>
+            </a:gdLst>
+            <a:ahLst/>
+            <a:cxnLst>
+              <a:cxn ang="0">
+                <a:pos x="connsiteX0" y="connsiteY0"/>
+              </a:cxn>
+              <a:cxn ang="0">
+                <a:pos x="connsiteX1" y="connsiteY1"/>
+              </a:cxn>
+              <a:cxn ang="0">
+                <a:pos x="connsiteX2" y="connsiteY2"/>
+              </a:cxn>
+            </a:cxnLst>
+            <a:rect l="l" t="t" r="r" b="b"/>
+            <a:pathLst>
+              <a:path w="3048000" h="203200">
+                <a:moveTo>
+                  <a:pt x="0" y="203200"/>
+                </a:moveTo>
+                <a:lnTo>
+                  <a:pt x="221673" y="0"/>
+                </a:lnTo>
+                <a:lnTo>
+                  <a:pt x="3048000" y="0"/>
+                </a:lnTo>
+              </a:path>
+            </a:pathLst>
+          </a:custGeom>
+          <a:noFill/>
+          <a:ln w="19050">
+            <a:solidFill>
+              <a:schemeClr val="accent3"/>
+            </a:solidFill>
+            <a:prstDash val="sysDot"/>
+            <a:headEnd type="none" w="med" len="med"/>
+            <a:tailEnd type="arrow" w="med" len="med"/>
+          </a:ln>
+          <a:effectLst/>
+        </p:spPr>
+        <p:style>
+          <a:lnRef idx="1">
+            <a:schemeClr val="accent2"/>
+          </a:lnRef>
+          <a:fillRef idx="2">
+            <a:schemeClr val="accent2"/>
+          </a:fillRef>
+          <a:effectRef idx="1">
+            <a:schemeClr val="accent2"/>
+          </a:effectRef>
+          <a:fontRef idx="minor">
+            <a:schemeClr val="dk1"/>
+          </a:fontRef>
+        </p:style>
+        <p:txBody>
+          <a:bodyPr rtlCol="0" anchor="ctr"/>
+          <a:lstStyle/>
+          <a:p>
+            <a:pPr algn="ctr"/>
+            <a:endParaRPr lang="en-SG"/>
+          </a:p>
+        </p:txBody>
+      </p:sp>
+      <p:sp>
+        <p:nvSpPr>
+          <p:cNvPr id="54" name="Rectangle 11"/>
+          <p:cNvSpPr/>
+          <p:nvPr/>
+        </p:nvSpPr>
+        <p:spPr>
+          <a:xfrm>
+            <a:off x="2590800" y="4495800"/>
+            <a:ext cx="1093635" cy="236841"/>
+          </a:xfrm>
+          <a:prstGeom prst="rect">
+            <a:avLst/>
+          </a:prstGeom>
+          <a:ln w="19050">
+            <a:solidFill>
+              <a:schemeClr val="accent3"/>
+            </a:solidFill>
+          </a:ln>
+          <a:effectLst/>
+        </p:spPr>
+        <p:style>
+          <a:lnRef idx="1">
+            <a:schemeClr val="accent3"/>
+          </a:lnRef>
+          <a:fillRef idx="2">
+            <a:schemeClr val="accent3"/>
+          </a:fillRef>
+          <a:effectRef idx="1">
+            <a:schemeClr val="accent3"/>
+          </a:effectRef>
+          <a:fontRef idx="minor">
+            <a:schemeClr val="dk1"/>
+          </a:fontRef>
+        </p:style>
+        <p:txBody>
+          <a:bodyPr rtlCol="0" anchor="ctr"/>
+          <a:lstStyle/>
+          <a:p>
+            <a:pPr algn="ctr"/>
+            <a:r>
+              <a:rPr lang="en-US" sz="1050" b="1" dirty="0" err="1" smtClean="0">
+                <a:solidFill>
+                  <a:schemeClr val="accent3">
+                    <a:lumMod val="75000"/>
+                  </a:schemeClr>
+                </a:solidFill>
+              </a:rPr>
+              <a:t>TaskListPanel</a:t>
+            </a:r>
+            <a:endParaRPr lang="en-SG" sz="1050" b="1" dirty="0">
+              <a:solidFill>
+                <a:schemeClr val="accent3">
+                  <a:lumMod val="75000"/>
+                </a:schemeClr>
+              </a:solidFill>
+            </a:endParaRPr>
+          </a:p>
+        </p:txBody>
+      </p:sp>
+      <p:sp>
+        <p:nvSpPr>
+          <p:cNvPr id="55" name="Rectangle 11"/>
+          <p:cNvSpPr/>
+          <p:nvPr/>
+        </p:nvSpPr>
+        <p:spPr>
+          <a:xfrm>
+            <a:off x="3837597" y="4732641"/>
+            <a:ext cx="1040906" cy="236841"/>
+          </a:xfrm>
+          <a:prstGeom prst="rect">
+            <a:avLst/>
+          </a:prstGeom>
+          <a:ln w="19050">
+            <a:solidFill>
+              <a:schemeClr val="accent3"/>
+            </a:solidFill>
+          </a:ln>
+          <a:effectLst/>
+        </p:spPr>
+        <p:style>
+          <a:lnRef idx="1">
+            <a:schemeClr val="accent3"/>
+          </a:lnRef>
+          <a:fillRef idx="2">
+            <a:schemeClr val="accent3"/>
+          </a:fillRef>
+          <a:effectRef idx="1">
+            <a:schemeClr val="accent3"/>
+          </a:effectRef>
+          <a:fontRef idx="minor">
+            <a:schemeClr val="dk1"/>
+          </a:fontRef>
+        </p:style>
+        <p:txBody>
+          <a:bodyPr rtlCol="0" anchor="ctr"/>
+          <a:lstStyle/>
+          <a:p>
+            <a:pPr algn="ctr"/>
+            <a:r>
+              <a:rPr lang="en-US" sz="1050" b="1" dirty="0" err="1" smtClean="0">
+                <a:solidFill>
+                  <a:schemeClr val="accent3">
+                    <a:lumMod val="75000"/>
+                  </a:schemeClr>
+                </a:solidFill>
+              </a:rPr>
+              <a:t>Task</a:t>
+            </a:r>
+            <a:r>
+              <a:rPr lang="en-US" sz="1050" b="1" dirty="0" err="1" smtClean="0">
+                <a:solidFill>
+                  <a:schemeClr val="accent3">
+                    <a:lumMod val="75000"/>
+                  </a:schemeClr>
+                </a:solidFill>
+              </a:rPr>
+              <a:t>Card</a:t>
+            </a:r>
+            <a:endParaRPr lang="en-SG" sz="1050" b="1" dirty="0">
+              <a:solidFill>
+                <a:schemeClr val="accent3">
+                  <a:lumMod val="75000"/>
+                </a:schemeClr>
+              </a:solidFill>
+            </a:endParaRPr>
+          </a:p>
+        </p:txBody>
+      </p:sp>
+      <p:cxnSp>
+        <p:nvCxnSpPr>
+          <p:cNvPr id="56" name="Elbow Connector 55"/>
+          <p:cNvCxnSpPr/>
+          <p:nvPr/>
+        </p:nvCxnSpPr>
+        <p:spPr>
+          <a:xfrm rot="16200000" flipH="1">
+            <a:off x="3414979" y="4433621"/>
+            <a:ext cx="118421" cy="699979"/>
+          </a:xfrm>
+          <a:prstGeom prst="bentConnector2">
+            <a:avLst/>
+          </a:prstGeom>
+          <a:ln w="19050">
+            <a:solidFill>
+              <a:schemeClr val="accent3"/>
+            </a:solidFill>
+            <a:headEnd type="none" w="med" len="med"/>
+            <a:tailEnd type="arrow" w="med" len="med"/>
+          </a:ln>
+          <a:effectLst/>
+        </p:spPr>
+        <p:style>
+          <a:lnRef idx="1">
+            <a:schemeClr val="accent2"/>
+          </a:lnRef>
+          <a:fillRef idx="2">
+            <a:schemeClr val="accent2"/>
+          </a:fillRef>
+          <a:effectRef idx="1">
+            <a:schemeClr val="accent2"/>
+          </a:effectRef>
+          <a:fontRef idx="minor">
+            <a:schemeClr val="dk1"/>
+          </a:fontRef>
+        </p:style>
+      </p:cxnSp>
+      <p:sp>
+        <p:nvSpPr>
+          <p:cNvPr id="57" name="Freeform 56"/>
+          <p:cNvSpPr/>
+          <p:nvPr/>
+        </p:nvSpPr>
+        <p:spPr>
+          <a:xfrm flipV="1">
+            <a:off x="4038600" y="4953000"/>
+            <a:ext cx="2743200" cy="152400"/>
           </a:xfrm>
           <a:custGeom>
             <a:avLst/>
@@ -9787,8 +10107,8 @@
         </p:nvSpPr>
         <p:spPr>
           <a:xfrm>
-            <a:off x="1103085" y="2057399"/>
-            <a:ext cx="6288315" cy="2272167"/>
+            <a:off x="228600" y="533400"/>
+            <a:ext cx="8382000" cy="5243967"/>
           </a:xfrm>
           <a:prstGeom prst="roundRect">
             <a:avLst>
@@ -9848,7 +10168,7 @@
         </p:nvSpPr>
         <p:spPr>
           <a:xfrm>
-            <a:off x="2095948" y="2548840"/>
+            <a:off x="1431237" y="1376020"/>
             <a:ext cx="1093635" cy="346760"/>
           </a:xfrm>
           <a:prstGeom prst="rect">
@@ -9907,8 +10227,8 @@
         </p:nvSpPr>
         <p:spPr>
           <a:xfrm flipH="1">
-            <a:off x="6180592" y="2648528"/>
-            <a:ext cx="1093635" cy="346760"/>
+            <a:off x="5820680" y="2250968"/>
+            <a:ext cx="1186398" cy="346760"/>
           </a:xfrm>
           <a:prstGeom prst="rect">
             <a:avLst/>
@@ -9940,12 +10260,12 @@
           <a:p>
             <a:pPr algn="ctr"/>
             <a:r>
-              <a:rPr lang="en-US" sz="1050" b="1" dirty="0" err="1">
+              <a:rPr lang="en-US" sz="1050" b="1" dirty="0" err="1" smtClean="0">
                 <a:solidFill>
                   <a:srgbClr val="0070C0"/>
                 </a:solidFill>
               </a:rPr>
-              <a:t>AddCommand</a:t>
+              <a:t>MarkCommand</a:t>
             </a:r>
             <a:endParaRPr lang="en-SG" sz="1050" b="1" dirty="0">
               <a:solidFill>
@@ -9963,7 +10283,7 @@
         </p:nvSpPr>
         <p:spPr>
           <a:xfrm>
-            <a:off x="2015218" y="3763620"/>
+            <a:off x="914400" y="2743200"/>
             <a:ext cx="1093635" cy="346760"/>
           </a:xfrm>
           <a:prstGeom prst="rect">
@@ -10024,7 +10344,7 @@
         </p:nvCxnSpPr>
         <p:spPr>
           <a:xfrm rot="10800000">
-            <a:off x="3189584" y="2722220"/>
+            <a:off x="2524873" y="1549400"/>
             <a:ext cx="2296817" cy="1187104"/>
           </a:xfrm>
           <a:prstGeom prst="bentConnector3">
@@ -10065,7 +10385,7 @@
         </p:nvSpPr>
         <p:spPr>
           <a:xfrm rot="5400000" flipV="1">
-            <a:off x="5563388" y="3813212"/>
+            <a:off x="5134110" y="2714491"/>
             <a:ext cx="270504" cy="175523"/>
           </a:xfrm>
           <a:prstGeom prst="triangle">
@@ -10115,7 +10435,7 @@
         </p:nvCxnSpPr>
         <p:spPr>
           <a:xfrm>
-            <a:off x="1676400" y="2719360"/>
+            <a:off x="1011689" y="1546540"/>
             <a:ext cx="419548" cy="2860"/>
           </a:xfrm>
           <a:prstGeom prst="bentConnector3">
@@ -10156,8 +10476,8 @@
         </p:nvSpPr>
         <p:spPr>
           <a:xfrm>
-            <a:off x="1103085" y="4548755"/>
-            <a:ext cx="6288315" cy="328045"/>
+            <a:off x="228600" y="5996555"/>
+            <a:ext cx="8382000" cy="328045"/>
           </a:xfrm>
           <a:prstGeom prst="roundRect">
             <a:avLst/>
@@ -10216,8 +10536,8 @@
         </p:nvSpPr>
         <p:spPr>
           <a:xfrm flipH="1">
-            <a:off x="6180592" y="3054928"/>
-            <a:ext cx="1093635" cy="346760"/>
+            <a:off x="5820680" y="2657368"/>
+            <a:ext cx="1186398" cy="346760"/>
           </a:xfrm>
           <a:prstGeom prst="rect">
             <a:avLst/>
@@ -10249,12 +10569,20 @@
           <a:p>
             <a:pPr algn="ctr"/>
             <a:r>
-              <a:rPr lang="en-US" sz="1050" b="1" dirty="0" err="1">
+              <a:rPr lang="en-US" sz="1050" b="1" dirty="0" err="1" smtClean="0">
                 <a:solidFill>
                   <a:srgbClr val="0070C0"/>
                 </a:solidFill>
               </a:rPr>
-              <a:t>ListCommand</a:t>
+              <a:t>Save</a:t>
+            </a:r>
+            <a:r>
+              <a:rPr lang="en-US" sz="1050" b="1" dirty="0" err="1" smtClean="0">
+                <a:solidFill>
+                  <a:srgbClr val="0070C0"/>
+                </a:solidFill>
+              </a:rPr>
+              <a:t>Command</a:t>
             </a:r>
             <a:endParaRPr lang="en-SG" sz="1050" b="1" dirty="0">
               <a:solidFill>
@@ -10272,8 +10600,8 @@
         </p:nvSpPr>
         <p:spPr>
           <a:xfrm flipH="1">
-            <a:off x="6180590" y="3860800"/>
-            <a:ext cx="1093635" cy="346760"/>
+            <a:off x="5820678" y="3463240"/>
+            <a:ext cx="1186398" cy="346760"/>
           </a:xfrm>
           <a:prstGeom prst="rect">
             <a:avLst/>
@@ -10305,12 +10633,12 @@
           <a:p>
             <a:pPr algn="ctr"/>
             <a:r>
-              <a:rPr lang="en-US" sz="1050" b="1" dirty="0">
+              <a:rPr lang="en-US" sz="1050" b="1" dirty="0" err="1" smtClean="0">
                 <a:solidFill>
                   <a:srgbClr val="0070C0"/>
                 </a:solidFill>
               </a:rPr>
-              <a:t>…</a:t>
+              <a:t>SearchCommand</a:t>
             </a:r>
             <a:endParaRPr lang="en-SG" sz="1050" b="1" dirty="0">
               <a:solidFill>
@@ -10328,7 +10656,7 @@
         </p:nvSpPr>
         <p:spPr>
           <a:xfrm>
-            <a:off x="4815685" y="3765721"/>
+            <a:off x="4379574" y="2606161"/>
             <a:ext cx="772043" cy="346760"/>
           </a:xfrm>
           <a:prstGeom prst="rect">
@@ -10402,8 +10730,8 @@
         </p:nvCxnSpPr>
         <p:spPr>
           <a:xfrm rot="10800000" flipV="1">
-            <a:off x="5786402" y="2821908"/>
-            <a:ext cx="394190" cy="1079066"/>
+            <a:off x="5357124" y="2424347"/>
+            <a:ext cx="463556" cy="377905"/>
           </a:xfrm>
           <a:prstGeom prst="bentConnector3">
             <a:avLst>
@@ -10445,8 +10773,8 @@
         </p:nvCxnSpPr>
         <p:spPr>
           <a:xfrm>
-            <a:off x="5786402" y="3900974"/>
-            <a:ext cx="394188" cy="133206"/>
+            <a:off x="5357124" y="2802253"/>
+            <a:ext cx="463554" cy="834367"/>
           </a:xfrm>
           <a:prstGeom prst="bentConnector3">
             <a:avLst>
@@ -10487,9 +10815,9 @@
           <p:nvPr/>
         </p:nvCxnSpPr>
         <p:spPr>
-          <a:xfrm flipV="1">
-            <a:off x="5786402" y="3228308"/>
-            <a:ext cx="394190" cy="672666"/>
+          <a:xfrm>
+            <a:off x="5357124" y="2802253"/>
+            <a:ext cx="463556" cy="28495"/>
           </a:xfrm>
           <a:prstGeom prst="bentConnector3">
             <a:avLst>
@@ -10528,15 +10856,12 @@
         </p:nvSpPr>
         <p:spPr>
           <a:xfrm>
-            <a:off x="3527828" y="3766159"/>
-            <a:ext cx="585450" cy="346760"/>
+            <a:off x="2590800" y="2593339"/>
+            <a:ext cx="857767" cy="346760"/>
           </a:xfrm>
           <a:prstGeom prst="rect">
             <a:avLst/>
           </a:prstGeom>
-          <a:solidFill>
-            <a:srgbClr val="0070C0"/>
-          </a:solidFill>
           <a:ln w="19050">
             <a:solidFill>
               <a:srgbClr val="0070C0"/>
@@ -10546,13 +10871,13 @@
         </p:spPr>
         <p:style>
           <a:lnRef idx="1">
-            <a:schemeClr val="accent2"/>
-          </a:lnRef>
-          <a:fillRef idx="2">
-            <a:schemeClr val="accent2"/>
-          </a:fillRef>
-          <a:effectRef idx="1">
-            <a:schemeClr val="accent2"/>
+            <a:schemeClr val="accent1"/>
+          </a:lnRef>
+          <a:fillRef idx="2">
+            <a:schemeClr val="accent1"/>
+          </a:fillRef>
+          <a:effectRef idx="1">
+            <a:schemeClr val="accent1"/>
           </a:effectRef>
           <a:fontRef idx="minor">
             <a:schemeClr val="dk1"/>
@@ -10564,16 +10889,27 @@
           <a:p>
             <a:pPr algn="ctr"/>
             <a:r>
-              <a:rPr lang="en-US" sz="1050" dirty="0">
+              <a:rPr lang="en-US" sz="1050" b="1" dirty="0" smtClean="0">
                 <a:solidFill>
-                  <a:schemeClr val="bg1"/>
+                  <a:srgbClr val="0070C0"/>
+                </a:solidFill>
+              </a:rPr>
+              <a:t>{abstract}</a:t>
+            </a:r>
+          </a:p>
+          <a:p>
+            <a:pPr algn="ctr"/>
+            <a:r>
+              <a:rPr lang="en-US" sz="1050" b="1" dirty="0" smtClean="0">
+                <a:solidFill>
+                  <a:srgbClr val="0070C0"/>
                 </a:solidFill>
               </a:rPr>
               <a:t>Parser</a:t>
             </a:r>
-            <a:endParaRPr lang="en-SG" sz="1050" dirty="0">
+            <a:endParaRPr lang="en-SG" sz="1050" b="1" dirty="0">
               <a:solidFill>
-                <a:schemeClr val="bg1"/>
+                <a:srgbClr val="0070C0"/>
               </a:solidFill>
             </a:endParaRPr>
           </a:p>
@@ -10589,9 +10925,9 @@
           <p:nvPr/>
         </p:nvCxnSpPr>
         <p:spPr>
-          <a:xfrm>
-            <a:off x="3108853" y="3937000"/>
-            <a:ext cx="418975" cy="2539"/>
+          <a:xfrm flipV="1">
+            <a:off x="2008035" y="2766719"/>
+            <a:ext cx="582765" cy="149861"/>
           </a:xfrm>
           <a:prstGeom prst="bentConnector3">
             <a:avLst>
@@ -10633,8 +10969,8 @@
         </p:nvCxnSpPr>
         <p:spPr>
           <a:xfrm>
-            <a:off x="5201707" y="4112481"/>
-            <a:ext cx="1" cy="436274"/>
+            <a:off x="4765596" y="2952921"/>
+            <a:ext cx="35004" cy="2990679"/>
           </a:xfrm>
           <a:prstGeom prst="straightConnector1">
             <a:avLst/>
@@ -10672,7 +11008,7 @@
         </p:nvSpPr>
         <p:spPr>
           <a:xfrm rot="16200000">
-            <a:off x="956202" y="2861202"/>
+            <a:off x="291491" y="1688382"/>
             <a:ext cx="1093635" cy="346760"/>
           </a:xfrm>
           <a:prstGeom prst="rect">
@@ -10742,7 +11078,7 @@
         </p:nvSpPr>
         <p:spPr>
           <a:xfrm>
-            <a:off x="1359039" y="3581400"/>
+            <a:off x="694328" y="2408580"/>
             <a:ext cx="270504" cy="175523"/>
           </a:xfrm>
           <a:prstGeom prst="triangle">
@@ -10799,8 +11135,8 @@
         </p:nvCxnSpPr>
         <p:spPr>
           <a:xfrm rot="10800000">
-            <a:off x="1494292" y="3756924"/>
-            <a:ext cx="520927" cy="180077"/>
+            <a:off x="829580" y="2584104"/>
+            <a:ext cx="84820" cy="332477"/>
           </a:xfrm>
           <a:prstGeom prst="bentConnector2">
             <a:avLst/>
@@ -10840,9 +11176,9 @@
           <p:nvPr/>
         </p:nvCxnSpPr>
         <p:spPr>
-          <a:xfrm flipV="1">
-            <a:off x="4113278" y="3939101"/>
-            <a:ext cx="702407" cy="438"/>
+          <a:xfrm>
+            <a:off x="3448567" y="2766719"/>
+            <a:ext cx="931007" cy="12822"/>
           </a:xfrm>
           <a:prstGeom prst="straightConnector1">
             <a:avLst/>
@@ -10882,8 +11218,8 @@
         </p:nvCxnSpPr>
         <p:spPr>
           <a:xfrm flipH="1">
-            <a:off x="2562035" y="4110380"/>
-            <a:ext cx="1" cy="438375"/>
+            <a:off x="1447800" y="3089960"/>
+            <a:ext cx="13418" cy="2929840"/>
           </a:xfrm>
           <a:prstGeom prst="straightConnector1">
             <a:avLst/>
@@ -10920,7 +11256,7 @@
         </p:nvCxnSpPr>
         <p:spPr>
           <a:xfrm>
-            <a:off x="893311" y="2984905"/>
+            <a:off x="228600" y="1812085"/>
             <a:ext cx="419548" cy="2860"/>
           </a:xfrm>
           <a:prstGeom prst="bentConnector3">
@@ -10965,13 +11301,13 @@
           <p:nvPr/>
         </p:nvCxnSpPr>
         <p:spPr>
-          <a:xfrm rot="16200000" flipH="1">
-            <a:off x="3880820" y="2444835"/>
-            <a:ext cx="2101" cy="2639671"/>
+          <a:xfrm rot="5400000" flipH="1" flipV="1">
+            <a:off x="3044888" y="1022492"/>
+            <a:ext cx="137039" cy="3304378"/>
           </a:xfrm>
           <a:prstGeom prst="bentConnector3">
             <a:avLst>
-              <a:gd name="adj1" fmla="val -10880533"/>
+              <a:gd name="adj1" fmla="val 266814"/>
             </a:avLst>
           </a:prstGeom>
           <a:ln w="19050">
@@ -11007,7 +11343,7 @@
         </p:nvGrpSpPr>
         <p:grpSpPr>
           <a:xfrm>
-            <a:off x="4064583" y="3334635"/>
+            <a:off x="3628472" y="2175075"/>
             <a:ext cx="889000" cy="230832"/>
             <a:chOff x="2895600" y="807932"/>
             <a:chExt cx="889000" cy="230832"/>
@@ -11107,7 +11443,7 @@
         </p:nvGrpSpPr>
         <p:grpSpPr>
           <a:xfrm>
-            <a:off x="3973516" y="2512368"/>
+            <a:off x="3537405" y="1352808"/>
             <a:ext cx="868568" cy="230832"/>
             <a:chOff x="2755838" y="789460"/>
             <a:chExt cx="868568" cy="230832"/>
@@ -11206,7 +11542,7 @@
         </p:nvSpPr>
         <p:spPr>
           <a:xfrm>
-            <a:off x="3210180" y="2423264"/>
+            <a:off x="2545469" y="1250444"/>
             <a:ext cx="131116" cy="230832"/>
           </a:xfrm>
           <a:prstGeom prst="rect">
@@ -11245,7 +11581,7 @@
         </p:nvSpPr>
         <p:spPr>
           <a:xfrm>
-            <a:off x="3341296" y="3700114"/>
+            <a:off x="2438400" y="2527294"/>
             <a:ext cx="131116" cy="230832"/>
           </a:xfrm>
           <a:prstGeom prst="rect">
@@ -11284,7 +11620,7 @@
         </p:nvGrpSpPr>
         <p:grpSpPr>
           <a:xfrm>
-            <a:off x="4038600" y="3962400"/>
+            <a:off x="3602489" y="2802840"/>
             <a:ext cx="685800" cy="230832"/>
             <a:chOff x="2797314" y="807932"/>
             <a:chExt cx="685800" cy="230832"/>
@@ -11384,8 +11720,8 @@
         </p:nvSpPr>
         <p:spPr>
           <a:xfrm flipH="1">
-            <a:off x="6185390" y="3458098"/>
-            <a:ext cx="1093635" cy="346760"/>
+            <a:off x="5825478" y="3060538"/>
+            <a:ext cx="1186398" cy="346760"/>
           </a:xfrm>
           <a:prstGeom prst="rect">
             <a:avLst/>
@@ -11417,27 +11753,12 @@
           <a:p>
             <a:pPr algn="ctr"/>
             <a:r>
-              <a:rPr lang="en-US" sz="1050" b="1" dirty="0" smtClean="0">
+              <a:rPr lang="en-US" sz="1050" b="1" dirty="0" err="1" smtClean="0">
                 <a:solidFill>
                   <a:srgbClr val="0070C0"/>
                 </a:solidFill>
               </a:rPr>
-              <a:t>Incorrect</a:t>
-            </a:r>
-            <a:br>
-              <a:rPr lang="en-US" sz="1050" b="1" dirty="0" smtClean="0">
-                <a:solidFill>
-                  <a:srgbClr val="0070C0"/>
-                </a:solidFill>
-              </a:rPr>
-            </a:br>
-            <a:r>
-              <a:rPr lang="en-US" sz="1050" b="1" dirty="0" smtClean="0">
-                <a:solidFill>
-                  <a:srgbClr val="0070C0"/>
-                </a:solidFill>
-              </a:rPr>
-              <a:t>Command</a:t>
+              <a:t>DeleteCommand</a:t>
             </a:r>
             <a:endParaRPr lang="en-SG" sz="1050" b="1" dirty="0">
               <a:solidFill>
@@ -11457,9 +11778,9 @@
           <p:nvPr/>
         </p:nvCxnSpPr>
         <p:spPr>
-          <a:xfrm flipV="1">
-            <a:off x="5786402" y="3631478"/>
-            <a:ext cx="398988" cy="269496"/>
+          <a:xfrm>
+            <a:off x="5357124" y="2802253"/>
+            <a:ext cx="468354" cy="431665"/>
           </a:xfrm>
           <a:prstGeom prst="bentConnector3">
             <a:avLst>
@@ -11490,6 +11811,2504 @@
           </a:fontRef>
         </p:style>
       </p:cxnSp>
+      <p:sp>
+        <p:nvSpPr>
+          <p:cNvPr id="46" name="Rectangle 11"/>
+          <p:cNvSpPr/>
+          <p:nvPr/>
+        </p:nvSpPr>
+        <p:spPr>
+          <a:xfrm flipH="1">
+            <a:off x="5824001" y="1828800"/>
+            <a:ext cx="1186398" cy="346760"/>
+          </a:xfrm>
+          <a:prstGeom prst="rect">
+            <a:avLst/>
+          </a:prstGeom>
+          <a:ln w="19050">
+            <a:solidFill>
+              <a:srgbClr val="0070C0"/>
+            </a:solidFill>
+          </a:ln>
+          <a:effectLst/>
+        </p:spPr>
+        <p:style>
+          <a:lnRef idx="1">
+            <a:schemeClr val="accent1"/>
+          </a:lnRef>
+          <a:fillRef idx="2">
+            <a:schemeClr val="accent1"/>
+          </a:fillRef>
+          <a:effectRef idx="1">
+            <a:schemeClr val="accent1"/>
+          </a:effectRef>
+          <a:fontRef idx="minor">
+            <a:schemeClr val="dk1"/>
+          </a:fontRef>
+        </p:style>
+        <p:txBody>
+          <a:bodyPr rtlCol="0" anchor="ctr"/>
+          <a:lstStyle/>
+          <a:p>
+            <a:pPr algn="ctr"/>
+            <a:r>
+              <a:rPr lang="en-US" sz="1050" b="1" dirty="0" err="1" smtClean="0">
+                <a:solidFill>
+                  <a:srgbClr val="0070C0"/>
+                </a:solidFill>
+              </a:rPr>
+              <a:t>EditCommand</a:t>
+            </a:r>
+            <a:endParaRPr lang="en-SG" sz="1050" b="1" dirty="0">
+              <a:solidFill>
+                <a:srgbClr val="0070C0"/>
+              </a:solidFill>
+            </a:endParaRPr>
+          </a:p>
+        </p:txBody>
+      </p:sp>
+      <p:sp>
+        <p:nvSpPr>
+          <p:cNvPr id="47" name="Rectangle 11"/>
+          <p:cNvSpPr/>
+          <p:nvPr/>
+        </p:nvSpPr>
+        <p:spPr>
+          <a:xfrm flipH="1">
+            <a:off x="5820680" y="1412768"/>
+            <a:ext cx="1186398" cy="346760"/>
+          </a:xfrm>
+          <a:prstGeom prst="rect">
+            <a:avLst/>
+          </a:prstGeom>
+          <a:ln w="19050">
+            <a:solidFill>
+              <a:srgbClr val="0070C0"/>
+            </a:solidFill>
+          </a:ln>
+          <a:effectLst/>
+        </p:spPr>
+        <p:style>
+          <a:lnRef idx="1">
+            <a:schemeClr val="accent1"/>
+          </a:lnRef>
+          <a:fillRef idx="2">
+            <a:schemeClr val="accent1"/>
+          </a:fillRef>
+          <a:effectRef idx="1">
+            <a:schemeClr val="accent1"/>
+          </a:effectRef>
+          <a:fontRef idx="minor">
+            <a:schemeClr val="dk1"/>
+          </a:fontRef>
+        </p:style>
+        <p:txBody>
+          <a:bodyPr rtlCol="0" anchor="ctr"/>
+          <a:lstStyle/>
+          <a:p>
+            <a:pPr algn="ctr"/>
+            <a:r>
+              <a:rPr lang="en-US" sz="1050" b="1" dirty="0" err="1" smtClean="0">
+                <a:solidFill>
+                  <a:srgbClr val="0070C0"/>
+                </a:solidFill>
+              </a:rPr>
+              <a:t>Help</a:t>
+            </a:r>
+            <a:r>
+              <a:rPr lang="en-US" sz="1050" b="1" dirty="0" err="1" smtClean="0">
+                <a:solidFill>
+                  <a:srgbClr val="0070C0"/>
+                </a:solidFill>
+              </a:rPr>
+              <a:t>Command</a:t>
+            </a:r>
+            <a:endParaRPr lang="en-SG" sz="1050" b="1" dirty="0">
+              <a:solidFill>
+                <a:srgbClr val="0070C0"/>
+              </a:solidFill>
+            </a:endParaRPr>
+          </a:p>
+        </p:txBody>
+      </p:sp>
+      <p:sp>
+        <p:nvSpPr>
+          <p:cNvPr id="48" name="Rectangle 11"/>
+          <p:cNvSpPr/>
+          <p:nvPr/>
+        </p:nvSpPr>
+        <p:spPr>
+          <a:xfrm flipH="1">
+            <a:off x="5824001" y="990600"/>
+            <a:ext cx="1186398" cy="346760"/>
+          </a:xfrm>
+          <a:prstGeom prst="rect">
+            <a:avLst/>
+          </a:prstGeom>
+          <a:ln w="19050">
+            <a:solidFill>
+              <a:srgbClr val="0070C0"/>
+            </a:solidFill>
+          </a:ln>
+          <a:effectLst/>
+        </p:spPr>
+        <p:style>
+          <a:lnRef idx="1">
+            <a:schemeClr val="accent1"/>
+          </a:lnRef>
+          <a:fillRef idx="2">
+            <a:schemeClr val="accent1"/>
+          </a:fillRef>
+          <a:effectRef idx="1">
+            <a:schemeClr val="accent1"/>
+          </a:effectRef>
+          <a:fontRef idx="minor">
+            <a:schemeClr val="dk1"/>
+          </a:fontRef>
+        </p:style>
+        <p:txBody>
+          <a:bodyPr rtlCol="0" anchor="ctr"/>
+          <a:lstStyle/>
+          <a:p>
+            <a:pPr algn="ctr"/>
+            <a:r>
+              <a:rPr lang="en-US" sz="1050" b="1" dirty="0" err="1">
+                <a:solidFill>
+                  <a:srgbClr val="0070C0"/>
+                </a:solidFill>
+              </a:rPr>
+              <a:t>AddCommand</a:t>
+            </a:r>
+            <a:endParaRPr lang="en-SG" sz="1050" b="1" dirty="0">
+              <a:solidFill>
+                <a:srgbClr val="0070C0"/>
+              </a:solidFill>
+            </a:endParaRPr>
+          </a:p>
+        </p:txBody>
+      </p:sp>
+      <p:sp>
+        <p:nvSpPr>
+          <p:cNvPr id="49" name="Rectangle 48"/>
+          <p:cNvSpPr/>
+          <p:nvPr/>
+        </p:nvSpPr>
+        <p:spPr>
+          <a:xfrm flipH="1">
+            <a:off x="5819201" y="4288902"/>
+            <a:ext cx="1186398" cy="346760"/>
+          </a:xfrm>
+          <a:prstGeom prst="rect">
+            <a:avLst/>
+          </a:prstGeom>
+          <a:ln w="19050">
+            <a:solidFill>
+              <a:srgbClr val="0070C0"/>
+            </a:solidFill>
+          </a:ln>
+          <a:effectLst/>
+        </p:spPr>
+        <p:style>
+          <a:lnRef idx="1">
+            <a:schemeClr val="accent1"/>
+          </a:lnRef>
+          <a:fillRef idx="2">
+            <a:schemeClr val="accent1"/>
+          </a:fillRef>
+          <a:effectRef idx="1">
+            <a:schemeClr val="accent1"/>
+          </a:effectRef>
+          <a:fontRef idx="minor">
+            <a:schemeClr val="dk1"/>
+          </a:fontRef>
+        </p:style>
+        <p:txBody>
+          <a:bodyPr rtlCol="0" anchor="ctr"/>
+          <a:lstStyle/>
+          <a:p>
+            <a:pPr algn="ctr"/>
+            <a:r>
+              <a:rPr lang="en-US" sz="1050" b="1" dirty="0" err="1" smtClean="0">
+                <a:solidFill>
+                  <a:srgbClr val="0070C0"/>
+                </a:solidFill>
+              </a:rPr>
+              <a:t>ListCommand</a:t>
+            </a:r>
+            <a:endParaRPr lang="en-SG" sz="1050" b="1" dirty="0">
+              <a:solidFill>
+                <a:srgbClr val="0070C0"/>
+              </a:solidFill>
+            </a:endParaRPr>
+          </a:p>
+        </p:txBody>
+      </p:sp>
+      <p:sp>
+        <p:nvSpPr>
+          <p:cNvPr id="50" name="Rectangle 11"/>
+          <p:cNvSpPr/>
+          <p:nvPr/>
+        </p:nvSpPr>
+        <p:spPr>
+          <a:xfrm flipH="1">
+            <a:off x="5824001" y="3886200"/>
+            <a:ext cx="1186398" cy="346760"/>
+          </a:xfrm>
+          <a:prstGeom prst="rect">
+            <a:avLst/>
+          </a:prstGeom>
+          <a:ln w="19050">
+            <a:solidFill>
+              <a:srgbClr val="0070C0"/>
+            </a:solidFill>
+          </a:ln>
+          <a:effectLst/>
+        </p:spPr>
+        <p:style>
+          <a:lnRef idx="1">
+            <a:schemeClr val="accent1"/>
+          </a:lnRef>
+          <a:fillRef idx="2">
+            <a:schemeClr val="accent1"/>
+          </a:fillRef>
+          <a:effectRef idx="1">
+            <a:schemeClr val="accent1"/>
+          </a:effectRef>
+          <a:fontRef idx="minor">
+            <a:schemeClr val="dk1"/>
+          </a:fontRef>
+        </p:style>
+        <p:txBody>
+          <a:bodyPr rtlCol="0" anchor="ctr"/>
+          <a:lstStyle/>
+          <a:p>
+            <a:pPr algn="ctr"/>
+            <a:r>
+              <a:rPr lang="en-US" sz="1050" b="1" dirty="0" err="1" smtClean="0">
+                <a:solidFill>
+                  <a:srgbClr val="0070C0"/>
+                </a:solidFill>
+              </a:rPr>
+              <a:t>UndoCommand</a:t>
+            </a:r>
+            <a:endParaRPr lang="en-SG" sz="1050" b="1" dirty="0">
+              <a:solidFill>
+                <a:srgbClr val="0070C0"/>
+              </a:solidFill>
+            </a:endParaRPr>
+          </a:p>
+        </p:txBody>
+      </p:sp>
+      <p:cxnSp>
+        <p:nvCxnSpPr>
+          <p:cNvPr id="31" name="Elbow Connector 30"/>
+          <p:cNvCxnSpPr>
+            <a:stCxn id="48" idx="3"/>
+            <a:endCxn id="8" idx="3"/>
+          </p:cNvCxnSpPr>
+          <p:nvPr/>
+        </p:nvCxnSpPr>
+        <p:spPr>
+          <a:xfrm rot="10800000" flipV="1">
+            <a:off x="5357125" y="1163979"/>
+            <a:ext cx="466877" cy="1638273"/>
+          </a:xfrm>
+          <a:prstGeom prst="bentConnector3">
+            <a:avLst>
+              <a:gd name="adj1" fmla="val 50000"/>
+            </a:avLst>
+          </a:prstGeom>
+          <a:ln w="19050">
+            <a:solidFill>
+              <a:srgbClr val="0070C0"/>
+            </a:solidFill>
+            <a:headEnd type="none" w="med" len="med"/>
+            <a:tailEnd type="none" w="med" len="med"/>
+          </a:ln>
+          <a:effectLst/>
+        </p:spPr>
+        <p:style>
+          <a:lnRef idx="1">
+            <a:schemeClr val="accent2"/>
+          </a:lnRef>
+          <a:fillRef idx="2">
+            <a:schemeClr val="accent2"/>
+          </a:fillRef>
+          <a:effectRef idx="1">
+            <a:schemeClr val="accent2"/>
+          </a:effectRef>
+          <a:fontRef idx="minor">
+            <a:schemeClr val="dk1"/>
+          </a:fontRef>
+        </p:style>
+      </p:cxnSp>
+      <p:sp>
+        <p:nvSpPr>
+          <p:cNvPr id="64" name="Rectangle 63"/>
+          <p:cNvSpPr/>
+          <p:nvPr/>
+        </p:nvSpPr>
+        <p:spPr>
+          <a:xfrm flipH="1">
+            <a:off x="5824002" y="4682440"/>
+            <a:ext cx="1186398" cy="346760"/>
+          </a:xfrm>
+          <a:prstGeom prst="rect">
+            <a:avLst/>
+          </a:prstGeom>
+          <a:ln w="19050">
+            <a:solidFill>
+              <a:srgbClr val="0070C0"/>
+            </a:solidFill>
+          </a:ln>
+          <a:effectLst/>
+        </p:spPr>
+        <p:style>
+          <a:lnRef idx="1">
+            <a:schemeClr val="accent1"/>
+          </a:lnRef>
+          <a:fillRef idx="2">
+            <a:schemeClr val="accent1"/>
+          </a:fillRef>
+          <a:effectRef idx="1">
+            <a:schemeClr val="accent1"/>
+          </a:effectRef>
+          <a:fontRef idx="minor">
+            <a:schemeClr val="dk1"/>
+          </a:fontRef>
+        </p:style>
+        <p:txBody>
+          <a:bodyPr rtlCol="0" anchor="ctr"/>
+          <a:lstStyle/>
+          <a:p>
+            <a:pPr algn="ctr"/>
+            <a:r>
+              <a:rPr lang="en-US" sz="1050" b="1" dirty="0" err="1" smtClean="0">
+                <a:solidFill>
+                  <a:srgbClr val="0070C0"/>
+                </a:solidFill>
+              </a:rPr>
+              <a:t>ExitCommand</a:t>
+            </a:r>
+            <a:endParaRPr lang="en-SG" sz="1050" b="1" dirty="0">
+              <a:solidFill>
+                <a:srgbClr val="0070C0"/>
+              </a:solidFill>
+            </a:endParaRPr>
+          </a:p>
+        </p:txBody>
+      </p:sp>
+      <p:cxnSp>
+        <p:nvCxnSpPr>
+          <p:cNvPr id="66" name="Elbow Connector 65"/>
+          <p:cNvCxnSpPr>
+            <a:stCxn id="8" idx="3"/>
+            <a:endCxn id="64" idx="3"/>
+          </p:cNvCxnSpPr>
+          <p:nvPr/>
+        </p:nvCxnSpPr>
+        <p:spPr>
+          <a:xfrm>
+            <a:off x="5357124" y="2802253"/>
+            <a:ext cx="466878" cy="2053567"/>
+          </a:xfrm>
+          <a:prstGeom prst="bentConnector3">
+            <a:avLst>
+              <a:gd name="adj1" fmla="val 50000"/>
+            </a:avLst>
+          </a:prstGeom>
+          <a:ln w="19050">
+            <a:solidFill>
+              <a:srgbClr val="0070C0"/>
+            </a:solidFill>
+            <a:headEnd type="none" w="med" len="med"/>
+            <a:tailEnd type="none" w="med" len="med"/>
+          </a:ln>
+          <a:effectLst/>
+        </p:spPr>
+        <p:style>
+          <a:lnRef idx="1">
+            <a:schemeClr val="accent2"/>
+          </a:lnRef>
+          <a:fillRef idx="2">
+            <a:schemeClr val="accent2"/>
+          </a:fillRef>
+          <a:effectRef idx="1">
+            <a:schemeClr val="accent2"/>
+          </a:effectRef>
+          <a:fontRef idx="minor">
+            <a:schemeClr val="dk1"/>
+          </a:fontRef>
+        </p:style>
+      </p:cxnSp>
+      <p:cxnSp>
+        <p:nvCxnSpPr>
+          <p:cNvPr id="69" name="Elbow Connector 68"/>
+          <p:cNvCxnSpPr>
+            <a:stCxn id="8" idx="3"/>
+            <a:endCxn id="47" idx="3"/>
+          </p:cNvCxnSpPr>
+          <p:nvPr/>
+        </p:nvCxnSpPr>
+        <p:spPr>
+          <a:xfrm flipV="1">
+            <a:off x="5357124" y="1586148"/>
+            <a:ext cx="463556" cy="1216105"/>
+          </a:xfrm>
+          <a:prstGeom prst="bentConnector3">
+            <a:avLst/>
+          </a:prstGeom>
+          <a:ln w="19050">
+            <a:solidFill>
+              <a:srgbClr val="0070C0"/>
+            </a:solidFill>
+            <a:headEnd type="none" w="med" len="med"/>
+            <a:tailEnd type="none" w="med" len="med"/>
+          </a:ln>
+          <a:effectLst/>
+        </p:spPr>
+        <p:style>
+          <a:lnRef idx="1">
+            <a:schemeClr val="accent2"/>
+          </a:lnRef>
+          <a:fillRef idx="2">
+            <a:schemeClr val="accent2"/>
+          </a:fillRef>
+          <a:effectRef idx="1">
+            <a:schemeClr val="accent2"/>
+          </a:effectRef>
+          <a:fontRef idx="minor">
+            <a:schemeClr val="dk1"/>
+          </a:fontRef>
+        </p:style>
+      </p:cxnSp>
+      <p:cxnSp>
+        <p:nvCxnSpPr>
+          <p:cNvPr id="71" name="Elbow Connector 70"/>
+          <p:cNvCxnSpPr>
+            <a:stCxn id="8" idx="3"/>
+            <a:endCxn id="46" idx="3"/>
+          </p:cNvCxnSpPr>
+          <p:nvPr/>
+        </p:nvCxnSpPr>
+        <p:spPr>
+          <a:xfrm flipV="1">
+            <a:off x="5357124" y="2002180"/>
+            <a:ext cx="466877" cy="800073"/>
+          </a:xfrm>
+          <a:prstGeom prst="bentConnector3">
+            <a:avLst>
+              <a:gd name="adj1" fmla="val 50000"/>
+            </a:avLst>
+          </a:prstGeom>
+          <a:ln w="19050">
+            <a:solidFill>
+              <a:srgbClr val="0070C0"/>
+            </a:solidFill>
+            <a:headEnd type="none" w="med" len="med"/>
+            <a:tailEnd type="none" w="med" len="med"/>
+          </a:ln>
+          <a:effectLst/>
+        </p:spPr>
+        <p:style>
+          <a:lnRef idx="1">
+            <a:schemeClr val="accent2"/>
+          </a:lnRef>
+          <a:fillRef idx="2">
+            <a:schemeClr val="accent2"/>
+          </a:fillRef>
+          <a:effectRef idx="1">
+            <a:schemeClr val="accent2"/>
+          </a:effectRef>
+          <a:fontRef idx="minor">
+            <a:schemeClr val="dk1"/>
+          </a:fontRef>
+        </p:style>
+      </p:cxnSp>
+      <p:cxnSp>
+        <p:nvCxnSpPr>
+          <p:cNvPr id="74" name="Elbow Connector 73"/>
+          <p:cNvCxnSpPr>
+            <a:stCxn id="8" idx="3"/>
+            <a:endCxn id="49" idx="3"/>
+          </p:cNvCxnSpPr>
+          <p:nvPr/>
+        </p:nvCxnSpPr>
+        <p:spPr>
+          <a:xfrm>
+            <a:off x="5357124" y="2802253"/>
+            <a:ext cx="462077" cy="1660029"/>
+          </a:xfrm>
+          <a:prstGeom prst="bentConnector3">
+            <a:avLst/>
+          </a:prstGeom>
+          <a:ln w="19050">
+            <a:solidFill>
+              <a:srgbClr val="0070C0"/>
+            </a:solidFill>
+            <a:headEnd type="none" w="med" len="med"/>
+            <a:tailEnd type="none" w="med" len="med"/>
+          </a:ln>
+          <a:effectLst/>
+        </p:spPr>
+        <p:style>
+          <a:lnRef idx="1">
+            <a:schemeClr val="accent2"/>
+          </a:lnRef>
+          <a:fillRef idx="2">
+            <a:schemeClr val="accent2"/>
+          </a:fillRef>
+          <a:effectRef idx="1">
+            <a:schemeClr val="accent2"/>
+          </a:effectRef>
+          <a:fontRef idx="minor">
+            <a:schemeClr val="dk1"/>
+          </a:fontRef>
+        </p:style>
+      </p:cxnSp>
+      <p:cxnSp>
+        <p:nvCxnSpPr>
+          <p:cNvPr id="76" name="Elbow Connector 75"/>
+          <p:cNvCxnSpPr>
+            <a:stCxn id="50" idx="3"/>
+            <a:endCxn id="8" idx="3"/>
+          </p:cNvCxnSpPr>
+          <p:nvPr/>
+        </p:nvCxnSpPr>
+        <p:spPr>
+          <a:xfrm rot="10800000">
+            <a:off x="5357125" y="2802254"/>
+            <a:ext cx="466877" cy="1257327"/>
+          </a:xfrm>
+          <a:prstGeom prst="bentConnector3">
+            <a:avLst>
+              <a:gd name="adj1" fmla="val 50000"/>
+            </a:avLst>
+          </a:prstGeom>
+          <a:ln w="19050">
+            <a:solidFill>
+              <a:srgbClr val="0070C0"/>
+            </a:solidFill>
+            <a:headEnd type="none" w="med" len="med"/>
+            <a:tailEnd type="none" w="med" len="med"/>
+          </a:ln>
+          <a:effectLst/>
+        </p:spPr>
+        <p:style>
+          <a:lnRef idx="1">
+            <a:schemeClr val="accent2"/>
+          </a:lnRef>
+          <a:fillRef idx="2">
+            <a:schemeClr val="accent2"/>
+          </a:fillRef>
+          <a:effectRef idx="1">
+            <a:schemeClr val="accent2"/>
+          </a:effectRef>
+          <a:fontRef idx="minor">
+            <a:schemeClr val="dk1"/>
+          </a:fontRef>
+        </p:style>
+      </p:cxnSp>
+      <p:grpSp>
+        <p:nvGrpSpPr>
+          <p:cNvPr id="88" name="Group 87"/>
+          <p:cNvGrpSpPr/>
+          <p:nvPr/>
+        </p:nvGrpSpPr>
+        <p:grpSpPr>
+          <a:xfrm>
+            <a:off x="7010399" y="762000"/>
+            <a:ext cx="1414999" cy="803960"/>
+            <a:chOff x="7010399" y="762000"/>
+            <a:chExt cx="1414999" cy="803960"/>
+          </a:xfrm>
+          <a:solidFill>
+            <a:schemeClr val="tx2">
+              <a:lumMod val="20000"/>
+              <a:lumOff val="80000"/>
+            </a:schemeClr>
+          </a:solidFill>
+        </p:grpSpPr>
+        <p:sp>
+          <p:nvSpPr>
+            <p:cNvPr id="78" name="Rectangle 11"/>
+            <p:cNvSpPr/>
+            <p:nvPr/>
+          </p:nvSpPr>
+          <p:spPr>
+            <a:xfrm flipH="1">
+              <a:off x="7239000" y="762000"/>
+              <a:ext cx="1186398" cy="346760"/>
+            </a:xfrm>
+            <a:prstGeom prst="rect">
+              <a:avLst/>
+            </a:prstGeom>
+            <a:grpFill/>
+            <a:ln w="19050">
+              <a:solidFill>
+                <a:srgbClr val="0070C0"/>
+              </a:solidFill>
+              <a:headEnd type="none" w="med" len="med"/>
+              <a:tailEnd type="none" w="med" len="med"/>
+            </a:ln>
+            <a:effectLst/>
+          </p:spPr>
+          <p:style>
+            <a:lnRef idx="1">
+              <a:schemeClr val="accent2"/>
+            </a:lnRef>
+            <a:fillRef idx="2">
+              <a:schemeClr val="accent2"/>
+            </a:fillRef>
+            <a:effectRef idx="1">
+              <a:schemeClr val="accent2"/>
+            </a:effectRef>
+            <a:fontRef idx="minor">
+              <a:schemeClr val="dk1"/>
+            </a:fontRef>
+          </p:style>
+          <p:txBody>
+            <a:bodyPr rtlCol="0" anchor="ctr"/>
+            <a:lstStyle/>
+            <a:p>
+              <a:pPr algn="ctr"/>
+              <a:r>
+                <a:rPr lang="en-US" sz="950" b="1" dirty="0" err="1" smtClean="0">
+                  <a:solidFill>
+                    <a:srgbClr val="0070C0"/>
+                  </a:solidFill>
+                </a:rPr>
+                <a:t>AddTaskCommand</a:t>
+              </a:r>
+              <a:endParaRPr lang="en-SG" sz="950" b="1" dirty="0">
+                <a:solidFill>
+                  <a:srgbClr val="0070C0"/>
+                </a:solidFill>
+              </a:endParaRPr>
+            </a:p>
+          </p:txBody>
+        </p:sp>
+        <p:sp>
+          <p:nvSpPr>
+            <p:cNvPr id="79" name="Rectangle 11"/>
+            <p:cNvSpPr/>
+            <p:nvPr/>
+          </p:nvSpPr>
+          <p:spPr>
+            <a:xfrm flipH="1">
+              <a:off x="7239000" y="1219200"/>
+              <a:ext cx="1186398" cy="346760"/>
+            </a:xfrm>
+            <a:prstGeom prst="rect">
+              <a:avLst/>
+            </a:prstGeom>
+            <a:grpFill/>
+            <a:ln w="19050">
+              <a:solidFill>
+                <a:srgbClr val="0070C0"/>
+              </a:solidFill>
+              <a:headEnd type="none" w="med" len="med"/>
+              <a:tailEnd type="none" w="med" len="med"/>
+            </a:ln>
+            <a:effectLst/>
+          </p:spPr>
+          <p:style>
+            <a:lnRef idx="1">
+              <a:schemeClr val="accent2"/>
+            </a:lnRef>
+            <a:fillRef idx="2">
+              <a:schemeClr val="accent2"/>
+            </a:fillRef>
+            <a:effectRef idx="1">
+              <a:schemeClr val="accent2"/>
+            </a:effectRef>
+            <a:fontRef idx="minor">
+              <a:schemeClr val="dk1"/>
+            </a:fontRef>
+          </p:style>
+          <p:txBody>
+            <a:bodyPr rtlCol="0" anchor="ctr"/>
+            <a:lstStyle/>
+            <a:p>
+              <a:pPr algn="ctr"/>
+              <a:r>
+                <a:rPr lang="en-US" sz="950" b="1" dirty="0" err="1" smtClean="0">
+                  <a:solidFill>
+                    <a:srgbClr val="0070C0"/>
+                  </a:solidFill>
+                </a:rPr>
+                <a:t>AddEventCommand</a:t>
+              </a:r>
+              <a:endParaRPr lang="en-SG" sz="950" b="1" dirty="0">
+                <a:solidFill>
+                  <a:srgbClr val="0070C0"/>
+                </a:solidFill>
+              </a:endParaRPr>
+            </a:p>
+          </p:txBody>
+        </p:sp>
+        <p:cxnSp>
+          <p:nvCxnSpPr>
+            <p:cNvPr id="81" name="Elbow Connector 80"/>
+            <p:cNvCxnSpPr>
+              <a:stCxn id="48" idx="1"/>
+              <a:endCxn id="78" idx="3"/>
+            </p:cNvCxnSpPr>
+            <p:nvPr/>
+          </p:nvCxnSpPr>
+          <p:spPr>
+            <a:xfrm flipV="1">
+              <a:off x="7010399" y="935380"/>
+              <a:ext cx="228601" cy="228600"/>
+            </a:xfrm>
+            <a:prstGeom prst="bentConnector3">
+              <a:avLst/>
+            </a:prstGeom>
+            <a:grpFill/>
+            <a:ln w="19050">
+              <a:solidFill>
+                <a:srgbClr val="0070C0"/>
+              </a:solidFill>
+              <a:headEnd type="none" w="med" len="med"/>
+              <a:tailEnd type="none" w="med" len="med"/>
+            </a:ln>
+            <a:effectLst/>
+          </p:spPr>
+          <p:style>
+            <a:lnRef idx="1">
+              <a:schemeClr val="accent2"/>
+            </a:lnRef>
+            <a:fillRef idx="2">
+              <a:schemeClr val="accent2"/>
+            </a:fillRef>
+            <a:effectRef idx="1">
+              <a:schemeClr val="accent2"/>
+            </a:effectRef>
+            <a:fontRef idx="minor">
+              <a:schemeClr val="dk1"/>
+            </a:fontRef>
+          </p:style>
+        </p:cxnSp>
+        <p:cxnSp>
+          <p:nvCxnSpPr>
+            <p:cNvPr id="83" name="Elbow Connector 82"/>
+            <p:cNvCxnSpPr>
+              <a:stCxn id="48" idx="1"/>
+              <a:endCxn id="79" idx="3"/>
+            </p:cNvCxnSpPr>
+            <p:nvPr/>
+          </p:nvCxnSpPr>
+          <p:spPr>
+            <a:xfrm>
+              <a:off x="7010399" y="1163980"/>
+              <a:ext cx="228601" cy="228600"/>
+            </a:xfrm>
+            <a:prstGeom prst="bentConnector3">
+              <a:avLst>
+                <a:gd name="adj1" fmla="val 50000"/>
+              </a:avLst>
+            </a:prstGeom>
+            <a:grpFill/>
+            <a:ln w="19050">
+              <a:solidFill>
+                <a:srgbClr val="0070C0"/>
+              </a:solidFill>
+              <a:headEnd type="none" w="med" len="med"/>
+              <a:tailEnd type="none" w="med" len="med"/>
+            </a:ln>
+            <a:effectLst/>
+          </p:spPr>
+          <p:style>
+            <a:lnRef idx="1">
+              <a:schemeClr val="accent2"/>
+            </a:lnRef>
+            <a:fillRef idx="2">
+              <a:schemeClr val="accent2"/>
+            </a:fillRef>
+            <a:effectRef idx="1">
+              <a:schemeClr val="accent2"/>
+            </a:effectRef>
+            <a:fontRef idx="minor">
+              <a:schemeClr val="dk1"/>
+            </a:fontRef>
+          </p:style>
+        </p:cxnSp>
+      </p:grpSp>
+      <p:grpSp>
+        <p:nvGrpSpPr>
+          <p:cNvPr id="89" name="Group 88"/>
+          <p:cNvGrpSpPr/>
+          <p:nvPr/>
+        </p:nvGrpSpPr>
+        <p:grpSpPr>
+          <a:xfrm>
+            <a:off x="7010400" y="1634440"/>
+            <a:ext cx="1414999" cy="803960"/>
+            <a:chOff x="7010399" y="762000"/>
+            <a:chExt cx="1414999" cy="803960"/>
+          </a:xfrm>
+          <a:solidFill>
+            <a:schemeClr val="tx2">
+              <a:lumMod val="20000"/>
+              <a:lumOff val="80000"/>
+            </a:schemeClr>
+          </a:solidFill>
+        </p:grpSpPr>
+        <p:sp>
+          <p:nvSpPr>
+            <p:cNvPr id="90" name="Rectangle 11"/>
+            <p:cNvSpPr/>
+            <p:nvPr/>
+          </p:nvSpPr>
+          <p:spPr>
+            <a:xfrm flipH="1">
+              <a:off x="7239000" y="762000"/>
+              <a:ext cx="1186398" cy="346760"/>
+            </a:xfrm>
+            <a:prstGeom prst="rect">
+              <a:avLst/>
+            </a:prstGeom>
+            <a:grpFill/>
+            <a:ln w="19050">
+              <a:solidFill>
+                <a:srgbClr val="0070C0"/>
+              </a:solidFill>
+              <a:headEnd type="none" w="med" len="med"/>
+              <a:tailEnd type="none" w="med" len="med"/>
+            </a:ln>
+            <a:effectLst/>
+          </p:spPr>
+          <p:style>
+            <a:lnRef idx="1">
+              <a:schemeClr val="accent2"/>
+            </a:lnRef>
+            <a:fillRef idx="2">
+              <a:schemeClr val="accent2"/>
+            </a:fillRef>
+            <a:effectRef idx="1">
+              <a:schemeClr val="accent2"/>
+            </a:effectRef>
+            <a:fontRef idx="minor">
+              <a:schemeClr val="dk1"/>
+            </a:fontRef>
+          </p:style>
+          <p:txBody>
+            <a:bodyPr rtlCol="0" anchor="ctr"/>
+            <a:lstStyle/>
+            <a:p>
+              <a:pPr algn="ctr"/>
+              <a:r>
+                <a:rPr lang="en-US" sz="950" b="1" dirty="0" err="1" smtClean="0">
+                  <a:solidFill>
+                    <a:srgbClr val="0070C0"/>
+                  </a:solidFill>
+                </a:rPr>
+                <a:t>Edit</a:t>
+              </a:r>
+              <a:r>
+                <a:rPr lang="en-US" sz="950" b="1" dirty="0" err="1" smtClean="0">
+                  <a:solidFill>
+                    <a:srgbClr val="0070C0"/>
+                  </a:solidFill>
+                </a:rPr>
+                <a:t>TaskCommand</a:t>
+              </a:r>
+              <a:endParaRPr lang="en-SG" sz="950" b="1" dirty="0">
+                <a:solidFill>
+                  <a:srgbClr val="0070C0"/>
+                </a:solidFill>
+              </a:endParaRPr>
+            </a:p>
+          </p:txBody>
+        </p:sp>
+        <p:sp>
+          <p:nvSpPr>
+            <p:cNvPr id="91" name="Rectangle 11"/>
+            <p:cNvSpPr/>
+            <p:nvPr/>
+          </p:nvSpPr>
+          <p:spPr>
+            <a:xfrm flipH="1">
+              <a:off x="7239000" y="1219200"/>
+              <a:ext cx="1186398" cy="346760"/>
+            </a:xfrm>
+            <a:prstGeom prst="rect">
+              <a:avLst/>
+            </a:prstGeom>
+            <a:grpFill/>
+            <a:ln w="19050">
+              <a:solidFill>
+                <a:srgbClr val="0070C0"/>
+              </a:solidFill>
+              <a:headEnd type="none" w="med" len="med"/>
+              <a:tailEnd type="none" w="med" len="med"/>
+            </a:ln>
+            <a:effectLst/>
+          </p:spPr>
+          <p:style>
+            <a:lnRef idx="1">
+              <a:schemeClr val="accent2"/>
+            </a:lnRef>
+            <a:fillRef idx="2">
+              <a:schemeClr val="accent2"/>
+            </a:fillRef>
+            <a:effectRef idx="1">
+              <a:schemeClr val="accent2"/>
+            </a:effectRef>
+            <a:fontRef idx="minor">
+              <a:schemeClr val="dk1"/>
+            </a:fontRef>
+          </p:style>
+          <p:txBody>
+            <a:bodyPr rtlCol="0" anchor="ctr"/>
+            <a:lstStyle/>
+            <a:p>
+              <a:pPr algn="ctr"/>
+              <a:r>
+                <a:rPr lang="en-US" sz="950" b="1" dirty="0" err="1" smtClean="0">
+                  <a:solidFill>
+                    <a:srgbClr val="0070C0"/>
+                  </a:solidFill>
+                </a:rPr>
+                <a:t>Edit</a:t>
+              </a:r>
+              <a:r>
+                <a:rPr lang="en-US" sz="950" b="1" dirty="0" err="1" smtClean="0">
+                  <a:solidFill>
+                    <a:srgbClr val="0070C0"/>
+                  </a:solidFill>
+                </a:rPr>
+                <a:t>EventCommand</a:t>
+              </a:r>
+              <a:endParaRPr lang="en-SG" sz="950" b="1" dirty="0">
+                <a:solidFill>
+                  <a:srgbClr val="0070C0"/>
+                </a:solidFill>
+              </a:endParaRPr>
+            </a:p>
+          </p:txBody>
+        </p:sp>
+        <p:cxnSp>
+          <p:nvCxnSpPr>
+            <p:cNvPr id="92" name="Elbow Connector 91"/>
+            <p:cNvCxnSpPr>
+              <a:endCxn id="90" idx="3"/>
+            </p:cNvCxnSpPr>
+            <p:nvPr/>
+          </p:nvCxnSpPr>
+          <p:spPr>
+            <a:xfrm flipV="1">
+              <a:off x="7010399" y="935380"/>
+              <a:ext cx="228601" cy="228600"/>
+            </a:xfrm>
+            <a:prstGeom prst="bentConnector3">
+              <a:avLst/>
+            </a:prstGeom>
+            <a:grpFill/>
+            <a:ln w="19050">
+              <a:solidFill>
+                <a:srgbClr val="0070C0"/>
+              </a:solidFill>
+              <a:headEnd type="none" w="med" len="med"/>
+              <a:tailEnd type="none" w="med" len="med"/>
+            </a:ln>
+            <a:effectLst/>
+          </p:spPr>
+          <p:style>
+            <a:lnRef idx="1">
+              <a:schemeClr val="accent2"/>
+            </a:lnRef>
+            <a:fillRef idx="2">
+              <a:schemeClr val="accent2"/>
+            </a:fillRef>
+            <a:effectRef idx="1">
+              <a:schemeClr val="accent2"/>
+            </a:effectRef>
+            <a:fontRef idx="minor">
+              <a:schemeClr val="dk1"/>
+            </a:fontRef>
+          </p:style>
+        </p:cxnSp>
+        <p:cxnSp>
+          <p:nvCxnSpPr>
+            <p:cNvPr id="93" name="Elbow Connector 92"/>
+            <p:cNvCxnSpPr>
+              <a:endCxn id="91" idx="3"/>
+            </p:cNvCxnSpPr>
+            <p:nvPr/>
+          </p:nvCxnSpPr>
+          <p:spPr>
+            <a:xfrm>
+              <a:off x="7010399" y="1163980"/>
+              <a:ext cx="228601" cy="228600"/>
+            </a:xfrm>
+            <a:prstGeom prst="bentConnector3">
+              <a:avLst>
+                <a:gd name="adj1" fmla="val 50000"/>
+              </a:avLst>
+            </a:prstGeom>
+            <a:grpFill/>
+            <a:ln w="19050">
+              <a:solidFill>
+                <a:srgbClr val="0070C0"/>
+              </a:solidFill>
+              <a:headEnd type="none" w="med" len="med"/>
+              <a:tailEnd type="none" w="med" len="med"/>
+            </a:ln>
+            <a:effectLst/>
+          </p:spPr>
+          <p:style>
+            <a:lnRef idx="1">
+              <a:schemeClr val="accent2"/>
+            </a:lnRef>
+            <a:fillRef idx="2">
+              <a:schemeClr val="accent2"/>
+            </a:fillRef>
+            <a:effectRef idx="1">
+              <a:schemeClr val="accent2"/>
+            </a:effectRef>
+            <a:fontRef idx="minor">
+              <a:schemeClr val="dk1"/>
+            </a:fontRef>
+          </p:style>
+        </p:cxnSp>
+      </p:grpSp>
+      <p:grpSp>
+        <p:nvGrpSpPr>
+          <p:cNvPr id="94" name="Group 93"/>
+          <p:cNvGrpSpPr/>
+          <p:nvPr/>
+        </p:nvGrpSpPr>
+        <p:grpSpPr>
+          <a:xfrm>
+            <a:off x="7010400" y="2819400"/>
+            <a:ext cx="1414999" cy="803960"/>
+            <a:chOff x="7010399" y="762000"/>
+            <a:chExt cx="1414999" cy="803960"/>
+          </a:xfrm>
+          <a:solidFill>
+            <a:schemeClr val="tx2">
+              <a:lumMod val="20000"/>
+              <a:lumOff val="80000"/>
+            </a:schemeClr>
+          </a:solidFill>
+        </p:grpSpPr>
+        <p:sp>
+          <p:nvSpPr>
+            <p:cNvPr id="95" name="Rectangle 11"/>
+            <p:cNvSpPr/>
+            <p:nvPr/>
+          </p:nvSpPr>
+          <p:spPr>
+            <a:xfrm flipH="1">
+              <a:off x="7239000" y="762000"/>
+              <a:ext cx="1186398" cy="346760"/>
+            </a:xfrm>
+            <a:prstGeom prst="rect">
+              <a:avLst/>
+            </a:prstGeom>
+            <a:grpFill/>
+            <a:ln w="19050">
+              <a:solidFill>
+                <a:srgbClr val="0070C0"/>
+              </a:solidFill>
+              <a:headEnd type="none" w="med" len="med"/>
+              <a:tailEnd type="none" w="med" len="med"/>
+            </a:ln>
+            <a:effectLst/>
+          </p:spPr>
+          <p:style>
+            <a:lnRef idx="1">
+              <a:schemeClr val="accent2"/>
+            </a:lnRef>
+            <a:fillRef idx="2">
+              <a:schemeClr val="accent2"/>
+            </a:fillRef>
+            <a:effectRef idx="1">
+              <a:schemeClr val="accent2"/>
+            </a:effectRef>
+            <a:fontRef idx="minor">
+              <a:schemeClr val="dk1"/>
+            </a:fontRef>
+          </p:style>
+          <p:txBody>
+            <a:bodyPr rtlCol="0" anchor="ctr"/>
+            <a:lstStyle/>
+            <a:p>
+              <a:pPr algn="ctr"/>
+              <a:r>
+                <a:rPr lang="en-US" sz="950" b="1" dirty="0" err="1" smtClean="0">
+                  <a:solidFill>
+                    <a:srgbClr val="0070C0"/>
+                  </a:solidFill>
+                </a:rPr>
+                <a:t>DeleteTask</a:t>
+              </a:r>
+              <a:endParaRPr lang="en-US" sz="950" b="1" dirty="0" smtClean="0">
+                <a:solidFill>
+                  <a:srgbClr val="0070C0"/>
+                </a:solidFill>
+              </a:endParaRPr>
+            </a:p>
+            <a:p>
+              <a:pPr algn="ctr"/>
+              <a:r>
+                <a:rPr lang="en-US" sz="950" b="1" dirty="0" smtClean="0">
+                  <a:solidFill>
+                    <a:srgbClr val="0070C0"/>
+                  </a:solidFill>
+                </a:rPr>
+                <a:t>Command</a:t>
+              </a:r>
+              <a:endParaRPr lang="en-SG" sz="950" b="1" dirty="0">
+                <a:solidFill>
+                  <a:srgbClr val="0070C0"/>
+                </a:solidFill>
+              </a:endParaRPr>
+            </a:p>
+          </p:txBody>
+        </p:sp>
+        <p:sp>
+          <p:nvSpPr>
+            <p:cNvPr id="96" name="Rectangle 11"/>
+            <p:cNvSpPr/>
+            <p:nvPr/>
+          </p:nvSpPr>
+          <p:spPr>
+            <a:xfrm flipH="1">
+              <a:off x="7239000" y="1219200"/>
+              <a:ext cx="1186398" cy="346760"/>
+            </a:xfrm>
+            <a:prstGeom prst="rect">
+              <a:avLst/>
+            </a:prstGeom>
+            <a:grpFill/>
+            <a:ln w="19050">
+              <a:solidFill>
+                <a:srgbClr val="0070C0"/>
+              </a:solidFill>
+              <a:headEnd type="none" w="med" len="med"/>
+              <a:tailEnd type="none" w="med" len="med"/>
+            </a:ln>
+            <a:effectLst/>
+          </p:spPr>
+          <p:style>
+            <a:lnRef idx="1">
+              <a:schemeClr val="accent2"/>
+            </a:lnRef>
+            <a:fillRef idx="2">
+              <a:schemeClr val="accent2"/>
+            </a:fillRef>
+            <a:effectRef idx="1">
+              <a:schemeClr val="accent2"/>
+            </a:effectRef>
+            <a:fontRef idx="minor">
+              <a:schemeClr val="dk1"/>
+            </a:fontRef>
+          </p:style>
+          <p:txBody>
+            <a:bodyPr rtlCol="0" anchor="ctr"/>
+            <a:lstStyle/>
+            <a:p>
+              <a:pPr algn="ctr"/>
+              <a:r>
+                <a:rPr lang="en-US" sz="950" b="1" dirty="0" err="1" smtClean="0">
+                  <a:solidFill>
+                    <a:srgbClr val="0070C0"/>
+                  </a:solidFill>
+                </a:rPr>
+                <a:t>Delete</a:t>
+              </a:r>
+              <a:r>
+                <a:rPr lang="en-US" sz="950" b="1" dirty="0" err="1" smtClean="0">
+                  <a:solidFill>
+                    <a:srgbClr val="0070C0"/>
+                  </a:solidFill>
+                </a:rPr>
+                <a:t>Event</a:t>
+              </a:r>
+              <a:endParaRPr lang="en-US" sz="950" b="1" dirty="0" smtClean="0">
+                <a:solidFill>
+                  <a:srgbClr val="0070C0"/>
+                </a:solidFill>
+              </a:endParaRPr>
+            </a:p>
+            <a:p>
+              <a:pPr algn="ctr"/>
+              <a:r>
+                <a:rPr lang="en-US" sz="950" b="1" dirty="0" smtClean="0">
+                  <a:solidFill>
+                    <a:srgbClr val="0070C0"/>
+                  </a:solidFill>
+                </a:rPr>
+                <a:t>Command</a:t>
+              </a:r>
+              <a:endParaRPr lang="en-SG" sz="950" b="1" dirty="0">
+                <a:solidFill>
+                  <a:srgbClr val="0070C0"/>
+                </a:solidFill>
+              </a:endParaRPr>
+            </a:p>
+          </p:txBody>
+        </p:sp>
+        <p:cxnSp>
+          <p:nvCxnSpPr>
+            <p:cNvPr id="97" name="Elbow Connector 96"/>
+            <p:cNvCxnSpPr>
+              <a:endCxn id="95" idx="3"/>
+            </p:cNvCxnSpPr>
+            <p:nvPr/>
+          </p:nvCxnSpPr>
+          <p:spPr>
+            <a:xfrm flipV="1">
+              <a:off x="7010399" y="935380"/>
+              <a:ext cx="228601" cy="228600"/>
+            </a:xfrm>
+            <a:prstGeom prst="bentConnector3">
+              <a:avLst/>
+            </a:prstGeom>
+            <a:grpFill/>
+            <a:ln w="19050">
+              <a:solidFill>
+                <a:srgbClr val="0070C0"/>
+              </a:solidFill>
+              <a:headEnd type="none" w="med" len="med"/>
+              <a:tailEnd type="none" w="med" len="med"/>
+            </a:ln>
+            <a:effectLst/>
+          </p:spPr>
+          <p:style>
+            <a:lnRef idx="1">
+              <a:schemeClr val="accent2"/>
+            </a:lnRef>
+            <a:fillRef idx="2">
+              <a:schemeClr val="accent2"/>
+            </a:fillRef>
+            <a:effectRef idx="1">
+              <a:schemeClr val="accent2"/>
+            </a:effectRef>
+            <a:fontRef idx="minor">
+              <a:schemeClr val="dk1"/>
+            </a:fontRef>
+          </p:style>
+        </p:cxnSp>
+        <p:cxnSp>
+          <p:nvCxnSpPr>
+            <p:cNvPr id="98" name="Elbow Connector 97"/>
+            <p:cNvCxnSpPr>
+              <a:endCxn id="96" idx="3"/>
+            </p:cNvCxnSpPr>
+            <p:nvPr/>
+          </p:nvCxnSpPr>
+          <p:spPr>
+            <a:xfrm>
+              <a:off x="7010399" y="1163980"/>
+              <a:ext cx="228601" cy="228600"/>
+            </a:xfrm>
+            <a:prstGeom prst="bentConnector3">
+              <a:avLst>
+                <a:gd name="adj1" fmla="val 50000"/>
+              </a:avLst>
+            </a:prstGeom>
+            <a:grpFill/>
+            <a:ln w="19050">
+              <a:solidFill>
+                <a:srgbClr val="0070C0"/>
+              </a:solidFill>
+              <a:headEnd type="none" w="med" len="med"/>
+              <a:tailEnd type="none" w="med" len="med"/>
+            </a:ln>
+            <a:effectLst/>
+          </p:spPr>
+          <p:style>
+            <a:lnRef idx="1">
+              <a:schemeClr val="accent2"/>
+            </a:lnRef>
+            <a:fillRef idx="2">
+              <a:schemeClr val="accent2"/>
+            </a:fillRef>
+            <a:effectRef idx="1">
+              <a:schemeClr val="accent2"/>
+            </a:effectRef>
+            <a:fontRef idx="minor">
+              <a:schemeClr val="dk1"/>
+            </a:fontRef>
+          </p:style>
+        </p:cxnSp>
+      </p:grpSp>
+      <p:grpSp>
+        <p:nvGrpSpPr>
+          <p:cNvPr id="99" name="Group 98"/>
+          <p:cNvGrpSpPr/>
+          <p:nvPr/>
+        </p:nvGrpSpPr>
+        <p:grpSpPr>
+          <a:xfrm>
+            <a:off x="7010400" y="4038600"/>
+            <a:ext cx="1414999" cy="803960"/>
+            <a:chOff x="7010399" y="762000"/>
+            <a:chExt cx="1414999" cy="803960"/>
+          </a:xfrm>
+          <a:solidFill>
+            <a:schemeClr val="tx2">
+              <a:lumMod val="20000"/>
+              <a:lumOff val="80000"/>
+            </a:schemeClr>
+          </a:solidFill>
+        </p:grpSpPr>
+        <p:sp>
+          <p:nvSpPr>
+            <p:cNvPr id="100" name="Rectangle 11"/>
+            <p:cNvSpPr/>
+            <p:nvPr/>
+          </p:nvSpPr>
+          <p:spPr>
+            <a:xfrm flipH="1">
+              <a:off x="7239000" y="762000"/>
+              <a:ext cx="1186398" cy="346760"/>
+            </a:xfrm>
+            <a:prstGeom prst="rect">
+              <a:avLst/>
+            </a:prstGeom>
+            <a:grpFill/>
+            <a:ln w="19050">
+              <a:solidFill>
+                <a:srgbClr val="0070C0"/>
+              </a:solidFill>
+              <a:headEnd type="none" w="med" len="med"/>
+              <a:tailEnd type="none" w="med" len="med"/>
+            </a:ln>
+            <a:effectLst/>
+          </p:spPr>
+          <p:style>
+            <a:lnRef idx="1">
+              <a:schemeClr val="accent2"/>
+            </a:lnRef>
+            <a:fillRef idx="2">
+              <a:schemeClr val="accent2"/>
+            </a:fillRef>
+            <a:effectRef idx="1">
+              <a:schemeClr val="accent2"/>
+            </a:effectRef>
+            <a:fontRef idx="minor">
+              <a:schemeClr val="dk1"/>
+            </a:fontRef>
+          </p:style>
+          <p:txBody>
+            <a:bodyPr rtlCol="0" anchor="ctr"/>
+            <a:lstStyle/>
+            <a:p>
+              <a:pPr algn="ctr"/>
+              <a:r>
+                <a:rPr lang="en-US" sz="950" b="1" dirty="0" err="1" smtClean="0">
+                  <a:solidFill>
+                    <a:srgbClr val="0070C0"/>
+                  </a:solidFill>
+                </a:rPr>
+                <a:t>List</a:t>
+              </a:r>
+              <a:r>
+                <a:rPr lang="en-US" sz="950" b="1" dirty="0" err="1" smtClean="0">
+                  <a:solidFill>
+                    <a:srgbClr val="0070C0"/>
+                  </a:solidFill>
+                </a:rPr>
+                <a:t>TaskCommand</a:t>
+              </a:r>
+              <a:endParaRPr lang="en-SG" sz="950" b="1" dirty="0">
+                <a:solidFill>
+                  <a:srgbClr val="0070C0"/>
+                </a:solidFill>
+              </a:endParaRPr>
+            </a:p>
+          </p:txBody>
+        </p:sp>
+        <p:sp>
+          <p:nvSpPr>
+            <p:cNvPr id="101" name="Rectangle 11"/>
+            <p:cNvSpPr/>
+            <p:nvPr/>
+          </p:nvSpPr>
+          <p:spPr>
+            <a:xfrm flipH="1">
+              <a:off x="7239000" y="1219200"/>
+              <a:ext cx="1186398" cy="346760"/>
+            </a:xfrm>
+            <a:prstGeom prst="rect">
+              <a:avLst/>
+            </a:prstGeom>
+            <a:grpFill/>
+            <a:ln w="19050">
+              <a:solidFill>
+                <a:srgbClr val="0070C0"/>
+              </a:solidFill>
+              <a:headEnd type="none" w="med" len="med"/>
+              <a:tailEnd type="none" w="med" len="med"/>
+            </a:ln>
+            <a:effectLst/>
+          </p:spPr>
+          <p:style>
+            <a:lnRef idx="1">
+              <a:schemeClr val="accent2"/>
+            </a:lnRef>
+            <a:fillRef idx="2">
+              <a:schemeClr val="accent2"/>
+            </a:fillRef>
+            <a:effectRef idx="1">
+              <a:schemeClr val="accent2"/>
+            </a:effectRef>
+            <a:fontRef idx="minor">
+              <a:schemeClr val="dk1"/>
+            </a:fontRef>
+          </p:style>
+          <p:txBody>
+            <a:bodyPr rtlCol="0" anchor="ctr"/>
+            <a:lstStyle/>
+            <a:p>
+              <a:pPr algn="ctr"/>
+              <a:r>
+                <a:rPr lang="en-US" sz="950" b="1" dirty="0" err="1" smtClean="0">
+                  <a:solidFill>
+                    <a:srgbClr val="0070C0"/>
+                  </a:solidFill>
+                </a:rPr>
+                <a:t>List</a:t>
+              </a:r>
+              <a:r>
+                <a:rPr lang="en-US" sz="950" b="1" dirty="0" err="1" smtClean="0">
+                  <a:solidFill>
+                    <a:srgbClr val="0070C0"/>
+                  </a:solidFill>
+                </a:rPr>
+                <a:t>EventCommand</a:t>
+              </a:r>
+              <a:endParaRPr lang="en-SG" sz="950" b="1" dirty="0">
+                <a:solidFill>
+                  <a:srgbClr val="0070C0"/>
+                </a:solidFill>
+              </a:endParaRPr>
+            </a:p>
+          </p:txBody>
+        </p:sp>
+        <p:cxnSp>
+          <p:nvCxnSpPr>
+            <p:cNvPr id="102" name="Elbow Connector 101"/>
+            <p:cNvCxnSpPr>
+              <a:endCxn id="100" idx="3"/>
+            </p:cNvCxnSpPr>
+            <p:nvPr/>
+          </p:nvCxnSpPr>
+          <p:spPr>
+            <a:xfrm flipV="1">
+              <a:off x="7010399" y="935380"/>
+              <a:ext cx="228601" cy="228600"/>
+            </a:xfrm>
+            <a:prstGeom prst="bentConnector3">
+              <a:avLst/>
+            </a:prstGeom>
+            <a:grpFill/>
+            <a:ln w="19050">
+              <a:solidFill>
+                <a:srgbClr val="0070C0"/>
+              </a:solidFill>
+              <a:headEnd type="none" w="med" len="med"/>
+              <a:tailEnd type="none" w="med" len="med"/>
+            </a:ln>
+            <a:effectLst/>
+          </p:spPr>
+          <p:style>
+            <a:lnRef idx="1">
+              <a:schemeClr val="accent2"/>
+            </a:lnRef>
+            <a:fillRef idx="2">
+              <a:schemeClr val="accent2"/>
+            </a:fillRef>
+            <a:effectRef idx="1">
+              <a:schemeClr val="accent2"/>
+            </a:effectRef>
+            <a:fontRef idx="minor">
+              <a:schemeClr val="dk1"/>
+            </a:fontRef>
+          </p:style>
+        </p:cxnSp>
+        <p:cxnSp>
+          <p:nvCxnSpPr>
+            <p:cNvPr id="103" name="Elbow Connector 102"/>
+            <p:cNvCxnSpPr>
+              <a:endCxn id="101" idx="3"/>
+            </p:cNvCxnSpPr>
+            <p:nvPr/>
+          </p:nvCxnSpPr>
+          <p:spPr>
+            <a:xfrm>
+              <a:off x="7010399" y="1163980"/>
+              <a:ext cx="228601" cy="228600"/>
+            </a:xfrm>
+            <a:prstGeom prst="bentConnector3">
+              <a:avLst>
+                <a:gd name="adj1" fmla="val 50000"/>
+              </a:avLst>
+            </a:prstGeom>
+            <a:grpFill/>
+            <a:ln w="19050">
+              <a:solidFill>
+                <a:srgbClr val="0070C0"/>
+              </a:solidFill>
+              <a:headEnd type="none" w="med" len="med"/>
+              <a:tailEnd type="none" w="med" len="med"/>
+            </a:ln>
+            <a:effectLst/>
+          </p:spPr>
+          <p:style>
+            <a:lnRef idx="1">
+              <a:schemeClr val="accent2"/>
+            </a:lnRef>
+            <a:fillRef idx="2">
+              <a:schemeClr val="accent2"/>
+            </a:fillRef>
+            <a:effectRef idx="1">
+              <a:schemeClr val="accent2"/>
+            </a:effectRef>
+            <a:fontRef idx="minor">
+              <a:schemeClr val="dk1"/>
+            </a:fontRef>
+          </p:style>
+        </p:cxnSp>
+      </p:grpSp>
+      <p:sp>
+        <p:nvSpPr>
+          <p:cNvPr id="144" name="Rectangle 11"/>
+          <p:cNvSpPr/>
+          <p:nvPr/>
+        </p:nvSpPr>
+        <p:spPr>
+          <a:xfrm flipH="1">
+            <a:off x="1970602" y="4419600"/>
+            <a:ext cx="1186398" cy="346760"/>
+          </a:xfrm>
+          <a:prstGeom prst="rect">
+            <a:avLst/>
+          </a:prstGeom>
+          <a:ln w="19050">
+            <a:solidFill>
+              <a:srgbClr val="0070C0"/>
+            </a:solidFill>
+          </a:ln>
+          <a:effectLst/>
+        </p:spPr>
+        <p:style>
+          <a:lnRef idx="1">
+            <a:schemeClr val="accent1"/>
+          </a:lnRef>
+          <a:fillRef idx="2">
+            <a:schemeClr val="accent1"/>
+          </a:fillRef>
+          <a:effectRef idx="1">
+            <a:schemeClr val="accent1"/>
+          </a:effectRef>
+          <a:fontRef idx="minor">
+            <a:schemeClr val="dk1"/>
+          </a:fontRef>
+        </p:style>
+        <p:txBody>
+          <a:bodyPr rtlCol="0" anchor="ctr"/>
+          <a:lstStyle/>
+          <a:p>
+            <a:pPr algn="ctr"/>
+            <a:r>
+              <a:rPr lang="en-US" sz="1050" b="1" dirty="0" err="1" smtClean="0">
+                <a:solidFill>
+                  <a:srgbClr val="0070C0"/>
+                </a:solidFill>
+              </a:rPr>
+              <a:t>EditParser</a:t>
+            </a:r>
+            <a:endParaRPr lang="en-SG" sz="1050" b="1" dirty="0">
+              <a:solidFill>
+                <a:srgbClr val="0070C0"/>
+              </a:solidFill>
+            </a:endParaRPr>
+          </a:p>
+        </p:txBody>
+      </p:sp>
+      <p:sp>
+        <p:nvSpPr>
+          <p:cNvPr id="145" name="Rectangle 11"/>
+          <p:cNvSpPr/>
+          <p:nvPr/>
+        </p:nvSpPr>
+        <p:spPr>
+          <a:xfrm flipH="1">
+            <a:off x="1967281" y="4003568"/>
+            <a:ext cx="1186398" cy="346760"/>
+          </a:xfrm>
+          <a:prstGeom prst="rect">
+            <a:avLst/>
+          </a:prstGeom>
+          <a:ln w="19050">
+            <a:solidFill>
+              <a:srgbClr val="0070C0"/>
+            </a:solidFill>
+          </a:ln>
+          <a:effectLst/>
+        </p:spPr>
+        <p:style>
+          <a:lnRef idx="1">
+            <a:schemeClr val="accent1"/>
+          </a:lnRef>
+          <a:fillRef idx="2">
+            <a:schemeClr val="accent1"/>
+          </a:fillRef>
+          <a:effectRef idx="1">
+            <a:schemeClr val="accent1"/>
+          </a:effectRef>
+          <a:fontRef idx="minor">
+            <a:schemeClr val="dk1"/>
+          </a:fontRef>
+        </p:style>
+        <p:txBody>
+          <a:bodyPr rtlCol="0" anchor="ctr"/>
+          <a:lstStyle/>
+          <a:p>
+            <a:pPr algn="ctr"/>
+            <a:r>
+              <a:rPr lang="en-US" sz="1050" b="1" dirty="0" err="1" smtClean="0">
+                <a:solidFill>
+                  <a:srgbClr val="0070C0"/>
+                </a:solidFill>
+              </a:rPr>
+              <a:t>HelpParser</a:t>
+            </a:r>
+            <a:endParaRPr lang="en-SG" sz="1050" b="1" dirty="0">
+              <a:solidFill>
+                <a:srgbClr val="0070C0"/>
+              </a:solidFill>
+            </a:endParaRPr>
+          </a:p>
+        </p:txBody>
+      </p:sp>
+      <p:sp>
+        <p:nvSpPr>
+          <p:cNvPr id="146" name="Rectangle 11"/>
+          <p:cNvSpPr/>
+          <p:nvPr/>
+        </p:nvSpPr>
+        <p:spPr>
+          <a:xfrm flipH="1">
+            <a:off x="1970602" y="3581400"/>
+            <a:ext cx="1186398" cy="346760"/>
+          </a:xfrm>
+          <a:prstGeom prst="rect">
+            <a:avLst/>
+          </a:prstGeom>
+          <a:ln w="19050">
+            <a:solidFill>
+              <a:srgbClr val="0070C0"/>
+            </a:solidFill>
+          </a:ln>
+          <a:effectLst/>
+        </p:spPr>
+        <p:style>
+          <a:lnRef idx="1">
+            <a:schemeClr val="accent1"/>
+          </a:lnRef>
+          <a:fillRef idx="2">
+            <a:schemeClr val="accent1"/>
+          </a:fillRef>
+          <a:effectRef idx="1">
+            <a:schemeClr val="accent1"/>
+          </a:effectRef>
+          <a:fontRef idx="minor">
+            <a:schemeClr val="dk1"/>
+          </a:fontRef>
+        </p:style>
+        <p:txBody>
+          <a:bodyPr rtlCol="0" anchor="ctr"/>
+          <a:lstStyle/>
+          <a:p>
+            <a:pPr algn="ctr"/>
+            <a:r>
+              <a:rPr lang="en-US" sz="1050" b="1" dirty="0" err="1" smtClean="0">
+                <a:solidFill>
+                  <a:srgbClr val="0070C0"/>
+                </a:solidFill>
+              </a:rPr>
+              <a:t>AddParser</a:t>
+            </a:r>
+            <a:endParaRPr lang="en-SG" sz="1050" b="1" dirty="0">
+              <a:solidFill>
+                <a:srgbClr val="0070C0"/>
+              </a:solidFill>
+            </a:endParaRPr>
+          </a:p>
+        </p:txBody>
+      </p:sp>
+      <p:grpSp>
+        <p:nvGrpSpPr>
+          <p:cNvPr id="147" name="Group 146"/>
+          <p:cNvGrpSpPr/>
+          <p:nvPr/>
+        </p:nvGrpSpPr>
+        <p:grpSpPr>
+          <a:xfrm>
+            <a:off x="3157000" y="3352800"/>
+            <a:ext cx="1414999" cy="803960"/>
+            <a:chOff x="7010399" y="762000"/>
+            <a:chExt cx="1414999" cy="803960"/>
+          </a:xfrm>
+          <a:solidFill>
+            <a:schemeClr val="tx2">
+              <a:lumMod val="20000"/>
+              <a:lumOff val="80000"/>
+            </a:schemeClr>
+          </a:solidFill>
+        </p:grpSpPr>
+        <p:sp>
+          <p:nvSpPr>
+            <p:cNvPr id="148" name="Rectangle 11"/>
+            <p:cNvSpPr/>
+            <p:nvPr/>
+          </p:nvSpPr>
+          <p:spPr>
+            <a:xfrm flipH="1">
+              <a:off x="7239000" y="762000"/>
+              <a:ext cx="1186398" cy="346760"/>
+            </a:xfrm>
+            <a:prstGeom prst="rect">
+              <a:avLst/>
+            </a:prstGeom>
+            <a:grpFill/>
+            <a:ln w="19050">
+              <a:solidFill>
+                <a:srgbClr val="0070C0"/>
+              </a:solidFill>
+              <a:headEnd type="none" w="med" len="med"/>
+              <a:tailEnd type="none" w="med" len="med"/>
+            </a:ln>
+            <a:effectLst/>
+          </p:spPr>
+          <p:style>
+            <a:lnRef idx="1">
+              <a:schemeClr val="accent2"/>
+            </a:lnRef>
+            <a:fillRef idx="2">
+              <a:schemeClr val="accent2"/>
+            </a:fillRef>
+            <a:effectRef idx="1">
+              <a:schemeClr val="accent2"/>
+            </a:effectRef>
+            <a:fontRef idx="minor">
+              <a:schemeClr val="dk1"/>
+            </a:fontRef>
+          </p:style>
+          <p:txBody>
+            <a:bodyPr rtlCol="0" anchor="ctr"/>
+            <a:lstStyle/>
+            <a:p>
+              <a:pPr algn="ctr"/>
+              <a:r>
+                <a:rPr lang="en-US" sz="950" b="1" dirty="0" err="1" smtClean="0">
+                  <a:solidFill>
+                    <a:srgbClr val="0070C0"/>
+                  </a:solidFill>
+                </a:rPr>
+                <a:t>AddTaskParser</a:t>
+              </a:r>
+              <a:endParaRPr lang="en-SG" sz="950" b="1" dirty="0">
+                <a:solidFill>
+                  <a:srgbClr val="0070C0"/>
+                </a:solidFill>
+              </a:endParaRPr>
+            </a:p>
+          </p:txBody>
+        </p:sp>
+        <p:sp>
+          <p:nvSpPr>
+            <p:cNvPr id="149" name="Rectangle 11"/>
+            <p:cNvSpPr/>
+            <p:nvPr/>
+          </p:nvSpPr>
+          <p:spPr>
+            <a:xfrm flipH="1">
+              <a:off x="7239000" y="1219200"/>
+              <a:ext cx="1186398" cy="346760"/>
+            </a:xfrm>
+            <a:prstGeom prst="rect">
+              <a:avLst/>
+            </a:prstGeom>
+            <a:grpFill/>
+            <a:ln w="19050">
+              <a:solidFill>
+                <a:srgbClr val="0070C0"/>
+              </a:solidFill>
+              <a:headEnd type="none" w="med" len="med"/>
+              <a:tailEnd type="none" w="med" len="med"/>
+            </a:ln>
+            <a:effectLst/>
+          </p:spPr>
+          <p:style>
+            <a:lnRef idx="1">
+              <a:schemeClr val="accent2"/>
+            </a:lnRef>
+            <a:fillRef idx="2">
+              <a:schemeClr val="accent2"/>
+            </a:fillRef>
+            <a:effectRef idx="1">
+              <a:schemeClr val="accent2"/>
+            </a:effectRef>
+            <a:fontRef idx="minor">
+              <a:schemeClr val="dk1"/>
+            </a:fontRef>
+          </p:style>
+          <p:txBody>
+            <a:bodyPr rtlCol="0" anchor="ctr"/>
+            <a:lstStyle/>
+            <a:p>
+              <a:pPr algn="ctr"/>
+              <a:r>
+                <a:rPr lang="en-US" sz="950" b="1" dirty="0" err="1" smtClean="0">
+                  <a:solidFill>
+                    <a:srgbClr val="0070C0"/>
+                  </a:solidFill>
+                </a:rPr>
+                <a:t>AddEventParser</a:t>
+              </a:r>
+              <a:endParaRPr lang="en-SG" sz="950" b="1" dirty="0">
+                <a:solidFill>
+                  <a:srgbClr val="0070C0"/>
+                </a:solidFill>
+              </a:endParaRPr>
+            </a:p>
+          </p:txBody>
+        </p:sp>
+        <p:cxnSp>
+          <p:nvCxnSpPr>
+            <p:cNvPr id="150" name="Elbow Connector 149"/>
+            <p:cNvCxnSpPr>
+              <a:stCxn id="146" idx="1"/>
+              <a:endCxn id="148" idx="3"/>
+            </p:cNvCxnSpPr>
+            <p:nvPr/>
+          </p:nvCxnSpPr>
+          <p:spPr>
+            <a:xfrm flipV="1">
+              <a:off x="7010399" y="935380"/>
+              <a:ext cx="228601" cy="152400"/>
+            </a:xfrm>
+            <a:prstGeom prst="bentConnector3">
+              <a:avLst/>
+            </a:prstGeom>
+            <a:grpFill/>
+            <a:ln w="19050">
+              <a:solidFill>
+                <a:srgbClr val="0070C0"/>
+              </a:solidFill>
+              <a:headEnd type="none" w="med" len="med"/>
+              <a:tailEnd type="none" w="med" len="med"/>
+            </a:ln>
+            <a:effectLst/>
+          </p:spPr>
+          <p:style>
+            <a:lnRef idx="1">
+              <a:schemeClr val="accent2"/>
+            </a:lnRef>
+            <a:fillRef idx="2">
+              <a:schemeClr val="accent2"/>
+            </a:fillRef>
+            <a:effectRef idx="1">
+              <a:schemeClr val="accent2"/>
+            </a:effectRef>
+            <a:fontRef idx="minor">
+              <a:schemeClr val="dk1"/>
+            </a:fontRef>
+          </p:style>
+        </p:cxnSp>
+        <p:cxnSp>
+          <p:nvCxnSpPr>
+            <p:cNvPr id="151" name="Elbow Connector 150"/>
+            <p:cNvCxnSpPr>
+              <a:stCxn id="146" idx="1"/>
+              <a:endCxn id="149" idx="3"/>
+            </p:cNvCxnSpPr>
+            <p:nvPr/>
+          </p:nvCxnSpPr>
+          <p:spPr>
+            <a:xfrm>
+              <a:off x="7010399" y="1087780"/>
+              <a:ext cx="228601" cy="304800"/>
+            </a:xfrm>
+            <a:prstGeom prst="bentConnector3">
+              <a:avLst>
+                <a:gd name="adj1" fmla="val 50000"/>
+              </a:avLst>
+            </a:prstGeom>
+            <a:grpFill/>
+            <a:ln w="19050">
+              <a:solidFill>
+                <a:srgbClr val="0070C0"/>
+              </a:solidFill>
+              <a:headEnd type="none" w="med" len="med"/>
+              <a:tailEnd type="none" w="med" len="med"/>
+            </a:ln>
+            <a:effectLst/>
+          </p:spPr>
+          <p:style>
+            <a:lnRef idx="1">
+              <a:schemeClr val="accent2"/>
+            </a:lnRef>
+            <a:fillRef idx="2">
+              <a:schemeClr val="accent2"/>
+            </a:fillRef>
+            <a:effectRef idx="1">
+              <a:schemeClr val="accent2"/>
+            </a:effectRef>
+            <a:fontRef idx="minor">
+              <a:schemeClr val="dk1"/>
+            </a:fontRef>
+          </p:style>
+        </p:cxnSp>
+      </p:grpSp>
+      <p:grpSp>
+        <p:nvGrpSpPr>
+          <p:cNvPr id="152" name="Group 151"/>
+          <p:cNvGrpSpPr/>
+          <p:nvPr/>
+        </p:nvGrpSpPr>
+        <p:grpSpPr>
+          <a:xfrm>
+            <a:off x="3157001" y="4225240"/>
+            <a:ext cx="1414999" cy="803960"/>
+            <a:chOff x="7010399" y="762000"/>
+            <a:chExt cx="1414999" cy="803960"/>
+          </a:xfrm>
+          <a:solidFill>
+            <a:schemeClr val="tx2">
+              <a:lumMod val="20000"/>
+              <a:lumOff val="80000"/>
+            </a:schemeClr>
+          </a:solidFill>
+        </p:grpSpPr>
+        <p:sp>
+          <p:nvSpPr>
+            <p:cNvPr id="153" name="Rectangle 11"/>
+            <p:cNvSpPr/>
+            <p:nvPr/>
+          </p:nvSpPr>
+          <p:spPr>
+            <a:xfrm flipH="1">
+              <a:off x="7239000" y="762000"/>
+              <a:ext cx="1186398" cy="346760"/>
+            </a:xfrm>
+            <a:prstGeom prst="rect">
+              <a:avLst/>
+            </a:prstGeom>
+            <a:grpFill/>
+            <a:ln w="19050">
+              <a:solidFill>
+                <a:srgbClr val="0070C0"/>
+              </a:solidFill>
+              <a:headEnd type="none" w="med" len="med"/>
+              <a:tailEnd type="none" w="med" len="med"/>
+            </a:ln>
+            <a:effectLst/>
+          </p:spPr>
+          <p:style>
+            <a:lnRef idx="1">
+              <a:schemeClr val="accent2"/>
+            </a:lnRef>
+            <a:fillRef idx="2">
+              <a:schemeClr val="accent2"/>
+            </a:fillRef>
+            <a:effectRef idx="1">
+              <a:schemeClr val="accent2"/>
+            </a:effectRef>
+            <a:fontRef idx="minor">
+              <a:schemeClr val="dk1"/>
+            </a:fontRef>
+          </p:style>
+          <p:txBody>
+            <a:bodyPr rtlCol="0" anchor="ctr"/>
+            <a:lstStyle/>
+            <a:p>
+              <a:pPr algn="ctr"/>
+              <a:r>
+                <a:rPr lang="en-US" sz="950" b="1" dirty="0" err="1" smtClean="0">
+                  <a:solidFill>
+                    <a:srgbClr val="0070C0"/>
+                  </a:solidFill>
+                </a:rPr>
+                <a:t>Edit</a:t>
+              </a:r>
+              <a:r>
+                <a:rPr lang="en-US" sz="950" b="1" dirty="0" err="1" smtClean="0">
+                  <a:solidFill>
+                    <a:srgbClr val="0070C0"/>
+                  </a:solidFill>
+                </a:rPr>
+                <a:t>TaskParser</a:t>
+              </a:r>
+              <a:endParaRPr lang="en-SG" sz="950" b="1" dirty="0">
+                <a:solidFill>
+                  <a:srgbClr val="0070C0"/>
+                </a:solidFill>
+              </a:endParaRPr>
+            </a:p>
+          </p:txBody>
+        </p:sp>
+        <p:sp>
+          <p:nvSpPr>
+            <p:cNvPr id="154" name="Rectangle 11"/>
+            <p:cNvSpPr/>
+            <p:nvPr/>
+          </p:nvSpPr>
+          <p:spPr>
+            <a:xfrm flipH="1">
+              <a:off x="7239000" y="1219200"/>
+              <a:ext cx="1186398" cy="346760"/>
+            </a:xfrm>
+            <a:prstGeom prst="rect">
+              <a:avLst/>
+            </a:prstGeom>
+            <a:grpFill/>
+            <a:ln w="19050">
+              <a:solidFill>
+                <a:srgbClr val="0070C0"/>
+              </a:solidFill>
+              <a:headEnd type="none" w="med" len="med"/>
+              <a:tailEnd type="none" w="med" len="med"/>
+            </a:ln>
+            <a:effectLst/>
+          </p:spPr>
+          <p:style>
+            <a:lnRef idx="1">
+              <a:schemeClr val="accent2"/>
+            </a:lnRef>
+            <a:fillRef idx="2">
+              <a:schemeClr val="accent2"/>
+            </a:fillRef>
+            <a:effectRef idx="1">
+              <a:schemeClr val="accent2"/>
+            </a:effectRef>
+            <a:fontRef idx="minor">
+              <a:schemeClr val="dk1"/>
+            </a:fontRef>
+          </p:style>
+          <p:txBody>
+            <a:bodyPr rtlCol="0" anchor="ctr"/>
+            <a:lstStyle/>
+            <a:p>
+              <a:pPr algn="ctr"/>
+              <a:r>
+                <a:rPr lang="en-US" sz="950" b="1" dirty="0" err="1" smtClean="0">
+                  <a:solidFill>
+                    <a:srgbClr val="0070C0"/>
+                  </a:solidFill>
+                </a:rPr>
+                <a:t>Edit</a:t>
+              </a:r>
+              <a:r>
+                <a:rPr lang="en-US" sz="950" b="1" dirty="0" err="1" smtClean="0">
+                  <a:solidFill>
+                    <a:srgbClr val="0070C0"/>
+                  </a:solidFill>
+                </a:rPr>
+                <a:t>EventParser</a:t>
+              </a:r>
+              <a:endParaRPr lang="en-SG" sz="950" b="1" dirty="0">
+                <a:solidFill>
+                  <a:srgbClr val="0070C0"/>
+                </a:solidFill>
+              </a:endParaRPr>
+            </a:p>
+          </p:txBody>
+        </p:sp>
+        <p:cxnSp>
+          <p:nvCxnSpPr>
+            <p:cNvPr id="155" name="Elbow Connector 154"/>
+            <p:cNvCxnSpPr>
+              <a:endCxn id="153" idx="3"/>
+            </p:cNvCxnSpPr>
+            <p:nvPr/>
+          </p:nvCxnSpPr>
+          <p:spPr>
+            <a:xfrm flipV="1">
+              <a:off x="7010399" y="935380"/>
+              <a:ext cx="228601" cy="228600"/>
+            </a:xfrm>
+            <a:prstGeom prst="bentConnector3">
+              <a:avLst/>
+            </a:prstGeom>
+            <a:grpFill/>
+            <a:ln w="19050">
+              <a:solidFill>
+                <a:srgbClr val="0070C0"/>
+              </a:solidFill>
+              <a:headEnd type="none" w="med" len="med"/>
+              <a:tailEnd type="none" w="med" len="med"/>
+            </a:ln>
+            <a:effectLst/>
+          </p:spPr>
+          <p:style>
+            <a:lnRef idx="1">
+              <a:schemeClr val="accent2"/>
+            </a:lnRef>
+            <a:fillRef idx="2">
+              <a:schemeClr val="accent2"/>
+            </a:fillRef>
+            <a:effectRef idx="1">
+              <a:schemeClr val="accent2"/>
+            </a:effectRef>
+            <a:fontRef idx="minor">
+              <a:schemeClr val="dk1"/>
+            </a:fontRef>
+          </p:style>
+        </p:cxnSp>
+        <p:cxnSp>
+          <p:nvCxnSpPr>
+            <p:cNvPr id="156" name="Elbow Connector 155"/>
+            <p:cNvCxnSpPr>
+              <a:endCxn id="154" idx="3"/>
+            </p:cNvCxnSpPr>
+            <p:nvPr/>
+          </p:nvCxnSpPr>
+          <p:spPr>
+            <a:xfrm>
+              <a:off x="7010399" y="1163980"/>
+              <a:ext cx="228601" cy="228600"/>
+            </a:xfrm>
+            <a:prstGeom prst="bentConnector3">
+              <a:avLst>
+                <a:gd name="adj1" fmla="val 50000"/>
+              </a:avLst>
+            </a:prstGeom>
+            <a:grpFill/>
+            <a:ln w="19050">
+              <a:solidFill>
+                <a:srgbClr val="0070C0"/>
+              </a:solidFill>
+              <a:headEnd type="none" w="med" len="med"/>
+              <a:tailEnd type="none" w="med" len="med"/>
+            </a:ln>
+            <a:effectLst/>
+          </p:spPr>
+          <p:style>
+            <a:lnRef idx="1">
+              <a:schemeClr val="accent2"/>
+            </a:lnRef>
+            <a:fillRef idx="2">
+              <a:schemeClr val="accent2"/>
+            </a:fillRef>
+            <a:effectRef idx="1">
+              <a:schemeClr val="accent2"/>
+            </a:effectRef>
+            <a:fontRef idx="minor">
+              <a:schemeClr val="dk1"/>
+            </a:fontRef>
+          </p:style>
+        </p:cxnSp>
+      </p:grpSp>
+      <p:sp>
+        <p:nvSpPr>
+          <p:cNvPr id="171" name="Rectangle 11"/>
+          <p:cNvSpPr/>
+          <p:nvPr/>
+        </p:nvSpPr>
+        <p:spPr>
+          <a:xfrm flipH="1">
+            <a:off x="1981200" y="4876800"/>
+            <a:ext cx="1186398" cy="346760"/>
+          </a:xfrm>
+          <a:prstGeom prst="rect">
+            <a:avLst/>
+          </a:prstGeom>
+          <a:ln w="19050">
+            <a:solidFill>
+              <a:srgbClr val="0070C0"/>
+            </a:solidFill>
+          </a:ln>
+          <a:effectLst/>
+        </p:spPr>
+        <p:style>
+          <a:lnRef idx="1">
+            <a:schemeClr val="accent1"/>
+          </a:lnRef>
+          <a:fillRef idx="2">
+            <a:schemeClr val="accent1"/>
+          </a:fillRef>
+          <a:effectRef idx="1">
+            <a:schemeClr val="accent1"/>
+          </a:effectRef>
+          <a:fontRef idx="minor">
+            <a:schemeClr val="dk1"/>
+          </a:fontRef>
+        </p:style>
+        <p:txBody>
+          <a:bodyPr rtlCol="0" anchor="ctr"/>
+          <a:lstStyle/>
+          <a:p>
+            <a:pPr algn="ctr"/>
+            <a:r>
+              <a:rPr lang="en-US" sz="1200" b="1" dirty="0" smtClean="0">
+                <a:solidFill>
+                  <a:srgbClr val="0070C0"/>
+                </a:solidFill>
+              </a:rPr>
+              <a:t>. . .</a:t>
+            </a:r>
+            <a:endParaRPr lang="en-SG" sz="1200" b="1" dirty="0">
+              <a:solidFill>
+                <a:srgbClr val="0070C0"/>
+              </a:solidFill>
+            </a:endParaRPr>
+          </a:p>
+        </p:txBody>
+      </p:sp>
+      <p:cxnSp>
+        <p:nvCxnSpPr>
+          <p:cNvPr id="173" name="Elbow Connector 172"/>
+          <p:cNvCxnSpPr>
+            <a:stCxn id="18" idx="2"/>
+          </p:cNvCxnSpPr>
+          <p:nvPr/>
+        </p:nvCxnSpPr>
+        <p:spPr>
+          <a:xfrm rot="5400000">
+            <a:off x="1646392" y="2970107"/>
+            <a:ext cx="1403301" cy="1343284"/>
+          </a:xfrm>
+          <a:prstGeom prst="bentConnector3">
+            <a:avLst>
+              <a:gd name="adj1" fmla="val 34361"/>
+            </a:avLst>
+          </a:prstGeom>
+          <a:ln w="19050">
+            <a:solidFill>
+              <a:srgbClr val="0070C0"/>
+            </a:solidFill>
+            <a:headEnd type="none" w="med" len="med"/>
+            <a:tailEnd type="none" w="med" len="med"/>
+          </a:ln>
+          <a:effectLst/>
+        </p:spPr>
+        <p:style>
+          <a:lnRef idx="1">
+            <a:schemeClr val="accent2"/>
+          </a:lnRef>
+          <a:fillRef idx="2">
+            <a:schemeClr val="accent2"/>
+          </a:fillRef>
+          <a:effectRef idx="1">
+            <a:schemeClr val="accent2"/>
+          </a:effectRef>
+          <a:fontRef idx="minor">
+            <a:schemeClr val="dk1"/>
+          </a:fontRef>
+        </p:style>
+      </p:cxnSp>
+      <p:cxnSp>
+        <p:nvCxnSpPr>
+          <p:cNvPr id="180" name="Elbow Connector 179"/>
+          <p:cNvCxnSpPr>
+            <a:endCxn id="146" idx="3"/>
+          </p:cNvCxnSpPr>
+          <p:nvPr/>
+        </p:nvCxnSpPr>
+        <p:spPr>
+          <a:xfrm rot="5400000" flipH="1" flipV="1">
+            <a:off x="1529191" y="3901989"/>
+            <a:ext cx="588620" cy="294202"/>
+          </a:xfrm>
+          <a:prstGeom prst="bentConnector2">
+            <a:avLst/>
+          </a:prstGeom>
+          <a:ln w="19050">
+            <a:solidFill>
+              <a:srgbClr val="0070C0"/>
+            </a:solidFill>
+            <a:headEnd type="none" w="med" len="med"/>
+            <a:tailEnd type="none" w="med" len="med"/>
+          </a:ln>
+          <a:effectLst/>
+        </p:spPr>
+        <p:style>
+          <a:lnRef idx="1">
+            <a:schemeClr val="accent2"/>
+          </a:lnRef>
+          <a:fillRef idx="2">
+            <a:schemeClr val="accent2"/>
+          </a:fillRef>
+          <a:effectRef idx="1">
+            <a:schemeClr val="accent2"/>
+          </a:effectRef>
+          <a:fontRef idx="minor">
+            <a:schemeClr val="dk1"/>
+          </a:fontRef>
+        </p:style>
+      </p:cxnSp>
+      <p:cxnSp>
+        <p:nvCxnSpPr>
+          <p:cNvPr id="186" name="Elbow Connector 185"/>
+          <p:cNvCxnSpPr>
+            <a:endCxn id="171" idx="3"/>
+          </p:cNvCxnSpPr>
+          <p:nvPr/>
+        </p:nvCxnSpPr>
+        <p:spPr>
+          <a:xfrm rot="16200000" flipH="1">
+            <a:off x="1475410" y="4544390"/>
+            <a:ext cx="706780" cy="304800"/>
+          </a:xfrm>
+          <a:prstGeom prst="bentConnector2">
+            <a:avLst/>
+          </a:prstGeom>
+          <a:ln w="19050">
+            <a:solidFill>
+              <a:srgbClr val="0070C0"/>
+            </a:solidFill>
+            <a:headEnd type="none" w="med" len="med"/>
+            <a:tailEnd type="none" w="med" len="med"/>
+          </a:ln>
+          <a:effectLst/>
+        </p:spPr>
+        <p:style>
+          <a:lnRef idx="1">
+            <a:schemeClr val="accent2"/>
+          </a:lnRef>
+          <a:fillRef idx="2">
+            <a:schemeClr val="accent2"/>
+          </a:fillRef>
+          <a:effectRef idx="1">
+            <a:schemeClr val="accent2"/>
+          </a:effectRef>
+          <a:fontRef idx="minor">
+            <a:schemeClr val="dk1"/>
+          </a:fontRef>
+        </p:style>
+      </p:cxnSp>
+      <p:cxnSp>
+        <p:nvCxnSpPr>
+          <p:cNvPr id="190" name="Straight Connector 189"/>
+          <p:cNvCxnSpPr/>
+          <p:nvPr/>
+        </p:nvCxnSpPr>
+        <p:spPr>
+          <a:xfrm flipH="1">
+            <a:off x="1676400" y="4191000"/>
+            <a:ext cx="304800" cy="0"/>
+          </a:xfrm>
+          <a:prstGeom prst="line">
+            <a:avLst/>
+          </a:prstGeom>
+          <a:ln w="19050">
+            <a:solidFill>
+              <a:srgbClr val="0070C0"/>
+            </a:solidFill>
+            <a:headEnd type="none" w="med" len="med"/>
+            <a:tailEnd type="none" w="med" len="med"/>
+          </a:ln>
+          <a:effectLst/>
+        </p:spPr>
+        <p:style>
+          <a:lnRef idx="1">
+            <a:schemeClr val="accent2"/>
+          </a:lnRef>
+          <a:fillRef idx="2">
+            <a:schemeClr val="accent2"/>
+          </a:fillRef>
+          <a:effectRef idx="1">
+            <a:schemeClr val="accent2"/>
+          </a:effectRef>
+          <a:fontRef idx="minor">
+            <a:schemeClr val="dk1"/>
+          </a:fontRef>
+        </p:style>
+      </p:cxnSp>
+      <p:cxnSp>
+        <p:nvCxnSpPr>
+          <p:cNvPr id="192" name="Straight Connector 191"/>
+          <p:cNvCxnSpPr/>
+          <p:nvPr/>
+        </p:nvCxnSpPr>
+        <p:spPr>
+          <a:xfrm flipH="1">
+            <a:off x="1676400" y="4572000"/>
+            <a:ext cx="304800" cy="0"/>
+          </a:xfrm>
+          <a:prstGeom prst="line">
+            <a:avLst/>
+          </a:prstGeom>
+          <a:ln w="19050">
+            <a:solidFill>
+              <a:srgbClr val="0070C0"/>
+            </a:solidFill>
+            <a:headEnd type="none" w="med" len="med"/>
+            <a:tailEnd type="none" w="med" len="med"/>
+          </a:ln>
+          <a:effectLst/>
+        </p:spPr>
+        <p:style>
+          <a:lnRef idx="1">
+            <a:schemeClr val="accent2"/>
+          </a:lnRef>
+          <a:fillRef idx="2">
+            <a:schemeClr val="accent2"/>
+          </a:fillRef>
+          <a:effectRef idx="1">
+            <a:schemeClr val="accent2"/>
+          </a:effectRef>
+          <a:fontRef idx="minor">
+            <a:schemeClr val="dk1"/>
+          </a:fontRef>
+        </p:style>
+      </p:cxnSp>
+      <p:sp>
+        <p:nvSpPr>
+          <p:cNvPr id="195" name="Isosceles Triangle 102"/>
+          <p:cNvSpPr/>
+          <p:nvPr/>
+        </p:nvSpPr>
+        <p:spPr>
+          <a:xfrm rot="10800000" flipV="1">
+            <a:off x="2895599" y="2971799"/>
+            <a:ext cx="228600" cy="228600"/>
+          </a:xfrm>
+          <a:prstGeom prst="triangle">
+            <a:avLst/>
+          </a:prstGeom>
+          <a:ln w="19050">
+            <a:solidFill>
+              <a:srgbClr val="0070C0"/>
+            </a:solidFill>
+          </a:ln>
+          <a:effectLst/>
+        </p:spPr>
+        <p:style>
+          <a:lnRef idx="1">
+            <a:schemeClr val="accent1"/>
+          </a:lnRef>
+          <a:fillRef idx="2">
+            <a:schemeClr val="accent1"/>
+          </a:fillRef>
+          <a:effectRef idx="1">
+            <a:schemeClr val="accent1"/>
+          </a:effectRef>
+          <a:fontRef idx="minor">
+            <a:schemeClr val="dk1"/>
+          </a:fontRef>
+        </p:style>
+        <p:txBody>
+          <a:bodyPr rtlCol="0" anchor="ctr"/>
+          <a:lstStyle/>
+          <a:p>
+            <a:pPr algn="ctr"/>
+            <a:endParaRPr lang="en-SG" sz="1050" b="1">
+              <a:solidFill>
+                <a:srgbClr val="92D050"/>
+              </a:solidFill>
+            </a:endParaRPr>
+          </a:p>
+        </p:txBody>
+      </p:sp>
     </p:spTree>
     <p:extLst>
       <p:ext uri="{BB962C8B-B14F-4D97-AF65-F5344CB8AC3E}">
@@ -11535,8 +14354,8 @@
         </p:nvSpPr>
         <p:spPr>
           <a:xfrm>
-            <a:off x="1119865" y="1727200"/>
-            <a:ext cx="7490735" cy="2997200"/>
+            <a:off x="1119865" y="990600"/>
+            <a:ext cx="7643135" cy="3733800"/>
           </a:xfrm>
           <a:prstGeom prst="roundRect">
             <a:avLst>
@@ -11911,48 +14730,6 @@
       </p:sp>
       <p:cxnSp>
         <p:nvCxnSpPr>
-          <p:cNvPr id="55" name="Straight Arrow Connector 54"/>
-          <p:cNvCxnSpPr>
-            <a:stCxn id="62" idx="0"/>
-            <a:endCxn id="67" idx="2"/>
-          </p:cNvCxnSpPr>
-          <p:nvPr/>
-        </p:nvCxnSpPr>
-        <p:spPr>
-          <a:xfrm flipV="1">
-            <a:off x="6667770" y="2632344"/>
-            <a:ext cx="1612" cy="225722"/>
-          </a:xfrm>
-          <a:prstGeom prst="straightConnector1">
-            <a:avLst/>
-          </a:prstGeom>
-          <a:ln w="19050">
-            <a:solidFill>
-              <a:srgbClr val="7030A0"/>
-            </a:solidFill>
-            <a:prstDash val="sysDot"/>
-            <a:headEnd type="none" w="med" len="med"/>
-            <a:tailEnd type="arrow" w="med" len="med"/>
-          </a:ln>
-          <a:effectLst/>
-        </p:spPr>
-        <p:style>
-          <a:lnRef idx="1">
-            <a:schemeClr val="accent2"/>
-          </a:lnRef>
-          <a:fillRef idx="2">
-            <a:schemeClr val="accent2"/>
-          </a:fillRef>
-          <a:effectRef idx="1">
-            <a:schemeClr val="accent2"/>
-          </a:effectRef>
-          <a:fontRef idx="minor">
-            <a:schemeClr val="dk1"/>
-          </a:fontRef>
-        </p:style>
-      </p:cxnSp>
-      <p:cxnSp>
-        <p:nvCxnSpPr>
           <p:cNvPr id="58" name="Straight Arrow Connector 57"/>
           <p:cNvCxnSpPr>
             <a:stCxn id="42" idx="3"/>
@@ -12218,7 +14995,15 @@
                   <a:srgbClr val="7030A0"/>
                 </a:solidFill>
               </a:rPr>
-              <a:t>AddressBook</a:t>
+              <a:t>Task</a:t>
+            </a:r>
+            <a:r>
+              <a:rPr lang="en-US" sz="1050" dirty="0" err="1" smtClean="0">
+                <a:solidFill>
+                  <a:srgbClr val="7030A0"/>
+                </a:solidFill>
+              </a:rPr>
+              <a:t>Book</a:t>
             </a:r>
             <a:endParaRPr lang="en-SG" sz="1050" dirty="0">
               <a:solidFill>
@@ -12360,7 +15145,7 @@
                   <a:srgbClr val="7030A0"/>
                 </a:solidFill>
               </a:rPr>
-              <a:t>UniquePersonList</a:t>
+              <a:t>UniqueEventList</a:t>
             </a:r>
             <a:endParaRPr lang="en-SG" sz="1050" dirty="0">
               <a:solidFill>
@@ -12504,7 +15289,7 @@
                   <a:srgbClr val="7030A0"/>
                 </a:solidFill>
               </a:rPr>
-              <a:t>UniqueTagList</a:t>
+              <a:t>UniqueTaskList</a:t>
             </a:r>
             <a:endParaRPr lang="en-SG" sz="1050" dirty="0">
               <a:solidFill>
@@ -12598,12 +15383,12 @@
           <a:p>
             <a:pPr algn="ctr"/>
             <a:r>
-              <a:rPr lang="en-US" sz="1050" dirty="0" smtClean="0">
+              <a:rPr lang="en-SG" sz="1050" dirty="0" smtClean="0">
                 <a:solidFill>
                   <a:srgbClr val="7030A0"/>
                 </a:solidFill>
               </a:rPr>
-              <a:t>Person</a:t>
+              <a:t>Event</a:t>
             </a:r>
             <a:endParaRPr lang="en-SG" sz="1050" dirty="0">
               <a:solidFill>
@@ -12745,7 +15530,7 @@
                   <a:srgbClr val="7030A0"/>
                 </a:solidFill>
               </a:rPr>
-              <a:t>Tag</a:t>
+              <a:t>Task</a:t>
             </a:r>
             <a:endParaRPr lang="en-SG" sz="1050" dirty="0">
               <a:solidFill>
@@ -12902,7 +15687,7 @@
                   <a:srgbClr val="7030A0"/>
                 </a:solidFill>
               </a:rPr>
-              <a:t>ReadOnlyPerson</a:t>
+              <a:t>ReadOnlyEvent</a:t>
             </a:r>
             <a:endParaRPr lang="en-SG" sz="1050" dirty="0">
               <a:solidFill>
@@ -12914,14 +15699,61 @@
       </p:sp>
       <p:sp>
         <p:nvSpPr>
-          <p:cNvPr id="76" name="Rectangle 8"/>
+          <p:cNvPr id="78" name="Flowchart: Decision 96"/>
           <p:cNvSpPr/>
           <p:nvPr/>
         </p:nvSpPr>
         <p:spPr>
           <a:xfrm>
-            <a:off x="7712397" y="2564238"/>
-            <a:ext cx="708186" cy="285783"/>
+            <a:off x="7041947" y="2948201"/>
+            <a:ext cx="236048" cy="173380"/>
+          </a:xfrm>
+          <a:prstGeom prst="flowChartDecision">
+            <a:avLst/>
+          </a:prstGeom>
+          <a:solidFill>
+            <a:srgbClr val="7030A0"/>
+          </a:solidFill>
+          <a:ln w="19050">
+            <a:solidFill>
+              <a:srgbClr val="7030A0"/>
+            </a:solidFill>
+          </a:ln>
+          <a:effectLst/>
+        </p:spPr>
+        <p:style>
+          <a:lnRef idx="1">
+            <a:schemeClr val="accent6"/>
+          </a:lnRef>
+          <a:fillRef idx="2">
+            <a:schemeClr val="accent6"/>
+          </a:fillRef>
+          <a:effectRef idx="1">
+            <a:schemeClr val="accent6"/>
+          </a:effectRef>
+          <a:fontRef idx="minor">
+            <a:schemeClr val="dk1"/>
+          </a:fontRef>
+        </p:style>
+        <p:txBody>
+          <a:bodyPr rtlCol="0" anchor="ctr"/>
+          <a:lstStyle/>
+          <a:p>
+            <a:pPr algn="ctr"/>
+            <a:endParaRPr lang="en-US" sz="1050"/>
+          </a:p>
+        </p:txBody>
+      </p:sp>
+      <p:sp>
+        <p:nvSpPr>
+          <p:cNvPr id="80" name="Rectangle 8"/>
+          <p:cNvSpPr/>
+          <p:nvPr/>
+        </p:nvSpPr>
+        <p:spPr>
+          <a:xfrm>
+            <a:off x="7712397" y="2895600"/>
+            <a:ext cx="822003" cy="228600"/>
           </a:xfrm>
           <a:prstGeom prst="rect">
             <a:avLst/>
@@ -12970,21 +15802,18 @@
       </p:sp>
       <p:sp>
         <p:nvSpPr>
-          <p:cNvPr id="78" name="Flowchart: Decision 96"/>
+          <p:cNvPr id="83" name="Rectangle 8"/>
           <p:cNvSpPr/>
           <p:nvPr/>
         </p:nvSpPr>
         <p:spPr>
           <a:xfrm>
-            <a:off x="7041947" y="2948201"/>
-            <a:ext cx="236048" cy="173380"/>
-          </a:xfrm>
-          <a:prstGeom prst="flowChartDecision">
-            <a:avLst/>
-          </a:prstGeom>
-          <a:solidFill>
-            <a:srgbClr val="7030A0"/>
-          </a:solidFill>
+            <a:off x="7712396" y="3258423"/>
+            <a:ext cx="822003" cy="237554"/>
+          </a:xfrm>
+          <a:prstGeom prst="rect">
+            <a:avLst/>
+          </a:prstGeom>
           <a:ln w="19050">
             <a:solidFill>
               <a:srgbClr val="7030A0"/>
@@ -12994,13 +15823,13 @@
         </p:spPr>
         <p:style>
           <a:lnRef idx="1">
-            <a:schemeClr val="accent6"/>
-          </a:lnRef>
-          <a:fillRef idx="2">
-            <a:schemeClr val="accent6"/>
-          </a:fillRef>
-          <a:effectRef idx="1">
-            <a:schemeClr val="accent6"/>
+            <a:schemeClr val="accent4"/>
+          </a:lnRef>
+          <a:fillRef idx="2">
+            <a:schemeClr val="accent4"/>
+          </a:fillRef>
+          <a:effectRef idx="1">
+            <a:schemeClr val="accent4"/>
           </a:effectRef>
           <a:fontRef idx="minor">
             <a:schemeClr val="dk1"/>
@@ -13011,195 +15840,13 @@
           <a:lstStyle/>
           <a:p>
             <a:pPr algn="ctr"/>
-            <a:endParaRPr lang="en-US" sz="1050"/>
-          </a:p>
-        </p:txBody>
-      </p:sp>
-      <p:cxnSp>
-        <p:nvCxnSpPr>
-          <p:cNvPr id="79" name="Elbow Connector 78"/>
-          <p:cNvCxnSpPr>
-            <a:stCxn id="78" idx="3"/>
-            <a:endCxn id="76" idx="1"/>
-          </p:cNvCxnSpPr>
-          <p:nvPr/>
-        </p:nvCxnSpPr>
-        <p:spPr>
-          <a:xfrm flipV="1">
-            <a:off x="7277995" y="2707130"/>
-            <a:ext cx="434402" cy="327761"/>
-          </a:xfrm>
-          <a:prstGeom prst="bentConnector3">
-            <a:avLst/>
-          </a:prstGeom>
-          <a:ln w="19050">
-            <a:solidFill>
-              <a:srgbClr val="7030A0"/>
-            </a:solidFill>
-            <a:headEnd type="none" w="med" len="med"/>
-            <a:tailEnd type="arrow" w="med" len="med"/>
-          </a:ln>
-          <a:effectLst/>
-        </p:spPr>
-        <p:style>
-          <a:lnRef idx="1">
-            <a:schemeClr val="accent2"/>
-          </a:lnRef>
-          <a:fillRef idx="2">
-            <a:schemeClr val="accent2"/>
-          </a:fillRef>
-          <a:effectRef idx="1">
-            <a:schemeClr val="accent2"/>
-          </a:effectRef>
-          <a:fontRef idx="minor">
-            <a:schemeClr val="dk1"/>
-          </a:fontRef>
-        </p:style>
-      </p:cxnSp>
-      <p:sp>
-        <p:nvSpPr>
-          <p:cNvPr id="80" name="Rectangle 8"/>
-          <p:cNvSpPr/>
-          <p:nvPr/>
-        </p:nvSpPr>
-        <p:spPr>
-          <a:xfrm>
-            <a:off x="7712397" y="2887216"/>
-            <a:ext cx="708186" cy="285783"/>
-          </a:xfrm>
-          <a:prstGeom prst="rect">
-            <a:avLst/>
-          </a:prstGeom>
-          <a:ln w="19050">
-            <a:solidFill>
-              <a:srgbClr val="7030A0"/>
-            </a:solidFill>
-          </a:ln>
-          <a:effectLst/>
-        </p:spPr>
-        <p:style>
-          <a:lnRef idx="1">
-            <a:schemeClr val="accent4"/>
-          </a:lnRef>
-          <a:fillRef idx="2">
-            <a:schemeClr val="accent4"/>
-          </a:fillRef>
-          <a:effectRef idx="1">
-            <a:schemeClr val="accent4"/>
-          </a:effectRef>
-          <a:fontRef idx="minor">
-            <a:schemeClr val="dk1"/>
-          </a:fontRef>
-        </p:style>
-        <p:txBody>
-          <a:bodyPr rtlCol="0" anchor="ctr"/>
-          <a:lstStyle/>
-          <a:p>
-            <a:pPr algn="ctr"/>
-            <a:r>
-              <a:rPr lang="en-US" sz="1050" dirty="0" smtClean="0">
+            <a:r>
+              <a:rPr lang="en-US" sz="1050" dirty="0">
                 <a:solidFill>
                   <a:srgbClr val="7030A0"/>
                 </a:solidFill>
               </a:rPr>
-              <a:t>Phone</a:t>
-            </a:r>
-            <a:endParaRPr lang="en-SG" sz="1050" dirty="0">
-              <a:solidFill>
-                <a:srgbClr val="7030A0"/>
-              </a:solidFill>
-            </a:endParaRPr>
-          </a:p>
-        </p:txBody>
-      </p:sp>
-      <p:cxnSp>
-        <p:nvCxnSpPr>
-          <p:cNvPr id="81" name="Elbow Connector 80"/>
-          <p:cNvCxnSpPr>
-            <a:stCxn id="78" idx="3"/>
-            <a:endCxn id="80" idx="1"/>
-          </p:cNvCxnSpPr>
-          <p:nvPr/>
-        </p:nvCxnSpPr>
-        <p:spPr>
-          <a:xfrm flipV="1">
-            <a:off x="7277995" y="3030108"/>
-            <a:ext cx="434402" cy="4783"/>
-          </a:xfrm>
-          <a:prstGeom prst="bentConnector3">
-            <a:avLst/>
-          </a:prstGeom>
-          <a:ln w="19050">
-            <a:solidFill>
-              <a:srgbClr val="7030A0"/>
-            </a:solidFill>
-            <a:headEnd type="none" w="med" len="med"/>
-            <a:tailEnd type="arrow" w="med" len="med"/>
-          </a:ln>
-          <a:effectLst/>
-        </p:spPr>
-        <p:style>
-          <a:lnRef idx="1">
-            <a:schemeClr val="accent2"/>
-          </a:lnRef>
-          <a:fillRef idx="2">
-            <a:schemeClr val="accent2"/>
-          </a:fillRef>
-          <a:effectRef idx="1">
-            <a:schemeClr val="accent2"/>
-          </a:effectRef>
-          <a:fontRef idx="minor">
-            <a:schemeClr val="dk1"/>
-          </a:fontRef>
-        </p:style>
-      </p:cxnSp>
-      <p:sp>
-        <p:nvSpPr>
-          <p:cNvPr id="83" name="Rectangle 8"/>
-          <p:cNvSpPr/>
-          <p:nvPr/>
-        </p:nvSpPr>
-        <p:spPr>
-          <a:xfrm>
-            <a:off x="7712397" y="3210194"/>
-            <a:ext cx="708186" cy="285783"/>
-          </a:xfrm>
-          <a:prstGeom prst="rect">
-            <a:avLst/>
-          </a:prstGeom>
-          <a:ln w="19050">
-            <a:solidFill>
-              <a:srgbClr val="7030A0"/>
-            </a:solidFill>
-          </a:ln>
-          <a:effectLst/>
-        </p:spPr>
-        <p:style>
-          <a:lnRef idx="1">
-            <a:schemeClr val="accent4"/>
-          </a:lnRef>
-          <a:fillRef idx="2">
-            <a:schemeClr val="accent4"/>
-          </a:fillRef>
-          <a:effectRef idx="1">
-            <a:schemeClr val="accent4"/>
-          </a:effectRef>
-          <a:fontRef idx="minor">
-            <a:schemeClr val="dk1"/>
-          </a:fontRef>
-        </p:style>
-        <p:txBody>
-          <a:bodyPr rtlCol="0" anchor="ctr"/>
-          <a:lstStyle/>
-          <a:p>
-            <a:pPr algn="ctr"/>
-            <a:r>
-              <a:rPr lang="en-US" sz="1050" dirty="0" smtClean="0">
-                <a:solidFill>
-                  <a:srgbClr val="7030A0"/>
-                </a:solidFill>
-              </a:rPr>
-              <a:t>Email</a:t>
+              <a:t>Description</a:t>
             </a:r>
             <a:endParaRPr lang="en-SG" sz="1050" dirty="0">
               <a:solidFill>
@@ -13221,7 +15868,7 @@
         <p:spPr>
           <a:xfrm>
             <a:off x="7277995" y="3034891"/>
-            <a:ext cx="434402" cy="318195"/>
+            <a:ext cx="434401" cy="342309"/>
           </a:xfrm>
           <a:prstGeom prst="bentConnector3">
             <a:avLst/>
@@ -13258,8 +15905,8 @@
         </p:nvSpPr>
         <p:spPr>
           <a:xfrm>
-            <a:off x="7712397" y="3533171"/>
-            <a:ext cx="708186" cy="285783"/>
+            <a:off x="7712396" y="3581400"/>
+            <a:ext cx="822003" cy="237554"/>
           </a:xfrm>
           <a:prstGeom prst="rect">
             <a:avLst/>
@@ -13296,7 +15943,7 @@
                   <a:srgbClr val="7030A0"/>
                 </a:solidFill>
               </a:rPr>
-              <a:t>Address</a:t>
+              <a:t>Duration</a:t>
             </a:r>
             <a:endParaRPr lang="en-SG" sz="1050" dirty="0">
               <a:solidFill>
@@ -13318,7 +15965,7 @@
         <p:spPr>
           <a:xfrm>
             <a:off x="7277995" y="3034891"/>
-            <a:ext cx="434402" cy="641172"/>
+            <a:ext cx="434401" cy="665286"/>
           </a:xfrm>
           <a:prstGeom prst="bentConnector3">
             <a:avLst/>
@@ -13499,7 +16146,7 @@
                   <a:srgbClr val="7030A0"/>
                 </a:solidFill>
               </a:rPr>
-              <a:t>ReadOnlyAddressBook</a:t>
+              <a:t>ReadOnlyTaskBook</a:t>
             </a:r>
             <a:endParaRPr lang="en-SG" sz="1050" dirty="0">
               <a:solidFill>
@@ -13649,6 +16296,823 @@
               <a:srgbClr val="7030A0"/>
             </a:solidFill>
             <a:prstDash val="sysDot"/>
+            <a:headEnd type="none" w="med" len="med"/>
+            <a:tailEnd type="arrow" w="med" len="med"/>
+          </a:ln>
+          <a:effectLst/>
+        </p:spPr>
+        <p:style>
+          <a:lnRef idx="1">
+            <a:schemeClr val="accent2"/>
+          </a:lnRef>
+          <a:fillRef idx="2">
+            <a:schemeClr val="accent2"/>
+          </a:fillRef>
+          <a:effectRef idx="1">
+            <a:schemeClr val="accent2"/>
+          </a:effectRef>
+          <a:fontRef idx="minor">
+            <a:schemeClr val="dk1"/>
+          </a:fontRef>
+        </p:style>
+      </p:cxnSp>
+      <p:cxnSp>
+        <p:nvCxnSpPr>
+          <p:cNvPr id="45" name="Elbow Connector 44"/>
+          <p:cNvCxnSpPr>
+            <a:stCxn id="9" idx="3"/>
+            <a:endCxn id="67" idx="0"/>
+          </p:cNvCxnSpPr>
+          <p:nvPr/>
+        </p:nvCxnSpPr>
+        <p:spPr>
+          <a:xfrm rot="5400000" flipH="1" flipV="1">
+            <a:off x="4345248" y="171117"/>
+            <a:ext cx="209666" cy="4438601"/>
+          </a:xfrm>
+          <a:prstGeom prst="bentConnector3">
+            <a:avLst>
+              <a:gd name="adj1" fmla="val 509955"/>
+            </a:avLst>
+          </a:prstGeom>
+          <a:ln w="19050">
+            <a:solidFill>
+              <a:srgbClr val="7030A0"/>
+            </a:solidFill>
+            <a:prstDash val="solid"/>
+            <a:headEnd type="none" w="med" len="med"/>
+            <a:tailEnd type="arrow" w="med" len="med"/>
+          </a:ln>
+          <a:effectLst/>
+        </p:spPr>
+        <p:style>
+          <a:lnRef idx="1">
+            <a:schemeClr val="accent2"/>
+          </a:lnRef>
+          <a:fillRef idx="2">
+            <a:schemeClr val="accent2"/>
+          </a:fillRef>
+          <a:effectRef idx="1">
+            <a:schemeClr val="accent2"/>
+          </a:effectRef>
+          <a:fontRef idx="minor">
+            <a:schemeClr val="dk1"/>
+          </a:fontRef>
+        </p:style>
+      </p:cxnSp>
+      <p:cxnSp>
+        <p:nvCxnSpPr>
+          <p:cNvPr id="50" name="Elbow Connector 63"/>
+          <p:cNvCxnSpPr/>
+          <p:nvPr/>
+        </p:nvCxnSpPr>
+        <p:spPr>
+          <a:xfrm rot="16200000" flipH="1">
+            <a:off x="6137294" y="1946294"/>
+            <a:ext cx="504154" cy="175257"/>
+          </a:xfrm>
+          <a:prstGeom prst="bentConnector3">
+            <a:avLst>
+              <a:gd name="adj1" fmla="val -4413"/>
+            </a:avLst>
+          </a:prstGeom>
+          <a:ln w="19050">
+            <a:solidFill>
+              <a:srgbClr val="7030A0"/>
+            </a:solidFill>
+            <a:prstDash val="sysDot"/>
+            <a:headEnd type="none" w="med" len="med"/>
+            <a:tailEnd type="none" w="med" len="med"/>
+          </a:ln>
+          <a:effectLst/>
+        </p:spPr>
+        <p:style>
+          <a:lnRef idx="1">
+            <a:schemeClr val="accent2"/>
+          </a:lnRef>
+          <a:fillRef idx="2">
+            <a:schemeClr val="accent2"/>
+          </a:fillRef>
+          <a:effectRef idx="1">
+            <a:schemeClr val="accent2"/>
+          </a:effectRef>
+          <a:fontRef idx="minor">
+            <a:schemeClr val="dk1"/>
+          </a:fontRef>
+        </p:style>
+      </p:cxnSp>
+      <p:sp>
+        <p:nvSpPr>
+          <p:cNvPr id="52" name="Rectangle 8"/>
+          <p:cNvSpPr/>
+          <p:nvPr/>
+        </p:nvSpPr>
+        <p:spPr>
+          <a:xfrm>
+            <a:off x="4953000" y="1600200"/>
+            <a:ext cx="1156969" cy="346760"/>
+          </a:xfrm>
+          <a:prstGeom prst="rect">
+            <a:avLst/>
+          </a:prstGeom>
+          <a:ln w="19050">
+            <a:solidFill>
+              <a:srgbClr val="7030A0"/>
+            </a:solidFill>
+          </a:ln>
+          <a:effectLst/>
+        </p:spPr>
+        <p:style>
+          <a:lnRef idx="1">
+            <a:schemeClr val="accent4"/>
+          </a:lnRef>
+          <a:fillRef idx="2">
+            <a:schemeClr val="accent4"/>
+          </a:fillRef>
+          <a:effectRef idx="1">
+            <a:schemeClr val="accent4"/>
+          </a:effectRef>
+          <a:fontRef idx="minor">
+            <a:schemeClr val="dk1"/>
+          </a:fontRef>
+        </p:style>
+        <p:txBody>
+          <a:bodyPr rtlCol="0" anchor="ctr"/>
+          <a:lstStyle/>
+          <a:p>
+            <a:pPr algn="ctr"/>
+            <a:r>
+              <a:rPr lang="en-US" sz="1050" dirty="0" smtClean="0">
+                <a:solidFill>
+                  <a:srgbClr val="7030A0"/>
+                </a:solidFill>
+              </a:rPr>
+              <a:t>&lt;&lt;interface&gt;&gt;</a:t>
+            </a:r>
+            <a:br>
+              <a:rPr lang="en-US" sz="1050" dirty="0" smtClean="0">
+                <a:solidFill>
+                  <a:srgbClr val="7030A0"/>
+                </a:solidFill>
+              </a:rPr>
+            </a:br>
+            <a:r>
+              <a:rPr lang="en-US" sz="1050" dirty="0" err="1" smtClean="0">
+                <a:solidFill>
+                  <a:srgbClr val="7030A0"/>
+                </a:solidFill>
+              </a:rPr>
+              <a:t>ReadOnlyTask</a:t>
+            </a:r>
+            <a:endParaRPr lang="en-SG" sz="1050" dirty="0">
+              <a:solidFill>
+                <a:srgbClr val="7030A0"/>
+              </a:solidFill>
+            </a:endParaRPr>
+          </a:p>
+        </p:txBody>
+      </p:sp>
+      <p:sp>
+        <p:nvSpPr>
+          <p:cNvPr id="54" name="Isosceles Triangle 102"/>
+          <p:cNvSpPr/>
+          <p:nvPr/>
+        </p:nvSpPr>
+        <p:spPr>
+          <a:xfrm rot="5400000" flipV="1">
+            <a:off x="6101586" y="1681986"/>
+            <a:ext cx="270504" cy="175523"/>
+          </a:xfrm>
+          <a:prstGeom prst="triangle">
+            <a:avLst/>
+          </a:prstGeom>
+          <a:solidFill>
+            <a:srgbClr val="7030A0"/>
+          </a:solidFill>
+          <a:ln w="19050">
+            <a:solidFill>
+              <a:srgbClr val="7030A0"/>
+            </a:solidFill>
+          </a:ln>
+          <a:effectLst/>
+        </p:spPr>
+        <p:style>
+          <a:lnRef idx="1">
+            <a:schemeClr val="accent4"/>
+          </a:lnRef>
+          <a:fillRef idx="2">
+            <a:schemeClr val="accent4"/>
+          </a:fillRef>
+          <a:effectRef idx="1">
+            <a:schemeClr val="accent4"/>
+          </a:effectRef>
+          <a:fontRef idx="minor">
+            <a:schemeClr val="dk1"/>
+          </a:fontRef>
+        </p:style>
+        <p:txBody>
+          <a:bodyPr rtlCol="0" anchor="ctr"/>
+          <a:lstStyle/>
+          <a:p>
+            <a:pPr algn="ctr"/>
+            <a:endParaRPr lang="en-SG" sz="1050" b="1">
+              <a:solidFill>
+                <a:srgbClr val="92D050"/>
+              </a:solidFill>
+            </a:endParaRPr>
+          </a:p>
+        </p:txBody>
+      </p:sp>
+      <p:sp>
+        <p:nvSpPr>
+          <p:cNvPr id="60" name="TextBox 59"/>
+          <p:cNvSpPr txBox="1"/>
+          <p:nvPr/>
+        </p:nvSpPr>
+        <p:spPr>
+          <a:xfrm rot="16200000">
+            <a:off x="6395896" y="1681304"/>
+            <a:ext cx="881018" cy="261610"/>
+          </a:xfrm>
+          <a:prstGeom prst="rect">
+            <a:avLst/>
+          </a:prstGeom>
+          <a:noFill/>
+        </p:spPr>
+        <p:txBody>
+          <a:bodyPr wrap="square" rtlCol="0">
+            <a:spAutoFit/>
+          </a:bodyPr>
+          <a:lstStyle/>
+          <a:p>
+            <a:pPr algn="r"/>
+            <a:r>
+              <a:rPr lang="en-US" sz="1100" dirty="0" smtClean="0">
+                <a:solidFill>
+                  <a:srgbClr val="7030A0"/>
+                </a:solidFill>
+              </a:rPr>
+              <a:t>filtered list</a:t>
+            </a:r>
+            <a:endParaRPr lang="en-SG" sz="1100" dirty="0">
+              <a:solidFill>
+                <a:srgbClr val="7030A0"/>
+              </a:solidFill>
+            </a:endParaRPr>
+          </a:p>
+        </p:txBody>
+      </p:sp>
+      <p:sp>
+        <p:nvSpPr>
+          <p:cNvPr id="73" name="Flowchart: Decision 96"/>
+          <p:cNvSpPr/>
+          <p:nvPr/>
+        </p:nvSpPr>
+        <p:spPr>
+          <a:xfrm>
+            <a:off x="7010400" y="2362200"/>
+            <a:ext cx="236048" cy="173380"/>
+          </a:xfrm>
+          <a:prstGeom prst="flowChartDecision">
+            <a:avLst/>
+          </a:prstGeom>
+          <a:solidFill>
+            <a:srgbClr val="7030A0"/>
+          </a:solidFill>
+          <a:ln w="19050">
+            <a:solidFill>
+              <a:srgbClr val="7030A0"/>
+            </a:solidFill>
+          </a:ln>
+          <a:effectLst/>
+        </p:spPr>
+        <p:style>
+          <a:lnRef idx="1">
+            <a:schemeClr val="accent6"/>
+          </a:lnRef>
+          <a:fillRef idx="2">
+            <a:schemeClr val="accent6"/>
+          </a:fillRef>
+          <a:effectRef idx="1">
+            <a:schemeClr val="accent6"/>
+          </a:effectRef>
+          <a:fontRef idx="minor">
+            <a:schemeClr val="dk1"/>
+          </a:fontRef>
+        </p:style>
+        <p:txBody>
+          <a:bodyPr rtlCol="0" anchor="ctr"/>
+          <a:lstStyle/>
+          <a:p>
+            <a:pPr algn="ctr"/>
+            <a:endParaRPr lang="en-US" sz="1050"/>
+          </a:p>
+        </p:txBody>
+      </p:sp>
+      <p:sp>
+        <p:nvSpPr>
+          <p:cNvPr id="74" name="Rectangle 8"/>
+          <p:cNvSpPr/>
+          <p:nvPr/>
+        </p:nvSpPr>
+        <p:spPr>
+          <a:xfrm>
+            <a:off x="7696200" y="1676400"/>
+            <a:ext cx="822003" cy="228600"/>
+          </a:xfrm>
+          <a:prstGeom prst="rect">
+            <a:avLst/>
+          </a:prstGeom>
+          <a:ln w="19050">
+            <a:solidFill>
+              <a:srgbClr val="7030A0"/>
+            </a:solidFill>
+          </a:ln>
+          <a:effectLst/>
+        </p:spPr>
+        <p:style>
+          <a:lnRef idx="1">
+            <a:schemeClr val="accent4"/>
+          </a:lnRef>
+          <a:fillRef idx="2">
+            <a:schemeClr val="accent4"/>
+          </a:fillRef>
+          <a:effectRef idx="1">
+            <a:schemeClr val="accent4"/>
+          </a:effectRef>
+          <a:fontRef idx="minor">
+            <a:schemeClr val="dk1"/>
+          </a:fontRef>
+        </p:style>
+        <p:txBody>
+          <a:bodyPr rtlCol="0" anchor="ctr"/>
+          <a:lstStyle/>
+          <a:p>
+            <a:pPr algn="ctr"/>
+            <a:r>
+              <a:rPr lang="en-US" sz="1050" dirty="0" smtClean="0">
+                <a:solidFill>
+                  <a:srgbClr val="7030A0"/>
+                </a:solidFill>
+              </a:rPr>
+              <a:t>Description</a:t>
+            </a:r>
+            <a:endParaRPr lang="en-SG" sz="1050" dirty="0">
+              <a:solidFill>
+                <a:srgbClr val="7030A0"/>
+              </a:solidFill>
+            </a:endParaRPr>
+          </a:p>
+        </p:txBody>
+      </p:sp>
+      <p:sp>
+        <p:nvSpPr>
+          <p:cNvPr id="77" name="Rectangle 8"/>
+          <p:cNvSpPr/>
+          <p:nvPr/>
+        </p:nvSpPr>
+        <p:spPr>
+          <a:xfrm>
+            <a:off x="7696199" y="2039223"/>
+            <a:ext cx="822003" cy="237554"/>
+          </a:xfrm>
+          <a:prstGeom prst="rect">
+            <a:avLst/>
+          </a:prstGeom>
+          <a:ln w="19050">
+            <a:solidFill>
+              <a:srgbClr val="7030A0"/>
+            </a:solidFill>
+          </a:ln>
+          <a:effectLst/>
+        </p:spPr>
+        <p:style>
+          <a:lnRef idx="1">
+            <a:schemeClr val="accent4"/>
+          </a:lnRef>
+          <a:fillRef idx="2">
+            <a:schemeClr val="accent4"/>
+          </a:fillRef>
+          <a:effectRef idx="1">
+            <a:schemeClr val="accent4"/>
+          </a:effectRef>
+          <a:fontRef idx="minor">
+            <a:schemeClr val="dk1"/>
+          </a:fontRef>
+        </p:style>
+        <p:txBody>
+          <a:bodyPr rtlCol="0" anchor="ctr"/>
+          <a:lstStyle/>
+          <a:p>
+            <a:pPr algn="ctr"/>
+            <a:r>
+              <a:rPr lang="en-US" sz="1050" dirty="0" smtClean="0">
+                <a:solidFill>
+                  <a:srgbClr val="7030A0"/>
+                </a:solidFill>
+              </a:rPr>
+              <a:t>Deadline</a:t>
+            </a:r>
+            <a:endParaRPr lang="en-SG" sz="1050" dirty="0">
+              <a:solidFill>
+                <a:srgbClr val="7030A0"/>
+              </a:solidFill>
+            </a:endParaRPr>
+          </a:p>
+        </p:txBody>
+      </p:sp>
+      <p:cxnSp>
+        <p:nvCxnSpPr>
+          <p:cNvPr id="82" name="Elbow Connector 81"/>
+          <p:cNvCxnSpPr>
+            <a:stCxn id="73" idx="3"/>
+            <a:endCxn id="77" idx="1"/>
+          </p:cNvCxnSpPr>
+          <p:nvPr/>
+        </p:nvCxnSpPr>
+        <p:spPr>
+          <a:xfrm flipV="1">
+            <a:off x="7246448" y="2158000"/>
+            <a:ext cx="449751" cy="290890"/>
+          </a:xfrm>
+          <a:prstGeom prst="bentConnector3">
+            <a:avLst/>
+          </a:prstGeom>
+          <a:ln w="19050">
+            <a:solidFill>
+              <a:srgbClr val="7030A0"/>
+            </a:solidFill>
+            <a:headEnd type="none" w="med" len="med"/>
+            <a:tailEnd type="arrow" w="med" len="med"/>
+          </a:ln>
+          <a:effectLst/>
+        </p:spPr>
+        <p:style>
+          <a:lnRef idx="1">
+            <a:schemeClr val="accent2"/>
+          </a:lnRef>
+          <a:fillRef idx="2">
+            <a:schemeClr val="accent2"/>
+          </a:fillRef>
+          <a:effectRef idx="1">
+            <a:schemeClr val="accent2"/>
+          </a:effectRef>
+          <a:fontRef idx="minor">
+            <a:schemeClr val="dk1"/>
+          </a:fontRef>
+        </p:style>
+      </p:cxnSp>
+      <p:sp>
+        <p:nvSpPr>
+          <p:cNvPr id="87" name="Rectangle 8"/>
+          <p:cNvSpPr/>
+          <p:nvPr/>
+        </p:nvSpPr>
+        <p:spPr>
+          <a:xfrm>
+            <a:off x="7696199" y="2362200"/>
+            <a:ext cx="822003" cy="237554"/>
+          </a:xfrm>
+          <a:prstGeom prst="rect">
+            <a:avLst/>
+          </a:prstGeom>
+          <a:ln w="19050">
+            <a:solidFill>
+              <a:srgbClr val="7030A0"/>
+            </a:solidFill>
+          </a:ln>
+          <a:effectLst/>
+        </p:spPr>
+        <p:style>
+          <a:lnRef idx="1">
+            <a:schemeClr val="accent4"/>
+          </a:lnRef>
+          <a:fillRef idx="2">
+            <a:schemeClr val="accent4"/>
+          </a:fillRef>
+          <a:effectRef idx="1">
+            <a:schemeClr val="accent4"/>
+          </a:effectRef>
+          <a:fontRef idx="minor">
+            <a:schemeClr val="dk1"/>
+          </a:fontRef>
+        </p:style>
+        <p:txBody>
+          <a:bodyPr rtlCol="0" anchor="ctr"/>
+          <a:lstStyle/>
+          <a:p>
+            <a:pPr algn="ctr"/>
+            <a:r>
+              <a:rPr lang="en-US" sz="1050" dirty="0" smtClean="0">
+                <a:solidFill>
+                  <a:srgbClr val="7030A0"/>
+                </a:solidFill>
+              </a:rPr>
+              <a:t>Status</a:t>
+            </a:r>
+            <a:endParaRPr lang="en-SG" sz="1050" dirty="0">
+              <a:solidFill>
+                <a:srgbClr val="7030A0"/>
+              </a:solidFill>
+            </a:endParaRPr>
+          </a:p>
+        </p:txBody>
+      </p:sp>
+      <p:cxnSp>
+        <p:nvCxnSpPr>
+          <p:cNvPr id="88" name="Elbow Connector 87"/>
+          <p:cNvCxnSpPr>
+            <a:stCxn id="73" idx="3"/>
+            <a:endCxn id="87" idx="1"/>
+          </p:cNvCxnSpPr>
+          <p:nvPr/>
+        </p:nvCxnSpPr>
+        <p:spPr>
+          <a:xfrm>
+            <a:off x="7246448" y="2448890"/>
+            <a:ext cx="449751" cy="32087"/>
+          </a:xfrm>
+          <a:prstGeom prst="bentConnector3">
+            <a:avLst/>
+          </a:prstGeom>
+          <a:ln w="19050">
+            <a:solidFill>
+              <a:srgbClr val="7030A0"/>
+            </a:solidFill>
+            <a:headEnd type="none" w="med" len="med"/>
+            <a:tailEnd type="arrow" w="med" len="med"/>
+          </a:ln>
+          <a:effectLst/>
+        </p:spPr>
+        <p:style>
+          <a:lnRef idx="1">
+            <a:schemeClr val="accent2"/>
+          </a:lnRef>
+          <a:fillRef idx="2">
+            <a:schemeClr val="accent2"/>
+          </a:fillRef>
+          <a:effectRef idx="1">
+            <a:schemeClr val="accent2"/>
+          </a:effectRef>
+          <a:fontRef idx="minor">
+            <a:schemeClr val="dk1"/>
+          </a:fontRef>
+        </p:style>
+      </p:cxnSp>
+      <p:cxnSp>
+        <p:nvCxnSpPr>
+          <p:cNvPr id="32" name="Elbow Connector 31"/>
+          <p:cNvCxnSpPr>
+            <a:endCxn id="74" idx="1"/>
+          </p:cNvCxnSpPr>
+          <p:nvPr/>
+        </p:nvCxnSpPr>
+        <p:spPr>
+          <a:xfrm rot="5400000" flipH="1" flipV="1">
+            <a:off x="7372350" y="1885950"/>
+            <a:ext cx="419100" cy="228600"/>
+          </a:xfrm>
+          <a:prstGeom prst="bentConnector2">
+            <a:avLst/>
+          </a:prstGeom>
+          <a:ln w="19050">
+            <a:solidFill>
+              <a:srgbClr val="7030A0"/>
+            </a:solidFill>
+            <a:headEnd type="none" w="med" len="med"/>
+            <a:tailEnd type="arrow" w="med" len="med"/>
+          </a:ln>
+          <a:effectLst/>
+        </p:spPr>
+        <p:style>
+          <a:lnRef idx="1">
+            <a:schemeClr val="accent2"/>
+          </a:lnRef>
+          <a:fillRef idx="2">
+            <a:schemeClr val="accent2"/>
+          </a:fillRef>
+          <a:effectRef idx="1">
+            <a:schemeClr val="accent2"/>
+          </a:effectRef>
+          <a:fontRef idx="minor">
+            <a:schemeClr val="dk1"/>
+          </a:fontRef>
+        </p:style>
+      </p:cxnSp>
+      <p:cxnSp>
+        <p:nvCxnSpPr>
+          <p:cNvPr id="35" name="Elbow Connector 34"/>
+          <p:cNvCxnSpPr>
+            <a:stCxn id="78" idx="3"/>
+            <a:endCxn id="80" idx="1"/>
+          </p:cNvCxnSpPr>
+          <p:nvPr/>
+        </p:nvCxnSpPr>
+        <p:spPr>
+          <a:xfrm flipV="1">
+            <a:off x="7277995" y="3009900"/>
+            <a:ext cx="434402" cy="24991"/>
+          </a:xfrm>
+          <a:prstGeom prst="bentConnector3">
+            <a:avLst/>
+          </a:prstGeom>
+          <a:ln w="19050">
+            <a:solidFill>
+              <a:srgbClr val="7030A0"/>
+            </a:solidFill>
+            <a:headEnd type="none" w="med" len="med"/>
+            <a:tailEnd type="arrow" w="med" len="med"/>
+          </a:ln>
+          <a:effectLst/>
+        </p:spPr>
+        <p:style>
+          <a:lnRef idx="1">
+            <a:schemeClr val="accent2"/>
+          </a:lnRef>
+          <a:fillRef idx="2">
+            <a:schemeClr val="accent2"/>
+          </a:fillRef>
+          <a:effectRef idx="1">
+            <a:schemeClr val="accent2"/>
+          </a:effectRef>
+          <a:fontRef idx="minor">
+            <a:schemeClr val="dk1"/>
+          </a:fontRef>
+        </p:style>
+      </p:cxnSp>
+      <p:sp>
+        <p:nvSpPr>
+          <p:cNvPr id="90" name="Rectangle 8"/>
+          <p:cNvSpPr/>
+          <p:nvPr/>
+        </p:nvSpPr>
+        <p:spPr>
+          <a:xfrm>
+            <a:off x="7696200" y="1295400"/>
+            <a:ext cx="822003" cy="228600"/>
+          </a:xfrm>
+          <a:prstGeom prst="rect">
+            <a:avLst/>
+          </a:prstGeom>
+          <a:ln w="19050">
+            <a:solidFill>
+              <a:srgbClr val="7030A0"/>
+            </a:solidFill>
+          </a:ln>
+          <a:effectLst/>
+        </p:spPr>
+        <p:style>
+          <a:lnRef idx="1">
+            <a:schemeClr val="accent4"/>
+          </a:lnRef>
+          <a:fillRef idx="2">
+            <a:schemeClr val="accent4"/>
+          </a:fillRef>
+          <a:effectRef idx="1">
+            <a:schemeClr val="accent4"/>
+          </a:effectRef>
+          <a:fontRef idx="minor">
+            <a:schemeClr val="dk1"/>
+          </a:fontRef>
+        </p:style>
+        <p:txBody>
+          <a:bodyPr rtlCol="0" anchor="ctr"/>
+          <a:lstStyle/>
+          <a:p>
+            <a:pPr algn="ctr"/>
+            <a:r>
+              <a:rPr lang="en-US" sz="1050" dirty="0" smtClean="0">
+                <a:solidFill>
+                  <a:srgbClr val="7030A0"/>
+                </a:solidFill>
+              </a:rPr>
+              <a:t>Name</a:t>
+            </a:r>
+            <a:endParaRPr lang="en-SG" sz="1050" dirty="0">
+              <a:solidFill>
+                <a:srgbClr val="7030A0"/>
+              </a:solidFill>
+            </a:endParaRPr>
+          </a:p>
+        </p:txBody>
+      </p:sp>
+      <p:sp>
+        <p:nvSpPr>
+          <p:cNvPr id="91" name="Rectangle 8"/>
+          <p:cNvSpPr/>
+          <p:nvPr/>
+        </p:nvSpPr>
+        <p:spPr>
+          <a:xfrm>
+            <a:off x="7712397" y="3962400"/>
+            <a:ext cx="822003" cy="228600"/>
+          </a:xfrm>
+          <a:prstGeom prst="rect">
+            <a:avLst/>
+          </a:prstGeom>
+          <a:ln w="19050">
+            <a:solidFill>
+              <a:srgbClr val="7030A0"/>
+            </a:solidFill>
+          </a:ln>
+          <a:effectLst/>
+        </p:spPr>
+        <p:style>
+          <a:lnRef idx="1">
+            <a:schemeClr val="accent4"/>
+          </a:lnRef>
+          <a:fillRef idx="2">
+            <a:schemeClr val="accent4"/>
+          </a:fillRef>
+          <a:effectRef idx="1">
+            <a:schemeClr val="accent4"/>
+          </a:effectRef>
+          <a:fontRef idx="minor">
+            <a:schemeClr val="dk1"/>
+          </a:fontRef>
+        </p:style>
+        <p:txBody>
+          <a:bodyPr rtlCol="0" anchor="ctr"/>
+          <a:lstStyle/>
+          <a:p>
+            <a:pPr algn="ctr"/>
+            <a:r>
+              <a:rPr lang="en-US" sz="1050" dirty="0" smtClean="0">
+                <a:solidFill>
+                  <a:srgbClr val="7030A0"/>
+                </a:solidFill>
+              </a:rPr>
+              <a:t>Status</a:t>
+            </a:r>
+            <a:endParaRPr lang="en-SG" sz="1050" dirty="0">
+              <a:solidFill>
+                <a:srgbClr val="7030A0"/>
+              </a:solidFill>
+            </a:endParaRPr>
+          </a:p>
+        </p:txBody>
+      </p:sp>
+      <p:cxnSp>
+        <p:nvCxnSpPr>
+          <p:cNvPr id="37" name="Elbow Connector 36"/>
+          <p:cNvCxnSpPr>
+            <a:endCxn id="90" idx="1"/>
+          </p:cNvCxnSpPr>
+          <p:nvPr/>
+        </p:nvCxnSpPr>
+        <p:spPr>
+          <a:xfrm rot="5400000" flipH="1" flipV="1">
+            <a:off x="7296150" y="1581150"/>
+            <a:ext cx="571500" cy="228600"/>
+          </a:xfrm>
+          <a:prstGeom prst="bentConnector2">
+            <a:avLst/>
+          </a:prstGeom>
+          <a:ln w="19050">
+            <a:solidFill>
+              <a:srgbClr val="7030A0"/>
+            </a:solidFill>
+            <a:headEnd type="none" w="med" len="med"/>
+            <a:tailEnd type="arrow" w="med" len="med"/>
+          </a:ln>
+          <a:effectLst/>
+        </p:spPr>
+        <p:style>
+          <a:lnRef idx="1">
+            <a:schemeClr val="accent2"/>
+          </a:lnRef>
+          <a:fillRef idx="2">
+            <a:schemeClr val="accent2"/>
+          </a:fillRef>
+          <a:effectRef idx="1">
+            <a:schemeClr val="accent2"/>
+          </a:effectRef>
+          <a:fontRef idx="minor">
+            <a:schemeClr val="dk1"/>
+          </a:fontRef>
+        </p:style>
+      </p:cxnSp>
+      <p:cxnSp>
+        <p:nvCxnSpPr>
+          <p:cNvPr id="40" name="Elbow Connector 39"/>
+          <p:cNvCxnSpPr>
+            <a:stCxn id="78" idx="3"/>
+            <a:endCxn id="91" idx="1"/>
+          </p:cNvCxnSpPr>
+          <p:nvPr/>
+        </p:nvCxnSpPr>
+        <p:spPr>
+          <a:xfrm>
+            <a:off x="7277995" y="3034891"/>
+            <a:ext cx="434402" cy="1041809"/>
+          </a:xfrm>
+          <a:prstGeom prst="bentConnector3">
+            <a:avLst/>
+          </a:prstGeom>
+          <a:ln w="19050">
+            <a:solidFill>
+              <a:srgbClr val="7030A0"/>
+            </a:solidFill>
             <a:headEnd type="none" w="med" len="med"/>
             <a:tailEnd type="arrow" w="med" len="med"/>
           </a:ln>
@@ -13714,7 +17178,7 @@
         </p:nvSpPr>
         <p:spPr>
           <a:xfrm>
-            <a:off x="1119865" y="2086382"/>
+            <a:off x="1066800" y="2133600"/>
             <a:ext cx="7871735" cy="1723618"/>
           </a:xfrm>
           <a:prstGeom prst="roundRect">
@@ -13839,7 +17303,15 @@
                   <a:schemeClr val="bg1"/>
                 </a:solidFill>
               </a:rPr>
-              <a:t>AddressBookStorage</a:t>
+              <a:t>Task</a:t>
+            </a:r>
+            <a:r>
+              <a:rPr lang="en-US" sz="1050" dirty="0" err="1" smtClean="0">
+                <a:solidFill>
+                  <a:schemeClr val="bg1"/>
+                </a:solidFill>
+              </a:rPr>
+              <a:t>BookStorage</a:t>
             </a:r>
             <a:endParaRPr lang="en-SG" sz="1050" dirty="0">
               <a:solidFill>
@@ -14412,7 +17884,7 @@
                   </a:schemeClr>
                 </a:solidFill>
               </a:rPr>
-              <a:t>XmlAddressBook</a:t>
+              <a:t>XmlTaskBook</a:t>
             </a:r>
             <a:r>
               <a:rPr lang="en-US" sz="1050" b="1" dirty="0" smtClean="0">
@@ -14885,7 +18357,7 @@
                   </a:schemeClr>
                 </a:solidFill>
               </a:rPr>
-              <a:t>AddressBook</a:t>
+              <a:t>TaskBook</a:t>
             </a:r>
             <a:endParaRPr lang="en-SG" sz="1050" b="1" dirty="0">
               <a:solidFill>
@@ -14901,15 +18373,15 @@
         <p:nvCxnSpPr>
           <p:cNvPr id="70" name="Elbow Connector 122"/>
           <p:cNvCxnSpPr>
-            <a:stCxn id="74" idx="0"/>
-            <a:endCxn id="73" idx="2"/>
+            <a:stCxn id="66" idx="3"/>
+            <a:endCxn id="73" idx="1"/>
           </p:cNvCxnSpPr>
           <p:nvPr/>
         </p:nvCxnSpPr>
         <p:spPr>
-          <a:xfrm rot="5400000" flipH="1" flipV="1">
-            <a:off x="8077993" y="2992020"/>
-            <a:ext cx="335208" cy="12700"/>
+          <a:xfrm>
+            <a:off x="7220507" y="3333790"/>
+            <a:ext cx="323293" cy="268590"/>
           </a:xfrm>
           <a:prstGeom prst="bentConnector3">
             <a:avLst>
@@ -14946,7 +18418,7 @@
         </p:nvSpPr>
         <p:spPr>
           <a:xfrm>
-            <a:off x="7615738" y="2477656"/>
+            <a:off x="7543800" y="3429000"/>
             <a:ext cx="1259718" cy="346760"/>
           </a:xfrm>
           <a:prstGeom prst="rect">
@@ -14982,7 +18454,7 @@
                   </a:schemeClr>
                 </a:solidFill>
               </a:rPr>
-              <a:t>XmlAdaptedTag</a:t>
+              <a:t>XmlAdaptedTask</a:t>
             </a:r>
             <a:endParaRPr lang="en-SG" sz="1050" b="1" dirty="0">
               <a:solidFill>
@@ -15002,7 +18474,7 @@
         </p:nvSpPr>
         <p:spPr>
           <a:xfrm>
-            <a:off x="7615738" y="3159624"/>
+            <a:off x="7543800" y="2819400"/>
             <a:ext cx="1259718" cy="346760"/>
           </a:xfrm>
           <a:prstGeom prst="rect">
@@ -15038,7 +18510,7 @@
                   </a:schemeClr>
                 </a:solidFill>
               </a:rPr>
-              <a:t>XmlAdaptedPerson</a:t>
+              <a:t>XmlAdaptedEvent</a:t>
             </a:r>
             <a:endParaRPr lang="en-SG" sz="1050" b="1" dirty="0">
               <a:solidFill>
@@ -15061,8 +18533,8 @@
         </p:nvCxnSpPr>
         <p:spPr>
           <a:xfrm flipV="1">
-            <a:off x="7220507" y="3333004"/>
-            <a:ext cx="395231" cy="786"/>
+            <a:off x="7220507" y="2992780"/>
+            <a:ext cx="323293" cy="341010"/>
           </a:xfrm>
           <a:prstGeom prst="bentConnector3">
             <a:avLst>

--- a/docs/diagrams/Diagrams.pptx
+++ b/docs/diagrams/Diagrams.pptx
@@ -5628,11 +5628,7 @@
           <a:p>
             <a:r>
               <a:rPr lang="en-US" sz="1400" dirty="0" smtClean="0"/>
-              <a:t>delete </a:t>
-            </a:r>
-            <a:r>
-              <a:rPr lang="en-US" sz="1400" dirty="0" smtClean="0"/>
-              <a:t>task 1</a:t>
+              <a:t>delete task 1</a:t>
             </a:r>
             <a:endParaRPr lang="en-US" sz="1400" dirty="0"/>
           </a:p>
@@ -5702,23 +5698,7 @@
                   <a:srgbClr val="0070C0"/>
                 </a:solidFill>
               </a:rPr>
-              <a:t>execute(“</a:t>
-            </a:r>
-            <a:r>
-              <a:rPr lang="en-US" sz="1400" dirty="0" smtClean="0">
-                <a:solidFill>
-                  <a:srgbClr val="0070C0"/>
-                </a:solidFill>
-              </a:rPr>
-              <a:t>delete task </a:t>
-            </a:r>
-            <a:r>
-              <a:rPr lang="en-US" sz="1400" dirty="0" smtClean="0">
-                <a:solidFill>
-                  <a:srgbClr val="0070C0"/>
-                </a:solidFill>
-              </a:rPr>
-              <a:t>1”)</a:t>
+              <a:t>execute(“delete task 1”)</a:t>
             </a:r>
             <a:endParaRPr lang="en-US" sz="1400" dirty="0">
               <a:solidFill>
@@ -5850,17 +5830,7 @@
                   </a:schemeClr>
                 </a:solidFill>
               </a:rPr>
-              <a:t>Task</a:t>
-            </a:r>
-            <a:r>
-              <a:rPr lang="en-US" sz="1400" dirty="0" err="1" smtClean="0">
-                <a:solidFill>
-                  <a:schemeClr val="accent5">
-                    <a:lumMod val="75000"/>
-                  </a:schemeClr>
-                </a:solidFill>
-              </a:rPr>
-              <a:t>BookChangedEvent</a:t>
+              <a:t>TaskBookChangedEvent</a:t>
             </a:r>
             <a:r>
               <a:rPr lang="en-US" sz="1400" dirty="0" smtClean="0">
@@ -6434,17 +6404,7 @@
                   </a:schemeClr>
                 </a:solidFill>
               </a:rPr>
-              <a:t>Task</a:t>
-            </a:r>
-            <a:r>
-              <a:rPr lang="en-US" sz="1400" dirty="0" err="1" smtClean="0">
-                <a:solidFill>
-                  <a:schemeClr val="accent5">
-                    <a:lumMod val="75000"/>
-                  </a:schemeClr>
-                </a:solidFill>
-              </a:rPr>
-              <a:t>BookChangedEvent</a:t>
+              <a:t>TaskBookChangedEvent</a:t>
             </a:r>
             <a:r>
               <a:rPr lang="en-US" sz="1400" dirty="0" smtClean="0">
@@ -8200,17 +8160,7 @@
                   </a:schemeClr>
                 </a:solidFill>
               </a:rPr>
-              <a:t>Event</a:t>
-            </a:r>
-            <a:r>
-              <a:rPr lang="en-US" sz="1050" b="1" dirty="0" err="1" smtClean="0">
-                <a:solidFill>
-                  <a:schemeClr val="accent3">
-                    <a:lumMod val="75000"/>
-                  </a:schemeClr>
-                </a:solidFill>
-              </a:rPr>
-              <a:t>ListPanel</a:t>
+              <a:t>EventListPanel</a:t>
             </a:r>
             <a:endParaRPr lang="en-SG" sz="1050" b="1" dirty="0">
               <a:solidFill>
@@ -9920,17 +9870,7 @@
                   </a:schemeClr>
                 </a:solidFill>
               </a:rPr>
-              <a:t>Task</a:t>
-            </a:r>
-            <a:r>
-              <a:rPr lang="en-US" sz="1050" b="1" dirty="0" err="1" smtClean="0">
-                <a:solidFill>
-                  <a:schemeClr val="accent3">
-                    <a:lumMod val="75000"/>
-                  </a:schemeClr>
-                </a:solidFill>
-              </a:rPr>
-              <a:t>Card</a:t>
+              <a:t>TaskCard</a:t>
             </a:r>
             <a:endParaRPr lang="en-SG" sz="1050" b="1" dirty="0">
               <a:solidFill>
@@ -10574,15 +10514,7 @@
                   <a:srgbClr val="0070C0"/>
                 </a:solidFill>
               </a:rPr>
-              <a:t>Save</a:t>
-            </a:r>
-            <a:r>
-              <a:rPr lang="en-US" sz="1050" b="1" dirty="0" err="1" smtClean="0">
-                <a:solidFill>
-                  <a:srgbClr val="0070C0"/>
-                </a:solidFill>
-              </a:rPr>
-              <a:t>Command</a:t>
+              <a:t>SaveCommand</a:t>
             </a:r>
             <a:endParaRPr lang="en-SG" sz="1050" b="1" dirty="0">
               <a:solidFill>
@@ -11913,15 +11845,7 @@
                   <a:srgbClr val="0070C0"/>
                 </a:solidFill>
               </a:rPr>
-              <a:t>Help</a:t>
-            </a:r>
-            <a:r>
-              <a:rPr lang="en-US" sz="1050" b="1" dirty="0" err="1" smtClean="0">
-                <a:solidFill>
-                  <a:srgbClr val="0070C0"/>
-                </a:solidFill>
-              </a:rPr>
-              <a:t>Command</a:t>
+              <a:t>HelpCommand</a:t>
             </a:r>
             <a:endParaRPr lang="en-SG" sz="1050" b="1" dirty="0">
               <a:solidFill>
@@ -12703,15 +12627,7 @@
                     <a:srgbClr val="0070C0"/>
                   </a:solidFill>
                 </a:rPr>
-                <a:t>Edit</a:t>
-              </a:r>
-              <a:r>
-                <a:rPr lang="en-US" sz="950" b="1" dirty="0" err="1" smtClean="0">
-                  <a:solidFill>
-                    <a:srgbClr val="0070C0"/>
-                  </a:solidFill>
-                </a:rPr>
-                <a:t>TaskCommand</a:t>
+                <a:t>EditTaskCommand</a:t>
               </a:r>
               <a:endParaRPr lang="en-SG" sz="950" b="1" dirty="0">
                 <a:solidFill>
@@ -12770,15 +12686,7 @@
                     <a:srgbClr val="0070C0"/>
                   </a:solidFill>
                 </a:rPr>
-                <a:t>Edit</a:t>
-              </a:r>
-              <a:r>
-                <a:rPr lang="en-US" sz="950" b="1" dirty="0" err="1" smtClean="0">
-                  <a:solidFill>
-                    <a:srgbClr val="0070C0"/>
-                  </a:solidFill>
-                </a:rPr>
-                <a:t>EventCommand</a:t>
+                <a:t>EditEventCommand</a:t>
               </a:r>
               <a:endParaRPr lang="en-SG" sz="950" b="1" dirty="0">
                 <a:solidFill>
@@ -13017,15 +12925,7 @@
                     <a:srgbClr val="0070C0"/>
                   </a:solidFill>
                 </a:rPr>
-                <a:t>Delete</a:t>
-              </a:r>
-              <a:r>
-                <a:rPr lang="en-US" sz="950" b="1" dirty="0" err="1" smtClean="0">
-                  <a:solidFill>
-                    <a:srgbClr val="0070C0"/>
-                  </a:solidFill>
-                </a:rPr>
-                <a:t>Event</a:t>
+                <a:t>DeleteEvent</a:t>
               </a:r>
               <a:endParaRPr lang="en-US" sz="950" b="1" dirty="0" smtClean="0">
                 <a:solidFill>
@@ -13205,15 +13105,7 @@
                     <a:srgbClr val="0070C0"/>
                   </a:solidFill>
                 </a:rPr>
-                <a:t>List</a:t>
-              </a:r>
-              <a:r>
-                <a:rPr lang="en-US" sz="950" b="1" dirty="0" err="1" smtClean="0">
-                  <a:solidFill>
-                    <a:srgbClr val="0070C0"/>
-                  </a:solidFill>
-                </a:rPr>
-                <a:t>TaskCommand</a:t>
+                <a:t>ListTaskCommand</a:t>
               </a:r>
               <a:endParaRPr lang="en-SG" sz="950" b="1" dirty="0">
                 <a:solidFill>
@@ -13272,15 +13164,7 @@
                     <a:srgbClr val="0070C0"/>
                   </a:solidFill>
                 </a:rPr>
-                <a:t>List</a:t>
-              </a:r>
-              <a:r>
-                <a:rPr lang="en-US" sz="950" b="1" dirty="0" err="1" smtClean="0">
-                  <a:solidFill>
-                    <a:srgbClr val="0070C0"/>
-                  </a:solidFill>
-                </a:rPr>
-                <a:t>EventCommand</a:t>
+                <a:t>ListEventCommand</a:t>
               </a:r>
               <a:endParaRPr lang="en-SG" sz="950" b="1" dirty="0">
                 <a:solidFill>
@@ -13837,15 +13721,7 @@
                     <a:srgbClr val="0070C0"/>
                   </a:solidFill>
                 </a:rPr>
-                <a:t>Edit</a:t>
-              </a:r>
-              <a:r>
-                <a:rPr lang="en-US" sz="950" b="1" dirty="0" err="1" smtClean="0">
-                  <a:solidFill>
-                    <a:srgbClr val="0070C0"/>
-                  </a:solidFill>
-                </a:rPr>
-                <a:t>TaskParser</a:t>
+                <a:t>EditTaskParser</a:t>
               </a:r>
               <a:endParaRPr lang="en-SG" sz="950" b="1" dirty="0">
                 <a:solidFill>
@@ -13904,15 +13780,7 @@
                     <a:srgbClr val="0070C0"/>
                   </a:solidFill>
                 </a:rPr>
-                <a:t>Edit</a:t>
-              </a:r>
-              <a:r>
-                <a:rPr lang="en-US" sz="950" b="1" dirty="0" err="1" smtClean="0">
-                  <a:solidFill>
-                    <a:srgbClr val="0070C0"/>
-                  </a:solidFill>
-                </a:rPr>
-                <a:t>EventParser</a:t>
+                <a:t>EditEventParser</a:t>
               </a:r>
               <a:endParaRPr lang="en-SG" sz="950" b="1" dirty="0">
                 <a:solidFill>
@@ -14995,15 +14863,7 @@
                   <a:srgbClr val="7030A0"/>
                 </a:solidFill>
               </a:rPr>
-              <a:t>Task</a:t>
-            </a:r>
-            <a:r>
-              <a:rPr lang="en-US" sz="1050" dirty="0" err="1" smtClean="0">
-                <a:solidFill>
-                  <a:srgbClr val="7030A0"/>
-                </a:solidFill>
-              </a:rPr>
-              <a:t>Book</a:t>
+              <a:t>TaskBook</a:t>
             </a:r>
             <a:endParaRPr lang="en-SG" sz="1050" dirty="0">
               <a:solidFill>
@@ -17303,15 +17163,7 @@
                   <a:schemeClr val="bg1"/>
                 </a:solidFill>
               </a:rPr>
-              <a:t>Task</a:t>
-            </a:r>
-            <a:r>
-              <a:rPr lang="en-US" sz="1050" dirty="0" err="1" smtClean="0">
-                <a:solidFill>
-                  <a:schemeClr val="bg1"/>
-                </a:solidFill>
-              </a:rPr>
-              <a:t>BookStorage</a:t>
+              <a:t>TaskBookStorage</a:t>
             </a:r>
             <a:endParaRPr lang="en-SG" sz="1050" dirty="0">
               <a:solidFill>
@@ -18600,6 +18452,1005 @@
           <a:chExt cx="0" cy="0"/>
         </a:xfrm>
       </p:grpSpPr>
+      <p:sp>
+        <p:nvSpPr>
+          <p:cNvPr id="2" name="Rectangle 1"/>
+          <p:cNvSpPr/>
+          <p:nvPr/>
+        </p:nvSpPr>
+        <p:spPr>
+          <a:xfrm>
+            <a:off x="0" y="381000"/>
+            <a:ext cx="9144000" cy="6477000"/>
+          </a:xfrm>
+          <a:prstGeom prst="rect">
+            <a:avLst/>
+          </a:prstGeom>
+          <a:solidFill>
+            <a:schemeClr val="tx1">
+              <a:lumMod val="65000"/>
+              <a:lumOff val="35000"/>
+            </a:schemeClr>
+          </a:solidFill>
+          <a:ln w="57150">
+            <a:solidFill>
+              <a:schemeClr val="accent6">
+                <a:lumMod val="60000"/>
+                <a:lumOff val="40000"/>
+              </a:schemeClr>
+            </a:solidFill>
+          </a:ln>
+        </p:spPr>
+        <p:style>
+          <a:lnRef idx="2">
+            <a:schemeClr val="dk1">
+              <a:shade val="50000"/>
+            </a:schemeClr>
+          </a:lnRef>
+          <a:fillRef idx="1">
+            <a:schemeClr val="dk1"/>
+          </a:fillRef>
+          <a:effectRef idx="0">
+            <a:schemeClr val="dk1"/>
+          </a:effectRef>
+          <a:fontRef idx="minor">
+            <a:schemeClr val="lt1"/>
+          </a:fontRef>
+        </p:style>
+        <p:txBody>
+          <a:bodyPr rtlCol="0" anchor="ctr"/>
+          <a:lstStyle/>
+          <a:p>
+            <a:pPr algn="ctr"/>
+            <a:endParaRPr lang="en-SG" dirty="0"/>
+          </a:p>
+        </p:txBody>
+      </p:sp>
+      <p:sp>
+        <p:nvSpPr>
+          <p:cNvPr id="3" name="Rectangle 2"/>
+          <p:cNvSpPr/>
+          <p:nvPr/>
+        </p:nvSpPr>
+        <p:spPr>
+          <a:xfrm>
+            <a:off x="0" y="0"/>
+            <a:ext cx="9144000" cy="381000"/>
+          </a:xfrm>
+          <a:prstGeom prst="rect">
+            <a:avLst/>
+          </a:prstGeom>
+          <a:solidFill>
+            <a:schemeClr val="accent6">
+              <a:lumMod val="60000"/>
+              <a:lumOff val="40000"/>
+            </a:schemeClr>
+          </a:solidFill>
+          <a:ln w="57150">
+            <a:solidFill>
+              <a:schemeClr val="accent6">
+                <a:lumMod val="60000"/>
+                <a:lumOff val="40000"/>
+              </a:schemeClr>
+            </a:solidFill>
+          </a:ln>
+        </p:spPr>
+        <p:style>
+          <a:lnRef idx="2">
+            <a:schemeClr val="accent1">
+              <a:shade val="50000"/>
+            </a:schemeClr>
+          </a:lnRef>
+          <a:fillRef idx="1">
+            <a:schemeClr val="accent1"/>
+          </a:fillRef>
+          <a:effectRef idx="0">
+            <a:schemeClr val="accent1"/>
+          </a:effectRef>
+          <a:fontRef idx="minor">
+            <a:schemeClr val="lt1"/>
+          </a:fontRef>
+        </p:style>
+        <p:txBody>
+          <a:bodyPr rtlCol="0" anchor="ctr"/>
+          <a:lstStyle/>
+          <a:p>
+            <a:pPr algn="ctr"/>
+            <a:r>
+              <a:rPr lang="en-SG" sz="1600" dirty="0">
+                <a:latin typeface="+mj-lt"/>
+                <a:ea typeface="Adobe Heiti Std R" panose="020B0400000000000000" pitchFamily="34" charset="-128"/>
+              </a:rPr>
+              <a:t>d</a:t>
+            </a:r>
+            <a:r>
+              <a:rPr lang="en-SG" sz="1600" dirty="0" smtClean="0">
+                <a:latin typeface="+mj-lt"/>
+                <a:ea typeface="Adobe Heiti Std R" panose="020B0400000000000000" pitchFamily="34" charset="-128"/>
+              </a:rPr>
+              <a:t>owat!</a:t>
+            </a:r>
+            <a:endParaRPr lang="en-SG" sz="1600" dirty="0">
+              <a:latin typeface="+mj-lt"/>
+              <a:ea typeface="Adobe Heiti Std R" panose="020B0400000000000000" pitchFamily="34" charset="-128"/>
+            </a:endParaRPr>
+          </a:p>
+        </p:txBody>
+      </p:sp>
+      <p:sp>
+        <p:nvSpPr>
+          <p:cNvPr id="4" name="Rectangle 3"/>
+          <p:cNvSpPr/>
+          <p:nvPr/>
+        </p:nvSpPr>
+        <p:spPr>
+          <a:xfrm>
+            <a:off x="8686800" y="0"/>
+            <a:ext cx="381000" cy="381000"/>
+          </a:xfrm>
+          <a:prstGeom prst="rect">
+            <a:avLst/>
+          </a:prstGeom>
+          <a:solidFill>
+            <a:schemeClr val="accent2">
+              <a:lumMod val="75000"/>
+            </a:schemeClr>
+          </a:solidFill>
+          <a:ln>
+            <a:solidFill>
+              <a:schemeClr val="accent2">
+                <a:lumMod val="75000"/>
+              </a:schemeClr>
+            </a:solidFill>
+          </a:ln>
+        </p:spPr>
+        <p:style>
+          <a:lnRef idx="2">
+            <a:schemeClr val="accent1">
+              <a:shade val="50000"/>
+            </a:schemeClr>
+          </a:lnRef>
+          <a:fillRef idx="1">
+            <a:schemeClr val="accent1"/>
+          </a:fillRef>
+          <a:effectRef idx="0">
+            <a:schemeClr val="accent1"/>
+          </a:effectRef>
+          <a:fontRef idx="minor">
+            <a:schemeClr val="lt1"/>
+          </a:fontRef>
+        </p:style>
+        <p:txBody>
+          <a:bodyPr rtlCol="0" anchor="ctr"/>
+          <a:lstStyle/>
+          <a:p>
+            <a:pPr algn="ctr"/>
+            <a:endParaRPr lang="en-SG"/>
+          </a:p>
+        </p:txBody>
+      </p:sp>
+      <p:sp>
+        <p:nvSpPr>
+          <p:cNvPr id="5" name="Multiply 4"/>
+          <p:cNvSpPr/>
+          <p:nvPr/>
+        </p:nvSpPr>
+        <p:spPr>
+          <a:xfrm>
+            <a:off x="8763000" y="76200"/>
+            <a:ext cx="228600" cy="228600"/>
+          </a:xfrm>
+          <a:prstGeom prst="mathMultiply">
+            <a:avLst/>
+          </a:prstGeom>
+          <a:solidFill>
+            <a:schemeClr val="bg1"/>
+          </a:solidFill>
+          <a:ln>
+            <a:solidFill>
+              <a:schemeClr val="bg1"/>
+            </a:solidFill>
+          </a:ln>
+        </p:spPr>
+        <p:style>
+          <a:lnRef idx="2">
+            <a:schemeClr val="accent1">
+              <a:shade val="50000"/>
+            </a:schemeClr>
+          </a:lnRef>
+          <a:fillRef idx="1">
+            <a:schemeClr val="accent1"/>
+          </a:fillRef>
+          <a:effectRef idx="0">
+            <a:schemeClr val="accent1"/>
+          </a:effectRef>
+          <a:fontRef idx="minor">
+            <a:schemeClr val="lt1"/>
+          </a:fontRef>
+        </p:style>
+        <p:txBody>
+          <a:bodyPr rtlCol="0" anchor="ctr"/>
+          <a:lstStyle/>
+          <a:p>
+            <a:pPr algn="ctr"/>
+            <a:endParaRPr lang="en-SG"/>
+          </a:p>
+        </p:txBody>
+      </p:sp>
+      <p:sp>
+        <p:nvSpPr>
+          <p:cNvPr id="6" name="Rectangle 5"/>
+          <p:cNvSpPr/>
+          <p:nvPr/>
+        </p:nvSpPr>
+        <p:spPr>
+          <a:xfrm>
+            <a:off x="8305800" y="76200"/>
+            <a:ext cx="228600" cy="152400"/>
+          </a:xfrm>
+          <a:prstGeom prst="rect">
+            <a:avLst/>
+          </a:prstGeom>
+          <a:noFill/>
+          <a:ln>
+            <a:solidFill>
+              <a:schemeClr val="bg1"/>
+            </a:solidFill>
+          </a:ln>
+        </p:spPr>
+        <p:style>
+          <a:lnRef idx="2">
+            <a:schemeClr val="accent1">
+              <a:shade val="50000"/>
+            </a:schemeClr>
+          </a:lnRef>
+          <a:fillRef idx="1">
+            <a:schemeClr val="accent1"/>
+          </a:fillRef>
+          <a:effectRef idx="0">
+            <a:schemeClr val="accent1"/>
+          </a:effectRef>
+          <a:fontRef idx="minor">
+            <a:schemeClr val="lt1"/>
+          </a:fontRef>
+        </p:style>
+        <p:txBody>
+          <a:bodyPr rtlCol="0" anchor="ctr"/>
+          <a:lstStyle/>
+          <a:p>
+            <a:pPr algn="ctr"/>
+            <a:endParaRPr lang="en-SG"/>
+          </a:p>
+        </p:txBody>
+      </p:sp>
+      <p:sp>
+        <p:nvSpPr>
+          <p:cNvPr id="7" name="Minus 6"/>
+          <p:cNvSpPr/>
+          <p:nvPr/>
+        </p:nvSpPr>
+        <p:spPr>
+          <a:xfrm>
+            <a:off x="8001000" y="152400"/>
+            <a:ext cx="228600" cy="45719"/>
+          </a:xfrm>
+          <a:prstGeom prst="mathMinus">
+            <a:avLst/>
+          </a:prstGeom>
+          <a:solidFill>
+            <a:schemeClr val="bg1"/>
+          </a:solidFill>
+          <a:ln>
+            <a:solidFill>
+              <a:schemeClr val="bg1"/>
+            </a:solidFill>
+          </a:ln>
+        </p:spPr>
+        <p:style>
+          <a:lnRef idx="2">
+            <a:schemeClr val="accent1">
+              <a:shade val="50000"/>
+            </a:schemeClr>
+          </a:lnRef>
+          <a:fillRef idx="1">
+            <a:schemeClr val="accent1"/>
+          </a:fillRef>
+          <a:effectRef idx="0">
+            <a:schemeClr val="accent1"/>
+          </a:effectRef>
+          <a:fontRef idx="minor">
+            <a:schemeClr val="lt1"/>
+          </a:fontRef>
+        </p:style>
+        <p:txBody>
+          <a:bodyPr rtlCol="0" anchor="ctr"/>
+          <a:lstStyle/>
+          <a:p>
+            <a:pPr algn="ctr"/>
+            <a:endParaRPr lang="en-SG"/>
+          </a:p>
+        </p:txBody>
+      </p:sp>
+      <p:sp>
+        <p:nvSpPr>
+          <p:cNvPr id="8" name="TextBox 7"/>
+          <p:cNvSpPr txBox="1"/>
+          <p:nvPr/>
+        </p:nvSpPr>
+        <p:spPr>
+          <a:xfrm>
+            <a:off x="76200" y="381000"/>
+            <a:ext cx="978153" cy="307777"/>
+          </a:xfrm>
+          <a:prstGeom prst="rect">
+            <a:avLst/>
+          </a:prstGeom>
+          <a:noFill/>
+        </p:spPr>
+        <p:txBody>
+          <a:bodyPr wrap="none" rtlCol="0">
+            <a:spAutoFit/>
+          </a:bodyPr>
+          <a:lstStyle/>
+          <a:p>
+            <a:r>
+              <a:rPr lang="en-SG" sz="1400" dirty="0" smtClean="0">
+                <a:solidFill>
+                  <a:schemeClr val="bg1"/>
+                </a:solidFill>
+              </a:rPr>
+              <a:t>File     Help</a:t>
+            </a:r>
+            <a:endParaRPr lang="en-SG" sz="1400" dirty="0">
+              <a:solidFill>
+                <a:schemeClr val="bg1"/>
+              </a:solidFill>
+            </a:endParaRPr>
+          </a:p>
+        </p:txBody>
+      </p:sp>
+      <p:sp>
+        <p:nvSpPr>
+          <p:cNvPr id="9" name="Rectangle 8"/>
+          <p:cNvSpPr/>
+          <p:nvPr/>
+        </p:nvSpPr>
+        <p:spPr>
+          <a:xfrm>
+            <a:off x="76200" y="685800"/>
+            <a:ext cx="8991600" cy="457200"/>
+          </a:xfrm>
+          <a:prstGeom prst="rect">
+            <a:avLst/>
+          </a:prstGeom>
+          <a:solidFill>
+            <a:schemeClr val="bg1"/>
+          </a:solidFill>
+          <a:ln>
+            <a:noFill/>
+          </a:ln>
+        </p:spPr>
+        <p:style>
+          <a:lnRef idx="2">
+            <a:schemeClr val="accent1">
+              <a:shade val="50000"/>
+            </a:schemeClr>
+          </a:lnRef>
+          <a:fillRef idx="1">
+            <a:schemeClr val="accent1"/>
+          </a:fillRef>
+          <a:effectRef idx="0">
+            <a:schemeClr val="accent1"/>
+          </a:effectRef>
+          <a:fontRef idx="minor">
+            <a:schemeClr val="lt1"/>
+          </a:fontRef>
+        </p:style>
+        <p:txBody>
+          <a:bodyPr rtlCol="0" anchor="ctr"/>
+          <a:lstStyle/>
+          <a:p>
+            <a:r>
+              <a:rPr lang="en-SG" sz="1400" dirty="0" smtClean="0">
+                <a:solidFill>
+                  <a:schemeClr val="bg1">
+                    <a:lumMod val="75000"/>
+                  </a:schemeClr>
+                </a:solidFill>
+              </a:rPr>
+              <a:t>Enter command here…</a:t>
+            </a:r>
+            <a:endParaRPr lang="en-SG" sz="1400" dirty="0">
+              <a:solidFill>
+                <a:schemeClr val="bg1">
+                  <a:lumMod val="75000"/>
+                </a:schemeClr>
+              </a:solidFill>
+            </a:endParaRPr>
+          </a:p>
+        </p:txBody>
+      </p:sp>
+      <p:sp>
+        <p:nvSpPr>
+          <p:cNvPr id="10" name="Rectangle 9"/>
+          <p:cNvSpPr/>
+          <p:nvPr/>
+        </p:nvSpPr>
+        <p:spPr>
+          <a:xfrm>
+            <a:off x="76200" y="1219200"/>
+            <a:ext cx="8991600" cy="1143000"/>
+          </a:xfrm>
+          <a:prstGeom prst="rect">
+            <a:avLst/>
+          </a:prstGeom>
+          <a:solidFill>
+            <a:schemeClr val="bg1"/>
+          </a:solidFill>
+          <a:ln>
+            <a:noFill/>
+          </a:ln>
+        </p:spPr>
+        <p:style>
+          <a:lnRef idx="2">
+            <a:schemeClr val="accent1">
+              <a:shade val="50000"/>
+            </a:schemeClr>
+          </a:lnRef>
+          <a:fillRef idx="1">
+            <a:schemeClr val="accent1"/>
+          </a:fillRef>
+          <a:effectRef idx="0">
+            <a:schemeClr val="accent1"/>
+          </a:effectRef>
+          <a:fontRef idx="minor">
+            <a:schemeClr val="lt1"/>
+          </a:fontRef>
+        </p:style>
+        <p:txBody>
+          <a:bodyPr rtlCol="0" anchor="t"/>
+          <a:lstStyle/>
+          <a:p>
+            <a:r>
+              <a:rPr lang="en-SG" sz="1400" dirty="0" smtClean="0">
+                <a:solidFill>
+                  <a:schemeClr val="tx1"/>
+                </a:solidFill>
+              </a:rPr>
+              <a:t>Added </a:t>
+            </a:r>
+            <a:r>
+              <a:rPr lang="en-SG" sz="1400" dirty="0" smtClean="0">
+                <a:solidFill>
+                  <a:srgbClr val="00B0F0"/>
+                </a:solidFill>
+              </a:rPr>
+              <a:t>Task</a:t>
+            </a:r>
+            <a:r>
+              <a:rPr lang="en-SG" sz="1400" dirty="0" smtClean="0">
+                <a:solidFill>
+                  <a:schemeClr val="tx1"/>
+                </a:solidFill>
+              </a:rPr>
+              <a:t>: CS2103 Project </a:t>
+            </a:r>
+            <a:r>
+              <a:rPr lang="en-SG" sz="1400" dirty="0" smtClean="0">
+                <a:solidFill>
+                  <a:srgbClr val="00B0F0"/>
+                </a:solidFill>
+              </a:rPr>
+              <a:t>Desc</a:t>
+            </a:r>
+            <a:r>
+              <a:rPr lang="en-SG" sz="1400" dirty="0" smtClean="0">
+                <a:solidFill>
+                  <a:schemeClr val="tx1"/>
+                </a:solidFill>
+              </a:rPr>
+              <a:t>: Complete v0.0 </a:t>
+            </a:r>
+            <a:r>
+              <a:rPr lang="en-SG" sz="1400" dirty="0" smtClean="0">
+                <a:solidFill>
+                  <a:srgbClr val="00B0F0"/>
+                </a:solidFill>
+              </a:rPr>
+              <a:t>By</a:t>
+            </a:r>
+            <a:r>
+              <a:rPr lang="en-SG" sz="1400" dirty="0" smtClean="0">
+                <a:solidFill>
+                  <a:schemeClr val="tx1"/>
+                </a:solidFill>
+              </a:rPr>
+              <a:t>: 7-10-16</a:t>
+            </a:r>
+            <a:endParaRPr lang="en-SG" sz="1400" dirty="0">
+              <a:solidFill>
+                <a:schemeClr val="tx1"/>
+              </a:solidFill>
+            </a:endParaRPr>
+          </a:p>
+        </p:txBody>
+      </p:sp>
+      <p:sp>
+        <p:nvSpPr>
+          <p:cNvPr id="12" name="Rectangle 11"/>
+          <p:cNvSpPr/>
+          <p:nvPr/>
+        </p:nvSpPr>
+        <p:spPr>
+          <a:xfrm>
+            <a:off x="4648200" y="2438400"/>
+            <a:ext cx="4419600" cy="4343400"/>
+          </a:xfrm>
+          <a:prstGeom prst="rect">
+            <a:avLst/>
+          </a:prstGeom>
+          <a:solidFill>
+            <a:schemeClr val="accent3">
+              <a:lumMod val="40000"/>
+              <a:lumOff val="60000"/>
+            </a:schemeClr>
+          </a:solidFill>
+          <a:ln>
+            <a:noFill/>
+          </a:ln>
+        </p:spPr>
+        <p:style>
+          <a:lnRef idx="2">
+            <a:schemeClr val="accent1">
+              <a:shade val="50000"/>
+            </a:schemeClr>
+          </a:lnRef>
+          <a:fillRef idx="1">
+            <a:schemeClr val="accent1"/>
+          </a:fillRef>
+          <a:effectRef idx="0">
+            <a:schemeClr val="accent1"/>
+          </a:effectRef>
+          <a:fontRef idx="minor">
+            <a:schemeClr val="lt1"/>
+          </a:fontRef>
+        </p:style>
+        <p:txBody>
+          <a:bodyPr rtlCol="0" anchor="t"/>
+          <a:lstStyle/>
+          <a:p>
+            <a:r>
+              <a:rPr lang="en-SG" u="sng" dirty="0" smtClean="0">
+                <a:solidFill>
+                  <a:schemeClr val="accent3">
+                    <a:lumMod val="75000"/>
+                  </a:schemeClr>
+                </a:solidFill>
+              </a:rPr>
+              <a:t>Event </a:t>
+            </a:r>
+            <a:r>
+              <a:rPr lang="en-SG" u="sng" dirty="0">
+                <a:solidFill>
+                  <a:schemeClr val="accent3">
+                    <a:lumMod val="75000"/>
+                  </a:schemeClr>
+                </a:solidFill>
+              </a:rPr>
+              <a:t>List</a:t>
+            </a:r>
+          </a:p>
+        </p:txBody>
+      </p:sp>
+      <p:sp>
+        <p:nvSpPr>
+          <p:cNvPr id="15" name="Rectangle 14"/>
+          <p:cNvSpPr/>
+          <p:nvPr/>
+        </p:nvSpPr>
+        <p:spPr>
+          <a:xfrm>
+            <a:off x="4724400" y="2819400"/>
+            <a:ext cx="4267200" cy="685800"/>
+          </a:xfrm>
+          <a:prstGeom prst="rect">
+            <a:avLst/>
+          </a:prstGeom>
+          <a:noFill/>
+          <a:ln>
+            <a:solidFill>
+              <a:schemeClr val="accent3">
+                <a:lumMod val="75000"/>
+              </a:schemeClr>
+            </a:solidFill>
+          </a:ln>
+        </p:spPr>
+        <p:style>
+          <a:lnRef idx="2">
+            <a:schemeClr val="accent1">
+              <a:shade val="50000"/>
+            </a:schemeClr>
+          </a:lnRef>
+          <a:fillRef idx="1">
+            <a:schemeClr val="accent1"/>
+          </a:fillRef>
+          <a:effectRef idx="0">
+            <a:schemeClr val="accent1"/>
+          </a:effectRef>
+          <a:fontRef idx="minor">
+            <a:schemeClr val="lt1"/>
+          </a:fontRef>
+        </p:style>
+        <p:txBody>
+          <a:bodyPr rtlCol="0" anchor="t"/>
+          <a:lstStyle/>
+          <a:p>
+            <a:pPr marL="342900" indent="-342900">
+              <a:buAutoNum type="arabicPeriod"/>
+            </a:pPr>
+            <a:r>
+              <a:rPr lang="en-SG" sz="1600" dirty="0">
+                <a:solidFill>
+                  <a:schemeClr val="tx1"/>
+                </a:solidFill>
+              </a:rPr>
+              <a:t> </a:t>
+            </a:r>
+            <a:r>
+              <a:rPr lang="en-SG" sz="1600" dirty="0" smtClean="0">
+                <a:solidFill>
+                  <a:schemeClr val="tx1"/>
+                </a:solidFill>
+              </a:rPr>
+              <a:t>High School Gathering</a:t>
+            </a:r>
+            <a:endParaRPr lang="en-SG" sz="1600" dirty="0">
+              <a:solidFill>
+                <a:schemeClr val="tx1"/>
+              </a:solidFill>
+            </a:endParaRPr>
+          </a:p>
+          <a:p>
+            <a:r>
+              <a:rPr lang="en-SG" sz="1100" dirty="0" smtClean="0">
+                <a:solidFill>
+                  <a:schemeClr val="accent3">
+                    <a:lumMod val="75000"/>
+                  </a:schemeClr>
+                </a:solidFill>
+              </a:rPr>
+              <a:t>Desc</a:t>
+            </a:r>
+            <a:r>
+              <a:rPr lang="en-SG" sz="1100" dirty="0" smtClean="0">
+                <a:solidFill>
+                  <a:schemeClr val="tx2">
+                    <a:lumMod val="60000"/>
+                    <a:lumOff val="40000"/>
+                  </a:schemeClr>
+                </a:solidFill>
+              </a:rPr>
+              <a:t>     </a:t>
+            </a:r>
+            <a:r>
+              <a:rPr lang="en-SG" sz="1100" dirty="0" smtClean="0">
+                <a:solidFill>
+                  <a:schemeClr val="tx1"/>
+                </a:solidFill>
+              </a:rPr>
+              <a:t>Bugis Nando’s at 7pm</a:t>
+            </a:r>
+          </a:p>
+          <a:p>
+            <a:r>
+              <a:rPr lang="en-SG" sz="1100" dirty="0" smtClean="0">
+                <a:solidFill>
+                  <a:schemeClr val="accent3">
+                    <a:lumMod val="75000"/>
+                  </a:schemeClr>
+                </a:solidFill>
+              </a:rPr>
+              <a:t>From </a:t>
+            </a:r>
+            <a:r>
+              <a:rPr lang="en-SG" sz="1100" dirty="0" smtClean="0"/>
+              <a:t>   </a:t>
+            </a:r>
+            <a:r>
+              <a:rPr lang="en-SG" sz="1100" dirty="0" smtClean="0">
+                <a:solidFill>
+                  <a:schemeClr val="tx1"/>
+                </a:solidFill>
+              </a:rPr>
+              <a:t>20-10-16      </a:t>
+            </a:r>
+            <a:r>
+              <a:rPr lang="en-SG" sz="1100" dirty="0">
+                <a:solidFill>
+                  <a:schemeClr val="accent3">
+                    <a:lumMod val="75000"/>
+                  </a:schemeClr>
+                </a:solidFill>
+              </a:rPr>
+              <a:t>to</a:t>
+            </a:r>
+            <a:r>
+              <a:rPr lang="en-SG" sz="1100" dirty="0" smtClean="0">
+                <a:solidFill>
+                  <a:schemeClr val="tx1"/>
+                </a:solidFill>
+              </a:rPr>
+              <a:t>       20-10-16</a:t>
+            </a:r>
+            <a:endParaRPr lang="en-SG" sz="1100" dirty="0"/>
+          </a:p>
+        </p:txBody>
+      </p:sp>
+      <p:sp>
+        <p:nvSpPr>
+          <p:cNvPr id="11" name="Rectangle 10"/>
+          <p:cNvSpPr/>
+          <p:nvPr/>
+        </p:nvSpPr>
+        <p:spPr>
+          <a:xfrm>
+            <a:off x="76200" y="2438400"/>
+            <a:ext cx="4495800" cy="4343400"/>
+          </a:xfrm>
+          <a:prstGeom prst="rect">
+            <a:avLst/>
+          </a:prstGeom>
+          <a:solidFill>
+            <a:schemeClr val="accent5">
+              <a:lumMod val="40000"/>
+              <a:lumOff val="60000"/>
+            </a:schemeClr>
+          </a:solidFill>
+          <a:ln>
+            <a:noFill/>
+          </a:ln>
+        </p:spPr>
+        <p:style>
+          <a:lnRef idx="2">
+            <a:schemeClr val="accent1">
+              <a:shade val="50000"/>
+            </a:schemeClr>
+          </a:lnRef>
+          <a:fillRef idx="1">
+            <a:schemeClr val="accent1"/>
+          </a:fillRef>
+          <a:effectRef idx="0">
+            <a:schemeClr val="accent1"/>
+          </a:effectRef>
+          <a:fontRef idx="minor">
+            <a:schemeClr val="lt1"/>
+          </a:fontRef>
+        </p:style>
+        <p:txBody>
+          <a:bodyPr rtlCol="0" anchor="t"/>
+          <a:lstStyle/>
+          <a:p>
+            <a:r>
+              <a:rPr lang="en-SG" u="sng" dirty="0" smtClean="0">
+                <a:solidFill>
+                  <a:schemeClr val="tx2">
+                    <a:lumMod val="60000"/>
+                    <a:lumOff val="40000"/>
+                  </a:schemeClr>
+                </a:solidFill>
+              </a:rPr>
+              <a:t>Task List</a:t>
+            </a:r>
+          </a:p>
+        </p:txBody>
+      </p:sp>
+      <p:sp>
+        <p:nvSpPr>
+          <p:cNvPr id="14" name="Rectangle 13"/>
+          <p:cNvSpPr/>
+          <p:nvPr/>
+        </p:nvSpPr>
+        <p:spPr>
+          <a:xfrm>
+            <a:off x="152400" y="2819400"/>
+            <a:ext cx="4343400" cy="685800"/>
+          </a:xfrm>
+          <a:prstGeom prst="rect">
+            <a:avLst/>
+          </a:prstGeom>
+          <a:noFill/>
+          <a:ln>
+            <a:solidFill>
+              <a:schemeClr val="tx2">
+                <a:lumMod val="60000"/>
+                <a:lumOff val="40000"/>
+              </a:schemeClr>
+            </a:solidFill>
+          </a:ln>
+        </p:spPr>
+        <p:style>
+          <a:lnRef idx="2">
+            <a:schemeClr val="accent1">
+              <a:shade val="50000"/>
+            </a:schemeClr>
+          </a:lnRef>
+          <a:fillRef idx="1">
+            <a:schemeClr val="accent1"/>
+          </a:fillRef>
+          <a:effectRef idx="0">
+            <a:schemeClr val="accent1"/>
+          </a:effectRef>
+          <a:fontRef idx="minor">
+            <a:schemeClr val="lt1"/>
+          </a:fontRef>
+        </p:style>
+        <p:txBody>
+          <a:bodyPr rtlCol="0" anchor="t"/>
+          <a:lstStyle/>
+          <a:p>
+            <a:pPr marL="342900" indent="-342900">
+              <a:buAutoNum type="arabicPeriod"/>
+            </a:pPr>
+            <a:r>
+              <a:rPr lang="en-SG" sz="1600" dirty="0" smtClean="0">
+                <a:solidFill>
+                  <a:schemeClr val="tx1"/>
+                </a:solidFill>
+              </a:rPr>
+              <a:t>  Sociology Essay</a:t>
+            </a:r>
+          </a:p>
+          <a:p>
+            <a:r>
+              <a:rPr lang="en-SG" sz="1100" dirty="0" smtClean="0">
+                <a:solidFill>
+                  <a:schemeClr val="tx2">
+                    <a:lumMod val="60000"/>
+                    <a:lumOff val="40000"/>
+                  </a:schemeClr>
+                </a:solidFill>
+              </a:rPr>
+              <a:t>By</a:t>
+            </a:r>
+            <a:r>
+              <a:rPr lang="en-SG" sz="1100" dirty="0" smtClean="0"/>
+              <a:t>         </a:t>
+            </a:r>
+            <a:r>
+              <a:rPr lang="en-SG" sz="1100" dirty="0" smtClean="0">
+                <a:solidFill>
+                  <a:schemeClr val="tx1"/>
+                </a:solidFill>
+              </a:rPr>
+              <a:t>20-10-16</a:t>
+            </a:r>
+            <a:endParaRPr lang="en-SG" sz="1100" dirty="0">
+              <a:solidFill>
+                <a:schemeClr val="tx1"/>
+              </a:solidFill>
+            </a:endParaRPr>
+          </a:p>
+        </p:txBody>
+      </p:sp>
+      <p:sp>
+        <p:nvSpPr>
+          <p:cNvPr id="17" name="Rectangle 16"/>
+          <p:cNvSpPr/>
+          <p:nvPr/>
+        </p:nvSpPr>
+        <p:spPr>
+          <a:xfrm>
+            <a:off x="152400" y="3581400"/>
+            <a:ext cx="4343400" cy="685800"/>
+          </a:xfrm>
+          <a:prstGeom prst="rect">
+            <a:avLst/>
+          </a:prstGeom>
+          <a:noFill/>
+          <a:ln>
+            <a:solidFill>
+              <a:schemeClr val="tx2">
+                <a:lumMod val="60000"/>
+                <a:lumOff val="40000"/>
+              </a:schemeClr>
+            </a:solidFill>
+          </a:ln>
+        </p:spPr>
+        <p:style>
+          <a:lnRef idx="2">
+            <a:schemeClr val="accent1">
+              <a:shade val="50000"/>
+            </a:schemeClr>
+          </a:lnRef>
+          <a:fillRef idx="1">
+            <a:schemeClr val="accent1"/>
+          </a:fillRef>
+          <a:effectRef idx="0">
+            <a:schemeClr val="accent1"/>
+          </a:effectRef>
+          <a:fontRef idx="minor">
+            <a:schemeClr val="lt1"/>
+          </a:fontRef>
+        </p:style>
+        <p:txBody>
+          <a:bodyPr rtlCol="0" anchor="ctr"/>
+          <a:lstStyle/>
+          <a:p>
+            <a:pPr marL="342900" indent="-342900">
+              <a:buFont typeface="+mj-lt"/>
+              <a:buAutoNum type="arabicPeriod" startAt="2"/>
+            </a:pPr>
+            <a:r>
+              <a:rPr lang="en-SG" sz="1600" dirty="0" smtClean="0">
+                <a:solidFill>
+                  <a:schemeClr val="tx1"/>
+                </a:solidFill>
+              </a:rPr>
+              <a:t>  CS2103 Project</a:t>
+            </a:r>
+            <a:endParaRPr lang="en-SG" sz="1600" dirty="0">
+              <a:solidFill>
+                <a:schemeClr val="tx1"/>
+              </a:solidFill>
+            </a:endParaRPr>
+          </a:p>
+          <a:p>
+            <a:r>
+              <a:rPr lang="en-SG" sz="1100" dirty="0" smtClean="0">
+                <a:solidFill>
+                  <a:schemeClr val="tx2">
+                    <a:lumMod val="60000"/>
+                    <a:lumOff val="40000"/>
+                  </a:schemeClr>
+                </a:solidFill>
+              </a:rPr>
+              <a:t>Desc</a:t>
+            </a:r>
+            <a:r>
+              <a:rPr lang="en-SG" sz="1100" dirty="0" smtClean="0"/>
+              <a:t>     </a:t>
+            </a:r>
+            <a:r>
+              <a:rPr lang="en-SG" sz="1100" dirty="0" smtClean="0">
+                <a:solidFill>
+                  <a:schemeClr val="tx1"/>
+                </a:solidFill>
+              </a:rPr>
+              <a:t>Complete v0.0</a:t>
+            </a:r>
+          </a:p>
+          <a:p>
+            <a:r>
+              <a:rPr lang="en-SG" sz="1100" dirty="0" smtClean="0">
+                <a:solidFill>
+                  <a:schemeClr val="tx2">
+                    <a:lumMod val="60000"/>
+                    <a:lumOff val="40000"/>
+                  </a:schemeClr>
+                </a:solidFill>
+              </a:rPr>
+              <a:t>By</a:t>
+            </a:r>
+            <a:r>
+              <a:rPr lang="en-SG" sz="1100" dirty="0" smtClean="0"/>
+              <a:t>         </a:t>
+            </a:r>
+            <a:r>
+              <a:rPr lang="en-SG" sz="1100" dirty="0" smtClean="0">
+                <a:solidFill>
+                  <a:schemeClr val="tx1"/>
+                </a:solidFill>
+              </a:rPr>
+              <a:t>20-10-16</a:t>
+            </a:r>
+            <a:endParaRPr lang="en-SG" sz="1100" dirty="0">
+              <a:solidFill>
+                <a:schemeClr val="tx1"/>
+              </a:solidFill>
+            </a:endParaRPr>
+          </a:p>
+        </p:txBody>
+      </p:sp>
     </p:spTree>
     <p:extLst>
       <p:ext uri="{BB962C8B-B14F-4D97-AF65-F5344CB8AC3E}">

--- a/docs/diagrams/Diagrams.pptx
+++ b/docs/diagrams/Diagrams.pptx
@@ -200,7 +200,7 @@
           <a:p>
             <a:fld id="{F5CC4B3F-88C1-4FFA-B1B6-F41C21DC6924}" type="datetimeFigureOut">
               <a:rPr lang="en-US" smtClean="0"/>
-              <a:t>9/30/2016</a:t>
+              <a:t>10/6/2016</a:t>
             </a:fld>
             <a:endParaRPr lang="en-US"/>
           </a:p>
@@ -649,7 +649,7 @@
           <a:p>
             <a:fld id="{78C97017-6FC3-485B-9764-EAC9E56C1D49}" type="datetimeFigureOut">
               <a:rPr lang="en-US" smtClean="0"/>
-              <a:t>9/30/2016</a:t>
+              <a:t>10/6/2016</a:t>
             </a:fld>
             <a:endParaRPr lang="en-US"/>
           </a:p>
@@ -819,7 +819,7 @@
           <a:p>
             <a:fld id="{78C97017-6FC3-485B-9764-EAC9E56C1D49}" type="datetimeFigureOut">
               <a:rPr lang="en-US" smtClean="0"/>
-              <a:t>9/30/2016</a:t>
+              <a:t>10/6/2016</a:t>
             </a:fld>
             <a:endParaRPr lang="en-US"/>
           </a:p>
@@ -999,7 +999,7 @@
           <a:p>
             <a:fld id="{78C97017-6FC3-485B-9764-EAC9E56C1D49}" type="datetimeFigureOut">
               <a:rPr lang="en-US" smtClean="0"/>
-              <a:t>9/30/2016</a:t>
+              <a:t>10/6/2016</a:t>
             </a:fld>
             <a:endParaRPr lang="en-US"/>
           </a:p>
@@ -1169,7 +1169,7 @@
           <a:p>
             <a:fld id="{78C97017-6FC3-485B-9764-EAC9E56C1D49}" type="datetimeFigureOut">
               <a:rPr lang="en-US" smtClean="0"/>
-              <a:t>9/30/2016</a:t>
+              <a:t>10/6/2016</a:t>
             </a:fld>
             <a:endParaRPr lang="en-US"/>
           </a:p>
@@ -1415,7 +1415,7 @@
           <a:p>
             <a:fld id="{78C97017-6FC3-485B-9764-EAC9E56C1D49}" type="datetimeFigureOut">
               <a:rPr lang="en-US" smtClean="0"/>
-              <a:t>9/30/2016</a:t>
+              <a:t>10/6/2016</a:t>
             </a:fld>
             <a:endParaRPr lang="en-US"/>
           </a:p>
@@ -1703,7 +1703,7 @@
           <a:p>
             <a:fld id="{78C97017-6FC3-485B-9764-EAC9E56C1D49}" type="datetimeFigureOut">
               <a:rPr lang="en-US" smtClean="0"/>
-              <a:t>9/30/2016</a:t>
+              <a:t>10/6/2016</a:t>
             </a:fld>
             <a:endParaRPr lang="en-US"/>
           </a:p>
@@ -2125,7 +2125,7 @@
           <a:p>
             <a:fld id="{78C97017-6FC3-485B-9764-EAC9E56C1D49}" type="datetimeFigureOut">
               <a:rPr lang="en-US" smtClean="0"/>
-              <a:t>9/30/2016</a:t>
+              <a:t>10/6/2016</a:t>
             </a:fld>
             <a:endParaRPr lang="en-US"/>
           </a:p>
@@ -2243,7 +2243,7 @@
           <a:p>
             <a:fld id="{78C97017-6FC3-485B-9764-EAC9E56C1D49}" type="datetimeFigureOut">
               <a:rPr lang="en-US" smtClean="0"/>
-              <a:t>9/30/2016</a:t>
+              <a:t>10/6/2016</a:t>
             </a:fld>
             <a:endParaRPr lang="en-US"/>
           </a:p>
@@ -2338,7 +2338,7 @@
           <a:p>
             <a:fld id="{78C97017-6FC3-485B-9764-EAC9E56C1D49}" type="datetimeFigureOut">
               <a:rPr lang="en-US" smtClean="0"/>
-              <a:t>9/30/2016</a:t>
+              <a:t>10/6/2016</a:t>
             </a:fld>
             <a:endParaRPr lang="en-US"/>
           </a:p>
@@ -2615,7 +2615,7 @@
           <a:p>
             <a:fld id="{78C97017-6FC3-485B-9764-EAC9E56C1D49}" type="datetimeFigureOut">
               <a:rPr lang="en-US" smtClean="0"/>
-              <a:t>9/30/2016</a:t>
+              <a:t>10/6/2016</a:t>
             </a:fld>
             <a:endParaRPr lang="en-US"/>
           </a:p>
@@ -2868,7 +2868,7 @@
           <a:p>
             <a:fld id="{78C97017-6FC3-485B-9764-EAC9E56C1D49}" type="datetimeFigureOut">
               <a:rPr lang="en-US" smtClean="0"/>
-              <a:t>9/30/2016</a:t>
+              <a:t>10/6/2016</a:t>
             </a:fld>
             <a:endParaRPr lang="en-US"/>
           </a:p>
@@ -3081,7 +3081,7 @@
           <a:p>
             <a:fld id="{78C97017-6FC3-485B-9764-EAC9E56C1D49}" type="datetimeFigureOut">
               <a:rPr lang="en-US" smtClean="0"/>
-              <a:t>9/30/2016</a:t>
+              <a:t>10/6/2016</a:t>
             </a:fld>
             <a:endParaRPr lang="en-US"/>
           </a:p>
@@ -5753,7 +5753,7 @@
                   <a:srgbClr val="7030A0"/>
                 </a:solidFill>
               </a:rPr>
-              <a:t>deletePerson</a:t>
+              <a:t>deleteTask</a:t>
             </a:r>
             <a:r>
               <a:rPr lang="en-US" sz="1400" dirty="0" smtClean="0">
@@ -5761,7 +5761,15 @@
                   <a:srgbClr val="7030A0"/>
                 </a:solidFill>
               </a:rPr>
-              <a:t>(p)</a:t>
+              <a:t>(p</a:t>
+            </a:r>
+            <a:r>
+              <a:rPr lang="en-US" sz="1400" dirty="0" smtClean="0">
+                <a:solidFill>
+                  <a:srgbClr val="7030A0"/>
+                </a:solidFill>
+              </a:rPr>
+              <a:t>)</a:t>
             </a:r>
             <a:endParaRPr lang="en-US" sz="1400" dirty="0">
               <a:solidFill>
@@ -5811,7 +5819,7 @@
                   </a:schemeClr>
                 </a:solidFill>
               </a:rPr>
-              <a:t>AddressBookChangedEvent</a:t>
+              <a:t>LifekeeperChangedEvent</a:t>
             </a:r>
             <a:r>
               <a:rPr lang="en-US" sz="1400" dirty="0" smtClean="0">
@@ -6385,7 +6393,7 @@
                   </a:schemeClr>
                 </a:solidFill>
               </a:rPr>
-              <a:t>AddressBookChangedEvent</a:t>
+              <a:t>LifekeeperChangedEvent</a:t>
             </a:r>
             <a:r>
               <a:rPr lang="en-US" sz="1400" dirty="0" smtClean="0">
@@ -6757,7 +6765,7 @@
                   </a:schemeClr>
                 </a:solidFill>
               </a:rPr>
-              <a:t>handleAddresssBookChangedEvent</a:t>
+              <a:t>handleLifekeeperChangedEvent</a:t>
             </a:r>
             <a:r>
               <a:rPr lang="en-US" sz="1400" dirty="0" smtClean="0">
@@ -7068,7 +7076,7 @@
                   <a:srgbClr val="00B050"/>
                 </a:solidFill>
               </a:rPr>
-              <a:t>handleAddresssBookChangedEvent</a:t>
+              <a:t>handleLifekeeperChangedEvent</a:t>
             </a:r>
             <a:r>
               <a:rPr lang="en-US" sz="1400" dirty="0" smtClean="0">
@@ -8134,14 +8142,14 @@
           <a:p>
             <a:pPr algn="ctr"/>
             <a:r>
-              <a:rPr lang="en-US" sz="1050" b="1" dirty="0" err="1">
+              <a:rPr lang="en-US" sz="1050" b="1" dirty="0" err="1" smtClean="0">
                 <a:solidFill>
                   <a:schemeClr val="accent3">
                     <a:lumMod val="75000"/>
                   </a:schemeClr>
                 </a:solidFill>
               </a:rPr>
-              <a:t>PersonListPanel</a:t>
+              <a:t>TaskListPanel</a:t>
             </a:r>
             <a:endParaRPr lang="en-SG" sz="1050" b="1" dirty="0">
               <a:solidFill>
@@ -12280,7 +12288,6 @@
               <a:rPr lang="en-US" dirty="0"/>
               <a:t>execute()</a:t>
             </a:r>
-            <a:endParaRPr lang="en-US" dirty="0"/>
           </a:p>
         </p:txBody>
       </p:sp>
@@ -12797,7 +12804,7 @@
                   <a:srgbClr val="7030A0"/>
                 </a:solidFill>
               </a:rPr>
-              <a:t>deletePerson</a:t>
+              <a:t>deleteTask</a:t>
             </a:r>
             <a:r>
               <a:rPr lang="en-US" dirty="0" smtClean="0">
@@ -12805,7 +12812,15 @@
                   <a:srgbClr val="7030A0"/>
                 </a:solidFill>
               </a:rPr>
-              <a:t>(p)</a:t>
+              <a:t>(p</a:t>
+            </a:r>
+            <a:r>
+              <a:rPr lang="en-US" dirty="0" smtClean="0">
+                <a:solidFill>
+                  <a:srgbClr val="7030A0"/>
+                </a:solidFill>
+              </a:rPr>
+              <a:t>)</a:t>
             </a:r>
             <a:endParaRPr lang="en-US" dirty="0">
               <a:solidFill>
@@ -13936,7 +13951,15 @@
                   <a:srgbClr val="7030A0"/>
                 </a:solidFill>
               </a:rPr>
-              <a:t>AddressBook</a:t>
+              <a:t>Life</a:t>
+            </a:r>
+            <a:r>
+              <a:rPr lang="en-US" sz="1050" dirty="0" err="1" smtClean="0">
+                <a:solidFill>
+                  <a:srgbClr val="7030A0"/>
+                </a:solidFill>
+              </a:rPr>
+              <a:t>keeper</a:t>
             </a:r>
             <a:endParaRPr lang="en-SG" sz="1050" dirty="0">
               <a:solidFill>
@@ -14078,7 +14101,7 @@
                   <a:srgbClr val="7030A0"/>
                 </a:solidFill>
               </a:rPr>
-              <a:t>UniquePersonList</a:t>
+              <a:t>UniqueTaskList</a:t>
             </a:r>
             <a:endParaRPr lang="en-SG" sz="1050" dirty="0">
               <a:solidFill>
@@ -14321,7 +14344,7 @@
                   <a:srgbClr val="7030A0"/>
                 </a:solidFill>
               </a:rPr>
-              <a:t>Person</a:t>
+              <a:t>Task</a:t>
             </a:r>
             <a:endParaRPr lang="en-SG" sz="1050" dirty="0">
               <a:solidFill>
@@ -14620,7 +14643,7 @@
                   <a:srgbClr val="7030A0"/>
                 </a:solidFill>
               </a:rPr>
-              <a:t>ReadOnlyPerson</a:t>
+              <a:t>ReadOnlyTask</a:t>
             </a:r>
             <a:endParaRPr lang="en-SG" sz="1050" dirty="0">
               <a:solidFill>
@@ -14815,12 +14838,12 @@
           <a:p>
             <a:pPr algn="ctr"/>
             <a:r>
-              <a:rPr lang="en-US" sz="1050" dirty="0" smtClean="0">
+              <a:rPr lang="en-SG" sz="1050" dirty="0" err="1" smtClean="0">
                 <a:solidFill>
                   <a:srgbClr val="7030A0"/>
                 </a:solidFill>
               </a:rPr>
-              <a:t>Phone</a:t>
+              <a:t>DueDate</a:t>
             </a:r>
             <a:endParaRPr lang="en-SG" sz="1050" dirty="0">
               <a:solidFill>
@@ -14912,12 +14935,12 @@
           <a:p>
             <a:pPr algn="ctr"/>
             <a:r>
-              <a:rPr lang="en-US" sz="1050" dirty="0" smtClean="0">
+              <a:rPr lang="en-SG" sz="1050" dirty="0" smtClean="0">
                 <a:solidFill>
                   <a:srgbClr val="7030A0"/>
                 </a:solidFill>
               </a:rPr>
-              <a:t>Email</a:t>
+              <a:t>Priority</a:t>
             </a:r>
             <a:endParaRPr lang="en-SG" sz="1050" dirty="0">
               <a:solidFill>
@@ -15009,14 +15032,14 @@
           <a:p>
             <a:pPr algn="ctr"/>
             <a:r>
-              <a:rPr lang="en-US" sz="1050" dirty="0" smtClean="0">
+              <a:rPr lang="en-SG" sz="1000" dirty="0" smtClean="0">
                 <a:solidFill>
                   <a:srgbClr val="7030A0"/>
                 </a:solidFill>
               </a:rPr>
-              <a:t>Address</a:t>
-            </a:r>
-            <a:endParaRPr lang="en-SG" sz="1050" dirty="0">
+              <a:t>Reminder</a:t>
+            </a:r>
+            <a:endParaRPr lang="en-SG" sz="1000" dirty="0">
               <a:solidFill>
                 <a:srgbClr val="7030A0"/>
               </a:solidFill>
@@ -15217,7 +15240,7 @@
                   <a:srgbClr val="7030A0"/>
                 </a:solidFill>
               </a:rPr>
-              <a:t>ReadOnlyAddressBook</a:t>
+              <a:t>ReadOnlyLifekeeper</a:t>
             </a:r>
             <a:endParaRPr lang="en-SG" sz="1050" dirty="0">
               <a:solidFill>
@@ -16603,7 +16626,7 @@
                   </a:schemeClr>
                 </a:solidFill>
               </a:rPr>
-              <a:t>AddressBook</a:t>
+              <a:t>Lifekeeper</a:t>
             </a:r>
             <a:endParaRPr lang="en-SG" sz="1050" b="1" dirty="0">
               <a:solidFill>
@@ -16756,7 +16779,7 @@
                   </a:schemeClr>
                 </a:solidFill>
               </a:rPr>
-              <a:t>XmlAdaptedPerson</a:t>
+              <a:t>XmlAdaptedTask</a:t>
             </a:r>
             <a:endParaRPr lang="en-SG" sz="1050" b="1" dirty="0">
               <a:solidFill>

--- a/docs/diagrams/Diagrams.pptx
+++ b/docs/diagrams/Diagrams.pptx
@@ -5761,15 +5761,7 @@
                   <a:srgbClr val="7030A0"/>
                 </a:solidFill>
               </a:rPr>
-              <a:t>(p</a:t>
-            </a:r>
-            <a:r>
-              <a:rPr lang="en-US" sz="1400" dirty="0" smtClean="0">
-                <a:solidFill>
-                  <a:srgbClr val="7030A0"/>
-                </a:solidFill>
-              </a:rPr>
-              <a:t>)</a:t>
+              <a:t>(p)</a:t>
             </a:r>
             <a:endParaRPr lang="en-US" sz="1400" dirty="0">
               <a:solidFill>
@@ -12812,15 +12804,7 @@
                   <a:srgbClr val="7030A0"/>
                 </a:solidFill>
               </a:rPr>
-              <a:t>(p</a:t>
-            </a:r>
-            <a:r>
-              <a:rPr lang="en-US" dirty="0" smtClean="0">
-                <a:solidFill>
-                  <a:srgbClr val="7030A0"/>
-                </a:solidFill>
-              </a:rPr>
-              <a:t>)</a:t>
+              <a:t>(p)</a:t>
             </a:r>
             <a:endParaRPr lang="en-US" dirty="0">
               <a:solidFill>
@@ -13951,15 +13935,7 @@
                   <a:srgbClr val="7030A0"/>
                 </a:solidFill>
               </a:rPr>
-              <a:t>Life</a:t>
-            </a:r>
-            <a:r>
-              <a:rPr lang="en-US" sz="1050" dirty="0" err="1" smtClean="0">
-                <a:solidFill>
-                  <a:srgbClr val="7030A0"/>
-                </a:solidFill>
-              </a:rPr>
-              <a:t>keeper</a:t>
+              <a:t>Lifekeeper</a:t>
             </a:r>
             <a:endParaRPr lang="en-SG" sz="1050" dirty="0">
               <a:solidFill>
@@ -14694,14 +14670,14 @@
           <a:p>
             <a:pPr algn="ctr"/>
             <a:r>
-              <a:rPr lang="en-US" sz="1050" dirty="0" smtClean="0">
+              <a:rPr lang="en-US" sz="950" dirty="0" err="1" smtClean="0">
                 <a:solidFill>
                   <a:srgbClr val="7030A0"/>
                 </a:solidFill>
               </a:rPr>
-              <a:t>Name</a:t>
-            </a:r>
-            <a:endParaRPr lang="en-SG" sz="1050" dirty="0">
+              <a:t>TaskName</a:t>
+            </a:r>
+            <a:endParaRPr lang="en-SG" sz="950" dirty="0">
               <a:solidFill>
                 <a:srgbClr val="7030A0"/>
               </a:solidFill>

--- a/docs/diagrams/Diagrams.pptx
+++ b/docs/diagrams/Diagrams.pptx
@@ -115,6 +115,22 @@
       </a:defRPr>
     </a:lvl9pPr>
   </p:defaultTextStyle>
+  <p:extLst>
+    <p:ext uri="{EFAFB233-063F-42B5-8137-9DF3F51BA10A}">
+      <p15:sldGuideLst xmlns:p15="http://schemas.microsoft.com/office/powerpoint/2012/main">
+        <p15:guide id="1" orient="horz" pos="1488">
+          <p15:clr>
+            <a:srgbClr val="A4A3A4"/>
+          </p15:clr>
+        </p15:guide>
+        <p15:guide id="2" pos="2880">
+          <p15:clr>
+            <a:srgbClr val="A4A3A4"/>
+          </p15:clr>
+        </p15:guide>
+      </p15:sldGuideLst>
+    </p:ext>
+  </p:extLst>
 </p:presentation>
 </file>
 
@@ -200,7 +216,7 @@
           <a:p>
             <a:fld id="{F5CC4B3F-88C1-4FFA-B1B6-F41C21DC6924}" type="datetimeFigureOut">
               <a:rPr lang="en-US" smtClean="0"/>
-              <a:t>9/30/2016</a:t>
+              <a:t>10/6/2016</a:t>
             </a:fld>
             <a:endParaRPr lang="en-US"/>
           </a:p>
@@ -264,38 +280,37 @@
           <a:p>
             <a:pPr lvl="0"/>
             <a:r>
-              <a:rPr lang="en-US" smtClean="0"/>
+              <a:rPr lang="en-US"/>
               <a:t>Click to edit Master text styles</a:t>
             </a:r>
           </a:p>
           <a:p>
             <a:pPr lvl="1"/>
             <a:r>
-              <a:rPr lang="en-US" smtClean="0"/>
+              <a:rPr lang="en-US"/>
               <a:t>Second level</a:t>
             </a:r>
           </a:p>
           <a:p>
             <a:pPr lvl="2"/>
             <a:r>
-              <a:rPr lang="en-US" smtClean="0"/>
+              <a:rPr lang="en-US"/>
               <a:t>Third level</a:t>
             </a:r>
           </a:p>
           <a:p>
             <a:pPr lvl="3"/>
             <a:r>
-              <a:rPr lang="en-US" smtClean="0"/>
+              <a:rPr lang="en-US"/>
               <a:t>Fourth level</a:t>
             </a:r>
           </a:p>
           <a:p>
             <a:pPr lvl="4"/>
             <a:r>
-              <a:rPr lang="en-US" smtClean="0"/>
+              <a:rPr lang="en-US"/>
               <a:t>Fifth level</a:t>
             </a:r>
-            <a:endParaRPr lang="en-US"/>
           </a:p>
         </p:txBody>
       </p:sp>
@@ -506,10 +521,9 @@
           <a:lstStyle/>
           <a:p>
             <a:r>
-              <a:rPr lang="en-US" smtClean="0"/>
+              <a:rPr lang="en-US"/>
               <a:t>Click to edit Master title style</a:t>
             </a:r>
-            <a:endParaRPr lang="en-US"/>
           </a:p>
         </p:txBody>
       </p:sp>
@@ -625,10 +639,9 @@
           </a:lstStyle>
           <a:p>
             <a:r>
-              <a:rPr lang="en-US" smtClean="0"/>
+              <a:rPr lang="en-US"/>
               <a:t>Click to edit Master subtitle style</a:t>
             </a:r>
-            <a:endParaRPr lang="en-US"/>
           </a:p>
         </p:txBody>
       </p:sp>
@@ -649,7 +662,7 @@
           <a:p>
             <a:fld id="{78C97017-6FC3-485B-9764-EAC9E56C1D49}" type="datetimeFigureOut">
               <a:rPr lang="en-US" smtClean="0"/>
-              <a:t>9/30/2016</a:t>
+              <a:t>10/6/2016</a:t>
             </a:fld>
             <a:endParaRPr lang="en-US"/>
           </a:p>
@@ -743,10 +756,9 @@
           <a:lstStyle/>
           <a:p>
             <a:r>
-              <a:rPr lang="en-US" smtClean="0"/>
+              <a:rPr lang="en-US"/>
               <a:t>Click to edit Master title style</a:t>
             </a:r>
-            <a:endParaRPr lang="en-US"/>
           </a:p>
         </p:txBody>
       </p:sp>
@@ -767,38 +779,37 @@
           <a:p>
             <a:pPr lvl="0"/>
             <a:r>
-              <a:rPr lang="en-US" smtClean="0"/>
+              <a:rPr lang="en-US"/>
               <a:t>Click to edit Master text styles</a:t>
             </a:r>
           </a:p>
           <a:p>
             <a:pPr lvl="1"/>
             <a:r>
-              <a:rPr lang="en-US" smtClean="0"/>
+              <a:rPr lang="en-US"/>
               <a:t>Second level</a:t>
             </a:r>
           </a:p>
           <a:p>
             <a:pPr lvl="2"/>
             <a:r>
-              <a:rPr lang="en-US" smtClean="0"/>
+              <a:rPr lang="en-US"/>
               <a:t>Third level</a:t>
             </a:r>
           </a:p>
           <a:p>
             <a:pPr lvl="3"/>
             <a:r>
-              <a:rPr lang="en-US" smtClean="0"/>
+              <a:rPr lang="en-US"/>
               <a:t>Fourth level</a:t>
             </a:r>
           </a:p>
           <a:p>
             <a:pPr lvl="4"/>
             <a:r>
-              <a:rPr lang="en-US" smtClean="0"/>
+              <a:rPr lang="en-US"/>
               <a:t>Fifth level</a:t>
             </a:r>
-            <a:endParaRPr lang="en-US"/>
           </a:p>
         </p:txBody>
       </p:sp>
@@ -819,7 +830,7 @@
           <a:p>
             <a:fld id="{78C97017-6FC3-485B-9764-EAC9E56C1D49}" type="datetimeFigureOut">
               <a:rPr lang="en-US" smtClean="0"/>
-              <a:t>9/30/2016</a:t>
+              <a:t>10/6/2016</a:t>
             </a:fld>
             <a:endParaRPr lang="en-US"/>
           </a:p>
@@ -918,10 +929,9 @@
           <a:lstStyle/>
           <a:p>
             <a:r>
-              <a:rPr lang="en-US" smtClean="0"/>
+              <a:rPr lang="en-US"/>
               <a:t>Click to edit Master title style</a:t>
             </a:r>
-            <a:endParaRPr lang="en-US"/>
           </a:p>
         </p:txBody>
       </p:sp>
@@ -947,38 +957,37 @@
           <a:p>
             <a:pPr lvl="0"/>
             <a:r>
-              <a:rPr lang="en-US" smtClean="0"/>
+              <a:rPr lang="en-US"/>
               <a:t>Click to edit Master text styles</a:t>
             </a:r>
           </a:p>
           <a:p>
             <a:pPr lvl="1"/>
             <a:r>
-              <a:rPr lang="en-US" smtClean="0"/>
+              <a:rPr lang="en-US"/>
               <a:t>Second level</a:t>
             </a:r>
           </a:p>
           <a:p>
             <a:pPr lvl="2"/>
             <a:r>
-              <a:rPr lang="en-US" smtClean="0"/>
+              <a:rPr lang="en-US"/>
               <a:t>Third level</a:t>
             </a:r>
           </a:p>
           <a:p>
             <a:pPr lvl="3"/>
             <a:r>
-              <a:rPr lang="en-US" smtClean="0"/>
+              <a:rPr lang="en-US"/>
               <a:t>Fourth level</a:t>
             </a:r>
           </a:p>
           <a:p>
             <a:pPr lvl="4"/>
             <a:r>
-              <a:rPr lang="en-US" smtClean="0"/>
+              <a:rPr lang="en-US"/>
               <a:t>Fifth level</a:t>
             </a:r>
-            <a:endParaRPr lang="en-US"/>
           </a:p>
         </p:txBody>
       </p:sp>
@@ -999,7 +1008,7 @@
           <a:p>
             <a:fld id="{78C97017-6FC3-485B-9764-EAC9E56C1D49}" type="datetimeFigureOut">
               <a:rPr lang="en-US" smtClean="0"/>
-              <a:t>9/30/2016</a:t>
+              <a:t>10/6/2016</a:t>
             </a:fld>
             <a:endParaRPr lang="en-US"/>
           </a:p>
@@ -1093,10 +1102,9 @@
           <a:lstStyle/>
           <a:p>
             <a:r>
-              <a:rPr lang="en-US" smtClean="0"/>
+              <a:rPr lang="en-US"/>
               <a:t>Click to edit Master title style</a:t>
             </a:r>
-            <a:endParaRPr lang="en-US"/>
           </a:p>
         </p:txBody>
       </p:sp>
@@ -1117,38 +1125,37 @@
           <a:p>
             <a:pPr lvl="0"/>
             <a:r>
-              <a:rPr lang="en-US" smtClean="0"/>
+              <a:rPr lang="en-US"/>
               <a:t>Click to edit Master text styles</a:t>
             </a:r>
           </a:p>
           <a:p>
             <a:pPr lvl="1"/>
             <a:r>
-              <a:rPr lang="en-US" smtClean="0"/>
+              <a:rPr lang="en-US"/>
               <a:t>Second level</a:t>
             </a:r>
           </a:p>
           <a:p>
             <a:pPr lvl="2"/>
             <a:r>
-              <a:rPr lang="en-US" smtClean="0"/>
+              <a:rPr lang="en-US"/>
               <a:t>Third level</a:t>
             </a:r>
           </a:p>
           <a:p>
             <a:pPr lvl="3"/>
             <a:r>
-              <a:rPr lang="en-US" smtClean="0"/>
+              <a:rPr lang="en-US"/>
               <a:t>Fourth level</a:t>
             </a:r>
           </a:p>
           <a:p>
             <a:pPr lvl="4"/>
             <a:r>
-              <a:rPr lang="en-US" smtClean="0"/>
+              <a:rPr lang="en-US"/>
               <a:t>Fifth level</a:t>
             </a:r>
-            <a:endParaRPr lang="en-US"/>
           </a:p>
         </p:txBody>
       </p:sp>
@@ -1169,7 +1176,7 @@
           <a:p>
             <a:fld id="{78C97017-6FC3-485B-9764-EAC9E56C1D49}" type="datetimeFigureOut">
               <a:rPr lang="en-US" smtClean="0"/>
-              <a:t>9/30/2016</a:t>
+              <a:t>10/6/2016</a:t>
             </a:fld>
             <a:endParaRPr lang="en-US"/>
           </a:p>
@@ -1272,10 +1279,9 @@
           </a:lstStyle>
           <a:p>
             <a:r>
-              <a:rPr lang="en-US" smtClean="0"/>
+              <a:rPr lang="en-US"/>
               <a:t>Click to edit Master title style</a:t>
             </a:r>
-            <a:endParaRPr lang="en-US"/>
           </a:p>
         </p:txBody>
       </p:sp>
@@ -1392,7 +1398,7 @@
           <a:p>
             <a:pPr lvl="0"/>
             <a:r>
-              <a:rPr lang="en-US" smtClean="0"/>
+              <a:rPr lang="en-US"/>
               <a:t>Click to edit Master text styles</a:t>
             </a:r>
           </a:p>
@@ -1415,7 +1421,7 @@
           <a:p>
             <a:fld id="{78C97017-6FC3-485B-9764-EAC9E56C1D49}" type="datetimeFigureOut">
               <a:rPr lang="en-US" smtClean="0"/>
-              <a:t>9/30/2016</a:t>
+              <a:t>10/6/2016</a:t>
             </a:fld>
             <a:endParaRPr lang="en-US"/>
           </a:p>
@@ -1509,10 +1515,9 @@
           <a:lstStyle/>
           <a:p>
             <a:r>
-              <a:rPr lang="en-US" smtClean="0"/>
+              <a:rPr lang="en-US"/>
               <a:t>Click to edit Master title style</a:t>
             </a:r>
-            <a:endParaRPr lang="en-US"/>
           </a:p>
         </p:txBody>
       </p:sp>
@@ -1566,38 +1571,37 @@
           <a:p>
             <a:pPr lvl="0"/>
             <a:r>
-              <a:rPr lang="en-US" smtClean="0"/>
+              <a:rPr lang="en-US"/>
               <a:t>Click to edit Master text styles</a:t>
             </a:r>
           </a:p>
           <a:p>
             <a:pPr lvl="1"/>
             <a:r>
-              <a:rPr lang="en-US" smtClean="0"/>
+              <a:rPr lang="en-US"/>
               <a:t>Second level</a:t>
             </a:r>
           </a:p>
           <a:p>
             <a:pPr lvl="2"/>
             <a:r>
-              <a:rPr lang="en-US" smtClean="0"/>
+              <a:rPr lang="en-US"/>
               <a:t>Third level</a:t>
             </a:r>
           </a:p>
           <a:p>
             <a:pPr lvl="3"/>
             <a:r>
-              <a:rPr lang="en-US" smtClean="0"/>
+              <a:rPr lang="en-US"/>
               <a:t>Fourth level</a:t>
             </a:r>
           </a:p>
           <a:p>
             <a:pPr lvl="4"/>
             <a:r>
-              <a:rPr lang="en-US" smtClean="0"/>
+              <a:rPr lang="en-US"/>
               <a:t>Fifth level</a:t>
             </a:r>
-            <a:endParaRPr lang="en-US"/>
           </a:p>
         </p:txBody>
       </p:sp>
@@ -1651,38 +1655,37 @@
           <a:p>
             <a:pPr lvl="0"/>
             <a:r>
-              <a:rPr lang="en-US" smtClean="0"/>
+              <a:rPr lang="en-US"/>
               <a:t>Click to edit Master text styles</a:t>
             </a:r>
           </a:p>
           <a:p>
             <a:pPr lvl="1"/>
             <a:r>
-              <a:rPr lang="en-US" smtClean="0"/>
+              <a:rPr lang="en-US"/>
               <a:t>Second level</a:t>
             </a:r>
           </a:p>
           <a:p>
             <a:pPr lvl="2"/>
             <a:r>
-              <a:rPr lang="en-US" smtClean="0"/>
+              <a:rPr lang="en-US"/>
               <a:t>Third level</a:t>
             </a:r>
           </a:p>
           <a:p>
             <a:pPr lvl="3"/>
             <a:r>
-              <a:rPr lang="en-US" smtClean="0"/>
+              <a:rPr lang="en-US"/>
               <a:t>Fourth level</a:t>
             </a:r>
           </a:p>
           <a:p>
             <a:pPr lvl="4"/>
             <a:r>
-              <a:rPr lang="en-US" smtClean="0"/>
+              <a:rPr lang="en-US"/>
               <a:t>Fifth level</a:t>
             </a:r>
-            <a:endParaRPr lang="en-US"/>
           </a:p>
         </p:txBody>
       </p:sp>
@@ -1703,7 +1706,7 @@
           <a:p>
             <a:fld id="{78C97017-6FC3-485B-9764-EAC9E56C1D49}" type="datetimeFigureOut">
               <a:rPr lang="en-US" smtClean="0"/>
-              <a:t>9/30/2016</a:t>
+              <a:t>10/6/2016</a:t>
             </a:fld>
             <a:endParaRPr lang="en-US"/>
           </a:p>
@@ -1801,10 +1804,9 @@
           </a:lstStyle>
           <a:p>
             <a:r>
-              <a:rPr lang="en-US" smtClean="0"/>
+              <a:rPr lang="en-US"/>
               <a:t>Click to edit Master title style</a:t>
             </a:r>
-            <a:endParaRPr lang="en-US"/>
           </a:p>
         </p:txBody>
       </p:sp>
@@ -1867,7 +1869,7 @@
           <a:p>
             <a:pPr lvl="0"/>
             <a:r>
-              <a:rPr lang="en-US" smtClean="0"/>
+              <a:rPr lang="en-US"/>
               <a:t>Click to edit Master text styles</a:t>
             </a:r>
           </a:p>
@@ -1923,38 +1925,37 @@
           <a:p>
             <a:pPr lvl="0"/>
             <a:r>
-              <a:rPr lang="en-US" smtClean="0"/>
+              <a:rPr lang="en-US"/>
               <a:t>Click to edit Master text styles</a:t>
             </a:r>
           </a:p>
           <a:p>
             <a:pPr lvl="1"/>
             <a:r>
-              <a:rPr lang="en-US" smtClean="0"/>
+              <a:rPr lang="en-US"/>
               <a:t>Second level</a:t>
             </a:r>
           </a:p>
           <a:p>
             <a:pPr lvl="2"/>
             <a:r>
-              <a:rPr lang="en-US" smtClean="0"/>
+              <a:rPr lang="en-US"/>
               <a:t>Third level</a:t>
             </a:r>
           </a:p>
           <a:p>
             <a:pPr lvl="3"/>
             <a:r>
-              <a:rPr lang="en-US" smtClean="0"/>
+              <a:rPr lang="en-US"/>
               <a:t>Fourth level</a:t>
             </a:r>
           </a:p>
           <a:p>
             <a:pPr lvl="4"/>
             <a:r>
-              <a:rPr lang="en-US" smtClean="0"/>
+              <a:rPr lang="en-US"/>
               <a:t>Fifth level</a:t>
             </a:r>
-            <a:endParaRPr lang="en-US"/>
           </a:p>
         </p:txBody>
       </p:sp>
@@ -2017,7 +2018,7 @@
           <a:p>
             <a:pPr lvl="0"/>
             <a:r>
-              <a:rPr lang="en-US" smtClean="0"/>
+              <a:rPr lang="en-US"/>
               <a:t>Click to edit Master text styles</a:t>
             </a:r>
           </a:p>
@@ -2073,38 +2074,37 @@
           <a:p>
             <a:pPr lvl="0"/>
             <a:r>
-              <a:rPr lang="en-US" smtClean="0"/>
+              <a:rPr lang="en-US"/>
               <a:t>Click to edit Master text styles</a:t>
             </a:r>
           </a:p>
           <a:p>
             <a:pPr lvl="1"/>
             <a:r>
-              <a:rPr lang="en-US" smtClean="0"/>
+              <a:rPr lang="en-US"/>
               <a:t>Second level</a:t>
             </a:r>
           </a:p>
           <a:p>
             <a:pPr lvl="2"/>
             <a:r>
-              <a:rPr lang="en-US" smtClean="0"/>
+              <a:rPr lang="en-US"/>
               <a:t>Third level</a:t>
             </a:r>
           </a:p>
           <a:p>
             <a:pPr lvl="3"/>
             <a:r>
-              <a:rPr lang="en-US" smtClean="0"/>
+              <a:rPr lang="en-US"/>
               <a:t>Fourth level</a:t>
             </a:r>
           </a:p>
           <a:p>
             <a:pPr lvl="4"/>
             <a:r>
-              <a:rPr lang="en-US" smtClean="0"/>
+              <a:rPr lang="en-US"/>
               <a:t>Fifth level</a:t>
             </a:r>
-            <a:endParaRPr lang="en-US"/>
           </a:p>
         </p:txBody>
       </p:sp>
@@ -2125,7 +2125,7 @@
           <a:p>
             <a:fld id="{78C97017-6FC3-485B-9764-EAC9E56C1D49}" type="datetimeFigureOut">
               <a:rPr lang="en-US" smtClean="0"/>
-              <a:t>9/30/2016</a:t>
+              <a:t>10/6/2016</a:t>
             </a:fld>
             <a:endParaRPr lang="en-US"/>
           </a:p>
@@ -2219,10 +2219,9 @@
           <a:lstStyle/>
           <a:p>
             <a:r>
-              <a:rPr lang="en-US" smtClean="0"/>
+              <a:rPr lang="en-US"/>
               <a:t>Click to edit Master title style</a:t>
             </a:r>
-            <a:endParaRPr lang="en-US"/>
           </a:p>
         </p:txBody>
       </p:sp>
@@ -2243,7 +2242,7 @@
           <a:p>
             <a:fld id="{78C97017-6FC3-485B-9764-EAC9E56C1D49}" type="datetimeFigureOut">
               <a:rPr lang="en-US" smtClean="0"/>
-              <a:t>9/30/2016</a:t>
+              <a:t>10/6/2016</a:t>
             </a:fld>
             <a:endParaRPr lang="en-US"/>
           </a:p>
@@ -2338,7 +2337,7 @@
           <a:p>
             <a:fld id="{78C97017-6FC3-485B-9764-EAC9E56C1D49}" type="datetimeFigureOut">
               <a:rPr lang="en-US" smtClean="0"/>
-              <a:t>9/30/2016</a:t>
+              <a:t>10/6/2016</a:t>
             </a:fld>
             <a:endParaRPr lang="en-US"/>
           </a:p>
@@ -2441,10 +2440,9 @@
           </a:lstStyle>
           <a:p>
             <a:r>
-              <a:rPr lang="en-US" smtClean="0"/>
+              <a:rPr lang="en-US"/>
               <a:t>Click to edit Master title style</a:t>
             </a:r>
-            <a:endParaRPr lang="en-US"/>
           </a:p>
         </p:txBody>
       </p:sp>
@@ -2498,38 +2496,37 @@
           <a:p>
             <a:pPr lvl="0"/>
             <a:r>
-              <a:rPr lang="en-US" smtClean="0"/>
+              <a:rPr lang="en-US"/>
               <a:t>Click to edit Master text styles</a:t>
             </a:r>
           </a:p>
           <a:p>
             <a:pPr lvl="1"/>
             <a:r>
-              <a:rPr lang="en-US" smtClean="0"/>
+              <a:rPr lang="en-US"/>
               <a:t>Second level</a:t>
             </a:r>
           </a:p>
           <a:p>
             <a:pPr lvl="2"/>
             <a:r>
-              <a:rPr lang="en-US" smtClean="0"/>
+              <a:rPr lang="en-US"/>
               <a:t>Third level</a:t>
             </a:r>
           </a:p>
           <a:p>
             <a:pPr lvl="3"/>
             <a:r>
-              <a:rPr lang="en-US" smtClean="0"/>
+              <a:rPr lang="en-US"/>
               <a:t>Fourth level</a:t>
             </a:r>
           </a:p>
           <a:p>
             <a:pPr lvl="4"/>
             <a:r>
-              <a:rPr lang="en-US" smtClean="0"/>
+              <a:rPr lang="en-US"/>
               <a:t>Fifth level</a:t>
             </a:r>
-            <a:endParaRPr lang="en-US"/>
           </a:p>
         </p:txBody>
       </p:sp>
@@ -2592,7 +2589,7 @@
           <a:p>
             <a:pPr lvl="0"/>
             <a:r>
-              <a:rPr lang="en-US" smtClean="0"/>
+              <a:rPr lang="en-US"/>
               <a:t>Click to edit Master text styles</a:t>
             </a:r>
           </a:p>
@@ -2615,7 +2612,7 @@
           <a:p>
             <a:fld id="{78C97017-6FC3-485B-9764-EAC9E56C1D49}" type="datetimeFigureOut">
               <a:rPr lang="en-US" smtClean="0"/>
-              <a:t>9/30/2016</a:t>
+              <a:t>10/6/2016</a:t>
             </a:fld>
             <a:endParaRPr lang="en-US"/>
           </a:p>
@@ -2718,10 +2715,9 @@
           </a:lstStyle>
           <a:p>
             <a:r>
-              <a:rPr lang="en-US" smtClean="0"/>
+              <a:rPr lang="en-US"/>
               <a:t>Click to edit Master title style</a:t>
             </a:r>
-            <a:endParaRPr lang="en-US"/>
           </a:p>
         </p:txBody>
       </p:sp>
@@ -2845,7 +2841,7 @@
           <a:p>
             <a:pPr lvl="0"/>
             <a:r>
-              <a:rPr lang="en-US" smtClean="0"/>
+              <a:rPr lang="en-US"/>
               <a:t>Click to edit Master text styles</a:t>
             </a:r>
           </a:p>
@@ -2868,7 +2864,7 @@
           <a:p>
             <a:fld id="{78C97017-6FC3-485B-9764-EAC9E56C1D49}" type="datetimeFigureOut">
               <a:rPr lang="en-US" smtClean="0"/>
-              <a:t>9/30/2016</a:t>
+              <a:t>10/6/2016</a:t>
             </a:fld>
             <a:endParaRPr lang="en-US"/>
           </a:p>
@@ -2977,10 +2973,9 @@
           <a:lstStyle/>
           <a:p>
             <a:r>
-              <a:rPr lang="en-US" smtClean="0"/>
+              <a:rPr lang="en-US"/>
               <a:t>Click to edit Master title style</a:t>
             </a:r>
-            <a:endParaRPr lang="en-US"/>
           </a:p>
         </p:txBody>
       </p:sp>
@@ -3011,38 +3006,37 @@
           <a:p>
             <a:pPr lvl="0"/>
             <a:r>
-              <a:rPr lang="en-US" smtClean="0"/>
+              <a:rPr lang="en-US"/>
               <a:t>Click to edit Master text styles</a:t>
             </a:r>
           </a:p>
           <a:p>
             <a:pPr lvl="1"/>
             <a:r>
-              <a:rPr lang="en-US" smtClean="0"/>
+              <a:rPr lang="en-US"/>
               <a:t>Second level</a:t>
             </a:r>
           </a:p>
           <a:p>
             <a:pPr lvl="2"/>
             <a:r>
-              <a:rPr lang="en-US" smtClean="0"/>
+              <a:rPr lang="en-US"/>
               <a:t>Third level</a:t>
             </a:r>
           </a:p>
           <a:p>
             <a:pPr lvl="3"/>
             <a:r>
-              <a:rPr lang="en-US" smtClean="0"/>
+              <a:rPr lang="en-US"/>
               <a:t>Fourth level</a:t>
             </a:r>
           </a:p>
           <a:p>
             <a:pPr lvl="4"/>
             <a:r>
-              <a:rPr lang="en-US" smtClean="0"/>
+              <a:rPr lang="en-US"/>
               <a:t>Fifth level</a:t>
             </a:r>
-            <a:endParaRPr lang="en-US"/>
           </a:p>
         </p:txBody>
       </p:sp>
@@ -3081,7 +3075,7 @@
           <a:p>
             <a:fld id="{78C97017-6FC3-485B-9764-EAC9E56C1D49}" type="datetimeFigureOut">
               <a:rPr lang="en-US" smtClean="0"/>
-              <a:t>9/30/2016</a:t>
+              <a:t>10/6/2016</a:t>
             </a:fld>
             <a:endParaRPr lang="en-US"/>
           </a:p>
@@ -3472,14 +3466,13 @@
           <a:lstStyle/>
           <a:p>
             <a:r>
-              <a:rPr lang="en-US" dirty="0" err="1" smtClean="0"/>
+              <a:rPr lang="en-US" dirty="0" err="1"/>
               <a:t>AddressBook</a:t>
             </a:r>
             <a:r>
-              <a:rPr lang="en-US" dirty="0" smtClean="0"/>
+              <a:rPr lang="en-US" dirty="0"/>
               <a:t> – Level 4</a:t>
             </a:r>
-            <a:endParaRPr lang="en-US" dirty="0"/>
           </a:p>
         </p:txBody>
       </p:sp>
@@ -3499,10 +3492,9 @@
           <a:lstStyle/>
           <a:p>
             <a:r>
-              <a:rPr lang="en-US" dirty="0" smtClean="0"/>
+              <a:rPr lang="en-US" dirty="0"/>
               <a:t>Diagrams</a:t>
             </a:r>
-            <a:endParaRPr lang="en-US" dirty="0"/>
           </a:p>
         </p:txBody>
       </p:sp>
@@ -3634,7 +3626,7 @@
           <a:p>
             <a:pPr algn="ctr"/>
             <a:r>
-              <a:rPr lang="en-US" sz="1600" dirty="0" smtClean="0">
+              <a:rPr lang="en-US" sz="1600" dirty="0">
                 <a:solidFill>
                   <a:schemeClr val="bg1"/>
                 </a:solidFill>
@@ -3693,7 +3685,7 @@
           <a:p>
             <a:pPr algn="ctr"/>
             <a:r>
-              <a:rPr lang="en-US" sz="1600" dirty="0" smtClean="0">
+              <a:rPr lang="en-US" sz="1600" dirty="0">
                 <a:solidFill>
                   <a:schemeClr val="bg1"/>
                 </a:solidFill>
@@ -3756,7 +3748,7 @@
           <a:p>
             <a:pPr algn="ctr"/>
             <a:r>
-              <a:rPr lang="en-US" sz="1600" dirty="0" smtClean="0">
+              <a:rPr lang="en-US" sz="1600" dirty="0">
                 <a:solidFill>
                   <a:schemeClr val="bg1"/>
                 </a:solidFill>
@@ -3815,7 +3807,7 @@
           <a:p>
             <a:pPr algn="ctr"/>
             <a:r>
-              <a:rPr lang="en-US" sz="1600" dirty="0" smtClean="0">
+              <a:rPr lang="en-US" sz="1600" dirty="0">
                 <a:solidFill>
                   <a:schemeClr val="bg1"/>
                 </a:solidFill>
@@ -4401,7 +4393,7 @@
           <a:p>
             <a:pPr algn="ctr"/>
             <a:r>
-              <a:rPr lang="en-US" sz="1600" dirty="0" smtClean="0">
+              <a:rPr lang="en-US" sz="1600" dirty="0">
                 <a:solidFill>
                   <a:schemeClr val="bg1"/>
                 </a:solidFill>
@@ -4752,7 +4744,7 @@
           <a:p>
             <a:pPr algn="ctr"/>
             <a:r>
-              <a:rPr lang="en-US" sz="1600" dirty="0" smtClean="0">
+              <a:rPr lang="en-US" sz="1600" dirty="0">
                 <a:solidFill>
                   <a:schemeClr val="bg1"/>
                 </a:solidFill>
@@ -4760,25 +4752,20 @@
               <a:t>Logs</a:t>
             </a:r>
             <a:br>
-              <a:rPr lang="en-US" sz="1600" dirty="0" smtClean="0">
+              <a:rPr lang="en-US" sz="1600" dirty="0">
                 <a:solidFill>
                   <a:schemeClr val="bg1"/>
                 </a:solidFill>
               </a:rPr>
             </a:br>
             <a:r>
-              <a:rPr lang="en-US" sz="1600" dirty="0" smtClean="0">
+              <a:rPr lang="en-US" sz="1600" dirty="0">
                 <a:solidFill>
                   <a:schemeClr val="bg1"/>
                 </a:solidFill>
               </a:rPr>
               <a:t>Center</a:t>
             </a:r>
-            <a:endParaRPr lang="en-US" sz="1600" dirty="0">
-              <a:solidFill>
-                <a:schemeClr val="bg1"/>
-              </a:solidFill>
-            </a:endParaRPr>
           </a:p>
         </p:txBody>
       </p:sp>
@@ -4935,7 +4922,7 @@
           <a:p>
             <a:pPr algn="ctr"/>
             <a:r>
-              <a:rPr lang="en-US" sz="1600" dirty="0" smtClean="0">
+              <a:rPr lang="en-US" sz="1600" dirty="0">
                 <a:solidFill>
                   <a:schemeClr val="bg1"/>
                 </a:solidFill>
@@ -5299,7 +5286,7 @@
           <a:p>
             <a:pPr algn="ctr"/>
             <a:r>
-              <a:rPr lang="en-US" sz="1600" dirty="0" smtClean="0">
+              <a:rPr lang="en-US" sz="1600" dirty="0">
                 <a:solidFill>
                   <a:schemeClr val="bg1"/>
                 </a:solidFill>
@@ -5446,7 +5433,7 @@
           <a:p>
             <a:pPr algn="ctr"/>
             <a:r>
-              <a:rPr lang="en-US" sz="1600" dirty="0" smtClean="0">
+              <a:rPr lang="en-US" sz="1600" dirty="0">
                 <a:solidFill>
                   <a:schemeClr val="bg1"/>
                 </a:solidFill>
@@ -5608,10 +5595,9 @@
           <a:lstStyle/>
           <a:p>
             <a:r>
-              <a:rPr lang="en-US" sz="1400" dirty="0" smtClean="0"/>
+              <a:rPr lang="en-US" sz="1400" dirty="0"/>
               <a:t>delete 1</a:t>
             </a:r>
-            <a:endParaRPr lang="en-US" sz="1400" dirty="0"/>
           </a:p>
         </p:txBody>
       </p:sp>
@@ -5674,18 +5660,13 @@
           <a:lstStyle/>
           <a:p>
             <a:r>
-              <a:rPr lang="en-US" sz="1400" dirty="0" smtClean="0">
+              <a:rPr lang="en-US" sz="1400" dirty="0">
                 <a:solidFill>
                   <a:srgbClr val="0070C0"/>
                 </a:solidFill>
               </a:rPr>
               <a:t>execute(“delete 1”)</a:t>
             </a:r>
-            <a:endParaRPr lang="en-US" sz="1400" dirty="0">
-              <a:solidFill>
-                <a:srgbClr val="0070C0"/>
-              </a:solidFill>
-            </a:endParaRPr>
           </a:p>
         </p:txBody>
       </p:sp>
@@ -5748,26 +5729,21 @@
           <a:lstStyle/>
           <a:p>
             <a:r>
-              <a:rPr lang="en-US" sz="1400" dirty="0" err="1" smtClean="0">
+              <a:rPr lang="en-US" sz="1400" dirty="0" err="1">
                 <a:solidFill>
                   <a:srgbClr val="7030A0"/>
                 </a:solidFill>
               </a:rPr>
-              <a:t>deletePerson</a:t>
-            </a:r>
-            <a:r>
-              <a:rPr lang="en-US" sz="1400" dirty="0" smtClean="0">
+              <a:t>deleteTask</a:t>
+            </a:r>
+            <a:r>
+              <a:rPr lang="en-US" sz="1400" dirty="0">
                 <a:solidFill>
                   <a:srgbClr val="7030A0"/>
                 </a:solidFill>
               </a:rPr>
               <a:t>(p)</a:t>
             </a:r>
-            <a:endParaRPr lang="en-US" sz="1400" dirty="0">
-              <a:solidFill>
-                <a:srgbClr val="7030A0"/>
-              </a:solidFill>
-            </a:endParaRPr>
           </a:p>
         </p:txBody>
       </p:sp>
@@ -5794,7 +5770,7 @@
           <a:lstStyle/>
           <a:p>
             <a:r>
-              <a:rPr lang="en-US" sz="1400" dirty="0" smtClean="0">
+              <a:rPr lang="en-US" sz="1400" dirty="0">
                 <a:solidFill>
                   <a:schemeClr val="accent5">
                     <a:lumMod val="75000"/>
@@ -5804,17 +5780,17 @@
               <a:t>post(</a:t>
             </a:r>
             <a:r>
-              <a:rPr lang="en-US" sz="1400" dirty="0" err="1" smtClean="0">
+              <a:rPr lang="en-US" sz="1400" dirty="0" err="1">
                 <a:solidFill>
                   <a:schemeClr val="accent5">
                     <a:lumMod val="75000"/>
                   </a:schemeClr>
                 </a:solidFill>
               </a:rPr>
-              <a:t>AddressBookChangedEvent</a:t>
-            </a:r>
-            <a:r>
-              <a:rPr lang="en-US" sz="1400" dirty="0" smtClean="0">
+              <a:t>TaskManChangedEvent</a:t>
+            </a:r>
+            <a:r>
+              <a:rPr lang="en-US" sz="1400" dirty="0">
                 <a:solidFill>
                   <a:schemeClr val="accent5">
                     <a:lumMod val="75000"/>
@@ -5823,13 +5799,6 @@
               </a:rPr>
               <a:t>)</a:t>
             </a:r>
-            <a:endParaRPr lang="en-US" sz="1400" dirty="0">
-              <a:solidFill>
-                <a:schemeClr val="accent5">
-                  <a:lumMod val="75000"/>
-                </a:schemeClr>
-              </a:solidFill>
-            </a:endParaRPr>
           </a:p>
         </p:txBody>
       </p:sp>
@@ -5995,7 +5964,7 @@
           <a:p>
             <a:pPr algn="ctr"/>
             <a:r>
-              <a:rPr lang="en-US" sz="1600" dirty="0" smtClean="0">
+              <a:rPr lang="en-US" sz="1600" dirty="0">
                 <a:solidFill>
                   <a:schemeClr val="bg1"/>
                 </a:solidFill>
@@ -6003,7 +5972,7 @@
               <a:t>:</a:t>
             </a:r>
             <a:r>
-              <a:rPr lang="en-US" sz="1600" dirty="0" err="1" smtClean="0">
+              <a:rPr lang="en-US" sz="1600" dirty="0" err="1">
                 <a:solidFill>
                   <a:schemeClr val="bg1"/>
                 </a:solidFill>
@@ -6236,7 +6205,7 @@
           <a:p>
             <a:pPr algn="ctr"/>
             <a:r>
-              <a:rPr lang="en-US" sz="1600" dirty="0" smtClean="0">
+              <a:rPr lang="en-US" sz="1600" dirty="0">
                 <a:solidFill>
                   <a:schemeClr val="bg1"/>
                 </a:solidFill>
@@ -6368,7 +6337,7 @@
           <a:lstStyle/>
           <a:p>
             <a:r>
-              <a:rPr lang="en-US" sz="1400" dirty="0" smtClean="0">
+              <a:rPr lang="en-US" sz="1400" dirty="0">
                 <a:solidFill>
                   <a:schemeClr val="accent5">
                     <a:lumMod val="75000"/>
@@ -6378,17 +6347,17 @@
               <a:t>post(</a:t>
             </a:r>
             <a:r>
-              <a:rPr lang="en-US" sz="1400" dirty="0" err="1" smtClean="0">
+              <a:rPr lang="en-US" sz="1400" dirty="0" err="1">
                 <a:solidFill>
                   <a:schemeClr val="accent5">
                     <a:lumMod val="75000"/>
                   </a:schemeClr>
                 </a:solidFill>
               </a:rPr>
-              <a:t>AddressBookChangedEvent</a:t>
-            </a:r>
-            <a:r>
-              <a:rPr lang="en-US" sz="1400" dirty="0" smtClean="0">
+              <a:t>TaskManChangedEvent</a:t>
+            </a:r>
+            <a:r>
+              <a:rPr lang="en-US" sz="1400" dirty="0">
                 <a:solidFill>
                   <a:schemeClr val="accent5">
                     <a:lumMod val="75000"/>
@@ -6397,13 +6366,6 @@
               </a:rPr>
               <a:t>)</a:t>
             </a:r>
-            <a:endParaRPr lang="en-US" sz="1400" dirty="0">
-              <a:solidFill>
-                <a:schemeClr val="accent5">
-                  <a:lumMod val="75000"/>
-                </a:schemeClr>
-              </a:solidFill>
-            </a:endParaRPr>
           </a:p>
         </p:txBody>
       </p:sp>
@@ -6495,7 +6457,7 @@
           <a:p>
             <a:pPr algn="ctr"/>
             <a:r>
-              <a:rPr lang="en-US" sz="1600" dirty="0" smtClean="0">
+              <a:rPr lang="en-US" sz="1600" dirty="0">
                 <a:solidFill>
                   <a:schemeClr val="bg1"/>
                 </a:solidFill>
@@ -6503,7 +6465,7 @@
               <a:t>:</a:t>
             </a:r>
             <a:r>
-              <a:rPr lang="en-US" sz="1600" dirty="0" err="1" smtClean="0">
+              <a:rPr lang="en-US" sz="1600" dirty="0" err="1">
                 <a:solidFill>
                   <a:schemeClr val="bg1"/>
                 </a:solidFill>
@@ -6750,17 +6712,17 @@
           <a:lstStyle/>
           <a:p>
             <a:r>
-              <a:rPr lang="en-US" sz="1400" dirty="0" err="1" smtClean="0">
+              <a:rPr lang="en-US" sz="1400" dirty="0" err="1">
                 <a:solidFill>
                   <a:schemeClr val="accent6">
                     <a:lumMod val="75000"/>
                   </a:schemeClr>
                 </a:solidFill>
               </a:rPr>
-              <a:t>handleAddresssBookChangedEvent</a:t>
-            </a:r>
-            <a:r>
-              <a:rPr lang="en-US" sz="1400" dirty="0" smtClean="0">
+              <a:t>handleTaskManChangedEvent</a:t>
+            </a:r>
+            <a:r>
+              <a:rPr lang="en-US" sz="1400" dirty="0">
                 <a:solidFill>
                   <a:schemeClr val="accent6">
                     <a:lumMod val="75000"/>
@@ -6769,13 +6731,6 @@
               </a:rPr>
               <a:t>()</a:t>
             </a:r>
-            <a:endParaRPr lang="en-US" sz="1400" dirty="0">
-              <a:solidFill>
-                <a:schemeClr val="accent6">
-                  <a:lumMod val="75000"/>
-                </a:schemeClr>
-              </a:solidFill>
-            </a:endParaRPr>
           </a:p>
         </p:txBody>
       </p:sp>
@@ -6860,7 +6815,7 @@
           <a:p>
             <a:pPr algn="ctr"/>
             <a:r>
-              <a:rPr lang="en-US" sz="1600" dirty="0" smtClean="0">
+              <a:rPr lang="en-US" sz="1600" dirty="0">
                 <a:solidFill>
                   <a:schemeClr val="bg1"/>
                 </a:solidFill>
@@ -7063,26 +7018,21 @@
           <a:lstStyle/>
           <a:p>
             <a:r>
-              <a:rPr lang="en-US" sz="1400" dirty="0" err="1" smtClean="0">
+              <a:rPr lang="en-US" sz="1400" dirty="0" err="1">
                 <a:solidFill>
                   <a:srgbClr val="00B050"/>
                 </a:solidFill>
               </a:rPr>
-              <a:t>handleAddresssBookChangedEvent</a:t>
-            </a:r>
-            <a:r>
-              <a:rPr lang="en-US" sz="1400" dirty="0" smtClean="0">
+              <a:t>handleTaskManChangedEvent</a:t>
+            </a:r>
+            <a:r>
+              <a:rPr lang="en-US" sz="1400" dirty="0">
                 <a:solidFill>
                   <a:srgbClr val="00B050"/>
                 </a:solidFill>
               </a:rPr>
               <a:t>()</a:t>
             </a:r>
-            <a:endParaRPr lang="en-US" sz="1400" dirty="0">
-              <a:solidFill>
-                <a:srgbClr val="00B050"/>
-              </a:solidFill>
-            </a:endParaRPr>
           </a:p>
         </p:txBody>
       </p:sp>
@@ -7269,18 +7219,13 @@
           <a:p>
             <a:pPr algn="r"/>
             <a:r>
-              <a:rPr lang="en-US" sz="1400" dirty="0" smtClean="0">
+              <a:rPr lang="en-US" sz="1400" dirty="0">
                 <a:solidFill>
                   <a:srgbClr val="00B050"/>
                 </a:solidFill>
               </a:rPr>
               <a:t>Update status bar</a:t>
             </a:r>
-            <a:endParaRPr lang="en-US" sz="1400" dirty="0">
-              <a:solidFill>
-                <a:srgbClr val="00B050"/>
-              </a:solidFill>
-            </a:endParaRPr>
           </a:p>
         </p:txBody>
       </p:sp>
@@ -7470,7 +7415,7 @@
           <a:lstStyle/>
           <a:p>
             <a:r>
-              <a:rPr lang="en-US" sz="1400" dirty="0" smtClean="0">
+              <a:rPr lang="en-US" sz="1400" dirty="0">
                 <a:solidFill>
                   <a:schemeClr val="accent6">
                     <a:lumMod val="75000"/>
@@ -7480,7 +7425,7 @@
               <a:t>Save </a:t>
             </a:r>
             <a:br>
-              <a:rPr lang="en-US" sz="1400" dirty="0" smtClean="0">
+              <a:rPr lang="en-US" sz="1400" dirty="0">
                 <a:solidFill>
                   <a:schemeClr val="accent6">
                     <a:lumMod val="75000"/>
@@ -7489,7 +7434,7 @@
               </a:rPr>
             </a:br>
             <a:r>
-              <a:rPr lang="en-US" sz="1400" dirty="0" smtClean="0">
+              <a:rPr lang="en-US" sz="1400" dirty="0">
                 <a:solidFill>
                   <a:schemeClr val="accent6">
                     <a:lumMod val="75000"/>
@@ -7498,13 +7443,6 @@
               </a:rPr>
               <a:t>to file</a:t>
             </a:r>
-            <a:endParaRPr lang="en-US" sz="1400" dirty="0">
-              <a:solidFill>
-                <a:schemeClr val="accent6">
-                  <a:lumMod val="75000"/>
-                </a:schemeClr>
-              </a:solidFill>
-            </a:endParaRPr>
           </a:p>
         </p:txBody>
       </p:sp>
@@ -7581,7 +7519,7 @@
           <a:lstStyle/>
           <a:p>
             <a:r>
-              <a:rPr lang="en-US" sz="1200" b="1" dirty="0" smtClean="0">
+              <a:rPr lang="en-US" sz="1200" b="1" dirty="0">
                 <a:solidFill>
                   <a:schemeClr val="accent3">
                     <a:lumMod val="75000"/>
@@ -7764,7 +7702,7 @@
           <a:p>
             <a:pPr algn="ctr"/>
             <a:r>
-              <a:rPr lang="en-US" sz="1050" dirty="0" err="1" smtClean="0">
+              <a:rPr lang="en-US" sz="1050" dirty="0" err="1">
                 <a:solidFill>
                   <a:schemeClr val="bg1"/>
                 </a:solidFill>
@@ -8141,7 +8079,7 @@
                   </a:schemeClr>
                 </a:solidFill>
               </a:rPr>
-              <a:t>PersonListPanel</a:t>
+              <a:t>TaskListPanel</a:t>
             </a:r>
             <a:endParaRPr lang="en-SG" sz="1050" b="1" dirty="0">
               <a:solidFill>
@@ -8626,7 +8564,7 @@
           <a:p>
             <a:pPr algn="ctr"/>
             <a:r>
-              <a:rPr lang="en-US" sz="1050" b="1" dirty="0" smtClean="0">
+              <a:rPr lang="en-US" sz="1050" b="1" dirty="0">
                 <a:solidFill>
                   <a:schemeClr val="accent3">
                     <a:lumMod val="75000"/>
@@ -8636,7 +8574,7 @@
               <a:t>{abstract}</a:t>
             </a:r>
             <a:br>
-              <a:rPr lang="en-US" sz="1050" b="1" dirty="0" smtClean="0">
+              <a:rPr lang="en-US" sz="1050" b="1" dirty="0">
                 <a:solidFill>
                   <a:schemeClr val="accent3">
                     <a:lumMod val="75000"/>
@@ -8645,7 +8583,7 @@
               </a:rPr>
             </a:br>
             <a:r>
-              <a:rPr lang="en-US" sz="1050" b="1" dirty="0" err="1" smtClean="0">
+              <a:rPr lang="en-US" sz="1050" b="1" dirty="0" err="1">
                 <a:solidFill>
                   <a:schemeClr val="accent3">
                     <a:lumMod val="75000"/>
@@ -9134,7 +9072,7 @@
           <a:p>
             <a:pPr algn="ctr"/>
             <a:r>
-              <a:rPr lang="en-US" sz="1100" b="1" dirty="0" smtClean="0">
+              <a:rPr lang="en-US" sz="1100" b="1" dirty="0">
                 <a:solidFill>
                   <a:schemeClr val="bg1"/>
                 </a:solidFill>
@@ -9193,7 +9131,7 @@
           <a:p>
             <a:pPr algn="ctr"/>
             <a:r>
-              <a:rPr lang="en-US" sz="1050" dirty="0" smtClean="0">
+              <a:rPr lang="en-US" sz="1050" dirty="0">
                 <a:solidFill>
                   <a:schemeClr val="bg1"/>
                 </a:solidFill>
@@ -9204,7 +9142,7 @@
           <a:p>
             <a:pPr algn="ctr"/>
             <a:r>
-              <a:rPr lang="en-US" sz="1050" dirty="0" err="1" smtClean="0">
+              <a:rPr lang="en-US" sz="1050" dirty="0" err="1">
                 <a:solidFill>
                   <a:schemeClr val="bg1"/>
                 </a:solidFill>
@@ -9753,13 +9691,6 @@
   <p:clrMapOvr>
     <a:masterClrMapping/>
   </p:clrMapOvr>
-  <p:timing>
-    <p:tnLst>
-      <p:par>
-        <p:cTn id="1" dur="indefinite" restart="never" nodeType="tmRoot"/>
-      </p:par>
-    </p:tnLst>
-  </p:timing>
 </p:sld>
 </file>
 
@@ -9826,7 +9757,7 @@
           <a:lstStyle/>
           <a:p>
             <a:r>
-              <a:rPr lang="en-US" sz="1200" b="1" dirty="0" smtClean="0">
+              <a:rPr lang="en-US" sz="1200" b="1" dirty="0">
                 <a:solidFill>
                   <a:srgbClr val="0070C0"/>
                 </a:solidFill>
@@ -10000,7 +9931,7 @@
           <a:p>
             <a:pPr algn="ctr"/>
             <a:r>
-              <a:rPr lang="en-US" sz="1050" dirty="0" err="1" smtClean="0">
+              <a:rPr lang="en-US" sz="1050" dirty="0" err="1">
                 <a:solidFill>
                   <a:schemeClr val="bg1"/>
                 </a:solidFill>
@@ -10362,7 +10293,7 @@
           <a:p>
             <a:pPr algn="ctr"/>
             <a:r>
-              <a:rPr lang="en-US" sz="1050" b="1" dirty="0" smtClean="0">
+              <a:rPr lang="en-US" sz="1050" b="1" dirty="0">
                 <a:solidFill>
                   <a:srgbClr val="0070C0"/>
                 </a:solidFill>
@@ -10370,14 +10301,14 @@
               <a:t>{abstract}</a:t>
             </a:r>
             <a:br>
-              <a:rPr lang="en-US" sz="1050" b="1" dirty="0" smtClean="0">
+              <a:rPr lang="en-US" sz="1050" b="1" dirty="0">
                 <a:solidFill>
                   <a:srgbClr val="0070C0"/>
                 </a:solidFill>
               </a:rPr>
             </a:br>
             <a:r>
-              <a:rPr lang="en-US" sz="1050" b="1" dirty="0" smtClean="0">
+              <a:rPr lang="en-US" sz="1050" b="1" dirty="0">
                 <a:solidFill>
                   <a:srgbClr val="0070C0"/>
                 </a:solidFill>
@@ -11038,7 +10969,7 @@
             <a:p>
               <a:pPr algn="r"/>
               <a:r>
-                <a:rPr lang="en-US" sz="1100" dirty="0" smtClean="0">
+                <a:rPr lang="en-US" sz="1100" dirty="0">
                   <a:solidFill>
                     <a:srgbClr val="0070C0"/>
                   </a:solidFill>
@@ -11137,7 +11068,7 @@
             <a:lstStyle/>
             <a:p>
               <a:r>
-                <a:rPr lang="en-US" sz="1100" dirty="0" smtClean="0">
+                <a:rPr lang="en-US" sz="1100" dirty="0">
                   <a:solidFill>
                     <a:srgbClr val="0070C0"/>
                   </a:solidFill>
@@ -11223,7 +11154,7 @@
           <a:p>
             <a:pPr algn="r"/>
             <a:r>
-              <a:rPr lang="en-US" sz="1100" dirty="0" smtClean="0">
+              <a:rPr lang="en-US" sz="1100" dirty="0">
                 <a:solidFill>
                   <a:srgbClr val="0070C0"/>
                 </a:solidFill>
@@ -11262,7 +11193,7 @@
           <a:p>
             <a:pPr algn="r"/>
             <a:r>
-              <a:rPr lang="en-US" sz="1100" dirty="0" smtClean="0">
+              <a:rPr lang="en-US" sz="1100" dirty="0">
                 <a:solidFill>
                   <a:srgbClr val="0070C0"/>
                 </a:solidFill>
@@ -11315,7 +11246,7 @@
             <a:p>
               <a:pPr algn="r"/>
               <a:r>
-                <a:rPr lang="en-US" sz="1100" dirty="0" smtClean="0">
+                <a:rPr lang="en-US" sz="1100" dirty="0">
                   <a:solidFill>
                     <a:srgbClr val="0070C0"/>
                   </a:solidFill>
@@ -11418,7 +11349,7 @@
           <a:p>
             <a:pPr algn="ctr"/>
             <a:r>
-              <a:rPr lang="en-US" sz="1050" b="1" dirty="0" smtClean="0">
+              <a:rPr lang="en-US" sz="1050" b="1" dirty="0">
                 <a:solidFill>
                   <a:srgbClr val="0070C0"/>
                 </a:solidFill>
@@ -11426,14 +11357,14 @@
               <a:t>Incorrect</a:t>
             </a:r>
             <a:br>
-              <a:rPr lang="en-US" sz="1050" b="1" dirty="0" smtClean="0">
+              <a:rPr lang="en-US" sz="1050" b="1" dirty="0">
                 <a:solidFill>
                   <a:srgbClr val="0070C0"/>
                 </a:solidFill>
               </a:rPr>
             </a:br>
             <a:r>
-              <a:rPr lang="en-US" sz="1050" b="1" dirty="0" smtClean="0">
+              <a:rPr lang="en-US" sz="1050" b="1" dirty="0">
                 <a:solidFill>
                   <a:srgbClr val="0070C0"/>
                 </a:solidFill>
@@ -11542,13 +11473,6 @@
   <p:clrMapOvr>
     <a:masterClrMapping/>
   </p:clrMapOvr>
-  <p:timing>
-    <p:tnLst>
-      <p:par>
-        <p:cTn id="1" dur="indefinite" restart="never" nodeType="tmRoot"/>
-      </p:par>
-    </p:tnLst>
-  </p:timing>
 </p:sld>
 </file>
 
@@ -11615,7 +11539,7 @@
           <a:lstStyle/>
           <a:p>
             <a:r>
-              <a:rPr lang="en-US" sz="1200" b="1" dirty="0" smtClean="0">
+              <a:rPr lang="en-US" sz="1200" b="1" dirty="0">
                 <a:solidFill>
                   <a:srgbClr val="0070C0"/>
                 </a:solidFill>
@@ -11825,7 +11749,7 @@
           <a:p>
             <a:pPr algn="ctr"/>
             <a:r>
-              <a:rPr lang="en-US" sz="1600" dirty="0" smtClean="0">
+              <a:rPr lang="en-US" sz="1600" dirty="0">
                 <a:solidFill>
                   <a:schemeClr val="bg1"/>
                 </a:solidFill>
@@ -11972,20 +11896,12 @@
           <a:p>
             <a:pPr algn="ctr"/>
             <a:r>
-              <a:rPr lang="en-US" sz="1600" dirty="0" smtClean="0">
+              <a:rPr lang="en-US" sz="1600" dirty="0">
                 <a:solidFill>
                   <a:schemeClr val="bg1"/>
                 </a:solidFill>
               </a:rPr>
               <a:t>d:Delete</a:t>
-            </a:r>
-            <a:r>
-              <a:rPr lang="en-US" sz="1600" dirty="0">
-                <a:solidFill>
-                  <a:schemeClr val="bg1"/>
-                </a:solidFill>
-              </a:rPr>
-              <a:t/>
             </a:r>
             <a:br>
               <a:rPr lang="en-US" sz="1600" dirty="0">
@@ -12190,18 +12106,13 @@
           <a:p>
             <a:pPr algn="r"/>
             <a:r>
-              <a:rPr lang="en-US" sz="1400" dirty="0" smtClean="0">
+              <a:rPr lang="en-US" sz="1400" dirty="0">
                 <a:solidFill>
                   <a:srgbClr val="0070C0"/>
                 </a:solidFill>
               </a:rPr>
               <a:t>execute(“delete 1”)</a:t>
             </a:r>
-            <a:endParaRPr lang="en-US" sz="1400" dirty="0">
-              <a:solidFill>
-                <a:srgbClr val="0070C0"/>
-              </a:solidFill>
-            </a:endParaRPr>
           </a:p>
         </p:txBody>
       </p:sp>
@@ -12280,7 +12191,6 @@
               <a:rPr lang="en-US" dirty="0"/>
               <a:t>execute()</a:t>
             </a:r>
-            <a:endParaRPr lang="en-US" dirty="0"/>
           </a:p>
         </p:txBody>
       </p:sp>
@@ -12792,26 +12702,21 @@
           </a:lstStyle>
           <a:p>
             <a:r>
-              <a:rPr lang="en-US" dirty="0" err="1" smtClean="0">
+              <a:rPr lang="en-US" dirty="0" err="1">
                 <a:solidFill>
                   <a:srgbClr val="7030A0"/>
                 </a:solidFill>
               </a:rPr>
-              <a:t>deletePerson</a:t>
-            </a:r>
-            <a:r>
-              <a:rPr lang="en-US" dirty="0" smtClean="0">
+              <a:t>deleteTask</a:t>
+            </a:r>
+            <a:r>
+              <a:rPr lang="en-US" dirty="0">
                 <a:solidFill>
                   <a:srgbClr val="7030A0"/>
                 </a:solidFill>
               </a:rPr>
               <a:t>(p)</a:t>
             </a:r>
-            <a:endParaRPr lang="en-US" dirty="0">
-              <a:solidFill>
-                <a:srgbClr val="7030A0"/>
-              </a:solidFill>
-            </a:endParaRPr>
           </a:p>
         </p:txBody>
       </p:sp>
@@ -12849,10 +12754,9 @@
           </a:lstStyle>
           <a:p>
             <a:r>
-              <a:rPr lang="en-US" dirty="0" smtClean="0"/>
+              <a:rPr lang="en-US" dirty="0"/>
               <a:t>create()</a:t>
             </a:r>
-            <a:endParaRPr lang="en-US" dirty="0"/>
           </a:p>
         </p:txBody>
       </p:sp>
@@ -12890,10 +12794,9 @@
           </a:lstStyle>
           <a:p>
             <a:r>
-              <a:rPr lang="en-US" dirty="0" smtClean="0"/>
+              <a:rPr lang="en-US" dirty="0"/>
               <a:t>parse(“delete 1”)</a:t>
             </a:r>
-            <a:endParaRPr lang="en-US" dirty="0"/>
           </a:p>
         </p:txBody>
       </p:sp>
@@ -12931,10 +12834,9 @@
           </a:lstStyle>
           <a:p>
             <a:r>
-              <a:rPr lang="en-US" dirty="0" smtClean="0"/>
+              <a:rPr lang="en-US" dirty="0"/>
               <a:t>result</a:t>
             </a:r>
-            <a:endParaRPr lang="en-US" dirty="0"/>
           </a:p>
         </p:txBody>
       </p:sp>
@@ -12972,10 +12874,9 @@
           </a:lstStyle>
           <a:p>
             <a:r>
-              <a:rPr lang="en-US" dirty="0" smtClean="0"/>
+              <a:rPr lang="en-US" dirty="0"/>
               <a:t>result</a:t>
             </a:r>
-            <a:endParaRPr lang="en-US" dirty="0"/>
           </a:p>
         </p:txBody>
       </p:sp>
@@ -13023,7 +12924,7 @@
           <a:p>
             <a:pPr algn="ctr"/>
             <a:r>
-              <a:rPr lang="en-US" sz="1600" dirty="0" smtClean="0">
+              <a:rPr lang="en-US" sz="1600" dirty="0">
                 <a:solidFill>
                   <a:schemeClr val="bg1"/>
                 </a:solidFill>
@@ -13031,14 +12932,14 @@
               <a:t>result:</a:t>
             </a:r>
             <a:br>
-              <a:rPr lang="en-US" sz="1600" dirty="0" smtClean="0">
+              <a:rPr lang="en-US" sz="1600" dirty="0">
                 <a:solidFill>
                   <a:schemeClr val="bg1"/>
                 </a:solidFill>
               </a:rPr>
             </a:br>
             <a:r>
-              <a:rPr lang="en-US" sz="1600" dirty="0" err="1" smtClean="0">
+              <a:rPr lang="en-US" sz="1600" dirty="0" err="1">
                 <a:solidFill>
                   <a:schemeClr val="bg1"/>
                 </a:solidFill>
@@ -13208,10 +13109,9 @@
           </a:lstStyle>
           <a:p>
             <a:r>
-              <a:rPr lang="en-US" dirty="0" smtClean="0"/>
+              <a:rPr lang="en-US" dirty="0"/>
               <a:t>d</a:t>
             </a:r>
-            <a:endParaRPr lang="en-US" dirty="0"/>
           </a:p>
         </p:txBody>
       </p:sp>
@@ -13291,7 +13191,7 @@
           <a:lstStyle/>
           <a:p>
             <a:r>
-              <a:rPr lang="en-US" sz="1200" b="1" dirty="0" smtClean="0">
+              <a:rPr lang="en-US" sz="1200" b="1" dirty="0">
                 <a:solidFill>
                   <a:srgbClr val="7030A0"/>
                 </a:solidFill>
@@ -13350,7 +13250,7 @@
           <a:p>
             <a:pPr algn="ctr"/>
             <a:r>
-              <a:rPr lang="en-US" sz="1050" dirty="0" err="1" smtClean="0">
+              <a:rPr lang="en-US" sz="1050" dirty="0" err="1">
                 <a:solidFill>
                   <a:schemeClr val="bg1"/>
                 </a:solidFill>
@@ -13409,7 +13309,7 @@
           <a:p>
             <a:pPr algn="ctr"/>
             <a:r>
-              <a:rPr lang="en-US" sz="1050" dirty="0" err="1" smtClean="0">
+              <a:rPr lang="en-US" sz="1050" dirty="0" err="1">
                 <a:solidFill>
                   <a:schemeClr val="bg1"/>
                 </a:solidFill>
@@ -13565,7 +13465,7 @@
           <a:p>
             <a:pPr algn="ctr"/>
             <a:r>
-              <a:rPr lang="en-US" sz="1050" dirty="0" smtClean="0">
+              <a:rPr lang="en-US" sz="1050" dirty="0">
                 <a:solidFill>
                   <a:schemeClr val="bg1"/>
                 </a:solidFill>
@@ -13931,12 +13831,12 @@
           <a:p>
             <a:pPr algn="ctr"/>
             <a:r>
-              <a:rPr lang="en-US" sz="1050" dirty="0" err="1" smtClean="0">
+              <a:rPr lang="en-US" sz="1050" dirty="0" err="1">
                 <a:solidFill>
                   <a:srgbClr val="7030A0"/>
                 </a:solidFill>
               </a:rPr>
-              <a:t>AddressBook</a:t>
+              <a:t>TaskMan</a:t>
             </a:r>
             <a:endParaRPr lang="en-SG" sz="1050" dirty="0">
               <a:solidFill>
@@ -14073,7 +13973,7 @@
           <a:p>
             <a:pPr algn="ctr"/>
             <a:r>
-              <a:rPr lang="en-US" sz="1050" dirty="0" err="1" smtClean="0">
+              <a:rPr lang="en-US" sz="1050" dirty="0" err="1">
                 <a:solidFill>
                   <a:srgbClr val="7030A0"/>
                 </a:solidFill>
@@ -14217,7 +14117,7 @@
           <a:p>
             <a:pPr algn="ctr"/>
             <a:r>
-              <a:rPr lang="en-US" sz="1050" dirty="0" err="1" smtClean="0">
+              <a:rPr lang="en-US" sz="1050" dirty="0" err="1">
                 <a:solidFill>
                   <a:srgbClr val="7030A0"/>
                 </a:solidFill>
@@ -14316,12 +14216,12 @@
           <a:p>
             <a:pPr algn="ctr"/>
             <a:r>
-              <a:rPr lang="en-US" sz="1050" dirty="0" smtClean="0">
+              <a:rPr lang="en-US" sz="1050" dirty="0">
                 <a:solidFill>
                   <a:srgbClr val="7030A0"/>
                 </a:solidFill>
               </a:rPr>
-              <a:t>Person</a:t>
+              <a:t>Task</a:t>
             </a:r>
             <a:endParaRPr lang="en-SG" sz="1050" dirty="0">
               <a:solidFill>
@@ -14458,7 +14358,7 @@
           <a:p>
             <a:pPr algn="ctr"/>
             <a:r>
-              <a:rPr lang="en-US" sz="1050" dirty="0" smtClean="0">
+              <a:rPr lang="en-US" sz="1050" dirty="0">
                 <a:solidFill>
                   <a:srgbClr val="7030A0"/>
                 </a:solidFill>
@@ -14600,7 +14500,7 @@
           <a:p>
             <a:pPr algn="ctr"/>
             <a:r>
-              <a:rPr lang="en-US" sz="1050" dirty="0" smtClean="0">
+              <a:rPr lang="en-US" sz="1050" dirty="0">
                 <a:solidFill>
                   <a:srgbClr val="7030A0"/>
                 </a:solidFill>
@@ -14608,19 +14508,19 @@
               <a:t>&lt;&lt;interface&gt;&gt;</a:t>
             </a:r>
             <a:br>
-              <a:rPr lang="en-US" sz="1050" dirty="0" smtClean="0">
+              <a:rPr lang="en-US" sz="1050" dirty="0">
                 <a:solidFill>
                   <a:srgbClr val="7030A0"/>
                 </a:solidFill>
               </a:rPr>
             </a:br>
             <a:r>
-              <a:rPr lang="en-US" sz="1050" dirty="0" err="1" smtClean="0">
+              <a:rPr lang="en-US" sz="1050" dirty="0" err="1">
                 <a:solidFill>
                   <a:srgbClr val="7030A0"/>
                 </a:solidFill>
               </a:rPr>
-              <a:t>ReadOnlyPerson</a:t>
+              <a:t>ReadOnlyTask</a:t>
             </a:r>
             <a:endParaRPr lang="en-SG" sz="1050" dirty="0">
               <a:solidFill>
@@ -14671,12 +14571,12 @@
           <a:p>
             <a:pPr algn="ctr"/>
             <a:r>
-              <a:rPr lang="en-US" sz="1050" dirty="0" smtClean="0">
+              <a:rPr lang="en-US" sz="1050" dirty="0">
                 <a:solidFill>
                   <a:srgbClr val="7030A0"/>
                 </a:solidFill>
               </a:rPr>
-              <a:t>Name</a:t>
+              <a:t>Title</a:t>
             </a:r>
             <a:endParaRPr lang="en-SG" sz="1050" dirty="0">
               <a:solidFill>
@@ -14815,12 +14715,12 @@
           <a:p>
             <a:pPr algn="ctr"/>
             <a:r>
-              <a:rPr lang="en-US" sz="1050" dirty="0" smtClean="0">
+              <a:rPr lang="en-US" sz="1050" dirty="0">
                 <a:solidFill>
                   <a:srgbClr val="7030A0"/>
                 </a:solidFill>
               </a:rPr>
-              <a:t>Phone</a:t>
+              <a:t>Deadline</a:t>
             </a:r>
             <a:endParaRPr lang="en-SG" sz="1050" dirty="0">
               <a:solidFill>
@@ -14912,12 +14812,12 @@
           <a:p>
             <a:pPr algn="ctr"/>
             <a:r>
-              <a:rPr lang="en-US" sz="1050" dirty="0" smtClean="0">
+              <a:rPr lang="en-US" sz="1050" dirty="0">
                 <a:solidFill>
                   <a:srgbClr val="7030A0"/>
                 </a:solidFill>
               </a:rPr>
-              <a:t>Email</a:t>
+              <a:t>-</a:t>
             </a:r>
             <a:endParaRPr lang="en-SG" sz="1050" dirty="0">
               <a:solidFill>
@@ -14976,7 +14876,7 @@
         </p:nvSpPr>
         <p:spPr>
           <a:xfrm>
-            <a:off x="7712397" y="3533171"/>
+            <a:off x="7712397" y="3581399"/>
             <a:ext cx="708186" cy="285783"/>
           </a:xfrm>
           <a:prstGeom prst="rect">
@@ -15009,12 +14909,12 @@
           <a:p>
             <a:pPr algn="ctr"/>
             <a:r>
-              <a:rPr lang="en-US" sz="1050" dirty="0" smtClean="0">
+              <a:rPr lang="en-US" sz="1050" dirty="0">
                 <a:solidFill>
                   <a:srgbClr val="7030A0"/>
                 </a:solidFill>
               </a:rPr>
-              <a:t>Address</a:t>
+              <a:t>-</a:t>
             </a:r>
             <a:endParaRPr lang="en-SG" sz="1050" dirty="0">
               <a:solidFill>
@@ -15036,7 +14936,7 @@
         <p:spPr>
           <a:xfrm>
             <a:off x="7277995" y="3034891"/>
-            <a:ext cx="434402" cy="641172"/>
+            <a:ext cx="434402" cy="689400"/>
           </a:xfrm>
           <a:prstGeom prst="bentConnector3">
             <a:avLst/>
@@ -15197,130 +15097,12 @@
           <a:p>
             <a:pPr algn="ctr"/>
             <a:r>
-              <a:rPr lang="en-US" sz="1050" dirty="0" smtClean="0">
+              <a:rPr lang="en-US" sz="1050" dirty="0">
                 <a:solidFill>
                   <a:srgbClr val="7030A0"/>
                 </a:solidFill>
               </a:rPr>
               <a:t>&lt;&lt;interface&gt;&gt;</a:t>
-            </a:r>
-            <a:br>
-              <a:rPr lang="en-US" sz="1050" dirty="0" smtClean="0">
-                <a:solidFill>
-                  <a:srgbClr val="7030A0"/>
-                </a:solidFill>
-              </a:rPr>
-            </a:br>
-            <a:r>
-              <a:rPr lang="en-US" sz="1050" dirty="0" err="1" smtClean="0">
-                <a:solidFill>
-                  <a:srgbClr val="7030A0"/>
-                </a:solidFill>
-              </a:rPr>
-              <a:t>ReadOnlyAddressBook</a:t>
-            </a:r>
-            <a:endParaRPr lang="en-SG" sz="1050" dirty="0">
-              <a:solidFill>
-                <a:srgbClr val="7030A0"/>
-              </a:solidFill>
-            </a:endParaRPr>
-          </a:p>
-        </p:txBody>
-      </p:sp>
-      <p:sp>
-        <p:nvSpPr>
-          <p:cNvPr id="114" name="TextBox 113"/>
-          <p:cNvSpPr txBox="1"/>
-          <p:nvPr/>
-        </p:nvSpPr>
-        <p:spPr>
-          <a:xfrm rot="16200000">
-            <a:off x="6581354" y="3514530"/>
-            <a:ext cx="881018" cy="261610"/>
-          </a:xfrm>
-          <a:prstGeom prst="rect">
-            <a:avLst/>
-          </a:prstGeom>
-          <a:noFill/>
-        </p:spPr>
-        <p:txBody>
-          <a:bodyPr wrap="square" rtlCol="0">
-            <a:spAutoFit/>
-          </a:bodyPr>
-          <a:lstStyle/>
-          <a:p>
-            <a:pPr algn="r"/>
-            <a:r>
-              <a:rPr lang="en-US" sz="1100" dirty="0" smtClean="0">
-                <a:solidFill>
-                  <a:srgbClr val="7030A0"/>
-                </a:solidFill>
-              </a:rPr>
-              <a:t>filtered list</a:t>
-            </a:r>
-            <a:endParaRPr lang="en-SG" sz="1100" dirty="0">
-              <a:solidFill>
-                <a:srgbClr val="7030A0"/>
-              </a:solidFill>
-            </a:endParaRPr>
-          </a:p>
-        </p:txBody>
-      </p:sp>
-      <p:sp>
-        <p:nvSpPr>
-          <p:cNvPr id="122" name="Rectangle 8"/>
-          <p:cNvSpPr/>
-          <p:nvPr/>
-        </p:nvSpPr>
-        <p:spPr>
-          <a:xfrm>
-            <a:off x="2057400" y="4239491"/>
-            <a:ext cx="1775949" cy="346760"/>
-          </a:xfrm>
-          <a:prstGeom prst="rect">
-            <a:avLst/>
-          </a:prstGeom>
-          <a:ln w="19050">
-            <a:solidFill>
-              <a:srgbClr val="7030A0"/>
-            </a:solidFill>
-          </a:ln>
-          <a:effectLst/>
-        </p:spPr>
-        <p:style>
-          <a:lnRef idx="1">
-            <a:schemeClr val="accent4"/>
-          </a:lnRef>
-          <a:fillRef idx="2">
-            <a:schemeClr val="accent4"/>
-          </a:fillRef>
-          <a:effectRef idx="1">
-            <a:schemeClr val="accent4"/>
-          </a:effectRef>
-          <a:fontRef idx="minor">
-            <a:schemeClr val="dk1"/>
-          </a:fontRef>
-        </p:style>
-        <p:txBody>
-          <a:bodyPr rtlCol="0" anchor="ctr"/>
-          <a:lstStyle/>
-          <a:p>
-            <a:pPr algn="ctr"/>
-            <a:r>
-              <a:rPr lang="en-US" sz="1050" dirty="0" smtClean="0">
-                <a:solidFill>
-                  <a:srgbClr val="7030A0"/>
-                </a:solidFill>
-              </a:rPr>
-              <a:t>&lt;&lt;interface&gt;&gt;</a:t>
-            </a:r>
-            <a:r>
-              <a:rPr lang="en-US" sz="1050" dirty="0">
-                <a:solidFill>
-                  <a:srgbClr val="7030A0"/>
-                </a:solidFill>
-              </a:rPr>
-              <a:t/>
             </a:r>
             <a:br>
               <a:rPr lang="en-US" sz="1050" dirty="0">
@@ -15330,7 +15112,117 @@
               </a:rPr>
             </a:br>
             <a:r>
-              <a:rPr lang="en-US" sz="1050" dirty="0" err="1" smtClean="0">
+              <a:rPr lang="en-US" sz="1050" dirty="0" err="1">
+                <a:solidFill>
+                  <a:srgbClr val="7030A0"/>
+                </a:solidFill>
+              </a:rPr>
+              <a:t>ReadOnlyTaskMan</a:t>
+            </a:r>
+            <a:endParaRPr lang="en-SG" sz="1050" dirty="0">
+              <a:solidFill>
+                <a:srgbClr val="7030A0"/>
+              </a:solidFill>
+            </a:endParaRPr>
+          </a:p>
+        </p:txBody>
+      </p:sp>
+      <p:sp>
+        <p:nvSpPr>
+          <p:cNvPr id="114" name="TextBox 113"/>
+          <p:cNvSpPr txBox="1"/>
+          <p:nvPr/>
+        </p:nvSpPr>
+        <p:spPr>
+          <a:xfrm rot="16200000">
+            <a:off x="6581354" y="3514530"/>
+            <a:ext cx="881018" cy="261610"/>
+          </a:xfrm>
+          <a:prstGeom prst="rect">
+            <a:avLst/>
+          </a:prstGeom>
+          <a:noFill/>
+        </p:spPr>
+        <p:txBody>
+          <a:bodyPr wrap="square" rtlCol="0">
+            <a:spAutoFit/>
+          </a:bodyPr>
+          <a:lstStyle/>
+          <a:p>
+            <a:pPr algn="r"/>
+            <a:r>
+              <a:rPr lang="en-US" sz="1100" dirty="0">
+                <a:solidFill>
+                  <a:srgbClr val="7030A0"/>
+                </a:solidFill>
+              </a:rPr>
+              <a:t>filtered list</a:t>
+            </a:r>
+            <a:endParaRPr lang="en-SG" sz="1100" dirty="0">
+              <a:solidFill>
+                <a:srgbClr val="7030A0"/>
+              </a:solidFill>
+            </a:endParaRPr>
+          </a:p>
+        </p:txBody>
+      </p:sp>
+      <p:sp>
+        <p:nvSpPr>
+          <p:cNvPr id="122" name="Rectangle 8"/>
+          <p:cNvSpPr/>
+          <p:nvPr/>
+        </p:nvSpPr>
+        <p:spPr>
+          <a:xfrm>
+            <a:off x="2057400" y="4239491"/>
+            <a:ext cx="1775949" cy="346760"/>
+          </a:xfrm>
+          <a:prstGeom prst="rect">
+            <a:avLst/>
+          </a:prstGeom>
+          <a:ln w="19050">
+            <a:solidFill>
+              <a:srgbClr val="7030A0"/>
+            </a:solidFill>
+          </a:ln>
+          <a:effectLst/>
+        </p:spPr>
+        <p:style>
+          <a:lnRef idx="1">
+            <a:schemeClr val="accent4"/>
+          </a:lnRef>
+          <a:fillRef idx="2">
+            <a:schemeClr val="accent4"/>
+          </a:fillRef>
+          <a:effectRef idx="1">
+            <a:schemeClr val="accent4"/>
+          </a:effectRef>
+          <a:fontRef idx="minor">
+            <a:schemeClr val="dk1"/>
+          </a:fontRef>
+        </p:style>
+        <p:txBody>
+          <a:bodyPr rtlCol="0" anchor="ctr"/>
+          <a:lstStyle/>
+          <a:p>
+            <a:pPr algn="ctr"/>
+            <a:r>
+              <a:rPr lang="en-US" sz="1050" dirty="0">
+                <a:solidFill>
+                  <a:srgbClr val="7030A0"/>
+                </a:solidFill>
+              </a:rPr>
+              <a:t>&lt;&lt;interface&gt;&gt;</a:t>
+            </a:r>
+            <a:br>
+              <a:rPr lang="en-US" sz="1050" dirty="0">
+                <a:solidFill>
+                  <a:srgbClr val="7030A0"/>
+                </a:solidFill>
+              </a:rPr>
+            </a:br>
+            <a:r>
+              <a:rPr lang="en-US" sz="1050" dirty="0" err="1">
                 <a:solidFill>
                   <a:srgbClr val="7030A0"/>
                 </a:solidFill>
@@ -15397,13 +15289,6 @@
   <p:clrMapOvr>
     <a:masterClrMapping/>
   </p:clrMapOvr>
-  <p:timing>
-    <p:tnLst>
-      <p:par>
-        <p:cTn id="1" dur="indefinite" restart="never" nodeType="tmRoot"/>
-      </p:par>
-    </p:tnLst>
-  </p:timing>
 </p:sld>
 </file>
 
@@ -15470,7 +15355,7 @@
           <a:lstStyle/>
           <a:p>
             <a:r>
-              <a:rPr lang="en-US" sz="1200" b="1" dirty="0" smtClean="0">
+              <a:rPr lang="en-US" sz="1200" b="1" dirty="0">
                 <a:solidFill>
                   <a:schemeClr val="accent6">
                     <a:lumMod val="75000"/>
@@ -15537,147 +15422,6 @@
           <a:p>
             <a:pPr algn="ctr"/>
             <a:r>
-              <a:rPr lang="en-US" sz="1050" dirty="0" smtClean="0">
-                <a:solidFill>
-                  <a:schemeClr val="bg1"/>
-                </a:solidFill>
-              </a:rPr>
-              <a:t>&lt;&lt;interface&gt;&gt;</a:t>
-            </a:r>
-            <a:br>
-              <a:rPr lang="en-US" sz="1050" dirty="0" smtClean="0">
-                <a:solidFill>
-                  <a:schemeClr val="bg1"/>
-                </a:solidFill>
-              </a:rPr>
-            </a:br>
-            <a:r>
-              <a:rPr lang="en-US" sz="1050" dirty="0" err="1" smtClean="0">
-                <a:solidFill>
-                  <a:schemeClr val="bg1"/>
-                </a:solidFill>
-              </a:rPr>
-              <a:t>AddressBookStorage</a:t>
-            </a:r>
-            <a:endParaRPr lang="en-SG" sz="1050" dirty="0">
-              <a:solidFill>
-                <a:schemeClr val="bg1"/>
-              </a:solidFill>
-            </a:endParaRPr>
-          </a:p>
-        </p:txBody>
-      </p:sp>
-      <p:sp>
-        <p:nvSpPr>
-          <p:cNvPr id="9" name="Rectangle 62"/>
-          <p:cNvSpPr/>
-          <p:nvPr/>
-        </p:nvSpPr>
-        <p:spPr>
-          <a:xfrm rot="16200000">
-            <a:off x="1683963" y="2868687"/>
-            <a:ext cx="1093635" cy="346760"/>
-          </a:xfrm>
-          <a:prstGeom prst="rect">
-            <a:avLst/>
-          </a:prstGeom>
-          <a:solidFill>
-            <a:schemeClr val="accent6">
-              <a:lumMod val="75000"/>
-            </a:schemeClr>
-          </a:solidFill>
-          <a:ln w="19050">
-            <a:solidFill>
-              <a:schemeClr val="accent6">
-                <a:lumMod val="75000"/>
-              </a:schemeClr>
-            </a:solidFill>
-          </a:ln>
-          <a:effectLst/>
-        </p:spPr>
-        <p:style>
-          <a:lnRef idx="1">
-            <a:schemeClr val="accent2"/>
-          </a:lnRef>
-          <a:fillRef idx="2">
-            <a:schemeClr val="accent2"/>
-          </a:fillRef>
-          <a:effectRef idx="1">
-            <a:schemeClr val="accent2"/>
-          </a:effectRef>
-          <a:fontRef idx="minor">
-            <a:schemeClr val="dk1"/>
-          </a:fontRef>
-        </p:style>
-        <p:txBody>
-          <a:bodyPr rtlCol="0" anchor="ctr"/>
-          <a:lstStyle/>
-          <a:p>
-            <a:pPr algn="ctr"/>
-            <a:r>
-              <a:rPr lang="en-US" sz="1050" dirty="0" err="1" smtClean="0">
-                <a:solidFill>
-                  <a:schemeClr val="bg1"/>
-                </a:solidFill>
-              </a:rPr>
-              <a:t>StorageManager</a:t>
-            </a:r>
-            <a:endParaRPr lang="en-SG" sz="1050" dirty="0">
-              <a:solidFill>
-                <a:schemeClr val="bg1"/>
-              </a:solidFill>
-            </a:endParaRPr>
-          </a:p>
-        </p:txBody>
-      </p:sp>
-      <p:sp>
-        <p:nvSpPr>
-          <p:cNvPr id="119" name="Rectangle 62"/>
-          <p:cNvSpPr/>
-          <p:nvPr/>
-        </p:nvSpPr>
-        <p:spPr>
-          <a:xfrm rot="16200000">
-            <a:off x="956202" y="2861202"/>
-            <a:ext cx="1093635" cy="346760"/>
-          </a:xfrm>
-          <a:prstGeom prst="rect">
-            <a:avLst/>
-          </a:prstGeom>
-          <a:solidFill>
-            <a:schemeClr val="accent6">
-              <a:lumMod val="75000"/>
-            </a:schemeClr>
-          </a:solidFill>
-          <a:ln w="19050">
-            <a:solidFill>
-              <a:schemeClr val="accent6">
-                <a:lumMod val="75000"/>
-              </a:schemeClr>
-            </a:solidFill>
-          </a:ln>
-          <a:effectLst/>
-        </p:spPr>
-        <p:style>
-          <a:lnRef idx="1">
-            <a:schemeClr val="accent2"/>
-          </a:lnRef>
-          <a:fillRef idx="2">
-            <a:schemeClr val="accent2"/>
-          </a:fillRef>
-          <a:effectRef idx="1">
-            <a:schemeClr val="accent2"/>
-          </a:effectRef>
-          <a:fontRef idx="minor">
-            <a:schemeClr val="dk1"/>
-          </a:fontRef>
-        </p:style>
-        <p:txBody>
-          <a:bodyPr rtlCol="0" anchor="ctr"/>
-          <a:lstStyle/>
-          <a:p>
-            <a:pPr algn="ctr"/>
-            <a:r>
               <a:rPr lang="en-US" sz="1050" dirty="0">
                 <a:solidFill>
                   <a:schemeClr val="bg1"/>
@@ -15685,11 +15429,152 @@
               </a:rPr>
               <a:t>&lt;&lt;interface&gt;&gt;</a:t>
             </a:r>
-          </a:p>
+            <a:br>
+              <a:rPr lang="en-US" sz="1050" dirty="0">
+                <a:solidFill>
+                  <a:schemeClr val="bg1"/>
+                </a:solidFill>
+              </a:rPr>
+            </a:br>
+            <a:r>
+              <a:rPr lang="en-US" sz="1050" dirty="0" err="1">
+                <a:solidFill>
+                  <a:schemeClr val="bg1"/>
+                </a:solidFill>
+              </a:rPr>
+              <a:t>TaskManStorage</a:t>
+            </a:r>
+            <a:endParaRPr lang="en-SG" sz="1050" dirty="0">
+              <a:solidFill>
+                <a:schemeClr val="bg1"/>
+              </a:solidFill>
+            </a:endParaRPr>
+          </a:p>
+        </p:txBody>
+      </p:sp>
+      <p:sp>
+        <p:nvSpPr>
+          <p:cNvPr id="9" name="Rectangle 62"/>
+          <p:cNvSpPr/>
+          <p:nvPr/>
+        </p:nvSpPr>
+        <p:spPr>
+          <a:xfrm rot="16200000">
+            <a:off x="1683963" y="2868687"/>
+            <a:ext cx="1093635" cy="346760"/>
+          </a:xfrm>
+          <a:prstGeom prst="rect">
+            <a:avLst/>
+          </a:prstGeom>
+          <a:solidFill>
+            <a:schemeClr val="accent6">
+              <a:lumMod val="75000"/>
+            </a:schemeClr>
+          </a:solidFill>
+          <a:ln w="19050">
+            <a:solidFill>
+              <a:schemeClr val="accent6">
+                <a:lumMod val="75000"/>
+              </a:schemeClr>
+            </a:solidFill>
+          </a:ln>
+          <a:effectLst/>
+        </p:spPr>
+        <p:style>
+          <a:lnRef idx="1">
+            <a:schemeClr val="accent2"/>
+          </a:lnRef>
+          <a:fillRef idx="2">
+            <a:schemeClr val="accent2"/>
+          </a:fillRef>
+          <a:effectRef idx="1">
+            <a:schemeClr val="accent2"/>
+          </a:effectRef>
+          <a:fontRef idx="minor">
+            <a:schemeClr val="dk1"/>
+          </a:fontRef>
+        </p:style>
+        <p:txBody>
+          <a:bodyPr rtlCol="0" anchor="ctr"/>
+          <a:lstStyle/>
           <a:p>
             <a:pPr algn="ctr"/>
             <a:r>
-              <a:rPr lang="en-US" sz="1050" dirty="0" smtClean="0">
+              <a:rPr lang="en-US" sz="1050" dirty="0" err="1">
+                <a:solidFill>
+                  <a:schemeClr val="bg1"/>
+                </a:solidFill>
+              </a:rPr>
+              <a:t>StorageManager</a:t>
+            </a:r>
+            <a:endParaRPr lang="en-SG" sz="1050" dirty="0">
+              <a:solidFill>
+                <a:schemeClr val="bg1"/>
+              </a:solidFill>
+            </a:endParaRPr>
+          </a:p>
+        </p:txBody>
+      </p:sp>
+      <p:sp>
+        <p:nvSpPr>
+          <p:cNvPr id="119" name="Rectangle 62"/>
+          <p:cNvSpPr/>
+          <p:nvPr/>
+        </p:nvSpPr>
+        <p:spPr>
+          <a:xfrm rot="16200000">
+            <a:off x="956202" y="2861202"/>
+            <a:ext cx="1093635" cy="346760"/>
+          </a:xfrm>
+          <a:prstGeom prst="rect">
+            <a:avLst/>
+          </a:prstGeom>
+          <a:solidFill>
+            <a:schemeClr val="accent6">
+              <a:lumMod val="75000"/>
+            </a:schemeClr>
+          </a:solidFill>
+          <a:ln w="19050">
+            <a:solidFill>
+              <a:schemeClr val="accent6">
+                <a:lumMod val="75000"/>
+              </a:schemeClr>
+            </a:solidFill>
+          </a:ln>
+          <a:effectLst/>
+        </p:spPr>
+        <p:style>
+          <a:lnRef idx="1">
+            <a:schemeClr val="accent2"/>
+          </a:lnRef>
+          <a:fillRef idx="2">
+            <a:schemeClr val="accent2"/>
+          </a:fillRef>
+          <a:effectRef idx="1">
+            <a:schemeClr val="accent2"/>
+          </a:effectRef>
+          <a:fontRef idx="minor">
+            <a:schemeClr val="dk1"/>
+          </a:fontRef>
+        </p:style>
+        <p:txBody>
+          <a:bodyPr rtlCol="0" anchor="ctr"/>
+          <a:lstStyle/>
+          <a:p>
+            <a:pPr algn="ctr"/>
+            <a:r>
+              <a:rPr lang="en-US" sz="1050" dirty="0">
+                <a:solidFill>
+                  <a:schemeClr val="bg1"/>
+                </a:solidFill>
+              </a:rPr>
+              <a:t>&lt;&lt;interface&gt;&gt;</a:t>
+            </a:r>
+          </a:p>
+          <a:p>
+            <a:pPr algn="ctr"/>
+            <a:r>
+              <a:rPr lang="en-US" sz="1050" dirty="0">
                 <a:solidFill>
                   <a:schemeClr val="bg1"/>
                 </a:solidFill>
@@ -16123,27 +16008,17 @@
           <a:p>
             <a:pPr algn="ctr"/>
             <a:r>
-              <a:rPr lang="en-US" sz="1050" b="1" dirty="0" err="1" smtClean="0">
+              <a:rPr lang="en-US" sz="1050" b="1" dirty="0" err="1">
                 <a:solidFill>
                   <a:schemeClr val="accent6">
                     <a:lumMod val="75000"/>
                   </a:schemeClr>
                 </a:solidFill>
               </a:rPr>
-              <a:t>XmlAddressBook</a:t>
-            </a:r>
-            <a:r>
-              <a:rPr lang="en-US" sz="1050" b="1" dirty="0" smtClean="0">
-                <a:solidFill>
-                  <a:schemeClr val="accent6">
-                    <a:lumMod val="75000"/>
-                  </a:schemeClr>
-                </a:solidFill>
-              </a:rPr>
-              <a:t/>
+              <a:t>XmlTaskMan</a:t>
             </a:r>
             <a:br>
-              <a:rPr lang="en-US" sz="1050" b="1" dirty="0" smtClean="0">
+              <a:rPr lang="en-US" sz="1050" b="1" dirty="0">
                 <a:solidFill>
                   <a:schemeClr val="accent6">
                     <a:lumMod val="75000"/>
@@ -16152,7 +16027,7 @@
               </a:rPr>
             </a:br>
             <a:r>
-              <a:rPr lang="en-US" sz="1050" b="1" dirty="0" smtClean="0">
+              <a:rPr lang="en-US" sz="1050" b="1" dirty="0">
                 <a:solidFill>
                   <a:schemeClr val="accent6">
                     <a:lumMod val="75000"/>
@@ -16219,7 +16094,7 @@
           <a:p>
             <a:pPr algn="ctr"/>
             <a:r>
-              <a:rPr lang="en-US" sz="1050" dirty="0" smtClean="0">
+              <a:rPr lang="en-US" sz="1050" dirty="0">
                 <a:solidFill>
                   <a:schemeClr val="bg1"/>
                 </a:solidFill>
@@ -16227,14 +16102,14 @@
               <a:t>&lt;&lt;interface&gt;&gt;</a:t>
             </a:r>
             <a:br>
-              <a:rPr lang="en-US" sz="1050" dirty="0" smtClean="0">
+              <a:rPr lang="en-US" sz="1050" dirty="0">
                 <a:solidFill>
                   <a:schemeClr val="bg1"/>
                 </a:solidFill>
               </a:rPr>
             </a:br>
             <a:r>
-              <a:rPr lang="en-US" sz="1050" dirty="0" err="1" smtClean="0">
+              <a:rPr lang="en-US" sz="1050" dirty="0" err="1">
                 <a:solidFill>
                   <a:schemeClr val="bg1"/>
                 </a:solidFill>
@@ -16492,30 +16367,22 @@
           <a:p>
             <a:pPr algn="ctr"/>
             <a:r>
-              <a:rPr lang="en-US" sz="1050" dirty="0" err="1" smtClean="0">
+              <a:rPr lang="en-US" sz="1050" dirty="0" err="1">
                 <a:solidFill>
                   <a:schemeClr val="bg1"/>
                 </a:solidFill>
               </a:rPr>
               <a:t>JsonUserPrefs</a:t>
             </a:r>
-            <a:r>
-              <a:rPr lang="en-US" sz="1050" dirty="0" smtClean="0">
-                <a:solidFill>
-                  <a:schemeClr val="bg1"/>
-                </a:solidFill>
-              </a:rPr>
-              <a:t/>
-            </a:r>
             <a:br>
-              <a:rPr lang="en-US" sz="1050" dirty="0" smtClean="0">
+              <a:rPr lang="en-US" sz="1050" dirty="0">
                 <a:solidFill>
                   <a:schemeClr val="bg1"/>
                 </a:solidFill>
               </a:rPr>
             </a:br>
             <a:r>
-              <a:rPr lang="en-US" sz="1050" dirty="0" smtClean="0">
+              <a:rPr lang="en-US" sz="1050" dirty="0">
                 <a:solidFill>
                   <a:schemeClr val="bg1"/>
                 </a:solidFill>
@@ -16567,7 +16434,7 @@
           <a:p>
             <a:pPr algn="ctr"/>
             <a:r>
-              <a:rPr lang="en-US" sz="1050" b="1" dirty="0" err="1" smtClean="0">
+              <a:rPr lang="en-US" sz="1050" b="1" dirty="0" err="1">
                 <a:solidFill>
                   <a:schemeClr val="accent6">
                     <a:lumMod val="75000"/>
@@ -16576,18 +16443,8 @@
               </a:rPr>
               <a:t>XmlSerializable</a:t>
             </a:r>
-            <a:r>
-              <a:rPr lang="en-US" sz="1050" b="1" dirty="0" smtClean="0">
-                <a:solidFill>
-                  <a:schemeClr val="accent6">
-                    <a:lumMod val="75000"/>
-                  </a:schemeClr>
-                </a:solidFill>
-              </a:rPr>
-              <a:t/>
-            </a:r>
             <a:br>
-              <a:rPr lang="en-US" sz="1050" b="1" dirty="0" smtClean="0">
+              <a:rPr lang="en-US" sz="1050" b="1" dirty="0">
                 <a:solidFill>
                   <a:schemeClr val="accent6">
                     <a:lumMod val="75000"/>
@@ -16596,14 +16453,14 @@
               </a:rPr>
             </a:br>
             <a:r>
-              <a:rPr lang="en-US" sz="1050" b="1" dirty="0" err="1" smtClean="0">
+              <a:rPr lang="en-US" sz="1050" b="1" dirty="0" err="1">
                 <a:solidFill>
                   <a:schemeClr val="accent6">
                     <a:lumMod val="75000"/>
                   </a:schemeClr>
                 </a:solidFill>
               </a:rPr>
-              <a:t>AddressBook</a:t>
+              <a:t>TaskMan</a:t>
             </a:r>
             <a:endParaRPr lang="en-SG" sz="1050" b="1" dirty="0">
               <a:solidFill>
@@ -16693,7 +16550,7 @@
           <a:p>
             <a:pPr algn="ctr"/>
             <a:r>
-              <a:rPr lang="en-US" sz="1050" b="1" dirty="0" err="1" smtClean="0">
+              <a:rPr lang="en-US" sz="1050" b="1" dirty="0" err="1">
                 <a:solidFill>
                   <a:schemeClr val="accent6">
                     <a:lumMod val="75000"/>
@@ -16749,14 +16606,14 @@
           <a:p>
             <a:pPr algn="ctr"/>
             <a:r>
-              <a:rPr lang="en-US" sz="1050" b="1" dirty="0" err="1" smtClean="0">
+              <a:rPr lang="en-US" sz="1050" b="1" dirty="0" err="1">
                 <a:solidFill>
                   <a:schemeClr val="accent6">
                     <a:lumMod val="75000"/>
                   </a:schemeClr>
                 </a:solidFill>
               </a:rPr>
-              <a:t>XmlAdaptedPerson</a:t>
+              <a:t>XmlAdaptedTask</a:t>
             </a:r>
             <a:endParaRPr lang="en-SG" sz="1050" b="1" dirty="0">
               <a:solidFill>
@@ -16819,13 +16676,6 @@
   <p:clrMapOvr>
     <a:masterClrMapping/>
   </p:clrMapOvr>
-  <p:timing>
-    <p:tnLst>
-      <p:par>
-        <p:cTn id="1" dur="indefinite" restart="never" nodeType="tmRoot"/>
-      </p:par>
-    </p:tnLst>
-  </p:timing>
 </p:sld>
 </file>
 

--- a/docs/diagrams/Diagrams.pptx
+++ b/docs/diagrams/Diagrams.pptx
@@ -114,6 +114,22 @@
       </a:defRPr>
     </a:lvl9pPr>
   </p:defaultTextStyle>
+  <p:extLst>
+    <p:ext uri="{EFAFB233-063F-42B5-8137-9DF3F51BA10A}">
+      <p15:sldGuideLst xmlns:p15="http://schemas.microsoft.com/office/powerpoint/2012/main">
+        <p15:guide id="1" orient="horz" pos="1488">
+          <p15:clr>
+            <a:srgbClr val="A4A3A4"/>
+          </p15:clr>
+        </p15:guide>
+        <p15:guide id="2" pos="2880">
+          <p15:clr>
+            <a:srgbClr val="A4A3A4"/>
+          </p15:clr>
+        </p15:guide>
+      </p15:sldGuideLst>
+    </p:ext>
+  </p:extLst>
 </p:presentation>
 </file>
 
@@ -199,7 +215,7 @@
           <a:p>
             <a:fld id="{F5CC4B3F-88C1-4FFA-B1B6-F41C21DC6924}" type="datetimeFigureOut">
               <a:rPr lang="en-US" smtClean="0"/>
-              <a:t>9/29/2016</a:t>
+              <a:t>07-Oct-16</a:t>
             </a:fld>
             <a:endParaRPr lang="en-US"/>
           </a:p>
@@ -263,38 +279,37 @@
           <a:p>
             <a:pPr lvl="0"/>
             <a:r>
-              <a:rPr lang="en-US" smtClean="0"/>
+              <a:rPr lang="en-US"/>
               <a:t>Click to edit Master text styles</a:t>
             </a:r>
           </a:p>
           <a:p>
             <a:pPr lvl="1"/>
             <a:r>
-              <a:rPr lang="en-US" smtClean="0"/>
+              <a:rPr lang="en-US"/>
               <a:t>Second level</a:t>
             </a:r>
           </a:p>
           <a:p>
             <a:pPr lvl="2"/>
             <a:r>
-              <a:rPr lang="en-US" smtClean="0"/>
+              <a:rPr lang="en-US"/>
               <a:t>Third level</a:t>
             </a:r>
           </a:p>
           <a:p>
             <a:pPr lvl="3"/>
             <a:r>
-              <a:rPr lang="en-US" smtClean="0"/>
+              <a:rPr lang="en-US"/>
               <a:t>Fourth level</a:t>
             </a:r>
           </a:p>
           <a:p>
             <a:pPr lvl="4"/>
             <a:r>
-              <a:rPr lang="en-US" smtClean="0"/>
+              <a:rPr lang="en-US"/>
               <a:t>Fifth level</a:t>
             </a:r>
-            <a:endParaRPr lang="en-US"/>
           </a:p>
         </p:txBody>
       </p:sp>
@@ -505,10 +520,9 @@
           <a:lstStyle/>
           <a:p>
             <a:r>
-              <a:rPr lang="en-US" smtClean="0"/>
+              <a:rPr lang="en-US"/>
               <a:t>Click to edit Master title style</a:t>
             </a:r>
-            <a:endParaRPr lang="en-US"/>
           </a:p>
         </p:txBody>
       </p:sp>
@@ -624,10 +638,9 @@
           </a:lstStyle>
           <a:p>
             <a:r>
-              <a:rPr lang="en-US" smtClean="0"/>
+              <a:rPr lang="en-US"/>
               <a:t>Click to edit Master subtitle style</a:t>
             </a:r>
-            <a:endParaRPr lang="en-US"/>
           </a:p>
         </p:txBody>
       </p:sp>
@@ -648,7 +661,7 @@
           <a:p>
             <a:fld id="{78C97017-6FC3-485B-9764-EAC9E56C1D49}" type="datetimeFigureOut">
               <a:rPr lang="en-US" smtClean="0"/>
-              <a:t>9/29/2016</a:t>
+              <a:t>07-Oct-16</a:t>
             </a:fld>
             <a:endParaRPr lang="en-US"/>
           </a:p>
@@ -742,10 +755,9 @@
           <a:lstStyle/>
           <a:p>
             <a:r>
-              <a:rPr lang="en-US" smtClean="0"/>
+              <a:rPr lang="en-US"/>
               <a:t>Click to edit Master title style</a:t>
             </a:r>
-            <a:endParaRPr lang="en-US"/>
           </a:p>
         </p:txBody>
       </p:sp>
@@ -766,38 +778,37 @@
           <a:p>
             <a:pPr lvl="0"/>
             <a:r>
-              <a:rPr lang="en-US" smtClean="0"/>
+              <a:rPr lang="en-US"/>
               <a:t>Click to edit Master text styles</a:t>
             </a:r>
           </a:p>
           <a:p>
             <a:pPr lvl="1"/>
             <a:r>
-              <a:rPr lang="en-US" smtClean="0"/>
+              <a:rPr lang="en-US"/>
               <a:t>Second level</a:t>
             </a:r>
           </a:p>
           <a:p>
             <a:pPr lvl="2"/>
             <a:r>
-              <a:rPr lang="en-US" smtClean="0"/>
+              <a:rPr lang="en-US"/>
               <a:t>Third level</a:t>
             </a:r>
           </a:p>
           <a:p>
             <a:pPr lvl="3"/>
             <a:r>
-              <a:rPr lang="en-US" smtClean="0"/>
+              <a:rPr lang="en-US"/>
               <a:t>Fourth level</a:t>
             </a:r>
           </a:p>
           <a:p>
             <a:pPr lvl="4"/>
             <a:r>
-              <a:rPr lang="en-US" smtClean="0"/>
+              <a:rPr lang="en-US"/>
               <a:t>Fifth level</a:t>
             </a:r>
-            <a:endParaRPr lang="en-US"/>
           </a:p>
         </p:txBody>
       </p:sp>
@@ -818,7 +829,7 @@
           <a:p>
             <a:fld id="{78C97017-6FC3-485B-9764-EAC9E56C1D49}" type="datetimeFigureOut">
               <a:rPr lang="en-US" smtClean="0"/>
-              <a:t>9/29/2016</a:t>
+              <a:t>07-Oct-16</a:t>
             </a:fld>
             <a:endParaRPr lang="en-US"/>
           </a:p>
@@ -917,10 +928,9 @@
           <a:lstStyle/>
           <a:p>
             <a:r>
-              <a:rPr lang="en-US" smtClean="0"/>
+              <a:rPr lang="en-US"/>
               <a:t>Click to edit Master title style</a:t>
             </a:r>
-            <a:endParaRPr lang="en-US"/>
           </a:p>
         </p:txBody>
       </p:sp>
@@ -946,38 +956,37 @@
           <a:p>
             <a:pPr lvl="0"/>
             <a:r>
-              <a:rPr lang="en-US" smtClean="0"/>
+              <a:rPr lang="en-US"/>
               <a:t>Click to edit Master text styles</a:t>
             </a:r>
           </a:p>
           <a:p>
             <a:pPr lvl="1"/>
             <a:r>
-              <a:rPr lang="en-US" smtClean="0"/>
+              <a:rPr lang="en-US"/>
               <a:t>Second level</a:t>
             </a:r>
           </a:p>
           <a:p>
             <a:pPr lvl="2"/>
             <a:r>
-              <a:rPr lang="en-US" smtClean="0"/>
+              <a:rPr lang="en-US"/>
               <a:t>Third level</a:t>
             </a:r>
           </a:p>
           <a:p>
             <a:pPr lvl="3"/>
             <a:r>
-              <a:rPr lang="en-US" smtClean="0"/>
+              <a:rPr lang="en-US"/>
               <a:t>Fourth level</a:t>
             </a:r>
           </a:p>
           <a:p>
             <a:pPr lvl="4"/>
             <a:r>
-              <a:rPr lang="en-US" smtClean="0"/>
+              <a:rPr lang="en-US"/>
               <a:t>Fifth level</a:t>
             </a:r>
-            <a:endParaRPr lang="en-US"/>
           </a:p>
         </p:txBody>
       </p:sp>
@@ -998,7 +1007,7 @@
           <a:p>
             <a:fld id="{78C97017-6FC3-485B-9764-EAC9E56C1D49}" type="datetimeFigureOut">
               <a:rPr lang="en-US" smtClean="0"/>
-              <a:t>9/29/2016</a:t>
+              <a:t>07-Oct-16</a:t>
             </a:fld>
             <a:endParaRPr lang="en-US"/>
           </a:p>
@@ -1092,10 +1101,9 @@
           <a:lstStyle/>
           <a:p>
             <a:r>
-              <a:rPr lang="en-US" smtClean="0"/>
+              <a:rPr lang="en-US"/>
               <a:t>Click to edit Master title style</a:t>
             </a:r>
-            <a:endParaRPr lang="en-US"/>
           </a:p>
         </p:txBody>
       </p:sp>
@@ -1116,38 +1124,37 @@
           <a:p>
             <a:pPr lvl="0"/>
             <a:r>
-              <a:rPr lang="en-US" smtClean="0"/>
+              <a:rPr lang="en-US"/>
               <a:t>Click to edit Master text styles</a:t>
             </a:r>
           </a:p>
           <a:p>
             <a:pPr lvl="1"/>
             <a:r>
-              <a:rPr lang="en-US" smtClean="0"/>
+              <a:rPr lang="en-US"/>
               <a:t>Second level</a:t>
             </a:r>
           </a:p>
           <a:p>
             <a:pPr lvl="2"/>
             <a:r>
-              <a:rPr lang="en-US" smtClean="0"/>
+              <a:rPr lang="en-US"/>
               <a:t>Third level</a:t>
             </a:r>
           </a:p>
           <a:p>
             <a:pPr lvl="3"/>
             <a:r>
-              <a:rPr lang="en-US" smtClean="0"/>
+              <a:rPr lang="en-US"/>
               <a:t>Fourth level</a:t>
             </a:r>
           </a:p>
           <a:p>
             <a:pPr lvl="4"/>
             <a:r>
-              <a:rPr lang="en-US" smtClean="0"/>
+              <a:rPr lang="en-US"/>
               <a:t>Fifth level</a:t>
             </a:r>
-            <a:endParaRPr lang="en-US"/>
           </a:p>
         </p:txBody>
       </p:sp>
@@ -1168,7 +1175,7 @@
           <a:p>
             <a:fld id="{78C97017-6FC3-485B-9764-EAC9E56C1D49}" type="datetimeFigureOut">
               <a:rPr lang="en-US" smtClean="0"/>
-              <a:t>9/29/2016</a:t>
+              <a:t>07-Oct-16</a:t>
             </a:fld>
             <a:endParaRPr lang="en-US"/>
           </a:p>
@@ -1271,10 +1278,9 @@
           </a:lstStyle>
           <a:p>
             <a:r>
-              <a:rPr lang="en-US" smtClean="0"/>
+              <a:rPr lang="en-US"/>
               <a:t>Click to edit Master title style</a:t>
             </a:r>
-            <a:endParaRPr lang="en-US"/>
           </a:p>
         </p:txBody>
       </p:sp>
@@ -1391,7 +1397,7 @@
           <a:p>
             <a:pPr lvl="0"/>
             <a:r>
-              <a:rPr lang="en-US" smtClean="0"/>
+              <a:rPr lang="en-US"/>
               <a:t>Click to edit Master text styles</a:t>
             </a:r>
           </a:p>
@@ -1414,7 +1420,7 @@
           <a:p>
             <a:fld id="{78C97017-6FC3-485B-9764-EAC9E56C1D49}" type="datetimeFigureOut">
               <a:rPr lang="en-US" smtClean="0"/>
-              <a:t>9/29/2016</a:t>
+              <a:t>07-Oct-16</a:t>
             </a:fld>
             <a:endParaRPr lang="en-US"/>
           </a:p>
@@ -1508,10 +1514,9 @@
           <a:lstStyle/>
           <a:p>
             <a:r>
-              <a:rPr lang="en-US" smtClean="0"/>
+              <a:rPr lang="en-US"/>
               <a:t>Click to edit Master title style</a:t>
             </a:r>
-            <a:endParaRPr lang="en-US"/>
           </a:p>
         </p:txBody>
       </p:sp>
@@ -1565,38 +1570,37 @@
           <a:p>
             <a:pPr lvl="0"/>
             <a:r>
-              <a:rPr lang="en-US" smtClean="0"/>
+              <a:rPr lang="en-US"/>
               <a:t>Click to edit Master text styles</a:t>
             </a:r>
           </a:p>
           <a:p>
             <a:pPr lvl="1"/>
             <a:r>
-              <a:rPr lang="en-US" smtClean="0"/>
+              <a:rPr lang="en-US"/>
               <a:t>Second level</a:t>
             </a:r>
           </a:p>
           <a:p>
             <a:pPr lvl="2"/>
             <a:r>
-              <a:rPr lang="en-US" smtClean="0"/>
+              <a:rPr lang="en-US"/>
               <a:t>Third level</a:t>
             </a:r>
           </a:p>
           <a:p>
             <a:pPr lvl="3"/>
             <a:r>
-              <a:rPr lang="en-US" smtClean="0"/>
+              <a:rPr lang="en-US"/>
               <a:t>Fourth level</a:t>
             </a:r>
           </a:p>
           <a:p>
             <a:pPr lvl="4"/>
             <a:r>
-              <a:rPr lang="en-US" smtClean="0"/>
+              <a:rPr lang="en-US"/>
               <a:t>Fifth level</a:t>
             </a:r>
-            <a:endParaRPr lang="en-US"/>
           </a:p>
         </p:txBody>
       </p:sp>
@@ -1650,38 +1654,37 @@
           <a:p>
             <a:pPr lvl="0"/>
             <a:r>
-              <a:rPr lang="en-US" smtClean="0"/>
+              <a:rPr lang="en-US"/>
               <a:t>Click to edit Master text styles</a:t>
             </a:r>
           </a:p>
           <a:p>
             <a:pPr lvl="1"/>
             <a:r>
-              <a:rPr lang="en-US" smtClean="0"/>
+              <a:rPr lang="en-US"/>
               <a:t>Second level</a:t>
             </a:r>
           </a:p>
           <a:p>
             <a:pPr lvl="2"/>
             <a:r>
-              <a:rPr lang="en-US" smtClean="0"/>
+              <a:rPr lang="en-US"/>
               <a:t>Third level</a:t>
             </a:r>
           </a:p>
           <a:p>
             <a:pPr lvl="3"/>
             <a:r>
-              <a:rPr lang="en-US" smtClean="0"/>
+              <a:rPr lang="en-US"/>
               <a:t>Fourth level</a:t>
             </a:r>
           </a:p>
           <a:p>
             <a:pPr lvl="4"/>
             <a:r>
-              <a:rPr lang="en-US" smtClean="0"/>
+              <a:rPr lang="en-US"/>
               <a:t>Fifth level</a:t>
             </a:r>
-            <a:endParaRPr lang="en-US"/>
           </a:p>
         </p:txBody>
       </p:sp>
@@ -1702,7 +1705,7 @@
           <a:p>
             <a:fld id="{78C97017-6FC3-485B-9764-EAC9E56C1D49}" type="datetimeFigureOut">
               <a:rPr lang="en-US" smtClean="0"/>
-              <a:t>9/29/2016</a:t>
+              <a:t>07-Oct-16</a:t>
             </a:fld>
             <a:endParaRPr lang="en-US"/>
           </a:p>
@@ -1800,10 +1803,9 @@
           </a:lstStyle>
           <a:p>
             <a:r>
-              <a:rPr lang="en-US" smtClean="0"/>
+              <a:rPr lang="en-US"/>
               <a:t>Click to edit Master title style</a:t>
             </a:r>
-            <a:endParaRPr lang="en-US"/>
           </a:p>
         </p:txBody>
       </p:sp>
@@ -1866,7 +1868,7 @@
           <a:p>
             <a:pPr lvl="0"/>
             <a:r>
-              <a:rPr lang="en-US" smtClean="0"/>
+              <a:rPr lang="en-US"/>
               <a:t>Click to edit Master text styles</a:t>
             </a:r>
           </a:p>
@@ -1922,38 +1924,37 @@
           <a:p>
             <a:pPr lvl="0"/>
             <a:r>
-              <a:rPr lang="en-US" smtClean="0"/>
+              <a:rPr lang="en-US"/>
               <a:t>Click to edit Master text styles</a:t>
             </a:r>
           </a:p>
           <a:p>
             <a:pPr lvl="1"/>
             <a:r>
-              <a:rPr lang="en-US" smtClean="0"/>
+              <a:rPr lang="en-US"/>
               <a:t>Second level</a:t>
             </a:r>
           </a:p>
           <a:p>
             <a:pPr lvl="2"/>
             <a:r>
-              <a:rPr lang="en-US" smtClean="0"/>
+              <a:rPr lang="en-US"/>
               <a:t>Third level</a:t>
             </a:r>
           </a:p>
           <a:p>
             <a:pPr lvl="3"/>
             <a:r>
-              <a:rPr lang="en-US" smtClean="0"/>
+              <a:rPr lang="en-US"/>
               <a:t>Fourth level</a:t>
             </a:r>
           </a:p>
           <a:p>
             <a:pPr lvl="4"/>
             <a:r>
-              <a:rPr lang="en-US" smtClean="0"/>
+              <a:rPr lang="en-US"/>
               <a:t>Fifth level</a:t>
             </a:r>
-            <a:endParaRPr lang="en-US"/>
           </a:p>
         </p:txBody>
       </p:sp>
@@ -2016,7 +2017,7 @@
           <a:p>
             <a:pPr lvl="0"/>
             <a:r>
-              <a:rPr lang="en-US" smtClean="0"/>
+              <a:rPr lang="en-US"/>
               <a:t>Click to edit Master text styles</a:t>
             </a:r>
           </a:p>
@@ -2072,38 +2073,37 @@
           <a:p>
             <a:pPr lvl="0"/>
             <a:r>
-              <a:rPr lang="en-US" smtClean="0"/>
+              <a:rPr lang="en-US"/>
               <a:t>Click to edit Master text styles</a:t>
             </a:r>
           </a:p>
           <a:p>
             <a:pPr lvl="1"/>
             <a:r>
-              <a:rPr lang="en-US" smtClean="0"/>
+              <a:rPr lang="en-US"/>
               <a:t>Second level</a:t>
             </a:r>
           </a:p>
           <a:p>
             <a:pPr lvl="2"/>
             <a:r>
-              <a:rPr lang="en-US" smtClean="0"/>
+              <a:rPr lang="en-US"/>
               <a:t>Third level</a:t>
             </a:r>
           </a:p>
           <a:p>
             <a:pPr lvl="3"/>
             <a:r>
-              <a:rPr lang="en-US" smtClean="0"/>
+              <a:rPr lang="en-US"/>
               <a:t>Fourth level</a:t>
             </a:r>
           </a:p>
           <a:p>
             <a:pPr lvl="4"/>
             <a:r>
-              <a:rPr lang="en-US" smtClean="0"/>
+              <a:rPr lang="en-US"/>
               <a:t>Fifth level</a:t>
             </a:r>
-            <a:endParaRPr lang="en-US"/>
           </a:p>
         </p:txBody>
       </p:sp>
@@ -2124,7 +2124,7 @@
           <a:p>
             <a:fld id="{78C97017-6FC3-485B-9764-EAC9E56C1D49}" type="datetimeFigureOut">
               <a:rPr lang="en-US" smtClean="0"/>
-              <a:t>9/29/2016</a:t>
+              <a:t>07-Oct-16</a:t>
             </a:fld>
             <a:endParaRPr lang="en-US"/>
           </a:p>
@@ -2218,10 +2218,9 @@
           <a:lstStyle/>
           <a:p>
             <a:r>
-              <a:rPr lang="en-US" smtClean="0"/>
+              <a:rPr lang="en-US"/>
               <a:t>Click to edit Master title style</a:t>
             </a:r>
-            <a:endParaRPr lang="en-US"/>
           </a:p>
         </p:txBody>
       </p:sp>
@@ -2242,7 +2241,7 @@
           <a:p>
             <a:fld id="{78C97017-6FC3-485B-9764-EAC9E56C1D49}" type="datetimeFigureOut">
               <a:rPr lang="en-US" smtClean="0"/>
-              <a:t>9/29/2016</a:t>
+              <a:t>07-Oct-16</a:t>
             </a:fld>
             <a:endParaRPr lang="en-US"/>
           </a:p>
@@ -2337,7 +2336,7 @@
           <a:p>
             <a:fld id="{78C97017-6FC3-485B-9764-EAC9E56C1D49}" type="datetimeFigureOut">
               <a:rPr lang="en-US" smtClean="0"/>
-              <a:t>9/29/2016</a:t>
+              <a:t>07-Oct-16</a:t>
             </a:fld>
             <a:endParaRPr lang="en-US"/>
           </a:p>
@@ -2440,10 +2439,9 @@
           </a:lstStyle>
           <a:p>
             <a:r>
-              <a:rPr lang="en-US" smtClean="0"/>
+              <a:rPr lang="en-US"/>
               <a:t>Click to edit Master title style</a:t>
             </a:r>
-            <a:endParaRPr lang="en-US"/>
           </a:p>
         </p:txBody>
       </p:sp>
@@ -2497,38 +2495,37 @@
           <a:p>
             <a:pPr lvl="0"/>
             <a:r>
-              <a:rPr lang="en-US" smtClean="0"/>
+              <a:rPr lang="en-US"/>
               <a:t>Click to edit Master text styles</a:t>
             </a:r>
           </a:p>
           <a:p>
             <a:pPr lvl="1"/>
             <a:r>
-              <a:rPr lang="en-US" smtClean="0"/>
+              <a:rPr lang="en-US"/>
               <a:t>Second level</a:t>
             </a:r>
           </a:p>
           <a:p>
             <a:pPr lvl="2"/>
             <a:r>
-              <a:rPr lang="en-US" smtClean="0"/>
+              <a:rPr lang="en-US"/>
               <a:t>Third level</a:t>
             </a:r>
           </a:p>
           <a:p>
             <a:pPr lvl="3"/>
             <a:r>
-              <a:rPr lang="en-US" smtClean="0"/>
+              <a:rPr lang="en-US"/>
               <a:t>Fourth level</a:t>
             </a:r>
           </a:p>
           <a:p>
             <a:pPr lvl="4"/>
             <a:r>
-              <a:rPr lang="en-US" smtClean="0"/>
+              <a:rPr lang="en-US"/>
               <a:t>Fifth level</a:t>
             </a:r>
-            <a:endParaRPr lang="en-US"/>
           </a:p>
         </p:txBody>
       </p:sp>
@@ -2591,7 +2588,7 @@
           <a:p>
             <a:pPr lvl="0"/>
             <a:r>
-              <a:rPr lang="en-US" smtClean="0"/>
+              <a:rPr lang="en-US"/>
               <a:t>Click to edit Master text styles</a:t>
             </a:r>
           </a:p>
@@ -2614,7 +2611,7 @@
           <a:p>
             <a:fld id="{78C97017-6FC3-485B-9764-EAC9E56C1D49}" type="datetimeFigureOut">
               <a:rPr lang="en-US" smtClean="0"/>
-              <a:t>9/29/2016</a:t>
+              <a:t>07-Oct-16</a:t>
             </a:fld>
             <a:endParaRPr lang="en-US"/>
           </a:p>
@@ -2717,10 +2714,9 @@
           </a:lstStyle>
           <a:p>
             <a:r>
-              <a:rPr lang="en-US" smtClean="0"/>
+              <a:rPr lang="en-US"/>
               <a:t>Click to edit Master title style</a:t>
             </a:r>
-            <a:endParaRPr lang="en-US"/>
           </a:p>
         </p:txBody>
       </p:sp>
@@ -2844,7 +2840,7 @@
           <a:p>
             <a:pPr lvl="0"/>
             <a:r>
-              <a:rPr lang="en-US" smtClean="0"/>
+              <a:rPr lang="en-US"/>
               <a:t>Click to edit Master text styles</a:t>
             </a:r>
           </a:p>
@@ -2867,7 +2863,7 @@
           <a:p>
             <a:fld id="{78C97017-6FC3-485B-9764-EAC9E56C1D49}" type="datetimeFigureOut">
               <a:rPr lang="en-US" smtClean="0"/>
-              <a:t>9/29/2016</a:t>
+              <a:t>07-Oct-16</a:t>
             </a:fld>
             <a:endParaRPr lang="en-US"/>
           </a:p>
@@ -2976,10 +2972,9 @@
           <a:lstStyle/>
           <a:p>
             <a:r>
-              <a:rPr lang="en-US" smtClean="0"/>
+              <a:rPr lang="en-US"/>
               <a:t>Click to edit Master title style</a:t>
             </a:r>
-            <a:endParaRPr lang="en-US"/>
           </a:p>
         </p:txBody>
       </p:sp>
@@ -3010,38 +3005,37 @@
           <a:p>
             <a:pPr lvl="0"/>
             <a:r>
-              <a:rPr lang="en-US" smtClean="0"/>
+              <a:rPr lang="en-US"/>
               <a:t>Click to edit Master text styles</a:t>
             </a:r>
           </a:p>
           <a:p>
             <a:pPr lvl="1"/>
             <a:r>
-              <a:rPr lang="en-US" smtClean="0"/>
+              <a:rPr lang="en-US"/>
               <a:t>Second level</a:t>
             </a:r>
           </a:p>
           <a:p>
             <a:pPr lvl="2"/>
             <a:r>
-              <a:rPr lang="en-US" smtClean="0"/>
+              <a:rPr lang="en-US"/>
               <a:t>Third level</a:t>
             </a:r>
           </a:p>
           <a:p>
             <a:pPr lvl="3"/>
             <a:r>
-              <a:rPr lang="en-US" smtClean="0"/>
+              <a:rPr lang="en-US"/>
               <a:t>Fourth level</a:t>
             </a:r>
           </a:p>
           <a:p>
             <a:pPr lvl="4"/>
             <a:r>
-              <a:rPr lang="en-US" smtClean="0"/>
+              <a:rPr lang="en-US"/>
               <a:t>Fifth level</a:t>
             </a:r>
-            <a:endParaRPr lang="en-US"/>
           </a:p>
         </p:txBody>
       </p:sp>
@@ -3080,7 +3074,7 @@
           <a:p>
             <a:fld id="{78C97017-6FC3-485B-9764-EAC9E56C1D49}" type="datetimeFigureOut">
               <a:rPr lang="en-US" smtClean="0"/>
-              <a:t>9/29/2016</a:t>
+              <a:t>07-Oct-16</a:t>
             </a:fld>
             <a:endParaRPr lang="en-US"/>
           </a:p>
@@ -3471,14 +3465,13 @@
           <a:lstStyle/>
           <a:p>
             <a:r>
-              <a:rPr lang="en-US" dirty="0" err="1" smtClean="0"/>
+              <a:rPr lang="en-US" dirty="0" err="1"/>
               <a:t>AddressBook</a:t>
             </a:r>
             <a:r>
-              <a:rPr lang="en-US" dirty="0" smtClean="0"/>
+              <a:rPr lang="en-US" dirty="0"/>
               <a:t> – Level 4</a:t>
             </a:r>
-            <a:endParaRPr lang="en-US" dirty="0"/>
           </a:p>
         </p:txBody>
       </p:sp>
@@ -3498,10 +3491,9 @@
           <a:lstStyle/>
           <a:p>
             <a:r>
-              <a:rPr lang="en-US" dirty="0" smtClean="0"/>
+              <a:rPr lang="en-US" dirty="0"/>
               <a:t>Diagrams</a:t>
             </a:r>
-            <a:endParaRPr lang="en-US" dirty="0"/>
           </a:p>
         </p:txBody>
       </p:sp>
@@ -3633,7 +3625,7 @@
           <a:p>
             <a:pPr algn="ctr"/>
             <a:r>
-              <a:rPr lang="en-US" sz="1600" dirty="0" smtClean="0">
+              <a:rPr lang="en-US" sz="1600" dirty="0">
                 <a:solidFill>
                   <a:schemeClr val="bg1"/>
                 </a:solidFill>
@@ -3692,7 +3684,7 @@
           <a:p>
             <a:pPr algn="ctr"/>
             <a:r>
-              <a:rPr lang="en-US" sz="1600" dirty="0" smtClean="0">
+              <a:rPr lang="en-US" sz="1600" dirty="0">
                 <a:solidFill>
                   <a:schemeClr val="bg1"/>
                 </a:solidFill>
@@ -3755,7 +3747,7 @@
           <a:p>
             <a:pPr algn="ctr"/>
             <a:r>
-              <a:rPr lang="en-US" sz="1600" dirty="0" smtClean="0">
+              <a:rPr lang="en-US" sz="1600" dirty="0">
                 <a:solidFill>
                   <a:schemeClr val="bg1"/>
                 </a:solidFill>
@@ -3814,7 +3806,7 @@
           <a:p>
             <a:pPr algn="ctr"/>
             <a:r>
-              <a:rPr lang="en-US" sz="1600" dirty="0" smtClean="0">
+              <a:rPr lang="en-US" sz="1600" dirty="0">
                 <a:solidFill>
                   <a:schemeClr val="bg1"/>
                 </a:solidFill>
@@ -4400,7 +4392,7 @@
           <a:p>
             <a:pPr algn="ctr"/>
             <a:r>
-              <a:rPr lang="en-US" sz="1600" dirty="0" smtClean="0">
+              <a:rPr lang="en-US" sz="1600" dirty="0">
                 <a:solidFill>
                   <a:schemeClr val="bg1"/>
                 </a:solidFill>
@@ -4751,7 +4743,7 @@
           <a:p>
             <a:pPr algn="ctr"/>
             <a:r>
-              <a:rPr lang="en-US" sz="1600" dirty="0" smtClean="0">
+              <a:rPr lang="en-US" sz="1600" dirty="0">
                 <a:solidFill>
                   <a:schemeClr val="bg1"/>
                 </a:solidFill>
@@ -4759,25 +4751,20 @@
               <a:t>Logs</a:t>
             </a:r>
             <a:br>
-              <a:rPr lang="en-US" sz="1600" dirty="0" smtClean="0">
+              <a:rPr lang="en-US" sz="1600" dirty="0">
                 <a:solidFill>
                   <a:schemeClr val="bg1"/>
                 </a:solidFill>
               </a:rPr>
             </a:br>
             <a:r>
-              <a:rPr lang="en-US" sz="1600" dirty="0" smtClean="0">
+              <a:rPr lang="en-US" sz="1600" dirty="0">
                 <a:solidFill>
                   <a:schemeClr val="bg1"/>
                 </a:solidFill>
               </a:rPr>
               <a:t>Center</a:t>
             </a:r>
-            <a:endParaRPr lang="en-US" sz="1600" dirty="0">
-              <a:solidFill>
-                <a:schemeClr val="bg1"/>
-              </a:solidFill>
-            </a:endParaRPr>
           </a:p>
         </p:txBody>
       </p:sp>
@@ -4934,7 +4921,7 @@
           <a:p>
             <a:pPr algn="ctr"/>
             <a:r>
-              <a:rPr lang="en-US" sz="1600" dirty="0" smtClean="0">
+              <a:rPr lang="en-US" sz="1600" dirty="0">
                 <a:solidFill>
                   <a:schemeClr val="bg1"/>
                 </a:solidFill>
@@ -5298,7 +5285,7 @@
           <a:p>
             <a:pPr algn="ctr"/>
             <a:r>
-              <a:rPr lang="en-US" sz="1600" dirty="0" smtClean="0">
+              <a:rPr lang="en-US" sz="1600" dirty="0">
                 <a:solidFill>
                   <a:schemeClr val="bg1"/>
                 </a:solidFill>
@@ -5445,7 +5432,7 @@
           <a:p>
             <a:pPr algn="ctr"/>
             <a:r>
-              <a:rPr lang="en-US" sz="1600" dirty="0" smtClean="0">
+              <a:rPr lang="en-US" sz="1600" dirty="0">
                 <a:solidFill>
                   <a:schemeClr val="bg1"/>
                 </a:solidFill>
@@ -5607,10 +5594,9 @@
           <a:lstStyle/>
           <a:p>
             <a:r>
-              <a:rPr lang="en-US" sz="1400" dirty="0" smtClean="0"/>
+              <a:rPr lang="en-US" sz="1400" dirty="0"/>
               <a:t>delete 1</a:t>
             </a:r>
-            <a:endParaRPr lang="en-US" sz="1400" dirty="0"/>
           </a:p>
         </p:txBody>
       </p:sp>
@@ -5673,18 +5659,13 @@
           <a:lstStyle/>
           <a:p>
             <a:r>
-              <a:rPr lang="en-US" sz="1400" dirty="0" smtClean="0">
+              <a:rPr lang="en-US" sz="1400" dirty="0">
                 <a:solidFill>
                   <a:srgbClr val="0070C0"/>
                 </a:solidFill>
               </a:rPr>
               <a:t>execute(“delete 1”)</a:t>
             </a:r>
-            <a:endParaRPr lang="en-US" sz="1400" dirty="0">
-              <a:solidFill>
-                <a:srgbClr val="0070C0"/>
-              </a:solidFill>
-            </a:endParaRPr>
           </a:p>
         </p:txBody>
       </p:sp>
@@ -5747,7 +5728,7 @@
           <a:lstStyle/>
           <a:p>
             <a:r>
-              <a:rPr lang="en-US" sz="1400" dirty="0" err="1" smtClean="0">
+              <a:rPr lang="en-US" sz="1400" dirty="0" err="1">
                 <a:solidFill>
                   <a:srgbClr val="7030A0"/>
                 </a:solidFill>
@@ -5755,18 +5736,13 @@
               <a:t>deletePerson</a:t>
             </a:r>
             <a:r>
-              <a:rPr lang="en-US" sz="1400" dirty="0" smtClean="0">
+              <a:rPr lang="en-US" sz="1400" dirty="0">
                 <a:solidFill>
                   <a:srgbClr val="7030A0"/>
                 </a:solidFill>
               </a:rPr>
               <a:t>(p)</a:t>
             </a:r>
-            <a:endParaRPr lang="en-US" sz="1400" dirty="0">
-              <a:solidFill>
-                <a:srgbClr val="7030A0"/>
-              </a:solidFill>
-            </a:endParaRPr>
           </a:p>
         </p:txBody>
       </p:sp>
@@ -5793,7 +5769,7 @@
           <a:lstStyle/>
           <a:p>
             <a:r>
-              <a:rPr lang="en-US" sz="1400" dirty="0" smtClean="0">
+              <a:rPr lang="en-US" sz="1400" dirty="0">
                 <a:solidFill>
                   <a:schemeClr val="accent5">
                     <a:lumMod val="75000"/>
@@ -5803,7 +5779,7 @@
               <a:t>post(</a:t>
             </a:r>
             <a:r>
-              <a:rPr lang="en-US" sz="1400" dirty="0" err="1" smtClean="0">
+              <a:rPr lang="en-US" sz="1400" dirty="0" err="1">
                 <a:solidFill>
                   <a:schemeClr val="accent5">
                     <a:lumMod val="75000"/>
@@ -5813,7 +5789,7 @@
               <a:t>AddressBookChangedEvent</a:t>
             </a:r>
             <a:r>
-              <a:rPr lang="en-US" sz="1400" dirty="0" smtClean="0">
+              <a:rPr lang="en-US" sz="1400" dirty="0">
                 <a:solidFill>
                   <a:schemeClr val="accent5">
                     <a:lumMod val="75000"/>
@@ -5822,13 +5798,6 @@
               </a:rPr>
               <a:t>)</a:t>
             </a:r>
-            <a:endParaRPr lang="en-US" sz="1400" dirty="0">
-              <a:solidFill>
-                <a:schemeClr val="accent5">
-                  <a:lumMod val="75000"/>
-                </a:schemeClr>
-              </a:solidFill>
-            </a:endParaRPr>
           </a:p>
         </p:txBody>
       </p:sp>
@@ -5994,7 +5963,7 @@
           <a:p>
             <a:pPr algn="ctr"/>
             <a:r>
-              <a:rPr lang="en-US" sz="1600" dirty="0" smtClean="0">
+              <a:rPr lang="en-US" sz="1600" dirty="0">
                 <a:solidFill>
                   <a:schemeClr val="bg1"/>
                 </a:solidFill>
@@ -6002,7 +5971,7 @@
               <a:t>:</a:t>
             </a:r>
             <a:r>
-              <a:rPr lang="en-US" sz="1600" dirty="0" err="1" smtClean="0">
+              <a:rPr lang="en-US" sz="1600" dirty="0" err="1">
                 <a:solidFill>
                   <a:schemeClr val="bg1"/>
                 </a:solidFill>
@@ -6235,7 +6204,7 @@
           <a:p>
             <a:pPr algn="ctr"/>
             <a:r>
-              <a:rPr lang="en-US" sz="1600" dirty="0" smtClean="0">
+              <a:rPr lang="en-US" sz="1600" dirty="0">
                 <a:solidFill>
                   <a:schemeClr val="bg1"/>
                 </a:solidFill>
@@ -6367,7 +6336,7 @@
           <a:lstStyle/>
           <a:p>
             <a:r>
-              <a:rPr lang="en-US" sz="1400" dirty="0" smtClean="0">
+              <a:rPr lang="en-US" sz="1400" dirty="0">
                 <a:solidFill>
                   <a:schemeClr val="accent5">
                     <a:lumMod val="75000"/>
@@ -6377,7 +6346,7 @@
               <a:t>post(</a:t>
             </a:r>
             <a:r>
-              <a:rPr lang="en-US" sz="1400" dirty="0" err="1" smtClean="0">
+              <a:rPr lang="en-US" sz="1400" dirty="0" err="1">
                 <a:solidFill>
                   <a:schemeClr val="accent5">
                     <a:lumMod val="75000"/>
@@ -6387,7 +6356,7 @@
               <a:t>AddressBookChangedEvent</a:t>
             </a:r>
             <a:r>
-              <a:rPr lang="en-US" sz="1400" dirty="0" smtClean="0">
+              <a:rPr lang="en-US" sz="1400" dirty="0">
                 <a:solidFill>
                   <a:schemeClr val="accent5">
                     <a:lumMod val="75000"/>
@@ -6396,13 +6365,6 @@
               </a:rPr>
               <a:t>)</a:t>
             </a:r>
-            <a:endParaRPr lang="en-US" sz="1400" dirty="0">
-              <a:solidFill>
-                <a:schemeClr val="accent5">
-                  <a:lumMod val="75000"/>
-                </a:schemeClr>
-              </a:solidFill>
-            </a:endParaRPr>
           </a:p>
         </p:txBody>
       </p:sp>
@@ -6494,7 +6456,7 @@
           <a:p>
             <a:pPr algn="ctr"/>
             <a:r>
-              <a:rPr lang="en-US" sz="1600" dirty="0" smtClean="0">
+              <a:rPr lang="en-US" sz="1600" dirty="0">
                 <a:solidFill>
                   <a:schemeClr val="bg1"/>
                 </a:solidFill>
@@ -6502,7 +6464,7 @@
               <a:t>:</a:t>
             </a:r>
             <a:r>
-              <a:rPr lang="en-US" sz="1600" dirty="0" err="1" smtClean="0">
+              <a:rPr lang="en-US" sz="1600" dirty="0" err="1">
                 <a:solidFill>
                   <a:schemeClr val="bg1"/>
                 </a:solidFill>
@@ -6749,7 +6711,7 @@
           <a:lstStyle/>
           <a:p>
             <a:r>
-              <a:rPr lang="en-US" sz="1400" dirty="0" err="1" smtClean="0">
+              <a:rPr lang="en-US" sz="1400" dirty="0" err="1">
                 <a:solidFill>
                   <a:schemeClr val="accent6">
                     <a:lumMod val="75000"/>
@@ -6759,7 +6721,7 @@
               <a:t>handleAddresssBookChangedEvent</a:t>
             </a:r>
             <a:r>
-              <a:rPr lang="en-US" sz="1400" dirty="0" smtClean="0">
+              <a:rPr lang="en-US" sz="1400" dirty="0">
                 <a:solidFill>
                   <a:schemeClr val="accent6">
                     <a:lumMod val="75000"/>
@@ -6768,13 +6730,6 @@
               </a:rPr>
               <a:t>()</a:t>
             </a:r>
-            <a:endParaRPr lang="en-US" sz="1400" dirty="0">
-              <a:solidFill>
-                <a:schemeClr val="accent6">
-                  <a:lumMod val="75000"/>
-                </a:schemeClr>
-              </a:solidFill>
-            </a:endParaRPr>
           </a:p>
         </p:txBody>
       </p:sp>
@@ -6859,7 +6814,7 @@
           <a:p>
             <a:pPr algn="ctr"/>
             <a:r>
-              <a:rPr lang="en-US" sz="1600" dirty="0" smtClean="0">
+              <a:rPr lang="en-US" sz="1600" dirty="0">
                 <a:solidFill>
                   <a:schemeClr val="bg1"/>
                 </a:solidFill>
@@ -7062,7 +7017,7 @@
           <a:lstStyle/>
           <a:p>
             <a:r>
-              <a:rPr lang="en-US" sz="1400" dirty="0" err="1" smtClean="0">
+              <a:rPr lang="en-US" sz="1400" dirty="0" err="1">
                 <a:solidFill>
                   <a:srgbClr val="00B050"/>
                 </a:solidFill>
@@ -7070,18 +7025,13 @@
               <a:t>handleAddresssBookChangedEvent</a:t>
             </a:r>
             <a:r>
-              <a:rPr lang="en-US" sz="1400" dirty="0" smtClean="0">
+              <a:rPr lang="en-US" sz="1400" dirty="0">
                 <a:solidFill>
                   <a:srgbClr val="00B050"/>
                 </a:solidFill>
               </a:rPr>
               <a:t>()</a:t>
             </a:r>
-            <a:endParaRPr lang="en-US" sz="1400" dirty="0">
-              <a:solidFill>
-                <a:srgbClr val="00B050"/>
-              </a:solidFill>
-            </a:endParaRPr>
           </a:p>
         </p:txBody>
       </p:sp>
@@ -7268,18 +7218,13 @@
           <a:p>
             <a:pPr algn="r"/>
             <a:r>
-              <a:rPr lang="en-US" sz="1400" dirty="0" smtClean="0">
+              <a:rPr lang="en-US" sz="1400" dirty="0">
                 <a:solidFill>
                   <a:srgbClr val="00B050"/>
                 </a:solidFill>
               </a:rPr>
               <a:t>Update status bar</a:t>
             </a:r>
-            <a:endParaRPr lang="en-US" sz="1400" dirty="0">
-              <a:solidFill>
-                <a:srgbClr val="00B050"/>
-              </a:solidFill>
-            </a:endParaRPr>
           </a:p>
         </p:txBody>
       </p:sp>
@@ -7469,7 +7414,7 @@
           <a:lstStyle/>
           <a:p>
             <a:r>
-              <a:rPr lang="en-US" sz="1400" dirty="0" smtClean="0">
+              <a:rPr lang="en-US" sz="1400" dirty="0">
                 <a:solidFill>
                   <a:schemeClr val="accent6">
                     <a:lumMod val="75000"/>
@@ -7479,7 +7424,7 @@
               <a:t>Save </a:t>
             </a:r>
             <a:br>
-              <a:rPr lang="en-US" sz="1400" dirty="0" smtClean="0">
+              <a:rPr lang="en-US" sz="1400" dirty="0">
                 <a:solidFill>
                   <a:schemeClr val="accent6">
                     <a:lumMod val="75000"/>
@@ -7488,7 +7433,7 @@
               </a:rPr>
             </a:br>
             <a:r>
-              <a:rPr lang="en-US" sz="1400" dirty="0" smtClean="0">
+              <a:rPr lang="en-US" sz="1400" dirty="0">
                 <a:solidFill>
                   <a:schemeClr val="accent6">
                     <a:lumMod val="75000"/>
@@ -7497,13 +7442,6 @@
               </a:rPr>
               <a:t>to file</a:t>
             </a:r>
-            <a:endParaRPr lang="en-US" sz="1400" dirty="0">
-              <a:solidFill>
-                <a:schemeClr val="accent6">
-                  <a:lumMod val="75000"/>
-                </a:schemeClr>
-              </a:solidFill>
-            </a:endParaRPr>
           </a:p>
         </p:txBody>
       </p:sp>
@@ -7580,7 +7518,7 @@
           <a:lstStyle/>
           <a:p>
             <a:r>
-              <a:rPr lang="en-US" sz="1200" b="1" dirty="0" smtClean="0">
+              <a:rPr lang="en-US" sz="1200" b="1" dirty="0">
                 <a:solidFill>
                   <a:schemeClr val="accent3">
                     <a:lumMod val="75000"/>
@@ -7763,7 +7701,7 @@
           <a:p>
             <a:pPr algn="ctr"/>
             <a:r>
-              <a:rPr lang="en-US" sz="1050" dirty="0" err="1" smtClean="0">
+              <a:rPr lang="en-US" sz="1050" dirty="0" err="1">
                 <a:solidFill>
                   <a:schemeClr val="bg1"/>
                 </a:solidFill>
@@ -8625,7 +8563,7 @@
           <a:p>
             <a:pPr algn="ctr"/>
             <a:r>
-              <a:rPr lang="en-US" sz="1050" b="1" dirty="0" smtClean="0">
+              <a:rPr lang="en-US" sz="1050" b="1" dirty="0">
                 <a:solidFill>
                   <a:schemeClr val="accent3">
                     <a:lumMod val="75000"/>
@@ -8635,7 +8573,7 @@
               <a:t>{abstract}</a:t>
             </a:r>
             <a:br>
-              <a:rPr lang="en-US" sz="1050" b="1" dirty="0" smtClean="0">
+              <a:rPr lang="en-US" sz="1050" b="1" dirty="0">
                 <a:solidFill>
                   <a:schemeClr val="accent3">
                     <a:lumMod val="75000"/>
@@ -8644,7 +8582,7 @@
               </a:rPr>
             </a:br>
             <a:r>
-              <a:rPr lang="en-US" sz="1050" b="1" dirty="0" err="1" smtClean="0">
+              <a:rPr lang="en-US" sz="1050" b="1" dirty="0" err="1">
                 <a:solidFill>
                   <a:schemeClr val="accent3">
                     <a:lumMod val="75000"/>
@@ -9133,7 +9071,7 @@
           <a:p>
             <a:pPr algn="ctr"/>
             <a:r>
-              <a:rPr lang="en-US" sz="1100" b="1" dirty="0" smtClean="0">
+              <a:rPr lang="en-US" sz="1100" b="1" dirty="0">
                 <a:solidFill>
                   <a:schemeClr val="bg1"/>
                 </a:solidFill>
@@ -9192,7 +9130,7 @@
           <a:p>
             <a:pPr algn="ctr"/>
             <a:r>
-              <a:rPr lang="en-US" sz="1050" dirty="0" smtClean="0">
+              <a:rPr lang="en-US" sz="1050" dirty="0">
                 <a:solidFill>
                   <a:schemeClr val="bg1"/>
                 </a:solidFill>
@@ -9203,7 +9141,7 @@
           <a:p>
             <a:pPr algn="ctr"/>
             <a:r>
-              <a:rPr lang="en-US" sz="1050" dirty="0" err="1" smtClean="0">
+              <a:rPr lang="en-US" sz="1050" dirty="0" err="1">
                 <a:solidFill>
                   <a:schemeClr val="bg1"/>
                 </a:solidFill>
@@ -9752,13 +9690,6 @@
   <p:clrMapOvr>
     <a:masterClrMapping/>
   </p:clrMapOvr>
-  <p:timing>
-    <p:tnLst>
-      <p:par>
-        <p:cTn id="1" dur="indefinite" restart="never" nodeType="tmRoot"/>
-      </p:par>
-    </p:tnLst>
-  </p:timing>
 </p:sld>
 </file>
 
@@ -9825,7 +9756,7 @@
           <a:lstStyle/>
           <a:p>
             <a:r>
-              <a:rPr lang="en-US" sz="1200" b="1" dirty="0" smtClean="0">
+              <a:rPr lang="en-US" sz="1200" b="1" dirty="0">
                 <a:solidFill>
                   <a:srgbClr val="0070C0"/>
                 </a:solidFill>
@@ -9999,7 +9930,7 @@
           <a:p>
             <a:pPr algn="ctr"/>
             <a:r>
-              <a:rPr lang="en-US" sz="1050" dirty="0" err="1" smtClean="0">
+              <a:rPr lang="en-US" sz="1050" dirty="0" err="1">
                 <a:solidFill>
                   <a:schemeClr val="bg1"/>
                 </a:solidFill>
@@ -10361,7 +10292,7 @@
           <a:p>
             <a:pPr algn="ctr"/>
             <a:r>
-              <a:rPr lang="en-US" sz="1050" b="1" dirty="0" smtClean="0">
+              <a:rPr lang="en-US" sz="1050" b="1" dirty="0">
                 <a:solidFill>
                   <a:srgbClr val="0070C0"/>
                 </a:solidFill>
@@ -10369,14 +10300,14 @@
               <a:t>{abstract}</a:t>
             </a:r>
             <a:br>
-              <a:rPr lang="en-US" sz="1050" b="1" dirty="0" smtClean="0">
+              <a:rPr lang="en-US" sz="1050" b="1" dirty="0">
                 <a:solidFill>
                   <a:srgbClr val="0070C0"/>
                 </a:solidFill>
               </a:rPr>
             </a:br>
             <a:r>
-              <a:rPr lang="en-US" sz="1050" b="1" dirty="0" smtClean="0">
+              <a:rPr lang="en-US" sz="1050" b="1" dirty="0">
                 <a:solidFill>
                   <a:srgbClr val="0070C0"/>
                 </a:solidFill>
@@ -11037,7 +10968,7 @@
             <a:p>
               <a:pPr algn="r"/>
               <a:r>
-                <a:rPr lang="en-US" sz="1100" dirty="0" smtClean="0">
+                <a:rPr lang="en-US" sz="1100" dirty="0">
                   <a:solidFill>
                     <a:srgbClr val="0070C0"/>
                   </a:solidFill>
@@ -11136,7 +11067,7 @@
             <a:lstStyle/>
             <a:p>
               <a:r>
-                <a:rPr lang="en-US" sz="1100" dirty="0" smtClean="0">
+                <a:rPr lang="en-US" sz="1100" dirty="0">
                   <a:solidFill>
                     <a:srgbClr val="0070C0"/>
                   </a:solidFill>
@@ -11222,7 +11153,7 @@
           <a:p>
             <a:pPr algn="r"/>
             <a:r>
-              <a:rPr lang="en-US" sz="1100" dirty="0" smtClean="0">
+              <a:rPr lang="en-US" sz="1100" dirty="0">
                 <a:solidFill>
                   <a:srgbClr val="0070C0"/>
                 </a:solidFill>
@@ -11261,7 +11192,7 @@
           <a:p>
             <a:pPr algn="r"/>
             <a:r>
-              <a:rPr lang="en-US" sz="1100" dirty="0" smtClean="0">
+              <a:rPr lang="en-US" sz="1100" dirty="0">
                 <a:solidFill>
                   <a:srgbClr val="0070C0"/>
                 </a:solidFill>
@@ -11314,7 +11245,7 @@
             <a:p>
               <a:pPr algn="r"/>
               <a:r>
-                <a:rPr lang="en-US" sz="1100" dirty="0" smtClean="0">
+                <a:rPr lang="en-US" sz="1100" dirty="0">
                   <a:solidFill>
                     <a:srgbClr val="0070C0"/>
                   </a:solidFill>
@@ -11417,7 +11348,7 @@
           <a:p>
             <a:pPr algn="ctr"/>
             <a:r>
-              <a:rPr lang="en-US" sz="1050" b="1" dirty="0" smtClean="0">
+              <a:rPr lang="en-US" sz="1050" b="1" dirty="0">
                 <a:solidFill>
                   <a:srgbClr val="0070C0"/>
                 </a:solidFill>
@@ -11425,14 +11356,14 @@
               <a:t>Incorrect</a:t>
             </a:r>
             <a:br>
-              <a:rPr lang="en-US" sz="1050" b="1" dirty="0" smtClean="0">
+              <a:rPr lang="en-US" sz="1050" b="1" dirty="0">
                 <a:solidFill>
                   <a:srgbClr val="0070C0"/>
                 </a:solidFill>
               </a:rPr>
             </a:br>
             <a:r>
-              <a:rPr lang="en-US" sz="1050" b="1" dirty="0" smtClean="0">
+              <a:rPr lang="en-US" sz="1050" b="1" dirty="0">
                 <a:solidFill>
                   <a:srgbClr val="0070C0"/>
                 </a:solidFill>
@@ -11500,13 +11431,6 @@
   <p:clrMapOvr>
     <a:masterClrMapping/>
   </p:clrMapOvr>
-  <p:timing>
-    <p:tnLst>
-      <p:par>
-        <p:cTn id="1" dur="indefinite" restart="never" nodeType="tmRoot"/>
-      </p:par>
-    </p:tnLst>
-  </p:timing>
 </p:sld>
 </file>
 
@@ -11573,7 +11497,7 @@
           <a:lstStyle/>
           <a:p>
             <a:r>
-              <a:rPr lang="en-US" sz="1200" b="1" dirty="0" smtClean="0">
+              <a:rPr lang="en-US" sz="1200" b="1" dirty="0">
                 <a:solidFill>
                   <a:srgbClr val="7030A0"/>
                 </a:solidFill>
@@ -11632,7 +11556,7 @@
           <a:p>
             <a:pPr algn="ctr"/>
             <a:r>
-              <a:rPr lang="en-US" sz="1050" dirty="0" err="1" smtClean="0">
+              <a:rPr lang="en-US" sz="1050" dirty="0" err="1">
                 <a:solidFill>
                   <a:schemeClr val="bg1"/>
                 </a:solidFill>
@@ -11691,7 +11615,7 @@
           <a:p>
             <a:pPr algn="ctr"/>
             <a:r>
-              <a:rPr lang="en-US" sz="1050" dirty="0" err="1" smtClean="0">
+              <a:rPr lang="en-US" sz="1050" dirty="0" err="1">
                 <a:solidFill>
                   <a:schemeClr val="bg1"/>
                 </a:solidFill>
@@ -11847,7 +11771,7 @@
           <a:p>
             <a:pPr algn="ctr"/>
             <a:r>
-              <a:rPr lang="en-US" sz="1050" dirty="0" smtClean="0">
+              <a:rPr lang="en-US" sz="1050" dirty="0">
                 <a:solidFill>
                   <a:schemeClr val="bg1"/>
                 </a:solidFill>
@@ -12213,7 +12137,7 @@
           <a:p>
             <a:pPr algn="ctr"/>
             <a:r>
-              <a:rPr lang="en-US" sz="1050" dirty="0" err="1" smtClean="0">
+              <a:rPr lang="en-US" sz="1050" dirty="0" err="1">
                 <a:solidFill>
                   <a:srgbClr val="7030A0"/>
                 </a:solidFill>
@@ -12355,7 +12279,7 @@
           <a:p>
             <a:pPr algn="ctr"/>
             <a:r>
-              <a:rPr lang="en-US" sz="1050" dirty="0" err="1" smtClean="0">
+              <a:rPr lang="en-US" sz="1050" dirty="0" err="1">
                 <a:solidFill>
                   <a:srgbClr val="7030A0"/>
                 </a:solidFill>
@@ -12499,7 +12423,7 @@
           <a:p>
             <a:pPr algn="ctr"/>
             <a:r>
-              <a:rPr lang="en-US" sz="1050" dirty="0" err="1" smtClean="0">
+              <a:rPr lang="en-US" sz="1050" dirty="0" err="1">
                 <a:solidFill>
                   <a:srgbClr val="7030A0"/>
                 </a:solidFill>
@@ -12598,7 +12522,7 @@
           <a:p>
             <a:pPr algn="ctr"/>
             <a:r>
-              <a:rPr lang="en-US" sz="1050" dirty="0" smtClean="0">
+              <a:rPr lang="en-US" sz="1050" dirty="0">
                 <a:solidFill>
                   <a:srgbClr val="7030A0"/>
                 </a:solidFill>
@@ -12740,7 +12664,7 @@
           <a:p>
             <a:pPr algn="ctr"/>
             <a:r>
-              <a:rPr lang="en-US" sz="1050" dirty="0" smtClean="0">
+              <a:rPr lang="en-US" sz="1050" dirty="0">
                 <a:solidFill>
                   <a:srgbClr val="7030A0"/>
                 </a:solidFill>
@@ -12882,7 +12806,7 @@
           <a:p>
             <a:pPr algn="ctr"/>
             <a:r>
-              <a:rPr lang="en-US" sz="1050" dirty="0" smtClean="0">
+              <a:rPr lang="en-US" sz="1050" dirty="0">
                 <a:solidFill>
                   <a:srgbClr val="7030A0"/>
                 </a:solidFill>
@@ -12890,14 +12814,14 @@
               <a:t>&lt;&lt;interface&gt;&gt;</a:t>
             </a:r>
             <a:br>
-              <a:rPr lang="en-US" sz="1050" dirty="0" smtClean="0">
+              <a:rPr lang="en-US" sz="1050" dirty="0">
                 <a:solidFill>
                   <a:srgbClr val="7030A0"/>
                 </a:solidFill>
               </a:rPr>
             </a:br>
             <a:r>
-              <a:rPr lang="en-US" sz="1050" dirty="0" err="1" smtClean="0">
+              <a:rPr lang="en-US" sz="1050" dirty="0" err="1">
                 <a:solidFill>
                   <a:srgbClr val="7030A0"/>
                 </a:solidFill>
@@ -12953,7 +12877,7 @@
           <a:p>
             <a:pPr algn="ctr"/>
             <a:r>
-              <a:rPr lang="en-US" sz="1050" dirty="0" smtClean="0">
+              <a:rPr lang="en-US" sz="1050" dirty="0">
                 <a:solidFill>
                   <a:srgbClr val="7030A0"/>
                 </a:solidFill>
@@ -13097,7 +13021,7 @@
           <a:p>
             <a:pPr algn="ctr"/>
             <a:r>
-              <a:rPr lang="en-US" sz="1050" dirty="0" smtClean="0">
+              <a:rPr lang="en-US" sz="1050" dirty="0">
                 <a:solidFill>
                   <a:srgbClr val="7030A0"/>
                 </a:solidFill>
@@ -13194,7 +13118,7 @@
           <a:p>
             <a:pPr algn="ctr"/>
             <a:r>
-              <a:rPr lang="en-US" sz="1050" dirty="0" smtClean="0">
+              <a:rPr lang="en-US" sz="1050" dirty="0">
                 <a:solidFill>
                   <a:srgbClr val="7030A0"/>
                 </a:solidFill>
@@ -13291,7 +13215,7 @@
           <a:p>
             <a:pPr algn="ctr"/>
             <a:r>
-              <a:rPr lang="en-US" sz="1050" dirty="0" smtClean="0">
+              <a:rPr lang="en-US" sz="1050" dirty="0">
                 <a:solidFill>
                   <a:srgbClr val="7030A0"/>
                 </a:solidFill>
@@ -13479,130 +13403,12 @@
           <a:p>
             <a:pPr algn="ctr"/>
             <a:r>
-              <a:rPr lang="en-US" sz="1050" dirty="0" smtClean="0">
+              <a:rPr lang="en-US" sz="1050" dirty="0">
                 <a:solidFill>
                   <a:srgbClr val="7030A0"/>
                 </a:solidFill>
               </a:rPr>
               <a:t>&lt;&lt;interface&gt;&gt;</a:t>
-            </a:r>
-            <a:br>
-              <a:rPr lang="en-US" sz="1050" dirty="0" smtClean="0">
-                <a:solidFill>
-                  <a:srgbClr val="7030A0"/>
-                </a:solidFill>
-              </a:rPr>
-            </a:br>
-            <a:r>
-              <a:rPr lang="en-US" sz="1050" dirty="0" err="1" smtClean="0">
-                <a:solidFill>
-                  <a:srgbClr val="7030A0"/>
-                </a:solidFill>
-              </a:rPr>
-              <a:t>ReadOnlyAddressBook</a:t>
-            </a:r>
-            <a:endParaRPr lang="en-SG" sz="1050" dirty="0">
-              <a:solidFill>
-                <a:srgbClr val="7030A0"/>
-              </a:solidFill>
-            </a:endParaRPr>
-          </a:p>
-        </p:txBody>
-      </p:sp>
-      <p:sp>
-        <p:nvSpPr>
-          <p:cNvPr id="114" name="TextBox 113"/>
-          <p:cNvSpPr txBox="1"/>
-          <p:nvPr/>
-        </p:nvSpPr>
-        <p:spPr>
-          <a:xfrm rot="16200000">
-            <a:off x="6581354" y="3514530"/>
-            <a:ext cx="881018" cy="261610"/>
-          </a:xfrm>
-          <a:prstGeom prst="rect">
-            <a:avLst/>
-          </a:prstGeom>
-          <a:noFill/>
-        </p:spPr>
-        <p:txBody>
-          <a:bodyPr wrap="square" rtlCol="0">
-            <a:spAutoFit/>
-          </a:bodyPr>
-          <a:lstStyle/>
-          <a:p>
-            <a:pPr algn="r"/>
-            <a:r>
-              <a:rPr lang="en-US" sz="1100" dirty="0" smtClean="0">
-                <a:solidFill>
-                  <a:srgbClr val="7030A0"/>
-                </a:solidFill>
-              </a:rPr>
-              <a:t>filtered list</a:t>
-            </a:r>
-            <a:endParaRPr lang="en-SG" sz="1100" dirty="0">
-              <a:solidFill>
-                <a:srgbClr val="7030A0"/>
-              </a:solidFill>
-            </a:endParaRPr>
-          </a:p>
-        </p:txBody>
-      </p:sp>
-      <p:sp>
-        <p:nvSpPr>
-          <p:cNvPr id="122" name="Rectangle 8"/>
-          <p:cNvSpPr/>
-          <p:nvPr/>
-        </p:nvSpPr>
-        <p:spPr>
-          <a:xfrm>
-            <a:off x="2057400" y="4239491"/>
-            <a:ext cx="1775949" cy="346760"/>
-          </a:xfrm>
-          <a:prstGeom prst="rect">
-            <a:avLst/>
-          </a:prstGeom>
-          <a:ln w="19050">
-            <a:solidFill>
-              <a:srgbClr val="7030A0"/>
-            </a:solidFill>
-          </a:ln>
-          <a:effectLst/>
-        </p:spPr>
-        <p:style>
-          <a:lnRef idx="1">
-            <a:schemeClr val="accent4"/>
-          </a:lnRef>
-          <a:fillRef idx="2">
-            <a:schemeClr val="accent4"/>
-          </a:fillRef>
-          <a:effectRef idx="1">
-            <a:schemeClr val="accent4"/>
-          </a:effectRef>
-          <a:fontRef idx="minor">
-            <a:schemeClr val="dk1"/>
-          </a:fontRef>
-        </p:style>
-        <p:txBody>
-          <a:bodyPr rtlCol="0" anchor="ctr"/>
-          <a:lstStyle/>
-          <a:p>
-            <a:pPr algn="ctr"/>
-            <a:r>
-              <a:rPr lang="en-US" sz="1050" dirty="0" smtClean="0">
-                <a:solidFill>
-                  <a:srgbClr val="7030A0"/>
-                </a:solidFill>
-              </a:rPr>
-              <a:t>&lt;&lt;interface&gt;&gt;</a:t>
-            </a:r>
-            <a:r>
-              <a:rPr lang="en-US" sz="1050" dirty="0">
-                <a:solidFill>
-                  <a:srgbClr val="7030A0"/>
-                </a:solidFill>
-              </a:rPr>
-              <a:t/>
             </a:r>
             <a:br>
               <a:rPr lang="en-US" sz="1050" dirty="0">
@@ -13612,7 +13418,117 @@
               </a:rPr>
             </a:br>
             <a:r>
-              <a:rPr lang="en-US" sz="1050" dirty="0" err="1" smtClean="0">
+              <a:rPr lang="en-US" sz="1050" dirty="0" err="1">
+                <a:solidFill>
+                  <a:srgbClr val="7030A0"/>
+                </a:solidFill>
+              </a:rPr>
+              <a:t>ReadOnlyAddressBook</a:t>
+            </a:r>
+            <a:endParaRPr lang="en-SG" sz="1050" dirty="0">
+              <a:solidFill>
+                <a:srgbClr val="7030A0"/>
+              </a:solidFill>
+            </a:endParaRPr>
+          </a:p>
+        </p:txBody>
+      </p:sp>
+      <p:sp>
+        <p:nvSpPr>
+          <p:cNvPr id="114" name="TextBox 113"/>
+          <p:cNvSpPr txBox="1"/>
+          <p:nvPr/>
+        </p:nvSpPr>
+        <p:spPr>
+          <a:xfrm rot="16200000">
+            <a:off x="6581354" y="3514530"/>
+            <a:ext cx="881018" cy="261610"/>
+          </a:xfrm>
+          <a:prstGeom prst="rect">
+            <a:avLst/>
+          </a:prstGeom>
+          <a:noFill/>
+        </p:spPr>
+        <p:txBody>
+          <a:bodyPr wrap="square" rtlCol="0">
+            <a:spAutoFit/>
+          </a:bodyPr>
+          <a:lstStyle/>
+          <a:p>
+            <a:pPr algn="r"/>
+            <a:r>
+              <a:rPr lang="en-US" sz="1100" dirty="0">
+                <a:solidFill>
+                  <a:srgbClr val="7030A0"/>
+                </a:solidFill>
+              </a:rPr>
+              <a:t>filtered list</a:t>
+            </a:r>
+            <a:endParaRPr lang="en-SG" sz="1100" dirty="0">
+              <a:solidFill>
+                <a:srgbClr val="7030A0"/>
+              </a:solidFill>
+            </a:endParaRPr>
+          </a:p>
+        </p:txBody>
+      </p:sp>
+      <p:sp>
+        <p:nvSpPr>
+          <p:cNvPr id="122" name="Rectangle 8"/>
+          <p:cNvSpPr/>
+          <p:nvPr/>
+        </p:nvSpPr>
+        <p:spPr>
+          <a:xfrm>
+            <a:off x="2057400" y="4239491"/>
+            <a:ext cx="1775949" cy="346760"/>
+          </a:xfrm>
+          <a:prstGeom prst="rect">
+            <a:avLst/>
+          </a:prstGeom>
+          <a:ln w="19050">
+            <a:solidFill>
+              <a:srgbClr val="7030A0"/>
+            </a:solidFill>
+          </a:ln>
+          <a:effectLst/>
+        </p:spPr>
+        <p:style>
+          <a:lnRef idx="1">
+            <a:schemeClr val="accent4"/>
+          </a:lnRef>
+          <a:fillRef idx="2">
+            <a:schemeClr val="accent4"/>
+          </a:fillRef>
+          <a:effectRef idx="1">
+            <a:schemeClr val="accent4"/>
+          </a:effectRef>
+          <a:fontRef idx="minor">
+            <a:schemeClr val="dk1"/>
+          </a:fontRef>
+        </p:style>
+        <p:txBody>
+          <a:bodyPr rtlCol="0" anchor="ctr"/>
+          <a:lstStyle/>
+          <a:p>
+            <a:pPr algn="ctr"/>
+            <a:r>
+              <a:rPr lang="en-US" sz="1050" dirty="0">
+                <a:solidFill>
+                  <a:srgbClr val="7030A0"/>
+                </a:solidFill>
+              </a:rPr>
+              <a:t>&lt;&lt;interface&gt;&gt;</a:t>
+            </a:r>
+            <a:br>
+              <a:rPr lang="en-US" sz="1050" dirty="0">
+                <a:solidFill>
+                  <a:srgbClr val="7030A0"/>
+                </a:solidFill>
+              </a:rPr>
+            </a:br>
+            <a:r>
+              <a:rPr lang="en-US" sz="1050" dirty="0" err="1">
                 <a:solidFill>
                   <a:srgbClr val="7030A0"/>
                 </a:solidFill>
@@ -13679,13 +13595,6 @@
   <p:clrMapOvr>
     <a:masterClrMapping/>
   </p:clrMapOvr>
-  <p:timing>
-    <p:tnLst>
-      <p:par>
-        <p:cTn id="1" dur="indefinite" restart="never" nodeType="tmRoot"/>
-      </p:par>
-    </p:tnLst>
-  </p:timing>
 </p:sld>
 </file>
 
@@ -13752,7 +13661,7 @@
           <a:lstStyle/>
           <a:p>
             <a:r>
-              <a:rPr lang="en-US" sz="1200" b="1" dirty="0" smtClean="0">
+              <a:rPr lang="en-US" sz="1200" b="1" dirty="0">
                 <a:solidFill>
                   <a:schemeClr val="accent6">
                     <a:lumMod val="75000"/>
@@ -13819,7 +13728,7 @@
           <a:p>
             <a:pPr algn="ctr"/>
             <a:r>
-              <a:rPr lang="en-US" sz="1050" dirty="0" smtClean="0">
+              <a:rPr lang="en-US" sz="1050" dirty="0">
                 <a:solidFill>
                   <a:schemeClr val="bg1"/>
                 </a:solidFill>
@@ -13827,14 +13736,14 @@
               <a:t>&lt;&lt;interface&gt;&gt;</a:t>
             </a:r>
             <a:br>
-              <a:rPr lang="en-US" sz="1050" dirty="0" smtClean="0">
+              <a:rPr lang="en-US" sz="1050" dirty="0">
                 <a:solidFill>
                   <a:schemeClr val="bg1"/>
                 </a:solidFill>
               </a:rPr>
             </a:br>
             <a:r>
-              <a:rPr lang="en-US" sz="1050" dirty="0" err="1" smtClean="0">
+              <a:rPr lang="en-US" sz="1050" dirty="0" err="1">
                 <a:solidFill>
                   <a:schemeClr val="bg1"/>
                 </a:solidFill>
@@ -13897,7 +13806,7 @@
           <a:p>
             <a:pPr algn="ctr"/>
             <a:r>
-              <a:rPr lang="en-US" sz="1050" dirty="0" err="1" smtClean="0">
+              <a:rPr lang="en-US" sz="1050" dirty="0" err="1">
                 <a:solidFill>
                   <a:schemeClr val="bg1"/>
                 </a:solidFill>
@@ -13971,7 +13880,7 @@
           <a:p>
             <a:pPr algn="ctr"/>
             <a:r>
-              <a:rPr lang="en-US" sz="1050" dirty="0" smtClean="0">
+              <a:rPr lang="en-US" sz="1050" dirty="0">
                 <a:solidFill>
                   <a:schemeClr val="bg1"/>
                 </a:solidFill>
@@ -14405,7 +14314,7 @@
           <a:p>
             <a:pPr algn="ctr"/>
             <a:r>
-              <a:rPr lang="en-US" sz="1050" b="1" dirty="0" err="1" smtClean="0">
+              <a:rPr lang="en-US" sz="1050" b="1" dirty="0" err="1">
                 <a:solidFill>
                   <a:schemeClr val="accent6">
                     <a:lumMod val="75000"/>
@@ -14414,18 +14323,8 @@
               </a:rPr>
               <a:t>XmlAddressBook</a:t>
             </a:r>
-            <a:r>
-              <a:rPr lang="en-US" sz="1050" b="1" dirty="0" smtClean="0">
-                <a:solidFill>
-                  <a:schemeClr val="accent6">
-                    <a:lumMod val="75000"/>
-                  </a:schemeClr>
-                </a:solidFill>
-              </a:rPr>
-              <a:t/>
-            </a:r>
             <a:br>
-              <a:rPr lang="en-US" sz="1050" b="1" dirty="0" smtClean="0">
+              <a:rPr lang="en-US" sz="1050" b="1" dirty="0">
                 <a:solidFill>
                   <a:schemeClr val="accent6">
                     <a:lumMod val="75000"/>
@@ -14434,7 +14333,7 @@
               </a:rPr>
             </a:br>
             <a:r>
-              <a:rPr lang="en-US" sz="1050" b="1" dirty="0" smtClean="0">
+              <a:rPr lang="en-US" sz="1050" b="1" dirty="0">
                 <a:solidFill>
                   <a:schemeClr val="accent6">
                     <a:lumMod val="75000"/>
@@ -14501,7 +14400,7 @@
           <a:p>
             <a:pPr algn="ctr"/>
             <a:r>
-              <a:rPr lang="en-US" sz="1050" dirty="0" smtClean="0">
+              <a:rPr lang="en-US" sz="1050" dirty="0">
                 <a:solidFill>
                   <a:schemeClr val="bg1"/>
                 </a:solidFill>
@@ -14509,14 +14408,14 @@
               <a:t>&lt;&lt;interface&gt;&gt;</a:t>
             </a:r>
             <a:br>
-              <a:rPr lang="en-US" sz="1050" dirty="0" smtClean="0">
+              <a:rPr lang="en-US" sz="1050" dirty="0">
                 <a:solidFill>
                   <a:schemeClr val="bg1"/>
                 </a:solidFill>
               </a:rPr>
             </a:br>
             <a:r>
-              <a:rPr lang="en-US" sz="1050" dirty="0" err="1" smtClean="0">
+              <a:rPr lang="en-US" sz="1050" dirty="0" err="1">
                 <a:solidFill>
                   <a:schemeClr val="bg1"/>
                 </a:solidFill>
@@ -14774,30 +14673,22 @@
           <a:p>
             <a:pPr algn="ctr"/>
             <a:r>
-              <a:rPr lang="en-US" sz="1050" dirty="0" err="1" smtClean="0">
+              <a:rPr lang="en-US" sz="1050" dirty="0" err="1">
                 <a:solidFill>
                   <a:schemeClr val="bg1"/>
                 </a:solidFill>
               </a:rPr>
               <a:t>JsonUserPrefs</a:t>
             </a:r>
-            <a:r>
-              <a:rPr lang="en-US" sz="1050" dirty="0" smtClean="0">
-                <a:solidFill>
-                  <a:schemeClr val="bg1"/>
-                </a:solidFill>
-              </a:rPr>
-              <a:t/>
-            </a:r>
             <a:br>
-              <a:rPr lang="en-US" sz="1050" dirty="0" smtClean="0">
+              <a:rPr lang="en-US" sz="1050" dirty="0">
                 <a:solidFill>
                   <a:schemeClr val="bg1"/>
                 </a:solidFill>
               </a:rPr>
             </a:br>
             <a:r>
-              <a:rPr lang="en-US" sz="1050" dirty="0" smtClean="0">
+              <a:rPr lang="en-US" sz="1050" dirty="0">
                 <a:solidFill>
                   <a:schemeClr val="bg1"/>
                 </a:solidFill>
@@ -14849,7 +14740,7 @@
           <a:p>
             <a:pPr algn="ctr"/>
             <a:r>
-              <a:rPr lang="en-US" sz="1050" b="1" dirty="0" err="1" smtClean="0">
+              <a:rPr lang="en-US" sz="1050" b="1" dirty="0" err="1">
                 <a:solidFill>
                   <a:schemeClr val="accent6">
                     <a:lumMod val="75000"/>
@@ -14858,18 +14749,8 @@
               </a:rPr>
               <a:t>XmlSerializable</a:t>
             </a:r>
-            <a:r>
-              <a:rPr lang="en-US" sz="1050" b="1" dirty="0" smtClean="0">
-                <a:solidFill>
-                  <a:schemeClr val="accent6">
-                    <a:lumMod val="75000"/>
-                  </a:schemeClr>
-                </a:solidFill>
-              </a:rPr>
-              <a:t/>
-            </a:r>
             <a:br>
-              <a:rPr lang="en-US" sz="1050" b="1" dirty="0" smtClean="0">
+              <a:rPr lang="en-US" sz="1050" b="1" dirty="0">
                 <a:solidFill>
                   <a:schemeClr val="accent6">
                     <a:lumMod val="75000"/>
@@ -14878,7 +14759,7 @@
               </a:rPr>
             </a:br>
             <a:r>
-              <a:rPr lang="en-US" sz="1050" b="1" dirty="0" err="1" smtClean="0">
+              <a:rPr lang="en-US" sz="1050" b="1" dirty="0" err="1">
                 <a:solidFill>
                   <a:schemeClr val="accent6">
                     <a:lumMod val="75000"/>
@@ -14975,7 +14856,7 @@
           <a:p>
             <a:pPr algn="ctr"/>
             <a:r>
-              <a:rPr lang="en-US" sz="1050" b="1" dirty="0" err="1" smtClean="0">
+              <a:rPr lang="en-US" sz="1050" b="1" dirty="0" err="1">
                 <a:solidFill>
                   <a:schemeClr val="accent6">
                     <a:lumMod val="75000"/>
@@ -15031,7 +14912,7 @@
           <a:p>
             <a:pPr algn="ctr"/>
             <a:r>
-              <a:rPr lang="en-US" sz="1050" b="1" dirty="0" err="1" smtClean="0">
+              <a:rPr lang="en-US" sz="1050" b="1" dirty="0" err="1">
                 <a:solidFill>
                   <a:schemeClr val="accent6">
                     <a:lumMod val="75000"/>
@@ -15101,13 +14982,6 @@
   <p:clrMapOvr>
     <a:masterClrMapping/>
   </p:clrMapOvr>
-  <p:timing>
-    <p:tnLst>
-      <p:par>
-        <p:cTn id="1" dur="indefinite" restart="never" nodeType="tmRoot"/>
-      </p:par>
-    </p:tnLst>
-  </p:timing>
 </p:sld>
 </file>
 
@@ -15128,6 +15002,270 @@
           <a:chExt cx="0" cy="0"/>
         </a:xfrm>
       </p:grpSpPr>
+      <p:sp>
+        <p:nvSpPr>
+          <p:cNvPr id="2" name="Rectangle 1"/>
+          <p:cNvSpPr>
+            <a:spLocks noChangeAspect="1"/>
+          </p:cNvSpPr>
+          <p:nvPr/>
+        </p:nvSpPr>
+        <p:spPr>
+          <a:xfrm>
+            <a:off x="990600" y="685800"/>
+            <a:ext cx="7315200" cy="5486400"/>
+          </a:xfrm>
+          <a:prstGeom prst="rect">
+            <a:avLst/>
+          </a:prstGeom>
+        </p:spPr>
+        <p:style>
+          <a:lnRef idx="2">
+            <a:schemeClr val="accent1">
+              <a:shade val="50000"/>
+            </a:schemeClr>
+          </a:lnRef>
+          <a:fillRef idx="1">
+            <a:schemeClr val="accent1"/>
+          </a:fillRef>
+          <a:effectRef idx="0">
+            <a:schemeClr val="accent1"/>
+          </a:effectRef>
+          <a:fontRef idx="minor">
+            <a:schemeClr val="lt1"/>
+          </a:fontRef>
+        </p:style>
+        <p:txBody>
+          <a:bodyPr rtlCol="0" anchor="ctr"/>
+          <a:lstStyle/>
+          <a:p>
+            <a:pPr algn="ctr"/>
+            <a:endParaRPr lang="en-US"/>
+          </a:p>
+        </p:txBody>
+      </p:sp>
+      <p:sp>
+        <p:nvSpPr>
+          <p:cNvPr id="3" name="Rectangle 2"/>
+          <p:cNvSpPr/>
+          <p:nvPr/>
+        </p:nvSpPr>
+        <p:spPr>
+          <a:xfrm>
+            <a:off x="1066800" y="1295399"/>
+            <a:ext cx="2362200" cy="3145193"/>
+          </a:xfrm>
+          <a:prstGeom prst="rect">
+            <a:avLst/>
+          </a:prstGeom>
+        </p:spPr>
+        <p:style>
+          <a:lnRef idx="2">
+            <a:schemeClr val="accent2">
+              <a:shade val="50000"/>
+            </a:schemeClr>
+          </a:lnRef>
+          <a:fillRef idx="1">
+            <a:schemeClr val="accent2"/>
+          </a:fillRef>
+          <a:effectRef idx="0">
+            <a:schemeClr val="accent2"/>
+          </a:effectRef>
+          <a:fontRef idx="minor">
+            <a:schemeClr val="lt1"/>
+          </a:fontRef>
+        </p:style>
+        <p:txBody>
+          <a:bodyPr rtlCol="0" anchor="ctr"/>
+          <a:lstStyle/>
+          <a:p>
+            <a:pPr algn="ctr"/>
+            <a:r>
+              <a:rPr lang="en-US" sz="3200" dirty="0"/>
+              <a:t>Task Display</a:t>
+            </a:r>
+          </a:p>
+        </p:txBody>
+      </p:sp>
+      <p:sp>
+        <p:nvSpPr>
+          <p:cNvPr id="4" name="Rectangle 3"/>
+          <p:cNvSpPr/>
+          <p:nvPr/>
+        </p:nvSpPr>
+        <p:spPr>
+          <a:xfrm>
+            <a:off x="1066800" y="5389207"/>
+            <a:ext cx="2362200" cy="685800"/>
+          </a:xfrm>
+          <a:prstGeom prst="rect">
+            <a:avLst/>
+          </a:prstGeom>
+          <a:solidFill>
+            <a:schemeClr val="tx2"/>
+          </a:solidFill>
+        </p:spPr>
+        <p:style>
+          <a:lnRef idx="2">
+            <a:schemeClr val="accent3">
+              <a:shade val="50000"/>
+            </a:schemeClr>
+          </a:lnRef>
+          <a:fillRef idx="1">
+            <a:schemeClr val="accent3"/>
+          </a:fillRef>
+          <a:effectRef idx="0">
+            <a:schemeClr val="accent3"/>
+          </a:effectRef>
+          <a:fontRef idx="minor">
+            <a:schemeClr val="lt1"/>
+          </a:fontRef>
+        </p:style>
+        <p:txBody>
+          <a:bodyPr rtlCol="0" anchor="ctr"/>
+          <a:lstStyle/>
+          <a:p>
+            <a:pPr algn="ctr"/>
+            <a:r>
+              <a:rPr lang="en-US" sz="2400" dirty="0"/>
+              <a:t># Task Completed</a:t>
+            </a:r>
+          </a:p>
+        </p:txBody>
+      </p:sp>
+      <p:sp>
+        <p:nvSpPr>
+          <p:cNvPr id="5" name="Rectangle 4"/>
+          <p:cNvSpPr/>
+          <p:nvPr/>
+        </p:nvSpPr>
+        <p:spPr>
+          <a:xfrm>
+            <a:off x="1066800" y="762000"/>
+            <a:ext cx="7162800" cy="457200"/>
+          </a:xfrm>
+          <a:prstGeom prst="rect">
+            <a:avLst/>
+          </a:prstGeom>
+        </p:spPr>
+        <p:style>
+          <a:lnRef idx="2">
+            <a:schemeClr val="accent4">
+              <a:shade val="50000"/>
+            </a:schemeClr>
+          </a:lnRef>
+          <a:fillRef idx="1">
+            <a:schemeClr val="accent4"/>
+          </a:fillRef>
+          <a:effectRef idx="0">
+            <a:schemeClr val="accent4"/>
+          </a:effectRef>
+          <a:fontRef idx="minor">
+            <a:schemeClr val="lt1"/>
+          </a:fontRef>
+        </p:style>
+        <p:txBody>
+          <a:bodyPr rtlCol="0" anchor="ctr"/>
+          <a:lstStyle/>
+          <a:p>
+            <a:pPr algn="ctr"/>
+            <a:r>
+              <a:rPr lang="en-US" sz="3200" dirty="0"/>
+              <a:t>CLI</a:t>
+            </a:r>
+            <a:endParaRPr lang="en-US" sz="2400" dirty="0"/>
+          </a:p>
+        </p:txBody>
+      </p:sp>
+      <p:sp>
+        <p:nvSpPr>
+          <p:cNvPr id="6" name="Rectangle 5"/>
+          <p:cNvSpPr/>
+          <p:nvPr/>
+        </p:nvSpPr>
+        <p:spPr>
+          <a:xfrm>
+            <a:off x="3581400" y="1295400"/>
+            <a:ext cx="4648200" cy="4800600"/>
+          </a:xfrm>
+          <a:prstGeom prst="rect">
+            <a:avLst/>
+          </a:prstGeom>
+        </p:spPr>
+        <p:style>
+          <a:lnRef idx="2">
+            <a:schemeClr val="accent5">
+              <a:shade val="50000"/>
+            </a:schemeClr>
+          </a:lnRef>
+          <a:fillRef idx="1">
+            <a:schemeClr val="accent5"/>
+          </a:fillRef>
+          <a:effectRef idx="0">
+            <a:schemeClr val="accent5"/>
+          </a:effectRef>
+          <a:fontRef idx="minor">
+            <a:schemeClr val="lt1"/>
+          </a:fontRef>
+        </p:style>
+        <p:txBody>
+          <a:bodyPr rtlCol="0" anchor="ctr"/>
+          <a:lstStyle/>
+          <a:p>
+            <a:pPr algn="ctr"/>
+            <a:r>
+              <a:rPr lang="en-US" sz="3200" dirty="0"/>
+              <a:t>Display</a:t>
+            </a:r>
+          </a:p>
+        </p:txBody>
+      </p:sp>
+      <p:sp>
+        <p:nvSpPr>
+          <p:cNvPr id="9" name="Rectangle 8"/>
+          <p:cNvSpPr/>
+          <p:nvPr/>
+        </p:nvSpPr>
+        <p:spPr>
+          <a:xfrm>
+            <a:off x="1066800" y="4572000"/>
+            <a:ext cx="2362200" cy="685800"/>
+          </a:xfrm>
+          <a:prstGeom prst="rect">
+            <a:avLst/>
+          </a:prstGeom>
+          <a:solidFill>
+            <a:schemeClr val="tx2"/>
+          </a:solidFill>
+        </p:spPr>
+        <p:style>
+          <a:lnRef idx="2">
+            <a:schemeClr val="accent3">
+              <a:shade val="50000"/>
+            </a:schemeClr>
+          </a:lnRef>
+          <a:fillRef idx="1">
+            <a:schemeClr val="accent3"/>
+          </a:fillRef>
+          <a:effectRef idx="0">
+            <a:schemeClr val="accent3"/>
+          </a:effectRef>
+          <a:fontRef idx="minor">
+            <a:schemeClr val="lt1"/>
+          </a:fontRef>
+        </p:style>
+        <p:txBody>
+          <a:bodyPr rtlCol="0" anchor="ctr"/>
+          <a:lstStyle/>
+          <a:p>
+            <a:pPr algn="ctr"/>
+            <a:r>
+              <a:rPr lang="en-US" sz="2400" dirty="0"/>
+              <a:t># Task Left</a:t>
+            </a:r>
+          </a:p>
+        </p:txBody>
+      </p:sp>
     </p:spTree>
     <p:extLst>
       <p:ext uri="{BB962C8B-B14F-4D97-AF65-F5344CB8AC3E}">

--- a/docs/diagrams/Diagrams.pptx
+++ b/docs/diagrams/Diagrams.pptx
@@ -115,6 +115,22 @@
       </a:defRPr>
     </a:lvl9pPr>
   </p:defaultTextStyle>
+  <p:extLst>
+    <p:ext uri="{EFAFB233-063F-42B5-8137-9DF3F51BA10A}">
+      <p15:sldGuideLst xmlns:p15="http://schemas.microsoft.com/office/powerpoint/2012/main">
+        <p15:guide id="1" orient="horz" pos="1488">
+          <p15:clr>
+            <a:srgbClr val="A4A3A4"/>
+          </p15:clr>
+        </p15:guide>
+        <p15:guide id="2" pos="2880">
+          <p15:clr>
+            <a:srgbClr val="A4A3A4"/>
+          </p15:clr>
+        </p15:guide>
+      </p15:sldGuideLst>
+    </p:ext>
+  </p:extLst>
 </p:presentation>
 </file>
 
@@ -3779,7 +3795,7 @@
         </p:nvSpPr>
         <p:spPr>
           <a:xfrm>
-            <a:off x="3412069" y="3124200"/>
+            <a:off x="3353826" y="3132193"/>
             <a:ext cx="1295400" cy="723791"/>
           </a:xfrm>
           <a:prstGeom prst="roundRect">
@@ -3977,9 +3993,9 @@
           <p:nvPr/>
         </p:nvCxnSpPr>
         <p:spPr>
-          <a:xfrm>
-            <a:off x="4059769" y="2743200"/>
-            <a:ext cx="0" cy="381000"/>
+          <a:xfrm flipH="1">
+            <a:off x="4001526" y="2743200"/>
+            <a:ext cx="58243" cy="388993"/>
           </a:xfrm>
           <a:prstGeom prst="straightConnector1">
             <a:avLst/>
@@ -8194,14 +8210,14 @@
           <a:p>
             <a:pPr algn="ctr"/>
             <a:r>
-              <a:rPr lang="en-US" sz="1050" b="1" dirty="0" err="1">
+              <a:rPr lang="en-US" sz="1050" b="1" dirty="0" err="1" smtClean="0">
                 <a:solidFill>
                   <a:schemeClr val="accent3">
                     <a:lumMod val="75000"/>
                   </a:schemeClr>
                 </a:solidFill>
               </a:rPr>
-              <a:t>PersonCard</a:t>
+              <a:t>TaskCard</a:t>
             </a:r>
             <a:endParaRPr lang="en-SG" sz="1050" b="1" dirty="0">
               <a:solidFill>
@@ -16129,7 +16145,7 @@
                   </a:schemeClr>
                 </a:solidFill>
               </a:rPr>
-              <a:t>XmlAddressBook</a:t>
+              <a:t>XmlLifekeeper</a:t>
             </a:r>
             <a:r>
               <a:rPr lang="en-US" sz="1050" b="1" dirty="0" smtClean="0">

--- a/docs/diagrams/Diagrams.pptx
+++ b/docs/diagrams/Diagrams.pptx
@@ -114,6 +114,22 @@
       </a:defRPr>
     </a:lvl9pPr>
   </p:defaultTextStyle>
+  <p:extLst>
+    <p:ext uri="{EFAFB233-063F-42B5-8137-9DF3F51BA10A}">
+      <p15:sldGuideLst xmlns:p15="http://schemas.microsoft.com/office/powerpoint/2012/main">
+        <p15:guide id="1" orient="horz" pos="1488">
+          <p15:clr>
+            <a:srgbClr val="A4A3A4"/>
+          </p15:clr>
+        </p15:guide>
+        <p15:guide id="2" pos="2880">
+          <p15:clr>
+            <a:srgbClr val="A4A3A4"/>
+          </p15:clr>
+        </p15:guide>
+      </p15:sldGuideLst>
+    </p:ext>
+  </p:extLst>
 </p:presentation>
 </file>
 
@@ -199,7 +215,7 @@
           <a:p>
             <a:fld id="{F5CC4B3F-88C1-4FFA-B1B6-F41C21DC6924}" type="datetimeFigureOut">
               <a:rPr lang="en-US" smtClean="0"/>
-              <a:t>9/29/2016</a:t>
+              <a:t>10/9/2016</a:t>
             </a:fld>
             <a:endParaRPr lang="en-US"/>
           </a:p>
@@ -263,38 +279,37 @@
           <a:p>
             <a:pPr lvl="0"/>
             <a:r>
-              <a:rPr lang="en-US" smtClean="0"/>
+              <a:rPr lang="en-US"/>
               <a:t>Click to edit Master text styles</a:t>
             </a:r>
           </a:p>
           <a:p>
             <a:pPr lvl="1"/>
             <a:r>
-              <a:rPr lang="en-US" smtClean="0"/>
+              <a:rPr lang="en-US"/>
               <a:t>Second level</a:t>
             </a:r>
           </a:p>
           <a:p>
             <a:pPr lvl="2"/>
             <a:r>
-              <a:rPr lang="en-US" smtClean="0"/>
+              <a:rPr lang="en-US"/>
               <a:t>Third level</a:t>
             </a:r>
           </a:p>
           <a:p>
             <a:pPr lvl="3"/>
             <a:r>
-              <a:rPr lang="en-US" smtClean="0"/>
+              <a:rPr lang="en-US"/>
               <a:t>Fourth level</a:t>
             </a:r>
           </a:p>
           <a:p>
             <a:pPr lvl="4"/>
             <a:r>
-              <a:rPr lang="en-US" smtClean="0"/>
+              <a:rPr lang="en-US"/>
               <a:t>Fifth level</a:t>
             </a:r>
-            <a:endParaRPr lang="en-US"/>
           </a:p>
         </p:txBody>
       </p:sp>
@@ -505,10 +520,9 @@
           <a:lstStyle/>
           <a:p>
             <a:r>
-              <a:rPr lang="en-US" smtClean="0"/>
+              <a:rPr lang="en-US"/>
               <a:t>Click to edit Master title style</a:t>
             </a:r>
-            <a:endParaRPr lang="en-US"/>
           </a:p>
         </p:txBody>
       </p:sp>
@@ -624,10 +638,9 @@
           </a:lstStyle>
           <a:p>
             <a:r>
-              <a:rPr lang="en-US" smtClean="0"/>
+              <a:rPr lang="en-US"/>
               <a:t>Click to edit Master subtitle style</a:t>
             </a:r>
-            <a:endParaRPr lang="en-US"/>
           </a:p>
         </p:txBody>
       </p:sp>
@@ -648,7 +661,7 @@
           <a:p>
             <a:fld id="{78C97017-6FC3-485B-9764-EAC9E56C1D49}" type="datetimeFigureOut">
               <a:rPr lang="en-US" smtClean="0"/>
-              <a:t>9/29/2016</a:t>
+              <a:t>10/9/2016</a:t>
             </a:fld>
             <a:endParaRPr lang="en-US"/>
           </a:p>
@@ -742,10 +755,9 @@
           <a:lstStyle/>
           <a:p>
             <a:r>
-              <a:rPr lang="en-US" smtClean="0"/>
+              <a:rPr lang="en-US"/>
               <a:t>Click to edit Master title style</a:t>
             </a:r>
-            <a:endParaRPr lang="en-US"/>
           </a:p>
         </p:txBody>
       </p:sp>
@@ -766,38 +778,37 @@
           <a:p>
             <a:pPr lvl="0"/>
             <a:r>
-              <a:rPr lang="en-US" smtClean="0"/>
+              <a:rPr lang="en-US"/>
               <a:t>Click to edit Master text styles</a:t>
             </a:r>
           </a:p>
           <a:p>
             <a:pPr lvl="1"/>
             <a:r>
-              <a:rPr lang="en-US" smtClean="0"/>
+              <a:rPr lang="en-US"/>
               <a:t>Second level</a:t>
             </a:r>
           </a:p>
           <a:p>
             <a:pPr lvl="2"/>
             <a:r>
-              <a:rPr lang="en-US" smtClean="0"/>
+              <a:rPr lang="en-US"/>
               <a:t>Third level</a:t>
             </a:r>
           </a:p>
           <a:p>
             <a:pPr lvl="3"/>
             <a:r>
-              <a:rPr lang="en-US" smtClean="0"/>
+              <a:rPr lang="en-US"/>
               <a:t>Fourth level</a:t>
             </a:r>
           </a:p>
           <a:p>
             <a:pPr lvl="4"/>
             <a:r>
-              <a:rPr lang="en-US" smtClean="0"/>
+              <a:rPr lang="en-US"/>
               <a:t>Fifth level</a:t>
             </a:r>
-            <a:endParaRPr lang="en-US"/>
           </a:p>
         </p:txBody>
       </p:sp>
@@ -818,7 +829,7 @@
           <a:p>
             <a:fld id="{78C97017-6FC3-485B-9764-EAC9E56C1D49}" type="datetimeFigureOut">
               <a:rPr lang="en-US" smtClean="0"/>
-              <a:t>9/29/2016</a:t>
+              <a:t>10/9/2016</a:t>
             </a:fld>
             <a:endParaRPr lang="en-US"/>
           </a:p>
@@ -917,10 +928,9 @@
           <a:lstStyle/>
           <a:p>
             <a:r>
-              <a:rPr lang="en-US" smtClean="0"/>
+              <a:rPr lang="en-US"/>
               <a:t>Click to edit Master title style</a:t>
             </a:r>
-            <a:endParaRPr lang="en-US"/>
           </a:p>
         </p:txBody>
       </p:sp>
@@ -946,38 +956,37 @@
           <a:p>
             <a:pPr lvl="0"/>
             <a:r>
-              <a:rPr lang="en-US" smtClean="0"/>
+              <a:rPr lang="en-US"/>
               <a:t>Click to edit Master text styles</a:t>
             </a:r>
           </a:p>
           <a:p>
             <a:pPr lvl="1"/>
             <a:r>
-              <a:rPr lang="en-US" smtClean="0"/>
+              <a:rPr lang="en-US"/>
               <a:t>Second level</a:t>
             </a:r>
           </a:p>
           <a:p>
             <a:pPr lvl="2"/>
             <a:r>
-              <a:rPr lang="en-US" smtClean="0"/>
+              <a:rPr lang="en-US"/>
               <a:t>Third level</a:t>
             </a:r>
           </a:p>
           <a:p>
             <a:pPr lvl="3"/>
             <a:r>
-              <a:rPr lang="en-US" smtClean="0"/>
+              <a:rPr lang="en-US"/>
               <a:t>Fourth level</a:t>
             </a:r>
           </a:p>
           <a:p>
             <a:pPr lvl="4"/>
             <a:r>
-              <a:rPr lang="en-US" smtClean="0"/>
+              <a:rPr lang="en-US"/>
               <a:t>Fifth level</a:t>
             </a:r>
-            <a:endParaRPr lang="en-US"/>
           </a:p>
         </p:txBody>
       </p:sp>
@@ -998,7 +1007,7 @@
           <a:p>
             <a:fld id="{78C97017-6FC3-485B-9764-EAC9E56C1D49}" type="datetimeFigureOut">
               <a:rPr lang="en-US" smtClean="0"/>
-              <a:t>9/29/2016</a:t>
+              <a:t>10/9/2016</a:t>
             </a:fld>
             <a:endParaRPr lang="en-US"/>
           </a:p>
@@ -1092,10 +1101,9 @@
           <a:lstStyle/>
           <a:p>
             <a:r>
-              <a:rPr lang="en-US" smtClean="0"/>
+              <a:rPr lang="en-US"/>
               <a:t>Click to edit Master title style</a:t>
             </a:r>
-            <a:endParaRPr lang="en-US"/>
           </a:p>
         </p:txBody>
       </p:sp>
@@ -1116,38 +1124,37 @@
           <a:p>
             <a:pPr lvl="0"/>
             <a:r>
-              <a:rPr lang="en-US" smtClean="0"/>
+              <a:rPr lang="en-US"/>
               <a:t>Click to edit Master text styles</a:t>
             </a:r>
           </a:p>
           <a:p>
             <a:pPr lvl="1"/>
             <a:r>
-              <a:rPr lang="en-US" smtClean="0"/>
+              <a:rPr lang="en-US"/>
               <a:t>Second level</a:t>
             </a:r>
           </a:p>
           <a:p>
             <a:pPr lvl="2"/>
             <a:r>
-              <a:rPr lang="en-US" smtClean="0"/>
+              <a:rPr lang="en-US"/>
               <a:t>Third level</a:t>
             </a:r>
           </a:p>
           <a:p>
             <a:pPr lvl="3"/>
             <a:r>
-              <a:rPr lang="en-US" smtClean="0"/>
+              <a:rPr lang="en-US"/>
               <a:t>Fourth level</a:t>
             </a:r>
           </a:p>
           <a:p>
             <a:pPr lvl="4"/>
             <a:r>
-              <a:rPr lang="en-US" smtClean="0"/>
+              <a:rPr lang="en-US"/>
               <a:t>Fifth level</a:t>
             </a:r>
-            <a:endParaRPr lang="en-US"/>
           </a:p>
         </p:txBody>
       </p:sp>
@@ -1168,7 +1175,7 @@
           <a:p>
             <a:fld id="{78C97017-6FC3-485B-9764-EAC9E56C1D49}" type="datetimeFigureOut">
               <a:rPr lang="en-US" smtClean="0"/>
-              <a:t>9/29/2016</a:t>
+              <a:t>10/9/2016</a:t>
             </a:fld>
             <a:endParaRPr lang="en-US"/>
           </a:p>
@@ -1271,10 +1278,9 @@
           </a:lstStyle>
           <a:p>
             <a:r>
-              <a:rPr lang="en-US" smtClean="0"/>
+              <a:rPr lang="en-US"/>
               <a:t>Click to edit Master title style</a:t>
             </a:r>
-            <a:endParaRPr lang="en-US"/>
           </a:p>
         </p:txBody>
       </p:sp>
@@ -1391,7 +1397,7 @@
           <a:p>
             <a:pPr lvl="0"/>
             <a:r>
-              <a:rPr lang="en-US" smtClean="0"/>
+              <a:rPr lang="en-US"/>
               <a:t>Click to edit Master text styles</a:t>
             </a:r>
           </a:p>
@@ -1414,7 +1420,7 @@
           <a:p>
             <a:fld id="{78C97017-6FC3-485B-9764-EAC9E56C1D49}" type="datetimeFigureOut">
               <a:rPr lang="en-US" smtClean="0"/>
-              <a:t>9/29/2016</a:t>
+              <a:t>10/9/2016</a:t>
             </a:fld>
             <a:endParaRPr lang="en-US"/>
           </a:p>
@@ -1508,10 +1514,9 @@
           <a:lstStyle/>
           <a:p>
             <a:r>
-              <a:rPr lang="en-US" smtClean="0"/>
+              <a:rPr lang="en-US"/>
               <a:t>Click to edit Master title style</a:t>
             </a:r>
-            <a:endParaRPr lang="en-US"/>
           </a:p>
         </p:txBody>
       </p:sp>
@@ -1565,38 +1570,37 @@
           <a:p>
             <a:pPr lvl="0"/>
             <a:r>
-              <a:rPr lang="en-US" smtClean="0"/>
+              <a:rPr lang="en-US"/>
               <a:t>Click to edit Master text styles</a:t>
             </a:r>
           </a:p>
           <a:p>
             <a:pPr lvl="1"/>
             <a:r>
-              <a:rPr lang="en-US" smtClean="0"/>
+              <a:rPr lang="en-US"/>
               <a:t>Second level</a:t>
             </a:r>
           </a:p>
           <a:p>
             <a:pPr lvl="2"/>
             <a:r>
-              <a:rPr lang="en-US" smtClean="0"/>
+              <a:rPr lang="en-US"/>
               <a:t>Third level</a:t>
             </a:r>
           </a:p>
           <a:p>
             <a:pPr lvl="3"/>
             <a:r>
-              <a:rPr lang="en-US" smtClean="0"/>
+              <a:rPr lang="en-US"/>
               <a:t>Fourth level</a:t>
             </a:r>
           </a:p>
           <a:p>
             <a:pPr lvl="4"/>
             <a:r>
-              <a:rPr lang="en-US" smtClean="0"/>
+              <a:rPr lang="en-US"/>
               <a:t>Fifth level</a:t>
             </a:r>
-            <a:endParaRPr lang="en-US"/>
           </a:p>
         </p:txBody>
       </p:sp>
@@ -1650,38 +1654,37 @@
           <a:p>
             <a:pPr lvl="0"/>
             <a:r>
-              <a:rPr lang="en-US" smtClean="0"/>
+              <a:rPr lang="en-US"/>
               <a:t>Click to edit Master text styles</a:t>
             </a:r>
           </a:p>
           <a:p>
             <a:pPr lvl="1"/>
             <a:r>
-              <a:rPr lang="en-US" smtClean="0"/>
+              <a:rPr lang="en-US"/>
               <a:t>Second level</a:t>
             </a:r>
           </a:p>
           <a:p>
             <a:pPr lvl="2"/>
             <a:r>
-              <a:rPr lang="en-US" smtClean="0"/>
+              <a:rPr lang="en-US"/>
               <a:t>Third level</a:t>
             </a:r>
           </a:p>
           <a:p>
             <a:pPr lvl="3"/>
             <a:r>
-              <a:rPr lang="en-US" smtClean="0"/>
+              <a:rPr lang="en-US"/>
               <a:t>Fourth level</a:t>
             </a:r>
           </a:p>
           <a:p>
             <a:pPr lvl="4"/>
             <a:r>
-              <a:rPr lang="en-US" smtClean="0"/>
+              <a:rPr lang="en-US"/>
               <a:t>Fifth level</a:t>
             </a:r>
-            <a:endParaRPr lang="en-US"/>
           </a:p>
         </p:txBody>
       </p:sp>
@@ -1702,7 +1705,7 @@
           <a:p>
             <a:fld id="{78C97017-6FC3-485B-9764-EAC9E56C1D49}" type="datetimeFigureOut">
               <a:rPr lang="en-US" smtClean="0"/>
-              <a:t>9/29/2016</a:t>
+              <a:t>10/9/2016</a:t>
             </a:fld>
             <a:endParaRPr lang="en-US"/>
           </a:p>
@@ -1800,10 +1803,9 @@
           </a:lstStyle>
           <a:p>
             <a:r>
-              <a:rPr lang="en-US" smtClean="0"/>
+              <a:rPr lang="en-US"/>
               <a:t>Click to edit Master title style</a:t>
             </a:r>
-            <a:endParaRPr lang="en-US"/>
           </a:p>
         </p:txBody>
       </p:sp>
@@ -1866,7 +1868,7 @@
           <a:p>
             <a:pPr lvl="0"/>
             <a:r>
-              <a:rPr lang="en-US" smtClean="0"/>
+              <a:rPr lang="en-US"/>
               <a:t>Click to edit Master text styles</a:t>
             </a:r>
           </a:p>
@@ -1922,38 +1924,37 @@
           <a:p>
             <a:pPr lvl="0"/>
             <a:r>
-              <a:rPr lang="en-US" smtClean="0"/>
+              <a:rPr lang="en-US"/>
               <a:t>Click to edit Master text styles</a:t>
             </a:r>
           </a:p>
           <a:p>
             <a:pPr lvl="1"/>
             <a:r>
-              <a:rPr lang="en-US" smtClean="0"/>
+              <a:rPr lang="en-US"/>
               <a:t>Second level</a:t>
             </a:r>
           </a:p>
           <a:p>
             <a:pPr lvl="2"/>
             <a:r>
-              <a:rPr lang="en-US" smtClean="0"/>
+              <a:rPr lang="en-US"/>
               <a:t>Third level</a:t>
             </a:r>
           </a:p>
           <a:p>
             <a:pPr lvl="3"/>
             <a:r>
-              <a:rPr lang="en-US" smtClean="0"/>
+              <a:rPr lang="en-US"/>
               <a:t>Fourth level</a:t>
             </a:r>
           </a:p>
           <a:p>
             <a:pPr lvl="4"/>
             <a:r>
-              <a:rPr lang="en-US" smtClean="0"/>
+              <a:rPr lang="en-US"/>
               <a:t>Fifth level</a:t>
             </a:r>
-            <a:endParaRPr lang="en-US"/>
           </a:p>
         </p:txBody>
       </p:sp>
@@ -2016,7 +2017,7 @@
           <a:p>
             <a:pPr lvl="0"/>
             <a:r>
-              <a:rPr lang="en-US" smtClean="0"/>
+              <a:rPr lang="en-US"/>
               <a:t>Click to edit Master text styles</a:t>
             </a:r>
           </a:p>
@@ -2072,38 +2073,37 @@
           <a:p>
             <a:pPr lvl="0"/>
             <a:r>
-              <a:rPr lang="en-US" smtClean="0"/>
+              <a:rPr lang="en-US"/>
               <a:t>Click to edit Master text styles</a:t>
             </a:r>
           </a:p>
           <a:p>
             <a:pPr lvl="1"/>
             <a:r>
-              <a:rPr lang="en-US" smtClean="0"/>
+              <a:rPr lang="en-US"/>
               <a:t>Second level</a:t>
             </a:r>
           </a:p>
           <a:p>
             <a:pPr lvl="2"/>
             <a:r>
-              <a:rPr lang="en-US" smtClean="0"/>
+              <a:rPr lang="en-US"/>
               <a:t>Third level</a:t>
             </a:r>
           </a:p>
           <a:p>
             <a:pPr lvl="3"/>
             <a:r>
-              <a:rPr lang="en-US" smtClean="0"/>
+              <a:rPr lang="en-US"/>
               <a:t>Fourth level</a:t>
             </a:r>
           </a:p>
           <a:p>
             <a:pPr lvl="4"/>
             <a:r>
-              <a:rPr lang="en-US" smtClean="0"/>
+              <a:rPr lang="en-US"/>
               <a:t>Fifth level</a:t>
             </a:r>
-            <a:endParaRPr lang="en-US"/>
           </a:p>
         </p:txBody>
       </p:sp>
@@ -2124,7 +2124,7 @@
           <a:p>
             <a:fld id="{78C97017-6FC3-485B-9764-EAC9E56C1D49}" type="datetimeFigureOut">
               <a:rPr lang="en-US" smtClean="0"/>
-              <a:t>9/29/2016</a:t>
+              <a:t>10/9/2016</a:t>
             </a:fld>
             <a:endParaRPr lang="en-US"/>
           </a:p>
@@ -2218,10 +2218,9 @@
           <a:lstStyle/>
           <a:p>
             <a:r>
-              <a:rPr lang="en-US" smtClean="0"/>
+              <a:rPr lang="en-US"/>
               <a:t>Click to edit Master title style</a:t>
             </a:r>
-            <a:endParaRPr lang="en-US"/>
           </a:p>
         </p:txBody>
       </p:sp>
@@ -2242,7 +2241,7 @@
           <a:p>
             <a:fld id="{78C97017-6FC3-485B-9764-EAC9E56C1D49}" type="datetimeFigureOut">
               <a:rPr lang="en-US" smtClean="0"/>
-              <a:t>9/29/2016</a:t>
+              <a:t>10/9/2016</a:t>
             </a:fld>
             <a:endParaRPr lang="en-US"/>
           </a:p>
@@ -2337,7 +2336,7 @@
           <a:p>
             <a:fld id="{78C97017-6FC3-485B-9764-EAC9E56C1D49}" type="datetimeFigureOut">
               <a:rPr lang="en-US" smtClean="0"/>
-              <a:t>9/29/2016</a:t>
+              <a:t>10/9/2016</a:t>
             </a:fld>
             <a:endParaRPr lang="en-US"/>
           </a:p>
@@ -2440,10 +2439,9 @@
           </a:lstStyle>
           <a:p>
             <a:r>
-              <a:rPr lang="en-US" smtClean="0"/>
+              <a:rPr lang="en-US"/>
               <a:t>Click to edit Master title style</a:t>
             </a:r>
-            <a:endParaRPr lang="en-US"/>
           </a:p>
         </p:txBody>
       </p:sp>
@@ -2497,38 +2495,37 @@
           <a:p>
             <a:pPr lvl="0"/>
             <a:r>
-              <a:rPr lang="en-US" smtClean="0"/>
+              <a:rPr lang="en-US"/>
               <a:t>Click to edit Master text styles</a:t>
             </a:r>
           </a:p>
           <a:p>
             <a:pPr lvl="1"/>
             <a:r>
-              <a:rPr lang="en-US" smtClean="0"/>
+              <a:rPr lang="en-US"/>
               <a:t>Second level</a:t>
             </a:r>
           </a:p>
           <a:p>
             <a:pPr lvl="2"/>
             <a:r>
-              <a:rPr lang="en-US" smtClean="0"/>
+              <a:rPr lang="en-US"/>
               <a:t>Third level</a:t>
             </a:r>
           </a:p>
           <a:p>
             <a:pPr lvl="3"/>
             <a:r>
-              <a:rPr lang="en-US" smtClean="0"/>
+              <a:rPr lang="en-US"/>
               <a:t>Fourth level</a:t>
             </a:r>
           </a:p>
           <a:p>
             <a:pPr lvl="4"/>
             <a:r>
-              <a:rPr lang="en-US" smtClean="0"/>
+              <a:rPr lang="en-US"/>
               <a:t>Fifth level</a:t>
             </a:r>
-            <a:endParaRPr lang="en-US"/>
           </a:p>
         </p:txBody>
       </p:sp>
@@ -2591,7 +2588,7 @@
           <a:p>
             <a:pPr lvl="0"/>
             <a:r>
-              <a:rPr lang="en-US" smtClean="0"/>
+              <a:rPr lang="en-US"/>
               <a:t>Click to edit Master text styles</a:t>
             </a:r>
           </a:p>
@@ -2614,7 +2611,7 @@
           <a:p>
             <a:fld id="{78C97017-6FC3-485B-9764-EAC9E56C1D49}" type="datetimeFigureOut">
               <a:rPr lang="en-US" smtClean="0"/>
-              <a:t>9/29/2016</a:t>
+              <a:t>10/9/2016</a:t>
             </a:fld>
             <a:endParaRPr lang="en-US"/>
           </a:p>
@@ -2717,10 +2714,9 @@
           </a:lstStyle>
           <a:p>
             <a:r>
-              <a:rPr lang="en-US" smtClean="0"/>
+              <a:rPr lang="en-US"/>
               <a:t>Click to edit Master title style</a:t>
             </a:r>
-            <a:endParaRPr lang="en-US"/>
           </a:p>
         </p:txBody>
       </p:sp>
@@ -2844,7 +2840,7 @@
           <a:p>
             <a:pPr lvl="0"/>
             <a:r>
-              <a:rPr lang="en-US" smtClean="0"/>
+              <a:rPr lang="en-US"/>
               <a:t>Click to edit Master text styles</a:t>
             </a:r>
           </a:p>
@@ -2867,7 +2863,7 @@
           <a:p>
             <a:fld id="{78C97017-6FC3-485B-9764-EAC9E56C1D49}" type="datetimeFigureOut">
               <a:rPr lang="en-US" smtClean="0"/>
-              <a:t>9/29/2016</a:t>
+              <a:t>10/9/2016</a:t>
             </a:fld>
             <a:endParaRPr lang="en-US"/>
           </a:p>
@@ -2976,10 +2972,9 @@
           <a:lstStyle/>
           <a:p>
             <a:r>
-              <a:rPr lang="en-US" smtClean="0"/>
+              <a:rPr lang="en-US"/>
               <a:t>Click to edit Master title style</a:t>
             </a:r>
-            <a:endParaRPr lang="en-US"/>
           </a:p>
         </p:txBody>
       </p:sp>
@@ -3010,38 +3005,37 @@
           <a:p>
             <a:pPr lvl="0"/>
             <a:r>
-              <a:rPr lang="en-US" smtClean="0"/>
+              <a:rPr lang="en-US"/>
               <a:t>Click to edit Master text styles</a:t>
             </a:r>
           </a:p>
           <a:p>
             <a:pPr lvl="1"/>
             <a:r>
-              <a:rPr lang="en-US" smtClean="0"/>
+              <a:rPr lang="en-US"/>
               <a:t>Second level</a:t>
             </a:r>
           </a:p>
           <a:p>
             <a:pPr lvl="2"/>
             <a:r>
-              <a:rPr lang="en-US" smtClean="0"/>
+              <a:rPr lang="en-US"/>
               <a:t>Third level</a:t>
             </a:r>
           </a:p>
           <a:p>
             <a:pPr lvl="3"/>
             <a:r>
-              <a:rPr lang="en-US" smtClean="0"/>
+              <a:rPr lang="en-US"/>
               <a:t>Fourth level</a:t>
             </a:r>
           </a:p>
           <a:p>
             <a:pPr lvl="4"/>
             <a:r>
-              <a:rPr lang="en-US" smtClean="0"/>
+              <a:rPr lang="en-US"/>
               <a:t>Fifth level</a:t>
             </a:r>
-            <a:endParaRPr lang="en-US"/>
           </a:p>
         </p:txBody>
       </p:sp>
@@ -3080,7 +3074,7 @@
           <a:p>
             <a:fld id="{78C97017-6FC3-485B-9764-EAC9E56C1D49}" type="datetimeFigureOut">
               <a:rPr lang="en-US" smtClean="0"/>
-              <a:t>9/29/2016</a:t>
+              <a:t>10/9/2016</a:t>
             </a:fld>
             <a:endParaRPr lang="en-US"/>
           </a:p>
@@ -3471,14 +3465,9 @@
           <a:lstStyle/>
           <a:p>
             <a:r>
-              <a:rPr lang="en-US" dirty="0" err="1" smtClean="0"/>
-              <a:t>AddressBook</a:t>
+              <a:rPr lang="en-US" dirty="0"/>
+              <a:t>TARS – Task And Remember Stuff</a:t>
             </a:r>
-            <a:r>
-              <a:rPr lang="en-US" dirty="0" smtClean="0"/>
-              <a:t> – Level 4</a:t>
-            </a:r>
-            <a:endParaRPr lang="en-US" dirty="0"/>
           </a:p>
         </p:txBody>
       </p:sp>
@@ -3498,10 +3487,9 @@
           <a:lstStyle/>
           <a:p>
             <a:r>
-              <a:rPr lang="en-US" dirty="0" smtClean="0"/>
+              <a:rPr lang="en-US" dirty="0"/>
               <a:t>Diagrams</a:t>
             </a:r>
-            <a:endParaRPr lang="en-US" dirty="0"/>
           </a:p>
         </p:txBody>
       </p:sp>
@@ -3633,7 +3621,7 @@
           <a:p>
             <a:pPr algn="ctr"/>
             <a:r>
-              <a:rPr lang="en-US" sz="1600" dirty="0" smtClean="0">
+              <a:rPr lang="en-US" sz="1600" dirty="0">
                 <a:solidFill>
                   <a:schemeClr val="bg1"/>
                 </a:solidFill>
@@ -3692,7 +3680,7 @@
           <a:p>
             <a:pPr algn="ctr"/>
             <a:r>
-              <a:rPr lang="en-US" sz="1600" dirty="0" smtClean="0">
+              <a:rPr lang="en-US" sz="1600" dirty="0">
                 <a:solidFill>
                   <a:schemeClr val="bg1"/>
                 </a:solidFill>
@@ -3755,7 +3743,7 @@
           <a:p>
             <a:pPr algn="ctr"/>
             <a:r>
-              <a:rPr lang="en-US" sz="1600" dirty="0" smtClean="0">
+              <a:rPr lang="en-US" sz="1600" dirty="0">
                 <a:solidFill>
                   <a:schemeClr val="bg1"/>
                 </a:solidFill>
@@ -3814,7 +3802,7 @@
           <a:p>
             <a:pPr algn="ctr"/>
             <a:r>
-              <a:rPr lang="en-US" sz="1600" dirty="0" smtClean="0">
+              <a:rPr lang="en-US" sz="1600" dirty="0">
                 <a:solidFill>
                   <a:schemeClr val="bg1"/>
                 </a:solidFill>
@@ -4400,7 +4388,7 @@
           <a:p>
             <a:pPr algn="ctr"/>
             <a:r>
-              <a:rPr lang="en-US" sz="1600" dirty="0" smtClean="0">
+              <a:rPr lang="en-US" sz="1600" dirty="0">
                 <a:solidFill>
                   <a:schemeClr val="bg1"/>
                 </a:solidFill>
@@ -4751,7 +4739,7 @@
           <a:p>
             <a:pPr algn="ctr"/>
             <a:r>
-              <a:rPr lang="en-US" sz="1600" dirty="0" smtClean="0">
+              <a:rPr lang="en-US" sz="1600" dirty="0">
                 <a:solidFill>
                   <a:schemeClr val="bg1"/>
                 </a:solidFill>
@@ -4759,25 +4747,20 @@
               <a:t>Logs</a:t>
             </a:r>
             <a:br>
-              <a:rPr lang="en-US" sz="1600" dirty="0" smtClean="0">
+              <a:rPr lang="en-US" sz="1600" dirty="0">
                 <a:solidFill>
                   <a:schemeClr val="bg1"/>
                 </a:solidFill>
               </a:rPr>
             </a:br>
             <a:r>
-              <a:rPr lang="en-US" sz="1600" dirty="0" smtClean="0">
+              <a:rPr lang="en-US" sz="1600" dirty="0">
                 <a:solidFill>
                   <a:schemeClr val="bg1"/>
                 </a:solidFill>
               </a:rPr>
               <a:t>Center</a:t>
             </a:r>
-            <a:endParaRPr lang="en-US" sz="1600" dirty="0">
-              <a:solidFill>
-                <a:schemeClr val="bg1"/>
-              </a:solidFill>
-            </a:endParaRPr>
           </a:p>
         </p:txBody>
       </p:sp>
@@ -4934,7 +4917,7 @@
           <a:p>
             <a:pPr algn="ctr"/>
             <a:r>
-              <a:rPr lang="en-US" sz="1600" dirty="0" smtClean="0">
+              <a:rPr lang="en-US" sz="1600" dirty="0">
                 <a:solidFill>
                   <a:schemeClr val="bg1"/>
                 </a:solidFill>
@@ -5298,7 +5281,7 @@
           <a:p>
             <a:pPr algn="ctr"/>
             <a:r>
-              <a:rPr lang="en-US" sz="1600" dirty="0" smtClean="0">
+              <a:rPr lang="en-US" sz="1600" dirty="0">
                 <a:solidFill>
                   <a:schemeClr val="bg1"/>
                 </a:solidFill>
@@ -5445,7 +5428,7 @@
           <a:p>
             <a:pPr algn="ctr"/>
             <a:r>
-              <a:rPr lang="en-US" sz="1600" dirty="0" smtClean="0">
+              <a:rPr lang="en-US" sz="1600" dirty="0">
                 <a:solidFill>
                   <a:schemeClr val="bg1"/>
                 </a:solidFill>
@@ -5607,10 +5590,9 @@
           <a:lstStyle/>
           <a:p>
             <a:r>
-              <a:rPr lang="en-US" sz="1400" dirty="0" smtClean="0"/>
+              <a:rPr lang="en-US" sz="1400" dirty="0"/>
               <a:t>delete 1</a:t>
             </a:r>
-            <a:endParaRPr lang="en-US" sz="1400" dirty="0"/>
           </a:p>
         </p:txBody>
       </p:sp>
@@ -5673,18 +5655,13 @@
           <a:lstStyle/>
           <a:p>
             <a:r>
-              <a:rPr lang="en-US" sz="1400" dirty="0" smtClean="0">
+              <a:rPr lang="en-US" sz="1400" dirty="0">
                 <a:solidFill>
                   <a:srgbClr val="0070C0"/>
                 </a:solidFill>
               </a:rPr>
               <a:t>execute(“delete 1”)</a:t>
             </a:r>
-            <a:endParaRPr lang="en-US" sz="1400" dirty="0">
-              <a:solidFill>
-                <a:srgbClr val="0070C0"/>
-              </a:solidFill>
-            </a:endParaRPr>
           </a:p>
         </p:txBody>
       </p:sp>
@@ -5747,26 +5724,21 @@
           <a:lstStyle/>
           <a:p>
             <a:r>
-              <a:rPr lang="en-US" sz="1400" dirty="0" err="1" smtClean="0">
+              <a:rPr lang="en-US" sz="1400" dirty="0" err="1">
                 <a:solidFill>
                   <a:srgbClr val="7030A0"/>
                 </a:solidFill>
               </a:rPr>
-              <a:t>deletePerson</a:t>
+              <a:t>deleteTask</a:t>
             </a:r>
             <a:r>
-              <a:rPr lang="en-US" sz="1400" dirty="0" smtClean="0">
+              <a:rPr lang="en-US" sz="1400" dirty="0">
                 <a:solidFill>
                   <a:srgbClr val="7030A0"/>
                 </a:solidFill>
               </a:rPr>
-              <a:t>(p)</a:t>
+              <a:t>(t)</a:t>
             </a:r>
-            <a:endParaRPr lang="en-US" sz="1400" dirty="0">
-              <a:solidFill>
-                <a:srgbClr val="7030A0"/>
-              </a:solidFill>
-            </a:endParaRPr>
           </a:p>
         </p:txBody>
       </p:sp>
@@ -5793,7 +5765,7 @@
           <a:lstStyle/>
           <a:p>
             <a:r>
-              <a:rPr lang="en-US" sz="1400" dirty="0" smtClean="0">
+              <a:rPr lang="en-US" sz="1400" dirty="0">
                 <a:solidFill>
                   <a:schemeClr val="accent5">
                     <a:lumMod val="75000"/>
@@ -5803,17 +5775,17 @@
               <a:t>post(</a:t>
             </a:r>
             <a:r>
-              <a:rPr lang="en-US" sz="1400" dirty="0" err="1" smtClean="0">
+              <a:rPr lang="en-US" sz="1400" dirty="0" err="1">
                 <a:solidFill>
                   <a:schemeClr val="accent5">
                     <a:lumMod val="75000"/>
                   </a:schemeClr>
                 </a:solidFill>
               </a:rPr>
-              <a:t>AddressBookChangedEvent</a:t>
+              <a:t>TarsChangedEvent</a:t>
             </a:r>
             <a:r>
-              <a:rPr lang="en-US" sz="1400" dirty="0" smtClean="0">
+              <a:rPr lang="en-US" sz="1400" dirty="0">
                 <a:solidFill>
                   <a:schemeClr val="accent5">
                     <a:lumMod val="75000"/>
@@ -5822,13 +5794,6 @@
               </a:rPr>
               <a:t>)</a:t>
             </a:r>
-            <a:endParaRPr lang="en-US" sz="1400" dirty="0">
-              <a:solidFill>
-                <a:schemeClr val="accent5">
-                  <a:lumMod val="75000"/>
-                </a:schemeClr>
-              </a:solidFill>
-            </a:endParaRPr>
           </a:p>
         </p:txBody>
       </p:sp>
@@ -5994,7 +5959,7 @@
           <a:p>
             <a:pPr algn="ctr"/>
             <a:r>
-              <a:rPr lang="en-US" sz="1600" dirty="0" smtClean="0">
+              <a:rPr lang="en-US" sz="1600" dirty="0">
                 <a:solidFill>
                   <a:schemeClr val="bg1"/>
                 </a:solidFill>
@@ -6002,7 +5967,7 @@
               <a:t>:</a:t>
             </a:r>
             <a:r>
-              <a:rPr lang="en-US" sz="1600" dirty="0" err="1" smtClean="0">
+              <a:rPr lang="en-US" sz="1600" dirty="0" err="1">
                 <a:solidFill>
                   <a:schemeClr val="bg1"/>
                 </a:solidFill>
@@ -6235,7 +6200,7 @@
           <a:p>
             <a:pPr algn="ctr"/>
             <a:r>
-              <a:rPr lang="en-US" sz="1600" dirty="0" smtClean="0">
+              <a:rPr lang="en-US" sz="1600" dirty="0">
                 <a:solidFill>
                   <a:schemeClr val="bg1"/>
                 </a:solidFill>
@@ -6367,7 +6332,7 @@
           <a:lstStyle/>
           <a:p>
             <a:r>
-              <a:rPr lang="en-US" sz="1400" dirty="0" smtClean="0">
+              <a:rPr lang="en-US" sz="1400" dirty="0">
                 <a:solidFill>
                   <a:schemeClr val="accent5">
                     <a:lumMod val="75000"/>
@@ -6377,17 +6342,17 @@
               <a:t>post(</a:t>
             </a:r>
             <a:r>
-              <a:rPr lang="en-US" sz="1400" dirty="0" err="1" smtClean="0">
+              <a:rPr lang="en-US" sz="1400" dirty="0" err="1">
                 <a:solidFill>
                   <a:schemeClr val="accent5">
                     <a:lumMod val="75000"/>
                   </a:schemeClr>
                 </a:solidFill>
               </a:rPr>
-              <a:t>AddressBookChangedEvent</a:t>
+              <a:t>TarsChangedEvent</a:t>
             </a:r>
             <a:r>
-              <a:rPr lang="en-US" sz="1400" dirty="0" smtClean="0">
+              <a:rPr lang="en-US" sz="1400" dirty="0">
                 <a:solidFill>
                   <a:schemeClr val="accent5">
                     <a:lumMod val="75000"/>
@@ -6396,13 +6361,6 @@
               </a:rPr>
               <a:t>)</a:t>
             </a:r>
-            <a:endParaRPr lang="en-US" sz="1400" dirty="0">
-              <a:solidFill>
-                <a:schemeClr val="accent5">
-                  <a:lumMod val="75000"/>
-                </a:schemeClr>
-              </a:solidFill>
-            </a:endParaRPr>
           </a:p>
         </p:txBody>
       </p:sp>
@@ -6494,7 +6452,7 @@
           <a:p>
             <a:pPr algn="ctr"/>
             <a:r>
-              <a:rPr lang="en-US" sz="1600" dirty="0" smtClean="0">
+              <a:rPr lang="en-US" sz="1600" dirty="0">
                 <a:solidFill>
                   <a:schemeClr val="bg1"/>
                 </a:solidFill>
@@ -6502,7 +6460,7 @@
               <a:t>:</a:t>
             </a:r>
             <a:r>
-              <a:rPr lang="en-US" sz="1600" dirty="0" err="1" smtClean="0">
+              <a:rPr lang="en-US" sz="1600" dirty="0" err="1">
                 <a:solidFill>
                   <a:schemeClr val="bg1"/>
                 </a:solidFill>
@@ -6749,17 +6707,17 @@
           <a:lstStyle/>
           <a:p>
             <a:r>
-              <a:rPr lang="en-US" sz="1400" dirty="0" err="1" smtClean="0">
+              <a:rPr lang="en-US" sz="1400" dirty="0" err="1">
                 <a:solidFill>
                   <a:schemeClr val="accent6">
                     <a:lumMod val="75000"/>
                   </a:schemeClr>
                 </a:solidFill>
               </a:rPr>
-              <a:t>handleAddresssBookChangedEvent</a:t>
+              <a:t>handleTarsChangedEvent</a:t>
             </a:r>
             <a:r>
-              <a:rPr lang="en-US" sz="1400" dirty="0" smtClean="0">
+              <a:rPr lang="en-US" sz="1400" dirty="0">
                 <a:solidFill>
                   <a:schemeClr val="accent6">
                     <a:lumMod val="75000"/>
@@ -6768,13 +6726,6 @@
               </a:rPr>
               <a:t>()</a:t>
             </a:r>
-            <a:endParaRPr lang="en-US" sz="1400" dirty="0">
-              <a:solidFill>
-                <a:schemeClr val="accent6">
-                  <a:lumMod val="75000"/>
-                </a:schemeClr>
-              </a:solidFill>
-            </a:endParaRPr>
           </a:p>
         </p:txBody>
       </p:sp>
@@ -6859,7 +6810,7 @@
           <a:p>
             <a:pPr algn="ctr"/>
             <a:r>
-              <a:rPr lang="en-US" sz="1600" dirty="0" smtClean="0">
+              <a:rPr lang="en-US" sz="1600" dirty="0">
                 <a:solidFill>
                   <a:schemeClr val="bg1"/>
                 </a:solidFill>
@@ -7062,26 +7013,21 @@
           <a:lstStyle/>
           <a:p>
             <a:r>
-              <a:rPr lang="en-US" sz="1400" dirty="0" err="1" smtClean="0">
+              <a:rPr lang="en-US" sz="1400" dirty="0" err="1">
                 <a:solidFill>
                   <a:srgbClr val="00B050"/>
                 </a:solidFill>
               </a:rPr>
-              <a:t>handleAddresssBookChangedEvent</a:t>
+              <a:t>handleTarsChangedEvent</a:t>
             </a:r>
             <a:r>
-              <a:rPr lang="en-US" sz="1400" dirty="0" smtClean="0">
+              <a:rPr lang="en-US" sz="1400" dirty="0">
                 <a:solidFill>
                   <a:srgbClr val="00B050"/>
                 </a:solidFill>
               </a:rPr>
               <a:t>()</a:t>
             </a:r>
-            <a:endParaRPr lang="en-US" sz="1400" dirty="0">
-              <a:solidFill>
-                <a:srgbClr val="00B050"/>
-              </a:solidFill>
-            </a:endParaRPr>
           </a:p>
         </p:txBody>
       </p:sp>
@@ -7268,18 +7214,13 @@
           <a:p>
             <a:pPr algn="r"/>
             <a:r>
-              <a:rPr lang="en-US" sz="1400" dirty="0" smtClean="0">
+              <a:rPr lang="en-US" sz="1400" dirty="0">
                 <a:solidFill>
                   <a:srgbClr val="00B050"/>
                 </a:solidFill>
               </a:rPr>
               <a:t>Update status bar</a:t>
             </a:r>
-            <a:endParaRPr lang="en-US" sz="1400" dirty="0">
-              <a:solidFill>
-                <a:srgbClr val="00B050"/>
-              </a:solidFill>
-            </a:endParaRPr>
           </a:p>
         </p:txBody>
       </p:sp>
@@ -7469,7 +7410,7 @@
           <a:lstStyle/>
           <a:p>
             <a:r>
-              <a:rPr lang="en-US" sz="1400" dirty="0" smtClean="0">
+              <a:rPr lang="en-US" sz="1400" dirty="0">
                 <a:solidFill>
                   <a:schemeClr val="accent6">
                     <a:lumMod val="75000"/>
@@ -7479,7 +7420,7 @@
               <a:t>Save </a:t>
             </a:r>
             <a:br>
-              <a:rPr lang="en-US" sz="1400" dirty="0" smtClean="0">
+              <a:rPr lang="en-US" sz="1400" dirty="0">
                 <a:solidFill>
                   <a:schemeClr val="accent6">
                     <a:lumMod val="75000"/>
@@ -7488,7 +7429,7 @@
               </a:rPr>
             </a:br>
             <a:r>
-              <a:rPr lang="en-US" sz="1400" dirty="0" smtClean="0">
+              <a:rPr lang="en-US" sz="1400" dirty="0">
                 <a:solidFill>
                   <a:schemeClr val="accent6">
                     <a:lumMod val="75000"/>
@@ -7497,13 +7438,6 @@
               </a:rPr>
               <a:t>to file</a:t>
             </a:r>
-            <a:endParaRPr lang="en-US" sz="1400" dirty="0">
-              <a:solidFill>
-                <a:schemeClr val="accent6">
-                  <a:lumMod val="75000"/>
-                </a:schemeClr>
-              </a:solidFill>
-            </a:endParaRPr>
           </a:p>
         </p:txBody>
       </p:sp>
@@ -7580,7 +7514,7 @@
           <a:lstStyle/>
           <a:p>
             <a:r>
-              <a:rPr lang="en-US" sz="1200" b="1" dirty="0" smtClean="0">
+              <a:rPr lang="en-US" sz="1200" b="1" dirty="0">
                 <a:solidFill>
                   <a:schemeClr val="accent3">
                     <a:lumMod val="75000"/>
@@ -7763,7 +7697,7 @@
           <a:p>
             <a:pPr algn="ctr"/>
             <a:r>
-              <a:rPr lang="en-US" sz="1050" dirty="0" err="1" smtClean="0">
+              <a:rPr lang="en-US" sz="1050" dirty="0" err="1">
                 <a:solidFill>
                   <a:schemeClr val="bg1"/>
                 </a:solidFill>
@@ -8140,7 +8074,7 @@
                   </a:schemeClr>
                 </a:solidFill>
               </a:rPr>
-              <a:t>PersonListPanel</a:t>
+              <a:t>TaskListPanel</a:t>
             </a:r>
             <a:endParaRPr lang="en-SG" sz="1050" b="1" dirty="0">
               <a:solidFill>
@@ -8200,7 +8134,7 @@
                   </a:schemeClr>
                 </a:solidFill>
               </a:rPr>
-              <a:t>PersonCard</a:t>
+              <a:t>TaskCard</a:t>
             </a:r>
             <a:endParaRPr lang="en-SG" sz="1050" b="1" dirty="0">
               <a:solidFill>
@@ -8625,7 +8559,7 @@
           <a:p>
             <a:pPr algn="ctr"/>
             <a:r>
-              <a:rPr lang="en-US" sz="1050" b="1" dirty="0" smtClean="0">
+              <a:rPr lang="en-US" sz="1050" b="1" dirty="0">
                 <a:solidFill>
                   <a:schemeClr val="accent3">
                     <a:lumMod val="75000"/>
@@ -8635,7 +8569,7 @@
               <a:t>{abstract}</a:t>
             </a:r>
             <a:br>
-              <a:rPr lang="en-US" sz="1050" b="1" dirty="0" smtClean="0">
+              <a:rPr lang="en-US" sz="1050" b="1" dirty="0">
                 <a:solidFill>
                   <a:schemeClr val="accent3">
                     <a:lumMod val="75000"/>
@@ -8644,7 +8578,7 @@
               </a:rPr>
             </a:br>
             <a:r>
-              <a:rPr lang="en-US" sz="1050" b="1" dirty="0" err="1" smtClean="0">
+              <a:rPr lang="en-US" sz="1050" b="1" dirty="0" err="1">
                 <a:solidFill>
                   <a:schemeClr val="accent3">
                     <a:lumMod val="75000"/>
@@ -9133,7 +9067,7 @@
           <a:p>
             <a:pPr algn="ctr"/>
             <a:r>
-              <a:rPr lang="en-US" sz="1100" b="1" dirty="0" smtClean="0">
+              <a:rPr lang="en-US" sz="1100" b="1" dirty="0">
                 <a:solidFill>
                   <a:schemeClr val="bg1"/>
                 </a:solidFill>
@@ -9192,7 +9126,7 @@
           <a:p>
             <a:pPr algn="ctr"/>
             <a:r>
-              <a:rPr lang="en-US" sz="1050" dirty="0" smtClean="0">
+              <a:rPr lang="en-US" sz="1050" dirty="0">
                 <a:solidFill>
                   <a:schemeClr val="bg1"/>
                 </a:solidFill>
@@ -9203,7 +9137,7 @@
           <a:p>
             <a:pPr algn="ctr"/>
             <a:r>
-              <a:rPr lang="en-US" sz="1050" dirty="0" err="1" smtClean="0">
+              <a:rPr lang="en-US" sz="1050" dirty="0" err="1">
                 <a:solidFill>
                   <a:schemeClr val="bg1"/>
                 </a:solidFill>
@@ -9752,13 +9686,6 @@
   <p:clrMapOvr>
     <a:masterClrMapping/>
   </p:clrMapOvr>
-  <p:timing>
-    <p:tnLst>
-      <p:par>
-        <p:cTn id="1" dur="indefinite" restart="never" nodeType="tmRoot"/>
-      </p:par>
-    </p:tnLst>
-  </p:timing>
 </p:sld>
 </file>
 
@@ -9825,7 +9752,7 @@
           <a:lstStyle/>
           <a:p>
             <a:r>
-              <a:rPr lang="en-US" sz="1200" b="1" dirty="0" smtClean="0">
+              <a:rPr lang="en-US" sz="1200" b="1" dirty="0">
                 <a:solidFill>
                   <a:srgbClr val="0070C0"/>
                 </a:solidFill>
@@ -9999,7 +9926,7 @@
           <a:p>
             <a:pPr algn="ctr"/>
             <a:r>
-              <a:rPr lang="en-US" sz="1050" dirty="0" err="1" smtClean="0">
+              <a:rPr lang="en-US" sz="1050" dirty="0" err="1">
                 <a:solidFill>
                   <a:schemeClr val="bg1"/>
                 </a:solidFill>
@@ -10361,7 +10288,7 @@
           <a:p>
             <a:pPr algn="ctr"/>
             <a:r>
-              <a:rPr lang="en-US" sz="1050" b="1" dirty="0" smtClean="0">
+              <a:rPr lang="en-US" sz="1050" b="1" dirty="0">
                 <a:solidFill>
                   <a:srgbClr val="0070C0"/>
                 </a:solidFill>
@@ -10369,14 +10296,14 @@
               <a:t>{abstract}</a:t>
             </a:r>
             <a:br>
-              <a:rPr lang="en-US" sz="1050" b="1" dirty="0" smtClean="0">
+              <a:rPr lang="en-US" sz="1050" b="1" dirty="0">
                 <a:solidFill>
                   <a:srgbClr val="0070C0"/>
                 </a:solidFill>
               </a:rPr>
             </a:br>
             <a:r>
-              <a:rPr lang="en-US" sz="1050" b="1" dirty="0" smtClean="0">
+              <a:rPr lang="en-US" sz="1050" b="1" dirty="0">
                 <a:solidFill>
                   <a:srgbClr val="0070C0"/>
                 </a:solidFill>
@@ -11037,7 +10964,7 @@
             <a:p>
               <a:pPr algn="r"/>
               <a:r>
-                <a:rPr lang="en-US" sz="1100" dirty="0" smtClean="0">
+                <a:rPr lang="en-US" sz="1100" dirty="0">
                   <a:solidFill>
                     <a:srgbClr val="0070C0"/>
                   </a:solidFill>
@@ -11136,7 +11063,7 @@
             <a:lstStyle/>
             <a:p>
               <a:r>
-                <a:rPr lang="en-US" sz="1100" dirty="0" smtClean="0">
+                <a:rPr lang="en-US" sz="1100" dirty="0">
                   <a:solidFill>
                     <a:srgbClr val="0070C0"/>
                   </a:solidFill>
@@ -11222,7 +11149,7 @@
           <a:p>
             <a:pPr algn="r"/>
             <a:r>
-              <a:rPr lang="en-US" sz="1100" dirty="0" smtClean="0">
+              <a:rPr lang="en-US" sz="1100" dirty="0">
                 <a:solidFill>
                   <a:srgbClr val="0070C0"/>
                 </a:solidFill>
@@ -11261,7 +11188,7 @@
           <a:p>
             <a:pPr algn="r"/>
             <a:r>
-              <a:rPr lang="en-US" sz="1100" dirty="0" smtClean="0">
+              <a:rPr lang="en-US" sz="1100" dirty="0">
                 <a:solidFill>
                   <a:srgbClr val="0070C0"/>
                 </a:solidFill>
@@ -11314,7 +11241,7 @@
             <a:p>
               <a:pPr algn="r"/>
               <a:r>
-                <a:rPr lang="en-US" sz="1100" dirty="0" smtClean="0">
+                <a:rPr lang="en-US" sz="1100" dirty="0">
                   <a:solidFill>
                     <a:srgbClr val="0070C0"/>
                   </a:solidFill>
@@ -11417,7 +11344,7 @@
           <a:p>
             <a:pPr algn="ctr"/>
             <a:r>
-              <a:rPr lang="en-US" sz="1050" b="1" dirty="0" smtClean="0">
+              <a:rPr lang="en-US" sz="1050" b="1" dirty="0">
                 <a:solidFill>
                   <a:srgbClr val="0070C0"/>
                 </a:solidFill>
@@ -11425,14 +11352,14 @@
               <a:t>Incorrect</a:t>
             </a:r>
             <a:br>
-              <a:rPr lang="en-US" sz="1050" b="1" dirty="0" smtClean="0">
+              <a:rPr lang="en-US" sz="1050" b="1" dirty="0">
                 <a:solidFill>
                   <a:srgbClr val="0070C0"/>
                 </a:solidFill>
               </a:rPr>
             </a:br>
             <a:r>
-              <a:rPr lang="en-US" sz="1050" b="1" dirty="0" smtClean="0">
+              <a:rPr lang="en-US" sz="1050" b="1" dirty="0">
                 <a:solidFill>
                   <a:srgbClr val="0070C0"/>
                 </a:solidFill>
@@ -11500,13 +11427,6 @@
   <p:clrMapOvr>
     <a:masterClrMapping/>
   </p:clrMapOvr>
-  <p:timing>
-    <p:tnLst>
-      <p:par>
-        <p:cTn id="1" dur="indefinite" restart="never" nodeType="tmRoot"/>
-      </p:par>
-    </p:tnLst>
-  </p:timing>
 </p:sld>
 </file>
 
@@ -11527,2148 +11447,2155 @@
           <a:chExt cx="0" cy="0"/>
         </a:xfrm>
       </p:grpSpPr>
-      <p:sp>
-        <p:nvSpPr>
-          <p:cNvPr id="118" name="Rectangle 65"/>
-          <p:cNvSpPr/>
-          <p:nvPr/>
-        </p:nvSpPr>
-        <p:spPr>
+      <p:grpSp>
+        <p:nvGrpSpPr>
+          <p:cNvPr id="3" name="Group 2"/>
+          <p:cNvGrpSpPr/>
+          <p:nvPr/>
+        </p:nvGrpSpPr>
+        <p:grpSpPr>
           <a:xfrm>
-            <a:off x="1119865" y="1727200"/>
-            <a:ext cx="7490735" cy="2997200"/>
-          </a:xfrm>
-          <a:prstGeom prst="roundRect">
-            <a:avLst>
-              <a:gd name="adj" fmla="val 3484"/>
-            </a:avLst>
-          </a:prstGeom>
-          <a:solidFill>
-            <a:schemeClr val="accent4">
-              <a:lumMod val="20000"/>
-              <a:lumOff val="80000"/>
-            </a:schemeClr>
-          </a:solidFill>
-          <a:ln w="19050">
-            <a:noFill/>
-          </a:ln>
-          <a:effectLst/>
-        </p:spPr>
-        <p:style>
-          <a:lnRef idx="1">
-            <a:schemeClr val="accent2"/>
-          </a:lnRef>
-          <a:fillRef idx="2">
-            <a:schemeClr val="accent2"/>
-          </a:fillRef>
-          <a:effectRef idx="1">
-            <a:schemeClr val="accent2"/>
-          </a:effectRef>
-          <a:fontRef idx="minor">
-            <a:schemeClr val="dk1"/>
-          </a:fontRef>
-        </p:style>
-        <p:txBody>
-          <a:bodyPr rtlCol="0" anchor="t"/>
-          <a:lstStyle/>
-          <a:p>
-            <a:r>
-              <a:rPr lang="en-US" sz="1200" b="1" dirty="0" smtClean="0">
+            <a:off x="910091" y="1727200"/>
+            <a:ext cx="7700509" cy="2997200"/>
+            <a:chOff x="910091" y="1727200"/>
+            <a:chExt cx="7700509" cy="2997200"/>
+          </a:xfrm>
+        </p:grpSpPr>
+        <p:sp>
+          <p:nvSpPr>
+            <p:cNvPr id="118" name="Rectangle 65"/>
+            <p:cNvSpPr/>
+            <p:nvPr/>
+          </p:nvSpPr>
+          <p:spPr>
+            <a:xfrm>
+              <a:off x="1119865" y="1727200"/>
+              <a:ext cx="7490735" cy="2997200"/>
+            </a:xfrm>
+            <a:prstGeom prst="roundRect">
+              <a:avLst>
+                <a:gd name="adj" fmla="val 3484"/>
+              </a:avLst>
+            </a:prstGeom>
+            <a:solidFill>
+              <a:schemeClr val="accent4">
+                <a:lumMod val="20000"/>
+                <a:lumOff val="80000"/>
+              </a:schemeClr>
+            </a:solidFill>
+            <a:ln w="19050">
+              <a:noFill/>
+            </a:ln>
+            <a:effectLst/>
+          </p:spPr>
+          <p:style>
+            <a:lnRef idx="1">
+              <a:schemeClr val="accent2"/>
+            </a:lnRef>
+            <a:fillRef idx="2">
+              <a:schemeClr val="accent2"/>
+            </a:fillRef>
+            <a:effectRef idx="1">
+              <a:schemeClr val="accent2"/>
+            </a:effectRef>
+            <a:fontRef idx="minor">
+              <a:schemeClr val="dk1"/>
+            </a:fontRef>
+          </p:style>
+          <p:txBody>
+            <a:bodyPr rtlCol="0" anchor="t"/>
+            <a:lstStyle/>
+            <a:p>
+              <a:r>
+                <a:rPr lang="en-US" sz="1200" b="1" dirty="0">
+                  <a:solidFill>
+                    <a:srgbClr val="7030A0"/>
+                  </a:solidFill>
+                </a:rPr>
+                <a:t>Model</a:t>
+              </a:r>
+              <a:endParaRPr lang="en-SG" sz="1200" b="1" dirty="0">
                 <a:solidFill>
                   <a:srgbClr val="7030A0"/>
                 </a:solidFill>
-              </a:rPr>
-              <a:t>Model</a:t>
-            </a:r>
-            <a:endParaRPr lang="en-SG" sz="1200" b="1" dirty="0">
+              </a:endParaRPr>
+            </a:p>
+          </p:txBody>
+        </p:sp>
+        <p:sp>
+          <p:nvSpPr>
+            <p:cNvPr id="2" name="Rectangle 8"/>
+            <p:cNvSpPr/>
+            <p:nvPr/>
+          </p:nvSpPr>
+          <p:spPr>
+            <a:xfrm>
+              <a:off x="2877180" y="3158440"/>
+              <a:ext cx="1093635" cy="346760"/>
+            </a:xfrm>
+            <a:prstGeom prst="rect">
+              <a:avLst/>
+            </a:prstGeom>
+            <a:solidFill>
+              <a:srgbClr val="7030A0"/>
+            </a:solidFill>
+            <a:ln w="19050">
               <a:solidFill>
                 <a:srgbClr val="7030A0"/>
               </a:solidFill>
-            </a:endParaRPr>
-          </a:p>
-        </p:txBody>
-      </p:sp>
-      <p:sp>
-        <p:nvSpPr>
-          <p:cNvPr id="2" name="Rectangle 8"/>
-          <p:cNvSpPr/>
-          <p:nvPr/>
-        </p:nvSpPr>
-        <p:spPr>
-          <a:xfrm>
-            <a:off x="2877180" y="3158440"/>
-            <a:ext cx="1093635" cy="346760"/>
-          </a:xfrm>
-          <a:prstGeom prst="rect">
-            <a:avLst/>
-          </a:prstGeom>
-          <a:solidFill>
-            <a:srgbClr val="7030A0"/>
-          </a:solidFill>
-          <a:ln w="19050">
-            <a:solidFill>
-              <a:srgbClr val="7030A0"/>
-            </a:solidFill>
-          </a:ln>
-          <a:effectLst/>
-        </p:spPr>
-        <p:style>
-          <a:lnRef idx="1">
-            <a:schemeClr val="accent2"/>
-          </a:lnRef>
-          <a:fillRef idx="2">
-            <a:schemeClr val="accent2"/>
-          </a:fillRef>
-          <a:effectRef idx="1">
-            <a:schemeClr val="accent2"/>
-          </a:effectRef>
-          <a:fontRef idx="minor">
-            <a:schemeClr val="dk1"/>
-          </a:fontRef>
-        </p:style>
-        <p:txBody>
-          <a:bodyPr rtlCol="0" anchor="ctr"/>
-          <a:lstStyle/>
-          <a:p>
-            <a:pPr algn="ctr"/>
-            <a:r>
-              <a:rPr lang="en-US" sz="1050" dirty="0" err="1" smtClean="0">
+            </a:ln>
+            <a:effectLst/>
+          </p:spPr>
+          <p:style>
+            <a:lnRef idx="1">
+              <a:schemeClr val="accent2"/>
+            </a:lnRef>
+            <a:fillRef idx="2">
+              <a:schemeClr val="accent2"/>
+            </a:fillRef>
+            <a:effectRef idx="1">
+              <a:schemeClr val="accent2"/>
+            </a:effectRef>
+            <a:fontRef idx="minor">
+              <a:schemeClr val="dk1"/>
+            </a:fontRef>
+          </p:style>
+          <p:txBody>
+            <a:bodyPr rtlCol="0" anchor="ctr"/>
+            <a:lstStyle/>
+            <a:p>
+              <a:pPr algn="ctr"/>
+              <a:r>
+                <a:rPr lang="en-US" sz="1050" dirty="0" err="1">
+                  <a:solidFill>
+                    <a:schemeClr val="bg1"/>
+                  </a:solidFill>
+                </a:rPr>
+                <a:t>UserPref</a:t>
+              </a:r>
+              <a:endParaRPr lang="en-SG" sz="1050" dirty="0">
                 <a:solidFill>
                   <a:schemeClr val="bg1"/>
                 </a:solidFill>
-              </a:rPr>
-              <a:t>UserPref</a:t>
-            </a:r>
-            <a:endParaRPr lang="en-SG" sz="1050" dirty="0">
+              </a:endParaRPr>
+            </a:p>
+          </p:txBody>
+        </p:sp>
+        <p:sp>
+          <p:nvSpPr>
+            <p:cNvPr id="9" name="Rectangle 62"/>
+            <p:cNvSpPr/>
+            <p:nvPr/>
+          </p:nvSpPr>
+          <p:spPr>
+            <a:xfrm rot="16200000">
+              <a:off x="1683963" y="2868687"/>
+              <a:ext cx="1093635" cy="346760"/>
+            </a:xfrm>
+            <a:prstGeom prst="rect">
+              <a:avLst/>
+            </a:prstGeom>
+            <a:solidFill>
+              <a:srgbClr val="7030A0"/>
+            </a:solidFill>
+            <a:ln w="19050">
               <a:solidFill>
-                <a:schemeClr val="bg1"/>
+                <a:srgbClr val="7030A0"/>
               </a:solidFill>
-            </a:endParaRPr>
-          </a:p>
-        </p:txBody>
-      </p:sp>
-      <p:sp>
-        <p:nvSpPr>
-          <p:cNvPr id="9" name="Rectangle 62"/>
-          <p:cNvSpPr/>
-          <p:nvPr/>
-        </p:nvSpPr>
-        <p:spPr>
-          <a:xfrm rot="16200000">
-            <a:off x="1683963" y="2868687"/>
-            <a:ext cx="1093635" cy="346760"/>
-          </a:xfrm>
-          <a:prstGeom prst="rect">
-            <a:avLst/>
-          </a:prstGeom>
-          <a:solidFill>
-            <a:srgbClr val="7030A0"/>
-          </a:solidFill>
-          <a:ln w="19050">
-            <a:solidFill>
-              <a:srgbClr val="7030A0"/>
-            </a:solidFill>
-          </a:ln>
-          <a:effectLst/>
-        </p:spPr>
-        <p:style>
-          <a:lnRef idx="1">
-            <a:schemeClr val="accent2"/>
-          </a:lnRef>
-          <a:fillRef idx="2">
-            <a:schemeClr val="accent2"/>
-          </a:fillRef>
-          <a:effectRef idx="1">
-            <a:schemeClr val="accent2"/>
-          </a:effectRef>
-          <a:fontRef idx="minor">
-            <a:schemeClr val="dk1"/>
-          </a:fontRef>
-        </p:style>
-        <p:txBody>
-          <a:bodyPr rtlCol="0" anchor="ctr"/>
-          <a:lstStyle/>
-          <a:p>
-            <a:pPr algn="ctr"/>
-            <a:r>
-              <a:rPr lang="en-US" sz="1050" dirty="0" err="1" smtClean="0">
+            </a:ln>
+            <a:effectLst/>
+          </p:spPr>
+          <p:style>
+            <a:lnRef idx="1">
+              <a:schemeClr val="accent2"/>
+            </a:lnRef>
+            <a:fillRef idx="2">
+              <a:schemeClr val="accent2"/>
+            </a:fillRef>
+            <a:effectRef idx="1">
+              <a:schemeClr val="accent2"/>
+            </a:effectRef>
+            <a:fontRef idx="minor">
+              <a:schemeClr val="dk1"/>
+            </a:fontRef>
+          </p:style>
+          <p:txBody>
+            <a:bodyPr rtlCol="0" anchor="ctr"/>
+            <a:lstStyle/>
+            <a:p>
+              <a:pPr algn="ctr"/>
+              <a:r>
+                <a:rPr lang="en-US" sz="1050" dirty="0" err="1">
+                  <a:solidFill>
+                    <a:schemeClr val="bg1"/>
+                  </a:solidFill>
+                </a:rPr>
+                <a:t>ModelManager</a:t>
+              </a:r>
+              <a:endParaRPr lang="en-SG" sz="1050" dirty="0">
                 <a:solidFill>
                   <a:schemeClr val="bg1"/>
                 </a:solidFill>
-              </a:rPr>
-              <a:t>ModelManager</a:t>
-            </a:r>
-            <a:endParaRPr lang="en-SG" sz="1050" dirty="0">
+              </a:endParaRPr>
+            </a:p>
+          </p:txBody>
+        </p:sp>
+        <p:cxnSp>
+          <p:nvCxnSpPr>
+            <p:cNvPr id="53" name="Elbow Connector 63"/>
+            <p:cNvCxnSpPr>
+              <a:stCxn id="71" idx="3"/>
+              <a:endCxn id="62" idx="2"/>
+            </p:cNvCxnSpPr>
+            <p:nvPr/>
+          </p:nvCxnSpPr>
+          <p:spPr>
+            <a:xfrm flipV="1">
+              <a:off x="6477000" y="3204826"/>
+              <a:ext cx="190770" cy="405819"/>
+            </a:xfrm>
+            <a:prstGeom prst="bentConnector2">
+              <a:avLst/>
+            </a:prstGeom>
+            <a:ln w="19050">
               <a:solidFill>
-                <a:schemeClr val="bg1"/>
+                <a:srgbClr val="7030A0"/>
               </a:solidFill>
-            </a:endParaRPr>
-          </a:p>
-        </p:txBody>
-      </p:sp>
-      <p:cxnSp>
-        <p:nvCxnSpPr>
-          <p:cNvPr id="53" name="Elbow Connector 63"/>
-          <p:cNvCxnSpPr>
-            <a:stCxn id="71" idx="3"/>
-            <a:endCxn id="62" idx="2"/>
-          </p:cNvCxnSpPr>
-          <p:nvPr/>
-        </p:nvCxnSpPr>
-        <p:spPr>
-          <a:xfrm flipV="1">
-            <a:off x="6477000" y="3204826"/>
-            <a:ext cx="190770" cy="405819"/>
-          </a:xfrm>
-          <a:prstGeom prst="bentConnector2">
-            <a:avLst/>
-          </a:prstGeom>
-          <a:ln w="19050">
+              <a:prstDash val="sysDot"/>
+              <a:headEnd type="none" w="med" len="med"/>
+              <a:tailEnd type="none" w="med" len="med"/>
+            </a:ln>
+            <a:effectLst/>
+          </p:spPr>
+          <p:style>
+            <a:lnRef idx="1">
+              <a:schemeClr val="accent2"/>
+            </a:lnRef>
+            <a:fillRef idx="2">
+              <a:schemeClr val="accent2"/>
+            </a:fillRef>
+            <a:effectRef idx="1">
+              <a:schemeClr val="accent2"/>
+            </a:effectRef>
+            <a:fontRef idx="minor">
+              <a:schemeClr val="dk1"/>
+            </a:fontRef>
+          </p:style>
+        </p:cxnSp>
+        <p:cxnSp>
+          <p:nvCxnSpPr>
+            <p:cNvPr id="107" name="Elbow Connector 106"/>
+            <p:cNvCxnSpPr>
+              <a:stCxn id="9" idx="1"/>
+            </p:cNvCxnSpPr>
+            <p:nvPr/>
+          </p:nvCxnSpPr>
+          <p:spPr>
+            <a:xfrm rot="5400000" flipH="1" flipV="1">
+              <a:off x="4360065" y="1080909"/>
+              <a:ext cx="378691" cy="4637261"/>
+            </a:xfrm>
+            <a:prstGeom prst="bentConnector4">
+              <a:avLst>
+                <a:gd name="adj1" fmla="val -101829"/>
+                <a:gd name="adj2" fmla="val 99976"/>
+              </a:avLst>
+            </a:prstGeom>
+            <a:ln w="19050">
+              <a:solidFill>
+                <a:srgbClr val="7030A0"/>
+              </a:solidFill>
+              <a:prstDash val="solid"/>
+              <a:headEnd type="none" w="med" len="med"/>
+              <a:tailEnd type="arrow" w="med" len="med"/>
+            </a:ln>
+            <a:effectLst/>
+          </p:spPr>
+          <p:style>
+            <a:lnRef idx="1">
+              <a:schemeClr val="accent2"/>
+            </a:lnRef>
+            <a:fillRef idx="2">
+              <a:schemeClr val="accent2"/>
+            </a:fillRef>
+            <a:effectRef idx="1">
+              <a:schemeClr val="accent2"/>
+            </a:effectRef>
+            <a:fontRef idx="minor">
+              <a:schemeClr val="dk1"/>
+            </a:fontRef>
+          </p:style>
+        </p:cxnSp>
+        <p:sp>
+          <p:nvSpPr>
+            <p:cNvPr id="119" name="Rectangle 62"/>
+            <p:cNvSpPr/>
+            <p:nvPr/>
+          </p:nvSpPr>
+          <p:spPr>
+            <a:xfrm rot="16200000">
+              <a:off x="956202" y="2861202"/>
+              <a:ext cx="1093635" cy="346760"/>
+            </a:xfrm>
+            <a:prstGeom prst="rect">
+              <a:avLst/>
+            </a:prstGeom>
             <a:solidFill>
               <a:srgbClr val="7030A0"/>
             </a:solidFill>
-            <a:prstDash val="sysDot"/>
-            <a:headEnd type="none" w="med" len="med"/>
-            <a:tailEnd type="none" w="med" len="med"/>
-          </a:ln>
-          <a:effectLst/>
-        </p:spPr>
-        <p:style>
-          <a:lnRef idx="1">
-            <a:schemeClr val="accent2"/>
-          </a:lnRef>
-          <a:fillRef idx="2">
-            <a:schemeClr val="accent2"/>
-          </a:fillRef>
-          <a:effectRef idx="1">
-            <a:schemeClr val="accent2"/>
-          </a:effectRef>
-          <a:fontRef idx="minor">
-            <a:schemeClr val="dk1"/>
-          </a:fontRef>
-        </p:style>
-      </p:cxnSp>
-      <p:cxnSp>
-        <p:nvCxnSpPr>
-          <p:cNvPr id="107" name="Elbow Connector 106"/>
-          <p:cNvCxnSpPr>
-            <a:stCxn id="9" idx="1"/>
-          </p:cNvCxnSpPr>
-          <p:nvPr/>
-        </p:nvCxnSpPr>
-        <p:spPr>
-          <a:xfrm rot="5400000" flipH="1" flipV="1">
-            <a:off x="4360065" y="1080909"/>
-            <a:ext cx="378691" cy="4637261"/>
-          </a:xfrm>
-          <a:prstGeom prst="bentConnector4">
-            <a:avLst>
-              <a:gd name="adj1" fmla="val -101829"/>
-              <a:gd name="adj2" fmla="val 99976"/>
-            </a:avLst>
-          </a:prstGeom>
-          <a:ln w="19050">
-            <a:solidFill>
-              <a:srgbClr val="7030A0"/>
-            </a:solidFill>
-            <a:prstDash val="solid"/>
-            <a:headEnd type="none" w="med" len="med"/>
-            <a:tailEnd type="arrow" w="med" len="med"/>
-          </a:ln>
-          <a:effectLst/>
-        </p:spPr>
-        <p:style>
-          <a:lnRef idx="1">
-            <a:schemeClr val="accent2"/>
-          </a:lnRef>
-          <a:fillRef idx="2">
-            <a:schemeClr val="accent2"/>
-          </a:fillRef>
-          <a:effectRef idx="1">
-            <a:schemeClr val="accent2"/>
-          </a:effectRef>
-          <a:fontRef idx="minor">
-            <a:schemeClr val="dk1"/>
-          </a:fontRef>
-        </p:style>
-      </p:cxnSp>
-      <p:sp>
-        <p:nvSpPr>
-          <p:cNvPr id="119" name="Rectangle 62"/>
-          <p:cNvSpPr/>
-          <p:nvPr/>
-        </p:nvSpPr>
-        <p:spPr>
-          <a:xfrm rot="16200000">
-            <a:off x="956202" y="2861202"/>
-            <a:ext cx="1093635" cy="346760"/>
-          </a:xfrm>
-          <a:prstGeom prst="rect">
-            <a:avLst/>
-          </a:prstGeom>
-          <a:solidFill>
-            <a:srgbClr val="7030A0"/>
-          </a:solidFill>
-          <a:ln w="19050">
-            <a:solidFill>
-              <a:srgbClr val="7030A0"/>
-            </a:solidFill>
-          </a:ln>
-          <a:effectLst/>
-        </p:spPr>
-        <p:style>
-          <a:lnRef idx="1">
-            <a:schemeClr val="accent2"/>
-          </a:lnRef>
-          <a:fillRef idx="2">
-            <a:schemeClr val="accent2"/>
-          </a:fillRef>
-          <a:effectRef idx="1">
-            <a:schemeClr val="accent2"/>
-          </a:effectRef>
-          <a:fontRef idx="minor">
-            <a:schemeClr val="dk1"/>
-          </a:fontRef>
-        </p:style>
-        <p:txBody>
-          <a:bodyPr rtlCol="0" anchor="ctr"/>
-          <a:lstStyle/>
-          <a:p>
-            <a:pPr algn="ctr"/>
-            <a:r>
-              <a:rPr lang="en-US" sz="1050" dirty="0">
+            <a:ln w="19050">
+              <a:solidFill>
+                <a:srgbClr val="7030A0"/>
+              </a:solidFill>
+            </a:ln>
+            <a:effectLst/>
+          </p:spPr>
+          <p:style>
+            <a:lnRef idx="1">
+              <a:schemeClr val="accent2"/>
+            </a:lnRef>
+            <a:fillRef idx="2">
+              <a:schemeClr val="accent2"/>
+            </a:fillRef>
+            <a:effectRef idx="1">
+              <a:schemeClr val="accent2"/>
+            </a:effectRef>
+            <a:fontRef idx="minor">
+              <a:schemeClr val="dk1"/>
+            </a:fontRef>
+          </p:style>
+          <p:txBody>
+            <a:bodyPr rtlCol="0" anchor="ctr"/>
+            <a:lstStyle/>
+            <a:p>
+              <a:pPr algn="ctr"/>
+              <a:r>
+                <a:rPr lang="en-US" sz="1050" dirty="0">
+                  <a:solidFill>
+                    <a:schemeClr val="bg1"/>
+                  </a:solidFill>
+                </a:rPr>
+                <a:t>&lt;&lt;interface&gt;&gt;</a:t>
+              </a:r>
+            </a:p>
+            <a:p>
+              <a:pPr algn="ctr"/>
+              <a:r>
+                <a:rPr lang="en-US" sz="1050" dirty="0">
+                  <a:solidFill>
+                    <a:schemeClr val="bg1"/>
+                  </a:solidFill>
+                </a:rPr>
+                <a:t>Model</a:t>
+              </a:r>
+              <a:endParaRPr lang="en-SG" sz="1050" dirty="0">
                 <a:solidFill>
                   <a:schemeClr val="bg1"/>
                 </a:solidFill>
-              </a:rPr>
-              <a:t>&lt;&lt;interface&gt;&gt;</a:t>
-            </a:r>
-          </a:p>
-          <a:p>
-            <a:pPr algn="ctr"/>
-            <a:r>
-              <a:rPr lang="en-US" sz="1050" dirty="0" smtClean="0">
+              </a:endParaRPr>
+            </a:p>
+          </p:txBody>
+        </p:sp>
+        <p:sp>
+          <p:nvSpPr>
+            <p:cNvPr id="120" name="Isosceles Triangle 102"/>
+            <p:cNvSpPr/>
+            <p:nvPr/>
+          </p:nvSpPr>
+          <p:spPr>
+            <a:xfrm rot="16200000">
+              <a:off x="1626910" y="2952291"/>
+              <a:ext cx="270504" cy="175523"/>
+            </a:xfrm>
+            <a:prstGeom prst="triangle">
+              <a:avLst/>
+            </a:prstGeom>
+            <a:solidFill>
+              <a:srgbClr val="7030A0"/>
+            </a:solidFill>
+            <a:ln w="19050">
+              <a:solidFill>
+                <a:srgbClr val="7030A0"/>
+              </a:solidFill>
+            </a:ln>
+            <a:effectLst/>
+          </p:spPr>
+          <p:style>
+            <a:lnRef idx="1">
+              <a:schemeClr val="accent6"/>
+            </a:lnRef>
+            <a:fillRef idx="2">
+              <a:schemeClr val="accent6"/>
+            </a:fillRef>
+            <a:effectRef idx="1">
+              <a:schemeClr val="accent6"/>
+            </a:effectRef>
+            <a:fontRef idx="minor">
+              <a:schemeClr val="dk1"/>
+            </a:fontRef>
+          </p:style>
+          <p:txBody>
+            <a:bodyPr rtlCol="0" anchor="ctr"/>
+            <a:lstStyle/>
+            <a:p>
+              <a:pPr algn="ctr"/>
+              <a:endParaRPr lang="en-SG" sz="1050"/>
+            </a:p>
+          </p:txBody>
+        </p:sp>
+        <p:cxnSp>
+          <p:nvCxnSpPr>
+            <p:cNvPr id="55" name="Straight Arrow Connector 54"/>
+            <p:cNvCxnSpPr>
+              <a:stCxn id="62" idx="0"/>
+              <a:endCxn id="67" idx="2"/>
+            </p:cNvCxnSpPr>
+            <p:nvPr/>
+          </p:nvCxnSpPr>
+          <p:spPr>
+            <a:xfrm flipV="1">
+              <a:off x="6667770" y="2632344"/>
+              <a:ext cx="1612" cy="225722"/>
+            </a:xfrm>
+            <a:prstGeom prst="straightConnector1">
+              <a:avLst/>
+            </a:prstGeom>
+            <a:ln w="19050">
+              <a:solidFill>
+                <a:srgbClr val="7030A0"/>
+              </a:solidFill>
+              <a:prstDash val="sysDot"/>
+              <a:headEnd type="none" w="med" len="med"/>
+              <a:tailEnd type="arrow" w="med" len="med"/>
+            </a:ln>
+            <a:effectLst/>
+          </p:spPr>
+          <p:style>
+            <a:lnRef idx="1">
+              <a:schemeClr val="accent2"/>
+            </a:lnRef>
+            <a:fillRef idx="2">
+              <a:schemeClr val="accent2"/>
+            </a:fillRef>
+            <a:effectRef idx="1">
+              <a:schemeClr val="accent2"/>
+            </a:effectRef>
+            <a:fontRef idx="minor">
+              <a:schemeClr val="dk1"/>
+            </a:fontRef>
+          </p:style>
+        </p:cxnSp>
+        <p:cxnSp>
+          <p:nvCxnSpPr>
+            <p:cNvPr id="58" name="Straight Arrow Connector 57"/>
+            <p:cNvCxnSpPr>
+              <a:stCxn id="42" idx="3"/>
+              <a:endCxn id="2" idx="1"/>
+            </p:cNvCxnSpPr>
+            <p:nvPr/>
+          </p:nvCxnSpPr>
+          <p:spPr>
+            <a:xfrm>
+              <a:off x="2656370" y="3326536"/>
+              <a:ext cx="220810" cy="5284"/>
+            </a:xfrm>
+            <a:prstGeom prst="straightConnector1">
+              <a:avLst/>
+            </a:prstGeom>
+            <a:ln w="19050">
+              <a:solidFill>
+                <a:srgbClr val="7030A0"/>
+              </a:solidFill>
+              <a:headEnd type="none" w="med" len="med"/>
+              <a:tailEnd type="arrow" w="med" len="med"/>
+            </a:ln>
+            <a:effectLst/>
+          </p:spPr>
+          <p:style>
+            <a:lnRef idx="1">
+              <a:schemeClr val="accent2"/>
+            </a:lnRef>
+            <a:fillRef idx="2">
+              <a:schemeClr val="accent2"/>
+            </a:fillRef>
+            <a:effectRef idx="1">
+              <a:schemeClr val="accent2"/>
+            </a:effectRef>
+            <a:fontRef idx="minor">
+              <a:schemeClr val="dk1"/>
+            </a:fontRef>
+          </p:style>
+        </p:cxnSp>
+        <p:sp>
+          <p:nvSpPr>
+            <p:cNvPr id="71" name="Isosceles Triangle 102"/>
+            <p:cNvSpPr/>
+            <p:nvPr/>
+          </p:nvSpPr>
+          <p:spPr>
+            <a:xfrm rot="5400000" flipV="1">
+              <a:off x="6253986" y="3522883"/>
+              <a:ext cx="270504" cy="175523"/>
+            </a:xfrm>
+            <a:prstGeom prst="triangle">
+              <a:avLst/>
+            </a:prstGeom>
+            <a:solidFill>
+              <a:srgbClr val="7030A0"/>
+            </a:solidFill>
+            <a:ln w="19050">
+              <a:solidFill>
+                <a:srgbClr val="7030A0"/>
+              </a:solidFill>
+            </a:ln>
+            <a:effectLst/>
+          </p:spPr>
+          <p:style>
+            <a:lnRef idx="1">
+              <a:schemeClr val="accent4"/>
+            </a:lnRef>
+            <a:fillRef idx="2">
+              <a:schemeClr val="accent4"/>
+            </a:fillRef>
+            <a:effectRef idx="1">
+              <a:schemeClr val="accent4"/>
+            </a:effectRef>
+            <a:fontRef idx="minor">
+              <a:schemeClr val="dk1"/>
+            </a:fontRef>
+          </p:style>
+          <p:txBody>
+            <a:bodyPr rtlCol="0" anchor="ctr"/>
+            <a:lstStyle/>
+            <a:p>
+              <a:pPr algn="ctr"/>
+              <a:endParaRPr lang="en-SG" sz="1050" b="1">
                 <a:solidFill>
-                  <a:schemeClr val="bg1"/>
+                  <a:srgbClr val="92D050"/>
                 </a:solidFill>
-              </a:rPr>
-              <a:t>Model</a:t>
-            </a:r>
-            <a:endParaRPr lang="en-SG" sz="1050" dirty="0">
+              </a:endParaRPr>
+            </a:p>
+          </p:txBody>
+        </p:sp>
+        <p:cxnSp>
+          <p:nvCxnSpPr>
+            <p:cNvPr id="75" name="Elbow Connector 122"/>
+            <p:cNvCxnSpPr/>
+            <p:nvPr/>
+          </p:nvCxnSpPr>
+          <p:spPr>
+            <a:xfrm>
+              <a:off x="910091" y="3040053"/>
+              <a:ext cx="419548" cy="2860"/>
+            </a:xfrm>
+            <a:prstGeom prst="bentConnector3">
+              <a:avLst>
+                <a:gd name="adj1" fmla="val 50000"/>
+              </a:avLst>
+            </a:prstGeom>
+            <a:ln w="19050">
               <a:solidFill>
-                <a:schemeClr val="bg1"/>
+                <a:schemeClr val="bg1">
+                  <a:lumMod val="75000"/>
+                </a:schemeClr>
               </a:solidFill>
-            </a:endParaRPr>
-          </a:p>
-        </p:txBody>
-      </p:sp>
-      <p:sp>
-        <p:nvSpPr>
-          <p:cNvPr id="120" name="Isosceles Triangle 102"/>
-          <p:cNvSpPr/>
-          <p:nvPr/>
-        </p:nvSpPr>
-        <p:spPr>
-          <a:xfrm rot="16200000">
-            <a:off x="1626910" y="2952291"/>
-            <a:ext cx="270504" cy="175523"/>
-          </a:xfrm>
-          <a:prstGeom prst="triangle">
-            <a:avLst/>
-          </a:prstGeom>
-          <a:solidFill>
-            <a:srgbClr val="7030A0"/>
-          </a:solidFill>
-          <a:ln w="19050">
-            <a:solidFill>
-              <a:srgbClr val="7030A0"/>
-            </a:solidFill>
-          </a:ln>
-          <a:effectLst/>
-        </p:spPr>
-        <p:style>
-          <a:lnRef idx="1">
-            <a:schemeClr val="accent6"/>
-          </a:lnRef>
-          <a:fillRef idx="2">
-            <a:schemeClr val="accent6"/>
-          </a:fillRef>
-          <a:effectRef idx="1">
-            <a:schemeClr val="accent6"/>
-          </a:effectRef>
-          <a:fontRef idx="minor">
-            <a:schemeClr val="dk1"/>
-          </a:fontRef>
-        </p:style>
-        <p:txBody>
-          <a:bodyPr rtlCol="0" anchor="ctr"/>
-          <a:lstStyle/>
-          <a:p>
-            <a:pPr algn="ctr"/>
-            <a:endParaRPr lang="en-SG" sz="1050"/>
-          </a:p>
-        </p:txBody>
-      </p:sp>
-      <p:cxnSp>
-        <p:nvCxnSpPr>
-          <p:cNvPr id="55" name="Straight Arrow Connector 54"/>
-          <p:cNvCxnSpPr>
-            <a:stCxn id="62" idx="0"/>
-            <a:endCxn id="67" idx="2"/>
-          </p:cNvCxnSpPr>
-          <p:nvPr/>
-        </p:nvCxnSpPr>
-        <p:spPr>
-          <a:xfrm flipV="1">
-            <a:off x="6667770" y="2632344"/>
-            <a:ext cx="1612" cy="225722"/>
-          </a:xfrm>
-          <a:prstGeom prst="straightConnector1">
-            <a:avLst/>
-          </a:prstGeom>
-          <a:ln w="19050">
-            <a:solidFill>
-              <a:srgbClr val="7030A0"/>
-            </a:solidFill>
-            <a:prstDash val="sysDot"/>
-            <a:headEnd type="none" w="med" len="med"/>
-            <a:tailEnd type="arrow" w="med" len="med"/>
-          </a:ln>
-          <a:effectLst/>
-        </p:spPr>
-        <p:style>
-          <a:lnRef idx="1">
-            <a:schemeClr val="accent2"/>
-          </a:lnRef>
-          <a:fillRef idx="2">
-            <a:schemeClr val="accent2"/>
-          </a:fillRef>
-          <a:effectRef idx="1">
-            <a:schemeClr val="accent2"/>
-          </a:effectRef>
-          <a:fontRef idx="minor">
-            <a:schemeClr val="dk1"/>
-          </a:fontRef>
-        </p:style>
-      </p:cxnSp>
-      <p:cxnSp>
-        <p:nvCxnSpPr>
-          <p:cNvPr id="58" name="Straight Arrow Connector 57"/>
-          <p:cNvCxnSpPr>
-            <a:stCxn id="42" idx="3"/>
-            <a:endCxn id="2" idx="1"/>
-          </p:cNvCxnSpPr>
-          <p:nvPr/>
-        </p:nvCxnSpPr>
-        <p:spPr>
-          <a:xfrm>
-            <a:off x="2656370" y="3326536"/>
-            <a:ext cx="220810" cy="5284"/>
-          </a:xfrm>
-          <a:prstGeom prst="straightConnector1">
-            <a:avLst/>
-          </a:prstGeom>
-          <a:ln w="19050">
-            <a:solidFill>
-              <a:srgbClr val="7030A0"/>
-            </a:solidFill>
-            <a:headEnd type="none" w="med" len="med"/>
-            <a:tailEnd type="arrow" w="med" len="med"/>
-          </a:ln>
-          <a:effectLst/>
-        </p:spPr>
-        <p:style>
-          <a:lnRef idx="1">
-            <a:schemeClr val="accent2"/>
-          </a:lnRef>
-          <a:fillRef idx="2">
-            <a:schemeClr val="accent2"/>
-          </a:fillRef>
-          <a:effectRef idx="1">
-            <a:schemeClr val="accent2"/>
-          </a:effectRef>
-          <a:fontRef idx="minor">
-            <a:schemeClr val="dk1"/>
-          </a:fontRef>
-        </p:style>
-      </p:cxnSp>
-      <p:sp>
-        <p:nvSpPr>
-          <p:cNvPr id="71" name="Isosceles Triangle 102"/>
-          <p:cNvSpPr/>
-          <p:nvPr/>
-        </p:nvSpPr>
-        <p:spPr>
-          <a:xfrm rot="5400000" flipV="1">
-            <a:off x="6253986" y="3522883"/>
-            <a:ext cx="270504" cy="175523"/>
-          </a:xfrm>
-          <a:prstGeom prst="triangle">
-            <a:avLst/>
-          </a:prstGeom>
-          <a:solidFill>
-            <a:srgbClr val="7030A0"/>
-          </a:solidFill>
-          <a:ln w="19050">
-            <a:solidFill>
-              <a:srgbClr val="7030A0"/>
-            </a:solidFill>
-          </a:ln>
-          <a:effectLst/>
-        </p:spPr>
-        <p:style>
-          <a:lnRef idx="1">
-            <a:schemeClr val="accent4"/>
-          </a:lnRef>
-          <a:fillRef idx="2">
-            <a:schemeClr val="accent4"/>
-          </a:fillRef>
-          <a:effectRef idx="1">
-            <a:schemeClr val="accent4"/>
-          </a:effectRef>
-          <a:fontRef idx="minor">
-            <a:schemeClr val="dk1"/>
-          </a:fontRef>
-        </p:style>
-        <p:txBody>
-          <a:bodyPr rtlCol="0" anchor="ctr"/>
-          <a:lstStyle/>
-          <a:p>
-            <a:pPr algn="ctr"/>
-            <a:endParaRPr lang="en-SG" sz="1050" b="1">
+              <a:prstDash val="sysDot"/>
+              <a:headEnd type="none" w="med" len="med"/>
+              <a:tailEnd type="arrow" w="med" len="med"/>
+            </a:ln>
+            <a:effectLst/>
+          </p:spPr>
+          <p:style>
+            <a:lnRef idx="1">
+              <a:schemeClr val="accent2"/>
+            </a:lnRef>
+            <a:fillRef idx="2">
+              <a:schemeClr val="accent2"/>
+            </a:fillRef>
+            <a:effectRef idx="1">
+              <a:schemeClr val="accent2"/>
+            </a:effectRef>
+            <a:fontRef idx="minor">
+              <a:schemeClr val="dk1"/>
+            </a:fontRef>
+          </p:style>
+        </p:cxnSp>
+        <p:cxnSp>
+          <p:nvCxnSpPr>
+            <p:cNvPr id="21" name="Straight Connector 20"/>
+            <p:cNvCxnSpPr>
+              <a:stCxn id="120" idx="3"/>
+            </p:cNvCxnSpPr>
+            <p:nvPr/>
+          </p:nvCxnSpPr>
+          <p:spPr>
+            <a:xfrm flipV="1">
+              <a:off x="1849924" y="3040052"/>
+              <a:ext cx="216105" cy="1"/>
+            </a:xfrm>
+            <a:prstGeom prst="line">
+              <a:avLst/>
+            </a:prstGeom>
+            <a:ln w="19050">
               <a:solidFill>
-                <a:srgbClr val="92D050"/>
+                <a:srgbClr val="7030A0"/>
               </a:solidFill>
-            </a:endParaRPr>
-          </a:p>
-        </p:txBody>
-      </p:sp>
-      <p:cxnSp>
-        <p:nvCxnSpPr>
-          <p:cNvPr id="75" name="Elbow Connector 122"/>
-          <p:cNvCxnSpPr/>
-          <p:nvPr/>
-        </p:nvCxnSpPr>
-        <p:spPr>
-          <a:xfrm>
-            <a:off x="910091" y="3040053"/>
-            <a:ext cx="419548" cy="2860"/>
-          </a:xfrm>
-          <a:prstGeom prst="bentConnector3">
-            <a:avLst>
-              <a:gd name="adj1" fmla="val 50000"/>
-            </a:avLst>
-          </a:prstGeom>
-          <a:ln w="19050">
-            <a:solidFill>
-              <a:schemeClr val="bg1">
-                <a:lumMod val="75000"/>
-              </a:schemeClr>
-            </a:solidFill>
-            <a:prstDash val="sysDot"/>
-            <a:headEnd type="none" w="med" len="med"/>
-            <a:tailEnd type="arrow" w="med" len="med"/>
-          </a:ln>
-          <a:effectLst/>
-        </p:spPr>
-        <p:style>
-          <a:lnRef idx="1">
-            <a:schemeClr val="accent2"/>
-          </a:lnRef>
-          <a:fillRef idx="2">
-            <a:schemeClr val="accent2"/>
-          </a:fillRef>
-          <a:effectRef idx="1">
-            <a:schemeClr val="accent2"/>
-          </a:effectRef>
-          <a:fontRef idx="minor">
-            <a:schemeClr val="dk1"/>
-          </a:fontRef>
-        </p:style>
-      </p:cxnSp>
-      <p:cxnSp>
-        <p:nvCxnSpPr>
-          <p:cNvPr id="21" name="Straight Connector 20"/>
-          <p:cNvCxnSpPr>
-            <a:stCxn id="120" idx="3"/>
-          </p:cNvCxnSpPr>
-          <p:nvPr/>
-        </p:nvCxnSpPr>
-        <p:spPr>
-          <a:xfrm flipV="1">
-            <a:off x="1849924" y="3040052"/>
-            <a:ext cx="216105" cy="1"/>
-          </a:xfrm>
-          <a:prstGeom prst="line">
-            <a:avLst/>
-          </a:prstGeom>
-          <a:ln w="19050">
-            <a:solidFill>
-              <a:srgbClr val="7030A0"/>
-            </a:solidFill>
-            <a:prstDash val="sysDot"/>
-            <a:headEnd type="none" w="med" len="med"/>
-            <a:tailEnd type="none" w="med" len="med"/>
-          </a:ln>
-          <a:effectLst/>
-        </p:spPr>
-        <p:style>
-          <a:lnRef idx="1">
-            <a:schemeClr val="accent2"/>
-          </a:lnRef>
-          <a:fillRef idx="2">
-            <a:schemeClr val="accent2"/>
-          </a:fillRef>
-          <a:effectRef idx="1">
-            <a:schemeClr val="accent2"/>
-          </a:effectRef>
-          <a:fontRef idx="minor">
-            <a:schemeClr val="dk1"/>
-          </a:fontRef>
-        </p:style>
-      </p:cxnSp>
-      <p:sp>
-        <p:nvSpPr>
-          <p:cNvPr id="42" name="Flowchart: Decision 96"/>
-          <p:cNvSpPr/>
-          <p:nvPr/>
-        </p:nvSpPr>
-        <p:spPr>
-          <a:xfrm>
-            <a:off x="2420322" y="3239846"/>
-            <a:ext cx="236048" cy="173380"/>
-          </a:xfrm>
-          <a:prstGeom prst="flowChartDecision">
-            <a:avLst/>
-          </a:prstGeom>
-          <a:noFill/>
-          <a:ln w="19050">
-            <a:solidFill>
-              <a:srgbClr val="7030A0"/>
-            </a:solidFill>
-          </a:ln>
-          <a:effectLst/>
-        </p:spPr>
-        <p:style>
-          <a:lnRef idx="1">
-            <a:schemeClr val="accent6"/>
-          </a:lnRef>
-          <a:fillRef idx="2">
-            <a:schemeClr val="accent6"/>
-          </a:fillRef>
-          <a:effectRef idx="1">
-            <a:schemeClr val="accent6"/>
-          </a:effectRef>
-          <a:fontRef idx="minor">
-            <a:schemeClr val="dk1"/>
-          </a:fontRef>
-        </p:style>
-        <p:txBody>
-          <a:bodyPr rtlCol="0" anchor="ctr"/>
-          <a:lstStyle/>
-          <a:p>
-            <a:pPr algn="ctr"/>
-            <a:endParaRPr lang="en-US" sz="1050"/>
-          </a:p>
-        </p:txBody>
-      </p:sp>
-      <p:sp>
-        <p:nvSpPr>
-          <p:cNvPr id="46" name="Rectangle 8"/>
-          <p:cNvSpPr/>
-          <p:nvPr/>
-        </p:nvSpPr>
-        <p:spPr>
-          <a:xfrm>
-            <a:off x="2879490" y="2627420"/>
-            <a:ext cx="1093635" cy="346760"/>
-          </a:xfrm>
-          <a:prstGeom prst="rect">
-            <a:avLst/>
-          </a:prstGeom>
-          <a:ln w="19050">
-            <a:solidFill>
-              <a:srgbClr val="7030A0"/>
-            </a:solidFill>
-          </a:ln>
-          <a:effectLst/>
-        </p:spPr>
-        <p:style>
-          <a:lnRef idx="1">
-            <a:schemeClr val="accent4"/>
-          </a:lnRef>
-          <a:fillRef idx="2">
-            <a:schemeClr val="accent4"/>
-          </a:fillRef>
-          <a:effectRef idx="1">
-            <a:schemeClr val="accent4"/>
-          </a:effectRef>
-          <a:fontRef idx="minor">
-            <a:schemeClr val="dk1"/>
-          </a:fontRef>
-        </p:style>
-        <p:txBody>
-          <a:bodyPr rtlCol="0" anchor="ctr"/>
-          <a:lstStyle/>
-          <a:p>
-            <a:pPr algn="ctr"/>
-            <a:r>
-              <a:rPr lang="en-US" sz="1050" dirty="0" err="1" smtClean="0">
+              <a:prstDash val="sysDot"/>
+              <a:headEnd type="none" w="med" len="med"/>
+              <a:tailEnd type="none" w="med" len="med"/>
+            </a:ln>
+            <a:effectLst/>
+          </p:spPr>
+          <p:style>
+            <a:lnRef idx="1">
+              <a:schemeClr val="accent2"/>
+            </a:lnRef>
+            <a:fillRef idx="2">
+              <a:schemeClr val="accent2"/>
+            </a:fillRef>
+            <a:effectRef idx="1">
+              <a:schemeClr val="accent2"/>
+            </a:effectRef>
+            <a:fontRef idx="minor">
+              <a:schemeClr val="dk1"/>
+            </a:fontRef>
+          </p:style>
+        </p:cxnSp>
+        <p:sp>
+          <p:nvSpPr>
+            <p:cNvPr id="42" name="Flowchart: Decision 96"/>
+            <p:cNvSpPr/>
+            <p:nvPr/>
+          </p:nvSpPr>
+          <p:spPr>
+            <a:xfrm>
+              <a:off x="2420322" y="3239846"/>
+              <a:ext cx="236048" cy="173380"/>
+            </a:xfrm>
+            <a:prstGeom prst="flowChartDecision">
+              <a:avLst/>
+            </a:prstGeom>
+            <a:noFill/>
+            <a:ln w="19050">
+              <a:solidFill>
+                <a:srgbClr val="7030A0"/>
+              </a:solidFill>
+            </a:ln>
+            <a:effectLst/>
+          </p:spPr>
+          <p:style>
+            <a:lnRef idx="1">
+              <a:schemeClr val="accent6"/>
+            </a:lnRef>
+            <a:fillRef idx="2">
+              <a:schemeClr val="accent6"/>
+            </a:fillRef>
+            <a:effectRef idx="1">
+              <a:schemeClr val="accent6"/>
+            </a:effectRef>
+            <a:fontRef idx="minor">
+              <a:schemeClr val="dk1"/>
+            </a:fontRef>
+          </p:style>
+          <p:txBody>
+            <a:bodyPr rtlCol="0" anchor="ctr"/>
+            <a:lstStyle/>
+            <a:p>
+              <a:pPr algn="ctr"/>
+              <a:endParaRPr lang="en-US" sz="1050"/>
+            </a:p>
+          </p:txBody>
+        </p:sp>
+        <p:sp>
+          <p:nvSpPr>
+            <p:cNvPr id="46" name="Rectangle 8"/>
+            <p:cNvSpPr/>
+            <p:nvPr/>
+          </p:nvSpPr>
+          <p:spPr>
+            <a:xfrm>
+              <a:off x="2879490" y="2627420"/>
+              <a:ext cx="1093635" cy="346760"/>
+            </a:xfrm>
+            <a:prstGeom prst="rect">
+              <a:avLst/>
+            </a:prstGeom>
+            <a:ln w="19050">
+              <a:solidFill>
+                <a:srgbClr val="7030A0"/>
+              </a:solidFill>
+            </a:ln>
+            <a:effectLst/>
+          </p:spPr>
+          <p:style>
+            <a:lnRef idx="1">
+              <a:schemeClr val="accent4"/>
+            </a:lnRef>
+            <a:fillRef idx="2">
+              <a:schemeClr val="accent4"/>
+            </a:fillRef>
+            <a:effectRef idx="1">
+              <a:schemeClr val="accent4"/>
+            </a:effectRef>
+            <a:fontRef idx="minor">
+              <a:schemeClr val="dk1"/>
+            </a:fontRef>
+          </p:style>
+          <p:txBody>
+            <a:bodyPr rtlCol="0" anchor="ctr"/>
+            <a:lstStyle/>
+            <a:p>
+              <a:pPr algn="ctr"/>
+              <a:r>
+                <a:rPr lang="en-US" sz="1050" dirty="0">
+                  <a:solidFill>
+                    <a:srgbClr val="7030A0"/>
+                  </a:solidFill>
+                </a:rPr>
+                <a:t>Tars</a:t>
+              </a:r>
+              <a:endParaRPr lang="en-SG" sz="1050" dirty="0">
                 <a:solidFill>
                   <a:srgbClr val="7030A0"/>
                 </a:solidFill>
-              </a:rPr>
-              <a:t>AddressBook</a:t>
-            </a:r>
-            <a:endParaRPr lang="en-SG" sz="1050" dirty="0">
+              </a:endParaRPr>
+            </a:p>
+          </p:txBody>
+        </p:sp>
+        <p:cxnSp>
+          <p:nvCxnSpPr>
+            <p:cNvPr id="47" name="Straight Arrow Connector 46"/>
+            <p:cNvCxnSpPr>
+              <a:stCxn id="48" idx="3"/>
+              <a:endCxn id="46" idx="1"/>
+            </p:cNvCxnSpPr>
+            <p:nvPr/>
+          </p:nvCxnSpPr>
+          <p:spPr>
+            <a:xfrm>
+              <a:off x="2658680" y="2795516"/>
+              <a:ext cx="220810" cy="5284"/>
+            </a:xfrm>
+            <a:prstGeom prst="straightConnector1">
+              <a:avLst/>
+            </a:prstGeom>
+            <a:ln w="19050">
               <a:solidFill>
                 <a:srgbClr val="7030A0"/>
               </a:solidFill>
-            </a:endParaRPr>
-          </a:p>
-        </p:txBody>
-      </p:sp>
-      <p:cxnSp>
-        <p:nvCxnSpPr>
-          <p:cNvPr id="47" name="Straight Arrow Connector 46"/>
-          <p:cNvCxnSpPr>
-            <a:stCxn id="48" idx="3"/>
-            <a:endCxn id="46" idx="1"/>
-          </p:cNvCxnSpPr>
-          <p:nvPr/>
-        </p:nvCxnSpPr>
-        <p:spPr>
-          <a:xfrm>
-            <a:off x="2658680" y="2795516"/>
-            <a:ext cx="220810" cy="5284"/>
-          </a:xfrm>
-          <a:prstGeom prst="straightConnector1">
-            <a:avLst/>
-          </a:prstGeom>
-          <a:ln w="19050">
-            <a:solidFill>
-              <a:srgbClr val="7030A0"/>
-            </a:solidFill>
-            <a:headEnd type="none" w="med" len="med"/>
-            <a:tailEnd type="arrow" w="med" len="med"/>
-          </a:ln>
-          <a:effectLst/>
-        </p:spPr>
-        <p:style>
-          <a:lnRef idx="1">
-            <a:schemeClr val="accent2"/>
-          </a:lnRef>
-          <a:fillRef idx="2">
-            <a:schemeClr val="accent2"/>
-          </a:fillRef>
-          <a:effectRef idx="1">
-            <a:schemeClr val="accent2"/>
-          </a:effectRef>
-          <a:fontRef idx="minor">
-            <a:schemeClr val="dk1"/>
-          </a:fontRef>
-        </p:style>
-      </p:cxnSp>
-      <p:sp>
-        <p:nvSpPr>
-          <p:cNvPr id="48" name="Flowchart: Decision 96"/>
-          <p:cNvSpPr/>
-          <p:nvPr/>
-        </p:nvSpPr>
-        <p:spPr>
-          <a:xfrm>
-            <a:off x="2422632" y="2708826"/>
-            <a:ext cx="236048" cy="173380"/>
-          </a:xfrm>
-          <a:prstGeom prst="flowChartDecision">
-            <a:avLst/>
-          </a:prstGeom>
-          <a:noFill/>
-          <a:ln w="19050">
-            <a:solidFill>
-              <a:srgbClr val="7030A0"/>
-            </a:solidFill>
-          </a:ln>
-          <a:effectLst/>
-        </p:spPr>
-        <p:style>
-          <a:lnRef idx="1">
-            <a:schemeClr val="accent6"/>
-          </a:lnRef>
-          <a:fillRef idx="2">
-            <a:schemeClr val="accent6"/>
-          </a:fillRef>
-          <a:effectRef idx="1">
-            <a:schemeClr val="accent6"/>
-          </a:effectRef>
-          <a:fontRef idx="minor">
-            <a:schemeClr val="dk1"/>
-          </a:fontRef>
-        </p:style>
-        <p:txBody>
-          <a:bodyPr rtlCol="0" anchor="ctr"/>
-          <a:lstStyle/>
-          <a:p>
-            <a:pPr algn="ctr"/>
-            <a:endParaRPr lang="en-US" sz="1050"/>
-          </a:p>
-        </p:txBody>
-      </p:sp>
-      <p:sp>
-        <p:nvSpPr>
-          <p:cNvPr id="49" name="Rectangle 8"/>
-          <p:cNvSpPr/>
-          <p:nvPr/>
-        </p:nvSpPr>
-        <p:spPr>
-          <a:xfrm>
-            <a:off x="4487017" y="2847371"/>
-            <a:ext cx="1156969" cy="346760"/>
-          </a:xfrm>
-          <a:prstGeom prst="rect">
-            <a:avLst/>
-          </a:prstGeom>
-          <a:ln w="19050">
-            <a:solidFill>
-              <a:srgbClr val="7030A0"/>
-            </a:solidFill>
-          </a:ln>
-          <a:effectLst/>
-        </p:spPr>
-        <p:style>
-          <a:lnRef idx="1">
-            <a:schemeClr val="accent4"/>
-          </a:lnRef>
-          <a:fillRef idx="2">
-            <a:schemeClr val="accent4"/>
-          </a:fillRef>
-          <a:effectRef idx="1">
-            <a:schemeClr val="accent4"/>
-          </a:effectRef>
-          <a:fontRef idx="minor">
-            <a:schemeClr val="dk1"/>
-          </a:fontRef>
-        </p:style>
-        <p:txBody>
-          <a:bodyPr rtlCol="0" anchor="ctr"/>
-          <a:lstStyle/>
-          <a:p>
-            <a:pPr algn="ctr"/>
-            <a:r>
-              <a:rPr lang="en-US" sz="1050" dirty="0" err="1" smtClean="0">
+              <a:headEnd type="none" w="med" len="med"/>
+              <a:tailEnd type="arrow" w="med" len="med"/>
+            </a:ln>
+            <a:effectLst/>
+          </p:spPr>
+          <p:style>
+            <a:lnRef idx="1">
+              <a:schemeClr val="accent2"/>
+            </a:lnRef>
+            <a:fillRef idx="2">
+              <a:schemeClr val="accent2"/>
+            </a:fillRef>
+            <a:effectRef idx="1">
+              <a:schemeClr val="accent2"/>
+            </a:effectRef>
+            <a:fontRef idx="minor">
+              <a:schemeClr val="dk1"/>
+            </a:fontRef>
+          </p:style>
+        </p:cxnSp>
+        <p:sp>
+          <p:nvSpPr>
+            <p:cNvPr id="48" name="Flowchart: Decision 96"/>
+            <p:cNvSpPr/>
+            <p:nvPr/>
+          </p:nvSpPr>
+          <p:spPr>
+            <a:xfrm>
+              <a:off x="2422632" y="2708826"/>
+              <a:ext cx="236048" cy="173380"/>
+            </a:xfrm>
+            <a:prstGeom prst="flowChartDecision">
+              <a:avLst/>
+            </a:prstGeom>
+            <a:noFill/>
+            <a:ln w="19050">
+              <a:solidFill>
+                <a:srgbClr val="7030A0"/>
+              </a:solidFill>
+            </a:ln>
+            <a:effectLst/>
+          </p:spPr>
+          <p:style>
+            <a:lnRef idx="1">
+              <a:schemeClr val="accent6"/>
+            </a:lnRef>
+            <a:fillRef idx="2">
+              <a:schemeClr val="accent6"/>
+            </a:fillRef>
+            <a:effectRef idx="1">
+              <a:schemeClr val="accent6"/>
+            </a:effectRef>
+            <a:fontRef idx="minor">
+              <a:schemeClr val="dk1"/>
+            </a:fontRef>
+          </p:style>
+          <p:txBody>
+            <a:bodyPr rtlCol="0" anchor="ctr"/>
+            <a:lstStyle/>
+            <a:p>
+              <a:pPr algn="ctr"/>
+              <a:endParaRPr lang="en-US" sz="1050"/>
+            </a:p>
+          </p:txBody>
+        </p:sp>
+        <p:sp>
+          <p:nvSpPr>
+            <p:cNvPr id="49" name="Rectangle 8"/>
+            <p:cNvSpPr/>
+            <p:nvPr/>
+          </p:nvSpPr>
+          <p:spPr>
+            <a:xfrm>
+              <a:off x="4487017" y="2847371"/>
+              <a:ext cx="1156969" cy="346760"/>
+            </a:xfrm>
+            <a:prstGeom prst="rect">
+              <a:avLst/>
+            </a:prstGeom>
+            <a:ln w="19050">
+              <a:solidFill>
+                <a:srgbClr val="7030A0"/>
+              </a:solidFill>
+            </a:ln>
+            <a:effectLst/>
+          </p:spPr>
+          <p:style>
+            <a:lnRef idx="1">
+              <a:schemeClr val="accent4"/>
+            </a:lnRef>
+            <a:fillRef idx="2">
+              <a:schemeClr val="accent4"/>
+            </a:fillRef>
+            <a:effectRef idx="1">
+              <a:schemeClr val="accent4"/>
+            </a:effectRef>
+            <a:fontRef idx="minor">
+              <a:schemeClr val="dk1"/>
+            </a:fontRef>
+          </p:style>
+          <p:txBody>
+            <a:bodyPr rtlCol="0" anchor="ctr"/>
+            <a:lstStyle/>
+            <a:p>
+              <a:pPr algn="ctr"/>
+              <a:r>
+                <a:rPr lang="en-US" sz="1050" dirty="0" err="1">
+                  <a:solidFill>
+                    <a:srgbClr val="7030A0"/>
+                  </a:solidFill>
+                </a:rPr>
+                <a:t>UniqueTaskList</a:t>
+              </a:r>
+              <a:endParaRPr lang="en-SG" sz="1050" dirty="0">
                 <a:solidFill>
                   <a:srgbClr val="7030A0"/>
                 </a:solidFill>
-              </a:rPr>
-              <a:t>UniquePersonList</a:t>
-            </a:r>
-            <a:endParaRPr lang="en-SG" sz="1050" dirty="0">
+              </a:endParaRPr>
+            </a:p>
+          </p:txBody>
+        </p:sp>
+        <p:sp>
+          <p:nvSpPr>
+            <p:cNvPr id="51" name="Flowchart: Decision 96"/>
+            <p:cNvSpPr/>
+            <p:nvPr/>
+          </p:nvSpPr>
+          <p:spPr>
+            <a:xfrm>
+              <a:off x="3984303" y="2673991"/>
+              <a:ext cx="236048" cy="173380"/>
+            </a:xfrm>
+            <a:prstGeom prst="flowChartDecision">
+              <a:avLst/>
+            </a:prstGeom>
+            <a:solidFill>
+              <a:srgbClr val="7030A0"/>
+            </a:solidFill>
+            <a:ln w="19050">
               <a:solidFill>
                 <a:srgbClr val="7030A0"/>
               </a:solidFill>
-            </a:endParaRPr>
-          </a:p>
-        </p:txBody>
-      </p:sp>
-      <p:sp>
-        <p:nvSpPr>
-          <p:cNvPr id="51" name="Flowchart: Decision 96"/>
-          <p:cNvSpPr/>
-          <p:nvPr/>
-        </p:nvSpPr>
-        <p:spPr>
-          <a:xfrm>
-            <a:off x="3984303" y="2673991"/>
-            <a:ext cx="236048" cy="173380"/>
-          </a:xfrm>
-          <a:prstGeom prst="flowChartDecision">
-            <a:avLst/>
-          </a:prstGeom>
-          <a:solidFill>
-            <a:srgbClr val="7030A0"/>
-          </a:solidFill>
-          <a:ln w="19050">
-            <a:solidFill>
-              <a:srgbClr val="7030A0"/>
-            </a:solidFill>
-          </a:ln>
-          <a:effectLst/>
-        </p:spPr>
-        <p:style>
-          <a:lnRef idx="1">
-            <a:schemeClr val="accent6"/>
-          </a:lnRef>
-          <a:fillRef idx="2">
-            <a:schemeClr val="accent6"/>
-          </a:fillRef>
-          <a:effectRef idx="1">
-            <a:schemeClr val="accent6"/>
-          </a:effectRef>
-          <a:fontRef idx="minor">
-            <a:schemeClr val="dk1"/>
-          </a:fontRef>
-        </p:style>
-        <p:txBody>
-          <a:bodyPr rtlCol="0" anchor="ctr"/>
-          <a:lstStyle/>
-          <a:p>
-            <a:pPr algn="ctr"/>
-            <a:endParaRPr lang="en-US" sz="1050"/>
-          </a:p>
-        </p:txBody>
-      </p:sp>
-      <p:cxnSp>
-        <p:nvCxnSpPr>
-          <p:cNvPr id="30" name="Elbow Connector 29"/>
-          <p:cNvCxnSpPr>
-            <a:stCxn id="51" idx="3"/>
-            <a:endCxn id="49" idx="1"/>
-          </p:cNvCxnSpPr>
-          <p:nvPr/>
-        </p:nvCxnSpPr>
-        <p:spPr>
-          <a:xfrm>
-            <a:off x="4220351" y="2760681"/>
-            <a:ext cx="266666" cy="260070"/>
-          </a:xfrm>
-          <a:prstGeom prst="bentConnector3">
-            <a:avLst/>
-          </a:prstGeom>
-          <a:ln w="19050">
-            <a:solidFill>
-              <a:srgbClr val="7030A0"/>
-            </a:solidFill>
-            <a:headEnd type="none" w="med" len="med"/>
-            <a:tailEnd type="arrow" w="med" len="med"/>
-          </a:ln>
-          <a:effectLst/>
-        </p:spPr>
-        <p:style>
-          <a:lnRef idx="1">
-            <a:schemeClr val="accent2"/>
-          </a:lnRef>
-          <a:fillRef idx="2">
-            <a:schemeClr val="accent2"/>
-          </a:fillRef>
-          <a:effectRef idx="1">
-            <a:schemeClr val="accent2"/>
-          </a:effectRef>
-          <a:fontRef idx="minor">
-            <a:schemeClr val="dk1"/>
-          </a:fontRef>
-        </p:style>
-      </p:cxnSp>
-      <p:sp>
-        <p:nvSpPr>
-          <p:cNvPr id="57" name="Rectangle 8"/>
-          <p:cNvSpPr/>
-          <p:nvPr/>
-        </p:nvSpPr>
-        <p:spPr>
-          <a:xfrm>
-            <a:off x="4503204" y="2280569"/>
-            <a:ext cx="1156969" cy="346760"/>
-          </a:xfrm>
-          <a:prstGeom prst="rect">
-            <a:avLst/>
-          </a:prstGeom>
-          <a:ln w="19050">
-            <a:solidFill>
-              <a:srgbClr val="7030A0"/>
-            </a:solidFill>
-          </a:ln>
-          <a:effectLst/>
-        </p:spPr>
-        <p:style>
-          <a:lnRef idx="1">
-            <a:schemeClr val="accent4"/>
-          </a:lnRef>
-          <a:fillRef idx="2">
-            <a:schemeClr val="accent4"/>
-          </a:fillRef>
-          <a:effectRef idx="1">
-            <a:schemeClr val="accent4"/>
-          </a:effectRef>
-          <a:fontRef idx="minor">
-            <a:schemeClr val="dk1"/>
-          </a:fontRef>
-        </p:style>
-        <p:txBody>
-          <a:bodyPr rtlCol="0" anchor="ctr"/>
-          <a:lstStyle/>
-          <a:p>
-            <a:pPr algn="ctr"/>
-            <a:r>
-              <a:rPr lang="en-US" sz="1050" dirty="0" err="1" smtClean="0">
+            </a:ln>
+            <a:effectLst/>
+          </p:spPr>
+          <p:style>
+            <a:lnRef idx="1">
+              <a:schemeClr val="accent6"/>
+            </a:lnRef>
+            <a:fillRef idx="2">
+              <a:schemeClr val="accent6"/>
+            </a:fillRef>
+            <a:effectRef idx="1">
+              <a:schemeClr val="accent6"/>
+            </a:effectRef>
+            <a:fontRef idx="minor">
+              <a:schemeClr val="dk1"/>
+            </a:fontRef>
+          </p:style>
+          <p:txBody>
+            <a:bodyPr rtlCol="0" anchor="ctr"/>
+            <a:lstStyle/>
+            <a:p>
+              <a:pPr algn="ctr"/>
+              <a:endParaRPr lang="en-US" sz="1050"/>
+            </a:p>
+          </p:txBody>
+        </p:sp>
+        <p:cxnSp>
+          <p:nvCxnSpPr>
+            <p:cNvPr id="30" name="Elbow Connector 29"/>
+            <p:cNvCxnSpPr>
+              <a:stCxn id="51" idx="3"/>
+              <a:endCxn id="49" idx="1"/>
+            </p:cNvCxnSpPr>
+            <p:nvPr/>
+          </p:nvCxnSpPr>
+          <p:spPr>
+            <a:xfrm>
+              <a:off x="4220351" y="2760681"/>
+              <a:ext cx="266666" cy="260070"/>
+            </a:xfrm>
+            <a:prstGeom prst="bentConnector3">
+              <a:avLst/>
+            </a:prstGeom>
+            <a:ln w="19050">
+              <a:solidFill>
+                <a:srgbClr val="7030A0"/>
+              </a:solidFill>
+              <a:headEnd type="none" w="med" len="med"/>
+              <a:tailEnd type="arrow" w="med" len="med"/>
+            </a:ln>
+            <a:effectLst/>
+          </p:spPr>
+          <p:style>
+            <a:lnRef idx="1">
+              <a:schemeClr val="accent2"/>
+            </a:lnRef>
+            <a:fillRef idx="2">
+              <a:schemeClr val="accent2"/>
+            </a:fillRef>
+            <a:effectRef idx="1">
+              <a:schemeClr val="accent2"/>
+            </a:effectRef>
+            <a:fontRef idx="minor">
+              <a:schemeClr val="dk1"/>
+            </a:fontRef>
+          </p:style>
+        </p:cxnSp>
+        <p:sp>
+          <p:nvSpPr>
+            <p:cNvPr id="57" name="Rectangle 8"/>
+            <p:cNvSpPr/>
+            <p:nvPr/>
+          </p:nvSpPr>
+          <p:spPr>
+            <a:xfrm>
+              <a:off x="4503204" y="2280569"/>
+              <a:ext cx="1156969" cy="346760"/>
+            </a:xfrm>
+            <a:prstGeom prst="rect">
+              <a:avLst/>
+            </a:prstGeom>
+            <a:ln w="19050">
+              <a:solidFill>
+                <a:srgbClr val="7030A0"/>
+              </a:solidFill>
+            </a:ln>
+            <a:effectLst/>
+          </p:spPr>
+          <p:style>
+            <a:lnRef idx="1">
+              <a:schemeClr val="accent4"/>
+            </a:lnRef>
+            <a:fillRef idx="2">
+              <a:schemeClr val="accent4"/>
+            </a:fillRef>
+            <a:effectRef idx="1">
+              <a:schemeClr val="accent4"/>
+            </a:effectRef>
+            <a:fontRef idx="minor">
+              <a:schemeClr val="dk1"/>
+            </a:fontRef>
+          </p:style>
+          <p:txBody>
+            <a:bodyPr rtlCol="0" anchor="ctr"/>
+            <a:lstStyle/>
+            <a:p>
+              <a:pPr algn="ctr"/>
+              <a:r>
+                <a:rPr lang="en-US" sz="1050" dirty="0" err="1">
+                  <a:solidFill>
+                    <a:srgbClr val="7030A0"/>
+                  </a:solidFill>
+                </a:rPr>
+                <a:t>UniqueTagList</a:t>
+              </a:r>
+              <a:endParaRPr lang="en-SG" sz="1050" dirty="0">
                 <a:solidFill>
                   <a:srgbClr val="7030A0"/>
                 </a:solidFill>
-              </a:rPr>
-              <a:t>UniqueTagList</a:t>
-            </a:r>
-            <a:endParaRPr lang="en-SG" sz="1050" dirty="0">
+              </a:endParaRPr>
+            </a:p>
+          </p:txBody>
+        </p:sp>
+        <p:cxnSp>
+          <p:nvCxnSpPr>
+            <p:cNvPr id="59" name="Elbow Connector 58"/>
+            <p:cNvCxnSpPr>
+              <a:stCxn id="51" idx="3"/>
+              <a:endCxn id="57" idx="1"/>
+            </p:cNvCxnSpPr>
+            <p:nvPr/>
+          </p:nvCxnSpPr>
+          <p:spPr>
+            <a:xfrm flipV="1">
+              <a:off x="4220351" y="2453949"/>
+              <a:ext cx="282853" cy="306732"/>
+            </a:xfrm>
+            <a:prstGeom prst="bentConnector3">
+              <a:avLst>
+                <a:gd name="adj1" fmla="val 50000"/>
+              </a:avLst>
+            </a:prstGeom>
+            <a:ln w="19050">
               <a:solidFill>
                 <a:srgbClr val="7030A0"/>
               </a:solidFill>
-            </a:endParaRPr>
-          </a:p>
-        </p:txBody>
-      </p:sp>
-      <p:cxnSp>
-        <p:nvCxnSpPr>
-          <p:cNvPr id="59" name="Elbow Connector 58"/>
-          <p:cNvCxnSpPr>
-            <a:stCxn id="51" idx="3"/>
-            <a:endCxn id="57" idx="1"/>
-          </p:cNvCxnSpPr>
-          <p:nvPr/>
-        </p:nvCxnSpPr>
-        <p:spPr>
-          <a:xfrm flipV="1">
-            <a:off x="4220351" y="2453949"/>
-            <a:ext cx="282853" cy="306732"/>
-          </a:xfrm>
-          <a:prstGeom prst="bentConnector3">
-            <a:avLst>
-              <a:gd name="adj1" fmla="val 50000"/>
-            </a:avLst>
-          </a:prstGeom>
-          <a:ln w="19050">
-            <a:solidFill>
-              <a:srgbClr val="7030A0"/>
-            </a:solidFill>
-            <a:headEnd type="none" w="med" len="med"/>
-            <a:tailEnd type="arrow" w="med" len="med"/>
-          </a:ln>
-          <a:effectLst/>
-        </p:spPr>
-        <p:style>
-          <a:lnRef idx="1">
-            <a:schemeClr val="accent2"/>
-          </a:lnRef>
-          <a:fillRef idx="2">
-            <a:schemeClr val="accent2"/>
-          </a:fillRef>
-          <a:effectRef idx="1">
-            <a:schemeClr val="accent2"/>
-          </a:effectRef>
-          <a:fontRef idx="minor">
-            <a:schemeClr val="dk1"/>
-          </a:fontRef>
-        </p:style>
-      </p:cxnSp>
-      <p:sp>
-        <p:nvSpPr>
-          <p:cNvPr id="62" name="Rectangle 8"/>
-          <p:cNvSpPr/>
-          <p:nvPr/>
-        </p:nvSpPr>
-        <p:spPr>
-          <a:xfrm>
-            <a:off x="6313677" y="2858066"/>
-            <a:ext cx="708186" cy="346760"/>
-          </a:xfrm>
-          <a:prstGeom prst="rect">
-            <a:avLst/>
-          </a:prstGeom>
-          <a:ln w="19050">
-            <a:solidFill>
-              <a:srgbClr val="7030A0"/>
-            </a:solidFill>
-          </a:ln>
-          <a:effectLst/>
-        </p:spPr>
-        <p:style>
-          <a:lnRef idx="1">
-            <a:schemeClr val="accent4"/>
-          </a:lnRef>
-          <a:fillRef idx="2">
-            <a:schemeClr val="accent4"/>
-          </a:fillRef>
-          <a:effectRef idx="1">
-            <a:schemeClr val="accent4"/>
-          </a:effectRef>
-          <a:fontRef idx="minor">
-            <a:schemeClr val="dk1"/>
-          </a:fontRef>
-        </p:style>
-        <p:txBody>
-          <a:bodyPr rtlCol="0" anchor="ctr"/>
-          <a:lstStyle/>
-          <a:p>
-            <a:pPr algn="ctr"/>
-            <a:r>
-              <a:rPr lang="en-US" sz="1050" dirty="0" smtClean="0">
+              <a:headEnd type="none" w="med" len="med"/>
+              <a:tailEnd type="arrow" w="med" len="med"/>
+            </a:ln>
+            <a:effectLst/>
+          </p:spPr>
+          <p:style>
+            <a:lnRef idx="1">
+              <a:schemeClr val="accent2"/>
+            </a:lnRef>
+            <a:fillRef idx="2">
+              <a:schemeClr val="accent2"/>
+            </a:fillRef>
+            <a:effectRef idx="1">
+              <a:schemeClr val="accent2"/>
+            </a:effectRef>
+            <a:fontRef idx="minor">
+              <a:schemeClr val="dk1"/>
+            </a:fontRef>
+          </p:style>
+        </p:cxnSp>
+        <p:sp>
+          <p:nvSpPr>
+            <p:cNvPr id="62" name="Rectangle 8"/>
+            <p:cNvSpPr/>
+            <p:nvPr/>
+          </p:nvSpPr>
+          <p:spPr>
+            <a:xfrm>
+              <a:off x="6313677" y="2858066"/>
+              <a:ext cx="708186" cy="346760"/>
+            </a:xfrm>
+            <a:prstGeom prst="rect">
+              <a:avLst/>
+            </a:prstGeom>
+            <a:ln w="19050">
+              <a:solidFill>
+                <a:srgbClr val="7030A0"/>
+              </a:solidFill>
+            </a:ln>
+            <a:effectLst/>
+          </p:spPr>
+          <p:style>
+            <a:lnRef idx="1">
+              <a:schemeClr val="accent4"/>
+            </a:lnRef>
+            <a:fillRef idx="2">
+              <a:schemeClr val="accent4"/>
+            </a:fillRef>
+            <a:effectRef idx="1">
+              <a:schemeClr val="accent4"/>
+            </a:effectRef>
+            <a:fontRef idx="minor">
+              <a:schemeClr val="dk1"/>
+            </a:fontRef>
+          </p:style>
+          <p:txBody>
+            <a:bodyPr rtlCol="0" anchor="ctr"/>
+            <a:lstStyle/>
+            <a:p>
+              <a:pPr algn="ctr"/>
+              <a:r>
+                <a:rPr lang="en-US" sz="1050" dirty="0">
+                  <a:solidFill>
+                    <a:srgbClr val="7030A0"/>
+                  </a:solidFill>
+                </a:rPr>
+                <a:t>Task</a:t>
+              </a:r>
+              <a:endParaRPr lang="en-SG" sz="1050" dirty="0">
                 <a:solidFill>
                   <a:srgbClr val="7030A0"/>
                 </a:solidFill>
-              </a:rPr>
-              <a:t>Person</a:t>
-            </a:r>
-            <a:endParaRPr lang="en-SG" sz="1050" dirty="0">
+              </a:endParaRPr>
+            </a:p>
+          </p:txBody>
+        </p:sp>
+        <p:sp>
+          <p:nvSpPr>
+            <p:cNvPr id="63" name="Flowchart: Decision 96"/>
+            <p:cNvSpPr/>
+            <p:nvPr/>
+          </p:nvSpPr>
+          <p:spPr>
+            <a:xfrm>
+              <a:off x="5643227" y="2943979"/>
+              <a:ext cx="236048" cy="173380"/>
+            </a:xfrm>
+            <a:prstGeom prst="flowChartDecision">
+              <a:avLst/>
+            </a:prstGeom>
+            <a:noFill/>
+            <a:ln w="19050">
               <a:solidFill>
                 <a:srgbClr val="7030A0"/>
               </a:solidFill>
-            </a:endParaRPr>
-          </a:p>
-        </p:txBody>
-      </p:sp>
-      <p:sp>
-        <p:nvSpPr>
-          <p:cNvPr id="63" name="Flowchart: Decision 96"/>
-          <p:cNvSpPr/>
-          <p:nvPr/>
-        </p:nvSpPr>
-        <p:spPr>
-          <a:xfrm>
-            <a:off x="5643227" y="2943979"/>
-            <a:ext cx="236048" cy="173380"/>
-          </a:xfrm>
-          <a:prstGeom prst="flowChartDecision">
-            <a:avLst/>
-          </a:prstGeom>
-          <a:noFill/>
-          <a:ln w="19050">
-            <a:solidFill>
-              <a:srgbClr val="7030A0"/>
-            </a:solidFill>
-          </a:ln>
-          <a:effectLst/>
-        </p:spPr>
-        <p:style>
-          <a:lnRef idx="1">
-            <a:schemeClr val="accent6"/>
-          </a:lnRef>
-          <a:fillRef idx="2">
-            <a:schemeClr val="accent6"/>
-          </a:fillRef>
-          <a:effectRef idx="1">
-            <a:schemeClr val="accent6"/>
-          </a:effectRef>
-          <a:fontRef idx="minor">
-            <a:schemeClr val="dk1"/>
-          </a:fontRef>
-        </p:style>
-        <p:txBody>
-          <a:bodyPr rtlCol="0" anchor="ctr"/>
-          <a:lstStyle/>
-          <a:p>
-            <a:pPr algn="ctr"/>
-            <a:endParaRPr lang="en-US" sz="1050"/>
-          </a:p>
-        </p:txBody>
-      </p:sp>
-      <p:cxnSp>
-        <p:nvCxnSpPr>
-          <p:cNvPr id="64" name="Elbow Connector 63"/>
-          <p:cNvCxnSpPr>
-            <a:stCxn id="63" idx="3"/>
-            <a:endCxn id="62" idx="1"/>
-          </p:cNvCxnSpPr>
-          <p:nvPr/>
-        </p:nvCxnSpPr>
-        <p:spPr>
-          <a:xfrm>
-            <a:off x="5879275" y="3030669"/>
-            <a:ext cx="434402" cy="777"/>
-          </a:xfrm>
-          <a:prstGeom prst="bentConnector3">
-            <a:avLst/>
-          </a:prstGeom>
-          <a:ln w="19050">
-            <a:solidFill>
-              <a:srgbClr val="7030A0"/>
-            </a:solidFill>
-            <a:headEnd type="none" w="med" len="med"/>
-            <a:tailEnd type="arrow" w="med" len="med"/>
-          </a:ln>
-          <a:effectLst/>
-        </p:spPr>
-        <p:style>
-          <a:lnRef idx="1">
-            <a:schemeClr val="accent2"/>
-          </a:lnRef>
-          <a:fillRef idx="2">
-            <a:schemeClr val="accent2"/>
-          </a:fillRef>
-          <a:effectRef idx="1">
-            <a:schemeClr val="accent2"/>
-          </a:effectRef>
-          <a:fontRef idx="minor">
-            <a:schemeClr val="dk1"/>
-          </a:fontRef>
-        </p:style>
-      </p:cxnSp>
-      <p:sp>
-        <p:nvSpPr>
-          <p:cNvPr id="67" name="Rectangle 8"/>
-          <p:cNvSpPr/>
-          <p:nvPr/>
-        </p:nvSpPr>
-        <p:spPr>
-          <a:xfrm>
-            <a:off x="6315289" y="2285584"/>
-            <a:ext cx="708186" cy="346760"/>
-          </a:xfrm>
-          <a:prstGeom prst="rect">
-            <a:avLst/>
-          </a:prstGeom>
-          <a:ln w="19050">
-            <a:solidFill>
-              <a:srgbClr val="7030A0"/>
-            </a:solidFill>
-          </a:ln>
-          <a:effectLst/>
-        </p:spPr>
-        <p:style>
-          <a:lnRef idx="1">
-            <a:schemeClr val="accent4"/>
-          </a:lnRef>
-          <a:fillRef idx="2">
-            <a:schemeClr val="accent4"/>
-          </a:fillRef>
-          <a:effectRef idx="1">
-            <a:schemeClr val="accent4"/>
-          </a:effectRef>
-          <a:fontRef idx="minor">
-            <a:schemeClr val="dk1"/>
-          </a:fontRef>
-        </p:style>
-        <p:txBody>
-          <a:bodyPr rtlCol="0" anchor="ctr"/>
-          <a:lstStyle/>
-          <a:p>
-            <a:pPr algn="ctr"/>
-            <a:r>
-              <a:rPr lang="en-US" sz="1050" dirty="0" smtClean="0">
+            </a:ln>
+            <a:effectLst/>
+          </p:spPr>
+          <p:style>
+            <a:lnRef idx="1">
+              <a:schemeClr val="accent6"/>
+            </a:lnRef>
+            <a:fillRef idx="2">
+              <a:schemeClr val="accent6"/>
+            </a:fillRef>
+            <a:effectRef idx="1">
+              <a:schemeClr val="accent6"/>
+            </a:effectRef>
+            <a:fontRef idx="minor">
+              <a:schemeClr val="dk1"/>
+            </a:fontRef>
+          </p:style>
+          <p:txBody>
+            <a:bodyPr rtlCol="0" anchor="ctr"/>
+            <a:lstStyle/>
+            <a:p>
+              <a:pPr algn="ctr"/>
+              <a:endParaRPr lang="en-US" sz="1050"/>
+            </a:p>
+          </p:txBody>
+        </p:sp>
+        <p:cxnSp>
+          <p:nvCxnSpPr>
+            <p:cNvPr id="64" name="Elbow Connector 63"/>
+            <p:cNvCxnSpPr>
+              <a:stCxn id="63" idx="3"/>
+              <a:endCxn id="62" idx="1"/>
+            </p:cNvCxnSpPr>
+            <p:nvPr/>
+          </p:nvCxnSpPr>
+          <p:spPr>
+            <a:xfrm>
+              <a:off x="5879275" y="3030669"/>
+              <a:ext cx="434402" cy="777"/>
+            </a:xfrm>
+            <a:prstGeom prst="bentConnector3">
+              <a:avLst/>
+            </a:prstGeom>
+            <a:ln w="19050">
+              <a:solidFill>
+                <a:srgbClr val="7030A0"/>
+              </a:solidFill>
+              <a:headEnd type="none" w="med" len="med"/>
+              <a:tailEnd type="arrow" w="med" len="med"/>
+            </a:ln>
+            <a:effectLst/>
+          </p:spPr>
+          <p:style>
+            <a:lnRef idx="1">
+              <a:schemeClr val="accent2"/>
+            </a:lnRef>
+            <a:fillRef idx="2">
+              <a:schemeClr val="accent2"/>
+            </a:fillRef>
+            <a:effectRef idx="1">
+              <a:schemeClr val="accent2"/>
+            </a:effectRef>
+            <a:fontRef idx="minor">
+              <a:schemeClr val="dk1"/>
+            </a:fontRef>
+          </p:style>
+        </p:cxnSp>
+        <p:sp>
+          <p:nvSpPr>
+            <p:cNvPr id="67" name="Rectangle 8"/>
+            <p:cNvSpPr/>
+            <p:nvPr/>
+          </p:nvSpPr>
+          <p:spPr>
+            <a:xfrm>
+              <a:off x="6315289" y="2285584"/>
+              <a:ext cx="708186" cy="346760"/>
+            </a:xfrm>
+            <a:prstGeom prst="rect">
+              <a:avLst/>
+            </a:prstGeom>
+            <a:ln w="19050">
+              <a:solidFill>
+                <a:srgbClr val="7030A0"/>
+              </a:solidFill>
+            </a:ln>
+            <a:effectLst/>
+          </p:spPr>
+          <p:style>
+            <a:lnRef idx="1">
+              <a:schemeClr val="accent4"/>
+            </a:lnRef>
+            <a:fillRef idx="2">
+              <a:schemeClr val="accent4"/>
+            </a:fillRef>
+            <a:effectRef idx="1">
+              <a:schemeClr val="accent4"/>
+            </a:effectRef>
+            <a:fontRef idx="minor">
+              <a:schemeClr val="dk1"/>
+            </a:fontRef>
+          </p:style>
+          <p:txBody>
+            <a:bodyPr rtlCol="0" anchor="ctr"/>
+            <a:lstStyle/>
+            <a:p>
+              <a:pPr algn="ctr"/>
+              <a:r>
+                <a:rPr lang="en-US" sz="1050" dirty="0">
+                  <a:solidFill>
+                    <a:srgbClr val="7030A0"/>
+                  </a:solidFill>
+                </a:rPr>
+                <a:t>Tag</a:t>
+              </a:r>
+              <a:endParaRPr lang="en-SG" sz="1050" dirty="0">
                 <a:solidFill>
                   <a:srgbClr val="7030A0"/>
                 </a:solidFill>
-              </a:rPr>
-              <a:t>Tag</a:t>
-            </a:r>
-            <a:endParaRPr lang="en-SG" sz="1050" dirty="0">
+              </a:endParaRPr>
+            </a:p>
+          </p:txBody>
+        </p:sp>
+        <p:sp>
+          <p:nvSpPr>
+            <p:cNvPr id="68" name="Flowchart: Decision 96"/>
+            <p:cNvSpPr/>
+            <p:nvPr/>
+          </p:nvSpPr>
+          <p:spPr>
+            <a:xfrm>
+              <a:off x="5672547" y="2371497"/>
+              <a:ext cx="236048" cy="173380"/>
+            </a:xfrm>
+            <a:prstGeom prst="flowChartDecision">
+              <a:avLst/>
+            </a:prstGeom>
+            <a:noFill/>
+            <a:ln w="19050">
               <a:solidFill>
                 <a:srgbClr val="7030A0"/>
               </a:solidFill>
-            </a:endParaRPr>
-          </a:p>
-        </p:txBody>
-      </p:sp>
-      <p:sp>
-        <p:nvSpPr>
-          <p:cNvPr id="68" name="Flowchart: Decision 96"/>
-          <p:cNvSpPr/>
-          <p:nvPr/>
-        </p:nvSpPr>
-        <p:spPr>
-          <a:xfrm>
-            <a:off x="5672547" y="2371497"/>
-            <a:ext cx="236048" cy="173380"/>
-          </a:xfrm>
-          <a:prstGeom prst="flowChartDecision">
-            <a:avLst/>
-          </a:prstGeom>
-          <a:noFill/>
-          <a:ln w="19050">
-            <a:solidFill>
-              <a:srgbClr val="7030A0"/>
-            </a:solidFill>
-          </a:ln>
-          <a:effectLst/>
-        </p:spPr>
-        <p:style>
-          <a:lnRef idx="1">
-            <a:schemeClr val="accent6"/>
-          </a:lnRef>
-          <a:fillRef idx="2">
-            <a:schemeClr val="accent6"/>
-          </a:fillRef>
-          <a:effectRef idx="1">
-            <a:schemeClr val="accent6"/>
-          </a:effectRef>
-          <a:fontRef idx="minor">
-            <a:schemeClr val="dk1"/>
-          </a:fontRef>
-        </p:style>
-        <p:txBody>
-          <a:bodyPr rtlCol="0" anchor="ctr"/>
-          <a:lstStyle/>
-          <a:p>
-            <a:pPr algn="ctr"/>
-            <a:endParaRPr lang="en-US" sz="1050"/>
-          </a:p>
-        </p:txBody>
-      </p:sp>
-      <p:cxnSp>
-        <p:nvCxnSpPr>
-          <p:cNvPr id="69" name="Elbow Connector 68"/>
-          <p:cNvCxnSpPr>
-            <a:stCxn id="68" idx="3"/>
-            <a:endCxn id="67" idx="1"/>
-          </p:cNvCxnSpPr>
-          <p:nvPr/>
-        </p:nvCxnSpPr>
-        <p:spPr>
-          <a:xfrm>
-            <a:off x="5908595" y="2458187"/>
-            <a:ext cx="406694" cy="777"/>
-          </a:xfrm>
-          <a:prstGeom prst="bentConnector3">
-            <a:avLst/>
-          </a:prstGeom>
-          <a:ln w="19050">
-            <a:solidFill>
-              <a:srgbClr val="7030A0"/>
-            </a:solidFill>
-            <a:headEnd type="none" w="med" len="med"/>
-            <a:tailEnd type="arrow" w="med" len="med"/>
-          </a:ln>
-          <a:effectLst/>
-        </p:spPr>
-        <p:style>
-          <a:lnRef idx="1">
-            <a:schemeClr val="accent2"/>
-          </a:lnRef>
-          <a:fillRef idx="2">
-            <a:schemeClr val="accent2"/>
-          </a:fillRef>
-          <a:effectRef idx="1">
-            <a:schemeClr val="accent2"/>
-          </a:effectRef>
-          <a:fontRef idx="minor">
-            <a:schemeClr val="dk1"/>
-          </a:fontRef>
-        </p:style>
-      </p:cxnSp>
-      <p:sp>
-        <p:nvSpPr>
-          <p:cNvPr id="72" name="Rectangle 8"/>
-          <p:cNvSpPr/>
-          <p:nvPr/>
-        </p:nvSpPr>
-        <p:spPr>
-          <a:xfrm>
-            <a:off x="5128257" y="3429000"/>
-            <a:ext cx="1156969" cy="346760"/>
-          </a:xfrm>
-          <a:prstGeom prst="rect">
-            <a:avLst/>
-          </a:prstGeom>
-          <a:ln w="19050">
-            <a:solidFill>
-              <a:srgbClr val="7030A0"/>
-            </a:solidFill>
-          </a:ln>
-          <a:effectLst/>
-        </p:spPr>
-        <p:style>
-          <a:lnRef idx="1">
-            <a:schemeClr val="accent4"/>
-          </a:lnRef>
-          <a:fillRef idx="2">
-            <a:schemeClr val="accent4"/>
-          </a:fillRef>
-          <a:effectRef idx="1">
-            <a:schemeClr val="accent4"/>
-          </a:effectRef>
-          <a:fontRef idx="minor">
-            <a:schemeClr val="dk1"/>
-          </a:fontRef>
-        </p:style>
-        <p:txBody>
-          <a:bodyPr rtlCol="0" anchor="ctr"/>
-          <a:lstStyle/>
-          <a:p>
-            <a:pPr algn="ctr"/>
-            <a:r>
-              <a:rPr lang="en-US" sz="1050" dirty="0" smtClean="0">
+            </a:ln>
+            <a:effectLst/>
+          </p:spPr>
+          <p:style>
+            <a:lnRef idx="1">
+              <a:schemeClr val="accent6"/>
+            </a:lnRef>
+            <a:fillRef idx="2">
+              <a:schemeClr val="accent6"/>
+            </a:fillRef>
+            <a:effectRef idx="1">
+              <a:schemeClr val="accent6"/>
+            </a:effectRef>
+            <a:fontRef idx="minor">
+              <a:schemeClr val="dk1"/>
+            </a:fontRef>
+          </p:style>
+          <p:txBody>
+            <a:bodyPr rtlCol="0" anchor="ctr"/>
+            <a:lstStyle/>
+            <a:p>
+              <a:pPr algn="ctr"/>
+              <a:endParaRPr lang="en-US" sz="1050"/>
+            </a:p>
+          </p:txBody>
+        </p:sp>
+        <p:cxnSp>
+          <p:nvCxnSpPr>
+            <p:cNvPr id="69" name="Elbow Connector 68"/>
+            <p:cNvCxnSpPr>
+              <a:stCxn id="68" idx="3"/>
+              <a:endCxn id="67" idx="1"/>
+            </p:cNvCxnSpPr>
+            <p:nvPr/>
+          </p:nvCxnSpPr>
+          <p:spPr>
+            <a:xfrm>
+              <a:off x="5908595" y="2458187"/>
+              <a:ext cx="406694" cy="777"/>
+            </a:xfrm>
+            <a:prstGeom prst="bentConnector3">
+              <a:avLst/>
+            </a:prstGeom>
+            <a:ln w="19050">
+              <a:solidFill>
+                <a:srgbClr val="7030A0"/>
+              </a:solidFill>
+              <a:headEnd type="none" w="med" len="med"/>
+              <a:tailEnd type="arrow" w="med" len="med"/>
+            </a:ln>
+            <a:effectLst/>
+          </p:spPr>
+          <p:style>
+            <a:lnRef idx="1">
+              <a:schemeClr val="accent2"/>
+            </a:lnRef>
+            <a:fillRef idx="2">
+              <a:schemeClr val="accent2"/>
+            </a:fillRef>
+            <a:effectRef idx="1">
+              <a:schemeClr val="accent2"/>
+            </a:effectRef>
+            <a:fontRef idx="minor">
+              <a:schemeClr val="dk1"/>
+            </a:fontRef>
+          </p:style>
+        </p:cxnSp>
+        <p:sp>
+          <p:nvSpPr>
+            <p:cNvPr id="72" name="Rectangle 8"/>
+            <p:cNvSpPr/>
+            <p:nvPr/>
+          </p:nvSpPr>
+          <p:spPr>
+            <a:xfrm>
+              <a:off x="5128257" y="3429000"/>
+              <a:ext cx="1156969" cy="346760"/>
+            </a:xfrm>
+            <a:prstGeom prst="rect">
+              <a:avLst/>
+            </a:prstGeom>
+            <a:ln w="19050">
+              <a:solidFill>
+                <a:srgbClr val="7030A0"/>
+              </a:solidFill>
+            </a:ln>
+            <a:effectLst/>
+          </p:spPr>
+          <p:style>
+            <a:lnRef idx="1">
+              <a:schemeClr val="accent4"/>
+            </a:lnRef>
+            <a:fillRef idx="2">
+              <a:schemeClr val="accent4"/>
+            </a:fillRef>
+            <a:effectRef idx="1">
+              <a:schemeClr val="accent4"/>
+            </a:effectRef>
+            <a:fontRef idx="minor">
+              <a:schemeClr val="dk1"/>
+            </a:fontRef>
+          </p:style>
+          <p:txBody>
+            <a:bodyPr rtlCol="0" anchor="ctr"/>
+            <a:lstStyle/>
+            <a:p>
+              <a:pPr algn="ctr"/>
+              <a:r>
+                <a:rPr lang="en-US" sz="1050" dirty="0">
+                  <a:solidFill>
+                    <a:srgbClr val="7030A0"/>
+                  </a:solidFill>
+                </a:rPr>
+                <a:t>&lt;&lt;interface&gt;&gt;</a:t>
+              </a:r>
+              <a:br>
+                <a:rPr lang="en-US" sz="1050" dirty="0">
+                  <a:solidFill>
+                    <a:srgbClr val="7030A0"/>
+                  </a:solidFill>
+                </a:rPr>
+              </a:br>
+              <a:r>
+                <a:rPr lang="en-US" sz="1050" dirty="0" err="1">
+                  <a:solidFill>
+                    <a:srgbClr val="7030A0"/>
+                  </a:solidFill>
+                </a:rPr>
+                <a:t>ReadOnlyTask</a:t>
+              </a:r>
+              <a:endParaRPr lang="en-SG" sz="1050" dirty="0">
                 <a:solidFill>
                   <a:srgbClr val="7030A0"/>
                 </a:solidFill>
-              </a:rPr>
-              <a:t>&lt;&lt;interface&gt;&gt;</a:t>
-            </a:r>
-            <a:br>
-              <a:rPr lang="en-US" sz="1050" dirty="0" smtClean="0">
+              </a:endParaRPr>
+            </a:p>
+          </p:txBody>
+        </p:sp>
+        <p:sp>
+          <p:nvSpPr>
+            <p:cNvPr id="76" name="Rectangle 8"/>
+            <p:cNvSpPr/>
+            <p:nvPr/>
+          </p:nvSpPr>
+          <p:spPr>
+            <a:xfrm>
+              <a:off x="7712397" y="2564238"/>
+              <a:ext cx="745804" cy="285783"/>
+            </a:xfrm>
+            <a:prstGeom prst="rect">
+              <a:avLst/>
+            </a:prstGeom>
+            <a:ln w="19050">
+              <a:solidFill>
+                <a:srgbClr val="7030A0"/>
+              </a:solidFill>
+            </a:ln>
+            <a:effectLst/>
+          </p:spPr>
+          <p:style>
+            <a:lnRef idx="1">
+              <a:schemeClr val="accent4"/>
+            </a:lnRef>
+            <a:fillRef idx="2">
+              <a:schemeClr val="accent4"/>
+            </a:fillRef>
+            <a:effectRef idx="1">
+              <a:schemeClr val="accent4"/>
+            </a:effectRef>
+            <a:fontRef idx="minor">
+              <a:schemeClr val="dk1"/>
+            </a:fontRef>
+          </p:style>
+          <p:txBody>
+            <a:bodyPr rtlCol="0" anchor="ctr"/>
+            <a:lstStyle/>
+            <a:p>
+              <a:pPr algn="ctr"/>
+              <a:r>
+                <a:rPr lang="en-US" sz="1050" dirty="0">
+                  <a:solidFill>
+                    <a:srgbClr val="7030A0"/>
+                  </a:solidFill>
+                </a:rPr>
+                <a:t>Name</a:t>
+              </a:r>
+              <a:endParaRPr lang="en-SG" sz="1050" dirty="0">
                 <a:solidFill>
                   <a:srgbClr val="7030A0"/>
                 </a:solidFill>
-              </a:rPr>
-            </a:br>
-            <a:r>
-              <a:rPr lang="en-US" sz="1050" dirty="0" err="1" smtClean="0">
+              </a:endParaRPr>
+            </a:p>
+          </p:txBody>
+        </p:sp>
+        <p:sp>
+          <p:nvSpPr>
+            <p:cNvPr id="78" name="Flowchart: Decision 96"/>
+            <p:cNvSpPr/>
+            <p:nvPr/>
+          </p:nvSpPr>
+          <p:spPr>
+            <a:xfrm>
+              <a:off x="7041947" y="2948201"/>
+              <a:ext cx="236048" cy="173380"/>
+            </a:xfrm>
+            <a:prstGeom prst="flowChartDecision">
+              <a:avLst/>
+            </a:prstGeom>
+            <a:solidFill>
+              <a:srgbClr val="7030A0"/>
+            </a:solidFill>
+            <a:ln w="19050">
+              <a:solidFill>
+                <a:srgbClr val="7030A0"/>
+              </a:solidFill>
+            </a:ln>
+            <a:effectLst/>
+          </p:spPr>
+          <p:style>
+            <a:lnRef idx="1">
+              <a:schemeClr val="accent6"/>
+            </a:lnRef>
+            <a:fillRef idx="2">
+              <a:schemeClr val="accent6"/>
+            </a:fillRef>
+            <a:effectRef idx="1">
+              <a:schemeClr val="accent6"/>
+            </a:effectRef>
+            <a:fontRef idx="minor">
+              <a:schemeClr val="dk1"/>
+            </a:fontRef>
+          </p:style>
+          <p:txBody>
+            <a:bodyPr rtlCol="0" anchor="ctr"/>
+            <a:lstStyle/>
+            <a:p>
+              <a:pPr algn="ctr"/>
+              <a:endParaRPr lang="en-US" sz="1050"/>
+            </a:p>
+          </p:txBody>
+        </p:sp>
+        <p:cxnSp>
+          <p:nvCxnSpPr>
+            <p:cNvPr id="79" name="Elbow Connector 78"/>
+            <p:cNvCxnSpPr>
+              <a:stCxn id="78" idx="3"/>
+              <a:endCxn id="76" idx="1"/>
+            </p:cNvCxnSpPr>
+            <p:nvPr/>
+          </p:nvCxnSpPr>
+          <p:spPr>
+            <a:xfrm flipV="1">
+              <a:off x="7277995" y="2707130"/>
+              <a:ext cx="434402" cy="327761"/>
+            </a:xfrm>
+            <a:prstGeom prst="bentConnector3">
+              <a:avLst/>
+            </a:prstGeom>
+            <a:ln w="19050">
+              <a:solidFill>
+                <a:srgbClr val="7030A0"/>
+              </a:solidFill>
+              <a:headEnd type="none" w="med" len="med"/>
+              <a:tailEnd type="arrow" w="med" len="med"/>
+            </a:ln>
+            <a:effectLst/>
+          </p:spPr>
+          <p:style>
+            <a:lnRef idx="1">
+              <a:schemeClr val="accent2"/>
+            </a:lnRef>
+            <a:fillRef idx="2">
+              <a:schemeClr val="accent2"/>
+            </a:fillRef>
+            <a:effectRef idx="1">
+              <a:schemeClr val="accent2"/>
+            </a:effectRef>
+            <a:fontRef idx="minor">
+              <a:schemeClr val="dk1"/>
+            </a:fontRef>
+          </p:style>
+        </p:cxnSp>
+        <p:sp>
+          <p:nvSpPr>
+            <p:cNvPr id="80" name="Rectangle 8"/>
+            <p:cNvSpPr/>
+            <p:nvPr/>
+          </p:nvSpPr>
+          <p:spPr>
+            <a:xfrm>
+              <a:off x="7712397" y="2887216"/>
+              <a:ext cx="745804" cy="285783"/>
+            </a:xfrm>
+            <a:prstGeom prst="rect">
+              <a:avLst/>
+            </a:prstGeom>
+            <a:ln w="19050">
+              <a:solidFill>
+                <a:srgbClr val="7030A0"/>
+              </a:solidFill>
+            </a:ln>
+            <a:effectLst/>
+          </p:spPr>
+          <p:style>
+            <a:lnRef idx="1">
+              <a:schemeClr val="accent4"/>
+            </a:lnRef>
+            <a:fillRef idx="2">
+              <a:schemeClr val="accent4"/>
+            </a:fillRef>
+            <a:effectRef idx="1">
+              <a:schemeClr val="accent4"/>
+            </a:effectRef>
+            <a:fontRef idx="minor">
+              <a:schemeClr val="dk1"/>
+            </a:fontRef>
+          </p:style>
+          <p:txBody>
+            <a:bodyPr rtlCol="0" anchor="ctr"/>
+            <a:lstStyle/>
+            <a:p>
+              <a:pPr algn="ctr"/>
+              <a:r>
+                <a:rPr lang="en-US" sz="1050" dirty="0" err="1">
+                  <a:solidFill>
+                    <a:srgbClr val="7030A0"/>
+                  </a:solidFill>
+                </a:rPr>
+                <a:t>DateTime</a:t>
+              </a:r>
+              <a:endParaRPr lang="en-SG" sz="1050" dirty="0">
                 <a:solidFill>
                   <a:srgbClr val="7030A0"/>
                 </a:solidFill>
-              </a:rPr>
-              <a:t>ReadOnlyPerson</a:t>
-            </a:r>
-            <a:endParaRPr lang="en-SG" sz="1050" dirty="0">
+              </a:endParaRPr>
+            </a:p>
+          </p:txBody>
+        </p:sp>
+        <p:cxnSp>
+          <p:nvCxnSpPr>
+            <p:cNvPr id="81" name="Elbow Connector 80"/>
+            <p:cNvCxnSpPr>
+              <a:stCxn id="78" idx="3"/>
+              <a:endCxn id="80" idx="1"/>
+            </p:cNvCxnSpPr>
+            <p:nvPr/>
+          </p:nvCxnSpPr>
+          <p:spPr>
+            <a:xfrm flipV="1">
+              <a:off x="7277995" y="3030108"/>
+              <a:ext cx="434402" cy="4783"/>
+            </a:xfrm>
+            <a:prstGeom prst="bentConnector3">
+              <a:avLst/>
+            </a:prstGeom>
+            <a:ln w="19050">
               <a:solidFill>
                 <a:srgbClr val="7030A0"/>
               </a:solidFill>
-            </a:endParaRPr>
-          </a:p>
-        </p:txBody>
-      </p:sp>
-      <p:sp>
-        <p:nvSpPr>
-          <p:cNvPr id="76" name="Rectangle 8"/>
-          <p:cNvSpPr/>
-          <p:nvPr/>
-        </p:nvSpPr>
-        <p:spPr>
-          <a:xfrm>
-            <a:off x="7712397" y="2564238"/>
-            <a:ext cx="708186" cy="285783"/>
-          </a:xfrm>
-          <a:prstGeom prst="rect">
-            <a:avLst/>
-          </a:prstGeom>
-          <a:ln w="19050">
-            <a:solidFill>
-              <a:srgbClr val="7030A0"/>
-            </a:solidFill>
-          </a:ln>
-          <a:effectLst/>
-        </p:spPr>
-        <p:style>
-          <a:lnRef idx="1">
-            <a:schemeClr val="accent4"/>
-          </a:lnRef>
-          <a:fillRef idx="2">
-            <a:schemeClr val="accent4"/>
-          </a:fillRef>
-          <a:effectRef idx="1">
-            <a:schemeClr val="accent4"/>
-          </a:effectRef>
-          <a:fontRef idx="minor">
-            <a:schemeClr val="dk1"/>
-          </a:fontRef>
-        </p:style>
-        <p:txBody>
-          <a:bodyPr rtlCol="0" anchor="ctr"/>
-          <a:lstStyle/>
-          <a:p>
-            <a:pPr algn="ctr"/>
-            <a:r>
-              <a:rPr lang="en-US" sz="1050" dirty="0" smtClean="0">
+              <a:headEnd type="none" w="med" len="med"/>
+              <a:tailEnd type="arrow" w="med" len="med"/>
+            </a:ln>
+            <a:effectLst/>
+          </p:spPr>
+          <p:style>
+            <a:lnRef idx="1">
+              <a:schemeClr val="accent2"/>
+            </a:lnRef>
+            <a:fillRef idx="2">
+              <a:schemeClr val="accent2"/>
+            </a:fillRef>
+            <a:effectRef idx="1">
+              <a:schemeClr val="accent2"/>
+            </a:effectRef>
+            <a:fontRef idx="minor">
+              <a:schemeClr val="dk1"/>
+            </a:fontRef>
+          </p:style>
+        </p:cxnSp>
+        <p:sp>
+          <p:nvSpPr>
+            <p:cNvPr id="83" name="Rectangle 8"/>
+            <p:cNvSpPr/>
+            <p:nvPr/>
+          </p:nvSpPr>
+          <p:spPr>
+            <a:xfrm>
+              <a:off x="7712397" y="3210194"/>
+              <a:ext cx="745804" cy="285783"/>
+            </a:xfrm>
+            <a:prstGeom prst="rect">
+              <a:avLst/>
+            </a:prstGeom>
+            <a:ln w="19050">
+              <a:solidFill>
+                <a:srgbClr val="7030A0"/>
+              </a:solidFill>
+            </a:ln>
+            <a:effectLst/>
+          </p:spPr>
+          <p:style>
+            <a:lnRef idx="1">
+              <a:schemeClr val="accent4"/>
+            </a:lnRef>
+            <a:fillRef idx="2">
+              <a:schemeClr val="accent4"/>
+            </a:fillRef>
+            <a:effectRef idx="1">
+              <a:schemeClr val="accent4"/>
+            </a:effectRef>
+            <a:fontRef idx="minor">
+              <a:schemeClr val="dk1"/>
+            </a:fontRef>
+          </p:style>
+          <p:txBody>
+            <a:bodyPr rtlCol="0" anchor="ctr"/>
+            <a:lstStyle/>
+            <a:p>
+              <a:pPr algn="ctr"/>
+              <a:r>
+                <a:rPr lang="en-US" sz="1050" dirty="0">
+                  <a:solidFill>
+                    <a:srgbClr val="7030A0"/>
+                  </a:solidFill>
+                </a:rPr>
+                <a:t>Priority</a:t>
+              </a:r>
+              <a:endParaRPr lang="en-SG" sz="1050" dirty="0">
                 <a:solidFill>
                   <a:srgbClr val="7030A0"/>
                 </a:solidFill>
-              </a:rPr>
-              <a:t>Name</a:t>
-            </a:r>
-            <a:endParaRPr lang="en-SG" sz="1050" dirty="0">
+              </a:endParaRPr>
+            </a:p>
+          </p:txBody>
+        </p:sp>
+        <p:cxnSp>
+          <p:nvCxnSpPr>
+            <p:cNvPr id="84" name="Elbow Connector 83"/>
+            <p:cNvCxnSpPr>
+              <a:stCxn id="78" idx="3"/>
+              <a:endCxn id="83" idx="1"/>
+            </p:cNvCxnSpPr>
+            <p:nvPr/>
+          </p:nvCxnSpPr>
+          <p:spPr>
+            <a:xfrm>
+              <a:off x="7277995" y="3034891"/>
+              <a:ext cx="434402" cy="318195"/>
+            </a:xfrm>
+            <a:prstGeom prst="bentConnector3">
+              <a:avLst/>
+            </a:prstGeom>
+            <a:ln w="19050">
               <a:solidFill>
                 <a:srgbClr val="7030A0"/>
               </a:solidFill>
-            </a:endParaRPr>
-          </a:p>
-        </p:txBody>
-      </p:sp>
-      <p:sp>
-        <p:nvSpPr>
-          <p:cNvPr id="78" name="Flowchart: Decision 96"/>
-          <p:cNvSpPr/>
-          <p:nvPr/>
-        </p:nvSpPr>
-        <p:spPr>
-          <a:xfrm>
-            <a:off x="7041947" y="2948201"/>
-            <a:ext cx="236048" cy="173380"/>
-          </a:xfrm>
-          <a:prstGeom prst="flowChartDecision">
-            <a:avLst/>
-          </a:prstGeom>
-          <a:solidFill>
-            <a:srgbClr val="7030A0"/>
-          </a:solidFill>
-          <a:ln w="19050">
-            <a:solidFill>
-              <a:srgbClr val="7030A0"/>
-            </a:solidFill>
-          </a:ln>
-          <a:effectLst/>
-        </p:spPr>
-        <p:style>
-          <a:lnRef idx="1">
-            <a:schemeClr val="accent6"/>
-          </a:lnRef>
-          <a:fillRef idx="2">
-            <a:schemeClr val="accent6"/>
-          </a:fillRef>
-          <a:effectRef idx="1">
-            <a:schemeClr val="accent6"/>
-          </a:effectRef>
-          <a:fontRef idx="minor">
-            <a:schemeClr val="dk1"/>
-          </a:fontRef>
-        </p:style>
-        <p:txBody>
-          <a:bodyPr rtlCol="0" anchor="ctr"/>
-          <a:lstStyle/>
-          <a:p>
-            <a:pPr algn="ctr"/>
-            <a:endParaRPr lang="en-US" sz="1050"/>
-          </a:p>
-        </p:txBody>
-      </p:sp>
-      <p:cxnSp>
-        <p:nvCxnSpPr>
-          <p:cNvPr id="79" name="Elbow Connector 78"/>
-          <p:cNvCxnSpPr>
-            <a:stCxn id="78" idx="3"/>
-            <a:endCxn id="76" idx="1"/>
-          </p:cNvCxnSpPr>
-          <p:nvPr/>
-        </p:nvCxnSpPr>
-        <p:spPr>
-          <a:xfrm flipV="1">
-            <a:off x="7277995" y="2707130"/>
-            <a:ext cx="434402" cy="327761"/>
-          </a:xfrm>
-          <a:prstGeom prst="bentConnector3">
-            <a:avLst/>
-          </a:prstGeom>
-          <a:ln w="19050">
-            <a:solidFill>
-              <a:srgbClr val="7030A0"/>
-            </a:solidFill>
-            <a:headEnd type="none" w="med" len="med"/>
-            <a:tailEnd type="arrow" w="med" len="med"/>
-          </a:ln>
-          <a:effectLst/>
-        </p:spPr>
-        <p:style>
-          <a:lnRef idx="1">
-            <a:schemeClr val="accent2"/>
-          </a:lnRef>
-          <a:fillRef idx="2">
-            <a:schemeClr val="accent2"/>
-          </a:fillRef>
-          <a:effectRef idx="1">
-            <a:schemeClr val="accent2"/>
-          </a:effectRef>
-          <a:fontRef idx="minor">
-            <a:schemeClr val="dk1"/>
-          </a:fontRef>
-        </p:style>
-      </p:cxnSp>
-      <p:sp>
-        <p:nvSpPr>
-          <p:cNvPr id="80" name="Rectangle 8"/>
-          <p:cNvSpPr/>
-          <p:nvPr/>
-        </p:nvSpPr>
-        <p:spPr>
-          <a:xfrm>
-            <a:off x="7712397" y="2887216"/>
-            <a:ext cx="708186" cy="285783"/>
-          </a:xfrm>
-          <a:prstGeom prst="rect">
-            <a:avLst/>
-          </a:prstGeom>
-          <a:ln w="19050">
-            <a:solidFill>
-              <a:srgbClr val="7030A0"/>
-            </a:solidFill>
-          </a:ln>
-          <a:effectLst/>
-        </p:spPr>
-        <p:style>
-          <a:lnRef idx="1">
-            <a:schemeClr val="accent4"/>
-          </a:lnRef>
-          <a:fillRef idx="2">
-            <a:schemeClr val="accent4"/>
-          </a:fillRef>
-          <a:effectRef idx="1">
-            <a:schemeClr val="accent4"/>
-          </a:effectRef>
-          <a:fontRef idx="minor">
-            <a:schemeClr val="dk1"/>
-          </a:fontRef>
-        </p:style>
-        <p:txBody>
-          <a:bodyPr rtlCol="0" anchor="ctr"/>
-          <a:lstStyle/>
-          <a:p>
-            <a:pPr algn="ctr"/>
-            <a:r>
-              <a:rPr lang="en-US" sz="1050" dirty="0" smtClean="0">
+              <a:headEnd type="none" w="med" len="med"/>
+              <a:tailEnd type="arrow" w="med" len="med"/>
+            </a:ln>
+            <a:effectLst/>
+          </p:spPr>
+          <p:style>
+            <a:lnRef idx="1">
+              <a:schemeClr val="accent2"/>
+            </a:lnRef>
+            <a:fillRef idx="2">
+              <a:schemeClr val="accent2"/>
+            </a:fillRef>
+            <a:effectRef idx="1">
+              <a:schemeClr val="accent2"/>
+            </a:effectRef>
+            <a:fontRef idx="minor">
+              <a:schemeClr val="dk1"/>
+            </a:fontRef>
+          </p:style>
+        </p:cxnSp>
+        <p:sp>
+          <p:nvSpPr>
+            <p:cNvPr id="85" name="Rectangle 8"/>
+            <p:cNvSpPr/>
+            <p:nvPr/>
+          </p:nvSpPr>
+          <p:spPr>
+            <a:xfrm>
+              <a:off x="7712397" y="3533171"/>
+              <a:ext cx="745804" cy="285783"/>
+            </a:xfrm>
+            <a:prstGeom prst="rect">
+              <a:avLst/>
+            </a:prstGeom>
+            <a:ln w="19050">
+              <a:solidFill>
+                <a:srgbClr val="7030A0"/>
+              </a:solidFill>
+            </a:ln>
+            <a:effectLst/>
+          </p:spPr>
+          <p:style>
+            <a:lnRef idx="1">
+              <a:schemeClr val="accent4"/>
+            </a:lnRef>
+            <a:fillRef idx="2">
+              <a:schemeClr val="accent4"/>
+            </a:fillRef>
+            <a:effectRef idx="1">
+              <a:schemeClr val="accent4"/>
+            </a:effectRef>
+            <a:fontRef idx="minor">
+              <a:schemeClr val="dk1"/>
+            </a:fontRef>
+          </p:style>
+          <p:txBody>
+            <a:bodyPr rtlCol="0" anchor="ctr"/>
+            <a:lstStyle/>
+            <a:p>
+              <a:pPr algn="ctr"/>
+              <a:r>
+                <a:rPr lang="en-US" sz="1050" dirty="0">
+                  <a:solidFill>
+                    <a:srgbClr val="7030A0"/>
+                  </a:solidFill>
+                </a:rPr>
+                <a:t>Status</a:t>
+              </a:r>
+              <a:endParaRPr lang="en-SG" sz="1050" dirty="0">
                 <a:solidFill>
                   <a:srgbClr val="7030A0"/>
                 </a:solidFill>
-              </a:rPr>
-              <a:t>Phone</a:t>
-            </a:r>
-            <a:endParaRPr lang="en-SG" sz="1050" dirty="0">
+              </a:endParaRPr>
+            </a:p>
+          </p:txBody>
+        </p:sp>
+        <p:cxnSp>
+          <p:nvCxnSpPr>
+            <p:cNvPr id="86" name="Elbow Connector 85"/>
+            <p:cNvCxnSpPr>
+              <a:stCxn id="78" idx="3"/>
+              <a:endCxn id="85" idx="1"/>
+            </p:cNvCxnSpPr>
+            <p:nvPr/>
+          </p:nvCxnSpPr>
+          <p:spPr>
+            <a:xfrm>
+              <a:off x="7277995" y="3034891"/>
+              <a:ext cx="434402" cy="641172"/>
+            </a:xfrm>
+            <a:prstGeom prst="bentConnector3">
+              <a:avLst/>
+            </a:prstGeom>
+            <a:ln w="19050">
               <a:solidFill>
                 <a:srgbClr val="7030A0"/>
               </a:solidFill>
-            </a:endParaRPr>
-          </a:p>
-        </p:txBody>
-      </p:sp>
-      <p:cxnSp>
-        <p:nvCxnSpPr>
-          <p:cNvPr id="81" name="Elbow Connector 80"/>
-          <p:cNvCxnSpPr>
-            <a:stCxn id="78" idx="3"/>
-            <a:endCxn id="80" idx="1"/>
-          </p:cNvCxnSpPr>
-          <p:nvPr/>
-        </p:nvCxnSpPr>
-        <p:spPr>
-          <a:xfrm flipV="1">
-            <a:off x="7277995" y="3030108"/>
-            <a:ext cx="434402" cy="4783"/>
-          </a:xfrm>
-          <a:prstGeom prst="bentConnector3">
-            <a:avLst/>
-          </a:prstGeom>
-          <a:ln w="19050">
-            <a:solidFill>
-              <a:srgbClr val="7030A0"/>
-            </a:solidFill>
-            <a:headEnd type="none" w="med" len="med"/>
-            <a:tailEnd type="arrow" w="med" len="med"/>
-          </a:ln>
-          <a:effectLst/>
-        </p:spPr>
-        <p:style>
-          <a:lnRef idx="1">
-            <a:schemeClr val="accent2"/>
-          </a:lnRef>
-          <a:fillRef idx="2">
-            <a:schemeClr val="accent2"/>
-          </a:fillRef>
-          <a:effectRef idx="1">
-            <a:schemeClr val="accent2"/>
-          </a:effectRef>
-          <a:fontRef idx="minor">
-            <a:schemeClr val="dk1"/>
-          </a:fontRef>
-        </p:style>
-      </p:cxnSp>
-      <p:sp>
-        <p:nvSpPr>
-          <p:cNvPr id="83" name="Rectangle 8"/>
-          <p:cNvSpPr/>
-          <p:nvPr/>
-        </p:nvSpPr>
-        <p:spPr>
-          <a:xfrm>
-            <a:off x="7712397" y="3210194"/>
-            <a:ext cx="708186" cy="285783"/>
-          </a:xfrm>
-          <a:prstGeom prst="rect">
-            <a:avLst/>
-          </a:prstGeom>
-          <a:ln w="19050">
-            <a:solidFill>
-              <a:srgbClr val="7030A0"/>
-            </a:solidFill>
-          </a:ln>
-          <a:effectLst/>
-        </p:spPr>
-        <p:style>
-          <a:lnRef idx="1">
-            <a:schemeClr val="accent4"/>
-          </a:lnRef>
-          <a:fillRef idx="2">
-            <a:schemeClr val="accent4"/>
-          </a:fillRef>
-          <a:effectRef idx="1">
-            <a:schemeClr val="accent4"/>
-          </a:effectRef>
-          <a:fontRef idx="minor">
-            <a:schemeClr val="dk1"/>
-          </a:fontRef>
-        </p:style>
-        <p:txBody>
-          <a:bodyPr rtlCol="0" anchor="ctr"/>
-          <a:lstStyle/>
-          <a:p>
-            <a:pPr algn="ctr"/>
-            <a:r>
-              <a:rPr lang="en-US" sz="1050" dirty="0" smtClean="0">
+              <a:headEnd type="none" w="med" len="med"/>
+              <a:tailEnd type="arrow" w="med" len="med"/>
+            </a:ln>
+            <a:effectLst/>
+          </p:spPr>
+          <p:style>
+            <a:lnRef idx="1">
+              <a:schemeClr val="accent2"/>
+            </a:lnRef>
+            <a:fillRef idx="2">
+              <a:schemeClr val="accent2"/>
+            </a:fillRef>
+            <a:effectRef idx="1">
+              <a:schemeClr val="accent2"/>
+            </a:effectRef>
+            <a:fontRef idx="minor">
+              <a:schemeClr val="dk1"/>
+            </a:fontRef>
+          </p:style>
+        </p:cxnSp>
+        <p:cxnSp>
+          <p:nvCxnSpPr>
+            <p:cNvPr id="97" name="Elbow Connector 63"/>
+            <p:cNvCxnSpPr>
+              <a:stCxn id="99" idx="3"/>
+            </p:cNvCxnSpPr>
+            <p:nvPr/>
+          </p:nvCxnSpPr>
+          <p:spPr>
+            <a:xfrm rot="16200000" flipH="1">
+              <a:off x="3279321" y="2485431"/>
+              <a:ext cx="293825" cy="1"/>
+            </a:xfrm>
+            <a:prstGeom prst="bentConnector3">
+              <a:avLst>
+                <a:gd name="adj1" fmla="val 50000"/>
+              </a:avLst>
+            </a:prstGeom>
+            <a:ln w="19050">
+              <a:solidFill>
+                <a:srgbClr val="7030A0"/>
+              </a:solidFill>
+              <a:prstDash val="sysDot"/>
+              <a:headEnd type="none" w="med" len="med"/>
+              <a:tailEnd type="none" w="med" len="med"/>
+            </a:ln>
+            <a:effectLst/>
+          </p:spPr>
+          <p:style>
+            <a:lnRef idx="1">
+              <a:schemeClr val="accent2"/>
+            </a:lnRef>
+            <a:fillRef idx="2">
+              <a:schemeClr val="accent2"/>
+            </a:fillRef>
+            <a:effectRef idx="1">
+              <a:schemeClr val="accent2"/>
+            </a:effectRef>
+            <a:fontRef idx="minor">
+              <a:schemeClr val="dk1"/>
+            </a:fontRef>
+          </p:style>
+        </p:cxnSp>
+        <p:sp>
+          <p:nvSpPr>
+            <p:cNvPr id="99" name="Isosceles Triangle 102"/>
+            <p:cNvSpPr/>
+            <p:nvPr/>
+          </p:nvSpPr>
+          <p:spPr>
+            <a:xfrm rot="10800000" flipV="1">
+              <a:off x="3290981" y="2162997"/>
+              <a:ext cx="270504" cy="175523"/>
+            </a:xfrm>
+            <a:prstGeom prst="triangle">
+              <a:avLst/>
+            </a:prstGeom>
+            <a:ln w="19050">
+              <a:solidFill>
+                <a:srgbClr val="7030A0"/>
+              </a:solidFill>
+            </a:ln>
+            <a:effectLst/>
+          </p:spPr>
+          <p:style>
+            <a:lnRef idx="1">
+              <a:schemeClr val="accent4"/>
+            </a:lnRef>
+            <a:fillRef idx="2">
+              <a:schemeClr val="accent4"/>
+            </a:fillRef>
+            <a:effectRef idx="1">
+              <a:schemeClr val="accent4"/>
+            </a:effectRef>
+            <a:fontRef idx="minor">
+              <a:schemeClr val="dk1"/>
+            </a:fontRef>
+          </p:style>
+          <p:txBody>
+            <a:bodyPr rtlCol="0" anchor="ctr"/>
+            <a:lstStyle/>
+            <a:p>
+              <a:pPr algn="ctr"/>
+              <a:endParaRPr lang="en-SG" sz="1050" b="1">
+                <a:solidFill>
+                  <a:srgbClr val="92D050"/>
+                </a:solidFill>
+              </a:endParaRPr>
+            </a:p>
+          </p:txBody>
+        </p:sp>
+        <p:sp>
+          <p:nvSpPr>
+            <p:cNvPr id="100" name="Rectangle 8"/>
+            <p:cNvSpPr/>
+            <p:nvPr/>
+          </p:nvSpPr>
+          <p:spPr>
+            <a:xfrm>
+              <a:off x="2660303" y="1806470"/>
+              <a:ext cx="1539926" cy="346760"/>
+            </a:xfrm>
+            <a:prstGeom prst="rect">
+              <a:avLst/>
+            </a:prstGeom>
+            <a:ln w="19050">
+              <a:solidFill>
+                <a:srgbClr val="7030A0"/>
+              </a:solidFill>
+            </a:ln>
+            <a:effectLst/>
+          </p:spPr>
+          <p:style>
+            <a:lnRef idx="1">
+              <a:schemeClr val="accent4"/>
+            </a:lnRef>
+            <a:fillRef idx="2">
+              <a:schemeClr val="accent4"/>
+            </a:fillRef>
+            <a:effectRef idx="1">
+              <a:schemeClr val="accent4"/>
+            </a:effectRef>
+            <a:fontRef idx="minor">
+              <a:schemeClr val="dk1"/>
+            </a:fontRef>
+          </p:style>
+          <p:txBody>
+            <a:bodyPr rtlCol="0" anchor="ctr"/>
+            <a:lstStyle/>
+            <a:p>
+              <a:pPr algn="ctr"/>
+              <a:r>
+                <a:rPr lang="en-US" sz="1050" dirty="0">
+                  <a:solidFill>
+                    <a:srgbClr val="7030A0"/>
+                  </a:solidFill>
+                </a:rPr>
+                <a:t>&lt;&lt;interface&gt;&gt;</a:t>
+              </a:r>
+              <a:br>
+                <a:rPr lang="en-US" sz="1050" dirty="0">
+                  <a:solidFill>
+                    <a:srgbClr val="7030A0"/>
+                  </a:solidFill>
+                </a:rPr>
+              </a:br>
+              <a:r>
+                <a:rPr lang="en-US" sz="1050" dirty="0" err="1">
+                  <a:solidFill>
+                    <a:srgbClr val="7030A0"/>
+                  </a:solidFill>
+                </a:rPr>
+                <a:t>ReadOnlyTars</a:t>
+              </a:r>
+              <a:endParaRPr lang="en-SG" sz="1050" dirty="0">
                 <a:solidFill>
                   <a:srgbClr val="7030A0"/>
                 </a:solidFill>
-              </a:rPr>
-              <a:t>Email</a:t>
-            </a:r>
-            <a:endParaRPr lang="en-SG" sz="1050" dirty="0">
+              </a:endParaRPr>
+            </a:p>
+          </p:txBody>
+        </p:sp>
+        <p:sp>
+          <p:nvSpPr>
+            <p:cNvPr id="114" name="TextBox 113"/>
+            <p:cNvSpPr txBox="1"/>
+            <p:nvPr/>
+          </p:nvSpPr>
+          <p:spPr>
+            <a:xfrm rot="16200000">
+              <a:off x="6581354" y="3514530"/>
+              <a:ext cx="881018" cy="261610"/>
+            </a:xfrm>
+            <a:prstGeom prst="rect">
+              <a:avLst/>
+            </a:prstGeom>
+            <a:noFill/>
+          </p:spPr>
+          <p:txBody>
+            <a:bodyPr wrap="square" rtlCol="0">
+              <a:spAutoFit/>
+            </a:bodyPr>
+            <a:lstStyle/>
+            <a:p>
+              <a:pPr algn="r"/>
+              <a:r>
+                <a:rPr lang="en-US" sz="1100" dirty="0">
+                  <a:solidFill>
+                    <a:srgbClr val="7030A0"/>
+                  </a:solidFill>
+                </a:rPr>
+                <a:t>filtered list</a:t>
+              </a:r>
+              <a:endParaRPr lang="en-SG" sz="1100" dirty="0">
+                <a:solidFill>
+                  <a:srgbClr val="7030A0"/>
+                </a:solidFill>
+              </a:endParaRPr>
+            </a:p>
+          </p:txBody>
+        </p:sp>
+        <p:sp>
+          <p:nvSpPr>
+            <p:cNvPr id="122" name="Rectangle 8"/>
+            <p:cNvSpPr/>
+            <p:nvPr/>
+          </p:nvSpPr>
+          <p:spPr>
+            <a:xfrm>
+              <a:off x="2057400" y="4239491"/>
+              <a:ext cx="1775949" cy="346760"/>
+            </a:xfrm>
+            <a:prstGeom prst="rect">
+              <a:avLst/>
+            </a:prstGeom>
+            <a:ln w="19050">
               <a:solidFill>
                 <a:srgbClr val="7030A0"/>
               </a:solidFill>
-            </a:endParaRPr>
-          </a:p>
-        </p:txBody>
-      </p:sp>
-      <p:cxnSp>
-        <p:nvCxnSpPr>
-          <p:cNvPr id="84" name="Elbow Connector 83"/>
-          <p:cNvCxnSpPr>
-            <a:stCxn id="78" idx="3"/>
-            <a:endCxn id="83" idx="1"/>
-          </p:cNvCxnSpPr>
-          <p:nvPr/>
-        </p:nvCxnSpPr>
-        <p:spPr>
-          <a:xfrm>
-            <a:off x="7277995" y="3034891"/>
-            <a:ext cx="434402" cy="318195"/>
-          </a:xfrm>
-          <a:prstGeom prst="bentConnector3">
-            <a:avLst/>
-          </a:prstGeom>
-          <a:ln w="19050">
-            <a:solidFill>
-              <a:srgbClr val="7030A0"/>
-            </a:solidFill>
-            <a:headEnd type="none" w="med" len="med"/>
-            <a:tailEnd type="arrow" w="med" len="med"/>
-          </a:ln>
-          <a:effectLst/>
-        </p:spPr>
-        <p:style>
-          <a:lnRef idx="1">
-            <a:schemeClr val="accent2"/>
-          </a:lnRef>
-          <a:fillRef idx="2">
-            <a:schemeClr val="accent2"/>
-          </a:fillRef>
-          <a:effectRef idx="1">
-            <a:schemeClr val="accent2"/>
-          </a:effectRef>
-          <a:fontRef idx="minor">
-            <a:schemeClr val="dk1"/>
-          </a:fontRef>
-        </p:style>
-      </p:cxnSp>
-      <p:sp>
-        <p:nvSpPr>
-          <p:cNvPr id="85" name="Rectangle 8"/>
-          <p:cNvSpPr/>
-          <p:nvPr/>
-        </p:nvSpPr>
-        <p:spPr>
-          <a:xfrm>
-            <a:off x="7712397" y="3533171"/>
-            <a:ext cx="708186" cy="285783"/>
-          </a:xfrm>
-          <a:prstGeom prst="rect">
-            <a:avLst/>
-          </a:prstGeom>
-          <a:ln w="19050">
-            <a:solidFill>
-              <a:srgbClr val="7030A0"/>
-            </a:solidFill>
-          </a:ln>
-          <a:effectLst/>
-        </p:spPr>
-        <p:style>
-          <a:lnRef idx="1">
-            <a:schemeClr val="accent4"/>
-          </a:lnRef>
-          <a:fillRef idx="2">
-            <a:schemeClr val="accent4"/>
-          </a:fillRef>
-          <a:effectRef idx="1">
-            <a:schemeClr val="accent4"/>
-          </a:effectRef>
-          <a:fontRef idx="minor">
-            <a:schemeClr val="dk1"/>
-          </a:fontRef>
-        </p:style>
-        <p:txBody>
-          <a:bodyPr rtlCol="0" anchor="ctr"/>
-          <a:lstStyle/>
-          <a:p>
-            <a:pPr algn="ctr"/>
-            <a:r>
-              <a:rPr lang="en-US" sz="1050" dirty="0" smtClean="0">
+            </a:ln>
+            <a:effectLst/>
+          </p:spPr>
+          <p:style>
+            <a:lnRef idx="1">
+              <a:schemeClr val="accent4"/>
+            </a:lnRef>
+            <a:fillRef idx="2">
+              <a:schemeClr val="accent4"/>
+            </a:fillRef>
+            <a:effectRef idx="1">
+              <a:schemeClr val="accent4"/>
+            </a:effectRef>
+            <a:fontRef idx="minor">
+              <a:schemeClr val="dk1"/>
+            </a:fontRef>
+          </p:style>
+          <p:txBody>
+            <a:bodyPr rtlCol="0" anchor="ctr"/>
+            <a:lstStyle/>
+            <a:p>
+              <a:pPr algn="ctr"/>
+              <a:r>
+                <a:rPr lang="en-US" sz="1050" dirty="0">
+                  <a:solidFill>
+                    <a:srgbClr val="7030A0"/>
+                  </a:solidFill>
+                </a:rPr>
+                <a:t>&lt;&lt;interface&gt;&gt;</a:t>
+              </a:r>
+              <a:br>
+                <a:rPr lang="en-US" sz="1050" dirty="0">
+                  <a:solidFill>
+                    <a:srgbClr val="7030A0"/>
+                  </a:solidFill>
+                </a:rPr>
+              </a:br>
+              <a:r>
+                <a:rPr lang="en-US" sz="1050" dirty="0" err="1">
+                  <a:solidFill>
+                    <a:srgbClr val="7030A0"/>
+                  </a:solidFill>
+                </a:rPr>
+                <a:t>UnmodifiableObservableList</a:t>
+              </a:r>
+              <a:endParaRPr lang="en-SG" sz="1050" dirty="0">
                 <a:solidFill>
                   <a:srgbClr val="7030A0"/>
                 </a:solidFill>
-              </a:rPr>
-              <a:t>Address</a:t>
-            </a:r>
-            <a:endParaRPr lang="en-SG" sz="1050" dirty="0">
+              </a:endParaRPr>
+            </a:p>
+          </p:txBody>
+        </p:sp>
+        <p:cxnSp>
+          <p:nvCxnSpPr>
+            <p:cNvPr id="124" name="Elbow Connector 122"/>
+            <p:cNvCxnSpPr>
+              <a:stCxn id="119" idx="1"/>
+              <a:endCxn id="122" idx="1"/>
+            </p:cNvCxnSpPr>
+            <p:nvPr/>
+          </p:nvCxnSpPr>
+          <p:spPr>
+            <a:xfrm rot="16200000" flipH="1">
+              <a:off x="1364475" y="3719945"/>
+              <a:ext cx="831471" cy="554380"/>
+            </a:xfrm>
+            <a:prstGeom prst="bentConnector2">
+              <a:avLst/>
+            </a:prstGeom>
+            <a:ln w="19050">
               <a:solidFill>
                 <a:srgbClr val="7030A0"/>
               </a:solidFill>
-            </a:endParaRPr>
-          </a:p>
-        </p:txBody>
-      </p:sp>
-      <p:cxnSp>
-        <p:nvCxnSpPr>
-          <p:cNvPr id="86" name="Elbow Connector 85"/>
-          <p:cNvCxnSpPr>
-            <a:stCxn id="78" idx="3"/>
-            <a:endCxn id="85" idx="1"/>
-          </p:cNvCxnSpPr>
-          <p:nvPr/>
-        </p:nvCxnSpPr>
-        <p:spPr>
-          <a:xfrm>
-            <a:off x="7277995" y="3034891"/>
-            <a:ext cx="434402" cy="641172"/>
-          </a:xfrm>
-          <a:prstGeom prst="bentConnector3">
-            <a:avLst/>
-          </a:prstGeom>
-          <a:ln w="19050">
-            <a:solidFill>
-              <a:srgbClr val="7030A0"/>
-            </a:solidFill>
-            <a:headEnd type="none" w="med" len="med"/>
-            <a:tailEnd type="arrow" w="med" len="med"/>
-          </a:ln>
-          <a:effectLst/>
-        </p:spPr>
-        <p:style>
-          <a:lnRef idx="1">
-            <a:schemeClr val="accent2"/>
-          </a:lnRef>
-          <a:fillRef idx="2">
-            <a:schemeClr val="accent2"/>
-          </a:fillRef>
-          <a:effectRef idx="1">
-            <a:schemeClr val="accent2"/>
-          </a:effectRef>
-          <a:fontRef idx="minor">
-            <a:schemeClr val="dk1"/>
-          </a:fontRef>
-        </p:style>
-      </p:cxnSp>
-      <p:cxnSp>
-        <p:nvCxnSpPr>
-          <p:cNvPr id="97" name="Elbow Connector 63"/>
-          <p:cNvCxnSpPr>
-            <a:stCxn id="99" idx="3"/>
-          </p:cNvCxnSpPr>
-          <p:nvPr/>
-        </p:nvCxnSpPr>
-        <p:spPr>
-          <a:xfrm rot="16200000" flipH="1">
-            <a:off x="3279321" y="2485431"/>
-            <a:ext cx="293825" cy="1"/>
-          </a:xfrm>
-          <a:prstGeom prst="bentConnector3">
-            <a:avLst>
-              <a:gd name="adj1" fmla="val 50000"/>
-            </a:avLst>
-          </a:prstGeom>
-          <a:ln w="19050">
-            <a:solidFill>
-              <a:srgbClr val="7030A0"/>
-            </a:solidFill>
-            <a:prstDash val="sysDot"/>
-            <a:headEnd type="none" w="med" len="med"/>
-            <a:tailEnd type="none" w="med" len="med"/>
-          </a:ln>
-          <a:effectLst/>
-        </p:spPr>
-        <p:style>
-          <a:lnRef idx="1">
-            <a:schemeClr val="accent2"/>
-          </a:lnRef>
-          <a:fillRef idx="2">
-            <a:schemeClr val="accent2"/>
-          </a:fillRef>
-          <a:effectRef idx="1">
-            <a:schemeClr val="accent2"/>
-          </a:effectRef>
-          <a:fontRef idx="minor">
-            <a:schemeClr val="dk1"/>
-          </a:fontRef>
-        </p:style>
-      </p:cxnSp>
-      <p:sp>
-        <p:nvSpPr>
-          <p:cNvPr id="99" name="Isosceles Triangle 102"/>
-          <p:cNvSpPr/>
-          <p:nvPr/>
-        </p:nvSpPr>
-        <p:spPr>
-          <a:xfrm rot="10800000" flipV="1">
-            <a:off x="3290981" y="2162997"/>
-            <a:ext cx="270504" cy="175523"/>
-          </a:xfrm>
-          <a:prstGeom prst="triangle">
-            <a:avLst/>
-          </a:prstGeom>
-          <a:ln w="19050">
-            <a:solidFill>
-              <a:srgbClr val="7030A0"/>
-            </a:solidFill>
-          </a:ln>
-          <a:effectLst/>
-        </p:spPr>
-        <p:style>
-          <a:lnRef idx="1">
-            <a:schemeClr val="accent4"/>
-          </a:lnRef>
-          <a:fillRef idx="2">
-            <a:schemeClr val="accent4"/>
-          </a:fillRef>
-          <a:effectRef idx="1">
-            <a:schemeClr val="accent4"/>
-          </a:effectRef>
-          <a:fontRef idx="minor">
-            <a:schemeClr val="dk1"/>
-          </a:fontRef>
-        </p:style>
-        <p:txBody>
-          <a:bodyPr rtlCol="0" anchor="ctr"/>
-          <a:lstStyle/>
-          <a:p>
-            <a:pPr algn="ctr"/>
-            <a:endParaRPr lang="en-SG" sz="1050" b="1">
-              <a:solidFill>
-                <a:srgbClr val="92D050"/>
-              </a:solidFill>
-            </a:endParaRPr>
-          </a:p>
-        </p:txBody>
-      </p:sp>
-      <p:sp>
-        <p:nvSpPr>
-          <p:cNvPr id="100" name="Rectangle 8"/>
-          <p:cNvSpPr/>
-          <p:nvPr/>
-        </p:nvSpPr>
-        <p:spPr>
-          <a:xfrm>
-            <a:off x="2660303" y="1806470"/>
-            <a:ext cx="1539926" cy="346760"/>
-          </a:xfrm>
-          <a:prstGeom prst="rect">
-            <a:avLst/>
-          </a:prstGeom>
-          <a:ln w="19050">
-            <a:solidFill>
-              <a:srgbClr val="7030A0"/>
-            </a:solidFill>
-          </a:ln>
-          <a:effectLst/>
-        </p:spPr>
-        <p:style>
-          <a:lnRef idx="1">
-            <a:schemeClr val="accent4"/>
-          </a:lnRef>
-          <a:fillRef idx="2">
-            <a:schemeClr val="accent4"/>
-          </a:fillRef>
-          <a:effectRef idx="1">
-            <a:schemeClr val="accent4"/>
-          </a:effectRef>
-          <a:fontRef idx="minor">
-            <a:schemeClr val="dk1"/>
-          </a:fontRef>
-        </p:style>
-        <p:txBody>
-          <a:bodyPr rtlCol="0" anchor="ctr"/>
-          <a:lstStyle/>
-          <a:p>
-            <a:pPr algn="ctr"/>
-            <a:r>
-              <a:rPr lang="en-US" sz="1050" dirty="0" smtClean="0">
-                <a:solidFill>
-                  <a:srgbClr val="7030A0"/>
-                </a:solidFill>
-              </a:rPr>
-              <a:t>&lt;&lt;interface&gt;&gt;</a:t>
-            </a:r>
-            <a:br>
-              <a:rPr lang="en-US" sz="1050" dirty="0" smtClean="0">
-                <a:solidFill>
-                  <a:srgbClr val="7030A0"/>
-                </a:solidFill>
-              </a:rPr>
-            </a:br>
-            <a:r>
-              <a:rPr lang="en-US" sz="1050" dirty="0" err="1" smtClean="0">
-                <a:solidFill>
-                  <a:srgbClr val="7030A0"/>
-                </a:solidFill>
-              </a:rPr>
-              <a:t>ReadOnlyAddressBook</a:t>
-            </a:r>
-            <a:endParaRPr lang="en-SG" sz="1050" dirty="0">
-              <a:solidFill>
-                <a:srgbClr val="7030A0"/>
-              </a:solidFill>
-            </a:endParaRPr>
-          </a:p>
-        </p:txBody>
-      </p:sp>
-      <p:sp>
-        <p:nvSpPr>
-          <p:cNvPr id="114" name="TextBox 113"/>
-          <p:cNvSpPr txBox="1"/>
-          <p:nvPr/>
-        </p:nvSpPr>
-        <p:spPr>
-          <a:xfrm rot="16200000">
-            <a:off x="6581354" y="3514530"/>
-            <a:ext cx="881018" cy="261610"/>
-          </a:xfrm>
-          <a:prstGeom prst="rect">
-            <a:avLst/>
-          </a:prstGeom>
-          <a:noFill/>
-        </p:spPr>
-        <p:txBody>
-          <a:bodyPr wrap="square" rtlCol="0">
-            <a:spAutoFit/>
-          </a:bodyPr>
-          <a:lstStyle/>
-          <a:p>
-            <a:pPr algn="r"/>
-            <a:r>
-              <a:rPr lang="en-US" sz="1100" dirty="0" smtClean="0">
-                <a:solidFill>
-                  <a:srgbClr val="7030A0"/>
-                </a:solidFill>
-              </a:rPr>
-              <a:t>filtered list</a:t>
-            </a:r>
-            <a:endParaRPr lang="en-SG" sz="1100" dirty="0">
-              <a:solidFill>
-                <a:srgbClr val="7030A0"/>
-              </a:solidFill>
-            </a:endParaRPr>
-          </a:p>
-        </p:txBody>
-      </p:sp>
-      <p:sp>
-        <p:nvSpPr>
-          <p:cNvPr id="122" name="Rectangle 8"/>
-          <p:cNvSpPr/>
-          <p:nvPr/>
-        </p:nvSpPr>
-        <p:spPr>
-          <a:xfrm>
-            <a:off x="2057400" y="4239491"/>
-            <a:ext cx="1775949" cy="346760"/>
-          </a:xfrm>
-          <a:prstGeom prst="rect">
-            <a:avLst/>
-          </a:prstGeom>
-          <a:ln w="19050">
-            <a:solidFill>
-              <a:srgbClr val="7030A0"/>
-            </a:solidFill>
-          </a:ln>
-          <a:effectLst/>
-        </p:spPr>
-        <p:style>
-          <a:lnRef idx="1">
-            <a:schemeClr val="accent4"/>
-          </a:lnRef>
-          <a:fillRef idx="2">
-            <a:schemeClr val="accent4"/>
-          </a:fillRef>
-          <a:effectRef idx="1">
-            <a:schemeClr val="accent4"/>
-          </a:effectRef>
-          <a:fontRef idx="minor">
-            <a:schemeClr val="dk1"/>
-          </a:fontRef>
-        </p:style>
-        <p:txBody>
-          <a:bodyPr rtlCol="0" anchor="ctr"/>
-          <a:lstStyle/>
-          <a:p>
-            <a:pPr algn="ctr"/>
-            <a:r>
-              <a:rPr lang="en-US" sz="1050" dirty="0" smtClean="0">
-                <a:solidFill>
-                  <a:srgbClr val="7030A0"/>
-                </a:solidFill>
-              </a:rPr>
-              <a:t>&lt;&lt;interface&gt;&gt;</a:t>
-            </a:r>
-            <a:r>
-              <a:rPr lang="en-US" sz="1050" dirty="0">
-                <a:solidFill>
-                  <a:srgbClr val="7030A0"/>
-                </a:solidFill>
-              </a:rPr>
-              <a:t/>
-            </a:r>
-            <a:br>
-              <a:rPr lang="en-US" sz="1050" dirty="0">
-                <a:solidFill>
-                  <a:srgbClr val="7030A0"/>
-                </a:solidFill>
-              </a:rPr>
-            </a:br>
-            <a:r>
-              <a:rPr lang="en-US" sz="1050" dirty="0" err="1" smtClean="0">
-                <a:solidFill>
-                  <a:srgbClr val="7030A0"/>
-                </a:solidFill>
-              </a:rPr>
-              <a:t>UnmodifiableObservableList</a:t>
-            </a:r>
-            <a:endParaRPr lang="en-SG" sz="1050" dirty="0">
-              <a:solidFill>
-                <a:srgbClr val="7030A0"/>
-              </a:solidFill>
-            </a:endParaRPr>
-          </a:p>
-        </p:txBody>
-      </p:sp>
-      <p:cxnSp>
-        <p:nvCxnSpPr>
-          <p:cNvPr id="124" name="Elbow Connector 122"/>
-          <p:cNvCxnSpPr>
-            <a:stCxn id="119" idx="1"/>
-            <a:endCxn id="122" idx="1"/>
-          </p:cNvCxnSpPr>
-          <p:nvPr/>
-        </p:nvCxnSpPr>
-        <p:spPr>
-          <a:xfrm rot="16200000" flipH="1">
-            <a:off x="1364475" y="3719945"/>
-            <a:ext cx="831471" cy="554380"/>
-          </a:xfrm>
-          <a:prstGeom prst="bentConnector2">
-            <a:avLst/>
-          </a:prstGeom>
-          <a:ln w="19050">
-            <a:solidFill>
-              <a:srgbClr val="7030A0"/>
-            </a:solidFill>
-            <a:prstDash val="sysDot"/>
-            <a:headEnd type="none" w="med" len="med"/>
-            <a:tailEnd type="arrow" w="med" len="med"/>
-          </a:ln>
-          <a:effectLst/>
-        </p:spPr>
-        <p:style>
-          <a:lnRef idx="1">
-            <a:schemeClr val="accent2"/>
-          </a:lnRef>
-          <a:fillRef idx="2">
-            <a:schemeClr val="accent2"/>
-          </a:fillRef>
-          <a:effectRef idx="1">
-            <a:schemeClr val="accent2"/>
-          </a:effectRef>
-          <a:fontRef idx="minor">
-            <a:schemeClr val="dk1"/>
-          </a:fontRef>
-        </p:style>
-      </p:cxnSp>
+              <a:prstDash val="sysDot"/>
+              <a:headEnd type="none" w="med" len="med"/>
+              <a:tailEnd type="arrow" w="med" len="med"/>
+            </a:ln>
+            <a:effectLst/>
+          </p:spPr>
+          <p:style>
+            <a:lnRef idx="1">
+              <a:schemeClr val="accent2"/>
+            </a:lnRef>
+            <a:fillRef idx="2">
+              <a:schemeClr val="accent2"/>
+            </a:fillRef>
+            <a:effectRef idx="1">
+              <a:schemeClr val="accent2"/>
+            </a:effectRef>
+            <a:fontRef idx="minor">
+              <a:schemeClr val="dk1"/>
+            </a:fontRef>
+          </p:style>
+        </p:cxnSp>
+      </p:grpSp>
     </p:spTree>
     <p:extLst>
       <p:ext uri="{BB962C8B-B14F-4D97-AF65-F5344CB8AC3E}">
@@ -13679,13 +13606,6 @@
   <p:clrMapOvr>
     <a:masterClrMapping/>
   </p:clrMapOvr>
-  <p:timing>
-    <p:tnLst>
-      <p:par>
-        <p:cTn id="1" dur="indefinite" restart="never" nodeType="tmRoot"/>
-      </p:par>
-    </p:tnLst>
-  </p:timing>
 </p:sld>
 </file>
 
@@ -13752,7 +13672,7 @@
           <a:lstStyle/>
           <a:p>
             <a:r>
-              <a:rPr lang="en-US" sz="1200" b="1" dirty="0" smtClean="0">
+              <a:rPr lang="en-US" sz="1200" b="1" dirty="0">
                 <a:solidFill>
                   <a:schemeClr val="accent6">
                     <a:lumMod val="75000"/>
@@ -13819,7 +13739,7 @@
           <a:p>
             <a:pPr algn="ctr"/>
             <a:r>
-              <a:rPr lang="en-US" sz="1050" dirty="0" smtClean="0">
+              <a:rPr lang="en-US" sz="1050" dirty="0">
                 <a:solidFill>
                   <a:schemeClr val="bg1"/>
                 </a:solidFill>
@@ -13827,19 +13747,19 @@
               <a:t>&lt;&lt;interface&gt;&gt;</a:t>
             </a:r>
             <a:br>
-              <a:rPr lang="en-US" sz="1050" dirty="0" smtClean="0">
+              <a:rPr lang="en-US" sz="1050" dirty="0">
                 <a:solidFill>
                   <a:schemeClr val="bg1"/>
                 </a:solidFill>
               </a:rPr>
             </a:br>
             <a:r>
-              <a:rPr lang="en-US" sz="1050" dirty="0" err="1" smtClean="0">
+              <a:rPr lang="en-US" sz="1050" dirty="0" err="1">
                 <a:solidFill>
                   <a:schemeClr val="bg1"/>
                 </a:solidFill>
               </a:rPr>
-              <a:t>AddressBookStorage</a:t>
+              <a:t>TarsStorage</a:t>
             </a:r>
             <a:endParaRPr lang="en-SG" sz="1050" dirty="0">
               <a:solidFill>
@@ -13897,7 +13817,7 @@
           <a:p>
             <a:pPr algn="ctr"/>
             <a:r>
-              <a:rPr lang="en-US" sz="1050" dirty="0" err="1" smtClean="0">
+              <a:rPr lang="en-US" sz="1050" dirty="0" err="1">
                 <a:solidFill>
                   <a:schemeClr val="bg1"/>
                 </a:solidFill>
@@ -13971,7 +13891,7 @@
           <a:p>
             <a:pPr algn="ctr"/>
             <a:r>
-              <a:rPr lang="en-US" sz="1050" dirty="0" smtClean="0">
+              <a:rPr lang="en-US" sz="1050" dirty="0">
                 <a:solidFill>
                   <a:schemeClr val="bg1"/>
                 </a:solidFill>
@@ -14405,27 +14325,17 @@
           <a:p>
             <a:pPr algn="ctr"/>
             <a:r>
-              <a:rPr lang="en-US" sz="1050" b="1" dirty="0" err="1" smtClean="0">
+              <a:rPr lang="en-US" sz="1050" b="1" dirty="0" err="1">
                 <a:solidFill>
                   <a:schemeClr val="accent6">
                     <a:lumMod val="75000"/>
                   </a:schemeClr>
                 </a:solidFill>
               </a:rPr>
-              <a:t>XmlAddressBook</a:t>
-            </a:r>
-            <a:r>
-              <a:rPr lang="en-US" sz="1050" b="1" dirty="0" smtClean="0">
-                <a:solidFill>
-                  <a:schemeClr val="accent6">
-                    <a:lumMod val="75000"/>
-                  </a:schemeClr>
-                </a:solidFill>
-              </a:rPr>
-              <a:t/>
+              <a:t>XmlTars</a:t>
             </a:r>
             <a:br>
-              <a:rPr lang="en-US" sz="1050" b="1" dirty="0" smtClean="0">
+              <a:rPr lang="en-US" sz="1050" b="1" dirty="0">
                 <a:solidFill>
                   <a:schemeClr val="accent6">
                     <a:lumMod val="75000"/>
@@ -14434,7 +14344,7 @@
               </a:rPr>
             </a:br>
             <a:r>
-              <a:rPr lang="en-US" sz="1050" b="1" dirty="0" smtClean="0">
+              <a:rPr lang="en-US" sz="1050" b="1" dirty="0">
                 <a:solidFill>
                   <a:schemeClr val="accent6">
                     <a:lumMod val="75000"/>
@@ -14501,7 +14411,7 @@
           <a:p>
             <a:pPr algn="ctr"/>
             <a:r>
-              <a:rPr lang="en-US" sz="1050" dirty="0" smtClean="0">
+              <a:rPr lang="en-US" sz="1050" dirty="0">
                 <a:solidFill>
                   <a:schemeClr val="bg1"/>
                 </a:solidFill>
@@ -14509,14 +14419,14 @@
               <a:t>&lt;&lt;interface&gt;&gt;</a:t>
             </a:r>
             <a:br>
-              <a:rPr lang="en-US" sz="1050" dirty="0" smtClean="0">
+              <a:rPr lang="en-US" sz="1050" dirty="0">
                 <a:solidFill>
                   <a:schemeClr val="bg1"/>
                 </a:solidFill>
               </a:rPr>
             </a:br>
             <a:r>
-              <a:rPr lang="en-US" sz="1050" dirty="0" err="1" smtClean="0">
+              <a:rPr lang="en-US" sz="1050" dirty="0" err="1">
                 <a:solidFill>
                   <a:schemeClr val="bg1"/>
                 </a:solidFill>
@@ -14774,30 +14684,22 @@
           <a:p>
             <a:pPr algn="ctr"/>
             <a:r>
-              <a:rPr lang="en-US" sz="1050" dirty="0" err="1" smtClean="0">
+              <a:rPr lang="en-US" sz="1050" dirty="0" err="1">
                 <a:solidFill>
                   <a:schemeClr val="bg1"/>
                 </a:solidFill>
               </a:rPr>
               <a:t>JsonUserPrefs</a:t>
             </a:r>
-            <a:r>
-              <a:rPr lang="en-US" sz="1050" dirty="0" smtClean="0">
-                <a:solidFill>
-                  <a:schemeClr val="bg1"/>
-                </a:solidFill>
-              </a:rPr>
-              <a:t/>
-            </a:r>
             <a:br>
-              <a:rPr lang="en-US" sz="1050" dirty="0" smtClean="0">
+              <a:rPr lang="en-US" sz="1050" dirty="0">
                 <a:solidFill>
                   <a:schemeClr val="bg1"/>
                 </a:solidFill>
               </a:rPr>
             </a:br>
             <a:r>
-              <a:rPr lang="en-US" sz="1050" dirty="0" smtClean="0">
+              <a:rPr lang="en-US" sz="1050" dirty="0">
                 <a:solidFill>
                   <a:schemeClr val="bg1"/>
                 </a:solidFill>
@@ -14849,7 +14751,7 @@
           <a:p>
             <a:pPr algn="ctr"/>
             <a:r>
-              <a:rPr lang="en-US" sz="1050" b="1" dirty="0" err="1" smtClean="0">
+              <a:rPr lang="en-US" sz="1050" b="1" dirty="0" err="1">
                 <a:solidFill>
                   <a:schemeClr val="accent6">
                     <a:lumMod val="75000"/>
@@ -14858,18 +14760,8 @@
               </a:rPr>
               <a:t>XmlSerializable</a:t>
             </a:r>
-            <a:r>
-              <a:rPr lang="en-US" sz="1050" b="1" dirty="0" smtClean="0">
-                <a:solidFill>
-                  <a:schemeClr val="accent6">
-                    <a:lumMod val="75000"/>
-                  </a:schemeClr>
-                </a:solidFill>
-              </a:rPr>
-              <a:t/>
-            </a:r>
             <a:br>
-              <a:rPr lang="en-US" sz="1050" b="1" dirty="0" smtClean="0">
+              <a:rPr lang="en-US" sz="1050" b="1" dirty="0">
                 <a:solidFill>
                   <a:schemeClr val="accent6">
                     <a:lumMod val="75000"/>
@@ -14878,14 +14770,14 @@
               </a:rPr>
             </a:br>
             <a:r>
-              <a:rPr lang="en-US" sz="1050" b="1" dirty="0" err="1" smtClean="0">
+              <a:rPr lang="en-US" sz="1050" b="1" dirty="0">
                 <a:solidFill>
                   <a:schemeClr val="accent6">
                     <a:lumMod val="75000"/>
                   </a:schemeClr>
                 </a:solidFill>
               </a:rPr>
-              <a:t>AddressBook</a:t>
+              <a:t>Tars</a:t>
             </a:r>
             <a:endParaRPr lang="en-SG" sz="1050" b="1" dirty="0">
               <a:solidFill>
@@ -14975,7 +14867,7 @@
           <a:p>
             <a:pPr algn="ctr"/>
             <a:r>
-              <a:rPr lang="en-US" sz="1050" b="1" dirty="0" err="1" smtClean="0">
+              <a:rPr lang="en-US" sz="1050" b="1" dirty="0" err="1">
                 <a:solidFill>
                   <a:schemeClr val="accent6">
                     <a:lumMod val="75000"/>
@@ -15031,14 +14923,14 @@
           <a:p>
             <a:pPr algn="ctr"/>
             <a:r>
-              <a:rPr lang="en-US" sz="1050" b="1" dirty="0" err="1" smtClean="0">
+              <a:rPr lang="en-US" sz="1050" b="1" dirty="0" err="1">
                 <a:solidFill>
                   <a:schemeClr val="accent6">
                     <a:lumMod val="75000"/>
                   </a:schemeClr>
                 </a:solidFill>
               </a:rPr>
-              <a:t>XmlAdaptedPerson</a:t>
+              <a:t>XmlAdaptedTask</a:t>
             </a:r>
             <a:endParaRPr lang="en-SG" sz="1050" b="1" dirty="0">
               <a:solidFill>
@@ -15101,13 +14993,6 @@
   <p:clrMapOvr>
     <a:masterClrMapping/>
   </p:clrMapOvr>
-  <p:timing>
-    <p:tnLst>
-      <p:par>
-        <p:cTn id="1" dur="indefinite" restart="never" nodeType="tmRoot"/>
-      </p:par>
-    </p:tnLst>
-  </p:timing>
 </p:sld>
 </file>
 

--- a/docs/diagrams/Diagrams.pptx
+++ b/docs/diagrams/Diagrams.pptx
@@ -115,6 +115,22 @@
       </a:defRPr>
     </a:lvl9pPr>
   </p:defaultTextStyle>
+  <p:extLst>
+    <p:ext uri="{EFAFB233-063F-42B5-8137-9DF3F51BA10A}">
+      <p15:sldGuideLst xmlns:p15="http://schemas.microsoft.com/office/powerpoint/2012/main">
+        <p15:guide id="1" orient="horz" pos="1488">
+          <p15:clr>
+            <a:srgbClr val="A4A3A4"/>
+          </p15:clr>
+        </p15:guide>
+        <p15:guide id="2" pos="2880">
+          <p15:clr>
+            <a:srgbClr val="A4A3A4"/>
+          </p15:clr>
+        </p15:guide>
+      </p15:sldGuideLst>
+    </p:ext>
+  </p:extLst>
 </p:presentation>
 </file>
 
@@ -200,7 +216,7 @@
           <a:p>
             <a:fld id="{F5CC4B3F-88C1-4FFA-B1B6-F41C21DC6924}" type="datetimeFigureOut">
               <a:rPr lang="en-US" smtClean="0"/>
-              <a:t>9/30/2016</a:t>
+              <a:t>10/9/16</a:t>
             </a:fld>
             <a:endParaRPr lang="en-US"/>
           </a:p>
@@ -649,7 +665,7 @@
           <a:p>
             <a:fld id="{78C97017-6FC3-485B-9764-EAC9E56C1D49}" type="datetimeFigureOut">
               <a:rPr lang="en-US" smtClean="0"/>
-              <a:t>9/30/2016</a:t>
+              <a:t>10/9/16</a:t>
             </a:fld>
             <a:endParaRPr lang="en-US"/>
           </a:p>
@@ -819,7 +835,7 @@
           <a:p>
             <a:fld id="{78C97017-6FC3-485B-9764-EAC9E56C1D49}" type="datetimeFigureOut">
               <a:rPr lang="en-US" smtClean="0"/>
-              <a:t>9/30/2016</a:t>
+              <a:t>10/9/16</a:t>
             </a:fld>
             <a:endParaRPr lang="en-US"/>
           </a:p>
@@ -999,7 +1015,7 @@
           <a:p>
             <a:fld id="{78C97017-6FC3-485B-9764-EAC9E56C1D49}" type="datetimeFigureOut">
               <a:rPr lang="en-US" smtClean="0"/>
-              <a:t>9/30/2016</a:t>
+              <a:t>10/9/16</a:t>
             </a:fld>
             <a:endParaRPr lang="en-US"/>
           </a:p>
@@ -1169,7 +1185,7 @@
           <a:p>
             <a:fld id="{78C97017-6FC3-485B-9764-EAC9E56C1D49}" type="datetimeFigureOut">
               <a:rPr lang="en-US" smtClean="0"/>
-              <a:t>9/30/2016</a:t>
+              <a:t>10/9/16</a:t>
             </a:fld>
             <a:endParaRPr lang="en-US"/>
           </a:p>
@@ -1415,7 +1431,7 @@
           <a:p>
             <a:fld id="{78C97017-6FC3-485B-9764-EAC9E56C1D49}" type="datetimeFigureOut">
               <a:rPr lang="en-US" smtClean="0"/>
-              <a:t>9/30/2016</a:t>
+              <a:t>10/9/16</a:t>
             </a:fld>
             <a:endParaRPr lang="en-US"/>
           </a:p>
@@ -1703,7 +1719,7 @@
           <a:p>
             <a:fld id="{78C97017-6FC3-485B-9764-EAC9E56C1D49}" type="datetimeFigureOut">
               <a:rPr lang="en-US" smtClean="0"/>
-              <a:t>9/30/2016</a:t>
+              <a:t>10/9/16</a:t>
             </a:fld>
             <a:endParaRPr lang="en-US"/>
           </a:p>
@@ -2125,7 +2141,7 @@
           <a:p>
             <a:fld id="{78C97017-6FC3-485B-9764-EAC9E56C1D49}" type="datetimeFigureOut">
               <a:rPr lang="en-US" smtClean="0"/>
-              <a:t>9/30/2016</a:t>
+              <a:t>10/9/16</a:t>
             </a:fld>
             <a:endParaRPr lang="en-US"/>
           </a:p>
@@ -2243,7 +2259,7 @@
           <a:p>
             <a:fld id="{78C97017-6FC3-485B-9764-EAC9E56C1D49}" type="datetimeFigureOut">
               <a:rPr lang="en-US" smtClean="0"/>
-              <a:t>9/30/2016</a:t>
+              <a:t>10/9/16</a:t>
             </a:fld>
             <a:endParaRPr lang="en-US"/>
           </a:p>
@@ -2338,7 +2354,7 @@
           <a:p>
             <a:fld id="{78C97017-6FC3-485B-9764-EAC9E56C1D49}" type="datetimeFigureOut">
               <a:rPr lang="en-US" smtClean="0"/>
-              <a:t>9/30/2016</a:t>
+              <a:t>10/9/16</a:t>
             </a:fld>
             <a:endParaRPr lang="en-US"/>
           </a:p>
@@ -2615,7 +2631,7 @@
           <a:p>
             <a:fld id="{78C97017-6FC3-485B-9764-EAC9E56C1D49}" type="datetimeFigureOut">
               <a:rPr lang="en-US" smtClean="0"/>
-              <a:t>9/30/2016</a:t>
+              <a:t>10/9/16</a:t>
             </a:fld>
             <a:endParaRPr lang="en-US"/>
           </a:p>
@@ -2868,7 +2884,7 @@
           <a:p>
             <a:fld id="{78C97017-6FC3-485B-9764-EAC9E56C1D49}" type="datetimeFigureOut">
               <a:rPr lang="en-US" smtClean="0"/>
-              <a:t>9/30/2016</a:t>
+              <a:t>10/9/16</a:t>
             </a:fld>
             <a:endParaRPr lang="en-US"/>
           </a:p>
@@ -3081,7 +3097,7 @@
           <a:p>
             <a:fld id="{78C97017-6FC3-485B-9764-EAC9E56C1D49}" type="datetimeFigureOut">
               <a:rPr lang="en-US" smtClean="0"/>
-              <a:t>9/30/2016</a:t>
+              <a:t>10/9/16</a:t>
             </a:fld>
             <a:endParaRPr lang="en-US"/>
           </a:p>
@@ -3472,12 +3488,12 @@
           <a:lstStyle/>
           <a:p>
             <a:r>
+              <a:rPr lang="en-US" dirty="0" smtClean="0"/>
+              <a:t> </a:t>
+            </a:r>
+            <a:r>
               <a:rPr lang="en-US" dirty="0" err="1" smtClean="0"/>
-              <a:t>AddressBook</a:t>
-            </a:r>
-            <a:r>
-              <a:rPr lang="en-US" dirty="0" smtClean="0"/>
-              <a:t> – Level 4</a:t>
+              <a:t>GGist</a:t>
             </a:r>
             <a:endParaRPr lang="en-US" dirty="0"/>
           </a:p>
@@ -5753,7 +5769,7 @@
                   <a:srgbClr val="7030A0"/>
                 </a:solidFill>
               </a:rPr>
-              <a:t>deletePerson</a:t>
+              <a:t>deleteTask</a:t>
             </a:r>
             <a:r>
               <a:rPr lang="en-US" sz="1400" dirty="0" smtClean="0">
@@ -5761,7 +5777,15 @@
                   <a:srgbClr val="7030A0"/>
                 </a:solidFill>
               </a:rPr>
-              <a:t>(p)</a:t>
+              <a:t>(p</a:t>
+            </a:r>
+            <a:r>
+              <a:rPr lang="en-US" sz="1400" dirty="0" smtClean="0">
+                <a:solidFill>
+                  <a:srgbClr val="7030A0"/>
+                </a:solidFill>
+              </a:rPr>
+              <a:t>)</a:t>
             </a:r>
             <a:endParaRPr lang="en-US" sz="1400" dirty="0">
               <a:solidFill>
@@ -5801,7 +5825,7 @@
                   </a:schemeClr>
                 </a:solidFill>
               </a:rPr>
-              <a:t>post(</a:t>
+              <a:t>Post(</a:t>
             </a:r>
             <a:r>
               <a:rPr lang="en-US" sz="1400" dirty="0" err="1" smtClean="0">
@@ -5811,7 +5835,7 @@
                   </a:schemeClr>
                 </a:solidFill>
               </a:rPr>
-              <a:t>AddressBookChangedEvent</a:t>
+              <a:t>TaskManagerChangedEvent</a:t>
             </a:r>
             <a:r>
               <a:rPr lang="en-US" sz="1400" dirty="0" smtClean="0">
@@ -6375,7 +6399,7 @@
                   </a:schemeClr>
                 </a:solidFill>
               </a:rPr>
-              <a:t>post(</a:t>
+              <a:t>Post(</a:t>
             </a:r>
             <a:r>
               <a:rPr lang="en-US" sz="1400" dirty="0" err="1" smtClean="0">
@@ -6385,7 +6409,7 @@
                   </a:schemeClr>
                 </a:solidFill>
               </a:rPr>
-              <a:t>AddressBookChangedEvent</a:t>
+              <a:t>TaskChangedEvent</a:t>
             </a:r>
             <a:r>
               <a:rPr lang="en-US" sz="1400" dirty="0" smtClean="0">
@@ -6757,7 +6781,7 @@
                   </a:schemeClr>
                 </a:solidFill>
               </a:rPr>
-              <a:t>handleAddresssBookChangedEvent</a:t>
+              <a:t>handleTaskManagerChangedEvent</a:t>
             </a:r>
             <a:r>
               <a:rPr lang="en-US" sz="1400" dirty="0" smtClean="0">
@@ -7068,7 +7092,7 @@
                   <a:srgbClr val="00B050"/>
                 </a:solidFill>
               </a:rPr>
-              <a:t>handleAddresssBookChangedEvent</a:t>
+              <a:t>handleTaskManagerChangedEvent</a:t>
             </a:r>
             <a:r>
               <a:rPr lang="en-US" sz="1400" dirty="0" smtClean="0">
@@ -8134,14 +8158,24 @@
           <a:p>
             <a:pPr algn="ctr"/>
             <a:r>
-              <a:rPr lang="en-US" sz="1050" b="1" dirty="0" err="1">
+              <a:rPr lang="en-US" sz="1050" b="1" dirty="0" err="1" smtClean="0">
                 <a:solidFill>
                   <a:schemeClr val="accent3">
                     <a:lumMod val="75000"/>
                   </a:schemeClr>
                 </a:solidFill>
               </a:rPr>
-              <a:t>PersonListPanel</a:t>
+              <a:t>Task</a:t>
+            </a:r>
+            <a:r>
+              <a:rPr lang="en-US" sz="1050" b="1" dirty="0" err="1" smtClean="0">
+                <a:solidFill>
+                  <a:schemeClr val="accent3">
+                    <a:lumMod val="75000"/>
+                  </a:schemeClr>
+                </a:solidFill>
+              </a:rPr>
+              <a:t>ListPanel</a:t>
             </a:r>
             <a:endParaRPr lang="en-SG" sz="1050" b="1" dirty="0">
               <a:solidFill>
@@ -8194,14 +8228,24 @@
           <a:p>
             <a:pPr algn="ctr"/>
             <a:r>
-              <a:rPr lang="en-US" sz="1050" b="1" dirty="0" err="1">
+              <a:rPr lang="en-US" sz="1050" b="1" dirty="0" err="1" smtClean="0">
                 <a:solidFill>
                   <a:schemeClr val="accent3">
                     <a:lumMod val="75000"/>
                   </a:schemeClr>
                 </a:solidFill>
               </a:rPr>
-              <a:t>PersonCard</a:t>
+              <a:t>Task</a:t>
+            </a:r>
+            <a:r>
+              <a:rPr lang="en-US" sz="1050" b="1" dirty="0" err="1" smtClean="0">
+                <a:solidFill>
+                  <a:schemeClr val="accent3">
+                    <a:lumMod val="75000"/>
+                  </a:schemeClr>
+                </a:solidFill>
+              </a:rPr>
+              <a:t>Card</a:t>
             </a:r>
             <a:endParaRPr lang="en-SG" sz="1050" b="1" dirty="0">
               <a:solidFill>
@@ -12280,7 +12324,6 @@
               <a:rPr lang="en-US" dirty="0"/>
               <a:t>execute()</a:t>
             </a:r>
-            <a:endParaRPr lang="en-US" dirty="0"/>
           </a:p>
         </p:txBody>
       </p:sp>
@@ -12797,7 +12840,7 @@
                   <a:srgbClr val="7030A0"/>
                 </a:solidFill>
               </a:rPr>
-              <a:t>deletePerson</a:t>
+              <a:t>deleteTask</a:t>
             </a:r>
             <a:r>
               <a:rPr lang="en-US" dirty="0" smtClean="0">
@@ -12805,7 +12848,15 @@
                   <a:srgbClr val="7030A0"/>
                 </a:solidFill>
               </a:rPr>
-              <a:t>(p)</a:t>
+              <a:t>(p</a:t>
+            </a:r>
+            <a:r>
+              <a:rPr lang="en-US" dirty="0" smtClean="0">
+                <a:solidFill>
+                  <a:srgbClr val="7030A0"/>
+                </a:solidFill>
+              </a:rPr>
+              <a:t>)</a:t>
             </a:r>
             <a:endParaRPr lang="en-US" dirty="0">
               <a:solidFill>
@@ -13936,7 +13987,7 @@
                   <a:srgbClr val="7030A0"/>
                 </a:solidFill>
               </a:rPr>
-              <a:t>AddressBook</a:t>
+              <a:t>ggist</a:t>
             </a:r>
             <a:endParaRPr lang="en-SG" sz="1050" dirty="0">
               <a:solidFill>
@@ -14078,7 +14129,7 @@
                   <a:srgbClr val="7030A0"/>
                 </a:solidFill>
               </a:rPr>
-              <a:t>UniquePersonList</a:t>
+              <a:t>UniqueTaskList</a:t>
             </a:r>
             <a:endParaRPr lang="en-SG" sz="1050" dirty="0">
               <a:solidFill>
@@ -14321,7 +14372,7 @@
                   <a:srgbClr val="7030A0"/>
                 </a:solidFill>
               </a:rPr>
-              <a:t>Person</a:t>
+              <a:t>Task</a:t>
             </a:r>
             <a:endParaRPr lang="en-SG" sz="1050" dirty="0">
               <a:solidFill>
@@ -14620,7 +14671,7 @@
                   <a:srgbClr val="7030A0"/>
                 </a:solidFill>
               </a:rPr>
-              <a:t>ReadOnlyPerson</a:t>
+              <a:t>ReadOnlyTask</a:t>
             </a:r>
             <a:endParaRPr lang="en-SG" sz="1050" dirty="0">
               <a:solidFill>
@@ -14676,7 +14727,7 @@
                   <a:srgbClr val="7030A0"/>
                 </a:solidFill>
               </a:rPr>
-              <a:t>Name</a:t>
+              <a:t>Start Date</a:t>
             </a:r>
             <a:endParaRPr lang="en-SG" sz="1050" dirty="0">
               <a:solidFill>
@@ -14820,7 +14871,7 @@
                   <a:srgbClr val="7030A0"/>
                 </a:solidFill>
               </a:rPr>
-              <a:t>Phone</a:t>
+              <a:t>End Date</a:t>
             </a:r>
             <a:endParaRPr lang="en-SG" sz="1050" dirty="0">
               <a:solidFill>
@@ -14917,7 +14968,7 @@
                   <a:srgbClr val="7030A0"/>
                 </a:solidFill>
               </a:rPr>
-              <a:t>Email</a:t>
+              <a:t>Time</a:t>
             </a:r>
             <a:endParaRPr lang="en-SG" sz="1050" dirty="0">
               <a:solidFill>
@@ -15014,7 +15065,7 @@
                   <a:srgbClr val="7030A0"/>
                 </a:solidFill>
               </a:rPr>
-              <a:t>Address</a:t>
+              <a:t>Task</a:t>
             </a:r>
             <a:endParaRPr lang="en-SG" sz="1050" dirty="0">
               <a:solidFill>
@@ -15217,7 +15268,7 @@
                   <a:srgbClr val="7030A0"/>
                 </a:solidFill>
               </a:rPr>
-              <a:t>ReadOnlyAddressBook</a:t>
+              <a:t>ReadOnlyTaskList</a:t>
             </a:r>
             <a:endParaRPr lang="en-SG" sz="1050" dirty="0">
               <a:solidFill>
@@ -15557,7 +15608,7 @@
                   <a:schemeClr val="bg1"/>
                 </a:solidFill>
               </a:rPr>
-              <a:t>AddressBookStorage</a:t>
+              <a:t>TaskStorage</a:t>
             </a:r>
             <a:endParaRPr lang="en-SG" sz="1050" dirty="0">
               <a:solidFill>
@@ -16130,7 +16181,7 @@
                   </a:schemeClr>
                 </a:solidFill>
               </a:rPr>
-              <a:t>XmlAddressBook</a:t>
+              <a:t>XmlFile</a:t>
             </a:r>
             <a:r>
               <a:rPr lang="en-US" sz="1050" b="1" dirty="0" smtClean="0">
@@ -16603,7 +16654,7 @@
                   </a:schemeClr>
                 </a:solidFill>
               </a:rPr>
-              <a:t>AddressBook</a:t>
+              <a:t>TaskManager</a:t>
             </a:r>
             <a:endParaRPr lang="en-SG" sz="1050" b="1" dirty="0">
               <a:solidFill>
@@ -16756,7 +16807,7 @@
                   </a:schemeClr>
                 </a:solidFill>
               </a:rPr>
-              <a:t>XmlAdaptedPerson</a:t>
+              <a:t>XmlAdaptedTask</a:t>
             </a:r>
             <a:endParaRPr lang="en-SG" sz="1050" b="1" dirty="0">
               <a:solidFill>

--- a/docs/diagrams/Diagrams.pptx
+++ b/docs/diagrams/Diagrams.pptx
@@ -9745,9 +9745,9 @@
             </a:avLst>
           </a:prstGeom>
           <a:solidFill>
-            <a:schemeClr val="accent1">
-              <a:lumMod val="20000"/>
-              <a:lumOff val="80000"/>
+            <a:schemeClr val="accent4">
+              <a:lumMod val="40000"/>
+              <a:lumOff val="60000"/>
             </a:schemeClr>
           </a:solidFill>
           <a:ln w="19050">
@@ -9862,6 +9862,12 @@
           <a:prstGeom prst="rect">
             <a:avLst/>
           </a:prstGeom>
+          <a:solidFill>
+            <a:schemeClr val="accent3">
+              <a:lumMod val="40000"/>
+              <a:lumOff val="60000"/>
+            </a:schemeClr>
+          </a:solidFill>
           <a:ln w="19050">
             <a:solidFill>
               <a:srgbClr val="0070C0"/>
@@ -10020,6 +10026,12 @@
           <a:prstGeom prst="triangle">
             <a:avLst/>
           </a:prstGeom>
+          <a:solidFill>
+            <a:schemeClr val="accent3">
+              <a:lumMod val="40000"/>
+              <a:lumOff val="60000"/>
+            </a:schemeClr>
+          </a:solidFill>
           <a:ln w="19050">
             <a:solidFill>
               <a:srgbClr val="0070C0"/>
@@ -10171,6 +10183,12 @@
           <a:prstGeom prst="rect">
             <a:avLst/>
           </a:prstGeom>
+          <a:solidFill>
+            <a:schemeClr val="accent3">
+              <a:lumMod val="40000"/>
+              <a:lumOff val="60000"/>
+            </a:schemeClr>
+          </a:solidFill>
           <a:ln w="19050">
             <a:solidFill>
               <a:srgbClr val="0070C0"/>
@@ -10227,6 +10245,12 @@
           <a:prstGeom prst="rect">
             <a:avLst/>
           </a:prstGeom>
+          <a:solidFill>
+            <a:schemeClr val="accent3">
+              <a:lumMod val="40000"/>
+              <a:lumOff val="60000"/>
+            </a:schemeClr>
+          </a:solidFill>
           <a:ln w="19050">
             <a:solidFill>
               <a:srgbClr val="0070C0"/>
@@ -10283,6 +10307,12 @@
           <a:prstGeom prst="rect">
             <a:avLst/>
           </a:prstGeom>
+          <a:solidFill>
+            <a:schemeClr val="accent3">
+              <a:lumMod val="40000"/>
+              <a:lumOff val="60000"/>
+            </a:schemeClr>
+          </a:solidFill>
           <a:ln w="19050">
             <a:solidFill>
               <a:srgbClr val="0070C0"/>
@@ -11339,6 +11369,12 @@
           <a:prstGeom prst="rect">
             <a:avLst/>
           </a:prstGeom>
+          <a:solidFill>
+            <a:schemeClr val="accent3">
+              <a:lumMod val="40000"/>
+              <a:lumOff val="60000"/>
+            </a:schemeClr>
+          </a:solidFill>
           <a:ln w="19050">
             <a:solidFill>
               <a:srgbClr val="0070C0"/>
@@ -11534,7 +11570,7 @@
             </a:avLst>
           </a:prstGeom>
           <a:solidFill>
-            <a:schemeClr val="accent1">
+            <a:schemeClr val="accent4">
               <a:lumMod val="20000"/>
               <a:lumOff val="80000"/>
             </a:schemeClr>
@@ -12050,8 +12086,8 @@
         </p:nvCxnSpPr>
         <p:spPr>
           <a:xfrm>
-            <a:off x="543018" y="3014599"/>
-            <a:ext cx="1119851" cy="0"/>
+            <a:off x="152400" y="3010911"/>
+            <a:ext cx="1510469" cy="3688"/>
           </a:xfrm>
           <a:prstGeom prst="straightConnector1">
             <a:avLst/>
@@ -12360,10 +12396,7 @@
             <a:avLst/>
           </a:prstGeom>
           <a:solidFill>
-            <a:schemeClr val="accent4">
-              <a:lumMod val="60000"/>
-              <a:lumOff val="40000"/>
-            </a:schemeClr>
+            <a:srgbClr val="7030A0"/>
           </a:solidFill>
           <a:ln w="19050">
             <a:solidFill>
@@ -12509,10 +12542,7 @@
           </a:prstGeom>
           <a:ln w="19050">
             <a:solidFill>
-              <a:schemeClr val="accent4">
-                <a:lumMod val="60000"/>
-                <a:lumOff val="40000"/>
-              </a:schemeClr>
+              <a:srgbClr val="7030A0"/>
             </a:solidFill>
             <a:prstDash val="sysDash"/>
           </a:ln>
@@ -12548,10 +12578,7 @@
             <a:avLst/>
           </a:prstGeom>
           <a:solidFill>
-            <a:schemeClr val="accent4">
-              <a:lumMod val="60000"/>
-              <a:lumOff val="40000"/>
-            </a:schemeClr>
+            <a:srgbClr val="7030A0"/>
           </a:solidFill>
           <a:ln>
             <a:solidFill>
@@ -12642,10 +12669,7 @@
           </a:prstGeom>
           <a:ln w="19050">
             <a:solidFill>
-              <a:schemeClr val="accent4">
-                <a:lumMod val="60000"/>
-                <a:lumOff val="40000"/>
-              </a:schemeClr>
+              <a:srgbClr val="7030A0"/>
             </a:solidFill>
             <a:prstDash val="sysDash"/>
             <a:headEnd type="arrow" w="med" len="med"/>
@@ -14961,7 +14985,7 @@
                   <a:srgbClr val="7030A0"/>
                 </a:solidFill>
               </a:rPr>
-              <a:t>Task</a:t>
+              <a:t>Task Name</a:t>
             </a:r>
             <a:endParaRPr lang="en-SG" sz="1050" dirty="0">
               <a:solidFill>

--- a/docs/diagrams/Diagrams.pptx
+++ b/docs/diagrams/Diagrams.pptx
@@ -115,6 +115,22 @@
       </a:defRPr>
     </a:lvl9pPr>
   </p:defaultTextStyle>
+  <p:extLst>
+    <p:ext uri="{EFAFB233-063F-42B5-8137-9DF3F51BA10A}">
+      <p15:sldGuideLst xmlns:p15="http://schemas.microsoft.com/office/powerpoint/2012/main">
+        <p15:guide id="1" orient="horz" pos="1488">
+          <p15:clr>
+            <a:srgbClr val="A4A3A4"/>
+          </p15:clr>
+        </p15:guide>
+        <p15:guide id="2" pos="2880">
+          <p15:clr>
+            <a:srgbClr val="A4A3A4"/>
+          </p15:clr>
+        </p15:guide>
+      </p15:sldGuideLst>
+    </p:ext>
+  </p:extLst>
 </p:presentation>
 </file>
 
@@ -200,7 +216,7 @@
           <a:p>
             <a:fld id="{F5CC4B3F-88C1-4FFA-B1B6-F41C21DC6924}" type="datetimeFigureOut">
               <a:rPr lang="en-US" smtClean="0"/>
-              <a:t>9/30/2016</a:t>
+              <a:t>10/10/2016</a:t>
             </a:fld>
             <a:endParaRPr lang="en-US"/>
           </a:p>
@@ -264,38 +280,37 @@
           <a:p>
             <a:pPr lvl="0"/>
             <a:r>
-              <a:rPr lang="en-US" smtClean="0"/>
+              <a:rPr lang="en-US"/>
               <a:t>Click to edit Master text styles</a:t>
             </a:r>
           </a:p>
           <a:p>
             <a:pPr lvl="1"/>
             <a:r>
-              <a:rPr lang="en-US" smtClean="0"/>
+              <a:rPr lang="en-US"/>
               <a:t>Second level</a:t>
             </a:r>
           </a:p>
           <a:p>
             <a:pPr lvl="2"/>
             <a:r>
-              <a:rPr lang="en-US" smtClean="0"/>
+              <a:rPr lang="en-US"/>
               <a:t>Third level</a:t>
             </a:r>
           </a:p>
           <a:p>
             <a:pPr lvl="3"/>
             <a:r>
-              <a:rPr lang="en-US" smtClean="0"/>
+              <a:rPr lang="en-US"/>
               <a:t>Fourth level</a:t>
             </a:r>
           </a:p>
           <a:p>
             <a:pPr lvl="4"/>
             <a:r>
-              <a:rPr lang="en-US" smtClean="0"/>
+              <a:rPr lang="en-US"/>
               <a:t>Fifth level</a:t>
             </a:r>
-            <a:endParaRPr lang="en-US"/>
           </a:p>
         </p:txBody>
       </p:sp>
@@ -506,10 +521,9 @@
           <a:lstStyle/>
           <a:p>
             <a:r>
-              <a:rPr lang="en-US" smtClean="0"/>
+              <a:rPr lang="en-US"/>
               <a:t>Click to edit Master title style</a:t>
             </a:r>
-            <a:endParaRPr lang="en-US"/>
           </a:p>
         </p:txBody>
       </p:sp>
@@ -625,10 +639,9 @@
           </a:lstStyle>
           <a:p>
             <a:r>
-              <a:rPr lang="en-US" smtClean="0"/>
+              <a:rPr lang="en-US"/>
               <a:t>Click to edit Master subtitle style</a:t>
             </a:r>
-            <a:endParaRPr lang="en-US"/>
           </a:p>
         </p:txBody>
       </p:sp>
@@ -649,7 +662,7 @@
           <a:p>
             <a:fld id="{78C97017-6FC3-485B-9764-EAC9E56C1D49}" type="datetimeFigureOut">
               <a:rPr lang="en-US" smtClean="0"/>
-              <a:t>9/30/2016</a:t>
+              <a:t>10/10/2016</a:t>
             </a:fld>
             <a:endParaRPr lang="en-US"/>
           </a:p>
@@ -743,10 +756,9 @@
           <a:lstStyle/>
           <a:p>
             <a:r>
-              <a:rPr lang="en-US" smtClean="0"/>
+              <a:rPr lang="en-US"/>
               <a:t>Click to edit Master title style</a:t>
             </a:r>
-            <a:endParaRPr lang="en-US"/>
           </a:p>
         </p:txBody>
       </p:sp>
@@ -767,38 +779,37 @@
           <a:p>
             <a:pPr lvl="0"/>
             <a:r>
-              <a:rPr lang="en-US" smtClean="0"/>
+              <a:rPr lang="en-US"/>
               <a:t>Click to edit Master text styles</a:t>
             </a:r>
           </a:p>
           <a:p>
             <a:pPr lvl="1"/>
             <a:r>
-              <a:rPr lang="en-US" smtClean="0"/>
+              <a:rPr lang="en-US"/>
               <a:t>Second level</a:t>
             </a:r>
           </a:p>
           <a:p>
             <a:pPr lvl="2"/>
             <a:r>
-              <a:rPr lang="en-US" smtClean="0"/>
+              <a:rPr lang="en-US"/>
               <a:t>Third level</a:t>
             </a:r>
           </a:p>
           <a:p>
             <a:pPr lvl="3"/>
             <a:r>
-              <a:rPr lang="en-US" smtClean="0"/>
+              <a:rPr lang="en-US"/>
               <a:t>Fourth level</a:t>
             </a:r>
           </a:p>
           <a:p>
             <a:pPr lvl="4"/>
             <a:r>
-              <a:rPr lang="en-US" smtClean="0"/>
+              <a:rPr lang="en-US"/>
               <a:t>Fifth level</a:t>
             </a:r>
-            <a:endParaRPr lang="en-US"/>
           </a:p>
         </p:txBody>
       </p:sp>
@@ -819,7 +830,7 @@
           <a:p>
             <a:fld id="{78C97017-6FC3-485B-9764-EAC9E56C1D49}" type="datetimeFigureOut">
               <a:rPr lang="en-US" smtClean="0"/>
-              <a:t>9/30/2016</a:t>
+              <a:t>10/10/2016</a:t>
             </a:fld>
             <a:endParaRPr lang="en-US"/>
           </a:p>
@@ -918,10 +929,9 @@
           <a:lstStyle/>
           <a:p>
             <a:r>
-              <a:rPr lang="en-US" smtClean="0"/>
+              <a:rPr lang="en-US"/>
               <a:t>Click to edit Master title style</a:t>
             </a:r>
-            <a:endParaRPr lang="en-US"/>
           </a:p>
         </p:txBody>
       </p:sp>
@@ -947,38 +957,37 @@
           <a:p>
             <a:pPr lvl="0"/>
             <a:r>
-              <a:rPr lang="en-US" smtClean="0"/>
+              <a:rPr lang="en-US"/>
               <a:t>Click to edit Master text styles</a:t>
             </a:r>
           </a:p>
           <a:p>
             <a:pPr lvl="1"/>
             <a:r>
-              <a:rPr lang="en-US" smtClean="0"/>
+              <a:rPr lang="en-US"/>
               <a:t>Second level</a:t>
             </a:r>
           </a:p>
           <a:p>
             <a:pPr lvl="2"/>
             <a:r>
-              <a:rPr lang="en-US" smtClean="0"/>
+              <a:rPr lang="en-US"/>
               <a:t>Third level</a:t>
             </a:r>
           </a:p>
           <a:p>
             <a:pPr lvl="3"/>
             <a:r>
-              <a:rPr lang="en-US" smtClean="0"/>
+              <a:rPr lang="en-US"/>
               <a:t>Fourth level</a:t>
             </a:r>
           </a:p>
           <a:p>
             <a:pPr lvl="4"/>
             <a:r>
-              <a:rPr lang="en-US" smtClean="0"/>
+              <a:rPr lang="en-US"/>
               <a:t>Fifth level</a:t>
             </a:r>
-            <a:endParaRPr lang="en-US"/>
           </a:p>
         </p:txBody>
       </p:sp>
@@ -999,7 +1008,7 @@
           <a:p>
             <a:fld id="{78C97017-6FC3-485B-9764-EAC9E56C1D49}" type="datetimeFigureOut">
               <a:rPr lang="en-US" smtClean="0"/>
-              <a:t>9/30/2016</a:t>
+              <a:t>10/10/2016</a:t>
             </a:fld>
             <a:endParaRPr lang="en-US"/>
           </a:p>
@@ -1093,10 +1102,9 @@
           <a:lstStyle/>
           <a:p>
             <a:r>
-              <a:rPr lang="en-US" smtClean="0"/>
+              <a:rPr lang="en-US"/>
               <a:t>Click to edit Master title style</a:t>
             </a:r>
-            <a:endParaRPr lang="en-US"/>
           </a:p>
         </p:txBody>
       </p:sp>
@@ -1117,38 +1125,37 @@
           <a:p>
             <a:pPr lvl="0"/>
             <a:r>
-              <a:rPr lang="en-US" smtClean="0"/>
+              <a:rPr lang="en-US"/>
               <a:t>Click to edit Master text styles</a:t>
             </a:r>
           </a:p>
           <a:p>
             <a:pPr lvl="1"/>
             <a:r>
-              <a:rPr lang="en-US" smtClean="0"/>
+              <a:rPr lang="en-US"/>
               <a:t>Second level</a:t>
             </a:r>
           </a:p>
           <a:p>
             <a:pPr lvl="2"/>
             <a:r>
-              <a:rPr lang="en-US" smtClean="0"/>
+              <a:rPr lang="en-US"/>
               <a:t>Third level</a:t>
             </a:r>
           </a:p>
           <a:p>
             <a:pPr lvl="3"/>
             <a:r>
-              <a:rPr lang="en-US" smtClean="0"/>
+              <a:rPr lang="en-US"/>
               <a:t>Fourth level</a:t>
             </a:r>
           </a:p>
           <a:p>
             <a:pPr lvl="4"/>
             <a:r>
-              <a:rPr lang="en-US" smtClean="0"/>
+              <a:rPr lang="en-US"/>
               <a:t>Fifth level</a:t>
             </a:r>
-            <a:endParaRPr lang="en-US"/>
           </a:p>
         </p:txBody>
       </p:sp>
@@ -1169,7 +1176,7 @@
           <a:p>
             <a:fld id="{78C97017-6FC3-485B-9764-EAC9E56C1D49}" type="datetimeFigureOut">
               <a:rPr lang="en-US" smtClean="0"/>
-              <a:t>9/30/2016</a:t>
+              <a:t>10/10/2016</a:t>
             </a:fld>
             <a:endParaRPr lang="en-US"/>
           </a:p>
@@ -1272,10 +1279,9 @@
           </a:lstStyle>
           <a:p>
             <a:r>
-              <a:rPr lang="en-US" smtClean="0"/>
+              <a:rPr lang="en-US"/>
               <a:t>Click to edit Master title style</a:t>
             </a:r>
-            <a:endParaRPr lang="en-US"/>
           </a:p>
         </p:txBody>
       </p:sp>
@@ -1392,7 +1398,7 @@
           <a:p>
             <a:pPr lvl="0"/>
             <a:r>
-              <a:rPr lang="en-US" smtClean="0"/>
+              <a:rPr lang="en-US"/>
               <a:t>Click to edit Master text styles</a:t>
             </a:r>
           </a:p>
@@ -1415,7 +1421,7 @@
           <a:p>
             <a:fld id="{78C97017-6FC3-485B-9764-EAC9E56C1D49}" type="datetimeFigureOut">
               <a:rPr lang="en-US" smtClean="0"/>
-              <a:t>9/30/2016</a:t>
+              <a:t>10/10/2016</a:t>
             </a:fld>
             <a:endParaRPr lang="en-US"/>
           </a:p>
@@ -1509,10 +1515,9 @@
           <a:lstStyle/>
           <a:p>
             <a:r>
-              <a:rPr lang="en-US" smtClean="0"/>
+              <a:rPr lang="en-US"/>
               <a:t>Click to edit Master title style</a:t>
             </a:r>
-            <a:endParaRPr lang="en-US"/>
           </a:p>
         </p:txBody>
       </p:sp>
@@ -1566,38 +1571,37 @@
           <a:p>
             <a:pPr lvl="0"/>
             <a:r>
-              <a:rPr lang="en-US" smtClean="0"/>
+              <a:rPr lang="en-US"/>
               <a:t>Click to edit Master text styles</a:t>
             </a:r>
           </a:p>
           <a:p>
             <a:pPr lvl="1"/>
             <a:r>
-              <a:rPr lang="en-US" smtClean="0"/>
+              <a:rPr lang="en-US"/>
               <a:t>Second level</a:t>
             </a:r>
           </a:p>
           <a:p>
             <a:pPr lvl="2"/>
             <a:r>
-              <a:rPr lang="en-US" smtClean="0"/>
+              <a:rPr lang="en-US"/>
               <a:t>Third level</a:t>
             </a:r>
           </a:p>
           <a:p>
             <a:pPr lvl="3"/>
             <a:r>
-              <a:rPr lang="en-US" smtClean="0"/>
+              <a:rPr lang="en-US"/>
               <a:t>Fourth level</a:t>
             </a:r>
           </a:p>
           <a:p>
             <a:pPr lvl="4"/>
             <a:r>
-              <a:rPr lang="en-US" smtClean="0"/>
+              <a:rPr lang="en-US"/>
               <a:t>Fifth level</a:t>
             </a:r>
-            <a:endParaRPr lang="en-US"/>
           </a:p>
         </p:txBody>
       </p:sp>
@@ -1651,38 +1655,37 @@
           <a:p>
             <a:pPr lvl="0"/>
             <a:r>
-              <a:rPr lang="en-US" smtClean="0"/>
+              <a:rPr lang="en-US"/>
               <a:t>Click to edit Master text styles</a:t>
             </a:r>
           </a:p>
           <a:p>
             <a:pPr lvl="1"/>
             <a:r>
-              <a:rPr lang="en-US" smtClean="0"/>
+              <a:rPr lang="en-US"/>
               <a:t>Second level</a:t>
             </a:r>
           </a:p>
           <a:p>
             <a:pPr lvl="2"/>
             <a:r>
-              <a:rPr lang="en-US" smtClean="0"/>
+              <a:rPr lang="en-US"/>
               <a:t>Third level</a:t>
             </a:r>
           </a:p>
           <a:p>
             <a:pPr lvl="3"/>
             <a:r>
-              <a:rPr lang="en-US" smtClean="0"/>
+              <a:rPr lang="en-US"/>
               <a:t>Fourth level</a:t>
             </a:r>
           </a:p>
           <a:p>
             <a:pPr lvl="4"/>
             <a:r>
-              <a:rPr lang="en-US" smtClean="0"/>
+              <a:rPr lang="en-US"/>
               <a:t>Fifth level</a:t>
             </a:r>
-            <a:endParaRPr lang="en-US"/>
           </a:p>
         </p:txBody>
       </p:sp>
@@ -1703,7 +1706,7 @@
           <a:p>
             <a:fld id="{78C97017-6FC3-485B-9764-EAC9E56C1D49}" type="datetimeFigureOut">
               <a:rPr lang="en-US" smtClean="0"/>
-              <a:t>9/30/2016</a:t>
+              <a:t>10/10/2016</a:t>
             </a:fld>
             <a:endParaRPr lang="en-US"/>
           </a:p>
@@ -1801,10 +1804,9 @@
           </a:lstStyle>
           <a:p>
             <a:r>
-              <a:rPr lang="en-US" smtClean="0"/>
+              <a:rPr lang="en-US"/>
               <a:t>Click to edit Master title style</a:t>
             </a:r>
-            <a:endParaRPr lang="en-US"/>
           </a:p>
         </p:txBody>
       </p:sp>
@@ -1867,7 +1869,7 @@
           <a:p>
             <a:pPr lvl="0"/>
             <a:r>
-              <a:rPr lang="en-US" smtClean="0"/>
+              <a:rPr lang="en-US"/>
               <a:t>Click to edit Master text styles</a:t>
             </a:r>
           </a:p>
@@ -1923,38 +1925,37 @@
           <a:p>
             <a:pPr lvl="0"/>
             <a:r>
-              <a:rPr lang="en-US" smtClean="0"/>
+              <a:rPr lang="en-US"/>
               <a:t>Click to edit Master text styles</a:t>
             </a:r>
           </a:p>
           <a:p>
             <a:pPr lvl="1"/>
             <a:r>
-              <a:rPr lang="en-US" smtClean="0"/>
+              <a:rPr lang="en-US"/>
               <a:t>Second level</a:t>
             </a:r>
           </a:p>
           <a:p>
             <a:pPr lvl="2"/>
             <a:r>
-              <a:rPr lang="en-US" smtClean="0"/>
+              <a:rPr lang="en-US"/>
               <a:t>Third level</a:t>
             </a:r>
           </a:p>
           <a:p>
             <a:pPr lvl="3"/>
             <a:r>
-              <a:rPr lang="en-US" smtClean="0"/>
+              <a:rPr lang="en-US"/>
               <a:t>Fourth level</a:t>
             </a:r>
           </a:p>
           <a:p>
             <a:pPr lvl="4"/>
             <a:r>
-              <a:rPr lang="en-US" smtClean="0"/>
+              <a:rPr lang="en-US"/>
               <a:t>Fifth level</a:t>
             </a:r>
-            <a:endParaRPr lang="en-US"/>
           </a:p>
         </p:txBody>
       </p:sp>
@@ -2017,7 +2018,7 @@
           <a:p>
             <a:pPr lvl="0"/>
             <a:r>
-              <a:rPr lang="en-US" smtClean="0"/>
+              <a:rPr lang="en-US"/>
               <a:t>Click to edit Master text styles</a:t>
             </a:r>
           </a:p>
@@ -2073,38 +2074,37 @@
           <a:p>
             <a:pPr lvl="0"/>
             <a:r>
-              <a:rPr lang="en-US" smtClean="0"/>
+              <a:rPr lang="en-US"/>
               <a:t>Click to edit Master text styles</a:t>
             </a:r>
           </a:p>
           <a:p>
             <a:pPr lvl="1"/>
             <a:r>
-              <a:rPr lang="en-US" smtClean="0"/>
+              <a:rPr lang="en-US"/>
               <a:t>Second level</a:t>
             </a:r>
           </a:p>
           <a:p>
             <a:pPr lvl="2"/>
             <a:r>
-              <a:rPr lang="en-US" smtClean="0"/>
+              <a:rPr lang="en-US"/>
               <a:t>Third level</a:t>
             </a:r>
           </a:p>
           <a:p>
             <a:pPr lvl="3"/>
             <a:r>
-              <a:rPr lang="en-US" smtClean="0"/>
+              <a:rPr lang="en-US"/>
               <a:t>Fourth level</a:t>
             </a:r>
           </a:p>
           <a:p>
             <a:pPr lvl="4"/>
             <a:r>
-              <a:rPr lang="en-US" smtClean="0"/>
+              <a:rPr lang="en-US"/>
               <a:t>Fifth level</a:t>
             </a:r>
-            <a:endParaRPr lang="en-US"/>
           </a:p>
         </p:txBody>
       </p:sp>
@@ -2125,7 +2125,7 @@
           <a:p>
             <a:fld id="{78C97017-6FC3-485B-9764-EAC9E56C1D49}" type="datetimeFigureOut">
               <a:rPr lang="en-US" smtClean="0"/>
-              <a:t>9/30/2016</a:t>
+              <a:t>10/10/2016</a:t>
             </a:fld>
             <a:endParaRPr lang="en-US"/>
           </a:p>
@@ -2219,10 +2219,9 @@
           <a:lstStyle/>
           <a:p>
             <a:r>
-              <a:rPr lang="en-US" smtClean="0"/>
+              <a:rPr lang="en-US"/>
               <a:t>Click to edit Master title style</a:t>
             </a:r>
-            <a:endParaRPr lang="en-US"/>
           </a:p>
         </p:txBody>
       </p:sp>
@@ -2243,7 +2242,7 @@
           <a:p>
             <a:fld id="{78C97017-6FC3-485B-9764-EAC9E56C1D49}" type="datetimeFigureOut">
               <a:rPr lang="en-US" smtClean="0"/>
-              <a:t>9/30/2016</a:t>
+              <a:t>10/10/2016</a:t>
             </a:fld>
             <a:endParaRPr lang="en-US"/>
           </a:p>
@@ -2338,7 +2337,7 @@
           <a:p>
             <a:fld id="{78C97017-6FC3-485B-9764-EAC9E56C1D49}" type="datetimeFigureOut">
               <a:rPr lang="en-US" smtClean="0"/>
-              <a:t>9/30/2016</a:t>
+              <a:t>10/10/2016</a:t>
             </a:fld>
             <a:endParaRPr lang="en-US"/>
           </a:p>
@@ -2441,10 +2440,9 @@
           </a:lstStyle>
           <a:p>
             <a:r>
-              <a:rPr lang="en-US" smtClean="0"/>
+              <a:rPr lang="en-US"/>
               <a:t>Click to edit Master title style</a:t>
             </a:r>
-            <a:endParaRPr lang="en-US"/>
           </a:p>
         </p:txBody>
       </p:sp>
@@ -2498,38 +2496,37 @@
           <a:p>
             <a:pPr lvl="0"/>
             <a:r>
-              <a:rPr lang="en-US" smtClean="0"/>
+              <a:rPr lang="en-US"/>
               <a:t>Click to edit Master text styles</a:t>
             </a:r>
           </a:p>
           <a:p>
             <a:pPr lvl="1"/>
             <a:r>
-              <a:rPr lang="en-US" smtClean="0"/>
+              <a:rPr lang="en-US"/>
               <a:t>Second level</a:t>
             </a:r>
           </a:p>
           <a:p>
             <a:pPr lvl="2"/>
             <a:r>
-              <a:rPr lang="en-US" smtClean="0"/>
+              <a:rPr lang="en-US"/>
               <a:t>Third level</a:t>
             </a:r>
           </a:p>
           <a:p>
             <a:pPr lvl="3"/>
             <a:r>
-              <a:rPr lang="en-US" smtClean="0"/>
+              <a:rPr lang="en-US"/>
               <a:t>Fourth level</a:t>
             </a:r>
           </a:p>
           <a:p>
             <a:pPr lvl="4"/>
             <a:r>
-              <a:rPr lang="en-US" smtClean="0"/>
+              <a:rPr lang="en-US"/>
               <a:t>Fifth level</a:t>
             </a:r>
-            <a:endParaRPr lang="en-US"/>
           </a:p>
         </p:txBody>
       </p:sp>
@@ -2592,7 +2589,7 @@
           <a:p>
             <a:pPr lvl="0"/>
             <a:r>
-              <a:rPr lang="en-US" smtClean="0"/>
+              <a:rPr lang="en-US"/>
               <a:t>Click to edit Master text styles</a:t>
             </a:r>
           </a:p>
@@ -2615,7 +2612,7 @@
           <a:p>
             <a:fld id="{78C97017-6FC3-485B-9764-EAC9E56C1D49}" type="datetimeFigureOut">
               <a:rPr lang="en-US" smtClean="0"/>
-              <a:t>9/30/2016</a:t>
+              <a:t>10/10/2016</a:t>
             </a:fld>
             <a:endParaRPr lang="en-US"/>
           </a:p>
@@ -2718,10 +2715,9 @@
           </a:lstStyle>
           <a:p>
             <a:r>
-              <a:rPr lang="en-US" smtClean="0"/>
+              <a:rPr lang="en-US"/>
               <a:t>Click to edit Master title style</a:t>
             </a:r>
-            <a:endParaRPr lang="en-US"/>
           </a:p>
         </p:txBody>
       </p:sp>
@@ -2845,7 +2841,7 @@
           <a:p>
             <a:pPr lvl="0"/>
             <a:r>
-              <a:rPr lang="en-US" smtClean="0"/>
+              <a:rPr lang="en-US"/>
               <a:t>Click to edit Master text styles</a:t>
             </a:r>
           </a:p>
@@ -2868,7 +2864,7 @@
           <a:p>
             <a:fld id="{78C97017-6FC3-485B-9764-EAC9E56C1D49}" type="datetimeFigureOut">
               <a:rPr lang="en-US" smtClean="0"/>
-              <a:t>9/30/2016</a:t>
+              <a:t>10/10/2016</a:t>
             </a:fld>
             <a:endParaRPr lang="en-US"/>
           </a:p>
@@ -2977,10 +2973,9 @@
           <a:lstStyle/>
           <a:p>
             <a:r>
-              <a:rPr lang="en-US" smtClean="0"/>
+              <a:rPr lang="en-US"/>
               <a:t>Click to edit Master title style</a:t>
             </a:r>
-            <a:endParaRPr lang="en-US"/>
           </a:p>
         </p:txBody>
       </p:sp>
@@ -3011,38 +3006,37 @@
           <a:p>
             <a:pPr lvl="0"/>
             <a:r>
-              <a:rPr lang="en-US" smtClean="0"/>
+              <a:rPr lang="en-US"/>
               <a:t>Click to edit Master text styles</a:t>
             </a:r>
           </a:p>
           <a:p>
             <a:pPr lvl="1"/>
             <a:r>
-              <a:rPr lang="en-US" smtClean="0"/>
+              <a:rPr lang="en-US"/>
               <a:t>Second level</a:t>
             </a:r>
           </a:p>
           <a:p>
             <a:pPr lvl="2"/>
             <a:r>
-              <a:rPr lang="en-US" smtClean="0"/>
+              <a:rPr lang="en-US"/>
               <a:t>Third level</a:t>
             </a:r>
           </a:p>
           <a:p>
             <a:pPr lvl="3"/>
             <a:r>
-              <a:rPr lang="en-US" smtClean="0"/>
+              <a:rPr lang="en-US"/>
               <a:t>Fourth level</a:t>
             </a:r>
           </a:p>
           <a:p>
             <a:pPr lvl="4"/>
             <a:r>
-              <a:rPr lang="en-US" smtClean="0"/>
+              <a:rPr lang="en-US"/>
               <a:t>Fifth level</a:t>
             </a:r>
-            <a:endParaRPr lang="en-US"/>
           </a:p>
         </p:txBody>
       </p:sp>
@@ -3081,7 +3075,7 @@
           <a:p>
             <a:fld id="{78C97017-6FC3-485B-9764-EAC9E56C1D49}" type="datetimeFigureOut">
               <a:rPr lang="en-US" smtClean="0"/>
-              <a:t>9/30/2016</a:t>
+              <a:t>10/10/2016</a:t>
             </a:fld>
             <a:endParaRPr lang="en-US"/>
           </a:p>
@@ -3472,14 +3466,13 @@
           <a:lstStyle/>
           <a:p>
             <a:r>
-              <a:rPr lang="en-US" dirty="0" err="1" smtClean="0"/>
+              <a:rPr lang="en-US" dirty="0" err="1"/>
               <a:t>AddressBook</a:t>
             </a:r>
             <a:r>
-              <a:rPr lang="en-US" dirty="0" smtClean="0"/>
+              <a:rPr lang="en-US" dirty="0"/>
               <a:t> – Level 4</a:t>
             </a:r>
-            <a:endParaRPr lang="en-US" dirty="0"/>
           </a:p>
         </p:txBody>
       </p:sp>
@@ -3499,10 +3492,9 @@
           <a:lstStyle/>
           <a:p>
             <a:r>
-              <a:rPr lang="en-US" dirty="0" smtClean="0"/>
+              <a:rPr lang="en-US" dirty="0"/>
               <a:t>Diagrams</a:t>
             </a:r>
-            <a:endParaRPr lang="en-US" dirty="0"/>
           </a:p>
         </p:txBody>
       </p:sp>
@@ -3634,7 +3626,7 @@
           <a:p>
             <a:pPr algn="ctr"/>
             <a:r>
-              <a:rPr lang="en-US" sz="1600" dirty="0" smtClean="0">
+              <a:rPr lang="en-US" sz="1600" dirty="0">
                 <a:solidFill>
                   <a:schemeClr val="bg1"/>
                 </a:solidFill>
@@ -3693,7 +3685,7 @@
           <a:p>
             <a:pPr algn="ctr"/>
             <a:r>
-              <a:rPr lang="en-US" sz="1600" dirty="0" smtClean="0">
+              <a:rPr lang="en-US" sz="1600" dirty="0">
                 <a:solidFill>
                   <a:schemeClr val="bg1"/>
                 </a:solidFill>
@@ -3756,7 +3748,7 @@
           <a:p>
             <a:pPr algn="ctr"/>
             <a:r>
-              <a:rPr lang="en-US" sz="1600" dirty="0" smtClean="0">
+              <a:rPr lang="en-US" sz="1600" dirty="0">
                 <a:solidFill>
                   <a:schemeClr val="bg1"/>
                 </a:solidFill>
@@ -3815,7 +3807,7 @@
           <a:p>
             <a:pPr algn="ctr"/>
             <a:r>
-              <a:rPr lang="en-US" sz="1600" dirty="0" smtClean="0">
+              <a:rPr lang="en-US" sz="1600" dirty="0">
                 <a:solidFill>
                   <a:schemeClr val="bg1"/>
                 </a:solidFill>
@@ -4401,7 +4393,7 @@
           <a:p>
             <a:pPr algn="ctr"/>
             <a:r>
-              <a:rPr lang="en-US" sz="1600" dirty="0" smtClean="0">
+              <a:rPr lang="en-US" sz="1600" dirty="0">
                 <a:solidFill>
                   <a:schemeClr val="bg1"/>
                 </a:solidFill>
@@ -4752,7 +4744,7 @@
           <a:p>
             <a:pPr algn="ctr"/>
             <a:r>
-              <a:rPr lang="en-US" sz="1600" dirty="0" smtClean="0">
+              <a:rPr lang="en-US" sz="1600" dirty="0">
                 <a:solidFill>
                   <a:schemeClr val="bg1"/>
                 </a:solidFill>
@@ -4760,25 +4752,20 @@
               <a:t>Logs</a:t>
             </a:r>
             <a:br>
-              <a:rPr lang="en-US" sz="1600" dirty="0" smtClean="0">
+              <a:rPr lang="en-US" sz="1600" dirty="0">
                 <a:solidFill>
                   <a:schemeClr val="bg1"/>
                 </a:solidFill>
               </a:rPr>
             </a:br>
             <a:r>
-              <a:rPr lang="en-US" sz="1600" dirty="0" smtClean="0">
+              <a:rPr lang="en-US" sz="1600" dirty="0">
                 <a:solidFill>
                   <a:schemeClr val="bg1"/>
                 </a:solidFill>
               </a:rPr>
               <a:t>Center</a:t>
             </a:r>
-            <a:endParaRPr lang="en-US" sz="1600" dirty="0">
-              <a:solidFill>
-                <a:schemeClr val="bg1"/>
-              </a:solidFill>
-            </a:endParaRPr>
           </a:p>
         </p:txBody>
       </p:sp>
@@ -4935,7 +4922,7 @@
           <a:p>
             <a:pPr algn="ctr"/>
             <a:r>
-              <a:rPr lang="en-US" sz="1600" dirty="0" smtClean="0">
+              <a:rPr lang="en-US" sz="1600" dirty="0">
                 <a:solidFill>
                   <a:schemeClr val="bg1"/>
                 </a:solidFill>
@@ -5299,7 +5286,7 @@
           <a:p>
             <a:pPr algn="ctr"/>
             <a:r>
-              <a:rPr lang="en-US" sz="1600" dirty="0" smtClean="0">
+              <a:rPr lang="en-US" sz="1600" dirty="0">
                 <a:solidFill>
                   <a:schemeClr val="bg1"/>
                 </a:solidFill>
@@ -5446,7 +5433,7 @@
           <a:p>
             <a:pPr algn="ctr"/>
             <a:r>
-              <a:rPr lang="en-US" sz="1600" dirty="0" smtClean="0">
+              <a:rPr lang="en-US" sz="1600" dirty="0">
                 <a:solidFill>
                   <a:schemeClr val="bg1"/>
                 </a:solidFill>
@@ -5608,10 +5595,9 @@
           <a:lstStyle/>
           <a:p>
             <a:r>
-              <a:rPr lang="en-US" sz="1400" dirty="0" smtClean="0"/>
+              <a:rPr lang="en-US" sz="1400" dirty="0"/>
               <a:t>delete 1</a:t>
             </a:r>
-            <a:endParaRPr lang="en-US" sz="1400" dirty="0"/>
           </a:p>
         </p:txBody>
       </p:sp>
@@ -5674,18 +5660,13 @@
           <a:lstStyle/>
           <a:p>
             <a:r>
-              <a:rPr lang="en-US" sz="1400" dirty="0" smtClean="0">
+              <a:rPr lang="en-US" sz="1400" dirty="0">
                 <a:solidFill>
                   <a:srgbClr val="0070C0"/>
                 </a:solidFill>
               </a:rPr>
               <a:t>execute(“delete 1”)</a:t>
             </a:r>
-            <a:endParaRPr lang="en-US" sz="1400" dirty="0">
-              <a:solidFill>
-                <a:srgbClr val="0070C0"/>
-              </a:solidFill>
-            </a:endParaRPr>
           </a:p>
         </p:txBody>
       </p:sp>
@@ -5748,7 +5729,7 @@
           <a:lstStyle/>
           <a:p>
             <a:r>
-              <a:rPr lang="en-US" sz="1400" dirty="0" err="1" smtClean="0">
+              <a:rPr lang="en-US" sz="1400" dirty="0" err="1">
                 <a:solidFill>
                   <a:srgbClr val="7030A0"/>
                 </a:solidFill>
@@ -5756,18 +5737,13 @@
               <a:t>deletePerson</a:t>
             </a:r>
             <a:r>
-              <a:rPr lang="en-US" sz="1400" dirty="0" smtClean="0">
+              <a:rPr lang="en-US" sz="1400" dirty="0">
                 <a:solidFill>
                   <a:srgbClr val="7030A0"/>
                 </a:solidFill>
               </a:rPr>
               <a:t>(p)</a:t>
             </a:r>
-            <a:endParaRPr lang="en-US" sz="1400" dirty="0">
-              <a:solidFill>
-                <a:srgbClr val="7030A0"/>
-              </a:solidFill>
-            </a:endParaRPr>
           </a:p>
         </p:txBody>
       </p:sp>
@@ -5794,7 +5770,7 @@
           <a:lstStyle/>
           <a:p>
             <a:r>
-              <a:rPr lang="en-US" sz="1400" dirty="0" smtClean="0">
+              <a:rPr lang="en-US" sz="1400" dirty="0">
                 <a:solidFill>
                   <a:schemeClr val="accent5">
                     <a:lumMod val="75000"/>
@@ -5804,7 +5780,7 @@
               <a:t>post(</a:t>
             </a:r>
             <a:r>
-              <a:rPr lang="en-US" sz="1400" dirty="0" err="1" smtClean="0">
+              <a:rPr lang="en-US" sz="1400" dirty="0" err="1">
                 <a:solidFill>
                   <a:schemeClr val="accent5">
                     <a:lumMod val="75000"/>
@@ -5814,7 +5790,7 @@
               <a:t>AddressBookChangedEvent</a:t>
             </a:r>
             <a:r>
-              <a:rPr lang="en-US" sz="1400" dirty="0" smtClean="0">
+              <a:rPr lang="en-US" sz="1400" dirty="0">
                 <a:solidFill>
                   <a:schemeClr val="accent5">
                     <a:lumMod val="75000"/>
@@ -5823,13 +5799,6 @@
               </a:rPr>
               <a:t>)</a:t>
             </a:r>
-            <a:endParaRPr lang="en-US" sz="1400" dirty="0">
-              <a:solidFill>
-                <a:schemeClr val="accent5">
-                  <a:lumMod val="75000"/>
-                </a:schemeClr>
-              </a:solidFill>
-            </a:endParaRPr>
           </a:p>
         </p:txBody>
       </p:sp>
@@ -5995,7 +5964,7 @@
           <a:p>
             <a:pPr algn="ctr"/>
             <a:r>
-              <a:rPr lang="en-US" sz="1600" dirty="0" smtClean="0">
+              <a:rPr lang="en-US" sz="1600" dirty="0">
                 <a:solidFill>
                   <a:schemeClr val="bg1"/>
                 </a:solidFill>
@@ -6003,7 +5972,7 @@
               <a:t>:</a:t>
             </a:r>
             <a:r>
-              <a:rPr lang="en-US" sz="1600" dirty="0" err="1" smtClean="0">
+              <a:rPr lang="en-US" sz="1600" dirty="0" err="1">
                 <a:solidFill>
                   <a:schemeClr val="bg1"/>
                 </a:solidFill>
@@ -6236,7 +6205,7 @@
           <a:p>
             <a:pPr algn="ctr"/>
             <a:r>
-              <a:rPr lang="en-US" sz="1600" dirty="0" smtClean="0">
+              <a:rPr lang="en-US" sz="1600" dirty="0">
                 <a:solidFill>
                   <a:schemeClr val="bg1"/>
                 </a:solidFill>
@@ -6368,7 +6337,7 @@
           <a:lstStyle/>
           <a:p>
             <a:r>
-              <a:rPr lang="en-US" sz="1400" dirty="0" smtClean="0">
+              <a:rPr lang="en-US" sz="1400" dirty="0">
                 <a:solidFill>
                   <a:schemeClr val="accent5">
                     <a:lumMod val="75000"/>
@@ -6378,7 +6347,7 @@
               <a:t>post(</a:t>
             </a:r>
             <a:r>
-              <a:rPr lang="en-US" sz="1400" dirty="0" err="1" smtClean="0">
+              <a:rPr lang="en-US" sz="1400" dirty="0" err="1">
                 <a:solidFill>
                   <a:schemeClr val="accent5">
                     <a:lumMod val="75000"/>
@@ -6388,7 +6357,7 @@
               <a:t>AddressBookChangedEvent</a:t>
             </a:r>
             <a:r>
-              <a:rPr lang="en-US" sz="1400" dirty="0" smtClean="0">
+              <a:rPr lang="en-US" sz="1400" dirty="0">
                 <a:solidFill>
                   <a:schemeClr val="accent5">
                     <a:lumMod val="75000"/>
@@ -6397,13 +6366,6 @@
               </a:rPr>
               <a:t>)</a:t>
             </a:r>
-            <a:endParaRPr lang="en-US" sz="1400" dirty="0">
-              <a:solidFill>
-                <a:schemeClr val="accent5">
-                  <a:lumMod val="75000"/>
-                </a:schemeClr>
-              </a:solidFill>
-            </a:endParaRPr>
           </a:p>
         </p:txBody>
       </p:sp>
@@ -6495,7 +6457,7 @@
           <a:p>
             <a:pPr algn="ctr"/>
             <a:r>
-              <a:rPr lang="en-US" sz="1600" dirty="0" smtClean="0">
+              <a:rPr lang="en-US" sz="1600" dirty="0">
                 <a:solidFill>
                   <a:schemeClr val="bg1"/>
                 </a:solidFill>
@@ -6503,7 +6465,7 @@
               <a:t>:</a:t>
             </a:r>
             <a:r>
-              <a:rPr lang="en-US" sz="1600" dirty="0" err="1" smtClean="0">
+              <a:rPr lang="en-US" sz="1600" dirty="0" err="1">
                 <a:solidFill>
                   <a:schemeClr val="bg1"/>
                 </a:solidFill>
@@ -6750,7 +6712,7 @@
           <a:lstStyle/>
           <a:p>
             <a:r>
-              <a:rPr lang="en-US" sz="1400" dirty="0" err="1" smtClean="0">
+              <a:rPr lang="en-US" sz="1400" dirty="0" err="1">
                 <a:solidFill>
                   <a:schemeClr val="accent6">
                     <a:lumMod val="75000"/>
@@ -6760,7 +6722,7 @@
               <a:t>handleAddresssBookChangedEvent</a:t>
             </a:r>
             <a:r>
-              <a:rPr lang="en-US" sz="1400" dirty="0" smtClean="0">
+              <a:rPr lang="en-US" sz="1400" dirty="0">
                 <a:solidFill>
                   <a:schemeClr val="accent6">
                     <a:lumMod val="75000"/>
@@ -6769,13 +6731,6 @@
               </a:rPr>
               <a:t>()</a:t>
             </a:r>
-            <a:endParaRPr lang="en-US" sz="1400" dirty="0">
-              <a:solidFill>
-                <a:schemeClr val="accent6">
-                  <a:lumMod val="75000"/>
-                </a:schemeClr>
-              </a:solidFill>
-            </a:endParaRPr>
           </a:p>
         </p:txBody>
       </p:sp>
@@ -6860,7 +6815,7 @@
           <a:p>
             <a:pPr algn="ctr"/>
             <a:r>
-              <a:rPr lang="en-US" sz="1600" dirty="0" smtClean="0">
+              <a:rPr lang="en-US" sz="1600" dirty="0">
                 <a:solidFill>
                   <a:schemeClr val="bg1"/>
                 </a:solidFill>
@@ -7063,7 +7018,7 @@
           <a:lstStyle/>
           <a:p>
             <a:r>
-              <a:rPr lang="en-US" sz="1400" dirty="0" err="1" smtClean="0">
+              <a:rPr lang="en-US" sz="1400" dirty="0" err="1">
                 <a:solidFill>
                   <a:srgbClr val="00B050"/>
                 </a:solidFill>
@@ -7071,18 +7026,13 @@
               <a:t>handleAddresssBookChangedEvent</a:t>
             </a:r>
             <a:r>
-              <a:rPr lang="en-US" sz="1400" dirty="0" smtClean="0">
+              <a:rPr lang="en-US" sz="1400" dirty="0">
                 <a:solidFill>
                   <a:srgbClr val="00B050"/>
                 </a:solidFill>
               </a:rPr>
               <a:t>()</a:t>
             </a:r>
-            <a:endParaRPr lang="en-US" sz="1400" dirty="0">
-              <a:solidFill>
-                <a:srgbClr val="00B050"/>
-              </a:solidFill>
-            </a:endParaRPr>
           </a:p>
         </p:txBody>
       </p:sp>
@@ -7269,18 +7219,13 @@
           <a:p>
             <a:pPr algn="r"/>
             <a:r>
-              <a:rPr lang="en-US" sz="1400" dirty="0" smtClean="0">
+              <a:rPr lang="en-US" sz="1400" dirty="0">
                 <a:solidFill>
                   <a:srgbClr val="00B050"/>
                 </a:solidFill>
               </a:rPr>
               <a:t>Update status bar</a:t>
             </a:r>
-            <a:endParaRPr lang="en-US" sz="1400" dirty="0">
-              <a:solidFill>
-                <a:srgbClr val="00B050"/>
-              </a:solidFill>
-            </a:endParaRPr>
           </a:p>
         </p:txBody>
       </p:sp>
@@ -7470,7 +7415,7 @@
           <a:lstStyle/>
           <a:p>
             <a:r>
-              <a:rPr lang="en-US" sz="1400" dirty="0" smtClean="0">
+              <a:rPr lang="en-US" sz="1400" dirty="0">
                 <a:solidFill>
                   <a:schemeClr val="accent6">
                     <a:lumMod val="75000"/>
@@ -7480,7 +7425,7 @@
               <a:t>Save </a:t>
             </a:r>
             <a:br>
-              <a:rPr lang="en-US" sz="1400" dirty="0" smtClean="0">
+              <a:rPr lang="en-US" sz="1400" dirty="0">
                 <a:solidFill>
                   <a:schemeClr val="accent6">
                     <a:lumMod val="75000"/>
@@ -7489,7 +7434,7 @@
               </a:rPr>
             </a:br>
             <a:r>
-              <a:rPr lang="en-US" sz="1400" dirty="0" smtClean="0">
+              <a:rPr lang="en-US" sz="1400" dirty="0">
                 <a:solidFill>
                   <a:schemeClr val="accent6">
                     <a:lumMod val="75000"/>
@@ -7498,13 +7443,6 @@
               </a:rPr>
               <a:t>to file</a:t>
             </a:r>
-            <a:endParaRPr lang="en-US" sz="1400" dirty="0">
-              <a:solidFill>
-                <a:schemeClr val="accent6">
-                  <a:lumMod val="75000"/>
-                </a:schemeClr>
-              </a:solidFill>
-            </a:endParaRPr>
           </a:p>
         </p:txBody>
       </p:sp>
@@ -7581,7 +7519,7 @@
           <a:lstStyle/>
           <a:p>
             <a:r>
-              <a:rPr lang="en-US" sz="1200" b="1" dirty="0" smtClean="0">
+              <a:rPr lang="en-US" sz="1200" b="1" dirty="0">
                 <a:solidFill>
                   <a:schemeClr val="accent3">
                     <a:lumMod val="75000"/>
@@ -7764,7 +7702,7 @@
           <a:p>
             <a:pPr algn="ctr"/>
             <a:r>
-              <a:rPr lang="en-US" sz="1050" dirty="0" err="1" smtClean="0">
+              <a:rPr lang="en-US" sz="1050" dirty="0" err="1">
                 <a:solidFill>
                   <a:schemeClr val="bg1"/>
                 </a:solidFill>
@@ -8626,7 +8564,7 @@
           <a:p>
             <a:pPr algn="ctr"/>
             <a:r>
-              <a:rPr lang="en-US" sz="1050" b="1" dirty="0" smtClean="0">
+              <a:rPr lang="en-US" sz="1050" b="1" dirty="0">
                 <a:solidFill>
                   <a:schemeClr val="accent3">
                     <a:lumMod val="75000"/>
@@ -8636,7 +8574,7 @@
               <a:t>{abstract}</a:t>
             </a:r>
             <a:br>
-              <a:rPr lang="en-US" sz="1050" b="1" dirty="0" smtClean="0">
+              <a:rPr lang="en-US" sz="1050" b="1" dirty="0">
                 <a:solidFill>
                   <a:schemeClr val="accent3">
                     <a:lumMod val="75000"/>
@@ -8645,7 +8583,7 @@
               </a:rPr>
             </a:br>
             <a:r>
-              <a:rPr lang="en-US" sz="1050" b="1" dirty="0" err="1" smtClean="0">
+              <a:rPr lang="en-US" sz="1050" b="1" dirty="0" err="1">
                 <a:solidFill>
                   <a:schemeClr val="accent3">
                     <a:lumMod val="75000"/>
@@ -9134,7 +9072,7 @@
           <a:p>
             <a:pPr algn="ctr"/>
             <a:r>
-              <a:rPr lang="en-US" sz="1100" b="1" dirty="0" smtClean="0">
+              <a:rPr lang="en-US" sz="1100" b="1" dirty="0">
                 <a:solidFill>
                   <a:schemeClr val="bg1"/>
                 </a:solidFill>
@@ -9193,7 +9131,7 @@
           <a:p>
             <a:pPr algn="ctr"/>
             <a:r>
-              <a:rPr lang="en-US" sz="1050" dirty="0" smtClean="0">
+              <a:rPr lang="en-US" sz="1050" dirty="0">
                 <a:solidFill>
                   <a:schemeClr val="bg1"/>
                 </a:solidFill>
@@ -9204,7 +9142,7 @@
           <a:p>
             <a:pPr algn="ctr"/>
             <a:r>
-              <a:rPr lang="en-US" sz="1050" dirty="0" err="1" smtClean="0">
+              <a:rPr lang="en-US" sz="1050" dirty="0" err="1">
                 <a:solidFill>
                   <a:schemeClr val="bg1"/>
                 </a:solidFill>
@@ -9753,13 +9691,6 @@
   <p:clrMapOvr>
     <a:masterClrMapping/>
   </p:clrMapOvr>
-  <p:timing>
-    <p:tnLst>
-      <p:par>
-        <p:cTn id="1" dur="indefinite" restart="never" nodeType="tmRoot"/>
-      </p:par>
-    </p:tnLst>
-  </p:timing>
 </p:sld>
 </file>
 
@@ -9826,7 +9757,7 @@
           <a:lstStyle/>
           <a:p>
             <a:r>
-              <a:rPr lang="en-US" sz="1200" b="1" dirty="0" smtClean="0">
+              <a:rPr lang="en-US" sz="1200" b="1" dirty="0">
                 <a:solidFill>
                   <a:srgbClr val="0070C0"/>
                 </a:solidFill>
@@ -10000,7 +9931,7 @@
           <a:p>
             <a:pPr algn="ctr"/>
             <a:r>
-              <a:rPr lang="en-US" sz="1050" dirty="0" err="1" smtClean="0">
+              <a:rPr lang="en-US" sz="1050" dirty="0" err="1">
                 <a:solidFill>
                   <a:schemeClr val="bg1"/>
                 </a:solidFill>
@@ -10362,7 +10293,7 @@
           <a:p>
             <a:pPr algn="ctr"/>
             <a:r>
-              <a:rPr lang="en-US" sz="1050" b="1" dirty="0" smtClean="0">
+              <a:rPr lang="en-US" sz="1050" b="1" dirty="0">
                 <a:solidFill>
                   <a:srgbClr val="0070C0"/>
                 </a:solidFill>
@@ -10370,14 +10301,14 @@
               <a:t>{abstract}</a:t>
             </a:r>
             <a:br>
-              <a:rPr lang="en-US" sz="1050" b="1" dirty="0" smtClean="0">
+              <a:rPr lang="en-US" sz="1050" b="1" dirty="0">
                 <a:solidFill>
                   <a:srgbClr val="0070C0"/>
                 </a:solidFill>
               </a:rPr>
             </a:br>
             <a:r>
-              <a:rPr lang="en-US" sz="1050" b="1" dirty="0" smtClean="0">
+              <a:rPr lang="en-US" sz="1050" b="1" dirty="0">
                 <a:solidFill>
                   <a:srgbClr val="0070C0"/>
                 </a:solidFill>
@@ -11038,7 +10969,7 @@
             <a:p>
               <a:pPr algn="r"/>
               <a:r>
-                <a:rPr lang="en-US" sz="1100" dirty="0" smtClean="0">
+                <a:rPr lang="en-US" sz="1100" dirty="0">
                   <a:solidFill>
                     <a:srgbClr val="0070C0"/>
                   </a:solidFill>
@@ -11137,7 +11068,7 @@
             <a:lstStyle/>
             <a:p>
               <a:r>
-                <a:rPr lang="en-US" sz="1100" dirty="0" smtClean="0">
+                <a:rPr lang="en-US" sz="1100" dirty="0">
                   <a:solidFill>
                     <a:srgbClr val="0070C0"/>
                   </a:solidFill>
@@ -11223,7 +11154,7 @@
           <a:p>
             <a:pPr algn="r"/>
             <a:r>
-              <a:rPr lang="en-US" sz="1100" dirty="0" smtClean="0">
+              <a:rPr lang="en-US" sz="1100" dirty="0">
                 <a:solidFill>
                   <a:srgbClr val="0070C0"/>
                 </a:solidFill>
@@ -11262,7 +11193,7 @@
           <a:p>
             <a:pPr algn="r"/>
             <a:r>
-              <a:rPr lang="en-US" sz="1100" dirty="0" smtClean="0">
+              <a:rPr lang="en-US" sz="1100" dirty="0">
                 <a:solidFill>
                   <a:srgbClr val="0070C0"/>
                 </a:solidFill>
@@ -11315,7 +11246,7 @@
             <a:p>
               <a:pPr algn="r"/>
               <a:r>
-                <a:rPr lang="en-US" sz="1100" dirty="0" smtClean="0">
+                <a:rPr lang="en-US" sz="1100" dirty="0">
                   <a:solidFill>
                     <a:srgbClr val="0070C0"/>
                   </a:solidFill>
@@ -11418,7 +11349,7 @@
           <a:p>
             <a:pPr algn="ctr"/>
             <a:r>
-              <a:rPr lang="en-US" sz="1050" b="1" dirty="0" smtClean="0">
+              <a:rPr lang="en-US" sz="1050" b="1" dirty="0">
                 <a:solidFill>
                   <a:srgbClr val="0070C0"/>
                 </a:solidFill>
@@ -11426,14 +11357,14 @@
               <a:t>Incorrect</a:t>
             </a:r>
             <a:br>
-              <a:rPr lang="en-US" sz="1050" b="1" dirty="0" smtClean="0">
+              <a:rPr lang="en-US" sz="1050" b="1" dirty="0">
                 <a:solidFill>
                   <a:srgbClr val="0070C0"/>
                 </a:solidFill>
               </a:rPr>
             </a:br>
             <a:r>
-              <a:rPr lang="en-US" sz="1050" b="1" dirty="0" smtClean="0">
+              <a:rPr lang="en-US" sz="1050" b="1" dirty="0">
                 <a:solidFill>
                   <a:srgbClr val="0070C0"/>
                 </a:solidFill>
@@ -11542,13 +11473,6 @@
   <p:clrMapOvr>
     <a:masterClrMapping/>
   </p:clrMapOvr>
-  <p:timing>
-    <p:tnLst>
-      <p:par>
-        <p:cTn id="1" dur="indefinite" restart="never" nodeType="tmRoot"/>
-      </p:par>
-    </p:tnLst>
-  </p:timing>
 </p:sld>
 </file>
 
@@ -11615,7 +11539,7 @@
           <a:lstStyle/>
           <a:p>
             <a:r>
-              <a:rPr lang="en-US" sz="1200" b="1" dirty="0" smtClean="0">
+              <a:rPr lang="en-US" sz="1200" b="1" dirty="0">
                 <a:solidFill>
                   <a:srgbClr val="0070C0"/>
                 </a:solidFill>
@@ -11825,7 +11749,7 @@
           <a:p>
             <a:pPr algn="ctr"/>
             <a:r>
-              <a:rPr lang="en-US" sz="1600" dirty="0" smtClean="0">
+              <a:rPr lang="en-US" sz="1600" dirty="0">
                 <a:solidFill>
                   <a:schemeClr val="bg1"/>
                 </a:solidFill>
@@ -11972,20 +11896,12 @@
           <a:p>
             <a:pPr algn="ctr"/>
             <a:r>
-              <a:rPr lang="en-US" sz="1600" dirty="0" smtClean="0">
+              <a:rPr lang="en-US" sz="1600" dirty="0">
                 <a:solidFill>
                   <a:schemeClr val="bg1"/>
                 </a:solidFill>
               </a:rPr>
               <a:t>d:Delete</a:t>
-            </a:r>
-            <a:r>
-              <a:rPr lang="en-US" sz="1600" dirty="0">
-                <a:solidFill>
-                  <a:schemeClr val="bg1"/>
-                </a:solidFill>
-              </a:rPr>
-              <a:t/>
             </a:r>
             <a:br>
               <a:rPr lang="en-US" sz="1600" dirty="0">
@@ -12190,18 +12106,13 @@
           <a:p>
             <a:pPr algn="r"/>
             <a:r>
-              <a:rPr lang="en-US" sz="1400" dirty="0" smtClean="0">
+              <a:rPr lang="en-US" sz="1400" dirty="0">
                 <a:solidFill>
                   <a:srgbClr val="0070C0"/>
                 </a:solidFill>
               </a:rPr>
               <a:t>execute(“delete 1”)</a:t>
             </a:r>
-            <a:endParaRPr lang="en-US" sz="1400" dirty="0">
-              <a:solidFill>
-                <a:srgbClr val="0070C0"/>
-              </a:solidFill>
-            </a:endParaRPr>
           </a:p>
         </p:txBody>
       </p:sp>
@@ -12280,7 +12191,6 @@
               <a:rPr lang="en-US" dirty="0"/>
               <a:t>execute()</a:t>
             </a:r>
-            <a:endParaRPr lang="en-US" dirty="0"/>
           </a:p>
         </p:txBody>
       </p:sp>
@@ -12792,7 +12702,7 @@
           </a:lstStyle>
           <a:p>
             <a:r>
-              <a:rPr lang="en-US" dirty="0" err="1" smtClean="0">
+              <a:rPr lang="en-US" dirty="0" err="1">
                 <a:solidFill>
                   <a:srgbClr val="7030A0"/>
                 </a:solidFill>
@@ -12800,18 +12710,13 @@
               <a:t>deletePerson</a:t>
             </a:r>
             <a:r>
-              <a:rPr lang="en-US" dirty="0" smtClean="0">
+              <a:rPr lang="en-US" dirty="0">
                 <a:solidFill>
                   <a:srgbClr val="7030A0"/>
                 </a:solidFill>
               </a:rPr>
               <a:t>(p)</a:t>
             </a:r>
-            <a:endParaRPr lang="en-US" dirty="0">
-              <a:solidFill>
-                <a:srgbClr val="7030A0"/>
-              </a:solidFill>
-            </a:endParaRPr>
           </a:p>
         </p:txBody>
       </p:sp>
@@ -12849,10 +12754,9 @@
           </a:lstStyle>
           <a:p>
             <a:r>
-              <a:rPr lang="en-US" dirty="0" smtClean="0"/>
+              <a:rPr lang="en-US" dirty="0"/>
               <a:t>create()</a:t>
             </a:r>
-            <a:endParaRPr lang="en-US" dirty="0"/>
           </a:p>
         </p:txBody>
       </p:sp>
@@ -12890,10 +12794,9 @@
           </a:lstStyle>
           <a:p>
             <a:r>
-              <a:rPr lang="en-US" dirty="0" smtClean="0"/>
+              <a:rPr lang="en-US" dirty="0"/>
               <a:t>parse(“delete 1”)</a:t>
             </a:r>
-            <a:endParaRPr lang="en-US" dirty="0"/>
           </a:p>
         </p:txBody>
       </p:sp>
@@ -12931,10 +12834,9 @@
           </a:lstStyle>
           <a:p>
             <a:r>
-              <a:rPr lang="en-US" dirty="0" smtClean="0"/>
+              <a:rPr lang="en-US" dirty="0"/>
               <a:t>result</a:t>
             </a:r>
-            <a:endParaRPr lang="en-US" dirty="0"/>
           </a:p>
         </p:txBody>
       </p:sp>
@@ -12972,10 +12874,9 @@
           </a:lstStyle>
           <a:p>
             <a:r>
-              <a:rPr lang="en-US" dirty="0" smtClean="0"/>
+              <a:rPr lang="en-US" dirty="0"/>
               <a:t>result</a:t>
             </a:r>
-            <a:endParaRPr lang="en-US" dirty="0"/>
           </a:p>
         </p:txBody>
       </p:sp>
@@ -13023,7 +12924,7 @@
           <a:p>
             <a:pPr algn="ctr"/>
             <a:r>
-              <a:rPr lang="en-US" sz="1600" dirty="0" smtClean="0">
+              <a:rPr lang="en-US" sz="1600" dirty="0">
                 <a:solidFill>
                   <a:schemeClr val="bg1"/>
                 </a:solidFill>
@@ -13031,14 +12932,14 @@
               <a:t>result:</a:t>
             </a:r>
             <a:br>
-              <a:rPr lang="en-US" sz="1600" dirty="0" smtClean="0">
+              <a:rPr lang="en-US" sz="1600" dirty="0">
                 <a:solidFill>
                   <a:schemeClr val="bg1"/>
                 </a:solidFill>
               </a:rPr>
             </a:br>
             <a:r>
-              <a:rPr lang="en-US" sz="1600" dirty="0" err="1" smtClean="0">
+              <a:rPr lang="en-US" sz="1600" dirty="0" err="1">
                 <a:solidFill>
                   <a:schemeClr val="bg1"/>
                 </a:solidFill>
@@ -13208,10 +13109,9 @@
           </a:lstStyle>
           <a:p>
             <a:r>
-              <a:rPr lang="en-US" dirty="0" smtClean="0"/>
+              <a:rPr lang="en-US" dirty="0"/>
               <a:t>d</a:t>
             </a:r>
-            <a:endParaRPr lang="en-US" dirty="0"/>
           </a:p>
         </p:txBody>
       </p:sp>
@@ -13291,7 +13191,7 @@
           <a:lstStyle/>
           <a:p>
             <a:r>
-              <a:rPr lang="en-US" sz="1200" b="1" dirty="0" smtClean="0">
+              <a:rPr lang="en-US" sz="1200" b="1" dirty="0">
                 <a:solidFill>
                   <a:srgbClr val="7030A0"/>
                 </a:solidFill>
@@ -13350,7 +13250,7 @@
           <a:p>
             <a:pPr algn="ctr"/>
             <a:r>
-              <a:rPr lang="en-US" sz="1050" dirty="0" err="1" smtClean="0">
+              <a:rPr lang="en-US" sz="1050" dirty="0" err="1">
                 <a:solidFill>
                   <a:schemeClr val="bg1"/>
                 </a:solidFill>
@@ -13409,7 +13309,7 @@
           <a:p>
             <a:pPr algn="ctr"/>
             <a:r>
-              <a:rPr lang="en-US" sz="1050" dirty="0" err="1" smtClean="0">
+              <a:rPr lang="en-US" sz="1050" dirty="0" err="1">
                 <a:solidFill>
                   <a:schemeClr val="bg1"/>
                 </a:solidFill>
@@ -13565,7 +13465,7 @@
           <a:p>
             <a:pPr algn="ctr"/>
             <a:r>
-              <a:rPr lang="en-US" sz="1050" dirty="0" smtClean="0">
+              <a:rPr lang="en-US" sz="1050" dirty="0">
                 <a:solidFill>
                   <a:schemeClr val="bg1"/>
                 </a:solidFill>
@@ -13931,12 +13831,12 @@
           <a:p>
             <a:pPr algn="ctr"/>
             <a:r>
-              <a:rPr lang="en-US" sz="1050" dirty="0" err="1" smtClean="0">
+              <a:rPr lang="en-SG" sz="1050" dirty="0" err="1">
                 <a:solidFill>
                   <a:srgbClr val="7030A0"/>
                 </a:solidFill>
               </a:rPr>
-              <a:t>AddressBook</a:t>
+              <a:t>TaskList</a:t>
             </a:r>
             <a:endParaRPr lang="en-SG" sz="1050" dirty="0">
               <a:solidFill>
@@ -14073,12 +13973,12 @@
           <a:p>
             <a:pPr algn="ctr"/>
             <a:r>
-              <a:rPr lang="en-US" sz="1050" dirty="0" err="1" smtClean="0">
+              <a:rPr lang="en-US" sz="1050" dirty="0" err="1">
                 <a:solidFill>
                   <a:srgbClr val="7030A0"/>
                 </a:solidFill>
               </a:rPr>
-              <a:t>UniquePersonList</a:t>
+              <a:t>UniqueTaskList</a:t>
             </a:r>
             <a:endParaRPr lang="en-SG" sz="1050" dirty="0">
               <a:solidFill>
@@ -14217,7 +14117,7 @@
           <a:p>
             <a:pPr algn="ctr"/>
             <a:r>
-              <a:rPr lang="en-US" sz="1050" dirty="0" err="1" smtClean="0">
+              <a:rPr lang="en-US" sz="1050" dirty="0" err="1">
                 <a:solidFill>
                   <a:srgbClr val="7030A0"/>
                 </a:solidFill>
@@ -14316,12 +14216,12 @@
           <a:p>
             <a:pPr algn="ctr"/>
             <a:r>
-              <a:rPr lang="en-US" sz="1050" dirty="0" smtClean="0">
+              <a:rPr lang="en-US" sz="1050" dirty="0">
                 <a:solidFill>
                   <a:srgbClr val="7030A0"/>
                 </a:solidFill>
               </a:rPr>
-              <a:t>Person</a:t>
+              <a:t>Task</a:t>
             </a:r>
             <a:endParaRPr lang="en-SG" sz="1050" dirty="0">
               <a:solidFill>
@@ -14458,7 +14358,7 @@
           <a:p>
             <a:pPr algn="ctr"/>
             <a:r>
-              <a:rPr lang="en-US" sz="1050" dirty="0" smtClean="0">
+              <a:rPr lang="en-US" sz="1050" dirty="0">
                 <a:solidFill>
                   <a:srgbClr val="7030A0"/>
                 </a:solidFill>
@@ -14600,7 +14500,7 @@
           <a:p>
             <a:pPr algn="ctr"/>
             <a:r>
-              <a:rPr lang="en-US" sz="1050" dirty="0" smtClean="0">
+              <a:rPr lang="en-US" sz="1050" dirty="0">
                 <a:solidFill>
                   <a:srgbClr val="7030A0"/>
                 </a:solidFill>
@@ -14608,19 +14508,19 @@
               <a:t>&lt;&lt;interface&gt;&gt;</a:t>
             </a:r>
             <a:br>
-              <a:rPr lang="en-US" sz="1050" dirty="0" smtClean="0">
+              <a:rPr lang="en-US" sz="1050" dirty="0">
                 <a:solidFill>
                   <a:srgbClr val="7030A0"/>
                 </a:solidFill>
               </a:rPr>
             </a:br>
             <a:r>
-              <a:rPr lang="en-US" sz="1050" dirty="0" err="1" smtClean="0">
+              <a:rPr lang="en-US" sz="1050" dirty="0" err="1">
                 <a:solidFill>
                   <a:srgbClr val="7030A0"/>
                 </a:solidFill>
               </a:rPr>
-              <a:t>ReadOnlyPerson</a:t>
+              <a:t>ReadOnlyTask</a:t>
             </a:r>
             <a:endParaRPr lang="en-SG" sz="1050" dirty="0">
               <a:solidFill>
@@ -14638,8 +14538,8 @@
         </p:nvSpPr>
         <p:spPr>
           <a:xfrm>
-            <a:off x="7712397" y="2564238"/>
-            <a:ext cx="708186" cy="285783"/>
+            <a:off x="7634974" y="2190302"/>
+            <a:ext cx="822002" cy="285783"/>
           </a:xfrm>
           <a:prstGeom prst="rect">
             <a:avLst/>
@@ -14671,7 +14571,7 @@
           <a:p>
             <a:pPr algn="ctr"/>
             <a:r>
-              <a:rPr lang="en-US" sz="1050" dirty="0" smtClean="0">
+              <a:rPr lang="en-US" sz="1050" dirty="0">
                 <a:solidFill>
                   <a:srgbClr val="7030A0"/>
                 </a:solidFill>
@@ -14744,8 +14644,8 @@
         </p:nvCxnSpPr>
         <p:spPr>
           <a:xfrm flipV="1">
-            <a:off x="7277995" y="2707130"/>
-            <a:ext cx="434402" cy="327761"/>
+            <a:off x="7277995" y="2333194"/>
+            <a:ext cx="356979" cy="701697"/>
           </a:xfrm>
           <a:prstGeom prst="bentConnector3">
             <a:avLst/>
@@ -14782,8 +14682,8 @@
         </p:nvSpPr>
         <p:spPr>
           <a:xfrm>
-            <a:off x="7712397" y="2887216"/>
-            <a:ext cx="708186" cy="285783"/>
+            <a:off x="7634974" y="2541359"/>
+            <a:ext cx="822003" cy="285783"/>
           </a:xfrm>
           <a:prstGeom prst="rect">
             <a:avLst/>
@@ -14815,12 +14715,12 @@
           <a:p>
             <a:pPr algn="ctr"/>
             <a:r>
-              <a:rPr lang="en-US" sz="1050" dirty="0" smtClean="0">
+              <a:rPr lang="en-US" sz="1050" dirty="0">
                 <a:solidFill>
                   <a:srgbClr val="7030A0"/>
                 </a:solidFill>
               </a:rPr>
-              <a:t>Phone</a:t>
+              <a:t>Period</a:t>
             </a:r>
             <a:endParaRPr lang="en-SG" sz="1050" dirty="0">
               <a:solidFill>
@@ -14841,8 +14741,8 @@
         </p:nvCxnSpPr>
         <p:spPr>
           <a:xfrm flipV="1">
-            <a:off x="7277995" y="3030108"/>
-            <a:ext cx="434402" cy="4783"/>
+            <a:off x="7277995" y="2684251"/>
+            <a:ext cx="356979" cy="350640"/>
           </a:xfrm>
           <a:prstGeom prst="bentConnector3">
             <a:avLst/>
@@ -14879,8 +14779,8 @@
         </p:nvSpPr>
         <p:spPr>
           <a:xfrm>
-            <a:off x="7712397" y="3210194"/>
-            <a:ext cx="708186" cy="285783"/>
+            <a:off x="7634638" y="2892465"/>
+            <a:ext cx="823562" cy="285783"/>
           </a:xfrm>
           <a:prstGeom prst="rect">
             <a:avLst/>
@@ -14912,12 +14812,12 @@
           <a:p>
             <a:pPr algn="ctr"/>
             <a:r>
-              <a:rPr lang="en-US" sz="1050" dirty="0" smtClean="0">
+              <a:rPr lang="en-US" sz="1050" dirty="0">
                 <a:solidFill>
                   <a:srgbClr val="7030A0"/>
                 </a:solidFill>
               </a:rPr>
-              <a:t>Email</a:t>
+              <a:t>Deadline</a:t>
             </a:r>
             <a:endParaRPr lang="en-SG" sz="1050" dirty="0">
               <a:solidFill>
@@ -14939,7 +14839,7 @@
         <p:spPr>
           <a:xfrm>
             <a:off x="7277995" y="3034891"/>
-            <a:ext cx="434402" cy="318195"/>
+            <a:ext cx="356643" cy="466"/>
           </a:xfrm>
           <a:prstGeom prst="bentConnector3">
             <a:avLst/>
@@ -14976,8 +14876,8 @@
         </p:nvSpPr>
         <p:spPr>
           <a:xfrm>
-            <a:off x="7712397" y="3533171"/>
-            <a:ext cx="708186" cy="285783"/>
+            <a:off x="7632709" y="3237271"/>
+            <a:ext cx="822003" cy="285783"/>
           </a:xfrm>
           <a:prstGeom prst="rect">
             <a:avLst/>
@@ -15009,12 +14909,12 @@
           <a:p>
             <a:pPr algn="ctr"/>
             <a:r>
-              <a:rPr lang="en-US" sz="1050" dirty="0" smtClean="0">
+              <a:rPr lang="en-US" sz="1050" dirty="0">
                 <a:solidFill>
                   <a:srgbClr val="7030A0"/>
                 </a:solidFill>
               </a:rPr>
-              <a:t>Address</a:t>
+              <a:t>Complete</a:t>
             </a:r>
             <a:endParaRPr lang="en-SG" sz="1050" dirty="0">
               <a:solidFill>
@@ -15036,7 +14936,7 @@
         <p:spPr>
           <a:xfrm>
             <a:off x="7277995" y="3034891"/>
-            <a:ext cx="434402" cy="641172"/>
+            <a:ext cx="354714" cy="345272"/>
           </a:xfrm>
           <a:prstGeom prst="bentConnector3">
             <a:avLst/>
@@ -15197,130 +15097,12 @@
           <a:p>
             <a:pPr algn="ctr"/>
             <a:r>
-              <a:rPr lang="en-US" sz="1050" dirty="0" smtClean="0">
+              <a:rPr lang="en-US" sz="1050" dirty="0">
                 <a:solidFill>
                   <a:srgbClr val="7030A0"/>
                 </a:solidFill>
               </a:rPr>
               <a:t>&lt;&lt;interface&gt;&gt;</a:t>
-            </a:r>
-            <a:br>
-              <a:rPr lang="en-US" sz="1050" dirty="0" smtClean="0">
-                <a:solidFill>
-                  <a:srgbClr val="7030A0"/>
-                </a:solidFill>
-              </a:rPr>
-            </a:br>
-            <a:r>
-              <a:rPr lang="en-US" sz="1050" dirty="0" err="1" smtClean="0">
-                <a:solidFill>
-                  <a:srgbClr val="7030A0"/>
-                </a:solidFill>
-              </a:rPr>
-              <a:t>ReadOnlyAddressBook</a:t>
-            </a:r>
-            <a:endParaRPr lang="en-SG" sz="1050" dirty="0">
-              <a:solidFill>
-                <a:srgbClr val="7030A0"/>
-              </a:solidFill>
-            </a:endParaRPr>
-          </a:p>
-        </p:txBody>
-      </p:sp>
-      <p:sp>
-        <p:nvSpPr>
-          <p:cNvPr id="114" name="TextBox 113"/>
-          <p:cNvSpPr txBox="1"/>
-          <p:nvPr/>
-        </p:nvSpPr>
-        <p:spPr>
-          <a:xfrm rot="16200000">
-            <a:off x="6581354" y="3514530"/>
-            <a:ext cx="881018" cy="261610"/>
-          </a:xfrm>
-          <a:prstGeom prst="rect">
-            <a:avLst/>
-          </a:prstGeom>
-          <a:noFill/>
-        </p:spPr>
-        <p:txBody>
-          <a:bodyPr wrap="square" rtlCol="0">
-            <a:spAutoFit/>
-          </a:bodyPr>
-          <a:lstStyle/>
-          <a:p>
-            <a:pPr algn="r"/>
-            <a:r>
-              <a:rPr lang="en-US" sz="1100" dirty="0" smtClean="0">
-                <a:solidFill>
-                  <a:srgbClr val="7030A0"/>
-                </a:solidFill>
-              </a:rPr>
-              <a:t>filtered list</a:t>
-            </a:r>
-            <a:endParaRPr lang="en-SG" sz="1100" dirty="0">
-              <a:solidFill>
-                <a:srgbClr val="7030A0"/>
-              </a:solidFill>
-            </a:endParaRPr>
-          </a:p>
-        </p:txBody>
-      </p:sp>
-      <p:sp>
-        <p:nvSpPr>
-          <p:cNvPr id="122" name="Rectangle 8"/>
-          <p:cNvSpPr/>
-          <p:nvPr/>
-        </p:nvSpPr>
-        <p:spPr>
-          <a:xfrm>
-            <a:off x="2057400" y="4239491"/>
-            <a:ext cx="1775949" cy="346760"/>
-          </a:xfrm>
-          <a:prstGeom prst="rect">
-            <a:avLst/>
-          </a:prstGeom>
-          <a:ln w="19050">
-            <a:solidFill>
-              <a:srgbClr val="7030A0"/>
-            </a:solidFill>
-          </a:ln>
-          <a:effectLst/>
-        </p:spPr>
-        <p:style>
-          <a:lnRef idx="1">
-            <a:schemeClr val="accent4"/>
-          </a:lnRef>
-          <a:fillRef idx="2">
-            <a:schemeClr val="accent4"/>
-          </a:fillRef>
-          <a:effectRef idx="1">
-            <a:schemeClr val="accent4"/>
-          </a:effectRef>
-          <a:fontRef idx="minor">
-            <a:schemeClr val="dk1"/>
-          </a:fontRef>
-        </p:style>
-        <p:txBody>
-          <a:bodyPr rtlCol="0" anchor="ctr"/>
-          <a:lstStyle/>
-          <a:p>
-            <a:pPr algn="ctr"/>
-            <a:r>
-              <a:rPr lang="en-US" sz="1050" dirty="0" smtClean="0">
-                <a:solidFill>
-                  <a:srgbClr val="7030A0"/>
-                </a:solidFill>
-              </a:rPr>
-              <a:t>&lt;&lt;interface&gt;&gt;</a:t>
-            </a:r>
-            <a:r>
-              <a:rPr lang="en-US" sz="1050" dirty="0">
-                <a:solidFill>
-                  <a:srgbClr val="7030A0"/>
-                </a:solidFill>
-              </a:rPr>
-              <a:t/>
             </a:r>
             <a:br>
               <a:rPr lang="en-US" sz="1050" dirty="0">
@@ -15330,7 +15112,117 @@
               </a:rPr>
             </a:br>
             <a:r>
-              <a:rPr lang="en-US" sz="1050" dirty="0" err="1" smtClean="0">
+              <a:rPr lang="en-US" sz="1050" dirty="0" err="1">
+                <a:solidFill>
+                  <a:srgbClr val="7030A0"/>
+                </a:solidFill>
+              </a:rPr>
+              <a:t>ReadOnlyTaskList</a:t>
+            </a:r>
+            <a:endParaRPr lang="en-SG" sz="1050" dirty="0">
+              <a:solidFill>
+                <a:srgbClr val="7030A0"/>
+              </a:solidFill>
+            </a:endParaRPr>
+          </a:p>
+        </p:txBody>
+      </p:sp>
+      <p:sp>
+        <p:nvSpPr>
+          <p:cNvPr id="114" name="TextBox 113"/>
+          <p:cNvSpPr txBox="1"/>
+          <p:nvPr/>
+        </p:nvSpPr>
+        <p:spPr>
+          <a:xfrm rot="16200000">
+            <a:off x="6581354" y="3514530"/>
+            <a:ext cx="881018" cy="261610"/>
+          </a:xfrm>
+          <a:prstGeom prst="rect">
+            <a:avLst/>
+          </a:prstGeom>
+          <a:noFill/>
+        </p:spPr>
+        <p:txBody>
+          <a:bodyPr wrap="square" rtlCol="0">
+            <a:spAutoFit/>
+          </a:bodyPr>
+          <a:lstStyle/>
+          <a:p>
+            <a:pPr algn="r"/>
+            <a:r>
+              <a:rPr lang="en-US" sz="1100" dirty="0">
+                <a:solidFill>
+                  <a:srgbClr val="7030A0"/>
+                </a:solidFill>
+              </a:rPr>
+              <a:t>filtered list</a:t>
+            </a:r>
+            <a:endParaRPr lang="en-SG" sz="1100" dirty="0">
+              <a:solidFill>
+                <a:srgbClr val="7030A0"/>
+              </a:solidFill>
+            </a:endParaRPr>
+          </a:p>
+        </p:txBody>
+      </p:sp>
+      <p:sp>
+        <p:nvSpPr>
+          <p:cNvPr id="122" name="Rectangle 8"/>
+          <p:cNvSpPr/>
+          <p:nvPr/>
+        </p:nvSpPr>
+        <p:spPr>
+          <a:xfrm>
+            <a:off x="2057400" y="4239491"/>
+            <a:ext cx="1775949" cy="346760"/>
+          </a:xfrm>
+          <a:prstGeom prst="rect">
+            <a:avLst/>
+          </a:prstGeom>
+          <a:ln w="19050">
+            <a:solidFill>
+              <a:srgbClr val="7030A0"/>
+            </a:solidFill>
+          </a:ln>
+          <a:effectLst/>
+        </p:spPr>
+        <p:style>
+          <a:lnRef idx="1">
+            <a:schemeClr val="accent4"/>
+          </a:lnRef>
+          <a:fillRef idx="2">
+            <a:schemeClr val="accent4"/>
+          </a:fillRef>
+          <a:effectRef idx="1">
+            <a:schemeClr val="accent4"/>
+          </a:effectRef>
+          <a:fontRef idx="minor">
+            <a:schemeClr val="dk1"/>
+          </a:fontRef>
+        </p:style>
+        <p:txBody>
+          <a:bodyPr rtlCol="0" anchor="ctr"/>
+          <a:lstStyle/>
+          <a:p>
+            <a:pPr algn="ctr"/>
+            <a:r>
+              <a:rPr lang="en-US" sz="1050" dirty="0">
+                <a:solidFill>
+                  <a:srgbClr val="7030A0"/>
+                </a:solidFill>
+              </a:rPr>
+              <a:t>&lt;&lt;interface&gt;&gt;</a:t>
+            </a:r>
+            <a:br>
+              <a:rPr lang="en-US" sz="1050" dirty="0">
+                <a:solidFill>
+                  <a:srgbClr val="7030A0"/>
+                </a:solidFill>
+              </a:rPr>
+            </a:br>
+            <a:r>
+              <a:rPr lang="en-US" sz="1050" dirty="0" err="1">
                 <a:solidFill>
                   <a:srgbClr val="7030A0"/>
                 </a:solidFill>
@@ -15367,6 +15259,105 @@
               <a:srgbClr val="7030A0"/>
             </a:solidFill>
             <a:prstDash val="sysDot"/>
+            <a:headEnd type="none" w="med" len="med"/>
+            <a:tailEnd type="arrow" w="med" len="med"/>
+          </a:ln>
+          <a:effectLst/>
+        </p:spPr>
+        <p:style>
+          <a:lnRef idx="1">
+            <a:schemeClr val="accent2"/>
+          </a:lnRef>
+          <a:fillRef idx="2">
+            <a:schemeClr val="accent2"/>
+          </a:fillRef>
+          <a:effectRef idx="1">
+            <a:schemeClr val="accent2"/>
+          </a:effectRef>
+          <a:fontRef idx="minor">
+            <a:schemeClr val="dk1"/>
+          </a:fontRef>
+        </p:style>
+      </p:cxnSp>
+      <p:sp>
+        <p:nvSpPr>
+          <p:cNvPr id="50" name="Rectangle 8"/>
+          <p:cNvSpPr/>
+          <p:nvPr/>
+        </p:nvSpPr>
+        <p:spPr>
+          <a:xfrm>
+            <a:off x="7634621" y="3581400"/>
+            <a:ext cx="822003" cy="285783"/>
+          </a:xfrm>
+          <a:prstGeom prst="rect">
+            <a:avLst/>
+          </a:prstGeom>
+          <a:ln w="19050">
+            <a:solidFill>
+              <a:srgbClr val="7030A0"/>
+            </a:solidFill>
+          </a:ln>
+          <a:effectLst/>
+        </p:spPr>
+        <p:style>
+          <a:lnRef idx="1">
+            <a:schemeClr val="accent4"/>
+          </a:lnRef>
+          <a:fillRef idx="2">
+            <a:schemeClr val="accent4"/>
+          </a:fillRef>
+          <a:effectRef idx="1">
+            <a:schemeClr val="accent4"/>
+          </a:effectRef>
+          <a:fontRef idx="minor">
+            <a:schemeClr val="dk1"/>
+          </a:fontRef>
+        </p:style>
+        <p:txBody>
+          <a:bodyPr rtlCol="0" anchor="ctr"/>
+          <a:lstStyle/>
+          <a:p>
+            <a:pPr algn="ctr"/>
+            <a:r>
+              <a:rPr lang="en-US" sz="1050" dirty="0">
+                <a:solidFill>
+                  <a:srgbClr val="7030A0"/>
+                </a:solidFill>
+              </a:rPr>
+              <a:t>Recurrence</a:t>
+            </a:r>
+            <a:endParaRPr lang="en-SG" sz="1050" dirty="0">
+              <a:solidFill>
+                <a:srgbClr val="7030A0"/>
+              </a:solidFill>
+            </a:endParaRPr>
+          </a:p>
+        </p:txBody>
+      </p:sp>
+      <p:cxnSp>
+        <p:nvCxnSpPr>
+          <p:cNvPr id="52" name="Elbow Connector 85"/>
+          <p:cNvCxnSpPr>
+            <a:stCxn id="78" idx="3"/>
+            <a:endCxn id="50" idx="1"/>
+          </p:cNvCxnSpPr>
+          <p:nvPr/>
+        </p:nvCxnSpPr>
+        <p:spPr>
+          <a:xfrm>
+            <a:off x="7277995" y="3034891"/>
+            <a:ext cx="356626" cy="689401"/>
+          </a:xfrm>
+          <a:prstGeom prst="bentConnector3">
+            <a:avLst>
+              <a:gd name="adj1" fmla="val 50000"/>
+            </a:avLst>
+          </a:prstGeom>
+          <a:ln w="19050">
+            <a:solidFill>
+              <a:srgbClr val="7030A0"/>
+            </a:solidFill>
             <a:headEnd type="none" w="med" len="med"/>
             <a:tailEnd type="arrow" w="med" len="med"/>
           </a:ln>
@@ -15397,13 +15388,6 @@
   <p:clrMapOvr>
     <a:masterClrMapping/>
   </p:clrMapOvr>
-  <p:timing>
-    <p:tnLst>
-      <p:par>
-        <p:cTn id="1" dur="indefinite" restart="never" nodeType="tmRoot"/>
-      </p:par>
-    </p:tnLst>
-  </p:timing>
 </p:sld>
 </file>
 
@@ -15470,7 +15454,7 @@
           <a:lstStyle/>
           <a:p>
             <a:r>
-              <a:rPr lang="en-US" sz="1200" b="1" dirty="0" smtClean="0">
+              <a:rPr lang="en-US" sz="1200" b="1" dirty="0">
                 <a:solidFill>
                   <a:schemeClr val="accent6">
                     <a:lumMod val="75000"/>
@@ -15537,147 +15521,6 @@
           <a:p>
             <a:pPr algn="ctr"/>
             <a:r>
-              <a:rPr lang="en-US" sz="1050" dirty="0" smtClean="0">
-                <a:solidFill>
-                  <a:schemeClr val="bg1"/>
-                </a:solidFill>
-              </a:rPr>
-              <a:t>&lt;&lt;interface&gt;&gt;</a:t>
-            </a:r>
-            <a:br>
-              <a:rPr lang="en-US" sz="1050" dirty="0" smtClean="0">
-                <a:solidFill>
-                  <a:schemeClr val="bg1"/>
-                </a:solidFill>
-              </a:rPr>
-            </a:br>
-            <a:r>
-              <a:rPr lang="en-US" sz="1050" dirty="0" err="1" smtClean="0">
-                <a:solidFill>
-                  <a:schemeClr val="bg1"/>
-                </a:solidFill>
-              </a:rPr>
-              <a:t>AddressBookStorage</a:t>
-            </a:r>
-            <a:endParaRPr lang="en-SG" sz="1050" dirty="0">
-              <a:solidFill>
-                <a:schemeClr val="bg1"/>
-              </a:solidFill>
-            </a:endParaRPr>
-          </a:p>
-        </p:txBody>
-      </p:sp>
-      <p:sp>
-        <p:nvSpPr>
-          <p:cNvPr id="9" name="Rectangle 62"/>
-          <p:cNvSpPr/>
-          <p:nvPr/>
-        </p:nvSpPr>
-        <p:spPr>
-          <a:xfrm rot="16200000">
-            <a:off x="1683963" y="2868687"/>
-            <a:ext cx="1093635" cy="346760"/>
-          </a:xfrm>
-          <a:prstGeom prst="rect">
-            <a:avLst/>
-          </a:prstGeom>
-          <a:solidFill>
-            <a:schemeClr val="accent6">
-              <a:lumMod val="75000"/>
-            </a:schemeClr>
-          </a:solidFill>
-          <a:ln w="19050">
-            <a:solidFill>
-              <a:schemeClr val="accent6">
-                <a:lumMod val="75000"/>
-              </a:schemeClr>
-            </a:solidFill>
-          </a:ln>
-          <a:effectLst/>
-        </p:spPr>
-        <p:style>
-          <a:lnRef idx="1">
-            <a:schemeClr val="accent2"/>
-          </a:lnRef>
-          <a:fillRef idx="2">
-            <a:schemeClr val="accent2"/>
-          </a:fillRef>
-          <a:effectRef idx="1">
-            <a:schemeClr val="accent2"/>
-          </a:effectRef>
-          <a:fontRef idx="minor">
-            <a:schemeClr val="dk1"/>
-          </a:fontRef>
-        </p:style>
-        <p:txBody>
-          <a:bodyPr rtlCol="0" anchor="ctr"/>
-          <a:lstStyle/>
-          <a:p>
-            <a:pPr algn="ctr"/>
-            <a:r>
-              <a:rPr lang="en-US" sz="1050" dirty="0" err="1" smtClean="0">
-                <a:solidFill>
-                  <a:schemeClr val="bg1"/>
-                </a:solidFill>
-              </a:rPr>
-              <a:t>StorageManager</a:t>
-            </a:r>
-            <a:endParaRPr lang="en-SG" sz="1050" dirty="0">
-              <a:solidFill>
-                <a:schemeClr val="bg1"/>
-              </a:solidFill>
-            </a:endParaRPr>
-          </a:p>
-        </p:txBody>
-      </p:sp>
-      <p:sp>
-        <p:nvSpPr>
-          <p:cNvPr id="119" name="Rectangle 62"/>
-          <p:cNvSpPr/>
-          <p:nvPr/>
-        </p:nvSpPr>
-        <p:spPr>
-          <a:xfrm rot="16200000">
-            <a:off x="956202" y="2861202"/>
-            <a:ext cx="1093635" cy="346760"/>
-          </a:xfrm>
-          <a:prstGeom prst="rect">
-            <a:avLst/>
-          </a:prstGeom>
-          <a:solidFill>
-            <a:schemeClr val="accent6">
-              <a:lumMod val="75000"/>
-            </a:schemeClr>
-          </a:solidFill>
-          <a:ln w="19050">
-            <a:solidFill>
-              <a:schemeClr val="accent6">
-                <a:lumMod val="75000"/>
-              </a:schemeClr>
-            </a:solidFill>
-          </a:ln>
-          <a:effectLst/>
-        </p:spPr>
-        <p:style>
-          <a:lnRef idx="1">
-            <a:schemeClr val="accent2"/>
-          </a:lnRef>
-          <a:fillRef idx="2">
-            <a:schemeClr val="accent2"/>
-          </a:fillRef>
-          <a:effectRef idx="1">
-            <a:schemeClr val="accent2"/>
-          </a:effectRef>
-          <a:fontRef idx="minor">
-            <a:schemeClr val="dk1"/>
-          </a:fontRef>
-        </p:style>
-        <p:txBody>
-          <a:bodyPr rtlCol="0" anchor="ctr"/>
-          <a:lstStyle/>
-          <a:p>
-            <a:pPr algn="ctr"/>
-            <a:r>
               <a:rPr lang="en-US" sz="1050" dirty="0">
                 <a:solidFill>
                   <a:schemeClr val="bg1"/>
@@ -15685,11 +15528,152 @@
               </a:rPr>
               <a:t>&lt;&lt;interface&gt;&gt;</a:t>
             </a:r>
-          </a:p>
+            <a:br>
+              <a:rPr lang="en-US" sz="1050" dirty="0">
+                <a:solidFill>
+                  <a:schemeClr val="bg1"/>
+                </a:solidFill>
+              </a:rPr>
+            </a:br>
+            <a:r>
+              <a:rPr lang="en-US" sz="1050" dirty="0" err="1">
+                <a:solidFill>
+                  <a:schemeClr val="bg1"/>
+                </a:solidFill>
+              </a:rPr>
+              <a:t>AddressBookStorage</a:t>
+            </a:r>
+            <a:endParaRPr lang="en-SG" sz="1050" dirty="0">
+              <a:solidFill>
+                <a:schemeClr val="bg1"/>
+              </a:solidFill>
+            </a:endParaRPr>
+          </a:p>
+        </p:txBody>
+      </p:sp>
+      <p:sp>
+        <p:nvSpPr>
+          <p:cNvPr id="9" name="Rectangle 62"/>
+          <p:cNvSpPr/>
+          <p:nvPr/>
+        </p:nvSpPr>
+        <p:spPr>
+          <a:xfrm rot="16200000">
+            <a:off x="1683963" y="2868687"/>
+            <a:ext cx="1093635" cy="346760"/>
+          </a:xfrm>
+          <a:prstGeom prst="rect">
+            <a:avLst/>
+          </a:prstGeom>
+          <a:solidFill>
+            <a:schemeClr val="accent6">
+              <a:lumMod val="75000"/>
+            </a:schemeClr>
+          </a:solidFill>
+          <a:ln w="19050">
+            <a:solidFill>
+              <a:schemeClr val="accent6">
+                <a:lumMod val="75000"/>
+              </a:schemeClr>
+            </a:solidFill>
+          </a:ln>
+          <a:effectLst/>
+        </p:spPr>
+        <p:style>
+          <a:lnRef idx="1">
+            <a:schemeClr val="accent2"/>
+          </a:lnRef>
+          <a:fillRef idx="2">
+            <a:schemeClr val="accent2"/>
+          </a:fillRef>
+          <a:effectRef idx="1">
+            <a:schemeClr val="accent2"/>
+          </a:effectRef>
+          <a:fontRef idx="minor">
+            <a:schemeClr val="dk1"/>
+          </a:fontRef>
+        </p:style>
+        <p:txBody>
+          <a:bodyPr rtlCol="0" anchor="ctr"/>
+          <a:lstStyle/>
           <a:p>
             <a:pPr algn="ctr"/>
             <a:r>
-              <a:rPr lang="en-US" sz="1050" dirty="0" smtClean="0">
+              <a:rPr lang="en-US" sz="1050" dirty="0" err="1">
+                <a:solidFill>
+                  <a:schemeClr val="bg1"/>
+                </a:solidFill>
+              </a:rPr>
+              <a:t>StorageManager</a:t>
+            </a:r>
+            <a:endParaRPr lang="en-SG" sz="1050" dirty="0">
+              <a:solidFill>
+                <a:schemeClr val="bg1"/>
+              </a:solidFill>
+            </a:endParaRPr>
+          </a:p>
+        </p:txBody>
+      </p:sp>
+      <p:sp>
+        <p:nvSpPr>
+          <p:cNvPr id="119" name="Rectangle 62"/>
+          <p:cNvSpPr/>
+          <p:nvPr/>
+        </p:nvSpPr>
+        <p:spPr>
+          <a:xfrm rot="16200000">
+            <a:off x="956202" y="2861202"/>
+            <a:ext cx="1093635" cy="346760"/>
+          </a:xfrm>
+          <a:prstGeom prst="rect">
+            <a:avLst/>
+          </a:prstGeom>
+          <a:solidFill>
+            <a:schemeClr val="accent6">
+              <a:lumMod val="75000"/>
+            </a:schemeClr>
+          </a:solidFill>
+          <a:ln w="19050">
+            <a:solidFill>
+              <a:schemeClr val="accent6">
+                <a:lumMod val="75000"/>
+              </a:schemeClr>
+            </a:solidFill>
+          </a:ln>
+          <a:effectLst/>
+        </p:spPr>
+        <p:style>
+          <a:lnRef idx="1">
+            <a:schemeClr val="accent2"/>
+          </a:lnRef>
+          <a:fillRef idx="2">
+            <a:schemeClr val="accent2"/>
+          </a:fillRef>
+          <a:effectRef idx="1">
+            <a:schemeClr val="accent2"/>
+          </a:effectRef>
+          <a:fontRef idx="minor">
+            <a:schemeClr val="dk1"/>
+          </a:fontRef>
+        </p:style>
+        <p:txBody>
+          <a:bodyPr rtlCol="0" anchor="ctr"/>
+          <a:lstStyle/>
+          <a:p>
+            <a:pPr algn="ctr"/>
+            <a:r>
+              <a:rPr lang="en-US" sz="1050" dirty="0">
+                <a:solidFill>
+                  <a:schemeClr val="bg1"/>
+                </a:solidFill>
+              </a:rPr>
+              <a:t>&lt;&lt;interface&gt;&gt;</a:t>
+            </a:r>
+          </a:p>
+          <a:p>
+            <a:pPr algn="ctr"/>
+            <a:r>
+              <a:rPr lang="en-US" sz="1050" dirty="0">
                 <a:solidFill>
                   <a:schemeClr val="bg1"/>
                 </a:solidFill>
@@ -16123,7 +16107,7 @@
           <a:p>
             <a:pPr algn="ctr"/>
             <a:r>
-              <a:rPr lang="en-US" sz="1050" b="1" dirty="0" err="1" smtClean="0">
+              <a:rPr lang="en-US" sz="1050" b="1" dirty="0" err="1">
                 <a:solidFill>
                   <a:schemeClr val="accent6">
                     <a:lumMod val="75000"/>
@@ -16132,18 +16116,8 @@
               </a:rPr>
               <a:t>XmlAddressBook</a:t>
             </a:r>
-            <a:r>
-              <a:rPr lang="en-US" sz="1050" b="1" dirty="0" smtClean="0">
-                <a:solidFill>
-                  <a:schemeClr val="accent6">
-                    <a:lumMod val="75000"/>
-                  </a:schemeClr>
-                </a:solidFill>
-              </a:rPr>
-              <a:t/>
-            </a:r>
             <a:br>
-              <a:rPr lang="en-US" sz="1050" b="1" dirty="0" smtClean="0">
+              <a:rPr lang="en-US" sz="1050" b="1" dirty="0">
                 <a:solidFill>
                   <a:schemeClr val="accent6">
                     <a:lumMod val="75000"/>
@@ -16152,7 +16126,7 @@
               </a:rPr>
             </a:br>
             <a:r>
-              <a:rPr lang="en-US" sz="1050" b="1" dirty="0" smtClean="0">
+              <a:rPr lang="en-US" sz="1050" b="1" dirty="0">
                 <a:solidFill>
                   <a:schemeClr val="accent6">
                     <a:lumMod val="75000"/>
@@ -16219,7 +16193,7 @@
           <a:p>
             <a:pPr algn="ctr"/>
             <a:r>
-              <a:rPr lang="en-US" sz="1050" dirty="0" smtClean="0">
+              <a:rPr lang="en-US" sz="1050" dirty="0">
                 <a:solidFill>
                   <a:schemeClr val="bg1"/>
                 </a:solidFill>
@@ -16227,14 +16201,14 @@
               <a:t>&lt;&lt;interface&gt;&gt;</a:t>
             </a:r>
             <a:br>
-              <a:rPr lang="en-US" sz="1050" dirty="0" smtClean="0">
+              <a:rPr lang="en-US" sz="1050" dirty="0">
                 <a:solidFill>
                   <a:schemeClr val="bg1"/>
                 </a:solidFill>
               </a:rPr>
             </a:br>
             <a:r>
-              <a:rPr lang="en-US" sz="1050" dirty="0" err="1" smtClean="0">
+              <a:rPr lang="en-US" sz="1050" dirty="0" err="1">
                 <a:solidFill>
                   <a:schemeClr val="bg1"/>
                 </a:solidFill>
@@ -16492,30 +16466,22 @@
           <a:p>
             <a:pPr algn="ctr"/>
             <a:r>
-              <a:rPr lang="en-US" sz="1050" dirty="0" err="1" smtClean="0">
+              <a:rPr lang="en-US" sz="1050" dirty="0" err="1">
                 <a:solidFill>
                   <a:schemeClr val="bg1"/>
                 </a:solidFill>
               </a:rPr>
               <a:t>JsonUserPrefs</a:t>
             </a:r>
-            <a:r>
-              <a:rPr lang="en-US" sz="1050" dirty="0" smtClean="0">
-                <a:solidFill>
-                  <a:schemeClr val="bg1"/>
-                </a:solidFill>
-              </a:rPr>
-              <a:t/>
-            </a:r>
             <a:br>
-              <a:rPr lang="en-US" sz="1050" dirty="0" smtClean="0">
+              <a:rPr lang="en-US" sz="1050" dirty="0">
                 <a:solidFill>
                   <a:schemeClr val="bg1"/>
                 </a:solidFill>
               </a:rPr>
             </a:br>
             <a:r>
-              <a:rPr lang="en-US" sz="1050" dirty="0" smtClean="0">
+              <a:rPr lang="en-US" sz="1050" dirty="0">
                 <a:solidFill>
                   <a:schemeClr val="bg1"/>
                 </a:solidFill>
@@ -16567,7 +16533,7 @@
           <a:p>
             <a:pPr algn="ctr"/>
             <a:r>
-              <a:rPr lang="en-US" sz="1050" b="1" dirty="0" err="1" smtClean="0">
+              <a:rPr lang="en-US" sz="1050" b="1" dirty="0" err="1">
                 <a:solidFill>
                   <a:schemeClr val="accent6">
                     <a:lumMod val="75000"/>
@@ -16576,18 +16542,8 @@
               </a:rPr>
               <a:t>XmlSerializable</a:t>
             </a:r>
-            <a:r>
-              <a:rPr lang="en-US" sz="1050" b="1" dirty="0" smtClean="0">
-                <a:solidFill>
-                  <a:schemeClr val="accent6">
-                    <a:lumMod val="75000"/>
-                  </a:schemeClr>
-                </a:solidFill>
-              </a:rPr>
-              <a:t/>
-            </a:r>
             <a:br>
-              <a:rPr lang="en-US" sz="1050" b="1" dirty="0" smtClean="0">
+              <a:rPr lang="en-US" sz="1050" b="1" dirty="0">
                 <a:solidFill>
                   <a:schemeClr val="accent6">
                     <a:lumMod val="75000"/>
@@ -16596,7 +16552,7 @@
               </a:rPr>
             </a:br>
             <a:r>
-              <a:rPr lang="en-US" sz="1050" b="1" dirty="0" err="1" smtClean="0">
+              <a:rPr lang="en-US" sz="1050" b="1" dirty="0" err="1">
                 <a:solidFill>
                   <a:schemeClr val="accent6">
                     <a:lumMod val="75000"/>
@@ -16693,7 +16649,7 @@
           <a:p>
             <a:pPr algn="ctr"/>
             <a:r>
-              <a:rPr lang="en-US" sz="1050" b="1" dirty="0" err="1" smtClean="0">
+              <a:rPr lang="en-US" sz="1050" b="1" dirty="0" err="1">
                 <a:solidFill>
                   <a:schemeClr val="accent6">
                     <a:lumMod val="75000"/>
@@ -16749,7 +16705,7 @@
           <a:p>
             <a:pPr algn="ctr"/>
             <a:r>
-              <a:rPr lang="en-US" sz="1050" b="1" dirty="0" err="1" smtClean="0">
+              <a:rPr lang="en-US" sz="1050" b="1" dirty="0" err="1">
                 <a:solidFill>
                   <a:schemeClr val="accent6">
                     <a:lumMod val="75000"/>
@@ -16819,13 +16775,6 @@
   <p:clrMapOvr>
     <a:masterClrMapping/>
   </p:clrMapOvr>
-  <p:timing>
-    <p:tnLst>
-      <p:par>
-        <p:cTn id="1" dur="indefinite" restart="never" nodeType="tmRoot"/>
-      </p:par>
-    </p:tnLst>
-  </p:timing>
 </p:sld>
 </file>
 

--- a/docs/diagrams/Diagrams.pptx
+++ b/docs/diagrams/Diagrams.pptx
@@ -115,6 +115,22 @@
       </a:defRPr>
     </a:lvl9pPr>
   </p:defaultTextStyle>
+  <p:extLst>
+    <p:ext uri="{EFAFB233-063F-42B5-8137-9DF3F51BA10A}">
+      <p15:sldGuideLst xmlns:p15="http://schemas.microsoft.com/office/powerpoint/2012/main">
+        <p15:guide id="1" orient="horz" pos="1488">
+          <p15:clr>
+            <a:srgbClr val="A4A3A4"/>
+          </p15:clr>
+        </p15:guide>
+        <p15:guide id="2" pos="2880">
+          <p15:clr>
+            <a:srgbClr val="A4A3A4"/>
+          </p15:clr>
+        </p15:guide>
+      </p15:sldGuideLst>
+    </p:ext>
+  </p:extLst>
 </p:presentation>
 </file>
 
@@ -200,7 +216,7 @@
           <a:p>
             <a:fld id="{F5CC4B3F-88C1-4FFA-B1B6-F41C21DC6924}" type="datetimeFigureOut">
               <a:rPr lang="en-US" smtClean="0"/>
-              <a:t>9/30/2016</a:t>
+              <a:t>10/10/2016</a:t>
             </a:fld>
             <a:endParaRPr lang="en-US"/>
           </a:p>
@@ -649,7 +665,7 @@
           <a:p>
             <a:fld id="{78C97017-6FC3-485B-9764-EAC9E56C1D49}" type="datetimeFigureOut">
               <a:rPr lang="en-US" smtClean="0"/>
-              <a:t>9/30/2016</a:t>
+              <a:t>10/10/2016</a:t>
             </a:fld>
             <a:endParaRPr lang="en-US"/>
           </a:p>
@@ -819,7 +835,7 @@
           <a:p>
             <a:fld id="{78C97017-6FC3-485B-9764-EAC9E56C1D49}" type="datetimeFigureOut">
               <a:rPr lang="en-US" smtClean="0"/>
-              <a:t>9/30/2016</a:t>
+              <a:t>10/10/2016</a:t>
             </a:fld>
             <a:endParaRPr lang="en-US"/>
           </a:p>
@@ -999,7 +1015,7 @@
           <a:p>
             <a:fld id="{78C97017-6FC3-485B-9764-EAC9E56C1D49}" type="datetimeFigureOut">
               <a:rPr lang="en-US" smtClean="0"/>
-              <a:t>9/30/2016</a:t>
+              <a:t>10/10/2016</a:t>
             </a:fld>
             <a:endParaRPr lang="en-US"/>
           </a:p>
@@ -1169,7 +1185,7 @@
           <a:p>
             <a:fld id="{78C97017-6FC3-485B-9764-EAC9E56C1D49}" type="datetimeFigureOut">
               <a:rPr lang="en-US" smtClean="0"/>
-              <a:t>9/30/2016</a:t>
+              <a:t>10/10/2016</a:t>
             </a:fld>
             <a:endParaRPr lang="en-US"/>
           </a:p>
@@ -1415,7 +1431,7 @@
           <a:p>
             <a:fld id="{78C97017-6FC3-485B-9764-EAC9E56C1D49}" type="datetimeFigureOut">
               <a:rPr lang="en-US" smtClean="0"/>
-              <a:t>9/30/2016</a:t>
+              <a:t>10/10/2016</a:t>
             </a:fld>
             <a:endParaRPr lang="en-US"/>
           </a:p>
@@ -1703,7 +1719,7 @@
           <a:p>
             <a:fld id="{78C97017-6FC3-485B-9764-EAC9E56C1D49}" type="datetimeFigureOut">
               <a:rPr lang="en-US" smtClean="0"/>
-              <a:t>9/30/2016</a:t>
+              <a:t>10/10/2016</a:t>
             </a:fld>
             <a:endParaRPr lang="en-US"/>
           </a:p>
@@ -2125,7 +2141,7 @@
           <a:p>
             <a:fld id="{78C97017-6FC3-485B-9764-EAC9E56C1D49}" type="datetimeFigureOut">
               <a:rPr lang="en-US" smtClean="0"/>
-              <a:t>9/30/2016</a:t>
+              <a:t>10/10/2016</a:t>
             </a:fld>
             <a:endParaRPr lang="en-US"/>
           </a:p>
@@ -2243,7 +2259,7 @@
           <a:p>
             <a:fld id="{78C97017-6FC3-485B-9764-EAC9E56C1D49}" type="datetimeFigureOut">
               <a:rPr lang="en-US" smtClean="0"/>
-              <a:t>9/30/2016</a:t>
+              <a:t>10/10/2016</a:t>
             </a:fld>
             <a:endParaRPr lang="en-US"/>
           </a:p>
@@ -2338,7 +2354,7 @@
           <a:p>
             <a:fld id="{78C97017-6FC3-485B-9764-EAC9E56C1D49}" type="datetimeFigureOut">
               <a:rPr lang="en-US" smtClean="0"/>
-              <a:t>9/30/2016</a:t>
+              <a:t>10/10/2016</a:t>
             </a:fld>
             <a:endParaRPr lang="en-US"/>
           </a:p>
@@ -2615,7 +2631,7 @@
           <a:p>
             <a:fld id="{78C97017-6FC3-485B-9764-EAC9E56C1D49}" type="datetimeFigureOut">
               <a:rPr lang="en-US" smtClean="0"/>
-              <a:t>9/30/2016</a:t>
+              <a:t>10/10/2016</a:t>
             </a:fld>
             <a:endParaRPr lang="en-US"/>
           </a:p>
@@ -2868,7 +2884,7 @@
           <a:p>
             <a:fld id="{78C97017-6FC3-485B-9764-EAC9E56C1D49}" type="datetimeFigureOut">
               <a:rPr lang="en-US" smtClean="0"/>
-              <a:t>9/30/2016</a:t>
+              <a:t>10/10/2016</a:t>
             </a:fld>
             <a:endParaRPr lang="en-US"/>
           </a:p>
@@ -3081,7 +3097,7 @@
           <a:p>
             <a:fld id="{78C97017-6FC3-485B-9764-EAC9E56C1D49}" type="datetimeFigureOut">
               <a:rPr lang="en-US" smtClean="0"/>
-              <a:t>9/30/2016</a:t>
+              <a:t>10/10/2016</a:t>
             </a:fld>
             <a:endParaRPr lang="en-US"/>
           </a:p>
@@ -7975,66 +7991,6 @@
       </p:sp>
       <p:sp>
         <p:nvSpPr>
-          <p:cNvPr id="34" name="Rectangle 11"/>
-          <p:cNvSpPr/>
-          <p:nvPr/>
-        </p:nvSpPr>
-        <p:spPr>
-          <a:xfrm>
-            <a:off x="2592528" y="3649359"/>
-            <a:ext cx="1093635" cy="236841"/>
-          </a:xfrm>
-          <a:prstGeom prst="rect">
-            <a:avLst/>
-          </a:prstGeom>
-          <a:ln w="19050">
-            <a:solidFill>
-              <a:schemeClr val="accent3"/>
-            </a:solidFill>
-          </a:ln>
-          <a:effectLst/>
-        </p:spPr>
-        <p:style>
-          <a:lnRef idx="1">
-            <a:schemeClr val="accent3"/>
-          </a:lnRef>
-          <a:fillRef idx="2">
-            <a:schemeClr val="accent3"/>
-          </a:fillRef>
-          <a:effectRef idx="1">
-            <a:schemeClr val="accent3"/>
-          </a:effectRef>
-          <a:fontRef idx="minor">
-            <a:schemeClr val="dk1"/>
-          </a:fontRef>
-        </p:style>
-        <p:txBody>
-          <a:bodyPr rtlCol="0" anchor="ctr"/>
-          <a:lstStyle/>
-          <a:p>
-            <a:pPr algn="ctr"/>
-            <a:r>
-              <a:rPr lang="en-US" sz="1050" b="1" dirty="0" err="1">
-                <a:solidFill>
-                  <a:schemeClr val="accent3">
-                    <a:lumMod val="75000"/>
-                  </a:schemeClr>
-                </a:solidFill>
-              </a:rPr>
-              <a:t>BrowserPanel</a:t>
-            </a:r>
-            <a:endParaRPr lang="en-SG" sz="1050" b="1" dirty="0">
-              <a:solidFill>
-                <a:schemeClr val="accent3">
-                  <a:lumMod val="75000"/>
-                </a:schemeClr>
-              </a:solidFill>
-            </a:endParaRPr>
-          </a:p>
-        </p:txBody>
-      </p:sp>
-      <p:sp>
-        <p:nvSpPr>
           <p:cNvPr id="35" name="Rectangle 11"/>
           <p:cNvSpPr/>
           <p:nvPr/>
@@ -8134,14 +8090,14 @@
           <a:p>
             <a:pPr algn="ctr"/>
             <a:r>
-              <a:rPr lang="en-US" sz="1050" b="1" dirty="0" err="1">
+              <a:rPr lang="en-US" sz="1050" b="1" dirty="0" err="1" smtClean="0">
                 <a:solidFill>
                   <a:schemeClr val="accent3">
                     <a:lumMod val="75000"/>
                   </a:schemeClr>
                 </a:solidFill>
               </a:rPr>
-              <a:t>PersonListPanel</a:t>
+              <a:t>TaskListPanel</a:t>
             </a:r>
             <a:endParaRPr lang="en-SG" sz="1050" b="1" dirty="0">
               <a:solidFill>
@@ -8194,14 +8150,14 @@
           <a:p>
             <a:pPr algn="ctr"/>
             <a:r>
-              <a:rPr lang="en-US" sz="1050" b="1" dirty="0" err="1">
+              <a:rPr lang="en-US" sz="1050" b="1" dirty="0" err="1" smtClean="0">
                 <a:solidFill>
                   <a:schemeClr val="accent3">
                     <a:lumMod val="75000"/>
                   </a:schemeClr>
                 </a:solidFill>
               </a:rPr>
-              <a:t>PersonCard</a:t>
+              <a:t>TaskCard</a:t>
             </a:r>
             <a:endParaRPr lang="en-SG" sz="1050" b="1" dirty="0">
               <a:solidFill>
@@ -8422,47 +8378,6 @@
           </a:p>
         </p:txBody>
       </p:sp>
-      <p:cxnSp>
-        <p:nvCxnSpPr>
-          <p:cNvPr id="44" name="Elbow Connector 63"/>
-          <p:cNvCxnSpPr>
-            <a:stCxn id="39" idx="2"/>
-            <a:endCxn id="34" idx="1"/>
-          </p:cNvCxnSpPr>
-          <p:nvPr/>
-        </p:nvCxnSpPr>
-        <p:spPr>
-          <a:xfrm rot="16200000" flipH="1">
-            <a:off x="2054450" y="3229701"/>
-            <a:ext cx="899755" cy="176402"/>
-          </a:xfrm>
-          <a:prstGeom prst="bentConnector2">
-            <a:avLst/>
-          </a:prstGeom>
-          <a:ln w="19050">
-            <a:solidFill>
-              <a:schemeClr val="accent3"/>
-            </a:solidFill>
-            <a:headEnd type="none" w="med" len="med"/>
-            <a:tailEnd type="arrow" w="med" len="med"/>
-          </a:ln>
-          <a:effectLst/>
-        </p:spPr>
-        <p:style>
-          <a:lnRef idx="1">
-            <a:schemeClr val="accent2"/>
-          </a:lnRef>
-          <a:fillRef idx="2">
-            <a:schemeClr val="accent2"/>
-          </a:fillRef>
-          <a:effectRef idx="1">
-            <a:schemeClr val="accent2"/>
-          </a:effectRef>
-          <a:fontRef idx="minor">
-            <a:schemeClr val="dk1"/>
-          </a:fontRef>
-        </p:style>
-      </p:cxnSp>
       <p:cxnSp>
         <p:nvCxnSpPr>
           <p:cNvPr id="47" name="Elbow Connector 63"/>
@@ -8718,47 +8633,6 @@
           <a:xfrm rot="5400000">
             <a:off x="4174488" y="2991741"/>
             <a:ext cx="2061222" cy="649740"/>
-          </a:xfrm>
-          <a:prstGeom prst="bentConnector2">
-            <a:avLst/>
-          </a:prstGeom>
-          <a:ln w="6350">
-            <a:solidFill>
-              <a:schemeClr val="accent3"/>
-            </a:solidFill>
-            <a:headEnd type="none" w="med" len="med"/>
-            <a:tailEnd type="none" w="med" len="med"/>
-          </a:ln>
-          <a:effectLst/>
-        </p:spPr>
-        <p:style>
-          <a:lnRef idx="1">
-            <a:schemeClr val="accent2"/>
-          </a:lnRef>
-          <a:fillRef idx="2">
-            <a:schemeClr val="accent2"/>
-          </a:fillRef>
-          <a:effectRef idx="1">
-            <a:schemeClr val="accent2"/>
-          </a:effectRef>
-          <a:fontRef idx="minor">
-            <a:schemeClr val="dk1"/>
-          </a:fontRef>
-        </p:style>
-      </p:cxnSp>
-      <p:cxnSp>
-        <p:nvCxnSpPr>
-          <p:cNvPr id="82" name="Elbow Connector 63"/>
-          <p:cNvCxnSpPr>
-            <a:stCxn id="16" idx="3"/>
-            <a:endCxn id="34" idx="3"/>
-          </p:cNvCxnSpPr>
-          <p:nvPr/>
-        </p:nvCxnSpPr>
-        <p:spPr>
-          <a:xfrm rot="5400000">
-            <a:off x="3867176" y="2104987"/>
-            <a:ext cx="1481780" cy="1843806"/>
           </a:xfrm>
           <a:prstGeom prst="bentConnector2">
             <a:avLst/>
@@ -9669,8 +9543,8 @@
         </p:nvSpPr>
         <p:spPr>
           <a:xfrm flipV="1">
-            <a:off x="4114799" y="4472708"/>
-            <a:ext cx="2642195" cy="101600"/>
+            <a:off x="4287130" y="4479334"/>
+            <a:ext cx="2469864" cy="94973"/>
           </a:xfrm>
           <a:custGeom>
             <a:avLst/>
@@ -12280,7 +12154,6 @@
               <a:rPr lang="en-US" dirty="0"/>
               <a:t>execute()</a:t>
             </a:r>
-            <a:endParaRPr lang="en-US" dirty="0"/>
           </a:p>
         </p:txBody>
       </p:sp>

--- a/docs/diagrams/Diagrams.pptx
+++ b/docs/diagrams/Diagrams.pptx
@@ -215,7 +215,7 @@
           <a:p>
             <a:fld id="{F5CC4B3F-88C1-4FFA-B1B6-F41C21DC6924}" type="datetimeFigureOut">
               <a:rPr lang="en-US" smtClean="0"/>
-              <a:t>10/9/2016</a:t>
+              <a:t>10/11/16</a:t>
             </a:fld>
             <a:endParaRPr lang="en-US"/>
           </a:p>
@@ -661,7 +661,7 @@
           <a:p>
             <a:fld id="{78C97017-6FC3-485B-9764-EAC9E56C1D49}" type="datetimeFigureOut">
               <a:rPr lang="en-US" smtClean="0"/>
-              <a:t>10/9/2016</a:t>
+              <a:t>10/11/16</a:t>
             </a:fld>
             <a:endParaRPr lang="en-US"/>
           </a:p>
@@ -829,7 +829,7 @@
           <a:p>
             <a:fld id="{78C97017-6FC3-485B-9764-EAC9E56C1D49}" type="datetimeFigureOut">
               <a:rPr lang="en-US" smtClean="0"/>
-              <a:t>10/9/2016</a:t>
+              <a:t>10/11/16</a:t>
             </a:fld>
             <a:endParaRPr lang="en-US"/>
           </a:p>
@@ -1007,7 +1007,7 @@
           <a:p>
             <a:fld id="{78C97017-6FC3-485B-9764-EAC9E56C1D49}" type="datetimeFigureOut">
               <a:rPr lang="en-US" smtClean="0"/>
-              <a:t>10/9/2016</a:t>
+              <a:t>10/11/16</a:t>
             </a:fld>
             <a:endParaRPr lang="en-US"/>
           </a:p>
@@ -1175,7 +1175,7 @@
           <a:p>
             <a:fld id="{78C97017-6FC3-485B-9764-EAC9E56C1D49}" type="datetimeFigureOut">
               <a:rPr lang="en-US" smtClean="0"/>
-              <a:t>10/9/2016</a:t>
+              <a:t>10/11/16</a:t>
             </a:fld>
             <a:endParaRPr lang="en-US"/>
           </a:p>
@@ -1420,7 +1420,7 @@
           <a:p>
             <a:fld id="{78C97017-6FC3-485B-9764-EAC9E56C1D49}" type="datetimeFigureOut">
               <a:rPr lang="en-US" smtClean="0"/>
-              <a:t>10/9/2016</a:t>
+              <a:t>10/11/16</a:t>
             </a:fld>
             <a:endParaRPr lang="en-US"/>
           </a:p>
@@ -1705,7 +1705,7 @@
           <a:p>
             <a:fld id="{78C97017-6FC3-485B-9764-EAC9E56C1D49}" type="datetimeFigureOut">
               <a:rPr lang="en-US" smtClean="0"/>
-              <a:t>10/9/2016</a:t>
+              <a:t>10/11/16</a:t>
             </a:fld>
             <a:endParaRPr lang="en-US"/>
           </a:p>
@@ -2124,7 +2124,7 @@
           <a:p>
             <a:fld id="{78C97017-6FC3-485B-9764-EAC9E56C1D49}" type="datetimeFigureOut">
               <a:rPr lang="en-US" smtClean="0"/>
-              <a:t>10/9/2016</a:t>
+              <a:t>10/11/16</a:t>
             </a:fld>
             <a:endParaRPr lang="en-US"/>
           </a:p>
@@ -2241,7 +2241,7 @@
           <a:p>
             <a:fld id="{78C97017-6FC3-485B-9764-EAC9E56C1D49}" type="datetimeFigureOut">
               <a:rPr lang="en-US" smtClean="0"/>
-              <a:t>10/9/2016</a:t>
+              <a:t>10/11/16</a:t>
             </a:fld>
             <a:endParaRPr lang="en-US"/>
           </a:p>
@@ -2336,7 +2336,7 @@
           <a:p>
             <a:fld id="{78C97017-6FC3-485B-9764-EAC9E56C1D49}" type="datetimeFigureOut">
               <a:rPr lang="en-US" smtClean="0"/>
-              <a:t>10/9/2016</a:t>
+              <a:t>10/11/16</a:t>
             </a:fld>
             <a:endParaRPr lang="en-US"/>
           </a:p>
@@ -2611,7 +2611,7 @@
           <a:p>
             <a:fld id="{78C97017-6FC3-485B-9764-EAC9E56C1D49}" type="datetimeFigureOut">
               <a:rPr lang="en-US" smtClean="0"/>
-              <a:t>10/9/2016</a:t>
+              <a:t>10/11/16</a:t>
             </a:fld>
             <a:endParaRPr lang="en-US"/>
           </a:p>
@@ -2863,7 +2863,7 @@
           <a:p>
             <a:fld id="{78C97017-6FC3-485B-9764-EAC9E56C1D49}" type="datetimeFigureOut">
               <a:rPr lang="en-US" smtClean="0"/>
-              <a:t>10/9/2016</a:t>
+              <a:t>10/11/16</a:t>
             </a:fld>
             <a:endParaRPr lang="en-US"/>
           </a:p>
@@ -3074,7 +3074,7 @@
           <a:p>
             <a:fld id="{78C97017-6FC3-485B-9764-EAC9E56C1D49}" type="datetimeFigureOut">
               <a:rPr lang="en-US" smtClean="0"/>
-              <a:t>10/9/2016</a:t>
+              <a:t>10/11/16</a:t>
             </a:fld>
             <a:endParaRPr lang="en-US"/>
           </a:p>
@@ -9714,8 +9714,8 @@
         </p:nvSpPr>
         <p:spPr>
           <a:xfrm>
-            <a:off x="1103085" y="2057399"/>
-            <a:ext cx="6288315" cy="2272167"/>
+            <a:off x="1103085" y="1219200"/>
+            <a:ext cx="7431315" cy="3110367"/>
           </a:xfrm>
           <a:prstGeom prst="roundRect">
             <a:avLst>
@@ -9834,7 +9834,7 @@
         </p:nvSpPr>
         <p:spPr>
           <a:xfrm flipH="1">
-            <a:off x="6180592" y="2648528"/>
+            <a:off x="7171113" y="2645680"/>
             <a:ext cx="1093635" cy="346760"/>
           </a:xfrm>
           <a:prstGeom prst="rect">
@@ -9867,12 +9867,20 @@
           <a:p>
             <a:pPr algn="ctr"/>
             <a:r>
-              <a:rPr lang="en-US" sz="1050" b="1" dirty="0" err="1">
+              <a:rPr lang="en-US" sz="1050" b="1" dirty="0" err="1" smtClean="0">
                 <a:solidFill>
                   <a:srgbClr val="0070C0"/>
                 </a:solidFill>
               </a:rPr>
-              <a:t>AddCommand</a:t>
+              <a:t>Clear</a:t>
+            </a:r>
+            <a:r>
+              <a:rPr lang="en-US" sz="1050" b="1" dirty="0" err="1" smtClean="0">
+                <a:solidFill>
+                  <a:srgbClr val="0070C0"/>
+                </a:solidFill>
+              </a:rPr>
+              <a:t>Command</a:t>
             </a:r>
             <a:endParaRPr lang="en-SG" sz="1050" b="1" dirty="0">
               <a:solidFill>
@@ -9956,7 +9964,7 @@
           </a:xfrm>
           <a:prstGeom prst="bentConnector3">
             <a:avLst>
-              <a:gd name="adj1" fmla="val -267"/>
+              <a:gd name="adj1" fmla="val 4908"/>
             </a:avLst>
           </a:prstGeom>
           <a:ln w="19050">
@@ -10084,7 +10092,7 @@
         <p:spPr>
           <a:xfrm>
             <a:off x="1103085" y="4548755"/>
-            <a:ext cx="6288315" cy="328045"/>
+            <a:ext cx="7431315" cy="328045"/>
           </a:xfrm>
           <a:prstGeom prst="roundRect">
             <a:avLst/>
@@ -10143,7 +10151,7 @@
         </p:nvSpPr>
         <p:spPr>
           <a:xfrm flipH="1">
-            <a:off x="6180592" y="3054928"/>
+            <a:off x="7171113" y="3052080"/>
             <a:ext cx="1093635" cy="346760"/>
           </a:xfrm>
           <a:prstGeom prst="rect">
@@ -10199,7 +10207,7 @@
         </p:nvSpPr>
         <p:spPr>
           <a:xfrm flipH="1">
-            <a:off x="6180590" y="3860800"/>
+            <a:off x="7171111" y="3857952"/>
             <a:ext cx="1093635" cy="346760"/>
           </a:xfrm>
           <a:prstGeom prst="rect">
@@ -10329,12 +10337,12 @@
         </p:nvCxnSpPr>
         <p:spPr>
           <a:xfrm rot="10800000" flipV="1">
-            <a:off x="5786402" y="2821908"/>
-            <a:ext cx="394190" cy="1079066"/>
+            <a:off x="5786403" y="2819060"/>
+            <a:ext cx="1384711" cy="1081914"/>
           </a:xfrm>
           <a:prstGeom prst="bentConnector3">
             <a:avLst>
-              <a:gd name="adj1" fmla="val 50000"/>
+              <a:gd name="adj1" fmla="val 32831"/>
             </a:avLst>
           </a:prstGeom>
           <a:ln w="19050">
@@ -10373,11 +10381,11 @@
         <p:spPr>
           <a:xfrm>
             <a:off x="5786402" y="3900974"/>
-            <a:ext cx="394188" cy="133206"/>
+            <a:ext cx="1384709" cy="130358"/>
           </a:xfrm>
           <a:prstGeom prst="bentConnector3">
             <a:avLst>
-              <a:gd name="adj1" fmla="val 50000"/>
+              <a:gd name="adj1" fmla="val 67169"/>
             </a:avLst>
           </a:prstGeom>
           <a:ln w="19050">
@@ -10415,12 +10423,12 @@
         </p:nvCxnSpPr>
         <p:spPr>
           <a:xfrm flipV="1">
-            <a:off x="5786402" y="3228308"/>
-            <a:ext cx="394190" cy="672666"/>
+            <a:off x="5786402" y="3225460"/>
+            <a:ext cx="1384711" cy="675514"/>
           </a:xfrm>
           <a:prstGeom prst="bentConnector3">
             <a:avLst>
-              <a:gd name="adj1" fmla="val 50000"/>
+              <a:gd name="adj1" fmla="val 67169"/>
             </a:avLst>
           </a:prstGeom>
           <a:ln w="19050">
@@ -11311,7 +11319,7 @@
         </p:nvSpPr>
         <p:spPr>
           <a:xfrm flipH="1">
-            <a:off x="6185390" y="3458098"/>
+            <a:off x="7175911" y="3455250"/>
             <a:ext cx="1093635" cy="346760"/>
           </a:xfrm>
           <a:prstGeom prst="rect">
@@ -11385,8 +11393,200 @@
         </p:nvCxnSpPr>
         <p:spPr>
           <a:xfrm flipV="1">
-            <a:off x="5786402" y="3631478"/>
-            <a:ext cx="398988" cy="269496"/>
+            <a:off x="5786402" y="3628630"/>
+            <a:ext cx="1389509" cy="272344"/>
+          </a:xfrm>
+          <a:prstGeom prst="bentConnector3">
+            <a:avLst>
+              <a:gd name="adj1" fmla="val 67110"/>
+            </a:avLst>
+          </a:prstGeom>
+          <a:ln w="19050">
+            <a:solidFill>
+              <a:srgbClr val="0070C0"/>
+            </a:solidFill>
+            <a:headEnd type="none" w="med" len="med"/>
+            <a:tailEnd type="none" w="med" len="med"/>
+          </a:ln>
+          <a:effectLst/>
+        </p:spPr>
+        <p:style>
+          <a:lnRef idx="1">
+            <a:schemeClr val="accent2"/>
+          </a:lnRef>
+          <a:fillRef idx="2">
+            <a:schemeClr val="accent2"/>
+          </a:fillRef>
+          <a:effectRef idx="1">
+            <a:schemeClr val="accent2"/>
+          </a:effectRef>
+          <a:fontRef idx="minor">
+            <a:schemeClr val="dk1"/>
+          </a:fontRef>
+        </p:style>
+      </p:cxnSp>
+      <p:sp>
+        <p:nvSpPr>
+          <p:cNvPr id="46" name="Rectangle 62"/>
+          <p:cNvSpPr/>
+          <p:nvPr/>
+        </p:nvSpPr>
+        <p:spPr>
+          <a:xfrm>
+            <a:off x="5606081" y="1743665"/>
+            <a:ext cx="837741" cy="532799"/>
+          </a:xfrm>
+          <a:prstGeom prst="rect">
+            <a:avLst/>
+          </a:prstGeom>
+          <a:ln w="19050">
+            <a:solidFill>
+              <a:srgbClr val="0070C0"/>
+            </a:solidFill>
+          </a:ln>
+          <a:effectLst/>
+        </p:spPr>
+        <p:style>
+          <a:lnRef idx="1">
+            <a:schemeClr val="accent1"/>
+          </a:lnRef>
+          <a:fillRef idx="2">
+            <a:schemeClr val="accent1"/>
+          </a:fillRef>
+          <a:effectRef idx="1">
+            <a:schemeClr val="accent1"/>
+          </a:effectRef>
+          <a:fontRef idx="minor">
+            <a:schemeClr val="dk1"/>
+          </a:fontRef>
+        </p:style>
+        <p:txBody>
+          <a:bodyPr rtlCol="0" anchor="ctr"/>
+          <a:lstStyle/>
+          <a:p>
+            <a:pPr algn="ctr"/>
+            <a:r>
+              <a:rPr lang="en-US" sz="1050" b="1" dirty="0">
+                <a:solidFill>
+                  <a:srgbClr val="0070C0"/>
+                </a:solidFill>
+              </a:rPr>
+              <a:t>{abstract}</a:t>
+            </a:r>
+            <a:r>
+              <a:rPr lang="en-US" sz="1050" b="1">
+                <a:solidFill>
+                  <a:srgbClr val="0070C0"/>
+                </a:solidFill>
+              </a:rPr>
+              <a:t/>
+            </a:r>
+            <a:br>
+              <a:rPr lang="en-US" sz="1050" b="1">
+                <a:solidFill>
+                  <a:srgbClr val="0070C0"/>
+                </a:solidFill>
+              </a:rPr>
+            </a:br>
+            <a:r>
+              <a:rPr lang="en-US" sz="1050" b="1" smtClean="0">
+                <a:solidFill>
+                  <a:srgbClr val="0070C0"/>
+                </a:solidFill>
+              </a:rPr>
+              <a:t>Undoable</a:t>
+            </a:r>
+            <a:br>
+              <a:rPr lang="en-US" sz="1050" b="1" smtClean="0">
+                <a:solidFill>
+                  <a:srgbClr val="0070C0"/>
+                </a:solidFill>
+              </a:rPr>
+            </a:br>
+            <a:r>
+              <a:rPr lang="en-US" sz="1050" b="1" smtClean="0">
+                <a:solidFill>
+                  <a:srgbClr val="0070C0"/>
+                </a:solidFill>
+              </a:rPr>
+              <a:t>Command</a:t>
+            </a:r>
+            <a:endParaRPr lang="en-SG" sz="1050" b="1" dirty="0">
+              <a:solidFill>
+                <a:srgbClr val="0070C0"/>
+              </a:solidFill>
+            </a:endParaRPr>
+          </a:p>
+        </p:txBody>
+      </p:sp>
+      <p:sp>
+        <p:nvSpPr>
+          <p:cNvPr id="47" name="Rectangle 11"/>
+          <p:cNvSpPr/>
+          <p:nvPr/>
+        </p:nvSpPr>
+        <p:spPr>
+          <a:xfrm flipH="1">
+            <a:off x="7156635" y="1324714"/>
+            <a:ext cx="1106527" cy="346760"/>
+          </a:xfrm>
+          <a:prstGeom prst="rect">
+            <a:avLst/>
+          </a:prstGeom>
+          <a:ln w="19050">
+            <a:solidFill>
+              <a:srgbClr val="0070C0"/>
+            </a:solidFill>
+          </a:ln>
+          <a:effectLst/>
+        </p:spPr>
+        <p:style>
+          <a:lnRef idx="1">
+            <a:schemeClr val="accent1"/>
+          </a:lnRef>
+          <a:fillRef idx="2">
+            <a:schemeClr val="accent1"/>
+          </a:fillRef>
+          <a:effectRef idx="1">
+            <a:schemeClr val="accent1"/>
+          </a:effectRef>
+          <a:fontRef idx="minor">
+            <a:schemeClr val="dk1"/>
+          </a:fontRef>
+        </p:style>
+        <p:txBody>
+          <a:bodyPr rtlCol="0" anchor="ctr"/>
+          <a:lstStyle/>
+          <a:p>
+            <a:pPr algn="ctr"/>
+            <a:r>
+              <a:rPr lang="en-US" sz="1050" b="1" dirty="0" err="1" smtClean="0">
+                <a:solidFill>
+                  <a:srgbClr val="0070C0"/>
+                </a:solidFill>
+              </a:rPr>
+              <a:t>AddCommand</a:t>
+            </a:r>
+            <a:endParaRPr lang="en-SG" sz="1050" b="1" dirty="0">
+              <a:solidFill>
+                <a:srgbClr val="0070C0"/>
+              </a:solidFill>
+            </a:endParaRPr>
+          </a:p>
+        </p:txBody>
+      </p:sp>
+      <p:cxnSp>
+        <p:nvCxnSpPr>
+          <p:cNvPr id="53" name="Elbow Connector 63"/>
+          <p:cNvCxnSpPr>
+            <a:endCxn id="46" idx="2"/>
+          </p:cNvCxnSpPr>
+          <p:nvPr/>
+        </p:nvCxnSpPr>
+        <p:spPr>
+          <a:xfrm rot="16200000" flipV="1">
+            <a:off x="5210102" y="3091315"/>
+            <a:ext cx="1632861" cy="3160"/>
           </a:xfrm>
           <a:prstGeom prst="bentConnector3">
             <a:avLst>
@@ -11417,6 +11617,252 @@
           </a:fontRef>
         </p:style>
       </p:cxnSp>
+      <p:sp>
+        <p:nvSpPr>
+          <p:cNvPr id="58" name="Isosceles Triangle 102"/>
+          <p:cNvSpPr/>
+          <p:nvPr/>
+        </p:nvSpPr>
+        <p:spPr>
+          <a:xfrm rot="5400000" flipV="1">
+            <a:off x="6396332" y="1920646"/>
+            <a:ext cx="270504" cy="175523"/>
+          </a:xfrm>
+          <a:prstGeom prst="triangle">
+            <a:avLst/>
+          </a:prstGeom>
+          <a:ln w="19050">
+            <a:solidFill>
+              <a:srgbClr val="0070C0"/>
+            </a:solidFill>
+          </a:ln>
+          <a:effectLst/>
+        </p:spPr>
+        <p:style>
+          <a:lnRef idx="1">
+            <a:schemeClr val="accent1"/>
+          </a:lnRef>
+          <a:fillRef idx="2">
+            <a:schemeClr val="accent1"/>
+          </a:fillRef>
+          <a:effectRef idx="1">
+            <a:schemeClr val="accent1"/>
+          </a:effectRef>
+          <a:fontRef idx="minor">
+            <a:schemeClr val="dk1"/>
+          </a:fontRef>
+        </p:style>
+        <p:txBody>
+          <a:bodyPr rtlCol="0" anchor="ctr"/>
+          <a:lstStyle/>
+          <a:p>
+            <a:pPr algn="ctr"/>
+            <a:endParaRPr lang="en-SG" sz="1050" b="1">
+              <a:solidFill>
+                <a:srgbClr val="92D050"/>
+              </a:solidFill>
+            </a:endParaRPr>
+          </a:p>
+        </p:txBody>
+      </p:sp>
+      <p:sp>
+        <p:nvSpPr>
+          <p:cNvPr id="68" name="Rectangle 67"/>
+          <p:cNvSpPr/>
+          <p:nvPr/>
+        </p:nvSpPr>
+        <p:spPr>
+          <a:xfrm flipH="1">
+            <a:off x="7169528" y="2158012"/>
+            <a:ext cx="1093635" cy="346760"/>
+          </a:xfrm>
+          <a:prstGeom prst="rect">
+            <a:avLst/>
+          </a:prstGeom>
+          <a:ln w="19050">
+            <a:solidFill>
+              <a:srgbClr val="0070C0"/>
+            </a:solidFill>
+          </a:ln>
+          <a:effectLst/>
+        </p:spPr>
+        <p:style>
+          <a:lnRef idx="1">
+            <a:schemeClr val="accent1"/>
+          </a:lnRef>
+          <a:fillRef idx="2">
+            <a:schemeClr val="accent1"/>
+          </a:fillRef>
+          <a:effectRef idx="1">
+            <a:schemeClr val="accent1"/>
+          </a:effectRef>
+          <a:fontRef idx="minor">
+            <a:schemeClr val="dk1"/>
+          </a:fontRef>
+        </p:style>
+        <p:txBody>
+          <a:bodyPr rtlCol="0" anchor="ctr"/>
+          <a:lstStyle/>
+          <a:p>
+            <a:pPr algn="ctr"/>
+            <a:r>
+              <a:rPr lang="en-US" sz="1050" b="1" dirty="0">
+                <a:solidFill>
+                  <a:srgbClr val="0070C0"/>
+                </a:solidFill>
+              </a:rPr>
+              <a:t>…</a:t>
+            </a:r>
+            <a:endParaRPr lang="en-SG" sz="1050" b="1" dirty="0">
+              <a:solidFill>
+                <a:srgbClr val="0070C0"/>
+              </a:solidFill>
+            </a:endParaRPr>
+          </a:p>
+        </p:txBody>
+      </p:sp>
+      <p:cxnSp>
+        <p:nvCxnSpPr>
+          <p:cNvPr id="69" name="Elbow Connector 63"/>
+          <p:cNvCxnSpPr>
+            <a:stCxn id="47" idx="3"/>
+            <a:endCxn id="58" idx="3"/>
+          </p:cNvCxnSpPr>
+          <p:nvPr/>
+        </p:nvCxnSpPr>
+        <p:spPr>
+          <a:xfrm rot="10800000" flipV="1">
+            <a:off x="6619347" y="1498094"/>
+            <a:ext cx="537289" cy="510314"/>
+          </a:xfrm>
+          <a:prstGeom prst="bentConnector3">
+            <a:avLst>
+              <a:gd name="adj1" fmla="val 50000"/>
+            </a:avLst>
+          </a:prstGeom>
+          <a:ln w="19050">
+            <a:solidFill>
+              <a:srgbClr val="0070C0"/>
+            </a:solidFill>
+            <a:headEnd type="none" w="med" len="med"/>
+            <a:tailEnd type="none" w="med" len="med"/>
+          </a:ln>
+          <a:effectLst/>
+        </p:spPr>
+        <p:style>
+          <a:lnRef idx="1">
+            <a:schemeClr val="accent2"/>
+          </a:lnRef>
+          <a:fillRef idx="2">
+            <a:schemeClr val="accent2"/>
+          </a:fillRef>
+          <a:effectRef idx="1">
+            <a:schemeClr val="accent2"/>
+          </a:effectRef>
+          <a:fontRef idx="minor">
+            <a:schemeClr val="dk1"/>
+          </a:fontRef>
+        </p:style>
+      </p:cxnSp>
+      <p:cxnSp>
+        <p:nvCxnSpPr>
+          <p:cNvPr id="73" name="Elbow Connector 63"/>
+          <p:cNvCxnSpPr>
+            <a:stCxn id="68" idx="3"/>
+            <a:endCxn id="58" idx="3"/>
+          </p:cNvCxnSpPr>
+          <p:nvPr/>
+        </p:nvCxnSpPr>
+        <p:spPr>
+          <a:xfrm rot="10800000">
+            <a:off x="6619346" y="2008408"/>
+            <a:ext cx="550182" cy="322984"/>
+          </a:xfrm>
+          <a:prstGeom prst="bentConnector3">
+            <a:avLst>
+              <a:gd name="adj1" fmla="val 50000"/>
+            </a:avLst>
+          </a:prstGeom>
+          <a:ln w="19050">
+            <a:solidFill>
+              <a:srgbClr val="0070C0"/>
+            </a:solidFill>
+            <a:headEnd type="none" w="med" len="med"/>
+            <a:tailEnd type="none" w="med" len="med"/>
+          </a:ln>
+          <a:effectLst/>
+        </p:spPr>
+        <p:style>
+          <a:lnRef idx="1">
+            <a:schemeClr val="accent2"/>
+          </a:lnRef>
+          <a:fillRef idx="2">
+            <a:schemeClr val="accent2"/>
+          </a:fillRef>
+          <a:effectRef idx="1">
+            <a:schemeClr val="accent2"/>
+          </a:effectRef>
+          <a:fontRef idx="minor">
+            <a:schemeClr val="dk1"/>
+          </a:fontRef>
+        </p:style>
+      </p:cxnSp>
+      <p:sp>
+        <p:nvSpPr>
+          <p:cNvPr id="78" name="Rectangle 77"/>
+          <p:cNvSpPr/>
+          <p:nvPr/>
+        </p:nvSpPr>
+        <p:spPr>
+          <a:xfrm flipH="1">
+            <a:off x="7156634" y="1743796"/>
+            <a:ext cx="1112911" cy="346760"/>
+          </a:xfrm>
+          <a:prstGeom prst="rect">
+            <a:avLst/>
+          </a:prstGeom>
+          <a:ln w="19050">
+            <a:solidFill>
+              <a:srgbClr val="0070C0"/>
+            </a:solidFill>
+          </a:ln>
+          <a:effectLst/>
+        </p:spPr>
+        <p:style>
+          <a:lnRef idx="1">
+            <a:schemeClr val="accent1"/>
+          </a:lnRef>
+          <a:fillRef idx="2">
+            <a:schemeClr val="accent1"/>
+          </a:fillRef>
+          <a:effectRef idx="1">
+            <a:schemeClr val="accent1"/>
+          </a:effectRef>
+          <a:fontRef idx="minor">
+            <a:schemeClr val="dk1"/>
+          </a:fontRef>
+        </p:style>
+        <p:txBody>
+          <a:bodyPr rtlCol="0" anchor="ctr"/>
+          <a:lstStyle/>
+          <a:p>
+            <a:pPr algn="ctr"/>
+            <a:r>
+              <a:rPr lang="en-US" sz="1050" b="1" smtClean="0">
+                <a:solidFill>
+                  <a:srgbClr val="0070C0"/>
+                </a:solidFill>
+              </a:rPr>
+              <a:t>DeleteCommand</a:t>
+            </a:r>
+            <a:endParaRPr lang="en-SG" sz="1050" b="1" dirty="0">
+              <a:solidFill>
+                <a:srgbClr val="0070C0"/>
+              </a:solidFill>
+            </a:endParaRPr>
+          </a:p>
+        </p:txBody>
+      </p:sp>
     </p:spTree>
     <p:extLst>
       <p:ext uri="{BB962C8B-B14F-4D97-AF65-F5344CB8AC3E}">
@@ -14334,6 +14780,16 @@
               </a:rPr>
               <a:t>XmlTars</a:t>
             </a:r>
+            <a:r>
+              <a:rPr lang="en-US" sz="1050" b="1" dirty="0">
+                <a:solidFill>
+                  <a:schemeClr val="accent6">
+                    <a:lumMod val="75000"/>
+                  </a:schemeClr>
+                </a:solidFill>
+              </a:rPr>
+              <a:t/>
+            </a:r>
             <a:br>
               <a:rPr lang="en-US" sz="1050" b="1" dirty="0">
                 <a:solidFill>
@@ -14691,6 +15147,14 @@
               </a:rPr>
               <a:t>JsonUserPrefs</a:t>
             </a:r>
+            <a:r>
+              <a:rPr lang="en-US" sz="1050" dirty="0">
+                <a:solidFill>
+                  <a:schemeClr val="bg1"/>
+                </a:solidFill>
+              </a:rPr>
+              <a:t/>
+            </a:r>
             <a:br>
               <a:rPr lang="en-US" sz="1050" dirty="0">
                 <a:solidFill>
@@ -14759,6 +15223,16 @@
                 </a:solidFill>
               </a:rPr>
               <a:t>XmlSerializable</a:t>
+            </a:r>
+            <a:r>
+              <a:rPr lang="en-US" sz="1050" b="1" dirty="0">
+                <a:solidFill>
+                  <a:schemeClr val="accent6">
+                    <a:lumMod val="75000"/>
+                  </a:schemeClr>
+                </a:solidFill>
+              </a:rPr>
+              <a:t/>
             </a:r>
             <a:br>
               <a:rPr lang="en-US" sz="1050" b="1" dirty="0">

--- a/docs/diagrams/Diagrams.pptx
+++ b/docs/diagrams/Diagrams.pptx
@@ -115,6 +115,22 @@
       </a:defRPr>
     </a:lvl9pPr>
   </p:defaultTextStyle>
+  <p:extLst>
+    <p:ext uri="{EFAFB233-063F-42B5-8137-9DF3F51BA10A}">
+      <p15:sldGuideLst xmlns:p15="http://schemas.microsoft.com/office/powerpoint/2012/main">
+        <p15:guide id="1" orient="horz" pos="1488">
+          <p15:clr>
+            <a:srgbClr val="A4A3A4"/>
+          </p15:clr>
+        </p15:guide>
+        <p15:guide id="2" pos="2880">
+          <p15:clr>
+            <a:srgbClr val="A4A3A4"/>
+          </p15:clr>
+        </p15:guide>
+      </p15:sldGuideLst>
+    </p:ext>
+  </p:extLst>
 </p:presentation>
 </file>
 
@@ -200,7 +216,7 @@
           <a:p>
             <a:fld id="{F5CC4B3F-88C1-4FFA-B1B6-F41C21DC6924}" type="datetimeFigureOut">
               <a:rPr lang="en-US" smtClean="0"/>
-              <a:t>9/30/2016</a:t>
+              <a:t>10/12/16</a:t>
             </a:fld>
             <a:endParaRPr lang="en-US"/>
           </a:p>
@@ -649,7 +665,7 @@
           <a:p>
             <a:fld id="{78C97017-6FC3-485B-9764-EAC9E56C1D49}" type="datetimeFigureOut">
               <a:rPr lang="en-US" smtClean="0"/>
-              <a:t>9/30/2016</a:t>
+              <a:t>10/12/16</a:t>
             </a:fld>
             <a:endParaRPr lang="en-US"/>
           </a:p>
@@ -819,7 +835,7 @@
           <a:p>
             <a:fld id="{78C97017-6FC3-485B-9764-EAC9E56C1D49}" type="datetimeFigureOut">
               <a:rPr lang="en-US" smtClean="0"/>
-              <a:t>9/30/2016</a:t>
+              <a:t>10/12/16</a:t>
             </a:fld>
             <a:endParaRPr lang="en-US"/>
           </a:p>
@@ -999,7 +1015,7 @@
           <a:p>
             <a:fld id="{78C97017-6FC3-485B-9764-EAC9E56C1D49}" type="datetimeFigureOut">
               <a:rPr lang="en-US" smtClean="0"/>
-              <a:t>9/30/2016</a:t>
+              <a:t>10/12/16</a:t>
             </a:fld>
             <a:endParaRPr lang="en-US"/>
           </a:p>
@@ -1169,7 +1185,7 @@
           <a:p>
             <a:fld id="{78C97017-6FC3-485B-9764-EAC9E56C1D49}" type="datetimeFigureOut">
               <a:rPr lang="en-US" smtClean="0"/>
-              <a:t>9/30/2016</a:t>
+              <a:t>10/12/16</a:t>
             </a:fld>
             <a:endParaRPr lang="en-US"/>
           </a:p>
@@ -1415,7 +1431,7 @@
           <a:p>
             <a:fld id="{78C97017-6FC3-485B-9764-EAC9E56C1D49}" type="datetimeFigureOut">
               <a:rPr lang="en-US" smtClean="0"/>
-              <a:t>9/30/2016</a:t>
+              <a:t>10/12/16</a:t>
             </a:fld>
             <a:endParaRPr lang="en-US"/>
           </a:p>
@@ -1703,7 +1719,7 @@
           <a:p>
             <a:fld id="{78C97017-6FC3-485B-9764-EAC9E56C1D49}" type="datetimeFigureOut">
               <a:rPr lang="en-US" smtClean="0"/>
-              <a:t>9/30/2016</a:t>
+              <a:t>10/12/16</a:t>
             </a:fld>
             <a:endParaRPr lang="en-US"/>
           </a:p>
@@ -2125,7 +2141,7 @@
           <a:p>
             <a:fld id="{78C97017-6FC3-485B-9764-EAC9E56C1D49}" type="datetimeFigureOut">
               <a:rPr lang="en-US" smtClean="0"/>
-              <a:t>9/30/2016</a:t>
+              <a:t>10/12/16</a:t>
             </a:fld>
             <a:endParaRPr lang="en-US"/>
           </a:p>
@@ -2243,7 +2259,7 @@
           <a:p>
             <a:fld id="{78C97017-6FC3-485B-9764-EAC9E56C1D49}" type="datetimeFigureOut">
               <a:rPr lang="en-US" smtClean="0"/>
-              <a:t>9/30/2016</a:t>
+              <a:t>10/12/16</a:t>
             </a:fld>
             <a:endParaRPr lang="en-US"/>
           </a:p>
@@ -2338,7 +2354,7 @@
           <a:p>
             <a:fld id="{78C97017-6FC3-485B-9764-EAC9E56C1D49}" type="datetimeFigureOut">
               <a:rPr lang="en-US" smtClean="0"/>
-              <a:t>9/30/2016</a:t>
+              <a:t>10/12/16</a:t>
             </a:fld>
             <a:endParaRPr lang="en-US"/>
           </a:p>
@@ -2615,7 +2631,7 @@
           <a:p>
             <a:fld id="{78C97017-6FC3-485B-9764-EAC9E56C1D49}" type="datetimeFigureOut">
               <a:rPr lang="en-US" smtClean="0"/>
-              <a:t>9/30/2016</a:t>
+              <a:t>10/12/16</a:t>
             </a:fld>
             <a:endParaRPr lang="en-US"/>
           </a:p>
@@ -2868,7 +2884,7 @@
           <a:p>
             <a:fld id="{78C97017-6FC3-485B-9764-EAC9E56C1D49}" type="datetimeFigureOut">
               <a:rPr lang="en-US" smtClean="0"/>
-              <a:t>9/30/2016</a:t>
+              <a:t>10/12/16</a:t>
             </a:fld>
             <a:endParaRPr lang="en-US"/>
           </a:p>
@@ -3081,7 +3097,7 @@
           <a:p>
             <a:fld id="{78C97017-6FC3-485B-9764-EAC9E56C1D49}" type="datetimeFigureOut">
               <a:rPr lang="en-US" smtClean="0"/>
-              <a:t>9/30/2016</a:t>
+              <a:t>10/12/16</a:t>
             </a:fld>
             <a:endParaRPr lang="en-US"/>
           </a:p>
@@ -5753,7 +5769,7 @@
                   <a:srgbClr val="7030A0"/>
                 </a:solidFill>
               </a:rPr>
-              <a:t>deletePerson</a:t>
+              <a:t>deleteTask</a:t>
             </a:r>
             <a:r>
               <a:rPr lang="en-US" sz="1400" dirty="0" smtClean="0">
@@ -5761,7 +5777,7 @@
                   <a:srgbClr val="7030A0"/>
                 </a:solidFill>
               </a:rPr>
-              <a:t>(p)</a:t>
+              <a:t>(t)</a:t>
             </a:r>
             <a:endParaRPr lang="en-US" sz="1400" dirty="0">
               <a:solidFill>
@@ -5811,7 +5827,7 @@
                   </a:schemeClr>
                 </a:solidFill>
               </a:rPr>
-              <a:t>AddressBookChangedEvent</a:t>
+              <a:t>ToDoListChangedEvent</a:t>
             </a:r>
             <a:r>
               <a:rPr lang="en-US" sz="1400" dirty="0" smtClean="0">
@@ -6385,7 +6401,7 @@
                   </a:schemeClr>
                 </a:solidFill>
               </a:rPr>
-              <a:t>AddressBookChangedEvent</a:t>
+              <a:t>ToDoListChangedEvent</a:t>
             </a:r>
             <a:r>
               <a:rPr lang="en-US" sz="1400" dirty="0" smtClean="0">
@@ -6757,7 +6773,7 @@
                   </a:schemeClr>
                 </a:solidFill>
               </a:rPr>
-              <a:t>handleAddresssBookChangedEvent</a:t>
+              <a:t>handleToDoListChangedEvent</a:t>
             </a:r>
             <a:r>
               <a:rPr lang="en-US" sz="1400" dirty="0" smtClean="0">
@@ -7068,7 +7084,7 @@
                   <a:srgbClr val="00B050"/>
                 </a:solidFill>
               </a:rPr>
-              <a:t>handleAddresssBookChangedEvent</a:t>
+              <a:t>handleToDoListChangedEvent</a:t>
             </a:r>
             <a:r>
               <a:rPr lang="en-US" sz="1400" dirty="0" smtClean="0">
@@ -8134,14 +8150,14 @@
           <a:p>
             <a:pPr algn="ctr"/>
             <a:r>
-              <a:rPr lang="en-US" sz="1050" b="1" dirty="0" err="1">
+              <a:rPr lang="en-US" sz="1050" b="1" dirty="0" err="1" smtClean="0">
                 <a:solidFill>
                   <a:schemeClr val="accent3">
                     <a:lumMod val="75000"/>
                   </a:schemeClr>
                 </a:solidFill>
               </a:rPr>
-              <a:t>PersonListPanel</a:t>
+              <a:t>TaskListPanel</a:t>
             </a:r>
             <a:endParaRPr lang="en-SG" sz="1050" b="1" dirty="0">
               <a:solidFill>
@@ -8194,14 +8210,24 @@
           <a:p>
             <a:pPr algn="ctr"/>
             <a:r>
-              <a:rPr lang="en-US" sz="1050" b="1" dirty="0" err="1">
+              <a:rPr lang="en-US" sz="1050" b="1" smtClean="0">
                 <a:solidFill>
                   <a:schemeClr val="accent3">
                     <a:lumMod val="75000"/>
                   </a:schemeClr>
                 </a:solidFill>
               </a:rPr>
-              <a:t>PersonCard</a:t>
+              <a:t>Task</a:t>
+            </a:r>
+            <a:r>
+              <a:rPr lang="en-US" sz="1050" b="1" smtClean="0">
+                <a:solidFill>
+                  <a:schemeClr val="accent3">
+                    <a:lumMod val="75000"/>
+                  </a:schemeClr>
+                </a:solidFill>
+              </a:rPr>
+              <a:t>Card</a:t>
             </a:r>
             <a:endParaRPr lang="en-SG" sz="1050" b="1" dirty="0">
               <a:solidFill>
@@ -10250,12 +10276,12 @@
           <a:p>
             <a:pPr algn="ctr"/>
             <a:r>
-              <a:rPr lang="en-US" sz="1050" b="1" dirty="0" err="1">
+              <a:rPr lang="en-US" sz="1050" b="1" dirty="0" err="1" smtClean="0">
                 <a:solidFill>
                   <a:srgbClr val="0070C0"/>
                 </a:solidFill>
               </a:rPr>
-              <a:t>ListCommand</a:t>
+              <a:t>SeeCommand</a:t>
             </a:r>
             <a:endParaRPr lang="en-SG" sz="1050" b="1" dirty="0">
               <a:solidFill>
@@ -12280,7 +12306,6 @@
               <a:rPr lang="en-US" dirty="0"/>
               <a:t>execute()</a:t>
             </a:r>
-            <a:endParaRPr lang="en-US" dirty="0"/>
           </a:p>
         </p:txBody>
       </p:sp>
@@ -12766,7 +12791,7 @@
         </p:nvSpPr>
         <p:spPr>
           <a:xfrm>
-            <a:off x="6858000" y="4278848"/>
+            <a:off x="6739539" y="4284931"/>
             <a:ext cx="1424846" cy="215444"/>
           </a:xfrm>
           <a:prstGeom prst="rect">
@@ -12792,12 +12817,12 @@
           </a:lstStyle>
           <a:p>
             <a:r>
-              <a:rPr lang="en-US" dirty="0" err="1" smtClean="0">
+              <a:rPr lang="en-US" smtClean="0">
                 <a:solidFill>
                   <a:srgbClr val="7030A0"/>
                 </a:solidFill>
               </a:rPr>
-              <a:t>deletePerson</a:t>
+              <a:t>deleteTask</a:t>
             </a:r>
             <a:r>
               <a:rPr lang="en-US" dirty="0" smtClean="0">
@@ -12805,7 +12830,7 @@
                   <a:srgbClr val="7030A0"/>
                 </a:solidFill>
               </a:rPr>
-              <a:t>(p)</a:t>
+              <a:t>(t)</a:t>
             </a:r>
             <a:endParaRPr lang="en-US" dirty="0">
               <a:solidFill>
@@ -13936,7 +13961,7 @@
                   <a:srgbClr val="7030A0"/>
                 </a:solidFill>
               </a:rPr>
-              <a:t>AddressBook</a:t>
+              <a:t>ToDoList</a:t>
             </a:r>
             <a:endParaRPr lang="en-SG" sz="1050" dirty="0">
               <a:solidFill>
@@ -14078,7 +14103,7 @@
                   <a:srgbClr val="7030A0"/>
                 </a:solidFill>
               </a:rPr>
-              <a:t>UniquePersonList</a:t>
+              <a:t>UniqueTaskList</a:t>
             </a:r>
             <a:endParaRPr lang="en-SG" sz="1050" dirty="0">
               <a:solidFill>
@@ -14321,7 +14346,7 @@
                   <a:srgbClr val="7030A0"/>
                 </a:solidFill>
               </a:rPr>
-              <a:t>Person</a:t>
+              <a:t>Task</a:t>
             </a:r>
             <a:endParaRPr lang="en-SG" sz="1050" dirty="0">
               <a:solidFill>
@@ -14620,7 +14645,7 @@
                   <a:srgbClr val="7030A0"/>
                 </a:solidFill>
               </a:rPr>
-              <a:t>ReadOnlyPerson</a:t>
+              <a:t>ReadOnlyTask</a:t>
             </a:r>
             <a:endParaRPr lang="en-SG" sz="1050" dirty="0">
               <a:solidFill>
@@ -14820,7 +14845,7 @@
                   <a:srgbClr val="7030A0"/>
                 </a:solidFill>
               </a:rPr>
-              <a:t>Phone</a:t>
+              <a:t>Detail</a:t>
             </a:r>
             <a:endParaRPr lang="en-SG" sz="1050" dirty="0">
               <a:solidFill>
@@ -14912,12 +14937,12 @@
           <a:p>
             <a:pPr algn="ctr"/>
             <a:r>
-              <a:rPr lang="en-US" sz="1050" dirty="0" smtClean="0">
+              <a:rPr lang="en-SG" sz="1050" dirty="0" err="1" smtClean="0">
                 <a:solidFill>
                   <a:srgbClr val="7030A0"/>
                 </a:solidFill>
               </a:rPr>
-              <a:t>Email</a:t>
+              <a:t>OnDate</a:t>
             </a:r>
             <a:endParaRPr lang="en-SG" sz="1050" dirty="0">
               <a:solidFill>
@@ -15009,12 +15034,12 @@
           <a:p>
             <a:pPr algn="ctr"/>
             <a:r>
-              <a:rPr lang="en-US" sz="1050" dirty="0" smtClean="0">
+              <a:rPr lang="en-US" sz="1050" dirty="0" err="1" smtClean="0">
                 <a:solidFill>
                   <a:srgbClr val="7030A0"/>
                 </a:solidFill>
               </a:rPr>
-              <a:t>Address</a:t>
+              <a:t>ByDate</a:t>
             </a:r>
             <a:endParaRPr lang="en-SG" sz="1050" dirty="0">
               <a:solidFill>
@@ -15217,7 +15242,7 @@
                   <a:srgbClr val="7030A0"/>
                 </a:solidFill>
               </a:rPr>
-              <a:t>ReadOnlyAddressBook</a:t>
+              <a:t>ReadOnlyToDoList</a:t>
             </a:r>
             <a:endParaRPr lang="en-SG" sz="1050" dirty="0">
               <a:solidFill>
@@ -15557,7 +15582,7 @@
                   <a:schemeClr val="bg1"/>
                 </a:solidFill>
               </a:rPr>
-              <a:t>AddressBookStorage</a:t>
+              <a:t>ToDoListStorage</a:t>
             </a:r>
             <a:endParaRPr lang="en-SG" sz="1050" dirty="0">
               <a:solidFill>
@@ -16130,7 +16155,7 @@
                   </a:schemeClr>
                 </a:solidFill>
               </a:rPr>
-              <a:t>XmlAddressBook</a:t>
+              <a:t>XmlToDoList</a:t>
             </a:r>
             <a:r>
               <a:rPr lang="en-US" sz="1050" b="1" dirty="0" smtClean="0">
@@ -16603,7 +16628,7 @@
                   </a:schemeClr>
                 </a:solidFill>
               </a:rPr>
-              <a:t>AddressBook</a:t>
+              <a:t>ToDoList</a:t>
             </a:r>
             <a:endParaRPr lang="en-SG" sz="1050" b="1" dirty="0">
               <a:solidFill>
@@ -16756,7 +16781,7 @@
                   </a:schemeClr>
                 </a:solidFill>
               </a:rPr>
-              <a:t>XmlAdaptedPerson</a:t>
+              <a:t>XmlAdaptedTask</a:t>
             </a:r>
             <a:endParaRPr lang="en-SG" sz="1050" b="1" dirty="0">
               <a:solidFill>

--- a/docs/diagrams/Diagrams.pptx
+++ b/docs/diagrams/Diagrams.pptx
@@ -5764,20 +5764,12 @@
           <a:lstStyle/>
           <a:p>
             <a:r>
-              <a:rPr lang="en-US" sz="1400" dirty="0" err="1" smtClean="0">
-                <a:solidFill>
-                  <a:srgbClr val="7030A0"/>
-                </a:solidFill>
-              </a:rPr>
-              <a:t>deleteTask</a:t>
-            </a:r>
-            <a:r>
               <a:rPr lang="en-US" sz="1400" dirty="0" smtClean="0">
                 <a:solidFill>
                   <a:srgbClr val="7030A0"/>
                 </a:solidFill>
               </a:rPr>
-              <a:t>(t)</a:t>
+              <a:t>deleteTask(t)</a:t>
             </a:r>
             <a:endParaRPr lang="en-US" sz="1400" dirty="0">
               <a:solidFill>
@@ -5817,18 +5809,544 @@
                   </a:schemeClr>
                 </a:solidFill>
               </a:rPr>
-              <a:t>post(</a:t>
-            </a:r>
-            <a:r>
-              <a:rPr lang="en-US" sz="1400" dirty="0" err="1" smtClean="0">
+              <a:t>post(ToDoListChangedEvent)</a:t>
+            </a:r>
+            <a:endParaRPr lang="en-US" sz="1400" dirty="0">
+              <a:solidFill>
+                <a:schemeClr val="accent5">
+                  <a:lumMod val="75000"/>
+                </a:schemeClr>
+              </a:solidFill>
+            </a:endParaRPr>
+          </a:p>
+        </p:txBody>
+      </p:sp>
+      <p:cxnSp>
+        <p:nvCxnSpPr>
+          <p:cNvPr id="34" name="Straight Arrow Connector 33"/>
+          <p:cNvCxnSpPr/>
+          <p:nvPr/>
+        </p:nvCxnSpPr>
+        <p:spPr>
+          <a:xfrm>
+            <a:off x="3954408" y="2190681"/>
+            <a:ext cx="1837184" cy="0"/>
+          </a:xfrm>
+          <a:prstGeom prst="straightConnector1">
+            <a:avLst/>
+          </a:prstGeom>
+          <a:ln w="19050">
+            <a:solidFill>
+              <a:srgbClr val="7030A0"/>
+            </a:solidFill>
+            <a:prstDash val="sysDash"/>
+            <a:headEnd type="arrow" w="med" len="med"/>
+            <a:tailEnd type="none" w="med" len="med"/>
+          </a:ln>
+        </p:spPr>
+        <p:style>
+          <a:lnRef idx="1">
+            <a:schemeClr val="accent1"/>
+          </a:lnRef>
+          <a:fillRef idx="0">
+            <a:schemeClr val="accent1"/>
+          </a:fillRef>
+          <a:effectRef idx="0">
+            <a:schemeClr val="accent1"/>
+          </a:effectRef>
+          <a:fontRef idx="minor">
+            <a:schemeClr val="tx1"/>
+          </a:fontRef>
+        </p:style>
+      </p:cxnSp>
+      <p:cxnSp>
+        <p:nvCxnSpPr>
+          <p:cNvPr id="35" name="Straight Arrow Connector 34"/>
+          <p:cNvCxnSpPr/>
+          <p:nvPr/>
+        </p:nvCxnSpPr>
+        <p:spPr>
+          <a:xfrm>
+            <a:off x="1739069" y="2266002"/>
+            <a:ext cx="2058118" cy="0"/>
+          </a:xfrm>
+          <a:prstGeom prst="straightConnector1">
+            <a:avLst/>
+          </a:prstGeom>
+          <a:ln w="19050">
+            <a:solidFill>
+              <a:srgbClr val="0070C0"/>
+            </a:solidFill>
+            <a:prstDash val="sysDash"/>
+            <a:headEnd type="arrow" w="med" len="med"/>
+            <a:tailEnd type="none" w="med" len="med"/>
+          </a:ln>
+        </p:spPr>
+        <p:style>
+          <a:lnRef idx="1">
+            <a:schemeClr val="accent1"/>
+          </a:lnRef>
+          <a:fillRef idx="0">
+            <a:schemeClr val="accent1"/>
+          </a:fillRef>
+          <a:effectRef idx="0">
+            <a:schemeClr val="accent1"/>
+          </a:effectRef>
+          <a:fontRef idx="minor">
+            <a:schemeClr val="tx1"/>
+          </a:fontRef>
+        </p:style>
+      </p:cxnSp>
+      <p:cxnSp>
+        <p:nvCxnSpPr>
+          <p:cNvPr id="37" name="Straight Arrow Connector 36"/>
+          <p:cNvCxnSpPr/>
+          <p:nvPr/>
+        </p:nvCxnSpPr>
+        <p:spPr>
+          <a:xfrm>
+            <a:off x="390618" y="2342202"/>
+            <a:ext cx="1196051" cy="0"/>
+          </a:xfrm>
+          <a:prstGeom prst="straightConnector1">
+            <a:avLst/>
+          </a:prstGeom>
+          <a:ln w="19050">
+            <a:solidFill>
+              <a:srgbClr val="00B050"/>
+            </a:solidFill>
+            <a:prstDash val="sysDash"/>
+            <a:headEnd type="arrow" w="med" len="med"/>
+            <a:tailEnd type="none" w="med" len="med"/>
+          </a:ln>
+        </p:spPr>
+        <p:style>
+          <a:lnRef idx="1">
+            <a:schemeClr val="accent1"/>
+          </a:lnRef>
+          <a:fillRef idx="0">
+            <a:schemeClr val="accent1"/>
+          </a:fillRef>
+          <a:effectRef idx="0">
+            <a:schemeClr val="accent1"/>
+          </a:effectRef>
+          <a:fontRef idx="minor">
+            <a:schemeClr val="tx1"/>
+          </a:fontRef>
+        </p:style>
+      </p:cxnSp>
+      <p:sp>
+        <p:nvSpPr>
+          <p:cNvPr id="39" name="Rectangle 62"/>
+          <p:cNvSpPr/>
+          <p:nvPr/>
+        </p:nvSpPr>
+        <p:spPr>
+          <a:xfrm>
+            <a:off x="7696200" y="591251"/>
+            <a:ext cx="1371600" cy="346760"/>
+          </a:xfrm>
+          <a:prstGeom prst="rect">
+            <a:avLst/>
+          </a:prstGeom>
+          <a:solidFill>
+            <a:schemeClr val="accent5">
+              <a:lumMod val="75000"/>
+            </a:schemeClr>
+          </a:solidFill>
+          <a:ln w="19050">
+            <a:solidFill>
+              <a:schemeClr val="accent5">
+                <a:lumMod val="75000"/>
+              </a:schemeClr>
+            </a:solidFill>
+          </a:ln>
+          <a:effectLst/>
+        </p:spPr>
+        <p:style>
+          <a:lnRef idx="1">
+            <a:schemeClr val="accent2"/>
+          </a:lnRef>
+          <a:fillRef idx="2">
+            <a:schemeClr val="accent2"/>
+          </a:fillRef>
+          <a:effectRef idx="1">
+            <a:schemeClr val="accent2"/>
+          </a:effectRef>
+          <a:fontRef idx="minor">
+            <a:schemeClr val="dk1"/>
+          </a:fontRef>
+        </p:style>
+        <p:txBody>
+          <a:bodyPr rtlCol="0" anchor="ctr"/>
+          <a:lstStyle/>
+          <a:p>
+            <a:pPr algn="ctr"/>
+            <a:r>
+              <a:rPr lang="en-US" sz="1600" dirty="0" smtClean="0">
                 <a:solidFill>
-                  <a:schemeClr val="accent5">
-                    <a:lumMod val="75000"/>
-                  </a:schemeClr>
+                  <a:schemeClr val="bg1"/>
                 </a:solidFill>
               </a:rPr>
-              <a:t>ToDoListChangedEvent</a:t>
-            </a:r>
+              <a:t>:EventsCenter</a:t>
+            </a:r>
+            <a:endParaRPr lang="en-SG" sz="1600" dirty="0">
+              <a:solidFill>
+                <a:schemeClr val="bg1"/>
+              </a:solidFill>
+            </a:endParaRPr>
+          </a:p>
+        </p:txBody>
+      </p:sp>
+      <p:cxnSp>
+        <p:nvCxnSpPr>
+          <p:cNvPr id="40" name="Straight Connector 39"/>
+          <p:cNvCxnSpPr/>
+          <p:nvPr/>
+        </p:nvCxnSpPr>
+        <p:spPr>
+          <a:xfrm>
+            <a:off x="8616802" y="944305"/>
+            <a:ext cx="0" cy="1723059"/>
+          </a:xfrm>
+          <a:prstGeom prst="line">
+            <a:avLst/>
+          </a:prstGeom>
+          <a:ln w="19050">
+            <a:solidFill>
+              <a:schemeClr val="accent5">
+                <a:lumMod val="75000"/>
+              </a:schemeClr>
+            </a:solidFill>
+            <a:prstDash val="sysDash"/>
+          </a:ln>
+          <a:effectLst/>
+        </p:spPr>
+        <p:style>
+          <a:lnRef idx="1">
+            <a:schemeClr val="accent1"/>
+          </a:lnRef>
+          <a:fillRef idx="2">
+            <a:schemeClr val="accent1"/>
+          </a:fillRef>
+          <a:effectRef idx="1">
+            <a:schemeClr val="accent1"/>
+          </a:effectRef>
+          <a:fontRef idx="minor">
+            <a:schemeClr val="dk1"/>
+          </a:fontRef>
+        </p:style>
+      </p:cxnSp>
+      <p:sp>
+        <p:nvSpPr>
+          <p:cNvPr id="41" name="Rectangle 40"/>
+          <p:cNvSpPr/>
+          <p:nvPr/>
+        </p:nvSpPr>
+        <p:spPr>
+          <a:xfrm>
+            <a:off x="8544794" y="1961202"/>
+            <a:ext cx="142006" cy="176787"/>
+          </a:xfrm>
+          <a:prstGeom prst="rect">
+            <a:avLst/>
+          </a:prstGeom>
+          <a:solidFill>
+            <a:schemeClr val="accent5">
+              <a:lumMod val="75000"/>
+            </a:schemeClr>
+          </a:solidFill>
+          <a:ln>
+            <a:solidFill>
+              <a:schemeClr val="accent5">
+                <a:lumMod val="75000"/>
+              </a:schemeClr>
+            </a:solidFill>
+          </a:ln>
+          <a:effectLst/>
+        </p:spPr>
+        <p:style>
+          <a:lnRef idx="1">
+            <a:schemeClr val="accent3"/>
+          </a:lnRef>
+          <a:fillRef idx="2">
+            <a:schemeClr val="accent3"/>
+          </a:fillRef>
+          <a:effectRef idx="1">
+            <a:schemeClr val="accent3"/>
+          </a:effectRef>
+          <a:fontRef idx="minor">
+            <a:schemeClr val="dk1"/>
+          </a:fontRef>
+        </p:style>
+        <p:txBody>
+          <a:bodyPr rtlCol="0" anchor="ctr"/>
+          <a:lstStyle/>
+          <a:p>
+            <a:pPr algn="ctr"/>
+            <a:endParaRPr lang="en-SG" sz="1400">
+              <a:solidFill>
+                <a:schemeClr val="dk1"/>
+              </a:solidFill>
+            </a:endParaRPr>
+          </a:p>
+        </p:txBody>
+      </p:sp>
+      <p:cxnSp>
+        <p:nvCxnSpPr>
+          <p:cNvPr id="42" name="Straight Arrow Connector 41"/>
+          <p:cNvCxnSpPr/>
+          <p:nvPr/>
+        </p:nvCxnSpPr>
+        <p:spPr>
+          <a:xfrm>
+            <a:off x="5943992" y="1961202"/>
+            <a:ext cx="2568438" cy="0"/>
+          </a:xfrm>
+          <a:prstGeom prst="straightConnector1">
+            <a:avLst/>
+          </a:prstGeom>
+          <a:ln w="19050">
+            <a:solidFill>
+              <a:srgbClr val="7030A0"/>
+            </a:solidFill>
+            <a:tailEnd type="arrow"/>
+          </a:ln>
+        </p:spPr>
+        <p:style>
+          <a:lnRef idx="1">
+            <a:schemeClr val="accent1"/>
+          </a:lnRef>
+          <a:fillRef idx="0">
+            <a:schemeClr val="accent1"/>
+          </a:fillRef>
+          <a:effectRef idx="0">
+            <a:schemeClr val="accent1"/>
+          </a:effectRef>
+          <a:fontRef idx="minor">
+            <a:schemeClr val="tx1"/>
+          </a:fontRef>
+        </p:style>
+      </p:cxnSp>
+      <p:cxnSp>
+        <p:nvCxnSpPr>
+          <p:cNvPr id="44" name="Straight Arrow Connector 43"/>
+          <p:cNvCxnSpPr/>
+          <p:nvPr/>
+        </p:nvCxnSpPr>
+        <p:spPr>
+          <a:xfrm>
+            <a:off x="5943992" y="2137989"/>
+            <a:ext cx="2549946" cy="0"/>
+          </a:xfrm>
+          <a:prstGeom prst="straightConnector1">
+            <a:avLst/>
+          </a:prstGeom>
+          <a:ln w="19050">
+            <a:solidFill>
+              <a:schemeClr val="accent5">
+                <a:lumMod val="75000"/>
+              </a:schemeClr>
+            </a:solidFill>
+            <a:prstDash val="sysDash"/>
+            <a:headEnd type="arrow" w="med" len="med"/>
+            <a:tailEnd type="none" w="med" len="med"/>
+          </a:ln>
+        </p:spPr>
+        <p:style>
+          <a:lnRef idx="1">
+            <a:schemeClr val="accent1"/>
+          </a:lnRef>
+          <a:fillRef idx="0">
+            <a:schemeClr val="accent1"/>
+          </a:fillRef>
+          <a:effectRef idx="0">
+            <a:schemeClr val="accent1"/>
+          </a:effectRef>
+          <a:fontRef idx="minor">
+            <a:schemeClr val="tx1"/>
+          </a:fontRef>
+        </p:style>
+      </p:cxnSp>
+      <p:sp>
+        <p:nvSpPr>
+          <p:cNvPr id="53" name="Rectangle 62"/>
+          <p:cNvSpPr/>
+          <p:nvPr/>
+        </p:nvSpPr>
+        <p:spPr>
+          <a:xfrm>
+            <a:off x="7370178" y="4278322"/>
+            <a:ext cx="1093635" cy="346760"/>
+          </a:xfrm>
+          <a:prstGeom prst="rect">
+            <a:avLst/>
+          </a:prstGeom>
+          <a:solidFill>
+            <a:schemeClr val="accent6">
+              <a:lumMod val="75000"/>
+            </a:schemeClr>
+          </a:solidFill>
+          <a:ln w="19050">
+            <a:solidFill>
+              <a:schemeClr val="accent6">
+                <a:lumMod val="75000"/>
+              </a:schemeClr>
+            </a:solidFill>
+          </a:ln>
+          <a:effectLst/>
+        </p:spPr>
+        <p:style>
+          <a:lnRef idx="1">
+            <a:schemeClr val="accent2"/>
+          </a:lnRef>
+          <a:fillRef idx="2">
+            <a:schemeClr val="accent2"/>
+          </a:fillRef>
+          <a:effectRef idx="1">
+            <a:schemeClr val="accent2"/>
+          </a:effectRef>
+          <a:fontRef idx="minor">
+            <a:schemeClr val="dk1"/>
+          </a:fontRef>
+        </p:style>
+        <p:txBody>
+          <a:bodyPr rtlCol="0" anchor="ctr"/>
+          <a:lstStyle/>
+          <a:p>
+            <a:pPr algn="ctr"/>
+            <a:r>
+              <a:rPr lang="en-US" sz="1600" dirty="0" smtClean="0">
+                <a:solidFill>
+                  <a:schemeClr val="bg1"/>
+                </a:solidFill>
+              </a:rPr>
+              <a:t>:Storage</a:t>
+            </a:r>
+            <a:endParaRPr lang="en-SG" sz="1600" dirty="0">
+              <a:solidFill>
+                <a:schemeClr val="bg1"/>
+              </a:solidFill>
+            </a:endParaRPr>
+          </a:p>
+        </p:txBody>
+      </p:sp>
+      <p:cxnSp>
+        <p:nvCxnSpPr>
+          <p:cNvPr id="54" name="Straight Connector 53"/>
+          <p:cNvCxnSpPr/>
+          <p:nvPr/>
+        </p:nvCxnSpPr>
+        <p:spPr>
+          <a:xfrm>
+            <a:off x="7916995" y="4641993"/>
+            <a:ext cx="0" cy="1723059"/>
+          </a:xfrm>
+          <a:prstGeom prst="line">
+            <a:avLst/>
+          </a:prstGeom>
+          <a:ln w="19050">
+            <a:solidFill>
+              <a:schemeClr val="accent6">
+                <a:lumMod val="75000"/>
+              </a:schemeClr>
+            </a:solidFill>
+            <a:prstDash val="sysDash"/>
+          </a:ln>
+          <a:effectLst/>
+        </p:spPr>
+        <p:style>
+          <a:lnRef idx="1">
+            <a:schemeClr val="accent1"/>
+          </a:lnRef>
+          <a:fillRef idx="2">
+            <a:schemeClr val="accent1"/>
+          </a:fillRef>
+          <a:effectRef idx="1">
+            <a:schemeClr val="accent1"/>
+          </a:effectRef>
+          <a:fontRef idx="minor">
+            <a:schemeClr val="dk1"/>
+          </a:fontRef>
+        </p:style>
+      </p:cxnSp>
+      <p:sp>
+        <p:nvSpPr>
+          <p:cNvPr id="55" name="Rectangle 54"/>
+          <p:cNvSpPr/>
+          <p:nvPr/>
+        </p:nvSpPr>
+        <p:spPr>
+          <a:xfrm>
+            <a:off x="7844987" y="5335662"/>
+            <a:ext cx="124478" cy="287409"/>
+          </a:xfrm>
+          <a:prstGeom prst="rect">
+            <a:avLst/>
+          </a:prstGeom>
+          <a:solidFill>
+            <a:schemeClr val="accent6">
+              <a:lumMod val="75000"/>
+            </a:schemeClr>
+          </a:solidFill>
+          <a:ln>
+            <a:solidFill>
+              <a:schemeClr val="accent6">
+                <a:lumMod val="75000"/>
+              </a:schemeClr>
+            </a:solidFill>
+          </a:ln>
+          <a:effectLst/>
+        </p:spPr>
+        <p:style>
+          <a:lnRef idx="1">
+            <a:schemeClr val="accent3"/>
+          </a:lnRef>
+          <a:fillRef idx="2">
+            <a:schemeClr val="accent3"/>
+          </a:fillRef>
+          <a:effectRef idx="1">
+            <a:schemeClr val="accent3"/>
+          </a:effectRef>
+          <a:fontRef idx="minor">
+            <a:schemeClr val="dk1"/>
+          </a:fontRef>
+        </p:style>
+        <p:txBody>
+          <a:bodyPr rtlCol="0" anchor="ctr"/>
+          <a:lstStyle/>
+          <a:p>
+            <a:pPr algn="ctr"/>
+            <a:endParaRPr lang="en-SG" sz="1400">
+              <a:solidFill>
+                <a:schemeClr val="dk1"/>
+              </a:solidFill>
+            </a:endParaRPr>
+          </a:p>
+        </p:txBody>
+      </p:sp>
+      <p:sp>
+        <p:nvSpPr>
+          <p:cNvPr id="62" name="TextBox 61"/>
+          <p:cNvSpPr txBox="1"/>
+          <p:nvPr/>
+        </p:nvSpPr>
+        <p:spPr>
+          <a:xfrm>
+            <a:off x="1810094" y="4797674"/>
+            <a:ext cx="2716635" cy="215444"/>
+          </a:xfrm>
+          <a:prstGeom prst="rect">
+            <a:avLst/>
+          </a:prstGeom>
+          <a:noFill/>
+        </p:spPr>
+        <p:txBody>
+          <a:bodyPr wrap="square" lIns="0" tIns="0" rIns="0" bIns="0" rtlCol="0">
+            <a:spAutoFit/>
+          </a:bodyPr>
+          <a:lstStyle/>
+          <a:p>
             <a:r>
               <a:rPr lang="en-US" sz="1400" dirty="0" smtClean="0">
                 <a:solidFill>
@@ -5837,7 +6355,7 @@
                   </a:schemeClr>
                 </a:solidFill>
               </a:rPr>
-              <a:t>)</a:t>
+              <a:t>post(ToDoListChangedEvent)</a:t>
             </a:r>
             <a:endParaRPr lang="en-US" sz="1400" dirty="0">
               <a:solidFill>
@@ -5851,25 +6369,27 @@
       </p:sp>
       <p:cxnSp>
         <p:nvCxnSpPr>
-          <p:cNvPr id="34" name="Straight Arrow Connector 33"/>
+          <p:cNvPr id="63" name="Straight Arrow Connector 62"/>
           <p:cNvCxnSpPr/>
           <p:nvPr/>
         </p:nvCxnSpPr>
         <p:spPr>
-          <a:xfrm>
-            <a:off x="3954408" y="2190681"/>
-            <a:ext cx="1837184" cy="0"/>
+          <a:xfrm flipH="1">
+            <a:off x="4526729" y="5623071"/>
+            <a:ext cx="3383941" cy="0"/>
           </a:xfrm>
           <a:prstGeom prst="straightConnector1">
             <a:avLst/>
           </a:prstGeom>
           <a:ln w="19050">
             <a:solidFill>
-              <a:srgbClr val="7030A0"/>
+              <a:schemeClr val="accent6">
+                <a:lumMod val="75000"/>
+              </a:schemeClr>
             </a:solidFill>
             <a:prstDash val="sysDash"/>
-            <a:headEnd type="arrow" w="med" len="med"/>
-            <a:tailEnd type="none" w="med" len="med"/>
+            <a:headEnd type="none" w="med" len="med"/>
+            <a:tailEnd type="arrow" w="med" len="med"/>
           </a:ln>
         </p:spPr>
         <p:style>
@@ -5887,91 +6407,15 @@
           </a:fontRef>
         </p:style>
       </p:cxnSp>
-      <p:cxnSp>
-        <p:nvCxnSpPr>
-          <p:cNvPr id="35" name="Straight Arrow Connector 34"/>
-          <p:cNvCxnSpPr/>
-          <p:nvPr/>
-        </p:nvCxnSpPr>
-        <p:spPr>
-          <a:xfrm>
-            <a:off x="1739069" y="2266002"/>
-            <a:ext cx="2058118" cy="0"/>
-          </a:xfrm>
-          <a:prstGeom prst="straightConnector1">
-            <a:avLst/>
-          </a:prstGeom>
-          <a:ln w="19050">
-            <a:solidFill>
-              <a:srgbClr val="0070C0"/>
-            </a:solidFill>
-            <a:prstDash val="sysDash"/>
-            <a:headEnd type="arrow" w="med" len="med"/>
-            <a:tailEnd type="none" w="med" len="med"/>
-          </a:ln>
-        </p:spPr>
-        <p:style>
-          <a:lnRef idx="1">
-            <a:schemeClr val="accent1"/>
-          </a:lnRef>
-          <a:fillRef idx="0">
-            <a:schemeClr val="accent1"/>
-          </a:fillRef>
-          <a:effectRef idx="0">
-            <a:schemeClr val="accent1"/>
-          </a:effectRef>
-          <a:fontRef idx="minor">
-            <a:schemeClr val="tx1"/>
-          </a:fontRef>
-        </p:style>
-      </p:cxnSp>
-      <p:cxnSp>
-        <p:nvCxnSpPr>
-          <p:cNvPr id="37" name="Straight Arrow Connector 36"/>
-          <p:cNvCxnSpPr/>
-          <p:nvPr/>
-        </p:nvCxnSpPr>
-        <p:spPr>
-          <a:xfrm>
-            <a:off x="390618" y="2342202"/>
-            <a:ext cx="1196051" cy="0"/>
-          </a:xfrm>
-          <a:prstGeom prst="straightConnector1">
-            <a:avLst/>
-          </a:prstGeom>
-          <a:ln w="19050">
-            <a:solidFill>
-              <a:srgbClr val="00B050"/>
-            </a:solidFill>
-            <a:prstDash val="sysDash"/>
-            <a:headEnd type="arrow" w="med" len="med"/>
-            <a:tailEnd type="none" w="med" len="med"/>
-          </a:ln>
-        </p:spPr>
-        <p:style>
-          <a:lnRef idx="1">
-            <a:schemeClr val="accent1"/>
-          </a:lnRef>
-          <a:fillRef idx="0">
-            <a:schemeClr val="accent1"/>
-          </a:fillRef>
-          <a:effectRef idx="0">
-            <a:schemeClr val="accent1"/>
-          </a:effectRef>
-          <a:fontRef idx="minor">
-            <a:schemeClr val="tx1"/>
-          </a:fontRef>
-        </p:style>
-      </p:cxnSp>
-      <p:sp>
-        <p:nvSpPr>
-          <p:cNvPr id="39" name="Rectangle 62"/>
+      <p:sp>
+        <p:nvSpPr>
+          <p:cNvPr id="66" name="Rectangle 62"/>
           <p:cNvSpPr/>
           <p:nvPr/>
         </p:nvSpPr>
         <p:spPr>
           <a:xfrm>
-            <a:off x="7696200" y="591251"/>
+            <a:off x="3791146" y="4295233"/>
             <a:ext cx="1371600" cy="346760"/>
           </a:xfrm>
           <a:prstGeom prst="rect">
@@ -6016,15 +6460,7 @@
                   <a:schemeClr val="bg1"/>
                 </a:solidFill>
               </a:rPr>
-              <a:t>:</a:t>
-            </a:r>
-            <a:r>
-              <a:rPr lang="en-US" sz="1600" dirty="0" err="1" smtClean="0">
-                <a:solidFill>
-                  <a:schemeClr val="bg1"/>
-                </a:solidFill>
-              </a:rPr>
-              <a:t>EventsCenter</a:t>
+              <a:t>:EventsCenter</a:t>
             </a:r>
             <a:endParaRPr lang="en-SG" sz="1600" dirty="0">
               <a:solidFill>
@@ -6036,13 +6472,13 @@
       </p:sp>
       <p:cxnSp>
         <p:nvCxnSpPr>
-          <p:cNvPr id="40" name="Straight Connector 39"/>
+          <p:cNvPr id="67" name="Straight Connector 66"/>
           <p:cNvCxnSpPr/>
           <p:nvPr/>
         </p:nvCxnSpPr>
         <p:spPr>
           <a:xfrm>
-            <a:off x="8616802" y="944305"/>
+            <a:off x="4456731" y="4648287"/>
             <a:ext cx="0" cy="1723059"/>
           </a:xfrm>
           <a:prstGeom prst="line">
@@ -6075,14 +6511,14 @@
       </p:cxnSp>
       <p:sp>
         <p:nvSpPr>
-          <p:cNvPr id="41" name="Rectangle 40"/>
+          <p:cNvPr id="68" name="Rectangle 67"/>
           <p:cNvSpPr/>
           <p:nvPr/>
         </p:nvSpPr>
         <p:spPr>
           <a:xfrm>
-            <a:off x="8544794" y="1961202"/>
-            <a:ext cx="142006" cy="176787"/>
+            <a:off x="4384723" y="5071220"/>
+            <a:ext cx="142006" cy="1036757"/>
           </a:xfrm>
           <a:prstGeom prst="rect">
             <a:avLst/>
@@ -6130,506 +6566,6 @@
       </p:sp>
       <p:cxnSp>
         <p:nvCxnSpPr>
-          <p:cNvPr id="42" name="Straight Arrow Connector 41"/>
-          <p:cNvCxnSpPr/>
-          <p:nvPr/>
-        </p:nvCxnSpPr>
-        <p:spPr>
-          <a:xfrm>
-            <a:off x="5943992" y="1961202"/>
-            <a:ext cx="2568438" cy="0"/>
-          </a:xfrm>
-          <a:prstGeom prst="straightConnector1">
-            <a:avLst/>
-          </a:prstGeom>
-          <a:ln w="19050">
-            <a:solidFill>
-              <a:srgbClr val="7030A0"/>
-            </a:solidFill>
-            <a:tailEnd type="arrow"/>
-          </a:ln>
-        </p:spPr>
-        <p:style>
-          <a:lnRef idx="1">
-            <a:schemeClr val="accent1"/>
-          </a:lnRef>
-          <a:fillRef idx="0">
-            <a:schemeClr val="accent1"/>
-          </a:fillRef>
-          <a:effectRef idx="0">
-            <a:schemeClr val="accent1"/>
-          </a:effectRef>
-          <a:fontRef idx="minor">
-            <a:schemeClr val="tx1"/>
-          </a:fontRef>
-        </p:style>
-      </p:cxnSp>
-      <p:cxnSp>
-        <p:nvCxnSpPr>
-          <p:cNvPr id="44" name="Straight Arrow Connector 43"/>
-          <p:cNvCxnSpPr/>
-          <p:nvPr/>
-        </p:nvCxnSpPr>
-        <p:spPr>
-          <a:xfrm>
-            <a:off x="5943992" y="2137989"/>
-            <a:ext cx="2549946" cy="0"/>
-          </a:xfrm>
-          <a:prstGeom prst="straightConnector1">
-            <a:avLst/>
-          </a:prstGeom>
-          <a:ln w="19050">
-            <a:solidFill>
-              <a:schemeClr val="accent5">
-                <a:lumMod val="75000"/>
-              </a:schemeClr>
-            </a:solidFill>
-            <a:prstDash val="sysDash"/>
-            <a:headEnd type="arrow" w="med" len="med"/>
-            <a:tailEnd type="none" w="med" len="med"/>
-          </a:ln>
-        </p:spPr>
-        <p:style>
-          <a:lnRef idx="1">
-            <a:schemeClr val="accent1"/>
-          </a:lnRef>
-          <a:fillRef idx="0">
-            <a:schemeClr val="accent1"/>
-          </a:fillRef>
-          <a:effectRef idx="0">
-            <a:schemeClr val="accent1"/>
-          </a:effectRef>
-          <a:fontRef idx="minor">
-            <a:schemeClr val="tx1"/>
-          </a:fontRef>
-        </p:style>
-      </p:cxnSp>
-      <p:sp>
-        <p:nvSpPr>
-          <p:cNvPr id="53" name="Rectangle 62"/>
-          <p:cNvSpPr/>
-          <p:nvPr/>
-        </p:nvSpPr>
-        <p:spPr>
-          <a:xfrm>
-            <a:off x="7370178" y="4278322"/>
-            <a:ext cx="1093635" cy="346760"/>
-          </a:xfrm>
-          <a:prstGeom prst="rect">
-            <a:avLst/>
-          </a:prstGeom>
-          <a:solidFill>
-            <a:schemeClr val="accent6">
-              <a:lumMod val="75000"/>
-            </a:schemeClr>
-          </a:solidFill>
-          <a:ln w="19050">
-            <a:solidFill>
-              <a:schemeClr val="accent6">
-                <a:lumMod val="75000"/>
-              </a:schemeClr>
-            </a:solidFill>
-          </a:ln>
-          <a:effectLst/>
-        </p:spPr>
-        <p:style>
-          <a:lnRef idx="1">
-            <a:schemeClr val="accent2"/>
-          </a:lnRef>
-          <a:fillRef idx="2">
-            <a:schemeClr val="accent2"/>
-          </a:fillRef>
-          <a:effectRef idx="1">
-            <a:schemeClr val="accent2"/>
-          </a:effectRef>
-          <a:fontRef idx="minor">
-            <a:schemeClr val="dk1"/>
-          </a:fontRef>
-        </p:style>
-        <p:txBody>
-          <a:bodyPr rtlCol="0" anchor="ctr"/>
-          <a:lstStyle/>
-          <a:p>
-            <a:pPr algn="ctr"/>
-            <a:r>
-              <a:rPr lang="en-US" sz="1600" dirty="0" smtClean="0">
-                <a:solidFill>
-                  <a:schemeClr val="bg1"/>
-                </a:solidFill>
-              </a:rPr>
-              <a:t>:Storage</a:t>
-            </a:r>
-            <a:endParaRPr lang="en-SG" sz="1600" dirty="0">
-              <a:solidFill>
-                <a:schemeClr val="bg1"/>
-              </a:solidFill>
-            </a:endParaRPr>
-          </a:p>
-        </p:txBody>
-      </p:sp>
-      <p:cxnSp>
-        <p:nvCxnSpPr>
-          <p:cNvPr id="54" name="Straight Connector 53"/>
-          <p:cNvCxnSpPr/>
-          <p:nvPr/>
-        </p:nvCxnSpPr>
-        <p:spPr>
-          <a:xfrm>
-            <a:off x="7916995" y="4641993"/>
-            <a:ext cx="0" cy="1723059"/>
-          </a:xfrm>
-          <a:prstGeom prst="line">
-            <a:avLst/>
-          </a:prstGeom>
-          <a:ln w="19050">
-            <a:solidFill>
-              <a:schemeClr val="accent6">
-                <a:lumMod val="75000"/>
-              </a:schemeClr>
-            </a:solidFill>
-            <a:prstDash val="sysDash"/>
-          </a:ln>
-          <a:effectLst/>
-        </p:spPr>
-        <p:style>
-          <a:lnRef idx="1">
-            <a:schemeClr val="accent1"/>
-          </a:lnRef>
-          <a:fillRef idx="2">
-            <a:schemeClr val="accent1"/>
-          </a:fillRef>
-          <a:effectRef idx="1">
-            <a:schemeClr val="accent1"/>
-          </a:effectRef>
-          <a:fontRef idx="minor">
-            <a:schemeClr val="dk1"/>
-          </a:fontRef>
-        </p:style>
-      </p:cxnSp>
-      <p:sp>
-        <p:nvSpPr>
-          <p:cNvPr id="55" name="Rectangle 54"/>
-          <p:cNvSpPr/>
-          <p:nvPr/>
-        </p:nvSpPr>
-        <p:spPr>
-          <a:xfrm>
-            <a:off x="7844987" y="5335662"/>
-            <a:ext cx="124478" cy="287409"/>
-          </a:xfrm>
-          <a:prstGeom prst="rect">
-            <a:avLst/>
-          </a:prstGeom>
-          <a:solidFill>
-            <a:schemeClr val="accent6">
-              <a:lumMod val="75000"/>
-            </a:schemeClr>
-          </a:solidFill>
-          <a:ln>
-            <a:solidFill>
-              <a:schemeClr val="accent6">
-                <a:lumMod val="75000"/>
-              </a:schemeClr>
-            </a:solidFill>
-          </a:ln>
-          <a:effectLst/>
-        </p:spPr>
-        <p:style>
-          <a:lnRef idx="1">
-            <a:schemeClr val="accent3"/>
-          </a:lnRef>
-          <a:fillRef idx="2">
-            <a:schemeClr val="accent3"/>
-          </a:fillRef>
-          <a:effectRef idx="1">
-            <a:schemeClr val="accent3"/>
-          </a:effectRef>
-          <a:fontRef idx="minor">
-            <a:schemeClr val="dk1"/>
-          </a:fontRef>
-        </p:style>
-        <p:txBody>
-          <a:bodyPr rtlCol="0" anchor="ctr"/>
-          <a:lstStyle/>
-          <a:p>
-            <a:pPr algn="ctr"/>
-            <a:endParaRPr lang="en-SG" sz="1400">
-              <a:solidFill>
-                <a:schemeClr val="dk1"/>
-              </a:solidFill>
-            </a:endParaRPr>
-          </a:p>
-        </p:txBody>
-      </p:sp>
-      <p:sp>
-        <p:nvSpPr>
-          <p:cNvPr id="62" name="TextBox 61"/>
-          <p:cNvSpPr txBox="1"/>
-          <p:nvPr/>
-        </p:nvSpPr>
-        <p:spPr>
-          <a:xfrm>
-            <a:off x="1810094" y="4797674"/>
-            <a:ext cx="2716635" cy="215444"/>
-          </a:xfrm>
-          <a:prstGeom prst="rect">
-            <a:avLst/>
-          </a:prstGeom>
-          <a:noFill/>
-        </p:spPr>
-        <p:txBody>
-          <a:bodyPr wrap="square" lIns="0" tIns="0" rIns="0" bIns="0" rtlCol="0">
-            <a:spAutoFit/>
-          </a:bodyPr>
-          <a:lstStyle/>
-          <a:p>
-            <a:r>
-              <a:rPr lang="en-US" sz="1400" dirty="0" smtClean="0">
-                <a:solidFill>
-                  <a:schemeClr val="accent5">
-                    <a:lumMod val="75000"/>
-                  </a:schemeClr>
-                </a:solidFill>
-              </a:rPr>
-              <a:t>post(</a:t>
-            </a:r>
-            <a:r>
-              <a:rPr lang="en-US" sz="1400" dirty="0" err="1" smtClean="0">
-                <a:solidFill>
-                  <a:schemeClr val="accent5">
-                    <a:lumMod val="75000"/>
-                  </a:schemeClr>
-                </a:solidFill>
-              </a:rPr>
-              <a:t>ToDoListChangedEvent</a:t>
-            </a:r>
-            <a:r>
-              <a:rPr lang="en-US" sz="1400" dirty="0" smtClean="0">
-                <a:solidFill>
-                  <a:schemeClr val="accent5">
-                    <a:lumMod val="75000"/>
-                  </a:schemeClr>
-                </a:solidFill>
-              </a:rPr>
-              <a:t>)</a:t>
-            </a:r>
-            <a:endParaRPr lang="en-US" sz="1400" dirty="0">
-              <a:solidFill>
-                <a:schemeClr val="accent5">
-                  <a:lumMod val="75000"/>
-                </a:schemeClr>
-              </a:solidFill>
-            </a:endParaRPr>
-          </a:p>
-        </p:txBody>
-      </p:sp>
-      <p:cxnSp>
-        <p:nvCxnSpPr>
-          <p:cNvPr id="63" name="Straight Arrow Connector 62"/>
-          <p:cNvCxnSpPr/>
-          <p:nvPr/>
-        </p:nvCxnSpPr>
-        <p:spPr>
-          <a:xfrm flipH="1">
-            <a:off x="4526729" y="5623071"/>
-            <a:ext cx="3383941" cy="0"/>
-          </a:xfrm>
-          <a:prstGeom prst="straightConnector1">
-            <a:avLst/>
-          </a:prstGeom>
-          <a:ln w="19050">
-            <a:solidFill>
-              <a:schemeClr val="accent6">
-                <a:lumMod val="75000"/>
-              </a:schemeClr>
-            </a:solidFill>
-            <a:prstDash val="sysDash"/>
-            <a:headEnd type="none" w="med" len="med"/>
-            <a:tailEnd type="arrow" w="med" len="med"/>
-          </a:ln>
-        </p:spPr>
-        <p:style>
-          <a:lnRef idx="1">
-            <a:schemeClr val="accent1"/>
-          </a:lnRef>
-          <a:fillRef idx="0">
-            <a:schemeClr val="accent1"/>
-          </a:fillRef>
-          <a:effectRef idx="0">
-            <a:schemeClr val="accent1"/>
-          </a:effectRef>
-          <a:fontRef idx="minor">
-            <a:schemeClr val="tx1"/>
-          </a:fontRef>
-        </p:style>
-      </p:cxnSp>
-      <p:sp>
-        <p:nvSpPr>
-          <p:cNvPr id="66" name="Rectangle 62"/>
-          <p:cNvSpPr/>
-          <p:nvPr/>
-        </p:nvSpPr>
-        <p:spPr>
-          <a:xfrm>
-            <a:off x="3791146" y="4295233"/>
-            <a:ext cx="1371600" cy="346760"/>
-          </a:xfrm>
-          <a:prstGeom prst="rect">
-            <a:avLst/>
-          </a:prstGeom>
-          <a:solidFill>
-            <a:schemeClr val="accent5">
-              <a:lumMod val="75000"/>
-            </a:schemeClr>
-          </a:solidFill>
-          <a:ln w="19050">
-            <a:solidFill>
-              <a:schemeClr val="accent5">
-                <a:lumMod val="75000"/>
-              </a:schemeClr>
-            </a:solidFill>
-          </a:ln>
-          <a:effectLst/>
-        </p:spPr>
-        <p:style>
-          <a:lnRef idx="1">
-            <a:schemeClr val="accent2"/>
-          </a:lnRef>
-          <a:fillRef idx="2">
-            <a:schemeClr val="accent2"/>
-          </a:fillRef>
-          <a:effectRef idx="1">
-            <a:schemeClr val="accent2"/>
-          </a:effectRef>
-          <a:fontRef idx="minor">
-            <a:schemeClr val="dk1"/>
-          </a:fontRef>
-        </p:style>
-        <p:txBody>
-          <a:bodyPr rtlCol="0" anchor="ctr"/>
-          <a:lstStyle/>
-          <a:p>
-            <a:pPr algn="ctr"/>
-            <a:r>
-              <a:rPr lang="en-US" sz="1600" dirty="0" smtClean="0">
-                <a:solidFill>
-                  <a:schemeClr val="bg1"/>
-                </a:solidFill>
-              </a:rPr>
-              <a:t>:</a:t>
-            </a:r>
-            <a:r>
-              <a:rPr lang="en-US" sz="1600" dirty="0" err="1" smtClean="0">
-                <a:solidFill>
-                  <a:schemeClr val="bg1"/>
-                </a:solidFill>
-              </a:rPr>
-              <a:t>EventsCenter</a:t>
-            </a:r>
-            <a:endParaRPr lang="en-SG" sz="1600" dirty="0">
-              <a:solidFill>
-                <a:schemeClr val="bg1"/>
-              </a:solidFill>
-            </a:endParaRPr>
-          </a:p>
-        </p:txBody>
-      </p:sp>
-      <p:cxnSp>
-        <p:nvCxnSpPr>
-          <p:cNvPr id="67" name="Straight Connector 66"/>
-          <p:cNvCxnSpPr/>
-          <p:nvPr/>
-        </p:nvCxnSpPr>
-        <p:spPr>
-          <a:xfrm>
-            <a:off x="4456731" y="4648287"/>
-            <a:ext cx="0" cy="1723059"/>
-          </a:xfrm>
-          <a:prstGeom prst="line">
-            <a:avLst/>
-          </a:prstGeom>
-          <a:ln w="19050">
-            <a:solidFill>
-              <a:schemeClr val="accent5">
-                <a:lumMod val="75000"/>
-              </a:schemeClr>
-            </a:solidFill>
-            <a:prstDash val="sysDash"/>
-          </a:ln>
-          <a:effectLst/>
-        </p:spPr>
-        <p:style>
-          <a:lnRef idx="1">
-            <a:schemeClr val="accent1"/>
-          </a:lnRef>
-          <a:fillRef idx="2">
-            <a:schemeClr val="accent1"/>
-          </a:fillRef>
-          <a:effectRef idx="1">
-            <a:schemeClr val="accent1"/>
-          </a:effectRef>
-          <a:fontRef idx="minor">
-            <a:schemeClr val="dk1"/>
-          </a:fontRef>
-        </p:style>
-      </p:cxnSp>
-      <p:sp>
-        <p:nvSpPr>
-          <p:cNvPr id="68" name="Rectangle 67"/>
-          <p:cNvSpPr/>
-          <p:nvPr/>
-        </p:nvSpPr>
-        <p:spPr>
-          <a:xfrm>
-            <a:off x="4384723" y="5071220"/>
-            <a:ext cx="142006" cy="1036757"/>
-          </a:xfrm>
-          <a:prstGeom prst="rect">
-            <a:avLst/>
-          </a:prstGeom>
-          <a:solidFill>
-            <a:schemeClr val="accent5">
-              <a:lumMod val="75000"/>
-            </a:schemeClr>
-          </a:solidFill>
-          <a:ln>
-            <a:solidFill>
-              <a:schemeClr val="accent5">
-                <a:lumMod val="75000"/>
-              </a:schemeClr>
-            </a:solidFill>
-          </a:ln>
-          <a:effectLst/>
-        </p:spPr>
-        <p:style>
-          <a:lnRef idx="1">
-            <a:schemeClr val="accent3"/>
-          </a:lnRef>
-          <a:fillRef idx="2">
-            <a:schemeClr val="accent3"/>
-          </a:fillRef>
-          <a:effectRef idx="1">
-            <a:schemeClr val="accent3"/>
-          </a:effectRef>
-          <a:fontRef idx="minor">
-            <a:schemeClr val="dk1"/>
-          </a:fontRef>
-        </p:style>
-        <p:txBody>
-          <a:bodyPr rtlCol="0" anchor="ctr"/>
-          <a:lstStyle/>
-          <a:p>
-            <a:pPr algn="ctr"/>
-            <a:endParaRPr lang="en-SG" sz="1400">
-              <a:solidFill>
-                <a:schemeClr val="dk1"/>
-              </a:solidFill>
-            </a:endParaRPr>
-          </a:p>
-        </p:txBody>
-      </p:sp>
-      <p:cxnSp>
-        <p:nvCxnSpPr>
           <p:cNvPr id="69" name="Straight Arrow Connector 68"/>
           <p:cNvCxnSpPr/>
           <p:nvPr/>
@@ -6765,16 +6701,6 @@
           </a:bodyPr>
           <a:lstStyle/>
           <a:p>
-            <a:r>
-              <a:rPr lang="en-US" sz="1400" dirty="0" err="1" smtClean="0">
-                <a:solidFill>
-                  <a:schemeClr val="accent6">
-                    <a:lumMod val="75000"/>
-                  </a:schemeClr>
-                </a:solidFill>
-              </a:rPr>
-              <a:t>handleToDoListChangedEvent</a:t>
-            </a:r>
             <a:r>
               <a:rPr lang="en-US" sz="1400" dirty="0" smtClean="0">
                 <a:solidFill>
@@ -6783,7 +6709,7 @@
                   </a:schemeClr>
                 </a:solidFill>
               </a:rPr>
-              <a:t>()</a:t>
+              <a:t>handleToDoListChangedEvent()</a:t>
             </a:r>
             <a:endParaRPr lang="en-US" sz="1400" dirty="0">
               <a:solidFill>
@@ -7079,20 +7005,12 @@
           <a:lstStyle/>
           <a:p>
             <a:r>
-              <a:rPr lang="en-US" sz="1400" dirty="0" err="1" smtClean="0">
-                <a:solidFill>
-                  <a:srgbClr val="00B050"/>
-                </a:solidFill>
-              </a:rPr>
-              <a:t>handleToDoListChangedEvent</a:t>
-            </a:r>
-            <a:r>
               <a:rPr lang="en-US" sz="1400" dirty="0" smtClean="0">
                 <a:solidFill>
                   <a:srgbClr val="00B050"/>
                 </a:solidFill>
               </a:rPr>
-              <a:t>()</a:t>
+              <a:t>handleToDoListChangedEvent()</a:t>
             </a:r>
             <a:endParaRPr lang="en-US" sz="1400" dirty="0">
               <a:solidFill>
@@ -7657,7 +7575,7 @@
           <a:p>
             <a:pPr algn="ctr"/>
             <a:r>
-              <a:rPr lang="en-US" sz="1050" b="1" dirty="0" err="1">
+              <a:rPr lang="en-US" sz="1050" b="1" dirty="0">
                 <a:solidFill>
                   <a:schemeClr val="accent3">
                     <a:lumMod val="75000"/>
@@ -7717,7 +7635,7 @@
           <a:p>
             <a:pPr algn="ctr"/>
             <a:r>
-              <a:rPr lang="en-US" sz="1050" b="1" dirty="0" err="1">
+              <a:rPr lang="en-US" sz="1050" b="1" dirty="0">
                 <a:solidFill>
                   <a:schemeClr val="accent3">
                     <a:lumMod val="75000"/>
@@ -7780,7 +7698,7 @@
           <a:p>
             <a:pPr algn="ctr"/>
             <a:r>
-              <a:rPr lang="en-US" sz="1050" dirty="0" err="1" smtClean="0">
+              <a:rPr lang="en-US" sz="1050" dirty="0" smtClean="0">
                 <a:solidFill>
                   <a:schemeClr val="bg1"/>
                 </a:solidFill>
@@ -8030,7 +7948,7 @@
           <a:p>
             <a:pPr algn="ctr"/>
             <a:r>
-              <a:rPr lang="en-US" sz="1050" b="1" dirty="0" err="1">
+              <a:rPr lang="en-US" sz="1050" b="1" dirty="0">
                 <a:solidFill>
                   <a:schemeClr val="accent3">
                     <a:lumMod val="75000"/>
@@ -8090,7 +8008,7 @@
           <a:p>
             <a:pPr algn="ctr"/>
             <a:r>
-              <a:rPr lang="en-US" sz="1050" b="1" dirty="0" err="1">
+              <a:rPr lang="en-US" sz="1050" b="1" dirty="0">
                 <a:solidFill>
                   <a:schemeClr val="accent3">
                     <a:lumMod val="75000"/>
@@ -8150,7 +8068,7 @@
           <a:p>
             <a:pPr algn="ctr"/>
             <a:r>
-              <a:rPr lang="en-US" sz="1050" b="1" dirty="0" err="1" smtClean="0">
+              <a:rPr lang="en-US" sz="1050" b="1" dirty="0" smtClean="0">
                 <a:solidFill>
                   <a:schemeClr val="accent3">
                     <a:lumMod val="75000"/>
@@ -8210,7 +8128,7 @@
           <a:p>
             <a:pPr algn="ctr"/>
             <a:r>
-              <a:rPr lang="en-US" sz="1050" b="1" smtClean="0">
+              <a:rPr lang="en-US" sz="1050" b="1" dirty="0" smtClean="0">
                 <a:solidFill>
                   <a:schemeClr val="accent3">
                     <a:lumMod val="75000"/>
@@ -8220,7 +8138,7 @@
               <a:t>Task</a:t>
             </a:r>
             <a:r>
-              <a:rPr lang="en-US" sz="1050" b="1" smtClean="0">
+              <a:rPr lang="en-US" sz="1050" b="1" dirty="0" smtClean="0">
                 <a:solidFill>
                   <a:schemeClr val="accent3">
                     <a:lumMod val="75000"/>
@@ -8280,7 +8198,7 @@
           <a:p>
             <a:pPr algn="ctr"/>
             <a:r>
-              <a:rPr lang="en-US" sz="1050" b="1" dirty="0" err="1">
+              <a:rPr lang="en-US" sz="1050" b="1" dirty="0">
                 <a:solidFill>
                   <a:schemeClr val="accent3">
                     <a:lumMod val="75000"/>
@@ -8429,7 +8347,7 @@
           <a:p>
             <a:pPr algn="ctr"/>
             <a:r>
-              <a:rPr lang="en-US" sz="1050" b="1" dirty="0" err="1">
+              <a:rPr lang="en-US" sz="1050" b="1" dirty="0">
                 <a:solidFill>
                   <a:schemeClr val="accent3">
                     <a:lumMod val="75000"/>
@@ -8671,7 +8589,7 @@
               </a:rPr>
             </a:br>
             <a:r>
-              <a:rPr lang="en-US" sz="1050" b="1" dirty="0" err="1" smtClean="0">
+              <a:rPr lang="en-US" sz="1050" b="1" dirty="0" smtClean="0">
                 <a:solidFill>
                   <a:schemeClr val="accent3">
                     <a:lumMod val="75000"/>
@@ -8980,7 +8898,7 @@
           <a:p>
             <a:pPr algn="ctr"/>
             <a:r>
-              <a:rPr lang="en-US" sz="1050" dirty="0" err="1">
+              <a:rPr lang="en-US" sz="1050" dirty="0">
                 <a:solidFill>
                   <a:schemeClr val="bg1"/>
                 </a:solidFill>
@@ -9230,7 +9148,7 @@
           <a:p>
             <a:pPr algn="ctr"/>
             <a:r>
-              <a:rPr lang="en-US" sz="1050" dirty="0" err="1" smtClean="0">
+              <a:rPr lang="en-US" sz="1050" dirty="0" smtClean="0">
                 <a:solidFill>
                   <a:schemeClr val="bg1"/>
                 </a:solidFill>
@@ -9911,7 +9829,7 @@
           <a:p>
             <a:pPr algn="ctr"/>
             <a:r>
-              <a:rPr lang="en-US" sz="1050" dirty="0" err="1">
+              <a:rPr lang="en-US" sz="1050" dirty="0">
                 <a:solidFill>
                   <a:schemeClr val="bg1"/>
                 </a:solidFill>
@@ -9967,7 +9885,7 @@
           <a:p>
             <a:pPr algn="ctr"/>
             <a:r>
-              <a:rPr lang="en-US" sz="1050" b="1" dirty="0" err="1">
+              <a:rPr lang="en-US" sz="1050" b="1" dirty="0">
                 <a:solidFill>
                   <a:srgbClr val="0070C0"/>
                 </a:solidFill>
@@ -10026,7 +9944,7 @@
           <a:p>
             <a:pPr algn="ctr"/>
             <a:r>
-              <a:rPr lang="en-US" sz="1050" dirty="0" err="1" smtClean="0">
+              <a:rPr lang="en-US" sz="1050" dirty="0" smtClean="0">
                 <a:solidFill>
                   <a:schemeClr val="bg1"/>
                 </a:solidFill>
@@ -10276,7 +10194,7 @@
           <a:p>
             <a:pPr algn="ctr"/>
             <a:r>
-              <a:rPr lang="en-US" sz="1050" b="1" dirty="0" err="1" smtClean="0">
+              <a:rPr lang="en-US" sz="1050" b="1" dirty="0" smtClean="0">
                 <a:solidFill>
                   <a:srgbClr val="0070C0"/>
                 </a:solidFill>
@@ -11705,15 +11623,7 @@
                   <a:schemeClr val="bg1"/>
                 </a:solidFill>
               </a:rPr>
-              <a:t>:</a:t>
-            </a:r>
-            <a:r>
-              <a:rPr lang="en-US" sz="1600" dirty="0" err="1">
-                <a:solidFill>
-                  <a:schemeClr val="bg1"/>
-                </a:solidFill>
-              </a:rPr>
-              <a:t>LogicManager</a:t>
+              <a:t>:LogicManager</a:t>
             </a:r>
             <a:endParaRPr lang="en-SG" sz="1600" dirty="0">
               <a:solidFill>
@@ -12817,20 +12727,12 @@
           </a:lstStyle>
           <a:p>
             <a:r>
-              <a:rPr lang="en-US" smtClean="0">
-                <a:solidFill>
-                  <a:srgbClr val="7030A0"/>
-                </a:solidFill>
-              </a:rPr>
-              <a:t>deleteTask</a:t>
-            </a:r>
-            <a:r>
               <a:rPr lang="en-US" dirty="0" smtClean="0">
                 <a:solidFill>
                   <a:srgbClr val="7030A0"/>
                 </a:solidFill>
               </a:rPr>
-              <a:t>(t)</a:t>
+              <a:t>deleteTask(t)</a:t>
             </a:r>
             <a:endParaRPr lang="en-US" dirty="0">
               <a:solidFill>
@@ -13063,7 +12965,7 @@
               </a:rPr>
             </a:br>
             <a:r>
-              <a:rPr lang="en-US" sz="1600" dirty="0" err="1" smtClean="0">
+              <a:rPr lang="en-US" sz="1600" dirty="0" smtClean="0">
                 <a:solidFill>
                   <a:schemeClr val="bg1"/>
                 </a:solidFill>
@@ -13375,7 +13277,7 @@
           <a:p>
             <a:pPr algn="ctr"/>
             <a:r>
-              <a:rPr lang="en-US" sz="1050" dirty="0" err="1" smtClean="0">
+              <a:rPr lang="en-US" sz="1050" dirty="0" smtClean="0">
                 <a:solidFill>
                   <a:schemeClr val="bg1"/>
                 </a:solidFill>
@@ -13434,7 +13336,7 @@
           <a:p>
             <a:pPr algn="ctr"/>
             <a:r>
-              <a:rPr lang="en-US" sz="1050" dirty="0" err="1" smtClean="0">
+              <a:rPr lang="en-US" sz="1050" dirty="0" smtClean="0">
                 <a:solidFill>
                   <a:schemeClr val="bg1"/>
                 </a:solidFill>
@@ -13956,7 +13858,7 @@
           <a:p>
             <a:pPr algn="ctr"/>
             <a:r>
-              <a:rPr lang="en-US" sz="1050" dirty="0" err="1" smtClean="0">
+              <a:rPr lang="en-US" sz="1050" dirty="0" smtClean="0">
                 <a:solidFill>
                   <a:srgbClr val="7030A0"/>
                 </a:solidFill>
@@ -14098,7 +14000,7 @@
           <a:p>
             <a:pPr algn="ctr"/>
             <a:r>
-              <a:rPr lang="en-US" sz="1050" dirty="0" err="1" smtClean="0">
+              <a:rPr lang="en-US" sz="1050" dirty="0" smtClean="0">
                 <a:solidFill>
                   <a:srgbClr val="7030A0"/>
                 </a:solidFill>
@@ -14242,7 +14144,7 @@
           <a:p>
             <a:pPr algn="ctr"/>
             <a:r>
-              <a:rPr lang="en-US" sz="1050" dirty="0" err="1" smtClean="0">
+              <a:rPr lang="en-US" sz="1050" dirty="0" smtClean="0">
                 <a:solidFill>
                   <a:srgbClr val="7030A0"/>
                 </a:solidFill>
@@ -14640,7 +14542,7 @@
               </a:rPr>
             </a:br>
             <a:r>
-              <a:rPr lang="en-US" sz="1050" dirty="0" err="1" smtClean="0">
+              <a:rPr lang="en-US" sz="1050" dirty="0" smtClean="0">
                 <a:solidFill>
                   <a:srgbClr val="7030A0"/>
                 </a:solidFill>
@@ -14937,7 +14839,7 @@
           <a:p>
             <a:pPr algn="ctr"/>
             <a:r>
-              <a:rPr lang="en-SG" sz="1050" dirty="0" err="1" smtClean="0">
+              <a:rPr lang="en-SG" sz="1050" dirty="0" smtClean="0">
                 <a:solidFill>
                   <a:srgbClr val="7030A0"/>
                 </a:solidFill>
@@ -15034,7 +14936,7 @@
           <a:p>
             <a:pPr algn="ctr"/>
             <a:r>
-              <a:rPr lang="en-US" sz="1050" dirty="0" err="1" smtClean="0">
+              <a:rPr lang="en-US" sz="1050" dirty="0" smtClean="0">
                 <a:solidFill>
                   <a:srgbClr val="7030A0"/>
                 </a:solidFill>
@@ -15237,7 +15139,7 @@
               </a:rPr>
             </a:br>
             <a:r>
-              <a:rPr lang="en-US" sz="1050" dirty="0" err="1" smtClean="0">
+              <a:rPr lang="en-US" sz="1050" dirty="0" smtClean="0">
                 <a:solidFill>
                   <a:srgbClr val="7030A0"/>
                 </a:solidFill>
@@ -15355,7 +15257,7 @@
               </a:rPr>
             </a:br>
             <a:r>
-              <a:rPr lang="en-US" sz="1050" dirty="0" err="1" smtClean="0">
+              <a:rPr lang="en-US" sz="1050" dirty="0" smtClean="0">
                 <a:solidFill>
                   <a:srgbClr val="7030A0"/>
                 </a:solidFill>
@@ -15577,7 +15479,7 @@
               </a:rPr>
             </a:br>
             <a:r>
-              <a:rPr lang="en-US" sz="1050" dirty="0" err="1" smtClean="0">
+              <a:rPr lang="en-US" sz="1050" dirty="0" smtClean="0">
                 <a:solidFill>
                   <a:schemeClr val="bg1"/>
                 </a:solidFill>
@@ -15640,7 +15542,7 @@
           <a:p>
             <a:pPr algn="ctr"/>
             <a:r>
-              <a:rPr lang="en-US" sz="1050" dirty="0" err="1" smtClean="0">
+              <a:rPr lang="en-US" sz="1050" dirty="0" smtClean="0">
                 <a:solidFill>
                   <a:schemeClr val="bg1"/>
                 </a:solidFill>
@@ -16148,7 +16050,7 @@
           <a:p>
             <a:pPr algn="ctr"/>
             <a:r>
-              <a:rPr lang="en-US" sz="1050" b="1" dirty="0" err="1" smtClean="0">
+              <a:rPr lang="en-US" sz="1050" b="1" dirty="0" smtClean="0">
                 <a:solidFill>
                   <a:schemeClr val="accent6">
                     <a:lumMod val="75000"/>
@@ -16156,16 +16058,6 @@
                 </a:solidFill>
               </a:rPr>
               <a:t>XmlToDoList</a:t>
-            </a:r>
-            <a:r>
-              <a:rPr lang="en-US" sz="1050" b="1" dirty="0" smtClean="0">
-                <a:solidFill>
-                  <a:schemeClr val="accent6">
-                    <a:lumMod val="75000"/>
-                  </a:schemeClr>
-                </a:solidFill>
-              </a:rPr>
-              <a:t/>
             </a:r>
             <a:br>
               <a:rPr lang="en-US" sz="1050" b="1" dirty="0" smtClean="0">
@@ -16259,7 +16151,7 @@
               </a:rPr>
             </a:br>
             <a:r>
-              <a:rPr lang="en-US" sz="1050" dirty="0" err="1" smtClean="0">
+              <a:rPr lang="en-US" sz="1050" dirty="0" smtClean="0">
                 <a:solidFill>
                   <a:schemeClr val="bg1"/>
                 </a:solidFill>
@@ -16517,20 +16409,12 @@
           <a:p>
             <a:pPr algn="ctr"/>
             <a:r>
-              <a:rPr lang="en-US" sz="1050" dirty="0" err="1" smtClean="0">
+              <a:rPr lang="en-US" sz="1050" dirty="0" smtClean="0">
                 <a:solidFill>
                   <a:schemeClr val="bg1"/>
                 </a:solidFill>
               </a:rPr>
               <a:t>JsonUserPrefs</a:t>
-            </a:r>
-            <a:r>
-              <a:rPr lang="en-US" sz="1050" dirty="0" smtClean="0">
-                <a:solidFill>
-                  <a:schemeClr val="bg1"/>
-                </a:solidFill>
-              </a:rPr>
-              <a:t/>
             </a:r>
             <a:br>
               <a:rPr lang="en-US" sz="1050" dirty="0" smtClean="0">
@@ -16592,7 +16476,7 @@
           <a:p>
             <a:pPr algn="ctr"/>
             <a:r>
-              <a:rPr lang="en-US" sz="1050" b="1" dirty="0" err="1" smtClean="0">
+              <a:rPr lang="en-US" sz="1050" b="1" dirty="0" smtClean="0">
                 <a:solidFill>
                   <a:schemeClr val="accent6">
                     <a:lumMod val="75000"/>
@@ -16600,16 +16484,6 @@
                 </a:solidFill>
               </a:rPr>
               <a:t>XmlSerializable</a:t>
-            </a:r>
-            <a:r>
-              <a:rPr lang="en-US" sz="1050" b="1" dirty="0" smtClean="0">
-                <a:solidFill>
-                  <a:schemeClr val="accent6">
-                    <a:lumMod val="75000"/>
-                  </a:schemeClr>
-                </a:solidFill>
-              </a:rPr>
-              <a:t/>
             </a:r>
             <a:br>
               <a:rPr lang="en-US" sz="1050" b="1" dirty="0" smtClean="0">
@@ -16621,7 +16495,7 @@
               </a:rPr>
             </a:br>
             <a:r>
-              <a:rPr lang="en-US" sz="1050" b="1" dirty="0" err="1" smtClean="0">
+              <a:rPr lang="en-US" sz="1050" b="1" dirty="0" smtClean="0">
                 <a:solidFill>
                   <a:schemeClr val="accent6">
                     <a:lumMod val="75000"/>
@@ -16718,7 +16592,7 @@
           <a:p>
             <a:pPr algn="ctr"/>
             <a:r>
-              <a:rPr lang="en-US" sz="1050" b="1" dirty="0" err="1" smtClean="0">
+              <a:rPr lang="en-US" sz="1050" b="1" dirty="0" smtClean="0">
                 <a:solidFill>
                   <a:schemeClr val="accent6">
                     <a:lumMod val="75000"/>
@@ -16774,7 +16648,7 @@
           <a:p>
             <a:pPr algn="ctr"/>
             <a:r>
-              <a:rPr lang="en-US" sz="1050" b="1" dirty="0" err="1" smtClean="0">
+              <a:rPr lang="en-US" sz="1050" b="1" dirty="0" smtClean="0">
                 <a:solidFill>
                   <a:schemeClr val="accent6">
                     <a:lumMod val="75000"/>

--- a/docs/diagrams/Diagrams.pptx
+++ b/docs/diagrams/Diagrams.pptx
@@ -200,7 +200,7 @@
           <a:p>
             <a:fld id="{F5CC4B3F-88C1-4FFA-B1B6-F41C21DC6924}" type="datetimeFigureOut">
               <a:rPr lang="en-US" smtClean="0"/>
-              <a:t>9/30/2016</a:t>
+              <a:t>12/10/16</a:t>
             </a:fld>
             <a:endParaRPr lang="en-US"/>
           </a:p>
@@ -649,7 +649,7 @@
           <a:p>
             <a:fld id="{78C97017-6FC3-485B-9764-EAC9E56C1D49}" type="datetimeFigureOut">
               <a:rPr lang="en-US" smtClean="0"/>
-              <a:t>9/30/2016</a:t>
+              <a:t>12/10/16</a:t>
             </a:fld>
             <a:endParaRPr lang="en-US"/>
           </a:p>
@@ -819,7 +819,7 @@
           <a:p>
             <a:fld id="{78C97017-6FC3-485B-9764-EAC9E56C1D49}" type="datetimeFigureOut">
               <a:rPr lang="en-US" smtClean="0"/>
-              <a:t>9/30/2016</a:t>
+              <a:t>12/10/16</a:t>
             </a:fld>
             <a:endParaRPr lang="en-US"/>
           </a:p>
@@ -999,7 +999,7 @@
           <a:p>
             <a:fld id="{78C97017-6FC3-485B-9764-EAC9E56C1D49}" type="datetimeFigureOut">
               <a:rPr lang="en-US" smtClean="0"/>
-              <a:t>9/30/2016</a:t>
+              <a:t>12/10/16</a:t>
             </a:fld>
             <a:endParaRPr lang="en-US"/>
           </a:p>
@@ -1169,7 +1169,7 @@
           <a:p>
             <a:fld id="{78C97017-6FC3-485B-9764-EAC9E56C1D49}" type="datetimeFigureOut">
               <a:rPr lang="en-US" smtClean="0"/>
-              <a:t>9/30/2016</a:t>
+              <a:t>12/10/16</a:t>
             </a:fld>
             <a:endParaRPr lang="en-US"/>
           </a:p>
@@ -1415,7 +1415,7 @@
           <a:p>
             <a:fld id="{78C97017-6FC3-485B-9764-EAC9E56C1D49}" type="datetimeFigureOut">
               <a:rPr lang="en-US" smtClean="0"/>
-              <a:t>9/30/2016</a:t>
+              <a:t>12/10/16</a:t>
             </a:fld>
             <a:endParaRPr lang="en-US"/>
           </a:p>
@@ -1703,7 +1703,7 @@
           <a:p>
             <a:fld id="{78C97017-6FC3-485B-9764-EAC9E56C1D49}" type="datetimeFigureOut">
               <a:rPr lang="en-US" smtClean="0"/>
-              <a:t>9/30/2016</a:t>
+              <a:t>12/10/16</a:t>
             </a:fld>
             <a:endParaRPr lang="en-US"/>
           </a:p>
@@ -2125,7 +2125,7 @@
           <a:p>
             <a:fld id="{78C97017-6FC3-485B-9764-EAC9E56C1D49}" type="datetimeFigureOut">
               <a:rPr lang="en-US" smtClean="0"/>
-              <a:t>9/30/2016</a:t>
+              <a:t>12/10/16</a:t>
             </a:fld>
             <a:endParaRPr lang="en-US"/>
           </a:p>
@@ -2243,7 +2243,7 @@
           <a:p>
             <a:fld id="{78C97017-6FC3-485B-9764-EAC9E56C1D49}" type="datetimeFigureOut">
               <a:rPr lang="en-US" smtClean="0"/>
-              <a:t>9/30/2016</a:t>
+              <a:t>12/10/16</a:t>
             </a:fld>
             <a:endParaRPr lang="en-US"/>
           </a:p>
@@ -2338,7 +2338,7 @@
           <a:p>
             <a:fld id="{78C97017-6FC3-485B-9764-EAC9E56C1D49}" type="datetimeFigureOut">
               <a:rPr lang="en-US" smtClean="0"/>
-              <a:t>9/30/2016</a:t>
+              <a:t>12/10/16</a:t>
             </a:fld>
             <a:endParaRPr lang="en-US"/>
           </a:p>
@@ -2615,7 +2615,7 @@
           <a:p>
             <a:fld id="{78C97017-6FC3-485B-9764-EAC9E56C1D49}" type="datetimeFigureOut">
               <a:rPr lang="en-US" smtClean="0"/>
-              <a:t>9/30/2016</a:t>
+              <a:t>12/10/16</a:t>
             </a:fld>
             <a:endParaRPr lang="en-US"/>
           </a:p>
@@ -2868,7 +2868,7 @@
           <a:p>
             <a:fld id="{78C97017-6FC3-485B-9764-EAC9E56C1D49}" type="datetimeFigureOut">
               <a:rPr lang="en-US" smtClean="0"/>
-              <a:t>9/30/2016</a:t>
+              <a:t>12/10/16</a:t>
             </a:fld>
             <a:endParaRPr lang="en-US"/>
           </a:p>
@@ -3081,7 +3081,7 @@
           <a:p>
             <a:fld id="{78C97017-6FC3-485B-9764-EAC9E56C1D49}" type="datetimeFigureOut">
               <a:rPr lang="en-US" smtClean="0"/>
-              <a:t>9/30/2016</a:t>
+              <a:t>12/10/16</a:t>
             </a:fld>
             <a:endParaRPr lang="en-US"/>
           </a:p>
@@ -9756,7 +9756,7 @@
   <p:timing>
     <p:tnLst>
       <p:par>
-        <p:cTn id="1" dur="indefinite" restart="never" nodeType="tmRoot"/>
+        <p:cTn xmlns:p14="http://schemas.microsoft.com/office/powerpoint/2010/main" id="1" dur="indefinite" restart="never" nodeType="tmRoot"/>
       </p:par>
     </p:tnLst>
   </p:timing>
@@ -11545,7 +11545,7 @@
   <p:timing>
     <p:tnLst>
       <p:par>
-        <p:cTn id="1" dur="indefinite" restart="never" nodeType="tmRoot"/>
+        <p:cTn xmlns:p14="http://schemas.microsoft.com/office/powerpoint/2010/main" id="1" dur="indefinite" restart="never" nodeType="tmRoot"/>
       </p:par>
     </p:tnLst>
   </p:timing>
@@ -12280,7 +12280,6 @@
               <a:rPr lang="en-US" dirty="0"/>
               <a:t>execute()</a:t>
             </a:r>
-            <a:endParaRPr lang="en-US" dirty="0"/>
           </a:p>
         </p:txBody>
       </p:sp>
@@ -15400,7 +15399,7 @@
   <p:timing>
     <p:tnLst>
       <p:par>
-        <p:cTn id="1" dur="indefinite" restart="never" nodeType="tmRoot"/>
+        <p:cTn xmlns:p14="http://schemas.microsoft.com/office/powerpoint/2010/main" id="1" dur="indefinite" restart="never" nodeType="tmRoot"/>
       </p:par>
     </p:tnLst>
   </p:timing>
@@ -15557,7 +15556,7 @@
                   <a:schemeClr val="bg1"/>
                 </a:solidFill>
               </a:rPr>
-              <a:t>AddressBookStorage</a:t>
+              <a:t>TaskManagerStorage</a:t>
             </a:r>
             <a:endParaRPr lang="en-SG" sz="1050" dirty="0">
               <a:solidFill>
@@ -16130,7 +16129,7 @@
                   </a:schemeClr>
                 </a:solidFill>
               </a:rPr>
-              <a:t>XmlAddressBook</a:t>
+              <a:t>XmlTaskManager</a:t>
             </a:r>
             <a:r>
               <a:rPr lang="en-US" sz="1050" b="1" dirty="0" smtClean="0">
@@ -16603,7 +16602,7 @@
                   </a:schemeClr>
                 </a:solidFill>
               </a:rPr>
-              <a:t>AddressBook</a:t>
+              <a:t>TaskManager</a:t>
             </a:r>
             <a:endParaRPr lang="en-SG" sz="1050" b="1" dirty="0">
               <a:solidFill>
@@ -16756,7 +16755,7 @@
                   </a:schemeClr>
                 </a:solidFill>
               </a:rPr>
-              <a:t>XmlAdaptedPerson</a:t>
+              <a:t>XmlAdaptedTask</a:t>
             </a:r>
             <a:endParaRPr lang="en-SG" sz="1050" b="1" dirty="0">
               <a:solidFill>
@@ -16822,7 +16821,7 @@
   <p:timing>
     <p:tnLst>
       <p:par>
-        <p:cTn id="1" dur="indefinite" restart="never" nodeType="tmRoot"/>
+        <p:cTn xmlns:p14="http://schemas.microsoft.com/office/powerpoint/2010/main" id="1" dur="indefinite" restart="never" nodeType="tmRoot"/>
       </p:par>
     </p:tnLst>
   </p:timing>

--- a/docs/diagrams/Diagrams.pptx
+++ b/docs/diagrams/Diagrams.pptx
@@ -14,7 +14,7 @@
     <p:sldId id="260" r:id="rId5"/>
     <p:sldId id="261" r:id="rId6"/>
     <p:sldId id="267" r:id="rId7"/>
-    <p:sldId id="263" r:id="rId8"/>
+    <p:sldId id="268" r:id="rId8"/>
     <p:sldId id="264" r:id="rId9"/>
     <p:sldId id="265" r:id="rId10"/>
   </p:sldIdLst>
@@ -13244,79 +13244,568 @@
           <a:chExt cx="0" cy="0"/>
         </a:xfrm>
       </p:grpSpPr>
-      <p:sp>
-        <p:nvSpPr>
-          <p:cNvPr id="118" name="Rectangle 65"/>
-          <p:cNvSpPr/>
-          <p:nvPr/>
-        </p:nvSpPr>
-        <p:spPr>
-          <a:xfrm>
-            <a:off x="1119865" y="1727200"/>
-            <a:ext cx="7490735" cy="2997200"/>
-          </a:xfrm>
-          <a:prstGeom prst="roundRect">
-            <a:avLst>
-              <a:gd name="adj" fmla="val 3484"/>
-            </a:avLst>
-          </a:prstGeom>
-          <a:solidFill>
-            <a:schemeClr val="accent4">
-              <a:lumMod val="20000"/>
-              <a:lumOff val="80000"/>
-            </a:schemeClr>
-          </a:solidFill>
-          <a:ln w="19050">
+      <p:grpSp>
+        <p:nvGrpSpPr>
+          <p:cNvPr id="456" name="Group 456"/>
+          <p:cNvGrpSpPr/>
+          <p:nvPr/>
+        </p:nvGrpSpPr>
+        <p:grpSpPr>
+          <a:xfrm>
+            <a:off x="1119864" y="1727200"/>
+            <a:ext cx="7490736" cy="2997200"/>
+            <a:chOff x="0" y="0"/>
+            <a:chExt cx="7490735" cy="2997200"/>
+          </a:xfrm>
+        </p:grpSpPr>
+        <p:sp>
+          <p:nvSpPr>
+            <p:cNvPr id="454" name="Shape 454"/>
+            <p:cNvSpPr/>
+            <p:nvPr/>
+          </p:nvSpPr>
+          <p:spPr>
+            <a:xfrm>
+              <a:off x="0" y="0"/>
+              <a:ext cx="7490736" cy="2997200"/>
+            </a:xfrm>
+            <a:prstGeom prst="roundRect">
+              <a:avLst>
+                <a:gd name="adj" fmla="val 3484"/>
+              </a:avLst>
+            </a:prstGeom>
+            <a:solidFill>
+              <a:srgbClr val="E6E0EC"/>
+            </a:solidFill>
+            <a:ln w="12700" cap="flat">
+              <a:noFill/>
+              <a:miter lim="400000"/>
+            </a:ln>
+            <a:effectLst/>
+          </p:spPr>
+          <p:txBody>
+            <a:bodyPr wrap="square" lIns="45719" tIns="45719" rIns="45719" bIns="45719" numCol="1" anchor="t">
+              <a:noAutofit/>
+            </a:bodyPr>
+            <a:lstStyle/>
+            <a:p>
+              <a:pPr>
+                <a:defRPr sz="1200" b="1">
+                  <a:solidFill>
+                    <a:srgbClr val="7030A0"/>
+                  </a:solidFill>
+                </a:defRPr>
+              </a:pPr>
+              <a:endParaRPr/>
+            </a:p>
+          </p:txBody>
+        </p:sp>
+        <p:sp>
+          <p:nvSpPr>
+            <p:cNvPr id="455" name="Shape 455"/>
+            <p:cNvSpPr/>
+            <p:nvPr/>
+          </p:nvSpPr>
+          <p:spPr>
+            <a:xfrm>
+              <a:off x="30583" y="30583"/>
+              <a:ext cx="7429569" cy="269241"/>
+            </a:xfrm>
+            <a:prstGeom prst="rect">
+              <a:avLst/>
+            </a:prstGeom>
             <a:noFill/>
-          </a:ln>
-          <a:effectLst/>
-        </p:spPr>
-        <p:style>
-          <a:lnRef idx="1">
-            <a:schemeClr val="accent2"/>
-          </a:lnRef>
-          <a:fillRef idx="2">
-            <a:schemeClr val="accent2"/>
-          </a:fillRef>
-          <a:effectRef idx="1">
-            <a:schemeClr val="accent2"/>
-          </a:effectRef>
-          <a:fontRef idx="minor">
-            <a:schemeClr val="dk1"/>
-          </a:fontRef>
-        </p:style>
-        <p:txBody>
-          <a:bodyPr rtlCol="0" anchor="t"/>
-          <a:lstStyle/>
-          <a:p>
-            <a:r>
-              <a:rPr lang="en-US" sz="1200" b="1" dirty="0" smtClean="0">
-                <a:solidFill>
-                  <a:srgbClr val="7030A0"/>
-                </a:solidFill>
-              </a:rPr>
-              <a:t>Model</a:t>
-            </a:r>
-            <a:endParaRPr lang="en-SG" sz="1200" b="1" dirty="0">
+            <a:ln w="12700" cap="flat">
+              <a:noFill/>
+              <a:miter lim="400000"/>
+            </a:ln>
+            <a:effectLst/>
+            <a:extLst>
+              <a:ext uri="{C572A759-6A51-4108-AA02-DFA0A04FC94B}">
+                <ma14:wrappingTextBoxFlag xmlns:ma14="http://schemas.microsoft.com/office/mac/drawingml/2011/main" val="1"/>
+              </a:ext>
+            </a:extLst>
+          </p:spPr>
+          <p:txBody>
+            <a:bodyPr wrap="square" lIns="45719" tIns="45719" rIns="45719" bIns="45719" numCol="1" anchor="t">
+              <a:spAutoFit/>
+            </a:bodyPr>
+            <a:lstStyle>
+              <a:lvl1pPr>
+                <a:defRPr sz="1200" b="1">
+                  <a:solidFill>
+                    <a:srgbClr val="7030A0"/>
+                  </a:solidFill>
+                </a:defRPr>
+              </a:lvl1pPr>
+            </a:lstStyle>
+            <a:p>
+              <a:r>
+                <a:t>Model</a:t>
+              </a:r>
+            </a:p>
+          </p:txBody>
+        </p:sp>
+      </p:grpSp>
+      <p:grpSp>
+        <p:nvGrpSpPr>
+          <p:cNvPr id="459" name="Group 459"/>
+          <p:cNvGrpSpPr/>
+          <p:nvPr/>
+        </p:nvGrpSpPr>
+        <p:grpSpPr>
+          <a:xfrm>
+            <a:off x="2877180" y="3158439"/>
+            <a:ext cx="1093635" cy="346761"/>
+            <a:chOff x="0" y="0"/>
+            <a:chExt cx="1093634" cy="346760"/>
+          </a:xfrm>
+        </p:grpSpPr>
+        <p:sp>
+          <p:nvSpPr>
+            <p:cNvPr id="457" name="Shape 457"/>
+            <p:cNvSpPr/>
+            <p:nvPr/>
+          </p:nvSpPr>
+          <p:spPr>
+            <a:xfrm>
+              <a:off x="0" y="-1"/>
+              <a:ext cx="1093635" cy="346762"/>
+            </a:xfrm>
+            <a:prstGeom prst="rect">
+              <a:avLst/>
+            </a:prstGeom>
+            <a:solidFill>
+              <a:srgbClr val="7030A0"/>
+            </a:solidFill>
+            <a:ln w="19050" cap="flat">
               <a:solidFill>
                 <a:srgbClr val="7030A0"/>
               </a:solidFill>
-            </a:endParaRPr>
-          </a:p>
-        </p:txBody>
-      </p:sp>
-      <p:sp>
-        <p:nvSpPr>
-          <p:cNvPr id="2" name="Rectangle 8"/>
+              <a:prstDash val="solid"/>
+              <a:round/>
+            </a:ln>
+            <a:effectLst/>
+          </p:spPr>
+          <p:txBody>
+            <a:bodyPr wrap="square" lIns="45719" tIns="45719" rIns="45719" bIns="45719" numCol="1" anchor="ctr">
+              <a:noAutofit/>
+            </a:bodyPr>
+            <a:lstStyle/>
+            <a:p>
+              <a:pPr algn="ctr">
+                <a:defRPr sz="1000">
+                  <a:solidFill>
+                    <a:srgbClr val="FFFFFF"/>
+                  </a:solidFill>
+                </a:defRPr>
+              </a:pPr>
+              <a:endParaRPr/>
+            </a:p>
+          </p:txBody>
+        </p:sp>
+        <p:sp>
+          <p:nvSpPr>
+            <p:cNvPr id="458" name="Shape 458"/>
+            <p:cNvSpPr/>
+            <p:nvPr/>
+          </p:nvSpPr>
+          <p:spPr>
+            <a:xfrm>
+              <a:off x="0" y="57810"/>
+              <a:ext cx="1093635" cy="231141"/>
+            </a:xfrm>
+            <a:prstGeom prst="rect">
+              <a:avLst/>
+            </a:prstGeom>
+            <a:noFill/>
+            <a:ln w="12700" cap="flat">
+              <a:noFill/>
+              <a:miter lim="400000"/>
+            </a:ln>
+            <a:effectLst/>
+            <a:extLst>
+              <a:ext uri="{C572A759-6A51-4108-AA02-DFA0A04FC94B}">
+                <ma14:wrappingTextBoxFlag xmlns:ma14="http://schemas.microsoft.com/office/mac/drawingml/2011/main" val="1"/>
+              </a:ext>
+            </a:extLst>
+          </p:spPr>
+          <p:txBody>
+            <a:bodyPr wrap="square" lIns="45719" tIns="45719" rIns="45719" bIns="45719" numCol="1" anchor="ctr">
+              <a:spAutoFit/>
+            </a:bodyPr>
+            <a:lstStyle>
+              <a:lvl1pPr algn="ctr">
+                <a:defRPr sz="1000">
+                  <a:solidFill>
+                    <a:srgbClr val="FFFFFF"/>
+                  </a:solidFill>
+                </a:defRPr>
+              </a:lvl1pPr>
+            </a:lstStyle>
+            <a:p>
+              <a:r>
+                <a:t>UserPref</a:t>
+              </a:r>
+            </a:p>
+          </p:txBody>
+        </p:sp>
+      </p:grpSp>
+      <p:grpSp>
+        <p:nvGrpSpPr>
+          <p:cNvPr id="462" name="Group 462"/>
+          <p:cNvGrpSpPr/>
+          <p:nvPr/>
+        </p:nvGrpSpPr>
+        <p:grpSpPr>
+          <a:xfrm>
+            <a:off x="2057400" y="2495249"/>
+            <a:ext cx="346761" cy="1093636"/>
+            <a:chOff x="0" y="0"/>
+            <a:chExt cx="346760" cy="1093634"/>
+          </a:xfrm>
+        </p:grpSpPr>
+        <p:sp>
+          <p:nvSpPr>
+            <p:cNvPr id="460" name="Shape 460"/>
+            <p:cNvSpPr/>
+            <p:nvPr/>
+          </p:nvSpPr>
+          <p:spPr>
+            <a:xfrm rot="16200000">
+              <a:off x="-373438" y="373437"/>
+              <a:ext cx="1093636" cy="346761"/>
+            </a:xfrm>
+            <a:prstGeom prst="rect">
+              <a:avLst/>
+            </a:prstGeom>
+            <a:solidFill>
+              <a:srgbClr val="7030A0"/>
+            </a:solidFill>
+            <a:ln w="19050" cap="flat">
+              <a:solidFill>
+                <a:srgbClr val="7030A0"/>
+              </a:solidFill>
+              <a:prstDash val="solid"/>
+              <a:round/>
+            </a:ln>
+            <a:effectLst/>
+          </p:spPr>
+          <p:txBody>
+            <a:bodyPr wrap="square" lIns="45719" tIns="45719" rIns="45719" bIns="45719" numCol="1" anchor="ctr">
+              <a:noAutofit/>
+            </a:bodyPr>
+            <a:lstStyle/>
+            <a:p>
+              <a:pPr algn="ctr">
+                <a:defRPr sz="1000">
+                  <a:solidFill>
+                    <a:srgbClr val="FFFFFF"/>
+                  </a:solidFill>
+                </a:defRPr>
+              </a:pPr>
+              <a:endParaRPr/>
+            </a:p>
+          </p:txBody>
+        </p:sp>
+        <p:sp>
+          <p:nvSpPr>
+            <p:cNvPr id="461" name="Shape 461"/>
+            <p:cNvSpPr/>
+            <p:nvPr/>
+          </p:nvSpPr>
+          <p:spPr>
+            <a:xfrm rot="16200000">
+              <a:off x="-373438" y="431247"/>
+              <a:ext cx="1093636" cy="231141"/>
+            </a:xfrm>
+            <a:prstGeom prst="rect">
+              <a:avLst/>
+            </a:prstGeom>
+            <a:noFill/>
+            <a:ln w="12700" cap="flat">
+              <a:noFill/>
+              <a:miter lim="400000"/>
+            </a:ln>
+            <a:effectLst/>
+            <a:extLst>
+              <a:ext uri="{C572A759-6A51-4108-AA02-DFA0A04FC94B}">
+                <ma14:wrappingTextBoxFlag xmlns:ma14="http://schemas.microsoft.com/office/mac/drawingml/2011/main" val="1"/>
+              </a:ext>
+            </a:extLst>
+          </p:spPr>
+          <p:txBody>
+            <a:bodyPr wrap="square" lIns="45719" tIns="45719" rIns="45719" bIns="45719" numCol="1" anchor="ctr">
+              <a:spAutoFit/>
+            </a:bodyPr>
+            <a:lstStyle>
+              <a:lvl1pPr algn="ctr">
+                <a:defRPr sz="1000">
+                  <a:solidFill>
+                    <a:srgbClr val="FFFFFF"/>
+                  </a:solidFill>
+                </a:defRPr>
+              </a:lvl1pPr>
+            </a:lstStyle>
+            <a:p>
+              <a:r>
+                <a:t>ModelManager</a:t>
+              </a:r>
+            </a:p>
+          </p:txBody>
+        </p:sp>
+      </p:grpSp>
+      <p:sp>
+        <p:nvSpPr>
+          <p:cNvPr id="525" name="Shape 525"/>
           <p:cNvSpPr/>
           <p:nvPr/>
         </p:nvSpPr>
         <p:spPr>
           <a:xfrm>
-            <a:off x="2877180" y="3158440"/>
-            <a:ext cx="1093635" cy="346760"/>
-          </a:xfrm>
-          <a:prstGeom prst="rect">
+            <a:off x="6294120" y="3214370"/>
+            <a:ext cx="373380" cy="387351"/>
+          </a:xfrm>
+          <a:custGeom>
+            <a:avLst/>
+            <a:gdLst/>
+            <a:ahLst/>
+            <a:cxnLst>
+              <a:cxn ang="0">
+                <a:pos x="wd2" y="hd2"/>
+              </a:cxn>
+              <a:cxn ang="5400000">
+                <a:pos x="wd2" y="hd2"/>
+              </a:cxn>
+              <a:cxn ang="10800000">
+                <a:pos x="wd2" y="hd2"/>
+              </a:cxn>
+              <a:cxn ang="16200000">
+                <a:pos x="wd2" y="hd2"/>
+              </a:cxn>
+            </a:cxnLst>
+            <a:rect l="0" t="0" r="r" b="b"/>
+            <a:pathLst>
+              <a:path w="21600" h="21600" extrusionOk="0">
+                <a:moveTo>
+                  <a:pt x="0" y="21600"/>
+                </a:moveTo>
+                <a:lnTo>
+                  <a:pt x="21600" y="21600"/>
+                </a:lnTo>
+                <a:lnTo>
+                  <a:pt x="21600" y="0"/>
+                </a:lnTo>
+              </a:path>
+            </a:pathLst>
+          </a:custGeom>
+          <a:ln w="19050">
+            <a:solidFill>
+              <a:srgbClr val="7030A0"/>
+            </a:solidFill>
+            <a:prstDash val="sysDot"/>
+          </a:ln>
+        </p:spPr>
+        <p:txBody>
+          <a:bodyPr/>
+          <a:lstStyle/>
+          <a:p>
+            <a:endParaRPr/>
+          </a:p>
+        </p:txBody>
+      </p:sp>
+      <p:sp>
+        <p:nvSpPr>
+          <p:cNvPr id="464" name="Shape 464"/>
+          <p:cNvSpPr/>
+          <p:nvPr/>
+        </p:nvSpPr>
+        <p:spPr>
+          <a:xfrm rot="5400000" flipH="1" flipV="1">
+            <a:off x="4167256" y="1273717"/>
+            <a:ext cx="764309" cy="4637262"/>
+          </a:xfrm>
+          <a:custGeom>
+            <a:avLst/>
+            <a:gdLst/>
+            <a:ahLst/>
+            <a:cxnLst>
+              <a:cxn ang="0">
+                <a:pos x="wd2" y="hd2"/>
+              </a:cxn>
+              <a:cxn ang="5400000">
+                <a:pos x="wd2" y="hd2"/>
+              </a:cxn>
+              <a:cxn ang="10800000">
+                <a:pos x="wd2" y="hd2"/>
+              </a:cxn>
+              <a:cxn ang="16200000">
+                <a:pos x="wd2" y="hd2"/>
+              </a:cxn>
+            </a:cxnLst>
+            <a:rect l="0" t="0" r="r" b="b"/>
+            <a:pathLst>
+              <a:path w="21600" h="21600" extrusionOk="0">
+                <a:moveTo>
+                  <a:pt x="10898" y="0"/>
+                </a:moveTo>
+                <a:lnTo>
+                  <a:pt x="0" y="0"/>
+                </a:lnTo>
+                <a:lnTo>
+                  <a:pt x="0" y="21595"/>
+                </a:lnTo>
+                <a:lnTo>
+                  <a:pt x="21600" y="21595"/>
+                </a:lnTo>
+                <a:lnTo>
+                  <a:pt x="21600" y="21600"/>
+                </a:lnTo>
+              </a:path>
+            </a:pathLst>
+          </a:custGeom>
+          <a:ln w="19050">
+            <a:solidFill>
+              <a:srgbClr val="7030A0"/>
+            </a:solidFill>
+            <a:tailEnd type="triangle"/>
+          </a:ln>
+        </p:spPr>
+        <p:txBody>
+          <a:bodyPr lIns="45719" rIns="45719" anchor="ctr"/>
+          <a:lstStyle/>
+          <a:p>
+            <a:endParaRPr/>
+          </a:p>
+        </p:txBody>
+      </p:sp>
+      <p:grpSp>
+        <p:nvGrpSpPr>
+          <p:cNvPr id="467" name="Group 467"/>
+          <p:cNvGrpSpPr/>
+          <p:nvPr/>
+        </p:nvGrpSpPr>
+        <p:grpSpPr>
+          <a:xfrm>
+            <a:off x="1317599" y="2487764"/>
+            <a:ext cx="370841" cy="1093636"/>
+            <a:chOff x="0" y="0"/>
+            <a:chExt cx="370840" cy="1093634"/>
+          </a:xfrm>
+        </p:grpSpPr>
+        <p:sp>
+          <p:nvSpPr>
+            <p:cNvPr id="465" name="Shape 465"/>
+            <p:cNvSpPr/>
+            <p:nvPr/>
+          </p:nvSpPr>
+          <p:spPr>
+            <a:xfrm rot="16200000">
+              <a:off x="-361398" y="373437"/>
+              <a:ext cx="1093636" cy="346761"/>
+            </a:xfrm>
+            <a:prstGeom prst="rect">
+              <a:avLst/>
+            </a:prstGeom>
+            <a:solidFill>
+              <a:srgbClr val="7030A0"/>
+            </a:solidFill>
+            <a:ln w="19050" cap="flat">
+              <a:solidFill>
+                <a:srgbClr val="7030A0"/>
+              </a:solidFill>
+              <a:prstDash val="solid"/>
+              <a:round/>
+            </a:ln>
+            <a:effectLst/>
+          </p:spPr>
+          <p:txBody>
+            <a:bodyPr wrap="square" lIns="45719" tIns="45719" rIns="45719" bIns="45719" numCol="1" anchor="ctr">
+              <a:noAutofit/>
+            </a:bodyPr>
+            <a:lstStyle/>
+            <a:p>
+              <a:pPr algn="ctr">
+                <a:defRPr sz="1000">
+                  <a:solidFill>
+                    <a:srgbClr val="FFFFFF"/>
+                  </a:solidFill>
+                </a:defRPr>
+              </a:pPr>
+              <a:endParaRPr/>
+            </a:p>
+          </p:txBody>
+        </p:sp>
+        <p:sp>
+          <p:nvSpPr>
+            <p:cNvPr id="466" name="Shape 466"/>
+            <p:cNvSpPr/>
+            <p:nvPr/>
+          </p:nvSpPr>
+          <p:spPr>
+            <a:xfrm rot="16200000">
+              <a:off x="-361398" y="361397"/>
+              <a:ext cx="1093636" cy="370841"/>
+            </a:xfrm>
+            <a:prstGeom prst="rect">
+              <a:avLst/>
+            </a:prstGeom>
+            <a:noFill/>
+            <a:ln w="12700" cap="flat">
+              <a:noFill/>
+              <a:miter lim="400000"/>
+            </a:ln>
+            <a:effectLst/>
+            <a:extLst>
+              <a:ext uri="{C572A759-6A51-4108-AA02-DFA0A04FC94B}">
+                <ma14:wrappingTextBoxFlag xmlns:ma14="http://schemas.microsoft.com/office/mac/drawingml/2011/main" val="1"/>
+              </a:ext>
+            </a:extLst>
+          </p:spPr>
+          <p:txBody>
+            <a:bodyPr wrap="square" lIns="45719" tIns="45719" rIns="45719" bIns="45719" numCol="1" anchor="ctr">
+              <a:spAutoFit/>
+            </a:bodyPr>
+            <a:lstStyle/>
+            <a:p>
+              <a:pPr algn="ctr">
+                <a:defRPr sz="1000">
+                  <a:solidFill>
+                    <a:srgbClr val="FFFFFF"/>
+                  </a:solidFill>
+                </a:defRPr>
+              </a:pPr>
+              <a:r>
+                <a:t>&lt;&lt;interface&gt;&gt;</a:t>
+              </a:r>
+            </a:p>
+            <a:p>
+              <a:pPr algn="ctr">
+                <a:defRPr sz="1000">
+                  <a:solidFill>
+                    <a:srgbClr val="FFFFFF"/>
+                  </a:solidFill>
+                </a:defRPr>
+              </a:pPr>
+              <a:r>
+                <a:t>Model</a:t>
+              </a:r>
+            </a:p>
+          </p:txBody>
+        </p:sp>
+      </p:grpSp>
+      <p:sp>
+        <p:nvSpPr>
+          <p:cNvPr id="468" name="Shape 468"/>
+          <p:cNvSpPr/>
+          <p:nvPr/>
+        </p:nvSpPr>
+        <p:spPr>
+          <a:xfrm rot="16200000">
+            <a:off x="1626910" y="2952290"/>
+            <a:ext cx="270505" cy="175524"/>
+          </a:xfrm>
+          <a:prstGeom prst="triangle">
             <a:avLst/>
           </a:prstGeom>
           <a:solidFill>
@@ -13327,55 +13816,147 @@
               <a:srgbClr val="7030A0"/>
             </a:solidFill>
           </a:ln>
-          <a:effectLst/>
-        </p:spPr>
-        <p:style>
-          <a:lnRef idx="1">
-            <a:schemeClr val="accent2"/>
-          </a:lnRef>
-          <a:fillRef idx="2">
-            <a:schemeClr val="accent2"/>
-          </a:fillRef>
-          <a:effectRef idx="1">
-            <a:schemeClr val="accent2"/>
-          </a:effectRef>
-          <a:fontRef idx="minor">
-            <a:schemeClr val="dk1"/>
-          </a:fontRef>
-        </p:style>
-        <p:txBody>
-          <a:bodyPr rtlCol="0" anchor="ctr"/>
+        </p:spPr>
+        <p:txBody>
+          <a:bodyPr lIns="45719" rIns="45719" anchor="ctr"/>
           <a:lstStyle/>
           <a:p>
-            <a:pPr algn="ctr"/>
-            <a:r>
-              <a:rPr lang="en-US" sz="1050" dirty="0" err="1" smtClean="0">
-                <a:solidFill>
-                  <a:schemeClr val="bg1"/>
-                </a:solidFill>
-              </a:rPr>
-              <a:t>UserPref</a:t>
-            </a:r>
-            <a:endParaRPr lang="en-SG" sz="1050" dirty="0">
-              <a:solidFill>
-                <a:schemeClr val="bg1"/>
-              </a:solidFill>
-            </a:endParaRPr>
-          </a:p>
-        </p:txBody>
-      </p:sp>
-      <p:sp>
-        <p:nvSpPr>
-          <p:cNvPr id="9" name="Rectangle 62"/>
+            <a:pPr algn="ctr">
+              <a:defRPr sz="1000"/>
+            </a:pPr>
+            <a:endParaRPr/>
+          </a:p>
+        </p:txBody>
+      </p:sp>
+      <p:sp>
+        <p:nvSpPr>
+          <p:cNvPr id="526" name="Shape 526"/>
           <p:cNvSpPr/>
           <p:nvPr/>
         </p:nvSpPr>
         <p:spPr>
-          <a:xfrm rot="16200000">
-            <a:off x="1683963" y="2868687"/>
-            <a:ext cx="1093635" cy="346760"/>
-          </a:xfrm>
-          <a:prstGeom prst="rect">
+          <a:xfrm>
+            <a:off x="6668285" y="2641977"/>
+            <a:ext cx="582" cy="206565"/>
+          </a:xfrm>
+          <a:custGeom>
+            <a:avLst/>
+            <a:gdLst/>
+            <a:ahLst/>
+            <a:cxnLst>
+              <a:cxn ang="0">
+                <a:pos x="wd2" y="hd2"/>
+              </a:cxn>
+              <a:cxn ang="5400000">
+                <a:pos x="wd2" y="hd2"/>
+              </a:cxn>
+              <a:cxn ang="10800000">
+                <a:pos x="wd2" y="hd2"/>
+              </a:cxn>
+              <a:cxn ang="16200000">
+                <a:pos x="wd2" y="hd2"/>
+              </a:cxn>
+            </a:cxnLst>
+            <a:rect l="0" t="0" r="r" b="b"/>
+            <a:pathLst>
+              <a:path w="21600" h="21600" extrusionOk="0">
+                <a:moveTo>
+                  <a:pt x="0" y="21600"/>
+                </a:moveTo>
+                <a:cubicBezTo>
+                  <a:pt x="7200" y="14400"/>
+                  <a:pt x="14400" y="7200"/>
+                  <a:pt x="21600" y="0"/>
+                </a:cubicBezTo>
+              </a:path>
+            </a:pathLst>
+          </a:custGeom>
+          <a:ln w="19050">
+            <a:solidFill>
+              <a:srgbClr val="7030A0"/>
+            </a:solidFill>
+            <a:prstDash val="sysDot"/>
+            <a:tailEnd type="triangle"/>
+          </a:ln>
+        </p:spPr>
+        <p:txBody>
+          <a:bodyPr/>
+          <a:lstStyle/>
+          <a:p>
+            <a:endParaRPr/>
+          </a:p>
+        </p:txBody>
+      </p:sp>
+      <p:sp>
+        <p:nvSpPr>
+          <p:cNvPr id="527" name="Shape 527"/>
+          <p:cNvSpPr/>
+          <p:nvPr/>
+        </p:nvSpPr>
+        <p:spPr>
+          <a:xfrm>
+            <a:off x="2666083" y="3327298"/>
+            <a:ext cx="201573" cy="1203"/>
+          </a:xfrm>
+          <a:custGeom>
+            <a:avLst/>
+            <a:gdLst/>
+            <a:ahLst/>
+            <a:cxnLst>
+              <a:cxn ang="0">
+                <a:pos x="wd2" y="hd2"/>
+              </a:cxn>
+              <a:cxn ang="5400000">
+                <a:pos x="wd2" y="hd2"/>
+              </a:cxn>
+              <a:cxn ang="10800000">
+                <a:pos x="wd2" y="hd2"/>
+              </a:cxn>
+              <a:cxn ang="16200000">
+                <a:pos x="wd2" y="hd2"/>
+              </a:cxn>
+            </a:cxnLst>
+            <a:rect l="0" t="0" r="r" b="b"/>
+            <a:pathLst>
+              <a:path w="21600" h="21600" extrusionOk="0">
+                <a:moveTo>
+                  <a:pt x="0" y="0"/>
+                </a:moveTo>
+                <a:cubicBezTo>
+                  <a:pt x="7200" y="7200"/>
+                  <a:pt x="14400" y="14400"/>
+                  <a:pt x="21600" y="21600"/>
+                </a:cubicBezTo>
+              </a:path>
+            </a:pathLst>
+          </a:custGeom>
+          <a:ln w="19050">
+            <a:solidFill>
+              <a:srgbClr val="7030A0"/>
+            </a:solidFill>
+            <a:tailEnd type="triangle"/>
+          </a:ln>
+        </p:spPr>
+        <p:txBody>
+          <a:bodyPr/>
+          <a:lstStyle/>
+          <a:p>
+            <a:endParaRPr/>
+          </a:p>
+        </p:txBody>
+      </p:sp>
+      <p:sp>
+        <p:nvSpPr>
+          <p:cNvPr id="471" name="Shape 471"/>
+          <p:cNvSpPr/>
+          <p:nvPr/>
+        </p:nvSpPr>
+        <p:spPr>
+          <a:xfrm rot="5400000" flipV="1">
+            <a:off x="6253986" y="3522883"/>
+            <a:ext cx="270505" cy="175524"/>
+          </a:xfrm>
+          <a:prstGeom prst="triangle">
             <a:avLst/>
           </a:prstGeom>
           <a:solidFill>
@@ -13386,143 +13967,618 @@
               <a:srgbClr val="7030A0"/>
             </a:solidFill>
           </a:ln>
-          <a:effectLst/>
-        </p:spPr>
-        <p:style>
-          <a:lnRef idx="1">
-            <a:schemeClr val="accent2"/>
-          </a:lnRef>
-          <a:fillRef idx="2">
-            <a:schemeClr val="accent2"/>
-          </a:fillRef>
-          <a:effectRef idx="1">
-            <a:schemeClr val="accent2"/>
-          </a:effectRef>
-          <a:fontRef idx="minor">
-            <a:schemeClr val="dk1"/>
-          </a:fontRef>
-        </p:style>
-        <p:txBody>
-          <a:bodyPr rtlCol="0" anchor="ctr"/>
+        </p:spPr>
+        <p:txBody>
+          <a:bodyPr lIns="45719" rIns="45719" anchor="ctr"/>
           <a:lstStyle/>
           <a:p>
-            <a:pPr algn="ctr"/>
-            <a:r>
-              <a:rPr lang="en-US" sz="1050" dirty="0" err="1" smtClean="0">
+            <a:pPr algn="ctr">
+              <a:defRPr sz="1000" b="1">
                 <a:solidFill>
-                  <a:schemeClr val="bg1"/>
+                  <a:srgbClr val="92D050"/>
                 </a:solidFill>
-              </a:rPr>
-              <a:t>ModelManager</a:t>
-            </a:r>
-            <a:endParaRPr lang="en-SG" sz="1050" dirty="0">
+              </a:defRPr>
+            </a:pPr>
+            <a:endParaRPr/>
+          </a:p>
+        </p:txBody>
+      </p:sp>
+      <p:sp>
+        <p:nvSpPr>
+          <p:cNvPr id="472" name="Shape 472"/>
+          <p:cNvSpPr/>
+          <p:nvPr/>
+        </p:nvSpPr>
+        <p:spPr>
+          <a:xfrm>
+            <a:off x="910090" y="3035133"/>
+            <a:ext cx="419549" cy="12701"/>
+          </a:xfrm>
+          <a:custGeom>
+            <a:avLst/>
+            <a:gdLst/>
+            <a:ahLst/>
+            <a:cxnLst>
+              <a:cxn ang="0">
+                <a:pos x="wd2" y="hd2"/>
+              </a:cxn>
+              <a:cxn ang="5400000">
+                <a:pos x="wd2" y="hd2"/>
+              </a:cxn>
+              <a:cxn ang="10800000">
+                <a:pos x="wd2" y="hd2"/>
+              </a:cxn>
+              <a:cxn ang="16200000">
+                <a:pos x="wd2" y="hd2"/>
+              </a:cxn>
+            </a:cxnLst>
+            <a:rect l="0" t="0" r="r" b="b"/>
+            <a:pathLst>
+              <a:path w="21600" h="21600" extrusionOk="0">
+                <a:moveTo>
+                  <a:pt x="0" y="0"/>
+                </a:moveTo>
+                <a:lnTo>
+                  <a:pt x="10800" y="0"/>
+                </a:lnTo>
+                <a:lnTo>
+                  <a:pt x="10800" y="21600"/>
+                </a:lnTo>
+                <a:lnTo>
+                  <a:pt x="21600" y="21600"/>
+                </a:lnTo>
+              </a:path>
+            </a:pathLst>
+          </a:custGeom>
+          <a:ln w="19050">
+            <a:solidFill>
+              <a:srgbClr val="BFBFBF"/>
+            </a:solidFill>
+            <a:prstDash val="sysDot"/>
+            <a:tailEnd type="triangle"/>
+          </a:ln>
+        </p:spPr>
+        <p:txBody>
+          <a:bodyPr lIns="45719" rIns="45719" anchor="ctr"/>
+          <a:lstStyle/>
+          <a:p>
+            <a:endParaRPr/>
+          </a:p>
+        </p:txBody>
+      </p:sp>
+      <p:sp>
+        <p:nvSpPr>
+          <p:cNvPr id="473" name="Shape 473"/>
+          <p:cNvSpPr/>
+          <p:nvPr/>
+        </p:nvSpPr>
+        <p:spPr>
+          <a:xfrm flipV="1">
+            <a:off x="1849923" y="3040052"/>
+            <a:ext cx="216106" cy="2"/>
+          </a:xfrm>
+          <a:prstGeom prst="line">
+            <a:avLst/>
+          </a:prstGeom>
+          <a:gradFill>
+            <a:gsLst>
+              <a:gs pos="0">
+                <a:schemeClr val="accent2">
+                  <a:hueOff val="-39879"/>
+                  <a:satOff val="52282"/>
+                  <a:lumOff val="29251"/>
+                </a:schemeClr>
+              </a:gs>
+              <a:gs pos="35000">
+                <a:srgbClr val="FFBFBE"/>
+              </a:gs>
+              <a:gs pos="100000">
+                <a:schemeClr val="accent2">
+                  <a:hueOff val="-44018"/>
+                  <a:satOff val="52282"/>
+                  <a:lumOff val="42346"/>
+                </a:schemeClr>
+              </a:gs>
+            </a:gsLst>
+            <a:lin ang="16200000"/>
+          </a:gradFill>
+          <a:ln w="19050">
+            <a:solidFill>
+              <a:srgbClr val="7030A0"/>
+            </a:solidFill>
+            <a:prstDash val="sysDot"/>
+          </a:ln>
+        </p:spPr>
+        <p:txBody>
+          <a:bodyPr lIns="45719" rIns="45719"/>
+          <a:lstStyle/>
+          <a:p>
+            <a:endParaRPr/>
+          </a:p>
+        </p:txBody>
+      </p:sp>
+      <p:sp>
+        <p:nvSpPr>
+          <p:cNvPr id="474" name="Shape 474"/>
+          <p:cNvSpPr/>
+          <p:nvPr/>
+        </p:nvSpPr>
+        <p:spPr>
+          <a:xfrm>
+            <a:off x="2420322" y="3239846"/>
+            <a:ext cx="236049" cy="173381"/>
+          </a:xfrm>
+          <a:custGeom>
+            <a:avLst/>
+            <a:gdLst/>
+            <a:ahLst/>
+            <a:cxnLst>
+              <a:cxn ang="0">
+                <a:pos x="wd2" y="hd2"/>
+              </a:cxn>
+              <a:cxn ang="5400000">
+                <a:pos x="wd2" y="hd2"/>
+              </a:cxn>
+              <a:cxn ang="10800000">
+                <a:pos x="wd2" y="hd2"/>
+              </a:cxn>
+              <a:cxn ang="16200000">
+                <a:pos x="wd2" y="hd2"/>
+              </a:cxn>
+            </a:cxnLst>
+            <a:rect l="0" t="0" r="r" b="b"/>
+            <a:pathLst>
+              <a:path w="21600" h="21600" extrusionOk="0">
+                <a:moveTo>
+                  <a:pt x="0" y="10800"/>
+                </a:moveTo>
+                <a:lnTo>
+                  <a:pt x="10800" y="0"/>
+                </a:lnTo>
+                <a:lnTo>
+                  <a:pt x="21600" y="10800"/>
+                </a:lnTo>
+                <a:lnTo>
+                  <a:pt x="10800" y="21600"/>
+                </a:lnTo>
+                <a:close/>
+              </a:path>
+            </a:pathLst>
+          </a:custGeom>
+          <a:ln w="19050">
+            <a:solidFill>
+              <a:srgbClr val="7030A0"/>
+            </a:solidFill>
+          </a:ln>
+        </p:spPr>
+        <p:txBody>
+          <a:bodyPr lIns="45719" rIns="45719" anchor="ctr"/>
+          <a:lstStyle/>
+          <a:p>
+            <a:pPr algn="ctr">
+              <a:defRPr sz="1000"/>
+            </a:pPr>
+            <a:endParaRPr/>
+          </a:p>
+        </p:txBody>
+      </p:sp>
+      <p:grpSp>
+        <p:nvGrpSpPr>
+          <p:cNvPr id="477" name="Group 477"/>
+          <p:cNvGrpSpPr/>
+          <p:nvPr/>
+        </p:nvGrpSpPr>
+        <p:grpSpPr>
+          <a:xfrm>
+            <a:off x="2879489" y="2627420"/>
+            <a:ext cx="1093636" cy="346761"/>
+            <a:chOff x="0" y="0"/>
+            <a:chExt cx="1093634" cy="346760"/>
+          </a:xfrm>
+        </p:grpSpPr>
+        <p:sp>
+          <p:nvSpPr>
+            <p:cNvPr id="475" name="Shape 475"/>
+            <p:cNvSpPr/>
+            <p:nvPr/>
+          </p:nvSpPr>
+          <p:spPr>
+            <a:xfrm>
+              <a:off x="0" y="-1"/>
+              <a:ext cx="1093635" cy="346762"/>
+            </a:xfrm>
+            <a:prstGeom prst="rect">
+              <a:avLst/>
+            </a:prstGeom>
+            <a:gradFill flip="none" rotWithShape="1">
+              <a:gsLst>
+                <a:gs pos="0">
+                  <a:schemeClr val="accent4">
+                    <a:hueOff val="-206663"/>
+                    <a:satOff val="29896"/>
+                    <a:lumOff val="29240"/>
+                  </a:schemeClr>
+                </a:gs>
+                <a:gs pos="35000">
+                  <a:srgbClr val="D8C9EE"/>
+                </a:gs>
+                <a:gs pos="100000">
+                  <a:schemeClr val="accent4">
+                    <a:hueOff val="-242556"/>
+                    <a:satOff val="32941"/>
+                    <a:lumOff val="43328"/>
+                  </a:schemeClr>
+                </a:gs>
+              </a:gsLst>
+              <a:lin ang="16200000" scaled="0"/>
+            </a:gradFill>
+            <a:ln w="19050" cap="flat">
               <a:solidFill>
-                <a:schemeClr val="bg1"/>
+                <a:srgbClr val="7030A0"/>
               </a:solidFill>
-            </a:endParaRPr>
-          </a:p>
-        </p:txBody>
-      </p:sp>
-      <p:cxnSp>
-        <p:nvCxnSpPr>
-          <p:cNvPr id="53" name="Elbow Connector 63"/>
-          <p:cNvCxnSpPr>
-            <a:stCxn id="71" idx="3"/>
-            <a:endCxn id="62" idx="2"/>
-          </p:cNvCxnSpPr>
-          <p:nvPr/>
-        </p:nvCxnSpPr>
-        <p:spPr>
-          <a:xfrm flipV="1">
-            <a:off x="6477000" y="3204826"/>
-            <a:ext cx="190770" cy="405819"/>
-          </a:xfrm>
-          <a:prstGeom prst="bentConnector2">
-            <a:avLst/>
-          </a:prstGeom>
+              <a:prstDash val="solid"/>
+              <a:round/>
+            </a:ln>
+            <a:effectLst/>
+          </p:spPr>
+          <p:txBody>
+            <a:bodyPr wrap="square" lIns="45719" tIns="45719" rIns="45719" bIns="45719" numCol="1" anchor="ctr">
+              <a:noAutofit/>
+            </a:bodyPr>
+            <a:lstStyle/>
+            <a:p>
+              <a:pPr algn="ctr">
+                <a:defRPr sz="1000">
+                  <a:solidFill>
+                    <a:srgbClr val="7030A0"/>
+                  </a:solidFill>
+                </a:defRPr>
+              </a:pPr>
+              <a:endParaRPr/>
+            </a:p>
+          </p:txBody>
+        </p:sp>
+        <p:sp>
+          <p:nvSpPr>
+            <p:cNvPr id="476" name="Shape 476"/>
+            <p:cNvSpPr/>
+            <p:nvPr/>
+          </p:nvSpPr>
+          <p:spPr>
+            <a:xfrm>
+              <a:off x="0" y="57810"/>
+              <a:ext cx="1093635" cy="231141"/>
+            </a:xfrm>
+            <a:prstGeom prst="rect">
+              <a:avLst/>
+            </a:prstGeom>
+            <a:noFill/>
+            <a:ln w="12700" cap="flat">
+              <a:noFill/>
+              <a:miter lim="400000"/>
+            </a:ln>
+            <a:effectLst/>
+            <a:extLst>
+              <a:ext uri="{C572A759-6A51-4108-AA02-DFA0A04FC94B}">
+                <ma14:wrappingTextBoxFlag xmlns:ma14="http://schemas.microsoft.com/office/mac/drawingml/2011/main" val="1"/>
+              </a:ext>
+            </a:extLst>
+          </p:spPr>
+          <p:txBody>
+            <a:bodyPr wrap="square" lIns="45719" tIns="45719" rIns="45719" bIns="45719" numCol="1" anchor="ctr">
+              <a:spAutoFit/>
+            </a:bodyPr>
+            <a:lstStyle>
+              <a:lvl1pPr algn="ctr">
+                <a:defRPr sz="1000">
+                  <a:solidFill>
+                    <a:srgbClr val="7030A0"/>
+                  </a:solidFill>
+                </a:defRPr>
+              </a:lvl1pPr>
+            </a:lstStyle>
+            <a:p>
+              <a:r>
+                <a:t>TaskManager</a:t>
+              </a:r>
+            </a:p>
+          </p:txBody>
+        </p:sp>
+      </p:grpSp>
+      <p:sp>
+        <p:nvSpPr>
+          <p:cNvPr id="528" name="Shape 528"/>
+          <p:cNvSpPr/>
+          <p:nvPr/>
+        </p:nvSpPr>
+        <p:spPr>
+          <a:xfrm>
+            <a:off x="2668393" y="2796278"/>
+            <a:ext cx="201572" cy="1203"/>
+          </a:xfrm>
+          <a:custGeom>
+            <a:avLst/>
+            <a:gdLst/>
+            <a:ahLst/>
+            <a:cxnLst>
+              <a:cxn ang="0">
+                <a:pos x="wd2" y="hd2"/>
+              </a:cxn>
+              <a:cxn ang="5400000">
+                <a:pos x="wd2" y="hd2"/>
+              </a:cxn>
+              <a:cxn ang="10800000">
+                <a:pos x="wd2" y="hd2"/>
+              </a:cxn>
+              <a:cxn ang="16200000">
+                <a:pos x="wd2" y="hd2"/>
+              </a:cxn>
+            </a:cxnLst>
+            <a:rect l="0" t="0" r="r" b="b"/>
+            <a:pathLst>
+              <a:path w="21600" h="21600" extrusionOk="0">
+                <a:moveTo>
+                  <a:pt x="0" y="0"/>
+                </a:moveTo>
+                <a:cubicBezTo>
+                  <a:pt x="7200" y="7200"/>
+                  <a:pt x="14400" y="14400"/>
+                  <a:pt x="21600" y="21600"/>
+                </a:cubicBezTo>
+              </a:path>
+            </a:pathLst>
+          </a:custGeom>
           <a:ln w="19050">
             <a:solidFill>
               <a:srgbClr val="7030A0"/>
             </a:solidFill>
-            <a:prstDash val="sysDot"/>
-            <a:headEnd type="none" w="med" len="med"/>
-            <a:tailEnd type="none" w="med" len="med"/>
-          </a:ln>
-          <a:effectLst/>
-        </p:spPr>
-        <p:style>
-          <a:lnRef idx="1">
-            <a:schemeClr val="accent2"/>
-          </a:lnRef>
-          <a:fillRef idx="2">
-            <a:schemeClr val="accent2"/>
-          </a:fillRef>
-          <a:effectRef idx="1">
-            <a:schemeClr val="accent2"/>
-          </a:effectRef>
-          <a:fontRef idx="minor">
-            <a:schemeClr val="dk1"/>
-          </a:fontRef>
-        </p:style>
-      </p:cxnSp>
-      <p:cxnSp>
-        <p:nvCxnSpPr>
-          <p:cNvPr id="107" name="Elbow Connector 106"/>
-          <p:cNvCxnSpPr>
-            <a:stCxn id="9" idx="1"/>
-          </p:cNvCxnSpPr>
-          <p:nvPr/>
-        </p:nvCxnSpPr>
-        <p:spPr>
-          <a:xfrm rot="5400000" flipH="1" flipV="1">
-            <a:off x="4360065" y="1080909"/>
-            <a:ext cx="378691" cy="4637261"/>
-          </a:xfrm>
-          <a:prstGeom prst="bentConnector4">
-            <a:avLst>
-              <a:gd name="adj1" fmla="val -101829"/>
-              <a:gd name="adj2" fmla="val 99976"/>
-            </a:avLst>
-          </a:prstGeom>
+            <a:tailEnd type="triangle"/>
+          </a:ln>
+        </p:spPr>
+        <p:txBody>
+          <a:bodyPr/>
+          <a:lstStyle/>
+          <a:p>
+            <a:endParaRPr/>
+          </a:p>
+        </p:txBody>
+      </p:sp>
+      <p:sp>
+        <p:nvSpPr>
+          <p:cNvPr id="479" name="Shape 479"/>
+          <p:cNvSpPr/>
+          <p:nvPr/>
+        </p:nvSpPr>
+        <p:spPr>
+          <a:xfrm>
+            <a:off x="2422631" y="2708825"/>
+            <a:ext cx="236049" cy="173381"/>
+          </a:xfrm>
+          <a:custGeom>
+            <a:avLst/>
+            <a:gdLst/>
+            <a:ahLst/>
+            <a:cxnLst>
+              <a:cxn ang="0">
+                <a:pos x="wd2" y="hd2"/>
+              </a:cxn>
+              <a:cxn ang="5400000">
+                <a:pos x="wd2" y="hd2"/>
+              </a:cxn>
+              <a:cxn ang="10800000">
+                <a:pos x="wd2" y="hd2"/>
+              </a:cxn>
+              <a:cxn ang="16200000">
+                <a:pos x="wd2" y="hd2"/>
+              </a:cxn>
+            </a:cxnLst>
+            <a:rect l="0" t="0" r="r" b="b"/>
+            <a:pathLst>
+              <a:path w="21600" h="21600" extrusionOk="0">
+                <a:moveTo>
+                  <a:pt x="0" y="10800"/>
+                </a:moveTo>
+                <a:lnTo>
+                  <a:pt x="10800" y="0"/>
+                </a:lnTo>
+                <a:lnTo>
+                  <a:pt x="21600" y="10800"/>
+                </a:lnTo>
+                <a:lnTo>
+                  <a:pt x="10800" y="21600"/>
+                </a:lnTo>
+                <a:close/>
+              </a:path>
+            </a:pathLst>
+          </a:custGeom>
           <a:ln w="19050">
             <a:solidFill>
               <a:srgbClr val="7030A0"/>
             </a:solidFill>
-            <a:prstDash val="solid"/>
-            <a:headEnd type="none" w="med" len="med"/>
-            <a:tailEnd type="arrow" w="med" len="med"/>
-          </a:ln>
-          <a:effectLst/>
-        </p:spPr>
-        <p:style>
-          <a:lnRef idx="1">
-            <a:schemeClr val="accent2"/>
-          </a:lnRef>
-          <a:fillRef idx="2">
-            <a:schemeClr val="accent2"/>
-          </a:fillRef>
-          <a:effectRef idx="1">
-            <a:schemeClr val="accent2"/>
-          </a:effectRef>
-          <a:fontRef idx="minor">
-            <a:schemeClr val="dk1"/>
-          </a:fontRef>
-        </p:style>
-      </p:cxnSp>
-      <p:sp>
-        <p:nvSpPr>
-          <p:cNvPr id="119" name="Rectangle 62"/>
+          </a:ln>
+        </p:spPr>
+        <p:txBody>
+          <a:bodyPr lIns="45719" rIns="45719" anchor="ctr"/>
+          <a:lstStyle/>
+          <a:p>
+            <a:pPr algn="ctr">
+              <a:defRPr sz="1000"/>
+            </a:pPr>
+            <a:endParaRPr/>
+          </a:p>
+        </p:txBody>
+      </p:sp>
+      <p:grpSp>
+        <p:nvGrpSpPr>
+          <p:cNvPr id="482" name="Group 482"/>
+          <p:cNvGrpSpPr/>
+          <p:nvPr/>
+        </p:nvGrpSpPr>
+        <p:grpSpPr>
+          <a:xfrm>
+            <a:off x="4487016" y="2847370"/>
+            <a:ext cx="1156970" cy="346761"/>
+            <a:chOff x="0" y="0"/>
+            <a:chExt cx="1156969" cy="346760"/>
+          </a:xfrm>
+        </p:grpSpPr>
+        <p:sp>
+          <p:nvSpPr>
+            <p:cNvPr id="480" name="Shape 480"/>
+            <p:cNvSpPr/>
+            <p:nvPr/>
+          </p:nvSpPr>
+          <p:spPr>
+            <a:xfrm>
+              <a:off x="-1" y="-1"/>
+              <a:ext cx="1156971" cy="346762"/>
+            </a:xfrm>
+            <a:prstGeom prst="rect">
+              <a:avLst/>
+            </a:prstGeom>
+            <a:gradFill flip="none" rotWithShape="1">
+              <a:gsLst>
+                <a:gs pos="0">
+                  <a:schemeClr val="accent4">
+                    <a:hueOff val="-206663"/>
+                    <a:satOff val="29896"/>
+                    <a:lumOff val="29240"/>
+                  </a:schemeClr>
+                </a:gs>
+                <a:gs pos="35000">
+                  <a:srgbClr val="D8C9EE"/>
+                </a:gs>
+                <a:gs pos="100000">
+                  <a:schemeClr val="accent4">
+                    <a:hueOff val="-242556"/>
+                    <a:satOff val="32941"/>
+                    <a:lumOff val="43328"/>
+                  </a:schemeClr>
+                </a:gs>
+              </a:gsLst>
+              <a:lin ang="16200000" scaled="0"/>
+            </a:gradFill>
+            <a:ln w="19050" cap="flat">
+              <a:solidFill>
+                <a:srgbClr val="7030A0"/>
+              </a:solidFill>
+              <a:prstDash val="solid"/>
+              <a:round/>
+            </a:ln>
+            <a:effectLst/>
+          </p:spPr>
+          <p:txBody>
+            <a:bodyPr wrap="square" lIns="45719" tIns="45719" rIns="45719" bIns="45719" numCol="1" anchor="ctr">
+              <a:noAutofit/>
+            </a:bodyPr>
+            <a:lstStyle/>
+            <a:p>
+              <a:pPr algn="ctr">
+                <a:defRPr sz="1000">
+                  <a:solidFill>
+                    <a:srgbClr val="7030A0"/>
+                  </a:solidFill>
+                </a:defRPr>
+              </a:pPr>
+              <a:endParaRPr/>
+            </a:p>
+          </p:txBody>
+        </p:sp>
+        <p:sp>
+          <p:nvSpPr>
+            <p:cNvPr id="481" name="Shape 481"/>
+            <p:cNvSpPr/>
+            <p:nvPr/>
+          </p:nvSpPr>
+          <p:spPr>
+            <a:xfrm>
+              <a:off x="-1" y="57810"/>
+              <a:ext cx="1156971" cy="231141"/>
+            </a:xfrm>
+            <a:prstGeom prst="rect">
+              <a:avLst/>
+            </a:prstGeom>
+            <a:noFill/>
+            <a:ln w="12700" cap="flat">
+              <a:noFill/>
+              <a:miter lim="400000"/>
+            </a:ln>
+            <a:effectLst/>
+            <a:extLst>
+              <a:ext uri="{C572A759-6A51-4108-AA02-DFA0A04FC94B}">
+                <ma14:wrappingTextBoxFlag xmlns:ma14="http://schemas.microsoft.com/office/mac/drawingml/2011/main" val="1"/>
+              </a:ext>
+            </a:extLst>
+          </p:spPr>
+          <p:txBody>
+            <a:bodyPr wrap="square" lIns="45719" tIns="45719" rIns="45719" bIns="45719" numCol="1" anchor="ctr">
+              <a:spAutoFit/>
+            </a:bodyPr>
+            <a:lstStyle>
+              <a:lvl1pPr algn="ctr">
+                <a:defRPr sz="1000">
+                  <a:solidFill>
+                    <a:srgbClr val="7030A0"/>
+                  </a:solidFill>
+                </a:defRPr>
+              </a:lvl1pPr>
+            </a:lstStyle>
+            <a:p>
+              <a:r>
+                <a:t>UniqueTaskList</a:t>
+              </a:r>
+            </a:p>
+          </p:txBody>
+        </p:sp>
+      </p:grpSp>
+      <p:sp>
+        <p:nvSpPr>
+          <p:cNvPr id="483" name="Shape 483"/>
           <p:cNvSpPr/>
           <p:nvPr/>
         </p:nvSpPr>
         <p:spPr>
-          <a:xfrm rot="16200000">
-            <a:off x="956202" y="2861202"/>
-            <a:ext cx="1093635" cy="346760"/>
-          </a:xfrm>
-          <a:prstGeom prst="rect">
-            <a:avLst/>
-          </a:prstGeom>
+          <a:xfrm>
+            <a:off x="3984302" y="2673991"/>
+            <a:ext cx="236049" cy="173381"/>
+          </a:xfrm>
+          <a:custGeom>
+            <a:avLst/>
+            <a:gdLst/>
+            <a:ahLst/>
+            <a:cxnLst>
+              <a:cxn ang="0">
+                <a:pos x="wd2" y="hd2"/>
+              </a:cxn>
+              <a:cxn ang="5400000">
+                <a:pos x="wd2" y="hd2"/>
+              </a:cxn>
+              <a:cxn ang="10800000">
+                <a:pos x="wd2" y="hd2"/>
+              </a:cxn>
+              <a:cxn ang="16200000">
+                <a:pos x="wd2" y="hd2"/>
+              </a:cxn>
+            </a:cxnLst>
+            <a:rect l="0" t="0" r="r" b="b"/>
+            <a:pathLst>
+              <a:path w="21600" h="21600" extrusionOk="0">
+                <a:moveTo>
+                  <a:pt x="0" y="10800"/>
+                </a:moveTo>
+                <a:lnTo>
+                  <a:pt x="10800" y="0"/>
+                </a:lnTo>
+                <a:lnTo>
+                  <a:pt x="21600" y="10800"/>
+                </a:lnTo>
+                <a:lnTo>
+                  <a:pt x="10800" y="21600"/>
+                </a:lnTo>
+                <a:close/>
+              </a:path>
+            </a:pathLst>
+          </a:custGeom>
           <a:solidFill>
             <a:srgbClr val="7030A0"/>
           </a:solidFill>
@@ -13531,68 +14587,1074 @@
               <a:srgbClr val="7030A0"/>
             </a:solidFill>
           </a:ln>
-          <a:effectLst/>
-        </p:spPr>
-        <p:style>
-          <a:lnRef idx="1">
-            <a:schemeClr val="accent2"/>
-          </a:lnRef>
-          <a:fillRef idx="2">
-            <a:schemeClr val="accent2"/>
-          </a:fillRef>
-          <a:effectRef idx="1">
-            <a:schemeClr val="accent2"/>
-          </a:effectRef>
-          <a:fontRef idx="minor">
-            <a:schemeClr val="dk1"/>
-          </a:fontRef>
-        </p:style>
-        <p:txBody>
-          <a:bodyPr rtlCol="0" anchor="ctr"/>
+        </p:spPr>
+        <p:txBody>
+          <a:bodyPr lIns="45719" rIns="45719" anchor="ctr"/>
           <a:lstStyle/>
           <a:p>
-            <a:pPr algn="ctr"/>
-            <a:r>
-              <a:rPr lang="en-US" sz="1050" dirty="0">
-                <a:solidFill>
-                  <a:schemeClr val="bg1"/>
-                </a:solidFill>
-              </a:rPr>
-              <a:t>&lt;&lt;interface&gt;&gt;</a:t>
-            </a:r>
-          </a:p>
-          <a:p>
-            <a:pPr algn="ctr"/>
-            <a:r>
-              <a:rPr lang="en-US" sz="1050" dirty="0" smtClean="0">
-                <a:solidFill>
-                  <a:schemeClr val="bg1"/>
-                </a:solidFill>
-              </a:rPr>
-              <a:t>Model</a:t>
-            </a:r>
-            <a:endParaRPr lang="en-SG" sz="1050" dirty="0">
+            <a:pPr algn="ctr">
+              <a:defRPr sz="1000"/>
+            </a:pPr>
+            <a:endParaRPr/>
+          </a:p>
+        </p:txBody>
+      </p:sp>
+      <p:sp>
+        <p:nvSpPr>
+          <p:cNvPr id="529" name="Shape 529"/>
+          <p:cNvSpPr/>
+          <p:nvPr/>
+        </p:nvSpPr>
+        <p:spPr>
+          <a:xfrm>
+            <a:off x="4102100" y="2409190"/>
+            <a:ext cx="374650" cy="610870"/>
+          </a:xfrm>
+          <a:custGeom>
+            <a:avLst/>
+            <a:gdLst/>
+            <a:ahLst/>
+            <a:cxnLst>
+              <a:cxn ang="0">
+                <a:pos x="wd2" y="hd2"/>
+              </a:cxn>
+              <a:cxn ang="5400000">
+                <a:pos x="wd2" y="hd2"/>
+              </a:cxn>
+              <a:cxn ang="10800000">
+                <a:pos x="wd2" y="hd2"/>
+              </a:cxn>
+              <a:cxn ang="16200000">
+                <a:pos x="wd2" y="hd2"/>
+              </a:cxn>
+            </a:cxnLst>
+            <a:rect l="0" t="0" r="r" b="b"/>
+            <a:pathLst>
+              <a:path w="21600" h="21600" extrusionOk="0">
+                <a:moveTo>
+                  <a:pt x="0" y="8981"/>
+                </a:moveTo>
+                <a:lnTo>
+                  <a:pt x="0" y="0"/>
+                </a:lnTo>
+                <a:lnTo>
+                  <a:pt x="6517" y="0"/>
+                </a:lnTo>
+                <a:lnTo>
+                  <a:pt x="6517" y="21600"/>
+                </a:lnTo>
+                <a:lnTo>
+                  <a:pt x="21600" y="21600"/>
+                </a:lnTo>
+              </a:path>
+            </a:pathLst>
+          </a:custGeom>
+          <a:ln w="19050">
+            <a:solidFill>
+              <a:srgbClr val="7030A0"/>
+            </a:solidFill>
+            <a:tailEnd type="triangle"/>
+          </a:ln>
+        </p:spPr>
+        <p:txBody>
+          <a:bodyPr/>
+          <a:lstStyle/>
+          <a:p>
+            <a:endParaRPr/>
+          </a:p>
+        </p:txBody>
+      </p:sp>
+      <p:grpSp>
+        <p:nvGrpSpPr>
+          <p:cNvPr id="487" name="Group 487"/>
+          <p:cNvGrpSpPr/>
+          <p:nvPr/>
+        </p:nvGrpSpPr>
+        <p:grpSpPr>
+          <a:xfrm>
+            <a:off x="4503203" y="2280568"/>
+            <a:ext cx="1156970" cy="346761"/>
+            <a:chOff x="0" y="0"/>
+            <a:chExt cx="1156969" cy="346760"/>
+          </a:xfrm>
+        </p:grpSpPr>
+        <p:sp>
+          <p:nvSpPr>
+            <p:cNvPr id="485" name="Shape 485"/>
+            <p:cNvSpPr/>
+            <p:nvPr/>
+          </p:nvSpPr>
+          <p:spPr>
+            <a:xfrm>
+              <a:off x="-1" y="-1"/>
+              <a:ext cx="1156971" cy="346762"/>
+            </a:xfrm>
+            <a:prstGeom prst="rect">
+              <a:avLst/>
+            </a:prstGeom>
+            <a:gradFill flip="none" rotWithShape="1">
+              <a:gsLst>
+                <a:gs pos="0">
+                  <a:schemeClr val="accent4">
+                    <a:hueOff val="-206663"/>
+                    <a:satOff val="29896"/>
+                    <a:lumOff val="29240"/>
+                  </a:schemeClr>
+                </a:gs>
+                <a:gs pos="35000">
+                  <a:srgbClr val="D8C9EE"/>
+                </a:gs>
+                <a:gs pos="100000">
+                  <a:schemeClr val="accent4">
+                    <a:hueOff val="-242556"/>
+                    <a:satOff val="32941"/>
+                    <a:lumOff val="43328"/>
+                  </a:schemeClr>
+                </a:gs>
+              </a:gsLst>
+              <a:lin ang="16200000" scaled="0"/>
+            </a:gradFill>
+            <a:ln w="19050" cap="flat">
               <a:solidFill>
-                <a:schemeClr val="bg1"/>
+                <a:srgbClr val="7030A0"/>
               </a:solidFill>
-            </a:endParaRPr>
-          </a:p>
-        </p:txBody>
-      </p:sp>
-      <p:sp>
-        <p:nvSpPr>
-          <p:cNvPr id="120" name="Isosceles Triangle 102"/>
+              <a:prstDash val="solid"/>
+              <a:round/>
+            </a:ln>
+            <a:effectLst/>
+          </p:spPr>
+          <p:txBody>
+            <a:bodyPr wrap="square" lIns="45719" tIns="45719" rIns="45719" bIns="45719" numCol="1" anchor="ctr">
+              <a:noAutofit/>
+            </a:bodyPr>
+            <a:lstStyle/>
+            <a:p>
+              <a:pPr algn="ctr">
+                <a:defRPr sz="1000">
+                  <a:solidFill>
+                    <a:srgbClr val="7030A0"/>
+                  </a:solidFill>
+                </a:defRPr>
+              </a:pPr>
+              <a:endParaRPr/>
+            </a:p>
+          </p:txBody>
+        </p:sp>
+        <p:sp>
+          <p:nvSpPr>
+            <p:cNvPr id="486" name="Shape 486"/>
+            <p:cNvSpPr/>
+            <p:nvPr/>
+          </p:nvSpPr>
+          <p:spPr>
+            <a:xfrm>
+              <a:off x="-1" y="57810"/>
+              <a:ext cx="1156971" cy="231141"/>
+            </a:xfrm>
+            <a:prstGeom prst="rect">
+              <a:avLst/>
+            </a:prstGeom>
+            <a:noFill/>
+            <a:ln w="12700" cap="flat">
+              <a:noFill/>
+              <a:miter lim="400000"/>
+            </a:ln>
+            <a:effectLst/>
+            <a:extLst>
+              <a:ext uri="{C572A759-6A51-4108-AA02-DFA0A04FC94B}">
+                <ma14:wrappingTextBoxFlag xmlns:ma14="http://schemas.microsoft.com/office/mac/drawingml/2011/main" val="1"/>
+              </a:ext>
+            </a:extLst>
+          </p:spPr>
+          <p:txBody>
+            <a:bodyPr wrap="square" lIns="45719" tIns="45719" rIns="45719" bIns="45719" numCol="1" anchor="ctr">
+              <a:spAutoFit/>
+            </a:bodyPr>
+            <a:lstStyle>
+              <a:lvl1pPr algn="ctr">
+                <a:defRPr sz="1000">
+                  <a:solidFill>
+                    <a:srgbClr val="7030A0"/>
+                  </a:solidFill>
+                </a:defRPr>
+              </a:lvl1pPr>
+            </a:lstStyle>
+            <a:p>
+              <a:r>
+                <a:t>UniqueTagList</a:t>
+              </a:r>
+            </a:p>
+          </p:txBody>
+        </p:sp>
+      </p:grpSp>
+      <p:sp>
+        <p:nvSpPr>
+          <p:cNvPr id="530" name="Shape 530"/>
           <p:cNvSpPr/>
           <p:nvPr/>
         </p:nvSpPr>
         <p:spPr>
-          <a:xfrm rot="16200000">
-            <a:off x="1626910" y="2952291"/>
-            <a:ext cx="270504" cy="175523"/>
-          </a:xfrm>
-          <a:prstGeom prst="triangle">
-            <a:avLst/>
-          </a:prstGeom>
+          <a:xfrm>
+            <a:off x="4102100" y="2453640"/>
+            <a:ext cx="391160" cy="656590"/>
+          </a:xfrm>
+          <a:custGeom>
+            <a:avLst/>
+            <a:gdLst/>
+            <a:ahLst/>
+            <a:cxnLst>
+              <a:cxn ang="0">
+                <a:pos x="wd2" y="hd2"/>
+              </a:cxn>
+              <a:cxn ang="5400000">
+                <a:pos x="wd2" y="hd2"/>
+              </a:cxn>
+              <a:cxn ang="10800000">
+                <a:pos x="wd2" y="hd2"/>
+              </a:cxn>
+              <a:cxn ang="16200000">
+                <a:pos x="wd2" y="hd2"/>
+              </a:cxn>
+            </a:cxnLst>
+            <a:rect l="0" t="0" r="r" b="b"/>
+            <a:pathLst>
+              <a:path w="21600" h="21600" extrusionOk="0">
+                <a:moveTo>
+                  <a:pt x="0" y="13244"/>
+                </a:moveTo>
+                <a:lnTo>
+                  <a:pt x="0" y="21600"/>
+                </a:lnTo>
+                <a:lnTo>
+                  <a:pt x="6242" y="21600"/>
+                </a:lnTo>
+                <a:lnTo>
+                  <a:pt x="6242" y="0"/>
+                </a:lnTo>
+                <a:lnTo>
+                  <a:pt x="21600" y="0"/>
+                </a:lnTo>
+              </a:path>
+            </a:pathLst>
+          </a:custGeom>
+          <a:ln w="19050">
+            <a:solidFill>
+              <a:srgbClr val="7030A0"/>
+            </a:solidFill>
+            <a:tailEnd type="triangle"/>
+          </a:ln>
+        </p:spPr>
+        <p:txBody>
+          <a:bodyPr/>
+          <a:lstStyle/>
+          <a:p>
+            <a:endParaRPr/>
+          </a:p>
+        </p:txBody>
+      </p:sp>
+      <p:grpSp>
+        <p:nvGrpSpPr>
+          <p:cNvPr id="491" name="Group 491"/>
+          <p:cNvGrpSpPr/>
+          <p:nvPr/>
+        </p:nvGrpSpPr>
+        <p:grpSpPr>
+          <a:xfrm>
+            <a:off x="6313677" y="2858066"/>
+            <a:ext cx="708187" cy="346761"/>
+            <a:chOff x="0" y="0"/>
+            <a:chExt cx="708185" cy="346760"/>
+          </a:xfrm>
+        </p:grpSpPr>
+        <p:sp>
+          <p:nvSpPr>
+            <p:cNvPr id="489" name="Shape 489"/>
+            <p:cNvSpPr/>
+            <p:nvPr/>
+          </p:nvSpPr>
+          <p:spPr>
+            <a:xfrm>
+              <a:off x="0" y="-1"/>
+              <a:ext cx="708186" cy="346762"/>
+            </a:xfrm>
+            <a:prstGeom prst="rect">
+              <a:avLst/>
+            </a:prstGeom>
+            <a:gradFill flip="none" rotWithShape="1">
+              <a:gsLst>
+                <a:gs pos="0">
+                  <a:schemeClr val="accent4">
+                    <a:hueOff val="-206663"/>
+                    <a:satOff val="29896"/>
+                    <a:lumOff val="29240"/>
+                  </a:schemeClr>
+                </a:gs>
+                <a:gs pos="35000">
+                  <a:srgbClr val="D8C9EE"/>
+                </a:gs>
+                <a:gs pos="100000">
+                  <a:schemeClr val="accent4">
+                    <a:hueOff val="-242556"/>
+                    <a:satOff val="32941"/>
+                    <a:lumOff val="43328"/>
+                  </a:schemeClr>
+                </a:gs>
+              </a:gsLst>
+              <a:lin ang="16200000" scaled="0"/>
+            </a:gradFill>
+            <a:ln w="19050" cap="flat">
+              <a:solidFill>
+                <a:srgbClr val="7030A0"/>
+              </a:solidFill>
+              <a:prstDash val="solid"/>
+              <a:round/>
+            </a:ln>
+            <a:effectLst/>
+          </p:spPr>
+          <p:txBody>
+            <a:bodyPr wrap="square" lIns="45719" tIns="45719" rIns="45719" bIns="45719" numCol="1" anchor="ctr">
+              <a:noAutofit/>
+            </a:bodyPr>
+            <a:lstStyle/>
+            <a:p>
+              <a:pPr algn="ctr">
+                <a:defRPr sz="1000">
+                  <a:solidFill>
+                    <a:srgbClr val="7030A0"/>
+                  </a:solidFill>
+                </a:defRPr>
+              </a:pPr>
+              <a:endParaRPr/>
+            </a:p>
+          </p:txBody>
+        </p:sp>
+        <p:sp>
+          <p:nvSpPr>
+            <p:cNvPr id="490" name="Shape 490"/>
+            <p:cNvSpPr/>
+            <p:nvPr/>
+          </p:nvSpPr>
+          <p:spPr>
+            <a:xfrm>
+              <a:off x="0" y="57810"/>
+              <a:ext cx="708186" cy="231141"/>
+            </a:xfrm>
+            <a:prstGeom prst="rect">
+              <a:avLst/>
+            </a:prstGeom>
+            <a:noFill/>
+            <a:ln w="12700" cap="flat">
+              <a:noFill/>
+              <a:miter lim="400000"/>
+            </a:ln>
+            <a:effectLst/>
+            <a:extLst>
+              <a:ext uri="{C572A759-6A51-4108-AA02-DFA0A04FC94B}">
+                <ma14:wrappingTextBoxFlag xmlns:ma14="http://schemas.microsoft.com/office/mac/drawingml/2011/main" val="1"/>
+              </a:ext>
+            </a:extLst>
+          </p:spPr>
+          <p:txBody>
+            <a:bodyPr wrap="square" lIns="45719" tIns="45719" rIns="45719" bIns="45719" numCol="1" anchor="ctr">
+              <a:spAutoFit/>
+            </a:bodyPr>
+            <a:lstStyle>
+              <a:lvl1pPr algn="ctr">
+                <a:defRPr sz="1000">
+                  <a:solidFill>
+                    <a:srgbClr val="7030A0"/>
+                  </a:solidFill>
+                </a:defRPr>
+              </a:lvl1pPr>
+            </a:lstStyle>
+            <a:p>
+              <a:r>
+                <a:t>Task</a:t>
+              </a:r>
+            </a:p>
+          </p:txBody>
+        </p:sp>
+      </p:grpSp>
+      <p:sp>
+        <p:nvSpPr>
+          <p:cNvPr id="492" name="Shape 492"/>
+          <p:cNvSpPr/>
+          <p:nvPr/>
+        </p:nvSpPr>
+        <p:spPr>
+          <a:xfrm>
+            <a:off x="5643226" y="2943979"/>
+            <a:ext cx="236049" cy="173381"/>
+          </a:xfrm>
+          <a:custGeom>
+            <a:avLst/>
+            <a:gdLst/>
+            <a:ahLst/>
+            <a:cxnLst>
+              <a:cxn ang="0">
+                <a:pos x="wd2" y="hd2"/>
+              </a:cxn>
+              <a:cxn ang="5400000">
+                <a:pos x="wd2" y="hd2"/>
+              </a:cxn>
+              <a:cxn ang="10800000">
+                <a:pos x="wd2" y="hd2"/>
+              </a:cxn>
+              <a:cxn ang="16200000">
+                <a:pos x="wd2" y="hd2"/>
+              </a:cxn>
+            </a:cxnLst>
+            <a:rect l="0" t="0" r="r" b="b"/>
+            <a:pathLst>
+              <a:path w="21600" h="21600" extrusionOk="0">
+                <a:moveTo>
+                  <a:pt x="0" y="10800"/>
+                </a:moveTo>
+                <a:lnTo>
+                  <a:pt x="10800" y="0"/>
+                </a:lnTo>
+                <a:lnTo>
+                  <a:pt x="21600" y="10800"/>
+                </a:lnTo>
+                <a:lnTo>
+                  <a:pt x="10800" y="21600"/>
+                </a:lnTo>
+                <a:close/>
+              </a:path>
+            </a:pathLst>
+          </a:custGeom>
+          <a:ln w="19050">
+            <a:solidFill>
+              <a:srgbClr val="7030A0"/>
+            </a:solidFill>
+          </a:ln>
+        </p:spPr>
+        <p:txBody>
+          <a:bodyPr lIns="45719" rIns="45719" anchor="ctr"/>
+          <a:lstStyle/>
+          <a:p>
+            <a:pPr algn="ctr">
+              <a:defRPr sz="1000"/>
+            </a:pPr>
+            <a:endParaRPr/>
+          </a:p>
+        </p:txBody>
+      </p:sp>
+      <p:sp>
+        <p:nvSpPr>
+          <p:cNvPr id="531" name="Shape 531"/>
+          <p:cNvSpPr/>
+          <p:nvPr/>
+        </p:nvSpPr>
+        <p:spPr>
+          <a:xfrm>
+            <a:off x="5760720" y="3030220"/>
+            <a:ext cx="542290" cy="350520"/>
+          </a:xfrm>
+          <a:custGeom>
+            <a:avLst/>
+            <a:gdLst/>
+            <a:ahLst/>
+            <a:cxnLst>
+              <a:cxn ang="0">
+                <a:pos x="wd2" y="hd2"/>
+              </a:cxn>
+              <a:cxn ang="5400000">
+                <a:pos x="wd2" y="hd2"/>
+              </a:cxn>
+              <a:cxn ang="10800000">
+                <a:pos x="wd2" y="hd2"/>
+              </a:cxn>
+              <a:cxn ang="16200000">
+                <a:pos x="wd2" y="hd2"/>
+              </a:cxn>
+            </a:cxnLst>
+            <a:rect l="0" t="0" r="r" b="b"/>
+            <a:pathLst>
+              <a:path w="21600" h="21600" extrusionOk="0">
+                <a:moveTo>
+                  <a:pt x="0" y="5948"/>
+                </a:moveTo>
+                <a:lnTo>
+                  <a:pt x="0" y="21600"/>
+                </a:lnTo>
+                <a:lnTo>
+                  <a:pt x="11483" y="21600"/>
+                </a:lnTo>
+                <a:lnTo>
+                  <a:pt x="11483" y="0"/>
+                </a:lnTo>
+                <a:lnTo>
+                  <a:pt x="21600" y="0"/>
+                </a:lnTo>
+              </a:path>
+            </a:pathLst>
+          </a:custGeom>
+          <a:ln w="19050">
+            <a:solidFill>
+              <a:srgbClr val="7030A0"/>
+            </a:solidFill>
+            <a:tailEnd type="triangle"/>
+          </a:ln>
+        </p:spPr>
+        <p:txBody>
+          <a:bodyPr/>
+          <a:lstStyle/>
+          <a:p>
+            <a:endParaRPr/>
+          </a:p>
+        </p:txBody>
+      </p:sp>
+      <p:grpSp>
+        <p:nvGrpSpPr>
+          <p:cNvPr id="496" name="Group 496"/>
+          <p:cNvGrpSpPr/>
+          <p:nvPr/>
+        </p:nvGrpSpPr>
+        <p:grpSpPr>
+          <a:xfrm>
+            <a:off x="6315288" y="2285583"/>
+            <a:ext cx="708187" cy="346761"/>
+            <a:chOff x="0" y="0"/>
+            <a:chExt cx="708185" cy="346760"/>
+          </a:xfrm>
+        </p:grpSpPr>
+        <p:sp>
+          <p:nvSpPr>
+            <p:cNvPr id="494" name="Shape 494"/>
+            <p:cNvSpPr/>
+            <p:nvPr/>
+          </p:nvSpPr>
+          <p:spPr>
+            <a:xfrm>
+              <a:off x="0" y="-1"/>
+              <a:ext cx="708186" cy="346762"/>
+            </a:xfrm>
+            <a:prstGeom prst="rect">
+              <a:avLst/>
+            </a:prstGeom>
+            <a:gradFill flip="none" rotWithShape="1">
+              <a:gsLst>
+                <a:gs pos="0">
+                  <a:schemeClr val="accent4">
+                    <a:hueOff val="-206663"/>
+                    <a:satOff val="29896"/>
+                    <a:lumOff val="29240"/>
+                  </a:schemeClr>
+                </a:gs>
+                <a:gs pos="35000">
+                  <a:srgbClr val="D8C9EE"/>
+                </a:gs>
+                <a:gs pos="100000">
+                  <a:schemeClr val="accent4">
+                    <a:hueOff val="-242556"/>
+                    <a:satOff val="32941"/>
+                    <a:lumOff val="43328"/>
+                  </a:schemeClr>
+                </a:gs>
+              </a:gsLst>
+              <a:lin ang="16200000" scaled="0"/>
+            </a:gradFill>
+            <a:ln w="19050" cap="flat">
+              <a:solidFill>
+                <a:srgbClr val="7030A0"/>
+              </a:solidFill>
+              <a:prstDash val="solid"/>
+              <a:round/>
+            </a:ln>
+            <a:effectLst/>
+          </p:spPr>
+          <p:txBody>
+            <a:bodyPr wrap="square" lIns="45719" tIns="45719" rIns="45719" bIns="45719" numCol="1" anchor="ctr">
+              <a:noAutofit/>
+            </a:bodyPr>
+            <a:lstStyle/>
+            <a:p>
+              <a:pPr algn="ctr">
+                <a:defRPr sz="1000">
+                  <a:solidFill>
+                    <a:srgbClr val="7030A0"/>
+                  </a:solidFill>
+                </a:defRPr>
+              </a:pPr>
+              <a:endParaRPr/>
+            </a:p>
+          </p:txBody>
+        </p:sp>
+        <p:sp>
+          <p:nvSpPr>
+            <p:cNvPr id="495" name="Shape 495"/>
+            <p:cNvSpPr/>
+            <p:nvPr/>
+          </p:nvSpPr>
+          <p:spPr>
+            <a:xfrm>
+              <a:off x="0" y="57810"/>
+              <a:ext cx="708186" cy="231141"/>
+            </a:xfrm>
+            <a:prstGeom prst="rect">
+              <a:avLst/>
+            </a:prstGeom>
+            <a:noFill/>
+            <a:ln w="12700" cap="flat">
+              <a:noFill/>
+              <a:miter lim="400000"/>
+            </a:ln>
+            <a:effectLst/>
+            <a:extLst>
+              <a:ext uri="{C572A759-6A51-4108-AA02-DFA0A04FC94B}">
+                <ma14:wrappingTextBoxFlag xmlns:ma14="http://schemas.microsoft.com/office/mac/drawingml/2011/main" val="1"/>
+              </a:ext>
+            </a:extLst>
+          </p:spPr>
+          <p:txBody>
+            <a:bodyPr wrap="square" lIns="45719" tIns="45719" rIns="45719" bIns="45719" numCol="1" anchor="ctr">
+              <a:spAutoFit/>
+            </a:bodyPr>
+            <a:lstStyle>
+              <a:lvl1pPr algn="ctr">
+                <a:defRPr sz="1000">
+                  <a:solidFill>
+                    <a:srgbClr val="7030A0"/>
+                  </a:solidFill>
+                </a:defRPr>
+              </a:lvl1pPr>
+            </a:lstStyle>
+            <a:p>
+              <a:r>
+                <a:t>Tag</a:t>
+              </a:r>
+            </a:p>
+          </p:txBody>
+        </p:sp>
+      </p:grpSp>
+      <p:sp>
+        <p:nvSpPr>
+          <p:cNvPr id="497" name="Shape 497"/>
+          <p:cNvSpPr/>
+          <p:nvPr/>
+        </p:nvSpPr>
+        <p:spPr>
+          <a:xfrm>
+            <a:off x="5672547" y="2371496"/>
+            <a:ext cx="236049" cy="173381"/>
+          </a:xfrm>
+          <a:custGeom>
+            <a:avLst/>
+            <a:gdLst/>
+            <a:ahLst/>
+            <a:cxnLst>
+              <a:cxn ang="0">
+                <a:pos x="wd2" y="hd2"/>
+              </a:cxn>
+              <a:cxn ang="5400000">
+                <a:pos x="wd2" y="hd2"/>
+              </a:cxn>
+              <a:cxn ang="10800000">
+                <a:pos x="wd2" y="hd2"/>
+              </a:cxn>
+              <a:cxn ang="16200000">
+                <a:pos x="wd2" y="hd2"/>
+              </a:cxn>
+            </a:cxnLst>
+            <a:rect l="0" t="0" r="r" b="b"/>
+            <a:pathLst>
+              <a:path w="21600" h="21600" extrusionOk="0">
+                <a:moveTo>
+                  <a:pt x="0" y="10800"/>
+                </a:moveTo>
+                <a:lnTo>
+                  <a:pt x="10800" y="0"/>
+                </a:lnTo>
+                <a:lnTo>
+                  <a:pt x="21600" y="10800"/>
+                </a:lnTo>
+                <a:lnTo>
+                  <a:pt x="10800" y="21600"/>
+                </a:lnTo>
+                <a:close/>
+              </a:path>
+            </a:pathLst>
+          </a:custGeom>
+          <a:ln w="19050">
+            <a:solidFill>
+              <a:srgbClr val="7030A0"/>
+            </a:solidFill>
+          </a:ln>
+        </p:spPr>
+        <p:txBody>
+          <a:bodyPr lIns="45719" rIns="45719" anchor="ctr"/>
+          <a:lstStyle/>
+          <a:p>
+            <a:pPr algn="ctr">
+              <a:defRPr sz="1000"/>
+            </a:pPr>
+            <a:endParaRPr/>
+          </a:p>
+        </p:txBody>
+      </p:sp>
+      <p:sp>
+        <p:nvSpPr>
+          <p:cNvPr id="532" name="Shape 532"/>
+          <p:cNvSpPr/>
+          <p:nvPr/>
+        </p:nvSpPr>
+        <p:spPr>
+          <a:xfrm>
+            <a:off x="5789930" y="2458720"/>
+            <a:ext cx="515621" cy="349251"/>
+          </a:xfrm>
+          <a:custGeom>
+            <a:avLst/>
+            <a:gdLst/>
+            <a:ahLst/>
+            <a:cxnLst>
+              <a:cxn ang="0">
+                <a:pos x="wd2" y="hd2"/>
+              </a:cxn>
+              <a:cxn ang="5400000">
+                <a:pos x="wd2" y="hd2"/>
+              </a:cxn>
+              <a:cxn ang="10800000">
+                <a:pos x="wd2" y="hd2"/>
+              </a:cxn>
+              <a:cxn ang="16200000">
+                <a:pos x="wd2" y="hd2"/>
+              </a:cxn>
+            </a:cxnLst>
+            <a:rect l="0" t="0" r="r" b="b"/>
+            <a:pathLst>
+              <a:path w="21600" h="21600" extrusionOk="0">
+                <a:moveTo>
+                  <a:pt x="0" y="5891"/>
+                </a:moveTo>
+                <a:lnTo>
+                  <a:pt x="0" y="21600"/>
+                </a:lnTo>
+                <a:lnTo>
+                  <a:pt x="10960" y="21600"/>
+                </a:lnTo>
+                <a:lnTo>
+                  <a:pt x="10960" y="0"/>
+                </a:lnTo>
+                <a:lnTo>
+                  <a:pt x="21600" y="0"/>
+                </a:lnTo>
+              </a:path>
+            </a:pathLst>
+          </a:custGeom>
+          <a:ln w="19050">
+            <a:solidFill>
+              <a:srgbClr val="7030A0"/>
+            </a:solidFill>
+            <a:tailEnd type="triangle"/>
+          </a:ln>
+        </p:spPr>
+        <p:txBody>
+          <a:bodyPr/>
+          <a:lstStyle/>
+          <a:p>
+            <a:endParaRPr/>
+          </a:p>
+        </p:txBody>
+      </p:sp>
+      <p:grpSp>
+        <p:nvGrpSpPr>
+          <p:cNvPr id="501" name="Group 501"/>
+          <p:cNvGrpSpPr/>
+          <p:nvPr/>
+        </p:nvGrpSpPr>
+        <p:grpSpPr>
+          <a:xfrm>
+            <a:off x="5128257" y="3416960"/>
+            <a:ext cx="1156970" cy="370841"/>
+            <a:chOff x="0" y="0"/>
+            <a:chExt cx="1156969" cy="370840"/>
+          </a:xfrm>
+        </p:grpSpPr>
+        <p:sp>
+          <p:nvSpPr>
+            <p:cNvPr id="499" name="Shape 499"/>
+            <p:cNvSpPr/>
+            <p:nvPr/>
+          </p:nvSpPr>
+          <p:spPr>
+            <a:xfrm>
+              <a:off x="0" y="12039"/>
+              <a:ext cx="1156970" cy="346761"/>
+            </a:xfrm>
+            <a:prstGeom prst="rect">
+              <a:avLst/>
+            </a:prstGeom>
+            <a:gradFill flip="none" rotWithShape="1">
+              <a:gsLst>
+                <a:gs pos="0">
+                  <a:schemeClr val="accent4">
+                    <a:hueOff val="-206663"/>
+                    <a:satOff val="29896"/>
+                    <a:lumOff val="29240"/>
+                  </a:schemeClr>
+                </a:gs>
+                <a:gs pos="35000">
+                  <a:srgbClr val="D8C9EE"/>
+                </a:gs>
+                <a:gs pos="100000">
+                  <a:schemeClr val="accent4">
+                    <a:hueOff val="-242556"/>
+                    <a:satOff val="32941"/>
+                    <a:lumOff val="43328"/>
+                  </a:schemeClr>
+                </a:gs>
+              </a:gsLst>
+              <a:lin ang="16200000" scaled="0"/>
+            </a:gradFill>
+            <a:ln w="19050" cap="flat">
+              <a:solidFill>
+                <a:srgbClr val="7030A0"/>
+              </a:solidFill>
+              <a:prstDash val="solid"/>
+              <a:round/>
+            </a:ln>
+            <a:effectLst/>
+          </p:spPr>
+          <p:txBody>
+            <a:bodyPr wrap="square" lIns="45719" tIns="45719" rIns="45719" bIns="45719" numCol="1" anchor="ctr">
+              <a:noAutofit/>
+            </a:bodyPr>
+            <a:lstStyle/>
+            <a:p>
+              <a:pPr algn="ctr">
+                <a:defRPr sz="1000">
+                  <a:solidFill>
+                    <a:srgbClr val="7030A0"/>
+                  </a:solidFill>
+                </a:defRPr>
+              </a:pPr>
+              <a:endParaRPr/>
+            </a:p>
+          </p:txBody>
+        </p:sp>
+        <p:sp>
+          <p:nvSpPr>
+            <p:cNvPr id="500" name="Shape 500"/>
+            <p:cNvSpPr/>
+            <p:nvPr/>
+          </p:nvSpPr>
+          <p:spPr>
+            <a:xfrm>
+              <a:off x="0" y="0"/>
+              <a:ext cx="1156970" cy="370840"/>
+            </a:xfrm>
+            <a:prstGeom prst="rect">
+              <a:avLst/>
+            </a:prstGeom>
+            <a:noFill/>
+            <a:ln w="12700" cap="flat">
+              <a:noFill/>
+              <a:miter lim="400000"/>
+            </a:ln>
+            <a:effectLst/>
+            <a:extLst>
+              <a:ext uri="{C572A759-6A51-4108-AA02-DFA0A04FC94B}">
+                <ma14:wrappingTextBoxFlag xmlns:ma14="http://schemas.microsoft.com/office/mac/drawingml/2011/main" val="1"/>
+              </a:ext>
+            </a:extLst>
+          </p:spPr>
+          <p:txBody>
+            <a:bodyPr wrap="square" lIns="45719" tIns="45719" rIns="45719" bIns="45719" numCol="1" anchor="ctr">
+              <a:spAutoFit/>
+            </a:bodyPr>
+            <a:lstStyle/>
+            <a:p>
+              <a:pPr algn="ctr">
+                <a:defRPr sz="1000">
+                  <a:solidFill>
+                    <a:srgbClr val="7030A0"/>
+                  </a:solidFill>
+                </a:defRPr>
+              </a:pPr>
+              <a:r>
+                <a:t>&lt;&lt;interface&gt;&gt;</a:t>
+              </a:r>
+              <a:br/>
+              <a:r>
+                <a:t>ReadOnlyTask</a:t>
+              </a:r>
+            </a:p>
+          </p:txBody>
+        </p:sp>
+      </p:grpSp>
+      <p:grpSp>
+        <p:nvGrpSpPr>
+          <p:cNvPr id="504" name="Group 504"/>
+          <p:cNvGrpSpPr/>
+          <p:nvPr/>
+        </p:nvGrpSpPr>
+        <p:grpSpPr>
+          <a:xfrm>
+            <a:off x="7712396" y="2564238"/>
+            <a:ext cx="708187" cy="285784"/>
+            <a:chOff x="0" y="0"/>
+            <a:chExt cx="708185" cy="285782"/>
+          </a:xfrm>
+        </p:grpSpPr>
+        <p:sp>
+          <p:nvSpPr>
+            <p:cNvPr id="502" name="Shape 502"/>
+            <p:cNvSpPr/>
+            <p:nvPr/>
+          </p:nvSpPr>
+          <p:spPr>
+            <a:xfrm>
+              <a:off x="0" y="0"/>
+              <a:ext cx="708186" cy="285783"/>
+            </a:xfrm>
+            <a:prstGeom prst="rect">
+              <a:avLst/>
+            </a:prstGeom>
+            <a:gradFill flip="none" rotWithShape="1">
+              <a:gsLst>
+                <a:gs pos="0">
+                  <a:schemeClr val="accent4">
+                    <a:hueOff val="-206663"/>
+                    <a:satOff val="29896"/>
+                    <a:lumOff val="29240"/>
+                  </a:schemeClr>
+                </a:gs>
+                <a:gs pos="35000">
+                  <a:srgbClr val="D8C9EE"/>
+                </a:gs>
+                <a:gs pos="100000">
+                  <a:schemeClr val="accent4">
+                    <a:hueOff val="-242556"/>
+                    <a:satOff val="32941"/>
+                    <a:lumOff val="43328"/>
+                  </a:schemeClr>
+                </a:gs>
+              </a:gsLst>
+              <a:lin ang="16200000" scaled="0"/>
+            </a:gradFill>
+            <a:ln w="19050" cap="flat">
+              <a:solidFill>
+                <a:srgbClr val="7030A0"/>
+              </a:solidFill>
+              <a:prstDash val="solid"/>
+              <a:round/>
+            </a:ln>
+            <a:effectLst/>
+          </p:spPr>
+          <p:txBody>
+            <a:bodyPr wrap="square" lIns="45719" tIns="45719" rIns="45719" bIns="45719" numCol="1" anchor="ctr">
+              <a:noAutofit/>
+            </a:bodyPr>
+            <a:lstStyle/>
+            <a:p>
+              <a:pPr algn="ctr">
+                <a:defRPr sz="1000">
+                  <a:solidFill>
+                    <a:srgbClr val="7030A0"/>
+                  </a:solidFill>
+                </a:defRPr>
+              </a:pPr>
+              <a:endParaRPr/>
+            </a:p>
+          </p:txBody>
+        </p:sp>
+        <p:sp>
+          <p:nvSpPr>
+            <p:cNvPr id="503" name="Shape 503"/>
+            <p:cNvSpPr/>
+            <p:nvPr/>
+          </p:nvSpPr>
+          <p:spPr>
+            <a:xfrm>
+              <a:off x="0" y="27321"/>
+              <a:ext cx="708186" cy="231141"/>
+            </a:xfrm>
+            <a:prstGeom prst="rect">
+              <a:avLst/>
+            </a:prstGeom>
+            <a:noFill/>
+            <a:ln w="12700" cap="flat">
+              <a:noFill/>
+              <a:miter lim="400000"/>
+            </a:ln>
+            <a:effectLst/>
+            <a:extLst>
+              <a:ext uri="{C572A759-6A51-4108-AA02-DFA0A04FC94B}">
+                <ma14:wrappingTextBoxFlag xmlns:ma14="http://schemas.microsoft.com/office/mac/drawingml/2011/main" val="1"/>
+              </a:ext>
+            </a:extLst>
+          </p:spPr>
+          <p:txBody>
+            <a:bodyPr wrap="square" lIns="45719" tIns="45719" rIns="45719" bIns="45719" numCol="1" anchor="ctr">
+              <a:spAutoFit/>
+            </a:bodyPr>
+            <a:lstStyle>
+              <a:lvl1pPr algn="ctr">
+                <a:defRPr sz="1000">
+                  <a:solidFill>
+                    <a:srgbClr val="7030A0"/>
+                  </a:solidFill>
+                </a:defRPr>
+              </a:lvl1pPr>
+            </a:lstStyle>
+            <a:p>
+              <a:r>
+                <a:t>Name</a:t>
+              </a:r>
+            </a:p>
+          </p:txBody>
+        </p:sp>
+      </p:grpSp>
+      <p:sp>
+        <p:nvSpPr>
+          <p:cNvPr id="505" name="Shape 505"/>
+          <p:cNvSpPr/>
+          <p:nvPr/>
+        </p:nvSpPr>
+        <p:spPr>
+          <a:xfrm>
+            <a:off x="7041946" y="2948201"/>
+            <a:ext cx="236049" cy="173381"/>
+          </a:xfrm>
+          <a:custGeom>
+            <a:avLst/>
+            <a:gdLst/>
+            <a:ahLst/>
+            <a:cxnLst>
+              <a:cxn ang="0">
+                <a:pos x="wd2" y="hd2"/>
+              </a:cxn>
+              <a:cxn ang="5400000">
+                <a:pos x="wd2" y="hd2"/>
+              </a:cxn>
+              <a:cxn ang="10800000">
+                <a:pos x="wd2" y="hd2"/>
+              </a:cxn>
+              <a:cxn ang="16200000">
+                <a:pos x="wd2" y="hd2"/>
+              </a:cxn>
+            </a:cxnLst>
+            <a:rect l="0" t="0" r="r" b="b"/>
+            <a:pathLst>
+              <a:path w="21600" h="21600" extrusionOk="0">
+                <a:moveTo>
+                  <a:pt x="0" y="10800"/>
+                </a:moveTo>
+                <a:lnTo>
+                  <a:pt x="10800" y="0"/>
+                </a:lnTo>
+                <a:lnTo>
+                  <a:pt x="21600" y="10800"/>
+                </a:lnTo>
+                <a:lnTo>
+                  <a:pt x="10800" y="21600"/>
+                </a:lnTo>
+                <a:close/>
+              </a:path>
+            </a:pathLst>
+          </a:custGeom>
           <a:solidFill>
             <a:srgbClr val="7030A0"/>
           </a:solidFill>
@@ -13601,1808 +15663,945 @@
               <a:srgbClr val="7030A0"/>
             </a:solidFill>
           </a:ln>
-          <a:effectLst/>
-        </p:spPr>
-        <p:style>
-          <a:lnRef idx="1">
-            <a:schemeClr val="accent6"/>
-          </a:lnRef>
-          <a:fillRef idx="2">
-            <a:schemeClr val="accent6"/>
-          </a:fillRef>
-          <a:effectRef idx="1">
-            <a:schemeClr val="accent6"/>
-          </a:effectRef>
-          <a:fontRef idx="minor">
-            <a:schemeClr val="dk1"/>
-          </a:fontRef>
-        </p:style>
-        <p:txBody>
-          <a:bodyPr rtlCol="0" anchor="ctr"/>
+        </p:spPr>
+        <p:txBody>
+          <a:bodyPr lIns="45719" rIns="45719" anchor="ctr"/>
           <a:lstStyle/>
           <a:p>
-            <a:pPr algn="ctr"/>
-            <a:endParaRPr lang="en-SG" sz="1050"/>
-          </a:p>
-        </p:txBody>
-      </p:sp>
-      <p:cxnSp>
-        <p:nvCxnSpPr>
-          <p:cNvPr id="55" name="Straight Arrow Connector 54"/>
-          <p:cNvCxnSpPr>
-            <a:stCxn id="62" idx="0"/>
-            <a:endCxn id="67" idx="2"/>
-          </p:cNvCxnSpPr>
-          <p:nvPr/>
-        </p:nvCxnSpPr>
-        <p:spPr>
-          <a:xfrm flipV="1">
-            <a:off x="6667770" y="2632344"/>
-            <a:ext cx="1612" cy="225722"/>
-          </a:xfrm>
-          <a:prstGeom prst="straightConnector1">
-            <a:avLst/>
-          </a:prstGeom>
+            <a:pPr algn="ctr">
+              <a:defRPr sz="1000"/>
+            </a:pPr>
+            <a:endParaRPr/>
+          </a:p>
+        </p:txBody>
+      </p:sp>
+      <p:sp>
+        <p:nvSpPr>
+          <p:cNvPr id="533" name="Shape 533"/>
+          <p:cNvSpPr/>
+          <p:nvPr/>
+        </p:nvSpPr>
+        <p:spPr>
+          <a:xfrm>
+            <a:off x="7158990" y="2706370"/>
+            <a:ext cx="543560" cy="678180"/>
+          </a:xfrm>
+          <a:custGeom>
+            <a:avLst/>
+            <a:gdLst/>
+            <a:ahLst/>
+            <a:cxnLst>
+              <a:cxn ang="0">
+                <a:pos x="wd2" y="hd2"/>
+              </a:cxn>
+              <a:cxn ang="5400000">
+                <a:pos x="wd2" y="hd2"/>
+              </a:cxn>
+              <a:cxn ang="10800000">
+                <a:pos x="wd2" y="hd2"/>
+              </a:cxn>
+              <a:cxn ang="16200000">
+                <a:pos x="wd2" y="hd2"/>
+              </a:cxn>
+            </a:cxnLst>
+            <a:rect l="0" t="0" r="r" b="b"/>
+            <a:pathLst>
+              <a:path w="21600" h="21600" extrusionOk="0">
+                <a:moveTo>
+                  <a:pt x="0" y="13510"/>
+                </a:moveTo>
+                <a:lnTo>
+                  <a:pt x="0" y="21600"/>
+                </a:lnTo>
+                <a:lnTo>
+                  <a:pt x="11507" y="21600"/>
+                </a:lnTo>
+                <a:lnTo>
+                  <a:pt x="11507" y="0"/>
+                </a:lnTo>
+                <a:lnTo>
+                  <a:pt x="21600" y="0"/>
+                </a:lnTo>
+              </a:path>
+            </a:pathLst>
+          </a:custGeom>
           <a:ln w="19050">
             <a:solidFill>
               <a:srgbClr val="7030A0"/>
             </a:solidFill>
+            <a:tailEnd type="triangle"/>
+          </a:ln>
+        </p:spPr>
+        <p:txBody>
+          <a:bodyPr/>
+          <a:lstStyle/>
+          <a:p>
+            <a:endParaRPr/>
+          </a:p>
+        </p:txBody>
+      </p:sp>
+      <p:grpSp>
+        <p:nvGrpSpPr>
+          <p:cNvPr id="509" name="Group 509"/>
+          <p:cNvGrpSpPr/>
+          <p:nvPr/>
+        </p:nvGrpSpPr>
+        <p:grpSpPr>
+          <a:xfrm>
+            <a:off x="7712396" y="2887216"/>
+            <a:ext cx="708187" cy="285784"/>
+            <a:chOff x="0" y="0"/>
+            <a:chExt cx="708185" cy="285782"/>
+          </a:xfrm>
+        </p:grpSpPr>
+        <p:sp>
+          <p:nvSpPr>
+            <p:cNvPr id="507" name="Shape 507"/>
+            <p:cNvSpPr/>
+            <p:nvPr/>
+          </p:nvSpPr>
+          <p:spPr>
+            <a:xfrm>
+              <a:off x="0" y="0"/>
+              <a:ext cx="708186" cy="285783"/>
+            </a:xfrm>
+            <a:prstGeom prst="rect">
+              <a:avLst/>
+            </a:prstGeom>
+            <a:gradFill flip="none" rotWithShape="1">
+              <a:gsLst>
+                <a:gs pos="0">
+                  <a:schemeClr val="accent4">
+                    <a:hueOff val="-206663"/>
+                    <a:satOff val="29896"/>
+                    <a:lumOff val="29240"/>
+                  </a:schemeClr>
+                </a:gs>
+                <a:gs pos="35000">
+                  <a:srgbClr val="D8C9EE"/>
+                </a:gs>
+                <a:gs pos="100000">
+                  <a:schemeClr val="accent4">
+                    <a:hueOff val="-242556"/>
+                    <a:satOff val="32941"/>
+                    <a:lumOff val="43328"/>
+                  </a:schemeClr>
+                </a:gs>
+              </a:gsLst>
+              <a:lin ang="16200000" scaled="0"/>
+            </a:gradFill>
+            <a:ln w="19050" cap="flat">
+              <a:solidFill>
+                <a:srgbClr val="7030A0"/>
+              </a:solidFill>
+              <a:prstDash val="solid"/>
+              <a:round/>
+            </a:ln>
+            <a:effectLst/>
+          </p:spPr>
+          <p:txBody>
+            <a:bodyPr wrap="square" lIns="45719" tIns="45719" rIns="45719" bIns="45719" numCol="1" anchor="ctr">
+              <a:noAutofit/>
+            </a:bodyPr>
+            <a:lstStyle/>
+            <a:p>
+              <a:pPr algn="ctr">
+                <a:defRPr sz="1000">
+                  <a:solidFill>
+                    <a:srgbClr val="7030A0"/>
+                  </a:solidFill>
+                </a:defRPr>
+              </a:pPr>
+              <a:endParaRPr/>
+            </a:p>
+          </p:txBody>
+        </p:sp>
+        <p:sp>
+          <p:nvSpPr>
+            <p:cNvPr id="508" name="Shape 508"/>
+            <p:cNvSpPr/>
+            <p:nvPr/>
+          </p:nvSpPr>
+          <p:spPr>
+            <a:xfrm>
+              <a:off x="0" y="27321"/>
+              <a:ext cx="708186" cy="231141"/>
+            </a:xfrm>
+            <a:prstGeom prst="rect">
+              <a:avLst/>
+            </a:prstGeom>
+            <a:noFill/>
+            <a:ln w="12700" cap="flat">
+              <a:noFill/>
+              <a:miter lim="400000"/>
+            </a:ln>
+            <a:effectLst/>
+            <a:extLst>
+              <a:ext uri="{C572A759-6A51-4108-AA02-DFA0A04FC94B}">
+                <ma14:wrappingTextBoxFlag xmlns:ma14="http://schemas.microsoft.com/office/mac/drawingml/2011/main" val="1"/>
+              </a:ext>
+            </a:extLst>
+          </p:spPr>
+          <p:txBody>
+            <a:bodyPr wrap="square" lIns="45719" tIns="45719" rIns="45719" bIns="45719" numCol="1" anchor="ctr">
+              <a:spAutoFit/>
+            </a:bodyPr>
+            <a:lstStyle>
+              <a:lvl1pPr algn="ctr">
+                <a:defRPr sz="1000">
+                  <a:solidFill>
+                    <a:srgbClr val="7030A0"/>
+                  </a:solidFill>
+                </a:defRPr>
+              </a:lvl1pPr>
+            </a:lstStyle>
+            <a:p>
+              <a:r>
+                <a:t>TaskDate</a:t>
+              </a:r>
+            </a:p>
+          </p:txBody>
+        </p:sp>
+      </p:grpSp>
+      <p:sp>
+        <p:nvSpPr>
+          <p:cNvPr id="534" name="Shape 534"/>
+          <p:cNvSpPr/>
+          <p:nvPr/>
+        </p:nvSpPr>
+        <p:spPr>
+          <a:xfrm>
+            <a:off x="7158990" y="2683510"/>
+            <a:ext cx="543560" cy="345440"/>
+          </a:xfrm>
+          <a:custGeom>
+            <a:avLst/>
+            <a:gdLst/>
+            <a:ahLst/>
+            <a:cxnLst>
+              <a:cxn ang="0">
+                <a:pos x="wd2" y="hd2"/>
+              </a:cxn>
+              <a:cxn ang="5400000">
+                <a:pos x="wd2" y="hd2"/>
+              </a:cxn>
+              <a:cxn ang="10800000">
+                <a:pos x="wd2" y="hd2"/>
+              </a:cxn>
+              <a:cxn ang="16200000">
+                <a:pos x="wd2" y="hd2"/>
+              </a:cxn>
+            </a:cxnLst>
+            <a:rect l="0" t="0" r="r" b="b"/>
+            <a:pathLst>
+              <a:path w="21600" h="21600" extrusionOk="0">
+                <a:moveTo>
+                  <a:pt x="0" y="15882"/>
+                </a:moveTo>
+                <a:lnTo>
+                  <a:pt x="0" y="0"/>
+                </a:lnTo>
+                <a:lnTo>
+                  <a:pt x="11507" y="0"/>
+                </a:lnTo>
+                <a:lnTo>
+                  <a:pt x="11507" y="21600"/>
+                </a:lnTo>
+                <a:lnTo>
+                  <a:pt x="21600" y="21600"/>
+                </a:lnTo>
+              </a:path>
+            </a:pathLst>
+          </a:custGeom>
+          <a:ln w="19050">
+            <a:solidFill>
+              <a:srgbClr val="7030A0"/>
+            </a:solidFill>
+            <a:miter lim="400000"/>
+            <a:tailEnd type="triangle"/>
+          </a:ln>
+        </p:spPr>
+        <p:txBody>
+          <a:bodyPr/>
+          <a:lstStyle/>
+          <a:p>
+            <a:endParaRPr/>
+          </a:p>
+        </p:txBody>
+      </p:sp>
+      <p:grpSp>
+        <p:nvGrpSpPr>
+          <p:cNvPr id="513" name="Group 513"/>
+          <p:cNvGrpSpPr/>
+          <p:nvPr/>
+        </p:nvGrpSpPr>
+        <p:grpSpPr>
+          <a:xfrm>
+            <a:off x="7712396" y="3210193"/>
+            <a:ext cx="708187" cy="285784"/>
+            <a:chOff x="0" y="0"/>
+            <a:chExt cx="708185" cy="285782"/>
+          </a:xfrm>
+        </p:grpSpPr>
+        <p:sp>
+          <p:nvSpPr>
+            <p:cNvPr id="511" name="Shape 511"/>
+            <p:cNvSpPr/>
+            <p:nvPr/>
+          </p:nvSpPr>
+          <p:spPr>
+            <a:xfrm>
+              <a:off x="0" y="0"/>
+              <a:ext cx="708186" cy="285783"/>
+            </a:xfrm>
+            <a:prstGeom prst="rect">
+              <a:avLst/>
+            </a:prstGeom>
+            <a:gradFill flip="none" rotWithShape="1">
+              <a:gsLst>
+                <a:gs pos="0">
+                  <a:schemeClr val="accent4">
+                    <a:hueOff val="-206663"/>
+                    <a:satOff val="29896"/>
+                    <a:lumOff val="29240"/>
+                  </a:schemeClr>
+                </a:gs>
+                <a:gs pos="35000">
+                  <a:srgbClr val="D8C9EE"/>
+                </a:gs>
+                <a:gs pos="100000">
+                  <a:schemeClr val="accent4">
+                    <a:hueOff val="-242556"/>
+                    <a:satOff val="32941"/>
+                    <a:lumOff val="43328"/>
+                  </a:schemeClr>
+                </a:gs>
+              </a:gsLst>
+              <a:lin ang="16200000" scaled="0"/>
+            </a:gradFill>
+            <a:ln w="19050" cap="flat">
+              <a:solidFill>
+                <a:srgbClr val="7030A0"/>
+              </a:solidFill>
+              <a:prstDash val="solid"/>
+              <a:round/>
+            </a:ln>
+            <a:effectLst/>
+          </p:spPr>
+          <p:txBody>
+            <a:bodyPr wrap="square" lIns="45719" tIns="45719" rIns="45719" bIns="45719" numCol="1" anchor="ctr">
+              <a:noAutofit/>
+            </a:bodyPr>
+            <a:lstStyle/>
+            <a:p>
+              <a:pPr algn="ctr">
+                <a:defRPr sz="1000">
+                  <a:solidFill>
+                    <a:srgbClr val="7030A0"/>
+                  </a:solidFill>
+                </a:defRPr>
+              </a:pPr>
+              <a:endParaRPr/>
+            </a:p>
+          </p:txBody>
+        </p:sp>
+        <p:sp>
+          <p:nvSpPr>
+            <p:cNvPr id="512" name="Shape 512"/>
+            <p:cNvSpPr/>
+            <p:nvPr/>
+          </p:nvSpPr>
+          <p:spPr>
+            <a:xfrm>
+              <a:off x="0" y="27321"/>
+              <a:ext cx="708186" cy="231141"/>
+            </a:xfrm>
+            <a:prstGeom prst="rect">
+              <a:avLst/>
+            </a:prstGeom>
+            <a:noFill/>
+            <a:ln w="12700" cap="flat">
+              <a:noFill/>
+              <a:miter lim="400000"/>
+            </a:ln>
+            <a:effectLst/>
+            <a:extLst>
+              <a:ext uri="{C572A759-6A51-4108-AA02-DFA0A04FC94B}">
+                <ma14:wrappingTextBoxFlag xmlns:ma14="http://schemas.microsoft.com/office/mac/drawingml/2011/main" val="1"/>
+              </a:ext>
+            </a:extLst>
+          </p:spPr>
+          <p:txBody>
+            <a:bodyPr wrap="square" lIns="45719" tIns="45719" rIns="45719" bIns="45719" numCol="1" anchor="ctr">
+              <a:spAutoFit/>
+            </a:bodyPr>
+            <a:lstStyle>
+              <a:lvl1pPr algn="ctr">
+                <a:defRPr sz="1000">
+                  <a:solidFill>
+                    <a:srgbClr val="7030A0"/>
+                  </a:solidFill>
+                </a:defRPr>
+              </a:lvl1pPr>
+            </a:lstStyle>
+            <a:p>
+              <a:r>
+                <a:t>TaskTime</a:t>
+              </a:r>
+            </a:p>
+          </p:txBody>
+        </p:sp>
+      </p:grpSp>
+      <p:sp>
+        <p:nvSpPr>
+          <p:cNvPr id="535" name="Shape 535"/>
+          <p:cNvSpPr/>
+          <p:nvPr/>
+        </p:nvSpPr>
+        <p:spPr>
+          <a:xfrm>
+            <a:off x="7158990" y="2683510"/>
+            <a:ext cx="543560" cy="669290"/>
+          </a:xfrm>
+          <a:custGeom>
+            <a:avLst/>
+            <a:gdLst/>
+            <a:ahLst/>
+            <a:cxnLst>
+              <a:cxn ang="0">
+                <a:pos x="wd2" y="hd2"/>
+              </a:cxn>
+              <a:cxn ang="5400000">
+                <a:pos x="wd2" y="hd2"/>
+              </a:cxn>
+              <a:cxn ang="10800000">
+                <a:pos x="wd2" y="hd2"/>
+              </a:cxn>
+              <a:cxn ang="16200000">
+                <a:pos x="wd2" y="hd2"/>
+              </a:cxn>
+            </a:cxnLst>
+            <a:rect l="0" t="0" r="r" b="b"/>
+            <a:pathLst>
+              <a:path w="21600" h="21600" extrusionOk="0">
+                <a:moveTo>
+                  <a:pt x="0" y="8197"/>
+                </a:moveTo>
+                <a:lnTo>
+                  <a:pt x="0" y="0"/>
+                </a:lnTo>
+                <a:lnTo>
+                  <a:pt x="11507" y="0"/>
+                </a:lnTo>
+                <a:lnTo>
+                  <a:pt x="11507" y="21600"/>
+                </a:lnTo>
+                <a:lnTo>
+                  <a:pt x="21600" y="21600"/>
+                </a:lnTo>
+              </a:path>
+            </a:pathLst>
+          </a:custGeom>
+          <a:ln w="19050">
+            <a:solidFill>
+              <a:srgbClr val="7030A0"/>
+            </a:solidFill>
+            <a:tailEnd type="triangle"/>
+          </a:ln>
+        </p:spPr>
+        <p:txBody>
+          <a:bodyPr/>
+          <a:lstStyle/>
+          <a:p>
+            <a:endParaRPr/>
+          </a:p>
+        </p:txBody>
+      </p:sp>
+      <p:sp>
+        <p:nvSpPr>
+          <p:cNvPr id="515" name="Shape 515"/>
+          <p:cNvSpPr/>
+          <p:nvPr/>
+        </p:nvSpPr>
+        <p:spPr>
+          <a:xfrm rot="16200000" flipH="1">
+            <a:off x="3279321" y="2479081"/>
+            <a:ext cx="293826" cy="12701"/>
+          </a:xfrm>
+          <a:custGeom>
+            <a:avLst/>
+            <a:gdLst/>
+            <a:ahLst/>
+            <a:cxnLst>
+              <a:cxn ang="0">
+                <a:pos x="wd2" y="hd2"/>
+              </a:cxn>
+              <a:cxn ang="5400000">
+                <a:pos x="wd2" y="hd2"/>
+              </a:cxn>
+              <a:cxn ang="10800000">
+                <a:pos x="wd2" y="hd2"/>
+              </a:cxn>
+              <a:cxn ang="16200000">
+                <a:pos x="wd2" y="hd2"/>
+              </a:cxn>
+            </a:cxnLst>
+            <a:rect l="0" t="0" r="r" b="b"/>
+            <a:pathLst>
+              <a:path w="21600" h="21600" extrusionOk="0">
+                <a:moveTo>
+                  <a:pt x="0" y="0"/>
+                </a:moveTo>
+                <a:lnTo>
+                  <a:pt x="10800" y="0"/>
+                </a:lnTo>
+                <a:lnTo>
+                  <a:pt x="10800" y="21600"/>
+                </a:lnTo>
+                <a:lnTo>
+                  <a:pt x="21600" y="21600"/>
+                </a:lnTo>
+              </a:path>
+            </a:pathLst>
+          </a:custGeom>
+          <a:ln w="19050">
+            <a:solidFill>
+              <a:srgbClr val="7030A0"/>
+            </a:solidFill>
             <a:prstDash val="sysDot"/>
-            <a:headEnd type="none" w="med" len="med"/>
-            <a:tailEnd type="arrow" w="med" len="med"/>
-          </a:ln>
-          <a:effectLst/>
-        </p:spPr>
-        <p:style>
-          <a:lnRef idx="1">
-            <a:schemeClr val="accent2"/>
-          </a:lnRef>
-          <a:fillRef idx="2">
-            <a:schemeClr val="accent2"/>
-          </a:fillRef>
-          <a:effectRef idx="1">
-            <a:schemeClr val="accent2"/>
-          </a:effectRef>
-          <a:fontRef idx="minor">
-            <a:schemeClr val="dk1"/>
-          </a:fontRef>
-        </p:style>
-      </p:cxnSp>
-      <p:cxnSp>
-        <p:nvCxnSpPr>
-          <p:cNvPr id="58" name="Straight Arrow Connector 57"/>
-          <p:cNvCxnSpPr>
-            <a:stCxn id="42" idx="3"/>
-            <a:endCxn id="2" idx="1"/>
-          </p:cNvCxnSpPr>
-          <p:nvPr/>
-        </p:nvCxnSpPr>
-        <p:spPr>
-          <a:xfrm>
-            <a:off x="2656370" y="3326536"/>
-            <a:ext cx="220810" cy="5284"/>
-          </a:xfrm>
-          <a:prstGeom prst="straightConnector1">
-            <a:avLst/>
-          </a:prstGeom>
+          </a:ln>
+        </p:spPr>
+        <p:txBody>
+          <a:bodyPr lIns="45719" rIns="45719" anchor="ctr"/>
+          <a:lstStyle/>
+          <a:p>
+            <a:endParaRPr/>
+          </a:p>
+        </p:txBody>
+      </p:sp>
+      <p:sp>
+        <p:nvSpPr>
+          <p:cNvPr id="516" name="Shape 516"/>
+          <p:cNvSpPr/>
+          <p:nvPr/>
+        </p:nvSpPr>
+        <p:spPr>
+          <a:xfrm rot="10800000" flipV="1">
+            <a:off x="3290980" y="2162997"/>
+            <a:ext cx="270505" cy="175524"/>
+          </a:xfrm>
+          <a:prstGeom prst="triangle">
+            <a:avLst/>
+          </a:prstGeom>
+          <a:gradFill>
+            <a:gsLst>
+              <a:gs pos="0">
+                <a:schemeClr val="accent4">
+                  <a:hueOff val="-206663"/>
+                  <a:satOff val="29896"/>
+                  <a:lumOff val="29240"/>
+                </a:schemeClr>
+              </a:gs>
+              <a:gs pos="35000">
+                <a:srgbClr val="D8C9EE"/>
+              </a:gs>
+              <a:gs pos="100000">
+                <a:schemeClr val="accent4">
+                  <a:hueOff val="-242556"/>
+                  <a:satOff val="32941"/>
+                  <a:lumOff val="43328"/>
+                </a:schemeClr>
+              </a:gs>
+            </a:gsLst>
+            <a:lin ang="16200000"/>
+          </a:gradFill>
           <a:ln w="19050">
             <a:solidFill>
               <a:srgbClr val="7030A0"/>
             </a:solidFill>
-            <a:headEnd type="none" w="med" len="med"/>
-            <a:tailEnd type="arrow" w="med" len="med"/>
-          </a:ln>
-          <a:effectLst/>
-        </p:spPr>
-        <p:style>
-          <a:lnRef idx="1">
-            <a:schemeClr val="accent2"/>
-          </a:lnRef>
-          <a:fillRef idx="2">
-            <a:schemeClr val="accent2"/>
-          </a:fillRef>
-          <a:effectRef idx="1">
-            <a:schemeClr val="accent2"/>
-          </a:effectRef>
-          <a:fontRef idx="minor">
-            <a:schemeClr val="dk1"/>
-          </a:fontRef>
-        </p:style>
-      </p:cxnSp>
-      <p:sp>
-        <p:nvSpPr>
-          <p:cNvPr id="71" name="Isosceles Triangle 102"/>
+          </a:ln>
+        </p:spPr>
+        <p:txBody>
+          <a:bodyPr lIns="45719" rIns="45719" anchor="ctr"/>
+          <a:lstStyle/>
+          <a:p>
+            <a:pPr algn="ctr">
+              <a:defRPr sz="1000" b="1">
+                <a:solidFill>
+                  <a:srgbClr val="92D050"/>
+                </a:solidFill>
+              </a:defRPr>
+            </a:pPr>
+            <a:endParaRPr/>
+          </a:p>
+        </p:txBody>
+      </p:sp>
+      <p:grpSp>
+        <p:nvGrpSpPr>
+          <p:cNvPr id="519" name="Group 519"/>
+          <p:cNvGrpSpPr/>
+          <p:nvPr/>
+        </p:nvGrpSpPr>
+        <p:grpSpPr>
+          <a:xfrm>
+            <a:off x="2660302" y="1794429"/>
+            <a:ext cx="1539927" cy="370841"/>
+            <a:chOff x="0" y="0"/>
+            <a:chExt cx="1539926" cy="370840"/>
+          </a:xfrm>
+        </p:grpSpPr>
+        <p:sp>
+          <p:nvSpPr>
+            <p:cNvPr id="517" name="Shape 517"/>
+            <p:cNvSpPr/>
+            <p:nvPr/>
+          </p:nvSpPr>
+          <p:spPr>
+            <a:xfrm>
+              <a:off x="0" y="12039"/>
+              <a:ext cx="1539927" cy="346761"/>
+            </a:xfrm>
+            <a:prstGeom prst="rect">
+              <a:avLst/>
+            </a:prstGeom>
+            <a:gradFill flip="none" rotWithShape="1">
+              <a:gsLst>
+                <a:gs pos="0">
+                  <a:schemeClr val="accent4">
+                    <a:hueOff val="-206663"/>
+                    <a:satOff val="29896"/>
+                    <a:lumOff val="29240"/>
+                  </a:schemeClr>
+                </a:gs>
+                <a:gs pos="35000">
+                  <a:srgbClr val="D8C9EE"/>
+                </a:gs>
+                <a:gs pos="100000">
+                  <a:schemeClr val="accent4">
+                    <a:hueOff val="-242556"/>
+                    <a:satOff val="32941"/>
+                    <a:lumOff val="43328"/>
+                  </a:schemeClr>
+                </a:gs>
+              </a:gsLst>
+              <a:lin ang="16200000" scaled="0"/>
+            </a:gradFill>
+            <a:ln w="19050" cap="flat">
+              <a:solidFill>
+                <a:srgbClr val="7030A0"/>
+              </a:solidFill>
+              <a:prstDash val="solid"/>
+              <a:round/>
+            </a:ln>
+            <a:effectLst/>
+          </p:spPr>
+          <p:txBody>
+            <a:bodyPr wrap="square" lIns="45719" tIns="45719" rIns="45719" bIns="45719" numCol="1" anchor="ctr">
+              <a:noAutofit/>
+            </a:bodyPr>
+            <a:lstStyle/>
+            <a:p>
+              <a:pPr algn="ctr">
+                <a:defRPr sz="1000">
+                  <a:solidFill>
+                    <a:srgbClr val="7030A0"/>
+                  </a:solidFill>
+                </a:defRPr>
+              </a:pPr>
+              <a:endParaRPr/>
+            </a:p>
+          </p:txBody>
+        </p:sp>
+        <p:sp>
+          <p:nvSpPr>
+            <p:cNvPr id="518" name="Shape 518"/>
+            <p:cNvSpPr/>
+            <p:nvPr/>
+          </p:nvSpPr>
+          <p:spPr>
+            <a:xfrm>
+              <a:off x="0" y="0"/>
+              <a:ext cx="1539927" cy="370840"/>
+            </a:xfrm>
+            <a:prstGeom prst="rect">
+              <a:avLst/>
+            </a:prstGeom>
+            <a:noFill/>
+            <a:ln w="12700" cap="flat">
+              <a:noFill/>
+              <a:miter lim="400000"/>
+            </a:ln>
+            <a:effectLst/>
+            <a:extLst>
+              <a:ext uri="{C572A759-6A51-4108-AA02-DFA0A04FC94B}">
+                <ma14:wrappingTextBoxFlag xmlns:ma14="http://schemas.microsoft.com/office/mac/drawingml/2011/main" val="1"/>
+              </a:ext>
+            </a:extLst>
+          </p:spPr>
+          <p:txBody>
+            <a:bodyPr wrap="square" lIns="45719" tIns="45719" rIns="45719" bIns="45719" numCol="1" anchor="ctr">
+              <a:spAutoFit/>
+            </a:bodyPr>
+            <a:lstStyle/>
+            <a:p>
+              <a:pPr algn="ctr">
+                <a:defRPr sz="1000">
+                  <a:solidFill>
+                    <a:srgbClr val="7030A0"/>
+                  </a:solidFill>
+                </a:defRPr>
+              </a:pPr>
+              <a:r>
+                <a:t>&lt;&lt;interface&gt;&gt;</a:t>
+              </a:r>
+              <a:br/>
+              <a:r>
+                <a:t>ReadOnlyTaskManager</a:t>
+              </a:r>
+            </a:p>
+          </p:txBody>
+        </p:sp>
+      </p:grpSp>
+      <p:sp>
+        <p:nvSpPr>
+          <p:cNvPr id="520" name="Shape 520"/>
           <p:cNvSpPr/>
           <p:nvPr/>
         </p:nvSpPr>
         <p:spPr>
-          <a:xfrm rot="5400000" flipV="1">
-            <a:off x="6253986" y="3522883"/>
-            <a:ext cx="270504" cy="175523"/>
-          </a:xfrm>
-          <a:prstGeom prst="triangle">
-            <a:avLst/>
-          </a:prstGeom>
-          <a:solidFill>
-            <a:srgbClr val="7030A0"/>
-          </a:solidFill>
-          <a:ln w="19050">
-            <a:solidFill>
-              <a:srgbClr val="7030A0"/>
-            </a:solidFill>
-          </a:ln>
-          <a:effectLst/>
-        </p:spPr>
-        <p:style>
-          <a:lnRef idx="1">
-            <a:schemeClr val="accent4"/>
-          </a:lnRef>
-          <a:fillRef idx="2">
-            <a:schemeClr val="accent4"/>
-          </a:fillRef>
-          <a:effectRef idx="1">
-            <a:schemeClr val="accent4"/>
-          </a:effectRef>
-          <a:fontRef idx="minor">
-            <a:schemeClr val="dk1"/>
-          </a:fontRef>
-        </p:style>
-        <p:txBody>
-          <a:bodyPr rtlCol="0" anchor="ctr"/>
-          <a:lstStyle/>
-          <a:p>
-            <a:pPr algn="ctr"/>
-            <a:endParaRPr lang="en-SG" sz="1050" b="1">
-              <a:solidFill>
-                <a:srgbClr val="92D050"/>
-              </a:solidFill>
-            </a:endParaRPr>
-          </a:p>
-        </p:txBody>
-      </p:sp>
-      <p:cxnSp>
-        <p:nvCxnSpPr>
-          <p:cNvPr id="75" name="Elbow Connector 122"/>
-          <p:cNvCxnSpPr/>
-          <p:nvPr/>
-        </p:nvCxnSpPr>
-        <p:spPr>
-          <a:xfrm>
-            <a:off x="910091" y="3040053"/>
-            <a:ext cx="419548" cy="2860"/>
-          </a:xfrm>
-          <a:prstGeom prst="bentConnector3">
-            <a:avLst>
-              <a:gd name="adj1" fmla="val 50000"/>
-            </a:avLst>
-          </a:prstGeom>
-          <a:ln w="19050">
-            <a:solidFill>
-              <a:schemeClr val="bg1">
-                <a:lumMod val="75000"/>
-              </a:schemeClr>
-            </a:solidFill>
-            <a:prstDash val="sysDot"/>
-            <a:headEnd type="none" w="med" len="med"/>
-            <a:tailEnd type="arrow" w="med" len="med"/>
-          </a:ln>
-          <a:effectLst/>
-        </p:spPr>
-        <p:style>
-          <a:lnRef idx="1">
-            <a:schemeClr val="accent2"/>
-          </a:lnRef>
-          <a:fillRef idx="2">
-            <a:schemeClr val="accent2"/>
-          </a:fillRef>
-          <a:effectRef idx="1">
-            <a:schemeClr val="accent2"/>
-          </a:effectRef>
-          <a:fontRef idx="minor">
-            <a:schemeClr val="dk1"/>
-          </a:fontRef>
-        </p:style>
-      </p:cxnSp>
-      <p:cxnSp>
-        <p:nvCxnSpPr>
-          <p:cNvPr id="21" name="Straight Connector 20"/>
-          <p:cNvCxnSpPr>
-            <a:stCxn id="120" idx="3"/>
-          </p:cNvCxnSpPr>
-          <p:nvPr/>
-        </p:nvCxnSpPr>
-        <p:spPr>
-          <a:xfrm flipV="1">
-            <a:off x="1849924" y="3040052"/>
-            <a:ext cx="216105" cy="1"/>
-          </a:xfrm>
-          <a:prstGeom prst="line">
-            <a:avLst/>
-          </a:prstGeom>
-          <a:ln w="19050">
-            <a:solidFill>
-              <a:srgbClr val="7030A0"/>
-            </a:solidFill>
-            <a:prstDash val="sysDot"/>
-            <a:headEnd type="none" w="med" len="med"/>
-            <a:tailEnd type="none" w="med" len="med"/>
-          </a:ln>
-          <a:effectLst/>
-        </p:spPr>
-        <p:style>
-          <a:lnRef idx="1">
-            <a:schemeClr val="accent2"/>
-          </a:lnRef>
-          <a:fillRef idx="2">
-            <a:schemeClr val="accent2"/>
-          </a:fillRef>
-          <a:effectRef idx="1">
-            <a:schemeClr val="accent2"/>
-          </a:effectRef>
-          <a:fontRef idx="minor">
-            <a:schemeClr val="dk1"/>
-          </a:fontRef>
-        </p:style>
-      </p:cxnSp>
-      <p:sp>
-        <p:nvSpPr>
-          <p:cNvPr id="42" name="Flowchart: Decision 96"/>
-          <p:cNvSpPr/>
-          <p:nvPr/>
-        </p:nvSpPr>
-        <p:spPr>
-          <a:xfrm>
-            <a:off x="2420322" y="3239846"/>
-            <a:ext cx="236048" cy="173380"/>
-          </a:xfrm>
-          <a:prstGeom prst="flowChartDecision">
-            <a:avLst/>
-          </a:prstGeom>
-          <a:noFill/>
-          <a:ln w="19050">
-            <a:solidFill>
-              <a:srgbClr val="7030A0"/>
-            </a:solidFill>
-          </a:ln>
-          <a:effectLst/>
-        </p:spPr>
-        <p:style>
-          <a:lnRef idx="1">
-            <a:schemeClr val="accent6"/>
-          </a:lnRef>
-          <a:fillRef idx="2">
-            <a:schemeClr val="accent6"/>
-          </a:fillRef>
-          <a:effectRef idx="1">
-            <a:schemeClr val="accent6"/>
-          </a:effectRef>
-          <a:fontRef idx="minor">
-            <a:schemeClr val="dk1"/>
-          </a:fontRef>
-        </p:style>
-        <p:txBody>
-          <a:bodyPr rtlCol="0" anchor="ctr"/>
-          <a:lstStyle/>
-          <a:p>
-            <a:pPr algn="ctr"/>
-            <a:endParaRPr lang="en-US" sz="1050"/>
-          </a:p>
-        </p:txBody>
-      </p:sp>
-      <p:sp>
-        <p:nvSpPr>
-          <p:cNvPr id="46" name="Rectangle 8"/>
-          <p:cNvSpPr/>
-          <p:nvPr/>
-        </p:nvSpPr>
-        <p:spPr>
-          <a:xfrm>
-            <a:off x="2879490" y="2627420"/>
-            <a:ext cx="1093635" cy="346760"/>
+          <a:xfrm rot="16200000">
+            <a:off x="6572469" y="3523415"/>
+            <a:ext cx="881019" cy="243841"/>
           </a:xfrm>
           <a:prstGeom prst="rect">
             <a:avLst/>
           </a:prstGeom>
-          <a:ln w="19050">
-            <a:solidFill>
-              <a:srgbClr val="7030A0"/>
-            </a:solidFill>
-          </a:ln>
-          <a:effectLst/>
-        </p:spPr>
-        <p:style>
-          <a:lnRef idx="1">
-            <a:schemeClr val="accent4"/>
-          </a:lnRef>
-          <a:fillRef idx="2">
-            <a:schemeClr val="accent4"/>
-          </a:fillRef>
-          <a:effectRef idx="1">
-            <a:schemeClr val="accent4"/>
-          </a:effectRef>
-          <a:fontRef idx="minor">
-            <a:schemeClr val="dk1"/>
-          </a:fontRef>
-        </p:style>
-        <p:txBody>
-          <a:bodyPr rtlCol="0" anchor="ctr"/>
-          <a:lstStyle/>
-          <a:p>
-            <a:pPr algn="ctr"/>
-            <a:r>
-              <a:rPr lang="en-US" sz="1050" dirty="0" err="1" smtClean="0">
+          <a:ln w="12700">
+            <a:miter lim="400000"/>
+          </a:ln>
+          <a:extLst>
+            <a:ext uri="{C572A759-6A51-4108-AA02-DFA0A04FC94B}">
+              <ma14:wrappingTextBoxFlag xmlns:ma14="http://schemas.microsoft.com/office/mac/drawingml/2011/main" val="1"/>
+            </a:ext>
+          </a:extLst>
+        </p:spPr>
+        <p:txBody>
+          <a:bodyPr lIns="45719" rIns="45719">
+            <a:spAutoFit/>
+          </a:bodyPr>
+          <a:lstStyle>
+            <a:lvl1pPr algn="r">
+              <a:defRPr sz="1100">
                 <a:solidFill>
                   <a:srgbClr val="7030A0"/>
                 </a:solidFill>
-              </a:rPr>
-              <a:t>AddressBook</a:t>
+              </a:defRPr>
+            </a:lvl1pPr>
+          </a:lstStyle>
+          <a:p>
+            <a:r>
+              <a:t>filtered list</a:t>
             </a:r>
-            <a:endParaRPr lang="en-SG" sz="1050" dirty="0">
+          </a:p>
+        </p:txBody>
+      </p:sp>
+      <p:grpSp>
+        <p:nvGrpSpPr>
+          <p:cNvPr id="523" name="Group 523"/>
+          <p:cNvGrpSpPr/>
+          <p:nvPr/>
+        </p:nvGrpSpPr>
+        <p:grpSpPr>
+          <a:xfrm>
+            <a:off x="2057400" y="4227450"/>
+            <a:ext cx="1775949" cy="370841"/>
+            <a:chOff x="0" y="0"/>
+            <a:chExt cx="1775948" cy="370840"/>
+          </a:xfrm>
+        </p:grpSpPr>
+        <p:sp>
+          <p:nvSpPr>
+            <p:cNvPr id="521" name="Shape 521"/>
+            <p:cNvSpPr/>
+            <p:nvPr/>
+          </p:nvSpPr>
+          <p:spPr>
+            <a:xfrm>
+              <a:off x="0" y="12039"/>
+              <a:ext cx="1775949" cy="346761"/>
+            </a:xfrm>
+            <a:prstGeom prst="rect">
+              <a:avLst/>
+            </a:prstGeom>
+            <a:gradFill flip="none" rotWithShape="1">
+              <a:gsLst>
+                <a:gs pos="0">
+                  <a:schemeClr val="accent4">
+                    <a:hueOff val="-206663"/>
+                    <a:satOff val="29896"/>
+                    <a:lumOff val="29240"/>
+                  </a:schemeClr>
+                </a:gs>
+                <a:gs pos="35000">
+                  <a:srgbClr val="D8C9EE"/>
+                </a:gs>
+                <a:gs pos="100000">
+                  <a:schemeClr val="accent4">
+                    <a:hueOff val="-242556"/>
+                    <a:satOff val="32941"/>
+                    <a:lumOff val="43328"/>
+                  </a:schemeClr>
+                </a:gs>
+              </a:gsLst>
+              <a:lin ang="16200000" scaled="0"/>
+            </a:gradFill>
+            <a:ln w="19050" cap="flat">
               <a:solidFill>
                 <a:srgbClr val="7030A0"/>
               </a:solidFill>
-            </a:endParaRPr>
-          </a:p>
-        </p:txBody>
-      </p:sp>
-      <p:cxnSp>
-        <p:nvCxnSpPr>
-          <p:cNvPr id="47" name="Straight Arrow Connector 46"/>
-          <p:cNvCxnSpPr>
-            <a:stCxn id="48" idx="3"/>
-            <a:endCxn id="46" idx="1"/>
-          </p:cNvCxnSpPr>
-          <p:nvPr/>
-        </p:nvCxnSpPr>
-        <p:spPr>
-          <a:xfrm>
-            <a:off x="2658680" y="2795516"/>
-            <a:ext cx="220810" cy="5284"/>
-          </a:xfrm>
-          <a:prstGeom prst="straightConnector1">
-            <a:avLst/>
-          </a:prstGeom>
+              <a:prstDash val="solid"/>
+              <a:round/>
+            </a:ln>
+            <a:effectLst/>
+          </p:spPr>
+          <p:txBody>
+            <a:bodyPr wrap="square" lIns="45719" tIns="45719" rIns="45719" bIns="45719" numCol="1" anchor="ctr">
+              <a:noAutofit/>
+            </a:bodyPr>
+            <a:lstStyle/>
+            <a:p>
+              <a:pPr algn="ctr">
+                <a:defRPr sz="1000">
+                  <a:solidFill>
+                    <a:srgbClr val="7030A0"/>
+                  </a:solidFill>
+                </a:defRPr>
+              </a:pPr>
+              <a:endParaRPr/>
+            </a:p>
+          </p:txBody>
+        </p:sp>
+        <p:sp>
+          <p:nvSpPr>
+            <p:cNvPr id="522" name="Shape 522"/>
+            <p:cNvSpPr/>
+            <p:nvPr/>
+          </p:nvSpPr>
+          <p:spPr>
+            <a:xfrm>
+              <a:off x="0" y="0"/>
+              <a:ext cx="1775949" cy="370840"/>
+            </a:xfrm>
+            <a:prstGeom prst="rect">
+              <a:avLst/>
+            </a:prstGeom>
+            <a:noFill/>
+            <a:ln w="12700" cap="flat">
+              <a:noFill/>
+              <a:miter lim="400000"/>
+            </a:ln>
+            <a:effectLst/>
+            <a:extLst>
+              <a:ext uri="{C572A759-6A51-4108-AA02-DFA0A04FC94B}">
+                <ma14:wrappingTextBoxFlag xmlns:ma14="http://schemas.microsoft.com/office/mac/drawingml/2011/main" val="1"/>
+              </a:ext>
+            </a:extLst>
+          </p:spPr>
+          <p:txBody>
+            <a:bodyPr wrap="square" lIns="45719" tIns="45719" rIns="45719" bIns="45719" numCol="1" anchor="ctr">
+              <a:spAutoFit/>
+            </a:bodyPr>
+            <a:lstStyle/>
+            <a:p>
+              <a:pPr algn="ctr">
+                <a:defRPr sz="1000">
+                  <a:solidFill>
+                    <a:srgbClr val="7030A0"/>
+                  </a:solidFill>
+                </a:defRPr>
+              </a:pPr>
+              <a:r>
+                <a:t>&lt;&lt;interface&gt;&gt;</a:t>
+              </a:r>
+              <a:br/>
+              <a:r>
+                <a:t>UnmodifiableObservableList</a:t>
+              </a:r>
+            </a:p>
+          </p:txBody>
+        </p:sp>
+      </p:grpSp>
+      <p:sp>
+        <p:nvSpPr>
+          <p:cNvPr id="536" name="Shape 536"/>
+          <p:cNvSpPr/>
+          <p:nvPr/>
+        </p:nvSpPr>
+        <p:spPr>
+          <a:xfrm>
+            <a:off x="1502410" y="3590290"/>
+            <a:ext cx="544830" cy="821691"/>
+          </a:xfrm>
+          <a:custGeom>
+            <a:avLst/>
+            <a:gdLst/>
+            <a:ahLst/>
+            <a:cxnLst>
+              <a:cxn ang="0">
+                <a:pos x="wd2" y="hd2"/>
+              </a:cxn>
+              <a:cxn ang="5400000">
+                <a:pos x="wd2" y="hd2"/>
+              </a:cxn>
+              <a:cxn ang="10800000">
+                <a:pos x="wd2" y="hd2"/>
+              </a:cxn>
+              <a:cxn ang="16200000">
+                <a:pos x="wd2" y="hd2"/>
+              </a:cxn>
+            </a:cxnLst>
+            <a:rect l="0" t="0" r="r" b="b"/>
+            <a:pathLst>
+              <a:path w="21600" h="21600" extrusionOk="0">
+                <a:moveTo>
+                  <a:pt x="0" y="0"/>
+                </a:moveTo>
+                <a:lnTo>
+                  <a:pt x="0" y="21600"/>
+                </a:lnTo>
+                <a:lnTo>
+                  <a:pt x="21600" y="21600"/>
+                </a:lnTo>
+              </a:path>
+            </a:pathLst>
+          </a:custGeom>
           <a:ln w="19050">
             <a:solidFill>
               <a:srgbClr val="7030A0"/>
             </a:solidFill>
-            <a:headEnd type="none" w="med" len="med"/>
-            <a:tailEnd type="arrow" w="med" len="med"/>
-          </a:ln>
-          <a:effectLst/>
-        </p:spPr>
-        <p:style>
-          <a:lnRef idx="1">
-            <a:schemeClr val="accent2"/>
-          </a:lnRef>
-          <a:fillRef idx="2">
-            <a:schemeClr val="accent2"/>
-          </a:fillRef>
-          <a:effectRef idx="1">
-            <a:schemeClr val="accent2"/>
-          </a:effectRef>
-          <a:fontRef idx="minor">
-            <a:schemeClr val="dk1"/>
-          </a:fontRef>
-        </p:style>
-      </p:cxnSp>
-      <p:sp>
-        <p:nvSpPr>
-          <p:cNvPr id="48" name="Flowchart: Decision 96"/>
-          <p:cNvSpPr/>
-          <p:nvPr/>
-        </p:nvSpPr>
-        <p:spPr>
-          <a:xfrm>
-            <a:off x="2422632" y="2708826"/>
-            <a:ext cx="236048" cy="173380"/>
-          </a:xfrm>
-          <a:prstGeom prst="flowChartDecision">
-            <a:avLst/>
-          </a:prstGeom>
-          <a:noFill/>
-          <a:ln w="19050">
-            <a:solidFill>
-              <a:srgbClr val="7030A0"/>
-            </a:solidFill>
-          </a:ln>
-          <a:effectLst/>
-        </p:spPr>
-        <p:style>
-          <a:lnRef idx="1">
-            <a:schemeClr val="accent6"/>
-          </a:lnRef>
-          <a:fillRef idx="2">
-            <a:schemeClr val="accent6"/>
-          </a:fillRef>
-          <a:effectRef idx="1">
-            <a:schemeClr val="accent6"/>
-          </a:effectRef>
-          <a:fontRef idx="minor">
-            <a:schemeClr val="dk1"/>
-          </a:fontRef>
-        </p:style>
-        <p:txBody>
-          <a:bodyPr rtlCol="0" anchor="ctr"/>
+            <a:prstDash val="sysDot"/>
+            <a:tailEnd type="triangle"/>
+          </a:ln>
+        </p:spPr>
+        <p:txBody>
+          <a:bodyPr/>
           <a:lstStyle/>
           <a:p>
-            <a:pPr algn="ctr"/>
-            <a:endParaRPr lang="en-US" sz="1050"/>
-          </a:p>
-        </p:txBody>
-      </p:sp>
-      <p:sp>
-        <p:nvSpPr>
-          <p:cNvPr id="49" name="Rectangle 8"/>
-          <p:cNvSpPr/>
-          <p:nvPr/>
-        </p:nvSpPr>
-        <p:spPr>
-          <a:xfrm>
-            <a:off x="4487017" y="2847371"/>
-            <a:ext cx="1156969" cy="346760"/>
-          </a:xfrm>
-          <a:prstGeom prst="rect">
-            <a:avLst/>
-          </a:prstGeom>
-          <a:ln w="19050">
-            <a:solidFill>
-              <a:srgbClr val="7030A0"/>
-            </a:solidFill>
-          </a:ln>
-          <a:effectLst/>
-        </p:spPr>
-        <p:style>
-          <a:lnRef idx="1">
-            <a:schemeClr val="accent4"/>
-          </a:lnRef>
-          <a:fillRef idx="2">
-            <a:schemeClr val="accent4"/>
-          </a:fillRef>
-          <a:effectRef idx="1">
-            <a:schemeClr val="accent4"/>
-          </a:effectRef>
-          <a:fontRef idx="minor">
-            <a:schemeClr val="dk1"/>
-          </a:fontRef>
-        </p:style>
-        <p:txBody>
-          <a:bodyPr rtlCol="0" anchor="ctr"/>
-          <a:lstStyle/>
-          <a:p>
-            <a:pPr algn="ctr"/>
-            <a:r>
-              <a:rPr lang="en-US" sz="1050" dirty="0" err="1" smtClean="0">
-                <a:solidFill>
-                  <a:srgbClr val="7030A0"/>
-                </a:solidFill>
-              </a:rPr>
-              <a:t>UniquePersonList</a:t>
-            </a:r>
-            <a:endParaRPr lang="en-SG" sz="1050" dirty="0">
-              <a:solidFill>
-                <a:srgbClr val="7030A0"/>
-              </a:solidFill>
-            </a:endParaRPr>
-          </a:p>
-        </p:txBody>
-      </p:sp>
-      <p:sp>
-        <p:nvSpPr>
-          <p:cNvPr id="51" name="Flowchart: Decision 96"/>
-          <p:cNvSpPr/>
-          <p:nvPr/>
-        </p:nvSpPr>
-        <p:spPr>
-          <a:xfrm>
-            <a:off x="3984303" y="2673991"/>
-            <a:ext cx="236048" cy="173380"/>
-          </a:xfrm>
-          <a:prstGeom prst="flowChartDecision">
-            <a:avLst/>
-          </a:prstGeom>
-          <a:solidFill>
-            <a:srgbClr val="7030A0"/>
-          </a:solidFill>
-          <a:ln w="19050">
-            <a:solidFill>
-              <a:srgbClr val="7030A0"/>
-            </a:solidFill>
-          </a:ln>
-          <a:effectLst/>
-        </p:spPr>
-        <p:style>
-          <a:lnRef idx="1">
-            <a:schemeClr val="accent6"/>
-          </a:lnRef>
-          <a:fillRef idx="2">
-            <a:schemeClr val="accent6"/>
-          </a:fillRef>
-          <a:effectRef idx="1">
-            <a:schemeClr val="accent6"/>
-          </a:effectRef>
-          <a:fontRef idx="minor">
-            <a:schemeClr val="dk1"/>
-          </a:fontRef>
-        </p:style>
-        <p:txBody>
-          <a:bodyPr rtlCol="0" anchor="ctr"/>
-          <a:lstStyle/>
-          <a:p>
-            <a:pPr algn="ctr"/>
-            <a:endParaRPr lang="en-US" sz="1050"/>
-          </a:p>
-        </p:txBody>
-      </p:sp>
-      <p:cxnSp>
-        <p:nvCxnSpPr>
-          <p:cNvPr id="30" name="Elbow Connector 29"/>
-          <p:cNvCxnSpPr>
-            <a:stCxn id="51" idx="3"/>
-            <a:endCxn id="49" idx="1"/>
-          </p:cNvCxnSpPr>
-          <p:nvPr/>
-        </p:nvCxnSpPr>
-        <p:spPr>
-          <a:xfrm>
-            <a:off x="4220351" y="2760681"/>
-            <a:ext cx="266666" cy="260070"/>
-          </a:xfrm>
-          <a:prstGeom prst="bentConnector3">
-            <a:avLst/>
-          </a:prstGeom>
-          <a:ln w="19050">
-            <a:solidFill>
-              <a:srgbClr val="7030A0"/>
-            </a:solidFill>
-            <a:headEnd type="none" w="med" len="med"/>
-            <a:tailEnd type="arrow" w="med" len="med"/>
-          </a:ln>
-          <a:effectLst/>
-        </p:spPr>
-        <p:style>
-          <a:lnRef idx="1">
-            <a:schemeClr val="accent2"/>
-          </a:lnRef>
-          <a:fillRef idx="2">
-            <a:schemeClr val="accent2"/>
-          </a:fillRef>
-          <a:effectRef idx="1">
-            <a:schemeClr val="accent2"/>
-          </a:effectRef>
-          <a:fontRef idx="minor">
-            <a:schemeClr val="dk1"/>
-          </a:fontRef>
-        </p:style>
-      </p:cxnSp>
-      <p:sp>
-        <p:nvSpPr>
-          <p:cNvPr id="57" name="Rectangle 8"/>
-          <p:cNvSpPr/>
-          <p:nvPr/>
-        </p:nvSpPr>
-        <p:spPr>
-          <a:xfrm>
-            <a:off x="4503204" y="2280569"/>
-            <a:ext cx="1156969" cy="346760"/>
-          </a:xfrm>
-          <a:prstGeom prst="rect">
-            <a:avLst/>
-          </a:prstGeom>
-          <a:ln w="19050">
-            <a:solidFill>
-              <a:srgbClr val="7030A0"/>
-            </a:solidFill>
-          </a:ln>
-          <a:effectLst/>
-        </p:spPr>
-        <p:style>
-          <a:lnRef idx="1">
-            <a:schemeClr val="accent4"/>
-          </a:lnRef>
-          <a:fillRef idx="2">
-            <a:schemeClr val="accent4"/>
-          </a:fillRef>
-          <a:effectRef idx="1">
-            <a:schemeClr val="accent4"/>
-          </a:effectRef>
-          <a:fontRef idx="minor">
-            <a:schemeClr val="dk1"/>
-          </a:fontRef>
-        </p:style>
-        <p:txBody>
-          <a:bodyPr rtlCol="0" anchor="ctr"/>
-          <a:lstStyle/>
-          <a:p>
-            <a:pPr algn="ctr"/>
-            <a:r>
-              <a:rPr lang="en-US" sz="1050" dirty="0" err="1" smtClean="0">
-                <a:solidFill>
-                  <a:srgbClr val="7030A0"/>
-                </a:solidFill>
-              </a:rPr>
-              <a:t>UniqueTagList</a:t>
-            </a:r>
-            <a:endParaRPr lang="en-SG" sz="1050" dirty="0">
-              <a:solidFill>
-                <a:srgbClr val="7030A0"/>
-              </a:solidFill>
-            </a:endParaRPr>
-          </a:p>
-        </p:txBody>
-      </p:sp>
-      <p:cxnSp>
-        <p:nvCxnSpPr>
-          <p:cNvPr id="59" name="Elbow Connector 58"/>
-          <p:cNvCxnSpPr>
-            <a:stCxn id="51" idx="3"/>
-            <a:endCxn id="57" idx="1"/>
-          </p:cNvCxnSpPr>
-          <p:nvPr/>
-        </p:nvCxnSpPr>
-        <p:spPr>
-          <a:xfrm flipV="1">
-            <a:off x="4220351" y="2453949"/>
-            <a:ext cx="282853" cy="306732"/>
-          </a:xfrm>
-          <a:prstGeom prst="bentConnector3">
-            <a:avLst>
-              <a:gd name="adj1" fmla="val 50000"/>
-            </a:avLst>
-          </a:prstGeom>
-          <a:ln w="19050">
-            <a:solidFill>
-              <a:srgbClr val="7030A0"/>
-            </a:solidFill>
-            <a:headEnd type="none" w="med" len="med"/>
-            <a:tailEnd type="arrow" w="med" len="med"/>
-          </a:ln>
-          <a:effectLst/>
-        </p:spPr>
-        <p:style>
-          <a:lnRef idx="1">
-            <a:schemeClr val="accent2"/>
-          </a:lnRef>
-          <a:fillRef idx="2">
-            <a:schemeClr val="accent2"/>
-          </a:fillRef>
-          <a:effectRef idx="1">
-            <a:schemeClr val="accent2"/>
-          </a:effectRef>
-          <a:fontRef idx="minor">
-            <a:schemeClr val="dk1"/>
-          </a:fontRef>
-        </p:style>
-      </p:cxnSp>
-      <p:sp>
-        <p:nvSpPr>
-          <p:cNvPr id="62" name="Rectangle 8"/>
-          <p:cNvSpPr/>
-          <p:nvPr/>
-        </p:nvSpPr>
-        <p:spPr>
-          <a:xfrm>
-            <a:off x="6313677" y="2858066"/>
-            <a:ext cx="708186" cy="346760"/>
-          </a:xfrm>
-          <a:prstGeom prst="rect">
-            <a:avLst/>
-          </a:prstGeom>
-          <a:ln w="19050">
-            <a:solidFill>
-              <a:srgbClr val="7030A0"/>
-            </a:solidFill>
-          </a:ln>
-          <a:effectLst/>
-        </p:spPr>
-        <p:style>
-          <a:lnRef idx="1">
-            <a:schemeClr val="accent4"/>
-          </a:lnRef>
-          <a:fillRef idx="2">
-            <a:schemeClr val="accent4"/>
-          </a:fillRef>
-          <a:effectRef idx="1">
-            <a:schemeClr val="accent4"/>
-          </a:effectRef>
-          <a:fontRef idx="minor">
-            <a:schemeClr val="dk1"/>
-          </a:fontRef>
-        </p:style>
-        <p:txBody>
-          <a:bodyPr rtlCol="0" anchor="ctr"/>
-          <a:lstStyle/>
-          <a:p>
-            <a:pPr algn="ctr"/>
-            <a:r>
-              <a:rPr lang="en-US" sz="1050" dirty="0" smtClean="0">
-                <a:solidFill>
-                  <a:srgbClr val="7030A0"/>
-                </a:solidFill>
-              </a:rPr>
-              <a:t>Person</a:t>
-            </a:r>
-            <a:endParaRPr lang="en-SG" sz="1050" dirty="0">
-              <a:solidFill>
-                <a:srgbClr val="7030A0"/>
-              </a:solidFill>
-            </a:endParaRPr>
-          </a:p>
-        </p:txBody>
-      </p:sp>
-      <p:sp>
-        <p:nvSpPr>
-          <p:cNvPr id="63" name="Flowchart: Decision 96"/>
-          <p:cNvSpPr/>
-          <p:nvPr/>
-        </p:nvSpPr>
-        <p:spPr>
-          <a:xfrm>
-            <a:off x="5643227" y="2943979"/>
-            <a:ext cx="236048" cy="173380"/>
-          </a:xfrm>
-          <a:prstGeom prst="flowChartDecision">
-            <a:avLst/>
-          </a:prstGeom>
-          <a:noFill/>
-          <a:ln w="19050">
-            <a:solidFill>
-              <a:srgbClr val="7030A0"/>
-            </a:solidFill>
-          </a:ln>
-          <a:effectLst/>
-        </p:spPr>
-        <p:style>
-          <a:lnRef idx="1">
-            <a:schemeClr val="accent6"/>
-          </a:lnRef>
-          <a:fillRef idx="2">
-            <a:schemeClr val="accent6"/>
-          </a:fillRef>
-          <a:effectRef idx="1">
-            <a:schemeClr val="accent6"/>
-          </a:effectRef>
-          <a:fontRef idx="minor">
-            <a:schemeClr val="dk1"/>
-          </a:fontRef>
-        </p:style>
-        <p:txBody>
-          <a:bodyPr rtlCol="0" anchor="ctr"/>
-          <a:lstStyle/>
-          <a:p>
-            <a:pPr algn="ctr"/>
-            <a:endParaRPr lang="en-US" sz="1050"/>
-          </a:p>
-        </p:txBody>
-      </p:sp>
-      <p:cxnSp>
-        <p:nvCxnSpPr>
-          <p:cNvPr id="64" name="Elbow Connector 63"/>
-          <p:cNvCxnSpPr>
-            <a:stCxn id="63" idx="3"/>
-            <a:endCxn id="62" idx="1"/>
-          </p:cNvCxnSpPr>
-          <p:nvPr/>
-        </p:nvCxnSpPr>
-        <p:spPr>
-          <a:xfrm>
-            <a:off x="5879275" y="3030669"/>
-            <a:ext cx="434402" cy="777"/>
-          </a:xfrm>
-          <a:prstGeom prst="bentConnector3">
-            <a:avLst/>
-          </a:prstGeom>
-          <a:ln w="19050">
-            <a:solidFill>
-              <a:srgbClr val="7030A0"/>
-            </a:solidFill>
-            <a:headEnd type="none" w="med" len="med"/>
-            <a:tailEnd type="arrow" w="med" len="med"/>
-          </a:ln>
-          <a:effectLst/>
-        </p:spPr>
-        <p:style>
-          <a:lnRef idx="1">
-            <a:schemeClr val="accent2"/>
-          </a:lnRef>
-          <a:fillRef idx="2">
-            <a:schemeClr val="accent2"/>
-          </a:fillRef>
-          <a:effectRef idx="1">
-            <a:schemeClr val="accent2"/>
-          </a:effectRef>
-          <a:fontRef idx="minor">
-            <a:schemeClr val="dk1"/>
-          </a:fontRef>
-        </p:style>
-      </p:cxnSp>
-      <p:sp>
-        <p:nvSpPr>
-          <p:cNvPr id="67" name="Rectangle 8"/>
-          <p:cNvSpPr/>
-          <p:nvPr/>
-        </p:nvSpPr>
-        <p:spPr>
-          <a:xfrm>
-            <a:off x="6315289" y="2285584"/>
-            <a:ext cx="708186" cy="346760"/>
-          </a:xfrm>
-          <a:prstGeom prst="rect">
-            <a:avLst/>
-          </a:prstGeom>
-          <a:ln w="19050">
-            <a:solidFill>
-              <a:srgbClr val="7030A0"/>
-            </a:solidFill>
-          </a:ln>
-          <a:effectLst/>
-        </p:spPr>
-        <p:style>
-          <a:lnRef idx="1">
-            <a:schemeClr val="accent4"/>
-          </a:lnRef>
-          <a:fillRef idx="2">
-            <a:schemeClr val="accent4"/>
-          </a:fillRef>
-          <a:effectRef idx="1">
-            <a:schemeClr val="accent4"/>
-          </a:effectRef>
-          <a:fontRef idx="minor">
-            <a:schemeClr val="dk1"/>
-          </a:fontRef>
-        </p:style>
-        <p:txBody>
-          <a:bodyPr rtlCol="0" anchor="ctr"/>
-          <a:lstStyle/>
-          <a:p>
-            <a:pPr algn="ctr"/>
-            <a:r>
-              <a:rPr lang="en-US" sz="1050" dirty="0" smtClean="0">
-                <a:solidFill>
-                  <a:srgbClr val="7030A0"/>
-                </a:solidFill>
-              </a:rPr>
-              <a:t>Tag</a:t>
-            </a:r>
-            <a:endParaRPr lang="en-SG" sz="1050" dirty="0">
-              <a:solidFill>
-                <a:srgbClr val="7030A0"/>
-              </a:solidFill>
-            </a:endParaRPr>
-          </a:p>
-        </p:txBody>
-      </p:sp>
-      <p:sp>
-        <p:nvSpPr>
-          <p:cNvPr id="68" name="Flowchart: Decision 96"/>
-          <p:cNvSpPr/>
-          <p:nvPr/>
-        </p:nvSpPr>
-        <p:spPr>
-          <a:xfrm>
-            <a:off x="5672547" y="2371497"/>
-            <a:ext cx="236048" cy="173380"/>
-          </a:xfrm>
-          <a:prstGeom prst="flowChartDecision">
-            <a:avLst/>
-          </a:prstGeom>
-          <a:noFill/>
-          <a:ln w="19050">
-            <a:solidFill>
-              <a:srgbClr val="7030A0"/>
-            </a:solidFill>
-          </a:ln>
-          <a:effectLst/>
-        </p:spPr>
-        <p:style>
-          <a:lnRef idx="1">
-            <a:schemeClr val="accent6"/>
-          </a:lnRef>
-          <a:fillRef idx="2">
-            <a:schemeClr val="accent6"/>
-          </a:fillRef>
-          <a:effectRef idx="1">
-            <a:schemeClr val="accent6"/>
-          </a:effectRef>
-          <a:fontRef idx="minor">
-            <a:schemeClr val="dk1"/>
-          </a:fontRef>
-        </p:style>
-        <p:txBody>
-          <a:bodyPr rtlCol="0" anchor="ctr"/>
-          <a:lstStyle/>
-          <a:p>
-            <a:pPr algn="ctr"/>
-            <a:endParaRPr lang="en-US" sz="1050"/>
-          </a:p>
-        </p:txBody>
-      </p:sp>
-      <p:cxnSp>
-        <p:nvCxnSpPr>
-          <p:cNvPr id="69" name="Elbow Connector 68"/>
-          <p:cNvCxnSpPr>
-            <a:stCxn id="68" idx="3"/>
-            <a:endCxn id="67" idx="1"/>
-          </p:cNvCxnSpPr>
-          <p:nvPr/>
-        </p:nvCxnSpPr>
-        <p:spPr>
-          <a:xfrm>
-            <a:off x="5908595" y="2458187"/>
-            <a:ext cx="406694" cy="777"/>
-          </a:xfrm>
-          <a:prstGeom prst="bentConnector3">
-            <a:avLst/>
-          </a:prstGeom>
-          <a:ln w="19050">
-            <a:solidFill>
-              <a:srgbClr val="7030A0"/>
-            </a:solidFill>
-            <a:headEnd type="none" w="med" len="med"/>
-            <a:tailEnd type="arrow" w="med" len="med"/>
-          </a:ln>
-          <a:effectLst/>
-        </p:spPr>
-        <p:style>
-          <a:lnRef idx="1">
-            <a:schemeClr val="accent2"/>
-          </a:lnRef>
-          <a:fillRef idx="2">
-            <a:schemeClr val="accent2"/>
-          </a:fillRef>
-          <a:effectRef idx="1">
-            <a:schemeClr val="accent2"/>
-          </a:effectRef>
-          <a:fontRef idx="minor">
-            <a:schemeClr val="dk1"/>
-          </a:fontRef>
-        </p:style>
-      </p:cxnSp>
-      <p:sp>
-        <p:nvSpPr>
-          <p:cNvPr id="72" name="Rectangle 8"/>
-          <p:cNvSpPr/>
-          <p:nvPr/>
-        </p:nvSpPr>
-        <p:spPr>
-          <a:xfrm>
-            <a:off x="5128257" y="3429000"/>
-            <a:ext cx="1156969" cy="346760"/>
-          </a:xfrm>
-          <a:prstGeom prst="rect">
-            <a:avLst/>
-          </a:prstGeom>
-          <a:ln w="19050">
-            <a:solidFill>
-              <a:srgbClr val="7030A0"/>
-            </a:solidFill>
-          </a:ln>
-          <a:effectLst/>
-        </p:spPr>
-        <p:style>
-          <a:lnRef idx="1">
-            <a:schemeClr val="accent4"/>
-          </a:lnRef>
-          <a:fillRef idx="2">
-            <a:schemeClr val="accent4"/>
-          </a:fillRef>
-          <a:effectRef idx="1">
-            <a:schemeClr val="accent4"/>
-          </a:effectRef>
-          <a:fontRef idx="minor">
-            <a:schemeClr val="dk1"/>
-          </a:fontRef>
-        </p:style>
-        <p:txBody>
-          <a:bodyPr rtlCol="0" anchor="ctr"/>
-          <a:lstStyle/>
-          <a:p>
-            <a:pPr algn="ctr"/>
-            <a:r>
-              <a:rPr lang="en-US" sz="1050" dirty="0" smtClean="0">
-                <a:solidFill>
-                  <a:srgbClr val="7030A0"/>
-                </a:solidFill>
-              </a:rPr>
-              <a:t>&lt;&lt;interface&gt;&gt;</a:t>
-            </a:r>
-            <a:br>
-              <a:rPr lang="en-US" sz="1050" dirty="0" smtClean="0">
-                <a:solidFill>
-                  <a:srgbClr val="7030A0"/>
-                </a:solidFill>
-              </a:rPr>
-            </a:br>
-            <a:r>
-              <a:rPr lang="en-US" sz="1050" dirty="0" err="1" smtClean="0">
-                <a:solidFill>
-                  <a:srgbClr val="7030A0"/>
-                </a:solidFill>
-              </a:rPr>
-              <a:t>ReadOnlyPerson</a:t>
-            </a:r>
-            <a:endParaRPr lang="en-SG" sz="1050" dirty="0">
-              <a:solidFill>
-                <a:srgbClr val="7030A0"/>
-              </a:solidFill>
-            </a:endParaRPr>
-          </a:p>
-        </p:txBody>
-      </p:sp>
-      <p:sp>
-        <p:nvSpPr>
-          <p:cNvPr id="76" name="Rectangle 8"/>
-          <p:cNvSpPr/>
-          <p:nvPr/>
-        </p:nvSpPr>
-        <p:spPr>
-          <a:xfrm>
-            <a:off x="7712397" y="2564238"/>
-            <a:ext cx="708186" cy="285783"/>
-          </a:xfrm>
-          <a:prstGeom prst="rect">
-            <a:avLst/>
-          </a:prstGeom>
-          <a:ln w="19050">
-            <a:solidFill>
-              <a:srgbClr val="7030A0"/>
-            </a:solidFill>
-          </a:ln>
-          <a:effectLst/>
-        </p:spPr>
-        <p:style>
-          <a:lnRef idx="1">
-            <a:schemeClr val="accent4"/>
-          </a:lnRef>
-          <a:fillRef idx="2">
-            <a:schemeClr val="accent4"/>
-          </a:fillRef>
-          <a:effectRef idx="1">
-            <a:schemeClr val="accent4"/>
-          </a:effectRef>
-          <a:fontRef idx="minor">
-            <a:schemeClr val="dk1"/>
-          </a:fontRef>
-        </p:style>
-        <p:txBody>
-          <a:bodyPr rtlCol="0" anchor="ctr"/>
-          <a:lstStyle/>
-          <a:p>
-            <a:pPr algn="ctr"/>
-            <a:r>
-              <a:rPr lang="en-US" sz="1050" dirty="0" smtClean="0">
-                <a:solidFill>
-                  <a:srgbClr val="7030A0"/>
-                </a:solidFill>
-              </a:rPr>
-              <a:t>Name</a:t>
-            </a:r>
-            <a:endParaRPr lang="en-SG" sz="1050" dirty="0">
-              <a:solidFill>
-                <a:srgbClr val="7030A0"/>
-              </a:solidFill>
-            </a:endParaRPr>
-          </a:p>
-        </p:txBody>
-      </p:sp>
-      <p:sp>
-        <p:nvSpPr>
-          <p:cNvPr id="78" name="Flowchart: Decision 96"/>
-          <p:cNvSpPr/>
-          <p:nvPr/>
-        </p:nvSpPr>
-        <p:spPr>
-          <a:xfrm>
-            <a:off x="7041947" y="2948201"/>
-            <a:ext cx="236048" cy="173380"/>
-          </a:xfrm>
-          <a:prstGeom prst="flowChartDecision">
-            <a:avLst/>
-          </a:prstGeom>
-          <a:solidFill>
-            <a:srgbClr val="7030A0"/>
-          </a:solidFill>
-          <a:ln w="19050">
-            <a:solidFill>
-              <a:srgbClr val="7030A0"/>
-            </a:solidFill>
-          </a:ln>
-          <a:effectLst/>
-        </p:spPr>
-        <p:style>
-          <a:lnRef idx="1">
-            <a:schemeClr val="accent6"/>
-          </a:lnRef>
-          <a:fillRef idx="2">
-            <a:schemeClr val="accent6"/>
-          </a:fillRef>
-          <a:effectRef idx="1">
-            <a:schemeClr val="accent6"/>
-          </a:effectRef>
-          <a:fontRef idx="minor">
-            <a:schemeClr val="dk1"/>
-          </a:fontRef>
-        </p:style>
-        <p:txBody>
-          <a:bodyPr rtlCol="0" anchor="ctr"/>
-          <a:lstStyle/>
-          <a:p>
-            <a:pPr algn="ctr"/>
-            <a:endParaRPr lang="en-US" sz="1050"/>
-          </a:p>
-        </p:txBody>
-      </p:sp>
-      <p:cxnSp>
-        <p:nvCxnSpPr>
-          <p:cNvPr id="79" name="Elbow Connector 78"/>
-          <p:cNvCxnSpPr>
-            <a:stCxn id="78" idx="3"/>
-            <a:endCxn id="76" idx="1"/>
-          </p:cNvCxnSpPr>
-          <p:nvPr/>
-        </p:nvCxnSpPr>
-        <p:spPr>
-          <a:xfrm flipV="1">
-            <a:off x="7277995" y="2707130"/>
-            <a:ext cx="434402" cy="327761"/>
-          </a:xfrm>
-          <a:prstGeom prst="bentConnector3">
-            <a:avLst/>
-          </a:prstGeom>
-          <a:ln w="19050">
-            <a:solidFill>
-              <a:srgbClr val="7030A0"/>
-            </a:solidFill>
-            <a:headEnd type="none" w="med" len="med"/>
-            <a:tailEnd type="arrow" w="med" len="med"/>
-          </a:ln>
-          <a:effectLst/>
-        </p:spPr>
-        <p:style>
-          <a:lnRef idx="1">
-            <a:schemeClr val="accent2"/>
-          </a:lnRef>
-          <a:fillRef idx="2">
-            <a:schemeClr val="accent2"/>
-          </a:fillRef>
-          <a:effectRef idx="1">
-            <a:schemeClr val="accent2"/>
-          </a:effectRef>
-          <a:fontRef idx="minor">
-            <a:schemeClr val="dk1"/>
-          </a:fontRef>
-        </p:style>
-      </p:cxnSp>
-      <p:sp>
-        <p:nvSpPr>
-          <p:cNvPr id="80" name="Rectangle 8"/>
-          <p:cNvSpPr/>
-          <p:nvPr/>
-        </p:nvSpPr>
-        <p:spPr>
-          <a:xfrm>
-            <a:off x="7712397" y="2887216"/>
-            <a:ext cx="708186" cy="285783"/>
-          </a:xfrm>
-          <a:prstGeom prst="rect">
-            <a:avLst/>
-          </a:prstGeom>
-          <a:ln w="19050">
-            <a:solidFill>
-              <a:srgbClr val="7030A0"/>
-            </a:solidFill>
-          </a:ln>
-          <a:effectLst/>
-        </p:spPr>
-        <p:style>
-          <a:lnRef idx="1">
-            <a:schemeClr val="accent4"/>
-          </a:lnRef>
-          <a:fillRef idx="2">
-            <a:schemeClr val="accent4"/>
-          </a:fillRef>
-          <a:effectRef idx="1">
-            <a:schemeClr val="accent4"/>
-          </a:effectRef>
-          <a:fontRef idx="minor">
-            <a:schemeClr val="dk1"/>
-          </a:fontRef>
-        </p:style>
-        <p:txBody>
-          <a:bodyPr rtlCol="0" anchor="ctr"/>
-          <a:lstStyle/>
-          <a:p>
-            <a:pPr algn="ctr"/>
-            <a:r>
-              <a:rPr lang="en-US" sz="1050" dirty="0" smtClean="0">
-                <a:solidFill>
-                  <a:srgbClr val="7030A0"/>
-                </a:solidFill>
-              </a:rPr>
-              <a:t>Phone</a:t>
-            </a:r>
-            <a:endParaRPr lang="en-SG" sz="1050" dirty="0">
-              <a:solidFill>
-                <a:srgbClr val="7030A0"/>
-              </a:solidFill>
-            </a:endParaRPr>
-          </a:p>
-        </p:txBody>
-      </p:sp>
-      <p:cxnSp>
-        <p:nvCxnSpPr>
-          <p:cNvPr id="81" name="Elbow Connector 80"/>
-          <p:cNvCxnSpPr>
-            <a:stCxn id="78" idx="3"/>
-            <a:endCxn id="80" idx="1"/>
-          </p:cNvCxnSpPr>
-          <p:nvPr/>
-        </p:nvCxnSpPr>
-        <p:spPr>
-          <a:xfrm flipV="1">
-            <a:off x="7277995" y="3030108"/>
-            <a:ext cx="434402" cy="4783"/>
-          </a:xfrm>
-          <a:prstGeom prst="bentConnector3">
-            <a:avLst/>
-          </a:prstGeom>
-          <a:ln w="19050">
-            <a:solidFill>
-              <a:srgbClr val="7030A0"/>
-            </a:solidFill>
-            <a:headEnd type="none" w="med" len="med"/>
-            <a:tailEnd type="arrow" w="med" len="med"/>
-          </a:ln>
-          <a:effectLst/>
-        </p:spPr>
-        <p:style>
-          <a:lnRef idx="1">
-            <a:schemeClr val="accent2"/>
-          </a:lnRef>
-          <a:fillRef idx="2">
-            <a:schemeClr val="accent2"/>
-          </a:fillRef>
-          <a:effectRef idx="1">
-            <a:schemeClr val="accent2"/>
-          </a:effectRef>
-          <a:fontRef idx="minor">
-            <a:schemeClr val="dk1"/>
-          </a:fontRef>
-        </p:style>
-      </p:cxnSp>
-      <p:sp>
-        <p:nvSpPr>
-          <p:cNvPr id="83" name="Rectangle 8"/>
-          <p:cNvSpPr/>
-          <p:nvPr/>
-        </p:nvSpPr>
-        <p:spPr>
-          <a:xfrm>
-            <a:off x="7712397" y="3210194"/>
-            <a:ext cx="708186" cy="285783"/>
-          </a:xfrm>
-          <a:prstGeom prst="rect">
-            <a:avLst/>
-          </a:prstGeom>
-          <a:ln w="19050">
-            <a:solidFill>
-              <a:srgbClr val="7030A0"/>
-            </a:solidFill>
-          </a:ln>
-          <a:effectLst/>
-        </p:spPr>
-        <p:style>
-          <a:lnRef idx="1">
-            <a:schemeClr val="accent4"/>
-          </a:lnRef>
-          <a:fillRef idx="2">
-            <a:schemeClr val="accent4"/>
-          </a:fillRef>
-          <a:effectRef idx="1">
-            <a:schemeClr val="accent4"/>
-          </a:effectRef>
-          <a:fontRef idx="minor">
-            <a:schemeClr val="dk1"/>
-          </a:fontRef>
-        </p:style>
-        <p:txBody>
-          <a:bodyPr rtlCol="0" anchor="ctr"/>
-          <a:lstStyle/>
-          <a:p>
-            <a:pPr algn="ctr"/>
-            <a:r>
-              <a:rPr lang="en-US" sz="1050" dirty="0" smtClean="0">
-                <a:solidFill>
-                  <a:srgbClr val="7030A0"/>
-                </a:solidFill>
-              </a:rPr>
-              <a:t>Email</a:t>
-            </a:r>
-            <a:endParaRPr lang="en-SG" sz="1050" dirty="0">
-              <a:solidFill>
-                <a:srgbClr val="7030A0"/>
-              </a:solidFill>
-            </a:endParaRPr>
-          </a:p>
-        </p:txBody>
-      </p:sp>
-      <p:cxnSp>
-        <p:nvCxnSpPr>
-          <p:cNvPr id="84" name="Elbow Connector 83"/>
-          <p:cNvCxnSpPr>
-            <a:stCxn id="78" idx="3"/>
-            <a:endCxn id="83" idx="1"/>
-          </p:cNvCxnSpPr>
-          <p:nvPr/>
-        </p:nvCxnSpPr>
-        <p:spPr>
-          <a:xfrm>
-            <a:off x="7277995" y="3034891"/>
-            <a:ext cx="434402" cy="318195"/>
-          </a:xfrm>
-          <a:prstGeom prst="bentConnector3">
-            <a:avLst/>
-          </a:prstGeom>
-          <a:ln w="19050">
-            <a:solidFill>
-              <a:srgbClr val="7030A0"/>
-            </a:solidFill>
-            <a:headEnd type="none" w="med" len="med"/>
-            <a:tailEnd type="arrow" w="med" len="med"/>
-          </a:ln>
-          <a:effectLst/>
-        </p:spPr>
-        <p:style>
-          <a:lnRef idx="1">
-            <a:schemeClr val="accent2"/>
-          </a:lnRef>
-          <a:fillRef idx="2">
-            <a:schemeClr val="accent2"/>
-          </a:fillRef>
-          <a:effectRef idx="1">
-            <a:schemeClr val="accent2"/>
-          </a:effectRef>
-          <a:fontRef idx="minor">
-            <a:schemeClr val="dk1"/>
-          </a:fontRef>
-        </p:style>
-      </p:cxnSp>
-      <p:sp>
-        <p:nvSpPr>
-          <p:cNvPr id="85" name="Rectangle 8"/>
-          <p:cNvSpPr/>
-          <p:nvPr/>
-        </p:nvSpPr>
-        <p:spPr>
-          <a:xfrm>
-            <a:off x="7712397" y="3533171"/>
-            <a:ext cx="708186" cy="285783"/>
-          </a:xfrm>
-          <a:prstGeom prst="rect">
-            <a:avLst/>
-          </a:prstGeom>
-          <a:ln w="19050">
-            <a:solidFill>
-              <a:srgbClr val="7030A0"/>
-            </a:solidFill>
-          </a:ln>
-          <a:effectLst/>
-        </p:spPr>
-        <p:style>
-          <a:lnRef idx="1">
-            <a:schemeClr val="accent4"/>
-          </a:lnRef>
-          <a:fillRef idx="2">
-            <a:schemeClr val="accent4"/>
-          </a:fillRef>
-          <a:effectRef idx="1">
-            <a:schemeClr val="accent4"/>
-          </a:effectRef>
-          <a:fontRef idx="minor">
-            <a:schemeClr val="dk1"/>
-          </a:fontRef>
-        </p:style>
-        <p:txBody>
-          <a:bodyPr rtlCol="0" anchor="ctr"/>
-          <a:lstStyle/>
-          <a:p>
-            <a:pPr algn="ctr"/>
-            <a:r>
-              <a:rPr lang="en-US" sz="1050" dirty="0" smtClean="0">
-                <a:solidFill>
-                  <a:srgbClr val="7030A0"/>
-                </a:solidFill>
-              </a:rPr>
-              <a:t>Address</a:t>
-            </a:r>
-            <a:endParaRPr lang="en-SG" sz="1050" dirty="0">
-              <a:solidFill>
-                <a:srgbClr val="7030A0"/>
-              </a:solidFill>
-            </a:endParaRPr>
-          </a:p>
-        </p:txBody>
-      </p:sp>
-      <p:cxnSp>
-        <p:nvCxnSpPr>
-          <p:cNvPr id="86" name="Elbow Connector 85"/>
-          <p:cNvCxnSpPr>
-            <a:stCxn id="78" idx="3"/>
-            <a:endCxn id="85" idx="1"/>
-          </p:cNvCxnSpPr>
-          <p:nvPr/>
-        </p:nvCxnSpPr>
-        <p:spPr>
-          <a:xfrm>
-            <a:off x="7277995" y="3034891"/>
-            <a:ext cx="434402" cy="641172"/>
-          </a:xfrm>
-          <a:prstGeom prst="bentConnector3">
-            <a:avLst/>
-          </a:prstGeom>
-          <a:ln w="19050">
-            <a:solidFill>
-              <a:srgbClr val="7030A0"/>
-            </a:solidFill>
-            <a:headEnd type="none" w="med" len="med"/>
-            <a:tailEnd type="arrow" w="med" len="med"/>
-          </a:ln>
-          <a:effectLst/>
-        </p:spPr>
-        <p:style>
-          <a:lnRef idx="1">
-            <a:schemeClr val="accent2"/>
-          </a:lnRef>
-          <a:fillRef idx="2">
-            <a:schemeClr val="accent2"/>
-          </a:fillRef>
-          <a:effectRef idx="1">
-            <a:schemeClr val="accent2"/>
-          </a:effectRef>
-          <a:fontRef idx="minor">
-            <a:schemeClr val="dk1"/>
-          </a:fontRef>
-        </p:style>
-      </p:cxnSp>
-      <p:cxnSp>
-        <p:nvCxnSpPr>
-          <p:cNvPr id="97" name="Elbow Connector 63"/>
-          <p:cNvCxnSpPr>
-            <a:stCxn id="99" idx="3"/>
-          </p:cNvCxnSpPr>
-          <p:nvPr/>
-        </p:nvCxnSpPr>
-        <p:spPr>
-          <a:xfrm rot="16200000" flipH="1">
-            <a:off x="3279321" y="2485431"/>
-            <a:ext cx="293825" cy="1"/>
-          </a:xfrm>
-          <a:prstGeom prst="bentConnector3">
-            <a:avLst>
-              <a:gd name="adj1" fmla="val 50000"/>
-            </a:avLst>
-          </a:prstGeom>
-          <a:ln w="19050">
-            <a:solidFill>
-              <a:srgbClr val="7030A0"/>
-            </a:solidFill>
-            <a:prstDash val="sysDot"/>
-            <a:headEnd type="none" w="med" len="med"/>
-            <a:tailEnd type="none" w="med" len="med"/>
-          </a:ln>
-          <a:effectLst/>
-        </p:spPr>
-        <p:style>
-          <a:lnRef idx="1">
-            <a:schemeClr val="accent2"/>
-          </a:lnRef>
-          <a:fillRef idx="2">
-            <a:schemeClr val="accent2"/>
-          </a:fillRef>
-          <a:effectRef idx="1">
-            <a:schemeClr val="accent2"/>
-          </a:effectRef>
-          <a:fontRef idx="minor">
-            <a:schemeClr val="dk1"/>
-          </a:fontRef>
-        </p:style>
-      </p:cxnSp>
-      <p:sp>
-        <p:nvSpPr>
-          <p:cNvPr id="99" name="Isosceles Triangle 102"/>
-          <p:cNvSpPr/>
-          <p:nvPr/>
-        </p:nvSpPr>
-        <p:spPr>
-          <a:xfrm rot="10800000" flipV="1">
-            <a:off x="3290981" y="2162997"/>
-            <a:ext cx="270504" cy="175523"/>
-          </a:xfrm>
-          <a:prstGeom prst="triangle">
-            <a:avLst/>
-          </a:prstGeom>
-          <a:ln w="19050">
-            <a:solidFill>
-              <a:srgbClr val="7030A0"/>
-            </a:solidFill>
-          </a:ln>
-          <a:effectLst/>
-        </p:spPr>
-        <p:style>
-          <a:lnRef idx="1">
-            <a:schemeClr val="accent4"/>
-          </a:lnRef>
-          <a:fillRef idx="2">
-            <a:schemeClr val="accent4"/>
-          </a:fillRef>
-          <a:effectRef idx="1">
-            <a:schemeClr val="accent4"/>
-          </a:effectRef>
-          <a:fontRef idx="minor">
-            <a:schemeClr val="dk1"/>
-          </a:fontRef>
-        </p:style>
-        <p:txBody>
-          <a:bodyPr rtlCol="0" anchor="ctr"/>
-          <a:lstStyle/>
-          <a:p>
-            <a:pPr algn="ctr"/>
-            <a:endParaRPr lang="en-SG" sz="1050" b="1">
-              <a:solidFill>
-                <a:srgbClr val="92D050"/>
-              </a:solidFill>
-            </a:endParaRPr>
-          </a:p>
-        </p:txBody>
-      </p:sp>
-      <p:sp>
-        <p:nvSpPr>
-          <p:cNvPr id="100" name="Rectangle 8"/>
-          <p:cNvSpPr/>
-          <p:nvPr/>
-        </p:nvSpPr>
-        <p:spPr>
-          <a:xfrm>
-            <a:off x="2660303" y="1806470"/>
-            <a:ext cx="1539926" cy="346760"/>
-          </a:xfrm>
-          <a:prstGeom prst="rect">
-            <a:avLst/>
-          </a:prstGeom>
-          <a:ln w="19050">
-            <a:solidFill>
-              <a:srgbClr val="7030A0"/>
-            </a:solidFill>
-          </a:ln>
-          <a:effectLst/>
-        </p:spPr>
-        <p:style>
-          <a:lnRef idx="1">
-            <a:schemeClr val="accent4"/>
-          </a:lnRef>
-          <a:fillRef idx="2">
-            <a:schemeClr val="accent4"/>
-          </a:fillRef>
-          <a:effectRef idx="1">
-            <a:schemeClr val="accent4"/>
-          </a:effectRef>
-          <a:fontRef idx="minor">
-            <a:schemeClr val="dk1"/>
-          </a:fontRef>
-        </p:style>
-        <p:txBody>
-          <a:bodyPr rtlCol="0" anchor="ctr"/>
-          <a:lstStyle/>
-          <a:p>
-            <a:pPr algn="ctr"/>
-            <a:r>
-              <a:rPr lang="en-US" sz="1050" dirty="0" smtClean="0">
-                <a:solidFill>
-                  <a:srgbClr val="7030A0"/>
-                </a:solidFill>
-              </a:rPr>
-              <a:t>&lt;&lt;interface&gt;&gt;</a:t>
-            </a:r>
-            <a:br>
-              <a:rPr lang="en-US" sz="1050" dirty="0" smtClean="0">
-                <a:solidFill>
-                  <a:srgbClr val="7030A0"/>
-                </a:solidFill>
-              </a:rPr>
-            </a:br>
-            <a:r>
-              <a:rPr lang="en-US" sz="1050" dirty="0" err="1" smtClean="0">
-                <a:solidFill>
-                  <a:srgbClr val="7030A0"/>
-                </a:solidFill>
-              </a:rPr>
-              <a:t>ReadOnlyAddressBook</a:t>
-            </a:r>
-            <a:endParaRPr lang="en-SG" sz="1050" dirty="0">
-              <a:solidFill>
-                <a:srgbClr val="7030A0"/>
-              </a:solidFill>
-            </a:endParaRPr>
-          </a:p>
-        </p:txBody>
-      </p:sp>
-      <p:sp>
-        <p:nvSpPr>
-          <p:cNvPr id="114" name="TextBox 113"/>
-          <p:cNvSpPr txBox="1"/>
-          <p:nvPr/>
-        </p:nvSpPr>
-        <p:spPr>
-          <a:xfrm rot="16200000">
-            <a:off x="6581354" y="3514530"/>
-            <a:ext cx="881018" cy="261610"/>
-          </a:xfrm>
-          <a:prstGeom prst="rect">
-            <a:avLst/>
-          </a:prstGeom>
-          <a:noFill/>
-        </p:spPr>
-        <p:txBody>
-          <a:bodyPr wrap="square" rtlCol="0">
-            <a:spAutoFit/>
-          </a:bodyPr>
-          <a:lstStyle/>
-          <a:p>
-            <a:pPr algn="r"/>
-            <a:r>
-              <a:rPr lang="en-US" sz="1100" dirty="0" smtClean="0">
-                <a:solidFill>
-                  <a:srgbClr val="7030A0"/>
-                </a:solidFill>
-              </a:rPr>
-              <a:t>filtered list</a:t>
-            </a:r>
-            <a:endParaRPr lang="en-SG" sz="1100" dirty="0">
-              <a:solidFill>
-                <a:srgbClr val="7030A0"/>
-              </a:solidFill>
-            </a:endParaRPr>
-          </a:p>
-        </p:txBody>
-      </p:sp>
-      <p:sp>
-        <p:nvSpPr>
-          <p:cNvPr id="122" name="Rectangle 8"/>
-          <p:cNvSpPr/>
-          <p:nvPr/>
-        </p:nvSpPr>
-        <p:spPr>
-          <a:xfrm>
-            <a:off x="2057400" y="4239491"/>
-            <a:ext cx="1775949" cy="346760"/>
-          </a:xfrm>
-          <a:prstGeom prst="rect">
-            <a:avLst/>
-          </a:prstGeom>
-          <a:ln w="19050">
-            <a:solidFill>
-              <a:srgbClr val="7030A0"/>
-            </a:solidFill>
-          </a:ln>
-          <a:effectLst/>
-        </p:spPr>
-        <p:style>
-          <a:lnRef idx="1">
-            <a:schemeClr val="accent4"/>
-          </a:lnRef>
-          <a:fillRef idx="2">
-            <a:schemeClr val="accent4"/>
-          </a:fillRef>
-          <a:effectRef idx="1">
-            <a:schemeClr val="accent4"/>
-          </a:effectRef>
-          <a:fontRef idx="minor">
-            <a:schemeClr val="dk1"/>
-          </a:fontRef>
-        </p:style>
-        <p:txBody>
-          <a:bodyPr rtlCol="0" anchor="ctr"/>
-          <a:lstStyle/>
-          <a:p>
-            <a:pPr algn="ctr"/>
-            <a:r>
-              <a:rPr lang="en-US" sz="1050" dirty="0" smtClean="0">
-                <a:solidFill>
-                  <a:srgbClr val="7030A0"/>
-                </a:solidFill>
-              </a:rPr>
-              <a:t>&lt;&lt;interface&gt;&gt;</a:t>
-            </a:r>
-            <a:r>
-              <a:rPr lang="en-US" sz="1050" dirty="0">
-                <a:solidFill>
-                  <a:srgbClr val="7030A0"/>
-                </a:solidFill>
-              </a:rPr>
-              <a:t/>
-            </a:r>
-            <a:br>
-              <a:rPr lang="en-US" sz="1050" dirty="0">
-                <a:solidFill>
-                  <a:srgbClr val="7030A0"/>
-                </a:solidFill>
-              </a:rPr>
-            </a:br>
-            <a:r>
-              <a:rPr lang="en-US" sz="1050" dirty="0" err="1" smtClean="0">
-                <a:solidFill>
-                  <a:srgbClr val="7030A0"/>
-                </a:solidFill>
-              </a:rPr>
-              <a:t>UnmodifiableObservableList</a:t>
-            </a:r>
-            <a:endParaRPr lang="en-SG" sz="1050" dirty="0">
-              <a:solidFill>
-                <a:srgbClr val="7030A0"/>
-              </a:solidFill>
-            </a:endParaRPr>
-          </a:p>
-        </p:txBody>
-      </p:sp>
-      <p:cxnSp>
-        <p:nvCxnSpPr>
-          <p:cNvPr id="124" name="Elbow Connector 122"/>
-          <p:cNvCxnSpPr>
-            <a:stCxn id="119" idx="1"/>
-            <a:endCxn id="122" idx="1"/>
-          </p:cNvCxnSpPr>
-          <p:nvPr/>
-        </p:nvCxnSpPr>
-        <p:spPr>
-          <a:xfrm rot="16200000" flipH="1">
-            <a:off x="1364475" y="3719945"/>
-            <a:ext cx="831471" cy="554380"/>
-          </a:xfrm>
-          <a:prstGeom prst="bentConnector2">
-            <a:avLst/>
-          </a:prstGeom>
-          <a:ln w="19050">
-            <a:solidFill>
-              <a:srgbClr val="7030A0"/>
-            </a:solidFill>
-            <a:prstDash val="sysDot"/>
-            <a:headEnd type="none" w="med" len="med"/>
-            <a:tailEnd type="arrow" w="med" len="med"/>
-          </a:ln>
-          <a:effectLst/>
-        </p:spPr>
-        <p:style>
-          <a:lnRef idx="1">
-            <a:schemeClr val="accent2"/>
-          </a:lnRef>
-          <a:fillRef idx="2">
-            <a:schemeClr val="accent2"/>
-          </a:fillRef>
-          <a:effectRef idx="1">
-            <a:schemeClr val="accent2"/>
-          </a:effectRef>
-          <a:fontRef idx="minor">
-            <a:schemeClr val="dk1"/>
-          </a:fontRef>
-        </p:style>
-      </p:cxnSp>
+            <a:endParaRPr/>
+          </a:p>
+        </p:txBody>
+      </p:sp>
     </p:spTree>
     <p:extLst>
       <p:ext uri="{BB962C8B-B14F-4D97-AF65-F5344CB8AC3E}">
-        <p14:creationId xmlns:p14="http://schemas.microsoft.com/office/powerpoint/2010/main" val="2396968029"/>
+        <p14:creationId xmlns:p14="http://schemas.microsoft.com/office/powerpoint/2010/main" val="4210591378"/>
       </p:ext>
     </p:extLst>
   </p:cSld>
   <p:clrMapOvr>
     <a:masterClrMapping/>
   </p:clrMapOvr>
-  <p:timing>
-    <p:tnLst>
-      <p:par>
-        <p:cTn xmlns:p14="http://schemas.microsoft.com/office/powerpoint/2010/main" id="1" dur="indefinite" restart="never" nodeType="tmRoot"/>
-      </p:par>
-    </p:tnLst>
-  </p:timing>
+  <p:transition xmlns:p14="http://schemas.microsoft.com/office/powerpoint/2010/main" spd="slow"/>
 </p:sld>
 </file>
 

--- a/docs/diagrams/Diagrams.pptx
+++ b/docs/diagrams/Diagrams.pptx
@@ -10,10 +10,10 @@
   <p:sldIdLst>
     <p:sldId id="256" r:id="rId2"/>
     <p:sldId id="259" r:id="rId3"/>
-    <p:sldId id="266" r:id="rId4"/>
+    <p:sldId id="269" r:id="rId4"/>
     <p:sldId id="260" r:id="rId5"/>
-    <p:sldId id="261" r:id="rId6"/>
-    <p:sldId id="267" r:id="rId7"/>
+    <p:sldId id="270" r:id="rId6"/>
+    <p:sldId id="271" r:id="rId7"/>
     <p:sldId id="268" r:id="rId8"/>
     <p:sldId id="264" r:id="rId9"/>
     <p:sldId id="265" r:id="rId10"/>
@@ -5659,8 +5659,8 @@
         </p:nvSpPr>
         <p:spPr>
           <a:xfrm>
-            <a:off x="2166172" y="1453379"/>
-            <a:ext cx="1424846" cy="215444"/>
+            <a:off x="1861933" y="1453378"/>
+            <a:ext cx="1729085" cy="215444"/>
           </a:xfrm>
           <a:prstGeom prst="rect">
             <a:avLst/>
@@ -5753,7 +5753,7 @@
                   <a:srgbClr val="7030A0"/>
                 </a:solidFill>
               </a:rPr>
-              <a:t>deletePerson</a:t>
+              <a:t>deleteTask</a:t>
             </a:r>
             <a:r>
               <a:rPr lang="en-US" sz="1400" dirty="0" smtClean="0">
@@ -5761,7 +5761,7 @@
                   <a:srgbClr val="7030A0"/>
                 </a:solidFill>
               </a:rPr>
-              <a:t>(p)</a:t>
+              <a:t>(t)</a:t>
             </a:r>
             <a:endParaRPr lang="en-US" sz="1400" dirty="0">
               <a:solidFill>
@@ -5811,7 +5811,7 @@
                   </a:schemeClr>
                 </a:solidFill>
               </a:rPr>
-              <a:t>AddressBookChangedEvent</a:t>
+              <a:t>TaskManagerChangedEvent</a:t>
             </a:r>
             <a:r>
               <a:rPr lang="en-US" sz="1400" dirty="0" smtClean="0">
@@ -6188,6 +6188,43 @@
           </a:fontRef>
         </p:style>
       </p:cxnSp>
+      <p:cxnSp>
+        <p:nvCxnSpPr>
+          <p:cNvPr id="85" name="Straight Connector 84"/>
+          <p:cNvCxnSpPr/>
+          <p:nvPr/>
+        </p:nvCxnSpPr>
+        <p:spPr>
+          <a:xfrm flipH="1">
+            <a:off x="314394" y="1099672"/>
+            <a:ext cx="24" cy="1598671"/>
+          </a:xfrm>
+          <a:prstGeom prst="line">
+            <a:avLst/>
+          </a:prstGeom>
+          <a:ln w="19050">
+            <a:solidFill>
+              <a:schemeClr val="tx1"/>
+            </a:solidFill>
+            <a:prstDash val="sysDash"/>
+          </a:ln>
+          <a:effectLst/>
+        </p:spPr>
+        <p:style>
+          <a:lnRef idx="1">
+            <a:schemeClr val="accent1"/>
+          </a:lnRef>
+          <a:fillRef idx="2">
+            <a:schemeClr val="accent1"/>
+          </a:fillRef>
+          <a:effectRef idx="1">
+            <a:schemeClr val="accent1"/>
+          </a:effectRef>
+          <a:fontRef idx="minor">
+            <a:schemeClr val="dk1"/>
+          </a:fontRef>
+        </p:style>
+      </p:cxnSp>
       <p:sp>
         <p:nvSpPr>
           <p:cNvPr id="53" name="Rectangle 62"/>
@@ -6385,7 +6422,7 @@
                   </a:schemeClr>
                 </a:solidFill>
               </a:rPr>
-              <a:t>AddressBookChangedEvent</a:t>
+              <a:t>TaskManagerChangedEvent</a:t>
             </a:r>
             <a:r>
               <a:rPr lang="en-US" sz="1400" dirty="0" smtClean="0">
@@ -6757,7 +6794,7 @@
                   </a:schemeClr>
                 </a:solidFill>
               </a:rPr>
-              <a:t>handleAddresssBookChangedEvent</a:t>
+              <a:t>handleTaskManagerChangedEvent</a:t>
             </a:r>
             <a:r>
               <a:rPr lang="en-US" sz="1400" dirty="0" smtClean="0">
@@ -6779,43 +6816,6 @@
           </a:p>
         </p:txBody>
       </p:sp>
-      <p:cxnSp>
-        <p:nvCxnSpPr>
-          <p:cNvPr id="85" name="Straight Connector 84"/>
-          <p:cNvCxnSpPr/>
-          <p:nvPr/>
-        </p:nvCxnSpPr>
-        <p:spPr>
-          <a:xfrm flipH="1">
-            <a:off x="314394" y="1099672"/>
-            <a:ext cx="24" cy="1598671"/>
-          </a:xfrm>
-          <a:prstGeom prst="line">
-            <a:avLst/>
-          </a:prstGeom>
-          <a:ln w="19050">
-            <a:solidFill>
-              <a:schemeClr val="tx1"/>
-            </a:solidFill>
-            <a:prstDash val="sysDash"/>
-          </a:ln>
-          <a:effectLst/>
-        </p:spPr>
-        <p:style>
-          <a:lnRef idx="1">
-            <a:schemeClr val="accent1"/>
-          </a:lnRef>
-          <a:fillRef idx="2">
-            <a:schemeClr val="accent1"/>
-          </a:fillRef>
-          <a:effectRef idx="1">
-            <a:schemeClr val="accent1"/>
-          </a:effectRef>
-          <a:fontRef idx="minor">
-            <a:schemeClr val="dk1"/>
-          </a:fontRef>
-        </p:style>
-      </p:cxnSp>
       <p:sp>
         <p:nvSpPr>
           <p:cNvPr id="45" name="Rectangle 62"/>
@@ -7068,7 +7068,7 @@
                   <a:srgbClr val="00B050"/>
                 </a:solidFill>
               </a:rPr>
-              <a:t>handleAddresssBookChangedEvent</a:t>
+              <a:t>handleTaskMangerChangedEvent</a:t>
             </a:r>
             <a:r>
               <a:rPr lang="en-US" sz="1400" dirty="0" smtClean="0">
@@ -7511,7 +7511,7 @@
     </p:spTree>
     <p:extLst>
       <p:ext uri="{BB962C8B-B14F-4D97-AF65-F5344CB8AC3E}">
-        <p14:creationId xmlns:p14="http://schemas.microsoft.com/office/powerpoint/2010/main" val="4023378879"/>
+        <p14:creationId xmlns:p14="http://schemas.microsoft.com/office/powerpoint/2010/main" val="484176208"/>
       </p:ext>
     </p:extLst>
   </p:cSld>
@@ -11535,7 +11535,7 @@
     </p:spTree>
     <p:extLst>
       <p:ext uri="{BB962C8B-B14F-4D97-AF65-F5344CB8AC3E}">
-        <p14:creationId xmlns:p14="http://schemas.microsoft.com/office/powerpoint/2010/main" val="599777654"/>
+        <p14:creationId xmlns:p14="http://schemas.microsoft.com/office/powerpoint/2010/main" val="1584865696"/>
       </p:ext>
     </p:extLst>
   </p:cSld>
@@ -12796,7 +12796,7 @@
                   <a:srgbClr val="7030A0"/>
                 </a:solidFill>
               </a:rPr>
-              <a:t>deletePerson</a:t>
+              <a:t>deleteTask</a:t>
             </a:r>
             <a:r>
               <a:rPr lang="en-US" dirty="0" smtClean="0">
@@ -12804,7 +12804,23 @@
                   <a:srgbClr val="7030A0"/>
                 </a:solidFill>
               </a:rPr>
-              <a:t>(p)</a:t>
+              <a:t>(</a:t>
+            </a:r>
+            <a:r>
+              <a:rPr lang="en-US" dirty="0">
+                <a:solidFill>
+                  <a:srgbClr val="7030A0"/>
+                </a:solidFill>
+              </a:rPr>
+              <a:t>t</a:t>
+            </a:r>
+            <a:r>
+              <a:rPr lang="en-US" dirty="0" smtClean="0">
+                <a:solidFill>
+                  <a:srgbClr val="7030A0"/>
+                </a:solidFill>
+              </a:rPr>
+              <a:t>)</a:t>
             </a:r>
             <a:endParaRPr lang="en-US" dirty="0">
               <a:solidFill>
@@ -13217,7 +13233,7 @@
     </p:spTree>
     <p:extLst>
       <p:ext uri="{BB962C8B-B14F-4D97-AF65-F5344CB8AC3E}">
-        <p14:creationId xmlns:p14="http://schemas.microsoft.com/office/powerpoint/2010/main" val="3945898909"/>
+        <p14:creationId xmlns:p14="http://schemas.microsoft.com/office/powerpoint/2010/main" val="2502191504"/>
       </p:ext>
     </p:extLst>
   </p:cSld>

--- a/docs/diagrams/Diagrams.pptx
+++ b/docs/diagrams/Diagrams.pptx
@@ -11,7 +11,7 @@
     <p:sldId id="256" r:id="rId2"/>
     <p:sldId id="259" r:id="rId3"/>
     <p:sldId id="269" r:id="rId4"/>
-    <p:sldId id="260" r:id="rId5"/>
+    <p:sldId id="272" r:id="rId5"/>
     <p:sldId id="270" r:id="rId6"/>
     <p:sldId id="271" r:id="rId7"/>
     <p:sldId id="268" r:id="rId8"/>
@@ -7546,8 +7546,8 @@
         </p:nvSpPr>
         <p:spPr>
           <a:xfrm>
-            <a:off x="1217465" y="1447800"/>
-            <a:ext cx="4917083" cy="3962400"/>
+            <a:off x="1171902" y="914400"/>
+            <a:ext cx="5265750" cy="4912158"/>
           </a:xfrm>
           <a:prstGeom prst="roundRect">
             <a:avLst>
@@ -7728,7 +7728,7 @@
         </p:nvSpPr>
         <p:spPr>
           <a:xfrm>
-            <a:off x="2092842" y="1770924"/>
+            <a:off x="2104363" y="1649668"/>
             <a:ext cx="1093635" cy="346760"/>
           </a:xfrm>
           <a:prstGeom prst="rect">
@@ -7783,19 +7783,18 @@
         <p:nvCxnSpPr>
           <p:cNvPr id="10" name="Elbow Connector 63"/>
           <p:cNvCxnSpPr>
-            <a:stCxn id="9" idx="2"/>
             <a:endCxn id="2" idx="0"/>
           </p:cNvCxnSpPr>
           <p:nvPr/>
         </p:nvCxnSpPr>
         <p:spPr>
-          <a:xfrm rot="16200000" flipH="1">
-            <a:off x="2529445" y="2227899"/>
-            <a:ext cx="223536" cy="3106"/>
+          <a:xfrm rot="5400000">
+            <a:off x="2480210" y="2158985"/>
+            <a:ext cx="344791" cy="19678"/>
           </a:xfrm>
           <a:prstGeom prst="bentConnector3">
             <a:avLst>
-              <a:gd name="adj1" fmla="val 50000"/>
+              <a:gd name="adj1" fmla="val -16301"/>
             </a:avLst>
           </a:prstGeom>
           <a:ln w="19050">
@@ -7830,7 +7829,7 @@
         </p:nvSpPr>
         <p:spPr>
           <a:xfrm rot="10800000" flipV="1">
-            <a:off x="5394717" y="2110477"/>
+            <a:off x="5390394" y="2035795"/>
             <a:ext cx="270504" cy="175523"/>
           </a:xfrm>
           <a:prstGeom prst="triangle">
@@ -7921,8 +7920,8 @@
         </p:nvSpPr>
         <p:spPr>
           <a:xfrm rot="16200000">
-            <a:off x="5703829" y="2464877"/>
-            <a:ext cx="2362201" cy="328045"/>
+            <a:off x="5658423" y="2019892"/>
+            <a:ext cx="2498061" cy="297862"/>
           </a:xfrm>
           <a:prstGeom prst="roundRect">
             <a:avLst/>
@@ -7981,8 +7980,8 @@
         </p:nvSpPr>
         <p:spPr>
           <a:xfrm>
-            <a:off x="2592528" y="3649359"/>
-            <a:ext cx="1093635" cy="236841"/>
+            <a:off x="2592527" y="3651004"/>
+            <a:ext cx="1439341" cy="242918"/>
           </a:xfrm>
           <a:prstGeom prst="rect">
             <a:avLst/>
@@ -8014,14 +8013,14 @@
           <a:p>
             <a:pPr algn="ctr"/>
             <a:r>
-              <a:rPr lang="en-US" sz="1050" b="1" dirty="0" err="1">
+              <a:rPr lang="en-US" sz="1050" b="1" dirty="0" err="1" smtClean="0">
                 <a:solidFill>
                   <a:schemeClr val="accent3">
                     <a:lumMod val="75000"/>
                   </a:schemeClr>
                 </a:solidFill>
               </a:rPr>
-              <a:t>BrowserPanel</a:t>
+              <a:t>DeadlinesListPanel</a:t>
             </a:r>
             <a:endParaRPr lang="en-SG" sz="1050" b="1" dirty="0">
               <a:solidFill>
@@ -8041,7 +8040,7 @@
         </p:nvSpPr>
         <p:spPr>
           <a:xfrm>
-            <a:off x="2592527" y="4563759"/>
+            <a:off x="2602995" y="5073316"/>
             <a:ext cx="1093635" cy="236841"/>
           </a:xfrm>
           <a:prstGeom prst="rect">
@@ -8101,8 +8100,8 @@
         </p:nvSpPr>
         <p:spPr>
           <a:xfrm>
-            <a:off x="2592526" y="3991960"/>
-            <a:ext cx="1093635" cy="236841"/>
+            <a:off x="2592526" y="4040957"/>
+            <a:ext cx="1441548" cy="248281"/>
           </a:xfrm>
           <a:prstGeom prst="rect">
             <a:avLst/>
@@ -8134,14 +8133,14 @@
           <a:p>
             <a:pPr algn="ctr"/>
             <a:r>
-              <a:rPr lang="en-US" sz="1050" b="1" dirty="0" err="1">
+              <a:rPr lang="en-US" sz="1050" b="1" smtClean="0">
                 <a:solidFill>
                   <a:schemeClr val="accent3">
                     <a:lumMod val="75000"/>
                   </a:schemeClr>
                 </a:solidFill>
               </a:rPr>
-              <a:t>PersonListPanel</a:t>
+              <a:t>FloatingTaskListPanel</a:t>
             </a:r>
             <a:endParaRPr lang="en-SG" sz="1050" b="1" dirty="0">
               <a:solidFill>
@@ -8161,7 +8160,7 @@
         </p:nvSpPr>
         <p:spPr>
           <a:xfrm>
-            <a:off x="3839323" y="4228801"/>
+            <a:off x="4189931" y="4264493"/>
             <a:ext cx="1040906" cy="236841"/>
           </a:xfrm>
           <a:prstGeom prst="rect">
@@ -8194,14 +8193,14 @@
           <a:p>
             <a:pPr algn="ctr"/>
             <a:r>
-              <a:rPr lang="en-US" sz="1050" b="1" dirty="0" err="1">
+              <a:rPr lang="en-US" sz="1050" b="1" smtClean="0">
                 <a:solidFill>
                   <a:schemeClr val="accent3">
                     <a:lumMod val="75000"/>
                   </a:schemeClr>
                 </a:solidFill>
               </a:rPr>
-              <a:t>PersonCard</a:t>
+              <a:t>TaskCard</a:t>
             </a:r>
             <a:endParaRPr lang="en-SG" sz="1050" b="1" dirty="0">
               <a:solidFill>
@@ -8221,7 +8220,7 @@
         </p:nvSpPr>
         <p:spPr>
           <a:xfrm>
-            <a:off x="2592528" y="4966000"/>
+            <a:off x="2604907" y="5436993"/>
             <a:ext cx="1093635" cy="236841"/>
           </a:xfrm>
           <a:prstGeom prst="rect">
@@ -8370,8 +8369,8 @@
         </p:nvSpPr>
         <p:spPr>
           <a:xfrm>
-            <a:off x="3759694" y="3416961"/>
-            <a:ext cx="1040906" cy="236841"/>
+            <a:off x="4139691" y="3383184"/>
+            <a:ext cx="1078765" cy="265994"/>
           </a:xfrm>
           <a:prstGeom prst="rect">
             <a:avLst/>
@@ -8433,8 +8432,8 @@
         </p:nvCxnSpPr>
         <p:spPr>
           <a:xfrm rot="16200000" flipH="1">
-            <a:off x="2054450" y="3229701"/>
-            <a:ext cx="899755" cy="176402"/>
+            <a:off x="2052107" y="3232043"/>
+            <a:ext cx="904438" cy="176401"/>
           </a:xfrm>
           <a:prstGeom prst="bentConnector2">
             <a:avLst/>
@@ -8474,8 +8473,8 @@
         </p:nvCxnSpPr>
         <p:spPr>
           <a:xfrm rot="16200000" flipH="1">
-            <a:off x="1883148" y="3401003"/>
-            <a:ext cx="1242356" cy="176400"/>
+            <a:off x="1855790" y="3428361"/>
+            <a:ext cx="1297073" cy="176400"/>
           </a:xfrm>
           <a:prstGeom prst="bentConnector2">
             <a:avLst/>
@@ -8515,8 +8514,8 @@
         </p:nvCxnSpPr>
         <p:spPr>
           <a:xfrm rot="16200000" flipH="1">
-            <a:off x="1597249" y="3686901"/>
-            <a:ext cx="1814155" cy="176401"/>
+            <a:off x="1347704" y="3936446"/>
+            <a:ext cx="2323712" cy="186869"/>
           </a:xfrm>
           <a:prstGeom prst="bentConnector2">
             <a:avLst/>
@@ -8555,8 +8554,8 @@
         </p:nvCxnSpPr>
         <p:spPr>
           <a:xfrm rot="16200000" flipH="1">
-            <a:off x="1184119" y="3676012"/>
-            <a:ext cx="2396440" cy="420377"/>
+            <a:off x="973637" y="3924144"/>
+            <a:ext cx="2867432" cy="395107"/>
           </a:xfrm>
           <a:prstGeom prst="bentConnector2">
             <a:avLst/>
@@ -8593,7 +8592,7 @@
         </p:nvSpPr>
         <p:spPr>
           <a:xfrm>
-            <a:off x="5143948" y="1770924"/>
+            <a:off x="5133231" y="1673561"/>
             <a:ext cx="772043" cy="346760"/>
           </a:xfrm>
           <a:prstGeom prst="rect">
@@ -8675,8 +8674,8 @@
         </p:nvCxnSpPr>
         <p:spPr>
           <a:xfrm flipV="1">
-            <a:off x="4800600" y="2286000"/>
-            <a:ext cx="729369" cy="1249382"/>
+            <a:off x="5218456" y="2211318"/>
+            <a:ext cx="307190" cy="1304863"/>
           </a:xfrm>
           <a:prstGeom prst="bentConnector2">
             <a:avLst/>
@@ -8716,8 +8715,8 @@
         </p:nvCxnSpPr>
         <p:spPr>
           <a:xfrm rot="5400000">
-            <a:off x="4174488" y="2991741"/>
-            <a:ext cx="2061222" cy="649740"/>
+            <a:off x="4292444" y="3149712"/>
+            <a:ext cx="2171596" cy="294809"/>
           </a:xfrm>
           <a:prstGeom prst="bentConnector2">
             <a:avLst/>
@@ -8749,19 +8748,18 @@
       <p:cxnSp>
         <p:nvCxnSpPr>
           <p:cNvPr id="82" name="Elbow Connector 63"/>
-          <p:cNvCxnSpPr>
-            <a:stCxn id="16" idx="3"/>
-            <a:endCxn id="34" idx="3"/>
-          </p:cNvCxnSpPr>
+          <p:cNvCxnSpPr/>
           <p:nvPr/>
         </p:nvCxnSpPr>
         <p:spPr>
-          <a:xfrm rot="5400000">
-            <a:off x="3867176" y="2104987"/>
-            <a:ext cx="1481780" cy="1843806"/>
-          </a:xfrm>
-          <a:prstGeom prst="bentConnector2">
-            <a:avLst/>
+          <a:xfrm rot="10800000" flipV="1">
+            <a:off x="4022004" y="2299879"/>
+            <a:ext cx="1480728" cy="1412134"/>
+          </a:xfrm>
+          <a:prstGeom prst="bentConnector3">
+            <a:avLst>
+              <a:gd name="adj1" fmla="val -2003"/>
+            </a:avLst>
           </a:prstGeom>
           <a:ln w="6350">
             <a:solidFill>
@@ -8798,8 +8796,8 @@
         </p:nvCxnSpPr>
         <p:spPr>
           <a:xfrm flipV="1">
-            <a:off x="3189583" y="2286000"/>
-            <a:ext cx="2340386" cy="228600"/>
+            <a:off x="3189583" y="2211318"/>
+            <a:ext cx="2336063" cy="303282"/>
           </a:xfrm>
           <a:prstGeom prst="bentConnector2">
             <a:avLst/>
@@ -8832,15 +8830,14 @@
         <p:nvCxnSpPr>
           <p:cNvPr id="91" name="Elbow Connector 63"/>
           <p:cNvCxnSpPr>
-            <a:stCxn id="16" idx="3"/>
-            <a:endCxn id="35" idx="3"/>
+            <a:endCxn id="68" idx="3"/>
           </p:cNvCxnSpPr>
           <p:nvPr/>
         </p:nvCxnSpPr>
         <p:spPr>
           <a:xfrm rot="5400000">
-            <a:off x="3409976" y="2562187"/>
-            <a:ext cx="2396180" cy="1843807"/>
+            <a:off x="3604319" y="2727431"/>
+            <a:ext cx="2342484" cy="1487386"/>
           </a:xfrm>
           <a:prstGeom prst="bentConnector2">
             <a:avLst/>
@@ -8880,8 +8877,8 @@
         </p:nvCxnSpPr>
         <p:spPr>
           <a:xfrm rot="5400000">
-            <a:off x="3208856" y="2763307"/>
-            <a:ext cx="2798421" cy="1843806"/>
+            <a:off x="2940046" y="2969814"/>
+            <a:ext cx="3344096" cy="1827104"/>
           </a:xfrm>
           <a:prstGeom prst="bentConnector2">
             <a:avLst/>
@@ -8918,7 +8915,7 @@
         </p:nvSpPr>
         <p:spPr>
           <a:xfrm>
-            <a:off x="3657600" y="1770924"/>
+            <a:off x="3668378" y="1650548"/>
             <a:ext cx="1031399" cy="346760"/>
           </a:xfrm>
           <a:prstGeom prst="rect">
@@ -8972,14 +8969,12 @@
       <p:cxnSp>
         <p:nvCxnSpPr>
           <p:cNvPr id="107" name="Elbow Connector 106"/>
-          <p:cNvCxnSpPr>
-            <a:stCxn id="9" idx="0"/>
-          </p:cNvCxnSpPr>
+          <p:cNvCxnSpPr/>
           <p:nvPr/>
         </p:nvCxnSpPr>
         <p:spPr>
           <a:xfrm rot="5400000" flipH="1" flipV="1">
-            <a:off x="4594921" y="-355061"/>
+            <a:off x="4617706" y="-500671"/>
             <a:ext cx="170724" cy="4081246"/>
           </a:xfrm>
           <a:prstGeom prst="bentConnector2">
@@ -9018,7 +9013,7 @@
         </p:nvCxnSpPr>
         <p:spPr>
           <a:xfrm flipV="1">
-            <a:off x="3198609" y="1944304"/>
+            <a:off x="3212182" y="1823048"/>
             <a:ext cx="484448" cy="2308"/>
           </a:xfrm>
           <a:prstGeom prst="straightConnector1">
@@ -9051,14 +9046,12 @@
       <p:cxnSp>
         <p:nvCxnSpPr>
           <p:cNvPr id="111" name="Straight Arrow Connector 110"/>
-          <p:cNvCxnSpPr>
-            <a:endCxn id="73" idx="1"/>
-          </p:cNvCxnSpPr>
+          <p:cNvCxnSpPr/>
           <p:nvPr/>
         </p:nvCxnSpPr>
         <p:spPr>
           <a:xfrm flipV="1">
-            <a:off x="4714456" y="1944304"/>
+            <a:off x="4717821" y="1865589"/>
             <a:ext cx="429492" cy="2308"/>
           </a:xfrm>
           <a:prstGeom prst="straightConnector1">
@@ -9097,8 +9090,8 @@
         </p:nvSpPr>
         <p:spPr>
           <a:xfrm rot="16200000">
-            <a:off x="6213739" y="4560376"/>
-            <a:ext cx="1371599" cy="328045"/>
+            <a:off x="5924985" y="4702965"/>
+            <a:ext cx="1943192" cy="328045"/>
           </a:xfrm>
           <a:prstGeom prst="roundRect">
             <a:avLst/>
@@ -9278,8 +9271,8 @@
         </p:nvCxnSpPr>
         <p:spPr>
           <a:xfrm rot="10800000" flipV="1">
-            <a:off x="1503020" y="1944303"/>
-            <a:ext cx="589823" cy="341697"/>
+            <a:off x="1503019" y="1823047"/>
+            <a:ext cx="601344" cy="462953"/>
           </a:xfrm>
           <a:prstGeom prst="bentConnector2">
             <a:avLst/>
@@ -9320,8 +9313,8 @@
         </p:nvCxnSpPr>
         <p:spPr>
           <a:xfrm rot="16200000" flipH="1">
-            <a:off x="3389830" y="3165517"/>
-            <a:ext cx="119381" cy="620348"/>
+            <a:off x="3589428" y="2965918"/>
+            <a:ext cx="100180" cy="1000345"/>
           </a:xfrm>
           <a:prstGeom prst="bentConnector2">
             <a:avLst/>
@@ -9361,8 +9354,8 @@
         </p:nvCxnSpPr>
         <p:spPr>
           <a:xfrm rot="5400000">
-            <a:off x="4102276" y="1869887"/>
-            <a:ext cx="1011581" cy="1843806"/>
+            <a:off x="4062774" y="1834708"/>
+            <a:ext cx="1086263" cy="1839483"/>
           </a:xfrm>
           <a:prstGeom prst="bentConnector2">
             <a:avLst/>
@@ -9402,8 +9395,8 @@
         </p:nvCxnSpPr>
         <p:spPr>
           <a:xfrm rot="16200000" flipH="1">
-            <a:off x="3430123" y="3938021"/>
-            <a:ext cx="118421" cy="699979"/>
+            <a:off x="3704777" y="3897760"/>
+            <a:ext cx="93676" cy="876631"/>
           </a:xfrm>
           <a:prstGeom prst="bentConnector2">
             <a:avLst/>
@@ -9436,15 +9429,14 @@
         <p:nvCxnSpPr>
           <p:cNvPr id="140" name="Elbow Connector 63"/>
           <p:cNvCxnSpPr>
-            <a:stCxn id="16" idx="3"/>
             <a:endCxn id="36" idx="3"/>
           </p:cNvCxnSpPr>
           <p:nvPr/>
         </p:nvCxnSpPr>
         <p:spPr>
           <a:xfrm rot="5400000">
-            <a:off x="3695875" y="2276286"/>
-            <a:ext cx="1824381" cy="1843808"/>
+            <a:off x="3854329" y="2479626"/>
+            <a:ext cx="1865218" cy="1505727"/>
           </a:xfrm>
           <a:prstGeom prst="bentConnector2">
             <a:avLst/>
@@ -9669,8 +9661,8 @@
         </p:nvSpPr>
         <p:spPr>
           <a:xfrm flipV="1">
-            <a:off x="4114799" y="4472708"/>
-            <a:ext cx="2642195" cy="101600"/>
+            <a:off x="4710384" y="4535681"/>
+            <a:ext cx="2022174" cy="45719"/>
           </a:xfrm>
           <a:custGeom>
             <a:avLst/>
@@ -9743,10 +9735,370 @@
           </a:p>
         </p:txBody>
       </p:sp>
+      <p:cxnSp>
+        <p:nvCxnSpPr>
+          <p:cNvPr id="62" name="Elbow Connector 61"/>
+          <p:cNvCxnSpPr/>
+          <p:nvPr/>
+        </p:nvCxnSpPr>
+        <p:spPr>
+          <a:xfrm>
+            <a:off x="4022786" y="3793487"/>
+            <a:ext cx="661233" cy="473087"/>
+          </a:xfrm>
+          <a:prstGeom prst="bentConnector2">
+            <a:avLst/>
+          </a:prstGeom>
+          <a:ln w="19050">
+            <a:solidFill>
+              <a:schemeClr val="accent3"/>
+            </a:solidFill>
+            <a:headEnd type="none" w="med" len="med"/>
+            <a:tailEnd type="arrow" w="med" len="med"/>
+          </a:ln>
+          <a:effectLst/>
+        </p:spPr>
+        <p:style>
+          <a:lnRef idx="1">
+            <a:schemeClr val="accent2"/>
+          </a:lnRef>
+          <a:fillRef idx="2">
+            <a:schemeClr val="accent2"/>
+          </a:fillRef>
+          <a:effectRef idx="1">
+            <a:schemeClr val="accent2"/>
+          </a:effectRef>
+          <a:fontRef idx="minor">
+            <a:schemeClr val="dk1"/>
+          </a:fontRef>
+        </p:style>
+      </p:cxnSp>
+      <p:sp>
+        <p:nvSpPr>
+          <p:cNvPr id="68" name="Rectangle 11"/>
+          <p:cNvSpPr/>
+          <p:nvPr/>
+        </p:nvSpPr>
+        <p:spPr>
+          <a:xfrm>
+            <a:off x="2601419" y="4529949"/>
+            <a:ext cx="1430449" cy="224833"/>
+          </a:xfrm>
+          <a:prstGeom prst="rect">
+            <a:avLst/>
+          </a:prstGeom>
+          <a:ln w="19050">
+            <a:solidFill>
+              <a:schemeClr val="accent3"/>
+            </a:solidFill>
+          </a:ln>
+          <a:effectLst/>
+        </p:spPr>
+        <p:style>
+          <a:lnRef idx="1">
+            <a:schemeClr val="accent3"/>
+          </a:lnRef>
+          <a:fillRef idx="2">
+            <a:schemeClr val="accent3"/>
+          </a:fillRef>
+          <a:effectRef idx="1">
+            <a:schemeClr val="accent3"/>
+          </a:effectRef>
+          <a:fontRef idx="minor">
+            <a:schemeClr val="dk1"/>
+          </a:fontRef>
+        </p:style>
+        <p:txBody>
+          <a:bodyPr rtlCol="0" anchor="ctr"/>
+          <a:lstStyle/>
+          <a:p>
+            <a:pPr algn="ctr"/>
+            <a:r>
+              <a:rPr lang="en-US" sz="1050" b="1" smtClean="0">
+                <a:solidFill>
+                  <a:schemeClr val="accent3">
+                    <a:lumMod val="75000"/>
+                  </a:schemeClr>
+                </a:solidFill>
+              </a:rPr>
+              <a:t>EventsListPanel</a:t>
+            </a:r>
+            <a:endParaRPr lang="en-SG" sz="1050" b="1" dirty="0">
+              <a:solidFill>
+                <a:schemeClr val="accent3">
+                  <a:lumMod val="75000"/>
+                </a:schemeClr>
+              </a:solidFill>
+            </a:endParaRPr>
+          </a:p>
+        </p:txBody>
+      </p:sp>
+      <p:sp>
+        <p:nvSpPr>
+          <p:cNvPr id="81" name="Freeform 80"/>
+          <p:cNvSpPr/>
+          <p:nvPr/>
+        </p:nvSpPr>
+        <p:spPr>
+          <a:xfrm flipV="1">
+            <a:off x="4711427" y="5033003"/>
+            <a:ext cx="2021131" cy="45719"/>
+          </a:xfrm>
+          <a:custGeom>
+            <a:avLst/>
+            <a:gdLst>
+              <a:gd name="connsiteX0" fmla="*/ 0 w 3048000"/>
+              <a:gd name="connsiteY0" fmla="*/ 203200 h 203200"/>
+              <a:gd name="connsiteX1" fmla="*/ 221673 w 3048000"/>
+              <a:gd name="connsiteY1" fmla="*/ 0 h 203200"/>
+              <a:gd name="connsiteX2" fmla="*/ 3048000 w 3048000"/>
+              <a:gd name="connsiteY2" fmla="*/ 0 h 203200"/>
+            </a:gdLst>
+            <a:ahLst/>
+            <a:cxnLst>
+              <a:cxn ang="0">
+                <a:pos x="connsiteX0" y="connsiteY0"/>
+              </a:cxn>
+              <a:cxn ang="0">
+                <a:pos x="connsiteX1" y="connsiteY1"/>
+              </a:cxn>
+              <a:cxn ang="0">
+                <a:pos x="connsiteX2" y="connsiteY2"/>
+              </a:cxn>
+            </a:cxnLst>
+            <a:rect l="l" t="t" r="r" b="b"/>
+            <a:pathLst>
+              <a:path w="3048000" h="203200">
+                <a:moveTo>
+                  <a:pt x="0" y="203200"/>
+                </a:moveTo>
+                <a:lnTo>
+                  <a:pt x="221673" y="0"/>
+                </a:lnTo>
+                <a:lnTo>
+                  <a:pt x="3048000" y="0"/>
+                </a:lnTo>
+              </a:path>
+            </a:pathLst>
+          </a:custGeom>
+          <a:noFill/>
+          <a:ln w="19050">
+            <a:solidFill>
+              <a:schemeClr val="accent3"/>
+            </a:solidFill>
+            <a:prstDash val="sysDot"/>
+            <a:headEnd type="none" w="med" len="med"/>
+            <a:tailEnd type="arrow" w="med" len="med"/>
+          </a:ln>
+          <a:effectLst/>
+        </p:spPr>
+        <p:style>
+          <a:lnRef idx="1">
+            <a:schemeClr val="accent2"/>
+          </a:lnRef>
+          <a:fillRef idx="2">
+            <a:schemeClr val="accent2"/>
+          </a:fillRef>
+          <a:effectRef idx="1">
+            <a:schemeClr val="accent2"/>
+          </a:effectRef>
+          <a:fontRef idx="minor">
+            <a:schemeClr val="dk1"/>
+          </a:fontRef>
+        </p:style>
+        <p:txBody>
+          <a:bodyPr rtlCol="0" anchor="ctr"/>
+          <a:lstStyle/>
+          <a:p>
+            <a:pPr algn="ctr"/>
+            <a:endParaRPr lang="en-SG"/>
+          </a:p>
+        </p:txBody>
+      </p:sp>
+      <p:cxnSp>
+        <p:nvCxnSpPr>
+          <p:cNvPr id="85" name="Elbow Connector 63"/>
+          <p:cNvCxnSpPr>
+            <a:endCxn id="68" idx="1"/>
+          </p:cNvCxnSpPr>
+          <p:nvPr/>
+        </p:nvCxnSpPr>
+        <p:spPr>
+          <a:xfrm rot="16200000" flipH="1">
+            <a:off x="1977992" y="4018939"/>
+            <a:ext cx="1064370" cy="182483"/>
+          </a:xfrm>
+          <a:prstGeom prst="bentConnector2">
+            <a:avLst/>
+          </a:prstGeom>
+          <a:ln w="19050">
+            <a:solidFill>
+              <a:schemeClr val="accent3"/>
+            </a:solidFill>
+            <a:headEnd type="none" w="med" len="med"/>
+            <a:tailEnd type="arrow" w="med" len="med"/>
+          </a:ln>
+          <a:effectLst/>
+        </p:spPr>
+        <p:style>
+          <a:lnRef idx="1">
+            <a:schemeClr val="accent2"/>
+          </a:lnRef>
+          <a:fillRef idx="2">
+            <a:schemeClr val="accent2"/>
+          </a:fillRef>
+          <a:effectRef idx="1">
+            <a:schemeClr val="accent2"/>
+          </a:effectRef>
+          <a:fontRef idx="minor">
+            <a:schemeClr val="dk1"/>
+          </a:fontRef>
+        </p:style>
+      </p:cxnSp>
+      <p:sp>
+        <p:nvSpPr>
+          <p:cNvPr id="97" name="Rectangle 11"/>
+          <p:cNvSpPr/>
+          <p:nvPr/>
+        </p:nvSpPr>
+        <p:spPr>
+          <a:xfrm>
+            <a:off x="4166609" y="4743053"/>
+            <a:ext cx="1077944" cy="247870"/>
+          </a:xfrm>
+          <a:prstGeom prst="rect">
+            <a:avLst/>
+          </a:prstGeom>
+          <a:ln w="19050">
+            <a:solidFill>
+              <a:schemeClr val="accent3"/>
+            </a:solidFill>
+          </a:ln>
+          <a:effectLst/>
+        </p:spPr>
+        <p:style>
+          <a:lnRef idx="1">
+            <a:schemeClr val="accent3"/>
+          </a:lnRef>
+          <a:fillRef idx="2">
+            <a:schemeClr val="accent3"/>
+          </a:fillRef>
+          <a:effectRef idx="1">
+            <a:schemeClr val="accent3"/>
+          </a:effectRef>
+          <a:fontRef idx="minor">
+            <a:schemeClr val="dk1"/>
+          </a:fontRef>
+        </p:style>
+        <p:txBody>
+          <a:bodyPr rtlCol="0" anchor="ctr"/>
+          <a:lstStyle/>
+          <a:p>
+            <a:pPr algn="ctr"/>
+            <a:r>
+              <a:rPr lang="en-US" sz="1050" b="1" smtClean="0">
+                <a:solidFill>
+                  <a:schemeClr val="accent3">
+                    <a:lumMod val="75000"/>
+                  </a:schemeClr>
+                </a:solidFill>
+              </a:rPr>
+              <a:t>EventsTaskCard</a:t>
+            </a:r>
+            <a:endParaRPr lang="en-SG" sz="1050" b="1" dirty="0">
+              <a:solidFill>
+                <a:schemeClr val="accent3">
+                  <a:lumMod val="75000"/>
+                </a:schemeClr>
+              </a:solidFill>
+            </a:endParaRPr>
+          </a:p>
+        </p:txBody>
+      </p:sp>
+      <p:cxnSp>
+        <p:nvCxnSpPr>
+          <p:cNvPr id="99" name="Elbow Connector 98"/>
+          <p:cNvCxnSpPr>
+            <a:stCxn id="68" idx="2"/>
+          </p:cNvCxnSpPr>
+          <p:nvPr/>
+        </p:nvCxnSpPr>
+        <p:spPr>
+          <a:xfrm rot="16200000" flipH="1">
+            <a:off x="3670773" y="4400652"/>
+            <a:ext cx="134950" cy="843209"/>
+          </a:xfrm>
+          <a:prstGeom prst="bentConnector2">
+            <a:avLst/>
+          </a:prstGeom>
+          <a:ln w="19050">
+            <a:solidFill>
+              <a:schemeClr val="accent3"/>
+            </a:solidFill>
+            <a:headEnd type="none" w="med" len="med"/>
+            <a:tailEnd type="arrow" w="med" len="med"/>
+          </a:ln>
+          <a:effectLst/>
+        </p:spPr>
+        <p:style>
+          <a:lnRef idx="1">
+            <a:schemeClr val="accent2"/>
+          </a:lnRef>
+          <a:fillRef idx="2">
+            <a:schemeClr val="accent2"/>
+          </a:fillRef>
+          <a:effectRef idx="1">
+            <a:schemeClr val="accent2"/>
+          </a:effectRef>
+          <a:fontRef idx="minor">
+            <a:schemeClr val="dk1"/>
+          </a:fontRef>
+        </p:style>
+      </p:cxnSp>
+      <p:cxnSp>
+        <p:nvCxnSpPr>
+          <p:cNvPr id="165" name="Elbow Connector 63"/>
+          <p:cNvCxnSpPr>
+            <a:endCxn id="35" idx="3"/>
+          </p:cNvCxnSpPr>
+          <p:nvPr/>
+        </p:nvCxnSpPr>
+        <p:spPr>
+          <a:xfrm rot="5400000">
+            <a:off x="3433323" y="3096218"/>
+            <a:ext cx="2358826" cy="1832212"/>
+          </a:xfrm>
+          <a:prstGeom prst="bentConnector2">
+            <a:avLst/>
+          </a:prstGeom>
+          <a:ln w="6350">
+            <a:solidFill>
+              <a:schemeClr val="accent3"/>
+            </a:solidFill>
+            <a:headEnd type="none" w="med" len="med"/>
+            <a:tailEnd type="none" w="med" len="med"/>
+          </a:ln>
+          <a:effectLst/>
+        </p:spPr>
+        <p:style>
+          <a:lnRef idx="1">
+            <a:schemeClr val="accent2"/>
+          </a:lnRef>
+          <a:fillRef idx="2">
+            <a:schemeClr val="accent2"/>
+          </a:fillRef>
+          <a:effectRef idx="1">
+            <a:schemeClr val="accent2"/>
+          </a:effectRef>
+          <a:fontRef idx="minor">
+            <a:schemeClr val="dk1"/>
+          </a:fontRef>
+        </p:style>
+      </p:cxnSp>
     </p:spTree>
     <p:extLst>
       <p:ext uri="{BB962C8B-B14F-4D97-AF65-F5344CB8AC3E}">
-        <p14:creationId xmlns:p14="http://schemas.microsoft.com/office/powerpoint/2010/main" val="2776882492"/>
+        <p14:creationId xmlns:p14="http://schemas.microsoft.com/office/powerpoint/2010/main" val="1646304702"/>
       </p:ext>
     </p:extLst>
   </p:cSld>

--- a/docs/diagrams/Diagrams.pptx
+++ b/docs/diagrams/Diagrams.pptx
@@ -5779,8 +5779,8 @@
         </p:nvSpPr>
         <p:spPr>
           <a:xfrm>
-            <a:off x="6074030" y="1687656"/>
-            <a:ext cx="2438400" cy="215444"/>
+            <a:off x="5674077" y="1676400"/>
+            <a:ext cx="3048000" cy="215444"/>
           </a:xfrm>
           <a:prstGeom prst="rect">
             <a:avLst/>
@@ -5793,6 +5793,7 @@
           </a:bodyPr>
           <a:lstStyle/>
           <a:p>
+            <a:pPr algn="r"/>
             <a:r>
               <a:rPr lang="en-US" sz="1400" dirty="0" smtClean="0">
                 <a:solidFill>
@@ -5955,7 +5956,7 @@
         </p:nvSpPr>
         <p:spPr>
           <a:xfrm>
-            <a:off x="7696200" y="591251"/>
+            <a:off x="7848600" y="591251"/>
             <a:ext cx="1371600" cy="346760"/>
           </a:xfrm>
           <a:prstGeom prst="rect">
@@ -6026,7 +6027,7 @@
         </p:nvCxnSpPr>
         <p:spPr>
           <a:xfrm>
-            <a:off x="8616802" y="944305"/>
+            <a:off x="8769202" y="944305"/>
             <a:ext cx="0" cy="1723059"/>
           </a:xfrm>
           <a:prstGeom prst="line">
@@ -6065,7 +6066,7 @@
         </p:nvSpPr>
         <p:spPr>
           <a:xfrm>
-            <a:off x="8544794" y="1961202"/>
+            <a:off x="8697194" y="1961202"/>
             <a:ext cx="142006" cy="176787"/>
           </a:xfrm>
           <a:prstGeom prst="rect">
@@ -6120,8 +6121,8 @@
         </p:nvCxnSpPr>
         <p:spPr>
           <a:xfrm>
-            <a:off x="5943992" y="1961202"/>
-            <a:ext cx="2568438" cy="0"/>
+            <a:off x="5943600" y="1981200"/>
+            <a:ext cx="2743200" cy="0"/>
           </a:xfrm>
           <a:prstGeom prst="straightConnector1">
             <a:avLst/>
@@ -6156,8 +6157,8 @@
         </p:nvCxnSpPr>
         <p:spPr>
           <a:xfrm>
-            <a:off x="5943992" y="2137989"/>
-            <a:ext cx="2549946" cy="0"/>
+            <a:off x="5943600" y="2133600"/>
+            <a:ext cx="2702738" cy="4389"/>
           </a:xfrm>
           <a:prstGeom prst="straightConnector1">
             <a:avLst/>
@@ -6390,8 +6391,8 @@
         </p:nvSpPr>
         <p:spPr>
           <a:xfrm>
-            <a:off x="1810094" y="4797674"/>
-            <a:ext cx="2716635" cy="215444"/>
+            <a:off x="990600" y="4800600"/>
+            <a:ext cx="3371506" cy="215444"/>
           </a:xfrm>
           <a:prstGeom prst="rect">
             <a:avLst/>
@@ -6404,6 +6405,7 @@
           </a:bodyPr>
           <a:lstStyle/>
           <a:p>
+            <a:pPr algn="r"/>
             <a:r>
               <a:rPr lang="en-US" sz="1400" dirty="0" smtClean="0">
                 <a:solidFill>
@@ -6772,8 +6774,8 @@
         </p:nvSpPr>
         <p:spPr>
           <a:xfrm>
-            <a:off x="5036330" y="5065911"/>
-            <a:ext cx="2659870" cy="215444"/>
+            <a:off x="4724400" y="5065911"/>
+            <a:ext cx="2971800" cy="215444"/>
           </a:xfrm>
           <a:prstGeom prst="rect">
             <a:avLst/>
@@ -6786,6 +6788,7 @@
           </a:bodyPr>
           <a:lstStyle/>
           <a:p>
+            <a:pPr algn="r"/>
             <a:r>
               <a:rPr lang="en-US" sz="1400" dirty="0" err="1" smtClean="0">
                 <a:solidFill>
@@ -7048,8 +7051,8 @@
         </p:nvSpPr>
         <p:spPr>
           <a:xfrm>
-            <a:off x="1416276" y="5395369"/>
-            <a:ext cx="2659870" cy="215444"/>
+            <a:off x="1416276" y="5395368"/>
+            <a:ext cx="3079524" cy="215444"/>
           </a:xfrm>
           <a:prstGeom prst="rect">
             <a:avLst/>
@@ -12526,8 +12529,8 @@
         </p:nvSpPr>
         <p:spPr>
           <a:xfrm>
-            <a:off x="152400" y="2743200"/>
-            <a:ext cx="1424846" cy="215444"/>
+            <a:off x="76200" y="2743200"/>
+            <a:ext cx="1611959" cy="215444"/>
           </a:xfrm>
           <a:prstGeom prst="rect">
             <a:avLst/>

--- a/docs/diagrams/Diagrams.pptx
+++ b/docs/diagrams/Diagrams.pptx
@@ -115,6 +115,22 @@
       </a:defRPr>
     </a:lvl9pPr>
   </p:defaultTextStyle>
+  <p:extLst>
+    <p:ext uri="{EFAFB233-063F-42B5-8137-9DF3F51BA10A}">
+      <p15:sldGuideLst xmlns:p15="http://schemas.microsoft.com/office/powerpoint/2012/main">
+        <p15:guide id="1" orient="horz" pos="1488">
+          <p15:clr>
+            <a:srgbClr val="A4A3A4"/>
+          </p15:clr>
+        </p15:guide>
+        <p15:guide id="2" pos="2880">
+          <p15:clr>
+            <a:srgbClr val="A4A3A4"/>
+          </p15:clr>
+        </p15:guide>
+      </p15:sldGuideLst>
+    </p:ext>
+  </p:extLst>
 </p:presentation>
 </file>
 
@@ -167,7 +183,7 @@
             </a:lvl1pPr>
           </a:lstStyle>
           <a:p>
-            <a:endParaRPr lang="en-US"/>
+            <a:endParaRPr lang="en-US" dirty="0"/>
           </a:p>
         </p:txBody>
       </p:sp>
@@ -200,9 +216,9 @@
           <a:p>
             <a:fld id="{F5CC4B3F-88C1-4FFA-B1B6-F41C21DC6924}" type="datetimeFigureOut">
               <a:rPr lang="en-US" smtClean="0"/>
-              <a:t>9/30/2016</a:t>
+              <a:t>10/12/16</a:t>
             </a:fld>
-            <a:endParaRPr lang="en-US"/>
+            <a:endParaRPr lang="en-US" dirty="0"/>
           </a:p>
         </p:txBody>
       </p:sp>
@@ -235,7 +251,7 @@
           <a:bodyPr vert="horz" lIns="91440" tIns="45720" rIns="91440" bIns="45720" rtlCol="0" anchor="ctr"/>
           <a:lstStyle/>
           <a:p>
-            <a:endParaRPr lang="en-US"/>
+            <a:endParaRPr lang="en-US" dirty="0"/>
           </a:p>
         </p:txBody>
       </p:sp>
@@ -326,7 +342,7 @@
             </a:lvl1pPr>
           </a:lstStyle>
           <a:p>
-            <a:endParaRPr lang="en-US"/>
+            <a:endParaRPr lang="en-US" dirty="0"/>
           </a:p>
         </p:txBody>
       </p:sp>
@@ -361,7 +377,7 @@
               <a:rPr lang="en-US" smtClean="0"/>
               <a:t>‹#›</a:t>
             </a:fld>
-            <a:endParaRPr lang="en-US"/>
+            <a:endParaRPr lang="en-US" dirty="0"/>
           </a:p>
         </p:txBody>
       </p:sp>
@@ -649,9 +665,9 @@
           <a:p>
             <a:fld id="{78C97017-6FC3-485B-9764-EAC9E56C1D49}" type="datetimeFigureOut">
               <a:rPr lang="en-US" smtClean="0"/>
-              <a:t>9/30/2016</a:t>
+              <a:t>10/12/16</a:t>
             </a:fld>
-            <a:endParaRPr lang="en-US"/>
+            <a:endParaRPr lang="en-US" dirty="0"/>
           </a:p>
         </p:txBody>
       </p:sp>
@@ -670,7 +686,7 @@
           <a:bodyPr/>
           <a:lstStyle/>
           <a:p>
-            <a:endParaRPr lang="en-US"/>
+            <a:endParaRPr lang="en-US" dirty="0"/>
           </a:p>
         </p:txBody>
       </p:sp>
@@ -693,7 +709,7 @@
               <a:rPr lang="en-US" smtClean="0"/>
               <a:t>‹#›</a:t>
             </a:fld>
-            <a:endParaRPr lang="en-US"/>
+            <a:endParaRPr lang="en-US" dirty="0"/>
           </a:p>
         </p:txBody>
       </p:sp>
@@ -819,9 +835,9 @@
           <a:p>
             <a:fld id="{78C97017-6FC3-485B-9764-EAC9E56C1D49}" type="datetimeFigureOut">
               <a:rPr lang="en-US" smtClean="0"/>
-              <a:t>9/30/2016</a:t>
+              <a:t>10/12/16</a:t>
             </a:fld>
-            <a:endParaRPr lang="en-US"/>
+            <a:endParaRPr lang="en-US" dirty="0"/>
           </a:p>
         </p:txBody>
       </p:sp>
@@ -840,7 +856,7 @@
           <a:bodyPr/>
           <a:lstStyle/>
           <a:p>
-            <a:endParaRPr lang="en-US"/>
+            <a:endParaRPr lang="en-US" dirty="0"/>
           </a:p>
         </p:txBody>
       </p:sp>
@@ -863,7 +879,7 @@
               <a:rPr lang="en-US" smtClean="0"/>
               <a:t>‹#›</a:t>
             </a:fld>
-            <a:endParaRPr lang="en-US"/>
+            <a:endParaRPr lang="en-US" dirty="0"/>
           </a:p>
         </p:txBody>
       </p:sp>
@@ -999,9 +1015,9 @@
           <a:p>
             <a:fld id="{78C97017-6FC3-485B-9764-EAC9E56C1D49}" type="datetimeFigureOut">
               <a:rPr lang="en-US" smtClean="0"/>
-              <a:t>9/30/2016</a:t>
+              <a:t>10/12/16</a:t>
             </a:fld>
-            <a:endParaRPr lang="en-US"/>
+            <a:endParaRPr lang="en-US" dirty="0"/>
           </a:p>
         </p:txBody>
       </p:sp>
@@ -1020,7 +1036,7 @@
           <a:bodyPr/>
           <a:lstStyle/>
           <a:p>
-            <a:endParaRPr lang="en-US"/>
+            <a:endParaRPr lang="en-US" dirty="0"/>
           </a:p>
         </p:txBody>
       </p:sp>
@@ -1043,7 +1059,7 @@
               <a:rPr lang="en-US" smtClean="0"/>
               <a:t>‹#›</a:t>
             </a:fld>
-            <a:endParaRPr lang="en-US"/>
+            <a:endParaRPr lang="en-US" dirty="0"/>
           </a:p>
         </p:txBody>
       </p:sp>
@@ -1169,9 +1185,9 @@
           <a:p>
             <a:fld id="{78C97017-6FC3-485B-9764-EAC9E56C1D49}" type="datetimeFigureOut">
               <a:rPr lang="en-US" smtClean="0"/>
-              <a:t>9/30/2016</a:t>
+              <a:t>10/12/16</a:t>
             </a:fld>
-            <a:endParaRPr lang="en-US"/>
+            <a:endParaRPr lang="en-US" dirty="0"/>
           </a:p>
         </p:txBody>
       </p:sp>
@@ -1190,7 +1206,7 @@
           <a:bodyPr/>
           <a:lstStyle/>
           <a:p>
-            <a:endParaRPr lang="en-US"/>
+            <a:endParaRPr lang="en-US" dirty="0"/>
           </a:p>
         </p:txBody>
       </p:sp>
@@ -1213,7 +1229,7 @@
               <a:rPr lang="en-US" smtClean="0"/>
               <a:t>‹#›</a:t>
             </a:fld>
-            <a:endParaRPr lang="en-US"/>
+            <a:endParaRPr lang="en-US" dirty="0"/>
           </a:p>
         </p:txBody>
       </p:sp>
@@ -1415,9 +1431,9 @@
           <a:p>
             <a:fld id="{78C97017-6FC3-485B-9764-EAC9E56C1D49}" type="datetimeFigureOut">
               <a:rPr lang="en-US" smtClean="0"/>
-              <a:t>9/30/2016</a:t>
+              <a:t>10/12/16</a:t>
             </a:fld>
-            <a:endParaRPr lang="en-US"/>
+            <a:endParaRPr lang="en-US" dirty="0"/>
           </a:p>
         </p:txBody>
       </p:sp>
@@ -1436,7 +1452,7 @@
           <a:bodyPr/>
           <a:lstStyle/>
           <a:p>
-            <a:endParaRPr lang="en-US"/>
+            <a:endParaRPr lang="en-US" dirty="0"/>
           </a:p>
         </p:txBody>
       </p:sp>
@@ -1459,7 +1475,7 @@
               <a:rPr lang="en-US" smtClean="0"/>
               <a:t>‹#›</a:t>
             </a:fld>
-            <a:endParaRPr lang="en-US"/>
+            <a:endParaRPr lang="en-US" dirty="0"/>
           </a:p>
         </p:txBody>
       </p:sp>
@@ -1703,9 +1719,9 @@
           <a:p>
             <a:fld id="{78C97017-6FC3-485B-9764-EAC9E56C1D49}" type="datetimeFigureOut">
               <a:rPr lang="en-US" smtClean="0"/>
-              <a:t>9/30/2016</a:t>
+              <a:t>10/12/16</a:t>
             </a:fld>
-            <a:endParaRPr lang="en-US"/>
+            <a:endParaRPr lang="en-US" dirty="0"/>
           </a:p>
         </p:txBody>
       </p:sp>
@@ -1724,7 +1740,7 @@
           <a:bodyPr/>
           <a:lstStyle/>
           <a:p>
-            <a:endParaRPr lang="en-US"/>
+            <a:endParaRPr lang="en-US" dirty="0"/>
           </a:p>
         </p:txBody>
       </p:sp>
@@ -1747,7 +1763,7 @@
               <a:rPr lang="en-US" smtClean="0"/>
               <a:t>‹#›</a:t>
             </a:fld>
-            <a:endParaRPr lang="en-US"/>
+            <a:endParaRPr lang="en-US" dirty="0"/>
           </a:p>
         </p:txBody>
       </p:sp>
@@ -2125,9 +2141,9 @@
           <a:p>
             <a:fld id="{78C97017-6FC3-485B-9764-EAC9E56C1D49}" type="datetimeFigureOut">
               <a:rPr lang="en-US" smtClean="0"/>
-              <a:t>9/30/2016</a:t>
+              <a:t>10/12/16</a:t>
             </a:fld>
-            <a:endParaRPr lang="en-US"/>
+            <a:endParaRPr lang="en-US" dirty="0"/>
           </a:p>
         </p:txBody>
       </p:sp>
@@ -2146,7 +2162,7 @@
           <a:bodyPr/>
           <a:lstStyle/>
           <a:p>
-            <a:endParaRPr lang="en-US"/>
+            <a:endParaRPr lang="en-US" dirty="0"/>
           </a:p>
         </p:txBody>
       </p:sp>
@@ -2169,7 +2185,7 @@
               <a:rPr lang="en-US" smtClean="0"/>
               <a:t>‹#›</a:t>
             </a:fld>
-            <a:endParaRPr lang="en-US"/>
+            <a:endParaRPr lang="en-US" dirty="0"/>
           </a:p>
         </p:txBody>
       </p:sp>
@@ -2243,9 +2259,9 @@
           <a:p>
             <a:fld id="{78C97017-6FC3-485B-9764-EAC9E56C1D49}" type="datetimeFigureOut">
               <a:rPr lang="en-US" smtClean="0"/>
-              <a:t>9/30/2016</a:t>
+              <a:t>10/12/16</a:t>
             </a:fld>
-            <a:endParaRPr lang="en-US"/>
+            <a:endParaRPr lang="en-US" dirty="0"/>
           </a:p>
         </p:txBody>
       </p:sp>
@@ -2264,7 +2280,7 @@
           <a:bodyPr/>
           <a:lstStyle/>
           <a:p>
-            <a:endParaRPr lang="en-US"/>
+            <a:endParaRPr lang="en-US" dirty="0"/>
           </a:p>
         </p:txBody>
       </p:sp>
@@ -2287,7 +2303,7 @@
               <a:rPr lang="en-US" smtClean="0"/>
               <a:t>‹#›</a:t>
             </a:fld>
-            <a:endParaRPr lang="en-US"/>
+            <a:endParaRPr lang="en-US" dirty="0"/>
           </a:p>
         </p:txBody>
       </p:sp>
@@ -2338,9 +2354,9 @@
           <a:p>
             <a:fld id="{78C97017-6FC3-485B-9764-EAC9E56C1D49}" type="datetimeFigureOut">
               <a:rPr lang="en-US" smtClean="0"/>
-              <a:t>9/30/2016</a:t>
+              <a:t>10/12/16</a:t>
             </a:fld>
-            <a:endParaRPr lang="en-US"/>
+            <a:endParaRPr lang="en-US" dirty="0"/>
           </a:p>
         </p:txBody>
       </p:sp>
@@ -2359,7 +2375,7 @@
           <a:bodyPr/>
           <a:lstStyle/>
           <a:p>
-            <a:endParaRPr lang="en-US"/>
+            <a:endParaRPr lang="en-US" dirty="0"/>
           </a:p>
         </p:txBody>
       </p:sp>
@@ -2382,7 +2398,7 @@
               <a:rPr lang="en-US" smtClean="0"/>
               <a:t>‹#›</a:t>
             </a:fld>
-            <a:endParaRPr lang="en-US"/>
+            <a:endParaRPr lang="en-US" dirty="0"/>
           </a:p>
         </p:txBody>
       </p:sp>
@@ -2615,9 +2631,9 @@
           <a:p>
             <a:fld id="{78C97017-6FC3-485B-9764-EAC9E56C1D49}" type="datetimeFigureOut">
               <a:rPr lang="en-US" smtClean="0"/>
-              <a:t>9/30/2016</a:t>
+              <a:t>10/12/16</a:t>
             </a:fld>
-            <a:endParaRPr lang="en-US"/>
+            <a:endParaRPr lang="en-US" dirty="0"/>
           </a:p>
         </p:txBody>
       </p:sp>
@@ -2636,7 +2652,7 @@
           <a:bodyPr/>
           <a:lstStyle/>
           <a:p>
-            <a:endParaRPr lang="en-US"/>
+            <a:endParaRPr lang="en-US" dirty="0"/>
           </a:p>
         </p:txBody>
       </p:sp>
@@ -2659,7 +2675,7 @@
               <a:rPr lang="en-US" smtClean="0"/>
               <a:t>‹#›</a:t>
             </a:fld>
-            <a:endParaRPr lang="en-US"/>
+            <a:endParaRPr lang="en-US" dirty="0"/>
           </a:p>
         </p:txBody>
       </p:sp>
@@ -2782,7 +2798,7 @@
             </a:lvl9pPr>
           </a:lstStyle>
           <a:p>
-            <a:endParaRPr lang="en-US"/>
+            <a:endParaRPr lang="en-US" dirty="0"/>
           </a:p>
         </p:txBody>
       </p:sp>
@@ -2868,9 +2884,9 @@
           <a:p>
             <a:fld id="{78C97017-6FC3-485B-9764-EAC9E56C1D49}" type="datetimeFigureOut">
               <a:rPr lang="en-US" smtClean="0"/>
-              <a:t>9/30/2016</a:t>
+              <a:t>10/12/16</a:t>
             </a:fld>
-            <a:endParaRPr lang="en-US"/>
+            <a:endParaRPr lang="en-US" dirty="0"/>
           </a:p>
         </p:txBody>
       </p:sp>
@@ -2889,7 +2905,7 @@
           <a:bodyPr/>
           <a:lstStyle/>
           <a:p>
-            <a:endParaRPr lang="en-US"/>
+            <a:endParaRPr lang="en-US" dirty="0"/>
           </a:p>
         </p:txBody>
       </p:sp>
@@ -2912,7 +2928,7 @@
               <a:rPr lang="en-US" smtClean="0"/>
               <a:t>‹#›</a:t>
             </a:fld>
-            <a:endParaRPr lang="en-US"/>
+            <a:endParaRPr lang="en-US" dirty="0"/>
           </a:p>
         </p:txBody>
       </p:sp>
@@ -3081,9 +3097,9 @@
           <a:p>
             <a:fld id="{78C97017-6FC3-485B-9764-EAC9E56C1D49}" type="datetimeFigureOut">
               <a:rPr lang="en-US" smtClean="0"/>
-              <a:t>9/30/2016</a:t>
+              <a:t>10/12/16</a:t>
             </a:fld>
-            <a:endParaRPr lang="en-US"/>
+            <a:endParaRPr lang="en-US" dirty="0"/>
           </a:p>
         </p:txBody>
       </p:sp>
@@ -3120,7 +3136,7 @@
             </a:lvl1pPr>
           </a:lstStyle>
           <a:p>
-            <a:endParaRPr lang="en-US"/>
+            <a:endParaRPr lang="en-US" dirty="0"/>
           </a:p>
         </p:txBody>
       </p:sp>
@@ -3161,7 +3177,7 @@
               <a:rPr lang="en-US" smtClean="0"/>
               <a:t>‹#›</a:t>
             </a:fld>
-            <a:endParaRPr lang="en-US"/>
+            <a:endParaRPr lang="en-US" dirty="0"/>
           </a:p>
         </p:txBody>
       </p:sp>
@@ -3472,12 +3488,8 @@
           <a:lstStyle/>
           <a:p>
             <a:r>
-              <a:rPr lang="en-US" dirty="0" err="1" smtClean="0"/>
-              <a:t>AddressBook</a:t>
-            </a:r>
-            <a:r>
               <a:rPr lang="en-US" dirty="0" smtClean="0"/>
-              <a:t> – Level 4</a:t>
+              <a:t>Remindaroo</a:t>
             </a:r>
             <a:endParaRPr lang="en-US" dirty="0"/>
           </a:p>
@@ -3586,7 +3598,7 @@
           <a:lstStyle/>
           <a:p>
             <a:pPr algn="ctr"/>
-            <a:endParaRPr lang="en-US"/>
+            <a:endParaRPr lang="en-US" dirty="0"/>
           </a:p>
         </p:txBody>
       </p:sp>
@@ -4086,7 +4098,7 @@
           <a:lstStyle/>
           <a:p>
             <a:pPr algn="ctr"/>
-            <a:endParaRPr lang="en-US"/>
+            <a:endParaRPr lang="en-US" dirty="0"/>
           </a:p>
         </p:txBody>
       </p:sp>
@@ -4210,7 +4222,7 @@
           <a:lstStyle/>
           <a:p>
             <a:pPr algn="ctr"/>
-            <a:endParaRPr lang="en-US"/>
+            <a:endParaRPr lang="en-US" dirty="0"/>
           </a:p>
         </p:txBody>
       </p:sp>
@@ -4258,7 +4270,7 @@
           <a:lstStyle/>
           <a:p>
             <a:pPr algn="ctr"/>
-            <a:endParaRPr lang="en-US"/>
+            <a:endParaRPr lang="en-US" dirty="0"/>
           </a:p>
         </p:txBody>
       </p:sp>
@@ -5030,7 +5042,7 @@
           <a:lstStyle/>
           <a:p>
             <a:pPr algn="ctr"/>
-            <a:endParaRPr lang="en-SG" sz="1400">
+            <a:endParaRPr lang="en-SG" sz="1400" dirty="0">
               <a:solidFill>
                 <a:schemeClr val="dk1"/>
               </a:solidFill>
@@ -5097,7 +5109,7 @@
             <a:lstStyle/>
             <a:p>
               <a:pPr algn="ctr"/>
-              <a:endParaRPr lang="en-SG"/>
+              <a:endParaRPr lang="en-SG" dirty="0"/>
             </a:p>
           </p:txBody>
         </p:sp>
@@ -5214,7 +5226,7 @@
             <a:lstStyle/>
             <a:p>
               <a:pPr algn="ctr"/>
-              <a:endParaRPr lang="en-SG"/>
+              <a:endParaRPr lang="en-SG" dirty="0"/>
             </a:p>
           </p:txBody>
         </p:sp>
@@ -5394,7 +5406,7 @@
           <a:lstStyle/>
           <a:p>
             <a:pPr algn="ctr"/>
-            <a:endParaRPr lang="en-SG" sz="1400">
+            <a:endParaRPr lang="en-SG" sz="1400" dirty="0">
               <a:solidFill>
                 <a:schemeClr val="dk1"/>
               </a:solidFill>
@@ -5541,7 +5553,7 @@
           <a:lstStyle/>
           <a:p>
             <a:pPr algn="ctr"/>
-            <a:endParaRPr lang="en-SG" sz="1400">
+            <a:endParaRPr lang="en-SG" sz="1400" dirty="0">
               <a:solidFill>
                 <a:schemeClr val="dk1"/>
               </a:solidFill>
@@ -5748,20 +5760,12 @@
           <a:lstStyle/>
           <a:p>
             <a:r>
-              <a:rPr lang="en-US" sz="1400" dirty="0" err="1" smtClean="0">
-                <a:solidFill>
-                  <a:srgbClr val="7030A0"/>
-                </a:solidFill>
-              </a:rPr>
-              <a:t>deletePerson</a:t>
-            </a:r>
-            <a:r>
               <a:rPr lang="en-US" sz="1400" dirty="0" smtClean="0">
                 <a:solidFill>
                   <a:srgbClr val="7030A0"/>
                 </a:solidFill>
               </a:rPr>
-              <a:t>(p)</a:t>
+              <a:t>deleteActivity(p)</a:t>
             </a:r>
             <a:endParaRPr lang="en-US" sz="1400" dirty="0">
               <a:solidFill>
@@ -5779,8 +5783,8 @@
         </p:nvSpPr>
         <p:spPr>
           <a:xfrm>
-            <a:off x="6074030" y="1687656"/>
-            <a:ext cx="2438400" cy="215444"/>
+            <a:off x="5943600" y="1687656"/>
+            <a:ext cx="2667000" cy="215444"/>
           </a:xfrm>
           <a:prstGeom prst="rect">
             <a:avLst/>
@@ -5801,18 +5805,544 @@
                   </a:schemeClr>
                 </a:solidFill>
               </a:rPr>
-              <a:t>post(</a:t>
-            </a:r>
-            <a:r>
-              <a:rPr lang="en-US" sz="1400" dirty="0" err="1" smtClean="0">
+              <a:t>post(ActivityManagerChangedEvent)</a:t>
+            </a:r>
+            <a:endParaRPr lang="en-US" sz="1400" dirty="0">
+              <a:solidFill>
+                <a:schemeClr val="accent5">
+                  <a:lumMod val="75000"/>
+                </a:schemeClr>
+              </a:solidFill>
+            </a:endParaRPr>
+          </a:p>
+        </p:txBody>
+      </p:sp>
+      <p:cxnSp>
+        <p:nvCxnSpPr>
+          <p:cNvPr id="34" name="Straight Arrow Connector 33"/>
+          <p:cNvCxnSpPr/>
+          <p:nvPr/>
+        </p:nvCxnSpPr>
+        <p:spPr>
+          <a:xfrm>
+            <a:off x="3954408" y="2190681"/>
+            <a:ext cx="1837184" cy="0"/>
+          </a:xfrm>
+          <a:prstGeom prst="straightConnector1">
+            <a:avLst/>
+          </a:prstGeom>
+          <a:ln w="19050">
+            <a:solidFill>
+              <a:srgbClr val="7030A0"/>
+            </a:solidFill>
+            <a:prstDash val="sysDash"/>
+            <a:headEnd type="arrow" w="med" len="med"/>
+            <a:tailEnd type="none" w="med" len="med"/>
+          </a:ln>
+        </p:spPr>
+        <p:style>
+          <a:lnRef idx="1">
+            <a:schemeClr val="accent1"/>
+          </a:lnRef>
+          <a:fillRef idx="0">
+            <a:schemeClr val="accent1"/>
+          </a:fillRef>
+          <a:effectRef idx="0">
+            <a:schemeClr val="accent1"/>
+          </a:effectRef>
+          <a:fontRef idx="minor">
+            <a:schemeClr val="tx1"/>
+          </a:fontRef>
+        </p:style>
+      </p:cxnSp>
+      <p:cxnSp>
+        <p:nvCxnSpPr>
+          <p:cNvPr id="35" name="Straight Arrow Connector 34"/>
+          <p:cNvCxnSpPr/>
+          <p:nvPr/>
+        </p:nvCxnSpPr>
+        <p:spPr>
+          <a:xfrm>
+            <a:off x="1739069" y="2266002"/>
+            <a:ext cx="2058118" cy="0"/>
+          </a:xfrm>
+          <a:prstGeom prst="straightConnector1">
+            <a:avLst/>
+          </a:prstGeom>
+          <a:ln w="19050">
+            <a:solidFill>
+              <a:srgbClr val="0070C0"/>
+            </a:solidFill>
+            <a:prstDash val="sysDash"/>
+            <a:headEnd type="arrow" w="med" len="med"/>
+            <a:tailEnd type="none" w="med" len="med"/>
+          </a:ln>
+        </p:spPr>
+        <p:style>
+          <a:lnRef idx="1">
+            <a:schemeClr val="accent1"/>
+          </a:lnRef>
+          <a:fillRef idx="0">
+            <a:schemeClr val="accent1"/>
+          </a:fillRef>
+          <a:effectRef idx="0">
+            <a:schemeClr val="accent1"/>
+          </a:effectRef>
+          <a:fontRef idx="minor">
+            <a:schemeClr val="tx1"/>
+          </a:fontRef>
+        </p:style>
+      </p:cxnSp>
+      <p:cxnSp>
+        <p:nvCxnSpPr>
+          <p:cNvPr id="37" name="Straight Arrow Connector 36"/>
+          <p:cNvCxnSpPr/>
+          <p:nvPr/>
+        </p:nvCxnSpPr>
+        <p:spPr>
+          <a:xfrm>
+            <a:off x="390618" y="2342202"/>
+            <a:ext cx="1196051" cy="0"/>
+          </a:xfrm>
+          <a:prstGeom prst="straightConnector1">
+            <a:avLst/>
+          </a:prstGeom>
+          <a:ln w="19050">
+            <a:solidFill>
+              <a:srgbClr val="00B050"/>
+            </a:solidFill>
+            <a:prstDash val="sysDash"/>
+            <a:headEnd type="arrow" w="med" len="med"/>
+            <a:tailEnd type="none" w="med" len="med"/>
+          </a:ln>
+        </p:spPr>
+        <p:style>
+          <a:lnRef idx="1">
+            <a:schemeClr val="accent1"/>
+          </a:lnRef>
+          <a:fillRef idx="0">
+            <a:schemeClr val="accent1"/>
+          </a:fillRef>
+          <a:effectRef idx="0">
+            <a:schemeClr val="accent1"/>
+          </a:effectRef>
+          <a:fontRef idx="minor">
+            <a:schemeClr val="tx1"/>
+          </a:fontRef>
+        </p:style>
+      </p:cxnSp>
+      <p:sp>
+        <p:nvSpPr>
+          <p:cNvPr id="39" name="Rectangle 62"/>
+          <p:cNvSpPr/>
+          <p:nvPr/>
+        </p:nvSpPr>
+        <p:spPr>
+          <a:xfrm>
+            <a:off x="7696200" y="591251"/>
+            <a:ext cx="1371600" cy="346760"/>
+          </a:xfrm>
+          <a:prstGeom prst="rect">
+            <a:avLst/>
+          </a:prstGeom>
+          <a:solidFill>
+            <a:schemeClr val="accent5">
+              <a:lumMod val="75000"/>
+            </a:schemeClr>
+          </a:solidFill>
+          <a:ln w="19050">
+            <a:solidFill>
+              <a:schemeClr val="accent5">
+                <a:lumMod val="75000"/>
+              </a:schemeClr>
+            </a:solidFill>
+          </a:ln>
+          <a:effectLst/>
+        </p:spPr>
+        <p:style>
+          <a:lnRef idx="1">
+            <a:schemeClr val="accent2"/>
+          </a:lnRef>
+          <a:fillRef idx="2">
+            <a:schemeClr val="accent2"/>
+          </a:fillRef>
+          <a:effectRef idx="1">
+            <a:schemeClr val="accent2"/>
+          </a:effectRef>
+          <a:fontRef idx="minor">
+            <a:schemeClr val="dk1"/>
+          </a:fontRef>
+        </p:style>
+        <p:txBody>
+          <a:bodyPr rtlCol="0" anchor="ctr"/>
+          <a:lstStyle/>
+          <a:p>
+            <a:pPr algn="ctr"/>
+            <a:r>
+              <a:rPr lang="en-US" sz="1600" dirty="0" smtClean="0">
                 <a:solidFill>
-                  <a:schemeClr val="accent5">
-                    <a:lumMod val="75000"/>
-                  </a:schemeClr>
+                  <a:schemeClr val="bg1"/>
                 </a:solidFill>
               </a:rPr>
-              <a:t>AddressBookChangedEvent</a:t>
-            </a:r>
+              <a:t>:EventsCenter</a:t>
+            </a:r>
+            <a:endParaRPr lang="en-SG" sz="1600" dirty="0">
+              <a:solidFill>
+                <a:schemeClr val="bg1"/>
+              </a:solidFill>
+            </a:endParaRPr>
+          </a:p>
+        </p:txBody>
+      </p:sp>
+      <p:cxnSp>
+        <p:nvCxnSpPr>
+          <p:cNvPr id="40" name="Straight Connector 39"/>
+          <p:cNvCxnSpPr/>
+          <p:nvPr/>
+        </p:nvCxnSpPr>
+        <p:spPr>
+          <a:xfrm>
+            <a:off x="8616802" y="944305"/>
+            <a:ext cx="0" cy="1723059"/>
+          </a:xfrm>
+          <a:prstGeom prst="line">
+            <a:avLst/>
+          </a:prstGeom>
+          <a:ln w="19050">
+            <a:solidFill>
+              <a:schemeClr val="accent5">
+                <a:lumMod val="75000"/>
+              </a:schemeClr>
+            </a:solidFill>
+            <a:prstDash val="sysDash"/>
+          </a:ln>
+          <a:effectLst/>
+        </p:spPr>
+        <p:style>
+          <a:lnRef idx="1">
+            <a:schemeClr val="accent1"/>
+          </a:lnRef>
+          <a:fillRef idx="2">
+            <a:schemeClr val="accent1"/>
+          </a:fillRef>
+          <a:effectRef idx="1">
+            <a:schemeClr val="accent1"/>
+          </a:effectRef>
+          <a:fontRef idx="minor">
+            <a:schemeClr val="dk1"/>
+          </a:fontRef>
+        </p:style>
+      </p:cxnSp>
+      <p:sp>
+        <p:nvSpPr>
+          <p:cNvPr id="41" name="Rectangle 40"/>
+          <p:cNvSpPr/>
+          <p:nvPr/>
+        </p:nvSpPr>
+        <p:spPr>
+          <a:xfrm>
+            <a:off x="8544794" y="1961202"/>
+            <a:ext cx="142006" cy="176787"/>
+          </a:xfrm>
+          <a:prstGeom prst="rect">
+            <a:avLst/>
+          </a:prstGeom>
+          <a:solidFill>
+            <a:schemeClr val="accent5">
+              <a:lumMod val="75000"/>
+            </a:schemeClr>
+          </a:solidFill>
+          <a:ln>
+            <a:solidFill>
+              <a:schemeClr val="accent5">
+                <a:lumMod val="75000"/>
+              </a:schemeClr>
+            </a:solidFill>
+          </a:ln>
+          <a:effectLst/>
+        </p:spPr>
+        <p:style>
+          <a:lnRef idx="1">
+            <a:schemeClr val="accent3"/>
+          </a:lnRef>
+          <a:fillRef idx="2">
+            <a:schemeClr val="accent3"/>
+          </a:fillRef>
+          <a:effectRef idx="1">
+            <a:schemeClr val="accent3"/>
+          </a:effectRef>
+          <a:fontRef idx="minor">
+            <a:schemeClr val="dk1"/>
+          </a:fontRef>
+        </p:style>
+        <p:txBody>
+          <a:bodyPr rtlCol="0" anchor="ctr"/>
+          <a:lstStyle/>
+          <a:p>
+            <a:pPr algn="ctr"/>
+            <a:endParaRPr lang="en-SG" sz="1400" dirty="0">
+              <a:solidFill>
+                <a:schemeClr val="dk1"/>
+              </a:solidFill>
+            </a:endParaRPr>
+          </a:p>
+        </p:txBody>
+      </p:sp>
+      <p:cxnSp>
+        <p:nvCxnSpPr>
+          <p:cNvPr id="42" name="Straight Arrow Connector 41"/>
+          <p:cNvCxnSpPr/>
+          <p:nvPr/>
+        </p:nvCxnSpPr>
+        <p:spPr>
+          <a:xfrm>
+            <a:off x="5943992" y="1961202"/>
+            <a:ext cx="2568438" cy="0"/>
+          </a:xfrm>
+          <a:prstGeom prst="straightConnector1">
+            <a:avLst/>
+          </a:prstGeom>
+          <a:ln w="19050">
+            <a:solidFill>
+              <a:srgbClr val="7030A0"/>
+            </a:solidFill>
+            <a:tailEnd type="arrow"/>
+          </a:ln>
+        </p:spPr>
+        <p:style>
+          <a:lnRef idx="1">
+            <a:schemeClr val="accent1"/>
+          </a:lnRef>
+          <a:fillRef idx="0">
+            <a:schemeClr val="accent1"/>
+          </a:fillRef>
+          <a:effectRef idx="0">
+            <a:schemeClr val="accent1"/>
+          </a:effectRef>
+          <a:fontRef idx="minor">
+            <a:schemeClr val="tx1"/>
+          </a:fontRef>
+        </p:style>
+      </p:cxnSp>
+      <p:cxnSp>
+        <p:nvCxnSpPr>
+          <p:cNvPr id="44" name="Straight Arrow Connector 43"/>
+          <p:cNvCxnSpPr/>
+          <p:nvPr/>
+        </p:nvCxnSpPr>
+        <p:spPr>
+          <a:xfrm>
+            <a:off x="5943992" y="2137989"/>
+            <a:ext cx="2549946" cy="0"/>
+          </a:xfrm>
+          <a:prstGeom prst="straightConnector1">
+            <a:avLst/>
+          </a:prstGeom>
+          <a:ln w="19050">
+            <a:solidFill>
+              <a:schemeClr val="accent5">
+                <a:lumMod val="75000"/>
+              </a:schemeClr>
+            </a:solidFill>
+            <a:prstDash val="sysDash"/>
+            <a:headEnd type="arrow" w="med" len="med"/>
+            <a:tailEnd type="none" w="med" len="med"/>
+          </a:ln>
+        </p:spPr>
+        <p:style>
+          <a:lnRef idx="1">
+            <a:schemeClr val="accent1"/>
+          </a:lnRef>
+          <a:fillRef idx="0">
+            <a:schemeClr val="accent1"/>
+          </a:fillRef>
+          <a:effectRef idx="0">
+            <a:schemeClr val="accent1"/>
+          </a:effectRef>
+          <a:fontRef idx="minor">
+            <a:schemeClr val="tx1"/>
+          </a:fontRef>
+        </p:style>
+      </p:cxnSp>
+      <p:sp>
+        <p:nvSpPr>
+          <p:cNvPr id="53" name="Rectangle 62"/>
+          <p:cNvSpPr/>
+          <p:nvPr/>
+        </p:nvSpPr>
+        <p:spPr>
+          <a:xfrm>
+            <a:off x="7370178" y="4278322"/>
+            <a:ext cx="1093635" cy="346760"/>
+          </a:xfrm>
+          <a:prstGeom prst="rect">
+            <a:avLst/>
+          </a:prstGeom>
+          <a:solidFill>
+            <a:schemeClr val="accent6">
+              <a:lumMod val="75000"/>
+            </a:schemeClr>
+          </a:solidFill>
+          <a:ln w="19050">
+            <a:solidFill>
+              <a:schemeClr val="accent6">
+                <a:lumMod val="75000"/>
+              </a:schemeClr>
+            </a:solidFill>
+          </a:ln>
+          <a:effectLst/>
+        </p:spPr>
+        <p:style>
+          <a:lnRef idx="1">
+            <a:schemeClr val="accent2"/>
+          </a:lnRef>
+          <a:fillRef idx="2">
+            <a:schemeClr val="accent2"/>
+          </a:fillRef>
+          <a:effectRef idx="1">
+            <a:schemeClr val="accent2"/>
+          </a:effectRef>
+          <a:fontRef idx="minor">
+            <a:schemeClr val="dk1"/>
+          </a:fontRef>
+        </p:style>
+        <p:txBody>
+          <a:bodyPr rtlCol="0" anchor="ctr"/>
+          <a:lstStyle/>
+          <a:p>
+            <a:pPr algn="ctr"/>
+            <a:r>
+              <a:rPr lang="en-US" sz="1600" dirty="0" smtClean="0">
+                <a:solidFill>
+                  <a:schemeClr val="bg1"/>
+                </a:solidFill>
+              </a:rPr>
+              <a:t>:Storage</a:t>
+            </a:r>
+            <a:endParaRPr lang="en-SG" sz="1600" dirty="0">
+              <a:solidFill>
+                <a:schemeClr val="bg1"/>
+              </a:solidFill>
+            </a:endParaRPr>
+          </a:p>
+        </p:txBody>
+      </p:sp>
+      <p:cxnSp>
+        <p:nvCxnSpPr>
+          <p:cNvPr id="54" name="Straight Connector 53"/>
+          <p:cNvCxnSpPr/>
+          <p:nvPr/>
+        </p:nvCxnSpPr>
+        <p:spPr>
+          <a:xfrm>
+            <a:off x="7916995" y="4641993"/>
+            <a:ext cx="0" cy="1723059"/>
+          </a:xfrm>
+          <a:prstGeom prst="line">
+            <a:avLst/>
+          </a:prstGeom>
+          <a:ln w="19050">
+            <a:solidFill>
+              <a:schemeClr val="accent6">
+                <a:lumMod val="75000"/>
+              </a:schemeClr>
+            </a:solidFill>
+            <a:prstDash val="sysDash"/>
+          </a:ln>
+          <a:effectLst/>
+        </p:spPr>
+        <p:style>
+          <a:lnRef idx="1">
+            <a:schemeClr val="accent1"/>
+          </a:lnRef>
+          <a:fillRef idx="2">
+            <a:schemeClr val="accent1"/>
+          </a:fillRef>
+          <a:effectRef idx="1">
+            <a:schemeClr val="accent1"/>
+          </a:effectRef>
+          <a:fontRef idx="minor">
+            <a:schemeClr val="dk1"/>
+          </a:fontRef>
+        </p:style>
+      </p:cxnSp>
+      <p:sp>
+        <p:nvSpPr>
+          <p:cNvPr id="55" name="Rectangle 54"/>
+          <p:cNvSpPr/>
+          <p:nvPr/>
+        </p:nvSpPr>
+        <p:spPr>
+          <a:xfrm>
+            <a:off x="7844987" y="5335662"/>
+            <a:ext cx="124478" cy="287409"/>
+          </a:xfrm>
+          <a:prstGeom prst="rect">
+            <a:avLst/>
+          </a:prstGeom>
+          <a:solidFill>
+            <a:schemeClr val="accent6">
+              <a:lumMod val="75000"/>
+            </a:schemeClr>
+          </a:solidFill>
+          <a:ln>
+            <a:solidFill>
+              <a:schemeClr val="accent6">
+                <a:lumMod val="75000"/>
+              </a:schemeClr>
+            </a:solidFill>
+          </a:ln>
+          <a:effectLst/>
+        </p:spPr>
+        <p:style>
+          <a:lnRef idx="1">
+            <a:schemeClr val="accent3"/>
+          </a:lnRef>
+          <a:fillRef idx="2">
+            <a:schemeClr val="accent3"/>
+          </a:fillRef>
+          <a:effectRef idx="1">
+            <a:schemeClr val="accent3"/>
+          </a:effectRef>
+          <a:fontRef idx="minor">
+            <a:schemeClr val="dk1"/>
+          </a:fontRef>
+        </p:style>
+        <p:txBody>
+          <a:bodyPr rtlCol="0" anchor="ctr"/>
+          <a:lstStyle/>
+          <a:p>
+            <a:pPr algn="ctr"/>
+            <a:endParaRPr lang="en-SG" sz="1400" dirty="0">
+              <a:solidFill>
+                <a:schemeClr val="dk1"/>
+              </a:solidFill>
+            </a:endParaRPr>
+          </a:p>
+        </p:txBody>
+      </p:sp>
+      <p:sp>
+        <p:nvSpPr>
+          <p:cNvPr id="62" name="TextBox 61"/>
+          <p:cNvSpPr txBox="1"/>
+          <p:nvPr/>
+        </p:nvSpPr>
+        <p:spPr>
+          <a:xfrm>
+            <a:off x="1810094" y="4797674"/>
+            <a:ext cx="2716635" cy="215444"/>
+          </a:xfrm>
+          <a:prstGeom prst="rect">
+            <a:avLst/>
+          </a:prstGeom>
+          <a:noFill/>
+        </p:spPr>
+        <p:txBody>
+          <a:bodyPr wrap="square" lIns="0" tIns="0" rIns="0" bIns="0" rtlCol="0">
+            <a:spAutoFit/>
+          </a:bodyPr>
+          <a:lstStyle/>
+          <a:p>
             <a:r>
               <a:rPr lang="en-US" sz="1400" dirty="0" smtClean="0">
                 <a:solidFill>
@@ -5821,7 +6351,7 @@
                   </a:schemeClr>
                 </a:solidFill>
               </a:rPr>
-              <a:t>)</a:t>
+              <a:t>post(ActivityManagerChangedEvent)</a:t>
             </a:r>
             <a:endParaRPr lang="en-US" sz="1400" dirty="0">
               <a:solidFill>
@@ -5835,25 +6365,27 @@
       </p:sp>
       <p:cxnSp>
         <p:nvCxnSpPr>
-          <p:cNvPr id="34" name="Straight Arrow Connector 33"/>
+          <p:cNvPr id="63" name="Straight Arrow Connector 62"/>
           <p:cNvCxnSpPr/>
           <p:nvPr/>
         </p:nvCxnSpPr>
         <p:spPr>
-          <a:xfrm>
-            <a:off x="3954408" y="2190681"/>
-            <a:ext cx="1837184" cy="0"/>
+          <a:xfrm flipH="1">
+            <a:off x="4526729" y="5623071"/>
+            <a:ext cx="3383941" cy="0"/>
           </a:xfrm>
           <a:prstGeom prst="straightConnector1">
             <a:avLst/>
           </a:prstGeom>
           <a:ln w="19050">
             <a:solidFill>
-              <a:srgbClr val="7030A0"/>
+              <a:schemeClr val="accent6">
+                <a:lumMod val="75000"/>
+              </a:schemeClr>
             </a:solidFill>
             <a:prstDash val="sysDash"/>
-            <a:headEnd type="arrow" w="med" len="med"/>
-            <a:tailEnd type="none" w="med" len="med"/>
+            <a:headEnd type="none" w="med" len="med"/>
+            <a:tailEnd type="arrow" w="med" len="med"/>
           </a:ln>
         </p:spPr>
         <p:style>
@@ -5871,91 +6403,15 @@
           </a:fontRef>
         </p:style>
       </p:cxnSp>
-      <p:cxnSp>
-        <p:nvCxnSpPr>
-          <p:cNvPr id="35" name="Straight Arrow Connector 34"/>
-          <p:cNvCxnSpPr/>
-          <p:nvPr/>
-        </p:nvCxnSpPr>
-        <p:spPr>
-          <a:xfrm>
-            <a:off x="1739069" y="2266002"/>
-            <a:ext cx="2058118" cy="0"/>
-          </a:xfrm>
-          <a:prstGeom prst="straightConnector1">
-            <a:avLst/>
-          </a:prstGeom>
-          <a:ln w="19050">
-            <a:solidFill>
-              <a:srgbClr val="0070C0"/>
-            </a:solidFill>
-            <a:prstDash val="sysDash"/>
-            <a:headEnd type="arrow" w="med" len="med"/>
-            <a:tailEnd type="none" w="med" len="med"/>
-          </a:ln>
-        </p:spPr>
-        <p:style>
-          <a:lnRef idx="1">
-            <a:schemeClr val="accent1"/>
-          </a:lnRef>
-          <a:fillRef idx="0">
-            <a:schemeClr val="accent1"/>
-          </a:fillRef>
-          <a:effectRef idx="0">
-            <a:schemeClr val="accent1"/>
-          </a:effectRef>
-          <a:fontRef idx="minor">
-            <a:schemeClr val="tx1"/>
-          </a:fontRef>
-        </p:style>
-      </p:cxnSp>
-      <p:cxnSp>
-        <p:nvCxnSpPr>
-          <p:cNvPr id="37" name="Straight Arrow Connector 36"/>
-          <p:cNvCxnSpPr/>
-          <p:nvPr/>
-        </p:nvCxnSpPr>
-        <p:spPr>
-          <a:xfrm>
-            <a:off x="390618" y="2342202"/>
-            <a:ext cx="1196051" cy="0"/>
-          </a:xfrm>
-          <a:prstGeom prst="straightConnector1">
-            <a:avLst/>
-          </a:prstGeom>
-          <a:ln w="19050">
-            <a:solidFill>
-              <a:srgbClr val="00B050"/>
-            </a:solidFill>
-            <a:prstDash val="sysDash"/>
-            <a:headEnd type="arrow" w="med" len="med"/>
-            <a:tailEnd type="none" w="med" len="med"/>
-          </a:ln>
-        </p:spPr>
-        <p:style>
-          <a:lnRef idx="1">
-            <a:schemeClr val="accent1"/>
-          </a:lnRef>
-          <a:fillRef idx="0">
-            <a:schemeClr val="accent1"/>
-          </a:fillRef>
-          <a:effectRef idx="0">
-            <a:schemeClr val="accent1"/>
-          </a:effectRef>
-          <a:fontRef idx="minor">
-            <a:schemeClr val="tx1"/>
-          </a:fontRef>
-        </p:style>
-      </p:cxnSp>
-      <p:sp>
-        <p:nvSpPr>
-          <p:cNvPr id="39" name="Rectangle 62"/>
+      <p:sp>
+        <p:nvSpPr>
+          <p:cNvPr id="66" name="Rectangle 62"/>
           <p:cNvSpPr/>
           <p:nvPr/>
         </p:nvSpPr>
         <p:spPr>
           <a:xfrm>
-            <a:off x="7696200" y="591251"/>
+            <a:off x="3791146" y="4295233"/>
             <a:ext cx="1371600" cy="346760"/>
           </a:xfrm>
           <a:prstGeom prst="rect">
@@ -6000,15 +6456,7 @@
                   <a:schemeClr val="bg1"/>
                 </a:solidFill>
               </a:rPr>
-              <a:t>:</a:t>
-            </a:r>
-            <a:r>
-              <a:rPr lang="en-US" sz="1600" dirty="0" err="1" smtClean="0">
-                <a:solidFill>
-                  <a:schemeClr val="bg1"/>
-                </a:solidFill>
-              </a:rPr>
-              <a:t>EventsCenter</a:t>
+              <a:t>:EventsCenter</a:t>
             </a:r>
             <a:endParaRPr lang="en-SG" sz="1600" dirty="0">
               <a:solidFill>
@@ -6020,13 +6468,13 @@
       </p:sp>
       <p:cxnSp>
         <p:nvCxnSpPr>
-          <p:cNvPr id="40" name="Straight Connector 39"/>
+          <p:cNvPr id="67" name="Straight Connector 66"/>
           <p:cNvCxnSpPr/>
           <p:nvPr/>
         </p:nvCxnSpPr>
         <p:spPr>
           <a:xfrm>
-            <a:off x="8616802" y="944305"/>
+            <a:off x="4456731" y="4648287"/>
             <a:ext cx="0" cy="1723059"/>
           </a:xfrm>
           <a:prstGeom prst="line">
@@ -6059,14 +6507,14 @@
       </p:cxnSp>
       <p:sp>
         <p:nvSpPr>
-          <p:cNvPr id="41" name="Rectangle 40"/>
+          <p:cNvPr id="68" name="Rectangle 67"/>
           <p:cNvSpPr/>
           <p:nvPr/>
         </p:nvSpPr>
         <p:spPr>
           <a:xfrm>
-            <a:off x="8544794" y="1961202"/>
-            <a:ext cx="142006" cy="176787"/>
+            <a:off x="4384723" y="5071220"/>
+            <a:ext cx="142006" cy="1036757"/>
           </a:xfrm>
           <a:prstGeom prst="rect">
             <a:avLst/>
@@ -6104,507 +6552,7 @@
           <a:lstStyle/>
           <a:p>
             <a:pPr algn="ctr"/>
-            <a:endParaRPr lang="en-SG" sz="1400">
-              <a:solidFill>
-                <a:schemeClr val="dk1"/>
-              </a:solidFill>
-            </a:endParaRPr>
-          </a:p>
-        </p:txBody>
-      </p:sp>
-      <p:cxnSp>
-        <p:nvCxnSpPr>
-          <p:cNvPr id="42" name="Straight Arrow Connector 41"/>
-          <p:cNvCxnSpPr/>
-          <p:nvPr/>
-        </p:nvCxnSpPr>
-        <p:spPr>
-          <a:xfrm>
-            <a:off x="5943992" y="1961202"/>
-            <a:ext cx="2568438" cy="0"/>
-          </a:xfrm>
-          <a:prstGeom prst="straightConnector1">
-            <a:avLst/>
-          </a:prstGeom>
-          <a:ln w="19050">
-            <a:solidFill>
-              <a:srgbClr val="7030A0"/>
-            </a:solidFill>
-            <a:tailEnd type="arrow"/>
-          </a:ln>
-        </p:spPr>
-        <p:style>
-          <a:lnRef idx="1">
-            <a:schemeClr val="accent1"/>
-          </a:lnRef>
-          <a:fillRef idx="0">
-            <a:schemeClr val="accent1"/>
-          </a:fillRef>
-          <a:effectRef idx="0">
-            <a:schemeClr val="accent1"/>
-          </a:effectRef>
-          <a:fontRef idx="minor">
-            <a:schemeClr val="tx1"/>
-          </a:fontRef>
-        </p:style>
-      </p:cxnSp>
-      <p:cxnSp>
-        <p:nvCxnSpPr>
-          <p:cNvPr id="44" name="Straight Arrow Connector 43"/>
-          <p:cNvCxnSpPr/>
-          <p:nvPr/>
-        </p:nvCxnSpPr>
-        <p:spPr>
-          <a:xfrm>
-            <a:off x="5943992" y="2137989"/>
-            <a:ext cx="2549946" cy="0"/>
-          </a:xfrm>
-          <a:prstGeom prst="straightConnector1">
-            <a:avLst/>
-          </a:prstGeom>
-          <a:ln w="19050">
-            <a:solidFill>
-              <a:schemeClr val="accent5">
-                <a:lumMod val="75000"/>
-              </a:schemeClr>
-            </a:solidFill>
-            <a:prstDash val="sysDash"/>
-            <a:headEnd type="arrow" w="med" len="med"/>
-            <a:tailEnd type="none" w="med" len="med"/>
-          </a:ln>
-        </p:spPr>
-        <p:style>
-          <a:lnRef idx="1">
-            <a:schemeClr val="accent1"/>
-          </a:lnRef>
-          <a:fillRef idx="0">
-            <a:schemeClr val="accent1"/>
-          </a:fillRef>
-          <a:effectRef idx="0">
-            <a:schemeClr val="accent1"/>
-          </a:effectRef>
-          <a:fontRef idx="minor">
-            <a:schemeClr val="tx1"/>
-          </a:fontRef>
-        </p:style>
-      </p:cxnSp>
-      <p:sp>
-        <p:nvSpPr>
-          <p:cNvPr id="53" name="Rectangle 62"/>
-          <p:cNvSpPr/>
-          <p:nvPr/>
-        </p:nvSpPr>
-        <p:spPr>
-          <a:xfrm>
-            <a:off x="7370178" y="4278322"/>
-            <a:ext cx="1093635" cy="346760"/>
-          </a:xfrm>
-          <a:prstGeom prst="rect">
-            <a:avLst/>
-          </a:prstGeom>
-          <a:solidFill>
-            <a:schemeClr val="accent6">
-              <a:lumMod val="75000"/>
-            </a:schemeClr>
-          </a:solidFill>
-          <a:ln w="19050">
-            <a:solidFill>
-              <a:schemeClr val="accent6">
-                <a:lumMod val="75000"/>
-              </a:schemeClr>
-            </a:solidFill>
-          </a:ln>
-          <a:effectLst/>
-        </p:spPr>
-        <p:style>
-          <a:lnRef idx="1">
-            <a:schemeClr val="accent2"/>
-          </a:lnRef>
-          <a:fillRef idx="2">
-            <a:schemeClr val="accent2"/>
-          </a:fillRef>
-          <a:effectRef idx="1">
-            <a:schemeClr val="accent2"/>
-          </a:effectRef>
-          <a:fontRef idx="minor">
-            <a:schemeClr val="dk1"/>
-          </a:fontRef>
-        </p:style>
-        <p:txBody>
-          <a:bodyPr rtlCol="0" anchor="ctr"/>
-          <a:lstStyle/>
-          <a:p>
-            <a:pPr algn="ctr"/>
-            <a:r>
-              <a:rPr lang="en-US" sz="1600" dirty="0" smtClean="0">
-                <a:solidFill>
-                  <a:schemeClr val="bg1"/>
-                </a:solidFill>
-              </a:rPr>
-              <a:t>:Storage</a:t>
-            </a:r>
-            <a:endParaRPr lang="en-SG" sz="1600" dirty="0">
-              <a:solidFill>
-                <a:schemeClr val="bg1"/>
-              </a:solidFill>
-            </a:endParaRPr>
-          </a:p>
-        </p:txBody>
-      </p:sp>
-      <p:cxnSp>
-        <p:nvCxnSpPr>
-          <p:cNvPr id="54" name="Straight Connector 53"/>
-          <p:cNvCxnSpPr/>
-          <p:nvPr/>
-        </p:nvCxnSpPr>
-        <p:spPr>
-          <a:xfrm>
-            <a:off x="7916995" y="4641993"/>
-            <a:ext cx="0" cy="1723059"/>
-          </a:xfrm>
-          <a:prstGeom prst="line">
-            <a:avLst/>
-          </a:prstGeom>
-          <a:ln w="19050">
-            <a:solidFill>
-              <a:schemeClr val="accent6">
-                <a:lumMod val="75000"/>
-              </a:schemeClr>
-            </a:solidFill>
-            <a:prstDash val="sysDash"/>
-          </a:ln>
-          <a:effectLst/>
-        </p:spPr>
-        <p:style>
-          <a:lnRef idx="1">
-            <a:schemeClr val="accent1"/>
-          </a:lnRef>
-          <a:fillRef idx="2">
-            <a:schemeClr val="accent1"/>
-          </a:fillRef>
-          <a:effectRef idx="1">
-            <a:schemeClr val="accent1"/>
-          </a:effectRef>
-          <a:fontRef idx="minor">
-            <a:schemeClr val="dk1"/>
-          </a:fontRef>
-        </p:style>
-      </p:cxnSp>
-      <p:sp>
-        <p:nvSpPr>
-          <p:cNvPr id="55" name="Rectangle 54"/>
-          <p:cNvSpPr/>
-          <p:nvPr/>
-        </p:nvSpPr>
-        <p:spPr>
-          <a:xfrm>
-            <a:off x="7844987" y="5335662"/>
-            <a:ext cx="124478" cy="287409"/>
-          </a:xfrm>
-          <a:prstGeom prst="rect">
-            <a:avLst/>
-          </a:prstGeom>
-          <a:solidFill>
-            <a:schemeClr val="accent6">
-              <a:lumMod val="75000"/>
-            </a:schemeClr>
-          </a:solidFill>
-          <a:ln>
-            <a:solidFill>
-              <a:schemeClr val="accent6">
-                <a:lumMod val="75000"/>
-              </a:schemeClr>
-            </a:solidFill>
-          </a:ln>
-          <a:effectLst/>
-        </p:spPr>
-        <p:style>
-          <a:lnRef idx="1">
-            <a:schemeClr val="accent3"/>
-          </a:lnRef>
-          <a:fillRef idx="2">
-            <a:schemeClr val="accent3"/>
-          </a:fillRef>
-          <a:effectRef idx="1">
-            <a:schemeClr val="accent3"/>
-          </a:effectRef>
-          <a:fontRef idx="minor">
-            <a:schemeClr val="dk1"/>
-          </a:fontRef>
-        </p:style>
-        <p:txBody>
-          <a:bodyPr rtlCol="0" anchor="ctr"/>
-          <a:lstStyle/>
-          <a:p>
-            <a:pPr algn="ctr"/>
-            <a:endParaRPr lang="en-SG" sz="1400">
-              <a:solidFill>
-                <a:schemeClr val="dk1"/>
-              </a:solidFill>
-            </a:endParaRPr>
-          </a:p>
-        </p:txBody>
-      </p:sp>
-      <p:sp>
-        <p:nvSpPr>
-          <p:cNvPr id="62" name="TextBox 61"/>
-          <p:cNvSpPr txBox="1"/>
-          <p:nvPr/>
-        </p:nvSpPr>
-        <p:spPr>
-          <a:xfrm>
-            <a:off x="1810094" y="4797674"/>
-            <a:ext cx="2716635" cy="215444"/>
-          </a:xfrm>
-          <a:prstGeom prst="rect">
-            <a:avLst/>
-          </a:prstGeom>
-          <a:noFill/>
-        </p:spPr>
-        <p:txBody>
-          <a:bodyPr wrap="square" lIns="0" tIns="0" rIns="0" bIns="0" rtlCol="0">
-            <a:spAutoFit/>
-          </a:bodyPr>
-          <a:lstStyle/>
-          <a:p>
-            <a:r>
-              <a:rPr lang="en-US" sz="1400" dirty="0" smtClean="0">
-                <a:solidFill>
-                  <a:schemeClr val="accent5">
-                    <a:lumMod val="75000"/>
-                  </a:schemeClr>
-                </a:solidFill>
-              </a:rPr>
-              <a:t>post(</a:t>
-            </a:r>
-            <a:r>
-              <a:rPr lang="en-US" sz="1400" dirty="0" err="1" smtClean="0">
-                <a:solidFill>
-                  <a:schemeClr val="accent5">
-                    <a:lumMod val="75000"/>
-                  </a:schemeClr>
-                </a:solidFill>
-              </a:rPr>
-              <a:t>AddressBookChangedEvent</a:t>
-            </a:r>
-            <a:r>
-              <a:rPr lang="en-US" sz="1400" dirty="0" smtClean="0">
-                <a:solidFill>
-                  <a:schemeClr val="accent5">
-                    <a:lumMod val="75000"/>
-                  </a:schemeClr>
-                </a:solidFill>
-              </a:rPr>
-              <a:t>)</a:t>
-            </a:r>
-            <a:endParaRPr lang="en-US" sz="1400" dirty="0">
-              <a:solidFill>
-                <a:schemeClr val="accent5">
-                  <a:lumMod val="75000"/>
-                </a:schemeClr>
-              </a:solidFill>
-            </a:endParaRPr>
-          </a:p>
-        </p:txBody>
-      </p:sp>
-      <p:cxnSp>
-        <p:nvCxnSpPr>
-          <p:cNvPr id="63" name="Straight Arrow Connector 62"/>
-          <p:cNvCxnSpPr/>
-          <p:nvPr/>
-        </p:nvCxnSpPr>
-        <p:spPr>
-          <a:xfrm flipH="1">
-            <a:off x="4526729" y="5623071"/>
-            <a:ext cx="3383941" cy="0"/>
-          </a:xfrm>
-          <a:prstGeom prst="straightConnector1">
-            <a:avLst/>
-          </a:prstGeom>
-          <a:ln w="19050">
-            <a:solidFill>
-              <a:schemeClr val="accent6">
-                <a:lumMod val="75000"/>
-              </a:schemeClr>
-            </a:solidFill>
-            <a:prstDash val="sysDash"/>
-            <a:headEnd type="none" w="med" len="med"/>
-            <a:tailEnd type="arrow" w="med" len="med"/>
-          </a:ln>
-        </p:spPr>
-        <p:style>
-          <a:lnRef idx="1">
-            <a:schemeClr val="accent1"/>
-          </a:lnRef>
-          <a:fillRef idx="0">
-            <a:schemeClr val="accent1"/>
-          </a:fillRef>
-          <a:effectRef idx="0">
-            <a:schemeClr val="accent1"/>
-          </a:effectRef>
-          <a:fontRef idx="minor">
-            <a:schemeClr val="tx1"/>
-          </a:fontRef>
-        </p:style>
-      </p:cxnSp>
-      <p:sp>
-        <p:nvSpPr>
-          <p:cNvPr id="66" name="Rectangle 62"/>
-          <p:cNvSpPr/>
-          <p:nvPr/>
-        </p:nvSpPr>
-        <p:spPr>
-          <a:xfrm>
-            <a:off x="3791146" y="4295233"/>
-            <a:ext cx="1371600" cy="346760"/>
-          </a:xfrm>
-          <a:prstGeom prst="rect">
-            <a:avLst/>
-          </a:prstGeom>
-          <a:solidFill>
-            <a:schemeClr val="accent5">
-              <a:lumMod val="75000"/>
-            </a:schemeClr>
-          </a:solidFill>
-          <a:ln w="19050">
-            <a:solidFill>
-              <a:schemeClr val="accent5">
-                <a:lumMod val="75000"/>
-              </a:schemeClr>
-            </a:solidFill>
-          </a:ln>
-          <a:effectLst/>
-        </p:spPr>
-        <p:style>
-          <a:lnRef idx="1">
-            <a:schemeClr val="accent2"/>
-          </a:lnRef>
-          <a:fillRef idx="2">
-            <a:schemeClr val="accent2"/>
-          </a:fillRef>
-          <a:effectRef idx="1">
-            <a:schemeClr val="accent2"/>
-          </a:effectRef>
-          <a:fontRef idx="minor">
-            <a:schemeClr val="dk1"/>
-          </a:fontRef>
-        </p:style>
-        <p:txBody>
-          <a:bodyPr rtlCol="0" anchor="ctr"/>
-          <a:lstStyle/>
-          <a:p>
-            <a:pPr algn="ctr"/>
-            <a:r>
-              <a:rPr lang="en-US" sz="1600" dirty="0" smtClean="0">
-                <a:solidFill>
-                  <a:schemeClr val="bg1"/>
-                </a:solidFill>
-              </a:rPr>
-              <a:t>:</a:t>
-            </a:r>
-            <a:r>
-              <a:rPr lang="en-US" sz="1600" dirty="0" err="1" smtClean="0">
-                <a:solidFill>
-                  <a:schemeClr val="bg1"/>
-                </a:solidFill>
-              </a:rPr>
-              <a:t>EventsCenter</a:t>
-            </a:r>
-            <a:endParaRPr lang="en-SG" sz="1600" dirty="0">
-              <a:solidFill>
-                <a:schemeClr val="bg1"/>
-              </a:solidFill>
-            </a:endParaRPr>
-          </a:p>
-        </p:txBody>
-      </p:sp>
-      <p:cxnSp>
-        <p:nvCxnSpPr>
-          <p:cNvPr id="67" name="Straight Connector 66"/>
-          <p:cNvCxnSpPr/>
-          <p:nvPr/>
-        </p:nvCxnSpPr>
-        <p:spPr>
-          <a:xfrm>
-            <a:off x="4456731" y="4648287"/>
-            <a:ext cx="0" cy="1723059"/>
-          </a:xfrm>
-          <a:prstGeom prst="line">
-            <a:avLst/>
-          </a:prstGeom>
-          <a:ln w="19050">
-            <a:solidFill>
-              <a:schemeClr val="accent5">
-                <a:lumMod val="75000"/>
-              </a:schemeClr>
-            </a:solidFill>
-            <a:prstDash val="sysDash"/>
-          </a:ln>
-          <a:effectLst/>
-        </p:spPr>
-        <p:style>
-          <a:lnRef idx="1">
-            <a:schemeClr val="accent1"/>
-          </a:lnRef>
-          <a:fillRef idx="2">
-            <a:schemeClr val="accent1"/>
-          </a:fillRef>
-          <a:effectRef idx="1">
-            <a:schemeClr val="accent1"/>
-          </a:effectRef>
-          <a:fontRef idx="minor">
-            <a:schemeClr val="dk1"/>
-          </a:fontRef>
-        </p:style>
-      </p:cxnSp>
-      <p:sp>
-        <p:nvSpPr>
-          <p:cNvPr id="68" name="Rectangle 67"/>
-          <p:cNvSpPr/>
-          <p:nvPr/>
-        </p:nvSpPr>
-        <p:spPr>
-          <a:xfrm>
-            <a:off x="4384723" y="5071220"/>
-            <a:ext cx="142006" cy="1036757"/>
-          </a:xfrm>
-          <a:prstGeom prst="rect">
-            <a:avLst/>
-          </a:prstGeom>
-          <a:solidFill>
-            <a:schemeClr val="accent5">
-              <a:lumMod val="75000"/>
-            </a:schemeClr>
-          </a:solidFill>
-          <a:ln>
-            <a:solidFill>
-              <a:schemeClr val="accent5">
-                <a:lumMod val="75000"/>
-              </a:schemeClr>
-            </a:solidFill>
-          </a:ln>
-          <a:effectLst/>
-        </p:spPr>
-        <p:style>
-          <a:lnRef idx="1">
-            <a:schemeClr val="accent3"/>
-          </a:lnRef>
-          <a:fillRef idx="2">
-            <a:schemeClr val="accent3"/>
-          </a:fillRef>
-          <a:effectRef idx="1">
-            <a:schemeClr val="accent3"/>
-          </a:effectRef>
-          <a:fontRef idx="minor">
-            <a:schemeClr val="dk1"/>
-          </a:fontRef>
-        </p:style>
-        <p:txBody>
-          <a:bodyPr rtlCol="0" anchor="ctr"/>
-          <a:lstStyle/>
-          <a:p>
-            <a:pPr algn="ctr"/>
-            <a:endParaRPr lang="en-SG" sz="1400">
+            <a:endParaRPr lang="en-SG" sz="1400" dirty="0">
               <a:solidFill>
                 <a:schemeClr val="dk1"/>
               </a:solidFill>
@@ -6735,8 +6683,8 @@
         </p:nvSpPr>
         <p:spPr>
           <a:xfrm>
-            <a:off x="5036330" y="5065911"/>
-            <a:ext cx="2659870" cy="215444"/>
+            <a:off x="4800600" y="5065911"/>
+            <a:ext cx="2895600" cy="215444"/>
           </a:xfrm>
           <a:prstGeom prst="rect">
             <a:avLst/>
@@ -6749,16 +6697,6 @@
           </a:bodyPr>
           <a:lstStyle/>
           <a:p>
-            <a:r>
-              <a:rPr lang="en-US" sz="1400" dirty="0" err="1" smtClean="0">
-                <a:solidFill>
-                  <a:schemeClr val="accent6">
-                    <a:lumMod val="75000"/>
-                  </a:schemeClr>
-                </a:solidFill>
-              </a:rPr>
-              <a:t>handleAddresssBookChangedEvent</a:t>
-            </a:r>
             <a:r>
               <a:rPr lang="en-US" sz="1400" dirty="0" smtClean="0">
                 <a:solidFill>
@@ -6767,7 +6705,7 @@
                   </a:schemeClr>
                 </a:solidFill>
               </a:rPr>
-              <a:t>()</a:t>
+              <a:t>handleActivityManagerChangedEvent()</a:t>
             </a:r>
             <a:endParaRPr lang="en-US" sz="1400" dirty="0">
               <a:solidFill>
@@ -6955,7 +6893,7 @@
           <a:lstStyle/>
           <a:p>
             <a:pPr algn="ctr"/>
-            <a:endParaRPr lang="en-SG" sz="1400">
+            <a:endParaRPr lang="en-SG" sz="1400" dirty="0">
               <a:solidFill>
                 <a:schemeClr val="dk1"/>
               </a:solidFill>
@@ -7048,8 +6986,8 @@
         </p:nvSpPr>
         <p:spPr>
           <a:xfrm>
-            <a:off x="1416276" y="5395369"/>
-            <a:ext cx="2659870" cy="215444"/>
+            <a:off x="1410254" y="5410200"/>
+            <a:ext cx="2933146" cy="215444"/>
           </a:xfrm>
           <a:prstGeom prst="rect">
             <a:avLst/>
@@ -7062,21 +7000,13 @@
           </a:bodyPr>
           <a:lstStyle/>
           <a:p>
-            <a:r>
-              <a:rPr lang="en-US" sz="1400" dirty="0" err="1" smtClean="0">
-                <a:solidFill>
-                  <a:srgbClr val="00B050"/>
-                </a:solidFill>
-              </a:rPr>
-              <a:t>handleAddresssBookChangedEvent</a:t>
-            </a:r>
             <a:r>
               <a:rPr lang="en-US" sz="1400" dirty="0" smtClean="0">
                 <a:solidFill>
                   <a:srgbClr val="00B050"/>
                 </a:solidFill>
               </a:rPr>
-              <a:t>()</a:t>
+              <a:t>handleActivityManagerChangedEvent()</a:t>
             </a:r>
             <a:endParaRPr lang="en-US" sz="1400" dirty="0">
               <a:solidFill>
@@ -7189,7 +7119,7 @@
             <a:lstStyle/>
             <a:p>
               <a:pPr algn="ctr"/>
-              <a:endParaRPr lang="en-SG"/>
+              <a:endParaRPr lang="en-SG" dirty="0"/>
             </a:p>
           </p:txBody>
         </p:sp>
@@ -7236,7 +7166,7 @@
             <a:lstStyle/>
             <a:p>
               <a:pPr algn="ctr"/>
-              <a:endParaRPr lang="en-SG" sz="1400">
+              <a:endParaRPr lang="en-SG" sz="1400" dirty="0">
                 <a:solidFill>
                   <a:schemeClr val="dk1"/>
                 </a:solidFill>
@@ -7389,7 +7319,7 @@
             <a:lstStyle/>
             <a:p>
               <a:pPr algn="ctr"/>
-              <a:endParaRPr lang="en-SG"/>
+              <a:endParaRPr lang="en-SG" dirty="0"/>
             </a:p>
           </p:txBody>
         </p:sp>
@@ -7438,7 +7368,7 @@
             <a:lstStyle/>
             <a:p>
               <a:pPr algn="ctr"/>
-              <a:endParaRPr lang="en-SG" sz="1400">
+              <a:endParaRPr lang="en-SG" sz="1400" dirty="0">
                 <a:solidFill>
                   <a:schemeClr val="dk1"/>
                 </a:solidFill>
@@ -7641,7 +7571,7 @@
           <a:p>
             <a:pPr algn="ctr"/>
             <a:r>
-              <a:rPr lang="en-US" sz="1050" b="1" dirty="0" err="1">
+              <a:rPr lang="en-US" sz="1050" b="1" dirty="0">
                 <a:solidFill>
                   <a:schemeClr val="accent3">
                     <a:lumMod val="75000"/>
@@ -7701,7 +7631,7 @@
           <a:p>
             <a:pPr algn="ctr"/>
             <a:r>
-              <a:rPr lang="en-US" sz="1050" b="1" dirty="0" err="1">
+              <a:rPr lang="en-US" sz="1050" b="1" dirty="0">
                 <a:solidFill>
                   <a:schemeClr val="accent3">
                     <a:lumMod val="75000"/>
@@ -7764,7 +7694,7 @@
           <a:p>
             <a:pPr algn="ctr"/>
             <a:r>
-              <a:rPr lang="en-US" sz="1050" dirty="0" err="1" smtClean="0">
+              <a:rPr lang="en-US" sz="1050" dirty="0" smtClean="0">
                 <a:solidFill>
                   <a:schemeClr val="bg1"/>
                 </a:solidFill>
@@ -7862,7 +7792,7 @@
           <a:lstStyle/>
           <a:p>
             <a:pPr algn="ctr"/>
-            <a:endParaRPr lang="en-SG" sz="1050" b="1">
+            <a:endParaRPr lang="en-SG" sz="1050" b="1" dirty="0">
               <a:solidFill>
                 <a:srgbClr val="92D050"/>
               </a:solidFill>
@@ -8014,7 +7944,7 @@
           <a:p>
             <a:pPr algn="ctr"/>
             <a:r>
-              <a:rPr lang="en-US" sz="1050" b="1" dirty="0" err="1">
+              <a:rPr lang="en-US" sz="1050" b="1" dirty="0">
                 <a:solidFill>
                   <a:schemeClr val="accent3">
                     <a:lumMod val="75000"/>
@@ -8074,7 +8004,7 @@
           <a:p>
             <a:pPr algn="ctr"/>
             <a:r>
-              <a:rPr lang="en-US" sz="1050" b="1" dirty="0" err="1">
+              <a:rPr lang="en-US" sz="1050" b="1" dirty="0">
                 <a:solidFill>
                   <a:schemeClr val="accent3">
                     <a:lumMod val="75000"/>
@@ -8134,14 +8064,74 @@
           <a:p>
             <a:pPr algn="ctr"/>
             <a:r>
-              <a:rPr lang="en-US" sz="1050" b="1" dirty="0" err="1">
+              <a:rPr lang="en-US" sz="1000" b="1" dirty="0" smtClean="0">
                 <a:solidFill>
                   <a:schemeClr val="accent3">
                     <a:lumMod val="75000"/>
                   </a:schemeClr>
                 </a:solidFill>
               </a:rPr>
-              <a:t>PersonListPanel</a:t>
+              <a:t>ActivityListPanel</a:t>
+            </a:r>
+            <a:endParaRPr lang="en-SG" sz="1000" b="1" dirty="0">
+              <a:solidFill>
+                <a:schemeClr val="accent3">
+                  <a:lumMod val="75000"/>
+                </a:schemeClr>
+              </a:solidFill>
+            </a:endParaRPr>
+          </a:p>
+        </p:txBody>
+      </p:sp>
+      <p:sp>
+        <p:nvSpPr>
+          <p:cNvPr id="37" name="Rectangle 11"/>
+          <p:cNvSpPr/>
+          <p:nvPr/>
+        </p:nvSpPr>
+        <p:spPr>
+          <a:xfrm>
+            <a:off x="3839323" y="4228801"/>
+            <a:ext cx="1040906" cy="236841"/>
+          </a:xfrm>
+          <a:prstGeom prst="rect">
+            <a:avLst/>
+          </a:prstGeom>
+          <a:ln w="19050">
+            <a:solidFill>
+              <a:schemeClr val="accent3"/>
+            </a:solidFill>
+          </a:ln>
+          <a:effectLst/>
+        </p:spPr>
+        <p:style>
+          <a:lnRef idx="1">
+            <a:schemeClr val="accent3"/>
+          </a:lnRef>
+          <a:fillRef idx="2">
+            <a:schemeClr val="accent3"/>
+          </a:fillRef>
+          <a:effectRef idx="1">
+            <a:schemeClr val="accent3"/>
+          </a:effectRef>
+          <a:fontRef idx="minor">
+            <a:schemeClr val="dk1"/>
+          </a:fontRef>
+        </p:style>
+        <p:txBody>
+          <a:bodyPr rtlCol="0" anchor="ctr"/>
+          <a:lstStyle/>
+          <a:p>
+            <a:pPr algn="ctr"/>
+            <a:r>
+              <a:rPr lang="en-US" sz="1050" b="1" dirty="0" smtClean="0">
+                <a:solidFill>
+                  <a:schemeClr val="accent3">
+                    <a:lumMod val="75000"/>
+                  </a:schemeClr>
+                </a:solidFill>
+              </a:rPr>
+              <a:t>ActivityCard</a:t>
             </a:r>
             <a:endParaRPr lang="en-SG" sz="1050" b="1" dirty="0">
               <a:solidFill>
@@ -8155,14 +8145,14 @@
       </p:sp>
       <p:sp>
         <p:nvSpPr>
-          <p:cNvPr id="37" name="Rectangle 11"/>
+          <p:cNvPr id="38" name="Rectangle 11"/>
           <p:cNvSpPr/>
           <p:nvPr/>
         </p:nvSpPr>
         <p:spPr>
           <a:xfrm>
-            <a:off x="3839323" y="4228801"/>
-            <a:ext cx="1040906" cy="236841"/>
+            <a:off x="2592528" y="4966000"/>
+            <a:ext cx="1093635" cy="236841"/>
           </a:xfrm>
           <a:prstGeom prst="rect">
             <a:avLst/>
@@ -8194,14 +8184,14 @@
           <a:p>
             <a:pPr algn="ctr"/>
             <a:r>
-              <a:rPr lang="en-US" sz="1050" b="1" dirty="0" err="1">
+              <a:rPr lang="en-US" sz="1050" b="1" dirty="0">
                 <a:solidFill>
                   <a:schemeClr val="accent3">
                     <a:lumMod val="75000"/>
                   </a:schemeClr>
                 </a:solidFill>
               </a:rPr>
-              <a:t>PersonCard</a:t>
+              <a:t>HelpWindow</a:t>
             </a:r>
             <a:endParaRPr lang="en-SG" sz="1050" b="1" dirty="0">
               <a:solidFill>
@@ -8215,66 +8205,6 @@
       </p:sp>
       <p:sp>
         <p:nvSpPr>
-          <p:cNvPr id="38" name="Rectangle 11"/>
-          <p:cNvSpPr/>
-          <p:nvPr/>
-        </p:nvSpPr>
-        <p:spPr>
-          <a:xfrm>
-            <a:off x="2592528" y="4966000"/>
-            <a:ext cx="1093635" cy="236841"/>
-          </a:xfrm>
-          <a:prstGeom prst="rect">
-            <a:avLst/>
-          </a:prstGeom>
-          <a:ln w="19050">
-            <a:solidFill>
-              <a:schemeClr val="accent3"/>
-            </a:solidFill>
-          </a:ln>
-          <a:effectLst/>
-        </p:spPr>
-        <p:style>
-          <a:lnRef idx="1">
-            <a:schemeClr val="accent3"/>
-          </a:lnRef>
-          <a:fillRef idx="2">
-            <a:schemeClr val="accent3"/>
-          </a:fillRef>
-          <a:effectRef idx="1">
-            <a:schemeClr val="accent3"/>
-          </a:effectRef>
-          <a:fontRef idx="minor">
-            <a:schemeClr val="dk1"/>
-          </a:fontRef>
-        </p:style>
-        <p:txBody>
-          <a:bodyPr rtlCol="0" anchor="ctr"/>
-          <a:lstStyle/>
-          <a:p>
-            <a:pPr algn="ctr"/>
-            <a:r>
-              <a:rPr lang="en-US" sz="1050" b="1" dirty="0" err="1">
-                <a:solidFill>
-                  <a:schemeClr val="accent3">
-                    <a:lumMod val="75000"/>
-                  </a:schemeClr>
-                </a:solidFill>
-              </a:rPr>
-              <a:t>HelpWindow</a:t>
-            </a:r>
-            <a:endParaRPr lang="en-SG" sz="1050" b="1" dirty="0">
-              <a:solidFill>
-                <a:schemeClr val="accent3">
-                  <a:lumMod val="75000"/>
-                </a:schemeClr>
-              </a:solidFill>
-            </a:endParaRPr>
-          </a:p>
-        </p:txBody>
-      </p:sp>
-      <p:sp>
-        <p:nvSpPr>
           <p:cNvPr id="39" name="Flowchart: Decision 38"/>
           <p:cNvSpPr/>
           <p:nvPr/>
@@ -8317,7 +8247,7 @@
           <a:lstStyle/>
           <a:p>
             <a:pPr algn="ctr"/>
-            <a:endParaRPr lang="en-SG"/>
+            <a:endParaRPr lang="en-SG" dirty="0"/>
           </a:p>
         </p:txBody>
       </p:sp>
@@ -8403,7 +8333,7 @@
           <a:p>
             <a:pPr algn="ctr"/>
             <a:r>
-              <a:rPr lang="en-US" sz="1050" b="1" dirty="0" err="1">
+              <a:rPr lang="en-US" sz="1050" b="1" dirty="0">
                 <a:solidFill>
                   <a:schemeClr val="accent3">
                     <a:lumMod val="75000"/>
@@ -8645,7 +8575,7 @@
               </a:rPr>
             </a:br>
             <a:r>
-              <a:rPr lang="en-US" sz="1050" b="1" dirty="0" err="1" smtClean="0">
+              <a:rPr lang="en-US" sz="1050" b="1" dirty="0" smtClean="0">
                 <a:solidFill>
                   <a:schemeClr val="accent3">
                     <a:lumMod val="75000"/>
@@ -8954,7 +8884,7 @@
           <a:p>
             <a:pPr algn="ctr"/>
             <a:r>
-              <a:rPr lang="en-US" sz="1050" dirty="0" err="1">
+              <a:rPr lang="en-US" sz="1050" dirty="0">
                 <a:solidFill>
                   <a:schemeClr val="bg1"/>
                 </a:solidFill>
@@ -9204,7 +9134,7 @@
           <a:p>
             <a:pPr algn="ctr"/>
             <a:r>
-              <a:rPr lang="en-US" sz="1050" dirty="0" err="1" smtClean="0">
+              <a:rPr lang="en-US" sz="1050" dirty="0" smtClean="0">
                 <a:solidFill>
                   <a:schemeClr val="bg1"/>
                 </a:solidFill>
@@ -9259,7 +9189,7 @@
           <a:lstStyle/>
           <a:p>
             <a:pPr algn="ctr"/>
-            <a:endParaRPr lang="en-SG" sz="1050" b="1">
+            <a:endParaRPr lang="en-SG" sz="1050" b="1" dirty="0">
               <a:solidFill>
                 <a:srgbClr val="92D050"/>
               </a:solidFill>
@@ -9522,7 +9452,7 @@
           <a:lstStyle/>
           <a:p>
             <a:pPr algn="ctr"/>
-            <a:endParaRPr lang="en-SG"/>
+            <a:endParaRPr lang="en-SG" dirty="0"/>
           </a:p>
         </p:txBody>
       </p:sp>
@@ -9604,7 +9534,7 @@
           <a:lstStyle/>
           <a:p>
             <a:pPr algn="ctr"/>
-            <a:endParaRPr lang="en-SG"/>
+            <a:endParaRPr lang="en-SG" dirty="0"/>
           </a:p>
         </p:txBody>
       </p:sp>
@@ -9657,7 +9587,7 @@
           <a:lstStyle/>
           <a:p>
             <a:pPr algn="ctr"/>
-            <a:endParaRPr lang="en-SG"/>
+            <a:endParaRPr lang="en-SG" dirty="0"/>
           </a:p>
         </p:txBody>
       </p:sp>
@@ -9739,7 +9669,7 @@
           <a:lstStyle/>
           <a:p>
             <a:pPr algn="ctr"/>
-            <a:endParaRPr lang="en-SG"/>
+            <a:endParaRPr lang="en-SG" dirty="0"/>
           </a:p>
         </p:txBody>
       </p:sp>
@@ -9885,7 +9815,7 @@
           <a:p>
             <a:pPr algn="ctr"/>
             <a:r>
-              <a:rPr lang="en-US" sz="1050" dirty="0" err="1">
+              <a:rPr lang="en-US" sz="1050" dirty="0">
                 <a:solidFill>
                   <a:schemeClr val="bg1"/>
                 </a:solidFill>
@@ -9941,7 +9871,7 @@
           <a:p>
             <a:pPr algn="ctr"/>
             <a:r>
-              <a:rPr lang="en-US" sz="1050" b="1" dirty="0" err="1">
+              <a:rPr lang="en-US" sz="1050" b="1" dirty="0">
                 <a:solidFill>
                   <a:srgbClr val="0070C0"/>
                 </a:solidFill>
@@ -10000,7 +9930,7 @@
           <a:p>
             <a:pPr algn="ctr"/>
             <a:r>
-              <a:rPr lang="en-US" sz="1050" dirty="0" err="1" smtClean="0">
+              <a:rPr lang="en-US" sz="1050" dirty="0" smtClean="0">
                 <a:solidFill>
                   <a:schemeClr val="bg1"/>
                 </a:solidFill>
@@ -10098,7 +10028,7 @@
           <a:lstStyle/>
           <a:p>
             <a:pPr algn="ctr"/>
-            <a:endParaRPr lang="en-SG" sz="1050" b="1">
+            <a:endParaRPr lang="en-SG" sz="1050" b="1" dirty="0">
               <a:solidFill>
                 <a:srgbClr val="92D050"/>
               </a:solidFill>
@@ -10250,7 +10180,7 @@
           <a:p>
             <a:pPr algn="ctr"/>
             <a:r>
-              <a:rPr lang="en-US" sz="1050" b="1" dirty="0" err="1">
+              <a:rPr lang="en-US" sz="1050" b="1" dirty="0">
                 <a:solidFill>
                   <a:srgbClr val="0070C0"/>
                 </a:solidFill>
@@ -10781,7 +10711,7 @@
           <a:lstStyle/>
           <a:p>
             <a:pPr algn="ctr"/>
-            <a:endParaRPr lang="en-SG" sz="1050" b="1">
+            <a:endParaRPr lang="en-SG" sz="1050" b="1" dirty="0">
               <a:solidFill>
                 <a:srgbClr val="92D050"/>
               </a:solidFill>
@@ -11095,7 +11025,7 @@
             <a:lstStyle/>
             <a:p>
               <a:pPr algn="ctr"/>
-              <a:endParaRPr lang="en-SG"/>
+              <a:endParaRPr lang="en-SG" dirty="0"/>
             </a:p>
           </p:txBody>
         </p:sp>
@@ -11194,7 +11124,7 @@
             <a:lstStyle/>
             <a:p>
               <a:pPr algn="ctr"/>
-              <a:endParaRPr lang="en-SG"/>
+              <a:endParaRPr lang="en-SG" dirty="0"/>
             </a:p>
           </p:txBody>
         </p:sp>
@@ -11372,7 +11302,7 @@
             <a:lstStyle/>
             <a:p>
               <a:pPr algn="ctr"/>
-              <a:endParaRPr lang="en-SG"/>
+              <a:endParaRPr lang="en-SG" dirty="0"/>
             </a:p>
           </p:txBody>
         </p:sp>
@@ -11679,15 +11609,7 @@
                   <a:schemeClr val="bg1"/>
                 </a:solidFill>
               </a:rPr>
-              <a:t>:</a:t>
-            </a:r>
-            <a:r>
-              <a:rPr lang="en-US" sz="1600" dirty="0" err="1">
-                <a:solidFill>
-                  <a:schemeClr val="bg1"/>
-                </a:solidFill>
-              </a:rPr>
-              <a:t>LogicManager</a:t>
+              <a:t>:LogicManager</a:t>
             </a:r>
             <a:endParaRPr lang="en-SG" sz="1600" dirty="0">
               <a:solidFill>
@@ -11777,7 +11699,7 @@
           <a:lstStyle/>
           <a:p>
             <a:pPr algn="ctr"/>
-            <a:endParaRPr lang="en-SG" sz="1400"/>
+            <a:endParaRPr lang="en-SG" sz="1400" dirty="0"/>
           </a:p>
         </p:txBody>
       </p:sp>
@@ -11920,7 +11842,7 @@
           <a:lstStyle/>
           <a:p>
             <a:pPr algn="ctr"/>
-            <a:endParaRPr lang="en-SG" sz="1400">
+            <a:endParaRPr lang="en-SG" sz="1400" dirty="0">
               <a:solidFill>
                 <a:schemeClr val="dk1"/>
               </a:solidFill>
@@ -12090,7 +12012,7 @@
           <a:lstStyle/>
           <a:p>
             <a:pPr algn="ctr"/>
-            <a:endParaRPr lang="en-SG" sz="1400"/>
+            <a:endParaRPr lang="en-SG" sz="1400" dirty="0"/>
           </a:p>
         </p:txBody>
       </p:sp>
@@ -12280,7 +12202,6 @@
               <a:rPr lang="en-US" dirty="0"/>
               <a:t>execute()</a:t>
             </a:r>
-            <a:endParaRPr lang="en-US" dirty="0"/>
           </a:p>
         </p:txBody>
       </p:sp>
@@ -12542,7 +12463,7 @@
           <a:lstStyle/>
           <a:p>
             <a:pPr algn="ctr"/>
-            <a:endParaRPr lang="en-SG" sz="1400"/>
+            <a:endParaRPr lang="en-SG" sz="1400" dirty="0"/>
           </a:p>
         </p:txBody>
       </p:sp>
@@ -12635,7 +12556,7 @@
           <a:lstStyle/>
           <a:p>
             <a:pPr algn="ctr"/>
-            <a:endParaRPr lang="en-SG" sz="1400">
+            <a:endParaRPr lang="en-SG" sz="1400" dirty="0">
               <a:solidFill>
                 <a:schemeClr val="dk1"/>
               </a:solidFill>
@@ -12792,20 +12713,12 @@
           </a:lstStyle>
           <a:p>
             <a:r>
-              <a:rPr lang="en-US" dirty="0" err="1" smtClean="0">
-                <a:solidFill>
-                  <a:srgbClr val="7030A0"/>
-                </a:solidFill>
-              </a:rPr>
-              <a:t>deletePerson</a:t>
-            </a:r>
-            <a:r>
               <a:rPr lang="en-US" dirty="0" smtClean="0">
                 <a:solidFill>
                   <a:srgbClr val="7030A0"/>
                 </a:solidFill>
               </a:rPr>
-              <a:t>(p)</a:t>
+              <a:t>deleteActivity(p)</a:t>
             </a:r>
             <a:endParaRPr lang="en-US" dirty="0">
               <a:solidFill>
@@ -13038,7 +12951,7 @@
               </a:rPr>
             </a:br>
             <a:r>
-              <a:rPr lang="en-US" sz="1600" dirty="0" err="1" smtClean="0">
+              <a:rPr lang="en-US" sz="1600" dirty="0" smtClean="0">
                 <a:solidFill>
                   <a:schemeClr val="bg1"/>
                 </a:solidFill>
@@ -13096,7 +13009,7 @@
           <a:lstStyle/>
           <a:p>
             <a:pPr algn="ctr"/>
-            <a:endParaRPr lang="en-SG" sz="1400"/>
+            <a:endParaRPr lang="en-SG" sz="1400" dirty="0"/>
           </a:p>
         </p:txBody>
       </p:sp>
@@ -13350,7 +13263,7 @@
           <a:p>
             <a:pPr algn="ctr"/>
             <a:r>
-              <a:rPr lang="en-US" sz="1050" dirty="0" err="1" smtClean="0">
+              <a:rPr lang="en-US" sz="1050" dirty="0" smtClean="0">
                 <a:solidFill>
                   <a:schemeClr val="bg1"/>
                 </a:solidFill>
@@ -13409,7 +13322,7 @@
           <a:p>
             <a:pPr algn="ctr"/>
             <a:r>
-              <a:rPr lang="en-US" sz="1050" dirty="0" err="1" smtClean="0">
+              <a:rPr lang="en-US" sz="1050" dirty="0" smtClean="0">
                 <a:solidFill>
                   <a:schemeClr val="bg1"/>
                 </a:solidFill>
@@ -13623,7 +13536,7 @@
           <a:lstStyle/>
           <a:p>
             <a:pPr algn="ctr"/>
-            <a:endParaRPr lang="en-SG" sz="1050"/>
+            <a:endParaRPr lang="en-SG" sz="1050" dirty="0"/>
           </a:p>
         </p:txBody>
       </p:sp>
@@ -13753,7 +13666,7 @@
           <a:lstStyle/>
           <a:p>
             <a:pPr algn="ctr"/>
-            <a:endParaRPr lang="en-SG" sz="1050" b="1">
+            <a:endParaRPr lang="en-SG" sz="1050" b="1" dirty="0">
               <a:solidFill>
                 <a:srgbClr val="92D050"/>
               </a:solidFill>
@@ -13886,7 +13799,7 @@
           <a:lstStyle/>
           <a:p>
             <a:pPr algn="ctr"/>
-            <a:endParaRPr lang="en-US" sz="1050"/>
+            <a:endParaRPr lang="en-US" sz="1050" dirty="0"/>
           </a:p>
         </p:txBody>
       </p:sp>
@@ -13931,12 +13844,12 @@
           <a:p>
             <a:pPr algn="ctr"/>
             <a:r>
-              <a:rPr lang="en-US" sz="1050" dirty="0" err="1" smtClean="0">
+              <a:rPr lang="en-US" sz="1050" dirty="0" smtClean="0">
                 <a:solidFill>
                   <a:srgbClr val="7030A0"/>
                 </a:solidFill>
               </a:rPr>
-              <a:t>AddressBook</a:t>
+              <a:t>ActivityManager</a:t>
             </a:r>
             <a:endParaRPr lang="en-SG" sz="1050" dirty="0">
               <a:solidFill>
@@ -14028,7 +13941,7 @@
           <a:lstStyle/>
           <a:p>
             <a:pPr algn="ctr"/>
-            <a:endParaRPr lang="en-US" sz="1050"/>
+            <a:endParaRPr lang="en-US" sz="1050" dirty="0"/>
           </a:p>
         </p:txBody>
       </p:sp>
@@ -14073,14 +13986,14 @@
           <a:p>
             <a:pPr algn="ctr"/>
             <a:r>
-              <a:rPr lang="en-US" sz="1050" dirty="0" err="1" smtClean="0">
+              <a:rPr lang="en-US" sz="1000" dirty="0" smtClean="0">
                 <a:solidFill>
                   <a:srgbClr val="7030A0"/>
                 </a:solidFill>
               </a:rPr>
-              <a:t>UniquePersonList</a:t>
-            </a:r>
-            <a:endParaRPr lang="en-SG" sz="1050" dirty="0">
+              <a:t>UniqueActivityList</a:t>
+            </a:r>
+            <a:endParaRPr lang="en-SG" sz="1000" dirty="0">
               <a:solidFill>
                 <a:srgbClr val="7030A0"/>
               </a:solidFill>
@@ -14131,7 +14044,7 @@
           <a:lstStyle/>
           <a:p>
             <a:pPr algn="ctr"/>
-            <a:endParaRPr lang="en-US" sz="1050"/>
+            <a:endParaRPr lang="en-US" sz="1050" dirty="0"/>
           </a:p>
         </p:txBody>
       </p:sp>
@@ -14217,7 +14130,7 @@
           <a:p>
             <a:pPr algn="ctr"/>
             <a:r>
-              <a:rPr lang="en-US" sz="1050" dirty="0" err="1" smtClean="0">
+              <a:rPr lang="en-US" sz="1050" dirty="0" smtClean="0">
                 <a:solidFill>
                   <a:srgbClr val="7030A0"/>
                 </a:solidFill>
@@ -14321,7 +14234,7 @@
                   <a:srgbClr val="7030A0"/>
                 </a:solidFill>
               </a:rPr>
-              <a:t>Person</a:t>
+              <a:t>Activity</a:t>
             </a:r>
             <a:endParaRPr lang="en-SG" sz="1050" dirty="0">
               <a:solidFill>
@@ -14372,7 +14285,7 @@
           <a:lstStyle/>
           <a:p>
             <a:pPr algn="ctr"/>
-            <a:endParaRPr lang="en-US" sz="1050"/>
+            <a:endParaRPr lang="en-US" sz="1050" dirty="0"/>
           </a:p>
         </p:txBody>
       </p:sp>
@@ -14514,7 +14427,7 @@
           <a:lstStyle/>
           <a:p>
             <a:pPr algn="ctr"/>
-            <a:endParaRPr lang="en-US" sz="1050"/>
+            <a:endParaRPr lang="en-US" sz="1050" dirty="0"/>
           </a:p>
         </p:txBody>
       </p:sp>
@@ -14615,12 +14528,74 @@
               </a:rPr>
             </a:br>
             <a:r>
-              <a:rPr lang="en-US" sz="1050" dirty="0" err="1" smtClean="0">
+              <a:rPr lang="en-US" sz="1050" dirty="0" smtClean="0">
                 <a:solidFill>
                   <a:srgbClr val="7030A0"/>
                 </a:solidFill>
               </a:rPr>
-              <a:t>ReadOnlyPerson</a:t>
+              <a:t>ReadOnlyActivity</a:t>
+            </a:r>
+          </a:p>
+        </p:txBody>
+      </p:sp>
+      <p:sp>
+        <p:nvSpPr>
+          <p:cNvPr id="76" name="Rectangle 8"/>
+          <p:cNvSpPr/>
+          <p:nvPr/>
+        </p:nvSpPr>
+        <p:spPr>
+          <a:xfrm>
+            <a:off x="7644166" y="2452661"/>
+            <a:ext cx="914400" cy="335421"/>
+          </a:xfrm>
+          <a:prstGeom prst="rect">
+            <a:avLst/>
+          </a:prstGeom>
+          <a:ln w="19050">
+            <a:solidFill>
+              <a:srgbClr val="7030A0"/>
+            </a:solidFill>
+          </a:ln>
+          <a:effectLst/>
+        </p:spPr>
+        <p:style>
+          <a:lnRef idx="1">
+            <a:schemeClr val="accent4"/>
+          </a:lnRef>
+          <a:fillRef idx="2">
+            <a:schemeClr val="accent4"/>
+          </a:fillRef>
+          <a:effectRef idx="1">
+            <a:schemeClr val="accent4"/>
+          </a:effectRef>
+          <a:fontRef idx="minor">
+            <a:schemeClr val="dk1"/>
+          </a:fontRef>
+        </p:style>
+        <p:txBody>
+          <a:bodyPr rtlCol="0" anchor="ctr"/>
+          <a:lstStyle/>
+          <a:p>
+            <a:pPr algn="ctr"/>
+            <a:r>
+              <a:rPr lang="en-US" sz="1050" dirty="0" smtClean="0">
+                <a:solidFill>
+                  <a:srgbClr val="7030A0"/>
+                </a:solidFill>
+              </a:rPr>
+              <a:t>Floating</a:t>
+            </a:r>
+          </a:p>
+          <a:p>
+            <a:pPr algn="ctr"/>
+            <a:r>
+              <a:rPr lang="en-US" sz="1050" dirty="0" smtClean="0">
+                <a:solidFill>
+                  <a:srgbClr val="7030A0"/>
+                </a:solidFill>
+              </a:rPr>
+              <a:t>Activity</a:t>
             </a:r>
             <a:endParaRPr lang="en-SG" sz="1050" dirty="0">
               <a:solidFill>
@@ -14630,16 +14605,54 @@
           </a:p>
         </p:txBody>
       </p:sp>
-      <p:sp>
-        <p:nvSpPr>
-          <p:cNvPr id="76" name="Rectangle 8"/>
+      <p:cxnSp>
+        <p:nvCxnSpPr>
+          <p:cNvPr id="79" name="Elbow Connector 78"/>
+          <p:cNvCxnSpPr/>
+          <p:nvPr/>
+        </p:nvCxnSpPr>
+        <p:spPr>
+          <a:xfrm flipV="1">
+            <a:off x="7209764" y="2721391"/>
+            <a:ext cx="434402" cy="327761"/>
+          </a:xfrm>
+          <a:prstGeom prst="bentConnector3">
+            <a:avLst/>
+          </a:prstGeom>
+          <a:ln w="19050">
+            <a:solidFill>
+              <a:srgbClr val="7030A0"/>
+            </a:solidFill>
+            <a:headEnd type="none" w="med" len="med"/>
+            <a:tailEnd type="none" w="med" len="med"/>
+          </a:ln>
+          <a:effectLst/>
+        </p:spPr>
+        <p:style>
+          <a:lnRef idx="1">
+            <a:schemeClr val="accent2"/>
+          </a:lnRef>
+          <a:fillRef idx="2">
+            <a:schemeClr val="accent2"/>
+          </a:fillRef>
+          <a:effectRef idx="1">
+            <a:schemeClr val="accent2"/>
+          </a:effectRef>
+          <a:fontRef idx="minor">
+            <a:schemeClr val="dk1"/>
+          </a:fontRef>
+        </p:style>
+      </p:cxnSp>
+      <p:sp>
+        <p:nvSpPr>
+          <p:cNvPr id="80" name="Rectangle 8"/>
           <p:cNvSpPr/>
           <p:nvPr/>
         </p:nvSpPr>
         <p:spPr>
           <a:xfrm>
-            <a:off x="7712397" y="2564238"/>
-            <a:ext cx="708186" cy="285783"/>
+            <a:off x="7644166" y="2870415"/>
+            <a:ext cx="914400" cy="344246"/>
           </a:xfrm>
           <a:prstGeom prst="rect">
             <a:avLst/>
@@ -14676,7 +14689,18 @@
                   <a:srgbClr val="7030A0"/>
                 </a:solidFill>
               </a:rPr>
-              <a:t>Name</a:t>
+              <a:t>Deadline</a:t>
+            </a:r>
+          </a:p>
+          <a:p>
+            <a:pPr algn="ctr"/>
+            <a:r>
+              <a:rPr lang="en-US" sz="1050" dirty="0" smtClean="0">
+                <a:solidFill>
+                  <a:srgbClr val="7030A0"/>
+                </a:solidFill>
+              </a:rPr>
+              <a:t>Activity</a:t>
             </a:r>
             <a:endParaRPr lang="en-SG" sz="1050" dirty="0">
               <a:solidFill>
@@ -14686,66 +14710,16 @@
           </a:p>
         </p:txBody>
       </p:sp>
-      <p:sp>
-        <p:nvSpPr>
-          <p:cNvPr id="78" name="Flowchart: Decision 96"/>
-          <p:cNvSpPr/>
-          <p:nvPr/>
-        </p:nvSpPr>
-        <p:spPr>
-          <a:xfrm>
-            <a:off x="7041947" y="2948201"/>
-            <a:ext cx="236048" cy="173380"/>
-          </a:xfrm>
-          <a:prstGeom prst="flowChartDecision">
-            <a:avLst/>
-          </a:prstGeom>
-          <a:solidFill>
-            <a:srgbClr val="7030A0"/>
-          </a:solidFill>
-          <a:ln w="19050">
-            <a:solidFill>
-              <a:srgbClr val="7030A0"/>
-            </a:solidFill>
-          </a:ln>
-          <a:effectLst/>
-        </p:spPr>
-        <p:style>
-          <a:lnRef idx="1">
-            <a:schemeClr val="accent6"/>
-          </a:lnRef>
-          <a:fillRef idx="2">
-            <a:schemeClr val="accent6"/>
-          </a:fillRef>
-          <a:effectRef idx="1">
-            <a:schemeClr val="accent6"/>
-          </a:effectRef>
-          <a:fontRef idx="minor">
-            <a:schemeClr val="dk1"/>
-          </a:fontRef>
-        </p:style>
-        <p:txBody>
-          <a:bodyPr rtlCol="0" anchor="ctr"/>
-          <a:lstStyle/>
-          <a:p>
-            <a:pPr algn="ctr"/>
-            <a:endParaRPr lang="en-US" sz="1050"/>
-          </a:p>
-        </p:txBody>
-      </p:sp>
       <p:cxnSp>
         <p:nvCxnSpPr>
-          <p:cNvPr id="79" name="Elbow Connector 78"/>
-          <p:cNvCxnSpPr>
-            <a:stCxn id="78" idx="3"/>
-            <a:endCxn id="76" idx="1"/>
-          </p:cNvCxnSpPr>
+          <p:cNvPr id="81" name="Elbow Connector 80"/>
+          <p:cNvCxnSpPr/>
           <p:nvPr/>
         </p:nvCxnSpPr>
         <p:spPr>
           <a:xfrm flipV="1">
-            <a:off x="7277995" y="2707130"/>
-            <a:ext cx="434402" cy="327761"/>
+            <a:off x="7209764" y="3044369"/>
+            <a:ext cx="434402" cy="4783"/>
           </a:xfrm>
           <a:prstGeom prst="bentConnector3">
             <a:avLst/>
@@ -14755,7 +14729,7 @@
               <a:srgbClr val="7030A0"/>
             </a:solidFill>
             <a:headEnd type="none" w="med" len="med"/>
-            <a:tailEnd type="arrow" w="med" len="med"/>
+            <a:tailEnd type="none" w="med" len="med"/>
           </a:ln>
           <a:effectLst/>
         </p:spPr>
@@ -14776,14 +14750,14 @@
       </p:cxnSp>
       <p:sp>
         <p:nvSpPr>
-          <p:cNvPr id="80" name="Rectangle 8"/>
+          <p:cNvPr id="83" name="Rectangle 8"/>
           <p:cNvSpPr/>
           <p:nvPr/>
         </p:nvSpPr>
         <p:spPr>
           <a:xfrm>
-            <a:off x="7712397" y="2887216"/>
-            <a:ext cx="708186" cy="285783"/>
+            <a:off x="7644166" y="3300084"/>
+            <a:ext cx="914400" cy="295577"/>
           </a:xfrm>
           <a:prstGeom prst="rect">
             <a:avLst/>
@@ -14820,7 +14794,7 @@
                   <a:srgbClr val="7030A0"/>
                 </a:solidFill>
               </a:rPr>
-              <a:t>Phone</a:t>
+              <a:t>EventActivity</a:t>
             </a:r>
             <a:endParaRPr lang="en-SG" sz="1050" dirty="0">
               <a:solidFill>
@@ -14832,17 +14806,14 @@
       </p:sp>
       <p:cxnSp>
         <p:nvCxnSpPr>
-          <p:cNvPr id="81" name="Elbow Connector 80"/>
-          <p:cNvCxnSpPr>
-            <a:stCxn id="78" idx="3"/>
-            <a:endCxn id="80" idx="1"/>
-          </p:cNvCxnSpPr>
+          <p:cNvPr id="84" name="Elbow Connector 83"/>
+          <p:cNvCxnSpPr/>
           <p:nvPr/>
         </p:nvCxnSpPr>
         <p:spPr>
-          <a:xfrm flipV="1">
-            <a:off x="7277995" y="3030108"/>
-            <a:ext cx="434402" cy="4783"/>
+          <a:xfrm>
+            <a:off x="7209764" y="3049152"/>
+            <a:ext cx="434402" cy="318195"/>
           </a:xfrm>
           <a:prstGeom prst="bentConnector3">
             <a:avLst/>
@@ -14852,201 +14823,7 @@
               <a:srgbClr val="7030A0"/>
             </a:solidFill>
             <a:headEnd type="none" w="med" len="med"/>
-            <a:tailEnd type="arrow" w="med" len="med"/>
-          </a:ln>
-          <a:effectLst/>
-        </p:spPr>
-        <p:style>
-          <a:lnRef idx="1">
-            <a:schemeClr val="accent2"/>
-          </a:lnRef>
-          <a:fillRef idx="2">
-            <a:schemeClr val="accent2"/>
-          </a:fillRef>
-          <a:effectRef idx="1">
-            <a:schemeClr val="accent2"/>
-          </a:effectRef>
-          <a:fontRef idx="minor">
-            <a:schemeClr val="dk1"/>
-          </a:fontRef>
-        </p:style>
-      </p:cxnSp>
-      <p:sp>
-        <p:nvSpPr>
-          <p:cNvPr id="83" name="Rectangle 8"/>
-          <p:cNvSpPr/>
-          <p:nvPr/>
-        </p:nvSpPr>
-        <p:spPr>
-          <a:xfrm>
-            <a:off x="7712397" y="3210194"/>
-            <a:ext cx="708186" cy="285783"/>
-          </a:xfrm>
-          <a:prstGeom prst="rect">
-            <a:avLst/>
-          </a:prstGeom>
-          <a:ln w="19050">
-            <a:solidFill>
-              <a:srgbClr val="7030A0"/>
-            </a:solidFill>
-          </a:ln>
-          <a:effectLst/>
-        </p:spPr>
-        <p:style>
-          <a:lnRef idx="1">
-            <a:schemeClr val="accent4"/>
-          </a:lnRef>
-          <a:fillRef idx="2">
-            <a:schemeClr val="accent4"/>
-          </a:fillRef>
-          <a:effectRef idx="1">
-            <a:schemeClr val="accent4"/>
-          </a:effectRef>
-          <a:fontRef idx="minor">
-            <a:schemeClr val="dk1"/>
-          </a:fontRef>
-        </p:style>
-        <p:txBody>
-          <a:bodyPr rtlCol="0" anchor="ctr"/>
-          <a:lstStyle/>
-          <a:p>
-            <a:pPr algn="ctr"/>
-            <a:r>
-              <a:rPr lang="en-US" sz="1050" dirty="0" smtClean="0">
-                <a:solidFill>
-                  <a:srgbClr val="7030A0"/>
-                </a:solidFill>
-              </a:rPr>
-              <a:t>Email</a:t>
-            </a:r>
-            <a:endParaRPr lang="en-SG" sz="1050" dirty="0">
-              <a:solidFill>
-                <a:srgbClr val="7030A0"/>
-              </a:solidFill>
-            </a:endParaRPr>
-          </a:p>
-        </p:txBody>
-      </p:sp>
-      <p:cxnSp>
-        <p:nvCxnSpPr>
-          <p:cNvPr id="84" name="Elbow Connector 83"/>
-          <p:cNvCxnSpPr>
-            <a:stCxn id="78" idx="3"/>
-            <a:endCxn id="83" idx="1"/>
-          </p:cNvCxnSpPr>
-          <p:nvPr/>
-        </p:nvCxnSpPr>
-        <p:spPr>
-          <a:xfrm>
-            <a:off x="7277995" y="3034891"/>
-            <a:ext cx="434402" cy="318195"/>
-          </a:xfrm>
-          <a:prstGeom prst="bentConnector3">
-            <a:avLst/>
-          </a:prstGeom>
-          <a:ln w="19050">
-            <a:solidFill>
-              <a:srgbClr val="7030A0"/>
-            </a:solidFill>
-            <a:headEnd type="none" w="med" len="med"/>
-            <a:tailEnd type="arrow" w="med" len="med"/>
-          </a:ln>
-          <a:effectLst/>
-        </p:spPr>
-        <p:style>
-          <a:lnRef idx="1">
-            <a:schemeClr val="accent2"/>
-          </a:lnRef>
-          <a:fillRef idx="2">
-            <a:schemeClr val="accent2"/>
-          </a:fillRef>
-          <a:effectRef idx="1">
-            <a:schemeClr val="accent2"/>
-          </a:effectRef>
-          <a:fontRef idx="minor">
-            <a:schemeClr val="dk1"/>
-          </a:fontRef>
-        </p:style>
-      </p:cxnSp>
-      <p:sp>
-        <p:nvSpPr>
-          <p:cNvPr id="85" name="Rectangle 8"/>
-          <p:cNvSpPr/>
-          <p:nvPr/>
-        </p:nvSpPr>
-        <p:spPr>
-          <a:xfrm>
-            <a:off x="7712397" y="3533171"/>
-            <a:ext cx="708186" cy="285783"/>
-          </a:xfrm>
-          <a:prstGeom prst="rect">
-            <a:avLst/>
-          </a:prstGeom>
-          <a:ln w="19050">
-            <a:solidFill>
-              <a:srgbClr val="7030A0"/>
-            </a:solidFill>
-          </a:ln>
-          <a:effectLst/>
-        </p:spPr>
-        <p:style>
-          <a:lnRef idx="1">
-            <a:schemeClr val="accent4"/>
-          </a:lnRef>
-          <a:fillRef idx="2">
-            <a:schemeClr val="accent4"/>
-          </a:fillRef>
-          <a:effectRef idx="1">
-            <a:schemeClr val="accent4"/>
-          </a:effectRef>
-          <a:fontRef idx="minor">
-            <a:schemeClr val="dk1"/>
-          </a:fontRef>
-        </p:style>
-        <p:txBody>
-          <a:bodyPr rtlCol="0" anchor="ctr"/>
-          <a:lstStyle/>
-          <a:p>
-            <a:pPr algn="ctr"/>
-            <a:r>
-              <a:rPr lang="en-US" sz="1050" dirty="0" smtClean="0">
-                <a:solidFill>
-                  <a:srgbClr val="7030A0"/>
-                </a:solidFill>
-              </a:rPr>
-              <a:t>Address</a:t>
-            </a:r>
-            <a:endParaRPr lang="en-SG" sz="1050" dirty="0">
-              <a:solidFill>
-                <a:srgbClr val="7030A0"/>
-              </a:solidFill>
-            </a:endParaRPr>
-          </a:p>
-        </p:txBody>
-      </p:sp>
-      <p:cxnSp>
-        <p:nvCxnSpPr>
-          <p:cNvPr id="86" name="Elbow Connector 85"/>
-          <p:cNvCxnSpPr>
-            <a:stCxn id="78" idx="3"/>
-            <a:endCxn id="85" idx="1"/>
-          </p:cNvCxnSpPr>
-          <p:nvPr/>
-        </p:nvCxnSpPr>
-        <p:spPr>
-          <a:xfrm>
-            <a:off x="7277995" y="3034891"/>
-            <a:ext cx="434402" cy="641172"/>
-          </a:xfrm>
-          <a:prstGeom prst="bentConnector3">
-            <a:avLst/>
-          </a:prstGeom>
-          <a:ln w="19050">
-            <a:solidFill>
-              <a:srgbClr val="7030A0"/>
-            </a:solidFill>
-            <a:headEnd type="none" w="med" len="med"/>
-            <a:tailEnd type="arrow" w="med" len="med"/>
+            <a:tailEnd type="none" w="med" len="med"/>
           </a:ln>
           <a:effectLst/>
         </p:spPr>
@@ -15148,7 +14925,7 @@
           <a:lstStyle/>
           <a:p>
             <a:pPr algn="ctr"/>
-            <a:endParaRPr lang="en-SG" sz="1050" b="1">
+            <a:endParaRPr lang="en-SG" sz="1050" b="1" dirty="0">
               <a:solidFill>
                 <a:srgbClr val="92D050"/>
               </a:solidFill>
@@ -15197,7 +14974,7 @@
           <a:p>
             <a:pPr algn="ctr"/>
             <a:r>
-              <a:rPr lang="en-US" sz="1050" dirty="0" smtClean="0">
+              <a:rPr lang="en-US" sz="1000" dirty="0" smtClean="0">
                 <a:solidFill>
                   <a:srgbClr val="7030A0"/>
                 </a:solidFill>
@@ -15205,21 +14982,21 @@
               <a:t>&lt;&lt;interface&gt;&gt;</a:t>
             </a:r>
             <a:br>
-              <a:rPr lang="en-US" sz="1050" dirty="0" smtClean="0">
+              <a:rPr lang="en-US" sz="1000" dirty="0" smtClean="0">
                 <a:solidFill>
                   <a:srgbClr val="7030A0"/>
                 </a:solidFill>
               </a:rPr>
             </a:br>
             <a:r>
-              <a:rPr lang="en-US" sz="1050" dirty="0" err="1" smtClean="0">
+              <a:rPr lang="en-US" sz="1000" dirty="0" smtClean="0">
                 <a:solidFill>
                   <a:srgbClr val="7030A0"/>
                 </a:solidFill>
               </a:rPr>
-              <a:t>ReadOnlyAddressBook</a:t>
-            </a:r>
-            <a:endParaRPr lang="en-SG" sz="1050" dirty="0">
+              <a:t>ReadOnlyActivityManager</a:t>
+            </a:r>
+            <a:endParaRPr lang="en-SG" sz="1000" dirty="0">
               <a:solidFill>
                 <a:srgbClr val="7030A0"/>
               </a:solidFill>
@@ -15330,7 +15107,7 @@
               </a:rPr>
             </a:br>
             <a:r>
-              <a:rPr lang="en-US" sz="1050" dirty="0" err="1" smtClean="0">
+              <a:rPr lang="en-US" sz="1050" dirty="0" smtClean="0">
                 <a:solidFill>
                   <a:srgbClr val="7030A0"/>
                 </a:solidFill>
@@ -15387,6 +15164,59 @@
           </a:fontRef>
         </p:style>
       </p:cxnSp>
+      <p:sp>
+        <p:nvSpPr>
+          <p:cNvPr id="50" name="Isosceles Triangle 102"/>
+          <p:cNvSpPr/>
+          <p:nvPr/>
+        </p:nvSpPr>
+        <p:spPr>
+          <a:xfrm rot="5400000" flipV="1">
+            <a:off x="6987076" y="2957352"/>
+            <a:ext cx="270504" cy="175523"/>
+          </a:xfrm>
+          <a:prstGeom prst="triangle">
+            <a:avLst/>
+          </a:prstGeom>
+          <a:solidFill>
+            <a:srgbClr val="7030A0">
+              <a:alpha val="0"/>
+            </a:srgbClr>
+          </a:solidFill>
+          <a:ln w="19050">
+            <a:solidFill>
+              <a:srgbClr val="7030A0"/>
+            </a:solidFill>
+          </a:ln>
+          <a:effectLst/>
+        </p:spPr>
+        <p:style>
+          <a:lnRef idx="1">
+            <a:schemeClr val="accent4"/>
+          </a:lnRef>
+          <a:fillRef idx="2">
+            <a:schemeClr val="accent4"/>
+          </a:fillRef>
+          <a:effectRef idx="1">
+            <a:schemeClr val="accent4"/>
+          </a:effectRef>
+          <a:fontRef idx="minor">
+            <a:schemeClr val="dk1"/>
+          </a:fontRef>
+        </p:style>
+        <p:txBody>
+          <a:bodyPr rtlCol="0" anchor="ctr"/>
+          <a:lstStyle/>
+          <a:p>
+            <a:pPr algn="ctr"/>
+            <a:endParaRPr lang="en-SG" sz="1050" b="1" dirty="0">
+              <a:solidFill>
+                <a:srgbClr val="92D050"/>
+              </a:solidFill>
+            </a:endParaRPr>
+          </a:p>
+        </p:txBody>
+      </p:sp>
     </p:spTree>
     <p:extLst>
       <p:ext uri="{BB962C8B-B14F-4D97-AF65-F5344CB8AC3E}">
@@ -15537,6 +15367,659 @@
           <a:p>
             <a:pPr algn="ctr"/>
             <a:r>
+              <a:rPr lang="en-US" sz="900" dirty="0" smtClean="0">
+                <a:solidFill>
+                  <a:schemeClr val="bg1"/>
+                </a:solidFill>
+              </a:rPr>
+              <a:t>&lt;&lt;interface&gt;&gt;</a:t>
+            </a:r>
+            <a:br>
+              <a:rPr lang="en-US" sz="900" dirty="0" smtClean="0">
+                <a:solidFill>
+                  <a:schemeClr val="bg1"/>
+                </a:solidFill>
+              </a:rPr>
+            </a:br>
+            <a:r>
+              <a:rPr lang="en-US" sz="900" dirty="0" smtClean="0">
+                <a:solidFill>
+                  <a:schemeClr val="bg1"/>
+                </a:solidFill>
+              </a:rPr>
+              <a:t>ActivityManagerStorage</a:t>
+            </a:r>
+            <a:endParaRPr lang="en-SG" sz="900" dirty="0">
+              <a:solidFill>
+                <a:schemeClr val="bg1"/>
+              </a:solidFill>
+            </a:endParaRPr>
+          </a:p>
+        </p:txBody>
+      </p:sp>
+      <p:sp>
+        <p:nvSpPr>
+          <p:cNvPr id="9" name="Rectangle 62"/>
+          <p:cNvSpPr/>
+          <p:nvPr/>
+        </p:nvSpPr>
+        <p:spPr>
+          <a:xfrm rot="16200000">
+            <a:off x="1683963" y="2868687"/>
+            <a:ext cx="1093635" cy="346760"/>
+          </a:xfrm>
+          <a:prstGeom prst="rect">
+            <a:avLst/>
+          </a:prstGeom>
+          <a:solidFill>
+            <a:schemeClr val="accent6">
+              <a:lumMod val="75000"/>
+            </a:schemeClr>
+          </a:solidFill>
+          <a:ln w="19050">
+            <a:solidFill>
+              <a:schemeClr val="accent6">
+                <a:lumMod val="75000"/>
+              </a:schemeClr>
+            </a:solidFill>
+          </a:ln>
+          <a:effectLst/>
+        </p:spPr>
+        <p:style>
+          <a:lnRef idx="1">
+            <a:schemeClr val="accent2"/>
+          </a:lnRef>
+          <a:fillRef idx="2">
+            <a:schemeClr val="accent2"/>
+          </a:fillRef>
+          <a:effectRef idx="1">
+            <a:schemeClr val="accent2"/>
+          </a:effectRef>
+          <a:fontRef idx="minor">
+            <a:schemeClr val="dk1"/>
+          </a:fontRef>
+        </p:style>
+        <p:txBody>
+          <a:bodyPr rtlCol="0" anchor="ctr"/>
+          <a:lstStyle/>
+          <a:p>
+            <a:pPr algn="ctr"/>
+            <a:r>
+              <a:rPr lang="en-US" sz="1050" dirty="0" smtClean="0">
+                <a:solidFill>
+                  <a:schemeClr val="bg1"/>
+                </a:solidFill>
+              </a:rPr>
+              <a:t>StorageManager</a:t>
+            </a:r>
+            <a:endParaRPr lang="en-SG" sz="1050" dirty="0">
+              <a:solidFill>
+                <a:schemeClr val="bg1"/>
+              </a:solidFill>
+            </a:endParaRPr>
+          </a:p>
+        </p:txBody>
+      </p:sp>
+      <p:sp>
+        <p:nvSpPr>
+          <p:cNvPr id="119" name="Rectangle 62"/>
+          <p:cNvSpPr/>
+          <p:nvPr/>
+        </p:nvSpPr>
+        <p:spPr>
+          <a:xfrm rot="16200000">
+            <a:off x="956202" y="2861202"/>
+            <a:ext cx="1093635" cy="346760"/>
+          </a:xfrm>
+          <a:prstGeom prst="rect">
+            <a:avLst/>
+          </a:prstGeom>
+          <a:solidFill>
+            <a:schemeClr val="accent6">
+              <a:lumMod val="75000"/>
+            </a:schemeClr>
+          </a:solidFill>
+          <a:ln w="19050">
+            <a:solidFill>
+              <a:schemeClr val="accent6">
+                <a:lumMod val="75000"/>
+              </a:schemeClr>
+            </a:solidFill>
+          </a:ln>
+          <a:effectLst/>
+        </p:spPr>
+        <p:style>
+          <a:lnRef idx="1">
+            <a:schemeClr val="accent2"/>
+          </a:lnRef>
+          <a:fillRef idx="2">
+            <a:schemeClr val="accent2"/>
+          </a:fillRef>
+          <a:effectRef idx="1">
+            <a:schemeClr val="accent2"/>
+          </a:effectRef>
+          <a:fontRef idx="minor">
+            <a:schemeClr val="dk1"/>
+          </a:fontRef>
+        </p:style>
+        <p:txBody>
+          <a:bodyPr rtlCol="0" anchor="ctr"/>
+          <a:lstStyle/>
+          <a:p>
+            <a:pPr algn="ctr"/>
+            <a:r>
+              <a:rPr lang="en-US" sz="1050" dirty="0">
+                <a:solidFill>
+                  <a:schemeClr val="bg1"/>
+                </a:solidFill>
+              </a:rPr>
+              <a:t>&lt;&lt;interface&gt;&gt;</a:t>
+            </a:r>
+          </a:p>
+          <a:p>
+            <a:pPr algn="ctr"/>
+            <a:r>
+              <a:rPr lang="en-US" sz="1050" dirty="0" smtClean="0">
+                <a:solidFill>
+                  <a:schemeClr val="bg1"/>
+                </a:solidFill>
+              </a:rPr>
+              <a:t>Storage</a:t>
+            </a:r>
+            <a:endParaRPr lang="en-SG" sz="1050" dirty="0">
+              <a:solidFill>
+                <a:schemeClr val="bg1"/>
+              </a:solidFill>
+            </a:endParaRPr>
+          </a:p>
+        </p:txBody>
+      </p:sp>
+      <p:sp>
+        <p:nvSpPr>
+          <p:cNvPr id="120" name="Isosceles Triangle 102"/>
+          <p:cNvSpPr/>
+          <p:nvPr/>
+        </p:nvSpPr>
+        <p:spPr>
+          <a:xfrm rot="16200000">
+            <a:off x="1626910" y="2952291"/>
+            <a:ext cx="270504" cy="175523"/>
+          </a:xfrm>
+          <a:prstGeom prst="triangle">
+            <a:avLst/>
+          </a:prstGeom>
+          <a:solidFill>
+            <a:schemeClr val="accent6">
+              <a:lumMod val="75000"/>
+            </a:schemeClr>
+          </a:solidFill>
+          <a:ln w="19050">
+            <a:solidFill>
+              <a:schemeClr val="accent6">
+                <a:lumMod val="75000"/>
+              </a:schemeClr>
+            </a:solidFill>
+          </a:ln>
+          <a:effectLst/>
+        </p:spPr>
+        <p:style>
+          <a:lnRef idx="1">
+            <a:schemeClr val="accent2"/>
+          </a:lnRef>
+          <a:fillRef idx="2">
+            <a:schemeClr val="accent2"/>
+          </a:fillRef>
+          <a:effectRef idx="1">
+            <a:schemeClr val="accent2"/>
+          </a:effectRef>
+          <a:fontRef idx="minor">
+            <a:schemeClr val="dk1"/>
+          </a:fontRef>
+        </p:style>
+        <p:txBody>
+          <a:bodyPr rtlCol="0" anchor="ctr"/>
+          <a:lstStyle/>
+          <a:p>
+            <a:pPr algn="ctr"/>
+            <a:endParaRPr lang="en-SG" sz="1050" dirty="0">
+              <a:solidFill>
+                <a:schemeClr val="bg1"/>
+              </a:solidFill>
+            </a:endParaRPr>
+          </a:p>
+        </p:txBody>
+      </p:sp>
+      <p:cxnSp>
+        <p:nvCxnSpPr>
+          <p:cNvPr id="58" name="Straight Arrow Connector 57"/>
+          <p:cNvCxnSpPr>
+            <a:stCxn id="42" idx="3"/>
+            <a:endCxn id="2" idx="1"/>
+          </p:cNvCxnSpPr>
+          <p:nvPr/>
+        </p:nvCxnSpPr>
+        <p:spPr>
+          <a:xfrm>
+            <a:off x="2656370" y="3326536"/>
+            <a:ext cx="220810" cy="5284"/>
+          </a:xfrm>
+          <a:prstGeom prst="straightConnector1">
+            <a:avLst/>
+          </a:prstGeom>
+          <a:ln w="19050">
+            <a:solidFill>
+              <a:schemeClr val="accent6">
+                <a:lumMod val="75000"/>
+              </a:schemeClr>
+            </a:solidFill>
+            <a:headEnd type="none" w="med" len="med"/>
+            <a:tailEnd type="arrow" w="med" len="med"/>
+          </a:ln>
+          <a:effectLst/>
+        </p:spPr>
+        <p:style>
+          <a:lnRef idx="1">
+            <a:schemeClr val="accent2"/>
+          </a:lnRef>
+          <a:fillRef idx="2">
+            <a:schemeClr val="accent2"/>
+          </a:fillRef>
+          <a:effectRef idx="1">
+            <a:schemeClr val="accent2"/>
+          </a:effectRef>
+          <a:fontRef idx="minor">
+            <a:schemeClr val="dk1"/>
+          </a:fontRef>
+        </p:style>
+      </p:cxnSp>
+      <p:cxnSp>
+        <p:nvCxnSpPr>
+          <p:cNvPr id="75" name="Elbow Connector 122"/>
+          <p:cNvCxnSpPr/>
+          <p:nvPr/>
+        </p:nvCxnSpPr>
+        <p:spPr>
+          <a:xfrm>
+            <a:off x="910091" y="3040053"/>
+            <a:ext cx="419548" cy="2860"/>
+          </a:xfrm>
+          <a:prstGeom prst="bentConnector3">
+            <a:avLst>
+              <a:gd name="adj1" fmla="val 50000"/>
+            </a:avLst>
+          </a:prstGeom>
+          <a:ln w="19050">
+            <a:solidFill>
+              <a:schemeClr val="bg1">
+                <a:lumMod val="75000"/>
+              </a:schemeClr>
+            </a:solidFill>
+            <a:prstDash val="sysDot"/>
+            <a:headEnd type="none" w="med" len="med"/>
+            <a:tailEnd type="arrow" w="med" len="med"/>
+          </a:ln>
+          <a:effectLst/>
+        </p:spPr>
+        <p:style>
+          <a:lnRef idx="1">
+            <a:schemeClr val="accent2"/>
+          </a:lnRef>
+          <a:fillRef idx="2">
+            <a:schemeClr val="accent2"/>
+          </a:fillRef>
+          <a:effectRef idx="1">
+            <a:schemeClr val="accent2"/>
+          </a:effectRef>
+          <a:fontRef idx="minor">
+            <a:schemeClr val="dk1"/>
+          </a:fontRef>
+        </p:style>
+      </p:cxnSp>
+      <p:cxnSp>
+        <p:nvCxnSpPr>
+          <p:cNvPr id="21" name="Straight Connector 20"/>
+          <p:cNvCxnSpPr>
+            <a:stCxn id="120" idx="3"/>
+          </p:cNvCxnSpPr>
+          <p:nvPr/>
+        </p:nvCxnSpPr>
+        <p:spPr>
+          <a:xfrm flipV="1">
+            <a:off x="1849924" y="3040052"/>
+            <a:ext cx="216105" cy="1"/>
+          </a:xfrm>
+          <a:prstGeom prst="line">
+            <a:avLst/>
+          </a:prstGeom>
+          <a:ln w="19050">
+            <a:solidFill>
+              <a:schemeClr val="accent6">
+                <a:lumMod val="75000"/>
+              </a:schemeClr>
+            </a:solidFill>
+            <a:prstDash val="sysDot"/>
+            <a:headEnd type="none" w="med" len="med"/>
+            <a:tailEnd type="none" w="med" len="med"/>
+          </a:ln>
+          <a:effectLst/>
+        </p:spPr>
+        <p:style>
+          <a:lnRef idx="1">
+            <a:schemeClr val="accent2"/>
+          </a:lnRef>
+          <a:fillRef idx="2">
+            <a:schemeClr val="accent2"/>
+          </a:fillRef>
+          <a:effectRef idx="1">
+            <a:schemeClr val="accent2"/>
+          </a:effectRef>
+          <a:fontRef idx="minor">
+            <a:schemeClr val="dk1"/>
+          </a:fontRef>
+        </p:style>
+      </p:cxnSp>
+      <p:sp>
+        <p:nvSpPr>
+          <p:cNvPr id="42" name="Flowchart: Decision 96"/>
+          <p:cNvSpPr/>
+          <p:nvPr/>
+        </p:nvSpPr>
+        <p:spPr>
+          <a:xfrm>
+            <a:off x="2420322" y="3239846"/>
+            <a:ext cx="236048" cy="173380"/>
+          </a:xfrm>
+          <a:prstGeom prst="flowChartDecision">
+            <a:avLst/>
+          </a:prstGeom>
+          <a:noFill/>
+          <a:ln w="19050">
+            <a:solidFill>
+              <a:schemeClr val="accent6">
+                <a:lumMod val="75000"/>
+              </a:schemeClr>
+            </a:solidFill>
+          </a:ln>
+          <a:effectLst/>
+        </p:spPr>
+        <p:style>
+          <a:lnRef idx="1">
+            <a:schemeClr val="accent2"/>
+          </a:lnRef>
+          <a:fillRef idx="2">
+            <a:schemeClr val="accent2"/>
+          </a:fillRef>
+          <a:effectRef idx="1">
+            <a:schemeClr val="accent2"/>
+          </a:effectRef>
+          <a:fontRef idx="minor">
+            <a:schemeClr val="dk1"/>
+          </a:fontRef>
+        </p:style>
+        <p:txBody>
+          <a:bodyPr rtlCol="0" anchor="ctr"/>
+          <a:lstStyle/>
+          <a:p>
+            <a:pPr algn="ctr"/>
+            <a:endParaRPr lang="en-US" sz="1050" dirty="0">
+              <a:solidFill>
+                <a:schemeClr val="bg1"/>
+              </a:solidFill>
+            </a:endParaRPr>
+          </a:p>
+        </p:txBody>
+      </p:sp>
+      <p:cxnSp>
+        <p:nvCxnSpPr>
+          <p:cNvPr id="97" name="Elbow Connector 63"/>
+          <p:cNvCxnSpPr>
+            <a:stCxn id="99" idx="3"/>
+            <a:endCxn id="50" idx="1"/>
+          </p:cNvCxnSpPr>
+          <p:nvPr/>
+        </p:nvCxnSpPr>
+        <p:spPr>
+          <a:xfrm flipV="1">
+            <a:off x="4398041" y="3331820"/>
+            <a:ext cx="173960" cy="1"/>
+          </a:xfrm>
+          <a:prstGeom prst="bentConnector3">
+            <a:avLst>
+              <a:gd name="adj1" fmla="val 50000"/>
+            </a:avLst>
+          </a:prstGeom>
+          <a:ln w="19050">
+            <a:solidFill>
+              <a:schemeClr val="accent6">
+                <a:lumMod val="75000"/>
+              </a:schemeClr>
+            </a:solidFill>
+            <a:prstDash val="sysDot"/>
+            <a:headEnd type="none" w="med" len="med"/>
+            <a:tailEnd type="none" w="med" len="med"/>
+          </a:ln>
+          <a:effectLst/>
+        </p:spPr>
+        <p:style>
+          <a:lnRef idx="1">
+            <a:schemeClr val="accent2"/>
+          </a:lnRef>
+          <a:fillRef idx="2">
+            <a:schemeClr val="accent2"/>
+          </a:fillRef>
+          <a:effectRef idx="1">
+            <a:schemeClr val="accent2"/>
+          </a:effectRef>
+          <a:fontRef idx="minor">
+            <a:schemeClr val="dk1"/>
+          </a:fontRef>
+        </p:style>
+      </p:cxnSp>
+      <p:sp>
+        <p:nvSpPr>
+          <p:cNvPr id="99" name="Isosceles Triangle 102"/>
+          <p:cNvSpPr/>
+          <p:nvPr/>
+        </p:nvSpPr>
+        <p:spPr>
+          <a:xfrm rot="5400000" flipV="1">
+            <a:off x="4175027" y="3244059"/>
+            <a:ext cx="270504" cy="175523"/>
+          </a:xfrm>
+          <a:prstGeom prst="triangle">
+            <a:avLst/>
+          </a:prstGeom>
+          <a:solidFill>
+            <a:schemeClr val="accent6">
+              <a:lumMod val="75000"/>
+            </a:schemeClr>
+          </a:solidFill>
+          <a:ln w="19050">
+            <a:solidFill>
+              <a:schemeClr val="accent6">
+                <a:lumMod val="75000"/>
+              </a:schemeClr>
+            </a:solidFill>
+          </a:ln>
+          <a:effectLst/>
+        </p:spPr>
+        <p:style>
+          <a:lnRef idx="1">
+            <a:schemeClr val="accent2"/>
+          </a:lnRef>
+          <a:fillRef idx="2">
+            <a:schemeClr val="accent2"/>
+          </a:fillRef>
+          <a:effectRef idx="1">
+            <a:schemeClr val="accent2"/>
+          </a:effectRef>
+          <a:fontRef idx="minor">
+            <a:schemeClr val="dk1"/>
+          </a:fontRef>
+        </p:style>
+        <p:txBody>
+          <a:bodyPr rtlCol="0" anchor="ctr"/>
+          <a:lstStyle/>
+          <a:p>
+            <a:pPr algn="ctr"/>
+            <a:endParaRPr lang="en-SG" sz="1050" dirty="0">
+              <a:solidFill>
+                <a:schemeClr val="bg1"/>
+              </a:solidFill>
+            </a:endParaRPr>
+          </a:p>
+        </p:txBody>
+      </p:sp>
+      <p:cxnSp>
+        <p:nvCxnSpPr>
+          <p:cNvPr id="124" name="Elbow Connector 122"/>
+          <p:cNvCxnSpPr>
+            <a:stCxn id="50" idx="3"/>
+            <a:endCxn id="66" idx="1"/>
+          </p:cNvCxnSpPr>
+          <p:nvPr/>
+        </p:nvCxnSpPr>
+        <p:spPr>
+          <a:xfrm>
+            <a:off x="5867401" y="3331820"/>
+            <a:ext cx="152399" cy="1970"/>
+          </a:xfrm>
+          <a:prstGeom prst="bentConnector3">
+            <a:avLst>
+              <a:gd name="adj1" fmla="val 50000"/>
+            </a:avLst>
+          </a:prstGeom>
+          <a:ln w="19050">
+            <a:solidFill>
+              <a:schemeClr val="accent6">
+                <a:lumMod val="75000"/>
+              </a:schemeClr>
+            </a:solidFill>
+            <a:prstDash val="sysDot"/>
+            <a:headEnd type="none" w="med" len="med"/>
+            <a:tailEnd type="arrow" w="med" len="med"/>
+          </a:ln>
+          <a:effectLst/>
+        </p:spPr>
+        <p:style>
+          <a:lnRef idx="1">
+            <a:schemeClr val="accent2"/>
+          </a:lnRef>
+          <a:fillRef idx="2">
+            <a:schemeClr val="accent2"/>
+          </a:fillRef>
+          <a:effectRef idx="1">
+            <a:schemeClr val="accent2"/>
+          </a:effectRef>
+          <a:fontRef idx="minor">
+            <a:schemeClr val="dk1"/>
+          </a:fontRef>
+        </p:style>
+      </p:cxnSp>
+      <p:sp>
+        <p:nvSpPr>
+          <p:cNvPr id="50" name="Rectangle 8"/>
+          <p:cNvSpPr/>
+          <p:nvPr/>
+        </p:nvSpPr>
+        <p:spPr>
+          <a:xfrm>
+            <a:off x="4572001" y="3158440"/>
+            <a:ext cx="1295400" cy="346760"/>
+          </a:xfrm>
+          <a:prstGeom prst="rect">
+            <a:avLst/>
+          </a:prstGeom>
+          <a:ln w="19050"/>
+          <a:effectLst/>
+        </p:spPr>
+        <p:style>
+          <a:lnRef idx="1">
+            <a:schemeClr val="accent6"/>
+          </a:lnRef>
+          <a:fillRef idx="2">
+            <a:schemeClr val="accent6"/>
+          </a:fillRef>
+          <a:effectRef idx="1">
+            <a:schemeClr val="accent6"/>
+          </a:effectRef>
+          <a:fontRef idx="minor">
+            <a:schemeClr val="dk1"/>
+          </a:fontRef>
+        </p:style>
+        <p:txBody>
+          <a:bodyPr rtlCol="0" anchor="ctr"/>
+          <a:lstStyle/>
+          <a:p>
+            <a:pPr algn="ctr"/>
+            <a:r>
+              <a:rPr lang="en-US" sz="1000" b="1" dirty="0" smtClean="0">
+                <a:solidFill>
+                  <a:schemeClr val="accent6">
+                    <a:lumMod val="75000"/>
+                  </a:schemeClr>
+                </a:solidFill>
+              </a:rPr>
+              <a:t>XmlActivityManagerStorage</a:t>
+            </a:r>
+            <a:endParaRPr lang="en-SG" sz="1000" b="1" dirty="0">
+              <a:solidFill>
+                <a:schemeClr val="accent6">
+                  <a:lumMod val="75000"/>
+                </a:schemeClr>
+              </a:solidFill>
+            </a:endParaRPr>
+          </a:p>
+        </p:txBody>
+      </p:sp>
+      <p:sp>
+        <p:nvSpPr>
+          <p:cNvPr id="52" name="Rectangle 8"/>
+          <p:cNvSpPr/>
+          <p:nvPr/>
+        </p:nvSpPr>
+        <p:spPr>
+          <a:xfrm>
+            <a:off x="2873943" y="2558040"/>
+            <a:ext cx="1323049" cy="346760"/>
+          </a:xfrm>
+          <a:prstGeom prst="rect">
+            <a:avLst/>
+          </a:prstGeom>
+          <a:solidFill>
+            <a:schemeClr val="accent6">
+              <a:lumMod val="75000"/>
+            </a:schemeClr>
+          </a:solidFill>
+          <a:ln w="19050">
+            <a:solidFill>
+              <a:schemeClr val="accent6">
+                <a:lumMod val="75000"/>
+              </a:schemeClr>
+            </a:solidFill>
+          </a:ln>
+          <a:effectLst/>
+        </p:spPr>
+        <p:style>
+          <a:lnRef idx="1">
+            <a:schemeClr val="accent2"/>
+          </a:lnRef>
+          <a:fillRef idx="2">
+            <a:schemeClr val="accent2"/>
+          </a:fillRef>
+          <a:effectRef idx="1">
+            <a:schemeClr val="accent2"/>
+          </a:effectRef>
+          <a:fontRef idx="minor">
+            <a:schemeClr val="dk1"/>
+          </a:fontRef>
+        </p:style>
+        <p:txBody>
+          <a:bodyPr rtlCol="0" anchor="ctr"/>
+          <a:lstStyle/>
+          <a:p>
+            <a:pPr algn="ctr"/>
+            <a:r>
               <a:rPr lang="en-US" sz="1050" dirty="0" smtClean="0">
                 <a:solidFill>
                   <a:schemeClr val="bg1"/>
@@ -15552,12 +16035,12 @@
               </a:rPr>
             </a:br>
             <a:r>
-              <a:rPr lang="en-US" sz="1050" dirty="0" err="1" smtClean="0">
+              <a:rPr lang="en-US" sz="1050" dirty="0" smtClean="0">
                 <a:solidFill>
                   <a:schemeClr val="bg1"/>
                 </a:solidFill>
               </a:rPr>
-              <a:t>AddressBookStorage</a:t>
+              <a:t>UserPrefsStorage</a:t>
             </a:r>
             <a:endParaRPr lang="en-SG" sz="1050" dirty="0">
               <a:solidFill>
@@ -15567,18 +16050,158 @@
           </a:p>
         </p:txBody>
       </p:sp>
-      <p:sp>
-        <p:nvSpPr>
-          <p:cNvPr id="9" name="Rectangle 62"/>
+      <p:cxnSp>
+        <p:nvCxnSpPr>
+          <p:cNvPr id="54" name="Straight Arrow Connector 53"/>
+          <p:cNvCxnSpPr>
+            <a:stCxn id="56" idx="3"/>
+            <a:endCxn id="52" idx="1"/>
+          </p:cNvCxnSpPr>
+          <p:nvPr/>
+        </p:nvCxnSpPr>
+        <p:spPr>
+          <a:xfrm>
+            <a:off x="2653133" y="2726136"/>
+            <a:ext cx="220810" cy="5284"/>
+          </a:xfrm>
+          <a:prstGeom prst="straightConnector1">
+            <a:avLst/>
+          </a:prstGeom>
+          <a:ln w="19050">
+            <a:solidFill>
+              <a:schemeClr val="accent6">
+                <a:lumMod val="75000"/>
+              </a:schemeClr>
+            </a:solidFill>
+            <a:headEnd type="none" w="med" len="med"/>
+            <a:tailEnd type="arrow" w="med" len="med"/>
+          </a:ln>
+          <a:effectLst/>
+        </p:spPr>
+        <p:style>
+          <a:lnRef idx="1">
+            <a:schemeClr val="accent2"/>
+          </a:lnRef>
+          <a:fillRef idx="2">
+            <a:schemeClr val="accent2"/>
+          </a:fillRef>
+          <a:effectRef idx="1">
+            <a:schemeClr val="accent2"/>
+          </a:effectRef>
+          <a:fontRef idx="minor">
+            <a:schemeClr val="dk1"/>
+          </a:fontRef>
+        </p:style>
+      </p:cxnSp>
+      <p:sp>
+        <p:nvSpPr>
+          <p:cNvPr id="56" name="Flowchart: Decision 96"/>
           <p:cNvSpPr/>
           <p:nvPr/>
         </p:nvSpPr>
         <p:spPr>
-          <a:xfrm rot="16200000">
-            <a:off x="1683963" y="2868687"/>
-            <a:ext cx="1093635" cy="346760"/>
-          </a:xfrm>
-          <a:prstGeom prst="rect">
+          <a:xfrm>
+            <a:off x="2417085" y="2639446"/>
+            <a:ext cx="236048" cy="173380"/>
+          </a:xfrm>
+          <a:prstGeom prst="flowChartDecision">
+            <a:avLst/>
+          </a:prstGeom>
+          <a:noFill/>
+          <a:ln w="19050">
+            <a:solidFill>
+              <a:schemeClr val="accent6">
+                <a:lumMod val="75000"/>
+              </a:schemeClr>
+            </a:solidFill>
+          </a:ln>
+          <a:effectLst/>
+        </p:spPr>
+        <p:style>
+          <a:lnRef idx="1">
+            <a:schemeClr val="accent2"/>
+          </a:lnRef>
+          <a:fillRef idx="2">
+            <a:schemeClr val="accent2"/>
+          </a:fillRef>
+          <a:effectRef idx="1">
+            <a:schemeClr val="accent2"/>
+          </a:effectRef>
+          <a:fontRef idx="minor">
+            <a:schemeClr val="dk1"/>
+          </a:fontRef>
+        </p:style>
+        <p:txBody>
+          <a:bodyPr rtlCol="0" anchor="ctr"/>
+          <a:lstStyle/>
+          <a:p>
+            <a:pPr algn="ctr"/>
+            <a:endParaRPr lang="en-US" sz="1050" dirty="0">
+              <a:solidFill>
+                <a:schemeClr val="bg1"/>
+              </a:solidFill>
+            </a:endParaRPr>
+          </a:p>
+        </p:txBody>
+      </p:sp>
+      <p:cxnSp>
+        <p:nvCxnSpPr>
+          <p:cNvPr id="60" name="Elbow Connector 63"/>
+          <p:cNvCxnSpPr>
+            <a:stCxn id="61" idx="3"/>
+            <a:endCxn id="65" idx="1"/>
+          </p:cNvCxnSpPr>
+          <p:nvPr/>
+        </p:nvCxnSpPr>
+        <p:spPr>
+          <a:xfrm flipV="1">
+            <a:off x="4394804" y="2731420"/>
+            <a:ext cx="177196" cy="1"/>
+          </a:xfrm>
+          <a:prstGeom prst="bentConnector3">
+            <a:avLst>
+              <a:gd name="adj1" fmla="val 50000"/>
+            </a:avLst>
+          </a:prstGeom>
+          <a:ln w="19050">
+            <a:solidFill>
+              <a:schemeClr val="accent6">
+                <a:lumMod val="75000"/>
+              </a:schemeClr>
+            </a:solidFill>
+            <a:prstDash val="sysDot"/>
+            <a:headEnd type="none" w="med" len="med"/>
+            <a:tailEnd type="none" w="med" len="med"/>
+          </a:ln>
+          <a:effectLst/>
+        </p:spPr>
+        <p:style>
+          <a:lnRef idx="1">
+            <a:schemeClr val="accent2"/>
+          </a:lnRef>
+          <a:fillRef idx="2">
+            <a:schemeClr val="accent2"/>
+          </a:fillRef>
+          <a:effectRef idx="1">
+            <a:schemeClr val="accent2"/>
+          </a:effectRef>
+          <a:fontRef idx="minor">
+            <a:schemeClr val="dk1"/>
+          </a:fontRef>
+        </p:style>
+      </p:cxnSp>
+      <p:sp>
+        <p:nvSpPr>
+          <p:cNvPr id="61" name="Isosceles Triangle 102"/>
+          <p:cNvSpPr/>
+          <p:nvPr/>
+        </p:nvSpPr>
+        <p:spPr>
+          <a:xfrm rot="5400000" flipV="1">
+            <a:off x="4171790" y="2643659"/>
+            <a:ext cx="270504" cy="175523"/>
+          </a:xfrm>
+          <a:prstGeom prst="triangle">
             <a:avLst/>
           </a:prstGeom>
           <a:solidFill>
@@ -15614,14 +16237,6 @@
           <a:lstStyle/>
           <a:p>
             <a:pPr algn="ctr"/>
-            <a:r>
-              <a:rPr lang="en-US" sz="1050" dirty="0" err="1" smtClean="0">
-                <a:solidFill>
-                  <a:schemeClr val="bg1"/>
-                </a:solidFill>
-              </a:rPr>
-              <a:t>StorageManager</a:t>
-            </a:r>
             <a:endParaRPr lang="en-SG" sz="1050" dirty="0">
               <a:solidFill>
                 <a:schemeClr val="bg1"/>
@@ -15632,14 +16247,14 @@
       </p:sp>
       <p:sp>
         <p:nvSpPr>
-          <p:cNvPr id="119" name="Rectangle 62"/>
+          <p:cNvPr id="65" name="Rectangle 8"/>
           <p:cNvSpPr/>
           <p:nvPr/>
         </p:nvSpPr>
         <p:spPr>
-          <a:xfrm rot="16200000">
-            <a:off x="956202" y="2861202"/>
-            <a:ext cx="1093635" cy="346760"/>
+          <a:xfrm>
+            <a:off x="4572000" y="2558040"/>
+            <a:ext cx="1295400" cy="346760"/>
           </a:xfrm>
           <a:prstGeom prst="rect">
             <a:avLst/>
@@ -15678,16 +16293,20 @@
           <a:p>
             <a:pPr algn="ctr"/>
             <a:r>
-              <a:rPr lang="en-US" sz="1050" dirty="0">
+              <a:rPr lang="en-US" sz="1050" dirty="0" smtClean="0">
                 <a:solidFill>
                   <a:schemeClr val="bg1"/>
                 </a:solidFill>
               </a:rPr>
-              <a:t>&lt;&lt;interface&gt;&gt;</a:t>
-            </a:r>
-          </a:p>
-          <a:p>
-            <a:pPr algn="ctr"/>
+              <a:t>JsonUserPrefs</a:t>
+            </a:r>
+            <a:br>
+              <a:rPr lang="en-US" sz="1050" dirty="0" smtClean="0">
+                <a:solidFill>
+                  <a:schemeClr val="bg1"/>
+                </a:solidFill>
+              </a:rPr>
+            </a:br>
             <a:r>
               <a:rPr lang="en-US" sz="1050" dirty="0" smtClean="0">
                 <a:solidFill>
@@ -15706,41 +16325,30 @@
       </p:sp>
       <p:sp>
         <p:nvSpPr>
-          <p:cNvPr id="120" name="Isosceles Triangle 102"/>
+          <p:cNvPr id="66" name="Rectangle 8"/>
           <p:cNvSpPr/>
           <p:nvPr/>
         </p:nvSpPr>
         <p:spPr>
-          <a:xfrm rot="16200000">
-            <a:off x="1626910" y="2952291"/>
-            <a:ext cx="270504" cy="175523"/>
-          </a:xfrm>
-          <a:prstGeom prst="triangle">
-            <a:avLst/>
-          </a:prstGeom>
-          <a:solidFill>
-            <a:schemeClr val="accent6">
-              <a:lumMod val="75000"/>
-            </a:schemeClr>
-          </a:solidFill>
-          <a:ln w="19050">
-            <a:solidFill>
-              <a:schemeClr val="accent6">
-                <a:lumMod val="75000"/>
-              </a:schemeClr>
-            </a:solidFill>
-          </a:ln>
-          <a:effectLst/>
-        </p:spPr>
-        <p:style>
-          <a:lnRef idx="1">
-            <a:schemeClr val="accent2"/>
-          </a:lnRef>
-          <a:fillRef idx="2">
-            <a:schemeClr val="accent2"/>
-          </a:fillRef>
-          <a:effectRef idx="1">
-            <a:schemeClr val="accent2"/>
+          <a:xfrm>
+            <a:off x="6019800" y="3160410"/>
+            <a:ext cx="1200707" cy="346760"/>
+          </a:xfrm>
+          <a:prstGeom prst="rect">
+            <a:avLst/>
+          </a:prstGeom>
+          <a:ln w="19050"/>
+          <a:effectLst/>
+        </p:spPr>
+        <p:style>
+          <a:lnRef idx="1">
+            <a:schemeClr val="accent6"/>
+          </a:lnRef>
+          <a:fillRef idx="2">
+            <a:schemeClr val="accent6"/>
+          </a:fillRef>
+          <a:effectRef idx="1">
+            <a:schemeClr val="accent6"/>
           </a:effectRef>
           <a:fontRef idx="minor">
             <a:schemeClr val="dk1"/>
@@ -15751,387 +16359,6 @@
           <a:lstStyle/>
           <a:p>
             <a:pPr algn="ctr"/>
-            <a:endParaRPr lang="en-SG" sz="1050">
-              <a:solidFill>
-                <a:schemeClr val="bg1"/>
-              </a:solidFill>
-            </a:endParaRPr>
-          </a:p>
-        </p:txBody>
-      </p:sp>
-      <p:cxnSp>
-        <p:nvCxnSpPr>
-          <p:cNvPr id="58" name="Straight Arrow Connector 57"/>
-          <p:cNvCxnSpPr>
-            <a:stCxn id="42" idx="3"/>
-            <a:endCxn id="2" idx="1"/>
-          </p:cNvCxnSpPr>
-          <p:nvPr/>
-        </p:nvCxnSpPr>
-        <p:spPr>
-          <a:xfrm>
-            <a:off x="2656370" y="3326536"/>
-            <a:ext cx="220810" cy="5284"/>
-          </a:xfrm>
-          <a:prstGeom prst="straightConnector1">
-            <a:avLst/>
-          </a:prstGeom>
-          <a:ln w="19050">
-            <a:solidFill>
-              <a:schemeClr val="accent6">
-                <a:lumMod val="75000"/>
-              </a:schemeClr>
-            </a:solidFill>
-            <a:headEnd type="none" w="med" len="med"/>
-            <a:tailEnd type="arrow" w="med" len="med"/>
-          </a:ln>
-          <a:effectLst/>
-        </p:spPr>
-        <p:style>
-          <a:lnRef idx="1">
-            <a:schemeClr val="accent2"/>
-          </a:lnRef>
-          <a:fillRef idx="2">
-            <a:schemeClr val="accent2"/>
-          </a:fillRef>
-          <a:effectRef idx="1">
-            <a:schemeClr val="accent2"/>
-          </a:effectRef>
-          <a:fontRef idx="minor">
-            <a:schemeClr val="dk1"/>
-          </a:fontRef>
-        </p:style>
-      </p:cxnSp>
-      <p:cxnSp>
-        <p:nvCxnSpPr>
-          <p:cNvPr id="75" name="Elbow Connector 122"/>
-          <p:cNvCxnSpPr/>
-          <p:nvPr/>
-        </p:nvCxnSpPr>
-        <p:spPr>
-          <a:xfrm>
-            <a:off x="910091" y="3040053"/>
-            <a:ext cx="419548" cy="2860"/>
-          </a:xfrm>
-          <a:prstGeom prst="bentConnector3">
-            <a:avLst>
-              <a:gd name="adj1" fmla="val 50000"/>
-            </a:avLst>
-          </a:prstGeom>
-          <a:ln w="19050">
-            <a:solidFill>
-              <a:schemeClr val="bg1">
-                <a:lumMod val="75000"/>
-              </a:schemeClr>
-            </a:solidFill>
-            <a:prstDash val="sysDot"/>
-            <a:headEnd type="none" w="med" len="med"/>
-            <a:tailEnd type="arrow" w="med" len="med"/>
-          </a:ln>
-          <a:effectLst/>
-        </p:spPr>
-        <p:style>
-          <a:lnRef idx="1">
-            <a:schemeClr val="accent2"/>
-          </a:lnRef>
-          <a:fillRef idx="2">
-            <a:schemeClr val="accent2"/>
-          </a:fillRef>
-          <a:effectRef idx="1">
-            <a:schemeClr val="accent2"/>
-          </a:effectRef>
-          <a:fontRef idx="minor">
-            <a:schemeClr val="dk1"/>
-          </a:fontRef>
-        </p:style>
-      </p:cxnSp>
-      <p:cxnSp>
-        <p:nvCxnSpPr>
-          <p:cNvPr id="21" name="Straight Connector 20"/>
-          <p:cNvCxnSpPr>
-            <a:stCxn id="120" idx="3"/>
-          </p:cNvCxnSpPr>
-          <p:nvPr/>
-        </p:nvCxnSpPr>
-        <p:spPr>
-          <a:xfrm flipV="1">
-            <a:off x="1849924" y="3040052"/>
-            <a:ext cx="216105" cy="1"/>
-          </a:xfrm>
-          <a:prstGeom prst="line">
-            <a:avLst/>
-          </a:prstGeom>
-          <a:ln w="19050">
-            <a:solidFill>
-              <a:schemeClr val="accent6">
-                <a:lumMod val="75000"/>
-              </a:schemeClr>
-            </a:solidFill>
-            <a:prstDash val="sysDot"/>
-            <a:headEnd type="none" w="med" len="med"/>
-            <a:tailEnd type="none" w="med" len="med"/>
-          </a:ln>
-          <a:effectLst/>
-        </p:spPr>
-        <p:style>
-          <a:lnRef idx="1">
-            <a:schemeClr val="accent2"/>
-          </a:lnRef>
-          <a:fillRef idx="2">
-            <a:schemeClr val="accent2"/>
-          </a:fillRef>
-          <a:effectRef idx="1">
-            <a:schemeClr val="accent2"/>
-          </a:effectRef>
-          <a:fontRef idx="minor">
-            <a:schemeClr val="dk1"/>
-          </a:fontRef>
-        </p:style>
-      </p:cxnSp>
-      <p:sp>
-        <p:nvSpPr>
-          <p:cNvPr id="42" name="Flowchart: Decision 96"/>
-          <p:cNvSpPr/>
-          <p:nvPr/>
-        </p:nvSpPr>
-        <p:spPr>
-          <a:xfrm>
-            <a:off x="2420322" y="3239846"/>
-            <a:ext cx="236048" cy="173380"/>
-          </a:xfrm>
-          <a:prstGeom prst="flowChartDecision">
-            <a:avLst/>
-          </a:prstGeom>
-          <a:noFill/>
-          <a:ln w="19050">
-            <a:solidFill>
-              <a:schemeClr val="accent6">
-                <a:lumMod val="75000"/>
-              </a:schemeClr>
-            </a:solidFill>
-          </a:ln>
-          <a:effectLst/>
-        </p:spPr>
-        <p:style>
-          <a:lnRef idx="1">
-            <a:schemeClr val="accent2"/>
-          </a:lnRef>
-          <a:fillRef idx="2">
-            <a:schemeClr val="accent2"/>
-          </a:fillRef>
-          <a:effectRef idx="1">
-            <a:schemeClr val="accent2"/>
-          </a:effectRef>
-          <a:fontRef idx="minor">
-            <a:schemeClr val="dk1"/>
-          </a:fontRef>
-        </p:style>
-        <p:txBody>
-          <a:bodyPr rtlCol="0" anchor="ctr"/>
-          <a:lstStyle/>
-          <a:p>
-            <a:pPr algn="ctr"/>
-            <a:endParaRPr lang="en-US" sz="1050">
-              <a:solidFill>
-                <a:schemeClr val="bg1"/>
-              </a:solidFill>
-            </a:endParaRPr>
-          </a:p>
-        </p:txBody>
-      </p:sp>
-      <p:cxnSp>
-        <p:nvCxnSpPr>
-          <p:cNvPr id="97" name="Elbow Connector 63"/>
-          <p:cNvCxnSpPr>
-            <a:stCxn id="99" idx="3"/>
-            <a:endCxn id="50" idx="1"/>
-          </p:cNvCxnSpPr>
-          <p:nvPr/>
-        </p:nvCxnSpPr>
-        <p:spPr>
-          <a:xfrm flipV="1">
-            <a:off x="4398041" y="3331820"/>
-            <a:ext cx="223324" cy="1"/>
-          </a:xfrm>
-          <a:prstGeom prst="bentConnector3">
-            <a:avLst>
-              <a:gd name="adj1" fmla="val 50000"/>
-            </a:avLst>
-          </a:prstGeom>
-          <a:ln w="19050">
-            <a:solidFill>
-              <a:schemeClr val="accent6">
-                <a:lumMod val="75000"/>
-              </a:schemeClr>
-            </a:solidFill>
-            <a:prstDash val="sysDot"/>
-            <a:headEnd type="none" w="med" len="med"/>
-            <a:tailEnd type="none" w="med" len="med"/>
-          </a:ln>
-          <a:effectLst/>
-        </p:spPr>
-        <p:style>
-          <a:lnRef idx="1">
-            <a:schemeClr val="accent2"/>
-          </a:lnRef>
-          <a:fillRef idx="2">
-            <a:schemeClr val="accent2"/>
-          </a:fillRef>
-          <a:effectRef idx="1">
-            <a:schemeClr val="accent2"/>
-          </a:effectRef>
-          <a:fontRef idx="minor">
-            <a:schemeClr val="dk1"/>
-          </a:fontRef>
-        </p:style>
-      </p:cxnSp>
-      <p:sp>
-        <p:nvSpPr>
-          <p:cNvPr id="99" name="Isosceles Triangle 102"/>
-          <p:cNvSpPr/>
-          <p:nvPr/>
-        </p:nvSpPr>
-        <p:spPr>
-          <a:xfrm rot="5400000" flipV="1">
-            <a:off x="4175027" y="3244059"/>
-            <a:ext cx="270504" cy="175523"/>
-          </a:xfrm>
-          <a:prstGeom prst="triangle">
-            <a:avLst/>
-          </a:prstGeom>
-          <a:solidFill>
-            <a:schemeClr val="accent6">
-              <a:lumMod val="75000"/>
-            </a:schemeClr>
-          </a:solidFill>
-          <a:ln w="19050">
-            <a:solidFill>
-              <a:schemeClr val="accent6">
-                <a:lumMod val="75000"/>
-              </a:schemeClr>
-            </a:solidFill>
-          </a:ln>
-          <a:effectLst/>
-        </p:spPr>
-        <p:style>
-          <a:lnRef idx="1">
-            <a:schemeClr val="accent2"/>
-          </a:lnRef>
-          <a:fillRef idx="2">
-            <a:schemeClr val="accent2"/>
-          </a:fillRef>
-          <a:effectRef idx="1">
-            <a:schemeClr val="accent2"/>
-          </a:effectRef>
-          <a:fontRef idx="minor">
-            <a:schemeClr val="dk1"/>
-          </a:fontRef>
-        </p:style>
-        <p:txBody>
-          <a:bodyPr rtlCol="0" anchor="ctr"/>
-          <a:lstStyle/>
-          <a:p>
-            <a:pPr algn="ctr"/>
-            <a:endParaRPr lang="en-SG" sz="1050">
-              <a:solidFill>
-                <a:schemeClr val="bg1"/>
-              </a:solidFill>
-            </a:endParaRPr>
-          </a:p>
-        </p:txBody>
-      </p:sp>
-      <p:cxnSp>
-        <p:nvCxnSpPr>
-          <p:cNvPr id="124" name="Elbow Connector 122"/>
-          <p:cNvCxnSpPr>
-            <a:stCxn id="50" idx="3"/>
-            <a:endCxn id="66" idx="1"/>
-          </p:cNvCxnSpPr>
-          <p:nvPr/>
-        </p:nvCxnSpPr>
-        <p:spPr>
-          <a:xfrm>
-            <a:off x="5791200" y="3331820"/>
-            <a:ext cx="228600" cy="1970"/>
-          </a:xfrm>
-          <a:prstGeom prst="bentConnector3">
-            <a:avLst>
-              <a:gd name="adj1" fmla="val 50000"/>
-            </a:avLst>
-          </a:prstGeom>
-          <a:ln w="19050">
-            <a:solidFill>
-              <a:schemeClr val="accent6">
-                <a:lumMod val="75000"/>
-              </a:schemeClr>
-            </a:solidFill>
-            <a:prstDash val="sysDot"/>
-            <a:headEnd type="none" w="med" len="med"/>
-            <a:tailEnd type="arrow" w="med" len="med"/>
-          </a:ln>
-          <a:effectLst/>
-        </p:spPr>
-        <p:style>
-          <a:lnRef idx="1">
-            <a:schemeClr val="accent2"/>
-          </a:lnRef>
-          <a:fillRef idx="2">
-            <a:schemeClr val="accent2"/>
-          </a:fillRef>
-          <a:effectRef idx="1">
-            <a:schemeClr val="accent2"/>
-          </a:effectRef>
-          <a:fontRef idx="minor">
-            <a:schemeClr val="dk1"/>
-          </a:fontRef>
-        </p:style>
-      </p:cxnSp>
-      <p:sp>
-        <p:nvSpPr>
-          <p:cNvPr id="50" name="Rectangle 8"/>
-          <p:cNvSpPr/>
-          <p:nvPr/>
-        </p:nvSpPr>
-        <p:spPr>
-          <a:xfrm>
-            <a:off x="4621365" y="3158440"/>
-            <a:ext cx="1169835" cy="346760"/>
-          </a:xfrm>
-          <a:prstGeom prst="rect">
-            <a:avLst/>
-          </a:prstGeom>
-          <a:ln w="19050"/>
-          <a:effectLst/>
-        </p:spPr>
-        <p:style>
-          <a:lnRef idx="1">
-            <a:schemeClr val="accent6"/>
-          </a:lnRef>
-          <a:fillRef idx="2">
-            <a:schemeClr val="accent6"/>
-          </a:fillRef>
-          <a:effectRef idx="1">
-            <a:schemeClr val="accent6"/>
-          </a:effectRef>
-          <a:fontRef idx="minor">
-            <a:schemeClr val="dk1"/>
-          </a:fontRef>
-        </p:style>
-        <p:txBody>
-          <a:bodyPr rtlCol="0" anchor="ctr"/>
-          <a:lstStyle/>
-          <a:p>
-            <a:pPr algn="ctr"/>
-            <a:r>
-              <a:rPr lang="en-US" sz="1050" b="1" dirty="0" err="1" smtClean="0">
-                <a:solidFill>
-                  <a:schemeClr val="accent6">
-                    <a:lumMod val="75000"/>
-                  </a:schemeClr>
-                </a:solidFill>
-              </a:rPr>
-              <a:t>XmlAddressBook</a:t>
-            </a:r>
             <a:r>
               <a:rPr lang="en-US" sz="1050" b="1" dirty="0" smtClean="0">
                 <a:solidFill>
@@ -16140,7 +16367,7 @@
                   </a:schemeClr>
                 </a:solidFill>
               </a:rPr>
-              <a:t/>
+              <a:t>XmlSerializable</a:t>
             </a:r>
             <a:br>
               <a:rPr lang="en-US" sz="1050" b="1" dirty="0" smtClean="0">
@@ -16159,7 +16386,7 @@
                   </a:schemeClr>
                 </a:solidFill>
               </a:rPr>
-              <a:t>Storage</a:t>
+              <a:t>ActivityManager</a:t>
             </a:r>
             <a:endParaRPr lang="en-SG" sz="1050" b="1" dirty="0">
               <a:solidFill>
@@ -16171,191 +16398,19 @@
           </a:p>
         </p:txBody>
       </p:sp>
-      <p:sp>
-        <p:nvSpPr>
-          <p:cNvPr id="52" name="Rectangle 8"/>
-          <p:cNvSpPr/>
-          <p:nvPr/>
-        </p:nvSpPr>
-        <p:spPr>
-          <a:xfrm>
-            <a:off x="2873943" y="2558040"/>
-            <a:ext cx="1323049" cy="346760"/>
-          </a:xfrm>
-          <a:prstGeom prst="rect">
-            <a:avLst/>
-          </a:prstGeom>
-          <a:solidFill>
-            <a:schemeClr val="accent6">
-              <a:lumMod val="75000"/>
-            </a:schemeClr>
-          </a:solidFill>
-          <a:ln w="19050">
-            <a:solidFill>
-              <a:schemeClr val="accent6">
-                <a:lumMod val="75000"/>
-              </a:schemeClr>
-            </a:solidFill>
-          </a:ln>
-          <a:effectLst/>
-        </p:spPr>
-        <p:style>
-          <a:lnRef idx="1">
-            <a:schemeClr val="accent2"/>
-          </a:lnRef>
-          <a:fillRef idx="2">
-            <a:schemeClr val="accent2"/>
-          </a:fillRef>
-          <a:effectRef idx="1">
-            <a:schemeClr val="accent2"/>
-          </a:effectRef>
-          <a:fontRef idx="minor">
-            <a:schemeClr val="dk1"/>
-          </a:fontRef>
-        </p:style>
-        <p:txBody>
-          <a:bodyPr rtlCol="0" anchor="ctr"/>
-          <a:lstStyle/>
-          <a:p>
-            <a:pPr algn="ctr"/>
-            <a:r>
-              <a:rPr lang="en-US" sz="1050" dirty="0" smtClean="0">
-                <a:solidFill>
-                  <a:schemeClr val="bg1"/>
-                </a:solidFill>
-              </a:rPr>
-              <a:t>&lt;&lt;interface&gt;&gt;</a:t>
-            </a:r>
-            <a:br>
-              <a:rPr lang="en-US" sz="1050" dirty="0" smtClean="0">
-                <a:solidFill>
-                  <a:schemeClr val="bg1"/>
-                </a:solidFill>
-              </a:rPr>
-            </a:br>
-            <a:r>
-              <a:rPr lang="en-US" sz="1050" dirty="0" err="1" smtClean="0">
-                <a:solidFill>
-                  <a:schemeClr val="bg1"/>
-                </a:solidFill>
-              </a:rPr>
-              <a:t>UserPrefsStorage</a:t>
-            </a:r>
-            <a:endParaRPr lang="en-SG" sz="1050" dirty="0">
-              <a:solidFill>
-                <a:schemeClr val="bg1"/>
-              </a:solidFill>
-            </a:endParaRPr>
-          </a:p>
-        </p:txBody>
-      </p:sp>
       <p:cxnSp>
         <p:nvCxnSpPr>
-          <p:cNvPr id="54" name="Straight Arrow Connector 53"/>
+          <p:cNvPr id="70" name="Elbow Connector 122"/>
           <p:cNvCxnSpPr>
-            <a:stCxn id="56" idx="3"/>
-            <a:endCxn id="52" idx="1"/>
+            <a:stCxn id="74" idx="0"/>
+            <a:endCxn id="73" idx="2"/>
           </p:cNvCxnSpPr>
           <p:nvPr/>
         </p:nvCxnSpPr>
         <p:spPr>
-          <a:xfrm>
-            <a:off x="2653133" y="2726136"/>
-            <a:ext cx="220810" cy="5284"/>
-          </a:xfrm>
-          <a:prstGeom prst="straightConnector1">
-            <a:avLst/>
-          </a:prstGeom>
-          <a:ln w="19050">
-            <a:solidFill>
-              <a:schemeClr val="accent6">
-                <a:lumMod val="75000"/>
-              </a:schemeClr>
-            </a:solidFill>
-            <a:headEnd type="none" w="med" len="med"/>
-            <a:tailEnd type="arrow" w="med" len="med"/>
-          </a:ln>
-          <a:effectLst/>
-        </p:spPr>
-        <p:style>
-          <a:lnRef idx="1">
-            <a:schemeClr val="accent2"/>
-          </a:lnRef>
-          <a:fillRef idx="2">
-            <a:schemeClr val="accent2"/>
-          </a:fillRef>
-          <a:effectRef idx="1">
-            <a:schemeClr val="accent2"/>
-          </a:effectRef>
-          <a:fontRef idx="minor">
-            <a:schemeClr val="dk1"/>
-          </a:fontRef>
-        </p:style>
-      </p:cxnSp>
-      <p:sp>
-        <p:nvSpPr>
-          <p:cNvPr id="56" name="Flowchart: Decision 96"/>
-          <p:cNvSpPr/>
-          <p:nvPr/>
-        </p:nvSpPr>
-        <p:spPr>
-          <a:xfrm>
-            <a:off x="2417085" y="2639446"/>
-            <a:ext cx="236048" cy="173380"/>
-          </a:xfrm>
-          <a:prstGeom prst="flowChartDecision">
-            <a:avLst/>
-          </a:prstGeom>
-          <a:noFill/>
-          <a:ln w="19050">
-            <a:solidFill>
-              <a:schemeClr val="accent6">
-                <a:lumMod val="75000"/>
-              </a:schemeClr>
-            </a:solidFill>
-          </a:ln>
-          <a:effectLst/>
-        </p:spPr>
-        <p:style>
-          <a:lnRef idx="1">
-            <a:schemeClr val="accent2"/>
-          </a:lnRef>
-          <a:fillRef idx="2">
-            <a:schemeClr val="accent2"/>
-          </a:fillRef>
-          <a:effectRef idx="1">
-            <a:schemeClr val="accent2"/>
-          </a:effectRef>
-          <a:fontRef idx="minor">
-            <a:schemeClr val="dk1"/>
-          </a:fontRef>
-        </p:style>
-        <p:txBody>
-          <a:bodyPr rtlCol="0" anchor="ctr"/>
-          <a:lstStyle/>
-          <a:p>
-            <a:pPr algn="ctr"/>
-            <a:endParaRPr lang="en-US" sz="1050">
-              <a:solidFill>
-                <a:schemeClr val="bg1"/>
-              </a:solidFill>
-            </a:endParaRPr>
-          </a:p>
-        </p:txBody>
-      </p:sp>
-      <p:cxnSp>
-        <p:nvCxnSpPr>
-          <p:cNvPr id="60" name="Elbow Connector 63"/>
-          <p:cNvCxnSpPr>
-            <a:stCxn id="61" idx="3"/>
-            <a:endCxn id="65" idx="1"/>
-          </p:cNvCxnSpPr>
-          <p:nvPr/>
-        </p:nvCxnSpPr>
-        <p:spPr>
-          <a:xfrm flipV="1">
-            <a:off x="4394804" y="2731420"/>
-            <a:ext cx="223324" cy="1"/>
+          <a:xfrm rot="5400000" flipH="1" flipV="1">
+            <a:off x="8077993" y="2992020"/>
+            <a:ext cx="335208" cy="12700"/>
           </a:xfrm>
           <a:prstGeom prst="bentConnector3">
             <a:avLst>
@@ -16363,26 +16418,21 @@
             </a:avLst>
           </a:prstGeom>
           <a:ln w="19050">
-            <a:solidFill>
-              <a:schemeClr val="accent6">
-                <a:lumMod val="75000"/>
-              </a:schemeClr>
-            </a:solidFill>
             <a:prstDash val="sysDot"/>
             <a:headEnd type="none" w="med" len="med"/>
-            <a:tailEnd type="none" w="med" len="med"/>
-          </a:ln>
-          <a:effectLst/>
-        </p:spPr>
-        <p:style>
-          <a:lnRef idx="1">
-            <a:schemeClr val="accent2"/>
-          </a:lnRef>
-          <a:fillRef idx="2">
-            <a:schemeClr val="accent2"/>
-          </a:fillRef>
-          <a:effectRef idx="1">
-            <a:schemeClr val="accent2"/>
+            <a:tailEnd type="arrow" w="med" len="med"/>
+          </a:ln>
+          <a:effectLst/>
+        </p:spPr>
+        <p:style>
+          <a:lnRef idx="1">
+            <a:schemeClr val="accent6"/>
+          </a:lnRef>
+          <a:fillRef idx="2">
+            <a:schemeClr val="accent6"/>
+          </a:fillRef>
+          <a:effectRef idx="1">
+            <a:schemeClr val="accent6"/>
           </a:effectRef>
           <a:fontRef idx="minor">
             <a:schemeClr val="dk1"/>
@@ -16391,41 +16441,30 @@
       </p:cxnSp>
       <p:sp>
         <p:nvSpPr>
-          <p:cNvPr id="61" name="Isosceles Triangle 102"/>
+          <p:cNvPr id="73" name="Rectangle 8"/>
           <p:cNvSpPr/>
           <p:nvPr/>
         </p:nvSpPr>
         <p:spPr>
-          <a:xfrm rot="5400000" flipV="1">
-            <a:off x="4171790" y="2643659"/>
-            <a:ext cx="270504" cy="175523"/>
-          </a:xfrm>
-          <a:prstGeom prst="triangle">
-            <a:avLst/>
-          </a:prstGeom>
-          <a:solidFill>
-            <a:schemeClr val="accent6">
-              <a:lumMod val="75000"/>
-            </a:schemeClr>
-          </a:solidFill>
-          <a:ln w="19050">
-            <a:solidFill>
-              <a:schemeClr val="accent6">
-                <a:lumMod val="75000"/>
-              </a:schemeClr>
-            </a:solidFill>
-          </a:ln>
-          <a:effectLst/>
-        </p:spPr>
-        <p:style>
-          <a:lnRef idx="1">
-            <a:schemeClr val="accent2"/>
-          </a:lnRef>
-          <a:fillRef idx="2">
-            <a:schemeClr val="accent2"/>
-          </a:fillRef>
-          <a:effectRef idx="1">
-            <a:schemeClr val="accent2"/>
+          <a:xfrm>
+            <a:off x="7615738" y="2477656"/>
+            <a:ext cx="1259718" cy="346760"/>
+          </a:xfrm>
+          <a:prstGeom prst="rect">
+            <a:avLst/>
+          </a:prstGeom>
+          <a:ln w="19050"/>
+          <a:effectLst/>
+        </p:spPr>
+        <p:style>
+          <a:lnRef idx="1">
+            <a:schemeClr val="accent6"/>
+          </a:lnRef>
+          <a:fillRef idx="2">
+            <a:schemeClr val="accent6"/>
+          </a:fillRef>
+          <a:effectRef idx="1">
+            <a:schemeClr val="accent6"/>
           </a:effectRef>
           <a:fontRef idx="minor">
             <a:schemeClr val="dk1"/>
@@ -16436,146 +16475,6 @@
           <a:lstStyle/>
           <a:p>
             <a:pPr algn="ctr"/>
-            <a:endParaRPr lang="en-SG" sz="1050">
-              <a:solidFill>
-                <a:schemeClr val="bg1"/>
-              </a:solidFill>
-            </a:endParaRPr>
-          </a:p>
-        </p:txBody>
-      </p:sp>
-      <p:sp>
-        <p:nvSpPr>
-          <p:cNvPr id="65" name="Rectangle 8"/>
-          <p:cNvSpPr/>
-          <p:nvPr/>
-        </p:nvSpPr>
-        <p:spPr>
-          <a:xfrm>
-            <a:off x="4618128" y="2558040"/>
-            <a:ext cx="1093635" cy="346760"/>
-          </a:xfrm>
-          <a:prstGeom prst="rect">
-            <a:avLst/>
-          </a:prstGeom>
-          <a:solidFill>
-            <a:schemeClr val="accent6">
-              <a:lumMod val="75000"/>
-            </a:schemeClr>
-          </a:solidFill>
-          <a:ln w="19050">
-            <a:solidFill>
-              <a:schemeClr val="accent6">
-                <a:lumMod val="75000"/>
-              </a:schemeClr>
-            </a:solidFill>
-          </a:ln>
-          <a:effectLst/>
-        </p:spPr>
-        <p:style>
-          <a:lnRef idx="1">
-            <a:schemeClr val="accent2"/>
-          </a:lnRef>
-          <a:fillRef idx="2">
-            <a:schemeClr val="accent2"/>
-          </a:fillRef>
-          <a:effectRef idx="1">
-            <a:schemeClr val="accent2"/>
-          </a:effectRef>
-          <a:fontRef idx="minor">
-            <a:schemeClr val="dk1"/>
-          </a:fontRef>
-        </p:style>
-        <p:txBody>
-          <a:bodyPr rtlCol="0" anchor="ctr"/>
-          <a:lstStyle/>
-          <a:p>
-            <a:pPr algn="ctr"/>
-            <a:r>
-              <a:rPr lang="en-US" sz="1050" dirty="0" err="1" smtClean="0">
-                <a:solidFill>
-                  <a:schemeClr val="bg1"/>
-                </a:solidFill>
-              </a:rPr>
-              <a:t>JsonUserPrefs</a:t>
-            </a:r>
-            <a:r>
-              <a:rPr lang="en-US" sz="1050" dirty="0" smtClean="0">
-                <a:solidFill>
-                  <a:schemeClr val="bg1"/>
-                </a:solidFill>
-              </a:rPr>
-              <a:t/>
-            </a:r>
-            <a:br>
-              <a:rPr lang="en-US" sz="1050" dirty="0" smtClean="0">
-                <a:solidFill>
-                  <a:schemeClr val="bg1"/>
-                </a:solidFill>
-              </a:rPr>
-            </a:br>
-            <a:r>
-              <a:rPr lang="en-US" sz="1050" dirty="0" smtClean="0">
-                <a:solidFill>
-                  <a:schemeClr val="bg1"/>
-                </a:solidFill>
-              </a:rPr>
-              <a:t>Storage</a:t>
-            </a:r>
-            <a:endParaRPr lang="en-SG" sz="1050" dirty="0">
-              <a:solidFill>
-                <a:schemeClr val="bg1"/>
-              </a:solidFill>
-            </a:endParaRPr>
-          </a:p>
-        </p:txBody>
-      </p:sp>
-      <p:sp>
-        <p:nvSpPr>
-          <p:cNvPr id="66" name="Rectangle 8"/>
-          <p:cNvSpPr/>
-          <p:nvPr/>
-        </p:nvSpPr>
-        <p:spPr>
-          <a:xfrm>
-            <a:off x="6019800" y="3160410"/>
-            <a:ext cx="1200707" cy="346760"/>
-          </a:xfrm>
-          <a:prstGeom prst="rect">
-            <a:avLst/>
-          </a:prstGeom>
-          <a:ln w="19050"/>
-          <a:effectLst/>
-        </p:spPr>
-        <p:style>
-          <a:lnRef idx="1">
-            <a:schemeClr val="accent6"/>
-          </a:lnRef>
-          <a:fillRef idx="2">
-            <a:schemeClr val="accent6"/>
-          </a:fillRef>
-          <a:effectRef idx="1">
-            <a:schemeClr val="accent6"/>
-          </a:effectRef>
-          <a:fontRef idx="minor">
-            <a:schemeClr val="dk1"/>
-          </a:fontRef>
-        </p:style>
-        <p:txBody>
-          <a:bodyPr rtlCol="0" anchor="ctr"/>
-          <a:lstStyle/>
-          <a:p>
-            <a:pPr algn="ctr"/>
-            <a:r>
-              <a:rPr lang="en-US" sz="1050" b="1" dirty="0" err="1" smtClean="0">
-                <a:solidFill>
-                  <a:schemeClr val="accent6">
-                    <a:lumMod val="75000"/>
-                  </a:schemeClr>
-                </a:solidFill>
-              </a:rPr>
-              <a:t>XmlSerializable</a:t>
-            </a:r>
             <a:r>
               <a:rPr lang="en-US" sz="1050" b="1" dirty="0" smtClean="0">
                 <a:solidFill>
@@ -16584,26 +16483,7 @@
                   </a:schemeClr>
                 </a:solidFill>
               </a:rPr>
-              <a:t/>
-            </a:r>
-            <a:br>
-              <a:rPr lang="en-US" sz="1050" b="1" dirty="0" smtClean="0">
-                <a:solidFill>
-                  <a:schemeClr val="accent6">
-                    <a:lumMod val="75000"/>
-                  </a:schemeClr>
-                </a:solidFill>
-              </a:rPr>
-            </a:br>
-            <a:r>
-              <a:rPr lang="en-US" sz="1050" b="1" dirty="0" err="1" smtClean="0">
-                <a:solidFill>
-                  <a:schemeClr val="accent6">
-                    <a:lumMod val="75000"/>
-                  </a:schemeClr>
-                </a:solidFill>
-              </a:rPr>
-              <a:t>AddressBook</a:t>
+              <a:t>XmlAdaptedTag</a:t>
             </a:r>
             <a:endParaRPr lang="en-SG" sz="1050" b="1" dirty="0">
               <a:solidFill>
@@ -16615,30 +16495,21 @@
           </a:p>
         </p:txBody>
       </p:sp>
-      <p:cxnSp>
-        <p:nvCxnSpPr>
-          <p:cNvPr id="70" name="Elbow Connector 122"/>
-          <p:cNvCxnSpPr>
-            <a:stCxn id="74" idx="0"/>
-            <a:endCxn id="73" idx="2"/>
-          </p:cNvCxnSpPr>
-          <p:nvPr/>
-        </p:nvCxnSpPr>
-        <p:spPr>
-          <a:xfrm rot="5400000" flipH="1" flipV="1">
-            <a:off x="8077993" y="2992020"/>
-            <a:ext cx="335208" cy="12700"/>
-          </a:xfrm>
-          <a:prstGeom prst="bentConnector3">
-            <a:avLst>
-              <a:gd name="adj1" fmla="val 50000"/>
-            </a:avLst>
-          </a:prstGeom>
-          <a:ln w="19050">
-            <a:prstDash val="sysDot"/>
-            <a:headEnd type="none" w="med" len="med"/>
-            <a:tailEnd type="arrow" w="med" len="med"/>
-          </a:ln>
+      <p:sp>
+        <p:nvSpPr>
+          <p:cNvPr id="74" name="Rectangle 8"/>
+          <p:cNvSpPr/>
+          <p:nvPr/>
+        </p:nvSpPr>
+        <p:spPr>
+          <a:xfrm>
+            <a:off x="7615738" y="3159624"/>
+            <a:ext cx="1259718" cy="346760"/>
+          </a:xfrm>
+          <a:prstGeom prst="rect">
+            <a:avLst/>
+          </a:prstGeom>
+          <a:ln w="19050"/>
           <a:effectLst/>
         </p:spPr>
         <p:style>
@@ -16655,110 +16526,22 @@
             <a:schemeClr val="dk1"/>
           </a:fontRef>
         </p:style>
-      </p:cxnSp>
-      <p:sp>
-        <p:nvSpPr>
-          <p:cNvPr id="73" name="Rectangle 8"/>
-          <p:cNvSpPr/>
-          <p:nvPr/>
-        </p:nvSpPr>
-        <p:spPr>
-          <a:xfrm>
-            <a:off x="7615738" y="2477656"/>
-            <a:ext cx="1259718" cy="346760"/>
-          </a:xfrm>
-          <a:prstGeom prst="rect">
-            <a:avLst/>
-          </a:prstGeom>
-          <a:ln w="19050"/>
-          <a:effectLst/>
-        </p:spPr>
-        <p:style>
-          <a:lnRef idx="1">
-            <a:schemeClr val="accent6"/>
-          </a:lnRef>
-          <a:fillRef idx="2">
-            <a:schemeClr val="accent6"/>
-          </a:fillRef>
-          <a:effectRef idx="1">
-            <a:schemeClr val="accent6"/>
-          </a:effectRef>
-          <a:fontRef idx="minor">
-            <a:schemeClr val="dk1"/>
-          </a:fontRef>
-        </p:style>
         <p:txBody>
           <a:bodyPr rtlCol="0" anchor="ctr"/>
           <a:lstStyle/>
           <a:p>
             <a:pPr algn="ctr"/>
             <a:r>
-              <a:rPr lang="en-US" sz="1050" b="1" dirty="0" err="1" smtClean="0">
+              <a:rPr lang="en-US" sz="1000" b="1" dirty="0" smtClean="0">
                 <a:solidFill>
                   <a:schemeClr val="accent6">
                     <a:lumMod val="75000"/>
                   </a:schemeClr>
                 </a:solidFill>
               </a:rPr>
-              <a:t>XmlAdaptedTag</a:t>
-            </a:r>
-            <a:endParaRPr lang="en-SG" sz="1050" b="1" dirty="0">
-              <a:solidFill>
-                <a:schemeClr val="accent6">
-                  <a:lumMod val="75000"/>
-                </a:schemeClr>
-              </a:solidFill>
-            </a:endParaRPr>
-          </a:p>
-        </p:txBody>
-      </p:sp>
-      <p:sp>
-        <p:nvSpPr>
-          <p:cNvPr id="74" name="Rectangle 8"/>
-          <p:cNvSpPr/>
-          <p:nvPr/>
-        </p:nvSpPr>
-        <p:spPr>
-          <a:xfrm>
-            <a:off x="7615738" y="3159624"/>
-            <a:ext cx="1259718" cy="346760"/>
-          </a:xfrm>
-          <a:prstGeom prst="rect">
-            <a:avLst/>
-          </a:prstGeom>
-          <a:ln w="19050"/>
-          <a:effectLst/>
-        </p:spPr>
-        <p:style>
-          <a:lnRef idx="1">
-            <a:schemeClr val="accent6"/>
-          </a:lnRef>
-          <a:fillRef idx="2">
-            <a:schemeClr val="accent6"/>
-          </a:fillRef>
-          <a:effectRef idx="1">
-            <a:schemeClr val="accent6"/>
-          </a:effectRef>
-          <a:fontRef idx="minor">
-            <a:schemeClr val="dk1"/>
-          </a:fontRef>
-        </p:style>
-        <p:txBody>
-          <a:bodyPr rtlCol="0" anchor="ctr"/>
-          <a:lstStyle/>
-          <a:p>
-            <a:pPr algn="ctr"/>
-            <a:r>
-              <a:rPr lang="en-US" sz="1050" b="1" dirty="0" err="1" smtClean="0">
-                <a:solidFill>
-                  <a:schemeClr val="accent6">
-                    <a:lumMod val="75000"/>
-                  </a:schemeClr>
-                </a:solidFill>
-              </a:rPr>
-              <a:t>XmlAdaptedPerson</a:t>
-            </a:r>
-            <a:endParaRPr lang="en-SG" sz="1050" b="1" dirty="0">
+              <a:t>XmlAdaptedActivity</a:t>
+            </a:r>
+            <a:endParaRPr lang="en-SG" sz="1000" b="1" dirty="0">
               <a:solidFill>
                 <a:schemeClr val="accent6">
                   <a:lumMod val="75000"/>
@@ -16846,6 +16629,262 @@
           <a:chExt cx="0" cy="0"/>
         </a:xfrm>
       </p:grpSpPr>
+      <p:sp>
+        <p:nvSpPr>
+          <p:cNvPr id="2" name="Rectangle 1"/>
+          <p:cNvSpPr/>
+          <p:nvPr/>
+        </p:nvSpPr>
+        <p:spPr>
+          <a:xfrm>
+            <a:off x="990600" y="1752600"/>
+            <a:ext cx="7924800" cy="457200"/>
+          </a:xfrm>
+          <a:prstGeom prst="rect">
+            <a:avLst/>
+          </a:prstGeom>
+        </p:spPr>
+        <p:style>
+          <a:lnRef idx="2">
+            <a:schemeClr val="accent1">
+              <a:shade val="50000"/>
+            </a:schemeClr>
+          </a:lnRef>
+          <a:fillRef idx="1">
+            <a:schemeClr val="accent1"/>
+          </a:fillRef>
+          <a:effectRef idx="0">
+            <a:schemeClr val="accent1"/>
+          </a:effectRef>
+          <a:fontRef idx="minor">
+            <a:schemeClr val="lt1"/>
+          </a:fontRef>
+        </p:style>
+        <p:txBody>
+          <a:bodyPr rtlCol="0" anchor="ctr"/>
+          <a:lstStyle/>
+          <a:p>
+            <a:pPr algn="ctr"/>
+            <a:endParaRPr lang="en-GB"/>
+          </a:p>
+        </p:txBody>
+      </p:sp>
+      <p:sp>
+        <p:nvSpPr>
+          <p:cNvPr id="3" name="TextBox 2"/>
+          <p:cNvSpPr txBox="1"/>
+          <p:nvPr/>
+        </p:nvSpPr>
+        <p:spPr>
+          <a:xfrm>
+            <a:off x="1143000" y="1843516"/>
+            <a:ext cx="563424" cy="369332"/>
+          </a:xfrm>
+          <a:prstGeom prst="rect">
+            <a:avLst/>
+          </a:prstGeom>
+          <a:noFill/>
+        </p:spPr>
+        <p:txBody>
+          <a:bodyPr wrap="none" rtlCol="0">
+            <a:spAutoFit/>
+          </a:bodyPr>
+          <a:lstStyle/>
+          <a:p>
+            <a:r>
+              <a:rPr lang="en-GB" smtClean="0"/>
+              <a:t>task</a:t>
+            </a:r>
+            <a:endParaRPr lang="en-GB"/>
+          </a:p>
+        </p:txBody>
+      </p:sp>
+      <p:sp>
+        <p:nvSpPr>
+          <p:cNvPr id="4" name="TextBox 3"/>
+          <p:cNvSpPr txBox="1"/>
+          <p:nvPr/>
+        </p:nvSpPr>
+        <p:spPr>
+          <a:xfrm>
+            <a:off x="8229600" y="1764268"/>
+            <a:ext cx="605102" cy="369332"/>
+          </a:xfrm>
+          <a:prstGeom prst="rect">
+            <a:avLst/>
+          </a:prstGeom>
+          <a:noFill/>
+        </p:spPr>
+        <p:txBody>
+          <a:bodyPr wrap="none" rtlCol="0">
+            <a:spAutoFit/>
+          </a:bodyPr>
+          <a:lstStyle/>
+          <a:p>
+            <a:r>
+              <a:rPr lang="en-GB" smtClean="0"/>
+              <a:t>date</a:t>
+            </a:r>
+            <a:endParaRPr lang="en-GB" dirty="0"/>
+          </a:p>
+        </p:txBody>
+      </p:sp>
+      <p:sp>
+        <p:nvSpPr>
+          <p:cNvPr id="6" name="Rectangle 5"/>
+          <p:cNvSpPr/>
+          <p:nvPr/>
+        </p:nvSpPr>
+        <p:spPr>
+          <a:xfrm>
+            <a:off x="1706424" y="1767316"/>
+            <a:ext cx="884376" cy="366284"/>
+          </a:xfrm>
+          <a:prstGeom prst="rect">
+            <a:avLst/>
+          </a:prstGeom>
+          <a:solidFill>
+            <a:schemeClr val="accent2"/>
+          </a:solidFill>
+        </p:spPr>
+        <p:style>
+          <a:lnRef idx="2">
+            <a:schemeClr val="accent1">
+              <a:shade val="50000"/>
+            </a:schemeClr>
+          </a:lnRef>
+          <a:fillRef idx="1">
+            <a:schemeClr val="accent1"/>
+          </a:fillRef>
+          <a:effectRef idx="0">
+            <a:schemeClr val="accent1"/>
+          </a:effectRef>
+          <a:fontRef idx="minor">
+            <a:schemeClr val="lt1"/>
+          </a:fontRef>
+        </p:style>
+        <p:txBody>
+          <a:bodyPr rtlCol="0" anchor="ctr"/>
+          <a:lstStyle/>
+          <a:p>
+            <a:pPr algn="ctr"/>
+            <a:endParaRPr lang="en-GB"/>
+          </a:p>
+        </p:txBody>
+      </p:sp>
+      <p:sp>
+        <p:nvSpPr>
+          <p:cNvPr id="7" name="TextBox 6"/>
+          <p:cNvSpPr txBox="1"/>
+          <p:nvPr/>
+        </p:nvSpPr>
+        <p:spPr>
+          <a:xfrm>
+            <a:off x="1881924" y="1752600"/>
+            <a:ext cx="638316" cy="369332"/>
+          </a:xfrm>
+          <a:prstGeom prst="rect">
+            <a:avLst/>
+          </a:prstGeom>
+          <a:noFill/>
+        </p:spPr>
+        <p:txBody>
+          <a:bodyPr wrap="none" rtlCol="0">
+            <a:spAutoFit/>
+          </a:bodyPr>
+          <a:lstStyle/>
+          <a:p>
+            <a:r>
+              <a:rPr lang="en-GB" smtClean="0"/>
+              <a:t>label</a:t>
+            </a:r>
+            <a:endParaRPr lang="en-GB"/>
+          </a:p>
+        </p:txBody>
+      </p:sp>
+      <p:sp>
+        <p:nvSpPr>
+          <p:cNvPr id="8" name="Rectangle 7"/>
+          <p:cNvSpPr/>
+          <p:nvPr/>
+        </p:nvSpPr>
+        <p:spPr>
+          <a:xfrm>
+            <a:off x="499853" y="1752600"/>
+            <a:ext cx="482726" cy="457200"/>
+          </a:xfrm>
+          <a:prstGeom prst="rect">
+            <a:avLst/>
+          </a:prstGeom>
+        </p:spPr>
+        <p:style>
+          <a:lnRef idx="2">
+            <a:schemeClr val="accent1">
+              <a:shade val="50000"/>
+            </a:schemeClr>
+          </a:lnRef>
+          <a:fillRef idx="1">
+            <a:schemeClr val="accent1"/>
+          </a:fillRef>
+          <a:effectRef idx="0">
+            <a:schemeClr val="accent1"/>
+          </a:effectRef>
+          <a:fontRef idx="minor">
+            <a:schemeClr val="lt1"/>
+          </a:fontRef>
+        </p:style>
+        <p:txBody>
+          <a:bodyPr rtlCol="0" anchor="ctr"/>
+          <a:lstStyle/>
+          <a:p>
+            <a:pPr algn="ctr"/>
+            <a:endParaRPr lang="en-GB"/>
+          </a:p>
+        </p:txBody>
+      </p:sp>
+      <p:sp>
+        <p:nvSpPr>
+          <p:cNvPr id="9" name="5-Point Star 8"/>
+          <p:cNvSpPr/>
+          <p:nvPr/>
+        </p:nvSpPr>
+        <p:spPr>
+          <a:xfrm>
+            <a:off x="665985" y="1861066"/>
+            <a:ext cx="248415" cy="272534"/>
+          </a:xfrm>
+          <a:prstGeom prst="star5">
+            <a:avLst/>
+          </a:prstGeom>
+          <a:solidFill>
+            <a:srgbClr val="00B050"/>
+          </a:solidFill>
+        </p:spPr>
+        <p:style>
+          <a:lnRef idx="2">
+            <a:schemeClr val="accent1">
+              <a:shade val="50000"/>
+            </a:schemeClr>
+          </a:lnRef>
+          <a:fillRef idx="1">
+            <a:schemeClr val="accent1"/>
+          </a:fillRef>
+          <a:effectRef idx="0">
+            <a:schemeClr val="accent1"/>
+          </a:effectRef>
+          <a:fontRef idx="minor">
+            <a:schemeClr val="lt1"/>
+          </a:fontRef>
+        </p:style>
+        <p:txBody>
+          <a:bodyPr rtlCol="0" anchor="ctr"/>
+          <a:lstStyle/>
+          <a:p>
+            <a:pPr algn="ctr"/>
+            <a:endParaRPr lang="en-GB"/>
+          </a:p>
+        </p:txBody>
+      </p:sp>
     </p:spTree>
     <p:extLst>
       <p:ext uri="{BB962C8B-B14F-4D97-AF65-F5344CB8AC3E}">
@@ -17139,7 +17178,36 @@
       </a:bgFillStyleLst>
     </a:fmtScheme>
   </a:themeElements>
-  <a:objectDefaults/>
+  <a:objectDefaults>
+    <a:lnDef>
+      <a:spPr>
+        <a:ln w="19050">
+          <a:solidFill>
+            <a:srgbClr val="7030A0"/>
+          </a:solidFill>
+          <a:headEnd type="none" w="med" len="med"/>
+          <a:tailEnd type="arrow" w="med" len="med"/>
+        </a:ln>
+        <a:effectLst/>
+      </a:spPr>
+      <a:bodyPr/>
+      <a:lstStyle/>
+      <a:style>
+        <a:lnRef idx="1">
+          <a:schemeClr val="accent2"/>
+        </a:lnRef>
+        <a:fillRef idx="2">
+          <a:schemeClr val="accent2"/>
+        </a:fillRef>
+        <a:effectRef idx="1">
+          <a:schemeClr val="accent2"/>
+        </a:effectRef>
+        <a:fontRef idx="minor">
+          <a:schemeClr val="dk1"/>
+        </a:fontRef>
+      </a:style>
+    </a:lnDef>
+  </a:objectDefaults>
   <a:extraClrSchemeLst/>
 </a:theme>
 </file>

--- a/docs/diagrams/Diagrams.pptx
+++ b/docs/diagrams/Diagrams.pptx
@@ -215,7 +215,7 @@
           <a:p>
             <a:fld id="{F5CC4B3F-88C1-4FFA-B1B6-F41C21DC6924}" type="datetimeFigureOut">
               <a:rPr lang="en-US" smtClean="0"/>
-              <a:t>10/7/2016</a:t>
+              <a:t>10/13/2016</a:t>
             </a:fld>
             <a:endParaRPr lang="en-US"/>
           </a:p>
@@ -664,7 +664,7 @@
           <a:p>
             <a:fld id="{78C97017-6FC3-485B-9764-EAC9E56C1D49}" type="datetimeFigureOut">
               <a:rPr lang="en-US" smtClean="0"/>
-              <a:t>10/7/2016</a:t>
+              <a:t>10/13/2016</a:t>
             </a:fld>
             <a:endParaRPr lang="en-US"/>
           </a:p>
@@ -834,7 +834,7 @@
           <a:p>
             <a:fld id="{78C97017-6FC3-485B-9764-EAC9E56C1D49}" type="datetimeFigureOut">
               <a:rPr lang="en-US" smtClean="0"/>
-              <a:t>10/7/2016</a:t>
+              <a:t>10/13/2016</a:t>
             </a:fld>
             <a:endParaRPr lang="en-US"/>
           </a:p>
@@ -1014,7 +1014,7 @@
           <a:p>
             <a:fld id="{78C97017-6FC3-485B-9764-EAC9E56C1D49}" type="datetimeFigureOut">
               <a:rPr lang="en-US" smtClean="0"/>
-              <a:t>10/7/2016</a:t>
+              <a:t>10/13/2016</a:t>
             </a:fld>
             <a:endParaRPr lang="en-US"/>
           </a:p>
@@ -1184,7 +1184,7 @@
           <a:p>
             <a:fld id="{78C97017-6FC3-485B-9764-EAC9E56C1D49}" type="datetimeFigureOut">
               <a:rPr lang="en-US" smtClean="0"/>
-              <a:t>10/7/2016</a:t>
+              <a:t>10/13/2016</a:t>
             </a:fld>
             <a:endParaRPr lang="en-US"/>
           </a:p>
@@ -1430,7 +1430,7 @@
           <a:p>
             <a:fld id="{78C97017-6FC3-485B-9764-EAC9E56C1D49}" type="datetimeFigureOut">
               <a:rPr lang="en-US" smtClean="0"/>
-              <a:t>10/7/2016</a:t>
+              <a:t>10/13/2016</a:t>
             </a:fld>
             <a:endParaRPr lang="en-US"/>
           </a:p>
@@ -1718,7 +1718,7 @@
           <a:p>
             <a:fld id="{78C97017-6FC3-485B-9764-EAC9E56C1D49}" type="datetimeFigureOut">
               <a:rPr lang="en-US" smtClean="0"/>
-              <a:t>10/7/2016</a:t>
+              <a:t>10/13/2016</a:t>
             </a:fld>
             <a:endParaRPr lang="en-US"/>
           </a:p>
@@ -2140,7 +2140,7 @@
           <a:p>
             <a:fld id="{78C97017-6FC3-485B-9764-EAC9E56C1D49}" type="datetimeFigureOut">
               <a:rPr lang="en-US" smtClean="0"/>
-              <a:t>10/7/2016</a:t>
+              <a:t>10/13/2016</a:t>
             </a:fld>
             <a:endParaRPr lang="en-US"/>
           </a:p>
@@ -2258,7 +2258,7 @@
           <a:p>
             <a:fld id="{78C97017-6FC3-485B-9764-EAC9E56C1D49}" type="datetimeFigureOut">
               <a:rPr lang="en-US" smtClean="0"/>
-              <a:t>10/7/2016</a:t>
+              <a:t>10/13/2016</a:t>
             </a:fld>
             <a:endParaRPr lang="en-US"/>
           </a:p>
@@ -2353,7 +2353,7 @@
           <a:p>
             <a:fld id="{78C97017-6FC3-485B-9764-EAC9E56C1D49}" type="datetimeFigureOut">
               <a:rPr lang="en-US" smtClean="0"/>
-              <a:t>10/7/2016</a:t>
+              <a:t>10/13/2016</a:t>
             </a:fld>
             <a:endParaRPr lang="en-US"/>
           </a:p>
@@ -2630,7 +2630,7 @@
           <a:p>
             <a:fld id="{78C97017-6FC3-485B-9764-EAC9E56C1D49}" type="datetimeFigureOut">
               <a:rPr lang="en-US" smtClean="0"/>
-              <a:t>10/7/2016</a:t>
+              <a:t>10/13/2016</a:t>
             </a:fld>
             <a:endParaRPr lang="en-US"/>
           </a:p>
@@ -2883,7 +2883,7 @@
           <a:p>
             <a:fld id="{78C97017-6FC3-485B-9764-EAC9E56C1D49}" type="datetimeFigureOut">
               <a:rPr lang="en-US" smtClean="0"/>
-              <a:t>10/7/2016</a:t>
+              <a:t>10/13/2016</a:t>
             </a:fld>
             <a:endParaRPr lang="en-US"/>
           </a:p>
@@ -3096,7 +3096,7 @@
           <a:p>
             <a:fld id="{78C97017-6FC3-485B-9764-EAC9E56C1D49}" type="datetimeFigureOut">
               <a:rPr lang="en-US" smtClean="0"/>
-              <a:t>10/7/2016</a:t>
+              <a:t>10/13/2016</a:t>
             </a:fld>
             <a:endParaRPr lang="en-US"/>
           </a:p>
@@ -8060,7 +8060,7 @@
         </p:nvSpPr>
         <p:spPr>
           <a:xfrm>
-            <a:off x="2819399" y="4953000"/>
+            <a:off x="2819399" y="5020959"/>
             <a:ext cx="1093635" cy="236841"/>
           </a:xfrm>
           <a:prstGeom prst="rect">
@@ -8120,7 +8120,7 @@
         </p:nvSpPr>
         <p:spPr>
           <a:xfrm>
-            <a:off x="3809999" y="3839561"/>
+            <a:off x="2819400" y="3915762"/>
             <a:ext cx="1093635" cy="275239"/>
           </a:xfrm>
           <a:prstGeom prst="rect">
@@ -8180,7 +8180,7 @@
         </p:nvSpPr>
         <p:spPr>
           <a:xfrm>
-            <a:off x="5410199" y="4038600"/>
+            <a:off x="4521694" y="4182759"/>
             <a:ext cx="1040906" cy="236841"/>
           </a:xfrm>
           <a:prstGeom prst="rect">
@@ -8454,47 +8454,6 @@
           <a:xfrm rot="16200000" flipH="1">
             <a:off x="2293402" y="3089382"/>
             <a:ext cx="841879" cy="210116"/>
-          </a:xfrm>
-          <a:prstGeom prst="bentConnector2">
-            <a:avLst/>
-          </a:prstGeom>
-          <a:ln w="19050">
-            <a:solidFill>
-              <a:schemeClr val="accent3"/>
-            </a:solidFill>
-            <a:headEnd type="none" w="med" len="med"/>
-            <a:tailEnd type="arrow" w="med" len="med"/>
-          </a:ln>
-          <a:effectLst/>
-        </p:spPr>
-        <p:style>
-          <a:lnRef idx="1">
-            <a:schemeClr val="accent2"/>
-          </a:lnRef>
-          <a:fillRef idx="2">
-            <a:schemeClr val="accent2"/>
-          </a:fillRef>
-          <a:effectRef idx="1">
-            <a:schemeClr val="accent2"/>
-          </a:effectRef>
-          <a:fontRef idx="minor">
-            <a:schemeClr val="dk1"/>
-          </a:fontRef>
-        </p:style>
-      </p:cxnSp>
-      <p:cxnSp>
-        <p:nvCxnSpPr>
-          <p:cNvPr id="47" name="Elbow Connector 63"/>
-          <p:cNvCxnSpPr>
-            <a:stCxn id="39" idx="2"/>
-            <a:endCxn id="68" idx="1"/>
-          </p:cNvCxnSpPr>
-          <p:nvPr/>
-        </p:nvCxnSpPr>
-        <p:spPr>
-          <a:xfrm rot="16200000" flipH="1">
-            <a:off x="2024642" y="3358142"/>
-            <a:ext cx="1379399" cy="210116"/>
           </a:xfrm>
           <a:prstGeom prst="bentConnector2">
             <a:avLst/>
@@ -8534,8 +8493,8 @@
         </p:nvCxnSpPr>
         <p:spPr>
           <a:xfrm rot="16200000" flipH="1">
-            <a:off x="1565381" y="3817403"/>
-            <a:ext cx="2297920" cy="210116"/>
+            <a:off x="1531402" y="3851382"/>
+            <a:ext cx="2365879" cy="210116"/>
           </a:xfrm>
           <a:prstGeom prst="bentConnector2">
             <a:avLst/>
@@ -8735,8 +8694,8 @@
         </p:nvCxnSpPr>
         <p:spPr>
           <a:xfrm rot="5400000">
-            <a:off x="5512227" y="3072479"/>
-            <a:ext cx="2023421" cy="145663"/>
+            <a:off x="4995894" y="2700306"/>
+            <a:ext cx="2167580" cy="1034168"/>
           </a:xfrm>
           <a:prstGeom prst="bentConnector2">
             <a:avLst/>
@@ -8858,8 +8817,8 @@
         </p:nvCxnSpPr>
         <p:spPr>
           <a:xfrm rot="5400000">
-            <a:off x="3785991" y="2260643"/>
-            <a:ext cx="2937821" cy="2683734"/>
+            <a:off x="3752011" y="2294623"/>
+            <a:ext cx="3005780" cy="2683734"/>
           </a:xfrm>
           <a:prstGeom prst="bentConnector2">
             <a:avLst/>
@@ -9425,8 +9384,8 @@
         </p:nvCxnSpPr>
         <p:spPr>
           <a:xfrm rot="16200000" flipH="1">
-            <a:off x="4862398" y="3609219"/>
-            <a:ext cx="42221" cy="1053382"/>
+            <a:off x="3888867" y="3668352"/>
+            <a:ext cx="110179" cy="1155476"/>
           </a:xfrm>
           <a:prstGeom prst="bentConnector2">
             <a:avLst/>
@@ -9466,8 +9425,8 @@
         </p:nvCxnSpPr>
         <p:spPr>
           <a:xfrm rot="5400000">
-            <a:off x="4828411" y="2208823"/>
-            <a:ext cx="1843581" cy="1693134"/>
+            <a:off x="4295011" y="1751625"/>
+            <a:ext cx="1919782" cy="2683733"/>
           </a:xfrm>
           <a:prstGeom prst="bentConnector2">
             <a:avLst/>
@@ -9692,8 +9651,8 @@
         </p:nvSpPr>
         <p:spPr>
           <a:xfrm flipV="1">
-            <a:off x="5943599" y="4267200"/>
-            <a:ext cx="1219200" cy="76200"/>
+            <a:off x="5181600" y="4419600"/>
+            <a:ext cx="1981199" cy="76200"/>
           </a:xfrm>
           <a:custGeom>
             <a:avLst/>
@@ -9774,7 +9733,7 @@
         </p:nvSpPr>
         <p:spPr>
           <a:xfrm>
-            <a:off x="3809999" y="4267200"/>
+            <a:off x="2819400" y="4419601"/>
             <a:ext cx="1093635" cy="304799"/>
           </a:xfrm>
           <a:prstGeom prst="rect">
@@ -9834,7 +9793,7 @@
         </p:nvSpPr>
         <p:spPr>
           <a:xfrm>
-            <a:off x="5410199" y="4495800"/>
+            <a:off x="4521694" y="4716159"/>
             <a:ext cx="1040906" cy="236841"/>
           </a:xfrm>
           <a:prstGeom prst="rect">
@@ -9897,8 +9856,8 @@
         </p:nvCxnSpPr>
         <p:spPr>
           <a:xfrm rot="16200000" flipH="1">
-            <a:off x="4862397" y="4066419"/>
-            <a:ext cx="42222" cy="1053382"/>
+            <a:off x="3888866" y="4201752"/>
+            <a:ext cx="110180" cy="1155476"/>
           </a:xfrm>
           <a:prstGeom prst="bentConnector2">
             <a:avLst/>
@@ -9935,8 +9894,8 @@
         </p:nvSpPr>
         <p:spPr>
           <a:xfrm flipV="1">
-            <a:off x="5943599" y="4724400"/>
-            <a:ext cx="1219200" cy="152400"/>
+            <a:off x="5181600" y="4953000"/>
+            <a:ext cx="1981200" cy="76200"/>
           </a:xfrm>
           <a:custGeom>
             <a:avLst/>
@@ -10009,66 +9968,6 @@
           </a:p>
         </p:txBody>
       </p:sp>
-      <p:sp>
-        <p:nvSpPr>
-          <p:cNvPr id="68" name="Rectangle 11"/>
-          <p:cNvSpPr/>
-          <p:nvPr/>
-        </p:nvSpPr>
-        <p:spPr>
-          <a:xfrm>
-            <a:off x="2819399" y="4038600"/>
-            <a:ext cx="685800" cy="228600"/>
-          </a:xfrm>
-          <a:prstGeom prst="rect">
-            <a:avLst/>
-          </a:prstGeom>
-          <a:ln w="19050">
-            <a:solidFill>
-              <a:schemeClr val="accent3"/>
-            </a:solidFill>
-          </a:ln>
-          <a:effectLst/>
-        </p:spPr>
-        <p:style>
-          <a:lnRef idx="1">
-            <a:schemeClr val="accent3"/>
-          </a:lnRef>
-          <a:fillRef idx="2">
-            <a:schemeClr val="accent3"/>
-          </a:fillRef>
-          <a:effectRef idx="1">
-            <a:schemeClr val="accent3"/>
-          </a:effectRef>
-          <a:fontRef idx="minor">
-            <a:schemeClr val="dk1"/>
-          </a:fontRef>
-        </p:style>
-        <p:txBody>
-          <a:bodyPr rtlCol="0" anchor="ctr"/>
-          <a:lstStyle/>
-          <a:p>
-            <a:pPr algn="ctr"/>
-            <a:r>
-              <a:rPr lang="en-US" sz="1050" b="1" dirty="0" err="1" smtClean="0">
-                <a:solidFill>
-                  <a:schemeClr val="accent3">
-                    <a:lumMod val="75000"/>
-                  </a:schemeClr>
-                </a:solidFill>
-              </a:rPr>
-              <a:t>ListPanel</a:t>
-            </a:r>
-            <a:endParaRPr lang="en-SG" sz="1050" b="1" dirty="0">
-              <a:solidFill>
-                <a:schemeClr val="accent3">
-                  <a:lumMod val="75000"/>
-                </a:schemeClr>
-              </a:solidFill>
-            </a:endParaRPr>
-          </a:p>
-        </p:txBody>
-      </p:sp>
       <p:cxnSp>
         <p:nvCxnSpPr>
           <p:cNvPr id="81" name="Elbow Connector 63"/>
@@ -10080,8 +9979,8 @@
         </p:nvCxnSpPr>
         <p:spPr>
           <a:xfrm rot="5400000">
-            <a:off x="5283627" y="3301079"/>
-            <a:ext cx="2480621" cy="145663"/>
+            <a:off x="4729194" y="2967006"/>
+            <a:ext cx="2700980" cy="1034168"/>
           </a:xfrm>
           <a:prstGeom prst="bentConnector2">
             <a:avLst/>
@@ -10114,17 +10013,17 @@
         <p:nvCxnSpPr>
           <p:cNvPr id="85" name="Elbow Connector 84"/>
           <p:cNvCxnSpPr>
-            <a:stCxn id="68" idx="3"/>
+            <a:stCxn id="39" idx="2"/>
             <a:endCxn id="54" idx="1"/>
           </p:cNvCxnSpPr>
           <p:nvPr/>
         </p:nvCxnSpPr>
         <p:spPr>
-          <a:xfrm>
-            <a:off x="3505199" y="4152900"/>
-            <a:ext cx="304800" cy="266700"/>
-          </a:xfrm>
-          <a:prstGeom prst="bentConnector3">
+          <a:xfrm rot="16200000" flipH="1">
+            <a:off x="1815091" y="3567692"/>
+            <a:ext cx="1798500" cy="210117"/>
+          </a:xfrm>
+          <a:prstGeom prst="bentConnector2">
             <a:avLst/>
           </a:prstGeom>
           <a:ln w="19050">
@@ -10155,17 +10054,17 @@
         <p:nvCxnSpPr>
           <p:cNvPr id="105" name="Elbow Connector 104"/>
           <p:cNvCxnSpPr>
-            <a:stCxn id="68" idx="3"/>
+            <a:stCxn id="39" idx="2"/>
             <a:endCxn id="36" idx="1"/>
           </p:cNvCxnSpPr>
           <p:nvPr/>
         </p:nvCxnSpPr>
         <p:spPr>
-          <a:xfrm flipV="1">
-            <a:off x="3505199" y="3977181"/>
-            <a:ext cx="304800" cy="175719"/>
-          </a:xfrm>
-          <a:prstGeom prst="bentConnector3">
+          <a:xfrm rot="16200000" flipH="1">
+            <a:off x="2074401" y="3308382"/>
+            <a:ext cx="1279881" cy="210117"/>
+          </a:xfrm>
+          <a:prstGeom prst="bentConnector2">
             <a:avLst/>
           </a:prstGeom>
           <a:ln w="19050">
@@ -10174,6 +10073,47 @@
             </a:solidFill>
             <a:headEnd type="none" w="med" len="med"/>
             <a:tailEnd type="arrow" w="med" len="med"/>
+          </a:ln>
+          <a:effectLst/>
+        </p:spPr>
+        <p:style>
+          <a:lnRef idx="1">
+            <a:schemeClr val="accent2"/>
+          </a:lnRef>
+          <a:fillRef idx="2">
+            <a:schemeClr val="accent2"/>
+          </a:fillRef>
+          <a:effectRef idx="1">
+            <a:schemeClr val="accent2"/>
+          </a:effectRef>
+          <a:fontRef idx="minor">
+            <a:schemeClr val="dk1"/>
+          </a:fontRef>
+        </p:style>
+      </p:cxnSp>
+      <p:cxnSp>
+        <p:nvCxnSpPr>
+          <p:cNvPr id="58" name="Elbow Connector 63"/>
+          <p:cNvCxnSpPr>
+            <a:stCxn id="16" idx="3"/>
+            <a:endCxn id="54" idx="3"/>
+          </p:cNvCxnSpPr>
+          <p:nvPr/>
+        </p:nvCxnSpPr>
+        <p:spPr>
+          <a:xfrm rot="5400000">
+            <a:off x="4035702" y="2010934"/>
+            <a:ext cx="2438401" cy="2683733"/>
+          </a:xfrm>
+          <a:prstGeom prst="bentConnector2">
+            <a:avLst/>
+          </a:prstGeom>
+          <a:ln w="6350">
+            <a:solidFill>
+              <a:schemeClr val="accent3"/>
+            </a:solidFill>
+            <a:headEnd type="none" w="med" len="med"/>
+            <a:tailEnd type="none" w="med" len="med"/>
           </a:ln>
           <a:effectLst/>
         </p:spPr>
@@ -10238,7 +10178,7 @@
         <p:spPr>
           <a:xfrm>
             <a:off x="228600" y="533400"/>
-            <a:ext cx="8382000" cy="5243967"/>
+            <a:ext cx="8839200" cy="5243967"/>
           </a:xfrm>
           <a:prstGeom prst="roundRect">
             <a:avLst>
@@ -10503,7 +10443,7 @@
         <p:spPr>
           <a:xfrm>
             <a:off x="228600" y="5996555"/>
-            <a:ext cx="8382000" cy="328045"/>
+            <a:ext cx="8839200" cy="328045"/>
           </a:xfrm>
           <a:prstGeom prst="roundRect">
             <a:avLst/>
@@ -10634,7 +10574,7 @@
         <p:spPr>
           <a:xfrm>
             <a:off x="2590800" y="2593339"/>
-            <a:ext cx="857767" cy="346760"/>
+            <a:ext cx="1066800" cy="346760"/>
           </a:xfrm>
           <a:prstGeom prst="rect">
             <a:avLst/>
@@ -10677,12 +10617,12 @@
           <a:p>
             <a:pPr algn="ctr"/>
             <a:r>
-              <a:rPr lang="en-US" sz="1050" b="1" dirty="0" smtClean="0">
+              <a:rPr lang="en-US" sz="1050" b="1" dirty="0" err="1" smtClean="0">
                 <a:solidFill>
                   <a:srgbClr val="0070C0"/>
                 </a:solidFill>
               </a:rPr>
-              <a:t>Parser</a:t>
+              <a:t>ParserManager</a:t>
             </a:r>
             <a:endParaRPr lang="en-SG" sz="1050" b="1" dirty="0">
               <a:solidFill>
@@ -10954,8 +10894,8 @@
         </p:nvCxnSpPr>
         <p:spPr>
           <a:xfrm>
-            <a:off x="3448567" y="2766719"/>
-            <a:ext cx="931007" cy="12822"/>
+            <a:off x="3657600" y="2766719"/>
+            <a:ext cx="721974" cy="12822"/>
           </a:xfrm>
           <a:prstGeom prst="straightConnector1">
             <a:avLst/>
@@ -11491,14 +11431,14 @@
       </p:grpSp>
       <p:sp>
         <p:nvSpPr>
-          <p:cNvPr id="144" name="Rectangle 11"/>
+          <p:cNvPr id="104" name="Rectangle 11"/>
           <p:cNvSpPr/>
           <p:nvPr/>
         </p:nvSpPr>
         <p:spPr>
           <a:xfrm flipH="1">
-            <a:off x="1970602" y="4419600"/>
-            <a:ext cx="1186398" cy="346760"/>
+            <a:off x="5819198" y="1558239"/>
+            <a:ext cx="1343602" cy="346761"/>
           </a:xfrm>
           <a:prstGeom prst="rect">
             <a:avLst/>
@@ -11530,14 +11470,14 @@
           <a:p>
             <a:pPr algn="ctr"/>
             <a:r>
-              <a:rPr lang="en-US" sz="1050" b="1" dirty="0" err="1" smtClean="0">
+              <a:rPr lang="en-US" sz="900" b="1" dirty="0" err="1" smtClean="0">
                 <a:solidFill>
                   <a:srgbClr val="0070C0"/>
                 </a:solidFill>
               </a:rPr>
-              <a:t>EditTaskParser</a:t>
-            </a:r>
-            <a:endParaRPr lang="en-SG" sz="1050" b="1" dirty="0">
+              <a:t>HelpCommand</a:t>
+            </a:r>
+            <a:endParaRPr lang="en-SG" sz="900" b="1" dirty="0">
               <a:solidFill>
                 <a:srgbClr val="0070C0"/>
               </a:solidFill>
@@ -11547,380 +11487,14 @@
       </p:sp>
       <p:sp>
         <p:nvSpPr>
-          <p:cNvPr id="145" name="Rectangle 11"/>
+          <p:cNvPr id="105" name="Isosceles Triangle 102"/>
           <p:cNvSpPr/>
           <p:nvPr/>
         </p:nvSpPr>
         <p:spPr>
-          <a:xfrm flipH="1">
-            <a:off x="1967281" y="4003568"/>
-            <a:ext cx="1186398" cy="346760"/>
-          </a:xfrm>
-          <a:prstGeom prst="rect">
-            <a:avLst/>
-          </a:prstGeom>
-          <a:ln w="19050">
-            <a:solidFill>
-              <a:srgbClr val="0070C0"/>
-            </a:solidFill>
-          </a:ln>
-          <a:effectLst/>
-        </p:spPr>
-        <p:style>
-          <a:lnRef idx="1">
-            <a:schemeClr val="accent1"/>
-          </a:lnRef>
-          <a:fillRef idx="2">
-            <a:schemeClr val="accent1"/>
-          </a:fillRef>
-          <a:effectRef idx="1">
-            <a:schemeClr val="accent1"/>
-          </a:effectRef>
-          <a:fontRef idx="minor">
-            <a:schemeClr val="dk1"/>
-          </a:fontRef>
-        </p:style>
-        <p:txBody>
-          <a:bodyPr rtlCol="0" anchor="ctr"/>
-          <a:lstStyle/>
-          <a:p>
-            <a:pPr algn="ctr"/>
-            <a:r>
-              <a:rPr lang="en-US" sz="1050" b="1" dirty="0" err="1" smtClean="0">
-                <a:solidFill>
-                  <a:srgbClr val="0070C0"/>
-                </a:solidFill>
-              </a:rPr>
-              <a:t>AddEventParser</a:t>
-            </a:r>
-            <a:endParaRPr lang="en-SG" sz="1050" b="1" dirty="0">
-              <a:solidFill>
-                <a:srgbClr val="0070C0"/>
-              </a:solidFill>
-            </a:endParaRPr>
-          </a:p>
-        </p:txBody>
-      </p:sp>
-      <p:sp>
-        <p:nvSpPr>
-          <p:cNvPr id="146" name="Rectangle 11"/>
-          <p:cNvSpPr/>
-          <p:nvPr/>
-        </p:nvSpPr>
-        <p:spPr>
-          <a:xfrm flipH="1">
-            <a:off x="1970602" y="3581400"/>
-            <a:ext cx="1186398" cy="346760"/>
-          </a:xfrm>
-          <a:prstGeom prst="rect">
-            <a:avLst/>
-          </a:prstGeom>
-          <a:ln w="19050">
-            <a:solidFill>
-              <a:srgbClr val="0070C0"/>
-            </a:solidFill>
-          </a:ln>
-          <a:effectLst/>
-        </p:spPr>
-        <p:style>
-          <a:lnRef idx="1">
-            <a:schemeClr val="accent1"/>
-          </a:lnRef>
-          <a:fillRef idx="2">
-            <a:schemeClr val="accent1"/>
-          </a:fillRef>
-          <a:effectRef idx="1">
-            <a:schemeClr val="accent1"/>
-          </a:effectRef>
-          <a:fontRef idx="minor">
-            <a:schemeClr val="dk1"/>
-          </a:fontRef>
-        </p:style>
-        <p:txBody>
-          <a:bodyPr rtlCol="0" anchor="ctr"/>
-          <a:lstStyle/>
-          <a:p>
-            <a:pPr algn="ctr"/>
-            <a:r>
-              <a:rPr lang="en-US" sz="1050" b="1" dirty="0" err="1" smtClean="0">
-                <a:solidFill>
-                  <a:srgbClr val="0070C0"/>
-                </a:solidFill>
-              </a:rPr>
-              <a:t>AddTaskParser</a:t>
-            </a:r>
-            <a:endParaRPr lang="en-SG" sz="1050" b="1" dirty="0">
-              <a:solidFill>
-                <a:srgbClr val="0070C0"/>
-              </a:solidFill>
-            </a:endParaRPr>
-          </a:p>
-        </p:txBody>
-      </p:sp>
-      <p:sp>
-        <p:nvSpPr>
-          <p:cNvPr id="171" name="Rectangle 11"/>
-          <p:cNvSpPr/>
-          <p:nvPr/>
-        </p:nvSpPr>
-        <p:spPr>
-          <a:xfrm flipH="1">
-            <a:off x="1981200" y="4876800"/>
-            <a:ext cx="1186398" cy="346760"/>
-          </a:xfrm>
-          <a:prstGeom prst="rect">
-            <a:avLst/>
-          </a:prstGeom>
-          <a:ln w="19050">
-            <a:solidFill>
-              <a:srgbClr val="0070C0"/>
-            </a:solidFill>
-          </a:ln>
-          <a:effectLst/>
-        </p:spPr>
-        <p:style>
-          <a:lnRef idx="1">
-            <a:schemeClr val="accent1"/>
-          </a:lnRef>
-          <a:fillRef idx="2">
-            <a:schemeClr val="accent1"/>
-          </a:fillRef>
-          <a:effectRef idx="1">
-            <a:schemeClr val="accent1"/>
-          </a:effectRef>
-          <a:fontRef idx="minor">
-            <a:schemeClr val="dk1"/>
-          </a:fontRef>
-        </p:style>
-        <p:txBody>
-          <a:bodyPr rtlCol="0" anchor="ctr"/>
-          <a:lstStyle/>
-          <a:p>
-            <a:pPr algn="ctr"/>
-            <a:r>
-              <a:rPr lang="en-US" sz="1200" b="1" dirty="0" smtClean="0">
-                <a:solidFill>
-                  <a:srgbClr val="0070C0"/>
-                </a:solidFill>
-              </a:rPr>
-              <a:t>. . .</a:t>
-            </a:r>
-            <a:endParaRPr lang="en-SG" sz="1200" b="1" dirty="0">
-              <a:solidFill>
-                <a:srgbClr val="0070C0"/>
-              </a:solidFill>
-            </a:endParaRPr>
-          </a:p>
-        </p:txBody>
-      </p:sp>
-      <p:cxnSp>
-        <p:nvCxnSpPr>
-          <p:cNvPr id="173" name="Elbow Connector 172"/>
-          <p:cNvCxnSpPr>
-            <a:stCxn id="18" idx="2"/>
-          </p:cNvCxnSpPr>
-          <p:nvPr/>
-        </p:nvCxnSpPr>
-        <p:spPr>
-          <a:xfrm rot="5400000">
-            <a:off x="1646392" y="2970107"/>
-            <a:ext cx="1403301" cy="1343284"/>
-          </a:xfrm>
-          <a:prstGeom prst="bentConnector3">
-            <a:avLst>
-              <a:gd name="adj1" fmla="val 34361"/>
-            </a:avLst>
-          </a:prstGeom>
-          <a:ln w="19050">
-            <a:solidFill>
-              <a:srgbClr val="0070C0"/>
-            </a:solidFill>
-            <a:headEnd type="none" w="med" len="med"/>
-            <a:tailEnd type="none" w="med" len="med"/>
-          </a:ln>
-          <a:effectLst/>
-        </p:spPr>
-        <p:style>
-          <a:lnRef idx="1">
-            <a:schemeClr val="accent2"/>
-          </a:lnRef>
-          <a:fillRef idx="2">
-            <a:schemeClr val="accent2"/>
-          </a:fillRef>
-          <a:effectRef idx="1">
-            <a:schemeClr val="accent2"/>
-          </a:effectRef>
-          <a:fontRef idx="minor">
-            <a:schemeClr val="dk1"/>
-          </a:fontRef>
-        </p:style>
-      </p:cxnSp>
-      <p:cxnSp>
-        <p:nvCxnSpPr>
-          <p:cNvPr id="180" name="Elbow Connector 179"/>
-          <p:cNvCxnSpPr>
-            <a:endCxn id="146" idx="3"/>
-          </p:cNvCxnSpPr>
-          <p:nvPr/>
-        </p:nvCxnSpPr>
-        <p:spPr>
-          <a:xfrm rot="5400000" flipH="1" flipV="1">
-            <a:off x="1529191" y="3901989"/>
-            <a:ext cx="588620" cy="294202"/>
-          </a:xfrm>
-          <a:prstGeom prst="bentConnector2">
-            <a:avLst/>
-          </a:prstGeom>
-          <a:ln w="19050">
-            <a:solidFill>
-              <a:srgbClr val="0070C0"/>
-            </a:solidFill>
-            <a:headEnd type="none" w="med" len="med"/>
-            <a:tailEnd type="none" w="med" len="med"/>
-          </a:ln>
-          <a:effectLst/>
-        </p:spPr>
-        <p:style>
-          <a:lnRef idx="1">
-            <a:schemeClr val="accent2"/>
-          </a:lnRef>
-          <a:fillRef idx="2">
-            <a:schemeClr val="accent2"/>
-          </a:fillRef>
-          <a:effectRef idx="1">
-            <a:schemeClr val="accent2"/>
-          </a:effectRef>
-          <a:fontRef idx="minor">
-            <a:schemeClr val="dk1"/>
-          </a:fontRef>
-        </p:style>
-      </p:cxnSp>
-      <p:cxnSp>
-        <p:nvCxnSpPr>
-          <p:cNvPr id="186" name="Elbow Connector 185"/>
-          <p:cNvCxnSpPr>
-            <a:endCxn id="171" idx="3"/>
-          </p:cNvCxnSpPr>
-          <p:nvPr/>
-        </p:nvCxnSpPr>
-        <p:spPr>
-          <a:xfrm rot="16200000" flipH="1">
-            <a:off x="1475410" y="4544390"/>
-            <a:ext cx="706780" cy="304800"/>
-          </a:xfrm>
-          <a:prstGeom prst="bentConnector2">
-            <a:avLst/>
-          </a:prstGeom>
-          <a:ln w="19050">
-            <a:solidFill>
-              <a:srgbClr val="0070C0"/>
-            </a:solidFill>
-            <a:headEnd type="none" w="med" len="med"/>
-            <a:tailEnd type="none" w="med" len="med"/>
-          </a:ln>
-          <a:effectLst/>
-        </p:spPr>
-        <p:style>
-          <a:lnRef idx="1">
-            <a:schemeClr val="accent2"/>
-          </a:lnRef>
-          <a:fillRef idx="2">
-            <a:schemeClr val="accent2"/>
-          </a:fillRef>
-          <a:effectRef idx="1">
-            <a:schemeClr val="accent2"/>
-          </a:effectRef>
-          <a:fontRef idx="minor">
-            <a:schemeClr val="dk1"/>
-          </a:fontRef>
-        </p:style>
-      </p:cxnSp>
-      <p:cxnSp>
-        <p:nvCxnSpPr>
-          <p:cNvPr id="190" name="Straight Connector 189"/>
-          <p:cNvCxnSpPr/>
-          <p:nvPr/>
-        </p:nvCxnSpPr>
-        <p:spPr>
-          <a:xfrm flipH="1">
-            <a:off x="1676400" y="4191000"/>
-            <a:ext cx="304800" cy="0"/>
-          </a:xfrm>
-          <a:prstGeom prst="line">
-            <a:avLst/>
-          </a:prstGeom>
-          <a:ln w="19050">
-            <a:solidFill>
-              <a:srgbClr val="0070C0"/>
-            </a:solidFill>
-            <a:headEnd type="none" w="med" len="med"/>
-            <a:tailEnd type="none" w="med" len="med"/>
-          </a:ln>
-          <a:effectLst/>
-        </p:spPr>
-        <p:style>
-          <a:lnRef idx="1">
-            <a:schemeClr val="accent2"/>
-          </a:lnRef>
-          <a:fillRef idx="2">
-            <a:schemeClr val="accent2"/>
-          </a:fillRef>
-          <a:effectRef idx="1">
-            <a:schemeClr val="accent2"/>
-          </a:effectRef>
-          <a:fontRef idx="minor">
-            <a:schemeClr val="dk1"/>
-          </a:fontRef>
-        </p:style>
-      </p:cxnSp>
-      <p:cxnSp>
-        <p:nvCxnSpPr>
-          <p:cNvPr id="192" name="Straight Connector 191"/>
-          <p:cNvCxnSpPr/>
-          <p:nvPr/>
-        </p:nvCxnSpPr>
-        <p:spPr>
-          <a:xfrm flipH="1">
-            <a:off x="1676400" y="4572000"/>
-            <a:ext cx="304800" cy="0"/>
-          </a:xfrm>
-          <a:prstGeom prst="line">
-            <a:avLst/>
-          </a:prstGeom>
-          <a:ln w="19050">
-            <a:solidFill>
-              <a:srgbClr val="0070C0"/>
-            </a:solidFill>
-            <a:headEnd type="none" w="med" len="med"/>
-            <a:tailEnd type="none" w="med" len="med"/>
-          </a:ln>
-          <a:effectLst/>
-        </p:spPr>
-        <p:style>
-          <a:lnRef idx="1">
-            <a:schemeClr val="accent2"/>
-          </a:lnRef>
-          <a:fillRef idx="2">
-            <a:schemeClr val="accent2"/>
-          </a:fillRef>
-          <a:effectRef idx="1">
-            <a:schemeClr val="accent2"/>
-          </a:effectRef>
-          <a:fontRef idx="minor">
-            <a:schemeClr val="dk1"/>
-          </a:fontRef>
-        </p:style>
-      </p:cxnSp>
-      <p:sp>
-        <p:nvSpPr>
-          <p:cNvPr id="195" name="Isosceles Triangle 102"/>
-          <p:cNvSpPr/>
-          <p:nvPr/>
-        </p:nvSpPr>
-        <p:spPr>
-          <a:xfrm rot="10800000" flipV="1">
-            <a:off x="2895599" y="2971799"/>
-            <a:ext cx="228600" cy="228600"/>
+          <a:xfrm rot="5400000" flipV="1">
+            <a:off x="5134110" y="2714491"/>
+            <a:ext cx="270504" cy="175523"/>
           </a:xfrm>
           <a:prstGeom prst="triangle">
             <a:avLst/>
@@ -11961,118 +11535,14 @@
       </p:sp>
       <p:sp>
         <p:nvSpPr>
-          <p:cNvPr id="104" name="Rectangle 11"/>
-          <p:cNvSpPr/>
-          <p:nvPr/>
-        </p:nvSpPr>
-        <p:spPr>
-          <a:xfrm flipH="1">
-            <a:off x="5820675" y="2057400"/>
-            <a:ext cx="1343602" cy="270560"/>
-          </a:xfrm>
-          <a:prstGeom prst="rect">
-            <a:avLst/>
-          </a:prstGeom>
-          <a:ln w="19050">
-            <a:solidFill>
-              <a:srgbClr val="0070C0"/>
-            </a:solidFill>
-          </a:ln>
-          <a:effectLst/>
-        </p:spPr>
-        <p:style>
-          <a:lnRef idx="1">
-            <a:schemeClr val="accent1"/>
-          </a:lnRef>
-          <a:fillRef idx="2">
-            <a:schemeClr val="accent1"/>
-          </a:fillRef>
-          <a:effectRef idx="1">
-            <a:schemeClr val="accent1"/>
-          </a:effectRef>
-          <a:fontRef idx="minor">
-            <a:schemeClr val="dk1"/>
-          </a:fontRef>
-        </p:style>
-        <p:txBody>
-          <a:bodyPr rtlCol="0" anchor="ctr"/>
-          <a:lstStyle/>
-          <a:p>
-            <a:pPr algn="ctr"/>
-            <a:r>
-              <a:rPr lang="en-US" sz="900" b="1" dirty="0" err="1" smtClean="0">
-                <a:solidFill>
-                  <a:srgbClr val="0070C0"/>
-                </a:solidFill>
-              </a:rPr>
-              <a:t>EditEventCommand</a:t>
-            </a:r>
-            <a:endParaRPr lang="en-SG" sz="900" b="1" dirty="0">
-              <a:solidFill>
-                <a:srgbClr val="0070C0"/>
-              </a:solidFill>
-            </a:endParaRPr>
-          </a:p>
-        </p:txBody>
-      </p:sp>
-      <p:sp>
-        <p:nvSpPr>
-          <p:cNvPr id="105" name="Isosceles Triangle 102"/>
-          <p:cNvSpPr/>
-          <p:nvPr/>
-        </p:nvSpPr>
-        <p:spPr>
-          <a:xfrm rot="5400000" flipV="1">
-            <a:off x="5134110" y="2714491"/>
-            <a:ext cx="270504" cy="175523"/>
-          </a:xfrm>
-          <a:prstGeom prst="triangle">
-            <a:avLst/>
-          </a:prstGeom>
-          <a:ln w="19050">
-            <a:solidFill>
-              <a:srgbClr val="0070C0"/>
-            </a:solidFill>
-          </a:ln>
-          <a:effectLst/>
-        </p:spPr>
-        <p:style>
-          <a:lnRef idx="1">
-            <a:schemeClr val="accent1"/>
-          </a:lnRef>
-          <a:fillRef idx="2">
-            <a:schemeClr val="accent1"/>
-          </a:fillRef>
-          <a:effectRef idx="1">
-            <a:schemeClr val="accent1"/>
-          </a:effectRef>
-          <a:fontRef idx="minor">
-            <a:schemeClr val="dk1"/>
-          </a:fontRef>
-        </p:style>
-        <p:txBody>
-          <a:bodyPr rtlCol="0" anchor="ctr"/>
-          <a:lstStyle/>
-          <a:p>
-            <a:pPr algn="ctr"/>
-            <a:endParaRPr lang="en-SG" sz="1050" b="1">
-              <a:solidFill>
-                <a:srgbClr val="92D050"/>
-              </a:solidFill>
-            </a:endParaRPr>
-          </a:p>
-        </p:txBody>
-      </p:sp>
-      <p:sp>
-        <p:nvSpPr>
           <p:cNvPr id="106" name="Rectangle 11"/>
           <p:cNvSpPr/>
           <p:nvPr/>
         </p:nvSpPr>
         <p:spPr>
           <a:xfrm flipH="1">
-            <a:off x="5820675" y="2396440"/>
-            <a:ext cx="1343602" cy="270560"/>
+            <a:off x="5820675" y="2015439"/>
+            <a:ext cx="1343602" cy="346761"/>
           </a:xfrm>
           <a:prstGeom prst="rect">
             <a:avLst/>
@@ -12109,63 +11579,15 @@
                   <a:srgbClr val="0070C0"/>
                 </a:solidFill>
               </a:rPr>
-              <a:t>SaveCommand</a:t>
-            </a:r>
-            <a:endParaRPr lang="en-SG" sz="900" b="1" dirty="0">
-              <a:solidFill>
-                <a:srgbClr val="0070C0"/>
-              </a:solidFill>
-            </a:endParaRPr>
-          </a:p>
-        </p:txBody>
-      </p:sp>
-      <p:sp>
-        <p:nvSpPr>
-          <p:cNvPr id="107" name="Rectangle 106"/>
-          <p:cNvSpPr/>
-          <p:nvPr/>
-        </p:nvSpPr>
-        <p:spPr>
-          <a:xfrm flipH="1">
-            <a:off x="5820673" y="3082240"/>
-            <a:ext cx="1343602" cy="270560"/>
-          </a:xfrm>
-          <a:prstGeom prst="rect">
-            <a:avLst/>
-          </a:prstGeom>
-          <a:ln w="19050">
-            <a:solidFill>
-              <a:srgbClr val="0070C0"/>
-            </a:solidFill>
-          </a:ln>
-          <a:effectLst/>
-        </p:spPr>
-        <p:style>
-          <a:lnRef idx="1">
-            <a:schemeClr val="accent1"/>
-          </a:lnRef>
-          <a:fillRef idx="2">
-            <a:schemeClr val="accent1"/>
-          </a:fillRef>
-          <a:effectRef idx="1">
-            <a:schemeClr val="accent1"/>
-          </a:effectRef>
-          <a:fontRef idx="minor">
-            <a:schemeClr val="dk1"/>
-          </a:fontRef>
-        </p:style>
-        <p:txBody>
-          <a:bodyPr rtlCol="0" anchor="ctr"/>
-          <a:lstStyle/>
-          <a:p>
-            <a:pPr algn="ctr"/>
+              <a:t>Edit</a:t>
+            </a:r>
             <a:r>
               <a:rPr lang="en-US" sz="900" b="1" dirty="0" err="1" smtClean="0">
                 <a:solidFill>
                   <a:srgbClr val="0070C0"/>
                 </a:solidFill>
               </a:rPr>
-              <a:t>DeleteEventCommand</a:t>
+              <a:t>Command</a:t>
             </a:r>
             <a:endParaRPr lang="en-SG" sz="900" b="1" dirty="0">
               <a:solidFill>
@@ -12186,51 +11608,8 @@
         </p:nvCxnSpPr>
         <p:spPr>
           <a:xfrm rot="10800000" flipV="1">
-            <a:off x="5357125" y="2192679"/>
-            <a:ext cx="463551" cy="609573"/>
-          </a:xfrm>
-          <a:prstGeom prst="bentConnector3">
-            <a:avLst>
-              <a:gd name="adj1" fmla="val 50000"/>
-            </a:avLst>
-          </a:prstGeom>
-          <a:ln w="19050">
-            <a:solidFill>
-              <a:srgbClr val="0070C0"/>
-            </a:solidFill>
-            <a:headEnd type="none" w="med" len="med"/>
-            <a:tailEnd type="none" w="med" len="med"/>
-          </a:ln>
-          <a:effectLst/>
-        </p:spPr>
-        <p:style>
-          <a:lnRef idx="1">
-            <a:schemeClr val="accent2"/>
-          </a:lnRef>
-          <a:fillRef idx="2">
-            <a:schemeClr val="accent2"/>
-          </a:fillRef>
-          <a:effectRef idx="1">
-            <a:schemeClr val="accent2"/>
-          </a:effectRef>
-          <a:fontRef idx="minor">
-            <a:schemeClr val="dk1"/>
-          </a:fontRef>
-        </p:style>
-      </p:cxnSp>
-      <p:cxnSp>
-        <p:nvCxnSpPr>
-          <p:cNvPr id="109" name="Elbow Connector 63"/>
-          <p:cNvCxnSpPr>
-            <a:stCxn id="105" idx="3"/>
-            <a:endCxn id="107" idx="3"/>
-          </p:cNvCxnSpPr>
-          <p:nvPr/>
-        </p:nvCxnSpPr>
-        <p:spPr>
-          <a:xfrm>
-            <a:off x="5357124" y="2802253"/>
-            <a:ext cx="463549" cy="415267"/>
+            <a:off x="5357124" y="1731619"/>
+            <a:ext cx="462074" cy="1070633"/>
           </a:xfrm>
           <a:prstGeom prst="bentConnector3">
             <a:avLst>
@@ -12272,8 +11651,8 @@
         </p:nvCxnSpPr>
         <p:spPr>
           <a:xfrm flipV="1">
-            <a:off x="5357124" y="2531720"/>
-            <a:ext cx="463551" cy="270533"/>
+            <a:off x="5357124" y="2188820"/>
+            <a:ext cx="463551" cy="613433"/>
           </a:xfrm>
           <a:prstGeom prst="bentConnector3">
             <a:avLst>
@@ -12312,8 +11691,8 @@
         </p:nvSpPr>
         <p:spPr>
           <a:xfrm flipH="1">
-            <a:off x="5825473" y="2743200"/>
-            <a:ext cx="1343602" cy="270560"/>
+            <a:off x="5825473" y="2472639"/>
+            <a:ext cx="1343602" cy="346761"/>
           </a:xfrm>
           <a:prstGeom prst="rect">
             <a:avLst/>
@@ -12350,7 +11729,15 @@
                   <a:srgbClr val="0070C0"/>
                 </a:solidFill>
               </a:rPr>
-              <a:t>DeleteTaskCommand</a:t>
+              <a:t>Search</a:t>
+            </a:r>
+            <a:r>
+              <a:rPr lang="en-US" sz="900" b="1" dirty="0" err="1" smtClean="0">
+                <a:solidFill>
+                  <a:srgbClr val="0070C0"/>
+                </a:solidFill>
+              </a:rPr>
+              <a:t>Command</a:t>
             </a:r>
             <a:endParaRPr lang="en-SG" sz="900" b="1" dirty="0">
               <a:solidFill>
@@ -12370,9 +11757,9 @@
           <p:nvPr/>
         </p:nvCxnSpPr>
         <p:spPr>
-          <a:xfrm>
-            <a:off x="5357124" y="2802253"/>
-            <a:ext cx="468349" cy="76227"/>
+          <a:xfrm flipV="1">
+            <a:off x="5357124" y="2646020"/>
+            <a:ext cx="468349" cy="156233"/>
           </a:xfrm>
           <a:prstGeom prst="bentConnector3">
             <a:avLst>
@@ -12405,14 +11792,14 @@
       </p:cxnSp>
       <p:sp>
         <p:nvSpPr>
-          <p:cNvPr id="113" name="Rectangle 11"/>
+          <p:cNvPr id="115" name="Rectangle 114"/>
           <p:cNvSpPr/>
           <p:nvPr/>
         </p:nvSpPr>
         <p:spPr>
           <a:xfrm flipH="1">
-            <a:off x="5823996" y="1752600"/>
-            <a:ext cx="1343602" cy="228600"/>
+            <a:off x="5819196" y="3429000"/>
+            <a:ext cx="1343602" cy="304800"/>
           </a:xfrm>
           <a:prstGeom prst="rect">
             <a:avLst/>
@@ -12449,7 +11836,7 @@
                   <a:srgbClr val="0070C0"/>
                 </a:solidFill>
               </a:rPr>
-              <a:t>EditTaskCommand</a:t>
+              <a:t>ListCommand</a:t>
             </a:r>
             <a:endParaRPr lang="en-SG" sz="900" b="1" dirty="0">
               <a:solidFill>
@@ -12461,126 +11848,14 @@
       </p:sp>
       <p:sp>
         <p:nvSpPr>
-          <p:cNvPr id="114" name="Rectangle 11"/>
-          <p:cNvSpPr/>
-          <p:nvPr/>
-        </p:nvSpPr>
-        <p:spPr>
-          <a:xfrm flipH="1">
-            <a:off x="5820675" y="1412768"/>
-            <a:ext cx="1343602" cy="263632"/>
-          </a:xfrm>
-          <a:prstGeom prst="rect">
-            <a:avLst/>
-          </a:prstGeom>
-          <a:ln w="19050">
-            <a:solidFill>
-              <a:srgbClr val="0070C0"/>
-            </a:solidFill>
-          </a:ln>
-          <a:effectLst/>
-        </p:spPr>
-        <p:style>
-          <a:lnRef idx="1">
-            <a:schemeClr val="accent1"/>
-          </a:lnRef>
-          <a:fillRef idx="2">
-            <a:schemeClr val="accent1"/>
-          </a:fillRef>
-          <a:effectRef idx="1">
-            <a:schemeClr val="accent1"/>
-          </a:effectRef>
-          <a:fontRef idx="minor">
-            <a:schemeClr val="dk1"/>
-          </a:fontRef>
-        </p:style>
-        <p:txBody>
-          <a:bodyPr rtlCol="0" anchor="ctr"/>
-          <a:lstStyle/>
-          <a:p>
-            <a:pPr algn="ctr"/>
-            <a:r>
-              <a:rPr lang="en-US" sz="900" b="1" dirty="0" err="1" smtClean="0">
-                <a:solidFill>
-                  <a:srgbClr val="0070C0"/>
-                </a:solidFill>
-              </a:rPr>
-              <a:t>AddEventCommand</a:t>
-            </a:r>
-            <a:endParaRPr lang="en-SG" sz="900" b="1" dirty="0">
-              <a:solidFill>
-                <a:srgbClr val="0070C0"/>
-              </a:solidFill>
-            </a:endParaRPr>
-          </a:p>
-        </p:txBody>
-      </p:sp>
-      <p:sp>
-        <p:nvSpPr>
-          <p:cNvPr id="115" name="Rectangle 114"/>
-          <p:cNvSpPr/>
-          <p:nvPr/>
-        </p:nvSpPr>
-        <p:spPr>
-          <a:xfrm flipH="1">
-            <a:off x="5819196" y="3733800"/>
-            <a:ext cx="1343602" cy="228600"/>
-          </a:xfrm>
-          <a:prstGeom prst="rect">
-            <a:avLst/>
-          </a:prstGeom>
-          <a:ln w="19050">
-            <a:solidFill>
-              <a:srgbClr val="0070C0"/>
-            </a:solidFill>
-          </a:ln>
-          <a:effectLst/>
-        </p:spPr>
-        <p:style>
-          <a:lnRef idx="1">
-            <a:schemeClr val="accent1"/>
-          </a:lnRef>
-          <a:fillRef idx="2">
-            <a:schemeClr val="accent1"/>
-          </a:fillRef>
-          <a:effectRef idx="1">
-            <a:schemeClr val="accent1"/>
-          </a:effectRef>
-          <a:fontRef idx="minor">
-            <a:schemeClr val="dk1"/>
-          </a:fontRef>
-        </p:style>
-        <p:txBody>
-          <a:bodyPr rtlCol="0" anchor="ctr"/>
-          <a:lstStyle/>
-          <a:p>
-            <a:pPr algn="ctr"/>
-            <a:r>
-              <a:rPr lang="en-US" sz="900" b="1" dirty="0" err="1" smtClean="0">
-                <a:solidFill>
-                  <a:srgbClr val="0070C0"/>
-                </a:solidFill>
-              </a:rPr>
-              <a:t>ListTaskCommand</a:t>
-            </a:r>
-            <a:endParaRPr lang="en-SG" sz="900" b="1" dirty="0">
-              <a:solidFill>
-                <a:srgbClr val="0070C0"/>
-              </a:solidFill>
-            </a:endParaRPr>
-          </a:p>
-        </p:txBody>
-      </p:sp>
-      <p:sp>
-        <p:nvSpPr>
           <p:cNvPr id="116" name="Rectangle 11"/>
           <p:cNvSpPr/>
           <p:nvPr/>
         </p:nvSpPr>
         <p:spPr>
           <a:xfrm flipH="1">
-            <a:off x="5823996" y="3429000"/>
-            <a:ext cx="1343602" cy="228600"/>
+            <a:off x="5823996" y="2971800"/>
+            <a:ext cx="1343602" cy="304800"/>
           </a:xfrm>
           <a:prstGeom prst="rect">
             <a:avLst/>
@@ -12638,191 +11913,8 @@
         </p:nvCxnSpPr>
         <p:spPr>
           <a:xfrm rot="10800000" flipV="1">
-            <a:off x="5357124" y="1239783"/>
-            <a:ext cx="462074" cy="1562469"/>
-          </a:xfrm>
-          <a:prstGeom prst="bentConnector3">
-            <a:avLst>
-              <a:gd name="adj1" fmla="val 50000"/>
-            </a:avLst>
-          </a:prstGeom>
-          <a:ln w="19050">
-            <a:solidFill>
-              <a:srgbClr val="0070C0"/>
-            </a:solidFill>
-            <a:headEnd type="none" w="med" len="med"/>
-            <a:tailEnd type="none" w="med" len="med"/>
-          </a:ln>
-          <a:effectLst/>
-        </p:spPr>
-        <p:style>
-          <a:lnRef idx="1">
-            <a:schemeClr val="accent2"/>
-          </a:lnRef>
-          <a:fillRef idx="2">
-            <a:schemeClr val="accent2"/>
-          </a:fillRef>
-          <a:effectRef idx="1">
-            <a:schemeClr val="accent2"/>
-          </a:effectRef>
-          <a:fontRef idx="minor">
-            <a:schemeClr val="dk1"/>
-          </a:fontRef>
-        </p:style>
-      </p:cxnSp>
-      <p:sp>
-        <p:nvSpPr>
-          <p:cNvPr id="118" name="Rectangle 117"/>
-          <p:cNvSpPr/>
-          <p:nvPr/>
-        </p:nvSpPr>
-        <p:spPr>
-          <a:xfrm flipH="1">
-            <a:off x="5823997" y="4038600"/>
-            <a:ext cx="1343602" cy="228600"/>
-          </a:xfrm>
-          <a:prstGeom prst="rect">
-            <a:avLst/>
-          </a:prstGeom>
-          <a:ln w="19050">
-            <a:solidFill>
-              <a:srgbClr val="0070C0"/>
-            </a:solidFill>
-          </a:ln>
-          <a:effectLst/>
-        </p:spPr>
-        <p:style>
-          <a:lnRef idx="1">
-            <a:schemeClr val="accent1"/>
-          </a:lnRef>
-          <a:fillRef idx="2">
-            <a:schemeClr val="accent1"/>
-          </a:fillRef>
-          <a:effectRef idx="1">
-            <a:schemeClr val="accent1"/>
-          </a:effectRef>
-          <a:fontRef idx="minor">
-            <a:schemeClr val="dk1"/>
-          </a:fontRef>
-        </p:style>
-        <p:txBody>
-          <a:bodyPr rtlCol="0" anchor="ctr"/>
-          <a:lstStyle/>
-          <a:p>
-            <a:pPr algn="ctr"/>
-            <a:r>
-              <a:rPr lang="en-US" sz="900" b="1" dirty="0" err="1" smtClean="0">
-                <a:solidFill>
-                  <a:srgbClr val="0070C0"/>
-                </a:solidFill>
-              </a:rPr>
-              <a:t>ListEventCommand</a:t>
-            </a:r>
-            <a:endParaRPr lang="en-SG" sz="900" b="1" dirty="0">
-              <a:solidFill>
-                <a:srgbClr val="0070C0"/>
-              </a:solidFill>
-            </a:endParaRPr>
-          </a:p>
-        </p:txBody>
-      </p:sp>
-      <p:cxnSp>
-        <p:nvCxnSpPr>
-          <p:cNvPr id="119" name="Elbow Connector 118"/>
-          <p:cNvCxnSpPr>
-            <a:stCxn id="105" idx="3"/>
-            <a:endCxn id="118" idx="3"/>
-          </p:cNvCxnSpPr>
-          <p:nvPr/>
-        </p:nvCxnSpPr>
-        <p:spPr>
-          <a:xfrm>
-            <a:off x="5357124" y="2802253"/>
-            <a:ext cx="466873" cy="1350647"/>
-          </a:xfrm>
-          <a:prstGeom prst="bentConnector3">
-            <a:avLst>
-              <a:gd name="adj1" fmla="val 50000"/>
-            </a:avLst>
-          </a:prstGeom>
-          <a:ln w="19050">
-            <a:solidFill>
-              <a:srgbClr val="0070C0"/>
-            </a:solidFill>
-            <a:headEnd type="none" w="med" len="med"/>
-            <a:tailEnd type="none" w="med" len="med"/>
-          </a:ln>
-          <a:effectLst/>
-        </p:spPr>
-        <p:style>
-          <a:lnRef idx="1">
-            <a:schemeClr val="accent2"/>
-          </a:lnRef>
-          <a:fillRef idx="2">
-            <a:schemeClr val="accent2"/>
-          </a:fillRef>
-          <a:effectRef idx="1">
-            <a:schemeClr val="accent2"/>
-          </a:effectRef>
-          <a:fontRef idx="minor">
-            <a:schemeClr val="dk1"/>
-          </a:fontRef>
-        </p:style>
-      </p:cxnSp>
-      <p:cxnSp>
-        <p:nvCxnSpPr>
-          <p:cNvPr id="120" name="Elbow Connector 119"/>
-          <p:cNvCxnSpPr>
-            <a:stCxn id="105" idx="3"/>
-            <a:endCxn id="114" idx="3"/>
-          </p:cNvCxnSpPr>
-          <p:nvPr/>
-        </p:nvCxnSpPr>
-        <p:spPr>
-          <a:xfrm flipV="1">
-            <a:off x="5357124" y="1544584"/>
-            <a:ext cx="463551" cy="1257669"/>
-          </a:xfrm>
-          <a:prstGeom prst="bentConnector3">
-            <a:avLst/>
-          </a:prstGeom>
-          <a:ln w="19050">
-            <a:solidFill>
-              <a:srgbClr val="0070C0"/>
-            </a:solidFill>
-            <a:headEnd type="none" w="med" len="med"/>
-            <a:tailEnd type="none" w="med" len="med"/>
-          </a:ln>
-          <a:effectLst/>
-        </p:spPr>
-        <p:style>
-          <a:lnRef idx="1">
-            <a:schemeClr val="accent2"/>
-          </a:lnRef>
-          <a:fillRef idx="2">
-            <a:schemeClr val="accent2"/>
-          </a:fillRef>
-          <a:effectRef idx="1">
-            <a:schemeClr val="accent2"/>
-          </a:effectRef>
-          <a:fontRef idx="minor">
-            <a:schemeClr val="dk1"/>
-          </a:fontRef>
-        </p:style>
-      </p:cxnSp>
-      <p:cxnSp>
-        <p:nvCxnSpPr>
-          <p:cNvPr id="121" name="Elbow Connector 120"/>
-          <p:cNvCxnSpPr>
-            <a:stCxn id="105" idx="3"/>
-            <a:endCxn id="113" idx="3"/>
-          </p:cNvCxnSpPr>
-          <p:nvPr/>
-        </p:nvCxnSpPr>
-        <p:spPr>
-          <a:xfrm flipV="1">
-            <a:off x="5357124" y="1866900"/>
-            <a:ext cx="466872" cy="935353"/>
+            <a:off x="5357124" y="1276907"/>
+            <a:ext cx="462074" cy="1525345"/>
           </a:xfrm>
           <a:prstGeom prst="bentConnector3">
             <a:avLst>
@@ -12865,7 +11957,7 @@
         <p:spPr>
           <a:xfrm>
             <a:off x="5357124" y="2802253"/>
-            <a:ext cx="462072" cy="1045847"/>
+            <a:ext cx="462072" cy="779147"/>
           </a:xfrm>
           <a:prstGeom prst="bentConnector3">
             <a:avLst/>
@@ -12906,7 +11998,7 @@
         <p:spPr>
           <a:xfrm rot="10800000">
             <a:off x="5357124" y="2802254"/>
-            <a:ext cx="466872" cy="741047"/>
+            <a:ext cx="466872" cy="321947"/>
           </a:xfrm>
           <a:prstGeom prst="bentConnector3">
             <a:avLst>
@@ -12945,8 +12037,8 @@
         </p:nvSpPr>
         <p:spPr>
           <a:xfrm flipH="1">
-            <a:off x="5814396" y="4648200"/>
-            <a:ext cx="1343602" cy="228600"/>
+            <a:off x="5814396" y="4343400"/>
+            <a:ext cx="1343602" cy="304800"/>
           </a:xfrm>
           <a:prstGeom prst="rect">
             <a:avLst/>
@@ -13001,8 +12093,8 @@
         </p:nvSpPr>
         <p:spPr>
           <a:xfrm flipH="1">
-            <a:off x="5819196" y="4343400"/>
-            <a:ext cx="1343602" cy="228600"/>
+            <a:off x="5819196" y="3886200"/>
+            <a:ext cx="1343602" cy="304800"/>
           </a:xfrm>
           <a:prstGeom prst="rect">
             <a:avLst/>
@@ -13039,7 +12131,15 @@
                   <a:srgbClr val="0070C0"/>
                 </a:solidFill>
               </a:rPr>
-              <a:t>HelpCommand</a:t>
+              <a:t>Save</a:t>
+            </a:r>
+            <a:r>
+              <a:rPr lang="en-US" sz="900" b="1" dirty="0" err="1" smtClean="0">
+                <a:solidFill>
+                  <a:srgbClr val="0070C0"/>
+                </a:solidFill>
+              </a:rPr>
+              <a:t>Command</a:t>
             </a:r>
             <a:endParaRPr lang="en-SG" sz="900" b="1" dirty="0">
               <a:solidFill>
@@ -13057,8 +12157,8 @@
         </p:nvSpPr>
         <p:spPr>
           <a:xfrm flipH="1">
-            <a:off x="5819197" y="4953000"/>
-            <a:ext cx="1343602" cy="228600"/>
+            <a:off x="5819197" y="4800600"/>
+            <a:ext cx="1343602" cy="304800"/>
           </a:xfrm>
           <a:prstGeom prst="rect">
             <a:avLst/>
@@ -13095,7 +12195,15 @@
                   <a:srgbClr val="0070C0"/>
                 </a:solidFill>
               </a:rPr>
-              <a:t>SearchCommand</a:t>
+              <a:t>Delete</a:t>
+            </a:r>
+            <a:r>
+              <a:rPr lang="en-US" sz="900" b="1" dirty="0" err="1" smtClean="0">
+                <a:solidFill>
+                  <a:srgbClr val="0070C0"/>
+                </a:solidFill>
+              </a:rPr>
+              <a:t>Command</a:t>
             </a:r>
             <a:endParaRPr lang="en-SG" sz="900" b="1" dirty="0">
               <a:solidFill>
@@ -13114,7 +12222,7 @@
         <p:spPr>
           <a:xfrm flipH="1">
             <a:off x="5819198" y="5257800"/>
-            <a:ext cx="1343602" cy="228600"/>
+            <a:ext cx="1343602" cy="304800"/>
           </a:xfrm>
           <a:prstGeom prst="rect">
             <a:avLst/>
@@ -13169,8 +12277,8 @@
         </p:nvSpPr>
         <p:spPr>
           <a:xfrm flipH="1">
-            <a:off x="5819198" y="1107968"/>
-            <a:ext cx="1343602" cy="263632"/>
+            <a:off x="5819198" y="1107967"/>
+            <a:ext cx="1343602" cy="337881"/>
           </a:xfrm>
           <a:prstGeom prst="rect">
             <a:avLst/>
@@ -13207,7 +12315,7 @@
                   <a:srgbClr val="0070C0"/>
                 </a:solidFill>
               </a:rPr>
-              <a:t>AddTaskCommand</a:t>
+              <a:t>AddCommand</a:t>
             </a:r>
             <a:endParaRPr lang="en-SG" sz="900" b="1" dirty="0">
               <a:solidFill>
@@ -13229,7 +12337,7 @@
         <p:spPr>
           <a:xfrm>
             <a:off x="5357124" y="2802253"/>
-            <a:ext cx="462072" cy="1655447"/>
+            <a:ext cx="462072" cy="1236347"/>
           </a:xfrm>
           <a:prstGeom prst="bentConnector3">
             <a:avLst>
@@ -13272,7 +12380,7 @@
         <p:spPr>
           <a:xfrm>
             <a:off x="5357124" y="2802253"/>
-            <a:ext cx="457272" cy="1960247"/>
+            <a:ext cx="457272" cy="1693547"/>
           </a:xfrm>
           <a:prstGeom prst="bentConnector3">
             <a:avLst>
@@ -13315,7 +12423,7 @@
         <p:spPr>
           <a:xfrm>
             <a:off x="5357124" y="2802253"/>
-            <a:ext cx="462073" cy="2265047"/>
+            <a:ext cx="462073" cy="2150747"/>
           </a:xfrm>
           <a:prstGeom prst="bentConnector3">
             <a:avLst>
@@ -13358,7 +12466,7 @@
         <p:spPr>
           <a:xfrm rot="10800000">
             <a:off x="5357124" y="2802254"/>
-            <a:ext cx="462074" cy="2569847"/>
+            <a:ext cx="462074" cy="2607947"/>
           </a:xfrm>
           <a:prstGeom prst="bentConnector3">
             <a:avLst>
@@ -13386,6 +12494,1500 @@
           </a:effectRef>
           <a:fontRef idx="minor">
             <a:schemeClr val="dk1"/>
+          </a:fontRef>
+        </p:style>
+      </p:cxnSp>
+      <p:sp>
+        <p:nvSpPr>
+          <p:cNvPr id="69" name="Rectangle 11"/>
+          <p:cNvSpPr/>
+          <p:nvPr/>
+        </p:nvSpPr>
+        <p:spPr>
+          <a:xfrm flipH="1">
+            <a:off x="7620000" y="914400"/>
+            <a:ext cx="1295400" cy="304800"/>
+          </a:xfrm>
+          <a:prstGeom prst="rect">
+            <a:avLst/>
+          </a:prstGeom>
+          <a:ln w="19050">
+            <a:solidFill>
+              <a:srgbClr val="0070C0"/>
+            </a:solidFill>
+          </a:ln>
+          <a:effectLst/>
+        </p:spPr>
+        <p:style>
+          <a:lnRef idx="1">
+            <a:schemeClr val="accent1"/>
+          </a:lnRef>
+          <a:fillRef idx="2">
+            <a:schemeClr val="accent1"/>
+          </a:fillRef>
+          <a:effectRef idx="1">
+            <a:schemeClr val="accent1"/>
+          </a:effectRef>
+          <a:fontRef idx="minor">
+            <a:schemeClr val="dk1"/>
+          </a:fontRef>
+        </p:style>
+        <p:txBody>
+          <a:bodyPr rtlCol="0" anchor="ctr"/>
+          <a:lstStyle/>
+          <a:p>
+            <a:pPr algn="ctr"/>
+            <a:r>
+              <a:rPr lang="en-US" sz="900" b="1" dirty="0" err="1" smtClean="0">
+                <a:solidFill>
+                  <a:srgbClr val="0070C0"/>
+                </a:solidFill>
+              </a:rPr>
+              <a:t>AddTaskCommand</a:t>
+            </a:r>
+            <a:endParaRPr lang="en-SG" sz="900" b="1" dirty="0">
+              <a:solidFill>
+                <a:srgbClr val="0070C0"/>
+              </a:solidFill>
+            </a:endParaRPr>
+          </a:p>
+        </p:txBody>
+      </p:sp>
+      <p:sp>
+        <p:nvSpPr>
+          <p:cNvPr id="70" name="Rectangle 11"/>
+          <p:cNvSpPr/>
+          <p:nvPr/>
+        </p:nvSpPr>
+        <p:spPr>
+          <a:xfrm flipH="1">
+            <a:off x="7620000" y="1295400"/>
+            <a:ext cx="1295400" cy="304800"/>
+          </a:xfrm>
+          <a:prstGeom prst="rect">
+            <a:avLst/>
+          </a:prstGeom>
+          <a:ln w="19050">
+            <a:solidFill>
+              <a:srgbClr val="0070C0"/>
+            </a:solidFill>
+          </a:ln>
+          <a:effectLst/>
+        </p:spPr>
+        <p:style>
+          <a:lnRef idx="1">
+            <a:schemeClr val="accent1"/>
+          </a:lnRef>
+          <a:fillRef idx="2">
+            <a:schemeClr val="accent1"/>
+          </a:fillRef>
+          <a:effectRef idx="1">
+            <a:schemeClr val="accent1"/>
+          </a:effectRef>
+          <a:fontRef idx="minor">
+            <a:schemeClr val="dk1"/>
+          </a:fontRef>
+        </p:style>
+        <p:txBody>
+          <a:bodyPr rtlCol="0" anchor="ctr"/>
+          <a:lstStyle/>
+          <a:p>
+            <a:pPr algn="ctr"/>
+            <a:r>
+              <a:rPr lang="en-US" sz="900" b="1" dirty="0" err="1" smtClean="0">
+                <a:solidFill>
+                  <a:srgbClr val="0070C0"/>
+                </a:solidFill>
+              </a:rPr>
+              <a:t>AddEventCommand</a:t>
+            </a:r>
+            <a:endParaRPr lang="en-SG" sz="900" b="1" dirty="0">
+              <a:solidFill>
+                <a:srgbClr val="0070C0"/>
+              </a:solidFill>
+            </a:endParaRPr>
+          </a:p>
+        </p:txBody>
+      </p:sp>
+      <p:sp>
+        <p:nvSpPr>
+          <p:cNvPr id="71" name="Rectangle 11"/>
+          <p:cNvSpPr/>
+          <p:nvPr/>
+        </p:nvSpPr>
+        <p:spPr>
+          <a:xfrm flipH="1">
+            <a:off x="7620000" y="1828800"/>
+            <a:ext cx="1295400" cy="304800"/>
+          </a:xfrm>
+          <a:prstGeom prst="rect">
+            <a:avLst/>
+          </a:prstGeom>
+          <a:ln w="19050">
+            <a:solidFill>
+              <a:srgbClr val="0070C0"/>
+            </a:solidFill>
+          </a:ln>
+          <a:effectLst/>
+        </p:spPr>
+        <p:style>
+          <a:lnRef idx="1">
+            <a:schemeClr val="accent1"/>
+          </a:lnRef>
+          <a:fillRef idx="2">
+            <a:schemeClr val="accent1"/>
+          </a:fillRef>
+          <a:effectRef idx="1">
+            <a:schemeClr val="accent1"/>
+          </a:effectRef>
+          <a:fontRef idx="minor">
+            <a:schemeClr val="dk1"/>
+          </a:fontRef>
+        </p:style>
+        <p:txBody>
+          <a:bodyPr rtlCol="0" anchor="ctr"/>
+          <a:lstStyle/>
+          <a:p>
+            <a:pPr algn="ctr"/>
+            <a:r>
+              <a:rPr lang="en-US" sz="900" b="1" dirty="0" err="1" smtClean="0">
+                <a:solidFill>
+                  <a:srgbClr val="0070C0"/>
+                </a:solidFill>
+              </a:rPr>
+              <a:t>EditTask</a:t>
+            </a:r>
+            <a:r>
+              <a:rPr lang="en-US" sz="900" b="1" dirty="0" err="1" smtClean="0">
+                <a:solidFill>
+                  <a:srgbClr val="0070C0"/>
+                </a:solidFill>
+              </a:rPr>
+              <a:t>Command</a:t>
+            </a:r>
+            <a:endParaRPr lang="en-SG" sz="900" b="1" dirty="0">
+              <a:solidFill>
+                <a:srgbClr val="0070C0"/>
+              </a:solidFill>
+            </a:endParaRPr>
+          </a:p>
+        </p:txBody>
+      </p:sp>
+      <p:sp>
+        <p:nvSpPr>
+          <p:cNvPr id="72" name="Rectangle 11"/>
+          <p:cNvSpPr/>
+          <p:nvPr/>
+        </p:nvSpPr>
+        <p:spPr>
+          <a:xfrm flipH="1">
+            <a:off x="7620000" y="2209800"/>
+            <a:ext cx="1295400" cy="304800"/>
+          </a:xfrm>
+          <a:prstGeom prst="rect">
+            <a:avLst/>
+          </a:prstGeom>
+          <a:ln w="19050">
+            <a:solidFill>
+              <a:srgbClr val="0070C0"/>
+            </a:solidFill>
+          </a:ln>
+          <a:effectLst/>
+        </p:spPr>
+        <p:style>
+          <a:lnRef idx="1">
+            <a:schemeClr val="accent1"/>
+          </a:lnRef>
+          <a:fillRef idx="2">
+            <a:schemeClr val="accent1"/>
+          </a:fillRef>
+          <a:effectRef idx="1">
+            <a:schemeClr val="accent1"/>
+          </a:effectRef>
+          <a:fontRef idx="minor">
+            <a:schemeClr val="dk1"/>
+          </a:fontRef>
+        </p:style>
+        <p:txBody>
+          <a:bodyPr rtlCol="0" anchor="ctr"/>
+          <a:lstStyle/>
+          <a:p>
+            <a:pPr algn="ctr"/>
+            <a:r>
+              <a:rPr lang="en-US" sz="900" b="1" dirty="0" err="1" smtClean="0">
+                <a:solidFill>
+                  <a:srgbClr val="0070C0"/>
+                </a:solidFill>
+              </a:rPr>
+              <a:t>Edit</a:t>
+            </a:r>
+            <a:r>
+              <a:rPr lang="en-US" sz="900" b="1" dirty="0" err="1" smtClean="0">
+                <a:solidFill>
+                  <a:srgbClr val="0070C0"/>
+                </a:solidFill>
+              </a:rPr>
+              <a:t>EventCommand</a:t>
+            </a:r>
+            <a:endParaRPr lang="en-SG" sz="900" b="1" dirty="0">
+              <a:solidFill>
+                <a:srgbClr val="0070C0"/>
+              </a:solidFill>
+            </a:endParaRPr>
+          </a:p>
+        </p:txBody>
+      </p:sp>
+      <p:sp>
+        <p:nvSpPr>
+          <p:cNvPr id="73" name="Rectangle 11"/>
+          <p:cNvSpPr/>
+          <p:nvPr/>
+        </p:nvSpPr>
+        <p:spPr>
+          <a:xfrm flipH="1">
+            <a:off x="7620000" y="4572000"/>
+            <a:ext cx="1295400" cy="304800"/>
+          </a:xfrm>
+          <a:prstGeom prst="rect">
+            <a:avLst/>
+          </a:prstGeom>
+          <a:ln w="19050">
+            <a:solidFill>
+              <a:srgbClr val="0070C0"/>
+            </a:solidFill>
+          </a:ln>
+          <a:effectLst/>
+        </p:spPr>
+        <p:style>
+          <a:lnRef idx="1">
+            <a:schemeClr val="accent1"/>
+          </a:lnRef>
+          <a:fillRef idx="2">
+            <a:schemeClr val="accent1"/>
+          </a:fillRef>
+          <a:effectRef idx="1">
+            <a:schemeClr val="accent1"/>
+          </a:effectRef>
+          <a:fontRef idx="minor">
+            <a:schemeClr val="dk1"/>
+          </a:fontRef>
+        </p:style>
+        <p:txBody>
+          <a:bodyPr rtlCol="0" anchor="ctr"/>
+          <a:lstStyle/>
+          <a:p>
+            <a:pPr algn="ctr"/>
+            <a:r>
+              <a:rPr lang="en-US" sz="900" b="1" dirty="0" err="1" smtClean="0">
+                <a:solidFill>
+                  <a:srgbClr val="0070C0"/>
+                </a:solidFill>
+              </a:rPr>
+              <a:t>DeleteTask</a:t>
+            </a:r>
+            <a:r>
+              <a:rPr lang="en-US" sz="900" b="1" dirty="0" err="1" smtClean="0">
+                <a:solidFill>
+                  <a:srgbClr val="0070C0"/>
+                </a:solidFill>
+              </a:rPr>
+              <a:t>Command</a:t>
+            </a:r>
+            <a:endParaRPr lang="en-SG" sz="900" b="1" dirty="0">
+              <a:solidFill>
+                <a:srgbClr val="0070C0"/>
+              </a:solidFill>
+            </a:endParaRPr>
+          </a:p>
+        </p:txBody>
+      </p:sp>
+      <p:sp>
+        <p:nvSpPr>
+          <p:cNvPr id="74" name="Rectangle 11"/>
+          <p:cNvSpPr/>
+          <p:nvPr/>
+        </p:nvSpPr>
+        <p:spPr>
+          <a:xfrm flipH="1">
+            <a:off x="7620000" y="4953000"/>
+            <a:ext cx="1295400" cy="304800"/>
+          </a:xfrm>
+          <a:prstGeom prst="rect">
+            <a:avLst/>
+          </a:prstGeom>
+          <a:ln w="19050">
+            <a:solidFill>
+              <a:srgbClr val="0070C0"/>
+            </a:solidFill>
+          </a:ln>
+          <a:effectLst/>
+        </p:spPr>
+        <p:style>
+          <a:lnRef idx="1">
+            <a:schemeClr val="accent1"/>
+          </a:lnRef>
+          <a:fillRef idx="2">
+            <a:schemeClr val="accent1"/>
+          </a:fillRef>
+          <a:effectRef idx="1">
+            <a:schemeClr val="accent1"/>
+          </a:effectRef>
+          <a:fontRef idx="minor">
+            <a:schemeClr val="dk1"/>
+          </a:fontRef>
+        </p:style>
+        <p:txBody>
+          <a:bodyPr rtlCol="0" anchor="ctr"/>
+          <a:lstStyle/>
+          <a:p>
+            <a:pPr algn="ctr"/>
+            <a:r>
+              <a:rPr lang="en-US" sz="900" b="1" dirty="0" err="1" smtClean="0">
+                <a:solidFill>
+                  <a:srgbClr val="0070C0"/>
+                </a:solidFill>
+              </a:rPr>
+              <a:t>Delete</a:t>
+            </a:r>
+            <a:r>
+              <a:rPr lang="en-US" sz="900" b="1" dirty="0" err="1" smtClean="0">
+                <a:solidFill>
+                  <a:srgbClr val="0070C0"/>
+                </a:solidFill>
+              </a:rPr>
+              <a:t>EventCommand</a:t>
+            </a:r>
+            <a:endParaRPr lang="en-SG" sz="900" b="1" dirty="0">
+              <a:solidFill>
+                <a:srgbClr val="0070C0"/>
+              </a:solidFill>
+            </a:endParaRPr>
+          </a:p>
+        </p:txBody>
+      </p:sp>
+      <p:sp>
+        <p:nvSpPr>
+          <p:cNvPr id="75" name="Rectangle 11"/>
+          <p:cNvSpPr/>
+          <p:nvPr/>
+        </p:nvSpPr>
+        <p:spPr>
+          <a:xfrm flipH="1">
+            <a:off x="7620000" y="3200400"/>
+            <a:ext cx="1295400" cy="304800"/>
+          </a:xfrm>
+          <a:prstGeom prst="rect">
+            <a:avLst/>
+          </a:prstGeom>
+          <a:ln w="19050">
+            <a:solidFill>
+              <a:srgbClr val="0070C0"/>
+            </a:solidFill>
+          </a:ln>
+          <a:effectLst/>
+        </p:spPr>
+        <p:style>
+          <a:lnRef idx="1">
+            <a:schemeClr val="accent1"/>
+          </a:lnRef>
+          <a:fillRef idx="2">
+            <a:schemeClr val="accent1"/>
+          </a:fillRef>
+          <a:effectRef idx="1">
+            <a:schemeClr val="accent1"/>
+          </a:effectRef>
+          <a:fontRef idx="minor">
+            <a:schemeClr val="dk1"/>
+          </a:fontRef>
+        </p:style>
+        <p:txBody>
+          <a:bodyPr rtlCol="0" anchor="ctr"/>
+          <a:lstStyle/>
+          <a:p>
+            <a:pPr algn="ctr"/>
+            <a:r>
+              <a:rPr lang="en-US" sz="900" b="1" dirty="0" err="1" smtClean="0">
+                <a:solidFill>
+                  <a:srgbClr val="0070C0"/>
+                </a:solidFill>
+              </a:rPr>
+              <a:t>ListTask</a:t>
+            </a:r>
+            <a:r>
+              <a:rPr lang="en-US" sz="900" b="1" dirty="0" err="1" smtClean="0">
+                <a:solidFill>
+                  <a:srgbClr val="0070C0"/>
+                </a:solidFill>
+              </a:rPr>
+              <a:t>Command</a:t>
+            </a:r>
+            <a:endParaRPr lang="en-SG" sz="900" b="1" dirty="0">
+              <a:solidFill>
+                <a:srgbClr val="0070C0"/>
+              </a:solidFill>
+            </a:endParaRPr>
+          </a:p>
+        </p:txBody>
+      </p:sp>
+      <p:sp>
+        <p:nvSpPr>
+          <p:cNvPr id="76" name="Rectangle 11"/>
+          <p:cNvSpPr/>
+          <p:nvPr/>
+        </p:nvSpPr>
+        <p:spPr>
+          <a:xfrm flipH="1">
+            <a:off x="7620000" y="3581400"/>
+            <a:ext cx="1295400" cy="304800"/>
+          </a:xfrm>
+          <a:prstGeom prst="rect">
+            <a:avLst/>
+          </a:prstGeom>
+          <a:ln w="19050">
+            <a:solidFill>
+              <a:srgbClr val="0070C0"/>
+            </a:solidFill>
+          </a:ln>
+          <a:effectLst/>
+        </p:spPr>
+        <p:style>
+          <a:lnRef idx="1">
+            <a:schemeClr val="accent1"/>
+          </a:lnRef>
+          <a:fillRef idx="2">
+            <a:schemeClr val="accent1"/>
+          </a:fillRef>
+          <a:effectRef idx="1">
+            <a:schemeClr val="accent1"/>
+          </a:effectRef>
+          <a:fontRef idx="minor">
+            <a:schemeClr val="dk1"/>
+          </a:fontRef>
+        </p:style>
+        <p:txBody>
+          <a:bodyPr rtlCol="0" anchor="ctr"/>
+          <a:lstStyle/>
+          <a:p>
+            <a:pPr algn="ctr"/>
+            <a:r>
+              <a:rPr lang="en-US" sz="900" b="1" dirty="0" err="1" smtClean="0">
+                <a:solidFill>
+                  <a:srgbClr val="0070C0"/>
+                </a:solidFill>
+              </a:rPr>
+              <a:t>ListEventCommand</a:t>
+            </a:r>
+            <a:endParaRPr lang="en-SG" sz="900" b="1" dirty="0">
+              <a:solidFill>
+                <a:srgbClr val="0070C0"/>
+              </a:solidFill>
+            </a:endParaRPr>
+          </a:p>
+        </p:txBody>
+      </p:sp>
+      <p:cxnSp>
+        <p:nvCxnSpPr>
+          <p:cNvPr id="46" name="Elbow Connector 45"/>
+          <p:cNvCxnSpPr>
+            <a:stCxn id="128" idx="1"/>
+            <a:endCxn id="70" idx="3"/>
+          </p:cNvCxnSpPr>
+          <p:nvPr/>
+        </p:nvCxnSpPr>
+        <p:spPr>
+          <a:xfrm>
+            <a:off x="7162800" y="1276908"/>
+            <a:ext cx="457200" cy="170892"/>
+          </a:xfrm>
+          <a:prstGeom prst="bentConnector3">
+            <a:avLst/>
+          </a:prstGeom>
+          <a:ln w="19050">
+            <a:solidFill>
+              <a:srgbClr val="0070C0"/>
+            </a:solidFill>
+            <a:headEnd type="none" w="med" len="med"/>
+            <a:tailEnd type="none" w="med" len="med"/>
+          </a:ln>
+          <a:effectLst/>
+        </p:spPr>
+        <p:style>
+          <a:lnRef idx="1">
+            <a:schemeClr val="accent2"/>
+          </a:lnRef>
+          <a:fillRef idx="2">
+            <a:schemeClr val="accent2"/>
+          </a:fillRef>
+          <a:effectRef idx="1">
+            <a:schemeClr val="accent2"/>
+          </a:effectRef>
+          <a:fontRef idx="minor">
+            <a:schemeClr val="dk1"/>
+          </a:fontRef>
+        </p:style>
+      </p:cxnSp>
+      <p:cxnSp>
+        <p:nvCxnSpPr>
+          <p:cNvPr id="94" name="Elbow Connector 93"/>
+          <p:cNvCxnSpPr>
+            <a:stCxn id="128" idx="1"/>
+            <a:endCxn id="69" idx="3"/>
+          </p:cNvCxnSpPr>
+          <p:nvPr/>
+        </p:nvCxnSpPr>
+        <p:spPr>
+          <a:xfrm flipV="1">
+            <a:off x="7162800" y="1066800"/>
+            <a:ext cx="457200" cy="210108"/>
+          </a:xfrm>
+          <a:prstGeom prst="bentConnector3">
+            <a:avLst/>
+          </a:prstGeom>
+          <a:ln w="19050">
+            <a:solidFill>
+              <a:srgbClr val="0070C0"/>
+            </a:solidFill>
+            <a:headEnd type="none" w="med" len="med"/>
+            <a:tailEnd type="none" w="med" len="med"/>
+          </a:ln>
+          <a:effectLst/>
+        </p:spPr>
+        <p:style>
+          <a:lnRef idx="1">
+            <a:schemeClr val="accent2"/>
+          </a:lnRef>
+          <a:fillRef idx="2">
+            <a:schemeClr val="accent2"/>
+          </a:fillRef>
+          <a:effectRef idx="1">
+            <a:schemeClr val="accent2"/>
+          </a:effectRef>
+          <a:fontRef idx="minor">
+            <a:schemeClr val="dk1"/>
+          </a:fontRef>
+        </p:style>
+      </p:cxnSp>
+      <p:cxnSp>
+        <p:nvCxnSpPr>
+          <p:cNvPr id="97" name="Elbow Connector 96"/>
+          <p:cNvCxnSpPr>
+            <a:stCxn id="106" idx="1"/>
+          </p:cNvCxnSpPr>
+          <p:nvPr/>
+        </p:nvCxnSpPr>
+        <p:spPr>
+          <a:xfrm>
+            <a:off x="7164277" y="2188820"/>
+            <a:ext cx="455723" cy="173380"/>
+          </a:xfrm>
+          <a:prstGeom prst="bentConnector3">
+            <a:avLst/>
+          </a:prstGeom>
+          <a:ln w="19050">
+            <a:solidFill>
+              <a:srgbClr val="0070C0"/>
+            </a:solidFill>
+            <a:headEnd type="none" w="med" len="med"/>
+            <a:tailEnd type="none" w="med" len="med"/>
+          </a:ln>
+          <a:effectLst/>
+        </p:spPr>
+        <p:style>
+          <a:lnRef idx="1">
+            <a:schemeClr val="accent2"/>
+          </a:lnRef>
+          <a:fillRef idx="2">
+            <a:schemeClr val="accent2"/>
+          </a:fillRef>
+          <a:effectRef idx="1">
+            <a:schemeClr val="accent2"/>
+          </a:effectRef>
+          <a:fontRef idx="minor">
+            <a:schemeClr val="dk1"/>
+          </a:fontRef>
+        </p:style>
+      </p:cxnSp>
+      <p:cxnSp>
+        <p:nvCxnSpPr>
+          <p:cNvPr id="98" name="Elbow Connector 97"/>
+          <p:cNvCxnSpPr>
+            <a:stCxn id="106" idx="1"/>
+          </p:cNvCxnSpPr>
+          <p:nvPr/>
+        </p:nvCxnSpPr>
+        <p:spPr>
+          <a:xfrm flipV="1">
+            <a:off x="7164277" y="1981200"/>
+            <a:ext cx="455723" cy="207620"/>
+          </a:xfrm>
+          <a:prstGeom prst="bentConnector3">
+            <a:avLst/>
+          </a:prstGeom>
+          <a:ln w="19050">
+            <a:solidFill>
+              <a:srgbClr val="0070C0"/>
+            </a:solidFill>
+            <a:headEnd type="none" w="med" len="med"/>
+            <a:tailEnd type="none" w="med" len="med"/>
+          </a:ln>
+          <a:effectLst/>
+        </p:spPr>
+        <p:style>
+          <a:lnRef idx="1">
+            <a:schemeClr val="accent2"/>
+          </a:lnRef>
+          <a:fillRef idx="2">
+            <a:schemeClr val="accent2"/>
+          </a:fillRef>
+          <a:effectRef idx="1">
+            <a:schemeClr val="accent2"/>
+          </a:effectRef>
+          <a:fontRef idx="minor">
+            <a:schemeClr val="dk1"/>
+          </a:fontRef>
+        </p:style>
+      </p:cxnSp>
+      <p:cxnSp>
+        <p:nvCxnSpPr>
+          <p:cNvPr id="102" name="Elbow Connector 101"/>
+          <p:cNvCxnSpPr/>
+          <p:nvPr/>
+        </p:nvCxnSpPr>
+        <p:spPr>
+          <a:xfrm>
+            <a:off x="7162800" y="3581400"/>
+            <a:ext cx="457200" cy="170892"/>
+          </a:xfrm>
+          <a:prstGeom prst="bentConnector3">
+            <a:avLst/>
+          </a:prstGeom>
+          <a:ln w="19050">
+            <a:solidFill>
+              <a:srgbClr val="0070C0"/>
+            </a:solidFill>
+            <a:headEnd type="none" w="med" len="med"/>
+            <a:tailEnd type="none" w="med" len="med"/>
+          </a:ln>
+          <a:effectLst/>
+        </p:spPr>
+        <p:style>
+          <a:lnRef idx="1">
+            <a:schemeClr val="accent2"/>
+          </a:lnRef>
+          <a:fillRef idx="2">
+            <a:schemeClr val="accent2"/>
+          </a:fillRef>
+          <a:effectRef idx="1">
+            <a:schemeClr val="accent2"/>
+          </a:effectRef>
+          <a:fontRef idx="minor">
+            <a:schemeClr val="dk1"/>
+          </a:fontRef>
+        </p:style>
+      </p:cxnSp>
+      <p:cxnSp>
+        <p:nvCxnSpPr>
+          <p:cNvPr id="103" name="Elbow Connector 102"/>
+          <p:cNvCxnSpPr/>
+          <p:nvPr/>
+        </p:nvCxnSpPr>
+        <p:spPr>
+          <a:xfrm flipV="1">
+            <a:off x="7162800" y="3371292"/>
+            <a:ext cx="457200" cy="210108"/>
+          </a:xfrm>
+          <a:prstGeom prst="bentConnector3">
+            <a:avLst/>
+          </a:prstGeom>
+          <a:ln w="19050">
+            <a:solidFill>
+              <a:srgbClr val="0070C0"/>
+            </a:solidFill>
+            <a:headEnd type="none" w="med" len="med"/>
+            <a:tailEnd type="none" w="med" len="med"/>
+          </a:ln>
+          <a:effectLst/>
+        </p:spPr>
+        <p:style>
+          <a:lnRef idx="1">
+            <a:schemeClr val="accent2"/>
+          </a:lnRef>
+          <a:fillRef idx="2">
+            <a:schemeClr val="accent2"/>
+          </a:fillRef>
+          <a:effectRef idx="1">
+            <a:schemeClr val="accent2"/>
+          </a:effectRef>
+          <a:fontRef idx="minor">
+            <a:schemeClr val="dk1"/>
+          </a:fontRef>
+        </p:style>
+      </p:cxnSp>
+      <p:cxnSp>
+        <p:nvCxnSpPr>
+          <p:cNvPr id="133" name="Elbow Connector 132"/>
+          <p:cNvCxnSpPr/>
+          <p:nvPr/>
+        </p:nvCxnSpPr>
+        <p:spPr>
+          <a:xfrm>
+            <a:off x="7162800" y="4953000"/>
+            <a:ext cx="457200" cy="170892"/>
+          </a:xfrm>
+          <a:prstGeom prst="bentConnector3">
+            <a:avLst/>
+          </a:prstGeom>
+          <a:ln w="19050">
+            <a:solidFill>
+              <a:srgbClr val="0070C0"/>
+            </a:solidFill>
+            <a:headEnd type="none" w="med" len="med"/>
+            <a:tailEnd type="none" w="med" len="med"/>
+          </a:ln>
+          <a:effectLst/>
+        </p:spPr>
+        <p:style>
+          <a:lnRef idx="1">
+            <a:schemeClr val="accent2"/>
+          </a:lnRef>
+          <a:fillRef idx="2">
+            <a:schemeClr val="accent2"/>
+          </a:fillRef>
+          <a:effectRef idx="1">
+            <a:schemeClr val="accent2"/>
+          </a:effectRef>
+          <a:fontRef idx="minor">
+            <a:schemeClr val="dk1"/>
+          </a:fontRef>
+        </p:style>
+      </p:cxnSp>
+      <p:cxnSp>
+        <p:nvCxnSpPr>
+          <p:cNvPr id="134" name="Elbow Connector 133"/>
+          <p:cNvCxnSpPr/>
+          <p:nvPr/>
+        </p:nvCxnSpPr>
+        <p:spPr>
+          <a:xfrm flipV="1">
+            <a:off x="7162800" y="4742892"/>
+            <a:ext cx="457200" cy="210108"/>
+          </a:xfrm>
+          <a:prstGeom prst="bentConnector3">
+            <a:avLst/>
+          </a:prstGeom>
+          <a:ln w="19050">
+            <a:solidFill>
+              <a:srgbClr val="0070C0"/>
+            </a:solidFill>
+            <a:headEnd type="none" w="med" len="med"/>
+            <a:tailEnd type="none" w="med" len="med"/>
+          </a:ln>
+          <a:effectLst/>
+        </p:spPr>
+        <p:style>
+          <a:lnRef idx="1">
+            <a:schemeClr val="accent2"/>
+          </a:lnRef>
+          <a:fillRef idx="2">
+            <a:schemeClr val="accent2"/>
+          </a:fillRef>
+          <a:effectRef idx="1">
+            <a:schemeClr val="accent2"/>
+          </a:effectRef>
+          <a:fontRef idx="minor">
+            <a:schemeClr val="dk1"/>
+          </a:fontRef>
+        </p:style>
+      </p:cxnSp>
+      <p:sp>
+        <p:nvSpPr>
+          <p:cNvPr id="209" name="Rectangle 11"/>
+          <p:cNvSpPr/>
+          <p:nvPr/>
+        </p:nvSpPr>
+        <p:spPr>
+          <a:xfrm flipH="1">
+            <a:off x="1970602" y="4419600"/>
+            <a:ext cx="1186398" cy="346760"/>
+          </a:xfrm>
+          <a:prstGeom prst="rect">
+            <a:avLst/>
+          </a:prstGeom>
+          <a:ln w="19050">
+            <a:solidFill>
+              <a:srgbClr val="0070C0"/>
+            </a:solidFill>
+          </a:ln>
+          <a:effectLst/>
+        </p:spPr>
+        <p:style>
+          <a:lnRef idx="1">
+            <a:schemeClr val="accent1"/>
+          </a:lnRef>
+          <a:fillRef idx="2">
+            <a:schemeClr val="accent1"/>
+          </a:fillRef>
+          <a:effectRef idx="1">
+            <a:schemeClr val="accent1"/>
+          </a:effectRef>
+          <a:fontRef idx="minor">
+            <a:schemeClr val="dk1"/>
+          </a:fontRef>
+        </p:style>
+        <p:txBody>
+          <a:bodyPr rtlCol="0" anchor="ctr"/>
+          <a:lstStyle/>
+          <a:p>
+            <a:pPr algn="ctr"/>
+            <a:r>
+              <a:rPr lang="en-US" sz="1050" b="1" dirty="0" err="1" smtClean="0">
+                <a:solidFill>
+                  <a:srgbClr val="0070C0"/>
+                </a:solidFill>
+              </a:rPr>
+              <a:t>List</a:t>
+            </a:r>
+            <a:r>
+              <a:rPr lang="en-US" sz="1050" b="1" dirty="0" err="1" smtClean="0">
+                <a:solidFill>
+                  <a:srgbClr val="0070C0"/>
+                </a:solidFill>
+              </a:rPr>
+              <a:t>Parser</a:t>
+            </a:r>
+            <a:endParaRPr lang="en-SG" sz="1050" b="1" dirty="0">
+              <a:solidFill>
+                <a:srgbClr val="0070C0"/>
+              </a:solidFill>
+            </a:endParaRPr>
+          </a:p>
+        </p:txBody>
+      </p:sp>
+      <p:sp>
+        <p:nvSpPr>
+          <p:cNvPr id="210" name="Rectangle 11"/>
+          <p:cNvSpPr/>
+          <p:nvPr/>
+        </p:nvSpPr>
+        <p:spPr>
+          <a:xfrm flipH="1">
+            <a:off x="1967281" y="4003568"/>
+            <a:ext cx="1186398" cy="346760"/>
+          </a:xfrm>
+          <a:prstGeom prst="rect">
+            <a:avLst/>
+          </a:prstGeom>
+          <a:ln w="19050">
+            <a:solidFill>
+              <a:srgbClr val="0070C0"/>
+            </a:solidFill>
+          </a:ln>
+          <a:effectLst/>
+        </p:spPr>
+        <p:style>
+          <a:lnRef idx="1">
+            <a:schemeClr val="accent1"/>
+          </a:lnRef>
+          <a:fillRef idx="2">
+            <a:schemeClr val="accent1"/>
+          </a:fillRef>
+          <a:effectRef idx="1">
+            <a:schemeClr val="accent1"/>
+          </a:effectRef>
+          <a:fontRef idx="minor">
+            <a:schemeClr val="dk1"/>
+          </a:fontRef>
+        </p:style>
+        <p:txBody>
+          <a:bodyPr rtlCol="0" anchor="ctr"/>
+          <a:lstStyle/>
+          <a:p>
+            <a:pPr algn="ctr"/>
+            <a:r>
+              <a:rPr lang="en-US" sz="1050" b="1" dirty="0" err="1" smtClean="0">
+                <a:solidFill>
+                  <a:srgbClr val="0070C0"/>
+                </a:solidFill>
+              </a:rPr>
+              <a:t>EditParser</a:t>
+            </a:r>
+            <a:endParaRPr lang="en-SG" sz="1050" b="1" dirty="0">
+              <a:solidFill>
+                <a:srgbClr val="0070C0"/>
+              </a:solidFill>
+            </a:endParaRPr>
+          </a:p>
+        </p:txBody>
+      </p:sp>
+      <p:sp>
+        <p:nvSpPr>
+          <p:cNvPr id="211" name="Rectangle 11"/>
+          <p:cNvSpPr/>
+          <p:nvPr/>
+        </p:nvSpPr>
+        <p:spPr>
+          <a:xfrm flipH="1">
+            <a:off x="1970602" y="3581400"/>
+            <a:ext cx="1186398" cy="346760"/>
+          </a:xfrm>
+          <a:prstGeom prst="rect">
+            <a:avLst/>
+          </a:prstGeom>
+          <a:ln w="19050">
+            <a:solidFill>
+              <a:srgbClr val="0070C0"/>
+            </a:solidFill>
+          </a:ln>
+          <a:effectLst/>
+        </p:spPr>
+        <p:style>
+          <a:lnRef idx="1">
+            <a:schemeClr val="accent1"/>
+          </a:lnRef>
+          <a:fillRef idx="2">
+            <a:schemeClr val="accent1"/>
+          </a:fillRef>
+          <a:effectRef idx="1">
+            <a:schemeClr val="accent1"/>
+          </a:effectRef>
+          <a:fontRef idx="minor">
+            <a:schemeClr val="dk1"/>
+          </a:fontRef>
+        </p:style>
+        <p:txBody>
+          <a:bodyPr rtlCol="0" anchor="ctr"/>
+          <a:lstStyle/>
+          <a:p>
+            <a:pPr algn="ctr"/>
+            <a:r>
+              <a:rPr lang="en-US" sz="1050" b="1" dirty="0" err="1" smtClean="0">
+                <a:solidFill>
+                  <a:srgbClr val="0070C0"/>
+                </a:solidFill>
+              </a:rPr>
+              <a:t>AddParser</a:t>
+            </a:r>
+            <a:endParaRPr lang="en-SG" sz="1050" b="1" dirty="0">
+              <a:solidFill>
+                <a:srgbClr val="0070C0"/>
+              </a:solidFill>
+            </a:endParaRPr>
+          </a:p>
+        </p:txBody>
+      </p:sp>
+      <p:sp>
+        <p:nvSpPr>
+          <p:cNvPr id="212" name="Rectangle 11"/>
+          <p:cNvSpPr/>
+          <p:nvPr/>
+        </p:nvSpPr>
+        <p:spPr>
+          <a:xfrm flipH="1">
+            <a:off x="1981200" y="4876800"/>
+            <a:ext cx="1186398" cy="346760"/>
+          </a:xfrm>
+          <a:prstGeom prst="rect">
+            <a:avLst/>
+          </a:prstGeom>
+          <a:ln w="19050">
+            <a:solidFill>
+              <a:srgbClr val="0070C0"/>
+            </a:solidFill>
+          </a:ln>
+          <a:effectLst/>
+        </p:spPr>
+        <p:style>
+          <a:lnRef idx="1">
+            <a:schemeClr val="accent1"/>
+          </a:lnRef>
+          <a:fillRef idx="2">
+            <a:schemeClr val="accent1"/>
+          </a:fillRef>
+          <a:effectRef idx="1">
+            <a:schemeClr val="accent1"/>
+          </a:effectRef>
+          <a:fontRef idx="minor">
+            <a:schemeClr val="dk1"/>
+          </a:fontRef>
+        </p:style>
+        <p:txBody>
+          <a:bodyPr rtlCol="0" anchor="ctr"/>
+          <a:lstStyle/>
+          <a:p>
+            <a:pPr algn="ctr"/>
+            <a:r>
+              <a:rPr lang="en-US" sz="1200" b="1" dirty="0" smtClean="0">
+                <a:solidFill>
+                  <a:srgbClr val="0070C0"/>
+                </a:solidFill>
+              </a:rPr>
+              <a:t>. . .</a:t>
+            </a:r>
+            <a:endParaRPr lang="en-SG" sz="1200" b="1" dirty="0">
+              <a:solidFill>
+                <a:srgbClr val="0070C0"/>
+              </a:solidFill>
+            </a:endParaRPr>
+          </a:p>
+        </p:txBody>
+      </p:sp>
+      <p:cxnSp>
+        <p:nvCxnSpPr>
+          <p:cNvPr id="213" name="Elbow Connector 212"/>
+          <p:cNvCxnSpPr>
+            <a:stCxn id="218" idx="3"/>
+          </p:cNvCxnSpPr>
+          <p:nvPr/>
+        </p:nvCxnSpPr>
+        <p:spPr>
+          <a:xfrm rot="5400000">
+            <a:off x="2266949" y="2609850"/>
+            <a:ext cx="228603" cy="1409700"/>
+          </a:xfrm>
+          <a:prstGeom prst="bentConnector2">
+            <a:avLst/>
+          </a:prstGeom>
+          <a:ln w="19050">
+            <a:solidFill>
+              <a:srgbClr val="0070C0"/>
+            </a:solidFill>
+            <a:headEnd type="none" w="med" len="med"/>
+            <a:tailEnd type="none" w="med" len="med"/>
+          </a:ln>
+          <a:effectLst/>
+        </p:spPr>
+        <p:style>
+          <a:lnRef idx="1">
+            <a:schemeClr val="accent2"/>
+          </a:lnRef>
+          <a:fillRef idx="2">
+            <a:schemeClr val="accent2"/>
+          </a:fillRef>
+          <a:effectRef idx="1">
+            <a:schemeClr val="accent2"/>
+          </a:effectRef>
+          <a:fontRef idx="minor">
+            <a:schemeClr val="dk1"/>
+          </a:fontRef>
+        </p:style>
+      </p:cxnSp>
+      <p:cxnSp>
+        <p:nvCxnSpPr>
+          <p:cNvPr id="214" name="Elbow Connector 213"/>
+          <p:cNvCxnSpPr>
+            <a:endCxn id="211" idx="3"/>
+          </p:cNvCxnSpPr>
+          <p:nvPr/>
+        </p:nvCxnSpPr>
+        <p:spPr>
+          <a:xfrm rot="16200000" flipH="1">
+            <a:off x="1660611" y="3444789"/>
+            <a:ext cx="325780" cy="294202"/>
+          </a:xfrm>
+          <a:prstGeom prst="bentConnector2">
+            <a:avLst/>
+          </a:prstGeom>
+          <a:ln w="19050">
+            <a:solidFill>
+              <a:srgbClr val="0070C0"/>
+            </a:solidFill>
+            <a:headEnd type="none" w="med" len="med"/>
+            <a:tailEnd type="none" w="med" len="med"/>
+          </a:ln>
+          <a:effectLst/>
+        </p:spPr>
+        <p:style>
+          <a:lnRef idx="1">
+            <a:schemeClr val="accent2"/>
+          </a:lnRef>
+          <a:fillRef idx="2">
+            <a:schemeClr val="accent2"/>
+          </a:fillRef>
+          <a:effectRef idx="1">
+            <a:schemeClr val="accent2"/>
+          </a:effectRef>
+          <a:fontRef idx="minor">
+            <a:schemeClr val="dk1"/>
+          </a:fontRef>
+        </p:style>
+      </p:cxnSp>
+      <p:cxnSp>
+        <p:nvCxnSpPr>
+          <p:cNvPr id="215" name="Elbow Connector 214"/>
+          <p:cNvCxnSpPr>
+            <a:endCxn id="212" idx="3"/>
+          </p:cNvCxnSpPr>
+          <p:nvPr/>
+        </p:nvCxnSpPr>
+        <p:spPr>
+          <a:xfrm rot="16200000" flipH="1">
+            <a:off x="1170610" y="4239590"/>
+            <a:ext cx="1316380" cy="304800"/>
+          </a:xfrm>
+          <a:prstGeom prst="bentConnector2">
+            <a:avLst/>
+          </a:prstGeom>
+          <a:ln w="19050">
+            <a:solidFill>
+              <a:srgbClr val="0070C0"/>
+            </a:solidFill>
+            <a:headEnd type="none" w="med" len="med"/>
+            <a:tailEnd type="none" w="med" len="med"/>
+          </a:ln>
+          <a:effectLst/>
+        </p:spPr>
+        <p:style>
+          <a:lnRef idx="1">
+            <a:schemeClr val="accent2"/>
+          </a:lnRef>
+          <a:fillRef idx="2">
+            <a:schemeClr val="accent2"/>
+          </a:fillRef>
+          <a:effectRef idx="1">
+            <a:schemeClr val="accent2"/>
+          </a:effectRef>
+          <a:fontRef idx="minor">
+            <a:schemeClr val="dk1"/>
+          </a:fontRef>
+        </p:style>
+      </p:cxnSp>
+      <p:cxnSp>
+        <p:nvCxnSpPr>
+          <p:cNvPr id="216" name="Straight Connector 215"/>
+          <p:cNvCxnSpPr/>
+          <p:nvPr/>
+        </p:nvCxnSpPr>
+        <p:spPr>
+          <a:xfrm flipH="1">
+            <a:off x="1676400" y="4191000"/>
+            <a:ext cx="304800" cy="0"/>
+          </a:xfrm>
+          <a:prstGeom prst="line">
+            <a:avLst/>
+          </a:prstGeom>
+          <a:ln w="19050">
+            <a:solidFill>
+              <a:srgbClr val="0070C0"/>
+            </a:solidFill>
+            <a:headEnd type="none" w="med" len="med"/>
+            <a:tailEnd type="none" w="med" len="med"/>
+          </a:ln>
+          <a:effectLst/>
+        </p:spPr>
+        <p:style>
+          <a:lnRef idx="1">
+            <a:schemeClr val="accent2"/>
+          </a:lnRef>
+          <a:fillRef idx="2">
+            <a:schemeClr val="accent2"/>
+          </a:fillRef>
+          <a:effectRef idx="1">
+            <a:schemeClr val="accent2"/>
+          </a:effectRef>
+          <a:fontRef idx="minor">
+            <a:schemeClr val="dk1"/>
+          </a:fontRef>
+        </p:style>
+      </p:cxnSp>
+      <p:cxnSp>
+        <p:nvCxnSpPr>
+          <p:cNvPr id="217" name="Straight Connector 216"/>
+          <p:cNvCxnSpPr/>
+          <p:nvPr/>
+        </p:nvCxnSpPr>
+        <p:spPr>
+          <a:xfrm flipH="1">
+            <a:off x="1676400" y="4572000"/>
+            <a:ext cx="304800" cy="0"/>
+          </a:xfrm>
+          <a:prstGeom prst="line">
+            <a:avLst/>
+          </a:prstGeom>
+          <a:ln w="19050">
+            <a:solidFill>
+              <a:srgbClr val="0070C0"/>
+            </a:solidFill>
+            <a:headEnd type="none" w="med" len="med"/>
+            <a:tailEnd type="none" w="med" len="med"/>
+          </a:ln>
+          <a:effectLst/>
+        </p:spPr>
+        <p:style>
+          <a:lnRef idx="1">
+            <a:schemeClr val="accent2"/>
+          </a:lnRef>
+          <a:fillRef idx="2">
+            <a:schemeClr val="accent2"/>
+          </a:fillRef>
+          <a:effectRef idx="1">
+            <a:schemeClr val="accent2"/>
+          </a:effectRef>
+          <a:fontRef idx="minor">
+            <a:schemeClr val="dk1"/>
+          </a:fontRef>
+        </p:style>
+      </p:cxnSp>
+      <p:sp>
+        <p:nvSpPr>
+          <p:cNvPr id="218" name="Isosceles Triangle 102"/>
+          <p:cNvSpPr/>
+          <p:nvPr/>
+        </p:nvSpPr>
+        <p:spPr>
+          <a:xfrm rot="10800000" flipV="1">
+            <a:off x="2971800" y="2971800"/>
+            <a:ext cx="228600" cy="228599"/>
+          </a:xfrm>
+          <a:prstGeom prst="triangle">
+            <a:avLst/>
+          </a:prstGeom>
+          <a:ln w="19050">
+            <a:solidFill>
+              <a:srgbClr val="0070C0"/>
+            </a:solidFill>
+          </a:ln>
+          <a:effectLst/>
+        </p:spPr>
+        <p:style>
+          <a:lnRef idx="1">
+            <a:schemeClr val="accent1"/>
+          </a:lnRef>
+          <a:fillRef idx="2">
+            <a:schemeClr val="accent1"/>
+          </a:fillRef>
+          <a:effectRef idx="1">
+            <a:schemeClr val="accent1"/>
+          </a:effectRef>
+          <a:fontRef idx="minor">
+            <a:schemeClr val="dk1"/>
+          </a:fontRef>
+        </p:style>
+        <p:txBody>
+          <a:bodyPr rtlCol="0" anchor="ctr"/>
+          <a:lstStyle/>
+          <a:p>
+            <a:pPr algn="ctr"/>
+            <a:endParaRPr lang="en-SG" sz="1050" b="1">
+              <a:solidFill>
+                <a:srgbClr val="92D050"/>
+              </a:solidFill>
+            </a:endParaRPr>
+          </a:p>
+        </p:txBody>
+      </p:sp>
+      <p:sp>
+        <p:nvSpPr>
+          <p:cNvPr id="219" name="Rectangle 11"/>
+          <p:cNvSpPr/>
+          <p:nvPr/>
+        </p:nvSpPr>
+        <p:spPr>
+          <a:xfrm flipH="1">
+            <a:off x="3581400" y="4191000"/>
+            <a:ext cx="1066800" cy="346760"/>
+          </a:xfrm>
+          <a:prstGeom prst="rect">
+            <a:avLst/>
+          </a:prstGeom>
+          <a:ln w="19050">
+            <a:solidFill>
+              <a:srgbClr val="0070C0"/>
+            </a:solidFill>
+          </a:ln>
+          <a:effectLst/>
+        </p:spPr>
+        <p:style>
+          <a:lnRef idx="1">
+            <a:schemeClr val="accent1"/>
+          </a:lnRef>
+          <a:fillRef idx="2">
+            <a:schemeClr val="accent1"/>
+          </a:fillRef>
+          <a:effectRef idx="1">
+            <a:schemeClr val="accent1"/>
+          </a:effectRef>
+          <a:fontRef idx="minor">
+            <a:schemeClr val="dk1"/>
+          </a:fontRef>
+        </p:style>
+        <p:txBody>
+          <a:bodyPr rtlCol="0" anchor="ctr"/>
+          <a:lstStyle/>
+          <a:p>
+            <a:pPr algn="ctr"/>
+            <a:r>
+              <a:rPr lang="en-US" sz="1050" b="1" dirty="0" smtClean="0">
+                <a:solidFill>
+                  <a:srgbClr val="0070C0"/>
+                </a:solidFill>
+              </a:rPr>
+              <a:t>&lt;&lt;interface&gt;&gt;</a:t>
+            </a:r>
+            <a:endParaRPr lang="en-US" sz="1050" b="1" dirty="0">
+              <a:solidFill>
+                <a:srgbClr val="0070C0"/>
+              </a:solidFill>
+            </a:endParaRPr>
+          </a:p>
+          <a:p>
+            <a:pPr algn="ctr"/>
+            <a:r>
+              <a:rPr lang="en-US" sz="1050" b="1" dirty="0" smtClean="0">
+                <a:solidFill>
+                  <a:srgbClr val="0070C0"/>
+                </a:solidFill>
+              </a:rPr>
+              <a:t>Parser</a:t>
+            </a:r>
+            <a:endParaRPr lang="en-SG" sz="1050" b="1" dirty="0">
+              <a:solidFill>
+                <a:srgbClr val="0070C0"/>
+              </a:solidFill>
+            </a:endParaRPr>
+          </a:p>
+        </p:txBody>
+      </p:sp>
+      <p:cxnSp>
+        <p:nvCxnSpPr>
+          <p:cNvPr id="220" name="Elbow Connector 219"/>
+          <p:cNvCxnSpPr>
+            <a:stCxn id="211" idx="1"/>
+            <a:endCxn id="219" idx="3"/>
+          </p:cNvCxnSpPr>
+          <p:nvPr/>
+        </p:nvCxnSpPr>
+        <p:spPr>
+          <a:xfrm>
+            <a:off x="3157000" y="3754780"/>
+            <a:ext cx="424400" cy="609600"/>
+          </a:xfrm>
+          <a:prstGeom prst="bentConnector3">
+            <a:avLst>
+              <a:gd name="adj1" fmla="val 45691"/>
+            </a:avLst>
+          </a:prstGeom>
+          <a:ln w="19050">
+            <a:prstDash val="sysDot"/>
+            <a:tailEnd type="triangle"/>
+          </a:ln>
+        </p:spPr>
+        <p:style>
+          <a:lnRef idx="1">
+            <a:schemeClr val="accent1"/>
+          </a:lnRef>
+          <a:fillRef idx="0">
+            <a:schemeClr val="accent1"/>
+          </a:fillRef>
+          <a:effectRef idx="0">
+            <a:schemeClr val="accent1"/>
+          </a:effectRef>
+          <a:fontRef idx="minor">
+            <a:schemeClr val="tx1"/>
+          </a:fontRef>
+        </p:style>
+      </p:cxnSp>
+      <p:cxnSp>
+        <p:nvCxnSpPr>
+          <p:cNvPr id="221" name="Elbow Connector 220"/>
+          <p:cNvCxnSpPr>
+            <a:stCxn id="212" idx="1"/>
+          </p:cNvCxnSpPr>
+          <p:nvPr/>
+        </p:nvCxnSpPr>
+        <p:spPr>
+          <a:xfrm flipV="1">
+            <a:off x="3167598" y="4419600"/>
+            <a:ext cx="185202" cy="630580"/>
+          </a:xfrm>
+          <a:prstGeom prst="bentConnector2">
+            <a:avLst/>
+          </a:prstGeom>
+          <a:ln w="19050">
+            <a:prstDash val="sysDot"/>
+          </a:ln>
+        </p:spPr>
+        <p:style>
+          <a:lnRef idx="1">
+            <a:schemeClr val="accent1"/>
+          </a:lnRef>
+          <a:fillRef idx="0">
+            <a:schemeClr val="accent1"/>
+          </a:fillRef>
+          <a:effectRef idx="0">
+            <a:schemeClr val="accent1"/>
+          </a:effectRef>
+          <a:fontRef idx="minor">
+            <a:schemeClr val="tx1"/>
+          </a:fontRef>
+        </p:style>
+      </p:cxnSp>
+      <p:cxnSp>
+        <p:nvCxnSpPr>
+          <p:cNvPr id="222" name="Elbow Connector 221"/>
+          <p:cNvCxnSpPr>
+            <a:stCxn id="209" idx="1"/>
+          </p:cNvCxnSpPr>
+          <p:nvPr/>
+        </p:nvCxnSpPr>
+        <p:spPr>
+          <a:xfrm flipV="1">
+            <a:off x="3157000" y="4343400"/>
+            <a:ext cx="195800" cy="249580"/>
+          </a:xfrm>
+          <a:prstGeom prst="bentConnector2">
+            <a:avLst/>
+          </a:prstGeom>
+          <a:ln w="19050">
+            <a:prstDash val="sysDot"/>
+          </a:ln>
+        </p:spPr>
+        <p:style>
+          <a:lnRef idx="1">
+            <a:schemeClr val="accent1"/>
+          </a:lnRef>
+          <a:fillRef idx="0">
+            <a:schemeClr val="accent1"/>
+          </a:fillRef>
+          <a:effectRef idx="0">
+            <a:schemeClr val="accent1"/>
+          </a:effectRef>
+          <a:fontRef idx="minor">
+            <a:schemeClr val="tx1"/>
+          </a:fontRef>
+        </p:style>
+      </p:cxnSp>
+      <p:cxnSp>
+        <p:nvCxnSpPr>
+          <p:cNvPr id="223" name="Elbow Connector 222"/>
+          <p:cNvCxnSpPr>
+            <a:stCxn id="210" idx="1"/>
+          </p:cNvCxnSpPr>
+          <p:nvPr/>
+        </p:nvCxnSpPr>
+        <p:spPr>
+          <a:xfrm flipV="1">
+            <a:off x="3153679" y="3810000"/>
+            <a:ext cx="199121" cy="366948"/>
+          </a:xfrm>
+          <a:prstGeom prst="bentConnector2">
+            <a:avLst/>
+          </a:prstGeom>
+          <a:ln w="19050">
+            <a:prstDash val="sysDot"/>
+          </a:ln>
+        </p:spPr>
+        <p:style>
+          <a:lnRef idx="1">
+            <a:schemeClr val="accent1"/>
+          </a:lnRef>
+          <a:fillRef idx="0">
+            <a:schemeClr val="accent1"/>
+          </a:fillRef>
+          <a:effectRef idx="0">
+            <a:schemeClr val="accent1"/>
+          </a:effectRef>
+          <a:fontRef idx="minor">
+            <a:schemeClr val="tx1"/>
           </a:fontRef>
         </p:style>
       </p:cxnSp>
@@ -14824,7 +15426,7 @@
         </p:nvSpPr>
         <p:spPr>
           <a:xfrm>
-            <a:off x="7712397" y="2895600"/>
+            <a:off x="7712397" y="2429446"/>
             <a:ext cx="822003" cy="228600"/>
           </a:xfrm>
           <a:prstGeom prst="rect">
@@ -14880,7 +15482,7 @@
         </p:nvSpPr>
         <p:spPr>
           <a:xfrm>
-            <a:off x="7712396" y="3258423"/>
+            <a:off x="7712396" y="2810446"/>
             <a:ext cx="822003" cy="237554"/>
           </a:xfrm>
           <a:prstGeom prst="rect">
@@ -14932,15 +15534,15 @@
         <p:nvCxnSpPr>
           <p:cNvPr id="84" name="Elbow Connector 83"/>
           <p:cNvCxnSpPr>
-            <a:stCxn id="78" idx="3"/>
+            <a:stCxn id="73" idx="3"/>
             <a:endCxn id="83" idx="1"/>
           </p:cNvCxnSpPr>
           <p:nvPr/>
         </p:nvCxnSpPr>
         <p:spPr>
           <a:xfrm>
-            <a:off x="7277995" y="3034891"/>
-            <a:ext cx="434401" cy="342309"/>
+            <a:off x="7246448" y="2448890"/>
+            <a:ext cx="465948" cy="480333"/>
           </a:xfrm>
           <a:prstGeom prst="bentConnector3">
             <a:avLst/>
@@ -14977,7 +15579,7 @@
         </p:nvSpPr>
         <p:spPr>
           <a:xfrm>
-            <a:off x="7712396" y="3581400"/>
+            <a:off x="7712396" y="3276600"/>
             <a:ext cx="822003" cy="237554"/>
           </a:xfrm>
           <a:prstGeom prst="rect">
@@ -15029,17 +15631,17 @@
         <p:nvCxnSpPr>
           <p:cNvPr id="86" name="Elbow Connector 85"/>
           <p:cNvCxnSpPr>
-            <a:stCxn id="78" idx="3"/>
+            <a:stCxn id="78" idx="2"/>
             <a:endCxn id="85" idx="1"/>
           </p:cNvCxnSpPr>
           <p:nvPr/>
         </p:nvCxnSpPr>
         <p:spPr>
-          <a:xfrm>
-            <a:off x="7277995" y="3034891"/>
-            <a:ext cx="434401" cy="665286"/>
-          </a:xfrm>
-          <a:prstGeom prst="bentConnector3">
+          <a:xfrm rot="16200000" flipH="1">
+            <a:off x="7299285" y="2982266"/>
+            <a:ext cx="273796" cy="552425"/>
+          </a:xfrm>
+          <a:prstGeom prst="bentConnector2">
             <a:avLst/>
           </a:prstGeom>
           <a:ln w="19050">
@@ -15681,296 +16283,6 @@
           </a:p>
         </p:txBody>
       </p:sp>
-      <p:sp>
-        <p:nvSpPr>
-          <p:cNvPr id="74" name="Rectangle 8"/>
-          <p:cNvSpPr/>
-          <p:nvPr/>
-        </p:nvSpPr>
-        <p:spPr>
-          <a:xfrm>
-            <a:off x="7696200" y="1676400"/>
-            <a:ext cx="822003" cy="228600"/>
-          </a:xfrm>
-          <a:prstGeom prst="rect">
-            <a:avLst/>
-          </a:prstGeom>
-          <a:ln w="19050">
-            <a:solidFill>
-              <a:srgbClr val="7030A0"/>
-            </a:solidFill>
-          </a:ln>
-          <a:effectLst/>
-        </p:spPr>
-        <p:style>
-          <a:lnRef idx="1">
-            <a:schemeClr val="accent4"/>
-          </a:lnRef>
-          <a:fillRef idx="2">
-            <a:schemeClr val="accent4"/>
-          </a:fillRef>
-          <a:effectRef idx="1">
-            <a:schemeClr val="accent4"/>
-          </a:effectRef>
-          <a:fontRef idx="minor">
-            <a:schemeClr val="dk1"/>
-          </a:fontRef>
-        </p:style>
-        <p:txBody>
-          <a:bodyPr rtlCol="0" anchor="ctr"/>
-          <a:lstStyle/>
-          <a:p>
-            <a:pPr algn="ctr"/>
-            <a:r>
-              <a:rPr lang="en-US" sz="1050" dirty="0" smtClean="0">
-                <a:solidFill>
-                  <a:srgbClr val="7030A0"/>
-                </a:solidFill>
-              </a:rPr>
-              <a:t>Description</a:t>
-            </a:r>
-            <a:endParaRPr lang="en-SG" sz="1050" dirty="0">
-              <a:solidFill>
-                <a:srgbClr val="7030A0"/>
-              </a:solidFill>
-            </a:endParaRPr>
-          </a:p>
-        </p:txBody>
-      </p:sp>
-      <p:sp>
-        <p:nvSpPr>
-          <p:cNvPr id="77" name="Rectangle 8"/>
-          <p:cNvSpPr/>
-          <p:nvPr/>
-        </p:nvSpPr>
-        <p:spPr>
-          <a:xfrm>
-            <a:off x="7696199" y="2039223"/>
-            <a:ext cx="822003" cy="237554"/>
-          </a:xfrm>
-          <a:prstGeom prst="rect">
-            <a:avLst/>
-          </a:prstGeom>
-          <a:ln w="19050">
-            <a:solidFill>
-              <a:srgbClr val="7030A0"/>
-            </a:solidFill>
-          </a:ln>
-          <a:effectLst/>
-        </p:spPr>
-        <p:style>
-          <a:lnRef idx="1">
-            <a:schemeClr val="accent4"/>
-          </a:lnRef>
-          <a:fillRef idx="2">
-            <a:schemeClr val="accent4"/>
-          </a:fillRef>
-          <a:effectRef idx="1">
-            <a:schemeClr val="accent4"/>
-          </a:effectRef>
-          <a:fontRef idx="minor">
-            <a:schemeClr val="dk1"/>
-          </a:fontRef>
-        </p:style>
-        <p:txBody>
-          <a:bodyPr rtlCol="0" anchor="ctr"/>
-          <a:lstStyle/>
-          <a:p>
-            <a:pPr algn="ctr"/>
-            <a:r>
-              <a:rPr lang="en-US" sz="1050" dirty="0" smtClean="0">
-                <a:solidFill>
-                  <a:srgbClr val="7030A0"/>
-                </a:solidFill>
-              </a:rPr>
-              <a:t>Deadline</a:t>
-            </a:r>
-            <a:endParaRPr lang="en-SG" sz="1050" dirty="0">
-              <a:solidFill>
-                <a:srgbClr val="7030A0"/>
-              </a:solidFill>
-            </a:endParaRPr>
-          </a:p>
-        </p:txBody>
-      </p:sp>
-      <p:cxnSp>
-        <p:nvCxnSpPr>
-          <p:cNvPr id="82" name="Elbow Connector 81"/>
-          <p:cNvCxnSpPr>
-            <a:stCxn id="73" idx="3"/>
-            <a:endCxn id="77" idx="1"/>
-          </p:cNvCxnSpPr>
-          <p:nvPr/>
-        </p:nvCxnSpPr>
-        <p:spPr>
-          <a:xfrm flipV="1">
-            <a:off x="7246448" y="2158000"/>
-            <a:ext cx="449751" cy="290890"/>
-          </a:xfrm>
-          <a:prstGeom prst="bentConnector3">
-            <a:avLst/>
-          </a:prstGeom>
-          <a:ln w="19050">
-            <a:solidFill>
-              <a:srgbClr val="7030A0"/>
-            </a:solidFill>
-            <a:headEnd type="none" w="med" len="med"/>
-            <a:tailEnd type="arrow" w="med" len="med"/>
-          </a:ln>
-          <a:effectLst/>
-        </p:spPr>
-        <p:style>
-          <a:lnRef idx="1">
-            <a:schemeClr val="accent2"/>
-          </a:lnRef>
-          <a:fillRef idx="2">
-            <a:schemeClr val="accent2"/>
-          </a:fillRef>
-          <a:effectRef idx="1">
-            <a:schemeClr val="accent2"/>
-          </a:effectRef>
-          <a:fontRef idx="minor">
-            <a:schemeClr val="dk1"/>
-          </a:fontRef>
-        </p:style>
-      </p:cxnSp>
-      <p:sp>
-        <p:nvSpPr>
-          <p:cNvPr id="87" name="Rectangle 8"/>
-          <p:cNvSpPr/>
-          <p:nvPr/>
-        </p:nvSpPr>
-        <p:spPr>
-          <a:xfrm>
-            <a:off x="7696199" y="2362200"/>
-            <a:ext cx="822003" cy="237554"/>
-          </a:xfrm>
-          <a:prstGeom prst="rect">
-            <a:avLst/>
-          </a:prstGeom>
-          <a:ln w="19050">
-            <a:solidFill>
-              <a:srgbClr val="7030A0"/>
-            </a:solidFill>
-          </a:ln>
-          <a:effectLst/>
-        </p:spPr>
-        <p:style>
-          <a:lnRef idx="1">
-            <a:schemeClr val="accent4"/>
-          </a:lnRef>
-          <a:fillRef idx="2">
-            <a:schemeClr val="accent4"/>
-          </a:fillRef>
-          <a:effectRef idx="1">
-            <a:schemeClr val="accent4"/>
-          </a:effectRef>
-          <a:fontRef idx="minor">
-            <a:schemeClr val="dk1"/>
-          </a:fontRef>
-        </p:style>
-        <p:txBody>
-          <a:bodyPr rtlCol="0" anchor="ctr"/>
-          <a:lstStyle/>
-          <a:p>
-            <a:pPr algn="ctr"/>
-            <a:r>
-              <a:rPr lang="en-US" sz="1050" dirty="0" smtClean="0">
-                <a:solidFill>
-                  <a:srgbClr val="7030A0"/>
-                </a:solidFill>
-              </a:rPr>
-              <a:t>Status</a:t>
-            </a:r>
-            <a:endParaRPr lang="en-SG" sz="1050" dirty="0">
-              <a:solidFill>
-                <a:srgbClr val="7030A0"/>
-              </a:solidFill>
-            </a:endParaRPr>
-          </a:p>
-        </p:txBody>
-      </p:sp>
-      <p:cxnSp>
-        <p:nvCxnSpPr>
-          <p:cNvPr id="88" name="Elbow Connector 87"/>
-          <p:cNvCxnSpPr>
-            <a:stCxn id="73" idx="3"/>
-            <a:endCxn id="87" idx="1"/>
-          </p:cNvCxnSpPr>
-          <p:nvPr/>
-        </p:nvCxnSpPr>
-        <p:spPr>
-          <a:xfrm>
-            <a:off x="7246448" y="2448890"/>
-            <a:ext cx="449751" cy="32087"/>
-          </a:xfrm>
-          <a:prstGeom prst="bentConnector3">
-            <a:avLst/>
-          </a:prstGeom>
-          <a:ln w="19050">
-            <a:solidFill>
-              <a:srgbClr val="7030A0"/>
-            </a:solidFill>
-            <a:headEnd type="none" w="med" len="med"/>
-            <a:tailEnd type="arrow" w="med" len="med"/>
-          </a:ln>
-          <a:effectLst/>
-        </p:spPr>
-        <p:style>
-          <a:lnRef idx="1">
-            <a:schemeClr val="accent2"/>
-          </a:lnRef>
-          <a:fillRef idx="2">
-            <a:schemeClr val="accent2"/>
-          </a:fillRef>
-          <a:effectRef idx="1">
-            <a:schemeClr val="accent2"/>
-          </a:effectRef>
-          <a:fontRef idx="minor">
-            <a:schemeClr val="dk1"/>
-          </a:fontRef>
-        </p:style>
-      </p:cxnSp>
-      <p:cxnSp>
-        <p:nvCxnSpPr>
-          <p:cNvPr id="32" name="Elbow Connector 31"/>
-          <p:cNvCxnSpPr>
-            <a:endCxn id="74" idx="1"/>
-          </p:cNvCxnSpPr>
-          <p:nvPr/>
-        </p:nvCxnSpPr>
-        <p:spPr>
-          <a:xfrm rot="5400000" flipH="1" flipV="1">
-            <a:off x="7372350" y="1885950"/>
-            <a:ext cx="419100" cy="228600"/>
-          </a:xfrm>
-          <a:prstGeom prst="bentConnector2">
-            <a:avLst/>
-          </a:prstGeom>
-          <a:ln w="19050">
-            <a:solidFill>
-              <a:srgbClr val="7030A0"/>
-            </a:solidFill>
-            <a:headEnd type="none" w="med" len="med"/>
-            <a:tailEnd type="arrow" w="med" len="med"/>
-          </a:ln>
-          <a:effectLst/>
-        </p:spPr>
-        <p:style>
-          <a:lnRef idx="1">
-            <a:schemeClr val="accent2"/>
-          </a:lnRef>
-          <a:fillRef idx="2">
-            <a:schemeClr val="accent2"/>
-          </a:fillRef>
-          <a:effectRef idx="1">
-            <a:schemeClr val="accent2"/>
-          </a:effectRef>
-          <a:fontRef idx="minor">
-            <a:schemeClr val="dk1"/>
-          </a:fontRef>
-        </p:style>
-      </p:cxnSp>
       <p:cxnSp>
         <p:nvCxnSpPr>
           <p:cNvPr id="35" name="Elbow Connector 34"/>
@@ -15982,11 +16294,13 @@
         </p:nvCxnSpPr>
         <p:spPr>
           <a:xfrm flipV="1">
-            <a:off x="7277995" y="3009900"/>
-            <a:ext cx="434402" cy="24991"/>
+            <a:off x="7277995" y="2543746"/>
+            <a:ext cx="434402" cy="491145"/>
           </a:xfrm>
           <a:prstGeom prst="bentConnector3">
-            <a:avLst/>
+            <a:avLst>
+              <a:gd name="adj1" fmla="val 45790"/>
+            </a:avLst>
           </a:prstGeom>
           <a:ln w="19050">
             <a:solidFill>
@@ -16020,7 +16334,7 @@
         </p:nvSpPr>
         <p:spPr>
           <a:xfrm>
-            <a:off x="7696200" y="1295400"/>
+            <a:off x="7696200" y="1905000"/>
             <a:ext cx="822003" cy="228600"/>
           </a:xfrm>
           <a:prstGeom prst="rect">
@@ -16053,12 +16367,12 @@
           <a:p>
             <a:pPr algn="ctr"/>
             <a:r>
-              <a:rPr lang="en-US" sz="1050" dirty="0" smtClean="0">
+              <a:rPr lang="en-US" sz="1050" dirty="0">
                 <a:solidFill>
                   <a:srgbClr val="7030A0"/>
                 </a:solidFill>
               </a:rPr>
-              <a:t>Name</a:t>
+              <a:t>Deadline</a:t>
             </a:r>
             <a:endParaRPr lang="en-SG" sz="1050" dirty="0">
               <a:solidFill>
@@ -16068,117 +16382,21 @@
           </a:p>
         </p:txBody>
       </p:sp>
-      <p:sp>
-        <p:nvSpPr>
-          <p:cNvPr id="91" name="Rectangle 8"/>
-          <p:cNvSpPr/>
-          <p:nvPr/>
-        </p:nvSpPr>
-        <p:spPr>
-          <a:xfrm>
-            <a:off x="7712397" y="3962400"/>
-            <a:ext cx="822003" cy="228600"/>
-          </a:xfrm>
-          <a:prstGeom prst="rect">
-            <a:avLst/>
-          </a:prstGeom>
-          <a:ln w="19050">
-            <a:solidFill>
-              <a:srgbClr val="7030A0"/>
-            </a:solidFill>
-          </a:ln>
-          <a:effectLst/>
-        </p:spPr>
-        <p:style>
-          <a:lnRef idx="1">
-            <a:schemeClr val="accent4"/>
-          </a:lnRef>
-          <a:fillRef idx="2">
-            <a:schemeClr val="accent4"/>
-          </a:fillRef>
-          <a:effectRef idx="1">
-            <a:schemeClr val="accent4"/>
-          </a:effectRef>
-          <a:fontRef idx="minor">
-            <a:schemeClr val="dk1"/>
-          </a:fontRef>
-        </p:style>
-        <p:txBody>
-          <a:bodyPr rtlCol="0" anchor="ctr"/>
-          <a:lstStyle/>
-          <a:p>
-            <a:pPr algn="ctr"/>
-            <a:r>
-              <a:rPr lang="en-US" sz="1050" dirty="0" smtClean="0">
-                <a:solidFill>
-                  <a:srgbClr val="7030A0"/>
-                </a:solidFill>
-              </a:rPr>
-              <a:t>Status</a:t>
-            </a:r>
-            <a:endParaRPr lang="en-SG" sz="1050" dirty="0">
-              <a:solidFill>
-                <a:srgbClr val="7030A0"/>
-              </a:solidFill>
-            </a:endParaRPr>
-          </a:p>
-        </p:txBody>
-      </p:sp>
       <p:cxnSp>
         <p:nvCxnSpPr>
           <p:cNvPr id="37" name="Elbow Connector 36"/>
           <p:cNvCxnSpPr>
+            <a:stCxn id="73" idx="0"/>
             <a:endCxn id="90" idx="1"/>
           </p:cNvCxnSpPr>
           <p:nvPr/>
         </p:nvCxnSpPr>
         <p:spPr>
           <a:xfrm rot="5400000" flipH="1" flipV="1">
-            <a:off x="7296150" y="1581150"/>
-            <a:ext cx="571500" cy="228600"/>
+            <a:off x="7240862" y="1906862"/>
+            <a:ext cx="342900" cy="567776"/>
           </a:xfrm>
           <a:prstGeom prst="bentConnector2">
-            <a:avLst/>
-          </a:prstGeom>
-          <a:ln w="19050">
-            <a:solidFill>
-              <a:srgbClr val="7030A0"/>
-            </a:solidFill>
-            <a:headEnd type="none" w="med" len="med"/>
-            <a:tailEnd type="arrow" w="med" len="med"/>
-          </a:ln>
-          <a:effectLst/>
-        </p:spPr>
-        <p:style>
-          <a:lnRef idx="1">
-            <a:schemeClr val="accent2"/>
-          </a:lnRef>
-          <a:fillRef idx="2">
-            <a:schemeClr val="accent2"/>
-          </a:fillRef>
-          <a:effectRef idx="1">
-            <a:schemeClr val="accent2"/>
-          </a:effectRef>
-          <a:fontRef idx="minor">
-            <a:schemeClr val="dk1"/>
-          </a:fontRef>
-        </p:style>
-      </p:cxnSp>
-      <p:cxnSp>
-        <p:nvCxnSpPr>
-          <p:cNvPr id="40" name="Elbow Connector 39"/>
-          <p:cNvCxnSpPr>
-            <a:stCxn id="78" idx="3"/>
-            <a:endCxn id="91" idx="1"/>
-          </p:cNvCxnSpPr>
-          <p:nvPr/>
-        </p:nvCxnSpPr>
-        <p:spPr>
-          <a:xfrm>
-            <a:off x="7277995" y="3034891"/>
-            <a:ext cx="434402" cy="1041809"/>
-          </a:xfrm>
-          <a:prstGeom prst="bentConnector3">
             <a:avLst/>
           </a:prstGeom>
           <a:ln w="19050">

--- a/docs/diagrams/Diagrams.pptx
+++ b/docs/diagrams/Diagrams.pptx
@@ -200,7 +200,7 @@
           <a:p>
             <a:fld id="{F5CC4B3F-88C1-4FFA-B1B6-F41C21DC6924}" type="datetimeFigureOut">
               <a:rPr lang="en-US" smtClean="0"/>
-              <a:t>9/30/2016</a:t>
+              <a:t>13-Oct-16</a:t>
             </a:fld>
             <a:endParaRPr lang="en-US"/>
           </a:p>
@@ -649,7 +649,7 @@
           <a:p>
             <a:fld id="{78C97017-6FC3-485B-9764-EAC9E56C1D49}" type="datetimeFigureOut">
               <a:rPr lang="en-US" smtClean="0"/>
-              <a:t>9/30/2016</a:t>
+              <a:t>13-Oct-16</a:t>
             </a:fld>
             <a:endParaRPr lang="en-US"/>
           </a:p>
@@ -819,7 +819,7 @@
           <a:p>
             <a:fld id="{78C97017-6FC3-485B-9764-EAC9E56C1D49}" type="datetimeFigureOut">
               <a:rPr lang="en-US" smtClean="0"/>
-              <a:t>9/30/2016</a:t>
+              <a:t>13-Oct-16</a:t>
             </a:fld>
             <a:endParaRPr lang="en-US"/>
           </a:p>
@@ -999,7 +999,7 @@
           <a:p>
             <a:fld id="{78C97017-6FC3-485B-9764-EAC9E56C1D49}" type="datetimeFigureOut">
               <a:rPr lang="en-US" smtClean="0"/>
-              <a:t>9/30/2016</a:t>
+              <a:t>13-Oct-16</a:t>
             </a:fld>
             <a:endParaRPr lang="en-US"/>
           </a:p>
@@ -1169,7 +1169,7 @@
           <a:p>
             <a:fld id="{78C97017-6FC3-485B-9764-EAC9E56C1D49}" type="datetimeFigureOut">
               <a:rPr lang="en-US" smtClean="0"/>
-              <a:t>9/30/2016</a:t>
+              <a:t>13-Oct-16</a:t>
             </a:fld>
             <a:endParaRPr lang="en-US"/>
           </a:p>
@@ -1415,7 +1415,7 @@
           <a:p>
             <a:fld id="{78C97017-6FC3-485B-9764-EAC9E56C1D49}" type="datetimeFigureOut">
               <a:rPr lang="en-US" smtClean="0"/>
-              <a:t>9/30/2016</a:t>
+              <a:t>13-Oct-16</a:t>
             </a:fld>
             <a:endParaRPr lang="en-US"/>
           </a:p>
@@ -1703,7 +1703,7 @@
           <a:p>
             <a:fld id="{78C97017-6FC3-485B-9764-EAC9E56C1D49}" type="datetimeFigureOut">
               <a:rPr lang="en-US" smtClean="0"/>
-              <a:t>9/30/2016</a:t>
+              <a:t>13-Oct-16</a:t>
             </a:fld>
             <a:endParaRPr lang="en-US"/>
           </a:p>
@@ -2125,7 +2125,7 @@
           <a:p>
             <a:fld id="{78C97017-6FC3-485B-9764-EAC9E56C1D49}" type="datetimeFigureOut">
               <a:rPr lang="en-US" smtClean="0"/>
-              <a:t>9/30/2016</a:t>
+              <a:t>13-Oct-16</a:t>
             </a:fld>
             <a:endParaRPr lang="en-US"/>
           </a:p>
@@ -2243,7 +2243,7 @@
           <a:p>
             <a:fld id="{78C97017-6FC3-485B-9764-EAC9E56C1D49}" type="datetimeFigureOut">
               <a:rPr lang="en-US" smtClean="0"/>
-              <a:t>9/30/2016</a:t>
+              <a:t>13-Oct-16</a:t>
             </a:fld>
             <a:endParaRPr lang="en-US"/>
           </a:p>
@@ -2338,7 +2338,7 @@
           <a:p>
             <a:fld id="{78C97017-6FC3-485B-9764-EAC9E56C1D49}" type="datetimeFigureOut">
               <a:rPr lang="en-US" smtClean="0"/>
-              <a:t>9/30/2016</a:t>
+              <a:t>13-Oct-16</a:t>
             </a:fld>
             <a:endParaRPr lang="en-US"/>
           </a:p>
@@ -2615,7 +2615,7 @@
           <a:p>
             <a:fld id="{78C97017-6FC3-485B-9764-EAC9E56C1D49}" type="datetimeFigureOut">
               <a:rPr lang="en-US" smtClean="0"/>
-              <a:t>9/30/2016</a:t>
+              <a:t>13-Oct-16</a:t>
             </a:fld>
             <a:endParaRPr lang="en-US"/>
           </a:p>
@@ -2868,7 +2868,7 @@
           <a:p>
             <a:fld id="{78C97017-6FC3-485B-9764-EAC9E56C1D49}" type="datetimeFigureOut">
               <a:rPr lang="en-US" smtClean="0"/>
-              <a:t>9/30/2016</a:t>
+              <a:t>13-Oct-16</a:t>
             </a:fld>
             <a:endParaRPr lang="en-US"/>
           </a:p>
@@ -3081,7 +3081,7 @@
           <a:p>
             <a:fld id="{78C97017-6FC3-485B-9764-EAC9E56C1D49}" type="datetimeFigureOut">
               <a:rPr lang="en-US" smtClean="0"/>
-              <a:t>9/30/2016</a:t>
+              <a:t>13-Oct-16</a:t>
             </a:fld>
             <a:endParaRPr lang="en-US"/>
           </a:p>
@@ -5753,7 +5753,7 @@
                   <a:srgbClr val="7030A0"/>
                 </a:solidFill>
               </a:rPr>
-              <a:t>deletePerson</a:t>
+              <a:t>deleteTask</a:t>
             </a:r>
             <a:r>
               <a:rPr lang="en-US" sz="1400" dirty="0" smtClean="0">
@@ -5761,7 +5761,15 @@
                   <a:srgbClr val="7030A0"/>
                 </a:solidFill>
               </a:rPr>
-              <a:t>(p)</a:t>
+              <a:t>(p</a:t>
+            </a:r>
+            <a:r>
+              <a:rPr lang="en-US" sz="1400" dirty="0" smtClean="0">
+                <a:solidFill>
+                  <a:srgbClr val="7030A0"/>
+                </a:solidFill>
+              </a:rPr>
+              <a:t>)</a:t>
             </a:r>
             <a:endParaRPr lang="en-US" sz="1400" dirty="0">
               <a:solidFill>
@@ -5811,7 +5819,7 @@
                   </a:schemeClr>
                 </a:solidFill>
               </a:rPr>
-              <a:t>AddressBookChangedEvent</a:t>
+              <a:t>TaskBookChangedEvent</a:t>
             </a:r>
             <a:r>
               <a:rPr lang="en-US" sz="1400" dirty="0" smtClean="0">
@@ -6368,7 +6376,7 @@
           <a:lstStyle/>
           <a:p>
             <a:r>
-              <a:rPr lang="en-US" sz="1400" dirty="0" smtClean="0">
+              <a:rPr lang="en-US" sz="1400" dirty="0">
                 <a:solidFill>
                   <a:schemeClr val="accent5">
                     <a:lumMod val="75000"/>
@@ -6378,17 +6386,17 @@
               <a:t>post(</a:t>
             </a:r>
             <a:r>
-              <a:rPr lang="en-US" sz="1400" dirty="0" err="1" smtClean="0">
+              <a:rPr lang="en-US" sz="1400" dirty="0" err="1">
                 <a:solidFill>
                   <a:schemeClr val="accent5">
                     <a:lumMod val="75000"/>
                   </a:schemeClr>
                 </a:solidFill>
               </a:rPr>
-              <a:t>AddressBookChangedEvent</a:t>
-            </a:r>
-            <a:r>
-              <a:rPr lang="en-US" sz="1400" dirty="0" smtClean="0">
+              <a:t>TaskBookChangedEvent</a:t>
+            </a:r>
+            <a:r>
+              <a:rPr lang="en-US" sz="1400" dirty="0">
                 <a:solidFill>
                   <a:schemeClr val="accent5">
                     <a:lumMod val="75000"/>
@@ -6757,7 +6765,7 @@
                   </a:schemeClr>
                 </a:solidFill>
               </a:rPr>
-              <a:t>handleAddresssBookChangedEvent</a:t>
+              <a:t>handleTaskBookChangedEvent</a:t>
             </a:r>
             <a:r>
               <a:rPr lang="en-US" sz="1400" dirty="0" smtClean="0">
@@ -7068,7 +7076,7 @@
                   <a:srgbClr val="00B050"/>
                 </a:solidFill>
               </a:rPr>
-              <a:t>handleAddresssBookChangedEvent</a:t>
+              <a:t>handleTaskBookChangedEvent</a:t>
             </a:r>
             <a:r>
               <a:rPr lang="en-US" sz="1400" dirty="0" smtClean="0">
@@ -12280,7 +12288,6 @@
               <a:rPr lang="en-US" dirty="0"/>
               <a:t>execute()</a:t>
             </a:r>
-            <a:endParaRPr lang="en-US" dirty="0"/>
           </a:p>
         </p:txBody>
       </p:sp>
@@ -12797,7 +12804,7 @@
                   <a:srgbClr val="7030A0"/>
                 </a:solidFill>
               </a:rPr>
-              <a:t>deletePerson</a:t>
+              <a:t>deleteTask</a:t>
             </a:r>
             <a:r>
               <a:rPr lang="en-US" dirty="0" smtClean="0">
@@ -12805,7 +12812,15 @@
                   <a:srgbClr val="7030A0"/>
                 </a:solidFill>
               </a:rPr>
-              <a:t>(p)</a:t>
+              <a:t>(p</a:t>
+            </a:r>
+            <a:r>
+              <a:rPr lang="en-US" dirty="0" smtClean="0">
+                <a:solidFill>
+                  <a:srgbClr val="7030A0"/>
+                </a:solidFill>
+              </a:rPr>
+              <a:t>)</a:t>
             </a:r>
             <a:endParaRPr lang="en-US" dirty="0">
               <a:solidFill>
@@ -13253,8 +13268,8 @@
         </p:nvSpPr>
         <p:spPr>
           <a:xfrm>
-            <a:off x="1119865" y="1727200"/>
-            <a:ext cx="7490735" cy="2997200"/>
+            <a:off x="817849" y="304801"/>
+            <a:ext cx="7716551" cy="4495799"/>
           </a:xfrm>
           <a:prstGeom prst="roundRect">
             <a:avLst>
@@ -13314,7 +13329,7 @@
         </p:nvSpPr>
         <p:spPr>
           <a:xfrm>
-            <a:off x="2877180" y="3158440"/>
+            <a:off x="2498964" y="3190190"/>
             <a:ext cx="1093635" cy="346760"/>
           </a:xfrm>
           <a:prstGeom prst="rect">
@@ -13373,7 +13388,7 @@
         </p:nvSpPr>
         <p:spPr>
           <a:xfrm rot="16200000">
-            <a:off x="1683963" y="2868687"/>
+            <a:off x="1305747" y="2900437"/>
             <a:ext cx="1093635" cy="346760"/>
           </a:xfrm>
           <a:prstGeom prst="rect">
@@ -13429,17 +13444,18 @@
           <p:cNvPr id="53" name="Elbow Connector 63"/>
           <p:cNvCxnSpPr>
             <a:stCxn id="71" idx="3"/>
-            <a:endCxn id="62" idx="2"/>
           </p:cNvCxnSpPr>
           <p:nvPr/>
         </p:nvCxnSpPr>
         <p:spPr>
-          <a:xfrm flipV="1">
-            <a:off x="6477000" y="3204826"/>
-            <a:ext cx="190770" cy="405819"/>
-          </a:xfrm>
-          <a:prstGeom prst="bentConnector2">
-            <a:avLst/>
+          <a:xfrm rot="5400000">
+            <a:off x="6430591" y="2576902"/>
+            <a:ext cx="704297" cy="118895"/>
+          </a:xfrm>
+          <a:prstGeom prst="bentConnector3">
+            <a:avLst>
+              <a:gd name="adj1" fmla="val 63524"/>
+            </a:avLst>
           </a:prstGeom>
           <a:ln w="19050">
             <a:solidFill>
@@ -13471,18 +13487,18 @@
           <p:cNvPr id="107" name="Elbow Connector 106"/>
           <p:cNvCxnSpPr>
             <a:stCxn id="9" idx="1"/>
+            <a:endCxn id="62" idx="2"/>
           </p:cNvCxnSpPr>
           <p:nvPr/>
         </p:nvCxnSpPr>
         <p:spPr>
           <a:xfrm rot="5400000" flipH="1" flipV="1">
-            <a:off x="4360065" y="1080909"/>
-            <a:ext cx="378691" cy="4637261"/>
-          </a:xfrm>
-          <a:prstGeom prst="bentConnector4">
+            <a:off x="3933313" y="1155827"/>
+            <a:ext cx="384059" cy="4545557"/>
+          </a:xfrm>
+          <a:prstGeom prst="bentConnector3">
             <a:avLst>
-              <a:gd name="adj1" fmla="val -101829"/>
-              <a:gd name="adj2" fmla="val 99976"/>
+              <a:gd name="adj1" fmla="val -81332"/>
             </a:avLst>
           </a:prstGeom>
           <a:ln w="19050">
@@ -13518,7 +13534,7 @@
         </p:nvSpPr>
         <p:spPr>
           <a:xfrm rot="16200000">
-            <a:off x="956202" y="2861202"/>
+            <a:off x="577986" y="2892952"/>
             <a:ext cx="1093635" cy="346760"/>
           </a:xfrm>
           <a:prstGeom prst="rect">
@@ -13588,7 +13604,7 @@
         </p:nvSpPr>
         <p:spPr>
           <a:xfrm rot="16200000">
-            <a:off x="1626910" y="2952291"/>
+            <a:off x="1248694" y="2984041"/>
             <a:ext cx="270504" cy="175523"/>
           </a:xfrm>
           <a:prstGeom prst="triangle">
@@ -13631,15 +13647,14 @@
         <p:nvCxnSpPr>
           <p:cNvPr id="55" name="Straight Arrow Connector 54"/>
           <p:cNvCxnSpPr>
-            <a:stCxn id="62" idx="0"/>
             <a:endCxn id="67" idx="2"/>
           </p:cNvCxnSpPr>
           <p:nvPr/>
         </p:nvCxnSpPr>
         <p:spPr>
           <a:xfrm flipV="1">
-            <a:off x="6667770" y="2632344"/>
-            <a:ext cx="1612" cy="225722"/>
+            <a:off x="6291166" y="2664094"/>
+            <a:ext cx="0" cy="258372"/>
           </a:xfrm>
           <a:prstGeom prst="straightConnector1">
             <a:avLst/>
@@ -13680,7 +13695,7 @@
         </p:nvCxnSpPr>
         <p:spPr>
           <a:xfrm>
-            <a:off x="2656370" y="3326536"/>
+            <a:off x="2278154" y="3358286"/>
             <a:ext cx="220810" cy="5284"/>
           </a:xfrm>
           <a:prstGeom prst="straightConnector1">
@@ -13717,8 +13732,8 @@
           <p:nvPr/>
         </p:nvSpPr>
         <p:spPr>
-          <a:xfrm rot="5400000" flipV="1">
-            <a:off x="6253986" y="3522883"/>
+          <a:xfrm rot="10800000" flipV="1">
+            <a:off x="6706934" y="2108678"/>
             <a:ext cx="270504" cy="175523"/>
           </a:xfrm>
           <a:prstGeom prst="triangle">
@@ -13769,7 +13784,7 @@
         </p:nvCxnSpPr>
         <p:spPr>
           <a:xfrm>
-            <a:off x="910091" y="3040053"/>
+            <a:off x="531875" y="3071803"/>
             <a:ext cx="419548" cy="2860"/>
           </a:xfrm>
           <a:prstGeom prst="bentConnector3">
@@ -13814,7 +13829,7 @@
         </p:nvCxnSpPr>
         <p:spPr>
           <a:xfrm flipV="1">
-            <a:off x="1849924" y="3040052"/>
+            <a:off x="1471708" y="3071802"/>
             <a:ext cx="216105" cy="1"/>
           </a:xfrm>
           <a:prstGeom prst="line">
@@ -13853,7 +13868,7 @@
         </p:nvSpPr>
         <p:spPr>
           <a:xfrm>
-            <a:off x="2420322" y="3239846"/>
+            <a:off x="2042106" y="3271596"/>
             <a:ext cx="236048" cy="173380"/>
           </a:xfrm>
           <a:prstGeom prst="flowChartDecision">
@@ -13898,7 +13913,7 @@
         </p:nvSpPr>
         <p:spPr>
           <a:xfrm>
-            <a:off x="2879490" y="2627420"/>
+            <a:off x="2501274" y="2659170"/>
             <a:ext cx="1093635" cy="346760"/>
           </a:xfrm>
           <a:prstGeom prst="rect">
@@ -13936,7 +13951,7 @@
                   <a:srgbClr val="7030A0"/>
                 </a:solidFill>
               </a:rPr>
-              <a:t>AddressBook</a:t>
+              <a:t>TaskBook</a:t>
             </a:r>
             <a:endParaRPr lang="en-SG" sz="1050" dirty="0">
               <a:solidFill>
@@ -13957,7 +13972,7 @@
         </p:nvCxnSpPr>
         <p:spPr>
           <a:xfrm>
-            <a:off x="2658680" y="2795516"/>
+            <a:off x="2280464" y="2827266"/>
             <a:ext cx="220810" cy="5284"/>
           </a:xfrm>
           <a:prstGeom prst="straightConnector1">
@@ -13995,7 +14010,7 @@
         </p:nvSpPr>
         <p:spPr>
           <a:xfrm>
-            <a:off x="2422632" y="2708826"/>
+            <a:off x="2044416" y="2740576"/>
             <a:ext cx="236048" cy="173380"/>
           </a:xfrm>
           <a:prstGeom prst="flowChartDecision">
@@ -14040,7 +14055,7 @@
         </p:nvSpPr>
         <p:spPr>
           <a:xfrm>
-            <a:off x="4487017" y="2847371"/>
+            <a:off x="4108801" y="2879121"/>
             <a:ext cx="1156969" cy="346760"/>
           </a:xfrm>
           <a:prstGeom prst="rect">
@@ -14078,7 +14093,7 @@
                   <a:srgbClr val="7030A0"/>
                 </a:solidFill>
               </a:rPr>
-              <a:t>UniquePersonList</a:t>
+              <a:t>UniqueTaskList</a:t>
             </a:r>
             <a:endParaRPr lang="en-SG" sz="1050" dirty="0">
               <a:solidFill>
@@ -14096,7 +14111,7 @@
         </p:nvSpPr>
         <p:spPr>
           <a:xfrm>
-            <a:off x="3984303" y="2673991"/>
+            <a:off x="3606087" y="2705741"/>
             <a:ext cx="236048" cy="173380"/>
           </a:xfrm>
           <a:prstGeom prst="flowChartDecision">
@@ -14146,7 +14161,7 @@
         </p:nvCxnSpPr>
         <p:spPr>
           <a:xfrm>
-            <a:off x="4220351" y="2760681"/>
+            <a:off x="3842135" y="2792431"/>
             <a:ext cx="266666" cy="260070"/>
           </a:xfrm>
           <a:prstGeom prst="bentConnector3">
@@ -14184,7 +14199,7 @@
         </p:nvSpPr>
         <p:spPr>
           <a:xfrm>
-            <a:off x="4503204" y="2280569"/>
+            <a:off x="4124988" y="2312319"/>
             <a:ext cx="1156969" cy="346760"/>
           </a:xfrm>
           <a:prstGeom prst="rect">
@@ -14243,7 +14258,7 @@
         </p:nvCxnSpPr>
         <p:spPr>
           <a:xfrm flipV="1">
-            <a:off x="4220351" y="2453949"/>
+            <a:off x="3842135" y="2485699"/>
             <a:ext cx="282853" cy="306732"/>
           </a:xfrm>
           <a:prstGeom prst="bentConnector3">
@@ -14283,8 +14298,8 @@
         </p:nvSpPr>
         <p:spPr>
           <a:xfrm>
-            <a:off x="6313677" y="2858066"/>
-            <a:ext cx="708186" cy="346760"/>
+            <a:off x="5935460" y="2889816"/>
+            <a:ext cx="925323" cy="346760"/>
           </a:xfrm>
           <a:prstGeom prst="rect">
             <a:avLst/>
@@ -14316,14 +14331,22 @@
           <a:p>
             <a:pPr algn="ctr"/>
             <a:r>
-              <a:rPr lang="en-US" sz="1050" dirty="0" smtClean="0">
+              <a:rPr lang="en-US" sz="1000" dirty="0" err="1" smtClean="0">
                 <a:solidFill>
                   <a:srgbClr val="7030A0"/>
                 </a:solidFill>
               </a:rPr>
-              <a:t>Person</a:t>
-            </a:r>
-            <a:endParaRPr lang="en-SG" sz="1050" dirty="0">
+              <a:t>Floating</a:t>
+            </a:r>
+            <a:r>
+              <a:rPr lang="en-US" sz="1000" dirty="0" err="1" smtClean="0">
+                <a:solidFill>
+                  <a:srgbClr val="7030A0"/>
+                </a:solidFill>
+              </a:rPr>
+              <a:t>Task</a:t>
+            </a:r>
+            <a:endParaRPr lang="en-SG" sz="1000" dirty="0">
               <a:solidFill>
                 <a:srgbClr val="7030A0"/>
               </a:solidFill>
@@ -14339,7 +14362,7 @@
         </p:nvSpPr>
         <p:spPr>
           <a:xfrm>
-            <a:off x="5643227" y="2943979"/>
+            <a:off x="5265011" y="2975729"/>
             <a:ext cx="236048" cy="173380"/>
           </a:xfrm>
           <a:prstGeom prst="flowChartDecision">
@@ -14387,8 +14410,8 @@
         </p:nvCxnSpPr>
         <p:spPr>
           <a:xfrm>
-            <a:off x="5879275" y="3030669"/>
-            <a:ext cx="434402" cy="777"/>
+            <a:off x="5501059" y="3062419"/>
+            <a:ext cx="434401" cy="777"/>
           </a:xfrm>
           <a:prstGeom prst="bentConnector3">
             <a:avLst/>
@@ -14425,7 +14448,7 @@
         </p:nvSpPr>
         <p:spPr>
           <a:xfrm>
-            <a:off x="6315289" y="2285584"/>
+            <a:off x="5937073" y="2317334"/>
             <a:ext cx="708186" cy="346760"/>
           </a:xfrm>
           <a:prstGeom prst="rect">
@@ -14481,7 +14504,7 @@
         </p:nvSpPr>
         <p:spPr>
           <a:xfrm>
-            <a:off x="5672547" y="2371497"/>
+            <a:off x="5294331" y="2403247"/>
             <a:ext cx="236048" cy="173380"/>
           </a:xfrm>
           <a:prstGeom prst="flowChartDecision">
@@ -14529,7 +14552,7 @@
         </p:nvCxnSpPr>
         <p:spPr>
           <a:xfrm>
-            <a:off x="5908595" y="2458187"/>
+            <a:off x="5530379" y="2489937"/>
             <a:ext cx="406694" cy="777"/>
           </a:xfrm>
           <a:prstGeom prst="bentConnector3">
@@ -14567,7 +14590,7 @@
         </p:nvSpPr>
         <p:spPr>
           <a:xfrm>
-            <a:off x="5128257" y="3429000"/>
+            <a:off x="5960011" y="1752597"/>
             <a:ext cx="1156969" cy="346760"/>
           </a:xfrm>
           <a:prstGeom prst="rect">
@@ -14620,7 +14643,7 @@
                   <a:srgbClr val="7030A0"/>
                 </a:solidFill>
               </a:rPr>
-              <a:t>ReadOnlyPerson</a:t>
+              <a:t>ReadOnlyTask</a:t>
             </a:r>
             <a:endParaRPr lang="en-SG" sz="1050" dirty="0">
               <a:solidFill>
@@ -14638,7 +14661,7 @@
         </p:nvSpPr>
         <p:spPr>
           <a:xfrm>
-            <a:off x="7712397" y="2564238"/>
+            <a:off x="7521414" y="2628900"/>
             <a:ext cx="708186" cy="285783"/>
           </a:xfrm>
           <a:prstGeom prst="rect">
@@ -14671,7 +14694,7 @@
           <a:p>
             <a:pPr algn="ctr"/>
             <a:r>
-              <a:rPr lang="en-US" sz="1050" dirty="0" smtClean="0">
+              <a:rPr lang="en-SG" sz="1050" dirty="0" smtClean="0">
                 <a:solidFill>
                   <a:srgbClr val="7030A0"/>
                 </a:solidFill>
@@ -14694,7 +14717,7 @@
         </p:nvSpPr>
         <p:spPr>
           <a:xfrm>
-            <a:off x="7041947" y="2948201"/>
+            <a:off x="6880932" y="2979951"/>
             <a:ext cx="236048" cy="173380"/>
           </a:xfrm>
           <a:prstGeom prst="flowChartDecision">
@@ -14744,8 +14767,8 @@
         </p:nvCxnSpPr>
         <p:spPr>
           <a:xfrm flipV="1">
-            <a:off x="7277995" y="2707130"/>
-            <a:ext cx="434402" cy="327761"/>
+            <a:off x="7116980" y="2771792"/>
+            <a:ext cx="404434" cy="294849"/>
           </a:xfrm>
           <a:prstGeom prst="bentConnector3">
             <a:avLst/>
@@ -14776,14 +14799,14 @@
       </p:cxnSp>
       <p:sp>
         <p:nvSpPr>
-          <p:cNvPr id="80" name="Rectangle 8"/>
+          <p:cNvPr id="85" name="Rectangle 8"/>
           <p:cNvSpPr/>
           <p:nvPr/>
         </p:nvSpPr>
         <p:spPr>
           <a:xfrm>
-            <a:off x="7712397" y="2887216"/>
-            <a:ext cx="708186" cy="285783"/>
+            <a:off x="7521414" y="2959522"/>
+            <a:ext cx="898205" cy="285783"/>
           </a:xfrm>
           <a:prstGeom prst="rect">
             <a:avLst/>
@@ -14815,206 +14838,12 @@
           <a:p>
             <a:pPr algn="ctr"/>
             <a:r>
-              <a:rPr lang="en-US" sz="1050" dirty="0" smtClean="0">
+              <a:rPr lang="en-US" sz="1050" dirty="0" err="1" smtClean="0">
                 <a:solidFill>
                   <a:srgbClr val="7030A0"/>
                 </a:solidFill>
               </a:rPr>
-              <a:t>Phone</a:t>
-            </a:r>
-            <a:endParaRPr lang="en-SG" sz="1050" dirty="0">
-              <a:solidFill>
-                <a:srgbClr val="7030A0"/>
-              </a:solidFill>
-            </a:endParaRPr>
-          </a:p>
-        </p:txBody>
-      </p:sp>
-      <p:cxnSp>
-        <p:nvCxnSpPr>
-          <p:cNvPr id="81" name="Elbow Connector 80"/>
-          <p:cNvCxnSpPr>
-            <a:stCxn id="78" idx="3"/>
-            <a:endCxn id="80" idx="1"/>
-          </p:cNvCxnSpPr>
-          <p:nvPr/>
-        </p:nvCxnSpPr>
-        <p:spPr>
-          <a:xfrm flipV="1">
-            <a:off x="7277995" y="3030108"/>
-            <a:ext cx="434402" cy="4783"/>
-          </a:xfrm>
-          <a:prstGeom prst="bentConnector3">
-            <a:avLst/>
-          </a:prstGeom>
-          <a:ln w="19050">
-            <a:solidFill>
-              <a:srgbClr val="7030A0"/>
-            </a:solidFill>
-            <a:headEnd type="none" w="med" len="med"/>
-            <a:tailEnd type="arrow" w="med" len="med"/>
-          </a:ln>
-          <a:effectLst/>
-        </p:spPr>
-        <p:style>
-          <a:lnRef idx="1">
-            <a:schemeClr val="accent2"/>
-          </a:lnRef>
-          <a:fillRef idx="2">
-            <a:schemeClr val="accent2"/>
-          </a:fillRef>
-          <a:effectRef idx="1">
-            <a:schemeClr val="accent2"/>
-          </a:effectRef>
-          <a:fontRef idx="minor">
-            <a:schemeClr val="dk1"/>
-          </a:fontRef>
-        </p:style>
-      </p:cxnSp>
-      <p:sp>
-        <p:nvSpPr>
-          <p:cNvPr id="83" name="Rectangle 8"/>
-          <p:cNvSpPr/>
-          <p:nvPr/>
-        </p:nvSpPr>
-        <p:spPr>
-          <a:xfrm>
-            <a:off x="7712397" y="3210194"/>
-            <a:ext cx="708186" cy="285783"/>
-          </a:xfrm>
-          <a:prstGeom prst="rect">
-            <a:avLst/>
-          </a:prstGeom>
-          <a:ln w="19050">
-            <a:solidFill>
-              <a:srgbClr val="7030A0"/>
-            </a:solidFill>
-          </a:ln>
-          <a:effectLst/>
-        </p:spPr>
-        <p:style>
-          <a:lnRef idx="1">
-            <a:schemeClr val="accent4"/>
-          </a:lnRef>
-          <a:fillRef idx="2">
-            <a:schemeClr val="accent4"/>
-          </a:fillRef>
-          <a:effectRef idx="1">
-            <a:schemeClr val="accent4"/>
-          </a:effectRef>
-          <a:fontRef idx="minor">
-            <a:schemeClr val="dk1"/>
-          </a:fontRef>
-        </p:style>
-        <p:txBody>
-          <a:bodyPr rtlCol="0" anchor="ctr"/>
-          <a:lstStyle/>
-          <a:p>
-            <a:pPr algn="ctr"/>
-            <a:r>
-              <a:rPr lang="en-US" sz="1050" dirty="0" smtClean="0">
-                <a:solidFill>
-                  <a:srgbClr val="7030A0"/>
-                </a:solidFill>
-              </a:rPr>
-              <a:t>Email</a:t>
-            </a:r>
-            <a:endParaRPr lang="en-SG" sz="1050" dirty="0">
-              <a:solidFill>
-                <a:srgbClr val="7030A0"/>
-              </a:solidFill>
-            </a:endParaRPr>
-          </a:p>
-        </p:txBody>
-      </p:sp>
-      <p:cxnSp>
-        <p:nvCxnSpPr>
-          <p:cNvPr id="84" name="Elbow Connector 83"/>
-          <p:cNvCxnSpPr>
-            <a:stCxn id="78" idx="3"/>
-            <a:endCxn id="83" idx="1"/>
-          </p:cNvCxnSpPr>
-          <p:nvPr/>
-        </p:nvCxnSpPr>
-        <p:spPr>
-          <a:xfrm>
-            <a:off x="7277995" y="3034891"/>
-            <a:ext cx="434402" cy="318195"/>
-          </a:xfrm>
-          <a:prstGeom prst="bentConnector3">
-            <a:avLst/>
-          </a:prstGeom>
-          <a:ln w="19050">
-            <a:solidFill>
-              <a:srgbClr val="7030A0"/>
-            </a:solidFill>
-            <a:headEnd type="none" w="med" len="med"/>
-            <a:tailEnd type="arrow" w="med" len="med"/>
-          </a:ln>
-          <a:effectLst/>
-        </p:spPr>
-        <p:style>
-          <a:lnRef idx="1">
-            <a:schemeClr val="accent2"/>
-          </a:lnRef>
-          <a:fillRef idx="2">
-            <a:schemeClr val="accent2"/>
-          </a:fillRef>
-          <a:effectRef idx="1">
-            <a:schemeClr val="accent2"/>
-          </a:effectRef>
-          <a:fontRef idx="minor">
-            <a:schemeClr val="dk1"/>
-          </a:fontRef>
-        </p:style>
-      </p:cxnSp>
-      <p:sp>
-        <p:nvSpPr>
-          <p:cNvPr id="85" name="Rectangle 8"/>
-          <p:cNvSpPr/>
-          <p:nvPr/>
-        </p:nvSpPr>
-        <p:spPr>
-          <a:xfrm>
-            <a:off x="7712397" y="3533171"/>
-            <a:ext cx="708186" cy="285783"/>
-          </a:xfrm>
-          <a:prstGeom prst="rect">
-            <a:avLst/>
-          </a:prstGeom>
-          <a:ln w="19050">
-            <a:solidFill>
-              <a:srgbClr val="7030A0"/>
-            </a:solidFill>
-          </a:ln>
-          <a:effectLst/>
-        </p:spPr>
-        <p:style>
-          <a:lnRef idx="1">
-            <a:schemeClr val="accent4"/>
-          </a:lnRef>
-          <a:fillRef idx="2">
-            <a:schemeClr val="accent4"/>
-          </a:fillRef>
-          <a:effectRef idx="1">
-            <a:schemeClr val="accent4"/>
-          </a:effectRef>
-          <a:fontRef idx="minor">
-            <a:schemeClr val="dk1"/>
-          </a:fontRef>
-        </p:style>
-        <p:txBody>
-          <a:bodyPr rtlCol="0" anchor="ctr"/>
-          <a:lstStyle/>
-          <a:p>
-            <a:pPr algn="ctr"/>
-            <a:r>
-              <a:rPr lang="en-US" sz="1050" dirty="0" smtClean="0">
-                <a:solidFill>
-                  <a:srgbClr val="7030A0"/>
-                </a:solidFill>
-              </a:rPr>
-              <a:t>Address</a:t>
+              <a:t>isCompleted</a:t>
             </a:r>
             <a:endParaRPr lang="en-SG" sz="1050" dirty="0">
               <a:solidFill>
@@ -15035,8 +14864,8 @@
         </p:nvCxnSpPr>
         <p:spPr>
           <a:xfrm>
-            <a:off x="7277995" y="3034891"/>
-            <a:ext cx="434402" cy="641172"/>
+            <a:off x="7116980" y="3066641"/>
+            <a:ext cx="404434" cy="35773"/>
           </a:xfrm>
           <a:prstGeom prst="bentConnector3">
             <a:avLst/>
@@ -15075,7 +14904,7 @@
         </p:nvCxnSpPr>
         <p:spPr>
           <a:xfrm rot="16200000" flipH="1">
-            <a:off x="3279321" y="2485431"/>
+            <a:off x="2901105" y="2517181"/>
             <a:ext cx="293825" cy="1"/>
           </a:xfrm>
           <a:prstGeom prst="bentConnector3">
@@ -15116,7 +14945,7 @@
         </p:nvSpPr>
         <p:spPr>
           <a:xfrm rot="10800000" flipV="1">
-            <a:off x="3290981" y="2162997"/>
+            <a:off x="2912765" y="2194747"/>
             <a:ext cx="270504" cy="175523"/>
           </a:xfrm>
           <a:prstGeom prst="triangle">
@@ -15164,7 +14993,7 @@
         </p:nvSpPr>
         <p:spPr>
           <a:xfrm>
-            <a:off x="2660303" y="1806470"/>
+            <a:off x="2282087" y="1838220"/>
             <a:ext cx="1539926" cy="346760"/>
           </a:xfrm>
           <a:prstGeom prst="rect">
@@ -15217,7 +15046,7 @@
                   <a:srgbClr val="7030A0"/>
                 </a:solidFill>
               </a:rPr>
-              <a:t>ReadOnlyAddressBook</a:t>
+              <a:t>ReadOnlyTaskBook</a:t>
             </a:r>
             <a:endParaRPr lang="en-SG" sz="1050" dirty="0">
               <a:solidFill>
@@ -15234,8 +15063,8 @@
           <p:nvPr/>
         </p:nvSpPr>
         <p:spPr>
-          <a:xfrm rot="16200000">
-            <a:off x="6581354" y="3514530"/>
+          <a:xfrm>
+            <a:off x="5494951" y="3688744"/>
             <a:ext cx="881018" cy="261610"/>
           </a:xfrm>
           <a:prstGeom prst="rect">
@@ -15274,7 +15103,7 @@
         </p:nvSpPr>
         <p:spPr>
           <a:xfrm>
-            <a:off x="2057400" y="4239491"/>
+            <a:off x="1679184" y="4271241"/>
             <a:ext cx="1775949" cy="346760"/>
           </a:xfrm>
           <a:prstGeom prst="rect">
@@ -15356,7 +15185,7 @@
         </p:nvCxnSpPr>
         <p:spPr>
           <a:xfrm rot="16200000" flipH="1">
-            <a:off x="1364475" y="3719945"/>
+            <a:off x="986259" y="3751695"/>
             <a:ext cx="831471" cy="554380"/>
           </a:xfrm>
           <a:prstGeom prst="bentConnector2">
@@ -15387,6 +15216,1836 @@
           </a:fontRef>
         </p:style>
       </p:cxnSp>
+      <p:sp>
+        <p:nvSpPr>
+          <p:cNvPr id="61" name="Isosceles Triangle 102"/>
+          <p:cNvSpPr/>
+          <p:nvPr/>
+        </p:nvSpPr>
+        <p:spPr>
+          <a:xfrm rot="10800000" flipV="1">
+            <a:off x="6571682" y="3245305"/>
+            <a:ext cx="270504" cy="175523"/>
+          </a:xfrm>
+          <a:prstGeom prst="triangle">
+            <a:avLst/>
+          </a:prstGeom>
+          <a:solidFill>
+            <a:srgbClr val="7030A0"/>
+          </a:solidFill>
+          <a:ln w="19050">
+            <a:solidFill>
+              <a:srgbClr val="7030A0"/>
+            </a:solidFill>
+          </a:ln>
+          <a:effectLst/>
+        </p:spPr>
+        <p:style>
+          <a:lnRef idx="1">
+            <a:schemeClr val="accent4"/>
+          </a:lnRef>
+          <a:fillRef idx="2">
+            <a:schemeClr val="accent4"/>
+          </a:fillRef>
+          <a:effectRef idx="1">
+            <a:schemeClr val="accent4"/>
+          </a:effectRef>
+          <a:fontRef idx="minor">
+            <a:schemeClr val="dk1"/>
+          </a:fontRef>
+        </p:style>
+        <p:txBody>
+          <a:bodyPr rtlCol="0" anchor="ctr"/>
+          <a:lstStyle/>
+          <a:p>
+            <a:pPr algn="ctr"/>
+            <a:endParaRPr lang="en-SG" sz="1050" b="1">
+              <a:solidFill>
+                <a:srgbClr val="92D050"/>
+              </a:solidFill>
+            </a:endParaRPr>
+          </a:p>
+        </p:txBody>
+      </p:sp>
+      <p:cxnSp>
+        <p:nvCxnSpPr>
+          <p:cNvPr id="24" name="Elbow Connector 23"/>
+          <p:cNvCxnSpPr>
+            <a:stCxn id="61" idx="3"/>
+            <a:endCxn id="73" idx="1"/>
+          </p:cNvCxnSpPr>
+          <p:nvPr/>
+        </p:nvCxnSpPr>
+        <p:spPr>
+          <a:xfrm rot="16200000" flipH="1">
+            <a:off x="6721224" y="3406538"/>
+            <a:ext cx="375117" cy="403696"/>
+          </a:xfrm>
+          <a:prstGeom prst="bentConnector2">
+            <a:avLst/>
+          </a:prstGeom>
+          <a:ln w="19050">
+            <a:solidFill>
+              <a:srgbClr val="7030A0"/>
+            </a:solidFill>
+          </a:ln>
+        </p:spPr>
+        <p:style>
+          <a:lnRef idx="1">
+            <a:schemeClr val="accent1"/>
+          </a:lnRef>
+          <a:fillRef idx="0">
+            <a:schemeClr val="accent1"/>
+          </a:fillRef>
+          <a:effectRef idx="0">
+            <a:schemeClr val="accent1"/>
+          </a:effectRef>
+          <a:fontRef idx="minor">
+            <a:schemeClr val="tx1"/>
+          </a:fontRef>
+        </p:style>
+      </p:cxnSp>
+      <p:sp>
+        <p:nvSpPr>
+          <p:cNvPr id="73" name="Rectangle 8"/>
+          <p:cNvSpPr/>
+          <p:nvPr/>
+        </p:nvSpPr>
+        <p:spPr>
+          <a:xfrm>
+            <a:off x="7110630" y="3622565"/>
+            <a:ext cx="925323" cy="346760"/>
+          </a:xfrm>
+          <a:prstGeom prst="rect">
+            <a:avLst/>
+          </a:prstGeom>
+          <a:ln w="19050">
+            <a:solidFill>
+              <a:srgbClr val="7030A0"/>
+            </a:solidFill>
+          </a:ln>
+          <a:effectLst/>
+        </p:spPr>
+        <p:style>
+          <a:lnRef idx="1">
+            <a:schemeClr val="accent4"/>
+          </a:lnRef>
+          <a:fillRef idx="2">
+            <a:schemeClr val="accent4"/>
+          </a:fillRef>
+          <a:effectRef idx="1">
+            <a:schemeClr val="accent4"/>
+          </a:effectRef>
+          <a:fontRef idx="minor">
+            <a:schemeClr val="dk1"/>
+          </a:fontRef>
+        </p:style>
+        <p:txBody>
+          <a:bodyPr rtlCol="0" anchor="ctr"/>
+          <a:lstStyle/>
+          <a:p>
+            <a:pPr algn="ctr"/>
+            <a:r>
+              <a:rPr lang="en-US" sz="1000" dirty="0" err="1" smtClean="0">
+                <a:solidFill>
+                  <a:srgbClr val="7030A0"/>
+                </a:solidFill>
+              </a:rPr>
+              <a:t>DeadlineTask</a:t>
+            </a:r>
+            <a:endParaRPr lang="en-SG" sz="1000" dirty="0">
+              <a:solidFill>
+                <a:srgbClr val="7030A0"/>
+              </a:solidFill>
+            </a:endParaRPr>
+          </a:p>
+        </p:txBody>
+      </p:sp>
+      <p:sp>
+        <p:nvSpPr>
+          <p:cNvPr id="82" name="Flowchart: Decision 96"/>
+          <p:cNvSpPr/>
+          <p:nvPr/>
+        </p:nvSpPr>
+        <p:spPr>
+          <a:xfrm rot="5400000">
+            <a:off x="7455267" y="4000659"/>
+            <a:ext cx="236048" cy="173380"/>
+          </a:xfrm>
+          <a:prstGeom prst="flowChartDecision">
+            <a:avLst/>
+          </a:prstGeom>
+          <a:solidFill>
+            <a:srgbClr val="7030A0"/>
+          </a:solidFill>
+          <a:ln w="19050">
+            <a:solidFill>
+              <a:srgbClr val="7030A0"/>
+            </a:solidFill>
+          </a:ln>
+          <a:effectLst/>
+        </p:spPr>
+        <p:style>
+          <a:lnRef idx="1">
+            <a:schemeClr val="accent6"/>
+          </a:lnRef>
+          <a:fillRef idx="2">
+            <a:schemeClr val="accent6"/>
+          </a:fillRef>
+          <a:effectRef idx="1">
+            <a:schemeClr val="accent6"/>
+          </a:effectRef>
+          <a:fontRef idx="minor">
+            <a:schemeClr val="dk1"/>
+          </a:fontRef>
+        </p:style>
+        <p:txBody>
+          <a:bodyPr rtlCol="0" anchor="ctr"/>
+          <a:lstStyle/>
+          <a:p>
+            <a:pPr algn="ctr"/>
+            <a:endParaRPr lang="en-US" sz="1050"/>
+          </a:p>
+        </p:txBody>
+      </p:sp>
+      <p:cxnSp>
+        <p:nvCxnSpPr>
+          <p:cNvPr id="91" name="Elbow Connector 90"/>
+          <p:cNvCxnSpPr>
+            <a:stCxn id="82" idx="3"/>
+          </p:cNvCxnSpPr>
+          <p:nvPr/>
+        </p:nvCxnSpPr>
+        <p:spPr>
+          <a:xfrm flipH="1">
+            <a:off x="7570119" y="4205373"/>
+            <a:ext cx="3172" cy="214227"/>
+          </a:xfrm>
+          <a:prstGeom prst="straightConnector1">
+            <a:avLst/>
+          </a:prstGeom>
+          <a:ln w="19050">
+            <a:solidFill>
+              <a:srgbClr val="7030A0"/>
+            </a:solidFill>
+            <a:headEnd type="none" w="med" len="med"/>
+            <a:tailEnd type="arrow" w="med" len="med"/>
+          </a:ln>
+          <a:effectLst/>
+        </p:spPr>
+        <p:style>
+          <a:lnRef idx="1">
+            <a:schemeClr val="accent2"/>
+          </a:lnRef>
+          <a:fillRef idx="2">
+            <a:schemeClr val="accent2"/>
+          </a:fillRef>
+          <a:effectRef idx="1">
+            <a:schemeClr val="accent2"/>
+          </a:effectRef>
+          <a:fontRef idx="minor">
+            <a:schemeClr val="dk1"/>
+          </a:fontRef>
+        </p:style>
+      </p:cxnSp>
+      <p:cxnSp>
+        <p:nvCxnSpPr>
+          <p:cNvPr id="113" name="Elbow Connector 112"/>
+          <p:cNvCxnSpPr>
+            <a:stCxn id="253" idx="1"/>
+            <a:endCxn id="121" idx="3"/>
+          </p:cNvCxnSpPr>
+          <p:nvPr/>
+        </p:nvCxnSpPr>
+        <p:spPr>
+          <a:xfrm rot="10800000">
+            <a:off x="6205514" y="4261128"/>
+            <a:ext cx="732654" cy="267657"/>
+          </a:xfrm>
+          <a:prstGeom prst="bentConnector3">
+            <a:avLst>
+              <a:gd name="adj1" fmla="val 50000"/>
+            </a:avLst>
+          </a:prstGeom>
+          <a:ln w="19050">
+            <a:solidFill>
+              <a:srgbClr val="7030A0"/>
+            </a:solidFill>
+            <a:headEnd type="none" w="med" len="med"/>
+            <a:tailEnd type="arrow" w="med" len="med"/>
+          </a:ln>
+          <a:effectLst/>
+        </p:spPr>
+        <p:style>
+          <a:lnRef idx="1">
+            <a:schemeClr val="accent2"/>
+          </a:lnRef>
+          <a:fillRef idx="2">
+            <a:schemeClr val="accent2"/>
+          </a:fillRef>
+          <a:effectRef idx="1">
+            <a:schemeClr val="accent2"/>
+          </a:effectRef>
+          <a:fontRef idx="minor">
+            <a:schemeClr val="dk1"/>
+          </a:fontRef>
+        </p:style>
+      </p:cxnSp>
+      <p:cxnSp>
+        <p:nvCxnSpPr>
+          <p:cNvPr id="116" name="Elbow Connector 115"/>
+          <p:cNvCxnSpPr>
+            <a:stCxn id="253" idx="1"/>
+            <a:endCxn id="123" idx="3"/>
+          </p:cNvCxnSpPr>
+          <p:nvPr/>
+        </p:nvCxnSpPr>
+        <p:spPr>
+          <a:xfrm rot="10800000" flipV="1">
+            <a:off x="6205514" y="4528783"/>
+            <a:ext cx="732654" cy="87425"/>
+          </a:xfrm>
+          <a:prstGeom prst="bentConnector3">
+            <a:avLst>
+              <a:gd name="adj1" fmla="val 50000"/>
+            </a:avLst>
+          </a:prstGeom>
+          <a:ln w="19050">
+            <a:solidFill>
+              <a:srgbClr val="7030A0"/>
+            </a:solidFill>
+            <a:headEnd type="none" w="med" len="med"/>
+            <a:tailEnd type="arrow" w="med" len="med"/>
+          </a:ln>
+          <a:effectLst/>
+        </p:spPr>
+        <p:style>
+          <a:lnRef idx="1">
+            <a:schemeClr val="accent2"/>
+          </a:lnRef>
+          <a:fillRef idx="2">
+            <a:schemeClr val="accent2"/>
+          </a:fillRef>
+          <a:effectRef idx="1">
+            <a:schemeClr val="accent2"/>
+          </a:effectRef>
+          <a:fontRef idx="minor">
+            <a:schemeClr val="dk1"/>
+          </a:fontRef>
+        </p:style>
+      </p:cxnSp>
+      <p:sp>
+        <p:nvSpPr>
+          <p:cNvPr id="121" name="Rectangle 8"/>
+          <p:cNvSpPr/>
+          <p:nvPr/>
+        </p:nvSpPr>
+        <p:spPr>
+          <a:xfrm>
+            <a:off x="5738098" y="4162431"/>
+            <a:ext cx="467416" cy="197392"/>
+          </a:xfrm>
+          <a:prstGeom prst="rect">
+            <a:avLst/>
+          </a:prstGeom>
+          <a:ln w="19050">
+            <a:solidFill>
+              <a:srgbClr val="7030A0"/>
+            </a:solidFill>
+          </a:ln>
+          <a:effectLst/>
+        </p:spPr>
+        <p:style>
+          <a:lnRef idx="1">
+            <a:schemeClr val="accent4"/>
+          </a:lnRef>
+          <a:fillRef idx="2">
+            <a:schemeClr val="accent4"/>
+          </a:fillRef>
+          <a:effectRef idx="1">
+            <a:schemeClr val="accent4"/>
+          </a:effectRef>
+          <a:fontRef idx="minor">
+            <a:schemeClr val="dk1"/>
+          </a:fontRef>
+        </p:style>
+        <p:txBody>
+          <a:bodyPr rtlCol="0" anchor="ctr"/>
+          <a:lstStyle/>
+          <a:p>
+            <a:pPr algn="ctr"/>
+            <a:r>
+              <a:rPr lang="en-SG" sz="1050" dirty="0" smtClean="0">
+                <a:solidFill>
+                  <a:srgbClr val="7030A0"/>
+                </a:solidFill>
+              </a:rPr>
+              <a:t>Date</a:t>
+            </a:r>
+            <a:endParaRPr lang="en-SG" sz="1050" dirty="0">
+              <a:solidFill>
+                <a:srgbClr val="7030A0"/>
+              </a:solidFill>
+            </a:endParaRPr>
+          </a:p>
+        </p:txBody>
+      </p:sp>
+      <p:sp>
+        <p:nvSpPr>
+          <p:cNvPr id="123" name="Rectangle 8"/>
+          <p:cNvSpPr/>
+          <p:nvPr/>
+        </p:nvSpPr>
+        <p:spPr>
+          <a:xfrm>
+            <a:off x="5738098" y="4517513"/>
+            <a:ext cx="467416" cy="197392"/>
+          </a:xfrm>
+          <a:prstGeom prst="rect">
+            <a:avLst/>
+          </a:prstGeom>
+          <a:ln w="19050">
+            <a:solidFill>
+              <a:srgbClr val="7030A0"/>
+            </a:solidFill>
+          </a:ln>
+          <a:effectLst/>
+        </p:spPr>
+        <p:style>
+          <a:lnRef idx="1">
+            <a:schemeClr val="accent4"/>
+          </a:lnRef>
+          <a:fillRef idx="2">
+            <a:schemeClr val="accent4"/>
+          </a:fillRef>
+          <a:effectRef idx="1">
+            <a:schemeClr val="accent4"/>
+          </a:effectRef>
+          <a:fontRef idx="minor">
+            <a:schemeClr val="dk1"/>
+          </a:fontRef>
+        </p:style>
+        <p:txBody>
+          <a:bodyPr rtlCol="0" anchor="ctr"/>
+          <a:lstStyle/>
+          <a:p>
+            <a:pPr algn="ctr"/>
+            <a:r>
+              <a:rPr lang="en-SG" sz="1050" dirty="0" smtClean="0">
+                <a:solidFill>
+                  <a:srgbClr val="7030A0"/>
+                </a:solidFill>
+              </a:rPr>
+              <a:t>Time</a:t>
+            </a:r>
+            <a:endParaRPr lang="en-SG" sz="1050" dirty="0">
+              <a:solidFill>
+                <a:srgbClr val="7030A0"/>
+              </a:solidFill>
+            </a:endParaRPr>
+          </a:p>
+        </p:txBody>
+      </p:sp>
+      <p:sp>
+        <p:nvSpPr>
+          <p:cNvPr id="144" name="Isosceles Triangle 102"/>
+          <p:cNvSpPr/>
+          <p:nvPr/>
+        </p:nvSpPr>
+        <p:spPr>
+          <a:xfrm flipV="1">
+            <a:off x="6405586" y="1577074"/>
+            <a:ext cx="270504" cy="175523"/>
+          </a:xfrm>
+          <a:prstGeom prst="triangle">
+            <a:avLst/>
+          </a:prstGeom>
+          <a:solidFill>
+            <a:srgbClr val="7030A0"/>
+          </a:solidFill>
+          <a:ln w="19050">
+            <a:solidFill>
+              <a:srgbClr val="7030A0"/>
+            </a:solidFill>
+          </a:ln>
+          <a:effectLst/>
+        </p:spPr>
+        <p:style>
+          <a:lnRef idx="1">
+            <a:schemeClr val="accent4"/>
+          </a:lnRef>
+          <a:fillRef idx="2">
+            <a:schemeClr val="accent4"/>
+          </a:fillRef>
+          <a:effectRef idx="1">
+            <a:schemeClr val="accent4"/>
+          </a:effectRef>
+          <a:fontRef idx="minor">
+            <a:schemeClr val="dk1"/>
+          </a:fontRef>
+        </p:style>
+        <p:txBody>
+          <a:bodyPr rtlCol="0" anchor="ctr"/>
+          <a:lstStyle/>
+          <a:p>
+            <a:pPr algn="ctr"/>
+            <a:endParaRPr lang="en-SG" sz="1050" b="1">
+              <a:solidFill>
+                <a:srgbClr val="92D050"/>
+              </a:solidFill>
+            </a:endParaRPr>
+          </a:p>
+        </p:txBody>
+      </p:sp>
+      <p:cxnSp>
+        <p:nvCxnSpPr>
+          <p:cNvPr id="146" name="Elbow Connector 63"/>
+          <p:cNvCxnSpPr>
+            <a:stCxn id="144" idx="3"/>
+          </p:cNvCxnSpPr>
+          <p:nvPr/>
+        </p:nvCxnSpPr>
+        <p:spPr>
+          <a:xfrm rot="16200000" flipV="1">
+            <a:off x="6381444" y="1417679"/>
+            <a:ext cx="316446" cy="2343"/>
+          </a:xfrm>
+          <a:prstGeom prst="bentConnector3">
+            <a:avLst>
+              <a:gd name="adj1" fmla="val 50000"/>
+            </a:avLst>
+          </a:prstGeom>
+          <a:ln w="19050">
+            <a:solidFill>
+              <a:srgbClr val="7030A0"/>
+            </a:solidFill>
+            <a:prstDash val="sysDot"/>
+            <a:headEnd type="none" w="med" len="med"/>
+            <a:tailEnd type="none" w="med" len="med"/>
+          </a:ln>
+          <a:effectLst/>
+        </p:spPr>
+        <p:style>
+          <a:lnRef idx="1">
+            <a:schemeClr val="accent2"/>
+          </a:lnRef>
+          <a:fillRef idx="2">
+            <a:schemeClr val="accent2"/>
+          </a:fillRef>
+          <a:effectRef idx="1">
+            <a:schemeClr val="accent2"/>
+          </a:effectRef>
+          <a:fontRef idx="minor">
+            <a:schemeClr val="dk1"/>
+          </a:fontRef>
+        </p:style>
+      </p:cxnSp>
+      <p:sp>
+        <p:nvSpPr>
+          <p:cNvPr id="153" name="Rectangle 8"/>
+          <p:cNvSpPr/>
+          <p:nvPr/>
+        </p:nvSpPr>
+        <p:spPr>
+          <a:xfrm>
+            <a:off x="5964356" y="926470"/>
+            <a:ext cx="925323" cy="346760"/>
+          </a:xfrm>
+          <a:prstGeom prst="rect">
+            <a:avLst/>
+          </a:prstGeom>
+          <a:ln w="19050">
+            <a:solidFill>
+              <a:srgbClr val="7030A0"/>
+            </a:solidFill>
+          </a:ln>
+          <a:effectLst/>
+        </p:spPr>
+        <p:style>
+          <a:lnRef idx="1">
+            <a:schemeClr val="accent4"/>
+          </a:lnRef>
+          <a:fillRef idx="2">
+            <a:schemeClr val="accent4"/>
+          </a:fillRef>
+          <a:effectRef idx="1">
+            <a:schemeClr val="accent4"/>
+          </a:effectRef>
+          <a:fontRef idx="minor">
+            <a:schemeClr val="dk1"/>
+          </a:fontRef>
+        </p:style>
+        <p:txBody>
+          <a:bodyPr rtlCol="0" anchor="ctr"/>
+          <a:lstStyle/>
+          <a:p>
+            <a:pPr algn="ctr"/>
+            <a:r>
+              <a:rPr lang="en-US" sz="1000" dirty="0" smtClean="0">
+                <a:solidFill>
+                  <a:srgbClr val="7030A0"/>
+                </a:solidFill>
+              </a:rPr>
+              <a:t>Event</a:t>
+            </a:r>
+            <a:endParaRPr lang="en-SG" sz="1000" dirty="0">
+              <a:solidFill>
+                <a:srgbClr val="7030A0"/>
+              </a:solidFill>
+            </a:endParaRPr>
+          </a:p>
+        </p:txBody>
+      </p:sp>
+      <p:sp>
+        <p:nvSpPr>
+          <p:cNvPr id="159" name="Rectangle 8"/>
+          <p:cNvSpPr/>
+          <p:nvPr/>
+        </p:nvSpPr>
+        <p:spPr>
+          <a:xfrm>
+            <a:off x="7521413" y="644223"/>
+            <a:ext cx="708186" cy="285783"/>
+          </a:xfrm>
+          <a:prstGeom prst="rect">
+            <a:avLst/>
+          </a:prstGeom>
+          <a:ln w="19050">
+            <a:solidFill>
+              <a:srgbClr val="7030A0"/>
+            </a:solidFill>
+          </a:ln>
+          <a:effectLst/>
+        </p:spPr>
+        <p:style>
+          <a:lnRef idx="1">
+            <a:schemeClr val="accent4"/>
+          </a:lnRef>
+          <a:fillRef idx="2">
+            <a:schemeClr val="accent4"/>
+          </a:fillRef>
+          <a:effectRef idx="1">
+            <a:schemeClr val="accent4"/>
+          </a:effectRef>
+          <a:fontRef idx="minor">
+            <a:schemeClr val="dk1"/>
+          </a:fontRef>
+        </p:style>
+        <p:txBody>
+          <a:bodyPr rtlCol="0" anchor="ctr"/>
+          <a:lstStyle/>
+          <a:p>
+            <a:pPr algn="ctr"/>
+            <a:r>
+              <a:rPr lang="en-SG" sz="1050" dirty="0" smtClean="0">
+                <a:solidFill>
+                  <a:srgbClr val="7030A0"/>
+                </a:solidFill>
+              </a:rPr>
+              <a:t>Name</a:t>
+            </a:r>
+            <a:endParaRPr lang="en-SG" sz="1050" dirty="0">
+              <a:solidFill>
+                <a:srgbClr val="7030A0"/>
+              </a:solidFill>
+            </a:endParaRPr>
+          </a:p>
+        </p:txBody>
+      </p:sp>
+      <p:sp>
+        <p:nvSpPr>
+          <p:cNvPr id="160" name="Flowchart: Decision 96"/>
+          <p:cNvSpPr/>
+          <p:nvPr/>
+        </p:nvSpPr>
+        <p:spPr>
+          <a:xfrm>
+            <a:off x="6887281" y="995274"/>
+            <a:ext cx="236048" cy="173380"/>
+          </a:xfrm>
+          <a:prstGeom prst="flowChartDecision">
+            <a:avLst/>
+          </a:prstGeom>
+          <a:solidFill>
+            <a:srgbClr val="7030A0"/>
+          </a:solidFill>
+          <a:ln w="19050">
+            <a:solidFill>
+              <a:srgbClr val="7030A0"/>
+            </a:solidFill>
+          </a:ln>
+          <a:effectLst/>
+        </p:spPr>
+        <p:style>
+          <a:lnRef idx="1">
+            <a:schemeClr val="accent6"/>
+          </a:lnRef>
+          <a:fillRef idx="2">
+            <a:schemeClr val="accent6"/>
+          </a:fillRef>
+          <a:effectRef idx="1">
+            <a:schemeClr val="accent6"/>
+          </a:effectRef>
+          <a:fontRef idx="minor">
+            <a:schemeClr val="dk1"/>
+          </a:fontRef>
+        </p:style>
+        <p:txBody>
+          <a:bodyPr rtlCol="0" anchor="ctr"/>
+          <a:lstStyle/>
+          <a:p>
+            <a:pPr algn="ctr"/>
+            <a:endParaRPr lang="en-US" sz="1050"/>
+          </a:p>
+        </p:txBody>
+      </p:sp>
+      <p:cxnSp>
+        <p:nvCxnSpPr>
+          <p:cNvPr id="161" name="Elbow Connector 160"/>
+          <p:cNvCxnSpPr>
+            <a:stCxn id="160" idx="3"/>
+            <a:endCxn id="159" idx="1"/>
+          </p:cNvCxnSpPr>
+          <p:nvPr/>
+        </p:nvCxnSpPr>
+        <p:spPr>
+          <a:xfrm flipV="1">
+            <a:off x="7123329" y="787115"/>
+            <a:ext cx="398084" cy="294849"/>
+          </a:xfrm>
+          <a:prstGeom prst="bentConnector3">
+            <a:avLst/>
+          </a:prstGeom>
+          <a:ln w="19050">
+            <a:solidFill>
+              <a:srgbClr val="7030A0"/>
+            </a:solidFill>
+            <a:headEnd type="none" w="med" len="med"/>
+            <a:tailEnd type="arrow" w="med" len="med"/>
+          </a:ln>
+          <a:effectLst/>
+        </p:spPr>
+        <p:style>
+          <a:lnRef idx="1">
+            <a:schemeClr val="accent2"/>
+          </a:lnRef>
+          <a:fillRef idx="2">
+            <a:schemeClr val="accent2"/>
+          </a:fillRef>
+          <a:effectRef idx="1">
+            <a:schemeClr val="accent2"/>
+          </a:effectRef>
+          <a:fontRef idx="minor">
+            <a:schemeClr val="dk1"/>
+          </a:fontRef>
+        </p:style>
+      </p:cxnSp>
+      <p:sp>
+        <p:nvSpPr>
+          <p:cNvPr id="162" name="Rectangle 8"/>
+          <p:cNvSpPr/>
+          <p:nvPr/>
+        </p:nvSpPr>
+        <p:spPr>
+          <a:xfrm>
+            <a:off x="7521413" y="974845"/>
+            <a:ext cx="898205" cy="285783"/>
+          </a:xfrm>
+          <a:prstGeom prst="rect">
+            <a:avLst/>
+          </a:prstGeom>
+          <a:ln w="19050">
+            <a:solidFill>
+              <a:srgbClr val="7030A0"/>
+            </a:solidFill>
+          </a:ln>
+          <a:effectLst/>
+        </p:spPr>
+        <p:style>
+          <a:lnRef idx="1">
+            <a:schemeClr val="accent4"/>
+          </a:lnRef>
+          <a:fillRef idx="2">
+            <a:schemeClr val="accent4"/>
+          </a:fillRef>
+          <a:effectRef idx="1">
+            <a:schemeClr val="accent4"/>
+          </a:effectRef>
+          <a:fontRef idx="minor">
+            <a:schemeClr val="dk1"/>
+          </a:fontRef>
+        </p:style>
+        <p:txBody>
+          <a:bodyPr rtlCol="0" anchor="ctr"/>
+          <a:lstStyle/>
+          <a:p>
+            <a:pPr algn="ctr"/>
+            <a:r>
+              <a:rPr lang="en-US" sz="1050" dirty="0" err="1" smtClean="0">
+                <a:solidFill>
+                  <a:srgbClr val="7030A0"/>
+                </a:solidFill>
+              </a:rPr>
+              <a:t>isCompleted</a:t>
+            </a:r>
+            <a:endParaRPr lang="en-SG" sz="1050" dirty="0">
+              <a:solidFill>
+                <a:srgbClr val="7030A0"/>
+              </a:solidFill>
+            </a:endParaRPr>
+          </a:p>
+        </p:txBody>
+      </p:sp>
+      <p:cxnSp>
+        <p:nvCxnSpPr>
+          <p:cNvPr id="163" name="Elbow Connector 162"/>
+          <p:cNvCxnSpPr>
+            <a:stCxn id="160" idx="3"/>
+            <a:endCxn id="162" idx="1"/>
+          </p:cNvCxnSpPr>
+          <p:nvPr/>
+        </p:nvCxnSpPr>
+        <p:spPr>
+          <a:xfrm>
+            <a:off x="7123329" y="1081964"/>
+            <a:ext cx="398084" cy="35773"/>
+          </a:xfrm>
+          <a:prstGeom prst="bentConnector3">
+            <a:avLst/>
+          </a:prstGeom>
+          <a:ln w="19050">
+            <a:solidFill>
+              <a:srgbClr val="7030A0"/>
+            </a:solidFill>
+            <a:headEnd type="none" w="med" len="med"/>
+            <a:tailEnd type="arrow" w="med" len="med"/>
+          </a:ln>
+          <a:effectLst/>
+        </p:spPr>
+        <p:style>
+          <a:lnRef idx="1">
+            <a:schemeClr val="accent2"/>
+          </a:lnRef>
+          <a:fillRef idx="2">
+            <a:schemeClr val="accent2"/>
+          </a:fillRef>
+          <a:effectRef idx="1">
+            <a:schemeClr val="accent2"/>
+          </a:effectRef>
+          <a:fontRef idx="minor">
+            <a:schemeClr val="dk1"/>
+          </a:fontRef>
+        </p:style>
+      </p:cxnSp>
+      <p:sp>
+        <p:nvSpPr>
+          <p:cNvPr id="178" name="Flowchart: Decision 96"/>
+          <p:cNvSpPr/>
+          <p:nvPr/>
+        </p:nvSpPr>
+        <p:spPr>
+          <a:xfrm rot="16200000">
+            <a:off x="4566409" y="2105291"/>
+            <a:ext cx="236048" cy="173380"/>
+          </a:xfrm>
+          <a:prstGeom prst="flowChartDecision">
+            <a:avLst/>
+          </a:prstGeom>
+          <a:noFill/>
+          <a:ln w="19050">
+            <a:solidFill>
+              <a:srgbClr val="7030A0"/>
+            </a:solidFill>
+          </a:ln>
+          <a:effectLst/>
+        </p:spPr>
+        <p:style>
+          <a:lnRef idx="1">
+            <a:schemeClr val="accent6"/>
+          </a:lnRef>
+          <a:fillRef idx="2">
+            <a:schemeClr val="accent6"/>
+          </a:fillRef>
+          <a:effectRef idx="1">
+            <a:schemeClr val="accent6"/>
+          </a:effectRef>
+          <a:fontRef idx="minor">
+            <a:schemeClr val="dk1"/>
+          </a:fontRef>
+        </p:style>
+        <p:txBody>
+          <a:bodyPr rtlCol="0" anchor="ctr"/>
+          <a:lstStyle/>
+          <a:p>
+            <a:pPr algn="ctr"/>
+            <a:endParaRPr lang="en-US" sz="1050"/>
+          </a:p>
+        </p:txBody>
+      </p:sp>
+      <p:cxnSp>
+        <p:nvCxnSpPr>
+          <p:cNvPr id="179" name="Elbow Connector 178"/>
+          <p:cNvCxnSpPr>
+            <a:stCxn id="178" idx="3"/>
+            <a:endCxn id="183" idx="2"/>
+          </p:cNvCxnSpPr>
+          <p:nvPr/>
+        </p:nvCxnSpPr>
+        <p:spPr>
+          <a:xfrm flipV="1">
+            <a:off x="4684433" y="1841497"/>
+            <a:ext cx="0" cy="232460"/>
+          </a:xfrm>
+          <a:prstGeom prst="straightConnector1">
+            <a:avLst/>
+          </a:prstGeom>
+          <a:ln w="19050">
+            <a:solidFill>
+              <a:srgbClr val="7030A0"/>
+            </a:solidFill>
+            <a:headEnd type="none" w="med" len="med"/>
+            <a:tailEnd type="arrow" w="med" len="med"/>
+          </a:ln>
+          <a:effectLst/>
+        </p:spPr>
+        <p:style>
+          <a:lnRef idx="1">
+            <a:schemeClr val="accent2"/>
+          </a:lnRef>
+          <a:fillRef idx="2">
+            <a:schemeClr val="accent2"/>
+          </a:fillRef>
+          <a:effectRef idx="1">
+            <a:schemeClr val="accent2"/>
+          </a:effectRef>
+          <a:fontRef idx="minor">
+            <a:schemeClr val="dk1"/>
+          </a:fontRef>
+        </p:style>
+      </p:cxnSp>
+      <p:sp>
+        <p:nvSpPr>
+          <p:cNvPr id="183" name="Rectangle 8"/>
+          <p:cNvSpPr/>
+          <p:nvPr/>
+        </p:nvSpPr>
+        <p:spPr>
+          <a:xfrm>
+            <a:off x="4330340" y="1494737"/>
+            <a:ext cx="708186" cy="346760"/>
+          </a:xfrm>
+          <a:prstGeom prst="rect">
+            <a:avLst/>
+          </a:prstGeom>
+          <a:ln w="19050">
+            <a:solidFill>
+              <a:srgbClr val="7030A0"/>
+            </a:solidFill>
+          </a:ln>
+          <a:effectLst/>
+        </p:spPr>
+        <p:style>
+          <a:lnRef idx="1">
+            <a:schemeClr val="accent4"/>
+          </a:lnRef>
+          <a:fillRef idx="2">
+            <a:schemeClr val="accent4"/>
+          </a:fillRef>
+          <a:effectRef idx="1">
+            <a:schemeClr val="accent4"/>
+          </a:effectRef>
+          <a:fontRef idx="minor">
+            <a:schemeClr val="dk1"/>
+          </a:fontRef>
+        </p:style>
+        <p:txBody>
+          <a:bodyPr rtlCol="0" anchor="ctr"/>
+          <a:lstStyle/>
+          <a:p>
+            <a:pPr algn="ctr"/>
+            <a:r>
+              <a:rPr lang="en-US" sz="1050" dirty="0" smtClean="0">
+                <a:solidFill>
+                  <a:srgbClr val="7030A0"/>
+                </a:solidFill>
+              </a:rPr>
+              <a:t>Tag</a:t>
+            </a:r>
+            <a:endParaRPr lang="en-SG" sz="1050" dirty="0">
+              <a:solidFill>
+                <a:srgbClr val="7030A0"/>
+              </a:solidFill>
+            </a:endParaRPr>
+          </a:p>
+        </p:txBody>
+      </p:sp>
+      <p:cxnSp>
+        <p:nvCxnSpPr>
+          <p:cNvPr id="192" name="Straight Arrow Connector 191"/>
+          <p:cNvCxnSpPr/>
+          <p:nvPr/>
+        </p:nvCxnSpPr>
+        <p:spPr>
+          <a:xfrm rot="10800000" flipV="1">
+            <a:off x="5038528" y="1273229"/>
+            <a:ext cx="1209872" cy="394885"/>
+          </a:xfrm>
+          <a:prstGeom prst="bentConnector3">
+            <a:avLst>
+              <a:gd name="adj1" fmla="val -779"/>
+            </a:avLst>
+          </a:prstGeom>
+          <a:ln w="19050">
+            <a:solidFill>
+              <a:srgbClr val="7030A0"/>
+            </a:solidFill>
+            <a:prstDash val="sysDot"/>
+            <a:headEnd type="none" w="med" len="med"/>
+            <a:tailEnd type="arrow" w="med" len="med"/>
+          </a:ln>
+          <a:effectLst/>
+        </p:spPr>
+        <p:style>
+          <a:lnRef idx="1">
+            <a:schemeClr val="accent2"/>
+          </a:lnRef>
+          <a:fillRef idx="2">
+            <a:schemeClr val="accent2"/>
+          </a:fillRef>
+          <a:effectRef idx="1">
+            <a:schemeClr val="accent2"/>
+          </a:effectRef>
+          <a:fontRef idx="minor">
+            <a:schemeClr val="dk1"/>
+          </a:fontRef>
+        </p:style>
+      </p:cxnSp>
+      <p:sp>
+        <p:nvSpPr>
+          <p:cNvPr id="215" name="Flowchart: Decision 96"/>
+          <p:cNvSpPr/>
+          <p:nvPr/>
+        </p:nvSpPr>
+        <p:spPr>
+          <a:xfrm>
+            <a:off x="5718869" y="995729"/>
+            <a:ext cx="236048" cy="173380"/>
+          </a:xfrm>
+          <a:prstGeom prst="flowChartDecision">
+            <a:avLst/>
+          </a:prstGeom>
+          <a:solidFill>
+            <a:srgbClr val="7030A0"/>
+          </a:solidFill>
+          <a:ln w="19050">
+            <a:solidFill>
+              <a:srgbClr val="7030A0"/>
+            </a:solidFill>
+          </a:ln>
+          <a:effectLst/>
+        </p:spPr>
+        <p:style>
+          <a:lnRef idx="1">
+            <a:schemeClr val="accent6"/>
+          </a:lnRef>
+          <a:fillRef idx="2">
+            <a:schemeClr val="accent6"/>
+          </a:fillRef>
+          <a:effectRef idx="1">
+            <a:schemeClr val="accent6"/>
+          </a:effectRef>
+          <a:fontRef idx="minor">
+            <a:schemeClr val="dk1"/>
+          </a:fontRef>
+        </p:style>
+        <p:txBody>
+          <a:bodyPr rtlCol="0" anchor="ctr"/>
+          <a:lstStyle/>
+          <a:p>
+            <a:pPr algn="ctr"/>
+            <a:endParaRPr lang="en-US" sz="1050"/>
+          </a:p>
+        </p:txBody>
+      </p:sp>
+      <p:sp>
+        <p:nvSpPr>
+          <p:cNvPr id="216" name="Rectangle 8"/>
+          <p:cNvSpPr/>
+          <p:nvPr/>
+        </p:nvSpPr>
+        <p:spPr>
+          <a:xfrm>
+            <a:off x="4396505" y="1081964"/>
+            <a:ext cx="785096" cy="214858"/>
+          </a:xfrm>
+          <a:prstGeom prst="rect">
+            <a:avLst/>
+          </a:prstGeom>
+          <a:ln w="19050">
+            <a:solidFill>
+              <a:srgbClr val="7030A0"/>
+            </a:solidFill>
+          </a:ln>
+          <a:effectLst/>
+        </p:spPr>
+        <p:style>
+          <a:lnRef idx="1">
+            <a:schemeClr val="accent4"/>
+          </a:lnRef>
+          <a:fillRef idx="2">
+            <a:schemeClr val="accent4"/>
+          </a:fillRef>
+          <a:effectRef idx="1">
+            <a:schemeClr val="accent4"/>
+          </a:effectRef>
+          <a:fontRef idx="minor">
+            <a:schemeClr val="dk1"/>
+          </a:fontRef>
+        </p:style>
+        <p:txBody>
+          <a:bodyPr rtlCol="0" anchor="ctr"/>
+          <a:lstStyle/>
+          <a:p>
+            <a:pPr algn="ctr"/>
+            <a:r>
+              <a:rPr lang="en-US" sz="1000" dirty="0" err="1" smtClean="0">
+                <a:solidFill>
+                  <a:srgbClr val="7030A0"/>
+                </a:solidFill>
+              </a:rPr>
+              <a:t>DateTime</a:t>
+            </a:r>
+            <a:endParaRPr lang="en-SG" sz="1000" dirty="0">
+              <a:solidFill>
+                <a:srgbClr val="7030A0"/>
+              </a:solidFill>
+            </a:endParaRPr>
+          </a:p>
+        </p:txBody>
+      </p:sp>
+      <p:sp>
+        <p:nvSpPr>
+          <p:cNvPr id="217" name="Rectangle 8"/>
+          <p:cNvSpPr/>
+          <p:nvPr/>
+        </p:nvSpPr>
+        <p:spPr>
+          <a:xfrm>
+            <a:off x="7180743" y="4421355"/>
+            <a:ext cx="785096" cy="214858"/>
+          </a:xfrm>
+          <a:prstGeom prst="rect">
+            <a:avLst/>
+          </a:prstGeom>
+          <a:ln w="19050">
+            <a:solidFill>
+              <a:srgbClr val="7030A0"/>
+            </a:solidFill>
+          </a:ln>
+          <a:effectLst/>
+        </p:spPr>
+        <p:style>
+          <a:lnRef idx="1">
+            <a:schemeClr val="accent4"/>
+          </a:lnRef>
+          <a:fillRef idx="2">
+            <a:schemeClr val="accent4"/>
+          </a:fillRef>
+          <a:effectRef idx="1">
+            <a:schemeClr val="accent4"/>
+          </a:effectRef>
+          <a:fontRef idx="minor">
+            <a:schemeClr val="dk1"/>
+          </a:fontRef>
+        </p:style>
+        <p:txBody>
+          <a:bodyPr rtlCol="0" anchor="ctr"/>
+          <a:lstStyle/>
+          <a:p>
+            <a:pPr algn="ctr"/>
+            <a:r>
+              <a:rPr lang="en-US" sz="1000" dirty="0" err="1" smtClean="0">
+                <a:solidFill>
+                  <a:srgbClr val="7030A0"/>
+                </a:solidFill>
+              </a:rPr>
+              <a:t>DateTime</a:t>
+            </a:r>
+            <a:endParaRPr lang="en-SG" sz="1000" dirty="0">
+              <a:solidFill>
+                <a:srgbClr val="7030A0"/>
+              </a:solidFill>
+            </a:endParaRPr>
+          </a:p>
+        </p:txBody>
+      </p:sp>
+      <p:cxnSp>
+        <p:nvCxnSpPr>
+          <p:cNvPr id="225" name="Elbow Connector 224"/>
+          <p:cNvCxnSpPr>
+            <a:stCxn id="215" idx="1"/>
+            <a:endCxn id="216" idx="3"/>
+          </p:cNvCxnSpPr>
+          <p:nvPr/>
+        </p:nvCxnSpPr>
+        <p:spPr>
+          <a:xfrm rot="10800000" flipV="1">
+            <a:off x="5181601" y="1082419"/>
+            <a:ext cx="537268" cy="106974"/>
+          </a:xfrm>
+          <a:prstGeom prst="bentConnector3">
+            <a:avLst/>
+          </a:prstGeom>
+          <a:ln w="19050">
+            <a:solidFill>
+              <a:srgbClr val="7030A0"/>
+            </a:solidFill>
+            <a:headEnd type="none" w="med" len="med"/>
+            <a:tailEnd type="arrow" w="med" len="med"/>
+          </a:ln>
+          <a:effectLst/>
+        </p:spPr>
+        <p:style>
+          <a:lnRef idx="1">
+            <a:schemeClr val="accent2"/>
+          </a:lnRef>
+          <a:fillRef idx="2">
+            <a:schemeClr val="accent2"/>
+          </a:fillRef>
+          <a:effectRef idx="1">
+            <a:schemeClr val="accent2"/>
+          </a:effectRef>
+          <a:fontRef idx="minor">
+            <a:schemeClr val="dk1"/>
+          </a:fontRef>
+        </p:style>
+      </p:cxnSp>
+      <p:cxnSp>
+        <p:nvCxnSpPr>
+          <p:cNvPr id="228" name="Elbow Connector 227"/>
+          <p:cNvCxnSpPr>
+            <a:stCxn id="215" idx="1"/>
+            <a:endCxn id="231" idx="3"/>
+          </p:cNvCxnSpPr>
+          <p:nvPr/>
+        </p:nvCxnSpPr>
+        <p:spPr>
+          <a:xfrm rot="10800000">
+            <a:off x="5181601" y="743649"/>
+            <a:ext cx="537268" cy="338770"/>
+          </a:xfrm>
+          <a:prstGeom prst="bentConnector3">
+            <a:avLst/>
+          </a:prstGeom>
+          <a:ln w="19050">
+            <a:solidFill>
+              <a:srgbClr val="7030A0"/>
+            </a:solidFill>
+            <a:headEnd type="none" w="med" len="med"/>
+            <a:tailEnd type="arrow" w="med" len="med"/>
+          </a:ln>
+          <a:effectLst/>
+        </p:spPr>
+        <p:style>
+          <a:lnRef idx="1">
+            <a:schemeClr val="accent2"/>
+          </a:lnRef>
+          <a:fillRef idx="2">
+            <a:schemeClr val="accent2"/>
+          </a:fillRef>
+          <a:effectRef idx="1">
+            <a:schemeClr val="accent2"/>
+          </a:effectRef>
+          <a:fontRef idx="minor">
+            <a:schemeClr val="dk1"/>
+          </a:fontRef>
+        </p:style>
+      </p:cxnSp>
+      <p:sp>
+        <p:nvSpPr>
+          <p:cNvPr id="231" name="Rectangle 8"/>
+          <p:cNvSpPr/>
+          <p:nvPr/>
+        </p:nvSpPr>
+        <p:spPr>
+          <a:xfrm>
+            <a:off x="4396505" y="636220"/>
+            <a:ext cx="785096" cy="214858"/>
+          </a:xfrm>
+          <a:prstGeom prst="rect">
+            <a:avLst/>
+          </a:prstGeom>
+          <a:ln w="19050">
+            <a:solidFill>
+              <a:srgbClr val="7030A0"/>
+            </a:solidFill>
+          </a:ln>
+          <a:effectLst/>
+        </p:spPr>
+        <p:style>
+          <a:lnRef idx="1">
+            <a:schemeClr val="accent4"/>
+          </a:lnRef>
+          <a:fillRef idx="2">
+            <a:schemeClr val="accent4"/>
+          </a:fillRef>
+          <a:effectRef idx="1">
+            <a:schemeClr val="accent4"/>
+          </a:effectRef>
+          <a:fontRef idx="minor">
+            <a:schemeClr val="dk1"/>
+          </a:fontRef>
+        </p:style>
+        <p:txBody>
+          <a:bodyPr rtlCol="0" anchor="ctr"/>
+          <a:lstStyle/>
+          <a:p>
+            <a:pPr algn="ctr"/>
+            <a:r>
+              <a:rPr lang="en-US" sz="1000" dirty="0" err="1" smtClean="0">
+                <a:solidFill>
+                  <a:srgbClr val="7030A0"/>
+                </a:solidFill>
+              </a:rPr>
+              <a:t>DateTime</a:t>
+            </a:r>
+            <a:endParaRPr lang="en-SG" sz="1000" dirty="0">
+              <a:solidFill>
+                <a:srgbClr val="7030A0"/>
+              </a:solidFill>
+            </a:endParaRPr>
+          </a:p>
+        </p:txBody>
+      </p:sp>
+      <p:sp>
+        <p:nvSpPr>
+          <p:cNvPr id="233" name="Flowchart: Decision 96"/>
+          <p:cNvSpPr/>
+          <p:nvPr/>
+        </p:nvSpPr>
+        <p:spPr>
+          <a:xfrm>
+            <a:off x="4160457" y="644223"/>
+            <a:ext cx="236048" cy="173380"/>
+          </a:xfrm>
+          <a:prstGeom prst="flowChartDecision">
+            <a:avLst/>
+          </a:prstGeom>
+          <a:solidFill>
+            <a:srgbClr val="7030A0"/>
+          </a:solidFill>
+          <a:ln w="19050">
+            <a:solidFill>
+              <a:srgbClr val="7030A0"/>
+            </a:solidFill>
+          </a:ln>
+          <a:effectLst/>
+        </p:spPr>
+        <p:style>
+          <a:lnRef idx="1">
+            <a:schemeClr val="accent6"/>
+          </a:lnRef>
+          <a:fillRef idx="2">
+            <a:schemeClr val="accent6"/>
+          </a:fillRef>
+          <a:effectRef idx="1">
+            <a:schemeClr val="accent6"/>
+          </a:effectRef>
+          <a:fontRef idx="minor">
+            <a:schemeClr val="dk1"/>
+          </a:fontRef>
+        </p:style>
+        <p:txBody>
+          <a:bodyPr rtlCol="0" anchor="ctr"/>
+          <a:lstStyle/>
+          <a:p>
+            <a:pPr algn="ctr"/>
+            <a:endParaRPr lang="en-US" sz="1050"/>
+          </a:p>
+        </p:txBody>
+      </p:sp>
+      <p:sp>
+        <p:nvSpPr>
+          <p:cNvPr id="234" name="Flowchart: Decision 96"/>
+          <p:cNvSpPr/>
+          <p:nvPr/>
+        </p:nvSpPr>
+        <p:spPr>
+          <a:xfrm>
+            <a:off x="4160430" y="1117736"/>
+            <a:ext cx="236048" cy="173380"/>
+          </a:xfrm>
+          <a:prstGeom prst="flowChartDecision">
+            <a:avLst/>
+          </a:prstGeom>
+          <a:solidFill>
+            <a:srgbClr val="7030A0"/>
+          </a:solidFill>
+          <a:ln w="19050">
+            <a:solidFill>
+              <a:srgbClr val="7030A0"/>
+            </a:solidFill>
+          </a:ln>
+          <a:effectLst/>
+        </p:spPr>
+        <p:style>
+          <a:lnRef idx="1">
+            <a:schemeClr val="accent6"/>
+          </a:lnRef>
+          <a:fillRef idx="2">
+            <a:schemeClr val="accent6"/>
+          </a:fillRef>
+          <a:effectRef idx="1">
+            <a:schemeClr val="accent6"/>
+          </a:effectRef>
+          <a:fontRef idx="minor">
+            <a:schemeClr val="dk1"/>
+          </a:fontRef>
+        </p:style>
+        <p:txBody>
+          <a:bodyPr rtlCol="0" anchor="ctr"/>
+          <a:lstStyle/>
+          <a:p>
+            <a:pPr algn="ctr"/>
+            <a:endParaRPr lang="en-US" sz="1050"/>
+          </a:p>
+        </p:txBody>
+      </p:sp>
+      <p:cxnSp>
+        <p:nvCxnSpPr>
+          <p:cNvPr id="235" name="Elbow Connector 234"/>
+          <p:cNvCxnSpPr>
+            <a:stCxn id="233" idx="1"/>
+            <a:endCxn id="238" idx="3"/>
+          </p:cNvCxnSpPr>
+          <p:nvPr/>
+        </p:nvCxnSpPr>
+        <p:spPr>
+          <a:xfrm rot="10800000">
+            <a:off x="3724111" y="457201"/>
+            <a:ext cx="436346" cy="273712"/>
+          </a:xfrm>
+          <a:prstGeom prst="bentConnector3">
+            <a:avLst/>
+          </a:prstGeom>
+          <a:ln w="19050">
+            <a:solidFill>
+              <a:srgbClr val="7030A0"/>
+            </a:solidFill>
+            <a:headEnd type="none" w="med" len="med"/>
+            <a:tailEnd type="arrow" w="med" len="med"/>
+          </a:ln>
+          <a:effectLst/>
+        </p:spPr>
+        <p:style>
+          <a:lnRef idx="1">
+            <a:schemeClr val="accent2"/>
+          </a:lnRef>
+          <a:fillRef idx="2">
+            <a:schemeClr val="accent2"/>
+          </a:fillRef>
+          <a:effectRef idx="1">
+            <a:schemeClr val="accent2"/>
+          </a:effectRef>
+          <a:fontRef idx="minor">
+            <a:schemeClr val="dk1"/>
+          </a:fontRef>
+        </p:style>
+      </p:cxnSp>
+      <p:sp>
+        <p:nvSpPr>
+          <p:cNvPr id="238" name="Rectangle 8"/>
+          <p:cNvSpPr/>
+          <p:nvPr/>
+        </p:nvSpPr>
+        <p:spPr>
+          <a:xfrm>
+            <a:off x="3256695" y="358505"/>
+            <a:ext cx="467416" cy="197392"/>
+          </a:xfrm>
+          <a:prstGeom prst="rect">
+            <a:avLst/>
+          </a:prstGeom>
+          <a:ln w="19050">
+            <a:solidFill>
+              <a:srgbClr val="7030A0"/>
+            </a:solidFill>
+          </a:ln>
+          <a:effectLst/>
+        </p:spPr>
+        <p:style>
+          <a:lnRef idx="1">
+            <a:schemeClr val="accent4"/>
+          </a:lnRef>
+          <a:fillRef idx="2">
+            <a:schemeClr val="accent4"/>
+          </a:fillRef>
+          <a:effectRef idx="1">
+            <a:schemeClr val="accent4"/>
+          </a:effectRef>
+          <a:fontRef idx="minor">
+            <a:schemeClr val="dk1"/>
+          </a:fontRef>
+        </p:style>
+        <p:txBody>
+          <a:bodyPr rtlCol="0" anchor="ctr"/>
+          <a:lstStyle/>
+          <a:p>
+            <a:pPr algn="ctr"/>
+            <a:r>
+              <a:rPr lang="en-SG" sz="1050" dirty="0" smtClean="0">
+                <a:solidFill>
+                  <a:srgbClr val="7030A0"/>
+                </a:solidFill>
+              </a:rPr>
+              <a:t>Date</a:t>
+            </a:r>
+            <a:endParaRPr lang="en-SG" sz="1050" dirty="0">
+              <a:solidFill>
+                <a:srgbClr val="7030A0"/>
+              </a:solidFill>
+            </a:endParaRPr>
+          </a:p>
+        </p:txBody>
+      </p:sp>
+      <p:sp>
+        <p:nvSpPr>
+          <p:cNvPr id="240" name="Rectangle 8"/>
+          <p:cNvSpPr/>
+          <p:nvPr/>
+        </p:nvSpPr>
+        <p:spPr>
+          <a:xfrm>
+            <a:off x="3256695" y="594057"/>
+            <a:ext cx="467416" cy="197392"/>
+          </a:xfrm>
+          <a:prstGeom prst="rect">
+            <a:avLst/>
+          </a:prstGeom>
+          <a:ln w="19050">
+            <a:solidFill>
+              <a:srgbClr val="7030A0"/>
+            </a:solidFill>
+          </a:ln>
+          <a:effectLst/>
+        </p:spPr>
+        <p:style>
+          <a:lnRef idx="1">
+            <a:schemeClr val="accent4"/>
+          </a:lnRef>
+          <a:fillRef idx="2">
+            <a:schemeClr val="accent4"/>
+          </a:fillRef>
+          <a:effectRef idx="1">
+            <a:schemeClr val="accent4"/>
+          </a:effectRef>
+          <a:fontRef idx="minor">
+            <a:schemeClr val="dk1"/>
+          </a:fontRef>
+        </p:style>
+        <p:txBody>
+          <a:bodyPr rtlCol="0" anchor="ctr"/>
+          <a:lstStyle/>
+          <a:p>
+            <a:pPr algn="ctr"/>
+            <a:r>
+              <a:rPr lang="en-SG" sz="1050" dirty="0" smtClean="0">
+                <a:solidFill>
+                  <a:srgbClr val="7030A0"/>
+                </a:solidFill>
+              </a:rPr>
+              <a:t>Time</a:t>
+            </a:r>
+            <a:endParaRPr lang="en-SG" sz="1050" dirty="0">
+              <a:solidFill>
+                <a:srgbClr val="7030A0"/>
+              </a:solidFill>
+            </a:endParaRPr>
+          </a:p>
+        </p:txBody>
+      </p:sp>
+      <p:cxnSp>
+        <p:nvCxnSpPr>
+          <p:cNvPr id="241" name="Elbow Connector 240"/>
+          <p:cNvCxnSpPr>
+            <a:stCxn id="233" idx="1"/>
+            <a:endCxn id="240" idx="3"/>
+          </p:cNvCxnSpPr>
+          <p:nvPr/>
+        </p:nvCxnSpPr>
+        <p:spPr>
+          <a:xfrm rot="10800000">
+            <a:off x="3724111" y="692753"/>
+            <a:ext cx="436346" cy="38160"/>
+          </a:xfrm>
+          <a:prstGeom prst="bentConnector3">
+            <a:avLst/>
+          </a:prstGeom>
+          <a:ln w="19050">
+            <a:solidFill>
+              <a:srgbClr val="7030A0"/>
+            </a:solidFill>
+            <a:headEnd type="none" w="med" len="med"/>
+            <a:tailEnd type="arrow" w="med" len="med"/>
+          </a:ln>
+          <a:effectLst/>
+        </p:spPr>
+        <p:style>
+          <a:lnRef idx="1">
+            <a:schemeClr val="accent2"/>
+          </a:lnRef>
+          <a:fillRef idx="2">
+            <a:schemeClr val="accent2"/>
+          </a:fillRef>
+          <a:effectRef idx="1">
+            <a:schemeClr val="accent2"/>
+          </a:effectRef>
+          <a:fontRef idx="minor">
+            <a:schemeClr val="dk1"/>
+          </a:fontRef>
+        </p:style>
+      </p:cxnSp>
+      <p:cxnSp>
+        <p:nvCxnSpPr>
+          <p:cNvPr id="244" name="Elbow Connector 243"/>
+          <p:cNvCxnSpPr>
+            <a:stCxn id="234" idx="1"/>
+            <a:endCxn id="245" idx="3"/>
+          </p:cNvCxnSpPr>
+          <p:nvPr/>
+        </p:nvCxnSpPr>
+        <p:spPr>
+          <a:xfrm rot="10800000">
+            <a:off x="3724112" y="1014026"/>
+            <a:ext cx="436318" cy="190400"/>
+          </a:xfrm>
+          <a:prstGeom prst="bentConnector3">
+            <a:avLst/>
+          </a:prstGeom>
+          <a:ln w="19050">
+            <a:solidFill>
+              <a:srgbClr val="7030A0"/>
+            </a:solidFill>
+            <a:headEnd type="none" w="med" len="med"/>
+            <a:tailEnd type="arrow" w="med" len="med"/>
+          </a:ln>
+          <a:effectLst/>
+        </p:spPr>
+        <p:style>
+          <a:lnRef idx="1">
+            <a:schemeClr val="accent2"/>
+          </a:lnRef>
+          <a:fillRef idx="2">
+            <a:schemeClr val="accent2"/>
+          </a:fillRef>
+          <a:effectRef idx="1">
+            <a:schemeClr val="accent2"/>
+          </a:effectRef>
+          <a:fontRef idx="minor">
+            <a:schemeClr val="dk1"/>
+          </a:fontRef>
+        </p:style>
+      </p:cxnSp>
+      <p:sp>
+        <p:nvSpPr>
+          <p:cNvPr id="245" name="Rectangle 8"/>
+          <p:cNvSpPr/>
+          <p:nvPr/>
+        </p:nvSpPr>
+        <p:spPr>
+          <a:xfrm>
+            <a:off x="3256696" y="915330"/>
+            <a:ext cx="467416" cy="197392"/>
+          </a:xfrm>
+          <a:prstGeom prst="rect">
+            <a:avLst/>
+          </a:prstGeom>
+          <a:ln w="19050">
+            <a:solidFill>
+              <a:srgbClr val="7030A0"/>
+            </a:solidFill>
+          </a:ln>
+          <a:effectLst/>
+        </p:spPr>
+        <p:style>
+          <a:lnRef idx="1">
+            <a:schemeClr val="accent4"/>
+          </a:lnRef>
+          <a:fillRef idx="2">
+            <a:schemeClr val="accent4"/>
+          </a:fillRef>
+          <a:effectRef idx="1">
+            <a:schemeClr val="accent4"/>
+          </a:effectRef>
+          <a:fontRef idx="minor">
+            <a:schemeClr val="dk1"/>
+          </a:fontRef>
+        </p:style>
+        <p:txBody>
+          <a:bodyPr rtlCol="0" anchor="ctr"/>
+          <a:lstStyle/>
+          <a:p>
+            <a:pPr algn="ctr"/>
+            <a:r>
+              <a:rPr lang="en-SG" sz="1050" dirty="0" smtClean="0">
+                <a:solidFill>
+                  <a:srgbClr val="7030A0"/>
+                </a:solidFill>
+              </a:rPr>
+              <a:t>Date</a:t>
+            </a:r>
+            <a:endParaRPr lang="en-SG" sz="1050" dirty="0">
+              <a:solidFill>
+                <a:srgbClr val="7030A0"/>
+              </a:solidFill>
+            </a:endParaRPr>
+          </a:p>
+        </p:txBody>
+      </p:sp>
+      <p:sp>
+        <p:nvSpPr>
+          <p:cNvPr id="246" name="Rectangle 8"/>
+          <p:cNvSpPr/>
+          <p:nvPr/>
+        </p:nvSpPr>
+        <p:spPr>
+          <a:xfrm>
+            <a:off x="3256696" y="1150882"/>
+            <a:ext cx="467416" cy="197392"/>
+          </a:xfrm>
+          <a:prstGeom prst="rect">
+            <a:avLst/>
+          </a:prstGeom>
+          <a:ln w="19050">
+            <a:solidFill>
+              <a:srgbClr val="7030A0"/>
+            </a:solidFill>
+          </a:ln>
+          <a:effectLst/>
+        </p:spPr>
+        <p:style>
+          <a:lnRef idx="1">
+            <a:schemeClr val="accent4"/>
+          </a:lnRef>
+          <a:fillRef idx="2">
+            <a:schemeClr val="accent4"/>
+          </a:fillRef>
+          <a:effectRef idx="1">
+            <a:schemeClr val="accent4"/>
+          </a:effectRef>
+          <a:fontRef idx="minor">
+            <a:schemeClr val="dk1"/>
+          </a:fontRef>
+        </p:style>
+        <p:txBody>
+          <a:bodyPr rtlCol="0" anchor="ctr"/>
+          <a:lstStyle/>
+          <a:p>
+            <a:pPr algn="ctr"/>
+            <a:r>
+              <a:rPr lang="en-SG" sz="1050" dirty="0" smtClean="0">
+                <a:solidFill>
+                  <a:srgbClr val="7030A0"/>
+                </a:solidFill>
+              </a:rPr>
+              <a:t>Time</a:t>
+            </a:r>
+            <a:endParaRPr lang="en-SG" sz="1050" dirty="0">
+              <a:solidFill>
+                <a:srgbClr val="7030A0"/>
+              </a:solidFill>
+            </a:endParaRPr>
+          </a:p>
+        </p:txBody>
+      </p:sp>
+      <p:cxnSp>
+        <p:nvCxnSpPr>
+          <p:cNvPr id="247" name="Elbow Connector 246"/>
+          <p:cNvCxnSpPr>
+            <a:stCxn id="234" idx="1"/>
+            <a:endCxn id="246" idx="3"/>
+          </p:cNvCxnSpPr>
+          <p:nvPr/>
+        </p:nvCxnSpPr>
+        <p:spPr>
+          <a:xfrm rot="10800000" flipV="1">
+            <a:off x="3724112" y="1204426"/>
+            <a:ext cx="436318" cy="45152"/>
+          </a:xfrm>
+          <a:prstGeom prst="bentConnector3">
+            <a:avLst/>
+          </a:prstGeom>
+          <a:ln w="19050">
+            <a:solidFill>
+              <a:srgbClr val="7030A0"/>
+            </a:solidFill>
+            <a:headEnd type="none" w="med" len="med"/>
+            <a:tailEnd type="arrow" w="med" len="med"/>
+          </a:ln>
+          <a:effectLst/>
+        </p:spPr>
+        <p:style>
+          <a:lnRef idx="1">
+            <a:schemeClr val="accent2"/>
+          </a:lnRef>
+          <a:fillRef idx="2">
+            <a:schemeClr val="accent2"/>
+          </a:fillRef>
+          <a:effectRef idx="1">
+            <a:schemeClr val="accent2"/>
+          </a:effectRef>
+          <a:fontRef idx="minor">
+            <a:schemeClr val="dk1"/>
+          </a:fontRef>
+        </p:style>
+      </p:cxnSp>
+      <p:sp>
+        <p:nvSpPr>
+          <p:cNvPr id="253" name="Flowchart: Decision 96"/>
+          <p:cNvSpPr/>
+          <p:nvPr/>
+        </p:nvSpPr>
+        <p:spPr>
+          <a:xfrm>
+            <a:off x="6938168" y="4442094"/>
+            <a:ext cx="236048" cy="173380"/>
+          </a:xfrm>
+          <a:prstGeom prst="flowChartDecision">
+            <a:avLst/>
+          </a:prstGeom>
+          <a:solidFill>
+            <a:srgbClr val="7030A0"/>
+          </a:solidFill>
+          <a:ln w="19050">
+            <a:solidFill>
+              <a:srgbClr val="7030A0"/>
+            </a:solidFill>
+          </a:ln>
+          <a:effectLst/>
+        </p:spPr>
+        <p:style>
+          <a:lnRef idx="1">
+            <a:schemeClr val="accent6"/>
+          </a:lnRef>
+          <a:fillRef idx="2">
+            <a:schemeClr val="accent6"/>
+          </a:fillRef>
+          <a:effectRef idx="1">
+            <a:schemeClr val="accent6"/>
+          </a:effectRef>
+          <a:fontRef idx="minor">
+            <a:schemeClr val="dk1"/>
+          </a:fontRef>
+        </p:style>
+        <p:txBody>
+          <a:bodyPr rtlCol="0" anchor="ctr"/>
+          <a:lstStyle/>
+          <a:p>
+            <a:pPr algn="ctr"/>
+            <a:endParaRPr lang="en-US" sz="1050"/>
+          </a:p>
+        </p:txBody>
+      </p:sp>
     </p:spTree>
     <p:extLst>
       <p:ext uri="{BB962C8B-B14F-4D97-AF65-F5344CB8AC3E}">
@@ -15557,7 +17216,7 @@
                   <a:schemeClr val="bg1"/>
                 </a:solidFill>
               </a:rPr>
-              <a:t>AddressBookStorage</a:t>
+              <a:t>TaskBookStorage</a:t>
             </a:r>
             <a:endParaRPr lang="en-SG" sz="1050" dirty="0">
               <a:solidFill>
@@ -16130,7 +17789,7 @@
                   </a:schemeClr>
                 </a:solidFill>
               </a:rPr>
-              <a:t>XmlAddressBook</a:t>
+              <a:t>XmlTaskBook</a:t>
             </a:r>
             <a:r>
               <a:rPr lang="en-US" sz="1050" b="1" dirty="0" smtClean="0">
@@ -16603,7 +18262,17 @@
                   </a:schemeClr>
                 </a:solidFill>
               </a:rPr>
-              <a:t>AddressBook</a:t>
+              <a:t>Task</a:t>
+            </a:r>
+            <a:r>
+              <a:rPr lang="en-US" sz="1050" b="1" dirty="0" err="1" smtClean="0">
+                <a:solidFill>
+                  <a:schemeClr val="accent6">
+                    <a:lumMod val="75000"/>
+                  </a:schemeClr>
+                </a:solidFill>
+              </a:rPr>
+              <a:t>Book</a:t>
             </a:r>
             <a:endParaRPr lang="en-SG" sz="1050" b="1" dirty="0">
               <a:solidFill>
@@ -16756,7 +18425,7 @@
                   </a:schemeClr>
                 </a:solidFill>
               </a:rPr>
-              <a:t>XmlAdaptedPerson</a:t>
+              <a:t>XmlAdaptedTask</a:t>
             </a:r>
             <a:endParaRPr lang="en-SG" sz="1050" b="1" dirty="0">
               <a:solidFill>

--- a/docs/diagrams/Diagrams.pptx
+++ b/docs/diagrams/Diagrams.pptx
@@ -5761,15 +5761,7 @@
                   <a:srgbClr val="7030A0"/>
                 </a:solidFill>
               </a:rPr>
-              <a:t>(p</a:t>
-            </a:r>
-            <a:r>
-              <a:rPr lang="en-US" sz="1400" dirty="0" smtClean="0">
-                <a:solidFill>
-                  <a:srgbClr val="7030A0"/>
-                </a:solidFill>
-              </a:rPr>
-              <a:t>)</a:t>
+              <a:t>(p)</a:t>
             </a:r>
             <a:endParaRPr lang="en-US" sz="1400" dirty="0">
               <a:solidFill>
@@ -6405,13 +6397,6 @@
               </a:rPr>
               <a:t>)</a:t>
             </a:r>
-            <a:endParaRPr lang="en-US" sz="1400" dirty="0">
-              <a:solidFill>
-                <a:schemeClr val="accent5">
-                  <a:lumMod val="75000"/>
-                </a:schemeClr>
-              </a:solidFill>
-            </a:endParaRPr>
           </a:p>
         </p:txBody>
       </p:sp>
@@ -8142,14 +8127,14 @@
           <a:p>
             <a:pPr algn="ctr"/>
             <a:r>
-              <a:rPr lang="en-US" sz="1050" b="1" dirty="0" err="1">
+              <a:rPr lang="en-US" sz="1050" b="1" dirty="0" err="1" smtClean="0">
                 <a:solidFill>
                   <a:schemeClr val="accent3">
                     <a:lumMod val="75000"/>
                   </a:schemeClr>
                 </a:solidFill>
               </a:rPr>
-              <a:t>PersonListPanel</a:t>
+              <a:t>TaskListPanel</a:t>
             </a:r>
             <a:endParaRPr lang="en-SG" sz="1050" b="1" dirty="0">
               <a:solidFill>
@@ -8202,14 +8187,14 @@
           <a:p>
             <a:pPr algn="ctr"/>
             <a:r>
-              <a:rPr lang="en-US" sz="1050" b="1" dirty="0" err="1">
+              <a:rPr lang="en-US" sz="1050" b="1" dirty="0" err="1" smtClean="0">
                 <a:solidFill>
                   <a:schemeClr val="accent3">
                     <a:lumMod val="75000"/>
                   </a:schemeClr>
                 </a:solidFill>
               </a:rPr>
-              <a:t>PersonCard</a:t>
+              <a:t>TaskCard</a:t>
             </a:r>
             <a:endParaRPr lang="en-SG" sz="1050" b="1" dirty="0">
               <a:solidFill>
@@ -12812,15 +12797,7 @@
                   <a:srgbClr val="7030A0"/>
                 </a:solidFill>
               </a:rPr>
-              <a:t>(p</a:t>
-            </a:r>
-            <a:r>
-              <a:rPr lang="en-US" dirty="0" smtClean="0">
-                <a:solidFill>
-                  <a:srgbClr val="7030A0"/>
-                </a:solidFill>
-              </a:rPr>
-              <a:t>)</a:t>
+              <a:t>(p)</a:t>
             </a:r>
             <a:endParaRPr lang="en-US" dirty="0">
               <a:solidFill>
@@ -14336,15 +14313,7 @@
                   <a:srgbClr val="7030A0"/>
                 </a:solidFill>
               </a:rPr>
-              <a:t>Floating</a:t>
-            </a:r>
-            <a:r>
-              <a:rPr lang="en-US" sz="1000" dirty="0" err="1" smtClean="0">
-                <a:solidFill>
-                  <a:srgbClr val="7030A0"/>
-                </a:solidFill>
-              </a:rPr>
-              <a:t>Task</a:t>
+              <a:t>FloatingTask</a:t>
             </a:r>
             <a:endParaRPr lang="en-SG" sz="1000" dirty="0">
               <a:solidFill>
@@ -18262,17 +18231,7 @@
                   </a:schemeClr>
                 </a:solidFill>
               </a:rPr>
-              <a:t>Task</a:t>
-            </a:r>
-            <a:r>
-              <a:rPr lang="en-US" sz="1050" b="1" dirty="0" err="1" smtClean="0">
-                <a:solidFill>
-                  <a:schemeClr val="accent6">
-                    <a:lumMod val="75000"/>
-                  </a:schemeClr>
-                </a:solidFill>
-              </a:rPr>
-              <a:t>Book</a:t>
+              <a:t>TaskBook</a:t>
             </a:r>
             <a:endParaRPr lang="en-SG" sz="1050" b="1" dirty="0">
               <a:solidFill>

--- a/docs/diagrams/Diagrams.pptx
+++ b/docs/diagrams/Diagrams.pptx
@@ -4262,101 +4262,6 @@
           </a:p>
         </p:txBody>
       </p:sp>
-      <p:sp>
-        <p:nvSpPr>
-          <p:cNvPr id="51" name="Cloud 50"/>
-          <p:cNvSpPr/>
-          <p:nvPr/>
-        </p:nvSpPr>
-        <p:spPr>
-          <a:xfrm>
-            <a:off x="2650069" y="1447800"/>
-            <a:ext cx="914400" cy="533400"/>
-          </a:xfrm>
-          <a:prstGeom prst="cloud">
-            <a:avLst/>
-          </a:prstGeom>
-          <a:solidFill>
-            <a:schemeClr val="bg1"/>
-          </a:solidFill>
-          <a:ln>
-            <a:solidFill>
-              <a:schemeClr val="tx1"/>
-            </a:solidFill>
-          </a:ln>
-        </p:spPr>
-        <p:style>
-          <a:lnRef idx="2">
-            <a:schemeClr val="accent1">
-              <a:shade val="50000"/>
-            </a:schemeClr>
-          </a:lnRef>
-          <a:fillRef idx="1">
-            <a:schemeClr val="accent1"/>
-          </a:fillRef>
-          <a:effectRef idx="0">
-            <a:schemeClr val="accent1"/>
-          </a:effectRef>
-          <a:fontRef idx="minor">
-            <a:schemeClr val="lt1"/>
-          </a:fontRef>
-        </p:style>
-        <p:txBody>
-          <a:bodyPr rtlCol="0" anchor="ctr"/>
-          <a:lstStyle/>
-          <a:p>
-            <a:pPr algn="ctr"/>
-            <a:r>
-              <a:rPr lang="en-US" sz="1400" dirty="0">
-                <a:solidFill>
-                  <a:schemeClr val="tx1"/>
-                </a:solidFill>
-              </a:rPr>
-              <a:t>Web</a:t>
-            </a:r>
-          </a:p>
-        </p:txBody>
-      </p:sp>
-      <p:cxnSp>
-        <p:nvCxnSpPr>
-          <p:cNvPr id="52" name="Elbow Connector 51"/>
-          <p:cNvCxnSpPr>
-            <a:stCxn id="2" idx="0"/>
-            <a:endCxn id="51" idx="2"/>
-          </p:cNvCxnSpPr>
-          <p:nvPr/>
-        </p:nvCxnSpPr>
-        <p:spPr>
-          <a:xfrm rot="5400000" flipH="1" flipV="1">
-            <a:off x="2222648" y="1760922"/>
-            <a:ext cx="476678" cy="383835"/>
-          </a:xfrm>
-          <a:prstGeom prst="bentConnector2">
-            <a:avLst/>
-          </a:prstGeom>
-          <a:ln w="28575">
-            <a:solidFill>
-              <a:srgbClr val="00B050"/>
-            </a:solidFill>
-            <a:prstDash val="sysDot"/>
-            <a:tailEnd type="arrow"/>
-          </a:ln>
-        </p:spPr>
-        <p:style>
-          <a:lnRef idx="1">
-            <a:schemeClr val="accent1"/>
-          </a:lnRef>
-          <a:fillRef idx="0">
-            <a:schemeClr val="accent1"/>
-          </a:fillRef>
-          <a:effectRef idx="0">
-            <a:schemeClr val="accent1"/>
-          </a:effectRef>
-          <a:fontRef idx="minor">
-            <a:schemeClr val="tx1"/>
-          </a:fontRef>
-        </p:style>
-      </p:cxnSp>
       <p:sp>
         <p:nvSpPr>
           <p:cNvPr id="23" name="Rectangle 62"/>

--- a/docs/diagrams/Diagrams.pptx
+++ b/docs/diagrams/Diagrams.pptx
@@ -5,7 +5,7 @@
     <p:sldMasterId id="2147483648" r:id="rId1"/>
   </p:sldMasterIdLst>
   <p:notesMasterIdLst>
-    <p:notesMasterId r:id="rId11"/>
+    <p:notesMasterId r:id="rId10"/>
   </p:notesMasterIdLst>
   <p:sldIdLst>
     <p:sldId id="256" r:id="rId2"/>
@@ -16,7 +16,6 @@
     <p:sldId id="267" r:id="rId7"/>
     <p:sldId id="263" r:id="rId8"/>
     <p:sldId id="264" r:id="rId9"/>
-    <p:sldId id="265" r:id="rId10"/>
   </p:sldIdLst>
   <p:sldSz cx="9144000" cy="6858000" type="screen4x3"/>
   <p:notesSz cx="6858000" cy="9144000"/>
@@ -115,6 +114,22 @@
       </a:defRPr>
     </a:lvl9pPr>
   </p:defaultTextStyle>
+  <p:extLst>
+    <p:ext uri="{EFAFB233-063F-42B5-8137-9DF3F51BA10A}">
+      <p15:sldGuideLst xmlns:p15="http://schemas.microsoft.com/office/powerpoint/2012/main">
+        <p15:guide id="1" orient="horz" pos="1488">
+          <p15:clr>
+            <a:srgbClr val="A4A3A4"/>
+          </p15:clr>
+        </p15:guide>
+        <p15:guide id="2" pos="2880">
+          <p15:clr>
+            <a:srgbClr val="A4A3A4"/>
+          </p15:clr>
+        </p15:guide>
+      </p15:sldGuideLst>
+    </p:ext>
+  </p:extLst>
 </p:presentation>
 </file>
 
@@ -200,7 +215,7 @@
           <a:p>
             <a:fld id="{F5CC4B3F-88C1-4FFA-B1B6-F41C21DC6924}" type="datetimeFigureOut">
               <a:rPr lang="en-US" smtClean="0"/>
-              <a:t>9/30/2016</a:t>
+              <a:t>10/18/16</a:t>
             </a:fld>
             <a:endParaRPr lang="en-US"/>
           </a:p>
@@ -649,7 +664,7 @@
           <a:p>
             <a:fld id="{78C97017-6FC3-485B-9764-EAC9E56C1D49}" type="datetimeFigureOut">
               <a:rPr lang="en-US" smtClean="0"/>
-              <a:t>9/30/2016</a:t>
+              <a:t>10/18/16</a:t>
             </a:fld>
             <a:endParaRPr lang="en-US"/>
           </a:p>
@@ -819,7 +834,7 @@
           <a:p>
             <a:fld id="{78C97017-6FC3-485B-9764-EAC9E56C1D49}" type="datetimeFigureOut">
               <a:rPr lang="en-US" smtClean="0"/>
-              <a:t>9/30/2016</a:t>
+              <a:t>10/18/16</a:t>
             </a:fld>
             <a:endParaRPr lang="en-US"/>
           </a:p>
@@ -999,7 +1014,7 @@
           <a:p>
             <a:fld id="{78C97017-6FC3-485B-9764-EAC9E56C1D49}" type="datetimeFigureOut">
               <a:rPr lang="en-US" smtClean="0"/>
-              <a:t>9/30/2016</a:t>
+              <a:t>10/18/16</a:t>
             </a:fld>
             <a:endParaRPr lang="en-US"/>
           </a:p>
@@ -1169,7 +1184,7 @@
           <a:p>
             <a:fld id="{78C97017-6FC3-485B-9764-EAC9E56C1D49}" type="datetimeFigureOut">
               <a:rPr lang="en-US" smtClean="0"/>
-              <a:t>9/30/2016</a:t>
+              <a:t>10/18/16</a:t>
             </a:fld>
             <a:endParaRPr lang="en-US"/>
           </a:p>
@@ -1415,7 +1430,7 @@
           <a:p>
             <a:fld id="{78C97017-6FC3-485B-9764-EAC9E56C1D49}" type="datetimeFigureOut">
               <a:rPr lang="en-US" smtClean="0"/>
-              <a:t>9/30/2016</a:t>
+              <a:t>10/18/16</a:t>
             </a:fld>
             <a:endParaRPr lang="en-US"/>
           </a:p>
@@ -1703,7 +1718,7 @@
           <a:p>
             <a:fld id="{78C97017-6FC3-485B-9764-EAC9E56C1D49}" type="datetimeFigureOut">
               <a:rPr lang="en-US" smtClean="0"/>
-              <a:t>9/30/2016</a:t>
+              <a:t>10/18/16</a:t>
             </a:fld>
             <a:endParaRPr lang="en-US"/>
           </a:p>
@@ -2125,7 +2140,7 @@
           <a:p>
             <a:fld id="{78C97017-6FC3-485B-9764-EAC9E56C1D49}" type="datetimeFigureOut">
               <a:rPr lang="en-US" smtClean="0"/>
-              <a:t>9/30/2016</a:t>
+              <a:t>10/18/16</a:t>
             </a:fld>
             <a:endParaRPr lang="en-US"/>
           </a:p>
@@ -2243,7 +2258,7 @@
           <a:p>
             <a:fld id="{78C97017-6FC3-485B-9764-EAC9E56C1D49}" type="datetimeFigureOut">
               <a:rPr lang="en-US" smtClean="0"/>
-              <a:t>9/30/2016</a:t>
+              <a:t>10/18/16</a:t>
             </a:fld>
             <a:endParaRPr lang="en-US"/>
           </a:p>
@@ -2338,7 +2353,7 @@
           <a:p>
             <a:fld id="{78C97017-6FC3-485B-9764-EAC9E56C1D49}" type="datetimeFigureOut">
               <a:rPr lang="en-US" smtClean="0"/>
-              <a:t>9/30/2016</a:t>
+              <a:t>10/18/16</a:t>
             </a:fld>
             <a:endParaRPr lang="en-US"/>
           </a:p>
@@ -2615,7 +2630,7 @@
           <a:p>
             <a:fld id="{78C97017-6FC3-485B-9764-EAC9E56C1D49}" type="datetimeFigureOut">
               <a:rPr lang="en-US" smtClean="0"/>
-              <a:t>9/30/2016</a:t>
+              <a:t>10/18/16</a:t>
             </a:fld>
             <a:endParaRPr lang="en-US"/>
           </a:p>
@@ -2868,7 +2883,7 @@
           <a:p>
             <a:fld id="{78C97017-6FC3-485B-9764-EAC9E56C1D49}" type="datetimeFigureOut">
               <a:rPr lang="en-US" smtClean="0"/>
-              <a:t>9/30/2016</a:t>
+              <a:t>10/18/16</a:t>
             </a:fld>
             <a:endParaRPr lang="en-US"/>
           </a:p>
@@ -2933,9 +2948,14 @@
 <p:sldMaster xmlns:a="http://schemas.openxmlformats.org/drawingml/2006/main" xmlns:r="http://schemas.openxmlformats.org/officeDocument/2006/relationships" xmlns:p="http://schemas.openxmlformats.org/presentationml/2006/main">
   <p:cSld>
     <p:bg>
-      <p:bgRef idx="1001">
-        <a:schemeClr val="bg1"/>
-      </p:bgRef>
+      <p:bgPr>
+        <a:solidFill>
+          <a:schemeClr val="bg1">
+            <a:alpha val="0"/>
+          </a:schemeClr>
+        </a:solidFill>
+        <a:effectLst/>
+      </p:bgPr>
     </p:bg>
     <p:spTree>
       <p:nvGrpSpPr>
@@ -3081,7 +3101,7 @@
           <a:p>
             <a:fld id="{78C97017-6FC3-485B-9764-EAC9E56C1D49}" type="datetimeFigureOut">
               <a:rPr lang="en-US" smtClean="0"/>
-              <a:t>9/30/2016</a:t>
+              <a:t>10/18/16</a:t>
             </a:fld>
             <a:endParaRPr lang="en-US"/>
           </a:p>
@@ -3472,12 +3492,8 @@
           <a:lstStyle/>
           <a:p>
             <a:r>
-              <a:rPr lang="en-US" dirty="0" err="1" smtClean="0"/>
-              <a:t>AddressBook</a:t>
-            </a:r>
-            <a:r>
               <a:rPr lang="en-US" dirty="0" smtClean="0"/>
-              <a:t> – Level 4</a:t>
+              <a:t>TUSK</a:t>
             </a:r>
             <a:endParaRPr lang="en-US" dirty="0"/>
           </a:p>
@@ -4262,101 +4278,6 @@
           </a:p>
         </p:txBody>
       </p:sp>
-      <p:sp>
-        <p:nvSpPr>
-          <p:cNvPr id="51" name="Cloud 50"/>
-          <p:cNvSpPr/>
-          <p:nvPr/>
-        </p:nvSpPr>
-        <p:spPr>
-          <a:xfrm>
-            <a:off x="2650069" y="1447800"/>
-            <a:ext cx="914400" cy="533400"/>
-          </a:xfrm>
-          <a:prstGeom prst="cloud">
-            <a:avLst/>
-          </a:prstGeom>
-          <a:solidFill>
-            <a:schemeClr val="bg1"/>
-          </a:solidFill>
-          <a:ln>
-            <a:solidFill>
-              <a:schemeClr val="tx1"/>
-            </a:solidFill>
-          </a:ln>
-        </p:spPr>
-        <p:style>
-          <a:lnRef idx="2">
-            <a:schemeClr val="accent1">
-              <a:shade val="50000"/>
-            </a:schemeClr>
-          </a:lnRef>
-          <a:fillRef idx="1">
-            <a:schemeClr val="accent1"/>
-          </a:fillRef>
-          <a:effectRef idx="0">
-            <a:schemeClr val="accent1"/>
-          </a:effectRef>
-          <a:fontRef idx="minor">
-            <a:schemeClr val="lt1"/>
-          </a:fontRef>
-        </p:style>
-        <p:txBody>
-          <a:bodyPr rtlCol="0" anchor="ctr"/>
-          <a:lstStyle/>
-          <a:p>
-            <a:pPr algn="ctr"/>
-            <a:r>
-              <a:rPr lang="en-US" sz="1400" dirty="0">
-                <a:solidFill>
-                  <a:schemeClr val="tx1"/>
-                </a:solidFill>
-              </a:rPr>
-              <a:t>Web</a:t>
-            </a:r>
-          </a:p>
-        </p:txBody>
-      </p:sp>
-      <p:cxnSp>
-        <p:nvCxnSpPr>
-          <p:cNvPr id="52" name="Elbow Connector 51"/>
-          <p:cNvCxnSpPr>
-            <a:stCxn id="2" idx="0"/>
-            <a:endCxn id="51" idx="2"/>
-          </p:cNvCxnSpPr>
-          <p:nvPr/>
-        </p:nvCxnSpPr>
-        <p:spPr>
-          <a:xfrm rot="5400000" flipH="1" flipV="1">
-            <a:off x="2222648" y="1760922"/>
-            <a:ext cx="476678" cy="383835"/>
-          </a:xfrm>
-          <a:prstGeom prst="bentConnector2">
-            <a:avLst/>
-          </a:prstGeom>
-          <a:ln w="28575">
-            <a:solidFill>
-              <a:srgbClr val="00B050"/>
-            </a:solidFill>
-            <a:prstDash val="sysDot"/>
-            <a:tailEnd type="arrow"/>
-          </a:ln>
-        </p:spPr>
-        <p:style>
-          <a:lnRef idx="1">
-            <a:schemeClr val="accent1"/>
-          </a:lnRef>
-          <a:fillRef idx="0">
-            <a:schemeClr val="accent1"/>
-          </a:fillRef>
-          <a:effectRef idx="0">
-            <a:schemeClr val="accent1"/>
-          </a:effectRef>
-          <a:fontRef idx="minor">
-            <a:schemeClr val="tx1"/>
-          </a:fontRef>
-        </p:style>
-      </p:cxnSp>
       <p:sp>
         <p:nvSpPr>
           <p:cNvPr id="23" name="Rectangle 62"/>
@@ -5753,7 +5674,7 @@
                   <a:srgbClr val="7030A0"/>
                 </a:solidFill>
               </a:rPr>
-              <a:t>deletePerson</a:t>
+              <a:t>deleteTask</a:t>
             </a:r>
             <a:r>
               <a:rPr lang="en-US" sz="1400" dirty="0" smtClean="0">
@@ -5761,7 +5682,15 @@
                   <a:srgbClr val="7030A0"/>
                 </a:solidFill>
               </a:rPr>
-              <a:t>(p)</a:t>
+              <a:t>(p</a:t>
+            </a:r>
+            <a:r>
+              <a:rPr lang="en-US" sz="1400" dirty="0" smtClean="0">
+                <a:solidFill>
+                  <a:srgbClr val="7030A0"/>
+                </a:solidFill>
+              </a:rPr>
+              <a:t>)</a:t>
             </a:r>
             <a:endParaRPr lang="en-US" sz="1400" dirty="0">
               <a:solidFill>
@@ -5811,7 +5740,7 @@
                   </a:schemeClr>
                 </a:solidFill>
               </a:rPr>
-              <a:t>AddressBookChangedEvent</a:t>
+              <a:t>TaskManagerChangedEvent</a:t>
             </a:r>
             <a:r>
               <a:rPr lang="en-US" sz="1400" dirty="0" smtClean="0">
@@ -6385,7 +6314,7 @@
                   </a:schemeClr>
                 </a:solidFill>
               </a:rPr>
-              <a:t>AddressBookChangedEvent</a:t>
+              <a:t>TaskManagerChangedEvent</a:t>
             </a:r>
             <a:r>
               <a:rPr lang="en-US" sz="1400" dirty="0" smtClean="0">
@@ -6757,7 +6686,27 @@
                   </a:schemeClr>
                 </a:solidFill>
               </a:rPr>
-              <a:t>handleAddresssBookChangedEvent</a:t>
+              <a:t>handle</a:t>
+            </a:r>
+            <a:r>
+              <a:rPr lang="en-US" sz="1400" dirty="0" err="1">
+                <a:solidFill>
+                  <a:schemeClr val="accent6">
+                    <a:lumMod val="75000"/>
+                  </a:schemeClr>
+                </a:solidFill>
+              </a:rPr>
+              <a:t>TaskManager</a:t>
+            </a:r>
+            <a:r>
+              <a:rPr lang="en-US" sz="1400" dirty="0" err="1" smtClean="0">
+                <a:solidFill>
+                  <a:schemeClr val="accent6">
+                    <a:lumMod val="75000"/>
+                  </a:schemeClr>
+                </a:solidFill>
+              </a:rPr>
+              <a:t>ChangedEvent</a:t>
             </a:r>
             <a:r>
               <a:rPr lang="en-US" sz="1400" dirty="0" smtClean="0">
@@ -7068,7 +7017,7 @@
                   <a:srgbClr val="00B050"/>
                 </a:solidFill>
               </a:rPr>
-              <a:t>handleAddresssBookChangedEvent</a:t>
+              <a:t>handleTaskManagerChangedEvent</a:t>
             </a:r>
             <a:r>
               <a:rPr lang="en-US" sz="1400" dirty="0" smtClean="0">
@@ -7547,7 +7496,7 @@
         <p:spPr>
           <a:xfrm>
             <a:off x="1217465" y="1447800"/>
-            <a:ext cx="4917083" cy="3962400"/>
+            <a:ext cx="5030935" cy="4876800"/>
           </a:xfrm>
           <a:prstGeom prst="roundRect">
             <a:avLst>
@@ -7975,13 +7924,13 @@
       </p:sp>
       <p:sp>
         <p:nvSpPr>
-          <p:cNvPr id="34" name="Rectangle 11"/>
+          <p:cNvPr id="35" name="Rectangle 11"/>
           <p:cNvSpPr/>
           <p:nvPr/>
         </p:nvSpPr>
         <p:spPr>
           <a:xfrm>
-            <a:off x="2592528" y="3649359"/>
+            <a:off x="2592527" y="4495800"/>
             <a:ext cx="1093635" cy="236841"/>
           </a:xfrm>
           <a:prstGeom prst="rect">
@@ -8021,7 +7970,7 @@
                   </a:schemeClr>
                 </a:solidFill>
               </a:rPr>
-              <a:t>BrowserPanel</a:t>
+              <a:t>StatusBarFooter</a:t>
             </a:r>
             <a:endParaRPr lang="en-SG" sz="1050" b="1" dirty="0">
               <a:solidFill>
@@ -8035,13 +7984,13 @@
       </p:sp>
       <p:sp>
         <p:nvSpPr>
-          <p:cNvPr id="35" name="Rectangle 11"/>
+          <p:cNvPr id="36" name="Rectangle 11"/>
           <p:cNvSpPr/>
           <p:nvPr/>
         </p:nvSpPr>
         <p:spPr>
           <a:xfrm>
-            <a:off x="2592527" y="4563759"/>
+            <a:off x="2592526" y="3837252"/>
             <a:ext cx="1093635" cy="236841"/>
           </a:xfrm>
           <a:prstGeom prst="rect">
@@ -8074,14 +8023,14 @@
           <a:p>
             <a:pPr algn="ctr"/>
             <a:r>
-              <a:rPr lang="en-US" sz="1050" b="1" dirty="0" err="1">
+              <a:rPr lang="en-US" sz="1050" b="1" dirty="0" err="1" smtClean="0">
                 <a:solidFill>
                   <a:schemeClr val="accent3">
                     <a:lumMod val="75000"/>
                   </a:schemeClr>
                 </a:solidFill>
               </a:rPr>
-              <a:t>StatusBarFooter</a:t>
+              <a:t>TaskListPanel</a:t>
             </a:r>
             <a:endParaRPr lang="en-SG" sz="1050" b="1" dirty="0">
               <a:solidFill>
@@ -8095,14 +8044,14 @@
       </p:sp>
       <p:sp>
         <p:nvSpPr>
-          <p:cNvPr id="36" name="Rectangle 11"/>
+          <p:cNvPr id="37" name="Rectangle 11"/>
           <p:cNvSpPr/>
           <p:nvPr/>
         </p:nvSpPr>
         <p:spPr>
           <a:xfrm>
-            <a:off x="2592526" y="3991960"/>
-            <a:ext cx="1093635" cy="236841"/>
+            <a:off x="3839323" y="4074093"/>
+            <a:ext cx="1040906" cy="236841"/>
           </a:xfrm>
           <a:prstGeom prst="rect">
             <a:avLst/>
@@ -8134,14 +8083,14 @@
           <a:p>
             <a:pPr algn="ctr"/>
             <a:r>
-              <a:rPr lang="en-US" sz="1050" b="1" dirty="0" err="1">
+              <a:rPr lang="en-US" sz="1050" b="1" dirty="0" err="1" smtClean="0">
                 <a:solidFill>
                   <a:schemeClr val="accent3">
                     <a:lumMod val="75000"/>
                   </a:schemeClr>
                 </a:solidFill>
               </a:rPr>
-              <a:t>PersonListPanel</a:t>
+              <a:t>TaskCard</a:t>
             </a:r>
             <a:endParaRPr lang="en-SG" sz="1050" b="1" dirty="0">
               <a:solidFill>
@@ -8155,14 +8104,14 @@
       </p:sp>
       <p:sp>
         <p:nvSpPr>
-          <p:cNvPr id="37" name="Rectangle 11"/>
+          <p:cNvPr id="38" name="Rectangle 11"/>
           <p:cNvSpPr/>
           <p:nvPr/>
         </p:nvSpPr>
         <p:spPr>
           <a:xfrm>
-            <a:off x="3839323" y="4228801"/>
-            <a:ext cx="1040906" cy="236841"/>
+            <a:off x="2593674" y="4966001"/>
+            <a:ext cx="1093635" cy="236841"/>
           </a:xfrm>
           <a:prstGeom prst="rect">
             <a:avLst/>
@@ -8201,7 +8150,7 @@
                   </a:schemeClr>
                 </a:solidFill>
               </a:rPr>
-              <a:t>PersonCard</a:t>
+              <a:t>HelpWindow</a:t>
             </a:r>
             <a:endParaRPr lang="en-SG" sz="1050" b="1" dirty="0">
               <a:solidFill>
@@ -8215,14 +8164,103 @@
       </p:sp>
       <p:sp>
         <p:nvSpPr>
-          <p:cNvPr id="38" name="Rectangle 11"/>
+          <p:cNvPr id="39" name="Flowchart: Decision 38"/>
           <p:cNvSpPr/>
           <p:nvPr/>
         </p:nvSpPr>
         <p:spPr>
           <a:xfrm>
-            <a:off x="2592528" y="4966000"/>
-            <a:ext cx="1093635" cy="236841"/>
+            <a:off x="2324548" y="2706452"/>
+            <a:ext cx="183156" cy="161573"/>
+          </a:xfrm>
+          <a:prstGeom prst="flowChartDecision">
+            <a:avLst/>
+          </a:prstGeom>
+          <a:solidFill>
+            <a:schemeClr val="accent3"/>
+          </a:solidFill>
+          <a:ln>
+            <a:solidFill>
+              <a:schemeClr val="accent3"/>
+            </a:solidFill>
+          </a:ln>
+        </p:spPr>
+        <p:style>
+          <a:lnRef idx="2">
+            <a:schemeClr val="accent1">
+              <a:shade val="50000"/>
+            </a:schemeClr>
+          </a:lnRef>
+          <a:fillRef idx="1">
+            <a:schemeClr val="accent1"/>
+          </a:fillRef>
+          <a:effectRef idx="0">
+            <a:schemeClr val="accent1"/>
+          </a:effectRef>
+          <a:fontRef idx="minor">
+            <a:schemeClr val="lt1"/>
+          </a:fontRef>
+        </p:style>
+        <p:txBody>
+          <a:bodyPr rtlCol="0" anchor="ctr"/>
+          <a:lstStyle/>
+          <a:p>
+            <a:pPr algn="ctr"/>
+            <a:endParaRPr lang="en-SG"/>
+          </a:p>
+        </p:txBody>
+      </p:sp>
+      <p:cxnSp>
+        <p:nvCxnSpPr>
+          <p:cNvPr id="40" name="Elbow Connector 63"/>
+          <p:cNvCxnSpPr>
+            <a:stCxn id="39" idx="2"/>
+            <a:endCxn id="3" idx="1"/>
+          </p:cNvCxnSpPr>
+          <p:nvPr/>
+        </p:nvCxnSpPr>
+        <p:spPr>
+          <a:xfrm rot="16200000" flipH="1">
+            <a:off x="2289549" y="2994602"/>
+            <a:ext cx="429556" cy="176402"/>
+          </a:xfrm>
+          <a:prstGeom prst="bentConnector2">
+            <a:avLst/>
+          </a:prstGeom>
+          <a:ln w="19050">
+            <a:solidFill>
+              <a:schemeClr val="accent3"/>
+            </a:solidFill>
+            <a:headEnd type="none" w="med" len="med"/>
+            <a:tailEnd type="arrow" w="med" len="med"/>
+          </a:ln>
+          <a:effectLst/>
+        </p:spPr>
+        <p:style>
+          <a:lnRef idx="1">
+            <a:schemeClr val="accent2"/>
+          </a:lnRef>
+          <a:fillRef idx="2">
+            <a:schemeClr val="accent2"/>
+          </a:fillRef>
+          <a:effectRef idx="1">
+            <a:schemeClr val="accent2"/>
+          </a:effectRef>
+          <a:fontRef idx="minor">
+            <a:schemeClr val="dk1"/>
+          </a:fontRef>
+        </p:style>
+      </p:cxnSp>
+      <p:sp>
+        <p:nvSpPr>
+          <p:cNvPr id="43" name="Rectangle 11"/>
+          <p:cNvSpPr/>
+          <p:nvPr/>
+        </p:nvSpPr>
+        <p:spPr>
+          <a:xfrm>
+            <a:off x="3759694" y="3416961"/>
+            <a:ext cx="1040906" cy="236841"/>
           </a:xfrm>
           <a:prstGeom prst="rect">
             <a:avLst/>
@@ -8261,7 +8299,7 @@
                   </a:schemeClr>
                 </a:solidFill>
               </a:rPr>
-              <a:t>HelpWindow</a:t>
+              <a:t>ResultsDisplay</a:t>
             </a:r>
             <a:endParaRPr lang="en-SG" sz="1050" b="1" dirty="0">
               <a:solidFill>
@@ -8273,290 +8311,16 @@
           </a:p>
         </p:txBody>
       </p:sp>
-      <p:sp>
-        <p:nvSpPr>
-          <p:cNvPr id="39" name="Flowchart: Decision 38"/>
-          <p:cNvSpPr/>
-          <p:nvPr/>
-        </p:nvSpPr>
-        <p:spPr>
-          <a:xfrm>
-            <a:off x="2324548" y="2706452"/>
-            <a:ext cx="183156" cy="161573"/>
-          </a:xfrm>
-          <a:prstGeom prst="flowChartDecision">
-            <a:avLst/>
-          </a:prstGeom>
-          <a:solidFill>
-            <a:schemeClr val="accent3"/>
-          </a:solidFill>
-          <a:ln>
-            <a:solidFill>
-              <a:schemeClr val="accent3"/>
-            </a:solidFill>
-          </a:ln>
-        </p:spPr>
-        <p:style>
-          <a:lnRef idx="2">
-            <a:schemeClr val="accent1">
-              <a:shade val="50000"/>
-            </a:schemeClr>
-          </a:lnRef>
-          <a:fillRef idx="1">
-            <a:schemeClr val="accent1"/>
-          </a:fillRef>
-          <a:effectRef idx="0">
-            <a:schemeClr val="accent1"/>
-          </a:effectRef>
-          <a:fontRef idx="minor">
-            <a:schemeClr val="lt1"/>
-          </a:fontRef>
-        </p:style>
-        <p:txBody>
-          <a:bodyPr rtlCol="0" anchor="ctr"/>
-          <a:lstStyle/>
-          <a:p>
-            <a:pPr algn="ctr"/>
-            <a:endParaRPr lang="en-SG"/>
-          </a:p>
-        </p:txBody>
-      </p:sp>
-      <p:cxnSp>
-        <p:nvCxnSpPr>
-          <p:cNvPr id="40" name="Elbow Connector 63"/>
-          <p:cNvCxnSpPr>
-            <a:stCxn id="39" idx="2"/>
-            <a:endCxn id="3" idx="1"/>
-          </p:cNvCxnSpPr>
-          <p:nvPr/>
-        </p:nvCxnSpPr>
-        <p:spPr>
-          <a:xfrm rot="16200000" flipH="1">
-            <a:off x="2289549" y="2994602"/>
-            <a:ext cx="429556" cy="176402"/>
-          </a:xfrm>
-          <a:prstGeom prst="bentConnector2">
-            <a:avLst/>
-          </a:prstGeom>
-          <a:ln w="19050">
-            <a:solidFill>
-              <a:schemeClr val="accent3"/>
-            </a:solidFill>
-            <a:headEnd type="none" w="med" len="med"/>
-            <a:tailEnd type="arrow" w="med" len="med"/>
-          </a:ln>
-          <a:effectLst/>
-        </p:spPr>
-        <p:style>
-          <a:lnRef idx="1">
-            <a:schemeClr val="accent2"/>
-          </a:lnRef>
-          <a:fillRef idx="2">
-            <a:schemeClr val="accent2"/>
-          </a:fillRef>
-          <a:effectRef idx="1">
-            <a:schemeClr val="accent2"/>
-          </a:effectRef>
-          <a:fontRef idx="minor">
-            <a:schemeClr val="dk1"/>
-          </a:fontRef>
-        </p:style>
-      </p:cxnSp>
-      <p:sp>
-        <p:nvSpPr>
-          <p:cNvPr id="43" name="Rectangle 11"/>
-          <p:cNvSpPr/>
-          <p:nvPr/>
-        </p:nvSpPr>
-        <p:spPr>
-          <a:xfrm>
-            <a:off x="3759694" y="3416961"/>
-            <a:ext cx="1040906" cy="236841"/>
-          </a:xfrm>
-          <a:prstGeom prst="rect">
-            <a:avLst/>
-          </a:prstGeom>
-          <a:ln w="19050">
-            <a:solidFill>
-              <a:schemeClr val="accent3"/>
-            </a:solidFill>
-          </a:ln>
-          <a:effectLst/>
-        </p:spPr>
-        <p:style>
-          <a:lnRef idx="1">
-            <a:schemeClr val="accent3"/>
-          </a:lnRef>
-          <a:fillRef idx="2">
-            <a:schemeClr val="accent3"/>
-          </a:fillRef>
-          <a:effectRef idx="1">
-            <a:schemeClr val="accent3"/>
-          </a:effectRef>
-          <a:fontRef idx="minor">
-            <a:schemeClr val="dk1"/>
-          </a:fontRef>
-        </p:style>
-        <p:txBody>
-          <a:bodyPr rtlCol="0" anchor="ctr"/>
-          <a:lstStyle/>
-          <a:p>
-            <a:pPr algn="ctr"/>
-            <a:r>
-              <a:rPr lang="en-US" sz="1050" b="1" dirty="0" err="1">
-                <a:solidFill>
-                  <a:schemeClr val="accent3">
-                    <a:lumMod val="75000"/>
-                  </a:schemeClr>
-                </a:solidFill>
-              </a:rPr>
-              <a:t>ResultsDisplay</a:t>
-            </a:r>
-            <a:endParaRPr lang="en-SG" sz="1050" b="1" dirty="0">
-              <a:solidFill>
-                <a:schemeClr val="accent3">
-                  <a:lumMod val="75000"/>
-                </a:schemeClr>
-              </a:solidFill>
-            </a:endParaRPr>
-          </a:p>
-        </p:txBody>
-      </p:sp>
-      <p:cxnSp>
-        <p:nvCxnSpPr>
-          <p:cNvPr id="44" name="Elbow Connector 63"/>
-          <p:cNvCxnSpPr>
-            <a:stCxn id="39" idx="2"/>
-            <a:endCxn id="34" idx="1"/>
-          </p:cNvCxnSpPr>
-          <p:nvPr/>
-        </p:nvCxnSpPr>
-        <p:spPr>
-          <a:xfrm rot="16200000" flipH="1">
-            <a:off x="2054450" y="3229701"/>
-            <a:ext cx="899755" cy="176402"/>
-          </a:xfrm>
-          <a:prstGeom prst="bentConnector2">
-            <a:avLst/>
-          </a:prstGeom>
-          <a:ln w="19050">
-            <a:solidFill>
-              <a:schemeClr val="accent3"/>
-            </a:solidFill>
-            <a:headEnd type="none" w="med" len="med"/>
-            <a:tailEnd type="arrow" w="med" len="med"/>
-          </a:ln>
-          <a:effectLst/>
-        </p:spPr>
-        <p:style>
-          <a:lnRef idx="1">
-            <a:schemeClr val="accent2"/>
-          </a:lnRef>
-          <a:fillRef idx="2">
-            <a:schemeClr val="accent2"/>
-          </a:fillRef>
-          <a:effectRef idx="1">
-            <a:schemeClr val="accent2"/>
-          </a:effectRef>
-          <a:fontRef idx="minor">
-            <a:schemeClr val="dk1"/>
-          </a:fontRef>
-        </p:style>
-      </p:cxnSp>
       <p:cxnSp>
         <p:nvCxnSpPr>
           <p:cNvPr id="47" name="Elbow Connector 63"/>
-          <p:cNvCxnSpPr>
-            <a:stCxn id="39" idx="2"/>
-            <a:endCxn id="36" idx="1"/>
-          </p:cNvCxnSpPr>
+          <p:cNvCxnSpPr/>
           <p:nvPr/>
         </p:nvCxnSpPr>
         <p:spPr>
           <a:xfrm rot="16200000" flipH="1">
-            <a:off x="1883148" y="3401003"/>
+            <a:off x="1883148" y="3253022"/>
             <a:ext cx="1242356" cy="176400"/>
-          </a:xfrm>
-          <a:prstGeom prst="bentConnector2">
-            <a:avLst/>
-          </a:prstGeom>
-          <a:ln w="19050">
-            <a:solidFill>
-              <a:schemeClr val="accent3"/>
-            </a:solidFill>
-            <a:headEnd type="none" w="med" len="med"/>
-            <a:tailEnd type="arrow" w="med" len="med"/>
-          </a:ln>
-          <a:effectLst/>
-        </p:spPr>
-        <p:style>
-          <a:lnRef idx="1">
-            <a:schemeClr val="accent2"/>
-          </a:lnRef>
-          <a:fillRef idx="2">
-            <a:schemeClr val="accent2"/>
-          </a:fillRef>
-          <a:effectRef idx="1">
-            <a:schemeClr val="accent2"/>
-          </a:effectRef>
-          <a:fontRef idx="minor">
-            <a:schemeClr val="dk1"/>
-          </a:fontRef>
-        </p:style>
-      </p:cxnSp>
-      <p:cxnSp>
-        <p:nvCxnSpPr>
-          <p:cNvPr id="50" name="Elbow Connector 63"/>
-          <p:cNvCxnSpPr>
-            <a:stCxn id="39" idx="2"/>
-            <a:endCxn id="35" idx="1"/>
-          </p:cNvCxnSpPr>
-          <p:nvPr/>
-        </p:nvCxnSpPr>
-        <p:spPr>
-          <a:xfrm rot="16200000" flipH="1">
-            <a:off x="1597249" y="3686901"/>
-            <a:ext cx="1814155" cy="176401"/>
-          </a:xfrm>
-          <a:prstGeom prst="bentConnector2">
-            <a:avLst/>
-          </a:prstGeom>
-          <a:ln w="19050">
-            <a:solidFill>
-              <a:schemeClr val="accent3"/>
-            </a:solidFill>
-            <a:headEnd type="none" w="med" len="med"/>
-            <a:tailEnd type="arrow" w="med" len="med"/>
-          </a:ln>
-          <a:effectLst/>
-        </p:spPr>
-        <p:style>
-          <a:lnRef idx="1">
-            <a:schemeClr val="accent2"/>
-          </a:lnRef>
-          <a:fillRef idx="2">
-            <a:schemeClr val="accent2"/>
-          </a:fillRef>
-          <a:effectRef idx="1">
-            <a:schemeClr val="accent2"/>
-          </a:effectRef>
-          <a:fontRef idx="minor">
-            <a:schemeClr val="dk1"/>
-          </a:fontRef>
-        </p:style>
-      </p:cxnSp>
-      <p:cxnSp>
-        <p:nvCxnSpPr>
-          <p:cNvPr id="53" name="Elbow Connector 63"/>
-          <p:cNvCxnSpPr>
-            <a:endCxn id="38" idx="1"/>
-          </p:cNvCxnSpPr>
-          <p:nvPr/>
-        </p:nvCxnSpPr>
-        <p:spPr>
-          <a:xfrm rot="16200000" flipH="1">
-            <a:off x="1184119" y="3676012"/>
-            <a:ext cx="2396440" cy="420377"/>
           </a:xfrm>
           <a:prstGeom prst="bentConnector2">
             <a:avLst/>
@@ -8716,49 +8480,8 @@
         </p:nvCxnSpPr>
         <p:spPr>
           <a:xfrm rot="5400000">
-            <a:off x="4174488" y="2991741"/>
-            <a:ext cx="2061222" cy="649740"/>
-          </a:xfrm>
-          <a:prstGeom prst="bentConnector2">
-            <a:avLst/>
-          </a:prstGeom>
-          <a:ln w="6350">
-            <a:solidFill>
-              <a:schemeClr val="accent3"/>
-            </a:solidFill>
-            <a:headEnd type="none" w="med" len="med"/>
-            <a:tailEnd type="none" w="med" len="med"/>
-          </a:ln>
-          <a:effectLst/>
-        </p:spPr>
-        <p:style>
-          <a:lnRef idx="1">
-            <a:schemeClr val="accent2"/>
-          </a:lnRef>
-          <a:fillRef idx="2">
-            <a:schemeClr val="accent2"/>
-          </a:fillRef>
-          <a:effectRef idx="1">
-            <a:schemeClr val="accent2"/>
-          </a:effectRef>
-          <a:fontRef idx="minor">
-            <a:schemeClr val="dk1"/>
-          </a:fontRef>
-        </p:style>
-      </p:cxnSp>
-      <p:cxnSp>
-        <p:nvCxnSpPr>
-          <p:cNvPr id="82" name="Elbow Connector 63"/>
-          <p:cNvCxnSpPr>
-            <a:stCxn id="16" idx="3"/>
-            <a:endCxn id="34" idx="3"/>
-          </p:cNvCxnSpPr>
-          <p:nvPr/>
-        </p:nvCxnSpPr>
-        <p:spPr>
-          <a:xfrm rot="5400000">
-            <a:off x="3867176" y="2104987"/>
-            <a:ext cx="1481780" cy="1843806"/>
+            <a:off x="4251842" y="2914387"/>
+            <a:ext cx="1906514" cy="649740"/>
           </a:xfrm>
           <a:prstGeom prst="bentConnector2">
             <a:avLst/>
@@ -8832,15 +8555,14 @@
         <p:nvCxnSpPr>
           <p:cNvPr id="91" name="Elbow Connector 63"/>
           <p:cNvCxnSpPr>
-            <a:stCxn id="16" idx="3"/>
             <a:endCxn id="35" idx="3"/>
           </p:cNvCxnSpPr>
           <p:nvPr/>
         </p:nvCxnSpPr>
         <p:spPr>
           <a:xfrm rot="5400000">
-            <a:off x="3409976" y="2562187"/>
-            <a:ext cx="2396180" cy="1843807"/>
+            <a:off x="3451282" y="2535532"/>
+            <a:ext cx="2313569" cy="1843808"/>
           </a:xfrm>
           <a:prstGeom prst="bentConnector2">
             <a:avLst/>
@@ -8873,14 +8595,13 @@
         <p:nvCxnSpPr>
           <p:cNvPr id="94" name="Elbow Connector 63"/>
           <p:cNvCxnSpPr>
-            <a:stCxn id="16" idx="3"/>
             <a:endCxn id="38" idx="3"/>
           </p:cNvCxnSpPr>
           <p:nvPr/>
         </p:nvCxnSpPr>
         <p:spPr>
           <a:xfrm rot="5400000">
-            <a:off x="3208856" y="2763307"/>
+            <a:off x="3210002" y="2763308"/>
             <a:ext cx="2798421" cy="1843806"/>
           </a:xfrm>
           <a:prstGeom prst="bentConnector2">
@@ -9097,8 +8818,8 @@
         </p:nvSpPr>
         <p:spPr>
           <a:xfrm rot="16200000">
-            <a:off x="6213739" y="4560376"/>
-            <a:ext cx="1371599" cy="328045"/>
+            <a:off x="5756538" y="5017575"/>
+            <a:ext cx="2286002" cy="328045"/>
           </a:xfrm>
           <a:prstGeom prst="roundRect">
             <a:avLst/>
@@ -9402,7 +9123,7 @@
         </p:nvCxnSpPr>
         <p:spPr>
           <a:xfrm rot="16200000" flipH="1">
-            <a:off x="3430123" y="3938021"/>
+            <a:off x="3430123" y="3783313"/>
             <a:ext cx="118421" cy="699979"/>
           </a:xfrm>
           <a:prstGeom prst="bentConnector2">
@@ -9443,8 +9164,8 @@
         </p:nvCxnSpPr>
         <p:spPr>
           <a:xfrm rot="5400000">
-            <a:off x="3695875" y="2276286"/>
-            <a:ext cx="1824381" cy="1843808"/>
+            <a:off x="3773229" y="2198932"/>
+            <a:ext cx="1669673" cy="1843808"/>
           </a:xfrm>
           <a:prstGeom prst="bentConnector2">
             <a:avLst/>
@@ -9669,7 +9390,7 @@
         </p:nvSpPr>
         <p:spPr>
           <a:xfrm flipV="1">
-            <a:off x="4114799" y="4472708"/>
+            <a:off x="4114799" y="4318000"/>
             <a:ext cx="2642195" cy="101600"/>
           </a:xfrm>
           <a:custGeom>
@@ -9743,6 +9464,528 @@
           </a:p>
         </p:txBody>
       </p:sp>
+      <p:sp>
+        <p:nvSpPr>
+          <p:cNvPr id="46" name="Rectangle 11"/>
+          <p:cNvSpPr/>
+          <p:nvPr/>
+        </p:nvSpPr>
+        <p:spPr>
+          <a:xfrm>
+            <a:off x="3810000" y="5631494"/>
+            <a:ext cx="1093635" cy="236841"/>
+          </a:xfrm>
+          <a:prstGeom prst="rect">
+            <a:avLst/>
+          </a:prstGeom>
+          <a:ln w="19050">
+            <a:solidFill>
+              <a:schemeClr val="accent3"/>
+            </a:solidFill>
+          </a:ln>
+          <a:effectLst/>
+        </p:spPr>
+        <p:style>
+          <a:lnRef idx="1">
+            <a:schemeClr val="accent3"/>
+          </a:lnRef>
+          <a:fillRef idx="2">
+            <a:schemeClr val="accent3"/>
+          </a:fillRef>
+          <a:effectRef idx="1">
+            <a:schemeClr val="accent3"/>
+          </a:effectRef>
+          <a:fontRef idx="minor">
+            <a:schemeClr val="dk1"/>
+          </a:fontRef>
+        </p:style>
+        <p:txBody>
+          <a:bodyPr rtlCol="0" anchor="ctr"/>
+          <a:lstStyle/>
+          <a:p>
+            <a:pPr algn="ctr"/>
+            <a:r>
+              <a:rPr lang="en-US" sz="1050" b="1" dirty="0" err="1" smtClean="0">
+                <a:solidFill>
+                  <a:schemeClr val="accent3">
+                    <a:lumMod val="75000"/>
+                  </a:schemeClr>
+                </a:solidFill>
+              </a:rPr>
+              <a:t>Alias</a:t>
+            </a:r>
+            <a:r>
+              <a:rPr lang="en-US" sz="1050" b="1" dirty="0" err="1" smtClean="0">
+                <a:solidFill>
+                  <a:schemeClr val="accent3">
+                    <a:lumMod val="75000"/>
+                  </a:schemeClr>
+                </a:solidFill>
+              </a:rPr>
+              <a:t>ListPanel</a:t>
+            </a:r>
+            <a:endParaRPr lang="en-SG" sz="1050" b="1" dirty="0">
+              <a:solidFill>
+                <a:schemeClr val="accent3">
+                  <a:lumMod val="75000"/>
+                </a:schemeClr>
+              </a:solidFill>
+            </a:endParaRPr>
+          </a:p>
+        </p:txBody>
+      </p:sp>
+      <p:sp>
+        <p:nvSpPr>
+          <p:cNvPr id="48" name="Rectangle 11"/>
+          <p:cNvSpPr/>
+          <p:nvPr/>
+        </p:nvSpPr>
+        <p:spPr>
+          <a:xfrm>
+            <a:off x="5056797" y="5859159"/>
+            <a:ext cx="1040906" cy="236841"/>
+          </a:xfrm>
+          <a:prstGeom prst="rect">
+            <a:avLst/>
+          </a:prstGeom>
+          <a:ln w="19050">
+            <a:solidFill>
+              <a:schemeClr val="accent3"/>
+            </a:solidFill>
+          </a:ln>
+          <a:effectLst/>
+        </p:spPr>
+        <p:style>
+          <a:lnRef idx="1">
+            <a:schemeClr val="accent3"/>
+          </a:lnRef>
+          <a:fillRef idx="2">
+            <a:schemeClr val="accent3"/>
+          </a:fillRef>
+          <a:effectRef idx="1">
+            <a:schemeClr val="accent3"/>
+          </a:effectRef>
+          <a:fontRef idx="minor">
+            <a:schemeClr val="dk1"/>
+          </a:fontRef>
+        </p:style>
+        <p:txBody>
+          <a:bodyPr rtlCol="0" anchor="ctr"/>
+          <a:lstStyle/>
+          <a:p>
+            <a:pPr algn="ctr"/>
+            <a:r>
+              <a:rPr lang="en-US" sz="1050" b="1" dirty="0" err="1" smtClean="0">
+                <a:solidFill>
+                  <a:schemeClr val="accent3">
+                    <a:lumMod val="75000"/>
+                  </a:schemeClr>
+                </a:solidFill>
+              </a:rPr>
+              <a:t>Alias</a:t>
+            </a:r>
+            <a:r>
+              <a:rPr lang="en-US" sz="1050" b="1" dirty="0" err="1" smtClean="0">
+                <a:solidFill>
+                  <a:schemeClr val="accent3">
+                    <a:lumMod val="75000"/>
+                  </a:schemeClr>
+                </a:solidFill>
+              </a:rPr>
+              <a:t>Card</a:t>
+            </a:r>
+            <a:endParaRPr lang="en-SG" sz="1050" b="1" dirty="0">
+              <a:solidFill>
+                <a:schemeClr val="accent3">
+                  <a:lumMod val="75000"/>
+                </a:schemeClr>
+              </a:solidFill>
+            </a:endParaRPr>
+          </a:p>
+        </p:txBody>
+      </p:sp>
+      <p:cxnSp>
+        <p:nvCxnSpPr>
+          <p:cNvPr id="51" name="Elbow Connector 50"/>
+          <p:cNvCxnSpPr/>
+          <p:nvPr/>
+        </p:nvCxnSpPr>
+        <p:spPr>
+          <a:xfrm rot="16200000" flipH="1">
+            <a:off x="4647597" y="5568380"/>
+            <a:ext cx="118421" cy="699979"/>
+          </a:xfrm>
+          <a:prstGeom prst="bentConnector2">
+            <a:avLst/>
+          </a:prstGeom>
+          <a:ln w="19050">
+            <a:solidFill>
+              <a:schemeClr val="accent3"/>
+            </a:solidFill>
+            <a:headEnd type="none" w="med" len="med"/>
+            <a:tailEnd type="arrow" w="med" len="med"/>
+          </a:ln>
+          <a:effectLst/>
+        </p:spPr>
+        <p:style>
+          <a:lnRef idx="1">
+            <a:schemeClr val="accent2"/>
+          </a:lnRef>
+          <a:fillRef idx="2">
+            <a:schemeClr val="accent2"/>
+          </a:fillRef>
+          <a:effectRef idx="1">
+            <a:schemeClr val="accent2"/>
+          </a:effectRef>
+          <a:fontRef idx="minor">
+            <a:schemeClr val="dk1"/>
+          </a:fontRef>
+        </p:style>
+      </p:cxnSp>
+      <p:sp>
+        <p:nvSpPr>
+          <p:cNvPr id="58" name="Rectangle 11"/>
+          <p:cNvSpPr/>
+          <p:nvPr/>
+        </p:nvSpPr>
+        <p:spPr>
+          <a:xfrm>
+            <a:off x="2582371" y="5360673"/>
+            <a:ext cx="1093635" cy="236841"/>
+          </a:xfrm>
+          <a:prstGeom prst="rect">
+            <a:avLst/>
+          </a:prstGeom>
+          <a:ln w="19050">
+            <a:solidFill>
+              <a:schemeClr val="accent3"/>
+            </a:solidFill>
+          </a:ln>
+          <a:effectLst/>
+        </p:spPr>
+        <p:style>
+          <a:lnRef idx="1">
+            <a:schemeClr val="accent3"/>
+          </a:lnRef>
+          <a:fillRef idx="2">
+            <a:schemeClr val="accent3"/>
+          </a:fillRef>
+          <a:effectRef idx="1">
+            <a:schemeClr val="accent3"/>
+          </a:effectRef>
+          <a:fontRef idx="minor">
+            <a:schemeClr val="dk1"/>
+          </a:fontRef>
+        </p:style>
+        <p:txBody>
+          <a:bodyPr rtlCol="0" anchor="ctr"/>
+          <a:lstStyle/>
+          <a:p>
+            <a:pPr algn="ctr"/>
+            <a:r>
+              <a:rPr lang="en-US" sz="1050" b="1" dirty="0" err="1" smtClean="0">
+                <a:solidFill>
+                  <a:schemeClr val="accent3">
+                    <a:lumMod val="75000"/>
+                  </a:schemeClr>
+                </a:solidFill>
+              </a:rPr>
+              <a:t>Alias</a:t>
+            </a:r>
+            <a:r>
+              <a:rPr lang="en-US" sz="1050" b="1" dirty="0" err="1" smtClean="0">
+                <a:solidFill>
+                  <a:schemeClr val="accent3">
+                    <a:lumMod val="75000"/>
+                  </a:schemeClr>
+                </a:solidFill>
+              </a:rPr>
+              <a:t>Window</a:t>
+            </a:r>
+            <a:endParaRPr lang="en-SG" sz="1050" b="1" dirty="0">
+              <a:solidFill>
+                <a:schemeClr val="accent3">
+                  <a:lumMod val="75000"/>
+                </a:schemeClr>
+              </a:solidFill>
+            </a:endParaRPr>
+          </a:p>
+        </p:txBody>
+      </p:sp>
+      <p:cxnSp>
+        <p:nvCxnSpPr>
+          <p:cNvPr id="59" name="Elbow Connector 58"/>
+          <p:cNvCxnSpPr/>
+          <p:nvPr/>
+        </p:nvCxnSpPr>
+        <p:spPr>
+          <a:xfrm rot="16200000" flipH="1">
+            <a:off x="3400800" y="5317353"/>
+            <a:ext cx="118421" cy="699979"/>
+          </a:xfrm>
+          <a:prstGeom prst="bentConnector2">
+            <a:avLst/>
+          </a:prstGeom>
+          <a:ln w="19050">
+            <a:solidFill>
+              <a:schemeClr val="accent3"/>
+            </a:solidFill>
+            <a:headEnd type="none" w="med" len="med"/>
+            <a:tailEnd type="arrow" w="med" len="med"/>
+          </a:ln>
+          <a:effectLst/>
+        </p:spPr>
+        <p:style>
+          <a:lnRef idx="1">
+            <a:schemeClr val="accent2"/>
+          </a:lnRef>
+          <a:fillRef idx="2">
+            <a:schemeClr val="accent2"/>
+          </a:fillRef>
+          <a:effectRef idx="1">
+            <a:schemeClr val="accent2"/>
+          </a:effectRef>
+          <a:fontRef idx="minor">
+            <a:schemeClr val="dk1"/>
+          </a:fontRef>
+        </p:style>
+      </p:cxnSp>
+      <p:cxnSp>
+        <p:nvCxnSpPr>
+          <p:cNvPr id="60" name="Elbow Connector 63"/>
+          <p:cNvCxnSpPr/>
+          <p:nvPr/>
+        </p:nvCxnSpPr>
+        <p:spPr>
+          <a:xfrm rot="5400000">
+            <a:off x="3208855" y="3157980"/>
+            <a:ext cx="2798421" cy="1843806"/>
+          </a:xfrm>
+          <a:prstGeom prst="bentConnector2">
+            <a:avLst/>
+          </a:prstGeom>
+          <a:ln w="6350">
+            <a:solidFill>
+              <a:schemeClr val="accent3"/>
+            </a:solidFill>
+            <a:headEnd type="none" w="med" len="med"/>
+            <a:tailEnd type="none" w="med" len="med"/>
+          </a:ln>
+          <a:effectLst/>
+        </p:spPr>
+        <p:style>
+          <a:lnRef idx="1">
+            <a:schemeClr val="accent2"/>
+          </a:lnRef>
+          <a:fillRef idx="2">
+            <a:schemeClr val="accent2"/>
+          </a:fillRef>
+          <a:effectRef idx="1">
+            <a:schemeClr val="accent2"/>
+          </a:effectRef>
+          <a:fontRef idx="minor">
+            <a:schemeClr val="dk1"/>
+          </a:fontRef>
+        </p:style>
+      </p:cxnSp>
+      <p:cxnSp>
+        <p:nvCxnSpPr>
+          <p:cNvPr id="64" name="Elbow Connector 63"/>
+          <p:cNvCxnSpPr/>
+          <p:nvPr/>
+        </p:nvCxnSpPr>
+        <p:spPr>
+          <a:xfrm rot="16200000" flipH="1">
+            <a:off x="1881422" y="3862622"/>
+            <a:ext cx="1242356" cy="176400"/>
+          </a:xfrm>
+          <a:prstGeom prst="bentConnector2">
+            <a:avLst/>
+          </a:prstGeom>
+          <a:ln w="19050">
+            <a:solidFill>
+              <a:schemeClr val="accent3"/>
+            </a:solidFill>
+            <a:headEnd type="none" w="med" len="med"/>
+            <a:tailEnd type="arrow" w="med" len="med"/>
+          </a:ln>
+          <a:effectLst/>
+        </p:spPr>
+        <p:style>
+          <a:lnRef idx="1">
+            <a:schemeClr val="accent2"/>
+          </a:lnRef>
+          <a:fillRef idx="2">
+            <a:schemeClr val="accent2"/>
+          </a:fillRef>
+          <a:effectRef idx="1">
+            <a:schemeClr val="accent2"/>
+          </a:effectRef>
+          <a:fontRef idx="minor">
+            <a:schemeClr val="dk1"/>
+          </a:fontRef>
+        </p:style>
+      </p:cxnSp>
+      <p:cxnSp>
+        <p:nvCxnSpPr>
+          <p:cNvPr id="71" name="Elbow Connector 63"/>
+          <p:cNvCxnSpPr>
+            <a:endCxn id="38" idx="1"/>
+          </p:cNvCxnSpPr>
+          <p:nvPr/>
+        </p:nvCxnSpPr>
+        <p:spPr>
+          <a:xfrm rot="16200000" flipH="1">
+            <a:off x="1187527" y="3678274"/>
+            <a:ext cx="2377969" cy="434326"/>
+          </a:xfrm>
+          <a:prstGeom prst="bentConnector2">
+            <a:avLst/>
+          </a:prstGeom>
+          <a:ln w="19050">
+            <a:solidFill>
+              <a:schemeClr val="accent3"/>
+            </a:solidFill>
+            <a:headEnd type="none" w="med" len="med"/>
+            <a:tailEnd type="arrow" w="med" len="med"/>
+          </a:ln>
+          <a:effectLst/>
+        </p:spPr>
+        <p:style>
+          <a:lnRef idx="1">
+            <a:schemeClr val="accent2"/>
+          </a:lnRef>
+          <a:fillRef idx="2">
+            <a:schemeClr val="accent2"/>
+          </a:fillRef>
+          <a:effectRef idx="1">
+            <a:schemeClr val="accent2"/>
+          </a:effectRef>
+          <a:fontRef idx="minor">
+            <a:schemeClr val="dk1"/>
+          </a:fontRef>
+        </p:style>
+      </p:cxnSp>
+      <p:cxnSp>
+        <p:nvCxnSpPr>
+          <p:cNvPr id="76" name="Elbow Connector 63"/>
+          <p:cNvCxnSpPr/>
+          <p:nvPr/>
+        </p:nvCxnSpPr>
+        <p:spPr>
+          <a:xfrm rot="16200000" flipH="1">
+            <a:off x="1184652" y="4080252"/>
+            <a:ext cx="2377969" cy="434326"/>
+          </a:xfrm>
+          <a:prstGeom prst="bentConnector2">
+            <a:avLst/>
+          </a:prstGeom>
+          <a:ln w="19050">
+            <a:solidFill>
+              <a:schemeClr val="accent3"/>
+            </a:solidFill>
+            <a:headEnd type="none" w="med" len="med"/>
+            <a:tailEnd type="arrow" w="med" len="med"/>
+          </a:ln>
+          <a:effectLst/>
+        </p:spPr>
+        <p:style>
+          <a:lnRef idx="1">
+            <a:schemeClr val="accent2"/>
+          </a:lnRef>
+          <a:fillRef idx="2">
+            <a:schemeClr val="accent2"/>
+          </a:fillRef>
+          <a:effectRef idx="1">
+            <a:schemeClr val="accent2"/>
+          </a:effectRef>
+          <a:fontRef idx="minor">
+            <a:schemeClr val="dk1"/>
+          </a:fontRef>
+        </p:style>
+      </p:cxnSp>
+      <p:sp>
+        <p:nvSpPr>
+          <p:cNvPr id="78" name="Freeform 77"/>
+          <p:cNvSpPr/>
+          <p:nvPr/>
+        </p:nvSpPr>
+        <p:spPr>
+          <a:xfrm flipV="1">
+            <a:off x="5331106" y="6104841"/>
+            <a:ext cx="1389799" cy="69454"/>
+          </a:xfrm>
+          <a:custGeom>
+            <a:avLst/>
+            <a:gdLst>
+              <a:gd name="connsiteX0" fmla="*/ 0 w 3048000"/>
+              <a:gd name="connsiteY0" fmla="*/ 203200 h 203200"/>
+              <a:gd name="connsiteX1" fmla="*/ 221673 w 3048000"/>
+              <a:gd name="connsiteY1" fmla="*/ 0 h 203200"/>
+              <a:gd name="connsiteX2" fmla="*/ 3048000 w 3048000"/>
+              <a:gd name="connsiteY2" fmla="*/ 0 h 203200"/>
+            </a:gdLst>
+            <a:ahLst/>
+            <a:cxnLst>
+              <a:cxn ang="0">
+                <a:pos x="connsiteX0" y="connsiteY0"/>
+              </a:cxn>
+              <a:cxn ang="0">
+                <a:pos x="connsiteX1" y="connsiteY1"/>
+              </a:cxn>
+              <a:cxn ang="0">
+                <a:pos x="connsiteX2" y="connsiteY2"/>
+              </a:cxn>
+            </a:cxnLst>
+            <a:rect l="l" t="t" r="r" b="b"/>
+            <a:pathLst>
+              <a:path w="3048000" h="203200">
+                <a:moveTo>
+                  <a:pt x="0" y="203200"/>
+                </a:moveTo>
+                <a:lnTo>
+                  <a:pt x="221673" y="0"/>
+                </a:lnTo>
+                <a:lnTo>
+                  <a:pt x="3048000" y="0"/>
+                </a:lnTo>
+              </a:path>
+            </a:pathLst>
+          </a:custGeom>
+          <a:noFill/>
+          <a:ln w="19050">
+            <a:solidFill>
+              <a:schemeClr val="accent3"/>
+            </a:solidFill>
+            <a:prstDash val="sysDot"/>
+            <a:headEnd type="none" w="med" len="med"/>
+            <a:tailEnd type="arrow" w="med" len="med"/>
+          </a:ln>
+          <a:effectLst/>
+        </p:spPr>
+        <p:style>
+          <a:lnRef idx="1">
+            <a:schemeClr val="accent2"/>
+          </a:lnRef>
+          <a:fillRef idx="2">
+            <a:schemeClr val="accent2"/>
+          </a:fillRef>
+          <a:effectRef idx="1">
+            <a:schemeClr val="accent2"/>
+          </a:effectRef>
+          <a:fontRef idx="minor">
+            <a:schemeClr val="dk1"/>
+          </a:fontRef>
+        </p:style>
+        <p:txBody>
+          <a:bodyPr rtlCol="0" anchor="ctr"/>
+          <a:lstStyle/>
+          <a:p>
+            <a:pPr algn="ctr"/>
+            <a:endParaRPr lang="en-SG"/>
+          </a:p>
+        </p:txBody>
+      </p:sp>
     </p:spTree>
     <p:extLst>
       <p:ext uri="{BB962C8B-B14F-4D97-AF65-F5344CB8AC3E}">
@@ -9789,7 +10032,7 @@
         <p:spPr>
           <a:xfrm>
             <a:off x="1103085" y="2057399"/>
-            <a:ext cx="6288315" cy="2272167"/>
+            <a:ext cx="6364515" cy="2272167"/>
           </a:xfrm>
           <a:prstGeom prst="roundRect">
             <a:avLst>
@@ -9908,8 +10151,8 @@
         </p:nvSpPr>
         <p:spPr>
           <a:xfrm flipH="1">
-            <a:off x="6180592" y="2648528"/>
-            <a:ext cx="1093635" cy="346760"/>
+            <a:off x="6180589" y="2648528"/>
+            <a:ext cx="1227590" cy="346760"/>
           </a:xfrm>
           <a:prstGeom prst="rect">
             <a:avLst/>
@@ -9941,12 +10184,12 @@
           <a:p>
             <a:pPr algn="ctr"/>
             <a:r>
-              <a:rPr lang="en-US" sz="1050" b="1" dirty="0" err="1">
+              <a:rPr lang="en-US" sz="1050" b="1" dirty="0" err="1" smtClean="0">
                 <a:solidFill>
                   <a:srgbClr val="0070C0"/>
                 </a:solidFill>
               </a:rPr>
-              <a:t>AddCommand</a:t>
+              <a:t>AddTaskCommand</a:t>
             </a:r>
             <a:endParaRPr lang="en-SG" sz="1050" b="1" dirty="0">
               <a:solidFill>
@@ -10217,8 +10460,8 @@
         </p:nvSpPr>
         <p:spPr>
           <a:xfrm flipH="1">
-            <a:off x="6180592" y="3054928"/>
-            <a:ext cx="1093635" cy="346760"/>
+            <a:off x="6180591" y="3054928"/>
+            <a:ext cx="1227588" cy="346760"/>
           </a:xfrm>
           <a:prstGeom prst="rect">
             <a:avLst/>
@@ -10250,12 +10493,12 @@
           <a:p>
             <a:pPr algn="ctr"/>
             <a:r>
-              <a:rPr lang="en-US" sz="1050" b="1" dirty="0" err="1">
+              <a:rPr lang="en-US" sz="1050" b="1" smtClean="0">
                 <a:solidFill>
                   <a:srgbClr val="0070C0"/>
                 </a:solidFill>
               </a:rPr>
-              <a:t>ListCommand</a:t>
+              <a:t>ListTaskCommand</a:t>
             </a:r>
             <a:endParaRPr lang="en-SG" sz="1050" b="1" dirty="0">
               <a:solidFill>
@@ -10403,8 +10646,8 @@
         </p:nvCxnSpPr>
         <p:spPr>
           <a:xfrm rot="10800000" flipV="1">
-            <a:off x="5786402" y="2821908"/>
-            <a:ext cx="394190" cy="1079066"/>
+            <a:off x="5786403" y="2821908"/>
+            <a:ext cx="394187" cy="1079066"/>
           </a:xfrm>
           <a:prstGeom prst="bentConnector3">
             <a:avLst>
@@ -10490,7 +10733,7 @@
         <p:spPr>
           <a:xfrm flipV="1">
             <a:off x="5786402" y="3228308"/>
-            <a:ext cx="394190" cy="672666"/>
+            <a:ext cx="394189" cy="672666"/>
           </a:xfrm>
           <a:prstGeom prst="bentConnector3">
             <a:avLst>
@@ -11418,12 +11661,20 @@
           <a:p>
             <a:pPr algn="ctr"/>
             <a:r>
+              <a:rPr lang="en-US" sz="1050" b="1" dirty="0" err="1" smtClean="0">
+                <a:solidFill>
+                  <a:srgbClr val="0070C0"/>
+                </a:solidFill>
+              </a:rPr>
+              <a:t>IncorrectTask</a:t>
+            </a:r>
+            <a:r>
               <a:rPr lang="en-US" sz="1050" b="1" dirty="0" smtClean="0">
                 <a:solidFill>
                   <a:srgbClr val="0070C0"/>
                 </a:solidFill>
               </a:rPr>
-              <a:t>Incorrect</a:t>
+              <a:t/>
             </a:r>
             <a:br>
               <a:rPr lang="en-US" sz="1050" b="1" dirty="0" smtClean="0">
@@ -12280,7 +12531,6 @@
               <a:rPr lang="en-US" dirty="0"/>
               <a:t>execute()</a:t>
             </a:r>
-            <a:endParaRPr lang="en-US" dirty="0"/>
           </a:p>
         </p:txBody>
       </p:sp>
@@ -12797,7 +13047,7 @@
                   <a:srgbClr val="7030A0"/>
                 </a:solidFill>
               </a:rPr>
-              <a:t>deletePerson</a:t>
+              <a:t>deleteTask</a:t>
             </a:r>
             <a:r>
               <a:rPr lang="en-US" dirty="0" smtClean="0">
@@ -12805,7 +13055,15 @@
                   <a:srgbClr val="7030A0"/>
                 </a:solidFill>
               </a:rPr>
-              <a:t>(p)</a:t>
+              <a:t>(p</a:t>
+            </a:r>
+            <a:r>
+              <a:rPr lang="en-US" dirty="0" smtClean="0">
+                <a:solidFill>
+                  <a:srgbClr val="7030A0"/>
+                </a:solidFill>
+              </a:rPr>
+              <a:t>)</a:t>
             </a:r>
             <a:endParaRPr lang="en-US" dirty="0">
               <a:solidFill>
@@ -13373,8 +13631,8 @@
         </p:nvSpPr>
         <p:spPr>
           <a:xfrm rot="16200000">
-            <a:off x="1683963" y="2868687"/>
-            <a:ext cx="1093635" cy="346760"/>
+            <a:off x="1606334" y="2822562"/>
+            <a:ext cx="1217389" cy="315255"/>
           </a:xfrm>
           <a:prstGeom prst="rect">
             <a:avLst/>
@@ -13409,12 +13667,12 @@
           <a:p>
             <a:pPr algn="ctr"/>
             <a:r>
-              <a:rPr lang="en-US" sz="1050" dirty="0" err="1" smtClean="0">
+              <a:rPr lang="en-SG" sz="1050" dirty="0" err="1" smtClean="0">
                 <a:solidFill>
                   <a:schemeClr val="bg1"/>
                 </a:solidFill>
               </a:rPr>
-              <a:t>ModelManager</a:t>
+              <a:t>TaskManager</a:t>
             </a:r>
             <a:endParaRPr lang="en-SG" sz="1050" dirty="0">
               <a:solidFill>
@@ -13476,13 +13734,12 @@
         </p:nvCxnSpPr>
         <p:spPr>
           <a:xfrm rot="5400000" flipH="1" flipV="1">
-            <a:off x="4360065" y="1080909"/>
-            <a:ext cx="378691" cy="4637261"/>
-          </a:xfrm>
-          <a:prstGeom prst="bentConnector4">
+            <a:off x="4410546" y="1026548"/>
+            <a:ext cx="366819" cy="4757854"/>
+          </a:xfrm>
+          <a:prstGeom prst="bentConnector3">
             <a:avLst>
-              <a:gd name="adj1" fmla="val -101829"/>
-              <a:gd name="adj2" fmla="val 99976"/>
+              <a:gd name="adj1" fmla="val -111870"/>
             </a:avLst>
           </a:prstGeom>
           <a:ln w="19050">
@@ -13518,8 +13775,8 @@
         </p:nvSpPr>
         <p:spPr>
           <a:xfrm rot="16200000">
-            <a:off x="956202" y="2861202"/>
-            <a:ext cx="1093635" cy="346760"/>
+            <a:off x="898068" y="2803068"/>
+            <a:ext cx="1209903" cy="346760"/>
           </a:xfrm>
           <a:prstGeom prst="rect">
             <a:avLst/>
@@ -13565,12 +13822,12 @@
           <a:p>
             <a:pPr algn="ctr"/>
             <a:r>
-              <a:rPr lang="en-US" sz="1050" dirty="0" smtClean="0">
+              <a:rPr lang="en-US" sz="1050" dirty="0" err="1" smtClean="0">
                 <a:solidFill>
                   <a:schemeClr val="bg1"/>
                 </a:solidFill>
               </a:rPr>
-              <a:t>Model</a:t>
+              <a:t>InMemoryTaskList</a:t>
             </a:r>
             <a:endParaRPr lang="en-SG" sz="1050" dirty="0">
               <a:solidFill>
@@ -13627,48 +13884,6 @@
           </a:p>
         </p:txBody>
       </p:sp>
-      <p:cxnSp>
-        <p:nvCxnSpPr>
-          <p:cNvPr id="55" name="Straight Arrow Connector 54"/>
-          <p:cNvCxnSpPr>
-            <a:stCxn id="62" idx="0"/>
-            <a:endCxn id="67" idx="2"/>
-          </p:cNvCxnSpPr>
-          <p:nvPr/>
-        </p:nvCxnSpPr>
-        <p:spPr>
-          <a:xfrm flipV="1">
-            <a:off x="6667770" y="2632344"/>
-            <a:ext cx="1612" cy="225722"/>
-          </a:xfrm>
-          <a:prstGeom prst="straightConnector1">
-            <a:avLst/>
-          </a:prstGeom>
-          <a:ln w="19050">
-            <a:solidFill>
-              <a:srgbClr val="7030A0"/>
-            </a:solidFill>
-            <a:prstDash val="sysDot"/>
-            <a:headEnd type="none" w="med" len="med"/>
-            <a:tailEnd type="arrow" w="med" len="med"/>
-          </a:ln>
-          <a:effectLst/>
-        </p:spPr>
-        <p:style>
-          <a:lnRef idx="1">
-            <a:schemeClr val="accent2"/>
-          </a:lnRef>
-          <a:fillRef idx="2">
-            <a:schemeClr val="accent2"/>
-          </a:fillRef>
-          <a:effectRef idx="1">
-            <a:schemeClr val="accent2"/>
-          </a:effectRef>
-          <a:fontRef idx="minor">
-            <a:schemeClr val="dk1"/>
-          </a:fontRef>
-        </p:style>
-      </p:cxnSp>
       <p:cxnSp>
         <p:nvCxnSpPr>
           <p:cNvPr id="58" name="Straight Arrow Connector 57"/>
@@ -13680,8 +13895,8 @@
         </p:nvCxnSpPr>
         <p:spPr>
           <a:xfrm>
-            <a:off x="2656370" y="3326536"/>
-            <a:ext cx="220810" cy="5284"/>
+            <a:off x="2598248" y="3326536"/>
+            <a:ext cx="278932" cy="5284"/>
           </a:xfrm>
           <a:prstGeom prst="straightConnector1">
             <a:avLst/>
@@ -13853,7 +14068,7 @@
         </p:nvSpPr>
         <p:spPr>
           <a:xfrm>
-            <a:off x="2420322" y="3239846"/>
+            <a:off x="2362200" y="3239846"/>
             <a:ext cx="236048" cy="173380"/>
           </a:xfrm>
           <a:prstGeom prst="flowChartDecision">
@@ -13892,211 +14107,13 @@
       </p:sp>
       <p:sp>
         <p:nvSpPr>
-          <p:cNvPr id="46" name="Rectangle 8"/>
-          <p:cNvSpPr/>
-          <p:nvPr/>
-        </p:nvSpPr>
-        <p:spPr>
-          <a:xfrm>
-            <a:off x="2879490" y="2627420"/>
-            <a:ext cx="1093635" cy="346760"/>
-          </a:xfrm>
-          <a:prstGeom prst="rect">
-            <a:avLst/>
-          </a:prstGeom>
-          <a:ln w="19050">
-            <a:solidFill>
-              <a:srgbClr val="7030A0"/>
-            </a:solidFill>
-          </a:ln>
-          <a:effectLst/>
-        </p:spPr>
-        <p:style>
-          <a:lnRef idx="1">
-            <a:schemeClr val="accent4"/>
-          </a:lnRef>
-          <a:fillRef idx="2">
-            <a:schemeClr val="accent4"/>
-          </a:fillRef>
-          <a:effectRef idx="1">
-            <a:schemeClr val="accent4"/>
-          </a:effectRef>
-          <a:fontRef idx="minor">
-            <a:schemeClr val="dk1"/>
-          </a:fontRef>
-        </p:style>
-        <p:txBody>
-          <a:bodyPr rtlCol="0" anchor="ctr"/>
-          <a:lstStyle/>
-          <a:p>
-            <a:pPr algn="ctr"/>
-            <a:r>
-              <a:rPr lang="en-US" sz="1050" dirty="0" err="1" smtClean="0">
-                <a:solidFill>
-                  <a:srgbClr val="7030A0"/>
-                </a:solidFill>
-              </a:rPr>
-              <a:t>AddressBook</a:t>
-            </a:r>
-            <a:endParaRPr lang="en-SG" sz="1050" dirty="0">
-              <a:solidFill>
-                <a:srgbClr val="7030A0"/>
-              </a:solidFill>
-            </a:endParaRPr>
-          </a:p>
-        </p:txBody>
-      </p:sp>
-      <p:cxnSp>
-        <p:nvCxnSpPr>
-          <p:cNvPr id="47" name="Straight Arrow Connector 46"/>
-          <p:cNvCxnSpPr>
-            <a:stCxn id="48" idx="3"/>
-            <a:endCxn id="46" idx="1"/>
-          </p:cNvCxnSpPr>
-          <p:nvPr/>
-        </p:nvCxnSpPr>
-        <p:spPr>
-          <a:xfrm>
-            <a:off x="2658680" y="2795516"/>
-            <a:ext cx="220810" cy="5284"/>
-          </a:xfrm>
-          <a:prstGeom prst="straightConnector1">
-            <a:avLst/>
-          </a:prstGeom>
-          <a:ln w="19050">
-            <a:solidFill>
-              <a:srgbClr val="7030A0"/>
-            </a:solidFill>
-            <a:headEnd type="none" w="med" len="med"/>
-            <a:tailEnd type="arrow" w="med" len="med"/>
-          </a:ln>
-          <a:effectLst/>
-        </p:spPr>
-        <p:style>
-          <a:lnRef idx="1">
-            <a:schemeClr val="accent2"/>
-          </a:lnRef>
-          <a:fillRef idx="2">
-            <a:schemeClr val="accent2"/>
-          </a:fillRef>
-          <a:effectRef idx="1">
-            <a:schemeClr val="accent2"/>
-          </a:effectRef>
-          <a:fontRef idx="minor">
-            <a:schemeClr val="dk1"/>
-          </a:fontRef>
-        </p:style>
-      </p:cxnSp>
-      <p:sp>
-        <p:nvSpPr>
-          <p:cNvPr id="48" name="Flowchart: Decision 96"/>
-          <p:cNvSpPr/>
-          <p:nvPr/>
-        </p:nvSpPr>
-        <p:spPr>
-          <a:xfrm>
-            <a:off x="2422632" y="2708826"/>
-            <a:ext cx="236048" cy="173380"/>
-          </a:xfrm>
-          <a:prstGeom prst="flowChartDecision">
-            <a:avLst/>
-          </a:prstGeom>
-          <a:noFill/>
-          <a:ln w="19050">
-            <a:solidFill>
-              <a:srgbClr val="7030A0"/>
-            </a:solidFill>
-          </a:ln>
-          <a:effectLst/>
-        </p:spPr>
-        <p:style>
-          <a:lnRef idx="1">
-            <a:schemeClr val="accent6"/>
-          </a:lnRef>
-          <a:fillRef idx="2">
-            <a:schemeClr val="accent6"/>
-          </a:fillRef>
-          <a:effectRef idx="1">
-            <a:schemeClr val="accent6"/>
-          </a:effectRef>
-          <a:fontRef idx="minor">
-            <a:schemeClr val="dk1"/>
-          </a:fontRef>
-        </p:style>
-        <p:txBody>
-          <a:bodyPr rtlCol="0" anchor="ctr"/>
-          <a:lstStyle/>
-          <a:p>
-            <a:pPr algn="ctr"/>
-            <a:endParaRPr lang="en-US" sz="1050"/>
-          </a:p>
-        </p:txBody>
-      </p:sp>
-      <p:sp>
-        <p:nvSpPr>
-          <p:cNvPr id="49" name="Rectangle 8"/>
-          <p:cNvSpPr/>
-          <p:nvPr/>
-        </p:nvSpPr>
-        <p:spPr>
-          <a:xfrm>
-            <a:off x="4487017" y="2847371"/>
-            <a:ext cx="1156969" cy="346760"/>
-          </a:xfrm>
-          <a:prstGeom prst="rect">
-            <a:avLst/>
-          </a:prstGeom>
-          <a:ln w="19050">
-            <a:solidFill>
-              <a:srgbClr val="7030A0"/>
-            </a:solidFill>
-          </a:ln>
-          <a:effectLst/>
-        </p:spPr>
-        <p:style>
-          <a:lnRef idx="1">
-            <a:schemeClr val="accent4"/>
-          </a:lnRef>
-          <a:fillRef idx="2">
-            <a:schemeClr val="accent4"/>
-          </a:fillRef>
-          <a:effectRef idx="1">
-            <a:schemeClr val="accent4"/>
-          </a:effectRef>
-          <a:fontRef idx="minor">
-            <a:schemeClr val="dk1"/>
-          </a:fontRef>
-        </p:style>
-        <p:txBody>
-          <a:bodyPr rtlCol="0" anchor="ctr"/>
-          <a:lstStyle/>
-          <a:p>
-            <a:pPr algn="ctr"/>
-            <a:r>
-              <a:rPr lang="en-US" sz="1050" dirty="0" err="1" smtClean="0">
-                <a:solidFill>
-                  <a:srgbClr val="7030A0"/>
-                </a:solidFill>
-              </a:rPr>
-              <a:t>UniquePersonList</a:t>
-            </a:r>
-            <a:endParaRPr lang="en-SG" sz="1050" dirty="0">
-              <a:solidFill>
-                <a:srgbClr val="7030A0"/>
-              </a:solidFill>
-            </a:endParaRPr>
-          </a:p>
-        </p:txBody>
-      </p:sp>
-      <p:sp>
-        <p:nvSpPr>
           <p:cNvPr id="51" name="Flowchart: Decision 96"/>
           <p:cNvSpPr/>
           <p:nvPr/>
         </p:nvSpPr>
         <p:spPr>
           <a:xfrm>
-            <a:off x="3984303" y="2673991"/>
+            <a:off x="2372656" y="2714763"/>
             <a:ext cx="236048" cy="173380"/>
           </a:xfrm>
           <a:prstGeom prst="flowChartDecision">
@@ -14135,47 +14152,6 @@
           </a:p>
         </p:txBody>
       </p:sp>
-      <p:cxnSp>
-        <p:nvCxnSpPr>
-          <p:cNvPr id="30" name="Elbow Connector 29"/>
-          <p:cNvCxnSpPr>
-            <a:stCxn id="51" idx="3"/>
-            <a:endCxn id="49" idx="1"/>
-          </p:cNvCxnSpPr>
-          <p:nvPr/>
-        </p:nvCxnSpPr>
-        <p:spPr>
-          <a:xfrm>
-            <a:off x="4220351" y="2760681"/>
-            <a:ext cx="266666" cy="260070"/>
-          </a:xfrm>
-          <a:prstGeom prst="bentConnector3">
-            <a:avLst/>
-          </a:prstGeom>
-          <a:ln w="19050">
-            <a:solidFill>
-              <a:srgbClr val="7030A0"/>
-            </a:solidFill>
-            <a:headEnd type="none" w="med" len="med"/>
-            <a:tailEnd type="arrow" w="med" len="med"/>
-          </a:ln>
-          <a:effectLst/>
-        </p:spPr>
-        <p:style>
-          <a:lnRef idx="1">
-            <a:schemeClr val="accent2"/>
-          </a:lnRef>
-          <a:fillRef idx="2">
-            <a:schemeClr val="accent2"/>
-          </a:fillRef>
-          <a:effectRef idx="1">
-            <a:schemeClr val="accent2"/>
-          </a:effectRef>
-          <a:fontRef idx="minor">
-            <a:schemeClr val="dk1"/>
-          </a:fontRef>
-        </p:style>
-      </p:cxnSp>
       <p:sp>
         <p:nvSpPr>
           <p:cNvPr id="57" name="Rectangle 8"/>
@@ -14185,7 +14161,7 @@
         <p:spPr>
           <a:xfrm>
             <a:off x="4503204" y="2280569"/>
-            <a:ext cx="1156969" cy="346760"/>
+            <a:ext cx="1776289" cy="346760"/>
           </a:xfrm>
           <a:prstGeom prst="rect">
             <a:avLst/>
@@ -14222,7 +14198,15 @@
                   <a:srgbClr val="7030A0"/>
                 </a:solidFill>
               </a:rPr>
-              <a:t>UniqueTagList</a:t>
+              <a:t>UniqueItemCollection</a:t>
+            </a:r>
+            <a:r>
+              <a:rPr lang="en-US" sz="1050" dirty="0" smtClean="0">
+                <a:solidFill>
+                  <a:srgbClr val="7030A0"/>
+                </a:solidFill>
+              </a:rPr>
+              <a:t>&lt;Task&gt;</a:t>
             </a:r>
             <a:endParaRPr lang="en-SG" sz="1050" dirty="0">
               <a:solidFill>
@@ -14243,8 +14227,8 @@
         </p:nvCxnSpPr>
         <p:spPr>
           <a:xfrm flipV="1">
-            <a:off x="4220351" y="2453949"/>
-            <a:ext cx="282853" cy="306732"/>
+            <a:off x="2608704" y="2453949"/>
+            <a:ext cx="1894500" cy="347504"/>
           </a:xfrm>
           <a:prstGeom prst="bentConnector3">
             <a:avLst>
@@ -14321,7 +14305,7 @@
                   <a:srgbClr val="7030A0"/>
                 </a:solidFill>
               </a:rPr>
-              <a:t>Person</a:t>
+              <a:t>Task</a:t>
             </a:r>
             <a:endParaRPr lang="en-SG" sz="1050" dirty="0">
               <a:solidFill>
@@ -14333,13 +14317,13 @@
       </p:sp>
       <p:sp>
         <p:nvSpPr>
-          <p:cNvPr id="63" name="Flowchart: Decision 96"/>
+          <p:cNvPr id="68" name="Flowchart: Decision 96"/>
           <p:cNvSpPr/>
           <p:nvPr/>
         </p:nvSpPr>
         <p:spPr>
           <a:xfrm>
-            <a:off x="5643227" y="2943979"/>
+            <a:off x="6292737" y="2380840"/>
             <a:ext cx="236048" cy="173380"/>
           </a:xfrm>
           <a:prstGeom prst="flowChartDecision">
@@ -14378,20 +14362,21 @@
       </p:sp>
       <p:cxnSp>
         <p:nvCxnSpPr>
-          <p:cNvPr id="64" name="Elbow Connector 63"/>
+          <p:cNvPr id="69" name="Elbow Connector 68"/>
           <p:cNvCxnSpPr>
-            <a:stCxn id="63" idx="3"/>
-            <a:endCxn id="62" idx="1"/>
+            <a:endCxn id="62" idx="0"/>
           </p:cNvCxnSpPr>
           <p:nvPr/>
         </p:nvCxnSpPr>
         <p:spPr>
-          <a:xfrm>
-            <a:off x="5879275" y="3030669"/>
-            <a:ext cx="434402" cy="777"/>
+          <a:xfrm rot="16200000" flipH="1">
+            <a:off x="6405835" y="2596130"/>
+            <a:ext cx="391313" cy="132558"/>
           </a:xfrm>
           <a:prstGeom prst="bentConnector3">
-            <a:avLst/>
+            <a:avLst>
+              <a:gd name="adj1" fmla="val 1838"/>
+            </a:avLst>
           </a:prstGeom>
           <a:ln w="19050">
             <a:solidFill>
@@ -14419,14 +14404,14 @@
       </p:cxnSp>
       <p:sp>
         <p:nvSpPr>
-          <p:cNvPr id="67" name="Rectangle 8"/>
+          <p:cNvPr id="72" name="Rectangle 8"/>
           <p:cNvSpPr/>
           <p:nvPr/>
         </p:nvSpPr>
         <p:spPr>
           <a:xfrm>
-            <a:off x="6315289" y="2285584"/>
-            <a:ext cx="708186" cy="346760"/>
+            <a:off x="5128257" y="3429000"/>
+            <a:ext cx="1156969" cy="346760"/>
           </a:xfrm>
           <a:prstGeom prst="rect">
             <a:avLst/>
@@ -14463,7 +14448,30 @@
                   <a:srgbClr val="7030A0"/>
                 </a:solidFill>
               </a:rPr>
-              <a:t>Tag</a:t>
+              <a:t>&lt;&lt;interface&gt;&gt;</a:t>
+            </a:r>
+            <a:br>
+              <a:rPr lang="en-US" sz="1050" dirty="0" smtClean="0">
+                <a:solidFill>
+                  <a:srgbClr val="7030A0"/>
+                </a:solidFill>
+              </a:rPr>
+            </a:br>
+            <a:r>
+              <a:rPr lang="en-US" sz="1050" dirty="0" err="1" smtClean="0">
+                <a:solidFill>
+                  <a:srgbClr val="7030A0"/>
+                </a:solidFill>
+              </a:rPr>
+              <a:t>Favortible</a:t>
+            </a:r>
+            <a:r>
+              <a:rPr lang="en-US" sz="1050" dirty="0" err="1" smtClean="0">
+                <a:solidFill>
+                  <a:srgbClr val="7030A0"/>
+                </a:solidFill>
+              </a:rPr>
+              <a:t>Task</a:t>
             </a:r>
             <a:endParaRPr lang="en-SG" sz="1050" dirty="0">
               <a:solidFill>
@@ -14475,219 +14483,6 @@
       </p:sp>
       <p:sp>
         <p:nvSpPr>
-          <p:cNvPr id="68" name="Flowchart: Decision 96"/>
-          <p:cNvSpPr/>
-          <p:nvPr/>
-        </p:nvSpPr>
-        <p:spPr>
-          <a:xfrm>
-            <a:off x="5672547" y="2371497"/>
-            <a:ext cx="236048" cy="173380"/>
-          </a:xfrm>
-          <a:prstGeom prst="flowChartDecision">
-            <a:avLst/>
-          </a:prstGeom>
-          <a:noFill/>
-          <a:ln w="19050">
-            <a:solidFill>
-              <a:srgbClr val="7030A0"/>
-            </a:solidFill>
-          </a:ln>
-          <a:effectLst/>
-        </p:spPr>
-        <p:style>
-          <a:lnRef idx="1">
-            <a:schemeClr val="accent6"/>
-          </a:lnRef>
-          <a:fillRef idx="2">
-            <a:schemeClr val="accent6"/>
-          </a:fillRef>
-          <a:effectRef idx="1">
-            <a:schemeClr val="accent6"/>
-          </a:effectRef>
-          <a:fontRef idx="minor">
-            <a:schemeClr val="dk1"/>
-          </a:fontRef>
-        </p:style>
-        <p:txBody>
-          <a:bodyPr rtlCol="0" anchor="ctr"/>
-          <a:lstStyle/>
-          <a:p>
-            <a:pPr algn="ctr"/>
-            <a:endParaRPr lang="en-US" sz="1050"/>
-          </a:p>
-        </p:txBody>
-      </p:sp>
-      <p:cxnSp>
-        <p:nvCxnSpPr>
-          <p:cNvPr id="69" name="Elbow Connector 68"/>
-          <p:cNvCxnSpPr>
-            <a:stCxn id="68" idx="3"/>
-            <a:endCxn id="67" idx="1"/>
-          </p:cNvCxnSpPr>
-          <p:nvPr/>
-        </p:nvCxnSpPr>
-        <p:spPr>
-          <a:xfrm>
-            <a:off x="5908595" y="2458187"/>
-            <a:ext cx="406694" cy="777"/>
-          </a:xfrm>
-          <a:prstGeom prst="bentConnector3">
-            <a:avLst/>
-          </a:prstGeom>
-          <a:ln w="19050">
-            <a:solidFill>
-              <a:srgbClr val="7030A0"/>
-            </a:solidFill>
-            <a:headEnd type="none" w="med" len="med"/>
-            <a:tailEnd type="arrow" w="med" len="med"/>
-          </a:ln>
-          <a:effectLst/>
-        </p:spPr>
-        <p:style>
-          <a:lnRef idx="1">
-            <a:schemeClr val="accent2"/>
-          </a:lnRef>
-          <a:fillRef idx="2">
-            <a:schemeClr val="accent2"/>
-          </a:fillRef>
-          <a:effectRef idx="1">
-            <a:schemeClr val="accent2"/>
-          </a:effectRef>
-          <a:fontRef idx="minor">
-            <a:schemeClr val="dk1"/>
-          </a:fontRef>
-        </p:style>
-      </p:cxnSp>
-      <p:sp>
-        <p:nvSpPr>
-          <p:cNvPr id="72" name="Rectangle 8"/>
-          <p:cNvSpPr/>
-          <p:nvPr/>
-        </p:nvSpPr>
-        <p:spPr>
-          <a:xfrm>
-            <a:off x="5128257" y="3429000"/>
-            <a:ext cx="1156969" cy="346760"/>
-          </a:xfrm>
-          <a:prstGeom prst="rect">
-            <a:avLst/>
-          </a:prstGeom>
-          <a:ln w="19050">
-            <a:solidFill>
-              <a:srgbClr val="7030A0"/>
-            </a:solidFill>
-          </a:ln>
-          <a:effectLst/>
-        </p:spPr>
-        <p:style>
-          <a:lnRef idx="1">
-            <a:schemeClr val="accent4"/>
-          </a:lnRef>
-          <a:fillRef idx="2">
-            <a:schemeClr val="accent4"/>
-          </a:fillRef>
-          <a:effectRef idx="1">
-            <a:schemeClr val="accent4"/>
-          </a:effectRef>
-          <a:fontRef idx="minor">
-            <a:schemeClr val="dk1"/>
-          </a:fontRef>
-        </p:style>
-        <p:txBody>
-          <a:bodyPr rtlCol="0" anchor="ctr"/>
-          <a:lstStyle/>
-          <a:p>
-            <a:pPr algn="ctr"/>
-            <a:r>
-              <a:rPr lang="en-US" sz="1050" dirty="0" smtClean="0">
-                <a:solidFill>
-                  <a:srgbClr val="7030A0"/>
-                </a:solidFill>
-              </a:rPr>
-              <a:t>&lt;&lt;interface&gt;&gt;</a:t>
-            </a:r>
-            <a:br>
-              <a:rPr lang="en-US" sz="1050" dirty="0" smtClean="0">
-                <a:solidFill>
-                  <a:srgbClr val="7030A0"/>
-                </a:solidFill>
-              </a:rPr>
-            </a:br>
-            <a:r>
-              <a:rPr lang="en-US" sz="1050" dirty="0" err="1" smtClean="0">
-                <a:solidFill>
-                  <a:srgbClr val="7030A0"/>
-                </a:solidFill>
-              </a:rPr>
-              <a:t>ReadOnlyPerson</a:t>
-            </a:r>
-            <a:endParaRPr lang="en-SG" sz="1050" dirty="0">
-              <a:solidFill>
-                <a:srgbClr val="7030A0"/>
-              </a:solidFill>
-            </a:endParaRPr>
-          </a:p>
-        </p:txBody>
-      </p:sp>
-      <p:sp>
-        <p:nvSpPr>
-          <p:cNvPr id="76" name="Rectangle 8"/>
-          <p:cNvSpPr/>
-          <p:nvPr/>
-        </p:nvSpPr>
-        <p:spPr>
-          <a:xfrm>
-            <a:off x="7712397" y="2564238"/>
-            <a:ext cx="708186" cy="285783"/>
-          </a:xfrm>
-          <a:prstGeom prst="rect">
-            <a:avLst/>
-          </a:prstGeom>
-          <a:ln w="19050">
-            <a:solidFill>
-              <a:srgbClr val="7030A0"/>
-            </a:solidFill>
-          </a:ln>
-          <a:effectLst/>
-        </p:spPr>
-        <p:style>
-          <a:lnRef idx="1">
-            <a:schemeClr val="accent4"/>
-          </a:lnRef>
-          <a:fillRef idx="2">
-            <a:schemeClr val="accent4"/>
-          </a:fillRef>
-          <a:effectRef idx="1">
-            <a:schemeClr val="accent4"/>
-          </a:effectRef>
-          <a:fontRef idx="minor">
-            <a:schemeClr val="dk1"/>
-          </a:fontRef>
-        </p:style>
-        <p:txBody>
-          <a:bodyPr rtlCol="0" anchor="ctr"/>
-          <a:lstStyle/>
-          <a:p>
-            <a:pPr algn="ctr"/>
-            <a:r>
-              <a:rPr lang="en-US" sz="1050" dirty="0" smtClean="0">
-                <a:solidFill>
-                  <a:srgbClr val="7030A0"/>
-                </a:solidFill>
-              </a:rPr>
-              <a:t>Name</a:t>
-            </a:r>
-            <a:endParaRPr lang="en-SG" sz="1050" dirty="0">
-              <a:solidFill>
-                <a:srgbClr val="7030A0"/>
-              </a:solidFill>
-            </a:endParaRPr>
-          </a:p>
-        </p:txBody>
-      </p:sp>
-      <p:sp>
-        <p:nvSpPr>
           <p:cNvPr id="78" name="Flowchart: Decision 96"/>
           <p:cNvSpPr/>
           <p:nvPr/>
@@ -14733,47 +14528,6 @@
           </a:p>
         </p:txBody>
       </p:sp>
-      <p:cxnSp>
-        <p:nvCxnSpPr>
-          <p:cNvPr id="79" name="Elbow Connector 78"/>
-          <p:cNvCxnSpPr>
-            <a:stCxn id="78" idx="3"/>
-            <a:endCxn id="76" idx="1"/>
-          </p:cNvCxnSpPr>
-          <p:nvPr/>
-        </p:nvCxnSpPr>
-        <p:spPr>
-          <a:xfrm flipV="1">
-            <a:off x="7277995" y="2707130"/>
-            <a:ext cx="434402" cy="327761"/>
-          </a:xfrm>
-          <a:prstGeom prst="bentConnector3">
-            <a:avLst/>
-          </a:prstGeom>
-          <a:ln w="19050">
-            <a:solidFill>
-              <a:srgbClr val="7030A0"/>
-            </a:solidFill>
-            <a:headEnd type="none" w="med" len="med"/>
-            <a:tailEnd type="arrow" w="med" len="med"/>
-          </a:ln>
-          <a:effectLst/>
-        </p:spPr>
-        <p:style>
-          <a:lnRef idx="1">
-            <a:schemeClr val="accent2"/>
-          </a:lnRef>
-          <a:fillRef idx="2">
-            <a:schemeClr val="accent2"/>
-          </a:fillRef>
-          <a:effectRef idx="1">
-            <a:schemeClr val="accent2"/>
-          </a:effectRef>
-          <a:fontRef idx="minor">
-            <a:schemeClr val="dk1"/>
-          </a:fontRef>
-        </p:style>
-      </p:cxnSp>
       <p:sp>
         <p:nvSpPr>
           <p:cNvPr id="80" name="Rectangle 8"/>
@@ -14782,8 +14536,8 @@
         </p:nvSpPr>
         <p:spPr>
           <a:xfrm>
-            <a:off x="7712397" y="2887216"/>
-            <a:ext cx="708186" cy="285783"/>
+            <a:off x="7712396" y="2887216"/>
+            <a:ext cx="822003" cy="285783"/>
           </a:xfrm>
           <a:prstGeom prst="rect">
             <a:avLst/>
@@ -14815,12 +14569,12 @@
           <a:p>
             <a:pPr algn="ctr"/>
             <a:r>
-              <a:rPr lang="en-US" sz="1050" dirty="0" smtClean="0">
+              <a:rPr lang="en-SG" sz="1050" smtClean="0">
                 <a:solidFill>
                   <a:srgbClr val="7030A0"/>
                 </a:solidFill>
               </a:rPr>
-              <a:t>Phone</a:t>
+              <a:t>Description</a:t>
             </a:r>
             <a:endParaRPr lang="en-SG" sz="1050" dirty="0">
               <a:solidFill>
@@ -14842,7 +14596,7 @@
         <p:spPr>
           <a:xfrm flipV="1">
             <a:off x="7277995" y="3030108"/>
-            <a:ext cx="434402" cy="4783"/>
+            <a:ext cx="434401" cy="4783"/>
           </a:xfrm>
           <a:prstGeom prst="bentConnector3">
             <a:avLst/>
@@ -14871,401 +14625,6 @@
           </a:fontRef>
         </p:style>
       </p:cxnSp>
-      <p:sp>
-        <p:nvSpPr>
-          <p:cNvPr id="83" name="Rectangle 8"/>
-          <p:cNvSpPr/>
-          <p:nvPr/>
-        </p:nvSpPr>
-        <p:spPr>
-          <a:xfrm>
-            <a:off x="7712397" y="3210194"/>
-            <a:ext cx="708186" cy="285783"/>
-          </a:xfrm>
-          <a:prstGeom prst="rect">
-            <a:avLst/>
-          </a:prstGeom>
-          <a:ln w="19050">
-            <a:solidFill>
-              <a:srgbClr val="7030A0"/>
-            </a:solidFill>
-          </a:ln>
-          <a:effectLst/>
-        </p:spPr>
-        <p:style>
-          <a:lnRef idx="1">
-            <a:schemeClr val="accent4"/>
-          </a:lnRef>
-          <a:fillRef idx="2">
-            <a:schemeClr val="accent4"/>
-          </a:fillRef>
-          <a:effectRef idx="1">
-            <a:schemeClr val="accent4"/>
-          </a:effectRef>
-          <a:fontRef idx="minor">
-            <a:schemeClr val="dk1"/>
-          </a:fontRef>
-        </p:style>
-        <p:txBody>
-          <a:bodyPr rtlCol="0" anchor="ctr"/>
-          <a:lstStyle/>
-          <a:p>
-            <a:pPr algn="ctr"/>
-            <a:r>
-              <a:rPr lang="en-US" sz="1050" dirty="0" smtClean="0">
-                <a:solidFill>
-                  <a:srgbClr val="7030A0"/>
-                </a:solidFill>
-              </a:rPr>
-              <a:t>Email</a:t>
-            </a:r>
-            <a:endParaRPr lang="en-SG" sz="1050" dirty="0">
-              <a:solidFill>
-                <a:srgbClr val="7030A0"/>
-              </a:solidFill>
-            </a:endParaRPr>
-          </a:p>
-        </p:txBody>
-      </p:sp>
-      <p:cxnSp>
-        <p:nvCxnSpPr>
-          <p:cNvPr id="84" name="Elbow Connector 83"/>
-          <p:cNvCxnSpPr>
-            <a:stCxn id="78" idx="3"/>
-            <a:endCxn id="83" idx="1"/>
-          </p:cNvCxnSpPr>
-          <p:nvPr/>
-        </p:nvCxnSpPr>
-        <p:spPr>
-          <a:xfrm>
-            <a:off x="7277995" y="3034891"/>
-            <a:ext cx="434402" cy="318195"/>
-          </a:xfrm>
-          <a:prstGeom prst="bentConnector3">
-            <a:avLst/>
-          </a:prstGeom>
-          <a:ln w="19050">
-            <a:solidFill>
-              <a:srgbClr val="7030A0"/>
-            </a:solidFill>
-            <a:headEnd type="none" w="med" len="med"/>
-            <a:tailEnd type="arrow" w="med" len="med"/>
-          </a:ln>
-          <a:effectLst/>
-        </p:spPr>
-        <p:style>
-          <a:lnRef idx="1">
-            <a:schemeClr val="accent2"/>
-          </a:lnRef>
-          <a:fillRef idx="2">
-            <a:schemeClr val="accent2"/>
-          </a:fillRef>
-          <a:effectRef idx="1">
-            <a:schemeClr val="accent2"/>
-          </a:effectRef>
-          <a:fontRef idx="minor">
-            <a:schemeClr val="dk1"/>
-          </a:fontRef>
-        </p:style>
-      </p:cxnSp>
-      <p:sp>
-        <p:nvSpPr>
-          <p:cNvPr id="85" name="Rectangle 8"/>
-          <p:cNvSpPr/>
-          <p:nvPr/>
-        </p:nvSpPr>
-        <p:spPr>
-          <a:xfrm>
-            <a:off x="7712397" y="3533171"/>
-            <a:ext cx="708186" cy="285783"/>
-          </a:xfrm>
-          <a:prstGeom prst="rect">
-            <a:avLst/>
-          </a:prstGeom>
-          <a:ln w="19050">
-            <a:solidFill>
-              <a:srgbClr val="7030A0"/>
-            </a:solidFill>
-          </a:ln>
-          <a:effectLst/>
-        </p:spPr>
-        <p:style>
-          <a:lnRef idx="1">
-            <a:schemeClr val="accent4"/>
-          </a:lnRef>
-          <a:fillRef idx="2">
-            <a:schemeClr val="accent4"/>
-          </a:fillRef>
-          <a:effectRef idx="1">
-            <a:schemeClr val="accent4"/>
-          </a:effectRef>
-          <a:fontRef idx="minor">
-            <a:schemeClr val="dk1"/>
-          </a:fontRef>
-        </p:style>
-        <p:txBody>
-          <a:bodyPr rtlCol="0" anchor="ctr"/>
-          <a:lstStyle/>
-          <a:p>
-            <a:pPr algn="ctr"/>
-            <a:r>
-              <a:rPr lang="en-US" sz="1050" dirty="0" smtClean="0">
-                <a:solidFill>
-                  <a:srgbClr val="7030A0"/>
-                </a:solidFill>
-              </a:rPr>
-              <a:t>Address</a:t>
-            </a:r>
-            <a:endParaRPr lang="en-SG" sz="1050" dirty="0">
-              <a:solidFill>
-                <a:srgbClr val="7030A0"/>
-              </a:solidFill>
-            </a:endParaRPr>
-          </a:p>
-        </p:txBody>
-      </p:sp>
-      <p:cxnSp>
-        <p:nvCxnSpPr>
-          <p:cNvPr id="86" name="Elbow Connector 85"/>
-          <p:cNvCxnSpPr>
-            <a:stCxn id="78" idx="3"/>
-            <a:endCxn id="85" idx="1"/>
-          </p:cNvCxnSpPr>
-          <p:nvPr/>
-        </p:nvCxnSpPr>
-        <p:spPr>
-          <a:xfrm>
-            <a:off x="7277995" y="3034891"/>
-            <a:ext cx="434402" cy="641172"/>
-          </a:xfrm>
-          <a:prstGeom prst="bentConnector3">
-            <a:avLst/>
-          </a:prstGeom>
-          <a:ln w="19050">
-            <a:solidFill>
-              <a:srgbClr val="7030A0"/>
-            </a:solidFill>
-            <a:headEnd type="none" w="med" len="med"/>
-            <a:tailEnd type="arrow" w="med" len="med"/>
-          </a:ln>
-          <a:effectLst/>
-        </p:spPr>
-        <p:style>
-          <a:lnRef idx="1">
-            <a:schemeClr val="accent2"/>
-          </a:lnRef>
-          <a:fillRef idx="2">
-            <a:schemeClr val="accent2"/>
-          </a:fillRef>
-          <a:effectRef idx="1">
-            <a:schemeClr val="accent2"/>
-          </a:effectRef>
-          <a:fontRef idx="minor">
-            <a:schemeClr val="dk1"/>
-          </a:fontRef>
-        </p:style>
-      </p:cxnSp>
-      <p:cxnSp>
-        <p:nvCxnSpPr>
-          <p:cNvPr id="97" name="Elbow Connector 63"/>
-          <p:cNvCxnSpPr>
-            <a:stCxn id="99" idx="3"/>
-          </p:cNvCxnSpPr>
-          <p:nvPr/>
-        </p:nvCxnSpPr>
-        <p:spPr>
-          <a:xfrm rot="16200000" flipH="1">
-            <a:off x="3279321" y="2485431"/>
-            <a:ext cx="293825" cy="1"/>
-          </a:xfrm>
-          <a:prstGeom prst="bentConnector3">
-            <a:avLst>
-              <a:gd name="adj1" fmla="val 50000"/>
-            </a:avLst>
-          </a:prstGeom>
-          <a:ln w="19050">
-            <a:solidFill>
-              <a:srgbClr val="7030A0"/>
-            </a:solidFill>
-            <a:prstDash val="sysDot"/>
-            <a:headEnd type="none" w="med" len="med"/>
-            <a:tailEnd type="none" w="med" len="med"/>
-          </a:ln>
-          <a:effectLst/>
-        </p:spPr>
-        <p:style>
-          <a:lnRef idx="1">
-            <a:schemeClr val="accent2"/>
-          </a:lnRef>
-          <a:fillRef idx="2">
-            <a:schemeClr val="accent2"/>
-          </a:fillRef>
-          <a:effectRef idx="1">
-            <a:schemeClr val="accent2"/>
-          </a:effectRef>
-          <a:fontRef idx="minor">
-            <a:schemeClr val="dk1"/>
-          </a:fontRef>
-        </p:style>
-      </p:cxnSp>
-      <p:sp>
-        <p:nvSpPr>
-          <p:cNvPr id="99" name="Isosceles Triangle 102"/>
-          <p:cNvSpPr/>
-          <p:nvPr/>
-        </p:nvSpPr>
-        <p:spPr>
-          <a:xfrm rot="10800000" flipV="1">
-            <a:off x="3290981" y="2162997"/>
-            <a:ext cx="270504" cy="175523"/>
-          </a:xfrm>
-          <a:prstGeom prst="triangle">
-            <a:avLst/>
-          </a:prstGeom>
-          <a:ln w="19050">
-            <a:solidFill>
-              <a:srgbClr val="7030A0"/>
-            </a:solidFill>
-          </a:ln>
-          <a:effectLst/>
-        </p:spPr>
-        <p:style>
-          <a:lnRef idx="1">
-            <a:schemeClr val="accent4"/>
-          </a:lnRef>
-          <a:fillRef idx="2">
-            <a:schemeClr val="accent4"/>
-          </a:fillRef>
-          <a:effectRef idx="1">
-            <a:schemeClr val="accent4"/>
-          </a:effectRef>
-          <a:fontRef idx="minor">
-            <a:schemeClr val="dk1"/>
-          </a:fontRef>
-        </p:style>
-        <p:txBody>
-          <a:bodyPr rtlCol="0" anchor="ctr"/>
-          <a:lstStyle/>
-          <a:p>
-            <a:pPr algn="ctr"/>
-            <a:endParaRPr lang="en-SG" sz="1050" b="1">
-              <a:solidFill>
-                <a:srgbClr val="92D050"/>
-              </a:solidFill>
-            </a:endParaRPr>
-          </a:p>
-        </p:txBody>
-      </p:sp>
-      <p:sp>
-        <p:nvSpPr>
-          <p:cNvPr id="100" name="Rectangle 8"/>
-          <p:cNvSpPr/>
-          <p:nvPr/>
-        </p:nvSpPr>
-        <p:spPr>
-          <a:xfrm>
-            <a:off x="2660303" y="1806470"/>
-            <a:ext cx="1539926" cy="346760"/>
-          </a:xfrm>
-          <a:prstGeom prst="rect">
-            <a:avLst/>
-          </a:prstGeom>
-          <a:ln w="19050">
-            <a:solidFill>
-              <a:srgbClr val="7030A0"/>
-            </a:solidFill>
-          </a:ln>
-          <a:effectLst/>
-        </p:spPr>
-        <p:style>
-          <a:lnRef idx="1">
-            <a:schemeClr val="accent4"/>
-          </a:lnRef>
-          <a:fillRef idx="2">
-            <a:schemeClr val="accent4"/>
-          </a:fillRef>
-          <a:effectRef idx="1">
-            <a:schemeClr val="accent4"/>
-          </a:effectRef>
-          <a:fontRef idx="minor">
-            <a:schemeClr val="dk1"/>
-          </a:fontRef>
-        </p:style>
-        <p:txBody>
-          <a:bodyPr rtlCol="0" anchor="ctr"/>
-          <a:lstStyle/>
-          <a:p>
-            <a:pPr algn="ctr"/>
-            <a:r>
-              <a:rPr lang="en-US" sz="1050" dirty="0" smtClean="0">
-                <a:solidFill>
-                  <a:srgbClr val="7030A0"/>
-                </a:solidFill>
-              </a:rPr>
-              <a:t>&lt;&lt;interface&gt;&gt;</a:t>
-            </a:r>
-            <a:br>
-              <a:rPr lang="en-US" sz="1050" dirty="0" smtClean="0">
-                <a:solidFill>
-                  <a:srgbClr val="7030A0"/>
-                </a:solidFill>
-              </a:rPr>
-            </a:br>
-            <a:r>
-              <a:rPr lang="en-US" sz="1050" dirty="0" err="1" smtClean="0">
-                <a:solidFill>
-                  <a:srgbClr val="7030A0"/>
-                </a:solidFill>
-              </a:rPr>
-              <a:t>ReadOnlyAddressBook</a:t>
-            </a:r>
-            <a:endParaRPr lang="en-SG" sz="1050" dirty="0">
-              <a:solidFill>
-                <a:srgbClr val="7030A0"/>
-              </a:solidFill>
-            </a:endParaRPr>
-          </a:p>
-        </p:txBody>
-      </p:sp>
-      <p:sp>
-        <p:nvSpPr>
-          <p:cNvPr id="114" name="TextBox 113"/>
-          <p:cNvSpPr txBox="1"/>
-          <p:nvPr/>
-        </p:nvSpPr>
-        <p:spPr>
-          <a:xfrm rot="16200000">
-            <a:off x="6581354" y="3514530"/>
-            <a:ext cx="881018" cy="261610"/>
-          </a:xfrm>
-          <a:prstGeom prst="rect">
-            <a:avLst/>
-          </a:prstGeom>
-          <a:noFill/>
-        </p:spPr>
-        <p:txBody>
-          <a:bodyPr wrap="square" rtlCol="0">
-            <a:spAutoFit/>
-          </a:bodyPr>
-          <a:lstStyle/>
-          <a:p>
-            <a:pPr algn="r"/>
-            <a:r>
-              <a:rPr lang="en-US" sz="1100" dirty="0" smtClean="0">
-                <a:solidFill>
-                  <a:srgbClr val="7030A0"/>
-                </a:solidFill>
-              </a:rPr>
-              <a:t>filtered list</a:t>
-            </a:r>
-            <a:endParaRPr lang="en-SG" sz="1100" dirty="0">
-              <a:solidFill>
-                <a:srgbClr val="7030A0"/>
-              </a:solidFill>
-            </a:endParaRPr>
-          </a:p>
-        </p:txBody>
-      </p:sp>
       <p:sp>
         <p:nvSpPr>
           <p:cNvPr id="122" name="Rectangle 8"/>
@@ -15387,6 +14746,44 @@
           </a:fontRef>
         </p:style>
       </p:cxnSp>
+      <p:sp>
+        <p:nvSpPr>
+          <p:cNvPr id="38" name="TextBox 37"/>
+          <p:cNvSpPr txBox="1"/>
+          <p:nvPr/>
+        </p:nvSpPr>
+        <p:spPr>
+          <a:xfrm rot="16200000">
+            <a:off x="6715778" y="3529469"/>
+            <a:ext cx="840856" cy="261610"/>
+          </a:xfrm>
+          <a:prstGeom prst="rect">
+            <a:avLst/>
+          </a:prstGeom>
+          <a:noFill/>
+        </p:spPr>
+        <p:txBody>
+          <a:bodyPr wrap="square" rtlCol="0">
+            <a:spAutoFit/>
+          </a:bodyPr>
+          <a:lstStyle/>
+          <a:p>
+            <a:r>
+              <a:rPr lang="en-US" sz="1100" dirty="0" smtClean="0">
+                <a:solidFill>
+                  <a:srgbClr val="7030A0"/>
+                </a:solidFill>
+              </a:rPr>
+              <a:t>Filtered list</a:t>
+            </a:r>
+            <a:endParaRPr lang="en-US" sz="1100" dirty="0">
+              <a:solidFill>
+                <a:srgbClr val="7030A0"/>
+              </a:solidFill>
+            </a:endParaRPr>
+          </a:p>
+        </p:txBody>
+      </p:sp>
     </p:spTree>
     <p:extLst>
       <p:ext uri="{BB962C8B-B14F-4D97-AF65-F5344CB8AC3E}">
@@ -15433,7 +14830,7 @@
         <p:spPr>
           <a:xfrm>
             <a:off x="1119865" y="2086382"/>
-            <a:ext cx="7871735" cy="1723618"/>
+            <a:ext cx="7871735" cy="2485618"/>
           </a:xfrm>
           <a:prstGeom prst="roundRect">
             <a:avLst>
@@ -15557,7 +14954,7 @@
                   <a:schemeClr val="bg1"/>
                 </a:solidFill>
               </a:rPr>
-              <a:t>AddressBookStorage</a:t>
+              <a:t>TaskStorage</a:t>
             </a:r>
             <a:endParaRPr lang="en-SG" sz="1050" dirty="0">
               <a:solidFill>
@@ -15575,8 +14972,8 @@
         </p:nvSpPr>
         <p:spPr>
           <a:xfrm rot="16200000">
-            <a:off x="1683963" y="2868687"/>
-            <a:ext cx="1093635" cy="346760"/>
+            <a:off x="1382906" y="3169744"/>
+            <a:ext cx="1695750" cy="346760"/>
           </a:xfrm>
           <a:prstGeom prst="rect">
             <a:avLst/>
@@ -15620,7 +15017,7 @@
                   <a:schemeClr val="bg1"/>
                 </a:solidFill>
               </a:rPr>
-              <a:t>StorageManager</a:t>
+              <a:t>TaskStorageManager</a:t>
             </a:r>
             <a:endParaRPr lang="en-SG" sz="1050" dirty="0">
               <a:solidFill>
@@ -15638,8 +15035,8 @@
         </p:nvSpPr>
         <p:spPr>
           <a:xfrm rot="16200000">
-            <a:off x="956202" y="2861202"/>
-            <a:ext cx="1093635" cy="346760"/>
+            <a:off x="651403" y="3166001"/>
+            <a:ext cx="1703234" cy="346760"/>
           </a:xfrm>
           <a:prstGeom prst="rect">
             <a:avLst/>
@@ -15689,12 +15086,12 @@
           <a:p>
             <a:pPr algn="ctr"/>
             <a:r>
-              <a:rPr lang="en-US" sz="1050" dirty="0" smtClean="0">
+              <a:rPr lang="en-US" sz="1050" dirty="0" err="1" smtClean="0">
                 <a:solidFill>
                   <a:schemeClr val="bg1"/>
                 </a:solidFill>
               </a:rPr>
-              <a:t>Storage</a:t>
+              <a:t>TaskStorage</a:t>
             </a:r>
             <a:endParaRPr lang="en-SG" sz="1050" dirty="0">
               <a:solidFill>
@@ -15712,7 +15109,7 @@
         </p:nvSpPr>
         <p:spPr>
           <a:xfrm rot="16200000">
-            <a:off x="1626910" y="2952291"/>
+            <a:off x="1626910" y="3171691"/>
             <a:ext cx="270504" cy="175523"/>
           </a:xfrm>
           <a:prstGeom prst="triangle">
@@ -15810,7 +15207,7 @@
         </p:nvCxnSpPr>
         <p:spPr>
           <a:xfrm>
-            <a:off x="910091" y="3040053"/>
+            <a:off x="910091" y="3349940"/>
             <a:ext cx="419548" cy="2860"/>
           </a:xfrm>
           <a:prstGeom prst="bentConnector3">
@@ -15855,7 +15252,7 @@
         </p:nvCxnSpPr>
         <p:spPr>
           <a:xfrm flipV="1">
-            <a:off x="1849924" y="3040052"/>
+            <a:off x="1849924" y="3259452"/>
             <a:ext cx="216105" cy="1"/>
           </a:xfrm>
           <a:prstGeom prst="line">
@@ -16130,7 +15527,7 @@
                   </a:schemeClr>
                 </a:solidFill>
               </a:rPr>
-              <a:t>XmlAddressBook</a:t>
+              <a:t>XmlTask</a:t>
             </a:r>
             <a:r>
               <a:rPr lang="en-US" sz="1050" b="1" dirty="0" smtClean="0">
@@ -16596,14 +15993,14 @@
               </a:rPr>
             </a:br>
             <a:r>
-              <a:rPr lang="en-US" sz="1050" b="1" dirty="0" err="1" smtClean="0">
+              <a:rPr lang="en-US" sz="1050" b="1" dirty="0" smtClean="0">
                 <a:solidFill>
                   <a:schemeClr val="accent6">
                     <a:lumMod val="75000"/>
                   </a:schemeClr>
                 </a:solidFill>
               </a:rPr>
-              <a:t>AddressBook</a:t>
+              <a:t>Task</a:t>
             </a:r>
             <a:endParaRPr lang="en-SG" sz="1050" b="1" dirty="0">
               <a:solidFill>
@@ -16615,56 +16012,15 @@
           </a:p>
         </p:txBody>
       </p:sp>
-      <p:cxnSp>
-        <p:nvCxnSpPr>
-          <p:cNvPr id="70" name="Elbow Connector 122"/>
-          <p:cNvCxnSpPr>
-            <a:stCxn id="74" idx="0"/>
-            <a:endCxn id="73" idx="2"/>
-          </p:cNvCxnSpPr>
-          <p:nvPr/>
-        </p:nvCxnSpPr>
-        <p:spPr>
-          <a:xfrm rot="5400000" flipH="1" flipV="1">
-            <a:off x="8077993" y="2992020"/>
-            <a:ext cx="335208" cy="12700"/>
-          </a:xfrm>
-          <a:prstGeom prst="bentConnector3">
-            <a:avLst>
-              <a:gd name="adj1" fmla="val 50000"/>
-            </a:avLst>
-          </a:prstGeom>
-          <a:ln w="19050">
-            <a:prstDash val="sysDot"/>
-            <a:headEnd type="none" w="med" len="med"/>
-            <a:tailEnd type="arrow" w="med" len="med"/>
-          </a:ln>
-          <a:effectLst/>
-        </p:spPr>
-        <p:style>
-          <a:lnRef idx="1">
-            <a:schemeClr val="accent6"/>
-          </a:lnRef>
-          <a:fillRef idx="2">
-            <a:schemeClr val="accent6"/>
-          </a:fillRef>
-          <a:effectRef idx="1">
-            <a:schemeClr val="accent6"/>
-          </a:effectRef>
-          <a:fontRef idx="minor">
-            <a:schemeClr val="dk1"/>
-          </a:fontRef>
-        </p:style>
-      </p:cxnSp>
-      <p:sp>
-        <p:nvSpPr>
-          <p:cNvPr id="73" name="Rectangle 8"/>
+      <p:sp>
+        <p:nvSpPr>
+          <p:cNvPr id="74" name="Rectangle 8"/>
           <p:cNvSpPr/>
           <p:nvPr/>
         </p:nvSpPr>
         <p:spPr>
           <a:xfrm>
-            <a:off x="7615738" y="2477656"/>
+            <a:off x="7615738" y="3159624"/>
             <a:ext cx="1259718" cy="346760"/>
           </a:xfrm>
           <a:prstGeom prst="rect">
@@ -16700,7 +16056,7 @@
                   </a:schemeClr>
                 </a:solidFill>
               </a:rPr>
-              <a:t>XmlAdaptedTag</a:t>
+              <a:t>XmlAdaptedTask</a:t>
             </a:r>
             <a:endParaRPr lang="en-SG" sz="1050" b="1" dirty="0">
               <a:solidFill>
@@ -16712,16 +16068,377 @@
           </a:p>
         </p:txBody>
       </p:sp>
-      <p:sp>
-        <p:nvSpPr>
-          <p:cNvPr id="74" name="Rectangle 8"/>
+      <p:cxnSp>
+        <p:nvCxnSpPr>
+          <p:cNvPr id="77" name="Elbow Connector 122"/>
+          <p:cNvCxnSpPr>
+            <a:stCxn id="66" idx="3"/>
+            <a:endCxn id="74" idx="1"/>
+          </p:cNvCxnSpPr>
+          <p:nvPr/>
+        </p:nvCxnSpPr>
+        <p:spPr>
+          <a:xfrm flipV="1">
+            <a:off x="7220507" y="3333004"/>
+            <a:ext cx="395231" cy="786"/>
+          </a:xfrm>
+          <a:prstGeom prst="bentConnector3">
+            <a:avLst>
+              <a:gd name="adj1" fmla="val 50000"/>
+            </a:avLst>
+          </a:prstGeom>
+          <a:ln w="19050">
+            <a:prstDash val="sysDot"/>
+            <a:headEnd type="none" w="med" len="med"/>
+            <a:tailEnd type="arrow" w="med" len="med"/>
+          </a:ln>
+          <a:effectLst/>
+        </p:spPr>
+        <p:style>
+          <a:lnRef idx="1">
+            <a:schemeClr val="accent6"/>
+          </a:lnRef>
+          <a:fillRef idx="2">
+            <a:schemeClr val="accent6"/>
+          </a:fillRef>
+          <a:effectRef idx="1">
+            <a:schemeClr val="accent6"/>
+          </a:effectRef>
+          <a:fontRef idx="minor">
+            <a:schemeClr val="dk1"/>
+          </a:fontRef>
+        </p:style>
+      </p:cxnSp>
+      <p:sp>
+        <p:nvSpPr>
+          <p:cNvPr id="26" name="Rectangle 8"/>
           <p:cNvSpPr/>
           <p:nvPr/>
         </p:nvSpPr>
         <p:spPr>
           <a:xfrm>
-            <a:off x="7615738" y="3159624"/>
-            <a:ext cx="1259718" cy="346760"/>
+            <a:off x="2895258" y="3733800"/>
+            <a:ext cx="1323049" cy="346760"/>
+          </a:xfrm>
+          <a:prstGeom prst="rect">
+            <a:avLst/>
+          </a:prstGeom>
+          <a:solidFill>
+            <a:schemeClr val="accent6">
+              <a:lumMod val="75000"/>
+            </a:schemeClr>
+          </a:solidFill>
+          <a:ln w="19050">
+            <a:solidFill>
+              <a:schemeClr val="accent6">
+                <a:lumMod val="75000"/>
+              </a:schemeClr>
+            </a:solidFill>
+          </a:ln>
+          <a:effectLst/>
+        </p:spPr>
+        <p:style>
+          <a:lnRef idx="1">
+            <a:schemeClr val="accent2"/>
+          </a:lnRef>
+          <a:fillRef idx="2">
+            <a:schemeClr val="accent2"/>
+          </a:fillRef>
+          <a:effectRef idx="1">
+            <a:schemeClr val="accent2"/>
+          </a:effectRef>
+          <a:fontRef idx="minor">
+            <a:schemeClr val="dk1"/>
+          </a:fontRef>
+        </p:style>
+        <p:txBody>
+          <a:bodyPr rtlCol="0" anchor="ctr"/>
+          <a:lstStyle/>
+          <a:p>
+            <a:pPr algn="ctr"/>
+            <a:r>
+              <a:rPr lang="en-US" sz="1050" dirty="0" smtClean="0">
+                <a:solidFill>
+                  <a:schemeClr val="bg1"/>
+                </a:solidFill>
+              </a:rPr>
+              <a:t>&lt;&lt;interface&gt;&gt;</a:t>
+            </a:r>
+            <a:br>
+              <a:rPr lang="en-US" sz="1050" dirty="0" smtClean="0">
+                <a:solidFill>
+                  <a:schemeClr val="bg1"/>
+                </a:solidFill>
+              </a:rPr>
+            </a:br>
+            <a:r>
+              <a:rPr lang="en-US" sz="1050" dirty="0" err="1" smtClean="0">
+                <a:solidFill>
+                  <a:schemeClr val="bg1"/>
+                </a:solidFill>
+              </a:rPr>
+              <a:t>Alias</a:t>
+            </a:r>
+            <a:r>
+              <a:rPr lang="en-US" sz="1050" dirty="0" err="1" smtClean="0">
+                <a:solidFill>
+                  <a:schemeClr val="bg1"/>
+                </a:solidFill>
+              </a:rPr>
+              <a:t>Storage</a:t>
+            </a:r>
+            <a:endParaRPr lang="en-SG" sz="1050" dirty="0">
+              <a:solidFill>
+                <a:schemeClr val="bg1"/>
+              </a:solidFill>
+            </a:endParaRPr>
+          </a:p>
+        </p:txBody>
+      </p:sp>
+      <p:cxnSp>
+        <p:nvCxnSpPr>
+          <p:cNvPr id="27" name="Straight Arrow Connector 26"/>
+          <p:cNvCxnSpPr>
+            <a:endCxn id="26" idx="1"/>
+          </p:cNvCxnSpPr>
+          <p:nvPr/>
+        </p:nvCxnSpPr>
+        <p:spPr>
+          <a:xfrm>
+            <a:off x="2674448" y="3901896"/>
+            <a:ext cx="220810" cy="5284"/>
+          </a:xfrm>
+          <a:prstGeom prst="straightConnector1">
+            <a:avLst/>
+          </a:prstGeom>
+          <a:ln w="19050">
+            <a:solidFill>
+              <a:schemeClr val="accent6">
+                <a:lumMod val="75000"/>
+              </a:schemeClr>
+            </a:solidFill>
+            <a:headEnd type="none" w="med" len="med"/>
+            <a:tailEnd type="arrow" w="med" len="med"/>
+          </a:ln>
+          <a:effectLst/>
+        </p:spPr>
+        <p:style>
+          <a:lnRef idx="1">
+            <a:schemeClr val="accent2"/>
+          </a:lnRef>
+          <a:fillRef idx="2">
+            <a:schemeClr val="accent2"/>
+          </a:fillRef>
+          <a:effectRef idx="1">
+            <a:schemeClr val="accent2"/>
+          </a:effectRef>
+          <a:fontRef idx="minor">
+            <a:schemeClr val="dk1"/>
+          </a:fontRef>
+        </p:style>
+      </p:cxnSp>
+      <p:sp>
+        <p:nvSpPr>
+          <p:cNvPr id="28" name="Flowchart: Decision 96"/>
+          <p:cNvSpPr/>
+          <p:nvPr/>
+        </p:nvSpPr>
+        <p:spPr>
+          <a:xfrm>
+            <a:off x="2438400" y="3815206"/>
+            <a:ext cx="236048" cy="173380"/>
+          </a:xfrm>
+          <a:prstGeom prst="flowChartDecision">
+            <a:avLst/>
+          </a:prstGeom>
+          <a:noFill/>
+          <a:ln w="19050">
+            <a:solidFill>
+              <a:schemeClr val="accent6">
+                <a:lumMod val="75000"/>
+              </a:schemeClr>
+            </a:solidFill>
+          </a:ln>
+          <a:effectLst/>
+        </p:spPr>
+        <p:style>
+          <a:lnRef idx="1">
+            <a:schemeClr val="accent2"/>
+          </a:lnRef>
+          <a:fillRef idx="2">
+            <a:schemeClr val="accent2"/>
+          </a:fillRef>
+          <a:effectRef idx="1">
+            <a:schemeClr val="accent2"/>
+          </a:effectRef>
+          <a:fontRef idx="minor">
+            <a:schemeClr val="dk1"/>
+          </a:fontRef>
+        </p:style>
+        <p:txBody>
+          <a:bodyPr rtlCol="0" anchor="ctr"/>
+          <a:lstStyle/>
+          <a:p>
+            <a:pPr algn="ctr"/>
+            <a:endParaRPr lang="en-US" sz="1050">
+              <a:solidFill>
+                <a:schemeClr val="bg1"/>
+              </a:solidFill>
+            </a:endParaRPr>
+          </a:p>
+        </p:txBody>
+      </p:sp>
+      <p:cxnSp>
+        <p:nvCxnSpPr>
+          <p:cNvPr id="29" name="Elbow Connector 63"/>
+          <p:cNvCxnSpPr/>
+          <p:nvPr/>
+        </p:nvCxnSpPr>
+        <p:spPr>
+          <a:xfrm flipV="1">
+            <a:off x="4416119" y="3907180"/>
+            <a:ext cx="223324" cy="1"/>
+          </a:xfrm>
+          <a:prstGeom prst="bentConnector3">
+            <a:avLst>
+              <a:gd name="adj1" fmla="val 50000"/>
+            </a:avLst>
+          </a:prstGeom>
+          <a:ln w="19050">
+            <a:solidFill>
+              <a:schemeClr val="accent6">
+                <a:lumMod val="75000"/>
+              </a:schemeClr>
+            </a:solidFill>
+            <a:prstDash val="sysDot"/>
+            <a:headEnd type="none" w="med" len="med"/>
+            <a:tailEnd type="none" w="med" len="med"/>
+          </a:ln>
+          <a:effectLst/>
+        </p:spPr>
+        <p:style>
+          <a:lnRef idx="1">
+            <a:schemeClr val="accent2"/>
+          </a:lnRef>
+          <a:fillRef idx="2">
+            <a:schemeClr val="accent2"/>
+          </a:fillRef>
+          <a:effectRef idx="1">
+            <a:schemeClr val="accent2"/>
+          </a:effectRef>
+          <a:fontRef idx="minor">
+            <a:schemeClr val="dk1"/>
+          </a:fontRef>
+        </p:style>
+      </p:cxnSp>
+      <p:sp>
+        <p:nvSpPr>
+          <p:cNvPr id="30" name="Isosceles Triangle 102"/>
+          <p:cNvSpPr/>
+          <p:nvPr/>
+        </p:nvSpPr>
+        <p:spPr>
+          <a:xfrm rot="5400000" flipV="1">
+            <a:off x="4193105" y="3819419"/>
+            <a:ext cx="270504" cy="175523"/>
+          </a:xfrm>
+          <a:prstGeom prst="triangle">
+            <a:avLst/>
+          </a:prstGeom>
+          <a:solidFill>
+            <a:schemeClr val="accent6">
+              <a:lumMod val="75000"/>
+            </a:schemeClr>
+          </a:solidFill>
+          <a:ln w="19050">
+            <a:solidFill>
+              <a:schemeClr val="accent6">
+                <a:lumMod val="75000"/>
+              </a:schemeClr>
+            </a:solidFill>
+          </a:ln>
+          <a:effectLst/>
+        </p:spPr>
+        <p:style>
+          <a:lnRef idx="1">
+            <a:schemeClr val="accent2"/>
+          </a:lnRef>
+          <a:fillRef idx="2">
+            <a:schemeClr val="accent2"/>
+          </a:fillRef>
+          <a:effectRef idx="1">
+            <a:schemeClr val="accent2"/>
+          </a:effectRef>
+          <a:fontRef idx="minor">
+            <a:schemeClr val="dk1"/>
+          </a:fontRef>
+        </p:style>
+        <p:txBody>
+          <a:bodyPr rtlCol="0" anchor="ctr"/>
+          <a:lstStyle/>
+          <a:p>
+            <a:pPr algn="ctr"/>
+            <a:endParaRPr lang="en-SG" sz="1050">
+              <a:solidFill>
+                <a:schemeClr val="bg1"/>
+              </a:solidFill>
+            </a:endParaRPr>
+          </a:p>
+        </p:txBody>
+      </p:sp>
+      <p:cxnSp>
+        <p:nvCxnSpPr>
+          <p:cNvPr id="31" name="Elbow Connector 122"/>
+          <p:cNvCxnSpPr/>
+          <p:nvPr/>
+        </p:nvCxnSpPr>
+        <p:spPr>
+          <a:xfrm>
+            <a:off x="5809278" y="3907180"/>
+            <a:ext cx="228600" cy="1970"/>
+          </a:xfrm>
+          <a:prstGeom prst="bentConnector3">
+            <a:avLst>
+              <a:gd name="adj1" fmla="val 50000"/>
+            </a:avLst>
+          </a:prstGeom>
+          <a:ln w="19050">
+            <a:solidFill>
+              <a:schemeClr val="accent6">
+                <a:lumMod val="75000"/>
+              </a:schemeClr>
+            </a:solidFill>
+            <a:prstDash val="sysDot"/>
+            <a:headEnd type="none" w="med" len="med"/>
+            <a:tailEnd type="arrow" w="med" len="med"/>
+          </a:ln>
+          <a:effectLst/>
+        </p:spPr>
+        <p:style>
+          <a:lnRef idx="1">
+            <a:schemeClr val="accent2"/>
+          </a:lnRef>
+          <a:fillRef idx="2">
+            <a:schemeClr val="accent2"/>
+          </a:fillRef>
+          <a:effectRef idx="1">
+            <a:schemeClr val="accent2"/>
+          </a:effectRef>
+          <a:fontRef idx="minor">
+            <a:schemeClr val="dk1"/>
+          </a:fontRef>
+        </p:style>
+      </p:cxnSp>
+      <p:sp>
+        <p:nvSpPr>
+          <p:cNvPr id="32" name="Rectangle 8"/>
+          <p:cNvSpPr/>
+          <p:nvPr/>
+        </p:nvSpPr>
+        <p:spPr>
+          <a:xfrm>
+            <a:off x="4639443" y="3733800"/>
+            <a:ext cx="1169835" cy="346760"/>
           </a:xfrm>
           <a:prstGeom prst="rect">
             <a:avLst/>
@@ -16756,7 +16473,7 @@
                   </a:schemeClr>
                 </a:solidFill>
               </a:rPr>
-              <a:t>XmlAdaptedPerson</a:t>
+              <a:t>XmlAliasStorage</a:t>
             </a:r>
             <a:endParaRPr lang="en-SG" sz="1050" b="1" dirty="0">
               <a:solidFill>
@@ -16768,18 +16485,156 @@
           </a:p>
         </p:txBody>
       </p:sp>
+      <p:sp>
+        <p:nvSpPr>
+          <p:cNvPr id="33" name="Rectangle 32"/>
+          <p:cNvSpPr/>
+          <p:nvPr/>
+        </p:nvSpPr>
+        <p:spPr>
+          <a:xfrm>
+            <a:off x="6037878" y="3735770"/>
+            <a:ext cx="1200707" cy="346760"/>
+          </a:xfrm>
+          <a:prstGeom prst="rect">
+            <a:avLst/>
+          </a:prstGeom>
+          <a:ln w="19050"/>
+          <a:effectLst/>
+        </p:spPr>
+        <p:style>
+          <a:lnRef idx="1">
+            <a:schemeClr val="accent6"/>
+          </a:lnRef>
+          <a:fillRef idx="2">
+            <a:schemeClr val="accent6"/>
+          </a:fillRef>
+          <a:effectRef idx="1">
+            <a:schemeClr val="accent6"/>
+          </a:effectRef>
+          <a:fontRef idx="minor">
+            <a:schemeClr val="dk1"/>
+          </a:fontRef>
+        </p:style>
+        <p:txBody>
+          <a:bodyPr rtlCol="0" anchor="ctr"/>
+          <a:lstStyle/>
+          <a:p>
+            <a:pPr algn="ctr"/>
+            <a:r>
+              <a:rPr lang="en-US" sz="1050" b="1" dirty="0" err="1" smtClean="0">
+                <a:solidFill>
+                  <a:schemeClr val="accent6">
+                    <a:lumMod val="75000"/>
+                  </a:schemeClr>
+                </a:solidFill>
+              </a:rPr>
+              <a:t>XmlSerializable</a:t>
+            </a:r>
+            <a:r>
+              <a:rPr lang="en-US" sz="1050" b="1" dirty="0" smtClean="0">
+                <a:solidFill>
+                  <a:schemeClr val="accent6">
+                    <a:lumMod val="75000"/>
+                  </a:schemeClr>
+                </a:solidFill>
+              </a:rPr>
+              <a:t/>
+            </a:r>
+            <a:br>
+              <a:rPr lang="en-US" sz="1050" b="1" dirty="0" smtClean="0">
+                <a:solidFill>
+                  <a:schemeClr val="accent6">
+                    <a:lumMod val="75000"/>
+                  </a:schemeClr>
+                </a:solidFill>
+              </a:rPr>
+            </a:br>
+            <a:r>
+              <a:rPr lang="en-US" sz="1050" b="1" dirty="0" smtClean="0">
+                <a:solidFill>
+                  <a:schemeClr val="accent6">
+                    <a:lumMod val="75000"/>
+                  </a:schemeClr>
+                </a:solidFill>
+              </a:rPr>
+              <a:t>Alias</a:t>
+            </a:r>
+            <a:endParaRPr lang="en-SG" sz="1050" b="1" dirty="0">
+              <a:solidFill>
+                <a:schemeClr val="accent6">
+                  <a:lumMod val="75000"/>
+                </a:schemeClr>
+              </a:solidFill>
+            </a:endParaRPr>
+          </a:p>
+        </p:txBody>
+      </p:sp>
+      <p:sp>
+        <p:nvSpPr>
+          <p:cNvPr id="34" name="Rectangle 8"/>
+          <p:cNvSpPr/>
+          <p:nvPr/>
+        </p:nvSpPr>
+        <p:spPr>
+          <a:xfrm>
+            <a:off x="7633816" y="3734984"/>
+            <a:ext cx="1259718" cy="346760"/>
+          </a:xfrm>
+          <a:prstGeom prst="rect">
+            <a:avLst/>
+          </a:prstGeom>
+          <a:ln w="19050"/>
+          <a:effectLst/>
+        </p:spPr>
+        <p:style>
+          <a:lnRef idx="1">
+            <a:schemeClr val="accent6"/>
+          </a:lnRef>
+          <a:fillRef idx="2">
+            <a:schemeClr val="accent6"/>
+          </a:fillRef>
+          <a:effectRef idx="1">
+            <a:schemeClr val="accent6"/>
+          </a:effectRef>
+          <a:fontRef idx="minor">
+            <a:schemeClr val="dk1"/>
+          </a:fontRef>
+        </p:style>
+        <p:txBody>
+          <a:bodyPr rtlCol="0" anchor="ctr"/>
+          <a:lstStyle/>
+          <a:p>
+            <a:pPr algn="ctr"/>
+            <a:r>
+              <a:rPr lang="en-US" sz="1050" b="1" dirty="0" err="1" smtClean="0">
+                <a:solidFill>
+                  <a:schemeClr val="accent6">
+                    <a:lumMod val="75000"/>
+                  </a:schemeClr>
+                </a:solidFill>
+              </a:rPr>
+              <a:t>XmlAdaptedAlias</a:t>
+            </a:r>
+            <a:endParaRPr lang="en-SG" sz="1050" b="1" dirty="0">
+              <a:solidFill>
+                <a:schemeClr val="accent6">
+                  <a:lumMod val="75000"/>
+                </a:schemeClr>
+              </a:solidFill>
+            </a:endParaRPr>
+          </a:p>
+        </p:txBody>
+      </p:sp>
       <p:cxnSp>
         <p:nvCxnSpPr>
-          <p:cNvPr id="77" name="Elbow Connector 122"/>
-          <p:cNvCxnSpPr>
-            <a:stCxn id="66" idx="3"/>
-            <a:endCxn id="74" idx="1"/>
-          </p:cNvCxnSpPr>
+          <p:cNvPr id="35" name="Elbow Connector 122"/>
+          <p:cNvCxnSpPr/>
           <p:nvPr/>
         </p:nvCxnSpPr>
         <p:spPr>
           <a:xfrm flipV="1">
-            <a:off x="7220507" y="3333004"/>
+            <a:off x="7238585" y="3908364"/>
             <a:ext cx="395231" cy="786"/>
           </a:xfrm>
           <a:prstGeom prst="bentConnector3">
@@ -16826,36 +16681,6 @@
       </p:par>
     </p:tnLst>
   </p:timing>
-</p:sld>
-</file>
-
-<file path=ppt/slides/slide9.xml><?xml version="1.0" encoding="utf-8"?>
-<p:sld xmlns:a="http://schemas.openxmlformats.org/drawingml/2006/main" xmlns:r="http://schemas.openxmlformats.org/officeDocument/2006/relationships" xmlns:p="http://schemas.openxmlformats.org/presentationml/2006/main">
-  <p:cSld>
-    <p:spTree>
-      <p:nvGrpSpPr>
-        <p:cNvPr id="1" name=""/>
-        <p:cNvGrpSpPr/>
-        <p:nvPr/>
-      </p:nvGrpSpPr>
-      <p:grpSpPr>
-        <a:xfrm>
-          <a:off x="0" y="0"/>
-          <a:ext cx="0" cy="0"/>
-          <a:chOff x="0" y="0"/>
-          <a:chExt cx="0" cy="0"/>
-        </a:xfrm>
-      </p:grpSpPr>
-    </p:spTree>
-    <p:extLst>
-      <p:ext uri="{BB962C8B-B14F-4D97-AF65-F5344CB8AC3E}">
-        <p14:creationId xmlns:p14="http://schemas.microsoft.com/office/powerpoint/2010/main" val="2978036214"/>
-      </p:ext>
-    </p:extLst>
-  </p:cSld>
-  <p:clrMapOvr>
-    <a:masterClrMapping/>
-  </p:clrMapOvr>
 </p:sld>
 </file>
 

--- a/docs/diagrams/Diagrams.pptx
+++ b/docs/diagrams/Diagrams.pptx
@@ -215,7 +215,7 @@
           <a:p>
             <a:fld id="{F5CC4B3F-88C1-4FFA-B1B6-F41C21DC6924}" type="datetimeFigureOut">
               <a:rPr lang="en-US" smtClean="0"/>
-              <a:t>10/18/16</a:t>
+              <a:t>10/19/16</a:t>
             </a:fld>
             <a:endParaRPr lang="en-US"/>
           </a:p>
@@ -664,7 +664,7 @@
           <a:p>
             <a:fld id="{78C97017-6FC3-485B-9764-EAC9E56C1D49}" type="datetimeFigureOut">
               <a:rPr lang="en-US" smtClean="0"/>
-              <a:t>10/18/16</a:t>
+              <a:t>10/19/16</a:t>
             </a:fld>
             <a:endParaRPr lang="en-US"/>
           </a:p>
@@ -834,7 +834,7 @@
           <a:p>
             <a:fld id="{78C97017-6FC3-485B-9764-EAC9E56C1D49}" type="datetimeFigureOut">
               <a:rPr lang="en-US" smtClean="0"/>
-              <a:t>10/18/16</a:t>
+              <a:t>10/19/16</a:t>
             </a:fld>
             <a:endParaRPr lang="en-US"/>
           </a:p>
@@ -1014,7 +1014,7 @@
           <a:p>
             <a:fld id="{78C97017-6FC3-485B-9764-EAC9E56C1D49}" type="datetimeFigureOut">
               <a:rPr lang="en-US" smtClean="0"/>
-              <a:t>10/18/16</a:t>
+              <a:t>10/19/16</a:t>
             </a:fld>
             <a:endParaRPr lang="en-US"/>
           </a:p>
@@ -1184,7 +1184,7 @@
           <a:p>
             <a:fld id="{78C97017-6FC3-485B-9764-EAC9E56C1D49}" type="datetimeFigureOut">
               <a:rPr lang="en-US" smtClean="0"/>
-              <a:t>10/18/16</a:t>
+              <a:t>10/19/16</a:t>
             </a:fld>
             <a:endParaRPr lang="en-US"/>
           </a:p>
@@ -1430,7 +1430,7 @@
           <a:p>
             <a:fld id="{78C97017-6FC3-485B-9764-EAC9E56C1D49}" type="datetimeFigureOut">
               <a:rPr lang="en-US" smtClean="0"/>
-              <a:t>10/18/16</a:t>
+              <a:t>10/19/16</a:t>
             </a:fld>
             <a:endParaRPr lang="en-US"/>
           </a:p>
@@ -1718,7 +1718,7 @@
           <a:p>
             <a:fld id="{78C97017-6FC3-485B-9764-EAC9E56C1D49}" type="datetimeFigureOut">
               <a:rPr lang="en-US" smtClean="0"/>
-              <a:t>10/18/16</a:t>
+              <a:t>10/19/16</a:t>
             </a:fld>
             <a:endParaRPr lang="en-US"/>
           </a:p>
@@ -2140,7 +2140,7 @@
           <a:p>
             <a:fld id="{78C97017-6FC3-485B-9764-EAC9E56C1D49}" type="datetimeFigureOut">
               <a:rPr lang="en-US" smtClean="0"/>
-              <a:t>10/18/16</a:t>
+              <a:t>10/19/16</a:t>
             </a:fld>
             <a:endParaRPr lang="en-US"/>
           </a:p>
@@ -2258,7 +2258,7 @@
           <a:p>
             <a:fld id="{78C97017-6FC3-485B-9764-EAC9E56C1D49}" type="datetimeFigureOut">
               <a:rPr lang="en-US" smtClean="0"/>
-              <a:t>10/18/16</a:t>
+              <a:t>10/19/16</a:t>
             </a:fld>
             <a:endParaRPr lang="en-US"/>
           </a:p>
@@ -2353,7 +2353,7 @@
           <a:p>
             <a:fld id="{78C97017-6FC3-485B-9764-EAC9E56C1D49}" type="datetimeFigureOut">
               <a:rPr lang="en-US" smtClean="0"/>
-              <a:t>10/18/16</a:t>
+              <a:t>10/19/16</a:t>
             </a:fld>
             <a:endParaRPr lang="en-US"/>
           </a:p>
@@ -2630,7 +2630,7 @@
           <a:p>
             <a:fld id="{78C97017-6FC3-485B-9764-EAC9E56C1D49}" type="datetimeFigureOut">
               <a:rPr lang="en-US" smtClean="0"/>
-              <a:t>10/18/16</a:t>
+              <a:t>10/19/16</a:t>
             </a:fld>
             <a:endParaRPr lang="en-US"/>
           </a:p>
@@ -2883,7 +2883,7 @@
           <a:p>
             <a:fld id="{78C97017-6FC3-485B-9764-EAC9E56C1D49}" type="datetimeFigureOut">
               <a:rPr lang="en-US" smtClean="0"/>
-              <a:t>10/18/16</a:t>
+              <a:t>10/19/16</a:t>
             </a:fld>
             <a:endParaRPr lang="en-US"/>
           </a:p>
@@ -3101,7 +3101,7 @@
           <a:p>
             <a:fld id="{78C97017-6FC3-485B-9764-EAC9E56C1D49}" type="datetimeFigureOut">
               <a:rPr lang="en-US" smtClean="0"/>
-              <a:t>10/18/16</a:t>
+              <a:t>10/19/16</a:t>
             </a:fld>
             <a:endParaRPr lang="en-US"/>
           </a:p>
@@ -5581,7 +5581,7 @@
         <p:spPr>
           <a:xfrm>
             <a:off x="2166172" y="1453379"/>
-            <a:ext cx="1424846" cy="215444"/>
+            <a:ext cx="1424846" cy="184666"/>
           </a:xfrm>
           <a:prstGeom prst="rect">
             <a:avLst/>
@@ -5595,14 +5595,14 @@
           <a:lstStyle/>
           <a:p>
             <a:r>
-              <a:rPr lang="en-US" sz="1400" dirty="0" smtClean="0">
+              <a:rPr lang="en-US" sz="1200" dirty="0" smtClean="0">
                 <a:solidFill>
                   <a:srgbClr val="0070C0"/>
                 </a:solidFill>
               </a:rPr>
               <a:t>execute(“delete 1”)</a:t>
             </a:r>
-            <a:endParaRPr lang="en-US" sz="1400" dirty="0">
+            <a:endParaRPr lang="en-US" sz="1200" dirty="0">
               <a:solidFill>
                 <a:srgbClr val="0070C0"/>
               </a:solidFill>
@@ -5654,7 +5654,7 @@
         </p:nvSpPr>
         <p:spPr>
           <a:xfrm>
-            <a:off x="4299772" y="1542583"/>
+            <a:off x="4442554" y="1542583"/>
             <a:ext cx="1424846" cy="215444"/>
           </a:xfrm>
           <a:prstGeom prst="rect">
@@ -5669,7 +5669,7 @@
           <a:lstStyle/>
           <a:p>
             <a:r>
-              <a:rPr lang="en-US" sz="1400" dirty="0" err="1" smtClean="0">
+              <a:rPr lang="en-US" sz="1200" dirty="0" err="1" smtClean="0">
                 <a:solidFill>
                   <a:srgbClr val="7030A0"/>
                 </a:solidFill>
@@ -5677,7 +5677,7 @@
               <a:t>deleteTask</a:t>
             </a:r>
             <a:r>
-              <a:rPr lang="en-US" sz="1400" dirty="0" smtClean="0">
+              <a:rPr lang="en-US" sz="1200" dirty="0" smtClean="0">
                 <a:solidFill>
                   <a:srgbClr val="7030A0"/>
                 </a:solidFill>
@@ -5708,8 +5708,8 @@
         </p:nvSpPr>
         <p:spPr>
           <a:xfrm>
-            <a:off x="6074030" y="1687656"/>
-            <a:ext cx="2438400" cy="215444"/>
+            <a:off x="6177905" y="1725165"/>
+            <a:ext cx="2688970" cy="184666"/>
           </a:xfrm>
           <a:prstGeom prst="rect">
             <a:avLst/>
@@ -5723,7 +5723,7 @@
           <a:lstStyle/>
           <a:p>
             <a:r>
-              <a:rPr lang="en-US" sz="1400" dirty="0" smtClean="0">
+              <a:rPr lang="en-US" sz="1200" dirty="0" smtClean="0">
                 <a:solidFill>
                   <a:schemeClr val="accent5">
                     <a:lumMod val="75000"/>
@@ -5733,7 +5733,7 @@
               <a:t>post(</a:t>
             </a:r>
             <a:r>
-              <a:rPr lang="en-US" sz="1400" dirty="0" err="1" smtClean="0">
+              <a:rPr lang="en-US" sz="1200" dirty="0" err="1" smtClean="0">
                 <a:solidFill>
                   <a:schemeClr val="accent5">
                     <a:lumMod val="75000"/>
@@ -5743,7 +5743,7 @@
               <a:t>TaskManagerChangedEvent</a:t>
             </a:r>
             <a:r>
-              <a:rPr lang="en-US" sz="1400" dirty="0" smtClean="0">
+              <a:rPr lang="en-US" sz="1200" dirty="0" smtClean="0">
                 <a:solidFill>
                   <a:schemeClr val="accent5">
                     <a:lumMod val="75000"/>
@@ -5752,7 +5752,7 @@
               </a:rPr>
               <a:t>)</a:t>
             </a:r>
-            <a:endParaRPr lang="en-US" sz="1400" dirty="0">
+            <a:endParaRPr lang="en-US" sz="1200" dirty="0">
               <a:solidFill>
                 <a:schemeClr val="accent5">
                   <a:lumMod val="75000"/>
@@ -6282,8 +6282,8 @@
         </p:nvSpPr>
         <p:spPr>
           <a:xfrm>
-            <a:off x="1810094" y="4797674"/>
-            <a:ext cx="2716635" cy="215444"/>
+            <a:off x="1855365" y="4876800"/>
+            <a:ext cx="2716635" cy="184666"/>
           </a:xfrm>
           <a:prstGeom prst="rect">
             <a:avLst/>
@@ -6297,7 +6297,7 @@
           <a:lstStyle/>
           <a:p>
             <a:r>
-              <a:rPr lang="en-US" sz="1400" dirty="0" smtClean="0">
+              <a:rPr lang="en-US" sz="1200" dirty="0" smtClean="0">
                 <a:solidFill>
                   <a:schemeClr val="accent5">
                     <a:lumMod val="75000"/>
@@ -6307,7 +6307,7 @@
               <a:t>post(</a:t>
             </a:r>
             <a:r>
-              <a:rPr lang="en-US" sz="1400" dirty="0" err="1" smtClean="0">
+              <a:rPr lang="en-US" sz="1200" dirty="0" err="1" smtClean="0">
                 <a:solidFill>
                   <a:schemeClr val="accent5">
                     <a:lumMod val="75000"/>
@@ -6317,7 +6317,7 @@
               <a:t>TaskManagerChangedEvent</a:t>
             </a:r>
             <a:r>
-              <a:rPr lang="en-US" sz="1400" dirty="0" smtClean="0">
+              <a:rPr lang="en-US" sz="1200" dirty="0" smtClean="0">
                 <a:solidFill>
                   <a:schemeClr val="accent5">
                     <a:lumMod val="75000"/>
@@ -6326,7 +6326,7 @@
               </a:rPr>
               <a:t>)</a:t>
             </a:r>
-            <a:endParaRPr lang="en-US" sz="1400" dirty="0">
+            <a:endParaRPr lang="en-US" sz="1200" dirty="0">
               <a:solidFill>
                 <a:schemeClr val="accent5">
                   <a:lumMod val="75000"/>
@@ -6664,8 +6664,8 @@
         </p:nvSpPr>
         <p:spPr>
           <a:xfrm>
-            <a:off x="5036330" y="5065911"/>
-            <a:ext cx="2659870" cy="215444"/>
+            <a:off x="5036330" y="5149334"/>
+            <a:ext cx="2659870" cy="184666"/>
           </a:xfrm>
           <a:prstGeom prst="rect">
             <a:avLst/>
@@ -6679,7 +6679,7 @@
           <a:lstStyle/>
           <a:p>
             <a:r>
-              <a:rPr lang="en-US" sz="1400" dirty="0" err="1" smtClean="0">
+              <a:rPr lang="en-US" sz="1200" dirty="0" err="1" smtClean="0">
                 <a:solidFill>
                   <a:schemeClr val="accent6">
                     <a:lumMod val="75000"/>
@@ -6689,7 +6689,7 @@
               <a:t>handle</a:t>
             </a:r>
             <a:r>
-              <a:rPr lang="en-US" sz="1400" dirty="0" err="1">
+              <a:rPr lang="en-US" sz="1200" dirty="0" err="1">
                 <a:solidFill>
                   <a:schemeClr val="accent6">
                     <a:lumMod val="75000"/>
@@ -6699,7 +6699,7 @@
               <a:t>TaskManager</a:t>
             </a:r>
             <a:r>
-              <a:rPr lang="en-US" sz="1400" dirty="0" err="1" smtClean="0">
+              <a:rPr lang="en-US" sz="1200" dirty="0" err="1" smtClean="0">
                 <a:solidFill>
                   <a:schemeClr val="accent6">
                     <a:lumMod val="75000"/>
@@ -6709,7 +6709,7 @@
               <a:t>ChangedEvent</a:t>
             </a:r>
             <a:r>
-              <a:rPr lang="en-US" sz="1400" dirty="0" smtClean="0">
+              <a:rPr lang="en-US" sz="1200" dirty="0" smtClean="0">
                 <a:solidFill>
                   <a:schemeClr val="accent6">
                     <a:lumMod val="75000"/>
@@ -6718,7 +6718,7 @@
               </a:rPr>
               <a:t>()</a:t>
             </a:r>
-            <a:endParaRPr lang="en-US" sz="1400" dirty="0">
+            <a:endParaRPr lang="en-US" sz="1200" dirty="0">
               <a:solidFill>
                 <a:schemeClr val="accent6">
                   <a:lumMod val="75000"/>
@@ -6997,8 +6997,8 @@
         </p:nvSpPr>
         <p:spPr>
           <a:xfrm>
-            <a:off x="1416276" y="5395369"/>
-            <a:ext cx="2659870" cy="215444"/>
+            <a:off x="1531130" y="5454134"/>
+            <a:ext cx="2659870" cy="184666"/>
           </a:xfrm>
           <a:prstGeom prst="rect">
             <a:avLst/>
@@ -7012,7 +7012,7 @@
           <a:lstStyle/>
           <a:p>
             <a:r>
-              <a:rPr lang="en-US" sz="1400" dirty="0" err="1" smtClean="0">
+              <a:rPr lang="en-US" sz="1200" dirty="0" err="1" smtClean="0">
                 <a:solidFill>
                   <a:srgbClr val="00B050"/>
                 </a:solidFill>
@@ -7020,14 +7020,14 @@
               <a:t>handleTaskManagerChangedEvent</a:t>
             </a:r>
             <a:r>
-              <a:rPr lang="en-US" sz="1400" dirty="0" smtClean="0">
+              <a:rPr lang="en-US" sz="1200" dirty="0" smtClean="0">
                 <a:solidFill>
                   <a:srgbClr val="00B050"/>
                 </a:solidFill>
               </a:rPr>
               <a:t>()</a:t>
             </a:r>
-            <a:endParaRPr lang="en-US" sz="1400" dirty="0">
+            <a:endParaRPr lang="en-US" sz="1200" dirty="0">
               <a:solidFill>
                 <a:srgbClr val="00B050"/>
               </a:solidFill>
@@ -9512,17 +9512,7 @@
                   </a:schemeClr>
                 </a:solidFill>
               </a:rPr>
-              <a:t>Alias</a:t>
-            </a:r>
-            <a:r>
-              <a:rPr lang="en-US" sz="1050" b="1" dirty="0" err="1" smtClean="0">
-                <a:solidFill>
-                  <a:schemeClr val="accent3">
-                    <a:lumMod val="75000"/>
-                  </a:schemeClr>
-                </a:solidFill>
-              </a:rPr>
-              <a:t>ListPanel</a:t>
+              <a:t>AliasListPanel</a:t>
             </a:r>
             <a:endParaRPr lang="en-SG" sz="1050" b="1" dirty="0">
               <a:solidFill>
@@ -9582,17 +9572,7 @@
                   </a:schemeClr>
                 </a:solidFill>
               </a:rPr>
-              <a:t>Alias</a:t>
-            </a:r>
-            <a:r>
-              <a:rPr lang="en-US" sz="1050" b="1" dirty="0" err="1" smtClean="0">
-                <a:solidFill>
-                  <a:schemeClr val="accent3">
-                    <a:lumMod val="75000"/>
-                  </a:schemeClr>
-                </a:solidFill>
-              </a:rPr>
-              <a:t>Card</a:t>
+              <a:t>AliasCard</a:t>
             </a:r>
             <a:endParaRPr lang="en-SG" sz="1050" b="1" dirty="0">
               <a:solidFill>
@@ -9690,17 +9670,7 @@
                   </a:schemeClr>
                 </a:solidFill>
               </a:rPr>
-              <a:t>Alias</a:t>
-            </a:r>
-            <a:r>
-              <a:rPr lang="en-US" sz="1050" b="1" dirty="0" err="1" smtClean="0">
-                <a:solidFill>
-                  <a:schemeClr val="accent3">
-                    <a:lumMod val="75000"/>
-                  </a:schemeClr>
-                </a:solidFill>
-              </a:rPr>
-              <a:t>Window</a:t>
+              <a:t>AliasWindow</a:t>
             </a:r>
             <a:endParaRPr lang="en-SG" sz="1050" b="1" dirty="0">
               <a:solidFill>
@@ -12425,8 +12395,8 @@
         </p:nvSpPr>
         <p:spPr>
           <a:xfrm>
-            <a:off x="152400" y="2743200"/>
-            <a:ext cx="1424846" cy="215444"/>
+            <a:off x="76200" y="2819400"/>
+            <a:ext cx="1424846" cy="184666"/>
           </a:xfrm>
           <a:prstGeom prst="rect">
             <a:avLst/>
@@ -12441,14 +12411,14 @@
           <a:p>
             <a:pPr algn="r"/>
             <a:r>
-              <a:rPr lang="en-US" sz="1400" dirty="0" smtClean="0">
+              <a:rPr lang="en-US" sz="1200" dirty="0" smtClean="0">
                 <a:solidFill>
                   <a:srgbClr val="0070C0"/>
                 </a:solidFill>
               </a:rPr>
               <a:t>execute(“delete 1”)</a:t>
             </a:r>
-            <a:endParaRPr lang="en-US" sz="1400" dirty="0">
+            <a:endParaRPr lang="en-US" sz="1200" dirty="0">
               <a:solidFill>
                 <a:srgbClr val="0070C0"/>
               </a:solidFill>
@@ -12502,8 +12472,8 @@
         </p:nvSpPr>
         <p:spPr>
           <a:xfrm>
-            <a:off x="4419600" y="4251556"/>
-            <a:ext cx="855809" cy="215444"/>
+            <a:off x="4343400" y="4311134"/>
+            <a:ext cx="855809" cy="184666"/>
           </a:xfrm>
           <a:prstGeom prst="rect">
             <a:avLst/>
@@ -12528,7 +12498,7 @@
           </a:lstStyle>
           <a:p>
             <a:r>
-              <a:rPr lang="en-US" dirty="0"/>
+              <a:rPr lang="en-US" sz="1200" dirty="0"/>
               <a:t>execute()</a:t>
             </a:r>
           </a:p>
@@ -13016,8 +12986,8 @@
         </p:nvSpPr>
         <p:spPr>
           <a:xfrm>
-            <a:off x="6858000" y="4278848"/>
-            <a:ext cx="1424846" cy="215444"/>
+            <a:off x="6786723" y="4311134"/>
+            <a:ext cx="1424846" cy="184666"/>
           </a:xfrm>
           <a:prstGeom prst="rect">
             <a:avLst/>
@@ -13042,7 +13012,7 @@
           </a:lstStyle>
           <a:p>
             <a:r>
-              <a:rPr lang="en-US" dirty="0" err="1" smtClean="0">
+              <a:rPr lang="en-US" sz="1200" dirty="0" err="1" smtClean="0">
                 <a:solidFill>
                   <a:srgbClr val="7030A0"/>
                 </a:solidFill>
@@ -13050,22 +13020,14 @@
               <a:t>deleteTask</a:t>
             </a:r>
             <a:r>
-              <a:rPr lang="en-US" dirty="0" smtClean="0">
+              <a:rPr lang="en-US" sz="1200" dirty="0" smtClean="0">
                 <a:solidFill>
                   <a:srgbClr val="7030A0"/>
                 </a:solidFill>
               </a:rPr>
-              <a:t>(p</a:t>
-            </a:r>
-            <a:r>
-              <a:rPr lang="en-US" dirty="0" smtClean="0">
-                <a:solidFill>
-                  <a:srgbClr val="7030A0"/>
-                </a:solidFill>
-              </a:rPr>
-              <a:t>)</a:t>
-            </a:r>
-            <a:endParaRPr lang="en-US" dirty="0">
+              <a:t>(p)</a:t>
+            </a:r>
+            <a:endParaRPr lang="en-US" sz="1200" dirty="0">
               <a:solidFill>
                 <a:srgbClr val="7030A0"/>
               </a:solidFill>
@@ -13081,8 +13043,8 @@
         </p:nvSpPr>
         <p:spPr>
           <a:xfrm>
-            <a:off x="4191000" y="2996259"/>
-            <a:ext cx="640023" cy="215444"/>
+            <a:off x="4114800" y="3015734"/>
+            <a:ext cx="640023" cy="184666"/>
           </a:xfrm>
           <a:prstGeom prst="rect">
             <a:avLst/>
@@ -13107,10 +13069,10 @@
           </a:lstStyle>
           <a:p>
             <a:r>
-              <a:rPr lang="en-US" dirty="0" smtClean="0"/>
+              <a:rPr lang="en-US" sz="1200" dirty="0" smtClean="0"/>
               <a:t>create()</a:t>
             </a:r>
-            <a:endParaRPr lang="en-US" dirty="0"/>
+            <a:endParaRPr lang="en-US" sz="1200" dirty="0"/>
           </a:p>
         </p:txBody>
       </p:sp>
@@ -13122,8 +13084,8 @@
         </p:nvSpPr>
         <p:spPr>
           <a:xfrm>
-            <a:off x="2131905" y="2850922"/>
-            <a:ext cx="1424846" cy="215444"/>
+            <a:off x="2107569" y="2910441"/>
+            <a:ext cx="1424846" cy="184666"/>
           </a:xfrm>
           <a:prstGeom prst="rect">
             <a:avLst/>
@@ -13148,10 +13110,10 @@
           </a:lstStyle>
           <a:p>
             <a:r>
-              <a:rPr lang="en-US" dirty="0" smtClean="0"/>
+              <a:rPr lang="en-US" sz="1200" dirty="0" smtClean="0"/>
               <a:t>parse(“delete 1”)</a:t>
             </a:r>
-            <a:endParaRPr lang="en-US" dirty="0"/>
+            <a:endParaRPr lang="en-US" sz="1200" dirty="0"/>
           </a:p>
         </p:txBody>
       </p:sp>
@@ -13163,8 +13125,8 @@
         </p:nvSpPr>
         <p:spPr>
           <a:xfrm>
-            <a:off x="3101175" y="5430096"/>
-            <a:ext cx="621216" cy="215444"/>
+            <a:off x="3101175" y="5454134"/>
+            <a:ext cx="621216" cy="184666"/>
           </a:xfrm>
           <a:prstGeom prst="rect">
             <a:avLst/>
@@ -13189,10 +13151,10 @@
           </a:lstStyle>
           <a:p>
             <a:r>
-              <a:rPr lang="en-US" dirty="0" smtClean="0"/>
+              <a:rPr lang="en-US" sz="1200" dirty="0" smtClean="0"/>
               <a:t>result</a:t>
             </a:r>
-            <a:endParaRPr lang="en-US" dirty="0"/>
+            <a:endParaRPr lang="en-US" sz="1200" dirty="0"/>
           </a:p>
         </p:txBody>
       </p:sp>
@@ -13204,8 +13166,8 @@
         </p:nvSpPr>
         <p:spPr>
           <a:xfrm>
-            <a:off x="762001" y="5538488"/>
-            <a:ext cx="762000" cy="215444"/>
+            <a:off x="678782" y="5585914"/>
+            <a:ext cx="762000" cy="184666"/>
           </a:xfrm>
           <a:prstGeom prst="rect">
             <a:avLst/>
@@ -13230,10 +13192,10 @@
           </a:lstStyle>
           <a:p>
             <a:r>
-              <a:rPr lang="en-US" dirty="0" smtClean="0"/>
+              <a:rPr lang="en-US" sz="1200" dirty="0" smtClean="0"/>
               <a:t>result</a:t>
             </a:r>
-            <a:endParaRPr lang="en-US" dirty="0"/>
+            <a:endParaRPr lang="en-US" sz="1200" dirty="0"/>
           </a:p>
         </p:txBody>
       </p:sp>
@@ -14443,7 +14405,7 @@
           <a:p>
             <a:pPr algn="ctr"/>
             <a:r>
-              <a:rPr lang="en-US" sz="1050" dirty="0" smtClean="0">
+              <a:rPr lang="en-US" sz="1050" dirty="0">
                 <a:solidFill>
                   <a:srgbClr val="7030A0"/>
                 </a:solidFill>
@@ -14451,27 +14413,19 @@
               <a:t>&lt;&lt;interface&gt;&gt;</a:t>
             </a:r>
             <a:br>
-              <a:rPr lang="en-US" sz="1050" dirty="0" smtClean="0">
+              <a:rPr lang="en-US" sz="1050" dirty="0">
                 <a:solidFill>
                   <a:srgbClr val="7030A0"/>
                 </a:solidFill>
               </a:rPr>
             </a:br>
             <a:r>
-              <a:rPr lang="en-US" sz="1050" dirty="0" err="1" smtClean="0">
+              <a:rPr lang="en-US" sz="1050" dirty="0" err="1">
                 <a:solidFill>
                   <a:srgbClr val="7030A0"/>
                 </a:solidFill>
               </a:rPr>
-              <a:t>Favortible</a:t>
-            </a:r>
-            <a:r>
-              <a:rPr lang="en-US" sz="1050" dirty="0" err="1" smtClean="0">
-                <a:solidFill>
-                  <a:srgbClr val="7030A0"/>
-                </a:solidFill>
-              </a:rPr>
-              <a:t>Task</a:t>
+              <a:t>FavoritableTask</a:t>
             </a:r>
             <a:endParaRPr lang="en-SG" sz="1050" dirty="0">
               <a:solidFill>
@@ -14753,9 +14707,9 @@
           <p:nvPr/>
         </p:nvSpPr>
         <p:spPr>
-          <a:xfrm rot="16200000">
-            <a:off x="6715778" y="3529469"/>
-            <a:ext cx="840856" cy="261610"/>
+          <a:xfrm>
+            <a:off x="6931544" y="3544928"/>
+            <a:ext cx="840856" cy="246221"/>
           </a:xfrm>
           <a:prstGeom prst="rect">
             <a:avLst/>
@@ -14769,14 +14723,14 @@
           <a:lstStyle/>
           <a:p>
             <a:r>
-              <a:rPr lang="en-US" sz="1100" dirty="0" smtClean="0">
+              <a:rPr lang="en-US" sz="1000" dirty="0" smtClean="0">
                 <a:solidFill>
                   <a:srgbClr val="7030A0"/>
                 </a:solidFill>
               </a:rPr>
               <a:t>Filtered list</a:t>
             </a:r>
-            <a:endParaRPr lang="en-US" sz="1100" dirty="0">
+            <a:endParaRPr lang="en-US" sz="1000" dirty="0">
               <a:solidFill>
                 <a:srgbClr val="7030A0"/>
               </a:solidFill>
@@ -16177,15 +16131,7 @@
                   <a:schemeClr val="bg1"/>
                 </a:solidFill>
               </a:rPr>
-              <a:t>Alias</a:t>
-            </a:r>
-            <a:r>
-              <a:rPr lang="en-US" sz="1050" dirty="0" err="1" smtClean="0">
-                <a:solidFill>
-                  <a:schemeClr val="bg1"/>
-                </a:solidFill>
-              </a:rPr>
-              <a:t>Storage</a:t>
+              <a:t>AliasStorage</a:t>
             </a:r>
             <a:endParaRPr lang="en-SG" sz="1050" dirty="0">
               <a:solidFill>

--- a/docs/diagrams/Diagrams.pptx
+++ b/docs/diagrams/Diagrams.pptx
@@ -200,7 +200,8 @@
           <a:p>
             <a:fld id="{F5CC4B3F-88C1-4FFA-B1B6-F41C21DC6924}" type="datetimeFigureOut">
               <a:rPr lang="en-US" smtClean="0"/>
-              <a:t>9/30/2016</a:t>
+              <a:pPr/>
+              <a:t>10/19/2016</a:t>
             </a:fld>
             <a:endParaRPr lang="en-US"/>
           </a:p>
@@ -359,6 +360,7 @@
           <a:p>
             <a:fld id="{5A7AB025-77E3-4BD1-A2FD-B3183DBA47A3}" type="slidenum">
               <a:rPr lang="en-US" smtClean="0"/>
+              <a:pPr/>
               <a:t>‹#›</a:t>
             </a:fld>
             <a:endParaRPr lang="en-US"/>
@@ -368,7 +370,7 @@
     </p:spTree>
     <p:extLst>
       <p:ext uri="{BB962C8B-B14F-4D97-AF65-F5344CB8AC3E}">
-        <p14:creationId xmlns:p14="http://schemas.microsoft.com/office/powerpoint/2010/main" val="2023976206"/>
+        <p14:creationId xmlns:p14="http://schemas.microsoft.com/office/powerpoint/2010/main" xmlns="" val="2023976206"/>
       </p:ext>
     </p:extLst>
   </p:cSld>
@@ -649,7 +651,8 @@
           <a:p>
             <a:fld id="{78C97017-6FC3-485B-9764-EAC9E56C1D49}" type="datetimeFigureOut">
               <a:rPr lang="en-US" smtClean="0"/>
-              <a:t>9/30/2016</a:t>
+              <a:pPr/>
+              <a:t>10/19/2016</a:t>
             </a:fld>
             <a:endParaRPr lang="en-US"/>
           </a:p>
@@ -691,6 +694,7 @@
           <a:p>
             <a:fld id="{FB34683C-161B-4520-BF45-B179E228CF2A}" type="slidenum">
               <a:rPr lang="en-US" smtClean="0"/>
+              <a:pPr/>
               <a:t>‹#›</a:t>
             </a:fld>
             <a:endParaRPr lang="en-US"/>
@@ -700,7 +704,7 @@
     </p:spTree>
     <p:extLst>
       <p:ext uri="{BB962C8B-B14F-4D97-AF65-F5344CB8AC3E}">
-        <p14:creationId xmlns:p14="http://schemas.microsoft.com/office/powerpoint/2010/main" val="3246593157"/>
+        <p14:creationId xmlns:p14="http://schemas.microsoft.com/office/powerpoint/2010/main" xmlns="" val="3246593157"/>
       </p:ext>
     </p:extLst>
   </p:cSld>
@@ -819,7 +823,8 @@
           <a:p>
             <a:fld id="{78C97017-6FC3-485B-9764-EAC9E56C1D49}" type="datetimeFigureOut">
               <a:rPr lang="en-US" smtClean="0"/>
-              <a:t>9/30/2016</a:t>
+              <a:pPr/>
+              <a:t>10/19/2016</a:t>
             </a:fld>
             <a:endParaRPr lang="en-US"/>
           </a:p>
@@ -861,6 +866,7 @@
           <a:p>
             <a:fld id="{FB34683C-161B-4520-BF45-B179E228CF2A}" type="slidenum">
               <a:rPr lang="en-US" smtClean="0"/>
+              <a:pPr/>
               <a:t>‹#›</a:t>
             </a:fld>
             <a:endParaRPr lang="en-US"/>
@@ -870,7 +876,7 @@
     </p:spTree>
     <p:extLst>
       <p:ext uri="{BB962C8B-B14F-4D97-AF65-F5344CB8AC3E}">
-        <p14:creationId xmlns:p14="http://schemas.microsoft.com/office/powerpoint/2010/main" val="2707025021"/>
+        <p14:creationId xmlns:p14="http://schemas.microsoft.com/office/powerpoint/2010/main" xmlns="" val="2707025021"/>
       </p:ext>
     </p:extLst>
   </p:cSld>
@@ -999,7 +1005,8 @@
           <a:p>
             <a:fld id="{78C97017-6FC3-485B-9764-EAC9E56C1D49}" type="datetimeFigureOut">
               <a:rPr lang="en-US" smtClean="0"/>
-              <a:t>9/30/2016</a:t>
+              <a:pPr/>
+              <a:t>10/19/2016</a:t>
             </a:fld>
             <a:endParaRPr lang="en-US"/>
           </a:p>
@@ -1041,6 +1048,7 @@
           <a:p>
             <a:fld id="{FB34683C-161B-4520-BF45-B179E228CF2A}" type="slidenum">
               <a:rPr lang="en-US" smtClean="0"/>
+              <a:pPr/>
               <a:t>‹#›</a:t>
             </a:fld>
             <a:endParaRPr lang="en-US"/>
@@ -1050,7 +1058,7 @@
     </p:spTree>
     <p:extLst>
       <p:ext uri="{BB962C8B-B14F-4D97-AF65-F5344CB8AC3E}">
-        <p14:creationId xmlns:p14="http://schemas.microsoft.com/office/powerpoint/2010/main" val="568378986"/>
+        <p14:creationId xmlns:p14="http://schemas.microsoft.com/office/powerpoint/2010/main" xmlns="" val="568378986"/>
       </p:ext>
     </p:extLst>
   </p:cSld>
@@ -1169,7 +1177,8 @@
           <a:p>
             <a:fld id="{78C97017-6FC3-485B-9764-EAC9E56C1D49}" type="datetimeFigureOut">
               <a:rPr lang="en-US" smtClean="0"/>
-              <a:t>9/30/2016</a:t>
+              <a:pPr/>
+              <a:t>10/19/2016</a:t>
             </a:fld>
             <a:endParaRPr lang="en-US"/>
           </a:p>
@@ -1211,6 +1220,7 @@
           <a:p>
             <a:fld id="{FB34683C-161B-4520-BF45-B179E228CF2A}" type="slidenum">
               <a:rPr lang="en-US" smtClean="0"/>
+              <a:pPr/>
               <a:t>‹#›</a:t>
             </a:fld>
             <a:endParaRPr lang="en-US"/>
@@ -1220,7 +1230,7 @@
     </p:spTree>
     <p:extLst>
       <p:ext uri="{BB962C8B-B14F-4D97-AF65-F5344CB8AC3E}">
-        <p14:creationId xmlns:p14="http://schemas.microsoft.com/office/powerpoint/2010/main" val="266658052"/>
+        <p14:creationId xmlns:p14="http://schemas.microsoft.com/office/powerpoint/2010/main" xmlns="" val="266658052"/>
       </p:ext>
     </p:extLst>
   </p:cSld>
@@ -1415,7 +1425,8 @@
           <a:p>
             <a:fld id="{78C97017-6FC3-485B-9764-EAC9E56C1D49}" type="datetimeFigureOut">
               <a:rPr lang="en-US" smtClean="0"/>
-              <a:t>9/30/2016</a:t>
+              <a:pPr/>
+              <a:t>10/19/2016</a:t>
             </a:fld>
             <a:endParaRPr lang="en-US"/>
           </a:p>
@@ -1457,6 +1468,7 @@
           <a:p>
             <a:fld id="{FB34683C-161B-4520-BF45-B179E228CF2A}" type="slidenum">
               <a:rPr lang="en-US" smtClean="0"/>
+              <a:pPr/>
               <a:t>‹#›</a:t>
             </a:fld>
             <a:endParaRPr lang="en-US"/>
@@ -1466,7 +1478,7 @@
     </p:spTree>
     <p:extLst>
       <p:ext uri="{BB962C8B-B14F-4D97-AF65-F5344CB8AC3E}">
-        <p14:creationId xmlns:p14="http://schemas.microsoft.com/office/powerpoint/2010/main" val="474686344"/>
+        <p14:creationId xmlns:p14="http://schemas.microsoft.com/office/powerpoint/2010/main" xmlns="" val="474686344"/>
       </p:ext>
     </p:extLst>
   </p:cSld>
@@ -1703,7 +1715,8 @@
           <a:p>
             <a:fld id="{78C97017-6FC3-485B-9764-EAC9E56C1D49}" type="datetimeFigureOut">
               <a:rPr lang="en-US" smtClean="0"/>
-              <a:t>9/30/2016</a:t>
+              <a:pPr/>
+              <a:t>10/19/2016</a:t>
             </a:fld>
             <a:endParaRPr lang="en-US"/>
           </a:p>
@@ -1745,6 +1758,7 @@
           <a:p>
             <a:fld id="{FB34683C-161B-4520-BF45-B179E228CF2A}" type="slidenum">
               <a:rPr lang="en-US" smtClean="0"/>
+              <a:pPr/>
               <a:t>‹#›</a:t>
             </a:fld>
             <a:endParaRPr lang="en-US"/>
@@ -1754,7 +1768,7 @@
     </p:spTree>
     <p:extLst>
       <p:ext uri="{BB962C8B-B14F-4D97-AF65-F5344CB8AC3E}">
-        <p14:creationId xmlns:p14="http://schemas.microsoft.com/office/powerpoint/2010/main" val="562293251"/>
+        <p14:creationId xmlns:p14="http://schemas.microsoft.com/office/powerpoint/2010/main" xmlns="" val="562293251"/>
       </p:ext>
     </p:extLst>
   </p:cSld>
@@ -2125,7 +2139,8 @@
           <a:p>
             <a:fld id="{78C97017-6FC3-485B-9764-EAC9E56C1D49}" type="datetimeFigureOut">
               <a:rPr lang="en-US" smtClean="0"/>
-              <a:t>9/30/2016</a:t>
+              <a:pPr/>
+              <a:t>10/19/2016</a:t>
             </a:fld>
             <a:endParaRPr lang="en-US"/>
           </a:p>
@@ -2167,6 +2182,7 @@
           <a:p>
             <a:fld id="{FB34683C-161B-4520-BF45-B179E228CF2A}" type="slidenum">
               <a:rPr lang="en-US" smtClean="0"/>
+              <a:pPr/>
               <a:t>‹#›</a:t>
             </a:fld>
             <a:endParaRPr lang="en-US"/>
@@ -2176,7 +2192,7 @@
     </p:spTree>
     <p:extLst>
       <p:ext uri="{BB962C8B-B14F-4D97-AF65-F5344CB8AC3E}">
-        <p14:creationId xmlns:p14="http://schemas.microsoft.com/office/powerpoint/2010/main" val="1126424250"/>
+        <p14:creationId xmlns:p14="http://schemas.microsoft.com/office/powerpoint/2010/main" xmlns="" val="1126424250"/>
       </p:ext>
     </p:extLst>
   </p:cSld>
@@ -2243,7 +2259,8 @@
           <a:p>
             <a:fld id="{78C97017-6FC3-485B-9764-EAC9E56C1D49}" type="datetimeFigureOut">
               <a:rPr lang="en-US" smtClean="0"/>
-              <a:t>9/30/2016</a:t>
+              <a:pPr/>
+              <a:t>10/19/2016</a:t>
             </a:fld>
             <a:endParaRPr lang="en-US"/>
           </a:p>
@@ -2285,6 +2302,7 @@
           <a:p>
             <a:fld id="{FB34683C-161B-4520-BF45-B179E228CF2A}" type="slidenum">
               <a:rPr lang="en-US" smtClean="0"/>
+              <a:pPr/>
               <a:t>‹#›</a:t>
             </a:fld>
             <a:endParaRPr lang="en-US"/>
@@ -2294,7 +2312,7 @@
     </p:spTree>
     <p:extLst>
       <p:ext uri="{BB962C8B-B14F-4D97-AF65-F5344CB8AC3E}">
-        <p14:creationId xmlns:p14="http://schemas.microsoft.com/office/powerpoint/2010/main" val="4159724230"/>
+        <p14:creationId xmlns:p14="http://schemas.microsoft.com/office/powerpoint/2010/main" xmlns="" val="4159724230"/>
       </p:ext>
     </p:extLst>
   </p:cSld>
@@ -2338,7 +2356,8 @@
           <a:p>
             <a:fld id="{78C97017-6FC3-485B-9764-EAC9E56C1D49}" type="datetimeFigureOut">
               <a:rPr lang="en-US" smtClean="0"/>
-              <a:t>9/30/2016</a:t>
+              <a:pPr/>
+              <a:t>10/19/2016</a:t>
             </a:fld>
             <a:endParaRPr lang="en-US"/>
           </a:p>
@@ -2380,6 +2399,7 @@
           <a:p>
             <a:fld id="{FB34683C-161B-4520-BF45-B179E228CF2A}" type="slidenum">
               <a:rPr lang="en-US" smtClean="0"/>
+              <a:pPr/>
               <a:t>‹#›</a:t>
             </a:fld>
             <a:endParaRPr lang="en-US"/>
@@ -2389,7 +2409,7 @@
     </p:spTree>
     <p:extLst>
       <p:ext uri="{BB962C8B-B14F-4D97-AF65-F5344CB8AC3E}">
-        <p14:creationId xmlns:p14="http://schemas.microsoft.com/office/powerpoint/2010/main" val="1793928710"/>
+        <p14:creationId xmlns:p14="http://schemas.microsoft.com/office/powerpoint/2010/main" xmlns="" val="1793928710"/>
       </p:ext>
     </p:extLst>
   </p:cSld>
@@ -2615,7 +2635,8 @@
           <a:p>
             <a:fld id="{78C97017-6FC3-485B-9764-EAC9E56C1D49}" type="datetimeFigureOut">
               <a:rPr lang="en-US" smtClean="0"/>
-              <a:t>9/30/2016</a:t>
+              <a:pPr/>
+              <a:t>10/19/2016</a:t>
             </a:fld>
             <a:endParaRPr lang="en-US"/>
           </a:p>
@@ -2657,6 +2678,7 @@
           <a:p>
             <a:fld id="{FB34683C-161B-4520-BF45-B179E228CF2A}" type="slidenum">
               <a:rPr lang="en-US" smtClean="0"/>
+              <a:pPr/>
               <a:t>‹#›</a:t>
             </a:fld>
             <a:endParaRPr lang="en-US"/>
@@ -2666,7 +2688,7 @@
     </p:spTree>
     <p:extLst>
       <p:ext uri="{BB962C8B-B14F-4D97-AF65-F5344CB8AC3E}">
-        <p14:creationId xmlns:p14="http://schemas.microsoft.com/office/powerpoint/2010/main" val="2076802089"/>
+        <p14:creationId xmlns:p14="http://schemas.microsoft.com/office/powerpoint/2010/main" xmlns="" val="2076802089"/>
       </p:ext>
     </p:extLst>
   </p:cSld>
@@ -2868,7 +2890,8 @@
           <a:p>
             <a:fld id="{78C97017-6FC3-485B-9764-EAC9E56C1D49}" type="datetimeFigureOut">
               <a:rPr lang="en-US" smtClean="0"/>
-              <a:t>9/30/2016</a:t>
+              <a:pPr/>
+              <a:t>10/19/2016</a:t>
             </a:fld>
             <a:endParaRPr lang="en-US"/>
           </a:p>
@@ -2910,6 +2933,7 @@
           <a:p>
             <a:fld id="{FB34683C-161B-4520-BF45-B179E228CF2A}" type="slidenum">
               <a:rPr lang="en-US" smtClean="0"/>
+              <a:pPr/>
               <a:t>‹#›</a:t>
             </a:fld>
             <a:endParaRPr lang="en-US"/>
@@ -2919,7 +2943,7 @@
     </p:spTree>
     <p:extLst>
       <p:ext uri="{BB962C8B-B14F-4D97-AF65-F5344CB8AC3E}">
-        <p14:creationId xmlns:p14="http://schemas.microsoft.com/office/powerpoint/2010/main" val="201835938"/>
+        <p14:creationId xmlns:p14="http://schemas.microsoft.com/office/powerpoint/2010/main" xmlns="" val="201835938"/>
       </p:ext>
     </p:extLst>
   </p:cSld>
@@ -3081,7 +3105,8 @@
           <a:p>
             <a:fld id="{78C97017-6FC3-485B-9764-EAC9E56C1D49}" type="datetimeFigureOut">
               <a:rPr lang="en-US" smtClean="0"/>
-              <a:t>9/30/2016</a:t>
+              <a:pPr/>
+              <a:t>10/19/2016</a:t>
             </a:fld>
             <a:endParaRPr lang="en-US"/>
           </a:p>
@@ -3159,6 +3184,7 @@
           <a:p>
             <a:fld id="{FB34683C-161B-4520-BF45-B179E228CF2A}" type="slidenum">
               <a:rPr lang="en-US" smtClean="0"/>
+              <a:pPr/>
               <a:t>‹#›</a:t>
             </a:fld>
             <a:endParaRPr lang="en-US"/>
@@ -3168,7 +3194,7 @@
     </p:spTree>
     <p:extLst>
       <p:ext uri="{BB962C8B-B14F-4D97-AF65-F5344CB8AC3E}">
-        <p14:creationId xmlns:p14="http://schemas.microsoft.com/office/powerpoint/2010/main" val="2341400630"/>
+        <p14:creationId xmlns:p14="http://schemas.microsoft.com/office/powerpoint/2010/main" xmlns="" val="2341400630"/>
       </p:ext>
     </p:extLst>
   </p:cSld>
@@ -3509,7 +3535,7 @@
     </p:spTree>
     <p:extLst>
       <p:ext uri="{BB962C8B-B14F-4D97-AF65-F5344CB8AC3E}">
-        <p14:creationId xmlns:p14="http://schemas.microsoft.com/office/powerpoint/2010/main" val="2960930635"/>
+        <p14:creationId xmlns:p14="http://schemas.microsoft.com/office/powerpoint/2010/main" xmlns="" val="2960930635"/>
       </p:ext>
     </p:extLst>
   </p:cSld>
@@ -4864,7 +4890,7 @@
     </p:spTree>
     <p:extLst>
       <p:ext uri="{BB962C8B-B14F-4D97-AF65-F5344CB8AC3E}">
-        <p14:creationId xmlns:p14="http://schemas.microsoft.com/office/powerpoint/2010/main" val="1981432603"/>
+        <p14:creationId xmlns:p14="http://schemas.microsoft.com/office/powerpoint/2010/main" xmlns="" val="1981432603"/>
       </p:ext>
     </p:extLst>
   </p:cSld>
@@ -7511,7 +7537,7 @@
     </p:spTree>
     <p:extLst>
       <p:ext uri="{BB962C8B-B14F-4D97-AF65-F5344CB8AC3E}">
-        <p14:creationId xmlns:p14="http://schemas.microsoft.com/office/powerpoint/2010/main" val="4023378879"/>
+        <p14:creationId xmlns:p14="http://schemas.microsoft.com/office/powerpoint/2010/main" xmlns="" val="4023378879"/>
       </p:ext>
     </p:extLst>
   </p:cSld>
@@ -9746,7 +9772,7 @@
     </p:spTree>
     <p:extLst>
       <p:ext uri="{BB962C8B-B14F-4D97-AF65-F5344CB8AC3E}">
-        <p14:creationId xmlns:p14="http://schemas.microsoft.com/office/powerpoint/2010/main" val="2776882492"/>
+        <p14:creationId xmlns:p14="http://schemas.microsoft.com/office/powerpoint/2010/main" xmlns="" val="2776882492"/>
       </p:ext>
     </p:extLst>
   </p:cSld>
@@ -11535,7 +11561,7 @@
     </p:spTree>
     <p:extLst>
       <p:ext uri="{BB962C8B-B14F-4D97-AF65-F5344CB8AC3E}">
-        <p14:creationId xmlns:p14="http://schemas.microsoft.com/office/powerpoint/2010/main" val="599777654"/>
+        <p14:creationId xmlns:p14="http://schemas.microsoft.com/office/powerpoint/2010/main" xmlns="" val="599777654"/>
       </p:ext>
     </p:extLst>
   </p:cSld>
@@ -12280,7 +12306,6 @@
               <a:rPr lang="en-US" dirty="0"/>
               <a:t>execute()</a:t>
             </a:r>
-            <a:endParaRPr lang="en-US" dirty="0"/>
           </a:p>
         </p:txBody>
       </p:sp>
@@ -13218,7 +13243,7 @@
     </p:spTree>
     <p:extLst>
       <p:ext uri="{BB962C8B-B14F-4D97-AF65-F5344CB8AC3E}">
-        <p14:creationId xmlns:p14="http://schemas.microsoft.com/office/powerpoint/2010/main" val="3945898909"/>
+        <p14:creationId xmlns:p14="http://schemas.microsoft.com/office/powerpoint/2010/main" xmlns="" val="3945898909"/>
       </p:ext>
     </p:extLst>
   </p:cSld>
@@ -15390,7 +15415,7 @@
     </p:spTree>
     <p:extLst>
       <p:ext uri="{BB962C8B-B14F-4D97-AF65-F5344CB8AC3E}">
-        <p14:creationId xmlns:p14="http://schemas.microsoft.com/office/powerpoint/2010/main" val="2396968029"/>
+        <p14:creationId xmlns:p14="http://schemas.microsoft.com/office/powerpoint/2010/main" xmlns="" val="2396968029"/>
       </p:ext>
     </p:extLst>
   </p:cSld>
@@ -16812,7 +16837,7 @@
     </p:spTree>
     <p:extLst>
       <p:ext uri="{BB962C8B-B14F-4D97-AF65-F5344CB8AC3E}">
-        <p14:creationId xmlns:p14="http://schemas.microsoft.com/office/powerpoint/2010/main" val="1478832369"/>
+        <p14:creationId xmlns:p14="http://schemas.microsoft.com/office/powerpoint/2010/main" xmlns="" val="1478832369"/>
       </p:ext>
     </p:extLst>
   </p:cSld>
@@ -16849,7 +16874,7 @@
     </p:spTree>
     <p:extLst>
       <p:ext uri="{BB962C8B-B14F-4D97-AF65-F5344CB8AC3E}">
-        <p14:creationId xmlns:p14="http://schemas.microsoft.com/office/powerpoint/2010/main" val="2978036214"/>
+        <p14:creationId xmlns:p14="http://schemas.microsoft.com/office/powerpoint/2010/main" xmlns="" val="2978036214"/>
       </p:ext>
     </p:extLst>
   </p:cSld>

--- a/docs/diagrams/Diagrams.pptx
+++ b/docs/diagrams/Diagrams.pptx
@@ -200,7 +200,7 @@
           <a:p>
             <a:fld id="{F5CC4B3F-88C1-4FFA-B1B6-F41C21DC6924}" type="datetimeFigureOut">
               <a:rPr lang="en-US" smtClean="0"/>
-              <a:t>9/30/2016</a:t>
+              <a:t>19/10/16</a:t>
             </a:fld>
             <a:endParaRPr lang="en-US"/>
           </a:p>
@@ -649,7 +649,7 @@
           <a:p>
             <a:fld id="{78C97017-6FC3-485B-9764-EAC9E56C1D49}" type="datetimeFigureOut">
               <a:rPr lang="en-US" smtClean="0"/>
-              <a:t>9/30/2016</a:t>
+              <a:t>19/10/16</a:t>
             </a:fld>
             <a:endParaRPr lang="en-US"/>
           </a:p>
@@ -819,7 +819,7 @@
           <a:p>
             <a:fld id="{78C97017-6FC3-485B-9764-EAC9E56C1D49}" type="datetimeFigureOut">
               <a:rPr lang="en-US" smtClean="0"/>
-              <a:t>9/30/2016</a:t>
+              <a:t>19/10/16</a:t>
             </a:fld>
             <a:endParaRPr lang="en-US"/>
           </a:p>
@@ -999,7 +999,7 @@
           <a:p>
             <a:fld id="{78C97017-6FC3-485B-9764-EAC9E56C1D49}" type="datetimeFigureOut">
               <a:rPr lang="en-US" smtClean="0"/>
-              <a:t>9/30/2016</a:t>
+              <a:t>19/10/16</a:t>
             </a:fld>
             <a:endParaRPr lang="en-US"/>
           </a:p>
@@ -1169,7 +1169,7 @@
           <a:p>
             <a:fld id="{78C97017-6FC3-485B-9764-EAC9E56C1D49}" type="datetimeFigureOut">
               <a:rPr lang="en-US" smtClean="0"/>
-              <a:t>9/30/2016</a:t>
+              <a:t>19/10/16</a:t>
             </a:fld>
             <a:endParaRPr lang="en-US"/>
           </a:p>
@@ -1415,7 +1415,7 @@
           <a:p>
             <a:fld id="{78C97017-6FC3-485B-9764-EAC9E56C1D49}" type="datetimeFigureOut">
               <a:rPr lang="en-US" smtClean="0"/>
-              <a:t>9/30/2016</a:t>
+              <a:t>19/10/16</a:t>
             </a:fld>
             <a:endParaRPr lang="en-US"/>
           </a:p>
@@ -1703,7 +1703,7 @@
           <a:p>
             <a:fld id="{78C97017-6FC3-485B-9764-EAC9E56C1D49}" type="datetimeFigureOut">
               <a:rPr lang="en-US" smtClean="0"/>
-              <a:t>9/30/2016</a:t>
+              <a:t>19/10/16</a:t>
             </a:fld>
             <a:endParaRPr lang="en-US"/>
           </a:p>
@@ -2125,7 +2125,7 @@
           <a:p>
             <a:fld id="{78C97017-6FC3-485B-9764-EAC9E56C1D49}" type="datetimeFigureOut">
               <a:rPr lang="en-US" smtClean="0"/>
-              <a:t>9/30/2016</a:t>
+              <a:t>19/10/16</a:t>
             </a:fld>
             <a:endParaRPr lang="en-US"/>
           </a:p>
@@ -2243,7 +2243,7 @@
           <a:p>
             <a:fld id="{78C97017-6FC3-485B-9764-EAC9E56C1D49}" type="datetimeFigureOut">
               <a:rPr lang="en-US" smtClean="0"/>
-              <a:t>9/30/2016</a:t>
+              <a:t>19/10/16</a:t>
             </a:fld>
             <a:endParaRPr lang="en-US"/>
           </a:p>
@@ -2338,7 +2338,7 @@
           <a:p>
             <a:fld id="{78C97017-6FC3-485B-9764-EAC9E56C1D49}" type="datetimeFigureOut">
               <a:rPr lang="en-US" smtClean="0"/>
-              <a:t>9/30/2016</a:t>
+              <a:t>19/10/16</a:t>
             </a:fld>
             <a:endParaRPr lang="en-US"/>
           </a:p>
@@ -2615,7 +2615,7 @@
           <a:p>
             <a:fld id="{78C97017-6FC3-485B-9764-EAC9E56C1D49}" type="datetimeFigureOut">
               <a:rPr lang="en-US" smtClean="0"/>
-              <a:t>9/30/2016</a:t>
+              <a:t>19/10/16</a:t>
             </a:fld>
             <a:endParaRPr lang="en-US"/>
           </a:p>
@@ -2868,7 +2868,7 @@
           <a:p>
             <a:fld id="{78C97017-6FC3-485B-9764-EAC9E56C1D49}" type="datetimeFigureOut">
               <a:rPr lang="en-US" smtClean="0"/>
-              <a:t>9/30/2016</a:t>
+              <a:t>19/10/16</a:t>
             </a:fld>
             <a:endParaRPr lang="en-US"/>
           </a:p>
@@ -3081,7 +3081,7 @@
           <a:p>
             <a:fld id="{78C97017-6FC3-485B-9764-EAC9E56C1D49}" type="datetimeFigureOut">
               <a:rPr lang="en-US" smtClean="0"/>
-              <a:t>9/30/2016</a:t>
+              <a:t>19/10/16</a:t>
             </a:fld>
             <a:endParaRPr lang="en-US"/>
           </a:p>
@@ -3473,11 +3473,15 @@
           <a:p>
             <a:r>
               <a:rPr lang="en-US" dirty="0" err="1" smtClean="0"/>
-              <a:t>AddressBook</a:t>
+              <a:t>TaskManager</a:t>
             </a:r>
             <a:r>
               <a:rPr lang="en-US" dirty="0" smtClean="0"/>
-              <a:t> – Level 4</a:t>
+              <a:t> – </a:t>
+            </a:r>
+            <a:r>
+              <a:rPr lang="en-US" dirty="0" err="1" smtClean="0"/>
+              <a:t>ForgetMeNot</a:t>
             </a:r>
             <a:endParaRPr lang="en-US" dirty="0"/>
           </a:p>
@@ -5038,223 +5042,6 @@
           </a:p>
         </p:txBody>
       </p:sp>
-      <p:grpSp>
-        <p:nvGrpSpPr>
-          <p:cNvPr id="7" name="Actor"/>
-          <p:cNvGrpSpPr/>
-          <p:nvPr/>
-        </p:nvGrpSpPr>
-        <p:grpSpPr>
-          <a:xfrm>
-            <a:off x="152400" y="533400"/>
-            <a:ext cx="324036" cy="573410"/>
-            <a:chOff x="3239901" y="4149080"/>
-            <a:chExt cx="648072" cy="1146820"/>
-          </a:xfrm>
-        </p:grpSpPr>
-        <p:sp>
-          <p:nvSpPr>
-            <p:cNvPr id="8" name="Flowchart: Connector 7"/>
-            <p:cNvSpPr/>
-            <p:nvPr/>
-          </p:nvSpPr>
-          <p:spPr>
-            <a:xfrm>
-              <a:off x="3419872" y="4149080"/>
-              <a:ext cx="288032" cy="288032"/>
-            </a:xfrm>
-            <a:prstGeom prst="flowChartConnector">
-              <a:avLst/>
-            </a:prstGeom>
-            <a:solidFill>
-              <a:schemeClr val="bg1">
-                <a:lumMod val="85000"/>
-              </a:schemeClr>
-            </a:solidFill>
-            <a:ln w="28575">
-              <a:solidFill>
-                <a:schemeClr val="tx1"/>
-              </a:solidFill>
-            </a:ln>
-            <a:effectLst/>
-          </p:spPr>
-          <p:style>
-            <a:lnRef idx="1">
-              <a:schemeClr val="accent4"/>
-            </a:lnRef>
-            <a:fillRef idx="2">
-              <a:schemeClr val="accent4"/>
-            </a:fillRef>
-            <a:effectRef idx="1">
-              <a:schemeClr val="accent4"/>
-            </a:effectRef>
-            <a:fontRef idx="minor">
-              <a:schemeClr val="dk1"/>
-            </a:fontRef>
-          </p:style>
-          <p:txBody>
-            <a:bodyPr rtlCol="0" anchor="ctr"/>
-            <a:lstStyle/>
-            <a:p>
-              <a:pPr algn="ctr"/>
-              <a:endParaRPr lang="en-SG"/>
-            </a:p>
-          </p:txBody>
-        </p:sp>
-        <p:cxnSp>
-          <p:nvCxnSpPr>
-            <p:cNvPr id="9" name="Straight Connector 8"/>
-            <p:cNvCxnSpPr>
-              <a:stCxn id="8" idx="4"/>
-            </p:cNvCxnSpPr>
-            <p:nvPr/>
-          </p:nvCxnSpPr>
-          <p:spPr>
-            <a:xfrm>
-              <a:off x="3563888" y="4437112"/>
-              <a:ext cx="0" cy="504056"/>
-            </a:xfrm>
-            <a:prstGeom prst="line">
-              <a:avLst/>
-            </a:prstGeom>
-            <a:ln w="28575">
-              <a:solidFill>
-                <a:schemeClr val="tx1"/>
-              </a:solidFill>
-            </a:ln>
-            <a:effectLst/>
-          </p:spPr>
-          <p:style>
-            <a:lnRef idx="1">
-              <a:schemeClr val="accent4"/>
-            </a:lnRef>
-            <a:fillRef idx="2">
-              <a:schemeClr val="accent4"/>
-            </a:fillRef>
-            <a:effectRef idx="1">
-              <a:schemeClr val="accent4"/>
-            </a:effectRef>
-            <a:fontRef idx="minor">
-              <a:schemeClr val="dk1"/>
-            </a:fontRef>
-          </p:style>
-        </p:cxnSp>
-        <p:sp>
-          <p:nvSpPr>
-            <p:cNvPr id="10" name="Freeform 9"/>
-            <p:cNvSpPr/>
-            <p:nvPr/>
-          </p:nvSpPr>
-          <p:spPr>
-            <a:xfrm>
-              <a:off x="3324225" y="4933950"/>
-              <a:ext cx="479425" cy="361950"/>
-            </a:xfrm>
-            <a:custGeom>
-              <a:avLst/>
-              <a:gdLst>
-                <a:gd name="connsiteX0" fmla="*/ 0 w 479425"/>
-                <a:gd name="connsiteY0" fmla="*/ 355600 h 361950"/>
-                <a:gd name="connsiteX1" fmla="*/ 241300 w 479425"/>
-                <a:gd name="connsiteY1" fmla="*/ 0 h 361950"/>
-                <a:gd name="connsiteX2" fmla="*/ 479425 w 479425"/>
-                <a:gd name="connsiteY2" fmla="*/ 361950 h 361950"/>
-              </a:gdLst>
-              <a:ahLst/>
-              <a:cxnLst>
-                <a:cxn ang="0">
-                  <a:pos x="connsiteX0" y="connsiteY0"/>
-                </a:cxn>
-                <a:cxn ang="0">
-                  <a:pos x="connsiteX1" y="connsiteY1"/>
-                </a:cxn>
-                <a:cxn ang="0">
-                  <a:pos x="connsiteX2" y="connsiteY2"/>
-                </a:cxn>
-              </a:cxnLst>
-              <a:rect l="l" t="t" r="r" b="b"/>
-              <a:pathLst>
-                <a:path w="479425" h="361950">
-                  <a:moveTo>
-                    <a:pt x="0" y="355600"/>
-                  </a:moveTo>
-                  <a:lnTo>
-                    <a:pt x="241300" y="0"/>
-                  </a:lnTo>
-                  <a:lnTo>
-                    <a:pt x="479425" y="361950"/>
-                  </a:lnTo>
-                </a:path>
-              </a:pathLst>
-            </a:custGeom>
-            <a:noFill/>
-            <a:ln w="28575">
-              <a:solidFill>
-                <a:schemeClr val="tx1"/>
-              </a:solidFill>
-            </a:ln>
-            <a:effectLst/>
-          </p:spPr>
-          <p:style>
-            <a:lnRef idx="1">
-              <a:schemeClr val="accent4"/>
-            </a:lnRef>
-            <a:fillRef idx="2">
-              <a:schemeClr val="accent4"/>
-            </a:fillRef>
-            <a:effectRef idx="1">
-              <a:schemeClr val="accent4"/>
-            </a:effectRef>
-            <a:fontRef idx="minor">
-              <a:schemeClr val="dk1"/>
-            </a:fontRef>
-          </p:style>
-          <p:txBody>
-            <a:bodyPr rtlCol="0" anchor="ctr"/>
-            <a:lstStyle/>
-            <a:p>
-              <a:pPr algn="ctr"/>
-              <a:endParaRPr lang="en-SG"/>
-            </a:p>
-          </p:txBody>
-        </p:sp>
-        <p:cxnSp>
-          <p:nvCxnSpPr>
-            <p:cNvPr id="11" name="Straight Connector 10"/>
-            <p:cNvCxnSpPr/>
-            <p:nvPr/>
-          </p:nvCxnSpPr>
-          <p:spPr>
-            <a:xfrm>
-              <a:off x="3239901" y="4509120"/>
-              <a:ext cx="648072" cy="0"/>
-            </a:xfrm>
-            <a:prstGeom prst="line">
-              <a:avLst/>
-            </a:prstGeom>
-            <a:ln w="28575">
-              <a:solidFill>
-                <a:schemeClr val="tx1"/>
-              </a:solidFill>
-            </a:ln>
-            <a:effectLst/>
-          </p:spPr>
-          <p:style>
-            <a:lnRef idx="1">
-              <a:schemeClr val="accent4"/>
-            </a:lnRef>
-            <a:fillRef idx="2">
-              <a:schemeClr val="accent4"/>
-            </a:fillRef>
-            <a:effectRef idx="1">
-              <a:schemeClr val="accent4"/>
-            </a:effectRef>
-            <a:fontRef idx="minor">
-              <a:schemeClr val="dk1"/>
-            </a:fontRef>
-          </p:style>
-        </p:cxnSp>
-      </p:grpSp>
       <p:sp>
         <p:nvSpPr>
           <p:cNvPr id="16" name="Rectangle 62"/>
@@ -5753,7 +5540,7 @@
                   <a:srgbClr val="7030A0"/>
                 </a:solidFill>
               </a:rPr>
-              <a:t>deletePerson</a:t>
+              <a:t>deleteTask</a:t>
             </a:r>
             <a:r>
               <a:rPr lang="en-US" sz="1400" dirty="0" smtClean="0">
@@ -5761,7 +5548,15 @@
                   <a:srgbClr val="7030A0"/>
                 </a:solidFill>
               </a:rPr>
-              <a:t>(p)</a:t>
+              <a:t>(</a:t>
+            </a:r>
+            <a:r>
+              <a:rPr lang="en-US" sz="1400" dirty="0" smtClean="0">
+                <a:solidFill>
+                  <a:srgbClr val="7030A0"/>
+                </a:solidFill>
+              </a:rPr>
+              <a:t>p)</a:t>
             </a:r>
             <a:endParaRPr lang="en-US" sz="1400" dirty="0">
               <a:solidFill>
@@ -5801,7 +5596,7 @@
                   </a:schemeClr>
                 </a:solidFill>
               </a:rPr>
-              <a:t>post(</a:t>
+              <a:t>Post(</a:t>
             </a:r>
             <a:r>
               <a:rPr lang="en-US" sz="1400" dirty="0" err="1" smtClean="0">
@@ -5811,7 +5606,17 @@
                   </a:schemeClr>
                 </a:solidFill>
               </a:rPr>
-              <a:t>AddressBookChangedEvent</a:t>
+              <a:t>TaskManager</a:t>
+            </a:r>
+            <a:r>
+              <a:rPr lang="en-US" sz="1400" dirty="0" err="1" smtClean="0">
+                <a:solidFill>
+                  <a:schemeClr val="accent5">
+                    <a:lumMod val="75000"/>
+                  </a:schemeClr>
+                </a:solidFill>
+              </a:rPr>
+              <a:t>ChangedEvent</a:t>
             </a:r>
             <a:r>
               <a:rPr lang="en-US" sz="1400" dirty="0" smtClean="0">
@@ -6375,7 +6180,7 @@
                   </a:schemeClr>
                 </a:solidFill>
               </a:rPr>
-              <a:t>post(</a:t>
+              <a:t>Post(</a:t>
             </a:r>
             <a:r>
               <a:rPr lang="en-US" sz="1400" dirty="0" err="1" smtClean="0">
@@ -6385,7 +6190,17 @@
                   </a:schemeClr>
                 </a:solidFill>
               </a:rPr>
-              <a:t>AddressBookChangedEvent</a:t>
+              <a:t>TaskManager</a:t>
+            </a:r>
+            <a:r>
+              <a:rPr lang="en-US" sz="1400" dirty="0" err="1" smtClean="0">
+                <a:solidFill>
+                  <a:schemeClr val="accent5">
+                    <a:lumMod val="75000"/>
+                  </a:schemeClr>
+                </a:solidFill>
+              </a:rPr>
+              <a:t>ChangedEvent</a:t>
             </a:r>
             <a:r>
               <a:rPr lang="en-US" sz="1400" dirty="0" smtClean="0">
@@ -6757,7 +6572,7 @@
                   </a:schemeClr>
                 </a:solidFill>
               </a:rPr>
-              <a:t>handleAddresssBookChangedEvent</a:t>
+              <a:t>handleTaskManagerChangedEvent</a:t>
             </a:r>
             <a:r>
               <a:rPr lang="en-US" sz="1400" dirty="0" smtClean="0">
@@ -7068,7 +6883,7 @@
                   <a:srgbClr val="00B050"/>
                 </a:solidFill>
               </a:rPr>
-              <a:t>handleAddresssBookChangedEvent</a:t>
+              <a:t>handleTaskManagerChangedEvent</a:t>
             </a:r>
             <a:r>
               <a:rPr lang="en-US" sz="1400" dirty="0" smtClean="0">
@@ -7508,6 +7323,35 @@
           </a:p>
         </p:txBody>
       </p:sp>
+      <p:pic>
+        <p:nvPicPr>
+          <p:cNvPr id="3" name="Picture 2" descr="noun_396626_cc.png"/>
+          <p:cNvPicPr>
+            <a:picLocks noChangeAspect="1"/>
+          </p:cNvPicPr>
+          <p:nvPr/>
+        </p:nvPicPr>
+        <p:blipFill rotWithShape="1">
+          <a:blip r:embed="rId2">
+            <a:extLst>
+              <a:ext uri="{28A0092B-C50C-407E-A947-70E740481C1C}">
+                <a14:useLocalDpi xmlns:a14="http://schemas.microsoft.com/office/drawing/2010/main" val="0"/>
+              </a:ext>
+            </a:extLst>
+          </a:blip>
+          <a:srcRect t="-2" b="13385"/>
+          <a:stretch/>
+        </p:blipFill>
+        <p:spPr>
+          <a:xfrm>
+            <a:off x="-152400" y="385762"/>
+            <a:ext cx="990600" cy="681038"/>
+          </a:xfrm>
+          <a:prstGeom prst="rect">
+            <a:avLst/>
+          </a:prstGeom>
+        </p:spPr>
+      </p:pic>
     </p:spTree>
     <p:extLst>
       <p:ext uri="{BB962C8B-B14F-4D97-AF65-F5344CB8AC3E}">
@@ -8134,14 +7978,24 @@
           <a:p>
             <a:pPr algn="ctr"/>
             <a:r>
-              <a:rPr lang="en-US" sz="1050" b="1" dirty="0" err="1">
+              <a:rPr lang="en-US" sz="1050" b="1" dirty="0" err="1" smtClean="0">
                 <a:solidFill>
                   <a:schemeClr val="accent3">
                     <a:lumMod val="75000"/>
                   </a:schemeClr>
                 </a:solidFill>
               </a:rPr>
-              <a:t>PersonListPanel</a:t>
+              <a:t>Task</a:t>
+            </a:r>
+            <a:r>
+              <a:rPr lang="en-US" sz="1050" b="1" dirty="0" err="1" smtClean="0">
+                <a:solidFill>
+                  <a:schemeClr val="accent3">
+                    <a:lumMod val="75000"/>
+                  </a:schemeClr>
+                </a:solidFill>
+              </a:rPr>
+              <a:t>ListPanel</a:t>
             </a:r>
             <a:endParaRPr lang="en-SG" sz="1050" b="1" dirty="0">
               <a:solidFill>
@@ -8194,14 +8048,24 @@
           <a:p>
             <a:pPr algn="ctr"/>
             <a:r>
-              <a:rPr lang="en-US" sz="1050" b="1" dirty="0" err="1">
+              <a:rPr lang="en-US" sz="1050" b="1" dirty="0" err="1" smtClean="0">
                 <a:solidFill>
                   <a:schemeClr val="accent3">
                     <a:lumMod val="75000"/>
                   </a:schemeClr>
                 </a:solidFill>
               </a:rPr>
-              <a:t>PersonCard</a:t>
+              <a:t>Task</a:t>
+            </a:r>
+            <a:r>
+              <a:rPr lang="en-US" sz="1050" b="1" dirty="0" err="1" smtClean="0">
+                <a:solidFill>
+                  <a:schemeClr val="accent3">
+                    <a:lumMod val="75000"/>
+                  </a:schemeClr>
+                </a:solidFill>
+              </a:rPr>
+              <a:t>Card</a:t>
             </a:r>
             <a:endParaRPr lang="en-SG" sz="1050" b="1" dirty="0">
               <a:solidFill>
@@ -9756,7 +9620,7 @@
   <p:timing>
     <p:tnLst>
       <p:par>
-        <p:cTn id="1" dur="indefinite" restart="never" nodeType="tmRoot"/>
+        <p:cTn xmlns:p14="http://schemas.microsoft.com/office/powerpoint/2010/main" id="1" dur="indefinite" restart="never" nodeType="tmRoot"/>
       </p:par>
     </p:tnLst>
   </p:timing>
@@ -11545,7 +11409,7 @@
   <p:timing>
     <p:tnLst>
       <p:par>
-        <p:cTn id="1" dur="indefinite" restart="never" nodeType="tmRoot"/>
+        <p:cTn xmlns:p14="http://schemas.microsoft.com/office/powerpoint/2010/main" id="1" dur="indefinite" restart="never" nodeType="tmRoot"/>
       </p:par>
     </p:tnLst>
   </p:timing>
@@ -12280,7 +12144,6 @@
               <a:rPr lang="en-US" dirty="0"/>
               <a:t>execute()</a:t>
             </a:r>
-            <a:endParaRPr lang="en-US" dirty="0"/>
           </a:p>
         </p:txBody>
       </p:sp>
@@ -12766,7 +12629,7 @@
         </p:nvSpPr>
         <p:spPr>
           <a:xfrm>
-            <a:off x="6858000" y="4278848"/>
+            <a:off x="6248400" y="4278848"/>
             <a:ext cx="1424846" cy="215444"/>
           </a:xfrm>
           <a:prstGeom prst="rect">
@@ -12797,7 +12660,7 @@
                   <a:srgbClr val="7030A0"/>
                 </a:solidFill>
               </a:rPr>
-              <a:t>deletePerson</a:t>
+              <a:t>deleteTask</a:t>
             </a:r>
             <a:r>
               <a:rPr lang="en-US" dirty="0" smtClean="0">
@@ -12805,7 +12668,15 @@
                   <a:srgbClr val="7030A0"/>
                 </a:solidFill>
               </a:rPr>
-              <a:t>(p)</a:t>
+              <a:t>(</a:t>
+            </a:r>
+            <a:r>
+              <a:rPr lang="en-US" dirty="0" smtClean="0">
+                <a:solidFill>
+                  <a:srgbClr val="7030A0"/>
+                </a:solidFill>
+              </a:rPr>
+              <a:t>p)</a:t>
             </a:r>
             <a:endParaRPr lang="en-US" dirty="0">
               <a:solidFill>
@@ -13936,7 +13807,7 @@
                   <a:srgbClr val="7030A0"/>
                 </a:solidFill>
               </a:rPr>
-              <a:t>AddressBook</a:t>
+              <a:t>TaskManager</a:t>
             </a:r>
             <a:endParaRPr lang="en-SG" sz="1050" dirty="0">
               <a:solidFill>
@@ -14078,7 +13949,7 @@
                   <a:srgbClr val="7030A0"/>
                 </a:solidFill>
               </a:rPr>
-              <a:t>UniquePersonList</a:t>
+              <a:t>UniqueTaskList</a:t>
             </a:r>
             <a:endParaRPr lang="en-SG" sz="1050" dirty="0">
               <a:solidFill>
@@ -14321,7 +14192,7 @@
                   <a:srgbClr val="7030A0"/>
                 </a:solidFill>
               </a:rPr>
-              <a:t>Person</a:t>
+              <a:t>Task</a:t>
             </a:r>
             <a:endParaRPr lang="en-SG" sz="1050" dirty="0">
               <a:solidFill>
@@ -14620,7 +14491,7 @@
                   <a:srgbClr val="7030A0"/>
                 </a:solidFill>
               </a:rPr>
-              <a:t>ReadOnlyPerson</a:t>
+              <a:t>ReadOnlyTask</a:t>
             </a:r>
             <a:endParaRPr lang="en-SG" sz="1050" dirty="0">
               <a:solidFill>
@@ -14815,12 +14686,12 @@
           <a:p>
             <a:pPr algn="ctr"/>
             <a:r>
-              <a:rPr lang="en-US" sz="1050" dirty="0" smtClean="0">
+              <a:rPr lang="en-US" sz="1050" dirty="0" err="1" smtClean="0">
                 <a:solidFill>
                   <a:srgbClr val="7030A0"/>
                 </a:solidFill>
               </a:rPr>
-              <a:t>Phone</a:t>
+              <a:t>StartTime</a:t>
             </a:r>
             <a:endParaRPr lang="en-SG" sz="1050" dirty="0">
               <a:solidFill>
@@ -14912,12 +14783,12 @@
           <a:p>
             <a:pPr algn="ctr"/>
             <a:r>
-              <a:rPr lang="en-US" sz="1050" dirty="0" smtClean="0">
+              <a:rPr lang="en-US" sz="1050" dirty="0" err="1" smtClean="0">
                 <a:solidFill>
                   <a:srgbClr val="7030A0"/>
                 </a:solidFill>
               </a:rPr>
-              <a:t>Email</a:t>
+              <a:t>EndTime</a:t>
             </a:r>
             <a:endParaRPr lang="en-SG" sz="1050" dirty="0">
               <a:solidFill>
@@ -15014,7 +14885,7 @@
                   <a:srgbClr val="7030A0"/>
                 </a:solidFill>
               </a:rPr>
-              <a:t>Address</a:t>
+              <a:t>Done</a:t>
             </a:r>
             <a:endParaRPr lang="en-SG" sz="1050" dirty="0">
               <a:solidFill>
@@ -15217,7 +15088,7 @@
                   <a:srgbClr val="7030A0"/>
                 </a:solidFill>
               </a:rPr>
-              <a:t>ReadOnlyAddressBook</a:t>
+              <a:t>ReadOnlyTaskManager</a:t>
             </a:r>
             <a:endParaRPr lang="en-SG" sz="1050" dirty="0">
               <a:solidFill>
@@ -15400,7 +15271,7 @@
   <p:timing>
     <p:tnLst>
       <p:par>
-        <p:cTn id="1" dur="indefinite" restart="never" nodeType="tmRoot"/>
+        <p:cTn xmlns:p14="http://schemas.microsoft.com/office/powerpoint/2010/main" id="1" dur="indefinite" restart="never" nodeType="tmRoot"/>
       </p:par>
     </p:tnLst>
   </p:timing>
@@ -15557,7 +15428,15 @@
                   <a:schemeClr val="bg1"/>
                 </a:solidFill>
               </a:rPr>
-              <a:t>AddressBookStorage</a:t>
+              <a:t>TaskManager</a:t>
+            </a:r>
+            <a:r>
+              <a:rPr lang="en-US" sz="1050" dirty="0" err="1" smtClean="0">
+                <a:solidFill>
+                  <a:schemeClr val="bg1"/>
+                </a:solidFill>
+              </a:rPr>
+              <a:t>Storage</a:t>
             </a:r>
             <a:endParaRPr lang="en-SG" sz="1050" dirty="0">
               <a:solidFill>
@@ -16130,7 +16009,7 @@
                   </a:schemeClr>
                 </a:solidFill>
               </a:rPr>
-              <a:t>XmlAddressBook</a:t>
+              <a:t>XmlTaskManager</a:t>
             </a:r>
             <a:r>
               <a:rPr lang="en-US" sz="1050" b="1" dirty="0" smtClean="0">
@@ -16603,7 +16482,7 @@
                   </a:schemeClr>
                 </a:solidFill>
               </a:rPr>
-              <a:t>AddressBook</a:t>
+              <a:t>TaskManager</a:t>
             </a:r>
             <a:endParaRPr lang="en-SG" sz="1050" b="1" dirty="0">
               <a:solidFill>
@@ -16756,7 +16635,7 @@
                   </a:schemeClr>
                 </a:solidFill>
               </a:rPr>
-              <a:t>XmlAdaptedPerson</a:t>
+              <a:t>XmlAdaptedTask</a:t>
             </a:r>
             <a:endParaRPr lang="en-SG" sz="1050" b="1" dirty="0">
               <a:solidFill>
@@ -16822,7 +16701,7 @@
   <p:timing>
     <p:tnLst>
       <p:par>
-        <p:cTn id="1" dur="indefinite" restart="never" nodeType="tmRoot"/>
+        <p:cTn xmlns:p14="http://schemas.microsoft.com/office/powerpoint/2010/main" id="1" dur="indefinite" restart="never" nodeType="tmRoot"/>
       </p:par>
     </p:tnLst>
   </p:timing>

--- a/docs/diagrams/Diagrams.pptx
+++ b/docs/diagrams/Diagrams.pptx
@@ -115,6 +115,22 @@
       </a:defRPr>
     </a:lvl9pPr>
   </p:defaultTextStyle>
+  <p:extLst>
+    <p:ext uri="{EFAFB233-063F-42B5-8137-9DF3F51BA10A}">
+      <p15:sldGuideLst xmlns:p15="http://schemas.microsoft.com/office/powerpoint/2012/main">
+        <p15:guide id="1" orient="horz" pos="1488">
+          <p15:clr>
+            <a:srgbClr val="A4A3A4"/>
+          </p15:clr>
+        </p15:guide>
+        <p15:guide id="2" pos="2880">
+          <p15:clr>
+            <a:srgbClr val="A4A3A4"/>
+          </p15:clr>
+        </p15:guide>
+      </p15:sldGuideLst>
+    </p:ext>
+  </p:extLst>
 </p:presentation>
 </file>
 
@@ -200,7 +216,7 @@
           <a:p>
             <a:fld id="{F5CC4B3F-88C1-4FFA-B1B6-F41C21DC6924}" type="datetimeFigureOut">
               <a:rPr lang="en-US" smtClean="0"/>
-              <a:t>9/30/2016</a:t>
+              <a:t>10/19/16</a:t>
             </a:fld>
             <a:endParaRPr lang="en-US"/>
           </a:p>
@@ -649,7 +665,7 @@
           <a:p>
             <a:fld id="{78C97017-6FC3-485B-9764-EAC9E56C1D49}" type="datetimeFigureOut">
               <a:rPr lang="en-US" smtClean="0"/>
-              <a:t>9/30/2016</a:t>
+              <a:t>10/19/16</a:t>
             </a:fld>
             <a:endParaRPr lang="en-US"/>
           </a:p>
@@ -819,7 +835,7 @@
           <a:p>
             <a:fld id="{78C97017-6FC3-485B-9764-EAC9E56C1D49}" type="datetimeFigureOut">
               <a:rPr lang="en-US" smtClean="0"/>
-              <a:t>9/30/2016</a:t>
+              <a:t>10/19/16</a:t>
             </a:fld>
             <a:endParaRPr lang="en-US"/>
           </a:p>
@@ -999,7 +1015,7 @@
           <a:p>
             <a:fld id="{78C97017-6FC3-485B-9764-EAC9E56C1D49}" type="datetimeFigureOut">
               <a:rPr lang="en-US" smtClean="0"/>
-              <a:t>9/30/2016</a:t>
+              <a:t>10/19/16</a:t>
             </a:fld>
             <a:endParaRPr lang="en-US"/>
           </a:p>
@@ -1169,7 +1185,7 @@
           <a:p>
             <a:fld id="{78C97017-6FC3-485B-9764-EAC9E56C1D49}" type="datetimeFigureOut">
               <a:rPr lang="en-US" smtClean="0"/>
-              <a:t>9/30/2016</a:t>
+              <a:t>10/19/16</a:t>
             </a:fld>
             <a:endParaRPr lang="en-US"/>
           </a:p>
@@ -1415,7 +1431,7 @@
           <a:p>
             <a:fld id="{78C97017-6FC3-485B-9764-EAC9E56C1D49}" type="datetimeFigureOut">
               <a:rPr lang="en-US" smtClean="0"/>
-              <a:t>9/30/2016</a:t>
+              <a:t>10/19/16</a:t>
             </a:fld>
             <a:endParaRPr lang="en-US"/>
           </a:p>
@@ -1703,7 +1719,7 @@
           <a:p>
             <a:fld id="{78C97017-6FC3-485B-9764-EAC9E56C1D49}" type="datetimeFigureOut">
               <a:rPr lang="en-US" smtClean="0"/>
-              <a:t>9/30/2016</a:t>
+              <a:t>10/19/16</a:t>
             </a:fld>
             <a:endParaRPr lang="en-US"/>
           </a:p>
@@ -2125,7 +2141,7 @@
           <a:p>
             <a:fld id="{78C97017-6FC3-485B-9764-EAC9E56C1D49}" type="datetimeFigureOut">
               <a:rPr lang="en-US" smtClean="0"/>
-              <a:t>9/30/2016</a:t>
+              <a:t>10/19/16</a:t>
             </a:fld>
             <a:endParaRPr lang="en-US"/>
           </a:p>
@@ -2243,7 +2259,7 @@
           <a:p>
             <a:fld id="{78C97017-6FC3-485B-9764-EAC9E56C1D49}" type="datetimeFigureOut">
               <a:rPr lang="en-US" smtClean="0"/>
-              <a:t>9/30/2016</a:t>
+              <a:t>10/19/16</a:t>
             </a:fld>
             <a:endParaRPr lang="en-US"/>
           </a:p>
@@ -2338,7 +2354,7 @@
           <a:p>
             <a:fld id="{78C97017-6FC3-485B-9764-EAC9E56C1D49}" type="datetimeFigureOut">
               <a:rPr lang="en-US" smtClean="0"/>
-              <a:t>9/30/2016</a:t>
+              <a:t>10/19/16</a:t>
             </a:fld>
             <a:endParaRPr lang="en-US"/>
           </a:p>
@@ -2615,7 +2631,7 @@
           <a:p>
             <a:fld id="{78C97017-6FC3-485B-9764-EAC9E56C1D49}" type="datetimeFigureOut">
               <a:rPr lang="en-US" smtClean="0"/>
-              <a:t>9/30/2016</a:t>
+              <a:t>10/19/16</a:t>
             </a:fld>
             <a:endParaRPr lang="en-US"/>
           </a:p>
@@ -2868,7 +2884,7 @@
           <a:p>
             <a:fld id="{78C97017-6FC3-485B-9764-EAC9E56C1D49}" type="datetimeFigureOut">
               <a:rPr lang="en-US" smtClean="0"/>
-              <a:t>9/30/2016</a:t>
+              <a:t>10/19/16</a:t>
             </a:fld>
             <a:endParaRPr lang="en-US"/>
           </a:p>
@@ -3081,7 +3097,7 @@
           <a:p>
             <a:fld id="{78C97017-6FC3-485B-9764-EAC9E56C1D49}" type="datetimeFigureOut">
               <a:rPr lang="en-US" smtClean="0"/>
-              <a:t>9/30/2016</a:t>
+              <a:t>10/19/16</a:t>
             </a:fld>
             <a:endParaRPr lang="en-US"/>
           </a:p>
@@ -3473,11 +3489,7 @@
           <a:p>
             <a:r>
               <a:rPr lang="en-US" dirty="0" err="1" smtClean="0"/>
-              <a:t>AddressBook</a:t>
-            </a:r>
-            <a:r>
-              <a:rPr lang="en-US" dirty="0" smtClean="0"/>
-              <a:t> – Level 4</a:t>
+              <a:t>taskmanager</a:t>
             </a:r>
             <a:endParaRPr lang="en-US" dirty="0"/>
           </a:p>
@@ -5753,7 +5765,7 @@
                   <a:srgbClr val="7030A0"/>
                 </a:solidFill>
               </a:rPr>
-              <a:t>deletePerson</a:t>
+              <a:t>deleteItem</a:t>
             </a:r>
             <a:r>
               <a:rPr lang="en-US" sz="1400" dirty="0" smtClean="0">
@@ -5811,7 +5823,7 @@
                   </a:schemeClr>
                 </a:solidFill>
               </a:rPr>
-              <a:t>AddressBookChangedEvent</a:t>
+              <a:t>TaskManagerChangedEvent</a:t>
             </a:r>
             <a:r>
               <a:rPr lang="en-US" sz="1400" dirty="0" smtClean="0">
@@ -6385,7 +6397,17 @@
                   </a:schemeClr>
                 </a:solidFill>
               </a:rPr>
-              <a:t>AddressBookChangedEvent</a:t>
+              <a:t>T</a:t>
+            </a:r>
+            <a:r>
+              <a:rPr lang="en-US" sz="1400" dirty="0" err="1" smtClean="0">
+                <a:solidFill>
+                  <a:schemeClr val="accent5">
+                    <a:lumMod val="75000"/>
+                  </a:schemeClr>
+                </a:solidFill>
+              </a:rPr>
+              <a:t>askManagerChangedEvent</a:t>
             </a:r>
             <a:r>
               <a:rPr lang="en-US" sz="1400" dirty="0" smtClean="0">
@@ -6757,7 +6779,17 @@
                   </a:schemeClr>
                 </a:solidFill>
               </a:rPr>
-              <a:t>handleAddresssBookChangedEvent</a:t>
+              <a:t>h</a:t>
+            </a:r>
+            <a:r>
+              <a:rPr lang="en-US" sz="1400" dirty="0" err="1" smtClean="0">
+                <a:solidFill>
+                  <a:schemeClr val="accent6">
+                    <a:lumMod val="75000"/>
+                  </a:schemeClr>
+                </a:solidFill>
+              </a:rPr>
+              <a:t>andleTaskManagerChangedEvent</a:t>
             </a:r>
             <a:r>
               <a:rPr lang="en-US" sz="1400" dirty="0" smtClean="0">
@@ -7068,7 +7100,7 @@
                   <a:srgbClr val="00B050"/>
                 </a:solidFill>
               </a:rPr>
-              <a:t>handleAddresssBookChangedEvent</a:t>
+              <a:t>handleTaskManagerChangedEvent</a:t>
             </a:r>
             <a:r>
               <a:rPr lang="en-US" sz="1400" dirty="0" smtClean="0">
@@ -8134,14 +8166,14 @@
           <a:p>
             <a:pPr algn="ctr"/>
             <a:r>
-              <a:rPr lang="en-US" sz="1050" b="1" dirty="0" err="1">
+              <a:rPr lang="en-US" sz="1050" b="1" smtClean="0">
                 <a:solidFill>
                   <a:schemeClr val="accent3">
                     <a:lumMod val="75000"/>
                   </a:schemeClr>
                 </a:solidFill>
               </a:rPr>
-              <a:t>PersonListPanel</a:t>
+              <a:t>ItemListPanel</a:t>
             </a:r>
             <a:endParaRPr lang="en-SG" sz="1050" b="1" dirty="0">
               <a:solidFill>
@@ -8194,14 +8226,24 @@
           <a:p>
             <a:pPr algn="ctr"/>
             <a:r>
-              <a:rPr lang="en-US" sz="1050" b="1" dirty="0" err="1">
+              <a:rPr lang="en-US" sz="1050" b="1" dirty="0" err="1" smtClean="0">
                 <a:solidFill>
                   <a:schemeClr val="accent3">
                     <a:lumMod val="75000"/>
                   </a:schemeClr>
                 </a:solidFill>
               </a:rPr>
-              <a:t>PersonCard</a:t>
+              <a:t>Item</a:t>
+            </a:r>
+            <a:r>
+              <a:rPr lang="en-US" sz="1050" b="1" dirty="0" err="1" smtClean="0">
+                <a:solidFill>
+                  <a:schemeClr val="accent3">
+                    <a:lumMod val="75000"/>
+                  </a:schemeClr>
+                </a:solidFill>
+              </a:rPr>
+              <a:t>Card</a:t>
             </a:r>
             <a:endParaRPr lang="en-SG" sz="1050" b="1" dirty="0">
               <a:solidFill>
@@ -12280,7 +12322,6 @@
               <a:rPr lang="en-US" dirty="0"/>
               <a:t>execute()</a:t>
             </a:r>
-            <a:endParaRPr lang="en-US" dirty="0"/>
           </a:p>
         </p:txBody>
       </p:sp>
@@ -13936,7 +13977,15 @@
                   <a:srgbClr val="7030A0"/>
                 </a:solidFill>
               </a:rPr>
-              <a:t>AddressBook</a:t>
+              <a:t>T</a:t>
+            </a:r>
+            <a:r>
+              <a:rPr lang="en-US" sz="1050" dirty="0" err="1" smtClean="0">
+                <a:solidFill>
+                  <a:srgbClr val="7030A0"/>
+                </a:solidFill>
+              </a:rPr>
+              <a:t>askManager</a:t>
             </a:r>
             <a:endParaRPr lang="en-SG" sz="1050" dirty="0">
               <a:solidFill>
@@ -14321,7 +14370,7 @@
                   <a:srgbClr val="7030A0"/>
                 </a:solidFill>
               </a:rPr>
-              <a:t>Person</a:t>
+              <a:t>Item</a:t>
             </a:r>
             <a:endParaRPr lang="en-SG" sz="1050" dirty="0">
               <a:solidFill>
@@ -14620,7 +14669,7 @@
                   <a:srgbClr val="7030A0"/>
                 </a:solidFill>
               </a:rPr>
-              <a:t>ReadOnlyPerson</a:t>
+              <a:t>ReadOnlyItem</a:t>
             </a:r>
             <a:endParaRPr lang="en-SG" sz="1050" dirty="0">
               <a:solidFill>
@@ -14820,7 +14869,7 @@
                   <a:srgbClr val="7030A0"/>
                 </a:solidFill>
               </a:rPr>
-              <a:t>Phone</a:t>
+              <a:t>Start Date</a:t>
             </a:r>
             <a:endParaRPr lang="en-SG" sz="1050" dirty="0">
               <a:solidFill>
@@ -14917,7 +14966,7 @@
                   <a:srgbClr val="7030A0"/>
                 </a:solidFill>
               </a:rPr>
-              <a:t>Email</a:t>
+              <a:t>Start Time</a:t>
             </a:r>
             <a:endParaRPr lang="en-SG" sz="1050" dirty="0">
               <a:solidFill>
@@ -15009,12 +15058,12 @@
           <a:p>
             <a:pPr algn="ctr"/>
             <a:r>
-              <a:rPr lang="en-US" sz="1050" dirty="0" smtClean="0">
+              <a:rPr lang="mr-IN" sz="1050" dirty="0" smtClean="0">
                 <a:solidFill>
                   <a:srgbClr val="7030A0"/>
                 </a:solidFill>
               </a:rPr>
-              <a:t>Address</a:t>
+              <a:t>…</a:t>
             </a:r>
             <a:endParaRPr lang="en-SG" sz="1050" dirty="0">
               <a:solidFill>
@@ -15217,7 +15266,7 @@
                   <a:srgbClr val="7030A0"/>
                 </a:solidFill>
               </a:rPr>
-              <a:t>ReadOnlyAddressBook</a:t>
+              <a:t>ReadOnlytaskmanager</a:t>
             </a:r>
             <a:endParaRPr lang="en-SG" sz="1050" dirty="0">
               <a:solidFill>
@@ -15557,7 +15606,7 @@
                   <a:schemeClr val="bg1"/>
                 </a:solidFill>
               </a:rPr>
-              <a:t>AddressBookStorage</a:t>
+              <a:t>TaskManagerStorage</a:t>
             </a:r>
             <a:endParaRPr lang="en-SG" sz="1050" dirty="0">
               <a:solidFill>
@@ -16130,7 +16179,422 @@
                   </a:schemeClr>
                 </a:solidFill>
               </a:rPr>
-              <a:t>XmlAddressBook</a:t>
+              <a:t>XmlTaskManagerStorage</a:t>
+            </a:r>
+            <a:endParaRPr lang="en-SG" sz="1050" b="1" dirty="0">
+              <a:solidFill>
+                <a:schemeClr val="accent6">
+                  <a:lumMod val="75000"/>
+                </a:schemeClr>
+              </a:solidFill>
+            </a:endParaRPr>
+          </a:p>
+        </p:txBody>
+      </p:sp>
+      <p:sp>
+        <p:nvSpPr>
+          <p:cNvPr id="52" name="Rectangle 8"/>
+          <p:cNvSpPr/>
+          <p:nvPr/>
+        </p:nvSpPr>
+        <p:spPr>
+          <a:xfrm>
+            <a:off x="2873943" y="2558040"/>
+            <a:ext cx="1323049" cy="346760"/>
+          </a:xfrm>
+          <a:prstGeom prst="rect">
+            <a:avLst/>
+          </a:prstGeom>
+          <a:solidFill>
+            <a:schemeClr val="accent6">
+              <a:lumMod val="75000"/>
+            </a:schemeClr>
+          </a:solidFill>
+          <a:ln w="19050">
+            <a:solidFill>
+              <a:schemeClr val="accent6">
+                <a:lumMod val="75000"/>
+              </a:schemeClr>
+            </a:solidFill>
+          </a:ln>
+          <a:effectLst/>
+        </p:spPr>
+        <p:style>
+          <a:lnRef idx="1">
+            <a:schemeClr val="accent2"/>
+          </a:lnRef>
+          <a:fillRef idx="2">
+            <a:schemeClr val="accent2"/>
+          </a:fillRef>
+          <a:effectRef idx="1">
+            <a:schemeClr val="accent2"/>
+          </a:effectRef>
+          <a:fontRef idx="minor">
+            <a:schemeClr val="dk1"/>
+          </a:fontRef>
+        </p:style>
+        <p:txBody>
+          <a:bodyPr rtlCol="0" anchor="ctr"/>
+          <a:lstStyle/>
+          <a:p>
+            <a:pPr algn="ctr"/>
+            <a:r>
+              <a:rPr lang="en-US" sz="1050" dirty="0" smtClean="0">
+                <a:solidFill>
+                  <a:schemeClr val="bg1"/>
+                </a:solidFill>
+              </a:rPr>
+              <a:t>&lt;&lt;interface&gt;&gt;</a:t>
+            </a:r>
+            <a:br>
+              <a:rPr lang="en-US" sz="1050" dirty="0" smtClean="0">
+                <a:solidFill>
+                  <a:schemeClr val="bg1"/>
+                </a:solidFill>
+              </a:rPr>
+            </a:br>
+            <a:r>
+              <a:rPr lang="en-US" sz="1050" dirty="0" err="1" smtClean="0">
+                <a:solidFill>
+                  <a:schemeClr val="bg1"/>
+                </a:solidFill>
+              </a:rPr>
+              <a:t>UserPrefsStorage</a:t>
+            </a:r>
+            <a:endParaRPr lang="en-SG" sz="1050" dirty="0">
+              <a:solidFill>
+                <a:schemeClr val="bg1"/>
+              </a:solidFill>
+            </a:endParaRPr>
+          </a:p>
+        </p:txBody>
+      </p:sp>
+      <p:cxnSp>
+        <p:nvCxnSpPr>
+          <p:cNvPr id="54" name="Straight Arrow Connector 53"/>
+          <p:cNvCxnSpPr>
+            <a:stCxn id="56" idx="3"/>
+            <a:endCxn id="52" idx="1"/>
+          </p:cNvCxnSpPr>
+          <p:nvPr/>
+        </p:nvCxnSpPr>
+        <p:spPr>
+          <a:xfrm>
+            <a:off x="2653133" y="2726136"/>
+            <a:ext cx="220810" cy="5284"/>
+          </a:xfrm>
+          <a:prstGeom prst="straightConnector1">
+            <a:avLst/>
+          </a:prstGeom>
+          <a:ln w="19050">
+            <a:solidFill>
+              <a:schemeClr val="accent6">
+                <a:lumMod val="75000"/>
+              </a:schemeClr>
+            </a:solidFill>
+            <a:headEnd type="none" w="med" len="med"/>
+            <a:tailEnd type="arrow" w="med" len="med"/>
+          </a:ln>
+          <a:effectLst/>
+        </p:spPr>
+        <p:style>
+          <a:lnRef idx="1">
+            <a:schemeClr val="accent2"/>
+          </a:lnRef>
+          <a:fillRef idx="2">
+            <a:schemeClr val="accent2"/>
+          </a:fillRef>
+          <a:effectRef idx="1">
+            <a:schemeClr val="accent2"/>
+          </a:effectRef>
+          <a:fontRef idx="minor">
+            <a:schemeClr val="dk1"/>
+          </a:fontRef>
+        </p:style>
+      </p:cxnSp>
+      <p:sp>
+        <p:nvSpPr>
+          <p:cNvPr id="56" name="Flowchart: Decision 96"/>
+          <p:cNvSpPr/>
+          <p:nvPr/>
+        </p:nvSpPr>
+        <p:spPr>
+          <a:xfrm>
+            <a:off x="2417085" y="2639446"/>
+            <a:ext cx="236048" cy="173380"/>
+          </a:xfrm>
+          <a:prstGeom prst="flowChartDecision">
+            <a:avLst/>
+          </a:prstGeom>
+          <a:noFill/>
+          <a:ln w="19050">
+            <a:solidFill>
+              <a:schemeClr val="accent6">
+                <a:lumMod val="75000"/>
+              </a:schemeClr>
+            </a:solidFill>
+          </a:ln>
+          <a:effectLst/>
+        </p:spPr>
+        <p:style>
+          <a:lnRef idx="1">
+            <a:schemeClr val="accent2"/>
+          </a:lnRef>
+          <a:fillRef idx="2">
+            <a:schemeClr val="accent2"/>
+          </a:fillRef>
+          <a:effectRef idx="1">
+            <a:schemeClr val="accent2"/>
+          </a:effectRef>
+          <a:fontRef idx="minor">
+            <a:schemeClr val="dk1"/>
+          </a:fontRef>
+        </p:style>
+        <p:txBody>
+          <a:bodyPr rtlCol="0" anchor="ctr"/>
+          <a:lstStyle/>
+          <a:p>
+            <a:pPr algn="ctr"/>
+            <a:endParaRPr lang="en-US" sz="1050">
+              <a:solidFill>
+                <a:schemeClr val="bg1"/>
+              </a:solidFill>
+            </a:endParaRPr>
+          </a:p>
+        </p:txBody>
+      </p:sp>
+      <p:cxnSp>
+        <p:nvCxnSpPr>
+          <p:cNvPr id="60" name="Elbow Connector 63"/>
+          <p:cNvCxnSpPr>
+            <a:stCxn id="61" idx="3"/>
+            <a:endCxn id="65" idx="1"/>
+          </p:cNvCxnSpPr>
+          <p:nvPr/>
+        </p:nvCxnSpPr>
+        <p:spPr>
+          <a:xfrm flipV="1">
+            <a:off x="4394804" y="2731420"/>
+            <a:ext cx="223324" cy="1"/>
+          </a:xfrm>
+          <a:prstGeom prst="bentConnector3">
+            <a:avLst>
+              <a:gd name="adj1" fmla="val 50000"/>
+            </a:avLst>
+          </a:prstGeom>
+          <a:ln w="19050">
+            <a:solidFill>
+              <a:schemeClr val="accent6">
+                <a:lumMod val="75000"/>
+              </a:schemeClr>
+            </a:solidFill>
+            <a:prstDash val="sysDot"/>
+            <a:headEnd type="none" w="med" len="med"/>
+            <a:tailEnd type="none" w="med" len="med"/>
+          </a:ln>
+          <a:effectLst/>
+        </p:spPr>
+        <p:style>
+          <a:lnRef idx="1">
+            <a:schemeClr val="accent2"/>
+          </a:lnRef>
+          <a:fillRef idx="2">
+            <a:schemeClr val="accent2"/>
+          </a:fillRef>
+          <a:effectRef idx="1">
+            <a:schemeClr val="accent2"/>
+          </a:effectRef>
+          <a:fontRef idx="minor">
+            <a:schemeClr val="dk1"/>
+          </a:fontRef>
+        </p:style>
+      </p:cxnSp>
+      <p:sp>
+        <p:nvSpPr>
+          <p:cNvPr id="61" name="Isosceles Triangle 102"/>
+          <p:cNvSpPr/>
+          <p:nvPr/>
+        </p:nvSpPr>
+        <p:spPr>
+          <a:xfrm rot="5400000" flipV="1">
+            <a:off x="4171790" y="2643659"/>
+            <a:ext cx="270504" cy="175523"/>
+          </a:xfrm>
+          <a:prstGeom prst="triangle">
+            <a:avLst/>
+          </a:prstGeom>
+          <a:solidFill>
+            <a:schemeClr val="accent6">
+              <a:lumMod val="75000"/>
+            </a:schemeClr>
+          </a:solidFill>
+          <a:ln w="19050">
+            <a:solidFill>
+              <a:schemeClr val="accent6">
+                <a:lumMod val="75000"/>
+              </a:schemeClr>
+            </a:solidFill>
+          </a:ln>
+          <a:effectLst/>
+        </p:spPr>
+        <p:style>
+          <a:lnRef idx="1">
+            <a:schemeClr val="accent2"/>
+          </a:lnRef>
+          <a:fillRef idx="2">
+            <a:schemeClr val="accent2"/>
+          </a:fillRef>
+          <a:effectRef idx="1">
+            <a:schemeClr val="accent2"/>
+          </a:effectRef>
+          <a:fontRef idx="minor">
+            <a:schemeClr val="dk1"/>
+          </a:fontRef>
+        </p:style>
+        <p:txBody>
+          <a:bodyPr rtlCol="0" anchor="ctr"/>
+          <a:lstStyle/>
+          <a:p>
+            <a:pPr algn="ctr"/>
+            <a:endParaRPr lang="en-SG" sz="1050">
+              <a:solidFill>
+                <a:schemeClr val="bg1"/>
+              </a:solidFill>
+            </a:endParaRPr>
+          </a:p>
+        </p:txBody>
+      </p:sp>
+      <p:sp>
+        <p:nvSpPr>
+          <p:cNvPr id="65" name="Rectangle 8"/>
+          <p:cNvSpPr/>
+          <p:nvPr/>
+        </p:nvSpPr>
+        <p:spPr>
+          <a:xfrm>
+            <a:off x="4618128" y="2558040"/>
+            <a:ext cx="1093635" cy="346760"/>
+          </a:xfrm>
+          <a:prstGeom prst="rect">
+            <a:avLst/>
+          </a:prstGeom>
+          <a:solidFill>
+            <a:schemeClr val="accent6">
+              <a:lumMod val="75000"/>
+            </a:schemeClr>
+          </a:solidFill>
+          <a:ln w="19050">
+            <a:solidFill>
+              <a:schemeClr val="accent6">
+                <a:lumMod val="75000"/>
+              </a:schemeClr>
+            </a:solidFill>
+          </a:ln>
+          <a:effectLst/>
+        </p:spPr>
+        <p:style>
+          <a:lnRef idx="1">
+            <a:schemeClr val="accent2"/>
+          </a:lnRef>
+          <a:fillRef idx="2">
+            <a:schemeClr val="accent2"/>
+          </a:fillRef>
+          <a:effectRef idx="1">
+            <a:schemeClr val="accent2"/>
+          </a:effectRef>
+          <a:fontRef idx="minor">
+            <a:schemeClr val="dk1"/>
+          </a:fontRef>
+        </p:style>
+        <p:txBody>
+          <a:bodyPr rtlCol="0" anchor="ctr"/>
+          <a:lstStyle/>
+          <a:p>
+            <a:pPr algn="ctr"/>
+            <a:r>
+              <a:rPr lang="en-US" sz="1050" dirty="0" err="1" smtClean="0">
+                <a:solidFill>
+                  <a:schemeClr val="bg1"/>
+                </a:solidFill>
+              </a:rPr>
+              <a:t>JsonUserPrefs</a:t>
+            </a:r>
+            <a:r>
+              <a:rPr lang="en-US" sz="1050" dirty="0" smtClean="0">
+                <a:solidFill>
+                  <a:schemeClr val="bg1"/>
+                </a:solidFill>
+              </a:rPr>
+              <a:t/>
+            </a:r>
+            <a:br>
+              <a:rPr lang="en-US" sz="1050" dirty="0" smtClean="0">
+                <a:solidFill>
+                  <a:schemeClr val="bg1"/>
+                </a:solidFill>
+              </a:rPr>
+            </a:br>
+            <a:r>
+              <a:rPr lang="en-US" sz="1050" dirty="0" smtClean="0">
+                <a:solidFill>
+                  <a:schemeClr val="bg1"/>
+                </a:solidFill>
+              </a:rPr>
+              <a:t>Storage</a:t>
+            </a:r>
+            <a:endParaRPr lang="en-SG" sz="1050" dirty="0">
+              <a:solidFill>
+                <a:schemeClr val="bg1"/>
+              </a:solidFill>
+            </a:endParaRPr>
+          </a:p>
+        </p:txBody>
+      </p:sp>
+      <p:sp>
+        <p:nvSpPr>
+          <p:cNvPr id="66" name="Rectangle 8"/>
+          <p:cNvSpPr/>
+          <p:nvPr/>
+        </p:nvSpPr>
+        <p:spPr>
+          <a:xfrm>
+            <a:off x="6019800" y="3160410"/>
+            <a:ext cx="1200707" cy="346760"/>
+          </a:xfrm>
+          <a:prstGeom prst="rect">
+            <a:avLst/>
+          </a:prstGeom>
+          <a:ln w="19050"/>
+          <a:effectLst/>
+        </p:spPr>
+        <p:style>
+          <a:lnRef idx="1">
+            <a:schemeClr val="accent6"/>
+          </a:lnRef>
+          <a:fillRef idx="2">
+            <a:schemeClr val="accent6"/>
+          </a:fillRef>
+          <a:effectRef idx="1">
+            <a:schemeClr val="accent6"/>
+          </a:effectRef>
+          <a:fontRef idx="minor">
+            <a:schemeClr val="dk1"/>
+          </a:fontRef>
+        </p:style>
+        <p:txBody>
+          <a:bodyPr rtlCol="0" anchor="ctr"/>
+          <a:lstStyle/>
+          <a:p>
+            <a:pPr algn="ctr"/>
+            <a:r>
+              <a:rPr lang="en-US" sz="1050" b="1" dirty="0" err="1" smtClean="0">
+                <a:solidFill>
+                  <a:schemeClr val="accent6">
+                    <a:lumMod val="75000"/>
+                  </a:schemeClr>
+                </a:solidFill>
+              </a:rPr>
+              <a:t>XmlSerializable</a:t>
             </a:r>
             <a:r>
               <a:rPr lang="en-US" sz="1050" b="1" dirty="0" smtClean="0">
@@ -16152,421 +16616,6 @@
               </a:rPr>
             </a:br>
             <a:r>
-              <a:rPr lang="en-US" sz="1050" b="1" dirty="0" smtClean="0">
-                <a:solidFill>
-                  <a:schemeClr val="accent6">
-                    <a:lumMod val="75000"/>
-                  </a:schemeClr>
-                </a:solidFill>
-              </a:rPr>
-              <a:t>Storage</a:t>
-            </a:r>
-            <a:endParaRPr lang="en-SG" sz="1050" b="1" dirty="0">
-              <a:solidFill>
-                <a:schemeClr val="accent6">
-                  <a:lumMod val="75000"/>
-                </a:schemeClr>
-              </a:solidFill>
-            </a:endParaRPr>
-          </a:p>
-        </p:txBody>
-      </p:sp>
-      <p:sp>
-        <p:nvSpPr>
-          <p:cNvPr id="52" name="Rectangle 8"/>
-          <p:cNvSpPr/>
-          <p:nvPr/>
-        </p:nvSpPr>
-        <p:spPr>
-          <a:xfrm>
-            <a:off x="2873943" y="2558040"/>
-            <a:ext cx="1323049" cy="346760"/>
-          </a:xfrm>
-          <a:prstGeom prst="rect">
-            <a:avLst/>
-          </a:prstGeom>
-          <a:solidFill>
-            <a:schemeClr val="accent6">
-              <a:lumMod val="75000"/>
-            </a:schemeClr>
-          </a:solidFill>
-          <a:ln w="19050">
-            <a:solidFill>
-              <a:schemeClr val="accent6">
-                <a:lumMod val="75000"/>
-              </a:schemeClr>
-            </a:solidFill>
-          </a:ln>
-          <a:effectLst/>
-        </p:spPr>
-        <p:style>
-          <a:lnRef idx="1">
-            <a:schemeClr val="accent2"/>
-          </a:lnRef>
-          <a:fillRef idx="2">
-            <a:schemeClr val="accent2"/>
-          </a:fillRef>
-          <a:effectRef idx="1">
-            <a:schemeClr val="accent2"/>
-          </a:effectRef>
-          <a:fontRef idx="minor">
-            <a:schemeClr val="dk1"/>
-          </a:fontRef>
-        </p:style>
-        <p:txBody>
-          <a:bodyPr rtlCol="0" anchor="ctr"/>
-          <a:lstStyle/>
-          <a:p>
-            <a:pPr algn="ctr"/>
-            <a:r>
-              <a:rPr lang="en-US" sz="1050" dirty="0" smtClean="0">
-                <a:solidFill>
-                  <a:schemeClr val="bg1"/>
-                </a:solidFill>
-              </a:rPr>
-              <a:t>&lt;&lt;interface&gt;&gt;</a:t>
-            </a:r>
-            <a:br>
-              <a:rPr lang="en-US" sz="1050" dirty="0" smtClean="0">
-                <a:solidFill>
-                  <a:schemeClr val="bg1"/>
-                </a:solidFill>
-              </a:rPr>
-            </a:br>
-            <a:r>
-              <a:rPr lang="en-US" sz="1050" dirty="0" err="1" smtClean="0">
-                <a:solidFill>
-                  <a:schemeClr val="bg1"/>
-                </a:solidFill>
-              </a:rPr>
-              <a:t>UserPrefsStorage</a:t>
-            </a:r>
-            <a:endParaRPr lang="en-SG" sz="1050" dirty="0">
-              <a:solidFill>
-                <a:schemeClr val="bg1"/>
-              </a:solidFill>
-            </a:endParaRPr>
-          </a:p>
-        </p:txBody>
-      </p:sp>
-      <p:cxnSp>
-        <p:nvCxnSpPr>
-          <p:cNvPr id="54" name="Straight Arrow Connector 53"/>
-          <p:cNvCxnSpPr>
-            <a:stCxn id="56" idx="3"/>
-            <a:endCxn id="52" idx="1"/>
-          </p:cNvCxnSpPr>
-          <p:nvPr/>
-        </p:nvCxnSpPr>
-        <p:spPr>
-          <a:xfrm>
-            <a:off x="2653133" y="2726136"/>
-            <a:ext cx="220810" cy="5284"/>
-          </a:xfrm>
-          <a:prstGeom prst="straightConnector1">
-            <a:avLst/>
-          </a:prstGeom>
-          <a:ln w="19050">
-            <a:solidFill>
-              <a:schemeClr val="accent6">
-                <a:lumMod val="75000"/>
-              </a:schemeClr>
-            </a:solidFill>
-            <a:headEnd type="none" w="med" len="med"/>
-            <a:tailEnd type="arrow" w="med" len="med"/>
-          </a:ln>
-          <a:effectLst/>
-        </p:spPr>
-        <p:style>
-          <a:lnRef idx="1">
-            <a:schemeClr val="accent2"/>
-          </a:lnRef>
-          <a:fillRef idx="2">
-            <a:schemeClr val="accent2"/>
-          </a:fillRef>
-          <a:effectRef idx="1">
-            <a:schemeClr val="accent2"/>
-          </a:effectRef>
-          <a:fontRef idx="minor">
-            <a:schemeClr val="dk1"/>
-          </a:fontRef>
-        </p:style>
-      </p:cxnSp>
-      <p:sp>
-        <p:nvSpPr>
-          <p:cNvPr id="56" name="Flowchart: Decision 96"/>
-          <p:cNvSpPr/>
-          <p:nvPr/>
-        </p:nvSpPr>
-        <p:spPr>
-          <a:xfrm>
-            <a:off x="2417085" y="2639446"/>
-            <a:ext cx="236048" cy="173380"/>
-          </a:xfrm>
-          <a:prstGeom prst="flowChartDecision">
-            <a:avLst/>
-          </a:prstGeom>
-          <a:noFill/>
-          <a:ln w="19050">
-            <a:solidFill>
-              <a:schemeClr val="accent6">
-                <a:lumMod val="75000"/>
-              </a:schemeClr>
-            </a:solidFill>
-          </a:ln>
-          <a:effectLst/>
-        </p:spPr>
-        <p:style>
-          <a:lnRef idx="1">
-            <a:schemeClr val="accent2"/>
-          </a:lnRef>
-          <a:fillRef idx="2">
-            <a:schemeClr val="accent2"/>
-          </a:fillRef>
-          <a:effectRef idx="1">
-            <a:schemeClr val="accent2"/>
-          </a:effectRef>
-          <a:fontRef idx="minor">
-            <a:schemeClr val="dk1"/>
-          </a:fontRef>
-        </p:style>
-        <p:txBody>
-          <a:bodyPr rtlCol="0" anchor="ctr"/>
-          <a:lstStyle/>
-          <a:p>
-            <a:pPr algn="ctr"/>
-            <a:endParaRPr lang="en-US" sz="1050">
-              <a:solidFill>
-                <a:schemeClr val="bg1"/>
-              </a:solidFill>
-            </a:endParaRPr>
-          </a:p>
-        </p:txBody>
-      </p:sp>
-      <p:cxnSp>
-        <p:nvCxnSpPr>
-          <p:cNvPr id="60" name="Elbow Connector 63"/>
-          <p:cNvCxnSpPr>
-            <a:stCxn id="61" idx="3"/>
-            <a:endCxn id="65" idx="1"/>
-          </p:cNvCxnSpPr>
-          <p:nvPr/>
-        </p:nvCxnSpPr>
-        <p:spPr>
-          <a:xfrm flipV="1">
-            <a:off x="4394804" y="2731420"/>
-            <a:ext cx="223324" cy="1"/>
-          </a:xfrm>
-          <a:prstGeom prst="bentConnector3">
-            <a:avLst>
-              <a:gd name="adj1" fmla="val 50000"/>
-            </a:avLst>
-          </a:prstGeom>
-          <a:ln w="19050">
-            <a:solidFill>
-              <a:schemeClr val="accent6">
-                <a:lumMod val="75000"/>
-              </a:schemeClr>
-            </a:solidFill>
-            <a:prstDash val="sysDot"/>
-            <a:headEnd type="none" w="med" len="med"/>
-            <a:tailEnd type="none" w="med" len="med"/>
-          </a:ln>
-          <a:effectLst/>
-        </p:spPr>
-        <p:style>
-          <a:lnRef idx="1">
-            <a:schemeClr val="accent2"/>
-          </a:lnRef>
-          <a:fillRef idx="2">
-            <a:schemeClr val="accent2"/>
-          </a:fillRef>
-          <a:effectRef idx="1">
-            <a:schemeClr val="accent2"/>
-          </a:effectRef>
-          <a:fontRef idx="minor">
-            <a:schemeClr val="dk1"/>
-          </a:fontRef>
-        </p:style>
-      </p:cxnSp>
-      <p:sp>
-        <p:nvSpPr>
-          <p:cNvPr id="61" name="Isosceles Triangle 102"/>
-          <p:cNvSpPr/>
-          <p:nvPr/>
-        </p:nvSpPr>
-        <p:spPr>
-          <a:xfrm rot="5400000" flipV="1">
-            <a:off x="4171790" y="2643659"/>
-            <a:ext cx="270504" cy="175523"/>
-          </a:xfrm>
-          <a:prstGeom prst="triangle">
-            <a:avLst/>
-          </a:prstGeom>
-          <a:solidFill>
-            <a:schemeClr val="accent6">
-              <a:lumMod val="75000"/>
-            </a:schemeClr>
-          </a:solidFill>
-          <a:ln w="19050">
-            <a:solidFill>
-              <a:schemeClr val="accent6">
-                <a:lumMod val="75000"/>
-              </a:schemeClr>
-            </a:solidFill>
-          </a:ln>
-          <a:effectLst/>
-        </p:spPr>
-        <p:style>
-          <a:lnRef idx="1">
-            <a:schemeClr val="accent2"/>
-          </a:lnRef>
-          <a:fillRef idx="2">
-            <a:schemeClr val="accent2"/>
-          </a:fillRef>
-          <a:effectRef idx="1">
-            <a:schemeClr val="accent2"/>
-          </a:effectRef>
-          <a:fontRef idx="minor">
-            <a:schemeClr val="dk1"/>
-          </a:fontRef>
-        </p:style>
-        <p:txBody>
-          <a:bodyPr rtlCol="0" anchor="ctr"/>
-          <a:lstStyle/>
-          <a:p>
-            <a:pPr algn="ctr"/>
-            <a:endParaRPr lang="en-SG" sz="1050">
-              <a:solidFill>
-                <a:schemeClr val="bg1"/>
-              </a:solidFill>
-            </a:endParaRPr>
-          </a:p>
-        </p:txBody>
-      </p:sp>
-      <p:sp>
-        <p:nvSpPr>
-          <p:cNvPr id="65" name="Rectangle 8"/>
-          <p:cNvSpPr/>
-          <p:nvPr/>
-        </p:nvSpPr>
-        <p:spPr>
-          <a:xfrm>
-            <a:off x="4618128" y="2558040"/>
-            <a:ext cx="1093635" cy="346760"/>
-          </a:xfrm>
-          <a:prstGeom prst="rect">
-            <a:avLst/>
-          </a:prstGeom>
-          <a:solidFill>
-            <a:schemeClr val="accent6">
-              <a:lumMod val="75000"/>
-            </a:schemeClr>
-          </a:solidFill>
-          <a:ln w="19050">
-            <a:solidFill>
-              <a:schemeClr val="accent6">
-                <a:lumMod val="75000"/>
-              </a:schemeClr>
-            </a:solidFill>
-          </a:ln>
-          <a:effectLst/>
-        </p:spPr>
-        <p:style>
-          <a:lnRef idx="1">
-            <a:schemeClr val="accent2"/>
-          </a:lnRef>
-          <a:fillRef idx="2">
-            <a:schemeClr val="accent2"/>
-          </a:fillRef>
-          <a:effectRef idx="1">
-            <a:schemeClr val="accent2"/>
-          </a:effectRef>
-          <a:fontRef idx="minor">
-            <a:schemeClr val="dk1"/>
-          </a:fontRef>
-        </p:style>
-        <p:txBody>
-          <a:bodyPr rtlCol="0" anchor="ctr"/>
-          <a:lstStyle/>
-          <a:p>
-            <a:pPr algn="ctr"/>
-            <a:r>
-              <a:rPr lang="en-US" sz="1050" dirty="0" err="1" smtClean="0">
-                <a:solidFill>
-                  <a:schemeClr val="bg1"/>
-                </a:solidFill>
-              </a:rPr>
-              <a:t>JsonUserPrefs</a:t>
-            </a:r>
-            <a:r>
-              <a:rPr lang="en-US" sz="1050" dirty="0" smtClean="0">
-                <a:solidFill>
-                  <a:schemeClr val="bg1"/>
-                </a:solidFill>
-              </a:rPr>
-              <a:t/>
-            </a:r>
-            <a:br>
-              <a:rPr lang="en-US" sz="1050" dirty="0" smtClean="0">
-                <a:solidFill>
-                  <a:schemeClr val="bg1"/>
-                </a:solidFill>
-              </a:rPr>
-            </a:br>
-            <a:r>
-              <a:rPr lang="en-US" sz="1050" dirty="0" smtClean="0">
-                <a:solidFill>
-                  <a:schemeClr val="bg1"/>
-                </a:solidFill>
-              </a:rPr>
-              <a:t>Storage</a:t>
-            </a:r>
-            <a:endParaRPr lang="en-SG" sz="1050" dirty="0">
-              <a:solidFill>
-                <a:schemeClr val="bg1"/>
-              </a:solidFill>
-            </a:endParaRPr>
-          </a:p>
-        </p:txBody>
-      </p:sp>
-      <p:sp>
-        <p:nvSpPr>
-          <p:cNvPr id="66" name="Rectangle 8"/>
-          <p:cNvSpPr/>
-          <p:nvPr/>
-        </p:nvSpPr>
-        <p:spPr>
-          <a:xfrm>
-            <a:off x="6019800" y="3160410"/>
-            <a:ext cx="1200707" cy="346760"/>
-          </a:xfrm>
-          <a:prstGeom prst="rect">
-            <a:avLst/>
-          </a:prstGeom>
-          <a:ln w="19050"/>
-          <a:effectLst/>
-        </p:spPr>
-        <p:style>
-          <a:lnRef idx="1">
-            <a:schemeClr val="accent6"/>
-          </a:lnRef>
-          <a:fillRef idx="2">
-            <a:schemeClr val="accent6"/>
-          </a:fillRef>
-          <a:effectRef idx="1">
-            <a:schemeClr val="accent6"/>
-          </a:effectRef>
-          <a:fontRef idx="minor">
-            <a:schemeClr val="dk1"/>
-          </a:fontRef>
-        </p:style>
-        <p:txBody>
-          <a:bodyPr rtlCol="0" anchor="ctr"/>
-          <a:lstStyle/>
-          <a:p>
-            <a:pPr algn="ctr"/>
-            <a:r>
               <a:rPr lang="en-US" sz="1050" b="1" dirty="0" err="1" smtClean="0">
                 <a:solidFill>
                   <a:schemeClr val="accent6">
@@ -16574,36 +16623,7 @@
                   </a:schemeClr>
                 </a:solidFill>
               </a:rPr>
-              <a:t>XmlSerializable</a:t>
-            </a:r>
-            <a:r>
-              <a:rPr lang="en-US" sz="1050" b="1" dirty="0" smtClean="0">
-                <a:solidFill>
-                  <a:schemeClr val="accent6">
-                    <a:lumMod val="75000"/>
-                  </a:schemeClr>
-                </a:solidFill>
-              </a:rPr>
-              <a:t/>
-            </a:r>
-            <a:br>
-              <a:rPr lang="en-US" sz="1050" b="1" dirty="0" smtClean="0">
-                <a:solidFill>
-                  <a:schemeClr val="accent6">
-                    <a:lumMod val="75000"/>
-                  </a:schemeClr>
-                </a:solidFill>
-              </a:rPr>
-            </a:br>
-            <a:r>
-              <a:rPr lang="en-US" sz="1050" b="1" dirty="0" err="1" smtClean="0">
-                <a:solidFill>
-                  <a:schemeClr val="accent6">
-                    <a:lumMod val="75000"/>
-                  </a:schemeClr>
-                </a:solidFill>
-              </a:rPr>
-              <a:t>AddressBook</a:t>
+              <a:t>TaskManager</a:t>
             </a:r>
             <a:endParaRPr lang="en-SG" sz="1050" b="1" dirty="0">
               <a:solidFill>
@@ -16756,7 +16776,7 @@
                   </a:schemeClr>
                 </a:solidFill>
               </a:rPr>
-              <a:t>XmlAdaptedPerson</a:t>
+              <a:t>XmlAdaptedItem</a:t>
             </a:r>
             <a:endParaRPr lang="en-SG" sz="1050" b="1" dirty="0">
               <a:solidFill>

--- a/docs/diagrams/Diagrams.pptx
+++ b/docs/diagrams/Diagrams.pptx
@@ -5,7 +5,7 @@
     <p:sldMasterId id="2147483648" r:id="rId1"/>
   </p:sldMasterIdLst>
   <p:notesMasterIdLst>
-    <p:notesMasterId r:id="rId11"/>
+    <p:notesMasterId r:id="rId12"/>
   </p:notesMasterIdLst>
   <p:sldIdLst>
     <p:sldId id="256" r:id="rId2"/>
@@ -16,7 +16,8 @@
     <p:sldId id="267" r:id="rId7"/>
     <p:sldId id="263" r:id="rId8"/>
     <p:sldId id="264" r:id="rId9"/>
-    <p:sldId id="265" r:id="rId10"/>
+    <p:sldId id="268" r:id="rId10"/>
+    <p:sldId id="265" r:id="rId11"/>
   </p:sldIdLst>
   <p:sldSz cx="9144000" cy="6858000" type="screen4x3"/>
   <p:notesSz cx="6858000" cy="9144000"/>
@@ -3531,6 +3532,36 @@
 </p:sld>
 </file>
 
+<file path=ppt/slides/slide10.xml><?xml version="1.0" encoding="utf-8"?>
+<p:sld xmlns:a="http://schemas.openxmlformats.org/drawingml/2006/main" xmlns:r="http://schemas.openxmlformats.org/officeDocument/2006/relationships" xmlns:p="http://schemas.openxmlformats.org/presentationml/2006/main">
+  <p:cSld>
+    <p:spTree>
+      <p:nvGrpSpPr>
+        <p:cNvPr id="1" name=""/>
+        <p:cNvGrpSpPr/>
+        <p:nvPr/>
+      </p:nvGrpSpPr>
+      <p:grpSpPr>
+        <a:xfrm>
+          <a:off x="0" y="0"/>
+          <a:ext cx="0" cy="0"/>
+          <a:chOff x="0" y="0"/>
+          <a:chExt cx="0" cy="0"/>
+        </a:xfrm>
+      </p:grpSpPr>
+    </p:spTree>
+    <p:extLst>
+      <p:ext uri="{BB962C8B-B14F-4D97-AF65-F5344CB8AC3E}">
+        <p14:creationId xmlns:p14="http://schemas.microsoft.com/office/powerpoint/2010/main" val="2978036214"/>
+      </p:ext>
+    </p:extLst>
+  </p:cSld>
+  <p:clrMapOvr>
+    <a:masterClrMapping/>
+  </p:clrMapOvr>
+</p:sld>
+</file>
+
 <file path=ppt/slides/slide2.xml><?xml version="1.0" encoding="utf-8"?>
 <p:sld xmlns:a="http://schemas.openxmlformats.org/drawingml/2006/main" xmlns:r="http://schemas.openxmlformats.org/officeDocument/2006/relationships" xmlns:p="http://schemas.openxmlformats.org/presentationml/2006/main">
   <p:cSld>
@@ -6397,17 +6428,7 @@
                   </a:schemeClr>
                 </a:solidFill>
               </a:rPr>
-              <a:t>T</a:t>
-            </a:r>
-            <a:r>
-              <a:rPr lang="en-US" sz="1400" dirty="0" err="1" smtClean="0">
-                <a:solidFill>
-                  <a:schemeClr val="accent5">
-                    <a:lumMod val="75000"/>
-                  </a:schemeClr>
-                </a:solidFill>
-              </a:rPr>
-              <a:t>askManagerChangedEvent</a:t>
+              <a:t>TaskManagerChangedEvent</a:t>
             </a:r>
             <a:r>
               <a:rPr lang="en-US" sz="1400" dirty="0" smtClean="0">
@@ -6779,17 +6800,7 @@
                   </a:schemeClr>
                 </a:solidFill>
               </a:rPr>
-              <a:t>h</a:t>
-            </a:r>
-            <a:r>
-              <a:rPr lang="en-US" sz="1400" dirty="0" err="1" smtClean="0">
-                <a:solidFill>
-                  <a:schemeClr val="accent6">
-                    <a:lumMod val="75000"/>
-                  </a:schemeClr>
-                </a:solidFill>
-              </a:rPr>
-              <a:t>andleTaskManagerChangedEvent</a:t>
+              <a:t>handleTaskManagerChangedEvent</a:t>
             </a:r>
             <a:r>
               <a:rPr lang="en-US" sz="1400" dirty="0" smtClean="0">
@@ -8233,17 +8244,7 @@
                   </a:schemeClr>
                 </a:solidFill>
               </a:rPr>
-              <a:t>Item</a:t>
-            </a:r>
-            <a:r>
-              <a:rPr lang="en-US" sz="1050" b="1" dirty="0" err="1" smtClean="0">
-                <a:solidFill>
-                  <a:schemeClr val="accent3">
-                    <a:lumMod val="75000"/>
-                  </a:schemeClr>
-                </a:solidFill>
-              </a:rPr>
-              <a:t>Card</a:t>
+              <a:t>ItemCard</a:t>
             </a:r>
             <a:endParaRPr lang="en-SG" sz="1050" b="1" dirty="0">
               <a:solidFill>
@@ -13977,15 +13978,7 @@
                   <a:srgbClr val="7030A0"/>
                 </a:solidFill>
               </a:rPr>
-              <a:t>T</a:t>
-            </a:r>
-            <a:r>
-              <a:rPr lang="en-US" sz="1050" dirty="0" err="1" smtClean="0">
-                <a:solidFill>
-                  <a:srgbClr val="7030A0"/>
-                </a:solidFill>
-              </a:rPr>
-              <a:t>askManager</a:t>
+              <a:t>TaskManager</a:t>
             </a:r>
             <a:endParaRPr lang="en-SG" sz="1050" dirty="0">
               <a:solidFill>
@@ -16866,16 +16859,1379 @@
           <a:chExt cx="0" cy="0"/>
         </a:xfrm>
       </p:grpSpPr>
+      <p:sp>
+        <p:nvSpPr>
+          <p:cNvPr id="118" name="Rectangle 65"/>
+          <p:cNvSpPr/>
+          <p:nvPr/>
+        </p:nvSpPr>
+        <p:spPr>
+          <a:xfrm>
+            <a:off x="1119865" y="2086382"/>
+            <a:ext cx="7871735" cy="1723618"/>
+          </a:xfrm>
+          <a:prstGeom prst="roundRect">
+            <a:avLst>
+              <a:gd name="adj" fmla="val 3484"/>
+            </a:avLst>
+          </a:prstGeom>
+          <a:solidFill>
+            <a:schemeClr val="accent6">
+              <a:lumMod val="20000"/>
+              <a:lumOff val="80000"/>
+            </a:schemeClr>
+          </a:solidFill>
+          <a:ln w="19050">
+            <a:noFill/>
+          </a:ln>
+          <a:effectLst/>
+        </p:spPr>
+        <p:style>
+          <a:lnRef idx="1">
+            <a:schemeClr val="accent2"/>
+          </a:lnRef>
+          <a:fillRef idx="2">
+            <a:schemeClr val="accent2"/>
+          </a:fillRef>
+          <a:effectRef idx="1">
+            <a:schemeClr val="accent2"/>
+          </a:effectRef>
+          <a:fontRef idx="minor">
+            <a:schemeClr val="dk1"/>
+          </a:fontRef>
+        </p:style>
+        <p:txBody>
+          <a:bodyPr rtlCol="0" anchor="t"/>
+          <a:lstStyle/>
+          <a:p>
+            <a:r>
+              <a:rPr lang="en-US" sz="1200" b="1" dirty="0" smtClean="0">
+                <a:solidFill>
+                  <a:schemeClr val="accent6">
+                    <a:lumMod val="75000"/>
+                  </a:schemeClr>
+                </a:solidFill>
+              </a:rPr>
+              <a:t>Storage</a:t>
+            </a:r>
+            <a:endParaRPr lang="en-SG" sz="1200" b="1" dirty="0">
+              <a:solidFill>
+                <a:schemeClr val="accent6">
+                  <a:lumMod val="75000"/>
+                </a:schemeClr>
+              </a:solidFill>
+            </a:endParaRPr>
+          </a:p>
+        </p:txBody>
+      </p:sp>
+      <p:sp>
+        <p:nvSpPr>
+          <p:cNvPr id="2" name="Rectangle 8"/>
+          <p:cNvSpPr/>
+          <p:nvPr/>
+        </p:nvSpPr>
+        <p:spPr>
+          <a:xfrm>
+            <a:off x="2877180" y="3158440"/>
+            <a:ext cx="1323049" cy="346760"/>
+          </a:xfrm>
+          <a:prstGeom prst="rect">
+            <a:avLst/>
+          </a:prstGeom>
+          <a:solidFill>
+            <a:schemeClr val="accent6">
+              <a:lumMod val="75000"/>
+            </a:schemeClr>
+          </a:solidFill>
+          <a:ln w="19050">
+            <a:solidFill>
+              <a:schemeClr val="accent6">
+                <a:lumMod val="75000"/>
+              </a:schemeClr>
+            </a:solidFill>
+          </a:ln>
+          <a:effectLst/>
+        </p:spPr>
+        <p:style>
+          <a:lnRef idx="1">
+            <a:schemeClr val="accent2"/>
+          </a:lnRef>
+          <a:fillRef idx="2">
+            <a:schemeClr val="accent2"/>
+          </a:fillRef>
+          <a:effectRef idx="1">
+            <a:schemeClr val="accent2"/>
+          </a:effectRef>
+          <a:fontRef idx="minor">
+            <a:schemeClr val="dk1"/>
+          </a:fontRef>
+        </p:style>
+        <p:txBody>
+          <a:bodyPr rtlCol="0" anchor="ctr"/>
+          <a:lstStyle/>
+          <a:p>
+            <a:pPr algn="ctr"/>
+            <a:r>
+              <a:rPr lang="en-US" sz="1050" dirty="0" smtClean="0">
+                <a:solidFill>
+                  <a:schemeClr val="bg1"/>
+                </a:solidFill>
+              </a:rPr>
+              <a:t>&lt;&lt;interface&gt;&gt;</a:t>
+            </a:r>
+            <a:br>
+              <a:rPr lang="en-US" sz="1050" dirty="0" smtClean="0">
+                <a:solidFill>
+                  <a:schemeClr val="bg1"/>
+                </a:solidFill>
+              </a:rPr>
+            </a:br>
+            <a:r>
+              <a:rPr lang="en-US" sz="1050" dirty="0" err="1" smtClean="0">
+                <a:solidFill>
+                  <a:schemeClr val="bg1"/>
+                </a:solidFill>
+              </a:rPr>
+              <a:t>TaskManagerStorage</a:t>
+            </a:r>
+            <a:endParaRPr lang="en-SG" sz="1050" dirty="0">
+              <a:solidFill>
+                <a:schemeClr val="bg1"/>
+              </a:solidFill>
+            </a:endParaRPr>
+          </a:p>
+        </p:txBody>
+      </p:sp>
+      <p:sp>
+        <p:nvSpPr>
+          <p:cNvPr id="9" name="Rectangle 62"/>
+          <p:cNvSpPr/>
+          <p:nvPr/>
+        </p:nvSpPr>
+        <p:spPr>
+          <a:xfrm rot="16200000">
+            <a:off x="1683963" y="2868687"/>
+            <a:ext cx="1093635" cy="346760"/>
+          </a:xfrm>
+          <a:prstGeom prst="rect">
+            <a:avLst/>
+          </a:prstGeom>
+          <a:solidFill>
+            <a:schemeClr val="accent6">
+              <a:lumMod val="75000"/>
+            </a:schemeClr>
+          </a:solidFill>
+          <a:ln w="19050">
+            <a:solidFill>
+              <a:schemeClr val="accent6">
+                <a:lumMod val="75000"/>
+              </a:schemeClr>
+            </a:solidFill>
+          </a:ln>
+          <a:effectLst/>
+        </p:spPr>
+        <p:style>
+          <a:lnRef idx="1">
+            <a:schemeClr val="accent2"/>
+          </a:lnRef>
+          <a:fillRef idx="2">
+            <a:schemeClr val="accent2"/>
+          </a:fillRef>
+          <a:effectRef idx="1">
+            <a:schemeClr val="accent2"/>
+          </a:effectRef>
+          <a:fontRef idx="minor">
+            <a:schemeClr val="dk1"/>
+          </a:fontRef>
+        </p:style>
+        <p:txBody>
+          <a:bodyPr rtlCol="0" anchor="ctr"/>
+          <a:lstStyle/>
+          <a:p>
+            <a:pPr algn="ctr"/>
+            <a:r>
+              <a:rPr lang="en-US" sz="1050" dirty="0" err="1" smtClean="0">
+                <a:solidFill>
+                  <a:schemeClr val="bg1"/>
+                </a:solidFill>
+              </a:rPr>
+              <a:t>StorageManager</a:t>
+            </a:r>
+            <a:endParaRPr lang="en-SG" sz="1050" dirty="0">
+              <a:solidFill>
+                <a:schemeClr val="bg1"/>
+              </a:solidFill>
+            </a:endParaRPr>
+          </a:p>
+        </p:txBody>
+      </p:sp>
+      <p:sp>
+        <p:nvSpPr>
+          <p:cNvPr id="119" name="Rectangle 62"/>
+          <p:cNvSpPr/>
+          <p:nvPr/>
+        </p:nvSpPr>
+        <p:spPr>
+          <a:xfrm rot="16200000">
+            <a:off x="956202" y="2861202"/>
+            <a:ext cx="1093635" cy="346760"/>
+          </a:xfrm>
+          <a:prstGeom prst="rect">
+            <a:avLst/>
+          </a:prstGeom>
+          <a:solidFill>
+            <a:schemeClr val="accent6">
+              <a:lumMod val="75000"/>
+            </a:schemeClr>
+          </a:solidFill>
+          <a:ln w="19050">
+            <a:solidFill>
+              <a:schemeClr val="accent6">
+                <a:lumMod val="75000"/>
+              </a:schemeClr>
+            </a:solidFill>
+          </a:ln>
+          <a:effectLst/>
+        </p:spPr>
+        <p:style>
+          <a:lnRef idx="1">
+            <a:schemeClr val="accent2"/>
+          </a:lnRef>
+          <a:fillRef idx="2">
+            <a:schemeClr val="accent2"/>
+          </a:fillRef>
+          <a:effectRef idx="1">
+            <a:schemeClr val="accent2"/>
+          </a:effectRef>
+          <a:fontRef idx="minor">
+            <a:schemeClr val="dk1"/>
+          </a:fontRef>
+        </p:style>
+        <p:txBody>
+          <a:bodyPr rtlCol="0" anchor="ctr"/>
+          <a:lstStyle/>
+          <a:p>
+            <a:pPr algn="ctr"/>
+            <a:r>
+              <a:rPr lang="en-US" sz="1050" dirty="0">
+                <a:solidFill>
+                  <a:schemeClr val="bg1"/>
+                </a:solidFill>
+              </a:rPr>
+              <a:t>&lt;&lt;interface&gt;&gt;</a:t>
+            </a:r>
+          </a:p>
+          <a:p>
+            <a:pPr algn="ctr"/>
+            <a:r>
+              <a:rPr lang="en-US" sz="1050" dirty="0" smtClean="0">
+                <a:solidFill>
+                  <a:schemeClr val="bg1"/>
+                </a:solidFill>
+              </a:rPr>
+              <a:t>Storage</a:t>
+            </a:r>
+            <a:endParaRPr lang="en-SG" sz="1050" dirty="0">
+              <a:solidFill>
+                <a:schemeClr val="bg1"/>
+              </a:solidFill>
+            </a:endParaRPr>
+          </a:p>
+        </p:txBody>
+      </p:sp>
+      <p:sp>
+        <p:nvSpPr>
+          <p:cNvPr id="120" name="Isosceles Triangle 102"/>
+          <p:cNvSpPr/>
+          <p:nvPr/>
+        </p:nvSpPr>
+        <p:spPr>
+          <a:xfrm rot="16200000">
+            <a:off x="1626910" y="2952291"/>
+            <a:ext cx="270504" cy="175523"/>
+          </a:xfrm>
+          <a:prstGeom prst="triangle">
+            <a:avLst/>
+          </a:prstGeom>
+          <a:solidFill>
+            <a:schemeClr val="accent6">
+              <a:lumMod val="75000"/>
+            </a:schemeClr>
+          </a:solidFill>
+          <a:ln w="19050">
+            <a:solidFill>
+              <a:schemeClr val="accent6">
+                <a:lumMod val="75000"/>
+              </a:schemeClr>
+            </a:solidFill>
+          </a:ln>
+          <a:effectLst/>
+        </p:spPr>
+        <p:style>
+          <a:lnRef idx="1">
+            <a:schemeClr val="accent2"/>
+          </a:lnRef>
+          <a:fillRef idx="2">
+            <a:schemeClr val="accent2"/>
+          </a:fillRef>
+          <a:effectRef idx="1">
+            <a:schemeClr val="accent2"/>
+          </a:effectRef>
+          <a:fontRef idx="minor">
+            <a:schemeClr val="dk1"/>
+          </a:fontRef>
+        </p:style>
+        <p:txBody>
+          <a:bodyPr rtlCol="0" anchor="ctr"/>
+          <a:lstStyle/>
+          <a:p>
+            <a:pPr algn="ctr"/>
+            <a:endParaRPr lang="en-SG" sz="1050">
+              <a:solidFill>
+                <a:schemeClr val="bg1"/>
+              </a:solidFill>
+            </a:endParaRPr>
+          </a:p>
+        </p:txBody>
+      </p:sp>
+      <p:cxnSp>
+        <p:nvCxnSpPr>
+          <p:cNvPr id="58" name="Straight Arrow Connector 57"/>
+          <p:cNvCxnSpPr>
+            <a:stCxn id="42" idx="3"/>
+            <a:endCxn id="2" idx="1"/>
+          </p:cNvCxnSpPr>
+          <p:nvPr/>
+        </p:nvCxnSpPr>
+        <p:spPr>
+          <a:xfrm>
+            <a:off x="2656370" y="3326536"/>
+            <a:ext cx="220810" cy="5284"/>
+          </a:xfrm>
+          <a:prstGeom prst="straightConnector1">
+            <a:avLst/>
+          </a:prstGeom>
+          <a:ln w="19050">
+            <a:solidFill>
+              <a:schemeClr val="accent6">
+                <a:lumMod val="75000"/>
+              </a:schemeClr>
+            </a:solidFill>
+            <a:headEnd type="none" w="med" len="med"/>
+            <a:tailEnd type="arrow" w="med" len="med"/>
+          </a:ln>
+          <a:effectLst/>
+        </p:spPr>
+        <p:style>
+          <a:lnRef idx="1">
+            <a:schemeClr val="accent2"/>
+          </a:lnRef>
+          <a:fillRef idx="2">
+            <a:schemeClr val="accent2"/>
+          </a:fillRef>
+          <a:effectRef idx="1">
+            <a:schemeClr val="accent2"/>
+          </a:effectRef>
+          <a:fontRef idx="minor">
+            <a:schemeClr val="dk1"/>
+          </a:fontRef>
+        </p:style>
+      </p:cxnSp>
+      <p:cxnSp>
+        <p:nvCxnSpPr>
+          <p:cNvPr id="75" name="Elbow Connector 122"/>
+          <p:cNvCxnSpPr/>
+          <p:nvPr/>
+        </p:nvCxnSpPr>
+        <p:spPr>
+          <a:xfrm>
+            <a:off x="910091" y="3040053"/>
+            <a:ext cx="419548" cy="2860"/>
+          </a:xfrm>
+          <a:prstGeom prst="bentConnector3">
+            <a:avLst>
+              <a:gd name="adj1" fmla="val 50000"/>
+            </a:avLst>
+          </a:prstGeom>
+          <a:ln w="19050">
+            <a:solidFill>
+              <a:schemeClr val="bg1">
+                <a:lumMod val="75000"/>
+              </a:schemeClr>
+            </a:solidFill>
+            <a:prstDash val="sysDot"/>
+            <a:headEnd type="none" w="med" len="med"/>
+            <a:tailEnd type="arrow" w="med" len="med"/>
+          </a:ln>
+          <a:effectLst/>
+        </p:spPr>
+        <p:style>
+          <a:lnRef idx="1">
+            <a:schemeClr val="accent2"/>
+          </a:lnRef>
+          <a:fillRef idx="2">
+            <a:schemeClr val="accent2"/>
+          </a:fillRef>
+          <a:effectRef idx="1">
+            <a:schemeClr val="accent2"/>
+          </a:effectRef>
+          <a:fontRef idx="minor">
+            <a:schemeClr val="dk1"/>
+          </a:fontRef>
+        </p:style>
+      </p:cxnSp>
+      <p:cxnSp>
+        <p:nvCxnSpPr>
+          <p:cNvPr id="21" name="Straight Connector 20"/>
+          <p:cNvCxnSpPr>
+            <a:stCxn id="120" idx="3"/>
+          </p:cNvCxnSpPr>
+          <p:nvPr/>
+        </p:nvCxnSpPr>
+        <p:spPr>
+          <a:xfrm flipV="1">
+            <a:off x="1849924" y="3040052"/>
+            <a:ext cx="216105" cy="1"/>
+          </a:xfrm>
+          <a:prstGeom prst="line">
+            <a:avLst/>
+          </a:prstGeom>
+          <a:ln w="19050">
+            <a:solidFill>
+              <a:schemeClr val="accent6">
+                <a:lumMod val="75000"/>
+              </a:schemeClr>
+            </a:solidFill>
+            <a:prstDash val="sysDot"/>
+            <a:headEnd type="none" w="med" len="med"/>
+            <a:tailEnd type="none" w="med" len="med"/>
+          </a:ln>
+          <a:effectLst/>
+        </p:spPr>
+        <p:style>
+          <a:lnRef idx="1">
+            <a:schemeClr val="accent2"/>
+          </a:lnRef>
+          <a:fillRef idx="2">
+            <a:schemeClr val="accent2"/>
+          </a:fillRef>
+          <a:effectRef idx="1">
+            <a:schemeClr val="accent2"/>
+          </a:effectRef>
+          <a:fontRef idx="minor">
+            <a:schemeClr val="dk1"/>
+          </a:fontRef>
+        </p:style>
+      </p:cxnSp>
+      <p:sp>
+        <p:nvSpPr>
+          <p:cNvPr id="42" name="Flowchart: Decision 96"/>
+          <p:cNvSpPr/>
+          <p:nvPr/>
+        </p:nvSpPr>
+        <p:spPr>
+          <a:xfrm>
+            <a:off x="2420322" y="3239846"/>
+            <a:ext cx="236048" cy="173380"/>
+          </a:xfrm>
+          <a:prstGeom prst="flowChartDecision">
+            <a:avLst/>
+          </a:prstGeom>
+          <a:noFill/>
+          <a:ln w="19050">
+            <a:solidFill>
+              <a:schemeClr val="accent6">
+                <a:lumMod val="75000"/>
+              </a:schemeClr>
+            </a:solidFill>
+          </a:ln>
+          <a:effectLst/>
+        </p:spPr>
+        <p:style>
+          <a:lnRef idx="1">
+            <a:schemeClr val="accent2"/>
+          </a:lnRef>
+          <a:fillRef idx="2">
+            <a:schemeClr val="accent2"/>
+          </a:fillRef>
+          <a:effectRef idx="1">
+            <a:schemeClr val="accent2"/>
+          </a:effectRef>
+          <a:fontRef idx="minor">
+            <a:schemeClr val="dk1"/>
+          </a:fontRef>
+        </p:style>
+        <p:txBody>
+          <a:bodyPr rtlCol="0" anchor="ctr"/>
+          <a:lstStyle/>
+          <a:p>
+            <a:pPr algn="ctr"/>
+            <a:endParaRPr lang="en-US" sz="1050">
+              <a:solidFill>
+                <a:schemeClr val="bg1"/>
+              </a:solidFill>
+            </a:endParaRPr>
+          </a:p>
+        </p:txBody>
+      </p:sp>
+      <p:cxnSp>
+        <p:nvCxnSpPr>
+          <p:cNvPr id="97" name="Elbow Connector 63"/>
+          <p:cNvCxnSpPr>
+            <a:stCxn id="99" idx="3"/>
+            <a:endCxn id="50" idx="1"/>
+          </p:cNvCxnSpPr>
+          <p:nvPr/>
+        </p:nvCxnSpPr>
+        <p:spPr>
+          <a:xfrm flipV="1">
+            <a:off x="4398041" y="3331820"/>
+            <a:ext cx="223324" cy="1"/>
+          </a:xfrm>
+          <a:prstGeom prst="bentConnector3">
+            <a:avLst>
+              <a:gd name="adj1" fmla="val 50000"/>
+            </a:avLst>
+          </a:prstGeom>
+          <a:ln w="19050">
+            <a:solidFill>
+              <a:schemeClr val="accent6">
+                <a:lumMod val="75000"/>
+              </a:schemeClr>
+            </a:solidFill>
+            <a:prstDash val="sysDot"/>
+            <a:headEnd type="none" w="med" len="med"/>
+            <a:tailEnd type="none" w="med" len="med"/>
+          </a:ln>
+          <a:effectLst/>
+        </p:spPr>
+        <p:style>
+          <a:lnRef idx="1">
+            <a:schemeClr val="accent2"/>
+          </a:lnRef>
+          <a:fillRef idx="2">
+            <a:schemeClr val="accent2"/>
+          </a:fillRef>
+          <a:effectRef idx="1">
+            <a:schemeClr val="accent2"/>
+          </a:effectRef>
+          <a:fontRef idx="minor">
+            <a:schemeClr val="dk1"/>
+          </a:fontRef>
+        </p:style>
+      </p:cxnSp>
+      <p:sp>
+        <p:nvSpPr>
+          <p:cNvPr id="99" name="Isosceles Triangle 102"/>
+          <p:cNvSpPr/>
+          <p:nvPr/>
+        </p:nvSpPr>
+        <p:spPr>
+          <a:xfrm rot="5400000" flipV="1">
+            <a:off x="4175027" y="3244059"/>
+            <a:ext cx="270504" cy="175523"/>
+          </a:xfrm>
+          <a:prstGeom prst="triangle">
+            <a:avLst/>
+          </a:prstGeom>
+          <a:solidFill>
+            <a:schemeClr val="accent6">
+              <a:lumMod val="75000"/>
+            </a:schemeClr>
+          </a:solidFill>
+          <a:ln w="19050">
+            <a:solidFill>
+              <a:schemeClr val="accent6">
+                <a:lumMod val="75000"/>
+              </a:schemeClr>
+            </a:solidFill>
+          </a:ln>
+          <a:effectLst/>
+        </p:spPr>
+        <p:style>
+          <a:lnRef idx="1">
+            <a:schemeClr val="accent2"/>
+          </a:lnRef>
+          <a:fillRef idx="2">
+            <a:schemeClr val="accent2"/>
+          </a:fillRef>
+          <a:effectRef idx="1">
+            <a:schemeClr val="accent2"/>
+          </a:effectRef>
+          <a:fontRef idx="minor">
+            <a:schemeClr val="dk1"/>
+          </a:fontRef>
+        </p:style>
+        <p:txBody>
+          <a:bodyPr rtlCol="0" anchor="ctr"/>
+          <a:lstStyle/>
+          <a:p>
+            <a:pPr algn="ctr"/>
+            <a:endParaRPr lang="en-SG" sz="1050">
+              <a:solidFill>
+                <a:schemeClr val="bg1"/>
+              </a:solidFill>
+            </a:endParaRPr>
+          </a:p>
+        </p:txBody>
+      </p:sp>
+      <p:cxnSp>
+        <p:nvCxnSpPr>
+          <p:cNvPr id="124" name="Elbow Connector 122"/>
+          <p:cNvCxnSpPr>
+            <a:stCxn id="50" idx="3"/>
+            <a:endCxn id="66" idx="1"/>
+          </p:cNvCxnSpPr>
+          <p:nvPr/>
+        </p:nvCxnSpPr>
+        <p:spPr>
+          <a:xfrm>
+            <a:off x="5791200" y="3331820"/>
+            <a:ext cx="228600" cy="1970"/>
+          </a:xfrm>
+          <a:prstGeom prst="bentConnector3">
+            <a:avLst>
+              <a:gd name="adj1" fmla="val 50000"/>
+            </a:avLst>
+          </a:prstGeom>
+          <a:ln w="19050">
+            <a:solidFill>
+              <a:schemeClr val="accent6">
+                <a:lumMod val="75000"/>
+              </a:schemeClr>
+            </a:solidFill>
+            <a:prstDash val="sysDot"/>
+            <a:headEnd type="none" w="med" len="med"/>
+            <a:tailEnd type="arrow" w="med" len="med"/>
+          </a:ln>
+          <a:effectLst/>
+        </p:spPr>
+        <p:style>
+          <a:lnRef idx="1">
+            <a:schemeClr val="accent2"/>
+          </a:lnRef>
+          <a:fillRef idx="2">
+            <a:schemeClr val="accent2"/>
+          </a:fillRef>
+          <a:effectRef idx="1">
+            <a:schemeClr val="accent2"/>
+          </a:effectRef>
+          <a:fontRef idx="minor">
+            <a:schemeClr val="dk1"/>
+          </a:fontRef>
+        </p:style>
+      </p:cxnSp>
+      <p:sp>
+        <p:nvSpPr>
+          <p:cNvPr id="50" name="Rectangle 8"/>
+          <p:cNvSpPr/>
+          <p:nvPr/>
+        </p:nvSpPr>
+        <p:spPr>
+          <a:xfrm>
+            <a:off x="4621365" y="3158440"/>
+            <a:ext cx="1169835" cy="346760"/>
+          </a:xfrm>
+          <a:prstGeom prst="rect">
+            <a:avLst/>
+          </a:prstGeom>
+          <a:ln w="19050"/>
+          <a:effectLst/>
+        </p:spPr>
+        <p:style>
+          <a:lnRef idx="1">
+            <a:schemeClr val="accent6"/>
+          </a:lnRef>
+          <a:fillRef idx="2">
+            <a:schemeClr val="accent6"/>
+          </a:fillRef>
+          <a:effectRef idx="1">
+            <a:schemeClr val="accent6"/>
+          </a:effectRef>
+          <a:fontRef idx="minor">
+            <a:schemeClr val="dk1"/>
+          </a:fontRef>
+        </p:style>
+        <p:txBody>
+          <a:bodyPr rtlCol="0" anchor="ctr"/>
+          <a:lstStyle/>
+          <a:p>
+            <a:pPr algn="ctr"/>
+            <a:r>
+              <a:rPr lang="en-US" sz="1050" b="1" dirty="0" err="1" smtClean="0">
+                <a:solidFill>
+                  <a:schemeClr val="accent6">
+                    <a:lumMod val="75000"/>
+                  </a:schemeClr>
+                </a:solidFill>
+              </a:rPr>
+              <a:t>XmlTaskManagerStorage</a:t>
+            </a:r>
+            <a:endParaRPr lang="en-SG" sz="1050" b="1" dirty="0">
+              <a:solidFill>
+                <a:schemeClr val="accent6">
+                  <a:lumMod val="75000"/>
+                </a:schemeClr>
+              </a:solidFill>
+            </a:endParaRPr>
+          </a:p>
+        </p:txBody>
+      </p:sp>
+      <p:sp>
+        <p:nvSpPr>
+          <p:cNvPr id="52" name="Rectangle 8"/>
+          <p:cNvSpPr/>
+          <p:nvPr/>
+        </p:nvSpPr>
+        <p:spPr>
+          <a:xfrm>
+            <a:off x="2873943" y="2558040"/>
+            <a:ext cx="1323049" cy="346760"/>
+          </a:xfrm>
+          <a:prstGeom prst="rect">
+            <a:avLst/>
+          </a:prstGeom>
+          <a:solidFill>
+            <a:schemeClr val="accent6">
+              <a:lumMod val="75000"/>
+            </a:schemeClr>
+          </a:solidFill>
+          <a:ln w="19050">
+            <a:solidFill>
+              <a:schemeClr val="accent6">
+                <a:lumMod val="75000"/>
+              </a:schemeClr>
+            </a:solidFill>
+          </a:ln>
+          <a:effectLst/>
+        </p:spPr>
+        <p:style>
+          <a:lnRef idx="1">
+            <a:schemeClr val="accent2"/>
+          </a:lnRef>
+          <a:fillRef idx="2">
+            <a:schemeClr val="accent2"/>
+          </a:fillRef>
+          <a:effectRef idx="1">
+            <a:schemeClr val="accent2"/>
+          </a:effectRef>
+          <a:fontRef idx="minor">
+            <a:schemeClr val="dk1"/>
+          </a:fontRef>
+        </p:style>
+        <p:txBody>
+          <a:bodyPr rtlCol="0" anchor="ctr"/>
+          <a:lstStyle/>
+          <a:p>
+            <a:pPr algn="ctr"/>
+            <a:r>
+              <a:rPr lang="en-US" sz="1050" dirty="0" smtClean="0">
+                <a:solidFill>
+                  <a:schemeClr val="bg1"/>
+                </a:solidFill>
+              </a:rPr>
+              <a:t>&lt;&lt;interface&gt;&gt;</a:t>
+            </a:r>
+            <a:br>
+              <a:rPr lang="en-US" sz="1050" dirty="0" smtClean="0">
+                <a:solidFill>
+                  <a:schemeClr val="bg1"/>
+                </a:solidFill>
+              </a:rPr>
+            </a:br>
+            <a:r>
+              <a:rPr lang="en-US" sz="1050" dirty="0" err="1" smtClean="0">
+                <a:solidFill>
+                  <a:schemeClr val="bg1"/>
+                </a:solidFill>
+              </a:rPr>
+              <a:t>UserPrefsStorage</a:t>
+            </a:r>
+            <a:endParaRPr lang="en-SG" sz="1050" dirty="0">
+              <a:solidFill>
+                <a:schemeClr val="bg1"/>
+              </a:solidFill>
+            </a:endParaRPr>
+          </a:p>
+        </p:txBody>
+      </p:sp>
+      <p:cxnSp>
+        <p:nvCxnSpPr>
+          <p:cNvPr id="54" name="Straight Arrow Connector 53"/>
+          <p:cNvCxnSpPr>
+            <a:stCxn id="56" idx="3"/>
+            <a:endCxn id="52" idx="1"/>
+          </p:cNvCxnSpPr>
+          <p:nvPr/>
+        </p:nvCxnSpPr>
+        <p:spPr>
+          <a:xfrm>
+            <a:off x="2653133" y="2726136"/>
+            <a:ext cx="220810" cy="5284"/>
+          </a:xfrm>
+          <a:prstGeom prst="straightConnector1">
+            <a:avLst/>
+          </a:prstGeom>
+          <a:ln w="19050">
+            <a:solidFill>
+              <a:schemeClr val="accent6">
+                <a:lumMod val="75000"/>
+              </a:schemeClr>
+            </a:solidFill>
+            <a:headEnd type="none" w="med" len="med"/>
+            <a:tailEnd type="arrow" w="med" len="med"/>
+          </a:ln>
+          <a:effectLst/>
+        </p:spPr>
+        <p:style>
+          <a:lnRef idx="1">
+            <a:schemeClr val="accent2"/>
+          </a:lnRef>
+          <a:fillRef idx="2">
+            <a:schemeClr val="accent2"/>
+          </a:fillRef>
+          <a:effectRef idx="1">
+            <a:schemeClr val="accent2"/>
+          </a:effectRef>
+          <a:fontRef idx="minor">
+            <a:schemeClr val="dk1"/>
+          </a:fontRef>
+        </p:style>
+      </p:cxnSp>
+      <p:sp>
+        <p:nvSpPr>
+          <p:cNvPr id="56" name="Flowchart: Decision 96"/>
+          <p:cNvSpPr/>
+          <p:nvPr/>
+        </p:nvSpPr>
+        <p:spPr>
+          <a:xfrm>
+            <a:off x="2417085" y="2639446"/>
+            <a:ext cx="236048" cy="173380"/>
+          </a:xfrm>
+          <a:prstGeom prst="flowChartDecision">
+            <a:avLst/>
+          </a:prstGeom>
+          <a:noFill/>
+          <a:ln w="19050">
+            <a:solidFill>
+              <a:schemeClr val="accent6">
+                <a:lumMod val="75000"/>
+              </a:schemeClr>
+            </a:solidFill>
+          </a:ln>
+          <a:effectLst/>
+        </p:spPr>
+        <p:style>
+          <a:lnRef idx="1">
+            <a:schemeClr val="accent2"/>
+          </a:lnRef>
+          <a:fillRef idx="2">
+            <a:schemeClr val="accent2"/>
+          </a:fillRef>
+          <a:effectRef idx="1">
+            <a:schemeClr val="accent2"/>
+          </a:effectRef>
+          <a:fontRef idx="minor">
+            <a:schemeClr val="dk1"/>
+          </a:fontRef>
+        </p:style>
+        <p:txBody>
+          <a:bodyPr rtlCol="0" anchor="ctr"/>
+          <a:lstStyle/>
+          <a:p>
+            <a:pPr algn="ctr"/>
+            <a:endParaRPr lang="en-US" sz="1050">
+              <a:solidFill>
+                <a:schemeClr val="bg1"/>
+              </a:solidFill>
+            </a:endParaRPr>
+          </a:p>
+        </p:txBody>
+      </p:sp>
+      <p:cxnSp>
+        <p:nvCxnSpPr>
+          <p:cNvPr id="60" name="Elbow Connector 63"/>
+          <p:cNvCxnSpPr>
+            <a:stCxn id="61" idx="3"/>
+            <a:endCxn id="65" idx="1"/>
+          </p:cNvCxnSpPr>
+          <p:nvPr/>
+        </p:nvCxnSpPr>
+        <p:spPr>
+          <a:xfrm flipV="1">
+            <a:off x="4394804" y="2731420"/>
+            <a:ext cx="223324" cy="1"/>
+          </a:xfrm>
+          <a:prstGeom prst="bentConnector3">
+            <a:avLst>
+              <a:gd name="adj1" fmla="val 50000"/>
+            </a:avLst>
+          </a:prstGeom>
+          <a:ln w="19050">
+            <a:solidFill>
+              <a:schemeClr val="accent6">
+                <a:lumMod val="75000"/>
+              </a:schemeClr>
+            </a:solidFill>
+            <a:prstDash val="sysDot"/>
+            <a:headEnd type="none" w="med" len="med"/>
+            <a:tailEnd type="none" w="med" len="med"/>
+          </a:ln>
+          <a:effectLst/>
+        </p:spPr>
+        <p:style>
+          <a:lnRef idx="1">
+            <a:schemeClr val="accent2"/>
+          </a:lnRef>
+          <a:fillRef idx="2">
+            <a:schemeClr val="accent2"/>
+          </a:fillRef>
+          <a:effectRef idx="1">
+            <a:schemeClr val="accent2"/>
+          </a:effectRef>
+          <a:fontRef idx="minor">
+            <a:schemeClr val="dk1"/>
+          </a:fontRef>
+        </p:style>
+      </p:cxnSp>
+      <p:sp>
+        <p:nvSpPr>
+          <p:cNvPr id="61" name="Isosceles Triangle 102"/>
+          <p:cNvSpPr/>
+          <p:nvPr/>
+        </p:nvSpPr>
+        <p:spPr>
+          <a:xfrm rot="5400000" flipV="1">
+            <a:off x="4171790" y="2643659"/>
+            <a:ext cx="270504" cy="175523"/>
+          </a:xfrm>
+          <a:prstGeom prst="triangle">
+            <a:avLst/>
+          </a:prstGeom>
+          <a:solidFill>
+            <a:schemeClr val="accent6">
+              <a:lumMod val="75000"/>
+            </a:schemeClr>
+          </a:solidFill>
+          <a:ln w="19050">
+            <a:solidFill>
+              <a:schemeClr val="accent6">
+                <a:lumMod val="75000"/>
+              </a:schemeClr>
+            </a:solidFill>
+          </a:ln>
+          <a:effectLst/>
+        </p:spPr>
+        <p:style>
+          <a:lnRef idx="1">
+            <a:schemeClr val="accent2"/>
+          </a:lnRef>
+          <a:fillRef idx="2">
+            <a:schemeClr val="accent2"/>
+          </a:fillRef>
+          <a:effectRef idx="1">
+            <a:schemeClr val="accent2"/>
+          </a:effectRef>
+          <a:fontRef idx="minor">
+            <a:schemeClr val="dk1"/>
+          </a:fontRef>
+        </p:style>
+        <p:txBody>
+          <a:bodyPr rtlCol="0" anchor="ctr"/>
+          <a:lstStyle/>
+          <a:p>
+            <a:pPr algn="ctr"/>
+            <a:endParaRPr lang="en-SG" sz="1050">
+              <a:solidFill>
+                <a:schemeClr val="bg1"/>
+              </a:solidFill>
+            </a:endParaRPr>
+          </a:p>
+        </p:txBody>
+      </p:sp>
+      <p:sp>
+        <p:nvSpPr>
+          <p:cNvPr id="65" name="Rectangle 8"/>
+          <p:cNvSpPr/>
+          <p:nvPr/>
+        </p:nvSpPr>
+        <p:spPr>
+          <a:xfrm>
+            <a:off x="4618128" y="2558040"/>
+            <a:ext cx="1093635" cy="346760"/>
+          </a:xfrm>
+          <a:prstGeom prst="rect">
+            <a:avLst/>
+          </a:prstGeom>
+          <a:solidFill>
+            <a:schemeClr val="accent6">
+              <a:lumMod val="75000"/>
+            </a:schemeClr>
+          </a:solidFill>
+          <a:ln w="19050">
+            <a:solidFill>
+              <a:schemeClr val="accent6">
+                <a:lumMod val="75000"/>
+              </a:schemeClr>
+            </a:solidFill>
+          </a:ln>
+          <a:effectLst/>
+        </p:spPr>
+        <p:style>
+          <a:lnRef idx="1">
+            <a:schemeClr val="accent2"/>
+          </a:lnRef>
+          <a:fillRef idx="2">
+            <a:schemeClr val="accent2"/>
+          </a:fillRef>
+          <a:effectRef idx="1">
+            <a:schemeClr val="accent2"/>
+          </a:effectRef>
+          <a:fontRef idx="minor">
+            <a:schemeClr val="dk1"/>
+          </a:fontRef>
+        </p:style>
+        <p:txBody>
+          <a:bodyPr rtlCol="0" anchor="ctr"/>
+          <a:lstStyle/>
+          <a:p>
+            <a:pPr algn="ctr"/>
+            <a:r>
+              <a:rPr lang="en-US" sz="1050" dirty="0" err="1" smtClean="0">
+                <a:solidFill>
+                  <a:schemeClr val="bg1"/>
+                </a:solidFill>
+              </a:rPr>
+              <a:t>JsonUserPrefs</a:t>
+            </a:r>
+            <a:r>
+              <a:rPr lang="en-US" sz="1050" dirty="0" smtClean="0">
+                <a:solidFill>
+                  <a:schemeClr val="bg1"/>
+                </a:solidFill>
+              </a:rPr>
+              <a:t/>
+            </a:r>
+            <a:br>
+              <a:rPr lang="en-US" sz="1050" dirty="0" smtClean="0">
+                <a:solidFill>
+                  <a:schemeClr val="bg1"/>
+                </a:solidFill>
+              </a:rPr>
+            </a:br>
+            <a:r>
+              <a:rPr lang="en-US" sz="1050" dirty="0" smtClean="0">
+                <a:solidFill>
+                  <a:schemeClr val="bg1"/>
+                </a:solidFill>
+              </a:rPr>
+              <a:t>Storage</a:t>
+            </a:r>
+            <a:endParaRPr lang="en-SG" sz="1050" dirty="0">
+              <a:solidFill>
+                <a:schemeClr val="bg1"/>
+              </a:solidFill>
+            </a:endParaRPr>
+          </a:p>
+        </p:txBody>
+      </p:sp>
+      <p:sp>
+        <p:nvSpPr>
+          <p:cNvPr id="66" name="Rectangle 8"/>
+          <p:cNvSpPr/>
+          <p:nvPr/>
+        </p:nvSpPr>
+        <p:spPr>
+          <a:xfrm>
+            <a:off x="6019800" y="3160410"/>
+            <a:ext cx="1200707" cy="346760"/>
+          </a:xfrm>
+          <a:prstGeom prst="rect">
+            <a:avLst/>
+          </a:prstGeom>
+          <a:ln w="19050"/>
+          <a:effectLst/>
+        </p:spPr>
+        <p:style>
+          <a:lnRef idx="1">
+            <a:schemeClr val="accent6"/>
+          </a:lnRef>
+          <a:fillRef idx="2">
+            <a:schemeClr val="accent6"/>
+          </a:fillRef>
+          <a:effectRef idx="1">
+            <a:schemeClr val="accent6"/>
+          </a:effectRef>
+          <a:fontRef idx="minor">
+            <a:schemeClr val="dk1"/>
+          </a:fontRef>
+        </p:style>
+        <p:txBody>
+          <a:bodyPr rtlCol="0" anchor="ctr"/>
+          <a:lstStyle/>
+          <a:p>
+            <a:pPr algn="ctr"/>
+            <a:r>
+              <a:rPr lang="en-US" sz="1050" b="1" dirty="0" err="1" smtClean="0">
+                <a:solidFill>
+                  <a:schemeClr val="accent6">
+                    <a:lumMod val="75000"/>
+                  </a:schemeClr>
+                </a:solidFill>
+              </a:rPr>
+              <a:t>XmlSerializable</a:t>
+            </a:r>
+            <a:r>
+              <a:rPr lang="en-US" sz="1050" b="1" dirty="0" smtClean="0">
+                <a:solidFill>
+                  <a:schemeClr val="accent6">
+                    <a:lumMod val="75000"/>
+                  </a:schemeClr>
+                </a:solidFill>
+              </a:rPr>
+              <a:t/>
+            </a:r>
+            <a:br>
+              <a:rPr lang="en-US" sz="1050" b="1" dirty="0" smtClean="0">
+                <a:solidFill>
+                  <a:schemeClr val="accent6">
+                    <a:lumMod val="75000"/>
+                  </a:schemeClr>
+                </a:solidFill>
+              </a:rPr>
+            </a:br>
+            <a:r>
+              <a:rPr lang="en-US" sz="1050" b="1" dirty="0" err="1" smtClean="0">
+                <a:solidFill>
+                  <a:schemeClr val="accent6">
+                    <a:lumMod val="75000"/>
+                  </a:schemeClr>
+                </a:solidFill>
+              </a:rPr>
+              <a:t>TaskManager</a:t>
+            </a:r>
+            <a:endParaRPr lang="en-SG" sz="1050" b="1" dirty="0">
+              <a:solidFill>
+                <a:schemeClr val="accent6">
+                  <a:lumMod val="75000"/>
+                </a:schemeClr>
+              </a:solidFill>
+            </a:endParaRPr>
+          </a:p>
+        </p:txBody>
+      </p:sp>
+      <p:cxnSp>
+        <p:nvCxnSpPr>
+          <p:cNvPr id="70" name="Elbow Connector 122"/>
+          <p:cNvCxnSpPr>
+            <a:stCxn id="74" idx="0"/>
+            <a:endCxn id="73" idx="2"/>
+          </p:cNvCxnSpPr>
+          <p:nvPr/>
+        </p:nvCxnSpPr>
+        <p:spPr>
+          <a:xfrm rot="5400000" flipH="1" flipV="1">
+            <a:off x="8077993" y="2992020"/>
+            <a:ext cx="335208" cy="12700"/>
+          </a:xfrm>
+          <a:prstGeom prst="bentConnector3">
+            <a:avLst>
+              <a:gd name="adj1" fmla="val 50000"/>
+            </a:avLst>
+          </a:prstGeom>
+          <a:ln w="19050">
+            <a:prstDash val="sysDot"/>
+            <a:headEnd type="none" w="med" len="med"/>
+            <a:tailEnd type="arrow" w="med" len="med"/>
+          </a:ln>
+          <a:effectLst/>
+        </p:spPr>
+        <p:style>
+          <a:lnRef idx="1">
+            <a:schemeClr val="accent6"/>
+          </a:lnRef>
+          <a:fillRef idx="2">
+            <a:schemeClr val="accent6"/>
+          </a:fillRef>
+          <a:effectRef idx="1">
+            <a:schemeClr val="accent6"/>
+          </a:effectRef>
+          <a:fontRef idx="minor">
+            <a:schemeClr val="dk1"/>
+          </a:fontRef>
+        </p:style>
+      </p:cxnSp>
+      <p:sp>
+        <p:nvSpPr>
+          <p:cNvPr id="73" name="Rectangle 8"/>
+          <p:cNvSpPr/>
+          <p:nvPr/>
+        </p:nvSpPr>
+        <p:spPr>
+          <a:xfrm>
+            <a:off x="7615738" y="2477656"/>
+            <a:ext cx="1259718" cy="346760"/>
+          </a:xfrm>
+          <a:prstGeom prst="rect">
+            <a:avLst/>
+          </a:prstGeom>
+          <a:ln w="19050"/>
+          <a:effectLst/>
+        </p:spPr>
+        <p:style>
+          <a:lnRef idx="1">
+            <a:schemeClr val="accent6"/>
+          </a:lnRef>
+          <a:fillRef idx="2">
+            <a:schemeClr val="accent6"/>
+          </a:fillRef>
+          <a:effectRef idx="1">
+            <a:schemeClr val="accent6"/>
+          </a:effectRef>
+          <a:fontRef idx="minor">
+            <a:schemeClr val="dk1"/>
+          </a:fontRef>
+        </p:style>
+        <p:txBody>
+          <a:bodyPr rtlCol="0" anchor="ctr"/>
+          <a:lstStyle/>
+          <a:p>
+            <a:pPr algn="ctr"/>
+            <a:r>
+              <a:rPr lang="en-US" sz="1050" b="1" dirty="0" err="1" smtClean="0">
+                <a:solidFill>
+                  <a:schemeClr val="accent6">
+                    <a:lumMod val="75000"/>
+                  </a:schemeClr>
+                </a:solidFill>
+              </a:rPr>
+              <a:t>XmlAdaptedTag</a:t>
+            </a:r>
+            <a:endParaRPr lang="en-SG" sz="1050" b="1" dirty="0">
+              <a:solidFill>
+                <a:schemeClr val="accent6">
+                  <a:lumMod val="75000"/>
+                </a:schemeClr>
+              </a:solidFill>
+            </a:endParaRPr>
+          </a:p>
+        </p:txBody>
+      </p:sp>
+      <p:sp>
+        <p:nvSpPr>
+          <p:cNvPr id="74" name="Rectangle 8"/>
+          <p:cNvSpPr/>
+          <p:nvPr/>
+        </p:nvSpPr>
+        <p:spPr>
+          <a:xfrm>
+            <a:off x="7615738" y="3159624"/>
+            <a:ext cx="1259718" cy="346760"/>
+          </a:xfrm>
+          <a:prstGeom prst="rect">
+            <a:avLst/>
+          </a:prstGeom>
+          <a:ln w="19050"/>
+          <a:effectLst/>
+        </p:spPr>
+        <p:style>
+          <a:lnRef idx="1">
+            <a:schemeClr val="accent6"/>
+          </a:lnRef>
+          <a:fillRef idx="2">
+            <a:schemeClr val="accent6"/>
+          </a:fillRef>
+          <a:effectRef idx="1">
+            <a:schemeClr val="accent6"/>
+          </a:effectRef>
+          <a:fontRef idx="minor">
+            <a:schemeClr val="dk1"/>
+          </a:fontRef>
+        </p:style>
+        <p:txBody>
+          <a:bodyPr rtlCol="0" anchor="ctr"/>
+          <a:lstStyle/>
+          <a:p>
+            <a:pPr algn="ctr"/>
+            <a:r>
+              <a:rPr lang="en-US" sz="1050" b="1" dirty="0" err="1" smtClean="0">
+                <a:solidFill>
+                  <a:schemeClr val="accent6">
+                    <a:lumMod val="75000"/>
+                  </a:schemeClr>
+                </a:solidFill>
+              </a:rPr>
+              <a:t>XmlAdaptedItem</a:t>
+            </a:r>
+            <a:endParaRPr lang="en-SG" sz="1050" b="1" dirty="0">
+              <a:solidFill>
+                <a:schemeClr val="accent6">
+                  <a:lumMod val="75000"/>
+                </a:schemeClr>
+              </a:solidFill>
+            </a:endParaRPr>
+          </a:p>
+        </p:txBody>
+      </p:sp>
+      <p:cxnSp>
+        <p:nvCxnSpPr>
+          <p:cNvPr id="77" name="Elbow Connector 122"/>
+          <p:cNvCxnSpPr>
+            <a:stCxn id="66" idx="3"/>
+            <a:endCxn id="74" idx="1"/>
+          </p:cNvCxnSpPr>
+          <p:nvPr/>
+        </p:nvCxnSpPr>
+        <p:spPr>
+          <a:xfrm flipV="1">
+            <a:off x="7220507" y="3333004"/>
+            <a:ext cx="395231" cy="786"/>
+          </a:xfrm>
+          <a:prstGeom prst="bentConnector3">
+            <a:avLst>
+              <a:gd name="adj1" fmla="val 50000"/>
+            </a:avLst>
+          </a:prstGeom>
+          <a:ln w="19050">
+            <a:prstDash val="sysDot"/>
+            <a:headEnd type="none" w="med" len="med"/>
+            <a:tailEnd type="arrow" w="med" len="med"/>
+          </a:ln>
+          <a:effectLst/>
+        </p:spPr>
+        <p:style>
+          <a:lnRef idx="1">
+            <a:schemeClr val="accent6"/>
+          </a:lnRef>
+          <a:fillRef idx="2">
+            <a:schemeClr val="accent6"/>
+          </a:fillRef>
+          <a:effectRef idx="1">
+            <a:schemeClr val="accent6"/>
+          </a:effectRef>
+          <a:fontRef idx="minor">
+            <a:schemeClr val="dk1"/>
+          </a:fontRef>
+        </p:style>
+      </p:cxnSp>
     </p:spTree>
     <p:extLst>
       <p:ext uri="{BB962C8B-B14F-4D97-AF65-F5344CB8AC3E}">
-        <p14:creationId xmlns:p14="http://schemas.microsoft.com/office/powerpoint/2010/main" val="2978036214"/>
+        <p14:creationId xmlns:p14="http://schemas.microsoft.com/office/powerpoint/2010/main" val="429606320"/>
       </p:ext>
     </p:extLst>
   </p:cSld>
   <p:clrMapOvr>
     <a:masterClrMapping/>
   </p:clrMapOvr>
+  <p:timing>
+    <p:tnLst>
+      <p:par>
+        <p:cTn id="1" dur="indefinite" restart="never" nodeType="tmRoot"/>
+      </p:par>
+    </p:tnLst>
+  </p:timing>
 </p:sld>
 </file>
 

--- a/docs/diagrams/Diagrams.pptx
+++ b/docs/diagrams/Diagrams.pptx
@@ -5,7 +5,7 @@
     <p:sldMasterId id="2147483648" r:id="rId1"/>
   </p:sldMasterIdLst>
   <p:notesMasterIdLst>
-    <p:notesMasterId r:id="rId12"/>
+    <p:notesMasterId r:id="rId11"/>
   </p:notesMasterIdLst>
   <p:sldIdLst>
     <p:sldId id="256" r:id="rId2"/>
@@ -16,8 +16,7 @@
     <p:sldId id="267" r:id="rId7"/>
     <p:sldId id="263" r:id="rId8"/>
     <p:sldId id="264" r:id="rId9"/>
-    <p:sldId id="268" r:id="rId10"/>
-    <p:sldId id="265" r:id="rId11"/>
+    <p:sldId id="265" r:id="rId10"/>
   </p:sldIdLst>
   <p:sldSz cx="9144000" cy="6858000" type="screen4x3"/>
   <p:notesSz cx="6858000" cy="9144000"/>
@@ -3532,36 +3531,6 @@
 </p:sld>
 </file>
 
-<file path=ppt/slides/slide10.xml><?xml version="1.0" encoding="utf-8"?>
-<p:sld xmlns:a="http://schemas.openxmlformats.org/drawingml/2006/main" xmlns:r="http://schemas.openxmlformats.org/officeDocument/2006/relationships" xmlns:p="http://schemas.openxmlformats.org/presentationml/2006/main">
-  <p:cSld>
-    <p:spTree>
-      <p:nvGrpSpPr>
-        <p:cNvPr id="1" name=""/>
-        <p:cNvGrpSpPr/>
-        <p:nvPr/>
-      </p:nvGrpSpPr>
-      <p:grpSpPr>
-        <a:xfrm>
-          <a:off x="0" y="0"/>
-          <a:ext cx="0" cy="0"/>
-          <a:chOff x="0" y="0"/>
-          <a:chExt cx="0" cy="0"/>
-        </a:xfrm>
-      </p:grpSpPr>
-    </p:spTree>
-    <p:extLst>
-      <p:ext uri="{BB962C8B-B14F-4D97-AF65-F5344CB8AC3E}">
-        <p14:creationId xmlns:p14="http://schemas.microsoft.com/office/powerpoint/2010/main" val="2978036214"/>
-      </p:ext>
-    </p:extLst>
-  </p:cSld>
-  <p:clrMapOvr>
-    <a:masterClrMapping/>
-  </p:clrMapOvr>
-</p:sld>
-</file>
-
 <file path=ppt/slides/slide2.xml><?xml version="1.0" encoding="utf-8"?>
 <p:sld xmlns:a="http://schemas.openxmlformats.org/drawingml/2006/main" xmlns:r="http://schemas.openxmlformats.org/officeDocument/2006/relationships" xmlns:p="http://schemas.openxmlformats.org/presentationml/2006/main">
   <p:cSld>
@@ -6428,7 +6397,17 @@
                   </a:schemeClr>
                 </a:solidFill>
               </a:rPr>
-              <a:t>TaskManagerChangedEvent</a:t>
+              <a:t>T</a:t>
+            </a:r>
+            <a:r>
+              <a:rPr lang="en-US" sz="1400" dirty="0" err="1" smtClean="0">
+                <a:solidFill>
+                  <a:schemeClr val="accent5">
+                    <a:lumMod val="75000"/>
+                  </a:schemeClr>
+                </a:solidFill>
+              </a:rPr>
+              <a:t>askManagerChangedEvent</a:t>
             </a:r>
             <a:r>
               <a:rPr lang="en-US" sz="1400" dirty="0" smtClean="0">
@@ -6800,7 +6779,17 @@
                   </a:schemeClr>
                 </a:solidFill>
               </a:rPr>
-              <a:t>handleTaskManagerChangedEvent</a:t>
+              <a:t>h</a:t>
+            </a:r>
+            <a:r>
+              <a:rPr lang="en-US" sz="1400" dirty="0" err="1" smtClean="0">
+                <a:solidFill>
+                  <a:schemeClr val="accent6">
+                    <a:lumMod val="75000"/>
+                  </a:schemeClr>
+                </a:solidFill>
+              </a:rPr>
+              <a:t>andleTaskManagerChangedEvent</a:t>
             </a:r>
             <a:r>
               <a:rPr lang="en-US" sz="1400" dirty="0" smtClean="0">
@@ -8244,7 +8233,17 @@
                   </a:schemeClr>
                 </a:solidFill>
               </a:rPr>
-              <a:t>ItemCard</a:t>
+              <a:t>Item</a:t>
+            </a:r>
+            <a:r>
+              <a:rPr lang="en-US" sz="1050" b="1" dirty="0" err="1" smtClean="0">
+                <a:solidFill>
+                  <a:schemeClr val="accent3">
+                    <a:lumMod val="75000"/>
+                  </a:schemeClr>
+                </a:solidFill>
+              </a:rPr>
+              <a:t>Card</a:t>
             </a:r>
             <a:endParaRPr lang="en-SG" sz="1050" b="1" dirty="0">
               <a:solidFill>
@@ -13978,7 +13977,15 @@
                   <a:srgbClr val="7030A0"/>
                 </a:solidFill>
               </a:rPr>
-              <a:t>TaskManager</a:t>
+              <a:t>T</a:t>
+            </a:r>
+            <a:r>
+              <a:rPr lang="en-US" sz="1050" dirty="0" err="1" smtClean="0">
+                <a:solidFill>
+                  <a:srgbClr val="7030A0"/>
+                </a:solidFill>
+              </a:rPr>
+              <a:t>askManager</a:t>
             </a:r>
             <a:endParaRPr lang="en-SG" sz="1050" dirty="0">
               <a:solidFill>
@@ -16859,1379 +16866,16 @@
           <a:chExt cx="0" cy="0"/>
         </a:xfrm>
       </p:grpSpPr>
-      <p:sp>
-        <p:nvSpPr>
-          <p:cNvPr id="118" name="Rectangle 65"/>
-          <p:cNvSpPr/>
-          <p:nvPr/>
-        </p:nvSpPr>
-        <p:spPr>
-          <a:xfrm>
-            <a:off x="1119865" y="2086382"/>
-            <a:ext cx="7871735" cy="1723618"/>
-          </a:xfrm>
-          <a:prstGeom prst="roundRect">
-            <a:avLst>
-              <a:gd name="adj" fmla="val 3484"/>
-            </a:avLst>
-          </a:prstGeom>
-          <a:solidFill>
-            <a:schemeClr val="accent6">
-              <a:lumMod val="20000"/>
-              <a:lumOff val="80000"/>
-            </a:schemeClr>
-          </a:solidFill>
-          <a:ln w="19050">
-            <a:noFill/>
-          </a:ln>
-          <a:effectLst/>
-        </p:spPr>
-        <p:style>
-          <a:lnRef idx="1">
-            <a:schemeClr val="accent2"/>
-          </a:lnRef>
-          <a:fillRef idx="2">
-            <a:schemeClr val="accent2"/>
-          </a:fillRef>
-          <a:effectRef idx="1">
-            <a:schemeClr val="accent2"/>
-          </a:effectRef>
-          <a:fontRef idx="minor">
-            <a:schemeClr val="dk1"/>
-          </a:fontRef>
-        </p:style>
-        <p:txBody>
-          <a:bodyPr rtlCol="0" anchor="t"/>
-          <a:lstStyle/>
-          <a:p>
-            <a:r>
-              <a:rPr lang="en-US" sz="1200" b="1" dirty="0" smtClean="0">
-                <a:solidFill>
-                  <a:schemeClr val="accent6">
-                    <a:lumMod val="75000"/>
-                  </a:schemeClr>
-                </a:solidFill>
-              </a:rPr>
-              <a:t>Storage</a:t>
-            </a:r>
-            <a:endParaRPr lang="en-SG" sz="1200" b="1" dirty="0">
-              <a:solidFill>
-                <a:schemeClr val="accent6">
-                  <a:lumMod val="75000"/>
-                </a:schemeClr>
-              </a:solidFill>
-            </a:endParaRPr>
-          </a:p>
-        </p:txBody>
-      </p:sp>
-      <p:sp>
-        <p:nvSpPr>
-          <p:cNvPr id="2" name="Rectangle 8"/>
-          <p:cNvSpPr/>
-          <p:nvPr/>
-        </p:nvSpPr>
-        <p:spPr>
-          <a:xfrm>
-            <a:off x="2877180" y="3158440"/>
-            <a:ext cx="1323049" cy="346760"/>
-          </a:xfrm>
-          <a:prstGeom prst="rect">
-            <a:avLst/>
-          </a:prstGeom>
-          <a:solidFill>
-            <a:schemeClr val="accent6">
-              <a:lumMod val="75000"/>
-            </a:schemeClr>
-          </a:solidFill>
-          <a:ln w="19050">
-            <a:solidFill>
-              <a:schemeClr val="accent6">
-                <a:lumMod val="75000"/>
-              </a:schemeClr>
-            </a:solidFill>
-          </a:ln>
-          <a:effectLst/>
-        </p:spPr>
-        <p:style>
-          <a:lnRef idx="1">
-            <a:schemeClr val="accent2"/>
-          </a:lnRef>
-          <a:fillRef idx="2">
-            <a:schemeClr val="accent2"/>
-          </a:fillRef>
-          <a:effectRef idx="1">
-            <a:schemeClr val="accent2"/>
-          </a:effectRef>
-          <a:fontRef idx="minor">
-            <a:schemeClr val="dk1"/>
-          </a:fontRef>
-        </p:style>
-        <p:txBody>
-          <a:bodyPr rtlCol="0" anchor="ctr"/>
-          <a:lstStyle/>
-          <a:p>
-            <a:pPr algn="ctr"/>
-            <a:r>
-              <a:rPr lang="en-US" sz="1050" dirty="0" smtClean="0">
-                <a:solidFill>
-                  <a:schemeClr val="bg1"/>
-                </a:solidFill>
-              </a:rPr>
-              <a:t>&lt;&lt;interface&gt;&gt;</a:t>
-            </a:r>
-            <a:br>
-              <a:rPr lang="en-US" sz="1050" dirty="0" smtClean="0">
-                <a:solidFill>
-                  <a:schemeClr val="bg1"/>
-                </a:solidFill>
-              </a:rPr>
-            </a:br>
-            <a:r>
-              <a:rPr lang="en-US" sz="1050" dirty="0" err="1" smtClean="0">
-                <a:solidFill>
-                  <a:schemeClr val="bg1"/>
-                </a:solidFill>
-              </a:rPr>
-              <a:t>TaskManagerStorage</a:t>
-            </a:r>
-            <a:endParaRPr lang="en-SG" sz="1050" dirty="0">
-              <a:solidFill>
-                <a:schemeClr val="bg1"/>
-              </a:solidFill>
-            </a:endParaRPr>
-          </a:p>
-        </p:txBody>
-      </p:sp>
-      <p:sp>
-        <p:nvSpPr>
-          <p:cNvPr id="9" name="Rectangle 62"/>
-          <p:cNvSpPr/>
-          <p:nvPr/>
-        </p:nvSpPr>
-        <p:spPr>
-          <a:xfrm rot="16200000">
-            <a:off x="1683963" y="2868687"/>
-            <a:ext cx="1093635" cy="346760"/>
-          </a:xfrm>
-          <a:prstGeom prst="rect">
-            <a:avLst/>
-          </a:prstGeom>
-          <a:solidFill>
-            <a:schemeClr val="accent6">
-              <a:lumMod val="75000"/>
-            </a:schemeClr>
-          </a:solidFill>
-          <a:ln w="19050">
-            <a:solidFill>
-              <a:schemeClr val="accent6">
-                <a:lumMod val="75000"/>
-              </a:schemeClr>
-            </a:solidFill>
-          </a:ln>
-          <a:effectLst/>
-        </p:spPr>
-        <p:style>
-          <a:lnRef idx="1">
-            <a:schemeClr val="accent2"/>
-          </a:lnRef>
-          <a:fillRef idx="2">
-            <a:schemeClr val="accent2"/>
-          </a:fillRef>
-          <a:effectRef idx="1">
-            <a:schemeClr val="accent2"/>
-          </a:effectRef>
-          <a:fontRef idx="minor">
-            <a:schemeClr val="dk1"/>
-          </a:fontRef>
-        </p:style>
-        <p:txBody>
-          <a:bodyPr rtlCol="0" anchor="ctr"/>
-          <a:lstStyle/>
-          <a:p>
-            <a:pPr algn="ctr"/>
-            <a:r>
-              <a:rPr lang="en-US" sz="1050" dirty="0" err="1" smtClean="0">
-                <a:solidFill>
-                  <a:schemeClr val="bg1"/>
-                </a:solidFill>
-              </a:rPr>
-              <a:t>StorageManager</a:t>
-            </a:r>
-            <a:endParaRPr lang="en-SG" sz="1050" dirty="0">
-              <a:solidFill>
-                <a:schemeClr val="bg1"/>
-              </a:solidFill>
-            </a:endParaRPr>
-          </a:p>
-        </p:txBody>
-      </p:sp>
-      <p:sp>
-        <p:nvSpPr>
-          <p:cNvPr id="119" name="Rectangle 62"/>
-          <p:cNvSpPr/>
-          <p:nvPr/>
-        </p:nvSpPr>
-        <p:spPr>
-          <a:xfrm rot="16200000">
-            <a:off x="956202" y="2861202"/>
-            <a:ext cx="1093635" cy="346760"/>
-          </a:xfrm>
-          <a:prstGeom prst="rect">
-            <a:avLst/>
-          </a:prstGeom>
-          <a:solidFill>
-            <a:schemeClr val="accent6">
-              <a:lumMod val="75000"/>
-            </a:schemeClr>
-          </a:solidFill>
-          <a:ln w="19050">
-            <a:solidFill>
-              <a:schemeClr val="accent6">
-                <a:lumMod val="75000"/>
-              </a:schemeClr>
-            </a:solidFill>
-          </a:ln>
-          <a:effectLst/>
-        </p:spPr>
-        <p:style>
-          <a:lnRef idx="1">
-            <a:schemeClr val="accent2"/>
-          </a:lnRef>
-          <a:fillRef idx="2">
-            <a:schemeClr val="accent2"/>
-          </a:fillRef>
-          <a:effectRef idx="1">
-            <a:schemeClr val="accent2"/>
-          </a:effectRef>
-          <a:fontRef idx="minor">
-            <a:schemeClr val="dk1"/>
-          </a:fontRef>
-        </p:style>
-        <p:txBody>
-          <a:bodyPr rtlCol="0" anchor="ctr"/>
-          <a:lstStyle/>
-          <a:p>
-            <a:pPr algn="ctr"/>
-            <a:r>
-              <a:rPr lang="en-US" sz="1050" dirty="0">
-                <a:solidFill>
-                  <a:schemeClr val="bg1"/>
-                </a:solidFill>
-              </a:rPr>
-              <a:t>&lt;&lt;interface&gt;&gt;</a:t>
-            </a:r>
-          </a:p>
-          <a:p>
-            <a:pPr algn="ctr"/>
-            <a:r>
-              <a:rPr lang="en-US" sz="1050" dirty="0" smtClean="0">
-                <a:solidFill>
-                  <a:schemeClr val="bg1"/>
-                </a:solidFill>
-              </a:rPr>
-              <a:t>Storage</a:t>
-            </a:r>
-            <a:endParaRPr lang="en-SG" sz="1050" dirty="0">
-              <a:solidFill>
-                <a:schemeClr val="bg1"/>
-              </a:solidFill>
-            </a:endParaRPr>
-          </a:p>
-        </p:txBody>
-      </p:sp>
-      <p:sp>
-        <p:nvSpPr>
-          <p:cNvPr id="120" name="Isosceles Triangle 102"/>
-          <p:cNvSpPr/>
-          <p:nvPr/>
-        </p:nvSpPr>
-        <p:spPr>
-          <a:xfrm rot="16200000">
-            <a:off x="1626910" y="2952291"/>
-            <a:ext cx="270504" cy="175523"/>
-          </a:xfrm>
-          <a:prstGeom prst="triangle">
-            <a:avLst/>
-          </a:prstGeom>
-          <a:solidFill>
-            <a:schemeClr val="accent6">
-              <a:lumMod val="75000"/>
-            </a:schemeClr>
-          </a:solidFill>
-          <a:ln w="19050">
-            <a:solidFill>
-              <a:schemeClr val="accent6">
-                <a:lumMod val="75000"/>
-              </a:schemeClr>
-            </a:solidFill>
-          </a:ln>
-          <a:effectLst/>
-        </p:spPr>
-        <p:style>
-          <a:lnRef idx="1">
-            <a:schemeClr val="accent2"/>
-          </a:lnRef>
-          <a:fillRef idx="2">
-            <a:schemeClr val="accent2"/>
-          </a:fillRef>
-          <a:effectRef idx="1">
-            <a:schemeClr val="accent2"/>
-          </a:effectRef>
-          <a:fontRef idx="minor">
-            <a:schemeClr val="dk1"/>
-          </a:fontRef>
-        </p:style>
-        <p:txBody>
-          <a:bodyPr rtlCol="0" anchor="ctr"/>
-          <a:lstStyle/>
-          <a:p>
-            <a:pPr algn="ctr"/>
-            <a:endParaRPr lang="en-SG" sz="1050">
-              <a:solidFill>
-                <a:schemeClr val="bg1"/>
-              </a:solidFill>
-            </a:endParaRPr>
-          </a:p>
-        </p:txBody>
-      </p:sp>
-      <p:cxnSp>
-        <p:nvCxnSpPr>
-          <p:cNvPr id="58" name="Straight Arrow Connector 57"/>
-          <p:cNvCxnSpPr>
-            <a:stCxn id="42" idx="3"/>
-            <a:endCxn id="2" idx="1"/>
-          </p:cNvCxnSpPr>
-          <p:nvPr/>
-        </p:nvCxnSpPr>
-        <p:spPr>
-          <a:xfrm>
-            <a:off x="2656370" y="3326536"/>
-            <a:ext cx="220810" cy="5284"/>
-          </a:xfrm>
-          <a:prstGeom prst="straightConnector1">
-            <a:avLst/>
-          </a:prstGeom>
-          <a:ln w="19050">
-            <a:solidFill>
-              <a:schemeClr val="accent6">
-                <a:lumMod val="75000"/>
-              </a:schemeClr>
-            </a:solidFill>
-            <a:headEnd type="none" w="med" len="med"/>
-            <a:tailEnd type="arrow" w="med" len="med"/>
-          </a:ln>
-          <a:effectLst/>
-        </p:spPr>
-        <p:style>
-          <a:lnRef idx="1">
-            <a:schemeClr val="accent2"/>
-          </a:lnRef>
-          <a:fillRef idx="2">
-            <a:schemeClr val="accent2"/>
-          </a:fillRef>
-          <a:effectRef idx="1">
-            <a:schemeClr val="accent2"/>
-          </a:effectRef>
-          <a:fontRef idx="minor">
-            <a:schemeClr val="dk1"/>
-          </a:fontRef>
-        </p:style>
-      </p:cxnSp>
-      <p:cxnSp>
-        <p:nvCxnSpPr>
-          <p:cNvPr id="75" name="Elbow Connector 122"/>
-          <p:cNvCxnSpPr/>
-          <p:nvPr/>
-        </p:nvCxnSpPr>
-        <p:spPr>
-          <a:xfrm>
-            <a:off x="910091" y="3040053"/>
-            <a:ext cx="419548" cy="2860"/>
-          </a:xfrm>
-          <a:prstGeom prst="bentConnector3">
-            <a:avLst>
-              <a:gd name="adj1" fmla="val 50000"/>
-            </a:avLst>
-          </a:prstGeom>
-          <a:ln w="19050">
-            <a:solidFill>
-              <a:schemeClr val="bg1">
-                <a:lumMod val="75000"/>
-              </a:schemeClr>
-            </a:solidFill>
-            <a:prstDash val="sysDot"/>
-            <a:headEnd type="none" w="med" len="med"/>
-            <a:tailEnd type="arrow" w="med" len="med"/>
-          </a:ln>
-          <a:effectLst/>
-        </p:spPr>
-        <p:style>
-          <a:lnRef idx="1">
-            <a:schemeClr val="accent2"/>
-          </a:lnRef>
-          <a:fillRef idx="2">
-            <a:schemeClr val="accent2"/>
-          </a:fillRef>
-          <a:effectRef idx="1">
-            <a:schemeClr val="accent2"/>
-          </a:effectRef>
-          <a:fontRef idx="minor">
-            <a:schemeClr val="dk1"/>
-          </a:fontRef>
-        </p:style>
-      </p:cxnSp>
-      <p:cxnSp>
-        <p:nvCxnSpPr>
-          <p:cNvPr id="21" name="Straight Connector 20"/>
-          <p:cNvCxnSpPr>
-            <a:stCxn id="120" idx="3"/>
-          </p:cNvCxnSpPr>
-          <p:nvPr/>
-        </p:nvCxnSpPr>
-        <p:spPr>
-          <a:xfrm flipV="1">
-            <a:off x="1849924" y="3040052"/>
-            <a:ext cx="216105" cy="1"/>
-          </a:xfrm>
-          <a:prstGeom prst="line">
-            <a:avLst/>
-          </a:prstGeom>
-          <a:ln w="19050">
-            <a:solidFill>
-              <a:schemeClr val="accent6">
-                <a:lumMod val="75000"/>
-              </a:schemeClr>
-            </a:solidFill>
-            <a:prstDash val="sysDot"/>
-            <a:headEnd type="none" w="med" len="med"/>
-            <a:tailEnd type="none" w="med" len="med"/>
-          </a:ln>
-          <a:effectLst/>
-        </p:spPr>
-        <p:style>
-          <a:lnRef idx="1">
-            <a:schemeClr val="accent2"/>
-          </a:lnRef>
-          <a:fillRef idx="2">
-            <a:schemeClr val="accent2"/>
-          </a:fillRef>
-          <a:effectRef idx="1">
-            <a:schemeClr val="accent2"/>
-          </a:effectRef>
-          <a:fontRef idx="minor">
-            <a:schemeClr val="dk1"/>
-          </a:fontRef>
-        </p:style>
-      </p:cxnSp>
-      <p:sp>
-        <p:nvSpPr>
-          <p:cNvPr id="42" name="Flowchart: Decision 96"/>
-          <p:cNvSpPr/>
-          <p:nvPr/>
-        </p:nvSpPr>
-        <p:spPr>
-          <a:xfrm>
-            <a:off x="2420322" y="3239846"/>
-            <a:ext cx="236048" cy="173380"/>
-          </a:xfrm>
-          <a:prstGeom prst="flowChartDecision">
-            <a:avLst/>
-          </a:prstGeom>
-          <a:noFill/>
-          <a:ln w="19050">
-            <a:solidFill>
-              <a:schemeClr val="accent6">
-                <a:lumMod val="75000"/>
-              </a:schemeClr>
-            </a:solidFill>
-          </a:ln>
-          <a:effectLst/>
-        </p:spPr>
-        <p:style>
-          <a:lnRef idx="1">
-            <a:schemeClr val="accent2"/>
-          </a:lnRef>
-          <a:fillRef idx="2">
-            <a:schemeClr val="accent2"/>
-          </a:fillRef>
-          <a:effectRef idx="1">
-            <a:schemeClr val="accent2"/>
-          </a:effectRef>
-          <a:fontRef idx="minor">
-            <a:schemeClr val="dk1"/>
-          </a:fontRef>
-        </p:style>
-        <p:txBody>
-          <a:bodyPr rtlCol="0" anchor="ctr"/>
-          <a:lstStyle/>
-          <a:p>
-            <a:pPr algn="ctr"/>
-            <a:endParaRPr lang="en-US" sz="1050">
-              <a:solidFill>
-                <a:schemeClr val="bg1"/>
-              </a:solidFill>
-            </a:endParaRPr>
-          </a:p>
-        </p:txBody>
-      </p:sp>
-      <p:cxnSp>
-        <p:nvCxnSpPr>
-          <p:cNvPr id="97" name="Elbow Connector 63"/>
-          <p:cNvCxnSpPr>
-            <a:stCxn id="99" idx="3"/>
-            <a:endCxn id="50" idx="1"/>
-          </p:cNvCxnSpPr>
-          <p:nvPr/>
-        </p:nvCxnSpPr>
-        <p:spPr>
-          <a:xfrm flipV="1">
-            <a:off x="4398041" y="3331820"/>
-            <a:ext cx="223324" cy="1"/>
-          </a:xfrm>
-          <a:prstGeom prst="bentConnector3">
-            <a:avLst>
-              <a:gd name="adj1" fmla="val 50000"/>
-            </a:avLst>
-          </a:prstGeom>
-          <a:ln w="19050">
-            <a:solidFill>
-              <a:schemeClr val="accent6">
-                <a:lumMod val="75000"/>
-              </a:schemeClr>
-            </a:solidFill>
-            <a:prstDash val="sysDot"/>
-            <a:headEnd type="none" w="med" len="med"/>
-            <a:tailEnd type="none" w="med" len="med"/>
-          </a:ln>
-          <a:effectLst/>
-        </p:spPr>
-        <p:style>
-          <a:lnRef idx="1">
-            <a:schemeClr val="accent2"/>
-          </a:lnRef>
-          <a:fillRef idx="2">
-            <a:schemeClr val="accent2"/>
-          </a:fillRef>
-          <a:effectRef idx="1">
-            <a:schemeClr val="accent2"/>
-          </a:effectRef>
-          <a:fontRef idx="minor">
-            <a:schemeClr val="dk1"/>
-          </a:fontRef>
-        </p:style>
-      </p:cxnSp>
-      <p:sp>
-        <p:nvSpPr>
-          <p:cNvPr id="99" name="Isosceles Triangle 102"/>
-          <p:cNvSpPr/>
-          <p:nvPr/>
-        </p:nvSpPr>
-        <p:spPr>
-          <a:xfrm rot="5400000" flipV="1">
-            <a:off x="4175027" y="3244059"/>
-            <a:ext cx="270504" cy="175523"/>
-          </a:xfrm>
-          <a:prstGeom prst="triangle">
-            <a:avLst/>
-          </a:prstGeom>
-          <a:solidFill>
-            <a:schemeClr val="accent6">
-              <a:lumMod val="75000"/>
-            </a:schemeClr>
-          </a:solidFill>
-          <a:ln w="19050">
-            <a:solidFill>
-              <a:schemeClr val="accent6">
-                <a:lumMod val="75000"/>
-              </a:schemeClr>
-            </a:solidFill>
-          </a:ln>
-          <a:effectLst/>
-        </p:spPr>
-        <p:style>
-          <a:lnRef idx="1">
-            <a:schemeClr val="accent2"/>
-          </a:lnRef>
-          <a:fillRef idx="2">
-            <a:schemeClr val="accent2"/>
-          </a:fillRef>
-          <a:effectRef idx="1">
-            <a:schemeClr val="accent2"/>
-          </a:effectRef>
-          <a:fontRef idx="minor">
-            <a:schemeClr val="dk1"/>
-          </a:fontRef>
-        </p:style>
-        <p:txBody>
-          <a:bodyPr rtlCol="0" anchor="ctr"/>
-          <a:lstStyle/>
-          <a:p>
-            <a:pPr algn="ctr"/>
-            <a:endParaRPr lang="en-SG" sz="1050">
-              <a:solidFill>
-                <a:schemeClr val="bg1"/>
-              </a:solidFill>
-            </a:endParaRPr>
-          </a:p>
-        </p:txBody>
-      </p:sp>
-      <p:cxnSp>
-        <p:nvCxnSpPr>
-          <p:cNvPr id="124" name="Elbow Connector 122"/>
-          <p:cNvCxnSpPr>
-            <a:stCxn id="50" idx="3"/>
-            <a:endCxn id="66" idx="1"/>
-          </p:cNvCxnSpPr>
-          <p:nvPr/>
-        </p:nvCxnSpPr>
-        <p:spPr>
-          <a:xfrm>
-            <a:off x="5791200" y="3331820"/>
-            <a:ext cx="228600" cy="1970"/>
-          </a:xfrm>
-          <a:prstGeom prst="bentConnector3">
-            <a:avLst>
-              <a:gd name="adj1" fmla="val 50000"/>
-            </a:avLst>
-          </a:prstGeom>
-          <a:ln w="19050">
-            <a:solidFill>
-              <a:schemeClr val="accent6">
-                <a:lumMod val="75000"/>
-              </a:schemeClr>
-            </a:solidFill>
-            <a:prstDash val="sysDot"/>
-            <a:headEnd type="none" w="med" len="med"/>
-            <a:tailEnd type="arrow" w="med" len="med"/>
-          </a:ln>
-          <a:effectLst/>
-        </p:spPr>
-        <p:style>
-          <a:lnRef idx="1">
-            <a:schemeClr val="accent2"/>
-          </a:lnRef>
-          <a:fillRef idx="2">
-            <a:schemeClr val="accent2"/>
-          </a:fillRef>
-          <a:effectRef idx="1">
-            <a:schemeClr val="accent2"/>
-          </a:effectRef>
-          <a:fontRef idx="minor">
-            <a:schemeClr val="dk1"/>
-          </a:fontRef>
-        </p:style>
-      </p:cxnSp>
-      <p:sp>
-        <p:nvSpPr>
-          <p:cNvPr id="50" name="Rectangle 8"/>
-          <p:cNvSpPr/>
-          <p:nvPr/>
-        </p:nvSpPr>
-        <p:spPr>
-          <a:xfrm>
-            <a:off x="4621365" y="3158440"/>
-            <a:ext cx="1169835" cy="346760"/>
-          </a:xfrm>
-          <a:prstGeom prst="rect">
-            <a:avLst/>
-          </a:prstGeom>
-          <a:ln w="19050"/>
-          <a:effectLst/>
-        </p:spPr>
-        <p:style>
-          <a:lnRef idx="1">
-            <a:schemeClr val="accent6"/>
-          </a:lnRef>
-          <a:fillRef idx="2">
-            <a:schemeClr val="accent6"/>
-          </a:fillRef>
-          <a:effectRef idx="1">
-            <a:schemeClr val="accent6"/>
-          </a:effectRef>
-          <a:fontRef idx="minor">
-            <a:schemeClr val="dk1"/>
-          </a:fontRef>
-        </p:style>
-        <p:txBody>
-          <a:bodyPr rtlCol="0" anchor="ctr"/>
-          <a:lstStyle/>
-          <a:p>
-            <a:pPr algn="ctr"/>
-            <a:r>
-              <a:rPr lang="en-US" sz="1050" b="1" dirty="0" err="1" smtClean="0">
-                <a:solidFill>
-                  <a:schemeClr val="accent6">
-                    <a:lumMod val="75000"/>
-                  </a:schemeClr>
-                </a:solidFill>
-              </a:rPr>
-              <a:t>XmlTaskManagerStorage</a:t>
-            </a:r>
-            <a:endParaRPr lang="en-SG" sz="1050" b="1" dirty="0">
-              <a:solidFill>
-                <a:schemeClr val="accent6">
-                  <a:lumMod val="75000"/>
-                </a:schemeClr>
-              </a:solidFill>
-            </a:endParaRPr>
-          </a:p>
-        </p:txBody>
-      </p:sp>
-      <p:sp>
-        <p:nvSpPr>
-          <p:cNvPr id="52" name="Rectangle 8"/>
-          <p:cNvSpPr/>
-          <p:nvPr/>
-        </p:nvSpPr>
-        <p:spPr>
-          <a:xfrm>
-            <a:off x="2873943" y="2558040"/>
-            <a:ext cx="1323049" cy="346760"/>
-          </a:xfrm>
-          <a:prstGeom prst="rect">
-            <a:avLst/>
-          </a:prstGeom>
-          <a:solidFill>
-            <a:schemeClr val="accent6">
-              <a:lumMod val="75000"/>
-            </a:schemeClr>
-          </a:solidFill>
-          <a:ln w="19050">
-            <a:solidFill>
-              <a:schemeClr val="accent6">
-                <a:lumMod val="75000"/>
-              </a:schemeClr>
-            </a:solidFill>
-          </a:ln>
-          <a:effectLst/>
-        </p:spPr>
-        <p:style>
-          <a:lnRef idx="1">
-            <a:schemeClr val="accent2"/>
-          </a:lnRef>
-          <a:fillRef idx="2">
-            <a:schemeClr val="accent2"/>
-          </a:fillRef>
-          <a:effectRef idx="1">
-            <a:schemeClr val="accent2"/>
-          </a:effectRef>
-          <a:fontRef idx="minor">
-            <a:schemeClr val="dk1"/>
-          </a:fontRef>
-        </p:style>
-        <p:txBody>
-          <a:bodyPr rtlCol="0" anchor="ctr"/>
-          <a:lstStyle/>
-          <a:p>
-            <a:pPr algn="ctr"/>
-            <a:r>
-              <a:rPr lang="en-US" sz="1050" dirty="0" smtClean="0">
-                <a:solidFill>
-                  <a:schemeClr val="bg1"/>
-                </a:solidFill>
-              </a:rPr>
-              <a:t>&lt;&lt;interface&gt;&gt;</a:t>
-            </a:r>
-            <a:br>
-              <a:rPr lang="en-US" sz="1050" dirty="0" smtClean="0">
-                <a:solidFill>
-                  <a:schemeClr val="bg1"/>
-                </a:solidFill>
-              </a:rPr>
-            </a:br>
-            <a:r>
-              <a:rPr lang="en-US" sz="1050" dirty="0" err="1" smtClean="0">
-                <a:solidFill>
-                  <a:schemeClr val="bg1"/>
-                </a:solidFill>
-              </a:rPr>
-              <a:t>UserPrefsStorage</a:t>
-            </a:r>
-            <a:endParaRPr lang="en-SG" sz="1050" dirty="0">
-              <a:solidFill>
-                <a:schemeClr val="bg1"/>
-              </a:solidFill>
-            </a:endParaRPr>
-          </a:p>
-        </p:txBody>
-      </p:sp>
-      <p:cxnSp>
-        <p:nvCxnSpPr>
-          <p:cNvPr id="54" name="Straight Arrow Connector 53"/>
-          <p:cNvCxnSpPr>
-            <a:stCxn id="56" idx="3"/>
-            <a:endCxn id="52" idx="1"/>
-          </p:cNvCxnSpPr>
-          <p:nvPr/>
-        </p:nvCxnSpPr>
-        <p:spPr>
-          <a:xfrm>
-            <a:off x="2653133" y="2726136"/>
-            <a:ext cx="220810" cy="5284"/>
-          </a:xfrm>
-          <a:prstGeom prst="straightConnector1">
-            <a:avLst/>
-          </a:prstGeom>
-          <a:ln w="19050">
-            <a:solidFill>
-              <a:schemeClr val="accent6">
-                <a:lumMod val="75000"/>
-              </a:schemeClr>
-            </a:solidFill>
-            <a:headEnd type="none" w="med" len="med"/>
-            <a:tailEnd type="arrow" w="med" len="med"/>
-          </a:ln>
-          <a:effectLst/>
-        </p:spPr>
-        <p:style>
-          <a:lnRef idx="1">
-            <a:schemeClr val="accent2"/>
-          </a:lnRef>
-          <a:fillRef idx="2">
-            <a:schemeClr val="accent2"/>
-          </a:fillRef>
-          <a:effectRef idx="1">
-            <a:schemeClr val="accent2"/>
-          </a:effectRef>
-          <a:fontRef idx="minor">
-            <a:schemeClr val="dk1"/>
-          </a:fontRef>
-        </p:style>
-      </p:cxnSp>
-      <p:sp>
-        <p:nvSpPr>
-          <p:cNvPr id="56" name="Flowchart: Decision 96"/>
-          <p:cNvSpPr/>
-          <p:nvPr/>
-        </p:nvSpPr>
-        <p:spPr>
-          <a:xfrm>
-            <a:off x="2417085" y="2639446"/>
-            <a:ext cx="236048" cy="173380"/>
-          </a:xfrm>
-          <a:prstGeom prst="flowChartDecision">
-            <a:avLst/>
-          </a:prstGeom>
-          <a:noFill/>
-          <a:ln w="19050">
-            <a:solidFill>
-              <a:schemeClr val="accent6">
-                <a:lumMod val="75000"/>
-              </a:schemeClr>
-            </a:solidFill>
-          </a:ln>
-          <a:effectLst/>
-        </p:spPr>
-        <p:style>
-          <a:lnRef idx="1">
-            <a:schemeClr val="accent2"/>
-          </a:lnRef>
-          <a:fillRef idx="2">
-            <a:schemeClr val="accent2"/>
-          </a:fillRef>
-          <a:effectRef idx="1">
-            <a:schemeClr val="accent2"/>
-          </a:effectRef>
-          <a:fontRef idx="minor">
-            <a:schemeClr val="dk1"/>
-          </a:fontRef>
-        </p:style>
-        <p:txBody>
-          <a:bodyPr rtlCol="0" anchor="ctr"/>
-          <a:lstStyle/>
-          <a:p>
-            <a:pPr algn="ctr"/>
-            <a:endParaRPr lang="en-US" sz="1050">
-              <a:solidFill>
-                <a:schemeClr val="bg1"/>
-              </a:solidFill>
-            </a:endParaRPr>
-          </a:p>
-        </p:txBody>
-      </p:sp>
-      <p:cxnSp>
-        <p:nvCxnSpPr>
-          <p:cNvPr id="60" name="Elbow Connector 63"/>
-          <p:cNvCxnSpPr>
-            <a:stCxn id="61" idx="3"/>
-            <a:endCxn id="65" idx="1"/>
-          </p:cNvCxnSpPr>
-          <p:nvPr/>
-        </p:nvCxnSpPr>
-        <p:spPr>
-          <a:xfrm flipV="1">
-            <a:off x="4394804" y="2731420"/>
-            <a:ext cx="223324" cy="1"/>
-          </a:xfrm>
-          <a:prstGeom prst="bentConnector3">
-            <a:avLst>
-              <a:gd name="adj1" fmla="val 50000"/>
-            </a:avLst>
-          </a:prstGeom>
-          <a:ln w="19050">
-            <a:solidFill>
-              <a:schemeClr val="accent6">
-                <a:lumMod val="75000"/>
-              </a:schemeClr>
-            </a:solidFill>
-            <a:prstDash val="sysDot"/>
-            <a:headEnd type="none" w="med" len="med"/>
-            <a:tailEnd type="none" w="med" len="med"/>
-          </a:ln>
-          <a:effectLst/>
-        </p:spPr>
-        <p:style>
-          <a:lnRef idx="1">
-            <a:schemeClr val="accent2"/>
-          </a:lnRef>
-          <a:fillRef idx="2">
-            <a:schemeClr val="accent2"/>
-          </a:fillRef>
-          <a:effectRef idx="1">
-            <a:schemeClr val="accent2"/>
-          </a:effectRef>
-          <a:fontRef idx="minor">
-            <a:schemeClr val="dk1"/>
-          </a:fontRef>
-        </p:style>
-      </p:cxnSp>
-      <p:sp>
-        <p:nvSpPr>
-          <p:cNvPr id="61" name="Isosceles Triangle 102"/>
-          <p:cNvSpPr/>
-          <p:nvPr/>
-        </p:nvSpPr>
-        <p:spPr>
-          <a:xfrm rot="5400000" flipV="1">
-            <a:off x="4171790" y="2643659"/>
-            <a:ext cx="270504" cy="175523"/>
-          </a:xfrm>
-          <a:prstGeom prst="triangle">
-            <a:avLst/>
-          </a:prstGeom>
-          <a:solidFill>
-            <a:schemeClr val="accent6">
-              <a:lumMod val="75000"/>
-            </a:schemeClr>
-          </a:solidFill>
-          <a:ln w="19050">
-            <a:solidFill>
-              <a:schemeClr val="accent6">
-                <a:lumMod val="75000"/>
-              </a:schemeClr>
-            </a:solidFill>
-          </a:ln>
-          <a:effectLst/>
-        </p:spPr>
-        <p:style>
-          <a:lnRef idx="1">
-            <a:schemeClr val="accent2"/>
-          </a:lnRef>
-          <a:fillRef idx="2">
-            <a:schemeClr val="accent2"/>
-          </a:fillRef>
-          <a:effectRef idx="1">
-            <a:schemeClr val="accent2"/>
-          </a:effectRef>
-          <a:fontRef idx="minor">
-            <a:schemeClr val="dk1"/>
-          </a:fontRef>
-        </p:style>
-        <p:txBody>
-          <a:bodyPr rtlCol="0" anchor="ctr"/>
-          <a:lstStyle/>
-          <a:p>
-            <a:pPr algn="ctr"/>
-            <a:endParaRPr lang="en-SG" sz="1050">
-              <a:solidFill>
-                <a:schemeClr val="bg1"/>
-              </a:solidFill>
-            </a:endParaRPr>
-          </a:p>
-        </p:txBody>
-      </p:sp>
-      <p:sp>
-        <p:nvSpPr>
-          <p:cNvPr id="65" name="Rectangle 8"/>
-          <p:cNvSpPr/>
-          <p:nvPr/>
-        </p:nvSpPr>
-        <p:spPr>
-          <a:xfrm>
-            <a:off x="4618128" y="2558040"/>
-            <a:ext cx="1093635" cy="346760"/>
-          </a:xfrm>
-          <a:prstGeom prst="rect">
-            <a:avLst/>
-          </a:prstGeom>
-          <a:solidFill>
-            <a:schemeClr val="accent6">
-              <a:lumMod val="75000"/>
-            </a:schemeClr>
-          </a:solidFill>
-          <a:ln w="19050">
-            <a:solidFill>
-              <a:schemeClr val="accent6">
-                <a:lumMod val="75000"/>
-              </a:schemeClr>
-            </a:solidFill>
-          </a:ln>
-          <a:effectLst/>
-        </p:spPr>
-        <p:style>
-          <a:lnRef idx="1">
-            <a:schemeClr val="accent2"/>
-          </a:lnRef>
-          <a:fillRef idx="2">
-            <a:schemeClr val="accent2"/>
-          </a:fillRef>
-          <a:effectRef idx="1">
-            <a:schemeClr val="accent2"/>
-          </a:effectRef>
-          <a:fontRef idx="minor">
-            <a:schemeClr val="dk1"/>
-          </a:fontRef>
-        </p:style>
-        <p:txBody>
-          <a:bodyPr rtlCol="0" anchor="ctr"/>
-          <a:lstStyle/>
-          <a:p>
-            <a:pPr algn="ctr"/>
-            <a:r>
-              <a:rPr lang="en-US" sz="1050" dirty="0" err="1" smtClean="0">
-                <a:solidFill>
-                  <a:schemeClr val="bg1"/>
-                </a:solidFill>
-              </a:rPr>
-              <a:t>JsonUserPrefs</a:t>
-            </a:r>
-            <a:r>
-              <a:rPr lang="en-US" sz="1050" dirty="0" smtClean="0">
-                <a:solidFill>
-                  <a:schemeClr val="bg1"/>
-                </a:solidFill>
-              </a:rPr>
-              <a:t/>
-            </a:r>
-            <a:br>
-              <a:rPr lang="en-US" sz="1050" dirty="0" smtClean="0">
-                <a:solidFill>
-                  <a:schemeClr val="bg1"/>
-                </a:solidFill>
-              </a:rPr>
-            </a:br>
-            <a:r>
-              <a:rPr lang="en-US" sz="1050" dirty="0" smtClean="0">
-                <a:solidFill>
-                  <a:schemeClr val="bg1"/>
-                </a:solidFill>
-              </a:rPr>
-              <a:t>Storage</a:t>
-            </a:r>
-            <a:endParaRPr lang="en-SG" sz="1050" dirty="0">
-              <a:solidFill>
-                <a:schemeClr val="bg1"/>
-              </a:solidFill>
-            </a:endParaRPr>
-          </a:p>
-        </p:txBody>
-      </p:sp>
-      <p:sp>
-        <p:nvSpPr>
-          <p:cNvPr id="66" name="Rectangle 8"/>
-          <p:cNvSpPr/>
-          <p:nvPr/>
-        </p:nvSpPr>
-        <p:spPr>
-          <a:xfrm>
-            <a:off x="6019800" y="3160410"/>
-            <a:ext cx="1200707" cy="346760"/>
-          </a:xfrm>
-          <a:prstGeom prst="rect">
-            <a:avLst/>
-          </a:prstGeom>
-          <a:ln w="19050"/>
-          <a:effectLst/>
-        </p:spPr>
-        <p:style>
-          <a:lnRef idx="1">
-            <a:schemeClr val="accent6"/>
-          </a:lnRef>
-          <a:fillRef idx="2">
-            <a:schemeClr val="accent6"/>
-          </a:fillRef>
-          <a:effectRef idx="1">
-            <a:schemeClr val="accent6"/>
-          </a:effectRef>
-          <a:fontRef idx="minor">
-            <a:schemeClr val="dk1"/>
-          </a:fontRef>
-        </p:style>
-        <p:txBody>
-          <a:bodyPr rtlCol="0" anchor="ctr"/>
-          <a:lstStyle/>
-          <a:p>
-            <a:pPr algn="ctr"/>
-            <a:r>
-              <a:rPr lang="en-US" sz="1050" b="1" dirty="0" err="1" smtClean="0">
-                <a:solidFill>
-                  <a:schemeClr val="accent6">
-                    <a:lumMod val="75000"/>
-                  </a:schemeClr>
-                </a:solidFill>
-              </a:rPr>
-              <a:t>XmlSerializable</a:t>
-            </a:r>
-            <a:r>
-              <a:rPr lang="en-US" sz="1050" b="1" dirty="0" smtClean="0">
-                <a:solidFill>
-                  <a:schemeClr val="accent6">
-                    <a:lumMod val="75000"/>
-                  </a:schemeClr>
-                </a:solidFill>
-              </a:rPr>
-              <a:t/>
-            </a:r>
-            <a:br>
-              <a:rPr lang="en-US" sz="1050" b="1" dirty="0" smtClean="0">
-                <a:solidFill>
-                  <a:schemeClr val="accent6">
-                    <a:lumMod val="75000"/>
-                  </a:schemeClr>
-                </a:solidFill>
-              </a:rPr>
-            </a:br>
-            <a:r>
-              <a:rPr lang="en-US" sz="1050" b="1" dirty="0" err="1" smtClean="0">
-                <a:solidFill>
-                  <a:schemeClr val="accent6">
-                    <a:lumMod val="75000"/>
-                  </a:schemeClr>
-                </a:solidFill>
-              </a:rPr>
-              <a:t>TaskManager</a:t>
-            </a:r>
-            <a:endParaRPr lang="en-SG" sz="1050" b="1" dirty="0">
-              <a:solidFill>
-                <a:schemeClr val="accent6">
-                  <a:lumMod val="75000"/>
-                </a:schemeClr>
-              </a:solidFill>
-            </a:endParaRPr>
-          </a:p>
-        </p:txBody>
-      </p:sp>
-      <p:cxnSp>
-        <p:nvCxnSpPr>
-          <p:cNvPr id="70" name="Elbow Connector 122"/>
-          <p:cNvCxnSpPr>
-            <a:stCxn id="74" idx="0"/>
-            <a:endCxn id="73" idx="2"/>
-          </p:cNvCxnSpPr>
-          <p:nvPr/>
-        </p:nvCxnSpPr>
-        <p:spPr>
-          <a:xfrm rot="5400000" flipH="1" flipV="1">
-            <a:off x="8077993" y="2992020"/>
-            <a:ext cx="335208" cy="12700"/>
-          </a:xfrm>
-          <a:prstGeom prst="bentConnector3">
-            <a:avLst>
-              <a:gd name="adj1" fmla="val 50000"/>
-            </a:avLst>
-          </a:prstGeom>
-          <a:ln w="19050">
-            <a:prstDash val="sysDot"/>
-            <a:headEnd type="none" w="med" len="med"/>
-            <a:tailEnd type="arrow" w="med" len="med"/>
-          </a:ln>
-          <a:effectLst/>
-        </p:spPr>
-        <p:style>
-          <a:lnRef idx="1">
-            <a:schemeClr val="accent6"/>
-          </a:lnRef>
-          <a:fillRef idx="2">
-            <a:schemeClr val="accent6"/>
-          </a:fillRef>
-          <a:effectRef idx="1">
-            <a:schemeClr val="accent6"/>
-          </a:effectRef>
-          <a:fontRef idx="minor">
-            <a:schemeClr val="dk1"/>
-          </a:fontRef>
-        </p:style>
-      </p:cxnSp>
-      <p:sp>
-        <p:nvSpPr>
-          <p:cNvPr id="73" name="Rectangle 8"/>
-          <p:cNvSpPr/>
-          <p:nvPr/>
-        </p:nvSpPr>
-        <p:spPr>
-          <a:xfrm>
-            <a:off x="7615738" y="2477656"/>
-            <a:ext cx="1259718" cy="346760"/>
-          </a:xfrm>
-          <a:prstGeom prst="rect">
-            <a:avLst/>
-          </a:prstGeom>
-          <a:ln w="19050"/>
-          <a:effectLst/>
-        </p:spPr>
-        <p:style>
-          <a:lnRef idx="1">
-            <a:schemeClr val="accent6"/>
-          </a:lnRef>
-          <a:fillRef idx="2">
-            <a:schemeClr val="accent6"/>
-          </a:fillRef>
-          <a:effectRef idx="1">
-            <a:schemeClr val="accent6"/>
-          </a:effectRef>
-          <a:fontRef idx="minor">
-            <a:schemeClr val="dk1"/>
-          </a:fontRef>
-        </p:style>
-        <p:txBody>
-          <a:bodyPr rtlCol="0" anchor="ctr"/>
-          <a:lstStyle/>
-          <a:p>
-            <a:pPr algn="ctr"/>
-            <a:r>
-              <a:rPr lang="en-US" sz="1050" b="1" dirty="0" err="1" smtClean="0">
-                <a:solidFill>
-                  <a:schemeClr val="accent6">
-                    <a:lumMod val="75000"/>
-                  </a:schemeClr>
-                </a:solidFill>
-              </a:rPr>
-              <a:t>XmlAdaptedTag</a:t>
-            </a:r>
-            <a:endParaRPr lang="en-SG" sz="1050" b="1" dirty="0">
-              <a:solidFill>
-                <a:schemeClr val="accent6">
-                  <a:lumMod val="75000"/>
-                </a:schemeClr>
-              </a:solidFill>
-            </a:endParaRPr>
-          </a:p>
-        </p:txBody>
-      </p:sp>
-      <p:sp>
-        <p:nvSpPr>
-          <p:cNvPr id="74" name="Rectangle 8"/>
-          <p:cNvSpPr/>
-          <p:nvPr/>
-        </p:nvSpPr>
-        <p:spPr>
-          <a:xfrm>
-            <a:off x="7615738" y="3159624"/>
-            <a:ext cx="1259718" cy="346760"/>
-          </a:xfrm>
-          <a:prstGeom prst="rect">
-            <a:avLst/>
-          </a:prstGeom>
-          <a:ln w="19050"/>
-          <a:effectLst/>
-        </p:spPr>
-        <p:style>
-          <a:lnRef idx="1">
-            <a:schemeClr val="accent6"/>
-          </a:lnRef>
-          <a:fillRef idx="2">
-            <a:schemeClr val="accent6"/>
-          </a:fillRef>
-          <a:effectRef idx="1">
-            <a:schemeClr val="accent6"/>
-          </a:effectRef>
-          <a:fontRef idx="minor">
-            <a:schemeClr val="dk1"/>
-          </a:fontRef>
-        </p:style>
-        <p:txBody>
-          <a:bodyPr rtlCol="0" anchor="ctr"/>
-          <a:lstStyle/>
-          <a:p>
-            <a:pPr algn="ctr"/>
-            <a:r>
-              <a:rPr lang="en-US" sz="1050" b="1" dirty="0" err="1" smtClean="0">
-                <a:solidFill>
-                  <a:schemeClr val="accent6">
-                    <a:lumMod val="75000"/>
-                  </a:schemeClr>
-                </a:solidFill>
-              </a:rPr>
-              <a:t>XmlAdaptedItem</a:t>
-            </a:r>
-            <a:endParaRPr lang="en-SG" sz="1050" b="1" dirty="0">
-              <a:solidFill>
-                <a:schemeClr val="accent6">
-                  <a:lumMod val="75000"/>
-                </a:schemeClr>
-              </a:solidFill>
-            </a:endParaRPr>
-          </a:p>
-        </p:txBody>
-      </p:sp>
-      <p:cxnSp>
-        <p:nvCxnSpPr>
-          <p:cNvPr id="77" name="Elbow Connector 122"/>
-          <p:cNvCxnSpPr>
-            <a:stCxn id="66" idx="3"/>
-            <a:endCxn id="74" idx="1"/>
-          </p:cNvCxnSpPr>
-          <p:nvPr/>
-        </p:nvCxnSpPr>
-        <p:spPr>
-          <a:xfrm flipV="1">
-            <a:off x="7220507" y="3333004"/>
-            <a:ext cx="395231" cy="786"/>
-          </a:xfrm>
-          <a:prstGeom prst="bentConnector3">
-            <a:avLst>
-              <a:gd name="adj1" fmla="val 50000"/>
-            </a:avLst>
-          </a:prstGeom>
-          <a:ln w="19050">
-            <a:prstDash val="sysDot"/>
-            <a:headEnd type="none" w="med" len="med"/>
-            <a:tailEnd type="arrow" w="med" len="med"/>
-          </a:ln>
-          <a:effectLst/>
-        </p:spPr>
-        <p:style>
-          <a:lnRef idx="1">
-            <a:schemeClr val="accent6"/>
-          </a:lnRef>
-          <a:fillRef idx="2">
-            <a:schemeClr val="accent6"/>
-          </a:fillRef>
-          <a:effectRef idx="1">
-            <a:schemeClr val="accent6"/>
-          </a:effectRef>
-          <a:fontRef idx="minor">
-            <a:schemeClr val="dk1"/>
-          </a:fontRef>
-        </p:style>
-      </p:cxnSp>
     </p:spTree>
     <p:extLst>
       <p:ext uri="{BB962C8B-B14F-4D97-AF65-F5344CB8AC3E}">
-        <p14:creationId xmlns:p14="http://schemas.microsoft.com/office/powerpoint/2010/main" val="429606320"/>
+        <p14:creationId xmlns:p14="http://schemas.microsoft.com/office/powerpoint/2010/main" val="2978036214"/>
       </p:ext>
     </p:extLst>
   </p:cSld>
   <p:clrMapOvr>
     <a:masterClrMapping/>
   </p:clrMapOvr>
-  <p:timing>
-    <p:tnLst>
-      <p:par>
-        <p:cTn id="1" dur="indefinite" restart="never" nodeType="tmRoot"/>
-      </p:par>
-    </p:tnLst>
-  </p:timing>
 </p:sld>
 </file>
 

--- a/docs/diagrams/Diagrams.pptx
+++ b/docs/diagrams/Diagrams.pptx
@@ -115,6 +115,22 @@
       </a:defRPr>
     </a:lvl9pPr>
   </p:defaultTextStyle>
+  <p:extLst>
+    <p:ext uri="{EFAFB233-063F-42B5-8137-9DF3F51BA10A}">
+      <p15:sldGuideLst xmlns:p15="http://schemas.microsoft.com/office/powerpoint/2012/main">
+        <p15:guide id="1" orient="horz" pos="1488">
+          <p15:clr>
+            <a:srgbClr val="A4A3A4"/>
+          </p15:clr>
+        </p15:guide>
+        <p15:guide id="2" pos="2880">
+          <p15:clr>
+            <a:srgbClr val="A4A3A4"/>
+          </p15:clr>
+        </p15:guide>
+      </p15:sldGuideLst>
+    </p:ext>
+  </p:extLst>
 </p:presentation>
 </file>
 
@@ -200,7 +216,7 @@
           <a:p>
             <a:fld id="{F5CC4B3F-88C1-4FFA-B1B6-F41C21DC6924}" type="datetimeFigureOut">
               <a:rPr lang="en-US" smtClean="0"/>
-              <a:t>9/30/2016</a:t>
+              <a:t>10/20/2016</a:t>
             </a:fld>
             <a:endParaRPr lang="en-US"/>
           </a:p>
@@ -649,7 +665,7 @@
           <a:p>
             <a:fld id="{78C97017-6FC3-485B-9764-EAC9E56C1D49}" type="datetimeFigureOut">
               <a:rPr lang="en-US" smtClean="0"/>
-              <a:t>9/30/2016</a:t>
+              <a:t>10/20/2016</a:t>
             </a:fld>
             <a:endParaRPr lang="en-US"/>
           </a:p>
@@ -819,7 +835,7 @@
           <a:p>
             <a:fld id="{78C97017-6FC3-485B-9764-EAC9E56C1D49}" type="datetimeFigureOut">
               <a:rPr lang="en-US" smtClean="0"/>
-              <a:t>9/30/2016</a:t>
+              <a:t>10/20/2016</a:t>
             </a:fld>
             <a:endParaRPr lang="en-US"/>
           </a:p>
@@ -999,7 +1015,7 @@
           <a:p>
             <a:fld id="{78C97017-6FC3-485B-9764-EAC9E56C1D49}" type="datetimeFigureOut">
               <a:rPr lang="en-US" smtClean="0"/>
-              <a:t>9/30/2016</a:t>
+              <a:t>10/20/2016</a:t>
             </a:fld>
             <a:endParaRPr lang="en-US"/>
           </a:p>
@@ -1169,7 +1185,7 @@
           <a:p>
             <a:fld id="{78C97017-6FC3-485B-9764-EAC9E56C1D49}" type="datetimeFigureOut">
               <a:rPr lang="en-US" smtClean="0"/>
-              <a:t>9/30/2016</a:t>
+              <a:t>10/20/2016</a:t>
             </a:fld>
             <a:endParaRPr lang="en-US"/>
           </a:p>
@@ -1415,7 +1431,7 @@
           <a:p>
             <a:fld id="{78C97017-6FC3-485B-9764-EAC9E56C1D49}" type="datetimeFigureOut">
               <a:rPr lang="en-US" smtClean="0"/>
-              <a:t>9/30/2016</a:t>
+              <a:t>10/20/2016</a:t>
             </a:fld>
             <a:endParaRPr lang="en-US"/>
           </a:p>
@@ -1703,7 +1719,7 @@
           <a:p>
             <a:fld id="{78C97017-6FC3-485B-9764-EAC9E56C1D49}" type="datetimeFigureOut">
               <a:rPr lang="en-US" smtClean="0"/>
-              <a:t>9/30/2016</a:t>
+              <a:t>10/20/2016</a:t>
             </a:fld>
             <a:endParaRPr lang="en-US"/>
           </a:p>
@@ -2125,7 +2141,7 @@
           <a:p>
             <a:fld id="{78C97017-6FC3-485B-9764-EAC9E56C1D49}" type="datetimeFigureOut">
               <a:rPr lang="en-US" smtClean="0"/>
-              <a:t>9/30/2016</a:t>
+              <a:t>10/20/2016</a:t>
             </a:fld>
             <a:endParaRPr lang="en-US"/>
           </a:p>
@@ -2243,7 +2259,7 @@
           <a:p>
             <a:fld id="{78C97017-6FC3-485B-9764-EAC9E56C1D49}" type="datetimeFigureOut">
               <a:rPr lang="en-US" smtClean="0"/>
-              <a:t>9/30/2016</a:t>
+              <a:t>10/20/2016</a:t>
             </a:fld>
             <a:endParaRPr lang="en-US"/>
           </a:p>
@@ -2338,7 +2354,7 @@
           <a:p>
             <a:fld id="{78C97017-6FC3-485B-9764-EAC9E56C1D49}" type="datetimeFigureOut">
               <a:rPr lang="en-US" smtClean="0"/>
-              <a:t>9/30/2016</a:t>
+              <a:t>10/20/2016</a:t>
             </a:fld>
             <a:endParaRPr lang="en-US"/>
           </a:p>
@@ -2615,7 +2631,7 @@
           <a:p>
             <a:fld id="{78C97017-6FC3-485B-9764-EAC9E56C1D49}" type="datetimeFigureOut">
               <a:rPr lang="en-US" smtClean="0"/>
-              <a:t>9/30/2016</a:t>
+              <a:t>10/20/2016</a:t>
             </a:fld>
             <a:endParaRPr lang="en-US"/>
           </a:p>
@@ -2868,7 +2884,7 @@
           <a:p>
             <a:fld id="{78C97017-6FC3-485B-9764-EAC9E56C1D49}" type="datetimeFigureOut">
               <a:rPr lang="en-US" smtClean="0"/>
-              <a:t>9/30/2016</a:t>
+              <a:t>10/20/2016</a:t>
             </a:fld>
             <a:endParaRPr lang="en-US"/>
           </a:p>
@@ -3081,7 +3097,7 @@
           <a:p>
             <a:fld id="{78C97017-6FC3-485B-9764-EAC9E56C1D49}" type="datetimeFigureOut">
               <a:rPr lang="en-US" smtClean="0"/>
-              <a:t>9/30/2016</a:t>
+              <a:t>10/20/2016</a:t>
             </a:fld>
             <a:endParaRPr lang="en-US"/>
           </a:p>
@@ -12280,7 +12296,6 @@
               <a:rPr lang="en-US" dirty="0"/>
               <a:t>execute()</a:t>
             </a:r>
-            <a:endParaRPr lang="en-US" dirty="0"/>
           </a:p>
         </p:txBody>
       </p:sp>
@@ -15497,8 +15512,8 @@
         </p:nvSpPr>
         <p:spPr>
           <a:xfrm>
-            <a:off x="2877180" y="3158440"/>
-            <a:ext cx="1323049" cy="346760"/>
+            <a:off x="2866144" y="3158440"/>
+            <a:ext cx="1334085" cy="346760"/>
           </a:xfrm>
           <a:prstGeom prst="rect">
             <a:avLst/>
@@ -15542,7 +15557,15 @@
                   <a:schemeClr val="bg1"/>
                 </a:solidFill>
               </a:rPr>
-              <a:t>&lt;&lt;interface&gt;&gt;</a:t>
+              <a:t>&lt;&lt;interface</a:t>
+            </a:r>
+            <a:r>
+              <a:rPr lang="en-US" sz="1050" dirty="0" smtClean="0">
+                <a:solidFill>
+                  <a:schemeClr val="bg1"/>
+                </a:solidFill>
+              </a:rPr>
+              <a:t>&gt;&gt;</a:t>
             </a:r>
             <a:br>
               <a:rPr lang="en-US" sz="1050" dirty="0" smtClean="0">
@@ -15557,7 +15580,7 @@
                   <a:schemeClr val="bg1"/>
                 </a:solidFill>
               </a:rPr>
-              <a:t>AddressBookStorage</a:t>
+              <a:t>TaskManagerStorage</a:t>
             </a:r>
             <a:endParaRPr lang="en-SG" sz="1050" dirty="0">
               <a:solidFill>
@@ -15771,7 +15794,7 @@
         <p:spPr>
           <a:xfrm>
             <a:off x="2656370" y="3326536"/>
-            <a:ext cx="220810" cy="5284"/>
+            <a:ext cx="209774" cy="5284"/>
           </a:xfrm>
           <a:prstGeom prst="straightConnector1">
             <a:avLst/>
@@ -16130,7 +16153,7 @@
                   </a:schemeClr>
                 </a:solidFill>
               </a:rPr>
-              <a:t>XmlAddressBook</a:t>
+              <a:t>XmlTaskManager</a:t>
             </a:r>
             <a:r>
               <a:rPr lang="en-US" sz="1050" b="1" dirty="0" smtClean="0">
@@ -16603,7 +16626,7 @@
                   </a:schemeClr>
                 </a:solidFill>
               </a:rPr>
-              <a:t>AddressBook</a:t>
+              <a:t>TaskManager</a:t>
             </a:r>
             <a:endParaRPr lang="en-SG" sz="1050" b="1" dirty="0">
               <a:solidFill>
@@ -16756,7 +16779,7 @@
                   </a:schemeClr>
                 </a:solidFill>
               </a:rPr>
-              <a:t>XmlAdaptedPerson</a:t>
+              <a:t>XmlAdaptedItem</a:t>
             </a:r>
             <a:endParaRPr lang="en-SG" sz="1050" b="1" dirty="0">
               <a:solidFill>

--- a/docs/diagrams/Diagrams.pptx
+++ b/docs/diagrams/Diagrams.pptx
@@ -3528,6 +3528,13 @@
   <p:clrMapOvr>
     <a:masterClrMapping/>
   </p:clrMapOvr>
+  <p:timing>
+    <p:tnLst>
+      <p:par>
+        <p:cTn id="1" dur="indefinite" restart="never" nodeType="tmRoot"/>
+      </p:par>
+    </p:tnLst>
+  </p:timing>
 </p:sld>
 </file>
 
@@ -4883,6 +4890,13 @@
   <p:clrMapOvr>
     <a:masterClrMapping/>
   </p:clrMapOvr>
+  <p:timing>
+    <p:tnLst>
+      <p:par>
+        <p:cTn id="1" dur="indefinite" restart="never" nodeType="tmRoot"/>
+      </p:par>
+    </p:tnLst>
+  </p:timing>
 </p:sld>
 </file>
 
@@ -6397,17 +6411,7 @@
                   </a:schemeClr>
                 </a:solidFill>
               </a:rPr>
-              <a:t>T</a:t>
-            </a:r>
-            <a:r>
-              <a:rPr lang="en-US" sz="1400" dirty="0" err="1" smtClean="0">
-                <a:solidFill>
-                  <a:schemeClr val="accent5">
-                    <a:lumMod val="75000"/>
-                  </a:schemeClr>
-                </a:solidFill>
-              </a:rPr>
-              <a:t>askManagerChangedEvent</a:t>
+              <a:t>TaskManagerChangedEvent</a:t>
             </a:r>
             <a:r>
               <a:rPr lang="en-US" sz="1400" dirty="0" smtClean="0">
@@ -6779,17 +6783,7 @@
                   </a:schemeClr>
                 </a:solidFill>
               </a:rPr>
-              <a:t>h</a:t>
-            </a:r>
-            <a:r>
-              <a:rPr lang="en-US" sz="1400" dirty="0" err="1" smtClean="0">
-                <a:solidFill>
-                  <a:schemeClr val="accent6">
-                    <a:lumMod val="75000"/>
-                  </a:schemeClr>
-                </a:solidFill>
-              </a:rPr>
-              <a:t>andleTaskManagerChangedEvent</a:t>
+              <a:t>handleTaskManagerChangedEvent</a:t>
             </a:r>
             <a:r>
               <a:rPr lang="en-US" sz="1400" dirty="0" smtClean="0">
@@ -7550,6 +7544,13 @@
   <p:clrMapOvr>
     <a:masterClrMapping/>
   </p:clrMapOvr>
+  <p:timing>
+    <p:tnLst>
+      <p:par>
+        <p:cTn id="1" dur="indefinite" restart="never" nodeType="tmRoot"/>
+      </p:par>
+    </p:tnLst>
+  </p:timing>
 </p:sld>
 </file>
 
@@ -7578,8 +7579,8 @@
         </p:nvSpPr>
         <p:spPr>
           <a:xfrm>
-            <a:off x="1217465" y="1447800"/>
-            <a:ext cx="4917083" cy="3962400"/>
+            <a:off x="457200" y="1371600"/>
+            <a:ext cx="5909139" cy="5246241"/>
           </a:xfrm>
           <a:prstGeom prst="roundRect">
             <a:avLst>
@@ -8013,7 +8014,7 @@
         </p:nvSpPr>
         <p:spPr>
           <a:xfrm>
-            <a:off x="2592528" y="3649359"/>
+            <a:off x="2575670" y="3868557"/>
             <a:ext cx="1093635" cy="236841"/>
           </a:xfrm>
           <a:prstGeom prst="rect">
@@ -8046,16 +8047,16 @@
           <a:p>
             <a:pPr algn="ctr"/>
             <a:r>
-              <a:rPr lang="en-US" sz="1050" b="1" dirty="0" err="1">
+              <a:rPr lang="en-US" sz="900" b="1" dirty="0" err="1" smtClean="0">
                 <a:solidFill>
                   <a:schemeClr val="accent3">
                     <a:lumMod val="75000"/>
                   </a:schemeClr>
                 </a:solidFill>
               </a:rPr>
-              <a:t>BrowserPanel</a:t>
-            </a:r>
-            <a:endParaRPr lang="en-SG" sz="1050" b="1" dirty="0">
+              <a:t>ShortItemListPanel</a:t>
+            </a:r>
+            <a:endParaRPr lang="en-SG" sz="900" b="1" dirty="0">
               <a:solidFill>
                 <a:schemeClr val="accent3">
                   <a:lumMod val="75000"/>
@@ -8073,7 +8074,7 @@
         </p:nvSpPr>
         <p:spPr>
           <a:xfrm>
-            <a:off x="2592527" y="4563759"/>
+            <a:off x="2581289" y="5215922"/>
             <a:ext cx="1093635" cy="236841"/>
           </a:xfrm>
           <a:prstGeom prst="rect">
@@ -8133,7 +8134,7 @@
         </p:nvSpPr>
         <p:spPr>
           <a:xfrm>
-            <a:off x="2592526" y="3991960"/>
+            <a:off x="2592528" y="4558915"/>
             <a:ext cx="1093635" cy="236841"/>
           </a:xfrm>
           <a:prstGeom prst="rect">
@@ -8166,16 +8167,16 @@
           <a:p>
             <a:pPr algn="ctr"/>
             <a:r>
-              <a:rPr lang="en-US" sz="1050" b="1" smtClean="0">
+              <a:rPr lang="en-US" sz="900" b="1" dirty="0" err="1" smtClean="0">
                 <a:solidFill>
                   <a:schemeClr val="accent3">
                     <a:lumMod val="75000"/>
                   </a:schemeClr>
                 </a:solidFill>
               </a:rPr>
-              <a:t>ItemListPanel</a:t>
-            </a:r>
-            <a:endParaRPr lang="en-SG" sz="1050" b="1" dirty="0">
+              <a:t>ItemDetailsPanel</a:t>
+            </a:r>
+            <a:endParaRPr lang="en-SG" sz="900" b="1" dirty="0">
               <a:solidFill>
                 <a:schemeClr val="accent3">
                   <a:lumMod val="75000"/>
@@ -8187,83 +8188,13 @@
       </p:sp>
       <p:sp>
         <p:nvSpPr>
-          <p:cNvPr id="37" name="Rectangle 11"/>
-          <p:cNvSpPr/>
-          <p:nvPr/>
-        </p:nvSpPr>
-        <p:spPr>
-          <a:xfrm>
-            <a:off x="3839323" y="4228801"/>
-            <a:ext cx="1040906" cy="236841"/>
-          </a:xfrm>
-          <a:prstGeom prst="rect">
-            <a:avLst/>
-          </a:prstGeom>
-          <a:ln w="19050">
-            <a:solidFill>
-              <a:schemeClr val="accent3"/>
-            </a:solidFill>
-          </a:ln>
-          <a:effectLst/>
-        </p:spPr>
-        <p:style>
-          <a:lnRef idx="1">
-            <a:schemeClr val="accent3"/>
-          </a:lnRef>
-          <a:fillRef idx="2">
-            <a:schemeClr val="accent3"/>
-          </a:fillRef>
-          <a:effectRef idx="1">
-            <a:schemeClr val="accent3"/>
-          </a:effectRef>
-          <a:fontRef idx="minor">
-            <a:schemeClr val="dk1"/>
-          </a:fontRef>
-        </p:style>
-        <p:txBody>
-          <a:bodyPr rtlCol="0" anchor="ctr"/>
-          <a:lstStyle/>
-          <a:p>
-            <a:pPr algn="ctr"/>
-            <a:r>
-              <a:rPr lang="en-US" sz="1050" b="1" dirty="0" err="1" smtClean="0">
-                <a:solidFill>
-                  <a:schemeClr val="accent3">
-                    <a:lumMod val="75000"/>
-                  </a:schemeClr>
-                </a:solidFill>
-              </a:rPr>
-              <a:t>Item</a:t>
-            </a:r>
-            <a:r>
-              <a:rPr lang="en-US" sz="1050" b="1" dirty="0" err="1" smtClean="0">
-                <a:solidFill>
-                  <a:schemeClr val="accent3">
-                    <a:lumMod val="75000"/>
-                  </a:schemeClr>
-                </a:solidFill>
-              </a:rPr>
-              <a:t>Card</a:t>
-            </a:r>
-            <a:endParaRPr lang="en-SG" sz="1050" b="1" dirty="0">
-              <a:solidFill>
-                <a:schemeClr val="accent3">
-                  <a:lumMod val="75000"/>
-                </a:schemeClr>
-              </a:solidFill>
-            </a:endParaRPr>
-          </a:p>
-        </p:txBody>
-      </p:sp>
-      <p:sp>
-        <p:nvSpPr>
           <p:cNvPr id="38" name="Rectangle 11"/>
           <p:cNvSpPr/>
           <p:nvPr/>
         </p:nvSpPr>
         <p:spPr>
           <a:xfrm>
-            <a:off x="2592528" y="4966000"/>
+            <a:off x="2581289" y="5514049"/>
             <a:ext cx="1093635" cy="236841"/>
           </a:xfrm>
           <a:prstGeom prst="rect">
@@ -8475,8 +8406,8 @@
         </p:nvCxnSpPr>
         <p:spPr>
           <a:xfrm rot="16200000" flipH="1">
-            <a:off x="2054450" y="3229701"/>
-            <a:ext cx="899755" cy="176402"/>
+            <a:off x="1936422" y="3347729"/>
+            <a:ext cx="1118953" cy="159544"/>
           </a:xfrm>
           <a:prstGeom prst="bentConnector2">
             <a:avLst/>
@@ -8516,8 +8447,8 @@
         </p:nvCxnSpPr>
         <p:spPr>
           <a:xfrm rot="16200000" flipH="1">
-            <a:off x="1883148" y="3401003"/>
-            <a:ext cx="1242356" cy="176400"/>
+            <a:off x="1599672" y="3684479"/>
+            <a:ext cx="1809311" cy="176402"/>
           </a:xfrm>
           <a:prstGeom prst="bentConnector2">
             <a:avLst/>
@@ -8557,8 +8488,8 @@
         </p:nvCxnSpPr>
         <p:spPr>
           <a:xfrm rot="16200000" flipH="1">
-            <a:off x="1597249" y="3686901"/>
-            <a:ext cx="1814155" cy="176401"/>
+            <a:off x="1265548" y="4018602"/>
+            <a:ext cx="2466318" cy="165163"/>
           </a:xfrm>
           <a:prstGeom prst="bentConnector2">
             <a:avLst/>
@@ -8590,14 +8521,12 @@
       <p:cxnSp>
         <p:nvCxnSpPr>
           <p:cNvPr id="53" name="Elbow Connector 63"/>
-          <p:cNvCxnSpPr>
-            <a:endCxn id="38" idx="1"/>
-          </p:cNvCxnSpPr>
+          <p:cNvCxnSpPr/>
           <p:nvPr/>
         </p:nvCxnSpPr>
         <p:spPr>
           <a:xfrm rot="16200000" flipH="1">
-            <a:off x="1184119" y="3676012"/>
+            <a:off x="1209238" y="4230391"/>
             <a:ext cx="2396440" cy="420377"/>
           </a:xfrm>
           <a:prstGeom prst="bentConnector2">
@@ -8749,47 +8678,6 @@
       </p:cxnSp>
       <p:cxnSp>
         <p:nvCxnSpPr>
-          <p:cNvPr id="77" name="Elbow Connector 63"/>
-          <p:cNvCxnSpPr>
-            <a:stCxn id="16" idx="3"/>
-            <a:endCxn id="37" idx="3"/>
-          </p:cNvCxnSpPr>
-          <p:nvPr/>
-        </p:nvCxnSpPr>
-        <p:spPr>
-          <a:xfrm rot="5400000">
-            <a:off x="4174488" y="2991741"/>
-            <a:ext cx="2061222" cy="649740"/>
-          </a:xfrm>
-          <a:prstGeom prst="bentConnector2">
-            <a:avLst/>
-          </a:prstGeom>
-          <a:ln w="6350">
-            <a:solidFill>
-              <a:schemeClr val="accent3"/>
-            </a:solidFill>
-            <a:headEnd type="none" w="med" len="med"/>
-            <a:tailEnd type="none" w="med" len="med"/>
-          </a:ln>
-          <a:effectLst/>
-        </p:spPr>
-        <p:style>
-          <a:lnRef idx="1">
-            <a:schemeClr val="accent2"/>
-          </a:lnRef>
-          <a:fillRef idx="2">
-            <a:schemeClr val="accent2"/>
-          </a:fillRef>
-          <a:effectRef idx="1">
-            <a:schemeClr val="accent2"/>
-          </a:effectRef>
-          <a:fontRef idx="minor">
-            <a:schemeClr val="dk1"/>
-          </a:fontRef>
-        </p:style>
-      </p:cxnSp>
-      <p:cxnSp>
-        <p:nvCxnSpPr>
           <p:cNvPr id="82" name="Elbow Connector 63"/>
           <p:cNvCxnSpPr>
             <a:stCxn id="16" idx="3"/>
@@ -8799,8 +8687,8 @@
         </p:nvCxnSpPr>
         <p:spPr>
           <a:xfrm rot="5400000">
-            <a:off x="3867176" y="2104987"/>
-            <a:ext cx="1481780" cy="1843806"/>
+            <a:off x="3749148" y="2206157"/>
+            <a:ext cx="1700978" cy="1860664"/>
           </a:xfrm>
           <a:prstGeom prst="bentConnector2">
             <a:avLst/>
@@ -8881,8 +8769,8 @@
         </p:nvCxnSpPr>
         <p:spPr>
           <a:xfrm rot="5400000">
-            <a:off x="3409976" y="2562187"/>
-            <a:ext cx="2396180" cy="1843807"/>
+            <a:off x="3078276" y="2882649"/>
+            <a:ext cx="3048343" cy="1855045"/>
           </a:xfrm>
           <a:prstGeom prst="bentConnector2">
             <a:avLst/>
@@ -8922,8 +8810,8 @@
         </p:nvCxnSpPr>
         <p:spPr>
           <a:xfrm rot="5400000">
-            <a:off x="3208856" y="2763307"/>
-            <a:ext cx="2798421" cy="1843806"/>
+            <a:off x="2929212" y="3031713"/>
+            <a:ext cx="3346470" cy="1855045"/>
           </a:xfrm>
           <a:prstGeom prst="bentConnector2">
             <a:avLst/>
@@ -9435,47 +9323,6 @@
       </p:cxnSp>
       <p:cxnSp>
         <p:nvCxnSpPr>
-          <p:cNvPr id="137" name="Elbow Connector 136"/>
-          <p:cNvCxnSpPr>
-            <a:stCxn id="36" idx="2"/>
-            <a:endCxn id="37" idx="1"/>
-          </p:cNvCxnSpPr>
-          <p:nvPr/>
-        </p:nvCxnSpPr>
-        <p:spPr>
-          <a:xfrm rot="16200000" flipH="1">
-            <a:off x="3430123" y="3938021"/>
-            <a:ext cx="118421" cy="699979"/>
-          </a:xfrm>
-          <a:prstGeom prst="bentConnector2">
-            <a:avLst/>
-          </a:prstGeom>
-          <a:ln w="19050">
-            <a:solidFill>
-              <a:schemeClr val="accent3"/>
-            </a:solidFill>
-            <a:headEnd type="none" w="med" len="med"/>
-            <a:tailEnd type="arrow" w="med" len="med"/>
-          </a:ln>
-          <a:effectLst/>
-        </p:spPr>
-        <p:style>
-          <a:lnRef idx="1">
-            <a:schemeClr val="accent2"/>
-          </a:lnRef>
-          <a:fillRef idx="2">
-            <a:schemeClr val="accent2"/>
-          </a:fillRef>
-          <a:effectRef idx="1">
-            <a:schemeClr val="accent2"/>
-          </a:effectRef>
-          <a:fontRef idx="minor">
-            <a:schemeClr val="dk1"/>
-          </a:fontRef>
-        </p:style>
-      </p:cxnSp>
-      <p:cxnSp>
-        <p:nvCxnSpPr>
           <p:cNvPr id="140" name="Elbow Connector 63"/>
           <p:cNvCxnSpPr>
             <a:stCxn id="16" idx="3"/>
@@ -9485,8 +9332,8 @@
         </p:nvCxnSpPr>
         <p:spPr>
           <a:xfrm rot="5400000">
-            <a:off x="3695875" y="2276286"/>
-            <a:ext cx="1824381" cy="1843808"/>
+            <a:off x="3412398" y="2559765"/>
+            <a:ext cx="2391336" cy="1843806"/>
           </a:xfrm>
           <a:prstGeom prst="bentConnector2">
             <a:avLst/>
@@ -9711,8 +9558,8 @@
         </p:nvSpPr>
         <p:spPr>
           <a:xfrm flipV="1">
-            <a:off x="4114799" y="4472708"/>
-            <a:ext cx="2642195" cy="101600"/>
+            <a:off x="4410707" y="4434799"/>
+            <a:ext cx="2310199" cy="45719"/>
           </a:xfrm>
           <a:custGeom>
             <a:avLst/>
@@ -9782,6 +9629,319 @@
           <a:p>
             <a:pPr algn="ctr"/>
             <a:endParaRPr lang="en-SG"/>
+          </a:p>
+        </p:txBody>
+      </p:sp>
+      <p:sp>
+        <p:nvSpPr>
+          <p:cNvPr id="61" name="Rectangle 11"/>
+          <p:cNvSpPr/>
+          <p:nvPr/>
+        </p:nvSpPr>
+        <p:spPr>
+          <a:xfrm>
+            <a:off x="3639377" y="4848197"/>
+            <a:ext cx="1040906" cy="236841"/>
+          </a:xfrm>
+          <a:prstGeom prst="rect">
+            <a:avLst/>
+          </a:prstGeom>
+          <a:ln w="19050">
+            <a:solidFill>
+              <a:schemeClr val="accent3"/>
+            </a:solidFill>
+          </a:ln>
+          <a:effectLst/>
+        </p:spPr>
+        <p:style>
+          <a:lnRef idx="1">
+            <a:schemeClr val="accent3"/>
+          </a:lnRef>
+          <a:fillRef idx="2">
+            <a:schemeClr val="accent3"/>
+          </a:fillRef>
+          <a:effectRef idx="1">
+            <a:schemeClr val="accent3"/>
+          </a:effectRef>
+          <a:fontRef idx="minor">
+            <a:schemeClr val="dk1"/>
+          </a:fontRef>
+        </p:style>
+        <p:txBody>
+          <a:bodyPr rtlCol="0" anchor="ctr"/>
+          <a:lstStyle/>
+          <a:p>
+            <a:pPr algn="ctr"/>
+            <a:r>
+              <a:rPr lang="en-US" sz="1050" b="1" dirty="0" err="1" smtClean="0">
+                <a:solidFill>
+                  <a:schemeClr val="accent3">
+                    <a:lumMod val="75000"/>
+                  </a:schemeClr>
+                </a:solidFill>
+              </a:rPr>
+              <a:t>ItemCard</a:t>
+            </a:r>
+            <a:endParaRPr lang="en-SG" sz="1050" b="1" dirty="0">
+              <a:solidFill>
+                <a:schemeClr val="accent3">
+                  <a:lumMod val="75000"/>
+                </a:schemeClr>
+              </a:solidFill>
+            </a:endParaRPr>
+          </a:p>
+        </p:txBody>
+      </p:sp>
+      <p:sp>
+        <p:nvSpPr>
+          <p:cNvPr id="62" name="Freeform 61"/>
+          <p:cNvSpPr/>
+          <p:nvPr/>
+        </p:nvSpPr>
+        <p:spPr>
+          <a:xfrm flipV="1">
+            <a:off x="4456731" y="5113539"/>
+            <a:ext cx="2278784" cy="45719"/>
+          </a:xfrm>
+          <a:custGeom>
+            <a:avLst/>
+            <a:gdLst>
+              <a:gd name="connsiteX0" fmla="*/ 0 w 3048000"/>
+              <a:gd name="connsiteY0" fmla="*/ 203200 h 203200"/>
+              <a:gd name="connsiteX1" fmla="*/ 221673 w 3048000"/>
+              <a:gd name="connsiteY1" fmla="*/ 0 h 203200"/>
+              <a:gd name="connsiteX2" fmla="*/ 3048000 w 3048000"/>
+              <a:gd name="connsiteY2" fmla="*/ 0 h 203200"/>
+            </a:gdLst>
+            <a:ahLst/>
+            <a:cxnLst>
+              <a:cxn ang="0">
+                <a:pos x="connsiteX0" y="connsiteY0"/>
+              </a:cxn>
+              <a:cxn ang="0">
+                <a:pos x="connsiteX1" y="connsiteY1"/>
+              </a:cxn>
+              <a:cxn ang="0">
+                <a:pos x="connsiteX2" y="connsiteY2"/>
+              </a:cxn>
+            </a:cxnLst>
+            <a:rect l="l" t="t" r="r" b="b"/>
+            <a:pathLst>
+              <a:path w="3048000" h="203200">
+                <a:moveTo>
+                  <a:pt x="0" y="203200"/>
+                </a:moveTo>
+                <a:lnTo>
+                  <a:pt x="221673" y="0"/>
+                </a:lnTo>
+                <a:lnTo>
+                  <a:pt x="3048000" y="0"/>
+                </a:lnTo>
+              </a:path>
+            </a:pathLst>
+          </a:custGeom>
+          <a:noFill/>
+          <a:ln w="19050">
+            <a:solidFill>
+              <a:schemeClr val="accent3"/>
+            </a:solidFill>
+            <a:prstDash val="sysDot"/>
+            <a:headEnd type="none" w="med" len="med"/>
+            <a:tailEnd type="arrow" w="med" len="med"/>
+          </a:ln>
+          <a:effectLst/>
+        </p:spPr>
+        <p:style>
+          <a:lnRef idx="1">
+            <a:schemeClr val="accent2"/>
+          </a:lnRef>
+          <a:fillRef idx="2">
+            <a:schemeClr val="accent2"/>
+          </a:fillRef>
+          <a:effectRef idx="1">
+            <a:schemeClr val="accent2"/>
+          </a:effectRef>
+          <a:fontRef idx="minor">
+            <a:schemeClr val="dk1"/>
+          </a:fontRef>
+        </p:style>
+        <p:txBody>
+          <a:bodyPr rtlCol="0" anchor="ctr"/>
+          <a:lstStyle/>
+          <a:p>
+            <a:pPr algn="ctr"/>
+            <a:endParaRPr lang="en-SG"/>
+          </a:p>
+        </p:txBody>
+      </p:sp>
+      <p:cxnSp>
+        <p:nvCxnSpPr>
+          <p:cNvPr id="33" name="Straight Connector 32"/>
+          <p:cNvCxnSpPr/>
+          <p:nvPr/>
+        </p:nvCxnSpPr>
+        <p:spPr>
+          <a:xfrm flipV="1">
+            <a:off x="2197269" y="2687980"/>
+            <a:ext cx="0" cy="728020"/>
+          </a:xfrm>
+          <a:prstGeom prst="line">
+            <a:avLst/>
+          </a:prstGeom>
+          <a:ln>
+            <a:solidFill>
+              <a:schemeClr val="accent3"/>
+            </a:solidFill>
+          </a:ln>
+        </p:spPr>
+        <p:style>
+          <a:lnRef idx="1">
+            <a:schemeClr val="accent1"/>
+          </a:lnRef>
+          <a:fillRef idx="0">
+            <a:schemeClr val="accent1"/>
+          </a:fillRef>
+          <a:effectRef idx="0">
+            <a:schemeClr val="accent1"/>
+          </a:effectRef>
+          <a:fontRef idx="minor">
+            <a:schemeClr val="tx1"/>
+          </a:fontRef>
+        </p:style>
+      </p:cxnSp>
+      <p:cxnSp>
+        <p:nvCxnSpPr>
+          <p:cNvPr id="58" name="Elbow Connector 57"/>
+          <p:cNvCxnSpPr/>
+          <p:nvPr/>
+        </p:nvCxnSpPr>
+        <p:spPr>
+          <a:xfrm rot="16200000" flipH="1">
+            <a:off x="3268701" y="4583135"/>
+            <a:ext cx="119381" cy="620348"/>
+          </a:xfrm>
+          <a:prstGeom prst="bentConnector2">
+            <a:avLst/>
+          </a:prstGeom>
+          <a:ln w="19050">
+            <a:solidFill>
+              <a:schemeClr val="accent3"/>
+            </a:solidFill>
+            <a:headEnd type="none" w="med" len="med"/>
+            <a:tailEnd type="arrow" w="med" len="med"/>
+          </a:ln>
+          <a:effectLst/>
+        </p:spPr>
+        <p:style>
+          <a:lnRef idx="1">
+            <a:schemeClr val="accent2"/>
+          </a:lnRef>
+          <a:fillRef idx="2">
+            <a:schemeClr val="accent2"/>
+          </a:fillRef>
+          <a:effectRef idx="1">
+            <a:schemeClr val="accent2"/>
+          </a:effectRef>
+          <a:fontRef idx="minor">
+            <a:schemeClr val="dk1"/>
+          </a:fontRef>
+        </p:style>
+      </p:cxnSp>
+      <p:cxnSp>
+        <p:nvCxnSpPr>
+          <p:cNvPr id="64" name="Elbow Connector 63"/>
+          <p:cNvCxnSpPr/>
+          <p:nvPr/>
+        </p:nvCxnSpPr>
+        <p:spPr>
+          <a:xfrm rot="16200000" flipH="1">
+            <a:off x="3265246" y="3866993"/>
+            <a:ext cx="119381" cy="620348"/>
+          </a:xfrm>
+          <a:prstGeom prst="bentConnector2">
+            <a:avLst/>
+          </a:prstGeom>
+          <a:ln w="19050">
+            <a:solidFill>
+              <a:schemeClr val="accent3"/>
+            </a:solidFill>
+            <a:headEnd type="none" w="med" len="med"/>
+            <a:tailEnd type="arrow" w="med" len="med"/>
+          </a:ln>
+          <a:effectLst/>
+        </p:spPr>
+        <p:style>
+          <a:lnRef idx="1">
+            <a:schemeClr val="accent2"/>
+          </a:lnRef>
+          <a:fillRef idx="2">
+            <a:schemeClr val="accent2"/>
+          </a:fillRef>
+          <a:effectRef idx="1">
+            <a:schemeClr val="accent2"/>
+          </a:effectRef>
+          <a:fontRef idx="minor">
+            <a:schemeClr val="dk1"/>
+          </a:fontRef>
+        </p:style>
+      </p:cxnSp>
+      <p:sp>
+        <p:nvSpPr>
+          <p:cNvPr id="65" name="Rectangle 11"/>
+          <p:cNvSpPr/>
+          <p:nvPr/>
+        </p:nvSpPr>
+        <p:spPr>
+          <a:xfrm>
+            <a:off x="3651792" y="4157839"/>
+            <a:ext cx="1040906" cy="236841"/>
+          </a:xfrm>
+          <a:prstGeom prst="rect">
+            <a:avLst/>
+          </a:prstGeom>
+          <a:ln w="19050">
+            <a:solidFill>
+              <a:schemeClr val="accent3"/>
+            </a:solidFill>
+          </a:ln>
+          <a:effectLst/>
+        </p:spPr>
+        <p:style>
+          <a:lnRef idx="1">
+            <a:schemeClr val="accent3"/>
+          </a:lnRef>
+          <a:fillRef idx="2">
+            <a:schemeClr val="accent3"/>
+          </a:fillRef>
+          <a:effectRef idx="1">
+            <a:schemeClr val="accent3"/>
+          </a:effectRef>
+          <a:fontRef idx="minor">
+            <a:schemeClr val="dk1"/>
+          </a:fontRef>
+        </p:style>
+        <p:txBody>
+          <a:bodyPr rtlCol="0" anchor="ctr"/>
+          <a:lstStyle/>
+          <a:p>
+            <a:pPr algn="ctr"/>
+            <a:r>
+              <a:rPr lang="en-US" sz="1050" b="1" dirty="0" err="1" smtClean="0">
+                <a:solidFill>
+                  <a:schemeClr val="accent3">
+                    <a:lumMod val="75000"/>
+                  </a:schemeClr>
+                </a:solidFill>
+              </a:rPr>
+              <a:t>ShortItemCard</a:t>
+            </a:r>
+            <a:endParaRPr lang="en-SG" sz="1050" b="1" dirty="0">
+              <a:solidFill>
+                <a:schemeClr val="accent3">
+                  <a:lumMod val="75000"/>
+                </a:schemeClr>
+              </a:solidFill>
+            </a:endParaRPr>
           </a:p>
         </p:txBody>
       </p:sp>
@@ -13266,6 +13426,13 @@
   <p:clrMapOvr>
     <a:masterClrMapping/>
   </p:clrMapOvr>
+  <p:timing>
+    <p:tnLst>
+      <p:par>
+        <p:cTn id="1" dur="indefinite" restart="never" nodeType="tmRoot"/>
+      </p:par>
+    </p:tnLst>
+  </p:timing>
 </p:sld>
 </file>
 
@@ -13977,15 +14144,7 @@
                   <a:srgbClr val="7030A0"/>
                 </a:solidFill>
               </a:rPr>
-              <a:t>T</a:t>
-            </a:r>
-            <a:r>
-              <a:rPr lang="en-US" sz="1050" dirty="0" err="1" smtClean="0">
-                <a:solidFill>
-                  <a:srgbClr val="7030A0"/>
-                </a:solidFill>
-              </a:rPr>
-              <a:t>askManager</a:t>
+              <a:t>TaskManager</a:t>
             </a:r>
             <a:endParaRPr lang="en-SG" sz="1050" dirty="0">
               <a:solidFill>
@@ -16876,6 +17035,13 @@
   <p:clrMapOvr>
     <a:masterClrMapping/>
   </p:clrMapOvr>
+  <p:timing>
+    <p:tnLst>
+      <p:par>
+        <p:cTn id="1" dur="indefinite" restart="never" nodeType="tmRoot"/>
+      </p:par>
+    </p:tnLst>
+  </p:timing>
 </p:sld>
 </file>
 

--- a/docs/diagrams/Diagrams.pptx
+++ b/docs/diagrams/Diagrams.pptx
@@ -200,7 +200,7 @@
           <a:p>
             <a:fld id="{F5CC4B3F-88C1-4FFA-B1B6-F41C21DC6924}" type="datetimeFigureOut">
               <a:rPr lang="en-US" smtClean="0"/>
-              <a:t>19/10/16</a:t>
+              <a:t>20/10/16</a:t>
             </a:fld>
             <a:endParaRPr lang="en-US"/>
           </a:p>
@@ -468,6 +468,90 @@
 </p:notesMaster>
 </file>
 
+<file path=ppt/notesSlides/notesSlide1.xml><?xml version="1.0" encoding="utf-8"?>
+<p:notes xmlns:a="http://schemas.openxmlformats.org/drawingml/2006/main" xmlns:r="http://schemas.openxmlformats.org/officeDocument/2006/relationships" xmlns:p="http://schemas.openxmlformats.org/presentationml/2006/main">
+  <p:cSld>
+    <p:spTree>
+      <p:nvGrpSpPr>
+        <p:cNvPr id="1" name=""/>
+        <p:cNvGrpSpPr/>
+        <p:nvPr/>
+      </p:nvGrpSpPr>
+      <p:grpSpPr>
+        <a:xfrm>
+          <a:off x="0" y="0"/>
+          <a:ext cx="0" cy="0"/>
+          <a:chOff x="0" y="0"/>
+          <a:chExt cx="0" cy="0"/>
+        </a:xfrm>
+      </p:grpSpPr>
+      <p:sp>
+        <p:nvSpPr>
+          <p:cNvPr id="2" name="Slide Image Placeholder 1"/>
+          <p:cNvSpPr>
+            <a:spLocks noGrp="1" noRot="1" noChangeAspect="1"/>
+          </p:cNvSpPr>
+          <p:nvPr>
+            <p:ph type="sldImg"/>
+          </p:nvPr>
+        </p:nvSpPr>
+        <p:spPr/>
+      </p:sp>
+      <p:sp>
+        <p:nvSpPr>
+          <p:cNvPr id="3" name="Notes Placeholder 2"/>
+          <p:cNvSpPr>
+            <a:spLocks noGrp="1"/>
+          </p:cNvSpPr>
+          <p:nvPr>
+            <p:ph type="body" idx="1"/>
+          </p:nvPr>
+        </p:nvSpPr>
+        <p:spPr/>
+        <p:txBody>
+          <a:bodyPr/>
+          <a:lstStyle/>
+          <a:p>
+            <a:endParaRPr lang="en-US" dirty="0"/>
+          </a:p>
+        </p:txBody>
+      </p:sp>
+      <p:sp>
+        <p:nvSpPr>
+          <p:cNvPr id="4" name="Slide Number Placeholder 3"/>
+          <p:cNvSpPr>
+            <a:spLocks noGrp="1"/>
+          </p:cNvSpPr>
+          <p:nvPr>
+            <p:ph type="sldNum" sz="quarter" idx="10"/>
+          </p:nvPr>
+        </p:nvSpPr>
+        <p:spPr/>
+        <p:txBody>
+          <a:bodyPr/>
+          <a:lstStyle/>
+          <a:p>
+            <a:fld id="{5A7AB025-77E3-4BD1-A2FD-B3183DBA47A3}" type="slidenum">
+              <a:rPr lang="en-US" smtClean="0"/>
+              <a:t>7</a:t>
+            </a:fld>
+            <a:endParaRPr lang="en-US"/>
+          </a:p>
+        </p:txBody>
+      </p:sp>
+    </p:spTree>
+    <p:extLst>
+      <p:ext uri="{BB962C8B-B14F-4D97-AF65-F5344CB8AC3E}">
+        <p14:creationId xmlns:p14="http://schemas.microsoft.com/office/powerpoint/2010/main" val="3371382403"/>
+      </p:ext>
+    </p:extLst>
+  </p:cSld>
+  <p:clrMapOvr>
+    <a:masterClrMapping/>
+  </p:clrMapOvr>
+</p:notes>
+</file>
+
 <file path=ppt/slideLayouts/slideLayout1.xml><?xml version="1.0" encoding="utf-8"?>
 <p:sldLayout xmlns:a="http://schemas.openxmlformats.org/drawingml/2006/main" xmlns:r="http://schemas.openxmlformats.org/officeDocument/2006/relationships" xmlns:p="http://schemas.openxmlformats.org/presentationml/2006/main" type="title" preserve="1">
   <p:cSld name="Title Slide">
@@ -649,7 +733,7 @@
           <a:p>
             <a:fld id="{78C97017-6FC3-485B-9764-EAC9E56C1D49}" type="datetimeFigureOut">
               <a:rPr lang="en-US" smtClean="0"/>
-              <a:t>19/10/16</a:t>
+              <a:t>20/10/16</a:t>
             </a:fld>
             <a:endParaRPr lang="en-US"/>
           </a:p>
@@ -819,7 +903,7 @@
           <a:p>
             <a:fld id="{78C97017-6FC3-485B-9764-EAC9E56C1D49}" type="datetimeFigureOut">
               <a:rPr lang="en-US" smtClean="0"/>
-              <a:t>19/10/16</a:t>
+              <a:t>20/10/16</a:t>
             </a:fld>
             <a:endParaRPr lang="en-US"/>
           </a:p>
@@ -999,7 +1083,7 @@
           <a:p>
             <a:fld id="{78C97017-6FC3-485B-9764-EAC9E56C1D49}" type="datetimeFigureOut">
               <a:rPr lang="en-US" smtClean="0"/>
-              <a:t>19/10/16</a:t>
+              <a:t>20/10/16</a:t>
             </a:fld>
             <a:endParaRPr lang="en-US"/>
           </a:p>
@@ -1169,7 +1253,7 @@
           <a:p>
             <a:fld id="{78C97017-6FC3-485B-9764-EAC9E56C1D49}" type="datetimeFigureOut">
               <a:rPr lang="en-US" smtClean="0"/>
-              <a:t>19/10/16</a:t>
+              <a:t>20/10/16</a:t>
             </a:fld>
             <a:endParaRPr lang="en-US"/>
           </a:p>
@@ -1415,7 +1499,7 @@
           <a:p>
             <a:fld id="{78C97017-6FC3-485B-9764-EAC9E56C1D49}" type="datetimeFigureOut">
               <a:rPr lang="en-US" smtClean="0"/>
-              <a:t>19/10/16</a:t>
+              <a:t>20/10/16</a:t>
             </a:fld>
             <a:endParaRPr lang="en-US"/>
           </a:p>
@@ -1703,7 +1787,7 @@
           <a:p>
             <a:fld id="{78C97017-6FC3-485B-9764-EAC9E56C1D49}" type="datetimeFigureOut">
               <a:rPr lang="en-US" smtClean="0"/>
-              <a:t>19/10/16</a:t>
+              <a:t>20/10/16</a:t>
             </a:fld>
             <a:endParaRPr lang="en-US"/>
           </a:p>
@@ -2125,7 +2209,7 @@
           <a:p>
             <a:fld id="{78C97017-6FC3-485B-9764-EAC9E56C1D49}" type="datetimeFigureOut">
               <a:rPr lang="en-US" smtClean="0"/>
-              <a:t>19/10/16</a:t>
+              <a:t>20/10/16</a:t>
             </a:fld>
             <a:endParaRPr lang="en-US"/>
           </a:p>
@@ -2243,7 +2327,7 @@
           <a:p>
             <a:fld id="{78C97017-6FC3-485B-9764-EAC9E56C1D49}" type="datetimeFigureOut">
               <a:rPr lang="en-US" smtClean="0"/>
-              <a:t>19/10/16</a:t>
+              <a:t>20/10/16</a:t>
             </a:fld>
             <a:endParaRPr lang="en-US"/>
           </a:p>
@@ -2338,7 +2422,7 @@
           <a:p>
             <a:fld id="{78C97017-6FC3-485B-9764-EAC9E56C1D49}" type="datetimeFigureOut">
               <a:rPr lang="en-US" smtClean="0"/>
-              <a:t>19/10/16</a:t>
+              <a:t>20/10/16</a:t>
             </a:fld>
             <a:endParaRPr lang="en-US"/>
           </a:p>
@@ -2615,7 +2699,7 @@
           <a:p>
             <a:fld id="{78C97017-6FC3-485B-9764-EAC9E56C1D49}" type="datetimeFigureOut">
               <a:rPr lang="en-US" smtClean="0"/>
-              <a:t>19/10/16</a:t>
+              <a:t>20/10/16</a:t>
             </a:fld>
             <a:endParaRPr lang="en-US"/>
           </a:p>
@@ -2868,7 +2952,7 @@
           <a:p>
             <a:fld id="{78C97017-6FC3-485B-9764-EAC9E56C1D49}" type="datetimeFigureOut">
               <a:rPr lang="en-US" smtClean="0"/>
-              <a:t>19/10/16</a:t>
+              <a:t>20/10/16</a:t>
             </a:fld>
             <a:endParaRPr lang="en-US"/>
           </a:p>
@@ -3081,7 +3165,7 @@
           <a:p>
             <a:fld id="{78C97017-6FC3-485B-9764-EAC9E56C1D49}" type="datetimeFigureOut">
               <a:rPr lang="en-US" smtClean="0"/>
-              <a:t>19/10/16</a:t>
+              <a:t>20/10/16</a:t>
             </a:fld>
             <a:endParaRPr lang="en-US"/>
           </a:p>
@@ -5748,20 +5832,28 @@
           <a:lstStyle/>
           <a:p>
             <a:r>
-              <a:rPr lang="en-US" sz="1400" dirty="0" err="1" smtClean="0">
-                <a:solidFill>
-                  <a:srgbClr val="7030A0"/>
-                </a:solidFill>
-              </a:rPr>
-              <a:t>deletePerson</a:t>
-            </a:r>
-            <a:r>
               <a:rPr lang="en-US" sz="1400" dirty="0" smtClean="0">
                 <a:solidFill>
                   <a:srgbClr val="7030A0"/>
                 </a:solidFill>
               </a:rPr>
-              <a:t>(p)</a:t>
+              <a:t>deleteTask(</a:t>
+            </a:r>
+            <a:r>
+              <a:rPr lang="en-US" sz="1400" dirty="0">
+                <a:solidFill>
+                  <a:srgbClr val="7030A0"/>
+                </a:solidFill>
+              </a:rPr>
+              <a:t>T</a:t>
+            </a:r>
+            <a:r>
+              <a:rPr lang="en-US" sz="1400" dirty="0" smtClean="0">
+                <a:solidFill>
+                  <a:srgbClr val="7030A0"/>
+                </a:solidFill>
+              </a:rPr>
+              <a:t>)</a:t>
             </a:r>
             <a:endParaRPr lang="en-US" sz="1400" dirty="0">
               <a:solidFill>
@@ -5779,7 +5871,7 @@
         </p:nvSpPr>
         <p:spPr>
           <a:xfrm>
-            <a:off x="6074030" y="1687656"/>
+            <a:off x="6096000" y="1687656"/>
             <a:ext cx="2438400" cy="215444"/>
           </a:xfrm>
           <a:prstGeom prst="rect">
@@ -5801,7 +5893,7 @@
                   </a:schemeClr>
                 </a:solidFill>
               </a:rPr>
-              <a:t>post(</a:t>
+              <a:t>Post(</a:t>
             </a:r>
             <a:r>
               <a:rPr lang="en-US" sz="1400" dirty="0" err="1" smtClean="0">
@@ -5811,7 +5903,17 @@
                   </a:schemeClr>
                 </a:solidFill>
               </a:rPr>
-              <a:t>AddressBookChangedEvent</a:t>
+              <a:t>TaskList</a:t>
+            </a:r>
+            <a:r>
+              <a:rPr lang="en-US" sz="1400" dirty="0" err="1" smtClean="0">
+                <a:solidFill>
+                  <a:schemeClr val="accent5">
+                    <a:lumMod val="75000"/>
+                  </a:schemeClr>
+                </a:solidFill>
+              </a:rPr>
+              <a:t>ChangedEvent</a:t>
             </a:r>
             <a:r>
               <a:rPr lang="en-US" sz="1400" dirty="0" smtClean="0">
@@ -6375,7 +6477,7 @@
                   </a:schemeClr>
                 </a:solidFill>
               </a:rPr>
-              <a:t>post(</a:t>
+              <a:t>Post(</a:t>
             </a:r>
             <a:r>
               <a:rPr lang="en-US" sz="1400" dirty="0" err="1" smtClean="0">
@@ -6385,7 +6487,17 @@
                   </a:schemeClr>
                 </a:solidFill>
               </a:rPr>
-              <a:t>AddressBookChangedEvent</a:t>
+              <a:t>TaskList</a:t>
+            </a:r>
+            <a:r>
+              <a:rPr lang="en-US" sz="1400" dirty="0" err="1" smtClean="0">
+                <a:solidFill>
+                  <a:schemeClr val="accent5">
+                    <a:lumMod val="75000"/>
+                  </a:schemeClr>
+                </a:solidFill>
+              </a:rPr>
+              <a:t>ChangedEvent</a:t>
             </a:r>
             <a:r>
               <a:rPr lang="en-US" sz="1400" dirty="0" smtClean="0">
@@ -6757,7 +6869,7 @@
                   </a:schemeClr>
                 </a:solidFill>
               </a:rPr>
-              <a:t>handleAddresssBookChangedEvent</a:t>
+              <a:t>handleTaskListChangedEvent</a:t>
             </a:r>
             <a:r>
               <a:rPr lang="en-US" sz="1400" dirty="0" smtClean="0">
@@ -7068,7 +7180,7 @@
                   <a:srgbClr val="00B050"/>
                 </a:solidFill>
               </a:rPr>
-              <a:t>handleAddresssBookChangedEvent</a:t>
+              <a:t>handleTaskListChangedEvent</a:t>
             </a:r>
             <a:r>
               <a:rPr lang="en-US" sz="1400" dirty="0" smtClean="0">
@@ -7641,7 +7753,7 @@
           <a:p>
             <a:pPr algn="ctr"/>
             <a:r>
-              <a:rPr lang="en-US" sz="1050" b="1" dirty="0" err="1">
+              <a:rPr lang="en-US" sz="1050" b="1" dirty="0">
                 <a:solidFill>
                   <a:schemeClr val="accent3">
                     <a:lumMod val="75000"/>
@@ -7701,7 +7813,7 @@
           <a:p>
             <a:pPr algn="ctr"/>
             <a:r>
-              <a:rPr lang="en-US" sz="1050" b="1" dirty="0" err="1">
+              <a:rPr lang="en-US" sz="1050" b="1" dirty="0">
                 <a:solidFill>
                   <a:schemeClr val="accent3">
                     <a:lumMod val="75000"/>
@@ -7764,7 +7876,7 @@
           <a:p>
             <a:pPr algn="ctr"/>
             <a:r>
-              <a:rPr lang="en-US" sz="1050" dirty="0" err="1" smtClean="0">
+              <a:rPr lang="en-US" sz="1050" dirty="0" smtClean="0">
                 <a:solidFill>
                   <a:schemeClr val="bg1"/>
                 </a:solidFill>
@@ -8014,7 +8126,7 @@
           <a:p>
             <a:pPr algn="ctr"/>
             <a:r>
-              <a:rPr lang="en-US" sz="1050" b="1" dirty="0" err="1">
+              <a:rPr lang="en-US" sz="1050" b="1" dirty="0">
                 <a:solidFill>
                   <a:schemeClr val="accent3">
                     <a:lumMod val="75000"/>
@@ -8074,7 +8186,7 @@
           <a:p>
             <a:pPr algn="ctr"/>
             <a:r>
-              <a:rPr lang="en-US" sz="1050" b="1" dirty="0" err="1">
+              <a:rPr lang="en-US" sz="1050" b="1" dirty="0">
                 <a:solidFill>
                   <a:schemeClr val="accent3">
                     <a:lumMod val="75000"/>
@@ -8134,7 +8246,7 @@
           <a:p>
             <a:pPr algn="ctr"/>
             <a:r>
-              <a:rPr lang="en-US" sz="1050" b="1" dirty="0" err="1">
+              <a:rPr lang="en-US" sz="1050" b="1" dirty="0">
                 <a:solidFill>
                   <a:schemeClr val="accent3">
                     <a:lumMod val="75000"/>
@@ -8194,7 +8306,7 @@
           <a:p>
             <a:pPr algn="ctr"/>
             <a:r>
-              <a:rPr lang="en-US" sz="1050" b="1" dirty="0" err="1">
+              <a:rPr lang="en-US" sz="1050" b="1" dirty="0">
                 <a:solidFill>
                   <a:schemeClr val="accent3">
                     <a:lumMod val="75000"/>
@@ -8254,7 +8366,7 @@
           <a:p>
             <a:pPr algn="ctr"/>
             <a:r>
-              <a:rPr lang="en-US" sz="1050" b="1" dirty="0" err="1">
+              <a:rPr lang="en-US" sz="1050" b="1" dirty="0">
                 <a:solidFill>
                   <a:schemeClr val="accent3">
                     <a:lumMod val="75000"/>
@@ -8403,7 +8515,7 @@
           <a:p>
             <a:pPr algn="ctr"/>
             <a:r>
-              <a:rPr lang="en-US" sz="1050" b="1" dirty="0" err="1">
+              <a:rPr lang="en-US" sz="1050" b="1" dirty="0">
                 <a:solidFill>
                   <a:schemeClr val="accent3">
                     <a:lumMod val="75000"/>
@@ -8645,7 +8757,7 @@
               </a:rPr>
             </a:br>
             <a:r>
-              <a:rPr lang="en-US" sz="1050" b="1" dirty="0" err="1" smtClean="0">
+              <a:rPr lang="en-US" sz="1050" b="1" dirty="0" smtClean="0">
                 <a:solidFill>
                   <a:schemeClr val="accent3">
                     <a:lumMod val="75000"/>
@@ -8954,7 +9066,7 @@
           <a:p>
             <a:pPr algn="ctr"/>
             <a:r>
-              <a:rPr lang="en-US" sz="1050" dirty="0" err="1">
+              <a:rPr lang="en-US" sz="1050" dirty="0">
                 <a:solidFill>
                   <a:schemeClr val="bg1"/>
                 </a:solidFill>
@@ -9885,7 +9997,7 @@
           <a:p>
             <a:pPr algn="ctr"/>
             <a:r>
-              <a:rPr lang="en-US" sz="1050" dirty="0" err="1">
+              <a:rPr lang="en-US" sz="1050" dirty="0">
                 <a:solidFill>
                   <a:schemeClr val="bg1"/>
                 </a:solidFill>
@@ -9944,7 +10056,7 @@
           <a:p>
             <a:pPr algn="ctr"/>
             <a:r>
-              <a:rPr lang="en-US" sz="1050" dirty="0" err="1" smtClean="0">
+              <a:rPr lang="en-US" sz="1050" dirty="0" smtClean="0">
                 <a:solidFill>
                   <a:schemeClr val="bg1"/>
                 </a:solidFill>
@@ -11374,7 +11486,7 @@
           <a:p>
             <a:pPr algn="ctr"/>
             <a:r>
-              <a:rPr lang="en-US" sz="1050" b="1" dirty="0" err="1">
+              <a:rPr lang="en-US" sz="1050" b="1" dirty="0">
                 <a:solidFill>
                   <a:srgbClr val="0070C0"/>
                 </a:solidFill>
@@ -11430,20 +11542,12 @@
           <a:p>
             <a:pPr algn="ctr"/>
             <a:r>
-              <a:rPr lang="en-US" sz="1050" b="1" dirty="0" err="1" smtClean="0">
+              <a:rPr lang="en-US" sz="1050" b="1" dirty="0" smtClean="0">
                 <a:solidFill>
                   <a:srgbClr val="0070C0"/>
                 </a:solidFill>
               </a:rPr>
-              <a:t>Show</a:t>
-            </a:r>
-            <a:r>
-              <a:rPr lang="en-US" sz="1050" b="1" dirty="0" err="1" smtClean="0">
-                <a:solidFill>
-                  <a:srgbClr val="0070C0"/>
-                </a:solidFill>
-              </a:rPr>
-              <a:t>Command</a:t>
+              <a:t>ShowCommand</a:t>
             </a:r>
             <a:endParaRPr lang="en-SG" sz="1050" b="1" dirty="0">
               <a:solidFill>
@@ -11494,7 +11598,7 @@
           <a:p>
             <a:pPr algn="ctr"/>
             <a:r>
-              <a:rPr lang="en-US" sz="1050" b="1" dirty="0" err="1" smtClean="0">
+              <a:rPr lang="en-US" sz="1050" b="1" dirty="0" smtClean="0">
                 <a:solidFill>
                   <a:srgbClr val="0070C0"/>
                 </a:solidFill>
@@ -11621,7 +11725,7 @@
           <a:p>
             <a:pPr algn="ctr"/>
             <a:r>
-              <a:rPr lang="en-US" sz="1050" b="1" dirty="0" err="1" smtClean="0">
+              <a:rPr lang="en-US" sz="1050" b="1" dirty="0" smtClean="0">
                 <a:solidFill>
                   <a:srgbClr val="0070C0"/>
                 </a:solidFill>
@@ -11677,7 +11781,7 @@
           <a:p>
             <a:pPr algn="ctr"/>
             <a:r>
-              <a:rPr lang="en-US" sz="1050" b="1" dirty="0" err="1" smtClean="0">
+              <a:rPr lang="en-US" sz="1050" b="1" dirty="0" smtClean="0">
                 <a:solidFill>
                   <a:srgbClr val="0070C0"/>
                 </a:solidFill>
@@ -11733,7 +11837,7 @@
           <a:p>
             <a:pPr algn="ctr"/>
             <a:r>
-              <a:rPr lang="en-US" sz="1050" b="1" dirty="0" err="1" smtClean="0">
+              <a:rPr lang="en-US" sz="1050" b="1" dirty="0" smtClean="0">
                 <a:solidFill>
                   <a:srgbClr val="0070C0"/>
                 </a:solidFill>
@@ -11789,7 +11893,7 @@
           <a:p>
             <a:pPr algn="ctr"/>
             <a:r>
-              <a:rPr lang="en-US" sz="1050" b="1" dirty="0" err="1" smtClean="0">
+              <a:rPr lang="en-US" sz="1050" b="1" dirty="0" smtClean="0">
                 <a:solidFill>
                   <a:srgbClr val="0070C0"/>
                 </a:solidFill>
@@ -11845,7 +11949,7 @@
           <a:p>
             <a:pPr algn="ctr"/>
             <a:r>
-              <a:rPr lang="en-US" sz="1050" b="1" dirty="0" err="1" smtClean="0">
+              <a:rPr lang="en-US" sz="1050" b="1" dirty="0" smtClean="0">
                 <a:solidFill>
                   <a:srgbClr val="0070C0"/>
                 </a:solidFill>
@@ -11901,7 +12005,7 @@
           <a:p>
             <a:pPr algn="ctr"/>
             <a:r>
-              <a:rPr lang="en-US" sz="1050" b="1" dirty="0" err="1" smtClean="0">
+              <a:rPr lang="en-US" sz="1050" b="1" dirty="0" smtClean="0">
                 <a:solidFill>
                   <a:srgbClr val="0070C0"/>
                 </a:solidFill>
@@ -11957,7 +12061,7 @@
           <a:p>
             <a:pPr algn="ctr"/>
             <a:r>
-              <a:rPr lang="en-US" sz="1050" b="1" dirty="0" err="1" smtClean="0">
+              <a:rPr lang="en-US" sz="1050" b="1" dirty="0" smtClean="0">
                 <a:solidFill>
                   <a:srgbClr val="0070C0"/>
                 </a:solidFill>
@@ -12397,15 +12501,7 @@
                   <a:schemeClr val="bg1"/>
                 </a:solidFill>
               </a:rPr>
-              <a:t>:</a:t>
-            </a:r>
-            <a:r>
-              <a:rPr lang="en-US" sz="1600" dirty="0" err="1">
-                <a:solidFill>
-                  <a:schemeClr val="bg1"/>
-                </a:solidFill>
-              </a:rPr>
-              <a:t>LogicManager</a:t>
+              <a:t>:LogicManager</a:t>
             </a:r>
             <a:endParaRPr lang="en-SG" sz="1600" dirty="0">
               <a:solidFill>
@@ -13509,20 +13605,28 @@
           </a:lstStyle>
           <a:p>
             <a:r>
-              <a:rPr lang="en-US" dirty="0" err="1" smtClean="0">
-                <a:solidFill>
-                  <a:srgbClr val="7030A0"/>
-                </a:solidFill>
-              </a:rPr>
-              <a:t>deletePerson</a:t>
-            </a:r>
-            <a:r>
               <a:rPr lang="en-US" dirty="0" smtClean="0">
                 <a:solidFill>
                   <a:srgbClr val="7030A0"/>
                 </a:solidFill>
               </a:rPr>
-              <a:t>(p)</a:t>
+              <a:t>deleteTask(</a:t>
+            </a:r>
+            <a:r>
+              <a:rPr lang="en-US" dirty="0">
+                <a:solidFill>
+                  <a:srgbClr val="7030A0"/>
+                </a:solidFill>
+              </a:rPr>
+              <a:t>T</a:t>
+            </a:r>
+            <a:r>
+              <a:rPr lang="en-US" dirty="0" smtClean="0">
+                <a:solidFill>
+                  <a:srgbClr val="7030A0"/>
+                </a:solidFill>
+              </a:rPr>
+              <a:t>)</a:t>
             </a:r>
             <a:endParaRPr lang="en-US" dirty="0">
               <a:solidFill>
@@ -13755,7 +13859,7 @@
               </a:rPr>
             </a:br>
             <a:r>
-              <a:rPr lang="en-US" sz="1600" dirty="0" err="1" smtClean="0">
+              <a:rPr lang="en-US" sz="1600" dirty="0" smtClean="0">
                 <a:solidFill>
                   <a:schemeClr val="bg1"/>
                 </a:solidFill>
@@ -13970,8 +14074,8 @@
         </p:nvSpPr>
         <p:spPr>
           <a:xfrm>
-            <a:off x="1119865" y="1727200"/>
-            <a:ext cx="7490735" cy="2997200"/>
+            <a:off x="228600" y="914400"/>
+            <a:ext cx="8894902" cy="3810000"/>
           </a:xfrm>
           <a:prstGeom prst="roundRect">
             <a:avLst>
@@ -14031,8 +14135,8 @@
         </p:nvSpPr>
         <p:spPr>
           <a:xfrm>
-            <a:off x="2877180" y="3158440"/>
-            <a:ext cx="1093635" cy="346760"/>
+            <a:off x="2335827" y="2733773"/>
+            <a:ext cx="1298641" cy="440797"/>
           </a:xfrm>
           <a:prstGeom prst="rect">
             <a:avLst/>
@@ -14067,7 +14171,7 @@
           <a:p>
             <a:pPr algn="ctr"/>
             <a:r>
-              <a:rPr lang="en-US" sz="1050" dirty="0" err="1" smtClean="0">
+              <a:rPr lang="en-US" sz="1050" dirty="0" smtClean="0">
                 <a:solidFill>
                   <a:schemeClr val="bg1"/>
                 </a:solidFill>
@@ -14090,8 +14194,8 @@
         </p:nvSpPr>
         <p:spPr>
           <a:xfrm rot="16200000">
-            <a:off x="1683963" y="2868687"/>
-            <a:ext cx="1093635" cy="346760"/>
+            <a:off x="873151" y="2379960"/>
+            <a:ext cx="1390214" cy="411761"/>
           </a:xfrm>
           <a:prstGeom prst="rect">
             <a:avLst/>
@@ -14126,7 +14230,7 @@
           <a:p>
             <a:pPr algn="ctr"/>
             <a:r>
-              <a:rPr lang="en-US" sz="1050" dirty="0" err="1" smtClean="0">
+              <a:rPr lang="en-US" sz="1050" dirty="0" smtClean="0">
                 <a:solidFill>
                   <a:schemeClr val="bg1"/>
                 </a:solidFill>
@@ -14152,8 +14256,8 @@
         </p:nvCxnSpPr>
         <p:spPr>
           <a:xfrm flipV="1">
-            <a:off x="6477000" y="3204826"/>
-            <a:ext cx="190770" cy="405819"/>
+            <a:off x="6610447" y="2792738"/>
+            <a:ext cx="226531" cy="515872"/>
           </a:xfrm>
           <a:prstGeom prst="bentConnector2">
             <a:avLst/>
@@ -14193,8 +14297,8 @@
         </p:nvCxnSpPr>
         <p:spPr>
           <a:xfrm rot="5400000" flipH="1" flipV="1">
-            <a:off x="4360065" y="1080909"/>
-            <a:ext cx="378691" cy="4637261"/>
+            <a:off x="4080830" y="286989"/>
+            <a:ext cx="481387" cy="5506533"/>
           </a:xfrm>
           <a:prstGeom prst="bentConnector4">
             <a:avLst>
@@ -14235,8 +14339,8 @@
         </p:nvSpPr>
         <p:spPr>
           <a:xfrm rot="16200000">
-            <a:off x="956202" y="2861202"/>
-            <a:ext cx="1093635" cy="346760"/>
+            <a:off x="8968" y="2370446"/>
+            <a:ext cx="1390214" cy="411761"/>
           </a:xfrm>
           <a:prstGeom prst="rect">
             <a:avLst/>
@@ -14305,8 +14409,8 @@
         </p:nvSpPr>
         <p:spPr>
           <a:xfrm rot="16200000">
-            <a:off x="1626910" y="2952291"/>
-            <a:ext cx="270504" cy="175523"/>
+            <a:off x="839864" y="2479068"/>
+            <a:ext cx="343861" cy="208425"/>
           </a:xfrm>
           <a:prstGeom prst="triangle">
             <a:avLst/>
@@ -14355,8 +14459,8 @@
         </p:nvCxnSpPr>
         <p:spPr>
           <a:xfrm flipV="1">
-            <a:off x="6667770" y="2632344"/>
-            <a:ext cx="1612" cy="225722"/>
+            <a:off x="6836978" y="2065007"/>
+            <a:ext cx="1914" cy="286935"/>
           </a:xfrm>
           <a:prstGeom prst="straightConnector1">
             <a:avLst/>
@@ -14397,8 +14501,8 @@
         </p:nvCxnSpPr>
         <p:spPr>
           <a:xfrm>
-            <a:off x="2656370" y="3326536"/>
-            <a:ext cx="220810" cy="5284"/>
+            <a:off x="2073626" y="2947454"/>
+            <a:ext cx="262202" cy="6717"/>
           </a:xfrm>
           <a:prstGeom prst="straightConnector1">
             <a:avLst/>
@@ -14435,8 +14539,8 @@
         </p:nvSpPr>
         <p:spPr>
           <a:xfrm rot="5400000" flipV="1">
-            <a:off x="6253986" y="3522883"/>
-            <a:ext cx="270504" cy="175523"/>
+            <a:off x="6334304" y="3204396"/>
+            <a:ext cx="343861" cy="208425"/>
           </a:xfrm>
           <a:prstGeom prst="triangle">
             <a:avLst/>
@@ -14486,8 +14590,8 @@
         </p:nvCxnSpPr>
         <p:spPr>
           <a:xfrm>
-            <a:off x="910091" y="3040053"/>
-            <a:ext cx="419548" cy="2860"/>
+            <a:off x="0" y="2583281"/>
+            <a:ext cx="498194" cy="3636"/>
           </a:xfrm>
           <a:prstGeom prst="bentConnector3">
             <a:avLst>
@@ -14531,8 +14635,8 @@
         </p:nvCxnSpPr>
         <p:spPr>
           <a:xfrm flipV="1">
-            <a:off x="1849924" y="3040052"/>
-            <a:ext cx="216105" cy="1"/>
+            <a:off x="1116008" y="2583280"/>
+            <a:ext cx="256615" cy="1"/>
           </a:xfrm>
           <a:prstGeom prst="line">
             <a:avLst/>
@@ -14570,8 +14674,8 @@
         </p:nvSpPr>
         <p:spPr>
           <a:xfrm>
-            <a:off x="2420322" y="3239846"/>
-            <a:ext cx="236048" cy="173380"/>
+            <a:off x="1793330" y="2837255"/>
+            <a:ext cx="280296" cy="220398"/>
           </a:xfrm>
           <a:prstGeom prst="flowChartDecision">
             <a:avLst/>
@@ -14615,8 +14719,8 @@
         </p:nvSpPr>
         <p:spPr>
           <a:xfrm>
-            <a:off x="2879490" y="2627420"/>
-            <a:ext cx="1093635" cy="346760"/>
+            <a:off x="2338570" y="2058747"/>
+            <a:ext cx="1298641" cy="440797"/>
           </a:xfrm>
           <a:prstGeom prst="rect">
             <a:avLst/>
@@ -14648,7 +14752,7 @@
           <a:p>
             <a:pPr algn="ctr"/>
             <a:r>
-              <a:rPr lang="en-US" sz="1050" dirty="0" err="1" smtClean="0">
+              <a:rPr lang="en-US" sz="1050" dirty="0" smtClean="0">
                 <a:solidFill>
                   <a:srgbClr val="7030A0"/>
                 </a:solidFill>
@@ -14674,8 +14778,8 @@
         </p:nvCxnSpPr>
         <p:spPr>
           <a:xfrm>
-            <a:off x="2658680" y="2795516"/>
-            <a:ext cx="220810" cy="5284"/>
+            <a:off x="2076369" y="2272429"/>
+            <a:ext cx="262202" cy="6717"/>
           </a:xfrm>
           <a:prstGeom prst="straightConnector1">
             <a:avLst/>
@@ -14712,8 +14816,8 @@
         </p:nvSpPr>
         <p:spPr>
           <a:xfrm>
-            <a:off x="2422632" y="2708826"/>
-            <a:ext cx="236048" cy="173380"/>
+            <a:off x="1796073" y="2162230"/>
+            <a:ext cx="280296" cy="220398"/>
           </a:xfrm>
           <a:prstGeom prst="flowChartDecision">
             <a:avLst/>
@@ -14757,8 +14861,8 @@
         </p:nvSpPr>
         <p:spPr>
           <a:xfrm>
-            <a:off x="4487017" y="2847371"/>
-            <a:ext cx="1156969" cy="346760"/>
+            <a:off x="4247435" y="2338346"/>
+            <a:ext cx="1373847" cy="440797"/>
           </a:xfrm>
           <a:prstGeom prst="rect">
             <a:avLst/>
@@ -14790,7 +14894,7 @@
           <a:p>
             <a:pPr algn="ctr"/>
             <a:r>
-              <a:rPr lang="en-US" sz="1050" dirty="0" err="1" smtClean="0">
+              <a:rPr lang="en-US" sz="1050" dirty="0" smtClean="0">
                 <a:solidFill>
                   <a:srgbClr val="7030A0"/>
                 </a:solidFill>
@@ -14813,8 +14917,8 @@
         </p:nvSpPr>
         <p:spPr>
           <a:xfrm>
-            <a:off x="3984303" y="2673991"/>
-            <a:ext cx="236048" cy="173380"/>
+            <a:off x="3650485" y="2117948"/>
+            <a:ext cx="280296" cy="220398"/>
           </a:xfrm>
           <a:prstGeom prst="flowChartDecision">
             <a:avLst/>
@@ -14863,8 +14967,8 @@
         </p:nvCxnSpPr>
         <p:spPr>
           <a:xfrm>
-            <a:off x="4220351" y="2760681"/>
-            <a:ext cx="266666" cy="260070"/>
+            <a:off x="3930781" y="2228147"/>
+            <a:ext cx="316654" cy="330597"/>
           </a:xfrm>
           <a:prstGeom prst="bentConnector3">
             <a:avLst/>
@@ -14901,8 +15005,8 @@
         </p:nvSpPr>
         <p:spPr>
           <a:xfrm>
-            <a:off x="4503204" y="2280569"/>
-            <a:ext cx="1156969" cy="346760"/>
+            <a:off x="4266656" y="1617835"/>
+            <a:ext cx="1373847" cy="440797"/>
           </a:xfrm>
           <a:prstGeom prst="rect">
             <a:avLst/>
@@ -14934,7 +15038,7 @@
           <a:p>
             <a:pPr algn="ctr"/>
             <a:r>
-              <a:rPr lang="en-US" sz="1050" dirty="0" err="1" smtClean="0">
+              <a:rPr lang="en-US" sz="1050" dirty="0" smtClean="0">
                 <a:solidFill>
                   <a:srgbClr val="7030A0"/>
                 </a:solidFill>
@@ -14960,8 +15064,8 @@
         </p:nvCxnSpPr>
         <p:spPr>
           <a:xfrm flipV="1">
-            <a:off x="4220351" y="2453949"/>
-            <a:ext cx="282853" cy="306732"/>
+            <a:off x="3930781" y="1838233"/>
+            <a:ext cx="335875" cy="389914"/>
           </a:xfrm>
           <a:prstGeom prst="bentConnector3">
             <a:avLst>
@@ -15000,8 +15104,8 @@
         </p:nvSpPr>
         <p:spPr>
           <a:xfrm>
-            <a:off x="6313677" y="2858066"/>
-            <a:ext cx="708186" cy="346760"/>
+            <a:off x="6416509" y="2351942"/>
+            <a:ext cx="840938" cy="440797"/>
           </a:xfrm>
           <a:prstGeom prst="rect">
             <a:avLst/>
@@ -15056,8 +15160,8 @@
         </p:nvSpPr>
         <p:spPr>
           <a:xfrm>
-            <a:off x="5643227" y="2943979"/>
-            <a:ext cx="236048" cy="173380"/>
+            <a:off x="5620381" y="2461153"/>
+            <a:ext cx="280296" cy="220398"/>
           </a:xfrm>
           <a:prstGeom prst="flowChartDecision">
             <a:avLst/>
@@ -15104,8 +15208,8 @@
         </p:nvCxnSpPr>
         <p:spPr>
           <a:xfrm>
-            <a:off x="5879275" y="3030669"/>
-            <a:ext cx="434402" cy="777"/>
+            <a:off x="5900677" y="2571352"/>
+            <a:ext cx="515832" cy="988"/>
           </a:xfrm>
           <a:prstGeom prst="bentConnector3">
             <a:avLst/>
@@ -15142,8 +15246,8 @@
         </p:nvSpPr>
         <p:spPr>
           <a:xfrm>
-            <a:off x="6315289" y="2285584"/>
-            <a:ext cx="708186" cy="346760"/>
+            <a:off x="6418423" y="1624210"/>
+            <a:ext cx="840938" cy="440797"/>
           </a:xfrm>
           <a:prstGeom prst="rect">
             <a:avLst/>
@@ -15198,8 +15302,8 @@
         </p:nvSpPr>
         <p:spPr>
           <a:xfrm>
-            <a:off x="5672547" y="2371497"/>
-            <a:ext cx="236048" cy="173380"/>
+            <a:off x="5655197" y="1733422"/>
+            <a:ext cx="280296" cy="220398"/>
           </a:xfrm>
           <a:prstGeom prst="flowChartDecision">
             <a:avLst/>
@@ -15246,8 +15350,8 @@
         </p:nvCxnSpPr>
         <p:spPr>
           <a:xfrm>
-            <a:off x="5908595" y="2458187"/>
-            <a:ext cx="406694" cy="777"/>
+            <a:off x="5935493" y="1843621"/>
+            <a:ext cx="482930" cy="988"/>
           </a:xfrm>
           <a:prstGeom prst="bentConnector3">
             <a:avLst/>
@@ -15284,8 +15388,8 @@
         </p:nvSpPr>
         <p:spPr>
           <a:xfrm>
-            <a:off x="5128257" y="3429000"/>
-            <a:ext cx="1156969" cy="346760"/>
+            <a:off x="5008877" y="3077705"/>
+            <a:ext cx="1373847" cy="440797"/>
           </a:xfrm>
           <a:prstGeom prst="rect">
             <a:avLst/>
@@ -15332,7 +15436,7 @@
               </a:rPr>
             </a:br>
             <a:r>
-              <a:rPr lang="en-US" sz="1050" dirty="0" err="1" smtClean="0">
+              <a:rPr lang="en-US" sz="1050" dirty="0" smtClean="0">
                 <a:solidFill>
                   <a:srgbClr val="7030A0"/>
                 </a:solidFill>
@@ -15355,8 +15459,8 @@
         </p:nvSpPr>
         <p:spPr>
           <a:xfrm>
-            <a:off x="7712397" y="2564238"/>
-            <a:ext cx="708186" cy="285783"/>
+            <a:off x="8077424" y="1978431"/>
+            <a:ext cx="840938" cy="363283"/>
           </a:xfrm>
           <a:prstGeom prst="rect">
             <a:avLst/>
@@ -15388,7 +15492,7 @@
           <a:p>
             <a:pPr algn="ctr"/>
             <a:r>
-              <a:rPr lang="en-US" sz="1050" dirty="0" err="1" smtClean="0">
+              <a:rPr lang="en-US" sz="1050" dirty="0" smtClean="0">
                 <a:solidFill>
                   <a:srgbClr val="7030A0"/>
                 </a:solidFill>
@@ -15411,8 +15515,8 @@
         </p:nvSpPr>
         <p:spPr>
           <a:xfrm>
-            <a:off x="7041947" y="2948201"/>
-            <a:ext cx="236048" cy="173380"/>
+            <a:off x="7281296" y="2466520"/>
+            <a:ext cx="280296" cy="220398"/>
           </a:xfrm>
           <a:prstGeom prst="flowChartDecision">
             <a:avLst/>
@@ -15461,8 +15565,8 @@
         </p:nvCxnSpPr>
         <p:spPr>
           <a:xfrm flipV="1">
-            <a:off x="7277995" y="2707130"/>
-            <a:ext cx="434402" cy="327761"/>
+            <a:off x="7561592" y="2160074"/>
+            <a:ext cx="515832" cy="416645"/>
           </a:xfrm>
           <a:prstGeom prst="bentConnector3">
             <a:avLst/>
@@ -15499,8 +15603,8 @@
         </p:nvSpPr>
         <p:spPr>
           <a:xfrm>
-            <a:off x="7712397" y="2887216"/>
-            <a:ext cx="708186" cy="285783"/>
+            <a:off x="8077424" y="2388997"/>
+            <a:ext cx="840938" cy="363283"/>
           </a:xfrm>
           <a:prstGeom prst="rect">
             <a:avLst/>
@@ -15532,7 +15636,7 @@
           <a:p>
             <a:pPr algn="ctr"/>
             <a:r>
-              <a:rPr lang="en-US" sz="1050" dirty="0" err="1" smtClean="0">
+              <a:rPr lang="en-US" sz="1050" dirty="0" smtClean="0">
                 <a:solidFill>
                   <a:srgbClr val="7030A0"/>
                 </a:solidFill>
@@ -15558,8 +15662,8 @@
         </p:nvCxnSpPr>
         <p:spPr>
           <a:xfrm flipV="1">
-            <a:off x="7277995" y="3030108"/>
-            <a:ext cx="434402" cy="4783"/>
+            <a:off x="7561592" y="2570639"/>
+            <a:ext cx="515832" cy="6080"/>
           </a:xfrm>
           <a:prstGeom prst="bentConnector3">
             <a:avLst/>
@@ -15596,8 +15700,8 @@
         </p:nvSpPr>
         <p:spPr>
           <a:xfrm>
-            <a:off x="7712397" y="3210194"/>
-            <a:ext cx="708186" cy="285783"/>
+            <a:off x="8077424" y="2799562"/>
+            <a:ext cx="840938" cy="363283"/>
           </a:xfrm>
           <a:prstGeom prst="rect">
             <a:avLst/>
@@ -15629,7 +15733,7 @@
           <a:p>
             <a:pPr algn="ctr"/>
             <a:r>
-              <a:rPr lang="en-US" sz="1050" dirty="0" err="1" smtClean="0">
+              <a:rPr lang="en-US" sz="1050" dirty="0" smtClean="0">
                 <a:solidFill>
                   <a:srgbClr val="7030A0"/>
                 </a:solidFill>
@@ -15655,8 +15759,8 @@
         </p:nvCxnSpPr>
         <p:spPr>
           <a:xfrm>
-            <a:off x="7277995" y="3034891"/>
-            <a:ext cx="434402" cy="318195"/>
+            <a:off x="7561592" y="2576719"/>
+            <a:ext cx="515832" cy="404485"/>
           </a:xfrm>
           <a:prstGeom prst="bentConnector3">
             <a:avLst/>
@@ -15693,8 +15797,8 @@
         </p:nvSpPr>
         <p:spPr>
           <a:xfrm>
-            <a:off x="7712397" y="3533171"/>
-            <a:ext cx="708186" cy="285783"/>
+            <a:off x="8077424" y="3210126"/>
+            <a:ext cx="840938" cy="363283"/>
           </a:xfrm>
           <a:prstGeom prst="rect">
             <a:avLst/>
@@ -15726,7 +15830,7 @@
           <a:p>
             <a:pPr algn="ctr"/>
             <a:r>
-              <a:rPr lang="en-US" sz="1050" dirty="0" err="1" smtClean="0">
+              <a:rPr lang="en-US" sz="1050" dirty="0" smtClean="0">
                 <a:solidFill>
                   <a:srgbClr val="7030A0"/>
                 </a:solidFill>
@@ -15752,8 +15856,8 @@
         </p:nvCxnSpPr>
         <p:spPr>
           <a:xfrm>
-            <a:off x="7277995" y="3034891"/>
-            <a:ext cx="434402" cy="641172"/>
+            <a:off x="7561592" y="2576719"/>
+            <a:ext cx="515832" cy="815049"/>
           </a:xfrm>
           <a:prstGeom prst="bentConnector3">
             <a:avLst/>
@@ -15792,8 +15896,8 @@
         </p:nvCxnSpPr>
         <p:spPr>
           <a:xfrm rot="16200000" flipH="1">
-            <a:off x="3279321" y="2485431"/>
-            <a:ext cx="293825" cy="1"/>
+            <a:off x="2801050" y="1878253"/>
+            <a:ext cx="373506" cy="1"/>
           </a:xfrm>
           <a:prstGeom prst="bentConnector3">
             <a:avLst>
@@ -15833,8 +15937,8 @@
         </p:nvSpPr>
         <p:spPr>
           <a:xfrm rot="10800000" flipV="1">
-            <a:off x="3290981" y="2162997"/>
-            <a:ext cx="270504" cy="175523"/>
+            <a:off x="2827197" y="1468379"/>
+            <a:ext cx="321211" cy="223122"/>
           </a:xfrm>
           <a:prstGeom prst="triangle">
             <a:avLst/>
@@ -15881,8 +15985,8 @@
         </p:nvSpPr>
         <p:spPr>
           <a:xfrm>
-            <a:off x="2660303" y="1806470"/>
-            <a:ext cx="1539926" cy="346760"/>
+            <a:off x="2078296" y="1015167"/>
+            <a:ext cx="1828591" cy="440797"/>
           </a:xfrm>
           <a:prstGeom prst="rect">
             <a:avLst/>
@@ -15929,7 +16033,7 @@
               </a:rPr>
             </a:br>
             <a:r>
-              <a:rPr lang="en-US" sz="1050" dirty="0" err="1" smtClean="0">
+              <a:rPr lang="en-US" sz="1050" dirty="0" smtClean="0">
                 <a:solidFill>
                   <a:srgbClr val="7030A0"/>
                 </a:solidFill>
@@ -15952,8 +16056,8 @@
         </p:nvSpPr>
         <p:spPr>
           <a:xfrm rot="16200000">
-            <a:off x="6581354" y="3514530"/>
-            <a:ext cx="881018" cy="261610"/>
+            <a:off x="6697478" y="3197382"/>
+            <a:ext cx="1119938" cy="310650"/>
           </a:xfrm>
           <a:prstGeom prst="rect">
             <a:avLst/>
@@ -15991,8 +16095,8 @@
         </p:nvSpPr>
         <p:spPr>
           <a:xfrm>
-            <a:off x="2057400" y="4239491"/>
-            <a:ext cx="1775949" cy="346760"/>
+            <a:off x="1362376" y="4107990"/>
+            <a:ext cx="2108857" cy="440797"/>
           </a:xfrm>
           <a:prstGeom prst="rect">
             <a:avLst/>
@@ -16047,7 +16151,7 @@
               </a:rPr>
             </a:br>
             <a:r>
-              <a:rPr lang="en-US" sz="1050" dirty="0" err="1" smtClean="0">
+              <a:rPr lang="en-US" sz="1050" dirty="0" smtClean="0">
                 <a:solidFill>
                   <a:srgbClr val="7030A0"/>
                 </a:solidFill>
@@ -16073,8 +16177,8 @@
         </p:nvCxnSpPr>
         <p:spPr>
           <a:xfrm rot="16200000" flipH="1">
-            <a:off x="1364475" y="3719945"/>
-            <a:ext cx="831471" cy="554380"/>
+            <a:off x="504749" y="3470760"/>
+            <a:ext cx="1056955" cy="658301"/>
           </a:xfrm>
           <a:prstGeom prst="bentConnector2">
             <a:avLst/>
@@ -16112,8 +16216,8 @@
         </p:nvCxnSpPr>
         <p:spPr>
           <a:xfrm>
-            <a:off x="7467600" y="4038600"/>
-            <a:ext cx="228600" cy="0"/>
+            <a:off x="7805748" y="3852620"/>
+            <a:ext cx="271452" cy="0"/>
           </a:xfrm>
           <a:prstGeom prst="straightConnector1">
             <a:avLst/>
@@ -16150,8 +16254,8 @@
         </p:nvSpPr>
         <p:spPr>
           <a:xfrm>
-            <a:off x="7696200" y="3886200"/>
-            <a:ext cx="708186" cy="285783"/>
+            <a:off x="8058191" y="3658892"/>
+            <a:ext cx="840938" cy="363283"/>
           </a:xfrm>
           <a:prstGeom prst="rect">
             <a:avLst/>
@@ -16206,8 +16310,8 @@
         </p:nvCxnSpPr>
         <p:spPr>
           <a:xfrm>
-            <a:off x="7467600" y="3581400"/>
-            <a:ext cx="0" cy="457200"/>
+            <a:off x="7848600" y="3276600"/>
+            <a:ext cx="0" cy="581186"/>
           </a:xfrm>
           <a:prstGeom prst="straightConnector1">
             <a:avLst/>
@@ -16233,6 +16337,173 @@
           </a:effectRef>
           <a:fontRef idx="minor">
             <a:schemeClr val="dk1"/>
+          </a:fontRef>
+        </p:style>
+      </p:cxnSp>
+      <p:sp>
+        <p:nvSpPr>
+          <p:cNvPr id="50" name="Rectangle 8"/>
+          <p:cNvSpPr/>
+          <p:nvPr/>
+        </p:nvSpPr>
+        <p:spPr>
+          <a:xfrm>
+            <a:off x="4749143" y="4038600"/>
+            <a:ext cx="2108857" cy="440797"/>
+          </a:xfrm>
+          <a:prstGeom prst="rect">
+            <a:avLst/>
+          </a:prstGeom>
+          <a:ln w="19050">
+            <a:solidFill>
+              <a:srgbClr val="7030A0"/>
+            </a:solidFill>
+          </a:ln>
+          <a:effectLst/>
+        </p:spPr>
+        <p:style>
+          <a:lnRef idx="1">
+            <a:schemeClr val="accent4"/>
+          </a:lnRef>
+          <a:fillRef idx="2">
+            <a:schemeClr val="accent4"/>
+          </a:fillRef>
+          <a:effectRef idx="1">
+            <a:schemeClr val="accent4"/>
+          </a:effectRef>
+          <a:fontRef idx="minor">
+            <a:schemeClr val="dk1"/>
+          </a:fontRef>
+        </p:style>
+        <p:txBody>
+          <a:bodyPr rtlCol="0" anchor="ctr"/>
+          <a:lstStyle/>
+          <a:p>
+            <a:pPr algn="ctr"/>
+            <a:r>
+              <a:rPr lang="en-US" sz="1050" dirty="0" smtClean="0">
+                <a:solidFill>
+                  <a:srgbClr val="7030A0"/>
+                </a:solidFill>
+              </a:rPr>
+              <a:t>TimePreparser</a:t>
+            </a:r>
+            <a:endParaRPr lang="en-SG" sz="1050" dirty="0">
+              <a:solidFill>
+                <a:srgbClr val="7030A0"/>
+              </a:solidFill>
+            </a:endParaRPr>
+          </a:p>
+        </p:txBody>
+      </p:sp>
+      <p:cxnSp>
+        <p:nvCxnSpPr>
+          <p:cNvPr id="52" name="Elbow Connector 51"/>
+          <p:cNvCxnSpPr/>
+          <p:nvPr/>
+        </p:nvCxnSpPr>
+        <p:spPr>
+          <a:xfrm rot="16200000" flipH="1">
+            <a:off x="8115300" y="3314700"/>
+            <a:ext cx="1752600" cy="152400"/>
+          </a:xfrm>
+          <a:prstGeom prst="bentConnector3">
+            <a:avLst>
+              <a:gd name="adj1" fmla="val -32"/>
+            </a:avLst>
+          </a:prstGeom>
+          <a:ln w="19050">
+            <a:solidFill>
+              <a:srgbClr val="7030A0"/>
+            </a:solidFill>
+            <a:headEnd type="none" w="med" len="med"/>
+            <a:tailEnd type="none" w="med" len="med"/>
+          </a:ln>
+          <a:effectLst/>
+          <a:scene3d>
+            <a:camera prst="orthographicFront">
+              <a:rot lat="0" lon="0" rev="0"/>
+            </a:camera>
+            <a:lightRig rig="threePt" dir="t"/>
+          </a:scene3d>
+        </p:spPr>
+        <p:style>
+          <a:lnRef idx="1">
+            <a:schemeClr val="accent2"/>
+          </a:lnRef>
+          <a:fillRef idx="2">
+            <a:schemeClr val="accent2"/>
+          </a:fillRef>
+          <a:effectRef idx="1">
+            <a:schemeClr val="accent2"/>
+          </a:effectRef>
+          <a:fontRef idx="minor">
+            <a:schemeClr val="dk1"/>
+          </a:fontRef>
+        </p:style>
+      </p:cxnSp>
+      <p:cxnSp>
+        <p:nvCxnSpPr>
+          <p:cNvPr id="12" name="Straight Connector 11"/>
+          <p:cNvCxnSpPr>
+            <a:stCxn id="83" idx="3"/>
+          </p:cNvCxnSpPr>
+          <p:nvPr/>
+        </p:nvCxnSpPr>
+        <p:spPr>
+          <a:xfrm>
+            <a:off x="8918362" y="2981204"/>
+            <a:ext cx="149438" cy="66796"/>
+          </a:xfrm>
+          <a:prstGeom prst="line">
+            <a:avLst/>
+          </a:prstGeom>
+        </p:spPr>
+        <p:style>
+          <a:lnRef idx="2">
+            <a:schemeClr val="accent4"/>
+          </a:lnRef>
+          <a:fillRef idx="0">
+            <a:schemeClr val="accent4"/>
+          </a:fillRef>
+          <a:effectRef idx="1">
+            <a:schemeClr val="accent4"/>
+          </a:effectRef>
+          <a:fontRef idx="minor">
+            <a:schemeClr val="tx1"/>
+          </a:fontRef>
+        </p:style>
+      </p:cxnSp>
+      <p:cxnSp>
+        <p:nvCxnSpPr>
+          <p:cNvPr id="29" name="Straight Arrow Connector 28"/>
+          <p:cNvCxnSpPr/>
+          <p:nvPr/>
+        </p:nvCxnSpPr>
+        <p:spPr>
+          <a:xfrm flipH="1">
+            <a:off x="6858000" y="4267200"/>
+            <a:ext cx="2209800" cy="0"/>
+          </a:xfrm>
+          <a:prstGeom prst="straightConnector1">
+            <a:avLst/>
+          </a:prstGeom>
+          <a:ln>
+            <a:tailEnd type="arrow"/>
+          </a:ln>
+        </p:spPr>
+        <p:style>
+          <a:lnRef idx="2">
+            <a:schemeClr val="accent4"/>
+          </a:lnRef>
+          <a:fillRef idx="0">
+            <a:schemeClr val="accent4"/>
+          </a:fillRef>
+          <a:effectRef idx="1">
+            <a:schemeClr val="accent4"/>
+          </a:effectRef>
+          <a:fontRef idx="minor">
+            <a:schemeClr val="tx1"/>
           </a:fontRef>
         </p:style>
       </p:cxnSp>
@@ -16401,7 +16672,7 @@
               </a:rPr>
             </a:br>
             <a:r>
-              <a:rPr lang="en-US" sz="1050" dirty="0" err="1" smtClean="0">
+              <a:rPr lang="en-US" sz="1050" dirty="0" smtClean="0">
                 <a:solidFill>
                   <a:schemeClr val="bg1"/>
                 </a:solidFill>
@@ -16464,7 +16735,7 @@
           <a:p>
             <a:pPr algn="ctr"/>
             <a:r>
-              <a:rPr lang="en-US" sz="1050" dirty="0" err="1" smtClean="0">
+              <a:rPr lang="en-US" sz="1050" dirty="0" smtClean="0">
                 <a:solidFill>
                   <a:schemeClr val="bg1"/>
                 </a:solidFill>
@@ -16780,7 +17051,7 @@
           <a:lstStyle/>
           <a:p>
             <a:pPr algn="ctr"/>
-            <a:endParaRPr lang="en-US" sz="1050">
+            <a:endParaRPr lang="en-US" sz="1050" dirty="0">
               <a:solidFill>
                 <a:schemeClr val="bg1"/>
               </a:solidFill>
@@ -16972,7 +17243,7 @@
           <a:p>
             <a:pPr algn="ctr"/>
             <a:r>
-              <a:rPr lang="en-US" sz="1050" b="1" dirty="0" err="1" smtClean="0">
+              <a:rPr lang="en-US" sz="1050" b="1" dirty="0" smtClean="0">
                 <a:solidFill>
                   <a:schemeClr val="accent6">
                     <a:lumMod val="75000"/>
@@ -16980,16 +17251,6 @@
                 </a:solidFill>
               </a:rPr>
               <a:t>TaskListStorage</a:t>
-            </a:r>
-            <a:r>
-              <a:rPr lang="en-US" sz="1050" b="1" dirty="0" smtClean="0">
-                <a:solidFill>
-                  <a:schemeClr val="accent6">
-                    <a:lumMod val="75000"/>
-                  </a:schemeClr>
-                </a:solidFill>
-              </a:rPr>
-              <a:t/>
             </a:r>
             <a:br>
               <a:rPr lang="en-US" sz="1050" b="1" dirty="0" smtClean="0">
@@ -17083,7 +17344,7 @@
               </a:rPr>
             </a:br>
             <a:r>
-              <a:rPr lang="en-US" sz="1050" dirty="0" err="1" smtClean="0">
+              <a:rPr lang="en-US" sz="1050" dirty="0" smtClean="0">
                 <a:solidFill>
                   <a:schemeClr val="bg1"/>
                 </a:solidFill>
@@ -17341,20 +17602,12 @@
           <a:p>
             <a:pPr algn="ctr"/>
             <a:r>
-              <a:rPr lang="en-US" sz="1050" dirty="0" err="1" smtClean="0">
+              <a:rPr lang="en-US" sz="1050" dirty="0" smtClean="0">
                 <a:solidFill>
                   <a:schemeClr val="bg1"/>
                 </a:solidFill>
               </a:rPr>
               <a:t>JsonUserPrefs</a:t>
-            </a:r>
-            <a:r>
-              <a:rPr lang="en-US" sz="1050" dirty="0" smtClean="0">
-                <a:solidFill>
-                  <a:schemeClr val="bg1"/>
-                </a:solidFill>
-              </a:rPr>
-              <a:t/>
             </a:r>
             <a:br>
               <a:rPr lang="en-US" sz="1050" dirty="0" smtClean="0">
@@ -17416,7 +17669,7 @@
           <a:p>
             <a:pPr algn="ctr"/>
             <a:r>
-              <a:rPr lang="en-US" sz="1050" b="1" dirty="0" err="1" smtClean="0">
+              <a:rPr lang="en-US" sz="1050" b="1" dirty="0" smtClean="0">
                 <a:solidFill>
                   <a:schemeClr val="accent6">
                     <a:lumMod val="75000"/>
@@ -17424,16 +17677,6 @@
                 </a:solidFill>
               </a:rPr>
               <a:t>XmlSerializable</a:t>
-            </a:r>
-            <a:r>
-              <a:rPr lang="en-US" sz="1050" b="1" dirty="0" smtClean="0">
-                <a:solidFill>
-                  <a:schemeClr val="accent6">
-                    <a:lumMod val="75000"/>
-                  </a:schemeClr>
-                </a:solidFill>
-              </a:rPr>
-              <a:t/>
             </a:r>
             <a:br>
               <a:rPr lang="en-US" sz="1050" b="1" dirty="0" smtClean="0">
@@ -17445,7 +17688,7 @@
               </a:rPr>
             </a:br>
             <a:r>
-              <a:rPr lang="en-US" sz="1050" b="1" dirty="0" err="1" smtClean="0">
+              <a:rPr lang="en-US" sz="1050" b="1" dirty="0" smtClean="0">
                 <a:solidFill>
                   <a:schemeClr val="accent6">
                     <a:lumMod val="75000"/>
@@ -17542,7 +17785,7 @@
           <a:p>
             <a:pPr algn="ctr"/>
             <a:r>
-              <a:rPr lang="en-US" sz="1050" b="1" dirty="0" err="1" smtClean="0">
+              <a:rPr lang="en-US" sz="1050" b="1" dirty="0" smtClean="0">
                 <a:solidFill>
                   <a:schemeClr val="accent6">
                     <a:lumMod val="75000"/>
@@ -17598,7 +17841,7 @@
           <a:p>
             <a:pPr algn="ctr"/>
             <a:r>
-              <a:rPr lang="en-US" sz="1050" b="1" dirty="0" err="1" smtClean="0">
+              <a:rPr lang="en-US" sz="1050" b="1" dirty="0" smtClean="0">
                 <a:solidFill>
                   <a:schemeClr val="accent6">
                     <a:lumMod val="75000"/>

--- a/docs/diagrams/Diagrams.pptx
+++ b/docs/diagrams/Diagrams.pptx
@@ -115,6 +115,22 @@
       </a:defRPr>
     </a:lvl9pPr>
   </p:defaultTextStyle>
+  <p:extLst>
+    <p:ext uri="{EFAFB233-063F-42B5-8137-9DF3F51BA10A}">
+      <p15:sldGuideLst xmlns:p15="http://schemas.microsoft.com/office/powerpoint/2012/main">
+        <p15:guide id="1" orient="horz" pos="1488">
+          <p15:clr>
+            <a:srgbClr val="A4A3A4"/>
+          </p15:clr>
+        </p15:guide>
+        <p15:guide id="2" pos="2880">
+          <p15:clr>
+            <a:srgbClr val="A4A3A4"/>
+          </p15:clr>
+        </p15:guide>
+      </p15:sldGuideLst>
+    </p:ext>
+  </p:extLst>
 </p:presentation>
 </file>
 
@@ -201,7 +217,7 @@
             <a:fld id="{F5CC4B3F-88C1-4FFA-B1B6-F41C21DC6924}" type="datetimeFigureOut">
               <a:rPr lang="en-US" smtClean="0"/>
               <a:pPr/>
-              <a:t>10/19/2016</a:t>
+              <a:t>10/20/2016</a:t>
             </a:fld>
             <a:endParaRPr lang="en-US"/>
           </a:p>
@@ -370,7 +386,7 @@
     </p:spTree>
     <p:extLst>
       <p:ext uri="{BB962C8B-B14F-4D97-AF65-F5344CB8AC3E}">
-        <p14:creationId xmlns:p14="http://schemas.microsoft.com/office/powerpoint/2010/main" xmlns="" val="2023976206"/>
+        <p14:creationId xmlns:p14="http://schemas.microsoft.com/office/powerpoint/2010/main" val="2023976206"/>
       </p:ext>
     </p:extLst>
   </p:cSld>
@@ -652,7 +668,7 @@
             <a:fld id="{78C97017-6FC3-485B-9764-EAC9E56C1D49}" type="datetimeFigureOut">
               <a:rPr lang="en-US" smtClean="0"/>
               <a:pPr/>
-              <a:t>10/19/2016</a:t>
+              <a:t>10/20/2016</a:t>
             </a:fld>
             <a:endParaRPr lang="en-US"/>
           </a:p>
@@ -704,7 +720,7 @@
     </p:spTree>
     <p:extLst>
       <p:ext uri="{BB962C8B-B14F-4D97-AF65-F5344CB8AC3E}">
-        <p14:creationId xmlns:p14="http://schemas.microsoft.com/office/powerpoint/2010/main" xmlns="" val="3246593157"/>
+        <p14:creationId xmlns:p14="http://schemas.microsoft.com/office/powerpoint/2010/main" val="3246593157"/>
       </p:ext>
     </p:extLst>
   </p:cSld>
@@ -824,7 +840,7 @@
             <a:fld id="{78C97017-6FC3-485B-9764-EAC9E56C1D49}" type="datetimeFigureOut">
               <a:rPr lang="en-US" smtClean="0"/>
               <a:pPr/>
-              <a:t>10/19/2016</a:t>
+              <a:t>10/20/2016</a:t>
             </a:fld>
             <a:endParaRPr lang="en-US"/>
           </a:p>
@@ -876,7 +892,7 @@
     </p:spTree>
     <p:extLst>
       <p:ext uri="{BB962C8B-B14F-4D97-AF65-F5344CB8AC3E}">
-        <p14:creationId xmlns:p14="http://schemas.microsoft.com/office/powerpoint/2010/main" xmlns="" val="2707025021"/>
+        <p14:creationId xmlns:p14="http://schemas.microsoft.com/office/powerpoint/2010/main" val="2707025021"/>
       </p:ext>
     </p:extLst>
   </p:cSld>
@@ -1006,7 +1022,7 @@
             <a:fld id="{78C97017-6FC3-485B-9764-EAC9E56C1D49}" type="datetimeFigureOut">
               <a:rPr lang="en-US" smtClean="0"/>
               <a:pPr/>
-              <a:t>10/19/2016</a:t>
+              <a:t>10/20/2016</a:t>
             </a:fld>
             <a:endParaRPr lang="en-US"/>
           </a:p>
@@ -1058,7 +1074,7 @@
     </p:spTree>
     <p:extLst>
       <p:ext uri="{BB962C8B-B14F-4D97-AF65-F5344CB8AC3E}">
-        <p14:creationId xmlns:p14="http://schemas.microsoft.com/office/powerpoint/2010/main" xmlns="" val="568378986"/>
+        <p14:creationId xmlns:p14="http://schemas.microsoft.com/office/powerpoint/2010/main" val="568378986"/>
       </p:ext>
     </p:extLst>
   </p:cSld>
@@ -1178,7 +1194,7 @@
             <a:fld id="{78C97017-6FC3-485B-9764-EAC9E56C1D49}" type="datetimeFigureOut">
               <a:rPr lang="en-US" smtClean="0"/>
               <a:pPr/>
-              <a:t>10/19/2016</a:t>
+              <a:t>10/20/2016</a:t>
             </a:fld>
             <a:endParaRPr lang="en-US"/>
           </a:p>
@@ -1230,7 +1246,7 @@
     </p:spTree>
     <p:extLst>
       <p:ext uri="{BB962C8B-B14F-4D97-AF65-F5344CB8AC3E}">
-        <p14:creationId xmlns:p14="http://schemas.microsoft.com/office/powerpoint/2010/main" xmlns="" val="266658052"/>
+        <p14:creationId xmlns:p14="http://schemas.microsoft.com/office/powerpoint/2010/main" val="266658052"/>
       </p:ext>
     </p:extLst>
   </p:cSld>
@@ -1426,7 +1442,7 @@
             <a:fld id="{78C97017-6FC3-485B-9764-EAC9E56C1D49}" type="datetimeFigureOut">
               <a:rPr lang="en-US" smtClean="0"/>
               <a:pPr/>
-              <a:t>10/19/2016</a:t>
+              <a:t>10/20/2016</a:t>
             </a:fld>
             <a:endParaRPr lang="en-US"/>
           </a:p>
@@ -1478,7 +1494,7 @@
     </p:spTree>
     <p:extLst>
       <p:ext uri="{BB962C8B-B14F-4D97-AF65-F5344CB8AC3E}">
-        <p14:creationId xmlns:p14="http://schemas.microsoft.com/office/powerpoint/2010/main" xmlns="" val="474686344"/>
+        <p14:creationId xmlns:p14="http://schemas.microsoft.com/office/powerpoint/2010/main" val="474686344"/>
       </p:ext>
     </p:extLst>
   </p:cSld>
@@ -1716,7 +1732,7 @@
             <a:fld id="{78C97017-6FC3-485B-9764-EAC9E56C1D49}" type="datetimeFigureOut">
               <a:rPr lang="en-US" smtClean="0"/>
               <a:pPr/>
-              <a:t>10/19/2016</a:t>
+              <a:t>10/20/2016</a:t>
             </a:fld>
             <a:endParaRPr lang="en-US"/>
           </a:p>
@@ -1768,7 +1784,7 @@
     </p:spTree>
     <p:extLst>
       <p:ext uri="{BB962C8B-B14F-4D97-AF65-F5344CB8AC3E}">
-        <p14:creationId xmlns:p14="http://schemas.microsoft.com/office/powerpoint/2010/main" xmlns="" val="562293251"/>
+        <p14:creationId xmlns:p14="http://schemas.microsoft.com/office/powerpoint/2010/main" val="562293251"/>
       </p:ext>
     </p:extLst>
   </p:cSld>
@@ -2140,7 +2156,7 @@
             <a:fld id="{78C97017-6FC3-485B-9764-EAC9E56C1D49}" type="datetimeFigureOut">
               <a:rPr lang="en-US" smtClean="0"/>
               <a:pPr/>
-              <a:t>10/19/2016</a:t>
+              <a:t>10/20/2016</a:t>
             </a:fld>
             <a:endParaRPr lang="en-US"/>
           </a:p>
@@ -2192,7 +2208,7 @@
     </p:spTree>
     <p:extLst>
       <p:ext uri="{BB962C8B-B14F-4D97-AF65-F5344CB8AC3E}">
-        <p14:creationId xmlns:p14="http://schemas.microsoft.com/office/powerpoint/2010/main" xmlns="" val="1126424250"/>
+        <p14:creationId xmlns:p14="http://schemas.microsoft.com/office/powerpoint/2010/main" val="1126424250"/>
       </p:ext>
     </p:extLst>
   </p:cSld>
@@ -2260,7 +2276,7 @@
             <a:fld id="{78C97017-6FC3-485B-9764-EAC9E56C1D49}" type="datetimeFigureOut">
               <a:rPr lang="en-US" smtClean="0"/>
               <a:pPr/>
-              <a:t>10/19/2016</a:t>
+              <a:t>10/20/2016</a:t>
             </a:fld>
             <a:endParaRPr lang="en-US"/>
           </a:p>
@@ -2312,7 +2328,7 @@
     </p:spTree>
     <p:extLst>
       <p:ext uri="{BB962C8B-B14F-4D97-AF65-F5344CB8AC3E}">
-        <p14:creationId xmlns:p14="http://schemas.microsoft.com/office/powerpoint/2010/main" xmlns="" val="4159724230"/>
+        <p14:creationId xmlns:p14="http://schemas.microsoft.com/office/powerpoint/2010/main" val="4159724230"/>
       </p:ext>
     </p:extLst>
   </p:cSld>
@@ -2357,7 +2373,7 @@
             <a:fld id="{78C97017-6FC3-485B-9764-EAC9E56C1D49}" type="datetimeFigureOut">
               <a:rPr lang="en-US" smtClean="0"/>
               <a:pPr/>
-              <a:t>10/19/2016</a:t>
+              <a:t>10/20/2016</a:t>
             </a:fld>
             <a:endParaRPr lang="en-US"/>
           </a:p>
@@ -2409,7 +2425,7 @@
     </p:spTree>
     <p:extLst>
       <p:ext uri="{BB962C8B-B14F-4D97-AF65-F5344CB8AC3E}">
-        <p14:creationId xmlns:p14="http://schemas.microsoft.com/office/powerpoint/2010/main" xmlns="" val="1793928710"/>
+        <p14:creationId xmlns:p14="http://schemas.microsoft.com/office/powerpoint/2010/main" val="1793928710"/>
       </p:ext>
     </p:extLst>
   </p:cSld>
@@ -2636,7 +2652,7 @@
             <a:fld id="{78C97017-6FC3-485B-9764-EAC9E56C1D49}" type="datetimeFigureOut">
               <a:rPr lang="en-US" smtClean="0"/>
               <a:pPr/>
-              <a:t>10/19/2016</a:t>
+              <a:t>10/20/2016</a:t>
             </a:fld>
             <a:endParaRPr lang="en-US"/>
           </a:p>
@@ -2688,7 +2704,7 @@
     </p:spTree>
     <p:extLst>
       <p:ext uri="{BB962C8B-B14F-4D97-AF65-F5344CB8AC3E}">
-        <p14:creationId xmlns:p14="http://schemas.microsoft.com/office/powerpoint/2010/main" xmlns="" val="2076802089"/>
+        <p14:creationId xmlns:p14="http://schemas.microsoft.com/office/powerpoint/2010/main" val="2076802089"/>
       </p:ext>
     </p:extLst>
   </p:cSld>
@@ -2891,7 +2907,7 @@
             <a:fld id="{78C97017-6FC3-485B-9764-EAC9E56C1D49}" type="datetimeFigureOut">
               <a:rPr lang="en-US" smtClean="0"/>
               <a:pPr/>
-              <a:t>10/19/2016</a:t>
+              <a:t>10/20/2016</a:t>
             </a:fld>
             <a:endParaRPr lang="en-US"/>
           </a:p>
@@ -2943,7 +2959,7 @@
     </p:spTree>
     <p:extLst>
       <p:ext uri="{BB962C8B-B14F-4D97-AF65-F5344CB8AC3E}">
-        <p14:creationId xmlns:p14="http://schemas.microsoft.com/office/powerpoint/2010/main" xmlns="" val="201835938"/>
+        <p14:creationId xmlns:p14="http://schemas.microsoft.com/office/powerpoint/2010/main" val="201835938"/>
       </p:ext>
     </p:extLst>
   </p:cSld>
@@ -3106,7 +3122,7 @@
             <a:fld id="{78C97017-6FC3-485B-9764-EAC9E56C1D49}" type="datetimeFigureOut">
               <a:rPr lang="en-US" smtClean="0"/>
               <a:pPr/>
-              <a:t>10/19/2016</a:t>
+              <a:t>10/20/2016</a:t>
             </a:fld>
             <a:endParaRPr lang="en-US"/>
           </a:p>
@@ -3194,7 +3210,7 @@
     </p:spTree>
     <p:extLst>
       <p:ext uri="{BB962C8B-B14F-4D97-AF65-F5344CB8AC3E}">
-        <p14:creationId xmlns:p14="http://schemas.microsoft.com/office/powerpoint/2010/main" xmlns="" val="2341400630"/>
+        <p14:creationId xmlns:p14="http://schemas.microsoft.com/office/powerpoint/2010/main" val="2341400630"/>
       </p:ext>
     </p:extLst>
   </p:cSld>
@@ -3535,7 +3551,7 @@
     </p:spTree>
     <p:extLst>
       <p:ext uri="{BB962C8B-B14F-4D97-AF65-F5344CB8AC3E}">
-        <p14:creationId xmlns:p14="http://schemas.microsoft.com/office/powerpoint/2010/main" xmlns="" val="2960930635"/>
+        <p14:creationId xmlns:p14="http://schemas.microsoft.com/office/powerpoint/2010/main" val="2960930635"/>
       </p:ext>
     </p:extLst>
   </p:cSld>
@@ -4890,7 +4906,7 @@
     </p:spTree>
     <p:extLst>
       <p:ext uri="{BB962C8B-B14F-4D97-AF65-F5344CB8AC3E}">
-        <p14:creationId xmlns:p14="http://schemas.microsoft.com/office/powerpoint/2010/main" xmlns="" val="1981432603"/>
+        <p14:creationId xmlns:p14="http://schemas.microsoft.com/office/powerpoint/2010/main" val="1981432603"/>
       </p:ext>
     </p:extLst>
   </p:cSld>
@@ -7537,7 +7553,7 @@
     </p:spTree>
     <p:extLst>
       <p:ext uri="{BB962C8B-B14F-4D97-AF65-F5344CB8AC3E}">
-        <p14:creationId xmlns:p14="http://schemas.microsoft.com/office/powerpoint/2010/main" xmlns="" val="4023378879"/>
+        <p14:creationId xmlns:p14="http://schemas.microsoft.com/office/powerpoint/2010/main" val="4023378879"/>
       </p:ext>
     </p:extLst>
   </p:cSld>
@@ -9772,7 +9788,7 @@
     </p:spTree>
     <p:extLst>
       <p:ext uri="{BB962C8B-B14F-4D97-AF65-F5344CB8AC3E}">
-        <p14:creationId xmlns:p14="http://schemas.microsoft.com/office/powerpoint/2010/main" xmlns="" val="2776882492"/>
+        <p14:creationId xmlns:p14="http://schemas.microsoft.com/office/powerpoint/2010/main" val="2776882492"/>
       </p:ext>
     </p:extLst>
   </p:cSld>
@@ -11561,7 +11577,7 @@
     </p:spTree>
     <p:extLst>
       <p:ext uri="{BB962C8B-B14F-4D97-AF65-F5344CB8AC3E}">
-        <p14:creationId xmlns:p14="http://schemas.microsoft.com/office/powerpoint/2010/main" xmlns="" val="599777654"/>
+        <p14:creationId xmlns:p14="http://schemas.microsoft.com/office/powerpoint/2010/main" val="599777654"/>
       </p:ext>
     </p:extLst>
   </p:cSld>
@@ -13243,7 +13259,7 @@
     </p:spTree>
     <p:extLst>
       <p:ext uri="{BB962C8B-B14F-4D97-AF65-F5344CB8AC3E}">
-        <p14:creationId xmlns:p14="http://schemas.microsoft.com/office/powerpoint/2010/main" xmlns="" val="3945898909"/>
+        <p14:creationId xmlns:p14="http://schemas.microsoft.com/office/powerpoint/2010/main" val="3945898909"/>
       </p:ext>
     </p:extLst>
   </p:cSld>
@@ -15415,7 +15431,7 @@
     </p:spTree>
     <p:extLst>
       <p:ext uri="{BB962C8B-B14F-4D97-AF65-F5344CB8AC3E}">
-        <p14:creationId xmlns:p14="http://schemas.microsoft.com/office/powerpoint/2010/main" xmlns="" val="2396968029"/>
+        <p14:creationId xmlns:p14="http://schemas.microsoft.com/office/powerpoint/2010/main" val="2396968029"/>
       </p:ext>
     </p:extLst>
   </p:cSld>
@@ -15457,8 +15473,8 @@
         </p:nvSpPr>
         <p:spPr>
           <a:xfrm>
-            <a:off x="1119865" y="2086382"/>
-            <a:ext cx="7871735" cy="1723618"/>
+            <a:off x="533400" y="2514600"/>
+            <a:ext cx="8305800" cy="2590800"/>
           </a:xfrm>
           <a:prstGeom prst="roundRect">
             <a:avLst>
@@ -15522,7 +15538,7 @@
         </p:nvSpPr>
         <p:spPr>
           <a:xfrm>
-            <a:off x="2877180" y="3158440"/>
+            <a:off x="2290715" y="3739058"/>
             <a:ext cx="1323049" cy="346760"/>
           </a:xfrm>
           <a:prstGeom prst="rect">
@@ -15582,7 +15598,7 @@
                   <a:schemeClr val="bg1"/>
                 </a:solidFill>
               </a:rPr>
-              <a:t>AddressBookStorage</a:t>
+              <a:t>MatlitioStorage</a:t>
             </a:r>
             <a:endParaRPr lang="en-SG" sz="1050" dirty="0">
               <a:solidFill>
@@ -15600,7 +15616,7 @@
         </p:nvSpPr>
         <p:spPr>
           <a:xfrm rot="16200000">
-            <a:off x="1683963" y="2868687"/>
+            <a:off x="1097498" y="3449305"/>
             <a:ext cx="1093635" cy="346760"/>
           </a:xfrm>
           <a:prstGeom prst="rect">
@@ -15663,7 +15679,7 @@
         </p:nvSpPr>
         <p:spPr>
           <a:xfrm rot="16200000">
-            <a:off x="956202" y="2861202"/>
+            <a:off x="369737" y="3441820"/>
             <a:ext cx="1093635" cy="346760"/>
           </a:xfrm>
           <a:prstGeom prst="rect">
@@ -15737,7 +15753,7 @@
         </p:nvSpPr>
         <p:spPr>
           <a:xfrm rot="16200000">
-            <a:off x="1626910" y="2952291"/>
+            <a:off x="1040445" y="3532909"/>
             <a:ext cx="270504" cy="175523"/>
           </a:xfrm>
           <a:prstGeom prst="triangle">
@@ -15795,7 +15811,7 @@
         </p:nvCxnSpPr>
         <p:spPr>
           <a:xfrm>
-            <a:off x="2656370" y="3326536"/>
+            <a:off x="2069905" y="3907154"/>
             <a:ext cx="220810" cy="5284"/>
           </a:xfrm>
           <a:prstGeom prst="straightConnector1">
@@ -15835,7 +15851,7 @@
         </p:nvCxnSpPr>
         <p:spPr>
           <a:xfrm>
-            <a:off x="910091" y="3040053"/>
+            <a:off x="323626" y="3620671"/>
             <a:ext cx="419548" cy="2860"/>
           </a:xfrm>
           <a:prstGeom prst="bentConnector3">
@@ -15880,7 +15896,7 @@
         </p:nvCxnSpPr>
         <p:spPr>
           <a:xfrm flipV="1">
-            <a:off x="1849924" y="3040052"/>
+            <a:off x="1263459" y="3620670"/>
             <a:ext cx="216105" cy="1"/>
           </a:xfrm>
           <a:prstGeom prst="line">
@@ -15921,7 +15937,7 @@
         </p:nvSpPr>
         <p:spPr>
           <a:xfrm>
-            <a:off x="2420322" y="3239846"/>
+            <a:off x="1833857" y="3820464"/>
             <a:ext cx="236048" cy="173380"/>
           </a:xfrm>
           <a:prstGeom prst="flowChartDecision">
@@ -15975,7 +15991,7 @@
         </p:nvCxnSpPr>
         <p:spPr>
           <a:xfrm flipV="1">
-            <a:off x="4398041" y="3331820"/>
+            <a:off x="3811576" y="3912438"/>
             <a:ext cx="223324" cy="1"/>
           </a:xfrm>
           <a:prstGeom prst="bentConnector3">
@@ -16018,7 +16034,7 @@
         </p:nvSpPr>
         <p:spPr>
           <a:xfrm rot="5400000" flipV="1">
-            <a:off x="4175027" y="3244059"/>
+            <a:off x="3588562" y="3824677"/>
             <a:ext cx="270504" cy="175523"/>
           </a:xfrm>
           <a:prstGeom prst="triangle">
@@ -16076,7 +16092,7 @@
         </p:nvCxnSpPr>
         <p:spPr>
           <a:xfrm>
-            <a:off x="5791200" y="3331820"/>
+            <a:off x="5204735" y="3912438"/>
             <a:ext cx="228600" cy="1970"/>
           </a:xfrm>
           <a:prstGeom prst="bentConnector3">
@@ -16119,7 +16135,7 @@
         </p:nvSpPr>
         <p:spPr>
           <a:xfrm>
-            <a:off x="4621365" y="3158440"/>
+            <a:off x="4034900" y="3739058"/>
             <a:ext cx="1169835" cy="346760"/>
           </a:xfrm>
           <a:prstGeom prst="rect">
@@ -16155,7 +16171,7 @@
                   </a:schemeClr>
                 </a:solidFill>
               </a:rPr>
-              <a:t>XmlAddressBook</a:t>
+              <a:t>XmlMalitio</a:t>
             </a:r>
             <a:r>
               <a:rPr lang="en-US" sz="1050" b="1" dirty="0" smtClean="0">
@@ -16204,7 +16220,7 @@
         </p:nvSpPr>
         <p:spPr>
           <a:xfrm>
-            <a:off x="2873943" y="2558040"/>
+            <a:off x="2287478" y="3138658"/>
             <a:ext cx="1323049" cy="346760"/>
           </a:xfrm>
           <a:prstGeom prst="rect">
@@ -16285,7 +16301,7 @@
         </p:nvCxnSpPr>
         <p:spPr>
           <a:xfrm>
-            <a:off x="2653133" y="2726136"/>
+            <a:off x="2066668" y="3306754"/>
             <a:ext cx="220810" cy="5284"/>
           </a:xfrm>
           <a:prstGeom prst="straightConnector1">
@@ -16325,7 +16341,7 @@
         </p:nvSpPr>
         <p:spPr>
           <a:xfrm>
-            <a:off x="2417085" y="2639446"/>
+            <a:off x="1830620" y="3220064"/>
             <a:ext cx="236048" cy="173380"/>
           </a:xfrm>
           <a:prstGeom prst="flowChartDecision">
@@ -16379,7 +16395,7 @@
         </p:nvCxnSpPr>
         <p:spPr>
           <a:xfrm flipV="1">
-            <a:off x="4394804" y="2731420"/>
+            <a:off x="3808339" y="3312038"/>
             <a:ext cx="223324" cy="1"/>
           </a:xfrm>
           <a:prstGeom prst="bentConnector3">
@@ -16422,7 +16438,7 @@
         </p:nvSpPr>
         <p:spPr>
           <a:xfrm rot="5400000" flipV="1">
-            <a:off x="4171790" y="2643659"/>
+            <a:off x="3585325" y="3224277"/>
             <a:ext cx="270504" cy="175523"/>
           </a:xfrm>
           <a:prstGeom prst="triangle">
@@ -16477,7 +16493,7 @@
         </p:nvSpPr>
         <p:spPr>
           <a:xfrm>
-            <a:off x="4618128" y="2558040"/>
+            <a:off x="4031663" y="3138658"/>
             <a:ext cx="1093635" cy="346760"/>
           </a:xfrm>
           <a:prstGeom prst="rect">
@@ -16563,7 +16579,7 @@
         </p:nvSpPr>
         <p:spPr>
           <a:xfrm>
-            <a:off x="6019800" y="3160410"/>
+            <a:off x="5433335" y="3741028"/>
             <a:ext cx="1200707" cy="346760"/>
           </a:xfrm>
           <a:prstGeom prst="rect">
@@ -16628,7 +16644,7 @@
                   </a:schemeClr>
                 </a:solidFill>
               </a:rPr>
-              <a:t>AddressBook</a:t>
+              <a:t>Malitio</a:t>
             </a:r>
             <a:endParaRPr lang="en-SG" sz="1050" b="1" dirty="0">
               <a:solidFill>
@@ -16643,16 +16659,13 @@
       <p:cxnSp>
         <p:nvCxnSpPr>
           <p:cNvPr id="70" name="Elbow Connector 122"/>
-          <p:cNvCxnSpPr>
-            <a:stCxn id="74" idx="0"/>
-            <a:endCxn id="73" idx="2"/>
-          </p:cNvCxnSpPr>
+          <p:cNvCxnSpPr/>
           <p:nvPr/>
         </p:nvCxnSpPr>
         <p:spPr>
-          <a:xfrm rot="5400000" flipH="1" flipV="1">
-            <a:off x="8077993" y="2992020"/>
-            <a:ext cx="335208" cy="12700"/>
+          <a:xfrm rot="16200000" flipV="1">
+            <a:off x="7765525" y="3538694"/>
+            <a:ext cx="434457" cy="1"/>
           </a:xfrm>
           <a:prstGeom prst="bentConnector3">
             <a:avLst>
@@ -16689,7 +16702,7 @@
         </p:nvSpPr>
         <p:spPr>
           <a:xfrm>
-            <a:off x="7615738" y="2477656"/>
+            <a:off x="7352893" y="2959994"/>
             <a:ext cx="1259718" cy="346760"/>
           </a:xfrm>
           <a:prstGeom prst="rect">
@@ -16745,8 +16758,8 @@
         </p:nvSpPr>
         <p:spPr>
           <a:xfrm>
-            <a:off x="7615738" y="3159624"/>
-            <a:ext cx="1259718" cy="346760"/>
+            <a:off x="7029272" y="3740242"/>
+            <a:ext cx="1375863" cy="346760"/>
           </a:xfrm>
           <a:prstGeom prst="rect">
             <a:avLst/>
@@ -16781,7 +16794,107 @@
                   </a:schemeClr>
                 </a:solidFill>
               </a:rPr>
-              <a:t>XmlAdaptedPerson</a:t>
+              <a:t>XmlAdaptedFloating</a:t>
+            </a:r>
+            <a:r>
+              <a:rPr lang="en-US" sz="1050" b="1" dirty="0" smtClean="0">
+                <a:solidFill>
+                  <a:schemeClr val="accent6">
+                    <a:lumMod val="75000"/>
+                  </a:schemeClr>
+                </a:solidFill>
+              </a:rPr>
+              <a:t> Task</a:t>
+            </a:r>
+          </a:p>
+        </p:txBody>
+      </p:sp>
+      <p:cxnSp>
+        <p:nvCxnSpPr>
+          <p:cNvPr id="77" name="Elbow Connector 122"/>
+          <p:cNvCxnSpPr>
+            <a:stCxn id="66" idx="3"/>
+            <a:endCxn id="74" idx="1"/>
+          </p:cNvCxnSpPr>
+          <p:nvPr/>
+        </p:nvCxnSpPr>
+        <p:spPr>
+          <a:xfrm flipV="1">
+            <a:off x="6634042" y="3913622"/>
+            <a:ext cx="395230" cy="786"/>
+          </a:xfrm>
+          <a:prstGeom prst="bentConnector3">
+            <a:avLst>
+              <a:gd name="adj1" fmla="val 50000"/>
+            </a:avLst>
+          </a:prstGeom>
+          <a:ln w="19050">
+            <a:prstDash val="sysDot"/>
+            <a:headEnd type="none" w="med" len="med"/>
+            <a:tailEnd type="arrow" w="med" len="med"/>
+          </a:ln>
+          <a:effectLst/>
+        </p:spPr>
+        <p:style>
+          <a:lnRef idx="1">
+            <a:schemeClr val="accent6"/>
+          </a:lnRef>
+          <a:fillRef idx="2">
+            <a:schemeClr val="accent6"/>
+          </a:fillRef>
+          <a:effectRef idx="1">
+            <a:schemeClr val="accent6"/>
+          </a:effectRef>
+          <a:fontRef idx="minor">
+            <a:schemeClr val="dk1"/>
+          </a:fontRef>
+        </p:style>
+      </p:cxnSp>
+      <p:sp>
+        <p:nvSpPr>
+          <p:cNvPr id="26" name="Rectangle 8"/>
+          <p:cNvSpPr/>
+          <p:nvPr/>
+        </p:nvSpPr>
+        <p:spPr>
+          <a:xfrm>
+            <a:off x="5403828" y="2965278"/>
+            <a:ext cx="1259718" cy="346760"/>
+          </a:xfrm>
+          <a:prstGeom prst="rect">
+            <a:avLst/>
+          </a:prstGeom>
+          <a:ln w="19050"/>
+          <a:effectLst/>
+        </p:spPr>
+        <p:style>
+          <a:lnRef idx="1">
+            <a:schemeClr val="accent6"/>
+          </a:lnRef>
+          <a:fillRef idx="2">
+            <a:schemeClr val="accent6"/>
+          </a:fillRef>
+          <a:effectRef idx="1">
+            <a:schemeClr val="accent6"/>
+          </a:effectRef>
+          <a:fontRef idx="minor">
+            <a:schemeClr val="dk1"/>
+          </a:fontRef>
+        </p:style>
+        <p:txBody>
+          <a:bodyPr rtlCol="0" anchor="ctr"/>
+          <a:lstStyle/>
+          <a:p>
+            <a:pPr algn="ctr"/>
+            <a:r>
+              <a:rPr lang="en-US" sz="1050" b="1" dirty="0" err="1" smtClean="0">
+                <a:solidFill>
+                  <a:schemeClr val="accent6">
+                    <a:lumMod val="75000"/>
+                  </a:schemeClr>
+                </a:solidFill>
+              </a:rPr>
+              <a:t>XmlAdaptedEvent</a:t>
             </a:r>
             <a:endParaRPr lang="en-SG" sz="1050" b="1" dirty="0">
               <a:solidFill>
@@ -16793,19 +16906,75 @@
           </a:p>
         </p:txBody>
       </p:sp>
+      <p:sp>
+        <p:nvSpPr>
+          <p:cNvPr id="27" name="Rectangle 8"/>
+          <p:cNvSpPr/>
+          <p:nvPr/>
+        </p:nvSpPr>
+        <p:spPr>
+          <a:xfrm>
+            <a:off x="5337065" y="4392213"/>
+            <a:ext cx="1393245" cy="346760"/>
+          </a:xfrm>
+          <a:prstGeom prst="rect">
+            <a:avLst/>
+          </a:prstGeom>
+          <a:ln w="19050"/>
+          <a:effectLst/>
+        </p:spPr>
+        <p:style>
+          <a:lnRef idx="1">
+            <a:schemeClr val="accent6"/>
+          </a:lnRef>
+          <a:fillRef idx="2">
+            <a:schemeClr val="accent6"/>
+          </a:fillRef>
+          <a:effectRef idx="1">
+            <a:schemeClr val="accent6"/>
+          </a:effectRef>
+          <a:fontRef idx="minor">
+            <a:schemeClr val="dk1"/>
+          </a:fontRef>
+        </p:style>
+        <p:txBody>
+          <a:bodyPr rtlCol="0" anchor="ctr"/>
+          <a:lstStyle/>
+          <a:p>
+            <a:pPr algn="ctr"/>
+            <a:r>
+              <a:rPr lang="en-US" sz="1050" b="1" dirty="0" err="1" smtClean="0">
+                <a:solidFill>
+                  <a:schemeClr val="accent6">
+                    <a:lumMod val="75000"/>
+                  </a:schemeClr>
+                </a:solidFill>
+              </a:rPr>
+              <a:t>XmlAdaptedDeadline</a:t>
+            </a:r>
+            <a:endParaRPr lang="en-SG" sz="1050" b="1" dirty="0">
+              <a:solidFill>
+                <a:schemeClr val="accent6">
+                  <a:lumMod val="75000"/>
+                </a:schemeClr>
+              </a:solidFill>
+            </a:endParaRPr>
+          </a:p>
+        </p:txBody>
+      </p:sp>
       <p:cxnSp>
         <p:nvCxnSpPr>
-          <p:cNvPr id="77" name="Elbow Connector 122"/>
+          <p:cNvPr id="33" name="Elbow Connector 122"/>
           <p:cNvCxnSpPr>
-            <a:stCxn id="66" idx="3"/>
-            <a:endCxn id="74" idx="1"/>
+            <a:stCxn id="66" idx="0"/>
+            <a:endCxn id="26" idx="2"/>
           </p:cNvCxnSpPr>
           <p:nvPr/>
         </p:nvCxnSpPr>
         <p:spPr>
-          <a:xfrm flipV="1">
-            <a:off x="7220507" y="3333004"/>
-            <a:ext cx="395231" cy="786"/>
+          <a:xfrm rot="16200000" flipV="1">
+            <a:off x="5819193" y="3526532"/>
+            <a:ext cx="428990" cy="2"/>
           </a:xfrm>
           <a:prstGeom prst="bentConnector3">
             <a:avLst>
@@ -16834,10 +17003,132 @@
           </a:fontRef>
         </p:style>
       </p:cxnSp>
+      <p:cxnSp>
+        <p:nvCxnSpPr>
+          <p:cNvPr id="43" name="Elbow Connector 122"/>
+          <p:cNvCxnSpPr>
+            <a:stCxn id="66" idx="2"/>
+            <a:endCxn id="27" idx="0"/>
+          </p:cNvCxnSpPr>
+          <p:nvPr/>
+        </p:nvCxnSpPr>
+        <p:spPr>
+          <a:xfrm rot="5400000">
+            <a:off x="5881477" y="4240000"/>
+            <a:ext cx="304425" cy="1"/>
+          </a:xfrm>
+          <a:prstGeom prst="bentConnector3">
+            <a:avLst>
+              <a:gd name="adj1" fmla="val 50000"/>
+            </a:avLst>
+          </a:prstGeom>
+          <a:ln w="19050">
+            <a:prstDash val="sysDot"/>
+            <a:headEnd type="none" w="med" len="med"/>
+            <a:tailEnd type="arrow" w="med" len="med"/>
+          </a:ln>
+          <a:effectLst/>
+        </p:spPr>
+        <p:style>
+          <a:lnRef idx="1">
+            <a:schemeClr val="accent6"/>
+          </a:lnRef>
+          <a:fillRef idx="2">
+            <a:schemeClr val="accent6"/>
+          </a:fillRef>
+          <a:effectRef idx="1">
+            <a:schemeClr val="accent6"/>
+          </a:effectRef>
+          <a:fontRef idx="minor">
+            <a:schemeClr val="dk1"/>
+          </a:fontRef>
+        </p:style>
+      </p:cxnSp>
+      <p:cxnSp>
+        <p:nvCxnSpPr>
+          <p:cNvPr id="48" name="Elbow Connector 122"/>
+          <p:cNvCxnSpPr>
+            <a:stCxn id="26" idx="3"/>
+            <a:endCxn id="73" idx="1"/>
+          </p:cNvCxnSpPr>
+          <p:nvPr/>
+        </p:nvCxnSpPr>
+        <p:spPr>
+          <a:xfrm flipV="1">
+            <a:off x="6663546" y="3133374"/>
+            <a:ext cx="689347" cy="5284"/>
+          </a:xfrm>
+          <a:prstGeom prst="bentConnector3">
+            <a:avLst>
+              <a:gd name="adj1" fmla="val 50000"/>
+            </a:avLst>
+          </a:prstGeom>
+          <a:ln w="19050">
+            <a:prstDash val="sysDot"/>
+            <a:headEnd type="none" w="med" len="med"/>
+            <a:tailEnd type="arrow" w="med" len="med"/>
+          </a:ln>
+          <a:effectLst/>
+        </p:spPr>
+        <p:style>
+          <a:lnRef idx="1">
+            <a:schemeClr val="accent6"/>
+          </a:lnRef>
+          <a:fillRef idx="2">
+            <a:schemeClr val="accent6"/>
+          </a:fillRef>
+          <a:effectRef idx="1">
+            <a:schemeClr val="accent6"/>
+          </a:effectRef>
+          <a:fontRef idx="minor">
+            <a:schemeClr val="dk1"/>
+          </a:fontRef>
+        </p:style>
+      </p:cxnSp>
+      <p:cxnSp>
+        <p:nvCxnSpPr>
+          <p:cNvPr id="53" name="Elbow Connector 122"/>
+          <p:cNvCxnSpPr>
+            <a:endCxn id="73" idx="3"/>
+          </p:cNvCxnSpPr>
+          <p:nvPr/>
+        </p:nvCxnSpPr>
+        <p:spPr>
+          <a:xfrm flipV="1">
+            <a:off x="6791611" y="3133374"/>
+            <a:ext cx="1821000" cy="1432220"/>
+          </a:xfrm>
+          <a:prstGeom prst="bentConnector3">
+            <a:avLst>
+              <a:gd name="adj1" fmla="val 107308"/>
+            </a:avLst>
+          </a:prstGeom>
+          <a:ln w="19050">
+            <a:prstDash val="sysDot"/>
+            <a:headEnd type="none" w="med" len="med"/>
+            <a:tailEnd type="arrow" w="med" len="med"/>
+          </a:ln>
+          <a:effectLst/>
+        </p:spPr>
+        <p:style>
+          <a:lnRef idx="1">
+            <a:schemeClr val="accent6"/>
+          </a:lnRef>
+          <a:fillRef idx="2">
+            <a:schemeClr val="accent6"/>
+          </a:fillRef>
+          <a:effectRef idx="1">
+            <a:schemeClr val="accent6"/>
+          </a:effectRef>
+          <a:fontRef idx="minor">
+            <a:schemeClr val="dk1"/>
+          </a:fontRef>
+        </p:style>
+      </p:cxnSp>
     </p:spTree>
     <p:extLst>
       <p:ext uri="{BB962C8B-B14F-4D97-AF65-F5344CB8AC3E}">
-        <p14:creationId xmlns:p14="http://schemas.microsoft.com/office/powerpoint/2010/main" xmlns="" val="1478832369"/>
+        <p14:creationId xmlns:p14="http://schemas.microsoft.com/office/powerpoint/2010/main" val="1478832369"/>
       </p:ext>
     </p:extLst>
   </p:cSld>
@@ -16874,7 +17165,7 @@
     </p:spTree>
     <p:extLst>
       <p:ext uri="{BB962C8B-B14F-4D97-AF65-F5344CB8AC3E}">
-        <p14:creationId xmlns:p14="http://schemas.microsoft.com/office/powerpoint/2010/main" xmlns="" val="2978036214"/>
+        <p14:creationId xmlns:p14="http://schemas.microsoft.com/office/powerpoint/2010/main" val="2978036214"/>
       </p:ext>
     </p:extLst>
   </p:cSld>

--- a/docs/diagrams/Diagrams.pptx
+++ b/docs/diagrams/Diagrams.pptx
@@ -215,7 +215,7 @@
           <a:p>
             <a:fld id="{F5CC4B3F-88C1-4FFA-B1B6-F41C21DC6924}" type="datetimeFigureOut">
               <a:rPr lang="en-US" smtClean="0"/>
-              <a:t>10/13/2016</a:t>
+              <a:t>10/20/2016</a:t>
             </a:fld>
             <a:endParaRPr lang="en-US"/>
           </a:p>
@@ -664,7 +664,7 @@
           <a:p>
             <a:fld id="{78C97017-6FC3-485B-9764-EAC9E56C1D49}" type="datetimeFigureOut">
               <a:rPr lang="en-US" smtClean="0"/>
-              <a:t>10/13/2016</a:t>
+              <a:t>10/20/2016</a:t>
             </a:fld>
             <a:endParaRPr lang="en-US"/>
           </a:p>
@@ -834,7 +834,7 @@
           <a:p>
             <a:fld id="{78C97017-6FC3-485B-9764-EAC9E56C1D49}" type="datetimeFigureOut">
               <a:rPr lang="en-US" smtClean="0"/>
-              <a:t>10/13/2016</a:t>
+              <a:t>10/20/2016</a:t>
             </a:fld>
             <a:endParaRPr lang="en-US"/>
           </a:p>
@@ -1014,7 +1014,7 @@
           <a:p>
             <a:fld id="{78C97017-6FC3-485B-9764-EAC9E56C1D49}" type="datetimeFigureOut">
               <a:rPr lang="en-US" smtClean="0"/>
-              <a:t>10/13/2016</a:t>
+              <a:t>10/20/2016</a:t>
             </a:fld>
             <a:endParaRPr lang="en-US"/>
           </a:p>
@@ -1184,7 +1184,7 @@
           <a:p>
             <a:fld id="{78C97017-6FC3-485B-9764-EAC9E56C1D49}" type="datetimeFigureOut">
               <a:rPr lang="en-US" smtClean="0"/>
-              <a:t>10/13/2016</a:t>
+              <a:t>10/20/2016</a:t>
             </a:fld>
             <a:endParaRPr lang="en-US"/>
           </a:p>
@@ -1430,7 +1430,7 @@
           <a:p>
             <a:fld id="{78C97017-6FC3-485B-9764-EAC9E56C1D49}" type="datetimeFigureOut">
               <a:rPr lang="en-US" smtClean="0"/>
-              <a:t>10/13/2016</a:t>
+              <a:t>10/20/2016</a:t>
             </a:fld>
             <a:endParaRPr lang="en-US"/>
           </a:p>
@@ -1718,7 +1718,7 @@
           <a:p>
             <a:fld id="{78C97017-6FC3-485B-9764-EAC9E56C1D49}" type="datetimeFigureOut">
               <a:rPr lang="en-US" smtClean="0"/>
-              <a:t>10/13/2016</a:t>
+              <a:t>10/20/2016</a:t>
             </a:fld>
             <a:endParaRPr lang="en-US"/>
           </a:p>
@@ -2140,7 +2140,7 @@
           <a:p>
             <a:fld id="{78C97017-6FC3-485B-9764-EAC9E56C1D49}" type="datetimeFigureOut">
               <a:rPr lang="en-US" smtClean="0"/>
-              <a:t>10/13/2016</a:t>
+              <a:t>10/20/2016</a:t>
             </a:fld>
             <a:endParaRPr lang="en-US"/>
           </a:p>
@@ -2258,7 +2258,7 @@
           <a:p>
             <a:fld id="{78C97017-6FC3-485B-9764-EAC9E56C1D49}" type="datetimeFigureOut">
               <a:rPr lang="en-US" smtClean="0"/>
-              <a:t>10/13/2016</a:t>
+              <a:t>10/20/2016</a:t>
             </a:fld>
             <a:endParaRPr lang="en-US"/>
           </a:p>
@@ -2353,7 +2353,7 @@
           <a:p>
             <a:fld id="{78C97017-6FC3-485B-9764-EAC9E56C1D49}" type="datetimeFigureOut">
               <a:rPr lang="en-US" smtClean="0"/>
-              <a:t>10/13/2016</a:t>
+              <a:t>10/20/2016</a:t>
             </a:fld>
             <a:endParaRPr lang="en-US"/>
           </a:p>
@@ -2630,7 +2630,7 @@
           <a:p>
             <a:fld id="{78C97017-6FC3-485B-9764-EAC9E56C1D49}" type="datetimeFigureOut">
               <a:rPr lang="en-US" smtClean="0"/>
-              <a:t>10/13/2016</a:t>
+              <a:t>10/20/2016</a:t>
             </a:fld>
             <a:endParaRPr lang="en-US"/>
           </a:p>
@@ -2883,7 +2883,7 @@
           <a:p>
             <a:fld id="{78C97017-6FC3-485B-9764-EAC9E56C1D49}" type="datetimeFigureOut">
               <a:rPr lang="en-US" smtClean="0"/>
-              <a:t>10/13/2016</a:t>
+              <a:t>10/20/2016</a:t>
             </a:fld>
             <a:endParaRPr lang="en-US"/>
           </a:p>
@@ -3096,7 +3096,7 @@
           <a:p>
             <a:fld id="{78C97017-6FC3-485B-9764-EAC9E56C1D49}" type="datetimeFigureOut">
               <a:rPr lang="en-US" smtClean="0"/>
-              <a:t>10/13/2016</a:t>
+              <a:t>10/20/2016</a:t>
             </a:fld>
             <a:endParaRPr lang="en-US"/>
           </a:p>
@@ -10606,17 +10606,6 @@
           <a:p>
             <a:pPr algn="ctr"/>
             <a:r>
-              <a:rPr lang="en-US" sz="1050" b="1" dirty="0" smtClean="0">
-                <a:solidFill>
-                  <a:srgbClr val="0070C0"/>
-                </a:solidFill>
-              </a:rPr>
-              <a:t>{abstract}</a:t>
-            </a:r>
-          </a:p>
-          <a:p>
-            <a:pPr algn="ctr"/>
-            <a:r>
               <a:rPr lang="en-US" sz="1050" b="1" dirty="0" err="1" smtClean="0">
                 <a:solidFill>
                   <a:srgbClr val="0070C0"/>
@@ -11579,15 +11568,7 @@
                   <a:srgbClr val="0070C0"/>
                 </a:solidFill>
               </a:rPr>
-              <a:t>Edit</a:t>
-            </a:r>
-            <a:r>
-              <a:rPr lang="en-US" sz="900" b="1" dirty="0" err="1" smtClean="0">
-                <a:solidFill>
-                  <a:srgbClr val="0070C0"/>
-                </a:solidFill>
-              </a:rPr>
-              <a:t>Command</a:t>
+              <a:t>EditCommand</a:t>
             </a:r>
             <a:endParaRPr lang="en-SG" sz="900" b="1" dirty="0">
               <a:solidFill>
@@ -11729,7 +11710,7 @@
                   <a:srgbClr val="0070C0"/>
                 </a:solidFill>
               </a:rPr>
-              <a:t>Search</a:t>
+              <a:t>Find</a:t>
             </a:r>
             <a:r>
               <a:rPr lang="en-US" sz="900" b="1" dirty="0" err="1" smtClean="0">
@@ -12131,15 +12112,7 @@
                   <a:srgbClr val="0070C0"/>
                 </a:solidFill>
               </a:rPr>
-              <a:t>Save</a:t>
-            </a:r>
-            <a:r>
-              <a:rPr lang="en-US" sz="900" b="1" dirty="0" err="1" smtClean="0">
-                <a:solidFill>
-                  <a:srgbClr val="0070C0"/>
-                </a:solidFill>
-              </a:rPr>
-              <a:t>Command</a:t>
+              <a:t>SaveCommand</a:t>
             </a:r>
             <a:endParaRPr lang="en-SG" sz="900" b="1" dirty="0">
               <a:solidFill>
@@ -12195,15 +12168,7 @@
                   <a:srgbClr val="0070C0"/>
                 </a:solidFill>
               </a:rPr>
-              <a:t>Delete</a:t>
-            </a:r>
-            <a:r>
-              <a:rPr lang="en-US" sz="900" b="1" dirty="0" err="1" smtClean="0">
-                <a:solidFill>
-                  <a:srgbClr val="0070C0"/>
-                </a:solidFill>
-              </a:rPr>
-              <a:t>Command</a:t>
+              <a:t>DeleteCommand</a:t>
             </a:r>
             <a:endParaRPr lang="en-SG" sz="900" b="1" dirty="0">
               <a:solidFill>
@@ -12655,15 +12620,7 @@
                   <a:srgbClr val="0070C0"/>
                 </a:solidFill>
               </a:rPr>
-              <a:t>EditTask</a:t>
-            </a:r>
-            <a:r>
-              <a:rPr lang="en-US" sz="900" b="1" dirty="0" err="1" smtClean="0">
-                <a:solidFill>
-                  <a:srgbClr val="0070C0"/>
-                </a:solidFill>
-              </a:rPr>
-              <a:t>Command</a:t>
+              <a:t>EditTaskCommand</a:t>
             </a:r>
             <a:endParaRPr lang="en-SG" sz="900" b="1" dirty="0">
               <a:solidFill>
@@ -12719,15 +12676,7 @@
                   <a:srgbClr val="0070C0"/>
                 </a:solidFill>
               </a:rPr>
-              <a:t>Edit</a:t>
-            </a:r>
-            <a:r>
-              <a:rPr lang="en-US" sz="900" b="1" dirty="0" err="1" smtClean="0">
-                <a:solidFill>
-                  <a:srgbClr val="0070C0"/>
-                </a:solidFill>
-              </a:rPr>
-              <a:t>EventCommand</a:t>
+              <a:t>EditEventCommand</a:t>
             </a:r>
             <a:endParaRPr lang="en-SG" sz="900" b="1" dirty="0">
               <a:solidFill>
@@ -12783,15 +12732,7 @@
                   <a:srgbClr val="0070C0"/>
                 </a:solidFill>
               </a:rPr>
-              <a:t>DeleteTask</a:t>
-            </a:r>
-            <a:r>
-              <a:rPr lang="en-US" sz="900" b="1" dirty="0" err="1" smtClean="0">
-                <a:solidFill>
-                  <a:srgbClr val="0070C0"/>
-                </a:solidFill>
-              </a:rPr>
-              <a:t>Command</a:t>
+              <a:t>DeleteTaskCommand</a:t>
             </a:r>
             <a:endParaRPr lang="en-SG" sz="900" b="1" dirty="0">
               <a:solidFill>
@@ -12847,15 +12788,7 @@
                   <a:srgbClr val="0070C0"/>
                 </a:solidFill>
               </a:rPr>
-              <a:t>Delete</a:t>
-            </a:r>
-            <a:r>
-              <a:rPr lang="en-US" sz="900" b="1" dirty="0" err="1" smtClean="0">
-                <a:solidFill>
-                  <a:srgbClr val="0070C0"/>
-                </a:solidFill>
-              </a:rPr>
-              <a:t>EventCommand</a:t>
+              <a:t>DeleteEventCommand</a:t>
             </a:r>
             <a:endParaRPr lang="en-SG" sz="900" b="1" dirty="0">
               <a:solidFill>
@@ -12911,15 +12844,7 @@
                   <a:srgbClr val="0070C0"/>
                 </a:solidFill>
               </a:rPr>
-              <a:t>ListTask</a:t>
-            </a:r>
-            <a:r>
-              <a:rPr lang="en-US" sz="900" b="1" dirty="0" err="1" smtClean="0">
-                <a:solidFill>
-                  <a:srgbClr val="0070C0"/>
-                </a:solidFill>
-              </a:rPr>
-              <a:t>Command</a:t>
+              <a:t>ListTaskCommand</a:t>
             </a:r>
             <a:endParaRPr lang="en-SG" sz="900" b="1" dirty="0">
               <a:solidFill>
@@ -13345,15 +13270,7 @@
                   <a:srgbClr val="0070C0"/>
                 </a:solidFill>
               </a:rPr>
-              <a:t>List</a:t>
-            </a:r>
-            <a:r>
-              <a:rPr lang="en-US" sz="1050" b="1" dirty="0" err="1" smtClean="0">
-                <a:solidFill>
-                  <a:srgbClr val="0070C0"/>
-                </a:solidFill>
-              </a:rPr>
-              <a:t>Parser</a:t>
+              <a:t>ListParser</a:t>
             </a:r>
             <a:endParaRPr lang="en-SG" sz="1050" b="1" dirty="0">
               <a:solidFill>

--- a/docs/diagrams/Diagrams.pptx
+++ b/docs/diagrams/Diagrams.pptx
@@ -199,7 +199,7 @@
           <a:p>
             <a:fld id="{F5CC4B3F-88C1-4FFA-B1B6-F41C21DC6924}" type="datetimeFigureOut">
               <a:rPr lang="en-US" smtClean="0"/>
-              <a:t>9/29/2016</a:t>
+              <a:t>20/10/16</a:t>
             </a:fld>
             <a:endParaRPr lang="en-US"/>
           </a:p>
@@ -648,7 +648,7 @@
           <a:p>
             <a:fld id="{78C97017-6FC3-485B-9764-EAC9E56C1D49}" type="datetimeFigureOut">
               <a:rPr lang="en-US" smtClean="0"/>
-              <a:t>9/29/2016</a:t>
+              <a:t>20/10/16</a:t>
             </a:fld>
             <a:endParaRPr lang="en-US"/>
           </a:p>
@@ -818,7 +818,7 @@
           <a:p>
             <a:fld id="{78C97017-6FC3-485B-9764-EAC9E56C1D49}" type="datetimeFigureOut">
               <a:rPr lang="en-US" smtClean="0"/>
-              <a:t>9/29/2016</a:t>
+              <a:t>20/10/16</a:t>
             </a:fld>
             <a:endParaRPr lang="en-US"/>
           </a:p>
@@ -998,7 +998,7 @@
           <a:p>
             <a:fld id="{78C97017-6FC3-485B-9764-EAC9E56C1D49}" type="datetimeFigureOut">
               <a:rPr lang="en-US" smtClean="0"/>
-              <a:t>9/29/2016</a:t>
+              <a:t>20/10/16</a:t>
             </a:fld>
             <a:endParaRPr lang="en-US"/>
           </a:p>
@@ -1168,7 +1168,7 @@
           <a:p>
             <a:fld id="{78C97017-6FC3-485B-9764-EAC9E56C1D49}" type="datetimeFigureOut">
               <a:rPr lang="en-US" smtClean="0"/>
-              <a:t>9/29/2016</a:t>
+              <a:t>20/10/16</a:t>
             </a:fld>
             <a:endParaRPr lang="en-US"/>
           </a:p>
@@ -1414,7 +1414,7 @@
           <a:p>
             <a:fld id="{78C97017-6FC3-485B-9764-EAC9E56C1D49}" type="datetimeFigureOut">
               <a:rPr lang="en-US" smtClean="0"/>
-              <a:t>9/29/2016</a:t>
+              <a:t>20/10/16</a:t>
             </a:fld>
             <a:endParaRPr lang="en-US"/>
           </a:p>
@@ -1702,7 +1702,7 @@
           <a:p>
             <a:fld id="{78C97017-6FC3-485B-9764-EAC9E56C1D49}" type="datetimeFigureOut">
               <a:rPr lang="en-US" smtClean="0"/>
-              <a:t>9/29/2016</a:t>
+              <a:t>20/10/16</a:t>
             </a:fld>
             <a:endParaRPr lang="en-US"/>
           </a:p>
@@ -2124,7 +2124,7 @@
           <a:p>
             <a:fld id="{78C97017-6FC3-485B-9764-EAC9E56C1D49}" type="datetimeFigureOut">
               <a:rPr lang="en-US" smtClean="0"/>
-              <a:t>9/29/2016</a:t>
+              <a:t>20/10/16</a:t>
             </a:fld>
             <a:endParaRPr lang="en-US"/>
           </a:p>
@@ -2242,7 +2242,7 @@
           <a:p>
             <a:fld id="{78C97017-6FC3-485B-9764-EAC9E56C1D49}" type="datetimeFigureOut">
               <a:rPr lang="en-US" smtClean="0"/>
-              <a:t>9/29/2016</a:t>
+              <a:t>20/10/16</a:t>
             </a:fld>
             <a:endParaRPr lang="en-US"/>
           </a:p>
@@ -2337,7 +2337,7 @@
           <a:p>
             <a:fld id="{78C97017-6FC3-485B-9764-EAC9E56C1D49}" type="datetimeFigureOut">
               <a:rPr lang="en-US" smtClean="0"/>
-              <a:t>9/29/2016</a:t>
+              <a:t>20/10/16</a:t>
             </a:fld>
             <a:endParaRPr lang="en-US"/>
           </a:p>
@@ -2614,7 +2614,7 @@
           <a:p>
             <a:fld id="{78C97017-6FC3-485B-9764-EAC9E56C1D49}" type="datetimeFigureOut">
               <a:rPr lang="en-US" smtClean="0"/>
-              <a:t>9/29/2016</a:t>
+              <a:t>20/10/16</a:t>
             </a:fld>
             <a:endParaRPr lang="en-US"/>
           </a:p>
@@ -2867,7 +2867,7 @@
           <a:p>
             <a:fld id="{78C97017-6FC3-485B-9764-EAC9E56C1D49}" type="datetimeFigureOut">
               <a:rPr lang="en-US" smtClean="0"/>
-              <a:t>9/29/2016</a:t>
+              <a:t>20/10/16</a:t>
             </a:fld>
             <a:endParaRPr lang="en-US"/>
           </a:p>
@@ -3080,7 +3080,7 @@
           <a:p>
             <a:fld id="{78C97017-6FC3-485B-9764-EAC9E56C1D49}" type="datetimeFigureOut">
               <a:rPr lang="en-US" smtClean="0"/>
-              <a:t>9/29/2016</a:t>
+              <a:t>20/10/16</a:t>
             </a:fld>
             <a:endParaRPr lang="en-US"/>
           </a:p>
@@ -9755,7 +9755,7 @@
   <p:timing>
     <p:tnLst>
       <p:par>
-        <p:cTn id="1" dur="indefinite" restart="never" nodeType="tmRoot"/>
+        <p:cTn xmlns:p14="http://schemas.microsoft.com/office/powerpoint/2010/main" id="1" dur="indefinite" restart="never" nodeType="tmRoot"/>
       </p:par>
     </p:tnLst>
   </p:timing>
@@ -11503,7 +11503,7 @@
   <p:timing>
     <p:tnLst>
       <p:par>
-        <p:cTn id="1" dur="indefinite" restart="never" nodeType="tmRoot"/>
+        <p:cTn xmlns:p14="http://schemas.microsoft.com/office/powerpoint/2010/main" id="1" dur="indefinite" restart="never" nodeType="tmRoot"/>
       </p:par>
     </p:tnLst>
   </p:timing>
@@ -11717,8 +11717,8 @@
         </p:nvCxnSpPr>
         <p:spPr>
           <a:xfrm flipV="1">
-            <a:off x="6477000" y="3204826"/>
-            <a:ext cx="190770" cy="405819"/>
+            <a:off x="6477000" y="2948255"/>
+            <a:ext cx="190770" cy="662390"/>
           </a:xfrm>
           <a:prstGeom prst="bentConnector2">
             <a:avLst/>
@@ -11751,19 +11751,17 @@
       <p:cxnSp>
         <p:nvCxnSpPr>
           <p:cNvPr id="107" name="Elbow Connector 106"/>
-          <p:cNvCxnSpPr>
-            <a:stCxn id="9" idx="1"/>
-          </p:cNvCxnSpPr>
+          <p:cNvCxnSpPr/>
           <p:nvPr/>
         </p:nvCxnSpPr>
         <p:spPr>
           <a:xfrm rot="5400000" flipH="1" flipV="1">
-            <a:off x="4360065" y="1080909"/>
-            <a:ext cx="378691" cy="4637261"/>
+            <a:off x="4251209" y="904129"/>
+            <a:ext cx="554443" cy="4637261"/>
           </a:xfrm>
           <a:prstGeom prst="bentConnector4">
             <a:avLst>
-              <a:gd name="adj1" fmla="val -101829"/>
+              <a:gd name="adj1" fmla="val -81240"/>
               <a:gd name="adj2" fmla="val 99976"/>
             </a:avLst>
           </a:prstGeom>
@@ -11909,48 +11907,6 @@
           </a:p>
         </p:txBody>
       </p:sp>
-      <p:cxnSp>
-        <p:nvCxnSpPr>
-          <p:cNvPr id="55" name="Straight Arrow Connector 54"/>
-          <p:cNvCxnSpPr>
-            <a:stCxn id="62" idx="0"/>
-            <a:endCxn id="67" idx="2"/>
-          </p:cNvCxnSpPr>
-          <p:nvPr/>
-        </p:nvCxnSpPr>
-        <p:spPr>
-          <a:xfrm flipV="1">
-            <a:off x="6667770" y="2632344"/>
-            <a:ext cx="1612" cy="225722"/>
-          </a:xfrm>
-          <a:prstGeom prst="straightConnector1">
-            <a:avLst/>
-          </a:prstGeom>
-          <a:ln w="19050">
-            <a:solidFill>
-              <a:srgbClr val="7030A0"/>
-            </a:solidFill>
-            <a:prstDash val="sysDot"/>
-            <a:headEnd type="none" w="med" len="med"/>
-            <a:tailEnd type="arrow" w="med" len="med"/>
-          </a:ln>
-          <a:effectLst/>
-        </p:spPr>
-        <p:style>
-          <a:lnRef idx="1">
-            <a:schemeClr val="accent2"/>
-          </a:lnRef>
-          <a:fillRef idx="2">
-            <a:schemeClr val="accent2"/>
-          </a:fillRef>
-          <a:effectRef idx="1">
-            <a:schemeClr val="accent2"/>
-          </a:effectRef>
-          <a:fontRef idx="minor">
-            <a:schemeClr val="dk1"/>
-          </a:fontRef>
-        </p:style>
-      </p:cxnSp>
       <p:cxnSp>
         <p:nvCxnSpPr>
           <p:cNvPr id="58" name="Straight Arrow Connector 57"/>
@@ -12322,7 +12278,7 @@
         </p:nvSpPr>
         <p:spPr>
           <a:xfrm>
-            <a:off x="4487017" y="2847371"/>
+            <a:off x="4487017" y="2590800"/>
             <a:ext cx="1156969" cy="346760"/>
           </a:xfrm>
           <a:prstGeom prst="rect">
@@ -12420,19 +12376,18 @@
       <p:cxnSp>
         <p:nvCxnSpPr>
           <p:cNvPr id="30" name="Elbow Connector 29"/>
-          <p:cNvCxnSpPr>
-            <a:stCxn id="51" idx="3"/>
-            <a:endCxn id="49" idx="1"/>
-          </p:cNvCxnSpPr>
+          <p:cNvCxnSpPr/>
           <p:nvPr/>
         </p:nvCxnSpPr>
         <p:spPr>
-          <a:xfrm>
-            <a:off x="4220351" y="2760681"/>
-            <a:ext cx="266666" cy="260070"/>
+          <a:xfrm flipV="1">
+            <a:off x="4206866" y="2759859"/>
+            <a:ext cx="275449" cy="17481"/>
           </a:xfrm>
           <a:prstGeom prst="bentConnector3">
-            <a:avLst/>
+            <a:avLst>
+              <a:gd name="adj1" fmla="val 436"/>
+            </a:avLst>
           </a:prstGeom>
           <a:ln w="19050">
             <a:solidFill>
@@ -12460,112 +12415,13 @@
       </p:cxnSp>
       <p:sp>
         <p:nvSpPr>
-          <p:cNvPr id="57" name="Rectangle 8"/>
-          <p:cNvSpPr/>
-          <p:nvPr/>
-        </p:nvSpPr>
-        <p:spPr>
-          <a:xfrm>
-            <a:off x="4503204" y="2280569"/>
-            <a:ext cx="1156969" cy="346760"/>
-          </a:xfrm>
-          <a:prstGeom prst="rect">
-            <a:avLst/>
-          </a:prstGeom>
-          <a:ln w="19050">
-            <a:solidFill>
-              <a:srgbClr val="7030A0"/>
-            </a:solidFill>
-          </a:ln>
-          <a:effectLst/>
-        </p:spPr>
-        <p:style>
-          <a:lnRef idx="1">
-            <a:schemeClr val="accent4"/>
-          </a:lnRef>
-          <a:fillRef idx="2">
-            <a:schemeClr val="accent4"/>
-          </a:fillRef>
-          <a:effectRef idx="1">
-            <a:schemeClr val="accent4"/>
-          </a:effectRef>
-          <a:fontRef idx="minor">
-            <a:schemeClr val="dk1"/>
-          </a:fontRef>
-        </p:style>
-        <p:txBody>
-          <a:bodyPr rtlCol="0" anchor="ctr"/>
-          <a:lstStyle/>
-          <a:p>
-            <a:pPr algn="ctr"/>
-            <a:r>
-              <a:rPr lang="en-US" sz="1050" dirty="0" err="1" smtClean="0">
-                <a:solidFill>
-                  <a:srgbClr val="7030A0"/>
-                </a:solidFill>
-              </a:rPr>
-              <a:t>UniqueTagList</a:t>
-            </a:r>
-            <a:endParaRPr lang="en-SG" sz="1050" dirty="0">
-              <a:solidFill>
-                <a:srgbClr val="7030A0"/>
-              </a:solidFill>
-            </a:endParaRPr>
-          </a:p>
-        </p:txBody>
-      </p:sp>
-      <p:cxnSp>
-        <p:nvCxnSpPr>
-          <p:cNvPr id="59" name="Elbow Connector 58"/>
-          <p:cNvCxnSpPr>
-            <a:stCxn id="51" idx="3"/>
-            <a:endCxn id="57" idx="1"/>
-          </p:cNvCxnSpPr>
-          <p:nvPr/>
-        </p:nvCxnSpPr>
-        <p:spPr>
-          <a:xfrm flipV="1">
-            <a:off x="4220351" y="2453949"/>
-            <a:ext cx="282853" cy="306732"/>
-          </a:xfrm>
-          <a:prstGeom prst="bentConnector3">
-            <a:avLst>
-              <a:gd name="adj1" fmla="val 50000"/>
-            </a:avLst>
-          </a:prstGeom>
-          <a:ln w="19050">
-            <a:solidFill>
-              <a:srgbClr val="7030A0"/>
-            </a:solidFill>
-            <a:headEnd type="none" w="med" len="med"/>
-            <a:tailEnd type="arrow" w="med" len="med"/>
-          </a:ln>
-          <a:effectLst/>
-        </p:spPr>
-        <p:style>
-          <a:lnRef idx="1">
-            <a:schemeClr val="accent2"/>
-          </a:lnRef>
-          <a:fillRef idx="2">
-            <a:schemeClr val="accent2"/>
-          </a:fillRef>
-          <a:effectRef idx="1">
-            <a:schemeClr val="accent2"/>
-          </a:effectRef>
-          <a:fontRef idx="minor">
-            <a:schemeClr val="dk1"/>
-          </a:fontRef>
-        </p:style>
-      </p:cxnSp>
-      <p:sp>
-        <p:nvSpPr>
           <p:cNvPr id="62" name="Rectangle 8"/>
           <p:cNvSpPr/>
           <p:nvPr/>
         </p:nvSpPr>
         <p:spPr>
           <a:xfrm>
-            <a:off x="6313677" y="2858066"/>
+            <a:off x="6313677" y="2601495"/>
             <a:ext cx="708186" cy="346760"/>
           </a:xfrm>
           <a:prstGeom prst="rect">
@@ -12621,7 +12477,7 @@
         </p:nvSpPr>
         <p:spPr>
           <a:xfrm>
-            <a:off x="5643227" y="2943979"/>
+            <a:off x="5643227" y="2687408"/>
             <a:ext cx="236048" cy="173380"/>
           </a:xfrm>
           <a:prstGeom prst="flowChartDecision">
@@ -12669,150 +12525,8 @@
         </p:nvCxnSpPr>
         <p:spPr>
           <a:xfrm>
-            <a:off x="5879275" y="3030669"/>
+            <a:off x="5879275" y="2774098"/>
             <a:ext cx="434402" cy="777"/>
-          </a:xfrm>
-          <a:prstGeom prst="bentConnector3">
-            <a:avLst/>
-          </a:prstGeom>
-          <a:ln w="19050">
-            <a:solidFill>
-              <a:srgbClr val="7030A0"/>
-            </a:solidFill>
-            <a:headEnd type="none" w="med" len="med"/>
-            <a:tailEnd type="arrow" w="med" len="med"/>
-          </a:ln>
-          <a:effectLst/>
-        </p:spPr>
-        <p:style>
-          <a:lnRef idx="1">
-            <a:schemeClr val="accent2"/>
-          </a:lnRef>
-          <a:fillRef idx="2">
-            <a:schemeClr val="accent2"/>
-          </a:fillRef>
-          <a:effectRef idx="1">
-            <a:schemeClr val="accent2"/>
-          </a:effectRef>
-          <a:fontRef idx="minor">
-            <a:schemeClr val="dk1"/>
-          </a:fontRef>
-        </p:style>
-      </p:cxnSp>
-      <p:sp>
-        <p:nvSpPr>
-          <p:cNvPr id="67" name="Rectangle 8"/>
-          <p:cNvSpPr/>
-          <p:nvPr/>
-        </p:nvSpPr>
-        <p:spPr>
-          <a:xfrm>
-            <a:off x="6315289" y="2285584"/>
-            <a:ext cx="708186" cy="346760"/>
-          </a:xfrm>
-          <a:prstGeom prst="rect">
-            <a:avLst/>
-          </a:prstGeom>
-          <a:ln w="19050">
-            <a:solidFill>
-              <a:srgbClr val="7030A0"/>
-            </a:solidFill>
-          </a:ln>
-          <a:effectLst/>
-        </p:spPr>
-        <p:style>
-          <a:lnRef idx="1">
-            <a:schemeClr val="accent4"/>
-          </a:lnRef>
-          <a:fillRef idx="2">
-            <a:schemeClr val="accent4"/>
-          </a:fillRef>
-          <a:effectRef idx="1">
-            <a:schemeClr val="accent4"/>
-          </a:effectRef>
-          <a:fontRef idx="minor">
-            <a:schemeClr val="dk1"/>
-          </a:fontRef>
-        </p:style>
-        <p:txBody>
-          <a:bodyPr rtlCol="0" anchor="ctr"/>
-          <a:lstStyle/>
-          <a:p>
-            <a:pPr algn="ctr"/>
-            <a:r>
-              <a:rPr lang="en-US" sz="1050" dirty="0" smtClean="0">
-                <a:solidFill>
-                  <a:srgbClr val="7030A0"/>
-                </a:solidFill>
-              </a:rPr>
-              <a:t>Tag</a:t>
-            </a:r>
-            <a:endParaRPr lang="en-SG" sz="1050" dirty="0">
-              <a:solidFill>
-                <a:srgbClr val="7030A0"/>
-              </a:solidFill>
-            </a:endParaRPr>
-          </a:p>
-        </p:txBody>
-      </p:sp>
-      <p:sp>
-        <p:nvSpPr>
-          <p:cNvPr id="68" name="Flowchart: Decision 96"/>
-          <p:cNvSpPr/>
-          <p:nvPr/>
-        </p:nvSpPr>
-        <p:spPr>
-          <a:xfrm>
-            <a:off x="5672547" y="2371497"/>
-            <a:ext cx="236048" cy="173380"/>
-          </a:xfrm>
-          <a:prstGeom prst="flowChartDecision">
-            <a:avLst/>
-          </a:prstGeom>
-          <a:noFill/>
-          <a:ln w="19050">
-            <a:solidFill>
-              <a:srgbClr val="7030A0"/>
-            </a:solidFill>
-          </a:ln>
-          <a:effectLst/>
-        </p:spPr>
-        <p:style>
-          <a:lnRef idx="1">
-            <a:schemeClr val="accent6"/>
-          </a:lnRef>
-          <a:fillRef idx="2">
-            <a:schemeClr val="accent6"/>
-          </a:fillRef>
-          <a:effectRef idx="1">
-            <a:schemeClr val="accent6"/>
-          </a:effectRef>
-          <a:fontRef idx="minor">
-            <a:schemeClr val="dk1"/>
-          </a:fontRef>
-        </p:style>
-        <p:txBody>
-          <a:bodyPr rtlCol="0" anchor="ctr"/>
-          <a:lstStyle/>
-          <a:p>
-            <a:pPr algn="ctr"/>
-            <a:endParaRPr lang="en-US" sz="1050"/>
-          </a:p>
-        </p:txBody>
-      </p:sp>
-      <p:cxnSp>
-        <p:nvCxnSpPr>
-          <p:cNvPr id="69" name="Elbow Connector 68"/>
-          <p:cNvCxnSpPr>
-            <a:stCxn id="68" idx="3"/>
-            <a:endCxn id="67" idx="1"/>
-          </p:cNvCxnSpPr>
-          <p:nvPr/>
-        </p:nvCxnSpPr>
-        <p:spPr>
-          <a:xfrm>
-            <a:off x="5908595" y="2458187"/>
-            <a:ext cx="406694" cy="777"/>
           </a:xfrm>
           <a:prstGeom prst="bentConnector3">
             <a:avLst/>
@@ -12920,7 +12634,7 @@
         </p:nvSpPr>
         <p:spPr>
           <a:xfrm>
-            <a:off x="7712397" y="2564238"/>
+            <a:off x="7712397" y="1959952"/>
             <a:ext cx="708186" cy="285783"/>
           </a:xfrm>
           <a:prstGeom prst="rect">
@@ -12976,7 +12690,7 @@
         </p:nvSpPr>
         <p:spPr>
           <a:xfrm>
-            <a:off x="7041947" y="2948201"/>
+            <a:off x="7041947" y="2667000"/>
             <a:ext cx="236048" cy="173380"/>
           </a:xfrm>
           <a:prstGeom prst="flowChartDecision">
@@ -13026,8 +12740,8 @@
         </p:nvCxnSpPr>
         <p:spPr>
           <a:xfrm flipV="1">
-            <a:off x="7277995" y="2707130"/>
-            <a:ext cx="434402" cy="327761"/>
+            <a:off x="7277995" y="2102844"/>
+            <a:ext cx="434402" cy="650846"/>
           </a:xfrm>
           <a:prstGeom prst="bentConnector3">
             <a:avLst/>
@@ -13064,7 +12778,7 @@
         </p:nvSpPr>
         <p:spPr>
           <a:xfrm>
-            <a:off x="7712397" y="2887216"/>
+            <a:off x="7712397" y="2282930"/>
             <a:ext cx="708186" cy="285783"/>
           </a:xfrm>
           <a:prstGeom prst="rect">
@@ -13102,7 +12816,7 @@
                   <a:srgbClr val="7030A0"/>
                 </a:solidFill>
               </a:rPr>
-              <a:t>Phone</a:t>
+              <a:t>Interval</a:t>
             </a:r>
             <a:endParaRPr lang="en-SG" sz="1050" dirty="0">
               <a:solidFill>
@@ -13123,8 +12837,8 @@
         </p:nvCxnSpPr>
         <p:spPr>
           <a:xfrm flipV="1">
-            <a:off x="7277995" y="3030108"/>
-            <a:ext cx="434402" cy="4783"/>
+            <a:off x="7277995" y="2425822"/>
+            <a:ext cx="434402" cy="327868"/>
           </a:xfrm>
           <a:prstGeom prst="bentConnector3">
             <a:avLst/>
@@ -13161,7 +12875,7 @@
         </p:nvSpPr>
         <p:spPr>
           <a:xfrm>
-            <a:off x="7712397" y="3210194"/>
+            <a:off x="7712397" y="2605908"/>
             <a:ext cx="708186" cy="285783"/>
           </a:xfrm>
           <a:prstGeom prst="rect">
@@ -13199,7 +12913,7 @@
                   <a:srgbClr val="7030A0"/>
                 </a:solidFill>
               </a:rPr>
-              <a:t>Email</a:t>
+              <a:t>Location</a:t>
             </a:r>
             <a:endParaRPr lang="en-SG" sz="1050" dirty="0">
               <a:solidFill>
@@ -13219,9 +12933,9 @@
           <p:nvPr/>
         </p:nvCxnSpPr>
         <p:spPr>
-          <a:xfrm>
-            <a:off x="7277995" y="3034891"/>
-            <a:ext cx="434402" cy="318195"/>
+          <a:xfrm flipV="1">
+            <a:off x="7277995" y="2748800"/>
+            <a:ext cx="434402" cy="4890"/>
           </a:xfrm>
           <a:prstGeom prst="bentConnector3">
             <a:avLst/>
@@ -13258,7 +12972,7 @@
         </p:nvSpPr>
         <p:spPr>
           <a:xfrm>
-            <a:off x="7712397" y="3533171"/>
+            <a:off x="7712397" y="2928885"/>
             <a:ext cx="708186" cy="285783"/>
           </a:xfrm>
           <a:prstGeom prst="rect">
@@ -13296,7 +13010,7 @@
                   <a:srgbClr val="7030A0"/>
                 </a:solidFill>
               </a:rPr>
-              <a:t>Address</a:t>
+              <a:t>Remarks</a:t>
             </a:r>
             <a:endParaRPr lang="en-SG" sz="1050" dirty="0">
               <a:solidFill>
@@ -13317,8 +13031,8 @@
         </p:nvCxnSpPr>
         <p:spPr>
           <a:xfrm>
-            <a:off x="7277995" y="3034891"/>
-            <a:ext cx="434402" cy="641172"/>
+            <a:off x="7277995" y="2753690"/>
+            <a:ext cx="434402" cy="318087"/>
           </a:xfrm>
           <a:prstGeom prst="bentConnector3">
             <a:avLst/>
@@ -13649,6 +13363,103 @@
               <a:srgbClr val="7030A0"/>
             </a:solidFill>
             <a:prstDash val="sysDot"/>
+            <a:headEnd type="none" w="med" len="med"/>
+            <a:tailEnd type="arrow" w="med" len="med"/>
+          </a:ln>
+          <a:effectLst/>
+        </p:spPr>
+        <p:style>
+          <a:lnRef idx="1">
+            <a:schemeClr val="accent2"/>
+          </a:lnRef>
+          <a:fillRef idx="2">
+            <a:schemeClr val="accent2"/>
+          </a:fillRef>
+          <a:effectRef idx="1">
+            <a:schemeClr val="accent2"/>
+          </a:effectRef>
+          <a:fontRef idx="minor">
+            <a:schemeClr val="dk1"/>
+          </a:fontRef>
+        </p:style>
+      </p:cxnSp>
+      <p:sp>
+        <p:nvSpPr>
+          <p:cNvPr id="60" name="Rectangle 8"/>
+          <p:cNvSpPr/>
+          <p:nvPr/>
+        </p:nvSpPr>
+        <p:spPr>
+          <a:xfrm>
+            <a:off x="7710470" y="3255087"/>
+            <a:ext cx="708186" cy="285783"/>
+          </a:xfrm>
+          <a:prstGeom prst="rect">
+            <a:avLst/>
+          </a:prstGeom>
+          <a:ln w="19050">
+            <a:solidFill>
+              <a:srgbClr val="7030A0"/>
+            </a:solidFill>
+          </a:ln>
+          <a:effectLst/>
+        </p:spPr>
+        <p:style>
+          <a:lnRef idx="1">
+            <a:schemeClr val="accent4"/>
+          </a:lnRef>
+          <a:fillRef idx="2">
+            <a:schemeClr val="accent4"/>
+          </a:fillRef>
+          <a:effectRef idx="1">
+            <a:schemeClr val="accent4"/>
+          </a:effectRef>
+          <a:fontRef idx="minor">
+            <a:schemeClr val="dk1"/>
+          </a:fontRef>
+        </p:style>
+        <p:txBody>
+          <a:bodyPr rtlCol="0" anchor="ctr"/>
+          <a:lstStyle/>
+          <a:p>
+            <a:pPr algn="ctr"/>
+            <a:r>
+              <a:rPr lang="en-US" sz="1050" dirty="0" smtClean="0">
+                <a:solidFill>
+                  <a:srgbClr val="7030A0"/>
+                </a:solidFill>
+              </a:rPr>
+              <a:t>Status</a:t>
+            </a:r>
+            <a:endParaRPr lang="en-SG" sz="1050" dirty="0">
+              <a:solidFill>
+                <a:srgbClr val="7030A0"/>
+              </a:solidFill>
+            </a:endParaRPr>
+          </a:p>
+        </p:txBody>
+      </p:sp>
+      <p:cxnSp>
+        <p:nvCxnSpPr>
+          <p:cNvPr id="61" name="Elbow Connector 60"/>
+          <p:cNvCxnSpPr>
+            <a:stCxn id="78" idx="3"/>
+            <a:endCxn id="60" idx="1"/>
+          </p:cNvCxnSpPr>
+          <p:nvPr/>
+        </p:nvCxnSpPr>
+        <p:spPr>
+          <a:xfrm>
+            <a:off x="7277995" y="2753690"/>
+            <a:ext cx="432475" cy="644289"/>
+          </a:xfrm>
+          <a:prstGeom prst="bentConnector3">
+            <a:avLst/>
+          </a:prstGeom>
+          <a:ln w="19050">
+            <a:solidFill>
+              <a:srgbClr val="7030A0"/>
+            </a:solidFill>
             <a:headEnd type="none" w="med" len="med"/>
             <a:tailEnd type="arrow" w="med" len="med"/>
           </a:ln>
@@ -13682,7 +13493,7 @@
   <p:timing>
     <p:tnLst>
       <p:par>
-        <p:cTn id="1" dur="indefinite" restart="never" nodeType="tmRoot"/>
+        <p:cTn xmlns:p14="http://schemas.microsoft.com/office/powerpoint/2010/main" id="1" dur="indefinite" restart="never" nodeType="tmRoot"/>
       </p:par>
     </p:tnLst>
   </p:timing>
@@ -15104,7 +14915,7 @@
   <p:timing>
     <p:tnLst>
       <p:par>
-        <p:cTn id="1" dur="indefinite" restart="never" nodeType="tmRoot"/>
+        <p:cTn xmlns:p14="http://schemas.microsoft.com/office/powerpoint/2010/main" id="1" dur="indefinite" restart="never" nodeType="tmRoot"/>
       </p:par>
     </p:tnLst>
   </p:timing>

--- a/docs/diagrams/Diagrams.pptx
+++ b/docs/diagrams/Diagrams.pptx
@@ -114,6 +114,22 @@
       </a:defRPr>
     </a:lvl9pPr>
   </p:defaultTextStyle>
+  <p:extLst>
+    <p:ext uri="{EFAFB233-063F-42B5-8137-9DF3F51BA10A}">
+      <p15:sldGuideLst xmlns:p15="http://schemas.microsoft.com/office/powerpoint/2012/main">
+        <p15:guide id="1" orient="horz" pos="1488">
+          <p15:clr>
+            <a:srgbClr val="A4A3A4"/>
+          </p15:clr>
+        </p15:guide>
+        <p15:guide id="2" pos="2880">
+          <p15:clr>
+            <a:srgbClr val="A4A3A4"/>
+          </p15:clr>
+        </p15:guide>
+      </p15:sldGuideLst>
+    </p:ext>
+  </p:extLst>
 </p:presentation>
 </file>
 
@@ -199,7 +215,7 @@
           <a:p>
             <a:fld id="{F5CC4B3F-88C1-4FFA-B1B6-F41C21DC6924}" type="datetimeFigureOut">
               <a:rPr lang="en-US" smtClean="0"/>
-              <a:t>9/29/2016</a:t>
+              <a:t>10/21/2016</a:t>
             </a:fld>
             <a:endParaRPr lang="en-US"/>
           </a:p>
@@ -263,38 +279,37 @@
           <a:p>
             <a:pPr lvl="0"/>
             <a:r>
-              <a:rPr lang="en-US" smtClean="0"/>
+              <a:rPr lang="en-US"/>
               <a:t>Click to edit Master text styles</a:t>
             </a:r>
           </a:p>
           <a:p>
             <a:pPr lvl="1"/>
             <a:r>
-              <a:rPr lang="en-US" smtClean="0"/>
+              <a:rPr lang="en-US"/>
               <a:t>Second level</a:t>
             </a:r>
           </a:p>
           <a:p>
             <a:pPr lvl="2"/>
             <a:r>
-              <a:rPr lang="en-US" smtClean="0"/>
+              <a:rPr lang="en-US"/>
               <a:t>Third level</a:t>
             </a:r>
           </a:p>
           <a:p>
             <a:pPr lvl="3"/>
             <a:r>
-              <a:rPr lang="en-US" smtClean="0"/>
+              <a:rPr lang="en-US"/>
               <a:t>Fourth level</a:t>
             </a:r>
           </a:p>
           <a:p>
             <a:pPr lvl="4"/>
             <a:r>
-              <a:rPr lang="en-US" smtClean="0"/>
+              <a:rPr lang="en-US"/>
               <a:t>Fifth level</a:t>
             </a:r>
-            <a:endParaRPr lang="en-US"/>
           </a:p>
         </p:txBody>
       </p:sp>
@@ -505,10 +520,9 @@
           <a:lstStyle/>
           <a:p>
             <a:r>
-              <a:rPr lang="en-US" smtClean="0"/>
+              <a:rPr lang="en-US"/>
               <a:t>Click to edit Master title style</a:t>
             </a:r>
-            <a:endParaRPr lang="en-US"/>
           </a:p>
         </p:txBody>
       </p:sp>
@@ -624,10 +638,9 @@
           </a:lstStyle>
           <a:p>
             <a:r>
-              <a:rPr lang="en-US" smtClean="0"/>
+              <a:rPr lang="en-US"/>
               <a:t>Click to edit Master subtitle style</a:t>
             </a:r>
-            <a:endParaRPr lang="en-US"/>
           </a:p>
         </p:txBody>
       </p:sp>
@@ -648,7 +661,7 @@
           <a:p>
             <a:fld id="{78C97017-6FC3-485B-9764-EAC9E56C1D49}" type="datetimeFigureOut">
               <a:rPr lang="en-US" smtClean="0"/>
-              <a:t>9/29/2016</a:t>
+              <a:t>10/21/2016</a:t>
             </a:fld>
             <a:endParaRPr lang="en-US"/>
           </a:p>
@@ -742,10 +755,9 @@
           <a:lstStyle/>
           <a:p>
             <a:r>
-              <a:rPr lang="en-US" smtClean="0"/>
+              <a:rPr lang="en-US"/>
               <a:t>Click to edit Master title style</a:t>
             </a:r>
-            <a:endParaRPr lang="en-US"/>
           </a:p>
         </p:txBody>
       </p:sp>
@@ -766,38 +778,37 @@
           <a:p>
             <a:pPr lvl="0"/>
             <a:r>
-              <a:rPr lang="en-US" smtClean="0"/>
+              <a:rPr lang="en-US"/>
               <a:t>Click to edit Master text styles</a:t>
             </a:r>
           </a:p>
           <a:p>
             <a:pPr lvl="1"/>
             <a:r>
-              <a:rPr lang="en-US" smtClean="0"/>
+              <a:rPr lang="en-US"/>
               <a:t>Second level</a:t>
             </a:r>
           </a:p>
           <a:p>
             <a:pPr lvl="2"/>
             <a:r>
-              <a:rPr lang="en-US" smtClean="0"/>
+              <a:rPr lang="en-US"/>
               <a:t>Third level</a:t>
             </a:r>
           </a:p>
           <a:p>
             <a:pPr lvl="3"/>
             <a:r>
-              <a:rPr lang="en-US" smtClean="0"/>
+              <a:rPr lang="en-US"/>
               <a:t>Fourth level</a:t>
             </a:r>
           </a:p>
           <a:p>
             <a:pPr lvl="4"/>
             <a:r>
-              <a:rPr lang="en-US" smtClean="0"/>
+              <a:rPr lang="en-US"/>
               <a:t>Fifth level</a:t>
             </a:r>
-            <a:endParaRPr lang="en-US"/>
           </a:p>
         </p:txBody>
       </p:sp>
@@ -818,7 +829,7 @@
           <a:p>
             <a:fld id="{78C97017-6FC3-485B-9764-EAC9E56C1D49}" type="datetimeFigureOut">
               <a:rPr lang="en-US" smtClean="0"/>
-              <a:t>9/29/2016</a:t>
+              <a:t>10/21/2016</a:t>
             </a:fld>
             <a:endParaRPr lang="en-US"/>
           </a:p>
@@ -917,10 +928,9 @@
           <a:lstStyle/>
           <a:p>
             <a:r>
-              <a:rPr lang="en-US" smtClean="0"/>
+              <a:rPr lang="en-US"/>
               <a:t>Click to edit Master title style</a:t>
             </a:r>
-            <a:endParaRPr lang="en-US"/>
           </a:p>
         </p:txBody>
       </p:sp>
@@ -946,38 +956,37 @@
           <a:p>
             <a:pPr lvl="0"/>
             <a:r>
-              <a:rPr lang="en-US" smtClean="0"/>
+              <a:rPr lang="en-US"/>
               <a:t>Click to edit Master text styles</a:t>
             </a:r>
           </a:p>
           <a:p>
             <a:pPr lvl="1"/>
             <a:r>
-              <a:rPr lang="en-US" smtClean="0"/>
+              <a:rPr lang="en-US"/>
               <a:t>Second level</a:t>
             </a:r>
           </a:p>
           <a:p>
             <a:pPr lvl="2"/>
             <a:r>
-              <a:rPr lang="en-US" smtClean="0"/>
+              <a:rPr lang="en-US"/>
               <a:t>Third level</a:t>
             </a:r>
           </a:p>
           <a:p>
             <a:pPr lvl="3"/>
             <a:r>
-              <a:rPr lang="en-US" smtClean="0"/>
+              <a:rPr lang="en-US"/>
               <a:t>Fourth level</a:t>
             </a:r>
           </a:p>
           <a:p>
             <a:pPr lvl="4"/>
             <a:r>
-              <a:rPr lang="en-US" smtClean="0"/>
+              <a:rPr lang="en-US"/>
               <a:t>Fifth level</a:t>
             </a:r>
-            <a:endParaRPr lang="en-US"/>
           </a:p>
         </p:txBody>
       </p:sp>
@@ -998,7 +1007,7 @@
           <a:p>
             <a:fld id="{78C97017-6FC3-485B-9764-EAC9E56C1D49}" type="datetimeFigureOut">
               <a:rPr lang="en-US" smtClean="0"/>
-              <a:t>9/29/2016</a:t>
+              <a:t>10/21/2016</a:t>
             </a:fld>
             <a:endParaRPr lang="en-US"/>
           </a:p>
@@ -1092,10 +1101,9 @@
           <a:lstStyle/>
           <a:p>
             <a:r>
-              <a:rPr lang="en-US" smtClean="0"/>
+              <a:rPr lang="en-US"/>
               <a:t>Click to edit Master title style</a:t>
             </a:r>
-            <a:endParaRPr lang="en-US"/>
           </a:p>
         </p:txBody>
       </p:sp>
@@ -1116,38 +1124,37 @@
           <a:p>
             <a:pPr lvl="0"/>
             <a:r>
-              <a:rPr lang="en-US" smtClean="0"/>
+              <a:rPr lang="en-US"/>
               <a:t>Click to edit Master text styles</a:t>
             </a:r>
           </a:p>
           <a:p>
             <a:pPr lvl="1"/>
             <a:r>
-              <a:rPr lang="en-US" smtClean="0"/>
+              <a:rPr lang="en-US"/>
               <a:t>Second level</a:t>
             </a:r>
           </a:p>
           <a:p>
             <a:pPr lvl="2"/>
             <a:r>
-              <a:rPr lang="en-US" smtClean="0"/>
+              <a:rPr lang="en-US"/>
               <a:t>Third level</a:t>
             </a:r>
           </a:p>
           <a:p>
             <a:pPr lvl="3"/>
             <a:r>
-              <a:rPr lang="en-US" smtClean="0"/>
+              <a:rPr lang="en-US"/>
               <a:t>Fourth level</a:t>
             </a:r>
           </a:p>
           <a:p>
             <a:pPr lvl="4"/>
             <a:r>
-              <a:rPr lang="en-US" smtClean="0"/>
+              <a:rPr lang="en-US"/>
               <a:t>Fifth level</a:t>
             </a:r>
-            <a:endParaRPr lang="en-US"/>
           </a:p>
         </p:txBody>
       </p:sp>
@@ -1168,7 +1175,7 @@
           <a:p>
             <a:fld id="{78C97017-6FC3-485B-9764-EAC9E56C1D49}" type="datetimeFigureOut">
               <a:rPr lang="en-US" smtClean="0"/>
-              <a:t>9/29/2016</a:t>
+              <a:t>10/21/2016</a:t>
             </a:fld>
             <a:endParaRPr lang="en-US"/>
           </a:p>
@@ -1271,10 +1278,9 @@
           </a:lstStyle>
           <a:p>
             <a:r>
-              <a:rPr lang="en-US" smtClean="0"/>
+              <a:rPr lang="en-US"/>
               <a:t>Click to edit Master title style</a:t>
             </a:r>
-            <a:endParaRPr lang="en-US"/>
           </a:p>
         </p:txBody>
       </p:sp>
@@ -1391,7 +1397,7 @@
           <a:p>
             <a:pPr lvl="0"/>
             <a:r>
-              <a:rPr lang="en-US" smtClean="0"/>
+              <a:rPr lang="en-US"/>
               <a:t>Click to edit Master text styles</a:t>
             </a:r>
           </a:p>
@@ -1414,7 +1420,7 @@
           <a:p>
             <a:fld id="{78C97017-6FC3-485B-9764-EAC9E56C1D49}" type="datetimeFigureOut">
               <a:rPr lang="en-US" smtClean="0"/>
-              <a:t>9/29/2016</a:t>
+              <a:t>10/21/2016</a:t>
             </a:fld>
             <a:endParaRPr lang="en-US"/>
           </a:p>
@@ -1508,10 +1514,9 @@
           <a:lstStyle/>
           <a:p>
             <a:r>
-              <a:rPr lang="en-US" smtClean="0"/>
+              <a:rPr lang="en-US"/>
               <a:t>Click to edit Master title style</a:t>
             </a:r>
-            <a:endParaRPr lang="en-US"/>
           </a:p>
         </p:txBody>
       </p:sp>
@@ -1565,38 +1570,37 @@
           <a:p>
             <a:pPr lvl="0"/>
             <a:r>
-              <a:rPr lang="en-US" smtClean="0"/>
+              <a:rPr lang="en-US"/>
               <a:t>Click to edit Master text styles</a:t>
             </a:r>
           </a:p>
           <a:p>
             <a:pPr lvl="1"/>
             <a:r>
-              <a:rPr lang="en-US" smtClean="0"/>
+              <a:rPr lang="en-US"/>
               <a:t>Second level</a:t>
             </a:r>
           </a:p>
           <a:p>
             <a:pPr lvl="2"/>
             <a:r>
-              <a:rPr lang="en-US" smtClean="0"/>
+              <a:rPr lang="en-US"/>
               <a:t>Third level</a:t>
             </a:r>
           </a:p>
           <a:p>
             <a:pPr lvl="3"/>
             <a:r>
-              <a:rPr lang="en-US" smtClean="0"/>
+              <a:rPr lang="en-US"/>
               <a:t>Fourth level</a:t>
             </a:r>
           </a:p>
           <a:p>
             <a:pPr lvl="4"/>
             <a:r>
-              <a:rPr lang="en-US" smtClean="0"/>
+              <a:rPr lang="en-US"/>
               <a:t>Fifth level</a:t>
             </a:r>
-            <a:endParaRPr lang="en-US"/>
           </a:p>
         </p:txBody>
       </p:sp>
@@ -1650,38 +1654,37 @@
           <a:p>
             <a:pPr lvl="0"/>
             <a:r>
-              <a:rPr lang="en-US" smtClean="0"/>
+              <a:rPr lang="en-US"/>
               <a:t>Click to edit Master text styles</a:t>
             </a:r>
           </a:p>
           <a:p>
             <a:pPr lvl="1"/>
             <a:r>
-              <a:rPr lang="en-US" smtClean="0"/>
+              <a:rPr lang="en-US"/>
               <a:t>Second level</a:t>
             </a:r>
           </a:p>
           <a:p>
             <a:pPr lvl="2"/>
             <a:r>
-              <a:rPr lang="en-US" smtClean="0"/>
+              <a:rPr lang="en-US"/>
               <a:t>Third level</a:t>
             </a:r>
           </a:p>
           <a:p>
             <a:pPr lvl="3"/>
             <a:r>
-              <a:rPr lang="en-US" smtClean="0"/>
+              <a:rPr lang="en-US"/>
               <a:t>Fourth level</a:t>
             </a:r>
           </a:p>
           <a:p>
             <a:pPr lvl="4"/>
             <a:r>
-              <a:rPr lang="en-US" smtClean="0"/>
+              <a:rPr lang="en-US"/>
               <a:t>Fifth level</a:t>
             </a:r>
-            <a:endParaRPr lang="en-US"/>
           </a:p>
         </p:txBody>
       </p:sp>
@@ -1702,7 +1705,7 @@
           <a:p>
             <a:fld id="{78C97017-6FC3-485B-9764-EAC9E56C1D49}" type="datetimeFigureOut">
               <a:rPr lang="en-US" smtClean="0"/>
-              <a:t>9/29/2016</a:t>
+              <a:t>10/21/2016</a:t>
             </a:fld>
             <a:endParaRPr lang="en-US"/>
           </a:p>
@@ -1800,10 +1803,9 @@
           </a:lstStyle>
           <a:p>
             <a:r>
-              <a:rPr lang="en-US" smtClean="0"/>
+              <a:rPr lang="en-US"/>
               <a:t>Click to edit Master title style</a:t>
             </a:r>
-            <a:endParaRPr lang="en-US"/>
           </a:p>
         </p:txBody>
       </p:sp>
@@ -1866,7 +1868,7 @@
           <a:p>
             <a:pPr lvl="0"/>
             <a:r>
-              <a:rPr lang="en-US" smtClean="0"/>
+              <a:rPr lang="en-US"/>
               <a:t>Click to edit Master text styles</a:t>
             </a:r>
           </a:p>
@@ -1922,38 +1924,37 @@
           <a:p>
             <a:pPr lvl="0"/>
             <a:r>
-              <a:rPr lang="en-US" smtClean="0"/>
+              <a:rPr lang="en-US"/>
               <a:t>Click to edit Master text styles</a:t>
             </a:r>
           </a:p>
           <a:p>
             <a:pPr lvl="1"/>
             <a:r>
-              <a:rPr lang="en-US" smtClean="0"/>
+              <a:rPr lang="en-US"/>
               <a:t>Second level</a:t>
             </a:r>
           </a:p>
           <a:p>
             <a:pPr lvl="2"/>
             <a:r>
-              <a:rPr lang="en-US" smtClean="0"/>
+              <a:rPr lang="en-US"/>
               <a:t>Third level</a:t>
             </a:r>
           </a:p>
           <a:p>
             <a:pPr lvl="3"/>
             <a:r>
-              <a:rPr lang="en-US" smtClean="0"/>
+              <a:rPr lang="en-US"/>
               <a:t>Fourth level</a:t>
             </a:r>
           </a:p>
           <a:p>
             <a:pPr lvl="4"/>
             <a:r>
-              <a:rPr lang="en-US" smtClean="0"/>
+              <a:rPr lang="en-US"/>
               <a:t>Fifth level</a:t>
             </a:r>
-            <a:endParaRPr lang="en-US"/>
           </a:p>
         </p:txBody>
       </p:sp>
@@ -2016,7 +2017,7 @@
           <a:p>
             <a:pPr lvl="0"/>
             <a:r>
-              <a:rPr lang="en-US" smtClean="0"/>
+              <a:rPr lang="en-US"/>
               <a:t>Click to edit Master text styles</a:t>
             </a:r>
           </a:p>
@@ -2072,38 +2073,37 @@
           <a:p>
             <a:pPr lvl="0"/>
             <a:r>
-              <a:rPr lang="en-US" smtClean="0"/>
+              <a:rPr lang="en-US"/>
               <a:t>Click to edit Master text styles</a:t>
             </a:r>
           </a:p>
           <a:p>
             <a:pPr lvl="1"/>
             <a:r>
-              <a:rPr lang="en-US" smtClean="0"/>
+              <a:rPr lang="en-US"/>
               <a:t>Second level</a:t>
             </a:r>
           </a:p>
           <a:p>
             <a:pPr lvl="2"/>
             <a:r>
-              <a:rPr lang="en-US" smtClean="0"/>
+              <a:rPr lang="en-US"/>
               <a:t>Third level</a:t>
             </a:r>
           </a:p>
           <a:p>
             <a:pPr lvl="3"/>
             <a:r>
-              <a:rPr lang="en-US" smtClean="0"/>
+              <a:rPr lang="en-US"/>
               <a:t>Fourth level</a:t>
             </a:r>
           </a:p>
           <a:p>
             <a:pPr lvl="4"/>
             <a:r>
-              <a:rPr lang="en-US" smtClean="0"/>
+              <a:rPr lang="en-US"/>
               <a:t>Fifth level</a:t>
             </a:r>
-            <a:endParaRPr lang="en-US"/>
           </a:p>
         </p:txBody>
       </p:sp>
@@ -2124,7 +2124,7 @@
           <a:p>
             <a:fld id="{78C97017-6FC3-485B-9764-EAC9E56C1D49}" type="datetimeFigureOut">
               <a:rPr lang="en-US" smtClean="0"/>
-              <a:t>9/29/2016</a:t>
+              <a:t>10/21/2016</a:t>
             </a:fld>
             <a:endParaRPr lang="en-US"/>
           </a:p>
@@ -2218,10 +2218,9 @@
           <a:lstStyle/>
           <a:p>
             <a:r>
-              <a:rPr lang="en-US" smtClean="0"/>
+              <a:rPr lang="en-US"/>
               <a:t>Click to edit Master title style</a:t>
             </a:r>
-            <a:endParaRPr lang="en-US"/>
           </a:p>
         </p:txBody>
       </p:sp>
@@ -2242,7 +2241,7 @@
           <a:p>
             <a:fld id="{78C97017-6FC3-485B-9764-EAC9E56C1D49}" type="datetimeFigureOut">
               <a:rPr lang="en-US" smtClean="0"/>
-              <a:t>9/29/2016</a:t>
+              <a:t>10/21/2016</a:t>
             </a:fld>
             <a:endParaRPr lang="en-US"/>
           </a:p>
@@ -2337,7 +2336,7 @@
           <a:p>
             <a:fld id="{78C97017-6FC3-485B-9764-EAC9E56C1D49}" type="datetimeFigureOut">
               <a:rPr lang="en-US" smtClean="0"/>
-              <a:t>9/29/2016</a:t>
+              <a:t>10/21/2016</a:t>
             </a:fld>
             <a:endParaRPr lang="en-US"/>
           </a:p>
@@ -2440,10 +2439,9 @@
           </a:lstStyle>
           <a:p>
             <a:r>
-              <a:rPr lang="en-US" smtClean="0"/>
+              <a:rPr lang="en-US"/>
               <a:t>Click to edit Master title style</a:t>
             </a:r>
-            <a:endParaRPr lang="en-US"/>
           </a:p>
         </p:txBody>
       </p:sp>
@@ -2497,38 +2495,37 @@
           <a:p>
             <a:pPr lvl="0"/>
             <a:r>
-              <a:rPr lang="en-US" smtClean="0"/>
+              <a:rPr lang="en-US"/>
               <a:t>Click to edit Master text styles</a:t>
             </a:r>
           </a:p>
           <a:p>
             <a:pPr lvl="1"/>
             <a:r>
-              <a:rPr lang="en-US" smtClean="0"/>
+              <a:rPr lang="en-US"/>
               <a:t>Second level</a:t>
             </a:r>
           </a:p>
           <a:p>
             <a:pPr lvl="2"/>
             <a:r>
-              <a:rPr lang="en-US" smtClean="0"/>
+              <a:rPr lang="en-US"/>
               <a:t>Third level</a:t>
             </a:r>
           </a:p>
           <a:p>
             <a:pPr lvl="3"/>
             <a:r>
-              <a:rPr lang="en-US" smtClean="0"/>
+              <a:rPr lang="en-US"/>
               <a:t>Fourth level</a:t>
             </a:r>
           </a:p>
           <a:p>
             <a:pPr lvl="4"/>
             <a:r>
-              <a:rPr lang="en-US" smtClean="0"/>
+              <a:rPr lang="en-US"/>
               <a:t>Fifth level</a:t>
             </a:r>
-            <a:endParaRPr lang="en-US"/>
           </a:p>
         </p:txBody>
       </p:sp>
@@ -2591,7 +2588,7 @@
           <a:p>
             <a:pPr lvl="0"/>
             <a:r>
-              <a:rPr lang="en-US" smtClean="0"/>
+              <a:rPr lang="en-US"/>
               <a:t>Click to edit Master text styles</a:t>
             </a:r>
           </a:p>
@@ -2614,7 +2611,7 @@
           <a:p>
             <a:fld id="{78C97017-6FC3-485B-9764-EAC9E56C1D49}" type="datetimeFigureOut">
               <a:rPr lang="en-US" smtClean="0"/>
-              <a:t>9/29/2016</a:t>
+              <a:t>10/21/2016</a:t>
             </a:fld>
             <a:endParaRPr lang="en-US"/>
           </a:p>
@@ -2717,10 +2714,9 @@
           </a:lstStyle>
           <a:p>
             <a:r>
-              <a:rPr lang="en-US" smtClean="0"/>
+              <a:rPr lang="en-US"/>
               <a:t>Click to edit Master title style</a:t>
             </a:r>
-            <a:endParaRPr lang="en-US"/>
           </a:p>
         </p:txBody>
       </p:sp>
@@ -2844,7 +2840,7 @@
           <a:p>
             <a:pPr lvl="0"/>
             <a:r>
-              <a:rPr lang="en-US" smtClean="0"/>
+              <a:rPr lang="en-US"/>
               <a:t>Click to edit Master text styles</a:t>
             </a:r>
           </a:p>
@@ -2867,7 +2863,7 @@
           <a:p>
             <a:fld id="{78C97017-6FC3-485B-9764-EAC9E56C1D49}" type="datetimeFigureOut">
               <a:rPr lang="en-US" smtClean="0"/>
-              <a:t>9/29/2016</a:t>
+              <a:t>10/21/2016</a:t>
             </a:fld>
             <a:endParaRPr lang="en-US"/>
           </a:p>
@@ -2976,10 +2972,9 @@
           <a:lstStyle/>
           <a:p>
             <a:r>
-              <a:rPr lang="en-US" smtClean="0"/>
+              <a:rPr lang="en-US"/>
               <a:t>Click to edit Master title style</a:t>
             </a:r>
-            <a:endParaRPr lang="en-US"/>
           </a:p>
         </p:txBody>
       </p:sp>
@@ -3010,38 +3005,37 @@
           <a:p>
             <a:pPr lvl="0"/>
             <a:r>
-              <a:rPr lang="en-US" smtClean="0"/>
+              <a:rPr lang="en-US"/>
               <a:t>Click to edit Master text styles</a:t>
             </a:r>
           </a:p>
           <a:p>
             <a:pPr lvl="1"/>
             <a:r>
-              <a:rPr lang="en-US" smtClean="0"/>
+              <a:rPr lang="en-US"/>
               <a:t>Second level</a:t>
             </a:r>
           </a:p>
           <a:p>
             <a:pPr lvl="2"/>
             <a:r>
-              <a:rPr lang="en-US" smtClean="0"/>
+              <a:rPr lang="en-US"/>
               <a:t>Third level</a:t>
             </a:r>
           </a:p>
           <a:p>
             <a:pPr lvl="3"/>
             <a:r>
-              <a:rPr lang="en-US" smtClean="0"/>
+              <a:rPr lang="en-US"/>
               <a:t>Fourth level</a:t>
             </a:r>
           </a:p>
           <a:p>
             <a:pPr lvl="4"/>
             <a:r>
-              <a:rPr lang="en-US" smtClean="0"/>
+              <a:rPr lang="en-US"/>
               <a:t>Fifth level</a:t>
             </a:r>
-            <a:endParaRPr lang="en-US"/>
           </a:p>
         </p:txBody>
       </p:sp>
@@ -3080,7 +3074,7 @@
           <a:p>
             <a:fld id="{78C97017-6FC3-485B-9764-EAC9E56C1D49}" type="datetimeFigureOut">
               <a:rPr lang="en-US" smtClean="0"/>
-              <a:t>9/29/2016</a:t>
+              <a:t>10/21/2016</a:t>
             </a:fld>
             <a:endParaRPr lang="en-US"/>
           </a:p>
@@ -3471,14 +3465,9 @@
           <a:lstStyle/>
           <a:p>
             <a:r>
-              <a:rPr lang="en-US" dirty="0" err="1" smtClean="0"/>
-              <a:t>AddressBook</a:t>
-            </a:r>
-            <a:r>
-              <a:rPr lang="en-US" dirty="0" smtClean="0"/>
-              <a:t> – Level 4</a:t>
-            </a:r>
-            <a:endParaRPr lang="en-US" dirty="0"/>
+              <a:rPr lang="en-US" dirty="0"/>
+              <a:t>Task Scheduler</a:t>
+            </a:r>
           </a:p>
         </p:txBody>
       </p:sp>
@@ -3498,10 +3487,9 @@
           <a:lstStyle/>
           <a:p>
             <a:r>
-              <a:rPr lang="en-US" dirty="0" smtClean="0"/>
+              <a:rPr lang="en-US" dirty="0"/>
               <a:t>Diagrams</a:t>
             </a:r>
-            <a:endParaRPr lang="en-US" dirty="0"/>
           </a:p>
         </p:txBody>
       </p:sp>
@@ -3633,7 +3621,7 @@
           <a:p>
             <a:pPr algn="ctr"/>
             <a:r>
-              <a:rPr lang="en-US" sz="1600" dirty="0" smtClean="0">
+              <a:rPr lang="en-US" sz="1600" dirty="0">
                 <a:solidFill>
                   <a:schemeClr val="bg1"/>
                 </a:solidFill>
@@ -3692,7 +3680,7 @@
           <a:p>
             <a:pPr algn="ctr"/>
             <a:r>
-              <a:rPr lang="en-US" sz="1600" dirty="0" smtClean="0">
+              <a:rPr lang="en-US" sz="1600" dirty="0">
                 <a:solidFill>
                   <a:schemeClr val="bg1"/>
                 </a:solidFill>
@@ -3755,7 +3743,7 @@
           <a:p>
             <a:pPr algn="ctr"/>
             <a:r>
-              <a:rPr lang="en-US" sz="1600" dirty="0" smtClean="0">
+              <a:rPr lang="en-US" sz="1600" dirty="0">
                 <a:solidFill>
                   <a:schemeClr val="bg1"/>
                 </a:solidFill>
@@ -3814,7 +3802,7 @@
           <a:p>
             <a:pPr algn="ctr"/>
             <a:r>
-              <a:rPr lang="en-US" sz="1600" dirty="0" smtClean="0">
+              <a:rPr lang="en-US" sz="1600" dirty="0">
                 <a:solidFill>
                   <a:schemeClr val="bg1"/>
                 </a:solidFill>
@@ -4400,7 +4388,7 @@
           <a:p>
             <a:pPr algn="ctr"/>
             <a:r>
-              <a:rPr lang="en-US" sz="1600" dirty="0" smtClean="0">
+              <a:rPr lang="en-US" sz="1600" dirty="0">
                 <a:solidFill>
                   <a:schemeClr val="bg1"/>
                 </a:solidFill>
@@ -4751,7 +4739,7 @@
           <a:p>
             <a:pPr algn="ctr"/>
             <a:r>
-              <a:rPr lang="en-US" sz="1600" dirty="0" smtClean="0">
+              <a:rPr lang="en-US" sz="1600" dirty="0">
                 <a:solidFill>
                   <a:schemeClr val="bg1"/>
                 </a:solidFill>
@@ -4759,25 +4747,20 @@
               <a:t>Logs</a:t>
             </a:r>
             <a:br>
-              <a:rPr lang="en-US" sz="1600" dirty="0" smtClean="0">
+              <a:rPr lang="en-US" sz="1600" dirty="0">
                 <a:solidFill>
                   <a:schemeClr val="bg1"/>
                 </a:solidFill>
               </a:rPr>
             </a:br>
             <a:r>
-              <a:rPr lang="en-US" sz="1600" dirty="0" smtClean="0">
+              <a:rPr lang="en-US" sz="1600" dirty="0">
                 <a:solidFill>
                   <a:schemeClr val="bg1"/>
                 </a:solidFill>
               </a:rPr>
               <a:t>Center</a:t>
             </a:r>
-            <a:endParaRPr lang="en-US" sz="1600" dirty="0">
-              <a:solidFill>
-                <a:schemeClr val="bg1"/>
-              </a:solidFill>
-            </a:endParaRPr>
           </a:p>
         </p:txBody>
       </p:sp>
@@ -4934,7 +4917,7 @@
           <a:p>
             <a:pPr algn="ctr"/>
             <a:r>
-              <a:rPr lang="en-US" sz="1600" dirty="0" smtClean="0">
+              <a:rPr lang="en-US" sz="1600" dirty="0">
                 <a:solidFill>
                   <a:schemeClr val="bg1"/>
                 </a:solidFill>
@@ -5298,7 +5281,7 @@
           <a:p>
             <a:pPr algn="ctr"/>
             <a:r>
-              <a:rPr lang="en-US" sz="1600" dirty="0" smtClean="0">
+              <a:rPr lang="en-US" sz="1600" dirty="0">
                 <a:solidFill>
                   <a:schemeClr val="bg1"/>
                 </a:solidFill>
@@ -5445,7 +5428,7 @@
           <a:p>
             <a:pPr algn="ctr"/>
             <a:r>
-              <a:rPr lang="en-US" sz="1600" dirty="0" smtClean="0">
+              <a:rPr lang="en-US" sz="1600" dirty="0">
                 <a:solidFill>
                   <a:schemeClr val="bg1"/>
                 </a:solidFill>
@@ -5607,10 +5590,9 @@
           <a:lstStyle/>
           <a:p>
             <a:r>
-              <a:rPr lang="en-US" sz="1400" dirty="0" smtClean="0"/>
+              <a:rPr lang="en-US" sz="1400" dirty="0"/>
               <a:t>delete 1</a:t>
             </a:r>
-            <a:endParaRPr lang="en-US" sz="1400" dirty="0"/>
           </a:p>
         </p:txBody>
       </p:sp>
@@ -5673,18 +5655,13 @@
           <a:lstStyle/>
           <a:p>
             <a:r>
-              <a:rPr lang="en-US" sz="1400" dirty="0" smtClean="0">
+              <a:rPr lang="en-US" sz="1400" dirty="0">
                 <a:solidFill>
                   <a:srgbClr val="0070C0"/>
                 </a:solidFill>
               </a:rPr>
               <a:t>execute(“delete 1”)</a:t>
             </a:r>
-            <a:endParaRPr lang="en-US" sz="1400" dirty="0">
-              <a:solidFill>
-                <a:srgbClr val="0070C0"/>
-              </a:solidFill>
-            </a:endParaRPr>
           </a:p>
         </p:txBody>
       </p:sp>
@@ -5747,7 +5724,7 @@
           <a:lstStyle/>
           <a:p>
             <a:r>
-              <a:rPr lang="en-US" sz="1400" dirty="0" err="1" smtClean="0">
+              <a:rPr lang="en-US" sz="1400" dirty="0" err="1">
                 <a:solidFill>
                   <a:srgbClr val="7030A0"/>
                 </a:solidFill>
@@ -5755,18 +5732,13 @@
               <a:t>deletePerson</a:t>
             </a:r>
             <a:r>
-              <a:rPr lang="en-US" sz="1400" dirty="0" smtClean="0">
+              <a:rPr lang="en-US" sz="1400" dirty="0">
                 <a:solidFill>
                   <a:srgbClr val="7030A0"/>
                 </a:solidFill>
               </a:rPr>
               <a:t>(p)</a:t>
             </a:r>
-            <a:endParaRPr lang="en-US" sz="1400" dirty="0">
-              <a:solidFill>
-                <a:srgbClr val="7030A0"/>
-              </a:solidFill>
-            </a:endParaRPr>
           </a:p>
         </p:txBody>
       </p:sp>
@@ -5793,7 +5765,7 @@
           <a:lstStyle/>
           <a:p>
             <a:r>
-              <a:rPr lang="en-US" sz="1400" dirty="0" smtClean="0">
+              <a:rPr lang="en-US" sz="1400" dirty="0">
                 <a:solidFill>
                   <a:schemeClr val="accent5">
                     <a:lumMod val="75000"/>
@@ -5803,7 +5775,7 @@
               <a:t>post(</a:t>
             </a:r>
             <a:r>
-              <a:rPr lang="en-US" sz="1400" dirty="0" err="1" smtClean="0">
+              <a:rPr lang="en-US" sz="1400" dirty="0" err="1">
                 <a:solidFill>
                   <a:schemeClr val="accent5">
                     <a:lumMod val="75000"/>
@@ -5813,7 +5785,7 @@
               <a:t>AddressBookChangedEvent</a:t>
             </a:r>
             <a:r>
-              <a:rPr lang="en-US" sz="1400" dirty="0" smtClean="0">
+              <a:rPr lang="en-US" sz="1400" dirty="0">
                 <a:solidFill>
                   <a:schemeClr val="accent5">
                     <a:lumMod val="75000"/>
@@ -5822,13 +5794,6 @@
               </a:rPr>
               <a:t>)</a:t>
             </a:r>
-            <a:endParaRPr lang="en-US" sz="1400" dirty="0">
-              <a:solidFill>
-                <a:schemeClr val="accent5">
-                  <a:lumMod val="75000"/>
-                </a:schemeClr>
-              </a:solidFill>
-            </a:endParaRPr>
           </a:p>
         </p:txBody>
       </p:sp>
@@ -5994,7 +5959,7 @@
           <a:p>
             <a:pPr algn="ctr"/>
             <a:r>
-              <a:rPr lang="en-US" sz="1600" dirty="0" smtClean="0">
+              <a:rPr lang="en-US" sz="1600" dirty="0">
                 <a:solidFill>
                   <a:schemeClr val="bg1"/>
                 </a:solidFill>
@@ -6002,7 +5967,7 @@
               <a:t>:</a:t>
             </a:r>
             <a:r>
-              <a:rPr lang="en-US" sz="1600" dirty="0" err="1" smtClean="0">
+              <a:rPr lang="en-US" sz="1600" dirty="0" err="1">
                 <a:solidFill>
                   <a:schemeClr val="bg1"/>
                 </a:solidFill>
@@ -6235,7 +6200,7 @@
           <a:p>
             <a:pPr algn="ctr"/>
             <a:r>
-              <a:rPr lang="en-US" sz="1600" dirty="0" smtClean="0">
+              <a:rPr lang="en-US" sz="1600" dirty="0">
                 <a:solidFill>
                   <a:schemeClr val="bg1"/>
                 </a:solidFill>
@@ -6367,7 +6332,7 @@
           <a:lstStyle/>
           <a:p>
             <a:r>
-              <a:rPr lang="en-US" sz="1400" dirty="0" smtClean="0">
+              <a:rPr lang="en-US" sz="1400" dirty="0">
                 <a:solidFill>
                   <a:schemeClr val="accent5">
                     <a:lumMod val="75000"/>
@@ -6377,7 +6342,7 @@
               <a:t>post(</a:t>
             </a:r>
             <a:r>
-              <a:rPr lang="en-US" sz="1400" dirty="0" err="1" smtClean="0">
+              <a:rPr lang="en-US" sz="1400" dirty="0" err="1">
                 <a:solidFill>
                   <a:schemeClr val="accent5">
                     <a:lumMod val="75000"/>
@@ -6387,7 +6352,7 @@
               <a:t>AddressBookChangedEvent</a:t>
             </a:r>
             <a:r>
-              <a:rPr lang="en-US" sz="1400" dirty="0" smtClean="0">
+              <a:rPr lang="en-US" sz="1400" dirty="0">
                 <a:solidFill>
                   <a:schemeClr val="accent5">
                     <a:lumMod val="75000"/>
@@ -6396,13 +6361,6 @@
               </a:rPr>
               <a:t>)</a:t>
             </a:r>
-            <a:endParaRPr lang="en-US" sz="1400" dirty="0">
-              <a:solidFill>
-                <a:schemeClr val="accent5">
-                  <a:lumMod val="75000"/>
-                </a:schemeClr>
-              </a:solidFill>
-            </a:endParaRPr>
           </a:p>
         </p:txBody>
       </p:sp>
@@ -6494,7 +6452,7 @@
           <a:p>
             <a:pPr algn="ctr"/>
             <a:r>
-              <a:rPr lang="en-US" sz="1600" dirty="0" smtClean="0">
+              <a:rPr lang="en-US" sz="1600" dirty="0">
                 <a:solidFill>
                   <a:schemeClr val="bg1"/>
                 </a:solidFill>
@@ -6502,7 +6460,7 @@
               <a:t>:</a:t>
             </a:r>
             <a:r>
-              <a:rPr lang="en-US" sz="1600" dirty="0" err="1" smtClean="0">
+              <a:rPr lang="en-US" sz="1600" dirty="0" err="1">
                 <a:solidFill>
                   <a:schemeClr val="bg1"/>
                 </a:solidFill>
@@ -6749,7 +6707,7 @@
           <a:lstStyle/>
           <a:p>
             <a:r>
-              <a:rPr lang="en-US" sz="1400" dirty="0" err="1" smtClean="0">
+              <a:rPr lang="en-US" sz="1400" dirty="0" err="1">
                 <a:solidFill>
                   <a:schemeClr val="accent6">
                     <a:lumMod val="75000"/>
@@ -6759,7 +6717,7 @@
               <a:t>handleAddresssBookChangedEvent</a:t>
             </a:r>
             <a:r>
-              <a:rPr lang="en-US" sz="1400" dirty="0" smtClean="0">
+              <a:rPr lang="en-US" sz="1400" dirty="0">
                 <a:solidFill>
                   <a:schemeClr val="accent6">
                     <a:lumMod val="75000"/>
@@ -6768,13 +6726,6 @@
               </a:rPr>
               <a:t>()</a:t>
             </a:r>
-            <a:endParaRPr lang="en-US" sz="1400" dirty="0">
-              <a:solidFill>
-                <a:schemeClr val="accent6">
-                  <a:lumMod val="75000"/>
-                </a:schemeClr>
-              </a:solidFill>
-            </a:endParaRPr>
           </a:p>
         </p:txBody>
       </p:sp>
@@ -6859,7 +6810,7 @@
           <a:p>
             <a:pPr algn="ctr"/>
             <a:r>
-              <a:rPr lang="en-US" sz="1600" dirty="0" smtClean="0">
+              <a:rPr lang="en-US" sz="1600" dirty="0">
                 <a:solidFill>
                   <a:schemeClr val="bg1"/>
                 </a:solidFill>
@@ -7062,7 +7013,7 @@
           <a:lstStyle/>
           <a:p>
             <a:r>
-              <a:rPr lang="en-US" sz="1400" dirty="0" err="1" smtClean="0">
+              <a:rPr lang="en-US" sz="1400" dirty="0" err="1">
                 <a:solidFill>
                   <a:srgbClr val="00B050"/>
                 </a:solidFill>
@@ -7070,18 +7021,13 @@
               <a:t>handleAddresssBookChangedEvent</a:t>
             </a:r>
             <a:r>
-              <a:rPr lang="en-US" sz="1400" dirty="0" smtClean="0">
+              <a:rPr lang="en-US" sz="1400" dirty="0">
                 <a:solidFill>
                   <a:srgbClr val="00B050"/>
                 </a:solidFill>
               </a:rPr>
               <a:t>()</a:t>
             </a:r>
-            <a:endParaRPr lang="en-US" sz="1400" dirty="0">
-              <a:solidFill>
-                <a:srgbClr val="00B050"/>
-              </a:solidFill>
-            </a:endParaRPr>
           </a:p>
         </p:txBody>
       </p:sp>
@@ -7268,18 +7214,13 @@
           <a:p>
             <a:pPr algn="r"/>
             <a:r>
-              <a:rPr lang="en-US" sz="1400" dirty="0" smtClean="0">
+              <a:rPr lang="en-US" sz="1400" dirty="0">
                 <a:solidFill>
                   <a:srgbClr val="00B050"/>
                 </a:solidFill>
               </a:rPr>
               <a:t>Update status bar</a:t>
             </a:r>
-            <a:endParaRPr lang="en-US" sz="1400" dirty="0">
-              <a:solidFill>
-                <a:srgbClr val="00B050"/>
-              </a:solidFill>
-            </a:endParaRPr>
           </a:p>
         </p:txBody>
       </p:sp>
@@ -7469,7 +7410,7 @@
           <a:lstStyle/>
           <a:p>
             <a:r>
-              <a:rPr lang="en-US" sz="1400" dirty="0" smtClean="0">
+              <a:rPr lang="en-US" sz="1400" dirty="0">
                 <a:solidFill>
                   <a:schemeClr val="accent6">
                     <a:lumMod val="75000"/>
@@ -7479,7 +7420,7 @@
               <a:t>Save </a:t>
             </a:r>
             <a:br>
-              <a:rPr lang="en-US" sz="1400" dirty="0" smtClean="0">
+              <a:rPr lang="en-US" sz="1400" dirty="0">
                 <a:solidFill>
                   <a:schemeClr val="accent6">
                     <a:lumMod val="75000"/>
@@ -7488,7 +7429,7 @@
               </a:rPr>
             </a:br>
             <a:r>
-              <a:rPr lang="en-US" sz="1400" dirty="0" smtClean="0">
+              <a:rPr lang="en-US" sz="1400" dirty="0">
                 <a:solidFill>
                   <a:schemeClr val="accent6">
                     <a:lumMod val="75000"/>
@@ -7497,13 +7438,6 @@
               </a:rPr>
               <a:t>to file</a:t>
             </a:r>
-            <a:endParaRPr lang="en-US" sz="1400" dirty="0">
-              <a:solidFill>
-                <a:schemeClr val="accent6">
-                  <a:lumMod val="75000"/>
-                </a:schemeClr>
-              </a:solidFill>
-            </a:endParaRPr>
           </a:p>
         </p:txBody>
       </p:sp>
@@ -7580,7 +7514,7 @@
           <a:lstStyle/>
           <a:p>
             <a:r>
-              <a:rPr lang="en-US" sz="1200" b="1" dirty="0" smtClean="0">
+              <a:rPr lang="en-US" sz="1200" b="1" dirty="0">
                 <a:solidFill>
                   <a:schemeClr val="accent3">
                     <a:lumMod val="75000"/>
@@ -7763,7 +7697,7 @@
           <a:p>
             <a:pPr algn="ctr"/>
             <a:r>
-              <a:rPr lang="en-US" sz="1050" dirty="0" err="1" smtClean="0">
+              <a:rPr lang="en-US" sz="1050" dirty="0" err="1">
                 <a:solidFill>
                   <a:schemeClr val="bg1"/>
                 </a:solidFill>
@@ -8140,7 +8074,7 @@
                   </a:schemeClr>
                 </a:solidFill>
               </a:rPr>
-              <a:t>PersonListPanel</a:t>
+              <a:t>TaskListPanel</a:t>
             </a:r>
             <a:endParaRPr lang="en-SG" sz="1050" b="1" dirty="0">
               <a:solidFill>
@@ -8193,14 +8127,14 @@
           <a:p>
             <a:pPr algn="ctr"/>
             <a:r>
-              <a:rPr lang="en-US" sz="1050" b="1" dirty="0" err="1">
+              <a:rPr lang="en-US" sz="1050" b="1">
                 <a:solidFill>
                   <a:schemeClr val="accent3">
                     <a:lumMod val="75000"/>
                   </a:schemeClr>
                 </a:solidFill>
               </a:rPr>
-              <a:t>PersonCard</a:t>
+              <a:t>TaskCard</a:t>
             </a:r>
             <a:endParaRPr lang="en-SG" sz="1050" b="1" dirty="0">
               <a:solidFill>
@@ -8625,7 +8559,7 @@
           <a:p>
             <a:pPr algn="ctr"/>
             <a:r>
-              <a:rPr lang="en-US" sz="1050" b="1" dirty="0" smtClean="0">
+              <a:rPr lang="en-US" sz="1050" b="1" dirty="0">
                 <a:solidFill>
                   <a:schemeClr val="accent3">
                     <a:lumMod val="75000"/>
@@ -8635,7 +8569,7 @@
               <a:t>{abstract}</a:t>
             </a:r>
             <a:br>
-              <a:rPr lang="en-US" sz="1050" b="1" dirty="0" smtClean="0">
+              <a:rPr lang="en-US" sz="1050" b="1" dirty="0">
                 <a:solidFill>
                   <a:schemeClr val="accent3">
                     <a:lumMod val="75000"/>
@@ -8644,7 +8578,7 @@
               </a:rPr>
             </a:br>
             <a:r>
-              <a:rPr lang="en-US" sz="1050" b="1" dirty="0" err="1" smtClean="0">
+              <a:rPr lang="en-US" sz="1050" b="1" dirty="0" err="1">
                 <a:solidFill>
                   <a:schemeClr val="accent3">
                     <a:lumMod val="75000"/>
@@ -9133,7 +9067,7 @@
           <a:p>
             <a:pPr algn="ctr"/>
             <a:r>
-              <a:rPr lang="en-US" sz="1100" b="1" dirty="0" smtClean="0">
+              <a:rPr lang="en-US" sz="1100" b="1" dirty="0">
                 <a:solidFill>
                   <a:schemeClr val="bg1"/>
                 </a:solidFill>
@@ -9192,7 +9126,7 @@
           <a:p>
             <a:pPr algn="ctr"/>
             <a:r>
-              <a:rPr lang="en-US" sz="1050" dirty="0" smtClean="0">
+              <a:rPr lang="en-US" sz="1050" dirty="0">
                 <a:solidFill>
                   <a:schemeClr val="bg1"/>
                 </a:solidFill>
@@ -9203,7 +9137,7 @@
           <a:p>
             <a:pPr algn="ctr"/>
             <a:r>
-              <a:rPr lang="en-US" sz="1050" dirty="0" err="1" smtClean="0">
+              <a:rPr lang="en-US" sz="1050" dirty="0" err="1">
                 <a:solidFill>
                   <a:schemeClr val="bg1"/>
                 </a:solidFill>
@@ -9752,13 +9686,6 @@
   <p:clrMapOvr>
     <a:masterClrMapping/>
   </p:clrMapOvr>
-  <p:timing>
-    <p:tnLst>
-      <p:par>
-        <p:cTn id="1" dur="indefinite" restart="never" nodeType="tmRoot"/>
-      </p:par>
-    </p:tnLst>
-  </p:timing>
 </p:sld>
 </file>
 
@@ -9787,8 +9714,8 @@
         </p:nvSpPr>
         <p:spPr>
           <a:xfrm>
-            <a:off x="1103085" y="2057399"/>
-            <a:ext cx="6288315" cy="2272167"/>
+            <a:off x="1103084" y="838200"/>
+            <a:ext cx="7200000" cy="3497338"/>
           </a:xfrm>
           <a:prstGeom prst="roundRect">
             <a:avLst>
@@ -9825,7 +9752,7 @@
           <a:lstStyle/>
           <a:p>
             <a:r>
-              <a:rPr lang="en-US" sz="1200" b="1" dirty="0" smtClean="0">
+              <a:rPr lang="en-US" sz="1200" b="1" dirty="0">
                 <a:solidFill>
                   <a:srgbClr val="0070C0"/>
                 </a:solidFill>
@@ -9907,7 +9834,7 @@
         </p:nvSpPr>
         <p:spPr>
           <a:xfrm flipH="1">
-            <a:off x="6180592" y="2648528"/>
+            <a:off x="7082292" y="2648528"/>
             <a:ext cx="1093635" cy="346760"/>
           </a:xfrm>
           <a:prstGeom prst="rect">
@@ -9963,7 +9890,7 @@
         </p:nvSpPr>
         <p:spPr>
           <a:xfrm>
-            <a:off x="2015218" y="3763620"/>
+            <a:off x="1635291" y="3763089"/>
             <a:ext cx="1093635" cy="346760"/>
           </a:xfrm>
           <a:prstGeom prst="rect">
@@ -9999,7 +9926,7 @@
           <a:p>
             <a:pPr algn="ctr"/>
             <a:r>
-              <a:rPr lang="en-US" sz="1050" dirty="0" err="1" smtClean="0">
+              <a:rPr lang="en-US" sz="1050" dirty="0" err="1">
                 <a:solidFill>
                   <a:schemeClr val="bg1"/>
                 </a:solidFill>
@@ -10065,7 +9992,7 @@
         </p:nvSpPr>
         <p:spPr>
           <a:xfrm rot="5400000" flipV="1">
-            <a:off x="5563388" y="3813212"/>
+            <a:off x="6465088" y="3813212"/>
             <a:ext cx="270504" cy="175523"/>
           </a:xfrm>
           <a:prstGeom prst="triangle">
@@ -10156,8 +10083,8 @@
         </p:nvSpPr>
         <p:spPr>
           <a:xfrm>
-            <a:off x="1103085" y="4548755"/>
-            <a:ext cx="6288315" cy="328045"/>
+            <a:off x="1103084" y="4548755"/>
+            <a:ext cx="7200000" cy="328045"/>
           </a:xfrm>
           <a:prstGeom prst="roundRect">
             <a:avLst/>
@@ -10216,7 +10143,7 @@
         </p:nvSpPr>
         <p:spPr>
           <a:xfrm flipH="1">
-            <a:off x="6180592" y="3054928"/>
+            <a:off x="7082292" y="3054928"/>
             <a:ext cx="1093635" cy="346760"/>
           </a:xfrm>
           <a:prstGeom prst="rect">
@@ -10272,7 +10199,7 @@
         </p:nvSpPr>
         <p:spPr>
           <a:xfrm flipH="1">
-            <a:off x="6180590" y="3860800"/>
+            <a:off x="7082290" y="3860800"/>
             <a:ext cx="1093635" cy="346760"/>
           </a:xfrm>
           <a:prstGeom prst="rect">
@@ -10328,7 +10255,7 @@
         </p:nvSpPr>
         <p:spPr>
           <a:xfrm>
-            <a:off x="4815685" y="3765721"/>
+            <a:off x="5717385" y="3765721"/>
             <a:ext cx="772043" cy="346760"/>
           </a:xfrm>
           <a:prstGeom prst="rect">
@@ -10361,7 +10288,7 @@
           <a:p>
             <a:pPr algn="ctr"/>
             <a:r>
-              <a:rPr lang="en-US" sz="1050" b="1" dirty="0" smtClean="0">
+              <a:rPr lang="en-US" sz="1050" b="1" dirty="0">
                 <a:solidFill>
                   <a:srgbClr val="0070C0"/>
                 </a:solidFill>
@@ -10369,14 +10296,14 @@
               <a:t>{abstract}</a:t>
             </a:r>
             <a:br>
-              <a:rPr lang="en-US" sz="1050" b="1" dirty="0" smtClean="0">
+              <a:rPr lang="en-US" sz="1050" b="1" dirty="0">
                 <a:solidFill>
                   <a:srgbClr val="0070C0"/>
                 </a:solidFill>
               </a:rPr>
             </a:br>
             <a:r>
-              <a:rPr lang="en-US" sz="1050" b="1" dirty="0" smtClean="0">
+              <a:rPr lang="en-US" sz="1050" b="1" dirty="0">
                 <a:solidFill>
                   <a:srgbClr val="0070C0"/>
                 </a:solidFill>
@@ -10402,7 +10329,7 @@
         </p:nvCxnSpPr>
         <p:spPr>
           <a:xfrm rot="10800000" flipV="1">
-            <a:off x="5786402" y="2821908"/>
+            <a:off x="6688102" y="2821908"/>
             <a:ext cx="394190" cy="1079066"/>
           </a:xfrm>
           <a:prstGeom prst="bentConnector3">
@@ -10445,7 +10372,7 @@
         </p:nvCxnSpPr>
         <p:spPr>
           <a:xfrm>
-            <a:off x="5786402" y="3900974"/>
+            <a:off x="6688102" y="3900974"/>
             <a:ext cx="394188" cy="133206"/>
           </a:xfrm>
           <a:prstGeom prst="bentConnector3">
@@ -10488,7 +10415,7 @@
         </p:nvCxnSpPr>
         <p:spPr>
           <a:xfrm flipV="1">
-            <a:off x="5786402" y="3228308"/>
+            <a:off x="6688102" y="3228308"/>
             <a:ext cx="394190" cy="672666"/>
           </a:xfrm>
           <a:prstGeom prst="bentConnector3">
@@ -10528,7 +10455,7 @@
         </p:nvSpPr>
         <p:spPr>
           <a:xfrm>
-            <a:off x="3527828" y="3766159"/>
+            <a:off x="3008201" y="3765628"/>
             <a:ext cx="585450" cy="346760"/>
           </a:xfrm>
           <a:prstGeom prst="rect">
@@ -10590,8 +10517,8 @@
         </p:nvCxnSpPr>
         <p:spPr>
           <a:xfrm>
-            <a:off x="3108853" y="3937000"/>
-            <a:ext cx="418975" cy="2539"/>
+            <a:off x="2728926" y="3936469"/>
+            <a:ext cx="279275" cy="2539"/>
           </a:xfrm>
           <a:prstGeom prst="bentConnector3">
             <a:avLst>
@@ -10633,7 +10560,7 @@
         </p:nvCxnSpPr>
         <p:spPr>
           <a:xfrm>
-            <a:off x="5201707" y="4112481"/>
+            <a:off x="6103407" y="4112481"/>
             <a:ext cx="1" cy="436274"/>
           </a:xfrm>
           <a:prstGeom prst="straightConnector1">
@@ -10799,8 +10726,8 @@
         </p:nvCxnSpPr>
         <p:spPr>
           <a:xfrm rot="10800000">
-            <a:off x="1494292" y="3756924"/>
-            <a:ext cx="520927" cy="180077"/>
+            <a:off x="1494291" y="3756923"/>
+            <a:ext cx="141000" cy="179546"/>
           </a:xfrm>
           <a:prstGeom prst="bentConnector2">
             <a:avLst/>
@@ -10840,9 +10767,9 @@
           <p:nvPr/>
         </p:nvCxnSpPr>
         <p:spPr>
-          <a:xfrm flipV="1">
-            <a:off x="4113278" y="3939101"/>
-            <a:ext cx="702407" cy="438"/>
+          <a:xfrm>
+            <a:off x="3593651" y="3939008"/>
+            <a:ext cx="2123734" cy="93"/>
           </a:xfrm>
           <a:prstGeom prst="straightConnector1">
             <a:avLst/>
@@ -10882,7 +10809,7 @@
         </p:nvCxnSpPr>
         <p:spPr>
           <a:xfrm flipH="1">
-            <a:off x="2562035" y="4110380"/>
+            <a:off x="2182108" y="4109849"/>
             <a:ext cx="1" cy="438375"/>
           </a:xfrm>
           <a:prstGeom prst="straightConnector1">
@@ -10966,12 +10893,12 @@
         </p:nvCxnSpPr>
         <p:spPr>
           <a:xfrm rot="16200000" flipH="1">
-            <a:off x="3880820" y="2444835"/>
-            <a:ext cx="2101" cy="2639671"/>
+            <a:off x="4141442" y="1803756"/>
+            <a:ext cx="2632" cy="3921298"/>
           </a:xfrm>
           <a:prstGeom prst="bentConnector3">
             <a:avLst>
-              <a:gd name="adj1" fmla="val -10880533"/>
+              <a:gd name="adj1" fmla="val -8685410"/>
             </a:avLst>
           </a:prstGeom>
           <a:ln w="19050">
@@ -11037,7 +10964,7 @@
             <a:p>
               <a:pPr algn="r"/>
               <a:r>
-                <a:rPr lang="en-US" sz="1100" dirty="0" smtClean="0">
+                <a:rPr lang="en-US" sz="1100" dirty="0">
                   <a:solidFill>
                     <a:srgbClr val="0070C0"/>
                   </a:solidFill>
@@ -11136,7 +11063,7 @@
             <a:lstStyle/>
             <a:p>
               <a:r>
-                <a:rPr lang="en-US" sz="1100" dirty="0" smtClean="0">
+                <a:rPr lang="en-US" sz="1100" dirty="0">
                   <a:solidFill>
                     <a:srgbClr val="0070C0"/>
                   </a:solidFill>
@@ -11222,7 +11149,7 @@
           <a:p>
             <a:pPr algn="r"/>
             <a:r>
-              <a:rPr lang="en-US" sz="1100" dirty="0" smtClean="0">
+              <a:rPr lang="en-US" sz="1100" dirty="0">
                 <a:solidFill>
                   <a:srgbClr val="0070C0"/>
                 </a:solidFill>
@@ -11245,7 +11172,7 @@
         </p:nvSpPr>
         <p:spPr>
           <a:xfrm>
-            <a:off x="3341296" y="3700114"/>
+            <a:off x="2699192" y="3711459"/>
             <a:ext cx="131116" cy="230832"/>
           </a:xfrm>
           <a:prstGeom prst="rect">
@@ -11261,7 +11188,7 @@
           <a:p>
             <a:pPr algn="r"/>
             <a:r>
-              <a:rPr lang="en-US" sz="1100" dirty="0" smtClean="0">
+              <a:rPr lang="en-US" sz="1100" dirty="0">
                 <a:solidFill>
                   <a:srgbClr val="0070C0"/>
                 </a:solidFill>
@@ -11284,7 +11211,7 @@
         </p:nvGrpSpPr>
         <p:grpSpPr>
           <a:xfrm>
-            <a:off x="4038600" y="3962400"/>
+            <a:off x="4940300" y="3962400"/>
             <a:ext cx="685800" cy="230832"/>
             <a:chOff x="2797314" y="807932"/>
             <a:chExt cx="685800" cy="230832"/>
@@ -11314,7 +11241,7 @@
             <a:p>
               <a:pPr algn="r"/>
               <a:r>
-                <a:rPr lang="en-US" sz="1100" dirty="0" smtClean="0">
+                <a:rPr lang="en-US" sz="1100" dirty="0">
                   <a:solidFill>
                     <a:srgbClr val="0070C0"/>
                   </a:solidFill>
@@ -11384,7 +11311,7 @@
         </p:nvSpPr>
         <p:spPr>
           <a:xfrm flipH="1">
-            <a:off x="6185390" y="3458098"/>
+            <a:off x="7087090" y="3458098"/>
             <a:ext cx="1093635" cy="346760"/>
           </a:xfrm>
           <a:prstGeom prst="rect">
@@ -11417,7 +11344,7 @@
           <a:p>
             <a:pPr algn="ctr"/>
             <a:r>
-              <a:rPr lang="en-US" sz="1050" b="1" dirty="0" smtClean="0">
+              <a:rPr lang="en-US" sz="1050" b="1" dirty="0">
                 <a:solidFill>
                   <a:srgbClr val="0070C0"/>
                 </a:solidFill>
@@ -11425,14 +11352,14 @@
               <a:t>Incorrect</a:t>
             </a:r>
             <a:br>
-              <a:rPr lang="en-US" sz="1050" b="1" dirty="0" smtClean="0">
+              <a:rPr lang="en-US" sz="1050" b="1" dirty="0">
                 <a:solidFill>
                   <a:srgbClr val="0070C0"/>
                 </a:solidFill>
               </a:rPr>
             </a:br>
             <a:r>
-              <a:rPr lang="en-US" sz="1050" b="1" dirty="0" smtClean="0">
+              <a:rPr lang="en-US" sz="1050" b="1" dirty="0">
                 <a:solidFill>
                   <a:srgbClr val="0070C0"/>
                 </a:solidFill>
@@ -11458,8 +11385,766 @@
         </p:nvCxnSpPr>
         <p:spPr>
           <a:xfrm flipV="1">
-            <a:off x="5786402" y="3631478"/>
+            <a:off x="6688102" y="3631478"/>
             <a:ext cx="398988" cy="269496"/>
+          </a:xfrm>
+          <a:prstGeom prst="bentConnector3">
+            <a:avLst>
+              <a:gd name="adj1" fmla="val 50000"/>
+            </a:avLst>
+          </a:prstGeom>
+          <a:ln w="19050">
+            <a:solidFill>
+              <a:srgbClr val="0070C0"/>
+            </a:solidFill>
+            <a:headEnd type="none" w="med" len="med"/>
+            <a:tailEnd type="none" w="med" len="med"/>
+          </a:ln>
+          <a:effectLst/>
+        </p:spPr>
+        <p:style>
+          <a:lnRef idx="1">
+            <a:schemeClr val="accent2"/>
+          </a:lnRef>
+          <a:fillRef idx="2">
+            <a:schemeClr val="accent2"/>
+          </a:fillRef>
+          <a:effectRef idx="1">
+            <a:schemeClr val="accent2"/>
+          </a:effectRef>
+          <a:fontRef idx="minor">
+            <a:schemeClr val="dk1"/>
+          </a:fontRef>
+        </p:style>
+      </p:cxnSp>
+      <p:sp>
+        <p:nvSpPr>
+          <p:cNvPr id="47" name="Rectangle 62"/>
+          <p:cNvSpPr/>
+          <p:nvPr/>
+        </p:nvSpPr>
+        <p:spPr>
+          <a:xfrm>
+            <a:off x="4255511" y="3696292"/>
+            <a:ext cx="772043" cy="508176"/>
+          </a:xfrm>
+          <a:prstGeom prst="rect">
+            <a:avLst/>
+          </a:prstGeom>
+          <a:solidFill>
+            <a:schemeClr val="accent5">
+              <a:lumMod val="20000"/>
+              <a:lumOff val="80000"/>
+            </a:schemeClr>
+          </a:solidFill>
+          <a:ln w="19050">
+            <a:solidFill>
+              <a:srgbClr val="0070C0"/>
+            </a:solidFill>
+          </a:ln>
+          <a:effectLst/>
+        </p:spPr>
+        <p:style>
+          <a:lnRef idx="1">
+            <a:schemeClr val="accent1"/>
+          </a:lnRef>
+          <a:fillRef idx="2">
+            <a:schemeClr val="accent1"/>
+          </a:fillRef>
+          <a:effectRef idx="1">
+            <a:schemeClr val="accent1"/>
+          </a:effectRef>
+          <a:fontRef idx="minor">
+            <a:schemeClr val="dk1"/>
+          </a:fontRef>
+        </p:style>
+        <p:txBody>
+          <a:bodyPr rtlCol="0" anchor="ctr"/>
+          <a:lstStyle/>
+          <a:p>
+            <a:pPr algn="ctr"/>
+            <a:r>
+              <a:rPr lang="en-US" sz="1050" b="1" dirty="0">
+                <a:solidFill>
+                  <a:srgbClr val="0070C0"/>
+                </a:solidFill>
+              </a:rPr>
+              <a:t>{abstract}</a:t>
+            </a:r>
+            <a:br>
+              <a:rPr lang="en-US" sz="1050" b="1" dirty="0">
+                <a:solidFill>
+                  <a:srgbClr val="0070C0"/>
+                </a:solidFill>
+              </a:rPr>
+            </a:br>
+            <a:r>
+              <a:rPr lang="en-US" sz="1050" b="1" dirty="0">
+                <a:solidFill>
+                  <a:srgbClr val="0070C0"/>
+                </a:solidFill>
+              </a:rPr>
+              <a:t>Command</a:t>
+            </a:r>
+            <a:br>
+              <a:rPr lang="en-US" sz="1050" b="1" dirty="0">
+                <a:solidFill>
+                  <a:srgbClr val="0070C0"/>
+                </a:solidFill>
+              </a:rPr>
+            </a:br>
+            <a:r>
+              <a:rPr lang="en-US" sz="1050" b="1" dirty="0">
+                <a:solidFill>
+                  <a:srgbClr val="0070C0"/>
+                </a:solidFill>
+              </a:rPr>
+              <a:t>Parser</a:t>
+            </a:r>
+            <a:endParaRPr lang="en-SG" sz="1050" b="1" dirty="0">
+              <a:solidFill>
+                <a:srgbClr val="0070C0"/>
+              </a:solidFill>
+            </a:endParaRPr>
+          </a:p>
+        </p:txBody>
+      </p:sp>
+      <p:grpSp>
+        <p:nvGrpSpPr>
+          <p:cNvPr id="48" name="Group 47"/>
+          <p:cNvGrpSpPr/>
+          <p:nvPr/>
+        </p:nvGrpSpPr>
+        <p:grpSpPr>
+          <a:xfrm>
+            <a:off x="3542655" y="3943928"/>
+            <a:ext cx="685800" cy="230832"/>
+            <a:chOff x="2797314" y="807932"/>
+            <a:chExt cx="685800" cy="230832"/>
+          </a:xfrm>
+        </p:grpSpPr>
+        <p:sp>
+          <p:nvSpPr>
+            <p:cNvPr id="49" name="TextBox 48"/>
+            <p:cNvSpPr txBox="1"/>
+            <p:nvPr/>
+          </p:nvSpPr>
+          <p:spPr>
+            <a:xfrm>
+              <a:off x="2797314" y="807932"/>
+              <a:ext cx="555487" cy="230832"/>
+            </a:xfrm>
+            <a:prstGeom prst="rect">
+              <a:avLst/>
+            </a:prstGeom>
+            <a:noFill/>
+          </p:spPr>
+          <p:txBody>
+            <a:bodyPr wrap="square" lIns="0" tIns="0" rIns="0" bIns="0" rtlCol="0">
+              <a:noAutofit/>
+            </a:bodyPr>
+            <a:lstStyle/>
+            <a:p>
+              <a:pPr algn="r"/>
+              <a:r>
+                <a:rPr lang="en-US" sz="1100" dirty="0">
+                  <a:solidFill>
+                    <a:srgbClr val="0070C0"/>
+                  </a:solidFill>
+                </a:rPr>
+                <a:t>creates</a:t>
+              </a:r>
+              <a:endParaRPr lang="en-SG" sz="1100" dirty="0">
+                <a:solidFill>
+                  <a:srgbClr val="0070C0"/>
+                </a:solidFill>
+              </a:endParaRPr>
+            </a:p>
+          </p:txBody>
+        </p:sp>
+        <p:sp>
+          <p:nvSpPr>
+            <p:cNvPr id="50" name="Isosceles Triangle 49"/>
+            <p:cNvSpPr/>
+            <p:nvPr/>
+          </p:nvSpPr>
+          <p:spPr>
+            <a:xfrm rot="5400000">
+              <a:off x="3382038" y="866776"/>
+              <a:ext cx="125951" cy="76201"/>
+            </a:xfrm>
+            <a:prstGeom prst="triangle">
+              <a:avLst/>
+            </a:prstGeom>
+            <a:solidFill>
+              <a:srgbClr val="0070C0"/>
+            </a:solidFill>
+            <a:ln>
+              <a:noFill/>
+            </a:ln>
+          </p:spPr>
+          <p:style>
+            <a:lnRef idx="2">
+              <a:schemeClr val="accent1">
+                <a:shade val="50000"/>
+              </a:schemeClr>
+            </a:lnRef>
+            <a:fillRef idx="1">
+              <a:schemeClr val="accent1"/>
+            </a:fillRef>
+            <a:effectRef idx="0">
+              <a:schemeClr val="accent1"/>
+            </a:effectRef>
+            <a:fontRef idx="minor">
+              <a:schemeClr val="lt1"/>
+            </a:fontRef>
+          </p:style>
+          <p:txBody>
+            <a:bodyPr rtlCol="0" anchor="ctr"/>
+            <a:lstStyle/>
+            <a:p>
+              <a:pPr algn="ctr"/>
+              <a:endParaRPr lang="en-SG"/>
+            </a:p>
+          </p:txBody>
+        </p:sp>
+      </p:grpSp>
+      <p:sp>
+        <p:nvSpPr>
+          <p:cNvPr id="54" name="Rectangle 11"/>
+          <p:cNvSpPr/>
+          <p:nvPr/>
+        </p:nvSpPr>
+        <p:spPr>
+          <a:xfrm flipH="1">
+            <a:off x="6695815" y="1029287"/>
+            <a:ext cx="1475312" cy="346760"/>
+          </a:xfrm>
+          <a:prstGeom prst="rect">
+            <a:avLst/>
+          </a:prstGeom>
+          <a:solidFill>
+            <a:schemeClr val="accent5">
+              <a:lumMod val="20000"/>
+              <a:lumOff val="80000"/>
+            </a:schemeClr>
+          </a:solidFill>
+          <a:ln w="19050">
+            <a:solidFill>
+              <a:srgbClr val="0070C0"/>
+            </a:solidFill>
+          </a:ln>
+          <a:effectLst/>
+        </p:spPr>
+        <p:style>
+          <a:lnRef idx="1">
+            <a:schemeClr val="accent1"/>
+          </a:lnRef>
+          <a:fillRef idx="2">
+            <a:schemeClr val="accent1"/>
+          </a:fillRef>
+          <a:effectRef idx="1">
+            <a:schemeClr val="accent1"/>
+          </a:effectRef>
+          <a:fontRef idx="minor">
+            <a:schemeClr val="dk1"/>
+          </a:fontRef>
+        </p:style>
+        <p:txBody>
+          <a:bodyPr rtlCol="0" anchor="ctr"/>
+          <a:lstStyle/>
+          <a:p>
+            <a:pPr algn="ctr"/>
+            <a:r>
+              <a:rPr lang="en-US" sz="1050" b="1" dirty="0" err="1">
+                <a:solidFill>
+                  <a:srgbClr val="0070C0"/>
+                </a:solidFill>
+              </a:rPr>
+              <a:t>AddCommandParser</a:t>
+            </a:r>
+            <a:endParaRPr lang="en-SG" sz="1050" b="1" dirty="0">
+              <a:solidFill>
+                <a:srgbClr val="0070C0"/>
+              </a:solidFill>
+            </a:endParaRPr>
+          </a:p>
+        </p:txBody>
+      </p:sp>
+      <p:sp>
+        <p:nvSpPr>
+          <p:cNvPr id="55" name="Isosceles Triangle 102"/>
+          <p:cNvSpPr/>
+          <p:nvPr/>
+        </p:nvSpPr>
+        <p:spPr>
+          <a:xfrm rot="5400000" flipV="1">
+            <a:off x="6255789" y="1083443"/>
+            <a:ext cx="270504" cy="236786"/>
+          </a:xfrm>
+          <a:prstGeom prst="triangle">
+            <a:avLst/>
+          </a:prstGeom>
+          <a:solidFill>
+            <a:schemeClr val="accent5">
+              <a:lumMod val="20000"/>
+              <a:lumOff val="80000"/>
+            </a:schemeClr>
+          </a:solidFill>
+          <a:ln w="19050">
+            <a:solidFill>
+              <a:srgbClr val="0070C0"/>
+            </a:solidFill>
+          </a:ln>
+          <a:effectLst/>
+        </p:spPr>
+        <p:style>
+          <a:lnRef idx="1">
+            <a:schemeClr val="accent1"/>
+          </a:lnRef>
+          <a:fillRef idx="2">
+            <a:schemeClr val="accent1"/>
+          </a:fillRef>
+          <a:effectRef idx="1">
+            <a:schemeClr val="accent1"/>
+          </a:effectRef>
+          <a:fontRef idx="minor">
+            <a:schemeClr val="dk1"/>
+          </a:fontRef>
+        </p:style>
+        <p:txBody>
+          <a:bodyPr rtlCol="0" anchor="ctr"/>
+          <a:lstStyle/>
+          <a:p>
+            <a:pPr algn="ctr"/>
+            <a:endParaRPr lang="en-SG" sz="1050" b="1">
+              <a:solidFill>
+                <a:srgbClr val="92D050"/>
+              </a:solidFill>
+            </a:endParaRPr>
+          </a:p>
+        </p:txBody>
+      </p:sp>
+      <p:sp>
+        <p:nvSpPr>
+          <p:cNvPr id="56" name="Rectangle 11"/>
+          <p:cNvSpPr/>
+          <p:nvPr/>
+        </p:nvSpPr>
+        <p:spPr>
+          <a:xfrm flipH="1">
+            <a:off x="6695815" y="1435687"/>
+            <a:ext cx="1475312" cy="346760"/>
+          </a:xfrm>
+          <a:prstGeom prst="rect">
+            <a:avLst/>
+          </a:prstGeom>
+          <a:solidFill>
+            <a:schemeClr val="accent5">
+              <a:lumMod val="20000"/>
+              <a:lumOff val="80000"/>
+            </a:schemeClr>
+          </a:solidFill>
+          <a:ln w="19050">
+            <a:solidFill>
+              <a:srgbClr val="0070C0"/>
+            </a:solidFill>
+          </a:ln>
+          <a:effectLst/>
+        </p:spPr>
+        <p:style>
+          <a:lnRef idx="1">
+            <a:schemeClr val="accent1"/>
+          </a:lnRef>
+          <a:fillRef idx="2">
+            <a:schemeClr val="accent1"/>
+          </a:fillRef>
+          <a:effectRef idx="1">
+            <a:schemeClr val="accent1"/>
+          </a:effectRef>
+          <a:fontRef idx="minor">
+            <a:schemeClr val="dk1"/>
+          </a:fontRef>
+        </p:style>
+        <p:txBody>
+          <a:bodyPr rtlCol="0" anchor="ctr"/>
+          <a:lstStyle/>
+          <a:p>
+            <a:pPr algn="ctr"/>
+            <a:r>
+              <a:rPr lang="en-US" sz="1050" b="1" dirty="0" err="1">
+                <a:solidFill>
+                  <a:srgbClr val="0070C0"/>
+                </a:solidFill>
+              </a:rPr>
+              <a:t>ListCommandParser</a:t>
+            </a:r>
+            <a:endParaRPr lang="en-SG" sz="1050" b="1" dirty="0">
+              <a:solidFill>
+                <a:srgbClr val="0070C0"/>
+              </a:solidFill>
+            </a:endParaRPr>
+          </a:p>
+        </p:txBody>
+      </p:sp>
+      <p:sp>
+        <p:nvSpPr>
+          <p:cNvPr id="57" name="Rectangle 56"/>
+          <p:cNvSpPr/>
+          <p:nvPr/>
+        </p:nvSpPr>
+        <p:spPr>
+          <a:xfrm flipH="1">
+            <a:off x="6695813" y="2241559"/>
+            <a:ext cx="1475312" cy="346760"/>
+          </a:xfrm>
+          <a:prstGeom prst="rect">
+            <a:avLst/>
+          </a:prstGeom>
+          <a:solidFill>
+            <a:schemeClr val="accent5">
+              <a:lumMod val="20000"/>
+              <a:lumOff val="80000"/>
+            </a:schemeClr>
+          </a:solidFill>
+          <a:ln w="19050">
+            <a:solidFill>
+              <a:srgbClr val="0070C0"/>
+            </a:solidFill>
+          </a:ln>
+          <a:effectLst/>
+        </p:spPr>
+        <p:style>
+          <a:lnRef idx="1">
+            <a:schemeClr val="accent1"/>
+          </a:lnRef>
+          <a:fillRef idx="2">
+            <a:schemeClr val="accent1"/>
+          </a:fillRef>
+          <a:effectRef idx="1">
+            <a:schemeClr val="accent1"/>
+          </a:effectRef>
+          <a:fontRef idx="minor">
+            <a:schemeClr val="dk1"/>
+          </a:fontRef>
+        </p:style>
+        <p:txBody>
+          <a:bodyPr rtlCol="0" anchor="ctr"/>
+          <a:lstStyle/>
+          <a:p>
+            <a:pPr algn="ctr"/>
+            <a:r>
+              <a:rPr lang="en-US" sz="1050" b="1" dirty="0">
+                <a:solidFill>
+                  <a:srgbClr val="0070C0"/>
+                </a:solidFill>
+              </a:rPr>
+              <a:t>…</a:t>
+            </a:r>
+            <a:endParaRPr lang="en-SG" sz="1050" b="1" dirty="0">
+              <a:solidFill>
+                <a:srgbClr val="0070C0"/>
+              </a:solidFill>
+            </a:endParaRPr>
+          </a:p>
+        </p:txBody>
+      </p:sp>
+      <p:sp>
+        <p:nvSpPr>
+          <p:cNvPr id="58" name="Rectangle 62"/>
+          <p:cNvSpPr/>
+          <p:nvPr/>
+        </p:nvSpPr>
+        <p:spPr>
+          <a:xfrm>
+            <a:off x="5108237" y="1028456"/>
+            <a:ext cx="1154916" cy="346760"/>
+          </a:xfrm>
+          <a:prstGeom prst="rect">
+            <a:avLst/>
+          </a:prstGeom>
+          <a:solidFill>
+            <a:schemeClr val="accent5">
+              <a:lumMod val="20000"/>
+              <a:lumOff val="80000"/>
+            </a:schemeClr>
+          </a:solidFill>
+          <a:ln w="19050">
+            <a:solidFill>
+              <a:srgbClr val="0070C0"/>
+            </a:solidFill>
+          </a:ln>
+          <a:effectLst/>
+        </p:spPr>
+        <p:style>
+          <a:lnRef idx="1">
+            <a:schemeClr val="accent1"/>
+          </a:lnRef>
+          <a:fillRef idx="2">
+            <a:schemeClr val="accent1"/>
+          </a:fillRef>
+          <a:effectRef idx="1">
+            <a:schemeClr val="accent1"/>
+          </a:effectRef>
+          <a:fontRef idx="minor">
+            <a:schemeClr val="dk1"/>
+          </a:fontRef>
+        </p:style>
+        <p:txBody>
+          <a:bodyPr rtlCol="0" anchor="ctr"/>
+          <a:lstStyle/>
+          <a:p>
+            <a:pPr algn="ctr"/>
+            <a:r>
+              <a:rPr lang="en-US" sz="1050" b="1" dirty="0">
+                <a:solidFill>
+                  <a:srgbClr val="0070C0"/>
+                </a:solidFill>
+              </a:rPr>
+              <a:t>{abstract}</a:t>
+            </a:r>
+            <a:br>
+              <a:rPr lang="en-US" sz="1050" b="1" dirty="0">
+                <a:solidFill>
+                  <a:srgbClr val="0070C0"/>
+                </a:solidFill>
+              </a:rPr>
+            </a:br>
+            <a:r>
+              <a:rPr lang="en-US" sz="1050" b="1" dirty="0" err="1">
+                <a:solidFill>
+                  <a:srgbClr val="0070C0"/>
+                </a:solidFill>
+              </a:rPr>
+              <a:t>CommandParser</a:t>
+            </a:r>
+            <a:endParaRPr lang="en-SG" sz="1050" b="1" dirty="0">
+              <a:solidFill>
+                <a:srgbClr val="0070C0"/>
+              </a:solidFill>
+            </a:endParaRPr>
+          </a:p>
+        </p:txBody>
+      </p:sp>
+      <p:cxnSp>
+        <p:nvCxnSpPr>
+          <p:cNvPr id="59" name="Elbow Connector 63"/>
+          <p:cNvCxnSpPr>
+            <a:stCxn id="54" idx="3"/>
+            <a:endCxn id="55" idx="3"/>
+          </p:cNvCxnSpPr>
+          <p:nvPr/>
+        </p:nvCxnSpPr>
+        <p:spPr>
+          <a:xfrm rot="10800000">
+            <a:off x="6509435" y="1201837"/>
+            <a:ext cx="186381" cy="831"/>
+          </a:xfrm>
+          <a:prstGeom prst="bentConnector3">
+            <a:avLst>
+              <a:gd name="adj1" fmla="val 50000"/>
+            </a:avLst>
+          </a:prstGeom>
+          <a:ln w="19050">
+            <a:solidFill>
+              <a:srgbClr val="0070C0"/>
+            </a:solidFill>
+            <a:headEnd type="none" w="med" len="med"/>
+            <a:tailEnd type="none" w="med" len="med"/>
+          </a:ln>
+          <a:effectLst/>
+        </p:spPr>
+        <p:style>
+          <a:lnRef idx="1">
+            <a:schemeClr val="accent2"/>
+          </a:lnRef>
+          <a:fillRef idx="2">
+            <a:schemeClr val="accent2"/>
+          </a:fillRef>
+          <a:effectRef idx="1">
+            <a:schemeClr val="accent2"/>
+          </a:effectRef>
+          <a:fontRef idx="minor">
+            <a:schemeClr val="dk1"/>
+          </a:fontRef>
+        </p:style>
+      </p:cxnSp>
+      <p:cxnSp>
+        <p:nvCxnSpPr>
+          <p:cNvPr id="60" name="Elbow Connector 63"/>
+          <p:cNvCxnSpPr>
+            <a:stCxn id="55" idx="3"/>
+            <a:endCxn id="57" idx="3"/>
+          </p:cNvCxnSpPr>
+          <p:nvPr/>
+        </p:nvCxnSpPr>
+        <p:spPr>
+          <a:xfrm>
+            <a:off x="6509434" y="1201836"/>
+            <a:ext cx="186379" cy="1213103"/>
+          </a:xfrm>
+          <a:prstGeom prst="bentConnector3">
+            <a:avLst>
+              <a:gd name="adj1" fmla="val 50000"/>
+            </a:avLst>
+          </a:prstGeom>
+          <a:ln w="19050">
+            <a:solidFill>
+              <a:srgbClr val="0070C0"/>
+            </a:solidFill>
+            <a:headEnd type="none" w="med" len="med"/>
+            <a:tailEnd type="none" w="med" len="med"/>
+          </a:ln>
+          <a:effectLst/>
+        </p:spPr>
+        <p:style>
+          <a:lnRef idx="1">
+            <a:schemeClr val="accent2"/>
+          </a:lnRef>
+          <a:fillRef idx="2">
+            <a:schemeClr val="accent2"/>
+          </a:fillRef>
+          <a:effectRef idx="1">
+            <a:schemeClr val="accent2"/>
+          </a:effectRef>
+          <a:fontRef idx="minor">
+            <a:schemeClr val="dk1"/>
+          </a:fontRef>
+        </p:style>
+      </p:cxnSp>
+      <p:cxnSp>
+        <p:nvCxnSpPr>
+          <p:cNvPr id="61" name="Elbow Connector 63"/>
+          <p:cNvCxnSpPr>
+            <a:stCxn id="55" idx="3"/>
+            <a:endCxn id="56" idx="3"/>
+          </p:cNvCxnSpPr>
+          <p:nvPr/>
+        </p:nvCxnSpPr>
+        <p:spPr>
+          <a:xfrm>
+            <a:off x="6509434" y="1201836"/>
+            <a:ext cx="186381" cy="407231"/>
+          </a:xfrm>
+          <a:prstGeom prst="bentConnector3">
+            <a:avLst>
+              <a:gd name="adj1" fmla="val 50000"/>
+            </a:avLst>
+          </a:prstGeom>
+          <a:ln w="19050">
+            <a:solidFill>
+              <a:srgbClr val="0070C0"/>
+            </a:solidFill>
+            <a:headEnd type="none" w="med" len="med"/>
+            <a:tailEnd type="none" w="med" len="med"/>
+          </a:ln>
+          <a:effectLst/>
+        </p:spPr>
+        <p:style>
+          <a:lnRef idx="1">
+            <a:schemeClr val="accent2"/>
+          </a:lnRef>
+          <a:fillRef idx="2">
+            <a:schemeClr val="accent2"/>
+          </a:fillRef>
+          <a:effectRef idx="1">
+            <a:schemeClr val="accent2"/>
+          </a:effectRef>
+          <a:fontRef idx="minor">
+            <a:schemeClr val="dk1"/>
+          </a:fontRef>
+        </p:style>
+      </p:cxnSp>
+      <p:sp>
+        <p:nvSpPr>
+          <p:cNvPr id="63" name="Rectangle 11"/>
+          <p:cNvSpPr/>
+          <p:nvPr/>
+        </p:nvSpPr>
+        <p:spPr>
+          <a:xfrm flipH="1">
+            <a:off x="6700613" y="1838857"/>
+            <a:ext cx="1475312" cy="346760"/>
+          </a:xfrm>
+          <a:prstGeom prst="rect">
+            <a:avLst/>
+          </a:prstGeom>
+          <a:solidFill>
+            <a:schemeClr val="accent5">
+              <a:lumMod val="20000"/>
+              <a:lumOff val="80000"/>
+            </a:schemeClr>
+          </a:solidFill>
+          <a:ln w="19050">
+            <a:solidFill>
+              <a:srgbClr val="0070C0"/>
+            </a:solidFill>
+          </a:ln>
+          <a:effectLst/>
+        </p:spPr>
+        <p:style>
+          <a:lnRef idx="1">
+            <a:schemeClr val="accent1"/>
+          </a:lnRef>
+          <a:fillRef idx="2">
+            <a:schemeClr val="accent1"/>
+          </a:fillRef>
+          <a:effectRef idx="1">
+            <a:schemeClr val="accent1"/>
+          </a:effectRef>
+          <a:fontRef idx="minor">
+            <a:schemeClr val="dk1"/>
+          </a:fontRef>
+        </p:style>
+        <p:txBody>
+          <a:bodyPr rtlCol="0" anchor="ctr"/>
+          <a:lstStyle/>
+          <a:p>
+            <a:pPr algn="ctr"/>
+            <a:r>
+              <a:rPr lang="en-US" sz="1050" b="1" dirty="0">
+                <a:solidFill>
+                  <a:srgbClr val="0070C0"/>
+                </a:solidFill>
+              </a:rPr>
+              <a:t>Delete</a:t>
+            </a:r>
+            <a:br>
+              <a:rPr lang="en-US" sz="1050" b="1" dirty="0">
+                <a:solidFill>
+                  <a:srgbClr val="0070C0"/>
+                </a:solidFill>
+              </a:rPr>
+            </a:br>
+            <a:r>
+              <a:rPr lang="en-US" sz="1050" b="1" dirty="0" err="1">
+                <a:solidFill>
+                  <a:srgbClr val="0070C0"/>
+                </a:solidFill>
+              </a:rPr>
+              <a:t>CommandParser</a:t>
+            </a:r>
+            <a:endParaRPr lang="en-SG" sz="1050" b="1" dirty="0">
+              <a:solidFill>
+                <a:srgbClr val="0070C0"/>
+              </a:solidFill>
+            </a:endParaRPr>
+          </a:p>
+        </p:txBody>
+      </p:sp>
+      <p:cxnSp>
+        <p:nvCxnSpPr>
+          <p:cNvPr id="64" name="Elbow Connector 63"/>
+          <p:cNvCxnSpPr>
+            <a:stCxn id="55" idx="3"/>
+            <a:endCxn id="63" idx="3"/>
+          </p:cNvCxnSpPr>
+          <p:nvPr/>
+        </p:nvCxnSpPr>
+        <p:spPr>
+          <a:xfrm>
+            <a:off x="6509434" y="1201836"/>
+            <a:ext cx="191179" cy="810401"/>
           </a:xfrm>
           <a:prstGeom prst="bentConnector3">
             <a:avLst>
@@ -11500,13 +12185,6 @@
   <p:clrMapOvr>
     <a:masterClrMapping/>
   </p:clrMapOvr>
-  <p:timing>
-    <p:tnLst>
-      <p:par>
-        <p:cTn id="1" dur="indefinite" restart="never" nodeType="tmRoot"/>
-      </p:par>
-    </p:tnLst>
-  </p:timing>
 </p:sld>
 </file>
 
@@ -11573,7 +12251,7 @@
           <a:lstStyle/>
           <a:p>
             <a:r>
-              <a:rPr lang="en-US" sz="1200" b="1" dirty="0" smtClean="0">
+              <a:rPr lang="en-US" sz="1200" b="1" dirty="0">
                 <a:solidFill>
                   <a:srgbClr val="7030A0"/>
                 </a:solidFill>
@@ -11632,7 +12310,7 @@
           <a:p>
             <a:pPr algn="ctr"/>
             <a:r>
-              <a:rPr lang="en-US" sz="1050" dirty="0" err="1" smtClean="0">
+              <a:rPr lang="en-US" sz="1050" dirty="0" err="1">
                 <a:solidFill>
                   <a:schemeClr val="bg1"/>
                 </a:solidFill>
@@ -11691,7 +12369,7 @@
           <a:p>
             <a:pPr algn="ctr"/>
             <a:r>
-              <a:rPr lang="en-US" sz="1050" dirty="0" err="1" smtClean="0">
+              <a:rPr lang="en-US" sz="1050" dirty="0" err="1">
                 <a:solidFill>
                   <a:schemeClr val="bg1"/>
                 </a:solidFill>
@@ -11847,7 +12525,7 @@
           <a:p>
             <a:pPr algn="ctr"/>
             <a:r>
-              <a:rPr lang="en-US" sz="1050" dirty="0" smtClean="0">
+              <a:rPr lang="en-US" sz="1050" dirty="0">
                 <a:solidFill>
                   <a:schemeClr val="bg1"/>
                 </a:solidFill>
@@ -12213,12 +12891,12 @@
           <a:p>
             <a:pPr algn="ctr"/>
             <a:r>
-              <a:rPr lang="en-US" sz="1050" dirty="0" err="1" smtClean="0">
+              <a:rPr lang="en-US" sz="1050" dirty="0" err="1">
                 <a:solidFill>
                   <a:srgbClr val="7030A0"/>
                 </a:solidFill>
               </a:rPr>
-              <a:t>AddressBook</a:t>
+              <a:t>TaskScheduler</a:t>
             </a:r>
             <a:endParaRPr lang="en-SG" sz="1050" dirty="0">
               <a:solidFill>
@@ -12355,12 +13033,12 @@
           <a:p>
             <a:pPr algn="ctr"/>
             <a:r>
-              <a:rPr lang="en-US" sz="1050" dirty="0" err="1" smtClean="0">
+              <a:rPr lang="en-US" sz="1050" dirty="0" err="1">
                 <a:solidFill>
                   <a:srgbClr val="7030A0"/>
                 </a:solidFill>
               </a:rPr>
-              <a:t>UniquePersonList</a:t>
+              <a:t>UniqueTaskList</a:t>
             </a:r>
             <a:endParaRPr lang="en-SG" sz="1050" dirty="0">
               <a:solidFill>
@@ -12499,7 +13177,7 @@
           <a:p>
             <a:pPr algn="ctr"/>
             <a:r>
-              <a:rPr lang="en-US" sz="1050" dirty="0" err="1" smtClean="0">
+              <a:rPr lang="en-US" sz="1050" dirty="0" err="1">
                 <a:solidFill>
                   <a:srgbClr val="7030A0"/>
                 </a:solidFill>
@@ -12598,12 +13276,12 @@
           <a:p>
             <a:pPr algn="ctr"/>
             <a:r>
-              <a:rPr lang="en-US" sz="1050" dirty="0" smtClean="0">
+              <a:rPr lang="en-US" sz="1050" dirty="0">
                 <a:solidFill>
                   <a:srgbClr val="7030A0"/>
                 </a:solidFill>
               </a:rPr>
-              <a:t>Person</a:t>
+              <a:t>Task</a:t>
             </a:r>
             <a:endParaRPr lang="en-SG" sz="1050" dirty="0">
               <a:solidFill>
@@ -12740,7 +13418,7 @@
           <a:p>
             <a:pPr algn="ctr"/>
             <a:r>
-              <a:rPr lang="en-US" sz="1050" dirty="0" smtClean="0">
+              <a:rPr lang="en-US" sz="1050" dirty="0">
                 <a:solidFill>
                   <a:srgbClr val="7030A0"/>
                 </a:solidFill>
@@ -12882,7 +13560,7 @@
           <a:p>
             <a:pPr algn="ctr"/>
             <a:r>
-              <a:rPr lang="en-US" sz="1050" dirty="0" smtClean="0">
+              <a:rPr lang="en-US" sz="1050" dirty="0">
                 <a:solidFill>
                   <a:srgbClr val="7030A0"/>
                 </a:solidFill>
@@ -12890,19 +13568,19 @@
               <a:t>&lt;&lt;interface&gt;&gt;</a:t>
             </a:r>
             <a:br>
-              <a:rPr lang="en-US" sz="1050" dirty="0" smtClean="0">
+              <a:rPr lang="en-US" sz="1050" dirty="0">
                 <a:solidFill>
                   <a:srgbClr val="7030A0"/>
                 </a:solidFill>
               </a:rPr>
             </a:br>
             <a:r>
-              <a:rPr lang="en-US" sz="1050" dirty="0" err="1" smtClean="0">
+              <a:rPr lang="en-US" sz="1050" dirty="0" err="1">
                 <a:solidFill>
                   <a:srgbClr val="7030A0"/>
                 </a:solidFill>
               </a:rPr>
-              <a:t>ReadOnlyPerson</a:t>
+              <a:t>ReadOnlyTask</a:t>
             </a:r>
             <a:endParaRPr lang="en-SG" sz="1050" dirty="0">
               <a:solidFill>
@@ -12953,7 +13631,7 @@
           <a:p>
             <a:pPr algn="ctr"/>
             <a:r>
-              <a:rPr lang="en-US" sz="1050" dirty="0" smtClean="0">
+              <a:rPr lang="en-US" sz="1050" dirty="0">
                 <a:solidFill>
                   <a:srgbClr val="7030A0"/>
                 </a:solidFill>
@@ -13097,12 +13775,12 @@
           <a:p>
             <a:pPr algn="ctr"/>
             <a:r>
-              <a:rPr lang="en-US" sz="1050" dirty="0" smtClean="0">
+              <a:rPr lang="en-US" sz="1050" dirty="0" err="1">
                 <a:solidFill>
                   <a:srgbClr val="7030A0"/>
                 </a:solidFill>
               </a:rPr>
-              <a:t>Phone</a:t>
+              <a:t>TaskDateTime</a:t>
             </a:r>
             <a:endParaRPr lang="en-SG" sz="1050" dirty="0">
               <a:solidFill>
@@ -13194,12 +13872,12 @@
           <a:p>
             <a:pPr algn="ctr"/>
             <a:r>
-              <a:rPr lang="en-US" sz="1050" dirty="0" smtClean="0">
+              <a:rPr lang="en-US" sz="1050" dirty="0" err="1">
                 <a:solidFill>
                   <a:srgbClr val="7030A0"/>
                 </a:solidFill>
               </a:rPr>
-              <a:t>Email</a:t>
+              <a:t>TaskDateTime</a:t>
             </a:r>
             <a:endParaRPr lang="en-SG" sz="1050" dirty="0">
               <a:solidFill>
@@ -13291,12 +13969,12 @@
           <a:p>
             <a:pPr algn="ctr"/>
             <a:r>
-              <a:rPr lang="en-US" sz="1050" dirty="0" smtClean="0">
+              <a:rPr lang="en-US" sz="1050" dirty="0">
                 <a:solidFill>
                   <a:srgbClr val="7030A0"/>
                 </a:solidFill>
               </a:rPr>
-              <a:t>Address</a:t>
+              <a:t>Location</a:t>
             </a:r>
             <a:endParaRPr lang="en-SG" sz="1050" dirty="0">
               <a:solidFill>
@@ -13479,130 +14157,12 @@
           <a:p>
             <a:pPr algn="ctr"/>
             <a:r>
-              <a:rPr lang="en-US" sz="1050" dirty="0" smtClean="0">
+              <a:rPr lang="en-US" sz="1050" dirty="0">
                 <a:solidFill>
                   <a:srgbClr val="7030A0"/>
                 </a:solidFill>
               </a:rPr>
               <a:t>&lt;&lt;interface&gt;&gt;</a:t>
-            </a:r>
-            <a:br>
-              <a:rPr lang="en-US" sz="1050" dirty="0" smtClean="0">
-                <a:solidFill>
-                  <a:srgbClr val="7030A0"/>
-                </a:solidFill>
-              </a:rPr>
-            </a:br>
-            <a:r>
-              <a:rPr lang="en-US" sz="1050" dirty="0" err="1" smtClean="0">
-                <a:solidFill>
-                  <a:srgbClr val="7030A0"/>
-                </a:solidFill>
-              </a:rPr>
-              <a:t>ReadOnlyAddressBook</a:t>
-            </a:r>
-            <a:endParaRPr lang="en-SG" sz="1050" dirty="0">
-              <a:solidFill>
-                <a:srgbClr val="7030A0"/>
-              </a:solidFill>
-            </a:endParaRPr>
-          </a:p>
-        </p:txBody>
-      </p:sp>
-      <p:sp>
-        <p:nvSpPr>
-          <p:cNvPr id="114" name="TextBox 113"/>
-          <p:cNvSpPr txBox="1"/>
-          <p:nvPr/>
-        </p:nvSpPr>
-        <p:spPr>
-          <a:xfrm rot="16200000">
-            <a:off x="6581354" y="3514530"/>
-            <a:ext cx="881018" cy="261610"/>
-          </a:xfrm>
-          <a:prstGeom prst="rect">
-            <a:avLst/>
-          </a:prstGeom>
-          <a:noFill/>
-        </p:spPr>
-        <p:txBody>
-          <a:bodyPr wrap="square" rtlCol="0">
-            <a:spAutoFit/>
-          </a:bodyPr>
-          <a:lstStyle/>
-          <a:p>
-            <a:pPr algn="r"/>
-            <a:r>
-              <a:rPr lang="en-US" sz="1100" dirty="0" smtClean="0">
-                <a:solidFill>
-                  <a:srgbClr val="7030A0"/>
-                </a:solidFill>
-              </a:rPr>
-              <a:t>filtered list</a:t>
-            </a:r>
-            <a:endParaRPr lang="en-SG" sz="1100" dirty="0">
-              <a:solidFill>
-                <a:srgbClr val="7030A0"/>
-              </a:solidFill>
-            </a:endParaRPr>
-          </a:p>
-        </p:txBody>
-      </p:sp>
-      <p:sp>
-        <p:nvSpPr>
-          <p:cNvPr id="122" name="Rectangle 8"/>
-          <p:cNvSpPr/>
-          <p:nvPr/>
-        </p:nvSpPr>
-        <p:spPr>
-          <a:xfrm>
-            <a:off x="2057400" y="4239491"/>
-            <a:ext cx="1775949" cy="346760"/>
-          </a:xfrm>
-          <a:prstGeom prst="rect">
-            <a:avLst/>
-          </a:prstGeom>
-          <a:ln w="19050">
-            <a:solidFill>
-              <a:srgbClr val="7030A0"/>
-            </a:solidFill>
-          </a:ln>
-          <a:effectLst/>
-        </p:spPr>
-        <p:style>
-          <a:lnRef idx="1">
-            <a:schemeClr val="accent4"/>
-          </a:lnRef>
-          <a:fillRef idx="2">
-            <a:schemeClr val="accent4"/>
-          </a:fillRef>
-          <a:effectRef idx="1">
-            <a:schemeClr val="accent4"/>
-          </a:effectRef>
-          <a:fontRef idx="minor">
-            <a:schemeClr val="dk1"/>
-          </a:fontRef>
-        </p:style>
-        <p:txBody>
-          <a:bodyPr rtlCol="0" anchor="ctr"/>
-          <a:lstStyle/>
-          <a:p>
-            <a:pPr algn="ctr"/>
-            <a:r>
-              <a:rPr lang="en-US" sz="1050" dirty="0" smtClean="0">
-                <a:solidFill>
-                  <a:srgbClr val="7030A0"/>
-                </a:solidFill>
-              </a:rPr>
-              <a:t>&lt;&lt;interface&gt;&gt;</a:t>
-            </a:r>
-            <a:r>
-              <a:rPr lang="en-US" sz="1050" dirty="0">
-                <a:solidFill>
-                  <a:srgbClr val="7030A0"/>
-                </a:solidFill>
-              </a:rPr>
-              <a:t/>
             </a:r>
             <a:br>
               <a:rPr lang="en-US" sz="1050" dirty="0">
@@ -13612,7 +14172,117 @@
               </a:rPr>
             </a:br>
             <a:r>
-              <a:rPr lang="en-US" sz="1050" dirty="0" err="1" smtClean="0">
+              <a:rPr lang="en-US" sz="1050" dirty="0" err="1">
+                <a:solidFill>
+                  <a:srgbClr val="7030A0"/>
+                </a:solidFill>
+              </a:rPr>
+              <a:t>ReadOnlyTaskScheduler</a:t>
+            </a:r>
+            <a:endParaRPr lang="en-SG" sz="1050" dirty="0">
+              <a:solidFill>
+                <a:srgbClr val="7030A0"/>
+              </a:solidFill>
+            </a:endParaRPr>
+          </a:p>
+        </p:txBody>
+      </p:sp>
+      <p:sp>
+        <p:nvSpPr>
+          <p:cNvPr id="114" name="TextBox 113"/>
+          <p:cNvSpPr txBox="1"/>
+          <p:nvPr/>
+        </p:nvSpPr>
+        <p:spPr>
+          <a:xfrm rot="16200000">
+            <a:off x="6581354" y="3514530"/>
+            <a:ext cx="881018" cy="261610"/>
+          </a:xfrm>
+          <a:prstGeom prst="rect">
+            <a:avLst/>
+          </a:prstGeom>
+          <a:noFill/>
+        </p:spPr>
+        <p:txBody>
+          <a:bodyPr wrap="square" rtlCol="0">
+            <a:spAutoFit/>
+          </a:bodyPr>
+          <a:lstStyle/>
+          <a:p>
+            <a:pPr algn="r"/>
+            <a:r>
+              <a:rPr lang="en-US" sz="1100" dirty="0">
+                <a:solidFill>
+                  <a:srgbClr val="7030A0"/>
+                </a:solidFill>
+              </a:rPr>
+              <a:t>filtered list</a:t>
+            </a:r>
+            <a:endParaRPr lang="en-SG" sz="1100" dirty="0">
+              <a:solidFill>
+                <a:srgbClr val="7030A0"/>
+              </a:solidFill>
+            </a:endParaRPr>
+          </a:p>
+        </p:txBody>
+      </p:sp>
+      <p:sp>
+        <p:nvSpPr>
+          <p:cNvPr id="122" name="Rectangle 8"/>
+          <p:cNvSpPr/>
+          <p:nvPr/>
+        </p:nvSpPr>
+        <p:spPr>
+          <a:xfrm>
+            <a:off x="2057400" y="4239491"/>
+            <a:ext cx="1775949" cy="346760"/>
+          </a:xfrm>
+          <a:prstGeom prst="rect">
+            <a:avLst/>
+          </a:prstGeom>
+          <a:ln w="19050">
+            <a:solidFill>
+              <a:srgbClr val="7030A0"/>
+            </a:solidFill>
+          </a:ln>
+          <a:effectLst/>
+        </p:spPr>
+        <p:style>
+          <a:lnRef idx="1">
+            <a:schemeClr val="accent4"/>
+          </a:lnRef>
+          <a:fillRef idx="2">
+            <a:schemeClr val="accent4"/>
+          </a:fillRef>
+          <a:effectRef idx="1">
+            <a:schemeClr val="accent4"/>
+          </a:effectRef>
+          <a:fontRef idx="minor">
+            <a:schemeClr val="dk1"/>
+          </a:fontRef>
+        </p:style>
+        <p:txBody>
+          <a:bodyPr rtlCol="0" anchor="ctr"/>
+          <a:lstStyle/>
+          <a:p>
+            <a:pPr algn="ctr"/>
+            <a:r>
+              <a:rPr lang="en-US" sz="1050" dirty="0">
+                <a:solidFill>
+                  <a:srgbClr val="7030A0"/>
+                </a:solidFill>
+              </a:rPr>
+              <a:t>&lt;&lt;interface&gt;&gt;</a:t>
+            </a:r>
+            <a:br>
+              <a:rPr lang="en-US" sz="1050" dirty="0">
+                <a:solidFill>
+                  <a:srgbClr val="7030A0"/>
+                </a:solidFill>
+              </a:rPr>
+            </a:br>
+            <a:r>
+              <a:rPr lang="en-US" sz="1050" dirty="0" err="1">
                 <a:solidFill>
                   <a:srgbClr val="7030A0"/>
                 </a:solidFill>
@@ -13679,13 +14349,6 @@
   <p:clrMapOvr>
     <a:masterClrMapping/>
   </p:clrMapOvr>
-  <p:timing>
-    <p:tnLst>
-      <p:par>
-        <p:cTn id="1" dur="indefinite" restart="never" nodeType="tmRoot"/>
-      </p:par>
-    </p:tnLst>
-  </p:timing>
 </p:sld>
 </file>
 
@@ -13752,7 +14415,7 @@
           <a:lstStyle/>
           <a:p>
             <a:r>
-              <a:rPr lang="en-US" sz="1200" b="1" dirty="0" smtClean="0">
+              <a:rPr lang="en-US" sz="1200" b="1" dirty="0">
                 <a:solidFill>
                   <a:schemeClr val="accent6">
                     <a:lumMod val="75000"/>
@@ -13779,149 +14442,8 @@
         </p:nvSpPr>
         <p:spPr>
           <a:xfrm>
-            <a:off x="2877180" y="3158440"/>
-            <a:ext cx="1323049" cy="346760"/>
-          </a:xfrm>
-          <a:prstGeom prst="rect">
-            <a:avLst/>
-          </a:prstGeom>
-          <a:solidFill>
-            <a:schemeClr val="accent6">
-              <a:lumMod val="75000"/>
-            </a:schemeClr>
-          </a:solidFill>
-          <a:ln w="19050">
-            <a:solidFill>
-              <a:schemeClr val="accent6">
-                <a:lumMod val="75000"/>
-              </a:schemeClr>
-            </a:solidFill>
-          </a:ln>
-          <a:effectLst/>
-        </p:spPr>
-        <p:style>
-          <a:lnRef idx="1">
-            <a:schemeClr val="accent2"/>
-          </a:lnRef>
-          <a:fillRef idx="2">
-            <a:schemeClr val="accent2"/>
-          </a:fillRef>
-          <a:effectRef idx="1">
-            <a:schemeClr val="accent2"/>
-          </a:effectRef>
-          <a:fontRef idx="minor">
-            <a:schemeClr val="dk1"/>
-          </a:fontRef>
-        </p:style>
-        <p:txBody>
-          <a:bodyPr rtlCol="0" anchor="ctr"/>
-          <a:lstStyle/>
-          <a:p>
-            <a:pPr algn="ctr"/>
-            <a:r>
-              <a:rPr lang="en-US" sz="1050" dirty="0" smtClean="0">
-                <a:solidFill>
-                  <a:schemeClr val="bg1"/>
-                </a:solidFill>
-              </a:rPr>
-              <a:t>&lt;&lt;interface&gt;&gt;</a:t>
-            </a:r>
-            <a:br>
-              <a:rPr lang="en-US" sz="1050" dirty="0" smtClean="0">
-                <a:solidFill>
-                  <a:schemeClr val="bg1"/>
-                </a:solidFill>
-              </a:rPr>
-            </a:br>
-            <a:r>
-              <a:rPr lang="en-US" sz="1050" dirty="0" err="1" smtClean="0">
-                <a:solidFill>
-                  <a:schemeClr val="bg1"/>
-                </a:solidFill>
-              </a:rPr>
-              <a:t>AddressBookStorage</a:t>
-            </a:r>
-            <a:endParaRPr lang="en-SG" sz="1050" dirty="0">
-              <a:solidFill>
-                <a:schemeClr val="bg1"/>
-              </a:solidFill>
-            </a:endParaRPr>
-          </a:p>
-        </p:txBody>
-      </p:sp>
-      <p:sp>
-        <p:nvSpPr>
-          <p:cNvPr id="9" name="Rectangle 62"/>
-          <p:cNvSpPr/>
-          <p:nvPr/>
-        </p:nvSpPr>
-        <p:spPr>
-          <a:xfrm rot="16200000">
-            <a:off x="1683963" y="2868687"/>
-            <a:ext cx="1093635" cy="346760"/>
-          </a:xfrm>
-          <a:prstGeom prst="rect">
-            <a:avLst/>
-          </a:prstGeom>
-          <a:solidFill>
-            <a:schemeClr val="accent6">
-              <a:lumMod val="75000"/>
-            </a:schemeClr>
-          </a:solidFill>
-          <a:ln w="19050">
-            <a:solidFill>
-              <a:schemeClr val="accent6">
-                <a:lumMod val="75000"/>
-              </a:schemeClr>
-            </a:solidFill>
-          </a:ln>
-          <a:effectLst/>
-        </p:spPr>
-        <p:style>
-          <a:lnRef idx="1">
-            <a:schemeClr val="accent2"/>
-          </a:lnRef>
-          <a:fillRef idx="2">
-            <a:schemeClr val="accent2"/>
-          </a:fillRef>
-          <a:effectRef idx="1">
-            <a:schemeClr val="accent2"/>
-          </a:effectRef>
-          <a:fontRef idx="minor">
-            <a:schemeClr val="dk1"/>
-          </a:fontRef>
-        </p:style>
-        <p:txBody>
-          <a:bodyPr rtlCol="0" anchor="ctr"/>
-          <a:lstStyle/>
-          <a:p>
-            <a:pPr algn="ctr"/>
-            <a:r>
-              <a:rPr lang="en-US" sz="1050" dirty="0" err="1" smtClean="0">
-                <a:solidFill>
-                  <a:schemeClr val="bg1"/>
-                </a:solidFill>
-              </a:rPr>
-              <a:t>StorageManager</a:t>
-            </a:r>
-            <a:endParaRPr lang="en-SG" sz="1050" dirty="0">
-              <a:solidFill>
-                <a:schemeClr val="bg1"/>
-              </a:solidFill>
-            </a:endParaRPr>
-          </a:p>
-        </p:txBody>
-      </p:sp>
-      <p:sp>
-        <p:nvSpPr>
-          <p:cNvPr id="119" name="Rectangle 62"/>
-          <p:cNvSpPr/>
-          <p:nvPr/>
-        </p:nvSpPr>
-        <p:spPr>
-          <a:xfrm rot="16200000">
-            <a:off x="956202" y="2861202"/>
-            <a:ext cx="1093635" cy="346760"/>
+            <a:off x="2877180" y="3158439"/>
+            <a:ext cx="1323049" cy="430445"/>
           </a:xfrm>
           <a:prstGeom prst="rect">
             <a:avLst/>
@@ -13967,11 +14489,167 @@
               </a:rPr>
               <a:t>&lt;&lt;interface&gt;&gt;</a:t>
             </a:r>
-          </a:p>
+            <a:br>
+              <a:rPr lang="en-US" sz="1050" dirty="0">
+                <a:solidFill>
+                  <a:schemeClr val="bg1"/>
+                </a:solidFill>
+              </a:rPr>
+            </a:br>
+            <a:r>
+              <a:rPr lang="en-US" sz="1050" dirty="0" err="1">
+                <a:solidFill>
+                  <a:schemeClr val="bg1"/>
+                </a:solidFill>
+              </a:rPr>
+              <a:t>TaskScheduler</a:t>
+            </a:r>
+            <a:br>
+              <a:rPr lang="en-US" sz="1050" dirty="0">
+                <a:solidFill>
+                  <a:schemeClr val="bg1"/>
+                </a:solidFill>
+              </a:rPr>
+            </a:br>
+            <a:r>
+              <a:rPr lang="en-US" sz="1050" dirty="0">
+                <a:solidFill>
+                  <a:schemeClr val="bg1"/>
+                </a:solidFill>
+              </a:rPr>
+              <a:t>Storage</a:t>
+            </a:r>
+            <a:endParaRPr lang="en-SG" sz="1050" dirty="0">
+              <a:solidFill>
+                <a:schemeClr val="bg1"/>
+              </a:solidFill>
+            </a:endParaRPr>
+          </a:p>
+        </p:txBody>
+      </p:sp>
+      <p:sp>
+        <p:nvSpPr>
+          <p:cNvPr id="9" name="Rectangle 62"/>
+          <p:cNvSpPr/>
+          <p:nvPr/>
+        </p:nvSpPr>
+        <p:spPr>
+          <a:xfrm rot="16200000">
+            <a:off x="1683963" y="2868687"/>
+            <a:ext cx="1093635" cy="346760"/>
+          </a:xfrm>
+          <a:prstGeom prst="rect">
+            <a:avLst/>
+          </a:prstGeom>
+          <a:solidFill>
+            <a:schemeClr val="accent6">
+              <a:lumMod val="75000"/>
+            </a:schemeClr>
+          </a:solidFill>
+          <a:ln w="19050">
+            <a:solidFill>
+              <a:schemeClr val="accent6">
+                <a:lumMod val="75000"/>
+              </a:schemeClr>
+            </a:solidFill>
+          </a:ln>
+          <a:effectLst/>
+        </p:spPr>
+        <p:style>
+          <a:lnRef idx="1">
+            <a:schemeClr val="accent2"/>
+          </a:lnRef>
+          <a:fillRef idx="2">
+            <a:schemeClr val="accent2"/>
+          </a:fillRef>
+          <a:effectRef idx="1">
+            <a:schemeClr val="accent2"/>
+          </a:effectRef>
+          <a:fontRef idx="minor">
+            <a:schemeClr val="dk1"/>
+          </a:fontRef>
+        </p:style>
+        <p:txBody>
+          <a:bodyPr rtlCol="0" anchor="ctr"/>
+          <a:lstStyle/>
           <a:p>
             <a:pPr algn="ctr"/>
             <a:r>
-              <a:rPr lang="en-US" sz="1050" dirty="0" smtClean="0">
+              <a:rPr lang="en-US" sz="1050" dirty="0" err="1">
+                <a:solidFill>
+                  <a:schemeClr val="bg1"/>
+                </a:solidFill>
+              </a:rPr>
+              <a:t>StorageManager</a:t>
+            </a:r>
+            <a:endParaRPr lang="en-SG" sz="1050" dirty="0">
+              <a:solidFill>
+                <a:schemeClr val="bg1"/>
+              </a:solidFill>
+            </a:endParaRPr>
+          </a:p>
+        </p:txBody>
+      </p:sp>
+      <p:sp>
+        <p:nvSpPr>
+          <p:cNvPr id="119" name="Rectangle 62"/>
+          <p:cNvSpPr/>
+          <p:nvPr/>
+        </p:nvSpPr>
+        <p:spPr>
+          <a:xfrm rot="16200000">
+            <a:off x="956202" y="2861202"/>
+            <a:ext cx="1093635" cy="346760"/>
+          </a:xfrm>
+          <a:prstGeom prst="rect">
+            <a:avLst/>
+          </a:prstGeom>
+          <a:solidFill>
+            <a:schemeClr val="accent6">
+              <a:lumMod val="75000"/>
+            </a:schemeClr>
+          </a:solidFill>
+          <a:ln w="19050">
+            <a:solidFill>
+              <a:schemeClr val="accent6">
+                <a:lumMod val="75000"/>
+              </a:schemeClr>
+            </a:solidFill>
+          </a:ln>
+          <a:effectLst/>
+        </p:spPr>
+        <p:style>
+          <a:lnRef idx="1">
+            <a:schemeClr val="accent2"/>
+          </a:lnRef>
+          <a:fillRef idx="2">
+            <a:schemeClr val="accent2"/>
+          </a:fillRef>
+          <a:effectRef idx="1">
+            <a:schemeClr val="accent2"/>
+          </a:effectRef>
+          <a:fontRef idx="minor">
+            <a:schemeClr val="dk1"/>
+          </a:fontRef>
+        </p:style>
+        <p:txBody>
+          <a:bodyPr rtlCol="0" anchor="ctr"/>
+          <a:lstStyle/>
+          <a:p>
+            <a:pPr algn="ctr"/>
+            <a:r>
+              <a:rPr lang="en-US" sz="1050" dirty="0">
+                <a:solidFill>
+                  <a:schemeClr val="bg1"/>
+                </a:solidFill>
+              </a:rPr>
+              <a:t>&lt;&lt;interface&gt;&gt;</a:t>
+            </a:r>
+          </a:p>
+          <a:p>
+            <a:pPr algn="ctr"/>
+            <a:r>
+              <a:rPr lang="en-US" sz="1050" dirty="0">
                 <a:solidFill>
                   <a:schemeClr val="bg1"/>
                 </a:solidFill>
@@ -14053,7 +14731,7 @@
         <p:spPr>
           <a:xfrm>
             <a:off x="2656370" y="3326536"/>
-            <a:ext cx="220810" cy="5284"/>
+            <a:ext cx="220810" cy="47126"/>
           </a:xfrm>
           <a:prstGeom prst="straightConnector1">
             <a:avLst/>
@@ -14405,7 +15083,7 @@
           <a:p>
             <a:pPr algn="ctr"/>
             <a:r>
-              <a:rPr lang="en-US" sz="1050" b="1" dirty="0" err="1" smtClean="0">
+              <a:rPr lang="en-US" sz="1050" b="1" dirty="0" err="1">
                 <a:solidFill>
                   <a:schemeClr val="accent6">
                     <a:lumMod val="75000"/>
@@ -14414,18 +15092,8 @@
               </a:rPr>
               <a:t>XmlAddressBook</a:t>
             </a:r>
-            <a:r>
-              <a:rPr lang="en-US" sz="1050" b="1" dirty="0" smtClean="0">
-                <a:solidFill>
-                  <a:schemeClr val="accent6">
-                    <a:lumMod val="75000"/>
-                  </a:schemeClr>
-                </a:solidFill>
-              </a:rPr>
-              <a:t/>
-            </a:r>
             <a:br>
-              <a:rPr lang="en-US" sz="1050" b="1" dirty="0" smtClean="0">
+              <a:rPr lang="en-US" sz="1050" b="1" dirty="0">
                 <a:solidFill>
                   <a:schemeClr val="accent6">
                     <a:lumMod val="75000"/>
@@ -14434,7 +15102,7 @@
               </a:rPr>
             </a:br>
             <a:r>
-              <a:rPr lang="en-US" sz="1050" b="1" dirty="0" smtClean="0">
+              <a:rPr lang="en-US" sz="1050" b="1" dirty="0">
                 <a:solidFill>
                   <a:schemeClr val="accent6">
                     <a:lumMod val="75000"/>
@@ -14501,7 +15169,7 @@
           <a:p>
             <a:pPr algn="ctr"/>
             <a:r>
-              <a:rPr lang="en-US" sz="1050" dirty="0" smtClean="0">
+              <a:rPr lang="en-US" sz="1050" dirty="0">
                 <a:solidFill>
                   <a:schemeClr val="bg1"/>
                 </a:solidFill>
@@ -14509,14 +15177,14 @@
               <a:t>&lt;&lt;interface&gt;&gt;</a:t>
             </a:r>
             <a:br>
-              <a:rPr lang="en-US" sz="1050" dirty="0" smtClean="0">
+              <a:rPr lang="en-US" sz="1050" dirty="0">
                 <a:solidFill>
                   <a:schemeClr val="bg1"/>
                 </a:solidFill>
               </a:rPr>
             </a:br>
             <a:r>
-              <a:rPr lang="en-US" sz="1050" dirty="0" err="1" smtClean="0">
+              <a:rPr lang="en-US" sz="1050" dirty="0" err="1">
                 <a:solidFill>
                   <a:schemeClr val="bg1"/>
                 </a:solidFill>
@@ -14774,30 +15442,22 @@
           <a:p>
             <a:pPr algn="ctr"/>
             <a:r>
-              <a:rPr lang="en-US" sz="1050" dirty="0" err="1" smtClean="0">
+              <a:rPr lang="en-US" sz="1050" dirty="0" err="1">
                 <a:solidFill>
                   <a:schemeClr val="bg1"/>
                 </a:solidFill>
               </a:rPr>
               <a:t>JsonUserPrefs</a:t>
             </a:r>
-            <a:r>
-              <a:rPr lang="en-US" sz="1050" dirty="0" smtClean="0">
-                <a:solidFill>
-                  <a:schemeClr val="bg1"/>
-                </a:solidFill>
-              </a:rPr>
-              <a:t/>
-            </a:r>
             <a:br>
-              <a:rPr lang="en-US" sz="1050" dirty="0" smtClean="0">
+              <a:rPr lang="en-US" sz="1050" dirty="0">
                 <a:solidFill>
                   <a:schemeClr val="bg1"/>
                 </a:solidFill>
               </a:rPr>
             </a:br>
             <a:r>
-              <a:rPr lang="en-US" sz="1050" dirty="0" smtClean="0">
+              <a:rPr lang="en-US" sz="1050" dirty="0">
                 <a:solidFill>
                   <a:schemeClr val="bg1"/>
                 </a:solidFill>
@@ -14849,7 +15509,7 @@
           <a:p>
             <a:pPr algn="ctr"/>
             <a:r>
-              <a:rPr lang="en-US" sz="1050" b="1" dirty="0" err="1" smtClean="0">
+              <a:rPr lang="en-US" sz="1050" b="1" dirty="0" err="1">
                 <a:solidFill>
                   <a:schemeClr val="accent6">
                     <a:lumMod val="75000"/>
@@ -14858,18 +15518,8 @@
               </a:rPr>
               <a:t>XmlSerializable</a:t>
             </a:r>
-            <a:r>
-              <a:rPr lang="en-US" sz="1050" b="1" dirty="0" smtClean="0">
-                <a:solidFill>
-                  <a:schemeClr val="accent6">
-                    <a:lumMod val="75000"/>
-                  </a:schemeClr>
-                </a:solidFill>
-              </a:rPr>
-              <a:t/>
-            </a:r>
             <a:br>
-              <a:rPr lang="en-US" sz="1050" b="1" dirty="0" smtClean="0">
+              <a:rPr lang="en-US" sz="1050" b="1" dirty="0">
                 <a:solidFill>
                   <a:schemeClr val="accent6">
                     <a:lumMod val="75000"/>
@@ -14878,14 +15528,14 @@
               </a:rPr>
             </a:br>
             <a:r>
-              <a:rPr lang="en-US" sz="1050" b="1" dirty="0" err="1" smtClean="0">
+              <a:rPr lang="en-US" sz="1050" b="1" dirty="0" err="1">
                 <a:solidFill>
                   <a:schemeClr val="accent6">
                     <a:lumMod val="75000"/>
                   </a:schemeClr>
                 </a:solidFill>
               </a:rPr>
-              <a:t>AddressBook</a:t>
+              <a:t>TaskScheduler</a:t>
             </a:r>
             <a:endParaRPr lang="en-SG" sz="1050" b="1" dirty="0">
               <a:solidFill>
@@ -14975,7 +15625,7 @@
           <a:p>
             <a:pPr algn="ctr"/>
             <a:r>
-              <a:rPr lang="en-US" sz="1050" b="1" dirty="0" err="1" smtClean="0">
+              <a:rPr lang="en-US" sz="1050" b="1" dirty="0" err="1">
                 <a:solidFill>
                   <a:schemeClr val="accent6">
                     <a:lumMod val="75000"/>
@@ -15031,14 +15681,14 @@
           <a:p>
             <a:pPr algn="ctr"/>
             <a:r>
-              <a:rPr lang="en-US" sz="1050" b="1" dirty="0" err="1" smtClean="0">
+              <a:rPr lang="en-US" sz="1050" b="1" dirty="0" err="1">
                 <a:solidFill>
                   <a:schemeClr val="accent6">
                     <a:lumMod val="75000"/>
                   </a:schemeClr>
                 </a:solidFill>
               </a:rPr>
-              <a:t>XmlAdaptedPerson</a:t>
+              <a:t>XmlAdaptedTask</a:t>
             </a:r>
             <a:endParaRPr lang="en-SG" sz="1050" b="1" dirty="0">
               <a:solidFill>
@@ -15101,13 +15751,6 @@
   <p:clrMapOvr>
     <a:masterClrMapping/>
   </p:clrMapOvr>
-  <p:timing>
-    <p:tnLst>
-      <p:par>
-        <p:cTn id="1" dur="indefinite" restart="never" nodeType="tmRoot"/>
-      </p:par>
-    </p:tnLst>
-  </p:timing>
 </p:sld>
 </file>
 

--- a/docs/diagrams/Diagrams.pptx
+++ b/docs/diagrams/Diagrams.pptx
@@ -115,6 +115,22 @@
       </a:defRPr>
     </a:lvl9pPr>
   </p:defaultTextStyle>
+  <p:extLst>
+    <p:ext uri="{EFAFB233-063F-42B5-8137-9DF3F51BA10A}">
+      <p15:sldGuideLst xmlns:p15="http://schemas.microsoft.com/office/powerpoint/2012/main">
+        <p15:guide id="1" orient="horz" pos="1488">
+          <p15:clr>
+            <a:srgbClr val="A4A3A4"/>
+          </p15:clr>
+        </p15:guide>
+        <p15:guide id="2" pos="2880">
+          <p15:clr>
+            <a:srgbClr val="A4A3A4"/>
+          </p15:clr>
+        </p15:guide>
+      </p15:sldGuideLst>
+    </p:ext>
+  </p:extLst>
 </p:presentation>
 </file>
 
@@ -200,7 +216,7 @@
           <a:p>
             <a:fld id="{F5CC4B3F-88C1-4FFA-B1B6-F41C21DC6924}" type="datetimeFigureOut">
               <a:rPr lang="en-US" smtClean="0"/>
-              <a:t>9/30/2016</a:t>
+              <a:t>10/21/16</a:t>
             </a:fld>
             <a:endParaRPr lang="en-US"/>
           </a:p>
@@ -649,7 +665,7 @@
           <a:p>
             <a:fld id="{78C97017-6FC3-485B-9764-EAC9E56C1D49}" type="datetimeFigureOut">
               <a:rPr lang="en-US" smtClean="0"/>
-              <a:t>9/30/2016</a:t>
+              <a:t>10/21/16</a:t>
             </a:fld>
             <a:endParaRPr lang="en-US"/>
           </a:p>
@@ -819,7 +835,7 @@
           <a:p>
             <a:fld id="{78C97017-6FC3-485B-9764-EAC9E56C1D49}" type="datetimeFigureOut">
               <a:rPr lang="en-US" smtClean="0"/>
-              <a:t>9/30/2016</a:t>
+              <a:t>10/21/16</a:t>
             </a:fld>
             <a:endParaRPr lang="en-US"/>
           </a:p>
@@ -999,7 +1015,7 @@
           <a:p>
             <a:fld id="{78C97017-6FC3-485B-9764-EAC9E56C1D49}" type="datetimeFigureOut">
               <a:rPr lang="en-US" smtClean="0"/>
-              <a:t>9/30/2016</a:t>
+              <a:t>10/21/16</a:t>
             </a:fld>
             <a:endParaRPr lang="en-US"/>
           </a:p>
@@ -1169,7 +1185,7 @@
           <a:p>
             <a:fld id="{78C97017-6FC3-485B-9764-EAC9E56C1D49}" type="datetimeFigureOut">
               <a:rPr lang="en-US" smtClean="0"/>
-              <a:t>9/30/2016</a:t>
+              <a:t>10/21/16</a:t>
             </a:fld>
             <a:endParaRPr lang="en-US"/>
           </a:p>
@@ -1415,7 +1431,7 @@
           <a:p>
             <a:fld id="{78C97017-6FC3-485B-9764-EAC9E56C1D49}" type="datetimeFigureOut">
               <a:rPr lang="en-US" smtClean="0"/>
-              <a:t>9/30/2016</a:t>
+              <a:t>10/21/16</a:t>
             </a:fld>
             <a:endParaRPr lang="en-US"/>
           </a:p>
@@ -1703,7 +1719,7 @@
           <a:p>
             <a:fld id="{78C97017-6FC3-485B-9764-EAC9E56C1D49}" type="datetimeFigureOut">
               <a:rPr lang="en-US" smtClean="0"/>
-              <a:t>9/30/2016</a:t>
+              <a:t>10/21/16</a:t>
             </a:fld>
             <a:endParaRPr lang="en-US"/>
           </a:p>
@@ -2125,7 +2141,7 @@
           <a:p>
             <a:fld id="{78C97017-6FC3-485B-9764-EAC9E56C1D49}" type="datetimeFigureOut">
               <a:rPr lang="en-US" smtClean="0"/>
-              <a:t>9/30/2016</a:t>
+              <a:t>10/21/16</a:t>
             </a:fld>
             <a:endParaRPr lang="en-US"/>
           </a:p>
@@ -2243,7 +2259,7 @@
           <a:p>
             <a:fld id="{78C97017-6FC3-485B-9764-EAC9E56C1D49}" type="datetimeFigureOut">
               <a:rPr lang="en-US" smtClean="0"/>
-              <a:t>9/30/2016</a:t>
+              <a:t>10/21/16</a:t>
             </a:fld>
             <a:endParaRPr lang="en-US"/>
           </a:p>
@@ -2338,7 +2354,7 @@
           <a:p>
             <a:fld id="{78C97017-6FC3-485B-9764-EAC9E56C1D49}" type="datetimeFigureOut">
               <a:rPr lang="en-US" smtClean="0"/>
-              <a:t>9/30/2016</a:t>
+              <a:t>10/21/16</a:t>
             </a:fld>
             <a:endParaRPr lang="en-US"/>
           </a:p>
@@ -2615,7 +2631,7 @@
           <a:p>
             <a:fld id="{78C97017-6FC3-485B-9764-EAC9E56C1D49}" type="datetimeFigureOut">
               <a:rPr lang="en-US" smtClean="0"/>
-              <a:t>9/30/2016</a:t>
+              <a:t>10/21/16</a:t>
             </a:fld>
             <a:endParaRPr lang="en-US"/>
           </a:p>
@@ -2868,7 +2884,7 @@
           <a:p>
             <a:fld id="{78C97017-6FC3-485B-9764-EAC9E56C1D49}" type="datetimeFigureOut">
               <a:rPr lang="en-US" smtClean="0"/>
-              <a:t>9/30/2016</a:t>
+              <a:t>10/21/16</a:t>
             </a:fld>
             <a:endParaRPr lang="en-US"/>
           </a:p>
@@ -3081,7 +3097,7 @@
           <a:p>
             <a:fld id="{78C97017-6FC3-485B-9764-EAC9E56C1D49}" type="datetimeFigureOut">
               <a:rPr lang="en-US" smtClean="0"/>
-              <a:t>9/30/2016</a:t>
+              <a:t>10/21/16</a:t>
             </a:fld>
             <a:endParaRPr lang="en-US"/>
           </a:p>
@@ -5753,7 +5769,7 @@
                   <a:srgbClr val="7030A0"/>
                 </a:solidFill>
               </a:rPr>
-              <a:t>deletePerson</a:t>
+              <a:t>deleteTask</a:t>
             </a:r>
             <a:r>
               <a:rPr lang="en-US" sz="1400" dirty="0" smtClean="0">
@@ -5761,7 +5777,7 @@
                   <a:srgbClr val="7030A0"/>
                 </a:solidFill>
               </a:rPr>
-              <a:t>(p)</a:t>
+              <a:t>(t)</a:t>
             </a:r>
             <a:endParaRPr lang="en-US" sz="1400" dirty="0">
               <a:solidFill>
@@ -5811,7 +5827,7 @@
                   </a:schemeClr>
                 </a:solidFill>
               </a:rPr>
-              <a:t>AddressBookChangedEvent</a:t>
+              <a:t>TaskManagerChangedEvent</a:t>
             </a:r>
             <a:r>
               <a:rPr lang="en-US" sz="1400" dirty="0" smtClean="0">
@@ -6385,7 +6401,7 @@
                   </a:schemeClr>
                 </a:solidFill>
               </a:rPr>
-              <a:t>AddressBookChangedEvent</a:t>
+              <a:t>TaskManagerChangedEvent</a:t>
             </a:r>
             <a:r>
               <a:rPr lang="en-US" sz="1400" dirty="0" smtClean="0">
@@ -6757,7 +6773,7 @@
                   </a:schemeClr>
                 </a:solidFill>
               </a:rPr>
-              <a:t>handleAddresssBookChangedEvent</a:t>
+              <a:t>handleTaskManagerChangedEvent</a:t>
             </a:r>
             <a:r>
               <a:rPr lang="en-US" sz="1400" dirty="0" smtClean="0">
@@ -7068,7 +7084,7 @@
                   <a:srgbClr val="00B050"/>
                 </a:solidFill>
               </a:rPr>
-              <a:t>handleAddresssBookChangedEvent</a:t>
+              <a:t>handleTaskManagerChangedEvent</a:t>
             </a:r>
             <a:r>
               <a:rPr lang="en-US" sz="1400" dirty="0" smtClean="0">
@@ -7546,7 +7562,7 @@
         </p:nvSpPr>
         <p:spPr>
           <a:xfrm>
-            <a:off x="1217465" y="1447800"/>
+            <a:off x="1215660" y="1447798"/>
             <a:ext cx="4917083" cy="3962400"/>
           </a:xfrm>
           <a:prstGeom prst="roundRect">
@@ -8014,14 +8030,14 @@
           <a:p>
             <a:pPr algn="ctr"/>
             <a:r>
-              <a:rPr lang="en-US" sz="1050" b="1" dirty="0" err="1">
+              <a:rPr lang="en-US" sz="1050" b="1" dirty="0" err="1" smtClean="0">
                 <a:solidFill>
                   <a:schemeClr val="accent3">
                     <a:lumMod val="75000"/>
                   </a:schemeClr>
                 </a:solidFill>
               </a:rPr>
-              <a:t>BrowserPanel</a:t>
+              <a:t>DatedPanel</a:t>
             </a:r>
             <a:endParaRPr lang="en-SG" sz="1050" b="1" dirty="0">
               <a:solidFill>
@@ -8101,7 +8117,7 @@
         </p:nvSpPr>
         <p:spPr>
           <a:xfrm>
-            <a:off x="2592526" y="3991960"/>
+            <a:off x="2604983" y="4087029"/>
             <a:ext cx="1093635" cy="236841"/>
           </a:xfrm>
           <a:prstGeom prst="rect">
@@ -8134,14 +8150,14 @@
           <a:p>
             <a:pPr algn="ctr"/>
             <a:r>
-              <a:rPr lang="en-US" sz="1050" b="1" dirty="0" err="1">
+              <a:rPr lang="en-SG" sz="1050" b="1" dirty="0" err="1" smtClean="0">
                 <a:solidFill>
                   <a:schemeClr val="accent3">
                     <a:lumMod val="75000"/>
                   </a:schemeClr>
                 </a:solidFill>
               </a:rPr>
-              <a:t>PersonListPanel</a:t>
+              <a:t>UndatedPanel</a:t>
             </a:r>
             <a:endParaRPr lang="en-SG" sz="1050" b="1" dirty="0">
               <a:solidFill>
@@ -8161,8 +8177,8 @@
         </p:nvSpPr>
         <p:spPr>
           <a:xfrm>
-            <a:off x="3839323" y="4228801"/>
-            <a:ext cx="1040906" cy="236841"/>
+            <a:off x="3871296" y="4373767"/>
+            <a:ext cx="1247969" cy="259868"/>
           </a:xfrm>
           <a:prstGeom prst="rect">
             <a:avLst/>
@@ -8194,14 +8210,14 @@
           <a:p>
             <a:pPr algn="ctr"/>
             <a:r>
-              <a:rPr lang="en-US" sz="1050" b="1" dirty="0" err="1">
+              <a:rPr lang="en-US" sz="1050" b="1" dirty="0" err="1" smtClean="0">
                 <a:solidFill>
                   <a:schemeClr val="accent3">
                     <a:lumMod val="75000"/>
                   </a:schemeClr>
                 </a:solidFill>
               </a:rPr>
-              <a:t>PersonCard</a:t>
+              <a:t>UndatedTaskCard</a:t>
             </a:r>
             <a:endParaRPr lang="en-SG" sz="1050" b="1" dirty="0">
               <a:solidFill>
@@ -8474,8 +8490,8 @@
         </p:nvCxnSpPr>
         <p:spPr>
           <a:xfrm rot="16200000" flipH="1">
-            <a:off x="1883148" y="3401003"/>
-            <a:ext cx="1242356" cy="176400"/>
+            <a:off x="1841842" y="3442308"/>
+            <a:ext cx="1337425" cy="188857"/>
           </a:xfrm>
           <a:prstGeom prst="bentConnector2">
             <a:avLst/>
@@ -8707,47 +8723,6 @@
       </p:cxnSp>
       <p:cxnSp>
         <p:nvCxnSpPr>
-          <p:cNvPr id="77" name="Elbow Connector 63"/>
-          <p:cNvCxnSpPr>
-            <a:stCxn id="16" idx="3"/>
-            <a:endCxn id="37" idx="3"/>
-          </p:cNvCxnSpPr>
-          <p:nvPr/>
-        </p:nvCxnSpPr>
-        <p:spPr>
-          <a:xfrm rot="5400000">
-            <a:off x="4174488" y="2991741"/>
-            <a:ext cx="2061222" cy="649740"/>
-          </a:xfrm>
-          <a:prstGeom prst="bentConnector2">
-            <a:avLst/>
-          </a:prstGeom>
-          <a:ln w="6350">
-            <a:solidFill>
-              <a:schemeClr val="accent3"/>
-            </a:solidFill>
-            <a:headEnd type="none" w="med" len="med"/>
-            <a:tailEnd type="none" w="med" len="med"/>
-          </a:ln>
-          <a:effectLst/>
-        </p:spPr>
-        <p:style>
-          <a:lnRef idx="1">
-            <a:schemeClr val="accent2"/>
-          </a:lnRef>
-          <a:fillRef idx="2">
-            <a:schemeClr val="accent2"/>
-          </a:fillRef>
-          <a:effectRef idx="1">
-            <a:schemeClr val="accent2"/>
-          </a:effectRef>
-          <a:fontRef idx="minor">
-            <a:schemeClr val="dk1"/>
-          </a:fontRef>
-        </p:style>
-      </p:cxnSp>
-      <p:cxnSp>
-        <p:nvCxnSpPr>
           <p:cNvPr id="82" name="Elbow Connector 63"/>
           <p:cNvCxnSpPr>
             <a:stCxn id="16" idx="3"/>
@@ -9402,8 +9377,8 @@
         </p:nvCxnSpPr>
         <p:spPr>
           <a:xfrm rot="16200000" flipH="1">
-            <a:off x="3430123" y="3938021"/>
-            <a:ext cx="118421" cy="699979"/>
+            <a:off x="3421633" y="4054037"/>
+            <a:ext cx="179831" cy="719495"/>
           </a:xfrm>
           <a:prstGeom prst="bentConnector2">
             <a:avLst/>
@@ -9443,8 +9418,8 @@
         </p:nvCxnSpPr>
         <p:spPr>
           <a:xfrm rot="5400000">
-            <a:off x="3695875" y="2276286"/>
-            <a:ext cx="1824381" cy="1843808"/>
+            <a:off x="3654569" y="2330050"/>
+            <a:ext cx="1919450" cy="1831351"/>
           </a:xfrm>
           <a:prstGeom prst="bentConnector2">
             <a:avLst/>
@@ -9669,8 +9644,200 @@
         </p:nvSpPr>
         <p:spPr>
           <a:xfrm flipV="1">
-            <a:off x="4114799" y="4472708"/>
-            <a:ext cx="2642195" cy="101600"/>
+            <a:off x="5132615" y="4454007"/>
+            <a:ext cx="1588291" cy="179628"/>
+          </a:xfrm>
+          <a:custGeom>
+            <a:avLst/>
+            <a:gdLst>
+              <a:gd name="connsiteX0" fmla="*/ 0 w 3048000"/>
+              <a:gd name="connsiteY0" fmla="*/ 203200 h 203200"/>
+              <a:gd name="connsiteX1" fmla="*/ 221673 w 3048000"/>
+              <a:gd name="connsiteY1" fmla="*/ 0 h 203200"/>
+              <a:gd name="connsiteX2" fmla="*/ 3048000 w 3048000"/>
+              <a:gd name="connsiteY2" fmla="*/ 0 h 203200"/>
+            </a:gdLst>
+            <a:ahLst/>
+            <a:cxnLst>
+              <a:cxn ang="0">
+                <a:pos x="connsiteX0" y="connsiteY0"/>
+              </a:cxn>
+              <a:cxn ang="0">
+                <a:pos x="connsiteX1" y="connsiteY1"/>
+              </a:cxn>
+              <a:cxn ang="0">
+                <a:pos x="connsiteX2" y="connsiteY2"/>
+              </a:cxn>
+            </a:cxnLst>
+            <a:rect l="l" t="t" r="r" b="b"/>
+            <a:pathLst>
+              <a:path w="3048000" h="203200">
+                <a:moveTo>
+                  <a:pt x="0" y="203200"/>
+                </a:moveTo>
+                <a:lnTo>
+                  <a:pt x="221673" y="0"/>
+                </a:lnTo>
+                <a:lnTo>
+                  <a:pt x="3048000" y="0"/>
+                </a:lnTo>
+              </a:path>
+            </a:pathLst>
+          </a:custGeom>
+          <a:noFill/>
+          <a:ln w="19050">
+            <a:solidFill>
+              <a:schemeClr val="accent3"/>
+            </a:solidFill>
+            <a:prstDash val="sysDot"/>
+            <a:headEnd type="none" w="med" len="med"/>
+            <a:tailEnd type="arrow" w="med" len="med"/>
+          </a:ln>
+          <a:effectLst/>
+        </p:spPr>
+        <p:style>
+          <a:lnRef idx="1">
+            <a:schemeClr val="accent2"/>
+          </a:lnRef>
+          <a:fillRef idx="2">
+            <a:schemeClr val="accent2"/>
+          </a:fillRef>
+          <a:effectRef idx="1">
+            <a:schemeClr val="accent2"/>
+          </a:effectRef>
+          <a:fontRef idx="minor">
+            <a:schemeClr val="dk1"/>
+          </a:fontRef>
+        </p:style>
+        <p:txBody>
+          <a:bodyPr rtlCol="0" anchor="ctr"/>
+          <a:lstStyle/>
+          <a:p>
+            <a:pPr algn="ctr"/>
+            <a:endParaRPr lang="en-SG"/>
+          </a:p>
+        </p:txBody>
+      </p:sp>
+      <p:cxnSp>
+        <p:nvCxnSpPr>
+          <p:cNvPr id="59" name="Elbow Connector 58"/>
+          <p:cNvCxnSpPr/>
+          <p:nvPr/>
+        </p:nvCxnSpPr>
+        <p:spPr>
+          <a:xfrm>
+            <a:off x="2986316" y="3885205"/>
+            <a:ext cx="901982" cy="91393"/>
+          </a:xfrm>
+          <a:prstGeom prst="bentConnector3">
+            <a:avLst>
+              <a:gd name="adj1" fmla="val 50000"/>
+            </a:avLst>
+          </a:prstGeom>
+          <a:ln w="19050">
+            <a:solidFill>
+              <a:schemeClr val="accent3"/>
+            </a:solidFill>
+            <a:headEnd type="none" w="med" len="med"/>
+            <a:tailEnd type="arrow" w="med" len="med"/>
+          </a:ln>
+          <a:effectLst/>
+        </p:spPr>
+        <p:style>
+          <a:lnRef idx="1">
+            <a:schemeClr val="accent2"/>
+          </a:lnRef>
+          <a:fillRef idx="2">
+            <a:schemeClr val="accent2"/>
+          </a:fillRef>
+          <a:effectRef idx="1">
+            <a:schemeClr val="accent2"/>
+          </a:effectRef>
+          <a:fontRef idx="minor">
+            <a:schemeClr val="dk1"/>
+          </a:fontRef>
+        </p:style>
+      </p:cxnSp>
+      <p:sp>
+        <p:nvSpPr>
+          <p:cNvPr id="61" name="Rectangle 11"/>
+          <p:cNvSpPr/>
+          <p:nvPr/>
+        </p:nvSpPr>
+        <p:spPr>
+          <a:xfrm>
+            <a:off x="3874718" y="3853382"/>
+            <a:ext cx="1244547" cy="269970"/>
+          </a:xfrm>
+          <a:prstGeom prst="rect">
+            <a:avLst/>
+          </a:prstGeom>
+          <a:ln w="19050">
+            <a:solidFill>
+              <a:schemeClr val="accent3"/>
+            </a:solidFill>
+          </a:ln>
+          <a:effectLst/>
+        </p:spPr>
+        <p:style>
+          <a:lnRef idx="1">
+            <a:schemeClr val="accent3"/>
+          </a:lnRef>
+          <a:fillRef idx="2">
+            <a:schemeClr val="accent3"/>
+          </a:fillRef>
+          <a:effectRef idx="1">
+            <a:schemeClr val="accent3"/>
+          </a:effectRef>
+          <a:fontRef idx="minor">
+            <a:schemeClr val="dk1"/>
+          </a:fontRef>
+        </p:style>
+        <p:txBody>
+          <a:bodyPr rtlCol="0" anchor="ctr"/>
+          <a:lstStyle/>
+          <a:p>
+            <a:pPr algn="ctr"/>
+            <a:r>
+              <a:rPr lang="en-US" sz="1050" b="1" dirty="0" err="1">
+                <a:solidFill>
+                  <a:schemeClr val="accent3">
+                    <a:lumMod val="75000"/>
+                  </a:schemeClr>
+                </a:solidFill>
+              </a:rPr>
+              <a:t>D</a:t>
+            </a:r>
+            <a:r>
+              <a:rPr lang="en-US" sz="1050" b="1" dirty="0" err="1" smtClean="0">
+                <a:solidFill>
+                  <a:schemeClr val="accent3">
+                    <a:lumMod val="75000"/>
+                  </a:schemeClr>
+                </a:solidFill>
+              </a:rPr>
+              <a:t>atedTaskCard</a:t>
+            </a:r>
+            <a:endParaRPr lang="en-SG" sz="1050" b="1" dirty="0">
+              <a:solidFill>
+                <a:schemeClr val="accent3">
+                  <a:lumMod val="75000"/>
+                </a:schemeClr>
+              </a:solidFill>
+            </a:endParaRPr>
+          </a:p>
+        </p:txBody>
+      </p:sp>
+      <p:sp>
+        <p:nvSpPr>
+          <p:cNvPr id="64" name="Freeform 63"/>
+          <p:cNvSpPr/>
+          <p:nvPr/>
+        </p:nvSpPr>
+        <p:spPr>
+          <a:xfrm flipV="1">
+            <a:off x="5119264" y="3915692"/>
+            <a:ext cx="1584403" cy="356743"/>
           </a:xfrm>
           <a:custGeom>
             <a:avLst/>
@@ -10273,8 +10440,8 @@
         </p:nvSpPr>
         <p:spPr>
           <a:xfrm flipH="1">
-            <a:off x="6180590" y="3860800"/>
-            <a:ext cx="1093635" cy="346760"/>
+            <a:off x="6180589" y="3860800"/>
+            <a:ext cx="1183481" cy="346760"/>
           </a:xfrm>
           <a:prstGeom prst="rect">
             <a:avLst/>
@@ -10306,12 +10473,20 @@
           <a:p>
             <a:pPr algn="ctr"/>
             <a:r>
-              <a:rPr lang="en-US" sz="1050" b="1" dirty="0">
+              <a:rPr lang="en-US" sz="1050" b="1" smtClean="0">
                 <a:solidFill>
                   <a:srgbClr val="0070C0"/>
                 </a:solidFill>
               </a:rPr>
-              <a:t>…</a:t>
+              <a:t>Delete</a:t>
+            </a:r>
+            <a:r>
+              <a:rPr lang="en-US" sz="1050" b="1" smtClean="0">
+                <a:solidFill>
+                  <a:srgbClr val="0070C0"/>
+                </a:solidFill>
+              </a:rPr>
+              <a:t>Command</a:t>
             </a:r>
             <a:endParaRPr lang="en-SG" sz="1050" b="1" dirty="0">
               <a:solidFill>
@@ -10447,7 +10622,7 @@
         <p:spPr>
           <a:xfrm>
             <a:off x="5786402" y="3900974"/>
-            <a:ext cx="394188" cy="133206"/>
+            <a:ext cx="394187" cy="133206"/>
           </a:xfrm>
           <a:prstGeom prst="bentConnector3">
             <a:avLst>
@@ -12280,7 +12455,6 @@
               <a:rPr lang="en-US" dirty="0"/>
               <a:t>execute()</a:t>
             </a:r>
-            <a:endParaRPr lang="en-US" dirty="0"/>
           </a:p>
         </p:txBody>
       </p:sp>
@@ -12797,7 +12971,7 @@
                   <a:srgbClr val="7030A0"/>
                 </a:solidFill>
               </a:rPr>
-              <a:t>deletePerson</a:t>
+              <a:t>deleteTask</a:t>
             </a:r>
             <a:r>
               <a:rPr lang="en-US" dirty="0" smtClean="0">
@@ -12805,7 +12979,7 @@
                   <a:srgbClr val="7030A0"/>
                 </a:solidFill>
               </a:rPr>
-              <a:t>(p)</a:t>
+              <a:t>(t)</a:t>
             </a:r>
             <a:endParaRPr lang="en-US" dirty="0">
               <a:solidFill>
@@ -13936,7 +14110,7 @@
                   <a:srgbClr val="7030A0"/>
                 </a:solidFill>
               </a:rPr>
-              <a:t>AddressBook</a:t>
+              <a:t>TaskManager</a:t>
             </a:r>
             <a:endParaRPr lang="en-SG" sz="1050" dirty="0">
               <a:solidFill>
@@ -14078,7 +14252,7 @@
                   <a:srgbClr val="7030A0"/>
                 </a:solidFill>
               </a:rPr>
-              <a:t>UniquePersonList</a:t>
+              <a:t>UniqueTaskList</a:t>
             </a:r>
             <a:endParaRPr lang="en-SG" sz="1050" dirty="0">
               <a:solidFill>
@@ -14321,7 +14495,7 @@
                   <a:srgbClr val="7030A0"/>
                 </a:solidFill>
               </a:rPr>
-              <a:t>Person</a:t>
+              <a:t>Task</a:t>
             </a:r>
             <a:endParaRPr lang="en-SG" sz="1050" dirty="0">
               <a:solidFill>
@@ -14620,7 +14794,7 @@
                   <a:srgbClr val="7030A0"/>
                 </a:solidFill>
               </a:rPr>
-              <a:t>ReadOnlyPerson</a:t>
+              <a:t>ReadOnlyTask</a:t>
             </a:r>
             <a:endParaRPr lang="en-SG" sz="1050" dirty="0">
               <a:solidFill>
@@ -14782,8 +14956,8 @@
         </p:nvSpPr>
         <p:spPr>
           <a:xfrm>
-            <a:off x="7712397" y="2887216"/>
-            <a:ext cx="708186" cy="285783"/>
+            <a:off x="7712396" y="2887216"/>
+            <a:ext cx="822003" cy="285783"/>
           </a:xfrm>
           <a:prstGeom prst="rect">
             <a:avLst/>
@@ -14820,7 +14994,7 @@
                   <a:srgbClr val="7030A0"/>
                 </a:solidFill>
               </a:rPr>
-              <a:t>Phone</a:t>
+              <a:t>Description</a:t>
             </a:r>
             <a:endParaRPr lang="en-SG" sz="1050" dirty="0">
               <a:solidFill>
@@ -14842,7 +15016,7 @@
         <p:spPr>
           <a:xfrm flipV="1">
             <a:off x="7277995" y="3030108"/>
-            <a:ext cx="434402" cy="4783"/>
+            <a:ext cx="434401" cy="4783"/>
           </a:xfrm>
           <a:prstGeom prst="bentConnector3">
             <a:avLst/>
@@ -14912,12 +15086,12 @@
           <a:p>
             <a:pPr algn="ctr"/>
             <a:r>
-              <a:rPr lang="en-US" sz="1050" dirty="0" smtClean="0">
+              <a:rPr lang="en-US" sz="1050" dirty="0" err="1" smtClean="0">
                 <a:solidFill>
                   <a:srgbClr val="7030A0"/>
                 </a:solidFill>
               </a:rPr>
-              <a:t>Email</a:t>
+              <a:t>Datetime</a:t>
             </a:r>
             <a:endParaRPr lang="en-SG" sz="1050" dirty="0">
               <a:solidFill>
@@ -15014,7 +15188,7 @@
                   <a:srgbClr val="7030A0"/>
                 </a:solidFill>
               </a:rPr>
-              <a:t>Address</a:t>
+              <a:t>Status</a:t>
             </a:r>
          